--- a/Hands-On -Chaos - SLIDES.pptx
+++ b/Hands-On -Chaos - SLIDES.pptx
@@ -6,10 +6,10 @@
     <p:sldMasterId id="2147483660" r:id="rId2"/>
   </p:sldMasterIdLst>
   <p:notesMasterIdLst>
-    <p:notesMasterId r:id="rId28"/>
+    <p:notesMasterId r:id="rId29"/>
   </p:notesMasterIdLst>
   <p:handoutMasterIdLst>
-    <p:handoutMasterId r:id="rId29"/>
+    <p:handoutMasterId r:id="rId30"/>
   </p:handoutMasterIdLst>
   <p:sldIdLst>
     <p:sldId id="288" r:id="rId3"/>
@@ -17,26 +17,27 @@
     <p:sldId id="330" r:id="rId5"/>
     <p:sldId id="315" r:id="rId6"/>
     <p:sldId id="332" r:id="rId7"/>
-    <p:sldId id="333" r:id="rId8"/>
-    <p:sldId id="339" r:id="rId9"/>
-    <p:sldId id="334" r:id="rId10"/>
-    <p:sldId id="335" r:id="rId11"/>
-    <p:sldId id="336" r:id="rId12"/>
-    <p:sldId id="337" r:id="rId13"/>
-    <p:sldId id="338" r:id="rId14"/>
-    <p:sldId id="340" r:id="rId15"/>
-    <p:sldId id="341" r:id="rId16"/>
-    <p:sldId id="342" r:id="rId17"/>
-    <p:sldId id="343" r:id="rId18"/>
-    <p:sldId id="344" r:id="rId19"/>
-    <p:sldId id="345" r:id="rId20"/>
-    <p:sldId id="346" r:id="rId21"/>
-    <p:sldId id="347" r:id="rId22"/>
-    <p:sldId id="348" r:id="rId23"/>
-    <p:sldId id="350" r:id="rId24"/>
-    <p:sldId id="349" r:id="rId25"/>
-    <p:sldId id="313" r:id="rId26"/>
-    <p:sldId id="325" r:id="rId27"/>
+    <p:sldId id="351" r:id="rId8"/>
+    <p:sldId id="333" r:id="rId9"/>
+    <p:sldId id="339" r:id="rId10"/>
+    <p:sldId id="334" r:id="rId11"/>
+    <p:sldId id="335" r:id="rId12"/>
+    <p:sldId id="336" r:id="rId13"/>
+    <p:sldId id="337" r:id="rId14"/>
+    <p:sldId id="338" r:id="rId15"/>
+    <p:sldId id="340" r:id="rId16"/>
+    <p:sldId id="341" r:id="rId17"/>
+    <p:sldId id="342" r:id="rId18"/>
+    <p:sldId id="343" r:id="rId19"/>
+    <p:sldId id="344" r:id="rId20"/>
+    <p:sldId id="345" r:id="rId21"/>
+    <p:sldId id="346" r:id="rId22"/>
+    <p:sldId id="347" r:id="rId23"/>
+    <p:sldId id="348" r:id="rId24"/>
+    <p:sldId id="350" r:id="rId25"/>
+    <p:sldId id="349" r:id="rId26"/>
+    <p:sldId id="313" r:id="rId27"/>
+    <p:sldId id="325" r:id="rId28"/>
   </p:sldIdLst>
   <p:sldSz cx="12192000" cy="6858000"/>
   <p:notesSz cx="6858000" cy="9144000"/>
@@ -149,6 +150,7 @@
             <p14:sldId id="330"/>
             <p14:sldId id="315"/>
             <p14:sldId id="332"/>
+            <p14:sldId id="351"/>
             <p14:sldId id="333"/>
             <p14:sldId id="339"/>
             <p14:sldId id="334"/>
@@ -276,7 +278,7 @@
           <a:p>
             <a:fld id="{BCD16842-9240-4F97-A128-A3FC2E90277F}" type="datetimeFigureOut">
               <a:rPr lang="fr-FR" smtClean="0"/>
-              <a:t>03/01/2020</a:t>
+              <a:t>10/01/2020</a:t>
             </a:fld>
             <a:endParaRPr lang="fr-FR"/>
           </a:p>
@@ -441,7 +443,7 @@
           <a:p>
             <a:fld id="{066C0EB5-041C-4328-9080-E341B2C6238F}" type="datetimeFigureOut">
               <a:rPr lang="fr-FR" smtClean="0"/>
-              <a:t>03/01/2020</a:t>
+              <a:t>10/01/2020</a:t>
             </a:fld>
             <a:endParaRPr lang="fr-FR"/>
           </a:p>
@@ -983,6 +985,98 @@
     </p:spTree>
     <p:extLst>
       <p:ext uri="{BB962C8B-B14F-4D97-AF65-F5344CB8AC3E}">
+        <p14:creationId xmlns:p14="http://schemas.microsoft.com/office/powerpoint/2010/main" val="816172731"/>
+      </p:ext>
+    </p:extLst>
+  </p:cSld>
+  <p:clrMapOvr>
+    <a:masterClrMapping/>
+  </p:clrMapOvr>
+</p:notes>
+</file>
+
+<file path=ppt/notesSlides/notesSlide11.xml><?xml version="1.0" encoding="utf-8"?>
+<p:notes xmlns:a="http://schemas.openxmlformats.org/drawingml/2006/main" xmlns:r="http://schemas.openxmlformats.org/officeDocument/2006/relationships" xmlns:p="http://schemas.openxmlformats.org/presentationml/2006/main">
+  <p:cSld>
+    <p:spTree>
+      <p:nvGrpSpPr>
+        <p:cNvPr id="1" name=""/>
+        <p:cNvGrpSpPr/>
+        <p:nvPr/>
+      </p:nvGrpSpPr>
+      <p:grpSpPr>
+        <a:xfrm>
+          <a:off x="0" y="0"/>
+          <a:ext cx="0" cy="0"/>
+          <a:chOff x="0" y="0"/>
+          <a:chExt cx="0" cy="0"/>
+        </a:xfrm>
+      </p:grpSpPr>
+      <p:sp>
+        <p:nvSpPr>
+          <p:cNvPr id="2" name="Espace réservé de l'image des diapositives 1"/>
+          <p:cNvSpPr>
+            <a:spLocks noGrp="1" noRot="1" noChangeAspect="1"/>
+          </p:cNvSpPr>
+          <p:nvPr>
+            <p:ph type="sldImg"/>
+          </p:nvPr>
+        </p:nvSpPr>
+        <p:spPr/>
+      </p:sp>
+      <p:sp>
+        <p:nvSpPr>
+          <p:cNvPr id="3" name="Espace réservé des notes 2"/>
+          <p:cNvSpPr>
+            <a:spLocks noGrp="1"/>
+          </p:cNvSpPr>
+          <p:nvPr>
+            <p:ph type="body" idx="1"/>
+          </p:nvPr>
+        </p:nvSpPr>
+        <p:spPr/>
+        <p:txBody>
+          <a:bodyPr/>
+          <a:lstStyle/>
+          <a:p>
+            <a:r>
+              <a:rPr lang="fr-FR" dirty="0" err="1" smtClean="0"/>
+              <a:t>Istio</a:t>
+            </a:r>
+            <a:r>
+              <a:rPr lang="fr-FR" dirty="0" smtClean="0"/>
+              <a:t> ?</a:t>
+            </a:r>
+            <a:endParaRPr lang="fr-FR" dirty="0"/>
+          </a:p>
+        </p:txBody>
+      </p:sp>
+      <p:sp>
+        <p:nvSpPr>
+          <p:cNvPr id="4" name="Espace réservé du numéro de diapositive 3"/>
+          <p:cNvSpPr>
+            <a:spLocks noGrp="1"/>
+          </p:cNvSpPr>
+          <p:nvPr>
+            <p:ph type="sldNum" sz="quarter" idx="10"/>
+          </p:nvPr>
+        </p:nvSpPr>
+        <p:spPr/>
+        <p:txBody>
+          <a:bodyPr/>
+          <a:lstStyle/>
+          <a:p>
+            <a:fld id="{B35DA622-522A-4B17-9AC4-B01778B7071C}" type="slidenum">
+              <a:rPr lang="fr-FR" smtClean="0"/>
+              <a:t>23</a:t>
+            </a:fld>
+            <a:endParaRPr lang="fr-FR"/>
+          </a:p>
+        </p:txBody>
+      </p:sp>
+    </p:spTree>
+    <p:extLst>
+      <p:ext uri="{BB962C8B-B14F-4D97-AF65-F5344CB8AC3E}">
         <p14:creationId xmlns:p14="http://schemas.microsoft.com/office/powerpoint/2010/main" val="3457319006"/>
       </p:ext>
     </p:extLst>
@@ -1500,28 +1594,6 @@
           <a:bodyPr/>
           <a:lstStyle/>
           <a:p>
-            <a:r>
-              <a:rPr lang="fr-FR" dirty="0">
-                <a:hlinkClick r:id="rId3"/>
-              </a:rPr>
-              <a:t>https://</a:t>
-            </a:r>
-            <a:r>
-              <a:rPr lang="fr-FR" dirty="0" smtClean="0">
-                <a:hlinkClick r:id="rId3"/>
-              </a:rPr>
-              <a:t>assistant-us-south.watsonplatform.net/eu-gb/000c8e94-bdeb-4038-adb8-f6c3132eb7b6/workspaces/ed0bdd7c-aff6-4a08-ab19-0c529ae2d11a/build/intents</a:t>
-            </a:r>
-            <a:r>
-              <a:rPr lang="fr-FR" dirty="0" smtClean="0"/>
-              <a:t> </a:t>
-            </a:r>
-          </a:p>
-          <a:p>
-            <a:r>
-              <a:rPr lang="fr-FR" dirty="0" smtClean="0"/>
-              <a:t>Alors Polo on se connecte à IBM ? ? ?</a:t>
-            </a:r>
             <a:endParaRPr lang="fr-FR" dirty="0"/>
           </a:p>
         </p:txBody>
@@ -1543,7 +1615,7 @@
           <a:p>
             <a:fld id="{B35DA622-522A-4B17-9AC4-B01778B7071C}" type="slidenum">
               <a:rPr lang="fr-FR" smtClean="0"/>
-              <a:t>10</a:t>
+              <a:t>6</a:t>
             </a:fld>
             <a:endParaRPr lang="fr-FR"/>
           </a:p>
@@ -1552,7 +1624,7 @@
     </p:spTree>
     <p:extLst>
       <p:ext uri="{BB962C8B-B14F-4D97-AF65-F5344CB8AC3E}">
-        <p14:creationId xmlns:p14="http://schemas.microsoft.com/office/powerpoint/2010/main" val="2271656457"/>
+        <p14:creationId xmlns:p14="http://schemas.microsoft.com/office/powerpoint/2010/main" val="3183962232"/>
       </p:ext>
     </p:extLst>
   </p:cSld>
@@ -1607,111 +1679,27 @@
           <a:lstStyle/>
           <a:p>
             <a:r>
+              <a:rPr lang="fr-FR" dirty="0">
+                <a:hlinkClick r:id="rId3"/>
+              </a:rPr>
+              <a:t>https://</a:t>
+            </a:r>
+            <a:r>
+              <a:rPr lang="fr-FR" dirty="0" smtClean="0">
+                <a:hlinkClick r:id="rId3"/>
+              </a:rPr>
+              <a:t>assistant-us-south.watsonplatform.net/eu-gb/000c8e94-bdeb-4038-adb8-f6c3132eb7b6/workspaces/ed0bdd7c-aff6-4a08-ab19-0c529ae2d11a/build/intents</a:t>
+            </a:r>
+            <a:r>
               <a:rPr lang="fr-FR" dirty="0" smtClean="0"/>
-              <a:t>Chaos</a:t>
-            </a:r>
-            <a:r>
-              <a:rPr lang="fr-FR" baseline="0" dirty="0" smtClean="0"/>
               <a:t> </a:t>
             </a:r>
-            <a:r>
-              <a:rPr lang="fr-FR" baseline="0" dirty="0" err="1" smtClean="0"/>
-              <a:t>monkey</a:t>
-            </a:r>
-            <a:r>
-              <a:rPr lang="fr-FR" baseline="0" dirty="0" smtClean="0"/>
-              <a:t> : outil </a:t>
-            </a:r>
-            <a:r>
-              <a:rPr lang="fr-FR" baseline="0" dirty="0" err="1" smtClean="0"/>
-              <a:t>netflix</a:t>
-            </a:r>
-            <a:r>
-              <a:rPr lang="fr-FR" baseline="0" dirty="0" smtClean="0"/>
-              <a:t> pour tester la résilience</a:t>
-            </a:r>
-          </a:p>
-          <a:p>
-            <a:r>
-              <a:rPr lang="fr-FR" baseline="0" dirty="0" smtClean="0"/>
-              <a:t>Si une appli fonctionne avec des pannes </a:t>
-            </a:r>
-            <a:r>
-              <a:rPr lang="fr-FR" baseline="0" dirty="0" err="1" smtClean="0"/>
-              <a:t>aleatoire</a:t>
-            </a:r>
-            <a:r>
-              <a:rPr lang="fr-FR" baseline="0" dirty="0" smtClean="0"/>
-              <a:t>, elle fonctionnera le jour ou une vrai panne arrivera</a:t>
-            </a:r>
-          </a:p>
-          <a:p>
-            <a:r>
-              <a:rPr lang="fr-FR" baseline="0" dirty="0" err="1" smtClean="0"/>
-              <a:t>Ajd</a:t>
-            </a:r>
-            <a:r>
-              <a:rPr lang="fr-FR" baseline="0" dirty="0" smtClean="0"/>
-              <a:t>, les applis vont forcement tomber en panne</a:t>
-            </a:r>
-          </a:p>
-          <a:p>
-            <a:r>
-              <a:rPr lang="fr-FR" baseline="0" dirty="0" smtClean="0"/>
-              <a:t>Utiliser en </a:t>
-            </a:r>
-            <a:r>
-              <a:rPr lang="fr-FR" baseline="0" dirty="0" err="1" smtClean="0"/>
-              <a:t>prod</a:t>
-            </a:r>
-            <a:r>
-              <a:rPr lang="fr-FR" baseline="0" dirty="0" smtClean="0"/>
-              <a:t> chez </a:t>
-            </a:r>
-            <a:r>
-              <a:rPr lang="fr-FR" baseline="0" dirty="0" err="1" smtClean="0"/>
-              <a:t>neflix</a:t>
-            </a:r>
-            <a:endParaRPr lang="fr-FR" baseline="0" dirty="0" smtClean="0"/>
-          </a:p>
-          <a:p>
-            <a:endParaRPr lang="fr-FR" baseline="0" dirty="0" smtClean="0"/>
-          </a:p>
-          <a:p>
-            <a:r>
-              <a:rPr lang="fr-FR" baseline="0" dirty="0" err="1" smtClean="0"/>
-              <a:t>Gatling</a:t>
-            </a:r>
-            <a:r>
-              <a:rPr lang="fr-FR" baseline="0" dirty="0" smtClean="0"/>
-              <a:t>:</a:t>
-            </a:r>
-          </a:p>
-          <a:p>
-            <a:r>
-              <a:rPr lang="fr-FR" baseline="0" dirty="0" smtClean="0"/>
-              <a:t>Outil open source test de charge et de performance</a:t>
-            </a:r>
-          </a:p>
-          <a:p>
-            <a:r>
-              <a:rPr lang="fr-FR" baseline="0" dirty="0" err="1" smtClean="0"/>
-              <a:t>Repository</a:t>
-            </a:r>
-            <a:r>
-              <a:rPr lang="fr-FR" baseline="0" dirty="0" smtClean="0"/>
-              <a:t>  starter disponible sur </a:t>
-            </a:r>
-            <a:r>
-              <a:rPr lang="fr-FR" baseline="0" dirty="0" err="1" smtClean="0"/>
-              <a:t>github</a:t>
-            </a:r>
-            <a:endParaRPr lang="fr-FR" baseline="0" dirty="0" smtClean="0"/>
-          </a:p>
-          <a:p>
-            <a:endParaRPr lang="fr-FR" baseline="0" dirty="0" smtClean="0"/>
-          </a:p>
-          <a:p>
+          </a:p>
+          <a:p>
+            <a:r>
+              <a:rPr lang="fr-FR" dirty="0" smtClean="0"/>
+              <a:t>Alors Polo on se connecte à IBM ? ? ?</a:t>
+            </a:r>
             <a:endParaRPr lang="fr-FR" dirty="0"/>
           </a:p>
         </p:txBody>
@@ -1733,7 +1721,7 @@
           <a:p>
             <a:fld id="{B35DA622-522A-4B17-9AC4-B01778B7071C}" type="slidenum">
               <a:rPr lang="fr-FR" smtClean="0"/>
-              <a:t>13</a:t>
+              <a:t>11</a:t>
             </a:fld>
             <a:endParaRPr lang="fr-FR"/>
           </a:p>
@@ -1742,7 +1730,7 @@
     </p:spTree>
     <p:extLst>
       <p:ext uri="{BB962C8B-B14F-4D97-AF65-F5344CB8AC3E}">
-        <p14:creationId xmlns:p14="http://schemas.microsoft.com/office/powerpoint/2010/main" val="1516938095"/>
+        <p14:creationId xmlns:p14="http://schemas.microsoft.com/office/powerpoint/2010/main" val="2271656457"/>
       </p:ext>
     </p:extLst>
   </p:cSld>
@@ -1798,20 +1786,110 @@
           <a:p>
             <a:r>
               <a:rPr lang="fr-FR" dirty="0" smtClean="0"/>
-              <a:t>Je</a:t>
+              <a:t>Chaos</a:t>
             </a:r>
             <a:r>
               <a:rPr lang="fr-FR" baseline="0" dirty="0" smtClean="0"/>
-              <a:t> vais rajouter un </a:t>
+              <a:t> </a:t>
             </a:r>
             <a:r>
               <a:rPr lang="fr-FR" baseline="0" dirty="0" err="1" smtClean="0"/>
-              <a:t>screen</a:t>
+              <a:t>monkey</a:t>
             </a:r>
             <a:r>
               <a:rPr lang="fr-FR" baseline="0" dirty="0" smtClean="0"/>
-              <a:t> ce soir</a:t>
-            </a:r>
+              <a:t> : outil </a:t>
+            </a:r>
+            <a:r>
+              <a:rPr lang="fr-FR" baseline="0" dirty="0" err="1" smtClean="0"/>
+              <a:t>netflix</a:t>
+            </a:r>
+            <a:r>
+              <a:rPr lang="fr-FR" baseline="0" dirty="0" smtClean="0"/>
+              <a:t> pour tester la résilience</a:t>
+            </a:r>
+          </a:p>
+          <a:p>
+            <a:r>
+              <a:rPr lang="fr-FR" baseline="0" dirty="0" smtClean="0"/>
+              <a:t>Si une appli fonctionne avec des pannes </a:t>
+            </a:r>
+            <a:r>
+              <a:rPr lang="fr-FR" baseline="0" dirty="0" err="1" smtClean="0"/>
+              <a:t>aleatoire</a:t>
+            </a:r>
+            <a:r>
+              <a:rPr lang="fr-FR" baseline="0" dirty="0" smtClean="0"/>
+              <a:t>, elle fonctionnera le jour ou une vrai panne arrivera</a:t>
+            </a:r>
+          </a:p>
+          <a:p>
+            <a:r>
+              <a:rPr lang="fr-FR" baseline="0" dirty="0" err="1" smtClean="0"/>
+              <a:t>Ajd</a:t>
+            </a:r>
+            <a:r>
+              <a:rPr lang="fr-FR" baseline="0" dirty="0" smtClean="0"/>
+              <a:t>, les applis vont forcement tomber en panne</a:t>
+            </a:r>
+          </a:p>
+          <a:p>
+            <a:r>
+              <a:rPr lang="fr-FR" baseline="0" dirty="0" smtClean="0"/>
+              <a:t>Utiliser en </a:t>
+            </a:r>
+            <a:r>
+              <a:rPr lang="fr-FR" baseline="0" dirty="0" err="1" smtClean="0"/>
+              <a:t>prod</a:t>
+            </a:r>
+            <a:r>
+              <a:rPr lang="fr-FR" baseline="0" dirty="0" smtClean="0"/>
+              <a:t> chez </a:t>
+            </a:r>
+            <a:r>
+              <a:rPr lang="fr-FR" baseline="0" dirty="0" err="1" smtClean="0"/>
+              <a:t>neflix</a:t>
+            </a:r>
+            <a:endParaRPr lang="fr-FR" baseline="0" dirty="0" smtClean="0"/>
+          </a:p>
+          <a:p>
+            <a:endParaRPr lang="fr-FR" baseline="0" dirty="0" smtClean="0"/>
+          </a:p>
+          <a:p>
+            <a:r>
+              <a:rPr lang="fr-FR" baseline="0" dirty="0" err="1" smtClean="0"/>
+              <a:t>Gatling</a:t>
+            </a:r>
+            <a:r>
+              <a:rPr lang="fr-FR" baseline="0" dirty="0" smtClean="0"/>
+              <a:t>:</a:t>
+            </a:r>
+          </a:p>
+          <a:p>
+            <a:r>
+              <a:rPr lang="fr-FR" baseline="0" dirty="0" smtClean="0"/>
+              <a:t>Outil open source test de charge et de performance</a:t>
+            </a:r>
+          </a:p>
+          <a:p>
+            <a:r>
+              <a:rPr lang="fr-FR" baseline="0" dirty="0" err="1" smtClean="0"/>
+              <a:t>Repository</a:t>
+            </a:r>
+            <a:r>
+              <a:rPr lang="fr-FR" baseline="0" dirty="0" smtClean="0"/>
+              <a:t>  starter disponible sur </a:t>
+            </a:r>
+            <a:r>
+              <a:rPr lang="fr-FR" baseline="0" dirty="0" err="1" smtClean="0"/>
+              <a:t>github</a:t>
+            </a:r>
+            <a:endParaRPr lang="fr-FR" baseline="0" dirty="0" smtClean="0"/>
+          </a:p>
+          <a:p>
+            <a:endParaRPr lang="fr-FR" baseline="0" dirty="0" smtClean="0"/>
+          </a:p>
+          <a:p>
             <a:endParaRPr lang="fr-FR" dirty="0"/>
           </a:p>
         </p:txBody>
@@ -1833,7 +1911,7 @@
           <a:p>
             <a:fld id="{B35DA622-522A-4B17-9AC4-B01778B7071C}" type="slidenum">
               <a:rPr lang="fr-FR" smtClean="0"/>
-              <a:t>15</a:t>
+              <a:t>14</a:t>
             </a:fld>
             <a:endParaRPr lang="fr-FR"/>
           </a:p>
@@ -1842,7 +1920,7 @@
     </p:spTree>
     <p:extLst>
       <p:ext uri="{BB962C8B-B14F-4D97-AF65-F5344CB8AC3E}">
-        <p14:creationId xmlns:p14="http://schemas.microsoft.com/office/powerpoint/2010/main" val="1732735965"/>
+        <p14:creationId xmlns:p14="http://schemas.microsoft.com/office/powerpoint/2010/main" val="1516938095"/>
       </p:ext>
     </p:extLst>
   </p:cSld>
@@ -1898,48 +1976,19 @@
           <a:p>
             <a:r>
               <a:rPr lang="fr-FR" dirty="0" smtClean="0"/>
-              <a:t>Chaos</a:t>
+              <a:t>Je</a:t>
             </a:r>
             <a:r>
               <a:rPr lang="fr-FR" baseline="0" dirty="0" smtClean="0"/>
-              <a:t> </a:t>
+              <a:t> vais rajouter un </a:t>
             </a:r>
             <a:r>
               <a:rPr lang="fr-FR" baseline="0" dirty="0" err="1" smtClean="0"/>
-              <a:t>monkey</a:t>
+              <a:t>screen</a:t>
             </a:r>
             <a:r>
               <a:rPr lang="fr-FR" baseline="0" dirty="0" smtClean="0"/>
-              <a:t> </a:t>
-            </a:r>
-            <a:r>
-              <a:rPr lang="fr-FR" baseline="0" dirty="0" err="1" smtClean="0"/>
-              <a:t>assault</a:t>
-            </a:r>
-            <a:r>
-              <a:rPr lang="fr-FR" baseline="0" dirty="0" smtClean="0"/>
-              <a:t> avec latence, exceptions, … exemples</a:t>
-            </a:r>
-          </a:p>
-          <a:p>
-            <a:r>
-              <a:rPr lang="fr-FR" baseline="0" dirty="0" smtClean="0"/>
-              <a:t>Exemple d’assertions </a:t>
-            </a:r>
-            <a:r>
-              <a:rPr lang="fr-FR" baseline="0" dirty="0" err="1" smtClean="0"/>
-              <a:t>Gatling</a:t>
-            </a:r>
-            <a:endParaRPr lang="fr-FR" baseline="0" dirty="0" smtClean="0"/>
-          </a:p>
-          <a:p>
-            <a:r>
-              <a:rPr lang="fr-FR" baseline="0" dirty="0" smtClean="0"/>
-              <a:t>Tir de </a:t>
-            </a:r>
-            <a:r>
-              <a:rPr lang="fr-FR" baseline="0" dirty="0" err="1" smtClean="0"/>
-              <a:t>reference</a:t>
+              <a:t> ce soir</a:t>
             </a:r>
             <a:endParaRPr lang="fr-FR" dirty="0"/>
           </a:p>
@@ -1971,7 +2020,7 @@
     </p:spTree>
     <p:extLst>
       <p:ext uri="{BB962C8B-B14F-4D97-AF65-F5344CB8AC3E}">
-        <p14:creationId xmlns:p14="http://schemas.microsoft.com/office/powerpoint/2010/main" val="2307770141"/>
+        <p14:creationId xmlns:p14="http://schemas.microsoft.com/office/powerpoint/2010/main" val="1732735965"/>
       </p:ext>
     </p:extLst>
   </p:cSld>
@@ -2027,39 +2076,49 @@
           <a:p>
             <a:r>
               <a:rPr lang="fr-FR" dirty="0" smtClean="0"/>
-              <a:t>Et encore d’autre choses comme</a:t>
-            </a:r>
-          </a:p>
-          <a:p>
-            <a:r>
-              <a:rPr lang="fr-FR" sz="1200" b="0" i="0" kern="1200" dirty="0" smtClean="0">
-                <a:solidFill>
-                  <a:schemeClr val="tx1"/>
-                </a:solidFill>
-                <a:effectLst/>
-                <a:latin typeface="+mn-lt"/>
-                <a:ea typeface="+mn-ea"/>
-                <a:cs typeface="+mn-cs"/>
-              </a:rPr>
-              <a:t>optimiser l'utilisation de votre matériel afin de maximiser les ressources requises pour l'exécution de vos applications d'entreprise</a:t>
-            </a:r>
-          </a:p>
-          <a:p>
-            <a:r>
-              <a:rPr lang="fr-FR" sz="1200" b="0" i="0" kern="1200" dirty="0" smtClean="0">
-                <a:solidFill>
-                  <a:schemeClr val="tx1"/>
-                </a:solidFill>
-                <a:effectLst/>
-                <a:latin typeface="+mn-lt"/>
-                <a:ea typeface="+mn-ea"/>
-                <a:cs typeface="+mn-cs"/>
-              </a:rPr>
-              <a:t>gérer des services de façon déclarative et garantir ainsi que les applications déployées s'exécutent toujours de la manière dont vous les avez déployées ;</a:t>
-            </a:r>
-            <a:endParaRPr lang="fr-FR" dirty="0" smtClean="0"/>
-          </a:p>
-          <a:p>
+              <a:t>Chaos</a:t>
+            </a:r>
+            <a:r>
+              <a:rPr lang="fr-FR" baseline="0" dirty="0" smtClean="0"/>
+              <a:t> </a:t>
+            </a:r>
+            <a:r>
+              <a:rPr lang="fr-FR" baseline="0" dirty="0" err="1" smtClean="0"/>
+              <a:t>monkey</a:t>
+            </a:r>
+            <a:r>
+              <a:rPr lang="fr-FR" baseline="0" dirty="0" smtClean="0"/>
+              <a:t> </a:t>
+            </a:r>
+            <a:r>
+              <a:rPr lang="fr-FR" baseline="0" dirty="0" err="1" smtClean="0"/>
+              <a:t>assault</a:t>
+            </a:r>
+            <a:r>
+              <a:rPr lang="fr-FR" baseline="0" dirty="0" smtClean="0"/>
+              <a:t> avec latence, exceptions, … exemples</a:t>
+            </a:r>
+          </a:p>
+          <a:p>
+            <a:r>
+              <a:rPr lang="fr-FR" baseline="0" dirty="0" smtClean="0"/>
+              <a:t>Exemple d’assertions </a:t>
+            </a:r>
+            <a:r>
+              <a:rPr lang="fr-FR" baseline="0" dirty="0" err="1" smtClean="0"/>
+              <a:t>Gatling</a:t>
+            </a:r>
+            <a:endParaRPr lang="fr-FR" baseline="0" dirty="0" smtClean="0"/>
+          </a:p>
+          <a:p>
+            <a:r>
+              <a:rPr lang="fr-FR" baseline="0" dirty="0" smtClean="0"/>
+              <a:t>Tir de </a:t>
+            </a:r>
+            <a:r>
+              <a:rPr lang="fr-FR" baseline="0" dirty="0" err="1" smtClean="0"/>
+              <a:t>reference</a:t>
+            </a:r>
             <a:endParaRPr lang="fr-FR" dirty="0"/>
           </a:p>
         </p:txBody>
@@ -2081,7 +2140,7 @@
           <a:p>
             <a:fld id="{B35DA622-522A-4B17-9AC4-B01778B7071C}" type="slidenum">
               <a:rPr lang="fr-FR" smtClean="0"/>
-              <a:t>18</a:t>
+              <a:t>17</a:t>
             </a:fld>
             <a:endParaRPr lang="fr-FR"/>
           </a:p>
@@ -2090,7 +2149,7 @@
     </p:spTree>
     <p:extLst>
       <p:ext uri="{BB962C8B-B14F-4D97-AF65-F5344CB8AC3E}">
-        <p14:creationId xmlns:p14="http://schemas.microsoft.com/office/powerpoint/2010/main" val="1204782167"/>
+        <p14:creationId xmlns:p14="http://schemas.microsoft.com/office/powerpoint/2010/main" val="2307770141"/>
       </p:ext>
     </p:extLst>
   </p:cSld>
@@ -2146,20 +2205,39 @@
           <a:p>
             <a:r>
               <a:rPr lang="fr-FR" dirty="0" smtClean="0"/>
-              <a:t>Je</a:t>
-            </a:r>
-            <a:r>
-              <a:rPr lang="fr-FR" baseline="0" dirty="0" smtClean="0"/>
-              <a:t> vais rajouter un </a:t>
-            </a:r>
-            <a:r>
-              <a:rPr lang="fr-FR" baseline="0" dirty="0" err="1" smtClean="0"/>
-              <a:t>screen</a:t>
-            </a:r>
-            <a:r>
-              <a:rPr lang="fr-FR" baseline="0" dirty="0" smtClean="0"/>
-              <a:t> ce soir</a:t>
-            </a:r>
+              <a:t>Et encore d’autre choses comme</a:t>
+            </a:r>
+          </a:p>
+          <a:p>
+            <a:r>
+              <a:rPr lang="fr-FR" sz="1200" b="0" i="0" kern="1200" dirty="0" smtClean="0">
+                <a:solidFill>
+                  <a:schemeClr val="tx1"/>
+                </a:solidFill>
+                <a:effectLst/>
+                <a:latin typeface="+mn-lt"/>
+                <a:ea typeface="+mn-ea"/>
+                <a:cs typeface="+mn-cs"/>
+              </a:rPr>
+              <a:t>optimiser l'utilisation de votre matériel afin de maximiser les ressources requises pour l'exécution de vos applications d'entreprise</a:t>
+            </a:r>
+          </a:p>
+          <a:p>
+            <a:r>
+              <a:rPr lang="fr-FR" sz="1200" b="0" i="0" kern="1200" dirty="0" smtClean="0">
+                <a:solidFill>
+                  <a:schemeClr val="tx1"/>
+                </a:solidFill>
+                <a:effectLst/>
+                <a:latin typeface="+mn-lt"/>
+                <a:ea typeface="+mn-ea"/>
+                <a:cs typeface="+mn-cs"/>
+              </a:rPr>
+              <a:t>gérer des services de façon déclarative et garantir ainsi que les applications déployées s'exécutent toujours de la manière dont vous les avez déployées ;</a:t>
+            </a:r>
+            <a:endParaRPr lang="fr-FR" dirty="0" smtClean="0"/>
+          </a:p>
+          <a:p>
             <a:endParaRPr lang="fr-FR" dirty="0"/>
           </a:p>
         </p:txBody>
@@ -2181,7 +2259,7 @@
           <a:p>
             <a:fld id="{B35DA622-522A-4B17-9AC4-B01778B7071C}" type="slidenum">
               <a:rPr lang="fr-FR" smtClean="0"/>
-              <a:t>20</a:t>
+              <a:t>19</a:t>
             </a:fld>
             <a:endParaRPr lang="fr-FR"/>
           </a:p>
@@ -2190,7 +2268,7 @@
     </p:spTree>
     <p:extLst>
       <p:ext uri="{BB962C8B-B14F-4D97-AF65-F5344CB8AC3E}">
-        <p14:creationId xmlns:p14="http://schemas.microsoft.com/office/powerpoint/2010/main" val="2807718690"/>
+        <p14:creationId xmlns:p14="http://schemas.microsoft.com/office/powerpoint/2010/main" val="1204782167"/>
       </p:ext>
     </p:extLst>
   </p:cSld>
@@ -2245,12 +2323,20 @@
           <a:lstStyle/>
           <a:p>
             <a:r>
-              <a:rPr lang="fr-FR" dirty="0" err="1" smtClean="0"/>
-              <a:t>Istio</a:t>
-            </a:r>
-            <a:r>
               <a:rPr lang="fr-FR" dirty="0" smtClean="0"/>
-              <a:t> ?</a:t>
+              <a:t>Je</a:t>
+            </a:r>
+            <a:r>
+              <a:rPr lang="fr-FR" baseline="0" dirty="0" smtClean="0"/>
+              <a:t> vais rajouter un </a:t>
+            </a:r>
+            <a:r>
+              <a:rPr lang="fr-FR" baseline="0" dirty="0" err="1" smtClean="0"/>
+              <a:t>screen</a:t>
+            </a:r>
+            <a:r>
+              <a:rPr lang="fr-FR" baseline="0" dirty="0" smtClean="0"/>
+              <a:t> ce soir</a:t>
             </a:r>
             <a:endParaRPr lang="fr-FR" dirty="0"/>
           </a:p>
@@ -2282,7 +2368,7 @@
     </p:spTree>
     <p:extLst>
       <p:ext uri="{BB962C8B-B14F-4D97-AF65-F5344CB8AC3E}">
-        <p14:creationId xmlns:p14="http://schemas.microsoft.com/office/powerpoint/2010/main" val="816172731"/>
+        <p14:creationId xmlns:p14="http://schemas.microsoft.com/office/powerpoint/2010/main" val="2807718690"/>
       </p:ext>
     </p:extLst>
   </p:cSld>
@@ -2732,7 +2818,7 @@
           <a:p>
             <a:fld id="{53F1A578-CF54-4F7E-B632-6057828CF008}" type="datetime1">
               <a:rPr lang="fr-FR" smtClean="0"/>
-              <a:t>03/01/2020</a:t>
+              <a:t>10/01/2020</a:t>
             </a:fld>
             <a:endParaRPr lang="fr-FR"/>
           </a:p>
@@ -2912,7 +2998,7 @@
           <a:p>
             <a:fld id="{BE76CFE2-95CD-4A32-97B1-F5ACE338180B}" type="datetime1">
               <a:rPr lang="fr-FR" smtClean="0"/>
-              <a:t>03/01/2020</a:t>
+              <a:t>10/01/2020</a:t>
             </a:fld>
             <a:endParaRPr lang="fr-FR"/>
           </a:p>
@@ -3118,7 +3204,7 @@
           <a:p>
             <a:fld id="{01328BD3-3DC5-4EE9-9517-503B3CBDB3D9}" type="datetimeFigureOut">
               <a:rPr lang="fr-FR" smtClean="0"/>
-              <a:t>03/01/2020</a:t>
+              <a:t>10/01/2020</a:t>
             </a:fld>
             <a:endParaRPr lang="fr-FR"/>
           </a:p>
@@ -3328,7 +3414,7 @@
           <a:p>
             <a:fld id="{01328BD3-3DC5-4EE9-9517-503B3CBDB3D9}" type="datetimeFigureOut">
               <a:rPr lang="fr-FR" smtClean="0"/>
-              <a:t>03/01/2020</a:t>
+              <a:t>10/01/2020</a:t>
             </a:fld>
             <a:endParaRPr lang="fr-FR"/>
           </a:p>
@@ -3604,7 +3690,7 @@
           <a:p>
             <a:fld id="{01328BD3-3DC5-4EE9-9517-503B3CBDB3D9}" type="datetimeFigureOut">
               <a:rPr lang="fr-FR" smtClean="0"/>
-              <a:t>03/01/2020</a:t>
+              <a:t>10/01/2020</a:t>
             </a:fld>
             <a:endParaRPr lang="fr-FR"/>
           </a:p>
@@ -3874,7 +3960,7 @@
           <a:p>
             <a:fld id="{01328BD3-3DC5-4EE9-9517-503B3CBDB3D9}" type="datetimeFigureOut">
               <a:rPr lang="fr-FR" smtClean="0"/>
-              <a:t>03/01/2020</a:t>
+              <a:t>10/01/2020</a:t>
             </a:fld>
             <a:endParaRPr lang="fr-FR"/>
           </a:p>
@@ -4280,7 +4366,7 @@
           <a:p>
             <a:fld id="{01328BD3-3DC5-4EE9-9517-503B3CBDB3D9}" type="datetimeFigureOut">
               <a:rPr lang="fr-FR" smtClean="0"/>
-              <a:t>03/01/2020</a:t>
+              <a:t>10/01/2020</a:t>
             </a:fld>
             <a:endParaRPr lang="fr-FR"/>
           </a:p>
@@ -4430,7 +4516,7 @@
           <a:p>
             <a:fld id="{01328BD3-3DC5-4EE9-9517-503B3CBDB3D9}" type="datetimeFigureOut">
               <a:rPr lang="fr-FR" smtClean="0"/>
-              <a:t>03/01/2020</a:t>
+              <a:t>10/01/2020</a:t>
             </a:fld>
             <a:endParaRPr lang="fr-FR"/>
           </a:p>
@@ -4549,7 +4635,7 @@
           <a:p>
             <a:fld id="{01328BD3-3DC5-4EE9-9517-503B3CBDB3D9}" type="datetimeFigureOut">
               <a:rPr lang="fr-FR" smtClean="0"/>
-              <a:t>03/01/2020</a:t>
+              <a:t>10/01/2020</a:t>
             </a:fld>
             <a:endParaRPr lang="fr-FR"/>
           </a:p>
@@ -4859,7 +4945,7 @@
           <a:p>
             <a:fld id="{01328BD3-3DC5-4EE9-9517-503B3CBDB3D9}" type="datetimeFigureOut">
               <a:rPr lang="fr-FR" smtClean="0"/>
-              <a:t>03/01/2020</a:t>
+              <a:t>10/01/2020</a:t>
             </a:fld>
             <a:endParaRPr lang="fr-FR"/>
           </a:p>
@@ -5045,7 +5131,7 @@
           <a:p>
             <a:fld id="{83324017-11E6-403C-8DF0-E07D6BBD421D}" type="datetime1">
               <a:rPr lang="fr-FR" smtClean="0"/>
-              <a:t>03/01/2020</a:t>
+              <a:t>10/01/2020</a:t>
             </a:fld>
             <a:endParaRPr lang="fr-FR"/>
           </a:p>
@@ -5322,7 +5408,7 @@
           <a:p>
             <a:fld id="{01328BD3-3DC5-4EE9-9517-503B3CBDB3D9}" type="datetimeFigureOut">
               <a:rPr lang="fr-FR" smtClean="0"/>
-              <a:t>03/01/2020</a:t>
+              <a:t>10/01/2020</a:t>
             </a:fld>
             <a:endParaRPr lang="fr-FR"/>
           </a:p>
@@ -5532,7 +5618,7 @@
           <a:p>
             <a:fld id="{01328BD3-3DC5-4EE9-9517-503B3CBDB3D9}" type="datetimeFigureOut">
               <a:rPr lang="fr-FR" smtClean="0"/>
-              <a:t>03/01/2020</a:t>
+              <a:t>10/01/2020</a:t>
             </a:fld>
             <a:endParaRPr lang="fr-FR"/>
           </a:p>
@@ -5742,7 +5828,7 @@
           <a:p>
             <a:fld id="{01328BD3-3DC5-4EE9-9517-503B3CBDB3D9}" type="datetimeFigureOut">
               <a:rPr lang="fr-FR" smtClean="0"/>
-              <a:t>03/01/2020</a:t>
+              <a:t>10/01/2020</a:t>
             </a:fld>
             <a:endParaRPr lang="fr-FR"/>
           </a:p>
@@ -6004,7 +6090,7 @@
           <a:p>
             <a:fld id="{52B1F042-851C-4033-9A9B-3785B27AB717}" type="datetime1">
               <a:rPr lang="fr-FR" smtClean="0"/>
-              <a:t>03/01/2020</a:t>
+              <a:t>10/01/2020</a:t>
             </a:fld>
             <a:endParaRPr lang="fr-FR"/>
           </a:p>
@@ -6236,7 +6322,7 @@
           <a:p>
             <a:fld id="{034A8F9E-78CD-455C-818B-DD4A961B9150}" type="datetime1">
               <a:rPr lang="fr-FR" smtClean="0"/>
-              <a:t>03/01/2020</a:t>
+              <a:t>10/01/2020</a:t>
             </a:fld>
             <a:endParaRPr lang="fr-FR"/>
           </a:p>
@@ -6603,7 +6689,7 @@
           <a:p>
             <a:fld id="{81576C7E-E8E0-4F9E-BE7E-1BC578A50B5B}" type="datetime1">
               <a:rPr lang="fr-FR" smtClean="0"/>
-              <a:t>03/01/2020</a:t>
+              <a:t>10/01/2020</a:t>
             </a:fld>
             <a:endParaRPr lang="fr-FR"/>
           </a:p>
@@ -6721,7 +6807,7 @@
           <a:p>
             <a:fld id="{0A8BA257-B0C1-49B2-A417-40DAB387243E}" type="datetime1">
               <a:rPr lang="fr-FR" smtClean="0"/>
-              <a:t>03/01/2020</a:t>
+              <a:t>10/01/2020</a:t>
             </a:fld>
             <a:endParaRPr lang="fr-FR"/>
           </a:p>
@@ -6816,7 +6902,7 @@
           <a:p>
             <a:fld id="{2EA96EB8-38DB-4D23-8070-05C9711EAF8D}" type="datetime1">
               <a:rPr lang="fr-FR" smtClean="0"/>
-              <a:t>03/01/2020</a:t>
+              <a:t>10/01/2020</a:t>
             </a:fld>
             <a:endParaRPr lang="fr-FR"/>
           </a:p>
@@ -7093,7 +7179,7 @@
           <a:p>
             <a:fld id="{81D9A430-639B-403A-8AAF-759F061BDC95}" type="datetime1">
               <a:rPr lang="fr-FR" smtClean="0"/>
-              <a:t>03/01/2020</a:t>
+              <a:t>10/01/2020</a:t>
             </a:fld>
             <a:endParaRPr lang="fr-FR"/>
           </a:p>
@@ -7346,7 +7432,7 @@
           <a:p>
             <a:fld id="{06C7B113-2B35-46FF-BF45-BE2306F5FE8B}" type="datetime1">
               <a:rPr lang="fr-FR" smtClean="0"/>
-              <a:t>03/01/2020</a:t>
+              <a:t>10/01/2020</a:t>
             </a:fld>
             <a:endParaRPr lang="fr-FR"/>
           </a:p>
@@ -7559,7 +7645,7 @@
           <a:p>
             <a:fld id="{19D9C409-5ACF-4826-BD1B-C4FF95172A81}" type="datetime1">
               <a:rPr lang="fr-FR" smtClean="0"/>
-              <a:t>03/01/2020</a:t>
+              <a:t>10/01/2020</a:t>
             </a:fld>
             <a:endParaRPr lang="fr-FR"/>
           </a:p>
@@ -10172,6 +10258,407 @@
         <p:grpSpPr>
           <a:xfrm>
             <a:off x="0" y="73772"/>
+            <a:ext cx="2943332" cy="883356"/>
+            <a:chOff x="0" y="-9760"/>
+            <a:chExt cx="2357120" cy="785565"/>
+          </a:xfrm>
+        </p:grpSpPr>
+        <p:sp>
+          <p:nvSpPr>
+            <p:cNvPr id="203" name="ZoneTexte 202"/>
+            <p:cNvSpPr txBox="1"/>
+            <p:nvPr/>
+          </p:nvSpPr>
+          <p:spPr>
+            <a:xfrm>
+              <a:off x="109500" y="-9760"/>
+              <a:ext cx="1506083" cy="629520"/>
+            </a:xfrm>
+            <a:prstGeom prst="rect">
+              <a:avLst/>
+            </a:prstGeom>
+            <a:noFill/>
+          </p:spPr>
+          <p:txBody>
+            <a:bodyPr wrap="none" rtlCol="0">
+              <a:spAutoFit/>
+            </a:bodyPr>
+            <a:lstStyle/>
+            <a:p>
+              <a:r>
+                <a:rPr lang="fr-FR" sz="4000" b="1" dirty="0" err="1" smtClean="0">
+                  <a:latin typeface="Lato Regular" panose="020F0502020204030203" pitchFamily="34" charset="0"/>
+                  <a:ea typeface="Lato Regular" panose="020F0502020204030203" pitchFamily="34" charset="0"/>
+                  <a:cs typeface="Lato Regular" panose="020F0502020204030203" pitchFamily="34" charset="0"/>
+                </a:rPr>
+                <a:t>Pit</a:t>
+              </a:r>
+              <a:r>
+                <a:rPr lang="fr-FR" sz="4000" b="1" dirty="0" smtClean="0">
+                  <a:latin typeface="Lato Regular" panose="020F0502020204030203" pitchFamily="34" charset="0"/>
+                  <a:ea typeface="Lato Regular" panose="020F0502020204030203" pitchFamily="34" charset="0"/>
+                  <a:cs typeface="Lato Regular" panose="020F0502020204030203" pitchFamily="34" charset="0"/>
+                </a:rPr>
+                <a:t> Test</a:t>
+              </a:r>
+              <a:endParaRPr lang="fr-FR" sz="3600" b="1" dirty="0">
+                <a:latin typeface="Lato Regular" panose="020F0502020204030203" pitchFamily="34" charset="0"/>
+                <a:ea typeface="Lato Regular" panose="020F0502020204030203" pitchFamily="34" charset="0"/>
+                <a:cs typeface="Lato Regular" panose="020F0502020204030203" pitchFamily="34" charset="0"/>
+              </a:endParaRPr>
+            </a:p>
+          </p:txBody>
+        </p:sp>
+        <p:sp>
+          <p:nvSpPr>
+            <p:cNvPr id="204" name="Rectangle 203"/>
+            <p:cNvSpPr/>
+            <p:nvPr/>
+          </p:nvSpPr>
+          <p:spPr>
+            <a:xfrm>
+              <a:off x="0" y="619760"/>
+              <a:ext cx="2357120" cy="156045"/>
+            </a:xfrm>
+            <a:prstGeom prst="rect">
+              <a:avLst/>
+            </a:prstGeom>
+            <a:solidFill>
+              <a:srgbClr val="438721"/>
+            </a:solidFill>
+            <a:ln>
+              <a:noFill/>
+            </a:ln>
+          </p:spPr>
+          <p:style>
+            <a:lnRef idx="2">
+              <a:schemeClr val="accent1">
+                <a:shade val="50000"/>
+              </a:schemeClr>
+            </a:lnRef>
+            <a:fillRef idx="1">
+              <a:schemeClr val="accent1"/>
+            </a:fillRef>
+            <a:effectRef idx="0">
+              <a:schemeClr val="accent1"/>
+            </a:effectRef>
+            <a:fontRef idx="minor">
+              <a:schemeClr val="lt1"/>
+            </a:fontRef>
+          </p:style>
+          <p:txBody>
+            <a:bodyPr rtlCol="0" anchor="ctr"/>
+            <a:lstStyle/>
+            <a:p>
+              <a:pPr algn="ctr"/>
+              <a:endParaRPr lang="fr-FR"/>
+            </a:p>
+          </p:txBody>
+        </p:sp>
+      </p:grpSp>
+      <p:pic>
+        <p:nvPicPr>
+          <p:cNvPr id="2" name="Image 1"/>
+          <p:cNvPicPr>
+            <a:picLocks noChangeAspect="1"/>
+          </p:cNvPicPr>
+          <p:nvPr/>
+        </p:nvPicPr>
+        <p:blipFill>
+          <a:blip r:embed="rId2">
+            <a:extLst>
+              <a:ext uri="{28A0092B-C50C-407E-A947-70E740481C1C}">
+                <a14:useLocalDpi xmlns:a14="http://schemas.microsoft.com/office/drawing/2010/main" val="0"/>
+              </a:ext>
+            </a:extLst>
+          </a:blip>
+          <a:stretch>
+            <a:fillRect/>
+          </a:stretch>
+        </p:blipFill>
+        <p:spPr>
+          <a:xfrm>
+            <a:off x="363882" y="1583707"/>
+            <a:ext cx="4813300" cy="4216400"/>
+          </a:xfrm>
+          <a:prstGeom prst="rect">
+            <a:avLst/>
+          </a:prstGeom>
+        </p:spPr>
+      </p:pic>
+      <p:sp>
+        <p:nvSpPr>
+          <p:cNvPr id="12" name="ZoneTexte 11"/>
+          <p:cNvSpPr txBox="1"/>
+          <p:nvPr/>
+        </p:nvSpPr>
+        <p:spPr>
+          <a:xfrm>
+            <a:off x="5630685" y="2364225"/>
+            <a:ext cx="5187715" cy="2246769"/>
+          </a:xfrm>
+          <a:prstGeom prst="rect">
+            <a:avLst/>
+          </a:prstGeom>
+          <a:noFill/>
+        </p:spPr>
+        <p:txBody>
+          <a:bodyPr wrap="square" rtlCol="0">
+            <a:spAutoFit/>
+          </a:bodyPr>
+          <a:lstStyle/>
+          <a:p>
+            <a:r>
+              <a:rPr lang="fr-FR" sz="2000" dirty="0" smtClean="0">
+                <a:solidFill>
+                  <a:schemeClr val="tx2"/>
+                </a:solidFill>
+                <a:latin typeface="Lato Regular"/>
+                <a:cs typeface="Lato Regular"/>
+              </a:rPr>
+              <a:t>Ajout dépendance </a:t>
+            </a:r>
+            <a:r>
+              <a:rPr lang="fr-FR" sz="2000" dirty="0" err="1" smtClean="0">
+                <a:solidFill>
+                  <a:schemeClr val="tx2"/>
+                </a:solidFill>
+                <a:latin typeface="Lato Regular"/>
+                <a:cs typeface="Lato Regular"/>
+              </a:rPr>
+              <a:t>maven</a:t>
+            </a:r>
+            <a:endParaRPr lang="fr-FR" sz="2000" dirty="0">
+              <a:solidFill>
+                <a:schemeClr val="tx2"/>
+              </a:solidFill>
+              <a:latin typeface="Lato Regular"/>
+              <a:cs typeface="Lato Regular"/>
+            </a:endParaRPr>
+          </a:p>
+          <a:p>
+            <a:pPr marL="571500" indent="-571500">
+              <a:buFontTx/>
+              <a:buChar char="-"/>
+            </a:pPr>
+            <a:r>
+              <a:rPr lang="fr-FR" sz="2000" dirty="0" smtClean="0">
+                <a:solidFill>
+                  <a:schemeClr val="tx2"/>
+                </a:solidFill>
+                <a:latin typeface="Lato Light"/>
+                <a:cs typeface="Lato Light"/>
+              </a:rPr>
+              <a:t>…</a:t>
+            </a:r>
+          </a:p>
+          <a:p>
+            <a:pPr marL="571500" indent="-571500">
+              <a:buFontTx/>
+              <a:buChar char="-"/>
+            </a:pPr>
+            <a:endParaRPr lang="fr-FR" sz="2000" dirty="0">
+              <a:solidFill>
+                <a:schemeClr val="tx2"/>
+              </a:solidFill>
+              <a:latin typeface="Lato Light"/>
+              <a:cs typeface="Lato Light"/>
+            </a:endParaRPr>
+          </a:p>
+          <a:p>
+            <a:r>
+              <a:rPr lang="fr-FR" sz="2000" dirty="0" smtClean="0">
+                <a:solidFill>
+                  <a:schemeClr val="tx2"/>
+                </a:solidFill>
+                <a:latin typeface="Lato Regular"/>
+                <a:cs typeface="Lato Regular"/>
+              </a:rPr>
+              <a:t>Lancement </a:t>
+            </a:r>
+            <a:r>
+              <a:rPr lang="fr-FR" sz="2000" dirty="0" err="1" smtClean="0">
+                <a:solidFill>
+                  <a:schemeClr val="tx2"/>
+                </a:solidFill>
+                <a:latin typeface="Lato Regular"/>
+                <a:cs typeface="Lato Regular"/>
+              </a:rPr>
+              <a:t>pit</a:t>
+            </a:r>
+            <a:r>
+              <a:rPr lang="fr-FR" sz="2000" dirty="0" smtClean="0">
+                <a:solidFill>
+                  <a:schemeClr val="tx2"/>
+                </a:solidFill>
+                <a:latin typeface="Lato Regular"/>
+                <a:cs typeface="Lato Regular"/>
+              </a:rPr>
+              <a:t> test en ligne de commande</a:t>
+            </a:r>
+            <a:endParaRPr lang="fr-FR" sz="2000" dirty="0">
+              <a:solidFill>
+                <a:schemeClr val="tx2"/>
+              </a:solidFill>
+              <a:latin typeface="Lato Regular"/>
+              <a:cs typeface="Lato Regular"/>
+            </a:endParaRPr>
+          </a:p>
+          <a:p>
+            <a:pPr marL="571500" indent="-571500">
+              <a:buFontTx/>
+              <a:buChar char="-"/>
+            </a:pPr>
+            <a:r>
+              <a:rPr lang="fr-FR" sz="2000" dirty="0" smtClean="0">
+                <a:solidFill>
+                  <a:schemeClr val="tx2"/>
+                </a:solidFill>
+                <a:latin typeface="Lato Light"/>
+                <a:cs typeface="Lato Light"/>
+              </a:rPr>
+              <a:t>…</a:t>
+            </a:r>
+          </a:p>
+          <a:p>
+            <a:pPr marL="571500" indent="-571500">
+              <a:buFontTx/>
+              <a:buChar char="-"/>
+            </a:pPr>
+            <a:r>
+              <a:rPr lang="fr-FR" sz="2000" dirty="0" smtClean="0">
+                <a:solidFill>
+                  <a:schemeClr val="tx2"/>
+                </a:solidFill>
+                <a:latin typeface="Lato Light"/>
+                <a:cs typeface="Lato Light"/>
+              </a:rPr>
+              <a:t>…</a:t>
+            </a:r>
+          </a:p>
+          <a:p>
+            <a:pPr marL="571500" indent="-571500">
+              <a:buFontTx/>
+              <a:buChar char="-"/>
+            </a:pPr>
+            <a:r>
+              <a:rPr lang="fr-FR" sz="2000" dirty="0" smtClean="0">
+                <a:solidFill>
+                  <a:schemeClr val="tx2"/>
+                </a:solidFill>
+                <a:latin typeface="Lato Light"/>
+                <a:cs typeface="Lato Light"/>
+              </a:rPr>
+              <a:t>…</a:t>
+            </a:r>
+          </a:p>
+        </p:txBody>
+      </p:sp>
+      <p:sp>
+        <p:nvSpPr>
+          <p:cNvPr id="7" name="Étoile à 5 branches 6"/>
+          <p:cNvSpPr/>
+          <p:nvPr/>
+        </p:nvSpPr>
+        <p:spPr>
+          <a:xfrm rot="1662404">
+            <a:off x="9549502" y="408619"/>
+            <a:ext cx="2280456" cy="2119735"/>
+          </a:xfrm>
+          <a:prstGeom prst="star5">
+            <a:avLst>
+              <a:gd name="adj" fmla="val 21129"/>
+              <a:gd name="hf" fmla="val 105146"/>
+              <a:gd name="vf" fmla="val 110557"/>
+            </a:avLst>
+          </a:prstGeom>
+          <a:ln w="57150">
+            <a:solidFill>
+              <a:srgbClr val="FF0000"/>
+            </a:solidFill>
+          </a:ln>
+        </p:spPr>
+        <p:style>
+          <a:lnRef idx="0">
+            <a:schemeClr val="accent4"/>
+          </a:lnRef>
+          <a:fillRef idx="3">
+            <a:schemeClr val="accent4"/>
+          </a:fillRef>
+          <a:effectRef idx="3">
+            <a:schemeClr val="accent4"/>
+          </a:effectRef>
+          <a:fontRef idx="minor">
+            <a:schemeClr val="lt1"/>
+          </a:fontRef>
+        </p:style>
+        <p:txBody>
+          <a:bodyPr rtlCol="0" anchor="ctr"/>
+          <a:lstStyle/>
+          <a:p>
+            <a:pPr algn="ctr"/>
+            <a:r>
+              <a:rPr lang="fr-FR" sz="3600" b="1" dirty="0" smtClean="0">
+                <a:solidFill>
+                  <a:srgbClr val="FF0000"/>
+                </a:solidFill>
+              </a:rPr>
+              <a:t>WIP</a:t>
+            </a:r>
+            <a:endParaRPr lang="fr-FR" sz="3600" b="1" dirty="0">
+              <a:solidFill>
+                <a:srgbClr val="FF0000"/>
+              </a:solidFill>
+            </a:endParaRPr>
+          </a:p>
+        </p:txBody>
+      </p:sp>
+    </p:spTree>
+    <p:extLst>
+      <p:ext uri="{BB962C8B-B14F-4D97-AF65-F5344CB8AC3E}">
+        <p14:creationId xmlns:p14="http://schemas.microsoft.com/office/powerpoint/2010/main" val="1828673698"/>
+      </p:ext>
+    </p:extLst>
+  </p:cSld>
+  <p:clrMapOvr>
+    <a:masterClrMapping/>
+  </p:clrMapOvr>
+  <p:timing>
+    <p:tnLst>
+      <p:par>
+        <p:cTn id="1" dur="indefinite" restart="never" nodeType="tmRoot"/>
+      </p:par>
+    </p:tnLst>
+  </p:timing>
+</p:sld>
+</file>
+
+<file path=ppt/slides/slide11.xml><?xml version="1.0" encoding="utf-8"?>
+<p:sld xmlns:a="http://schemas.openxmlformats.org/drawingml/2006/main" xmlns:r="http://schemas.openxmlformats.org/officeDocument/2006/relationships" xmlns:p="http://schemas.openxmlformats.org/presentationml/2006/main">
+  <p:cSld>
+    <p:spTree>
+      <p:nvGrpSpPr>
+        <p:cNvPr id="1" name=""/>
+        <p:cNvGrpSpPr/>
+        <p:nvPr/>
+      </p:nvGrpSpPr>
+      <p:grpSpPr>
+        <a:xfrm>
+          <a:off x="0" y="0"/>
+          <a:ext cx="0" cy="0"/>
+          <a:chOff x="0" y="0"/>
+          <a:chExt cx="0" cy="0"/>
+        </a:xfrm>
+      </p:grpSpPr>
+      <p:grpSp>
+        <p:nvGrpSpPr>
+          <p:cNvPr id="202" name="Groupe 201"/>
+          <p:cNvGrpSpPr/>
+          <p:nvPr/>
+        </p:nvGrpSpPr>
+        <p:grpSpPr>
+          <a:xfrm>
+            <a:off x="0" y="73772"/>
             <a:ext cx="6502578" cy="883356"/>
             <a:chOff x="0" y="-9760"/>
             <a:chExt cx="5207484" cy="785565"/>
@@ -10667,7 +11154,7 @@
 </p:sld>
 </file>
 
-<file path=ppt/slides/slide11.xml><?xml version="1.0" encoding="utf-8"?>
+<file path=ppt/slides/slide12.xml><?xml version="1.0" encoding="utf-8"?>
 <p:sld xmlns:a="http://schemas.openxmlformats.org/drawingml/2006/main" xmlns:r="http://schemas.openxmlformats.org/officeDocument/2006/relationships" xmlns:p="http://schemas.openxmlformats.org/presentationml/2006/main">
   <p:cSld>
     <p:spTree>
@@ -11056,7 +11543,7 @@
 </p:sld>
 </file>
 
-<file path=ppt/slides/slide12.xml><?xml version="1.0" encoding="utf-8"?>
+<file path=ppt/slides/slide13.xml><?xml version="1.0" encoding="utf-8"?>
 <p:sld xmlns:a="http://schemas.openxmlformats.org/drawingml/2006/main" xmlns:r="http://schemas.openxmlformats.org/officeDocument/2006/relationships" xmlns:p="http://schemas.openxmlformats.org/presentationml/2006/main">
   <p:cSld>
     <p:spTree>
@@ -11424,7 +11911,7 @@
 </p:sld>
 </file>
 
-<file path=ppt/slides/slide13.xml><?xml version="1.0" encoding="utf-8"?>
+<file path=ppt/slides/slide14.xml><?xml version="1.0" encoding="utf-8"?>
 <p:sld xmlns:a="http://schemas.openxmlformats.org/drawingml/2006/main" xmlns:r="http://schemas.openxmlformats.org/officeDocument/2006/relationships" xmlns:p="http://schemas.openxmlformats.org/presentationml/2006/main">
   <p:cSld>
     <p:spTree>
@@ -11756,25 +12243,8 @@
                 <a:latin typeface="Lato Regular"/>
                 <a:cs typeface="Lato Regular"/>
               </a:rPr>
-              <a:t>Chaos </a:t>
-            </a:r>
-            <a:r>
-              <a:rPr lang="fr-FR" sz="2000" dirty="0" smtClean="0">
-                <a:solidFill>
-                  <a:schemeClr val="tx2"/>
-                </a:solidFill>
-                <a:latin typeface="Lato Regular"/>
-                <a:cs typeface="Lato Regular"/>
-              </a:rPr>
-              <a:t>Monkey</a:t>
-            </a:r>
-            <a:endParaRPr lang="fr-FR" sz="2000" dirty="0" smtClean="0">
-              <a:solidFill>
-                <a:schemeClr val="tx2"/>
-              </a:solidFill>
-              <a:latin typeface="Lato Regular"/>
-              <a:cs typeface="Lato Regular"/>
-            </a:endParaRPr>
+              <a:t>Chaos Monkey</a:t>
+            </a:r>
           </a:p>
         </p:txBody>
       </p:sp>
@@ -12318,7 +12788,7 @@
 </p:sld>
 </file>
 
-<file path=ppt/slides/slide14.xml><?xml version="1.0" encoding="utf-8"?>
+<file path=ppt/slides/slide15.xml><?xml version="1.0" encoding="utf-8"?>
 <p:sld xmlns:a="http://schemas.openxmlformats.org/drawingml/2006/main" xmlns:r="http://schemas.openxmlformats.org/officeDocument/2006/relationships" xmlns:p="http://schemas.openxmlformats.org/presentationml/2006/main">
   <p:cSld>
     <p:spTree>
@@ -12524,13 +12994,6 @@
               </a:rPr>
               <a:t>Installation</a:t>
             </a:r>
-            <a:endParaRPr lang="fr-FR" sz="2000" dirty="0" smtClean="0">
-              <a:solidFill>
-                <a:schemeClr val="tx2"/>
-              </a:solidFill>
-              <a:latin typeface="Lato Regular"/>
-              <a:cs typeface="Lato Regular"/>
-            </a:endParaRPr>
           </a:p>
           <a:p>
             <a:pPr marL="571500" indent="-571500">
@@ -12699,13 +13162,6 @@
               </a:rPr>
               <a:t>Monkey</a:t>
             </a:r>
-            <a:endParaRPr lang="fr-FR" sz="2000" dirty="0" smtClean="0">
-              <a:solidFill>
-                <a:schemeClr val="tx2"/>
-              </a:solidFill>
-              <a:latin typeface="Lato Light"/>
-              <a:cs typeface="Lato Light"/>
-            </a:endParaRPr>
           </a:p>
           <a:p>
             <a:pPr marL="571500" indent="-571500">
@@ -12790,7 +13246,7 @@
 </p:sld>
 </file>
 
-<file path=ppt/slides/slide15.xml><?xml version="1.0" encoding="utf-8"?>
+<file path=ppt/slides/slide16.xml><?xml version="1.0" encoding="utf-8"?>
 <p:sld xmlns:a="http://schemas.openxmlformats.org/drawingml/2006/main" xmlns:r="http://schemas.openxmlformats.org/officeDocument/2006/relationships" xmlns:p="http://schemas.openxmlformats.org/presentationml/2006/main">
   <p:cSld>
     <p:spTree>
@@ -12950,15 +13406,7 @@
                 <a:ea typeface="Lato Regular" panose="020F0502020204030203" pitchFamily="34" charset="0"/>
                 <a:cs typeface="Lato Regular" panose="020F0502020204030203" pitchFamily="34" charset="0"/>
               </a:rPr>
-              <a:t>: </a:t>
-            </a:r>
-            <a:r>
-              <a:rPr lang="fr-FR" dirty="0">
-                <a:latin typeface="Lato Regular" panose="020F0502020204030203" pitchFamily="34" charset="0"/>
-                <a:ea typeface="Lato Regular" panose="020F0502020204030203" pitchFamily="34" charset="0"/>
-                <a:cs typeface="Lato Regular" panose="020F0502020204030203" pitchFamily="34" charset="0"/>
-              </a:rPr>
-              <a:t> C:\</a:t>
+              <a:t>:  C:\</a:t>
             </a:r>
             <a:r>
               <a:rPr lang="fr-FR" dirty="0" smtClean="0">
@@ -13223,7 +13671,7 @@
         </p:nvSpPr>
         <p:spPr>
           <a:xfrm rot="1662404">
-            <a:off x="9549502" y="408619"/>
+            <a:off x="9549502" y="369826"/>
             <a:ext cx="2280456" cy="2119735"/>
           </a:xfrm>
           <a:prstGeom prst="star5">
@@ -13328,7 +13776,7 @@
 </p:sld>
 </file>
 
-<file path=ppt/slides/slide16.xml><?xml version="1.0" encoding="utf-8"?>
+<file path=ppt/slides/slide17.xml><?xml version="1.0" encoding="utf-8"?>
 <p:sld xmlns:a="http://schemas.openxmlformats.org/drawingml/2006/main" xmlns:r="http://schemas.openxmlformats.org/officeDocument/2006/relationships" xmlns:p="http://schemas.openxmlformats.org/presentationml/2006/main">
   <p:cSld>
     <p:spTree>
@@ -13632,7 +14080,7 @@
 </p:sld>
 </file>
 
-<file path=ppt/slides/slide17.xml><?xml version="1.0" encoding="utf-8"?>
+<file path=ppt/slides/slide18.xml><?xml version="1.0" encoding="utf-8"?>
 <p:sld xmlns:a="http://schemas.openxmlformats.org/drawingml/2006/main" xmlns:r="http://schemas.openxmlformats.org/officeDocument/2006/relationships" xmlns:p="http://schemas.openxmlformats.org/presentationml/2006/main">
   <p:cSld>
     <p:spTree>
@@ -14000,7 +14448,7 @@
 </p:sld>
 </file>
 
-<file path=ppt/slides/slide18.xml><?xml version="1.0" encoding="utf-8"?>
+<file path=ppt/slides/slide19.xml><?xml version="1.0" encoding="utf-8"?>
 <p:sld xmlns:a="http://schemas.openxmlformats.org/drawingml/2006/main" xmlns:r="http://schemas.openxmlformats.org/officeDocument/2006/relationships" xmlns:p="http://schemas.openxmlformats.org/presentationml/2006/main">
   <p:cSld>
     <p:spTree>
@@ -14664,7 +15112,364 @@
 </p:sld>
 </file>
 
-<file path=ppt/slides/slide19.xml><?xml version="1.0" encoding="utf-8"?>
+<file path=ppt/slides/slide2.xml><?xml version="1.0" encoding="utf-8"?>
+<p:sld xmlns:a="http://schemas.openxmlformats.org/drawingml/2006/main" xmlns:r="http://schemas.openxmlformats.org/officeDocument/2006/relationships" xmlns:p="http://schemas.openxmlformats.org/presentationml/2006/main">
+  <p:cSld>
+    <p:spTree>
+      <p:nvGrpSpPr>
+        <p:cNvPr id="1" name=""/>
+        <p:cNvGrpSpPr/>
+        <p:nvPr/>
+      </p:nvGrpSpPr>
+      <p:grpSpPr>
+        <a:xfrm>
+          <a:off x="0" y="0"/>
+          <a:ext cx="0" cy="0"/>
+          <a:chOff x="0" y="0"/>
+          <a:chExt cx="0" cy="0"/>
+        </a:xfrm>
+      </p:grpSpPr>
+      <p:grpSp>
+        <p:nvGrpSpPr>
+          <p:cNvPr id="202" name="Groupe 201"/>
+          <p:cNvGrpSpPr/>
+          <p:nvPr/>
+        </p:nvGrpSpPr>
+        <p:grpSpPr>
+          <a:xfrm>
+            <a:off x="0" y="73772"/>
+            <a:ext cx="5717107" cy="883356"/>
+            <a:chOff x="0" y="-9760"/>
+            <a:chExt cx="4578456" cy="785565"/>
+          </a:xfrm>
+        </p:grpSpPr>
+        <p:sp>
+          <p:nvSpPr>
+            <p:cNvPr id="203" name="ZoneTexte 202"/>
+            <p:cNvSpPr txBox="1"/>
+            <p:nvPr/>
+          </p:nvSpPr>
+          <p:spPr>
+            <a:xfrm>
+              <a:off x="109500" y="-9760"/>
+              <a:ext cx="4468956" cy="629520"/>
+            </a:xfrm>
+            <a:prstGeom prst="rect">
+              <a:avLst/>
+            </a:prstGeom>
+            <a:noFill/>
+          </p:spPr>
+          <p:txBody>
+            <a:bodyPr wrap="none" rtlCol="0">
+              <a:spAutoFit/>
+            </a:bodyPr>
+            <a:lstStyle/>
+            <a:p>
+              <a:r>
+                <a:rPr lang="fr-FR" sz="4000" b="1" dirty="0" smtClean="0">
+                  <a:latin typeface="Lato Regular" panose="020F0502020204030203" pitchFamily="34" charset="0"/>
+                  <a:ea typeface="Lato Regular" panose="020F0502020204030203" pitchFamily="34" charset="0"/>
+                  <a:cs typeface="Lato Regular" panose="020F0502020204030203" pitchFamily="34" charset="0"/>
+                </a:rPr>
+                <a:t>Ce qui ne nous tue pas…</a:t>
+              </a:r>
+              <a:endParaRPr lang="fr-FR" sz="3600" b="1" dirty="0">
+                <a:latin typeface="Lato Regular" panose="020F0502020204030203" pitchFamily="34" charset="0"/>
+                <a:ea typeface="Lato Regular" panose="020F0502020204030203" pitchFamily="34" charset="0"/>
+                <a:cs typeface="Lato Regular" panose="020F0502020204030203" pitchFamily="34" charset="0"/>
+              </a:endParaRPr>
+            </a:p>
+          </p:txBody>
+        </p:sp>
+        <p:sp>
+          <p:nvSpPr>
+            <p:cNvPr id="204" name="Rectangle 203"/>
+            <p:cNvSpPr/>
+            <p:nvPr/>
+          </p:nvSpPr>
+          <p:spPr>
+            <a:xfrm>
+              <a:off x="0" y="619760"/>
+              <a:ext cx="2357120" cy="156045"/>
+            </a:xfrm>
+            <a:prstGeom prst="rect">
+              <a:avLst/>
+            </a:prstGeom>
+            <a:solidFill>
+              <a:srgbClr val="2F6079"/>
+            </a:solidFill>
+            <a:ln>
+              <a:noFill/>
+            </a:ln>
+          </p:spPr>
+          <p:style>
+            <a:lnRef idx="2">
+              <a:schemeClr val="accent1">
+                <a:shade val="50000"/>
+              </a:schemeClr>
+            </a:lnRef>
+            <a:fillRef idx="1">
+              <a:schemeClr val="accent1"/>
+            </a:fillRef>
+            <a:effectRef idx="0">
+              <a:schemeClr val="accent1"/>
+            </a:effectRef>
+            <a:fontRef idx="minor">
+              <a:schemeClr val="lt1"/>
+            </a:fontRef>
+          </p:style>
+          <p:txBody>
+            <a:bodyPr rtlCol="0" anchor="ctr"/>
+            <a:lstStyle/>
+            <a:p>
+              <a:pPr algn="ctr"/>
+              <a:endParaRPr lang="fr-FR"/>
+            </a:p>
+          </p:txBody>
+        </p:sp>
+      </p:grpSp>
+      <p:sp>
+        <p:nvSpPr>
+          <p:cNvPr id="6" name="Subtitle 2">
+            <a:extLst>
+              <a:ext uri="{FF2B5EF4-FFF2-40B4-BE49-F238E27FC236}">
+                <a16:creationId xmlns:a16="http://schemas.microsoft.com/office/drawing/2014/main" id="{D14CB390-EA4F-4FA9-A9B4-B33E71E51B9E}"/>
+              </a:ext>
+            </a:extLst>
+          </p:cNvPr>
+          <p:cNvSpPr txBox="1">
+            <a:spLocks/>
+          </p:cNvSpPr>
+          <p:nvPr/>
+        </p:nvSpPr>
+        <p:spPr>
+          <a:xfrm>
+            <a:off x="2542286" y="2676709"/>
+            <a:ext cx="7201626" cy="1730904"/>
+          </a:xfrm>
+          <a:prstGeom prst="rect">
+            <a:avLst/>
+          </a:prstGeom>
+          <a:solidFill>
+            <a:schemeClr val="bg1"/>
+          </a:solidFill>
+        </p:spPr>
+        <p:txBody>
+          <a:bodyPr vert="horz" lIns="243744" tIns="121869" rIns="243744" bIns="121869" rtlCol="0">
+            <a:noAutofit/>
+          </a:bodyPr>
+          <a:lstStyle>
+            <a:lvl1pPr marL="342900" indent="-342900" algn="l" defTabSz="457200" rtl="0" eaLnBrk="1" latinLnBrk="0" hangingPunct="1">
+              <a:spcBef>
+                <a:spcPct val="20000"/>
+              </a:spcBef>
+              <a:buFont typeface="Arial"/>
+              <a:buChar char="•"/>
+              <a:defRPr sz="3200" kern="1200">
+                <a:solidFill>
+                  <a:schemeClr val="tx1"/>
+                </a:solidFill>
+                <a:latin typeface="+mn-lt"/>
+                <a:ea typeface="+mn-ea"/>
+                <a:cs typeface="+mn-cs"/>
+              </a:defRPr>
+            </a:lvl1pPr>
+            <a:lvl2pPr marL="742950" indent="-285750" algn="l" defTabSz="457200" rtl="0" eaLnBrk="1" latinLnBrk="0" hangingPunct="1">
+              <a:spcBef>
+                <a:spcPct val="20000"/>
+              </a:spcBef>
+              <a:buFont typeface="Arial"/>
+              <a:buChar char="–"/>
+              <a:defRPr sz="2800" kern="1200">
+                <a:solidFill>
+                  <a:schemeClr val="tx1"/>
+                </a:solidFill>
+                <a:latin typeface="+mn-lt"/>
+                <a:ea typeface="+mn-ea"/>
+                <a:cs typeface="+mn-cs"/>
+              </a:defRPr>
+            </a:lvl2pPr>
+            <a:lvl3pPr marL="1143000" indent="-228600" algn="l" defTabSz="457200" rtl="0" eaLnBrk="1" latinLnBrk="0" hangingPunct="1">
+              <a:spcBef>
+                <a:spcPct val="20000"/>
+              </a:spcBef>
+              <a:buFont typeface="Arial"/>
+              <a:buChar char="•"/>
+              <a:defRPr sz="2400" kern="1200">
+                <a:solidFill>
+                  <a:schemeClr val="tx1"/>
+                </a:solidFill>
+                <a:latin typeface="+mn-lt"/>
+                <a:ea typeface="+mn-ea"/>
+                <a:cs typeface="+mn-cs"/>
+              </a:defRPr>
+            </a:lvl3pPr>
+            <a:lvl4pPr marL="1600200" indent="-228600" algn="l" defTabSz="457200" rtl="0" eaLnBrk="1" latinLnBrk="0" hangingPunct="1">
+              <a:spcBef>
+                <a:spcPct val="20000"/>
+              </a:spcBef>
+              <a:buFont typeface="Arial"/>
+              <a:buChar char="–"/>
+              <a:defRPr sz="2000" kern="1200">
+                <a:solidFill>
+                  <a:schemeClr val="tx1"/>
+                </a:solidFill>
+                <a:latin typeface="+mn-lt"/>
+                <a:ea typeface="+mn-ea"/>
+                <a:cs typeface="+mn-cs"/>
+              </a:defRPr>
+            </a:lvl4pPr>
+            <a:lvl5pPr marL="2057400" indent="-228600" algn="l" defTabSz="457200" rtl="0" eaLnBrk="1" latinLnBrk="0" hangingPunct="1">
+              <a:spcBef>
+                <a:spcPct val="20000"/>
+              </a:spcBef>
+              <a:buFont typeface="Arial"/>
+              <a:buChar char="»"/>
+              <a:defRPr sz="2000" kern="1200">
+                <a:solidFill>
+                  <a:schemeClr val="tx1"/>
+                </a:solidFill>
+                <a:latin typeface="+mn-lt"/>
+                <a:ea typeface="+mn-ea"/>
+                <a:cs typeface="+mn-cs"/>
+              </a:defRPr>
+            </a:lvl5pPr>
+            <a:lvl6pPr marL="2514600" indent="-228600" algn="l" defTabSz="457200" rtl="0" eaLnBrk="1" latinLnBrk="0" hangingPunct="1">
+              <a:spcBef>
+                <a:spcPct val="20000"/>
+              </a:spcBef>
+              <a:buFont typeface="Arial"/>
+              <a:buChar char="•"/>
+              <a:defRPr sz="2000" kern="1200">
+                <a:solidFill>
+                  <a:schemeClr val="tx1"/>
+                </a:solidFill>
+                <a:latin typeface="+mn-lt"/>
+                <a:ea typeface="+mn-ea"/>
+                <a:cs typeface="+mn-cs"/>
+              </a:defRPr>
+            </a:lvl6pPr>
+            <a:lvl7pPr marL="2971800" indent="-228600" algn="l" defTabSz="457200" rtl="0" eaLnBrk="1" latinLnBrk="0" hangingPunct="1">
+              <a:spcBef>
+                <a:spcPct val="20000"/>
+              </a:spcBef>
+              <a:buFont typeface="Arial"/>
+              <a:buChar char="•"/>
+              <a:defRPr sz="2000" kern="1200">
+                <a:solidFill>
+                  <a:schemeClr val="tx1"/>
+                </a:solidFill>
+                <a:latin typeface="+mn-lt"/>
+                <a:ea typeface="+mn-ea"/>
+                <a:cs typeface="+mn-cs"/>
+              </a:defRPr>
+            </a:lvl7pPr>
+            <a:lvl8pPr marL="3429000" indent="-228600" algn="l" defTabSz="457200" rtl="0" eaLnBrk="1" latinLnBrk="0" hangingPunct="1">
+              <a:spcBef>
+                <a:spcPct val="20000"/>
+              </a:spcBef>
+              <a:buFont typeface="Arial"/>
+              <a:buChar char="•"/>
+              <a:defRPr sz="2000" kern="1200">
+                <a:solidFill>
+                  <a:schemeClr val="tx1"/>
+                </a:solidFill>
+                <a:latin typeface="+mn-lt"/>
+                <a:ea typeface="+mn-ea"/>
+                <a:cs typeface="+mn-cs"/>
+              </a:defRPr>
+            </a:lvl8pPr>
+            <a:lvl9pPr marL="3886200" indent="-228600" algn="l" defTabSz="457200" rtl="0" eaLnBrk="1" latinLnBrk="0" hangingPunct="1">
+              <a:spcBef>
+                <a:spcPct val="20000"/>
+              </a:spcBef>
+              <a:buFont typeface="Arial"/>
+              <a:buChar char="•"/>
+              <a:defRPr sz="2000" kern="1200">
+                <a:solidFill>
+                  <a:schemeClr val="tx1"/>
+                </a:solidFill>
+                <a:latin typeface="+mn-lt"/>
+                <a:ea typeface="+mn-ea"/>
+                <a:cs typeface="+mn-cs"/>
+              </a:defRPr>
+            </a:lvl9pPr>
+          </a:lstStyle>
+          <a:p>
+            <a:pPr marL="0" indent="0">
+              <a:buNone/>
+            </a:pPr>
+            <a:r>
+              <a:rPr lang="fr-FR" sz="2000" dirty="0" smtClean="0">
+                <a:solidFill>
+                  <a:schemeClr val="tx2"/>
+                </a:solidFill>
+                <a:latin typeface="Lato Regular"/>
+                <a:cs typeface="Lato Regular"/>
+              </a:rPr>
+              <a:t>Résilience</a:t>
+            </a:r>
+          </a:p>
+          <a:p>
+            <a:pPr marL="0" indent="0">
+              <a:buNone/>
+            </a:pPr>
+            <a:r>
+              <a:rPr lang="fr-FR" sz="1600" dirty="0" smtClean="0">
+                <a:solidFill>
+                  <a:schemeClr val="tx2"/>
+                </a:solidFill>
+                <a:latin typeface="Lato Light"/>
+                <a:cs typeface="Lato Light"/>
+              </a:rPr>
+              <a:t>« La résilience est la capacité pour un individu à faire face à une situation difficile ou génératrice de stress. […] Faculté à « rebondir », à vaincre des situations traumatiques. »</a:t>
+            </a:r>
+          </a:p>
+          <a:p>
+            <a:pPr marL="0" indent="0" algn="r">
+              <a:buNone/>
+            </a:pPr>
+            <a:r>
+              <a:rPr lang="fr-FR" sz="1600" i="1" dirty="0" smtClean="0">
+                <a:solidFill>
+                  <a:schemeClr val="tx2"/>
+                </a:solidFill>
+                <a:latin typeface="Lato Light"/>
+                <a:cs typeface="Lato Light"/>
+              </a:rPr>
+              <a:t>Psychologies.com</a:t>
+            </a:r>
+            <a:endParaRPr lang="fr-FR" sz="1600" i="1" dirty="0">
+              <a:solidFill>
+                <a:schemeClr val="tx2"/>
+              </a:solidFill>
+              <a:latin typeface="Lato Light"/>
+              <a:cs typeface="Lato Light"/>
+            </a:endParaRPr>
+          </a:p>
+        </p:txBody>
+      </p:sp>
+    </p:spTree>
+    <p:extLst>
+      <p:ext uri="{BB962C8B-B14F-4D97-AF65-F5344CB8AC3E}">
+        <p14:creationId xmlns:p14="http://schemas.microsoft.com/office/powerpoint/2010/main" val="2697850890"/>
+      </p:ext>
+    </p:extLst>
+  </p:cSld>
+  <p:clrMapOvr>
+    <a:masterClrMapping/>
+  </p:clrMapOvr>
+  <p:timing>
+    <p:tnLst>
+      <p:par>
+        <p:cTn id="1" dur="indefinite" restart="never" nodeType="tmRoot"/>
+      </p:par>
+    </p:tnLst>
+  </p:timing>
+</p:sld>
+</file>
+
+<file path=ppt/slides/slide20.xml><?xml version="1.0" encoding="utf-8"?>
 <p:sld xmlns:a="http://schemas.openxmlformats.org/drawingml/2006/main" xmlns:r="http://schemas.openxmlformats.org/officeDocument/2006/relationships" xmlns:p="http://schemas.openxmlformats.org/presentationml/2006/main">
   <p:cSld>
     <p:spTree>
@@ -14876,17 +15681,7 @@
                 <a:latin typeface="Lato Regular"/>
                 <a:cs typeface="Lato Regular"/>
               </a:rPr>
-              <a:t>Lancement </a:t>
-            </a:r>
-            <a:r>
-              <a:rPr lang="fr-FR" sz="2000" dirty="0" smtClean="0">
-                <a:solidFill>
-                  <a:schemeClr val="tx2"/>
-                </a:solidFill>
-                <a:latin typeface="Lato Regular"/>
-                <a:cs typeface="Lato Regular"/>
-              </a:rPr>
-              <a:t>d’un tir de charge sur </a:t>
+              <a:t>Lancement d’un tir de charge sur </a:t>
             </a:r>
             <a:r>
               <a:rPr lang="fr-FR" sz="2000" dirty="0" err="1" smtClean="0">
@@ -15051,17 +15846,7 @@
                 <a:latin typeface="Lato Light"/>
                 <a:cs typeface="Lato Light"/>
               </a:rPr>
-              <a:t>Lancement d’un nouveau tir de </a:t>
-            </a:r>
-            <a:r>
-              <a:rPr lang="fr-FR" sz="2000" dirty="0" smtClean="0">
-                <a:solidFill>
-                  <a:schemeClr val="tx2"/>
-                </a:solidFill>
-                <a:latin typeface="Lato Light"/>
-                <a:cs typeface="Lato Light"/>
-              </a:rPr>
-              <a:t>charge</a:t>
+              <a:t>Lancement d’un nouveau tir de charge</a:t>
             </a:r>
           </a:p>
           <a:p>
@@ -15079,13 +15864,6 @@
               </a:rPr>
               <a:t>Suivi de l’état des conteneurs avec un outil de monitoring</a:t>
             </a:r>
-            <a:endParaRPr lang="fr-FR" sz="2000" dirty="0" smtClean="0">
-              <a:solidFill>
-                <a:schemeClr val="tx2"/>
-              </a:solidFill>
-              <a:latin typeface="Lato Light"/>
-              <a:cs typeface="Lato Light"/>
-            </a:endParaRPr>
           </a:p>
           <a:p>
             <a:pPr marL="571500" indent="-571500">
@@ -15138,364 +15916,7 @@
 </p:sld>
 </file>
 
-<file path=ppt/slides/slide2.xml><?xml version="1.0" encoding="utf-8"?>
-<p:sld xmlns:a="http://schemas.openxmlformats.org/drawingml/2006/main" xmlns:r="http://schemas.openxmlformats.org/officeDocument/2006/relationships" xmlns:p="http://schemas.openxmlformats.org/presentationml/2006/main">
-  <p:cSld>
-    <p:spTree>
-      <p:nvGrpSpPr>
-        <p:cNvPr id="1" name=""/>
-        <p:cNvGrpSpPr/>
-        <p:nvPr/>
-      </p:nvGrpSpPr>
-      <p:grpSpPr>
-        <a:xfrm>
-          <a:off x="0" y="0"/>
-          <a:ext cx="0" cy="0"/>
-          <a:chOff x="0" y="0"/>
-          <a:chExt cx="0" cy="0"/>
-        </a:xfrm>
-      </p:grpSpPr>
-      <p:grpSp>
-        <p:nvGrpSpPr>
-          <p:cNvPr id="202" name="Groupe 201"/>
-          <p:cNvGrpSpPr/>
-          <p:nvPr/>
-        </p:nvGrpSpPr>
-        <p:grpSpPr>
-          <a:xfrm>
-            <a:off x="0" y="73772"/>
-            <a:ext cx="5717107" cy="883356"/>
-            <a:chOff x="0" y="-9760"/>
-            <a:chExt cx="4578456" cy="785565"/>
-          </a:xfrm>
-        </p:grpSpPr>
-        <p:sp>
-          <p:nvSpPr>
-            <p:cNvPr id="203" name="ZoneTexte 202"/>
-            <p:cNvSpPr txBox="1"/>
-            <p:nvPr/>
-          </p:nvSpPr>
-          <p:spPr>
-            <a:xfrm>
-              <a:off x="109500" y="-9760"/>
-              <a:ext cx="4468956" cy="629520"/>
-            </a:xfrm>
-            <a:prstGeom prst="rect">
-              <a:avLst/>
-            </a:prstGeom>
-            <a:noFill/>
-          </p:spPr>
-          <p:txBody>
-            <a:bodyPr wrap="none" rtlCol="0">
-              <a:spAutoFit/>
-            </a:bodyPr>
-            <a:lstStyle/>
-            <a:p>
-              <a:r>
-                <a:rPr lang="fr-FR" sz="4000" b="1" dirty="0" smtClean="0">
-                  <a:latin typeface="Lato Regular" panose="020F0502020204030203" pitchFamily="34" charset="0"/>
-                  <a:ea typeface="Lato Regular" panose="020F0502020204030203" pitchFamily="34" charset="0"/>
-                  <a:cs typeface="Lato Regular" panose="020F0502020204030203" pitchFamily="34" charset="0"/>
-                </a:rPr>
-                <a:t>Ce qui ne nous tue pas…</a:t>
-              </a:r>
-              <a:endParaRPr lang="fr-FR" sz="3600" b="1" dirty="0">
-                <a:latin typeface="Lato Regular" panose="020F0502020204030203" pitchFamily="34" charset="0"/>
-                <a:ea typeface="Lato Regular" panose="020F0502020204030203" pitchFamily="34" charset="0"/>
-                <a:cs typeface="Lato Regular" panose="020F0502020204030203" pitchFamily="34" charset="0"/>
-              </a:endParaRPr>
-            </a:p>
-          </p:txBody>
-        </p:sp>
-        <p:sp>
-          <p:nvSpPr>
-            <p:cNvPr id="204" name="Rectangle 203"/>
-            <p:cNvSpPr/>
-            <p:nvPr/>
-          </p:nvSpPr>
-          <p:spPr>
-            <a:xfrm>
-              <a:off x="0" y="619760"/>
-              <a:ext cx="2357120" cy="156045"/>
-            </a:xfrm>
-            <a:prstGeom prst="rect">
-              <a:avLst/>
-            </a:prstGeom>
-            <a:solidFill>
-              <a:srgbClr val="2F6079"/>
-            </a:solidFill>
-            <a:ln>
-              <a:noFill/>
-            </a:ln>
-          </p:spPr>
-          <p:style>
-            <a:lnRef idx="2">
-              <a:schemeClr val="accent1">
-                <a:shade val="50000"/>
-              </a:schemeClr>
-            </a:lnRef>
-            <a:fillRef idx="1">
-              <a:schemeClr val="accent1"/>
-            </a:fillRef>
-            <a:effectRef idx="0">
-              <a:schemeClr val="accent1"/>
-            </a:effectRef>
-            <a:fontRef idx="minor">
-              <a:schemeClr val="lt1"/>
-            </a:fontRef>
-          </p:style>
-          <p:txBody>
-            <a:bodyPr rtlCol="0" anchor="ctr"/>
-            <a:lstStyle/>
-            <a:p>
-              <a:pPr algn="ctr"/>
-              <a:endParaRPr lang="fr-FR"/>
-            </a:p>
-          </p:txBody>
-        </p:sp>
-      </p:grpSp>
-      <p:sp>
-        <p:nvSpPr>
-          <p:cNvPr id="6" name="Subtitle 2">
-            <a:extLst>
-              <a:ext uri="{FF2B5EF4-FFF2-40B4-BE49-F238E27FC236}">
-                <a16:creationId xmlns:a16="http://schemas.microsoft.com/office/drawing/2014/main" id="{D14CB390-EA4F-4FA9-A9B4-B33E71E51B9E}"/>
-              </a:ext>
-            </a:extLst>
-          </p:cNvPr>
-          <p:cNvSpPr txBox="1">
-            <a:spLocks/>
-          </p:cNvSpPr>
-          <p:nvPr/>
-        </p:nvSpPr>
-        <p:spPr>
-          <a:xfrm>
-            <a:off x="2542286" y="2676709"/>
-            <a:ext cx="7201626" cy="1730904"/>
-          </a:xfrm>
-          <a:prstGeom prst="rect">
-            <a:avLst/>
-          </a:prstGeom>
-          <a:solidFill>
-            <a:schemeClr val="bg1"/>
-          </a:solidFill>
-        </p:spPr>
-        <p:txBody>
-          <a:bodyPr vert="horz" lIns="243744" tIns="121869" rIns="243744" bIns="121869" rtlCol="0">
-            <a:noAutofit/>
-          </a:bodyPr>
-          <a:lstStyle>
-            <a:lvl1pPr marL="342900" indent="-342900" algn="l" defTabSz="457200" rtl="0" eaLnBrk="1" latinLnBrk="0" hangingPunct="1">
-              <a:spcBef>
-                <a:spcPct val="20000"/>
-              </a:spcBef>
-              <a:buFont typeface="Arial"/>
-              <a:buChar char="•"/>
-              <a:defRPr sz="3200" kern="1200">
-                <a:solidFill>
-                  <a:schemeClr val="tx1"/>
-                </a:solidFill>
-                <a:latin typeface="+mn-lt"/>
-                <a:ea typeface="+mn-ea"/>
-                <a:cs typeface="+mn-cs"/>
-              </a:defRPr>
-            </a:lvl1pPr>
-            <a:lvl2pPr marL="742950" indent="-285750" algn="l" defTabSz="457200" rtl="0" eaLnBrk="1" latinLnBrk="0" hangingPunct="1">
-              <a:spcBef>
-                <a:spcPct val="20000"/>
-              </a:spcBef>
-              <a:buFont typeface="Arial"/>
-              <a:buChar char="–"/>
-              <a:defRPr sz="2800" kern="1200">
-                <a:solidFill>
-                  <a:schemeClr val="tx1"/>
-                </a:solidFill>
-                <a:latin typeface="+mn-lt"/>
-                <a:ea typeface="+mn-ea"/>
-                <a:cs typeface="+mn-cs"/>
-              </a:defRPr>
-            </a:lvl2pPr>
-            <a:lvl3pPr marL="1143000" indent="-228600" algn="l" defTabSz="457200" rtl="0" eaLnBrk="1" latinLnBrk="0" hangingPunct="1">
-              <a:spcBef>
-                <a:spcPct val="20000"/>
-              </a:spcBef>
-              <a:buFont typeface="Arial"/>
-              <a:buChar char="•"/>
-              <a:defRPr sz="2400" kern="1200">
-                <a:solidFill>
-                  <a:schemeClr val="tx1"/>
-                </a:solidFill>
-                <a:latin typeface="+mn-lt"/>
-                <a:ea typeface="+mn-ea"/>
-                <a:cs typeface="+mn-cs"/>
-              </a:defRPr>
-            </a:lvl3pPr>
-            <a:lvl4pPr marL="1600200" indent="-228600" algn="l" defTabSz="457200" rtl="0" eaLnBrk="1" latinLnBrk="0" hangingPunct="1">
-              <a:spcBef>
-                <a:spcPct val="20000"/>
-              </a:spcBef>
-              <a:buFont typeface="Arial"/>
-              <a:buChar char="–"/>
-              <a:defRPr sz="2000" kern="1200">
-                <a:solidFill>
-                  <a:schemeClr val="tx1"/>
-                </a:solidFill>
-                <a:latin typeface="+mn-lt"/>
-                <a:ea typeface="+mn-ea"/>
-                <a:cs typeface="+mn-cs"/>
-              </a:defRPr>
-            </a:lvl4pPr>
-            <a:lvl5pPr marL="2057400" indent="-228600" algn="l" defTabSz="457200" rtl="0" eaLnBrk="1" latinLnBrk="0" hangingPunct="1">
-              <a:spcBef>
-                <a:spcPct val="20000"/>
-              </a:spcBef>
-              <a:buFont typeface="Arial"/>
-              <a:buChar char="»"/>
-              <a:defRPr sz="2000" kern="1200">
-                <a:solidFill>
-                  <a:schemeClr val="tx1"/>
-                </a:solidFill>
-                <a:latin typeface="+mn-lt"/>
-                <a:ea typeface="+mn-ea"/>
-                <a:cs typeface="+mn-cs"/>
-              </a:defRPr>
-            </a:lvl5pPr>
-            <a:lvl6pPr marL="2514600" indent="-228600" algn="l" defTabSz="457200" rtl="0" eaLnBrk="1" latinLnBrk="0" hangingPunct="1">
-              <a:spcBef>
-                <a:spcPct val="20000"/>
-              </a:spcBef>
-              <a:buFont typeface="Arial"/>
-              <a:buChar char="•"/>
-              <a:defRPr sz="2000" kern="1200">
-                <a:solidFill>
-                  <a:schemeClr val="tx1"/>
-                </a:solidFill>
-                <a:latin typeface="+mn-lt"/>
-                <a:ea typeface="+mn-ea"/>
-                <a:cs typeface="+mn-cs"/>
-              </a:defRPr>
-            </a:lvl6pPr>
-            <a:lvl7pPr marL="2971800" indent="-228600" algn="l" defTabSz="457200" rtl="0" eaLnBrk="1" latinLnBrk="0" hangingPunct="1">
-              <a:spcBef>
-                <a:spcPct val="20000"/>
-              </a:spcBef>
-              <a:buFont typeface="Arial"/>
-              <a:buChar char="•"/>
-              <a:defRPr sz="2000" kern="1200">
-                <a:solidFill>
-                  <a:schemeClr val="tx1"/>
-                </a:solidFill>
-                <a:latin typeface="+mn-lt"/>
-                <a:ea typeface="+mn-ea"/>
-                <a:cs typeface="+mn-cs"/>
-              </a:defRPr>
-            </a:lvl7pPr>
-            <a:lvl8pPr marL="3429000" indent="-228600" algn="l" defTabSz="457200" rtl="0" eaLnBrk="1" latinLnBrk="0" hangingPunct="1">
-              <a:spcBef>
-                <a:spcPct val="20000"/>
-              </a:spcBef>
-              <a:buFont typeface="Arial"/>
-              <a:buChar char="•"/>
-              <a:defRPr sz="2000" kern="1200">
-                <a:solidFill>
-                  <a:schemeClr val="tx1"/>
-                </a:solidFill>
-                <a:latin typeface="+mn-lt"/>
-                <a:ea typeface="+mn-ea"/>
-                <a:cs typeface="+mn-cs"/>
-              </a:defRPr>
-            </a:lvl8pPr>
-            <a:lvl9pPr marL="3886200" indent="-228600" algn="l" defTabSz="457200" rtl="0" eaLnBrk="1" latinLnBrk="0" hangingPunct="1">
-              <a:spcBef>
-                <a:spcPct val="20000"/>
-              </a:spcBef>
-              <a:buFont typeface="Arial"/>
-              <a:buChar char="•"/>
-              <a:defRPr sz="2000" kern="1200">
-                <a:solidFill>
-                  <a:schemeClr val="tx1"/>
-                </a:solidFill>
-                <a:latin typeface="+mn-lt"/>
-                <a:ea typeface="+mn-ea"/>
-                <a:cs typeface="+mn-cs"/>
-              </a:defRPr>
-            </a:lvl9pPr>
-          </a:lstStyle>
-          <a:p>
-            <a:pPr marL="0" indent="0">
-              <a:buNone/>
-            </a:pPr>
-            <a:r>
-              <a:rPr lang="fr-FR" sz="2000" dirty="0" smtClean="0">
-                <a:solidFill>
-                  <a:schemeClr val="tx2"/>
-                </a:solidFill>
-                <a:latin typeface="Lato Regular"/>
-                <a:cs typeface="Lato Regular"/>
-              </a:rPr>
-              <a:t>Résilience</a:t>
-            </a:r>
-          </a:p>
-          <a:p>
-            <a:pPr marL="0" indent="0">
-              <a:buNone/>
-            </a:pPr>
-            <a:r>
-              <a:rPr lang="fr-FR" sz="1600" dirty="0" smtClean="0">
-                <a:solidFill>
-                  <a:schemeClr val="tx2"/>
-                </a:solidFill>
-                <a:latin typeface="Lato Light"/>
-                <a:cs typeface="Lato Light"/>
-              </a:rPr>
-              <a:t>« La résilience est la capacité pour un individu à faire face à une situation difficile ou génératrice de stress. […] Faculté à « rebondir », à vaincre des situations traumatiques. »</a:t>
-            </a:r>
-          </a:p>
-          <a:p>
-            <a:pPr marL="0" indent="0" algn="r">
-              <a:buNone/>
-            </a:pPr>
-            <a:r>
-              <a:rPr lang="fr-FR" sz="1600" i="1" dirty="0" smtClean="0">
-                <a:solidFill>
-                  <a:schemeClr val="tx2"/>
-                </a:solidFill>
-                <a:latin typeface="Lato Light"/>
-                <a:cs typeface="Lato Light"/>
-              </a:rPr>
-              <a:t>Psychologies.com</a:t>
-            </a:r>
-            <a:endParaRPr lang="fr-FR" sz="1600" i="1" dirty="0">
-              <a:solidFill>
-                <a:schemeClr val="tx2"/>
-              </a:solidFill>
-              <a:latin typeface="Lato Light"/>
-              <a:cs typeface="Lato Light"/>
-            </a:endParaRPr>
-          </a:p>
-        </p:txBody>
-      </p:sp>
-    </p:spTree>
-    <p:extLst>
-      <p:ext uri="{BB962C8B-B14F-4D97-AF65-F5344CB8AC3E}">
-        <p14:creationId xmlns:p14="http://schemas.microsoft.com/office/powerpoint/2010/main" val="2697850890"/>
-      </p:ext>
-    </p:extLst>
-  </p:cSld>
-  <p:clrMapOvr>
-    <a:masterClrMapping/>
-  </p:clrMapOvr>
-  <p:timing>
-    <p:tnLst>
-      <p:par>
-        <p:cTn id="1" dur="indefinite" restart="never" nodeType="tmRoot"/>
-      </p:par>
-    </p:tnLst>
-  </p:timing>
-</p:sld>
-</file>
-
-<file path=ppt/slides/slide20.xml><?xml version="1.0" encoding="utf-8"?>
+<file path=ppt/slides/slide21.xml><?xml version="1.0" encoding="utf-8"?>
 <p:sld xmlns:a="http://schemas.openxmlformats.org/drawingml/2006/main" xmlns:r="http://schemas.openxmlformats.org/officeDocument/2006/relationships" xmlns:p="http://schemas.openxmlformats.org/presentationml/2006/main">
   <p:cSld>
     <p:spTree>
@@ -15641,11 +16062,6 @@
               </a:rPr>
               <a:t>Tir :  C:\dev\gatling-maven-plugin-demo\target\gatling\basicsimulation-nbtir\index.html</a:t>
             </a:r>
-            <a:endParaRPr lang="fr-FR" dirty="0">
-              <a:latin typeface="Lato Regular" panose="020F0502020204030203" pitchFamily="34" charset="0"/>
-              <a:ea typeface="Lato Regular" panose="020F0502020204030203" pitchFamily="34" charset="0"/>
-              <a:cs typeface="Lato Regular" panose="020F0502020204030203" pitchFamily="34" charset="0"/>
-            </a:endParaRPr>
           </a:p>
         </p:txBody>
       </p:sp>
@@ -15922,6 +16338,65 @@
           </a:p>
         </p:txBody>
       </p:sp>
+      <p:sp>
+        <p:nvSpPr>
+          <p:cNvPr id="9" name="Étoile à 5 branches 8"/>
+          <p:cNvSpPr/>
+          <p:nvPr/>
+        </p:nvSpPr>
+        <p:spPr>
+          <a:xfrm rot="1662404">
+            <a:off x="9549502" y="369826"/>
+            <a:ext cx="2280456" cy="2119735"/>
+          </a:xfrm>
+          <a:prstGeom prst="star5">
+            <a:avLst>
+              <a:gd name="adj" fmla="val 21129"/>
+              <a:gd name="hf" fmla="val 105146"/>
+              <a:gd name="vf" fmla="val 110557"/>
+            </a:avLst>
+          </a:prstGeom>
+          <a:ln w="57150">
+            <a:solidFill>
+              <a:srgbClr val="FF0000"/>
+            </a:solidFill>
+          </a:ln>
+        </p:spPr>
+        <p:style>
+          <a:lnRef idx="0">
+            <a:schemeClr val="accent4"/>
+          </a:lnRef>
+          <a:fillRef idx="3">
+            <a:schemeClr val="accent4"/>
+          </a:fillRef>
+          <a:effectRef idx="3">
+            <a:schemeClr val="accent4"/>
+          </a:effectRef>
+          <a:fontRef idx="minor">
+            <a:schemeClr val="lt1"/>
+          </a:fontRef>
+        </p:style>
+        <p:txBody>
+          <a:bodyPr rtlCol="0" anchor="ctr"/>
+          <a:lstStyle/>
+          <a:p>
+            <a:pPr algn="ctr"/>
+            <a:r>
+              <a:rPr lang="fr-FR" sz="3600" b="1" dirty="0" smtClean="0">
+                <a:solidFill>
+                  <a:srgbClr val="FF0000"/>
+                </a:solidFill>
+              </a:rPr>
+              <a:t>WIP</a:t>
+            </a:r>
+            <a:endParaRPr lang="fr-FR" sz="3600" b="1" dirty="0">
+              <a:solidFill>
+                <a:srgbClr val="FF0000"/>
+              </a:solidFill>
+            </a:endParaRPr>
+          </a:p>
+        </p:txBody>
+      </p:sp>
     </p:spTree>
     <p:extLst>
       <p:ext uri="{BB962C8B-B14F-4D97-AF65-F5344CB8AC3E}">
@@ -15942,7 +16417,7 @@
 </p:sld>
 </file>
 
-<file path=ppt/slides/slide21.xml><?xml version="1.0" encoding="utf-8"?>
+<file path=ppt/slides/slide22.xml><?xml version="1.0" encoding="utf-8"?>
 <p:sld xmlns:a="http://schemas.openxmlformats.org/drawingml/2006/main" xmlns:r="http://schemas.openxmlformats.org/officeDocument/2006/relationships" xmlns:p="http://schemas.openxmlformats.org/presentationml/2006/main">
   <p:cSld>
     <p:spTree>
@@ -16293,7 +16768,7 @@
 </p:sld>
 </file>
 
-<file path=ppt/slides/slide22.xml><?xml version="1.0" encoding="utf-8"?>
+<file path=ppt/slides/slide23.xml><?xml version="1.0" encoding="utf-8"?>
 <p:sld xmlns:a="http://schemas.openxmlformats.org/drawingml/2006/main" xmlns:r="http://schemas.openxmlformats.org/officeDocument/2006/relationships" xmlns:p="http://schemas.openxmlformats.org/presentationml/2006/main">
   <p:cSld>
     <p:spTree>
@@ -16493,13 +16968,6 @@
               </a:rPr>
               <a:t>Mise en place d’une solution technique pour palier aux problèmes rencontrés</a:t>
             </a:r>
-            <a:endParaRPr lang="fr-FR" sz="2000" dirty="0" smtClean="0">
-              <a:solidFill>
-                <a:schemeClr val="tx2"/>
-              </a:solidFill>
-              <a:latin typeface="Lato Light"/>
-              <a:cs typeface="Lato Light"/>
-            </a:endParaRPr>
           </a:p>
         </p:txBody>
       </p:sp>
@@ -16523,7 +16991,7 @@
 </p:sld>
 </file>
 
-<file path=ppt/slides/slide23.xml><?xml version="1.0" encoding="utf-8"?>
+<file path=ppt/slides/slide24.xml><?xml version="1.0" encoding="utf-8"?>
 <p:sld xmlns:a="http://schemas.openxmlformats.org/drawingml/2006/main" xmlns:r="http://schemas.openxmlformats.org/officeDocument/2006/relationships" xmlns:p="http://schemas.openxmlformats.org/presentationml/2006/main">
   <p:cSld>
     <p:spTree>
@@ -16907,7 +17375,7 @@
 </p:sld>
 </file>
 
-<file path=ppt/slides/slide24.xml><?xml version="1.0" encoding="utf-8"?>
+<file path=ppt/slides/slide25.xml><?xml version="1.0" encoding="utf-8"?>
 <p:sld xmlns:a="http://schemas.openxmlformats.org/drawingml/2006/main" xmlns:r="http://schemas.openxmlformats.org/officeDocument/2006/relationships" xmlns:p="http://schemas.openxmlformats.org/presentationml/2006/main">
   <p:cSld>
     <p:spTree>
@@ -17076,7 +17544,7 @@
 </p:sld>
 </file>
 
-<file path=ppt/slides/slide25.xml><?xml version="1.0" encoding="utf-8"?>
+<file path=ppt/slides/slide26.xml><?xml version="1.0" encoding="utf-8"?>
 <p:sld xmlns:a="http://schemas.openxmlformats.org/drawingml/2006/main" xmlns:r="http://schemas.openxmlformats.org/officeDocument/2006/relationships" xmlns:p="http://schemas.openxmlformats.org/presentationml/2006/main">
   <p:cSld>
     <p:spTree>
@@ -17301,14 +17769,6 @@
               </a:rPr>
               <a:t> :</a:t>
             </a:r>
-            <a:endParaRPr lang="fr-FR" sz="1600" dirty="0" smtClean="0">
-              <a:solidFill>
-                <a:schemeClr val="tx2"/>
-              </a:solidFill>
-              <a:latin typeface="Lato Regular" panose="020F0502020204030203" pitchFamily="34" charset="0"/>
-              <a:ea typeface="Lato Regular" panose="020F0502020204030203" pitchFamily="34" charset="0"/>
-              <a:cs typeface="Lato Regular" panose="020F0502020204030203" pitchFamily="34" charset="0"/>
-            </a:endParaRPr>
           </a:p>
           <a:p>
             <a:r>
@@ -19333,6 +19793,580 @@
       </p:grpSpPr>
       <p:grpSp>
         <p:nvGrpSpPr>
+          <p:cNvPr id="12" name="Groupe 11"/>
+          <p:cNvGrpSpPr/>
+          <p:nvPr/>
+        </p:nvGrpSpPr>
+        <p:grpSpPr>
+          <a:xfrm>
+            <a:off x="0" y="73772"/>
+            <a:ext cx="2943331" cy="883356"/>
+            <a:chOff x="0" y="-9760"/>
+            <a:chExt cx="2357120" cy="785565"/>
+          </a:xfrm>
+        </p:grpSpPr>
+        <p:sp>
+          <p:nvSpPr>
+            <p:cNvPr id="13" name="ZoneTexte 12"/>
+            <p:cNvSpPr txBox="1"/>
+            <p:nvPr/>
+          </p:nvSpPr>
+          <p:spPr>
+            <a:xfrm>
+              <a:off x="109500" y="-9760"/>
+              <a:ext cx="1757696" cy="629520"/>
+            </a:xfrm>
+            <a:prstGeom prst="rect">
+              <a:avLst/>
+            </a:prstGeom>
+            <a:noFill/>
+          </p:spPr>
+          <p:txBody>
+            <a:bodyPr wrap="none" rtlCol="0">
+              <a:spAutoFit/>
+            </a:bodyPr>
+            <a:lstStyle/>
+            <a:p>
+              <a:r>
+                <a:rPr lang="fr-FR" sz="4000" b="1" dirty="0" smtClean="0">
+                  <a:latin typeface="Lato Regular" panose="020F0502020204030203" pitchFamily="34" charset="0"/>
+                  <a:ea typeface="Lato Regular" panose="020F0502020204030203" pitchFamily="34" charset="0"/>
+                  <a:cs typeface="Lato Regular" panose="020F0502020204030203" pitchFamily="34" charset="0"/>
+                </a:rPr>
+                <a:t>Objectifs</a:t>
+              </a:r>
+              <a:endParaRPr lang="fr-FR" sz="3600" b="1" dirty="0">
+                <a:latin typeface="Lato Regular" panose="020F0502020204030203" pitchFamily="34" charset="0"/>
+                <a:ea typeface="Lato Regular" panose="020F0502020204030203" pitchFamily="34" charset="0"/>
+                <a:cs typeface="Lato Regular" panose="020F0502020204030203" pitchFamily="34" charset="0"/>
+              </a:endParaRPr>
+            </a:p>
+          </p:txBody>
+        </p:sp>
+        <p:sp>
+          <p:nvSpPr>
+            <p:cNvPr id="14" name="Rectangle 13"/>
+            <p:cNvSpPr/>
+            <p:nvPr/>
+          </p:nvSpPr>
+          <p:spPr>
+            <a:xfrm>
+              <a:off x="0" y="619760"/>
+              <a:ext cx="2357120" cy="156045"/>
+            </a:xfrm>
+            <a:prstGeom prst="rect">
+              <a:avLst/>
+            </a:prstGeom>
+            <a:solidFill>
+              <a:srgbClr val="2F6079"/>
+            </a:solidFill>
+            <a:ln>
+              <a:noFill/>
+            </a:ln>
+          </p:spPr>
+          <p:style>
+            <a:lnRef idx="2">
+              <a:schemeClr val="accent1">
+                <a:shade val="50000"/>
+              </a:schemeClr>
+            </a:lnRef>
+            <a:fillRef idx="1">
+              <a:schemeClr val="accent1"/>
+            </a:fillRef>
+            <a:effectRef idx="0">
+              <a:schemeClr val="accent1"/>
+            </a:effectRef>
+            <a:fontRef idx="minor">
+              <a:schemeClr val="lt1"/>
+            </a:fontRef>
+          </p:style>
+          <p:txBody>
+            <a:bodyPr rtlCol="0" anchor="ctr"/>
+            <a:lstStyle/>
+            <a:p>
+              <a:pPr algn="ctr"/>
+              <a:endParaRPr lang="fr-FR"/>
+            </a:p>
+          </p:txBody>
+        </p:sp>
+      </p:grpSp>
+      <p:sp>
+        <p:nvSpPr>
+          <p:cNvPr id="15" name="Subtitle 2">
+            <a:extLst>
+              <a:ext uri="{FF2B5EF4-FFF2-40B4-BE49-F238E27FC236}">
+                <a16:creationId xmlns:a16="http://schemas.microsoft.com/office/drawing/2014/main" id="{3A78FA13-AC9F-47B6-87F4-D7D64D1358A9}"/>
+              </a:ext>
+            </a:extLst>
+          </p:cNvPr>
+          <p:cNvSpPr txBox="1">
+            <a:spLocks/>
+          </p:cNvSpPr>
+          <p:nvPr/>
+        </p:nvSpPr>
+        <p:spPr>
+          <a:xfrm>
+            <a:off x="305336" y="1312781"/>
+            <a:ext cx="9586809" cy="4896344"/>
+          </a:xfrm>
+          <a:prstGeom prst="rect">
+            <a:avLst/>
+          </a:prstGeom>
+        </p:spPr>
+        <p:txBody>
+          <a:bodyPr vert="horz" lIns="243744" tIns="121869" rIns="243744" bIns="121869" rtlCol="0">
+            <a:noAutofit/>
+          </a:bodyPr>
+          <a:lstStyle>
+            <a:lvl1pPr marL="342900" indent="-342900" algn="l" defTabSz="457200" rtl="0" eaLnBrk="1" latinLnBrk="0" hangingPunct="1">
+              <a:spcBef>
+                <a:spcPct val="20000"/>
+              </a:spcBef>
+              <a:buFont typeface="Arial"/>
+              <a:buChar char="•"/>
+              <a:defRPr sz="3200" kern="1200">
+                <a:solidFill>
+                  <a:schemeClr val="tx1"/>
+                </a:solidFill>
+                <a:latin typeface="+mn-lt"/>
+                <a:ea typeface="+mn-ea"/>
+                <a:cs typeface="+mn-cs"/>
+              </a:defRPr>
+            </a:lvl1pPr>
+            <a:lvl2pPr marL="742950" indent="-285750" algn="l" defTabSz="457200" rtl="0" eaLnBrk="1" latinLnBrk="0" hangingPunct="1">
+              <a:spcBef>
+                <a:spcPct val="20000"/>
+              </a:spcBef>
+              <a:buFont typeface="Arial"/>
+              <a:buChar char="–"/>
+              <a:defRPr sz="2800" kern="1200">
+                <a:solidFill>
+                  <a:schemeClr val="tx1"/>
+                </a:solidFill>
+                <a:latin typeface="+mn-lt"/>
+                <a:ea typeface="+mn-ea"/>
+                <a:cs typeface="+mn-cs"/>
+              </a:defRPr>
+            </a:lvl2pPr>
+            <a:lvl3pPr marL="1143000" indent="-228600" algn="l" defTabSz="457200" rtl="0" eaLnBrk="1" latinLnBrk="0" hangingPunct="1">
+              <a:spcBef>
+                <a:spcPct val="20000"/>
+              </a:spcBef>
+              <a:buFont typeface="Arial"/>
+              <a:buChar char="•"/>
+              <a:defRPr sz="2400" kern="1200">
+                <a:solidFill>
+                  <a:schemeClr val="tx1"/>
+                </a:solidFill>
+                <a:latin typeface="+mn-lt"/>
+                <a:ea typeface="+mn-ea"/>
+                <a:cs typeface="+mn-cs"/>
+              </a:defRPr>
+            </a:lvl3pPr>
+            <a:lvl4pPr marL="1600200" indent="-228600" algn="l" defTabSz="457200" rtl="0" eaLnBrk="1" latinLnBrk="0" hangingPunct="1">
+              <a:spcBef>
+                <a:spcPct val="20000"/>
+              </a:spcBef>
+              <a:buFont typeface="Arial"/>
+              <a:buChar char="–"/>
+              <a:defRPr sz="2000" kern="1200">
+                <a:solidFill>
+                  <a:schemeClr val="tx1"/>
+                </a:solidFill>
+                <a:latin typeface="+mn-lt"/>
+                <a:ea typeface="+mn-ea"/>
+                <a:cs typeface="+mn-cs"/>
+              </a:defRPr>
+            </a:lvl4pPr>
+            <a:lvl5pPr marL="2057400" indent="-228600" algn="l" defTabSz="457200" rtl="0" eaLnBrk="1" latinLnBrk="0" hangingPunct="1">
+              <a:spcBef>
+                <a:spcPct val="20000"/>
+              </a:spcBef>
+              <a:buFont typeface="Arial"/>
+              <a:buChar char="»"/>
+              <a:defRPr sz="2000" kern="1200">
+                <a:solidFill>
+                  <a:schemeClr val="tx1"/>
+                </a:solidFill>
+                <a:latin typeface="+mn-lt"/>
+                <a:ea typeface="+mn-ea"/>
+                <a:cs typeface="+mn-cs"/>
+              </a:defRPr>
+            </a:lvl5pPr>
+            <a:lvl6pPr marL="2514600" indent="-228600" algn="l" defTabSz="457200" rtl="0" eaLnBrk="1" latinLnBrk="0" hangingPunct="1">
+              <a:spcBef>
+                <a:spcPct val="20000"/>
+              </a:spcBef>
+              <a:buFont typeface="Arial"/>
+              <a:buChar char="•"/>
+              <a:defRPr sz="2000" kern="1200">
+                <a:solidFill>
+                  <a:schemeClr val="tx1"/>
+                </a:solidFill>
+                <a:latin typeface="+mn-lt"/>
+                <a:ea typeface="+mn-ea"/>
+                <a:cs typeface="+mn-cs"/>
+              </a:defRPr>
+            </a:lvl6pPr>
+            <a:lvl7pPr marL="2971800" indent="-228600" algn="l" defTabSz="457200" rtl="0" eaLnBrk="1" latinLnBrk="0" hangingPunct="1">
+              <a:spcBef>
+                <a:spcPct val="20000"/>
+              </a:spcBef>
+              <a:buFont typeface="Arial"/>
+              <a:buChar char="•"/>
+              <a:defRPr sz="2000" kern="1200">
+                <a:solidFill>
+                  <a:schemeClr val="tx1"/>
+                </a:solidFill>
+                <a:latin typeface="+mn-lt"/>
+                <a:ea typeface="+mn-ea"/>
+                <a:cs typeface="+mn-cs"/>
+              </a:defRPr>
+            </a:lvl7pPr>
+            <a:lvl8pPr marL="3429000" indent="-228600" algn="l" defTabSz="457200" rtl="0" eaLnBrk="1" latinLnBrk="0" hangingPunct="1">
+              <a:spcBef>
+                <a:spcPct val="20000"/>
+              </a:spcBef>
+              <a:buFont typeface="Arial"/>
+              <a:buChar char="•"/>
+              <a:defRPr sz="2000" kern="1200">
+                <a:solidFill>
+                  <a:schemeClr val="tx1"/>
+                </a:solidFill>
+                <a:latin typeface="+mn-lt"/>
+                <a:ea typeface="+mn-ea"/>
+                <a:cs typeface="+mn-cs"/>
+              </a:defRPr>
+            </a:lvl8pPr>
+            <a:lvl9pPr marL="3886200" indent="-228600" algn="l" defTabSz="457200" rtl="0" eaLnBrk="1" latinLnBrk="0" hangingPunct="1">
+              <a:spcBef>
+                <a:spcPct val="20000"/>
+              </a:spcBef>
+              <a:buFont typeface="Arial"/>
+              <a:buChar char="•"/>
+              <a:defRPr sz="2000" kern="1200">
+                <a:solidFill>
+                  <a:schemeClr val="tx1"/>
+                </a:solidFill>
+                <a:latin typeface="+mn-lt"/>
+                <a:ea typeface="+mn-ea"/>
+                <a:cs typeface="+mn-cs"/>
+              </a:defRPr>
+            </a:lvl9pPr>
+          </a:lstStyle>
+          <a:p>
+            <a:r>
+              <a:rPr lang="fr-FR" sz="2800" dirty="0" smtClean="0">
+                <a:solidFill>
+                  <a:schemeClr val="tx2"/>
+                </a:solidFill>
+                <a:latin typeface="Lato Light"/>
+                <a:cs typeface="Lato Light"/>
+              </a:rPr>
+              <a:t>Introduction au Chaos Engineering</a:t>
+            </a:r>
+          </a:p>
+          <a:p>
+            <a:r>
+              <a:rPr lang="fr-FR" sz="2800" dirty="0" smtClean="0">
+                <a:solidFill>
+                  <a:schemeClr val="tx2"/>
+                </a:solidFill>
+                <a:latin typeface="Lato Light"/>
+                <a:cs typeface="Lato Light"/>
+              </a:rPr>
+              <a:t>Manipulation d’outils sur une application concrète :</a:t>
+            </a:r>
+          </a:p>
+          <a:p>
+            <a:pPr lvl="1"/>
+            <a:r>
+              <a:rPr lang="fr-FR" sz="2000" dirty="0" smtClean="0">
+                <a:solidFill>
+                  <a:schemeClr val="tx2"/>
+                </a:solidFill>
+                <a:latin typeface="Lato Light"/>
+                <a:cs typeface="Lato Light"/>
+              </a:rPr>
+              <a:t>Mutation des tests unitaires</a:t>
+            </a:r>
+          </a:p>
+          <a:p>
+            <a:pPr lvl="1"/>
+            <a:r>
+              <a:rPr lang="fr-FR" sz="2000" dirty="0" smtClean="0">
+                <a:solidFill>
+                  <a:schemeClr val="tx2"/>
+                </a:solidFill>
+                <a:latin typeface="Lato Light"/>
+                <a:cs typeface="Lato Light"/>
+              </a:rPr>
+              <a:t>Injection de pannes</a:t>
+            </a:r>
+          </a:p>
+          <a:p>
+            <a:pPr lvl="1"/>
+            <a:r>
+              <a:rPr lang="fr-FR" sz="2000" dirty="0" smtClean="0">
+                <a:solidFill>
+                  <a:schemeClr val="tx2"/>
+                </a:solidFill>
+                <a:latin typeface="Lato Light"/>
+                <a:cs typeface="Lato Light"/>
+              </a:rPr>
+              <a:t>Tirs de charge</a:t>
+            </a:r>
+          </a:p>
+          <a:p>
+            <a:r>
+              <a:rPr lang="fr-FR" sz="2800" dirty="0" smtClean="0">
+                <a:solidFill>
+                  <a:schemeClr val="tx2"/>
+                </a:solidFill>
+                <a:latin typeface="Lato Light"/>
+                <a:cs typeface="Lato Light"/>
+              </a:rPr>
+              <a:t>Mise en place d’une solution pour améliorer la résilience de notre application</a:t>
+            </a:r>
+          </a:p>
+          <a:p>
+            <a:r>
+              <a:rPr lang="fr-FR" sz="2800" dirty="0" err="1" smtClean="0">
+                <a:solidFill>
+                  <a:schemeClr val="tx2"/>
+                </a:solidFill>
+                <a:latin typeface="Lato Light"/>
+                <a:cs typeface="Lato Light"/>
+              </a:rPr>
+              <a:t>Debriefing</a:t>
+            </a:r>
+            <a:endParaRPr lang="fr-FR" sz="2800" dirty="0">
+              <a:solidFill>
+                <a:schemeClr val="tx2"/>
+              </a:solidFill>
+              <a:latin typeface="Lato Light"/>
+              <a:cs typeface="Lato Light"/>
+            </a:endParaRPr>
+          </a:p>
+        </p:txBody>
+      </p:sp>
+      <p:sp>
+        <p:nvSpPr>
+          <p:cNvPr id="6" name="Subtitle 2">
+            <a:extLst>
+              <a:ext uri="{FF2B5EF4-FFF2-40B4-BE49-F238E27FC236}">
+                <a16:creationId xmlns:a16="http://schemas.microsoft.com/office/drawing/2014/main" id="{3A78FA13-AC9F-47B6-87F4-D7D64D1358A9}"/>
+              </a:ext>
+            </a:extLst>
+          </p:cNvPr>
+          <p:cNvSpPr txBox="1">
+            <a:spLocks/>
+          </p:cNvSpPr>
+          <p:nvPr/>
+        </p:nvSpPr>
+        <p:spPr>
+          <a:xfrm>
+            <a:off x="5453423" y="1312781"/>
+            <a:ext cx="5148087" cy="4896344"/>
+          </a:xfrm>
+          <a:prstGeom prst="rect">
+            <a:avLst/>
+          </a:prstGeom>
+        </p:spPr>
+        <p:txBody>
+          <a:bodyPr vert="horz" lIns="243744" tIns="121869" rIns="243744" bIns="121869" rtlCol="0">
+            <a:noAutofit/>
+          </a:bodyPr>
+          <a:lstStyle>
+            <a:lvl1pPr marL="342900" indent="-342900" algn="l" defTabSz="457200" rtl="0" eaLnBrk="1" latinLnBrk="0" hangingPunct="1">
+              <a:spcBef>
+                <a:spcPct val="20000"/>
+              </a:spcBef>
+              <a:buFont typeface="Arial"/>
+              <a:buChar char="•"/>
+              <a:defRPr sz="3200" kern="1200">
+                <a:solidFill>
+                  <a:schemeClr val="tx1"/>
+                </a:solidFill>
+                <a:latin typeface="+mn-lt"/>
+                <a:ea typeface="+mn-ea"/>
+                <a:cs typeface="+mn-cs"/>
+              </a:defRPr>
+            </a:lvl1pPr>
+            <a:lvl2pPr marL="742950" indent="-285750" algn="l" defTabSz="457200" rtl="0" eaLnBrk="1" latinLnBrk="0" hangingPunct="1">
+              <a:spcBef>
+                <a:spcPct val="20000"/>
+              </a:spcBef>
+              <a:buFont typeface="Arial"/>
+              <a:buChar char="–"/>
+              <a:defRPr sz="2800" kern="1200">
+                <a:solidFill>
+                  <a:schemeClr val="tx1"/>
+                </a:solidFill>
+                <a:latin typeface="+mn-lt"/>
+                <a:ea typeface="+mn-ea"/>
+                <a:cs typeface="+mn-cs"/>
+              </a:defRPr>
+            </a:lvl2pPr>
+            <a:lvl3pPr marL="1143000" indent="-228600" algn="l" defTabSz="457200" rtl="0" eaLnBrk="1" latinLnBrk="0" hangingPunct="1">
+              <a:spcBef>
+                <a:spcPct val="20000"/>
+              </a:spcBef>
+              <a:buFont typeface="Arial"/>
+              <a:buChar char="•"/>
+              <a:defRPr sz="2400" kern="1200">
+                <a:solidFill>
+                  <a:schemeClr val="tx1"/>
+                </a:solidFill>
+                <a:latin typeface="+mn-lt"/>
+                <a:ea typeface="+mn-ea"/>
+                <a:cs typeface="+mn-cs"/>
+              </a:defRPr>
+            </a:lvl3pPr>
+            <a:lvl4pPr marL="1600200" indent="-228600" algn="l" defTabSz="457200" rtl="0" eaLnBrk="1" latinLnBrk="0" hangingPunct="1">
+              <a:spcBef>
+                <a:spcPct val="20000"/>
+              </a:spcBef>
+              <a:buFont typeface="Arial"/>
+              <a:buChar char="–"/>
+              <a:defRPr sz="2000" kern="1200">
+                <a:solidFill>
+                  <a:schemeClr val="tx1"/>
+                </a:solidFill>
+                <a:latin typeface="+mn-lt"/>
+                <a:ea typeface="+mn-ea"/>
+                <a:cs typeface="+mn-cs"/>
+              </a:defRPr>
+            </a:lvl4pPr>
+            <a:lvl5pPr marL="2057400" indent="-228600" algn="l" defTabSz="457200" rtl="0" eaLnBrk="1" latinLnBrk="0" hangingPunct="1">
+              <a:spcBef>
+                <a:spcPct val="20000"/>
+              </a:spcBef>
+              <a:buFont typeface="Arial"/>
+              <a:buChar char="»"/>
+              <a:defRPr sz="2000" kern="1200">
+                <a:solidFill>
+                  <a:schemeClr val="tx1"/>
+                </a:solidFill>
+                <a:latin typeface="+mn-lt"/>
+                <a:ea typeface="+mn-ea"/>
+                <a:cs typeface="+mn-cs"/>
+              </a:defRPr>
+            </a:lvl5pPr>
+            <a:lvl6pPr marL="2514600" indent="-228600" algn="l" defTabSz="457200" rtl="0" eaLnBrk="1" latinLnBrk="0" hangingPunct="1">
+              <a:spcBef>
+                <a:spcPct val="20000"/>
+              </a:spcBef>
+              <a:buFont typeface="Arial"/>
+              <a:buChar char="•"/>
+              <a:defRPr sz="2000" kern="1200">
+                <a:solidFill>
+                  <a:schemeClr val="tx1"/>
+                </a:solidFill>
+                <a:latin typeface="+mn-lt"/>
+                <a:ea typeface="+mn-ea"/>
+                <a:cs typeface="+mn-cs"/>
+              </a:defRPr>
+            </a:lvl6pPr>
+            <a:lvl7pPr marL="2971800" indent="-228600" algn="l" defTabSz="457200" rtl="0" eaLnBrk="1" latinLnBrk="0" hangingPunct="1">
+              <a:spcBef>
+                <a:spcPct val="20000"/>
+              </a:spcBef>
+              <a:buFont typeface="Arial"/>
+              <a:buChar char="•"/>
+              <a:defRPr sz="2000" kern="1200">
+                <a:solidFill>
+                  <a:schemeClr val="tx1"/>
+                </a:solidFill>
+                <a:latin typeface="+mn-lt"/>
+                <a:ea typeface="+mn-ea"/>
+                <a:cs typeface="+mn-cs"/>
+              </a:defRPr>
+            </a:lvl7pPr>
+            <a:lvl8pPr marL="3429000" indent="-228600" algn="l" defTabSz="457200" rtl="0" eaLnBrk="1" latinLnBrk="0" hangingPunct="1">
+              <a:spcBef>
+                <a:spcPct val="20000"/>
+              </a:spcBef>
+              <a:buFont typeface="Arial"/>
+              <a:buChar char="•"/>
+              <a:defRPr sz="2000" kern="1200">
+                <a:solidFill>
+                  <a:schemeClr val="tx1"/>
+                </a:solidFill>
+                <a:latin typeface="+mn-lt"/>
+                <a:ea typeface="+mn-ea"/>
+                <a:cs typeface="+mn-cs"/>
+              </a:defRPr>
+            </a:lvl8pPr>
+            <a:lvl9pPr marL="3886200" indent="-228600" algn="l" defTabSz="457200" rtl="0" eaLnBrk="1" latinLnBrk="0" hangingPunct="1">
+              <a:spcBef>
+                <a:spcPct val="20000"/>
+              </a:spcBef>
+              <a:buFont typeface="Arial"/>
+              <a:buChar char="•"/>
+              <a:defRPr sz="2000" kern="1200">
+                <a:solidFill>
+                  <a:schemeClr val="tx1"/>
+                </a:solidFill>
+                <a:latin typeface="+mn-lt"/>
+                <a:ea typeface="+mn-ea"/>
+                <a:cs typeface="+mn-cs"/>
+              </a:defRPr>
+            </a:lvl9pPr>
+          </a:lstStyle>
+          <a:p>
+            <a:pPr marL="0" indent="0">
+              <a:buNone/>
+            </a:pPr>
+            <a:endParaRPr lang="fr-FR" sz="1600" dirty="0">
+              <a:solidFill>
+                <a:schemeClr val="tx2"/>
+              </a:solidFill>
+              <a:latin typeface="Lato Light"/>
+              <a:cs typeface="Lato Light"/>
+            </a:endParaRPr>
+          </a:p>
+        </p:txBody>
+      </p:sp>
+    </p:spTree>
+    <p:extLst>
+      <p:ext uri="{BB962C8B-B14F-4D97-AF65-F5344CB8AC3E}">
+        <p14:creationId xmlns:p14="http://schemas.microsoft.com/office/powerpoint/2010/main" val="1399699685"/>
+      </p:ext>
+    </p:extLst>
+  </p:cSld>
+  <p:clrMapOvr>
+    <a:masterClrMapping/>
+  </p:clrMapOvr>
+  <p:timing>
+    <p:tnLst>
+      <p:par>
+        <p:cTn id="1" dur="indefinite" restart="never" nodeType="tmRoot"/>
+      </p:par>
+    </p:tnLst>
+  </p:timing>
+</p:sld>
+</file>
+
+<file path=ppt/slides/slide7.xml><?xml version="1.0" encoding="utf-8"?>
+<p:sld xmlns:a="http://schemas.openxmlformats.org/drawingml/2006/main" xmlns:r="http://schemas.openxmlformats.org/officeDocument/2006/relationships" xmlns:p="http://schemas.openxmlformats.org/presentationml/2006/main">
+  <p:cSld>
+    <p:spTree>
+      <p:nvGrpSpPr>
+        <p:cNvPr id="1" name=""/>
+        <p:cNvGrpSpPr/>
+        <p:nvPr/>
+      </p:nvGrpSpPr>
+      <p:grpSpPr>
+        <a:xfrm>
+          <a:off x="0" y="0"/>
+          <a:ext cx="0" cy="0"/>
+          <a:chOff x="0" y="0"/>
+          <a:chExt cx="0" cy="0"/>
+        </a:xfrm>
+      </p:grpSpPr>
+      <p:grpSp>
+        <p:nvGrpSpPr>
           <p:cNvPr id="202" name="Groupe 201"/>
           <p:cNvGrpSpPr/>
           <p:nvPr/>
@@ -19664,7 +20698,7 @@
 </p:sld>
 </file>
 
-<file path=ppt/slides/slide7.xml><?xml version="1.0" encoding="utf-8"?>
+<file path=ppt/slides/slide8.xml><?xml version="1.0" encoding="utf-8"?>
 <p:sld xmlns:a="http://schemas.openxmlformats.org/drawingml/2006/main" xmlns:r="http://schemas.openxmlformats.org/officeDocument/2006/relationships" xmlns:p="http://schemas.openxmlformats.org/presentationml/2006/main">
   <p:cSld>
     <p:spTree>
@@ -20115,7 +21149,7 @@
 </p:sld>
 </file>
 
-<file path=ppt/slides/slide8.xml><?xml version="1.0" encoding="utf-8"?>
+<file path=ppt/slides/slide9.xml><?xml version="1.0" encoding="utf-8"?>
 <p:sld xmlns:a="http://schemas.openxmlformats.org/drawingml/2006/main" xmlns:r="http://schemas.openxmlformats.org/officeDocument/2006/relationships" xmlns:p="http://schemas.openxmlformats.org/presentationml/2006/main">
   <p:cSld>
     <p:spTree>
@@ -21547,407 +22581,6 @@
       <p:bldP spid="48" grpId="0" animBg="1"/>
       <p:bldP spid="49" grpId="0" animBg="1"/>
     </p:bldLst>
-  </p:timing>
-</p:sld>
-</file>
-
-<file path=ppt/slides/slide9.xml><?xml version="1.0" encoding="utf-8"?>
-<p:sld xmlns:a="http://schemas.openxmlformats.org/drawingml/2006/main" xmlns:r="http://schemas.openxmlformats.org/officeDocument/2006/relationships" xmlns:p="http://schemas.openxmlformats.org/presentationml/2006/main">
-  <p:cSld>
-    <p:spTree>
-      <p:nvGrpSpPr>
-        <p:cNvPr id="1" name=""/>
-        <p:cNvGrpSpPr/>
-        <p:nvPr/>
-      </p:nvGrpSpPr>
-      <p:grpSpPr>
-        <a:xfrm>
-          <a:off x="0" y="0"/>
-          <a:ext cx="0" cy="0"/>
-          <a:chOff x="0" y="0"/>
-          <a:chExt cx="0" cy="0"/>
-        </a:xfrm>
-      </p:grpSpPr>
-      <p:grpSp>
-        <p:nvGrpSpPr>
-          <p:cNvPr id="202" name="Groupe 201"/>
-          <p:cNvGrpSpPr/>
-          <p:nvPr/>
-        </p:nvGrpSpPr>
-        <p:grpSpPr>
-          <a:xfrm>
-            <a:off x="0" y="73772"/>
-            <a:ext cx="2943332" cy="883356"/>
-            <a:chOff x="0" y="-9760"/>
-            <a:chExt cx="2357120" cy="785565"/>
-          </a:xfrm>
-        </p:grpSpPr>
-        <p:sp>
-          <p:nvSpPr>
-            <p:cNvPr id="203" name="ZoneTexte 202"/>
-            <p:cNvSpPr txBox="1"/>
-            <p:nvPr/>
-          </p:nvSpPr>
-          <p:spPr>
-            <a:xfrm>
-              <a:off x="109500" y="-9760"/>
-              <a:ext cx="1506083" cy="629520"/>
-            </a:xfrm>
-            <a:prstGeom prst="rect">
-              <a:avLst/>
-            </a:prstGeom>
-            <a:noFill/>
-          </p:spPr>
-          <p:txBody>
-            <a:bodyPr wrap="none" rtlCol="0">
-              <a:spAutoFit/>
-            </a:bodyPr>
-            <a:lstStyle/>
-            <a:p>
-              <a:r>
-                <a:rPr lang="fr-FR" sz="4000" b="1" dirty="0" err="1" smtClean="0">
-                  <a:latin typeface="Lato Regular" panose="020F0502020204030203" pitchFamily="34" charset="0"/>
-                  <a:ea typeface="Lato Regular" panose="020F0502020204030203" pitchFamily="34" charset="0"/>
-                  <a:cs typeface="Lato Regular" panose="020F0502020204030203" pitchFamily="34" charset="0"/>
-                </a:rPr>
-                <a:t>Pit</a:t>
-              </a:r>
-              <a:r>
-                <a:rPr lang="fr-FR" sz="4000" b="1" dirty="0" smtClean="0">
-                  <a:latin typeface="Lato Regular" panose="020F0502020204030203" pitchFamily="34" charset="0"/>
-                  <a:ea typeface="Lato Regular" panose="020F0502020204030203" pitchFamily="34" charset="0"/>
-                  <a:cs typeface="Lato Regular" panose="020F0502020204030203" pitchFamily="34" charset="0"/>
-                </a:rPr>
-                <a:t> Test</a:t>
-              </a:r>
-              <a:endParaRPr lang="fr-FR" sz="3600" b="1" dirty="0">
-                <a:latin typeface="Lato Regular" panose="020F0502020204030203" pitchFamily="34" charset="0"/>
-                <a:ea typeface="Lato Regular" panose="020F0502020204030203" pitchFamily="34" charset="0"/>
-                <a:cs typeface="Lato Regular" panose="020F0502020204030203" pitchFamily="34" charset="0"/>
-              </a:endParaRPr>
-            </a:p>
-          </p:txBody>
-        </p:sp>
-        <p:sp>
-          <p:nvSpPr>
-            <p:cNvPr id="204" name="Rectangle 203"/>
-            <p:cNvSpPr/>
-            <p:nvPr/>
-          </p:nvSpPr>
-          <p:spPr>
-            <a:xfrm>
-              <a:off x="0" y="619760"/>
-              <a:ext cx="2357120" cy="156045"/>
-            </a:xfrm>
-            <a:prstGeom prst="rect">
-              <a:avLst/>
-            </a:prstGeom>
-            <a:solidFill>
-              <a:srgbClr val="438721"/>
-            </a:solidFill>
-            <a:ln>
-              <a:noFill/>
-            </a:ln>
-          </p:spPr>
-          <p:style>
-            <a:lnRef idx="2">
-              <a:schemeClr val="accent1">
-                <a:shade val="50000"/>
-              </a:schemeClr>
-            </a:lnRef>
-            <a:fillRef idx="1">
-              <a:schemeClr val="accent1"/>
-            </a:fillRef>
-            <a:effectRef idx="0">
-              <a:schemeClr val="accent1"/>
-            </a:effectRef>
-            <a:fontRef idx="minor">
-              <a:schemeClr val="lt1"/>
-            </a:fontRef>
-          </p:style>
-          <p:txBody>
-            <a:bodyPr rtlCol="0" anchor="ctr"/>
-            <a:lstStyle/>
-            <a:p>
-              <a:pPr algn="ctr"/>
-              <a:endParaRPr lang="fr-FR"/>
-            </a:p>
-          </p:txBody>
-        </p:sp>
-      </p:grpSp>
-      <p:pic>
-        <p:nvPicPr>
-          <p:cNvPr id="2" name="Image 1"/>
-          <p:cNvPicPr>
-            <a:picLocks noChangeAspect="1"/>
-          </p:cNvPicPr>
-          <p:nvPr/>
-        </p:nvPicPr>
-        <p:blipFill>
-          <a:blip r:embed="rId2">
-            <a:extLst>
-              <a:ext uri="{28A0092B-C50C-407E-A947-70E740481C1C}">
-                <a14:useLocalDpi xmlns:a14="http://schemas.microsoft.com/office/drawing/2010/main" val="0"/>
-              </a:ext>
-            </a:extLst>
-          </a:blip>
-          <a:stretch>
-            <a:fillRect/>
-          </a:stretch>
-        </p:blipFill>
-        <p:spPr>
-          <a:xfrm>
-            <a:off x="363882" y="1583707"/>
-            <a:ext cx="4813300" cy="4216400"/>
-          </a:xfrm>
-          <a:prstGeom prst="rect">
-            <a:avLst/>
-          </a:prstGeom>
-        </p:spPr>
-      </p:pic>
-      <p:sp>
-        <p:nvSpPr>
-          <p:cNvPr id="12" name="ZoneTexte 11"/>
-          <p:cNvSpPr txBox="1"/>
-          <p:nvPr/>
-        </p:nvSpPr>
-        <p:spPr>
-          <a:xfrm>
-            <a:off x="5630685" y="2364225"/>
-            <a:ext cx="5187715" cy="2246769"/>
-          </a:xfrm>
-          <a:prstGeom prst="rect">
-            <a:avLst/>
-          </a:prstGeom>
-          <a:noFill/>
-        </p:spPr>
-        <p:txBody>
-          <a:bodyPr wrap="square" rtlCol="0">
-            <a:spAutoFit/>
-          </a:bodyPr>
-          <a:lstStyle/>
-          <a:p>
-            <a:r>
-              <a:rPr lang="fr-FR" sz="2000" dirty="0" smtClean="0">
-                <a:solidFill>
-                  <a:schemeClr val="tx2"/>
-                </a:solidFill>
-                <a:latin typeface="Lato Regular"/>
-                <a:cs typeface="Lato Regular"/>
-              </a:rPr>
-              <a:t>Ajout dépendance </a:t>
-            </a:r>
-            <a:r>
-              <a:rPr lang="fr-FR" sz="2000" dirty="0" err="1" smtClean="0">
-                <a:solidFill>
-                  <a:schemeClr val="tx2"/>
-                </a:solidFill>
-                <a:latin typeface="Lato Regular"/>
-                <a:cs typeface="Lato Regular"/>
-              </a:rPr>
-              <a:t>maven</a:t>
-            </a:r>
-            <a:endParaRPr lang="fr-FR" sz="2000" dirty="0">
-              <a:solidFill>
-                <a:schemeClr val="tx2"/>
-              </a:solidFill>
-              <a:latin typeface="Lato Regular"/>
-              <a:cs typeface="Lato Regular"/>
-            </a:endParaRPr>
-          </a:p>
-          <a:p>
-            <a:pPr marL="571500" indent="-571500">
-              <a:buFontTx/>
-              <a:buChar char="-"/>
-            </a:pPr>
-            <a:r>
-              <a:rPr lang="fr-FR" sz="2000" dirty="0" smtClean="0">
-                <a:solidFill>
-                  <a:schemeClr val="tx2"/>
-                </a:solidFill>
-                <a:latin typeface="Lato Light"/>
-                <a:cs typeface="Lato Light"/>
-              </a:rPr>
-              <a:t>…</a:t>
-            </a:r>
-          </a:p>
-          <a:p>
-            <a:pPr marL="571500" indent="-571500">
-              <a:buFontTx/>
-              <a:buChar char="-"/>
-            </a:pPr>
-            <a:endParaRPr lang="fr-FR" sz="2000" dirty="0">
-              <a:solidFill>
-                <a:schemeClr val="tx2"/>
-              </a:solidFill>
-              <a:latin typeface="Lato Light"/>
-              <a:cs typeface="Lato Light"/>
-            </a:endParaRPr>
-          </a:p>
-          <a:p>
-            <a:r>
-              <a:rPr lang="fr-FR" sz="2000" dirty="0" smtClean="0">
-                <a:solidFill>
-                  <a:schemeClr val="tx2"/>
-                </a:solidFill>
-                <a:latin typeface="Lato Regular"/>
-                <a:cs typeface="Lato Regular"/>
-              </a:rPr>
-              <a:t>Lancement </a:t>
-            </a:r>
-            <a:r>
-              <a:rPr lang="fr-FR" sz="2000" dirty="0" err="1" smtClean="0">
-                <a:solidFill>
-                  <a:schemeClr val="tx2"/>
-                </a:solidFill>
-                <a:latin typeface="Lato Regular"/>
-                <a:cs typeface="Lato Regular"/>
-              </a:rPr>
-              <a:t>pit</a:t>
-            </a:r>
-            <a:r>
-              <a:rPr lang="fr-FR" sz="2000" dirty="0" smtClean="0">
-                <a:solidFill>
-                  <a:schemeClr val="tx2"/>
-                </a:solidFill>
-                <a:latin typeface="Lato Regular"/>
-                <a:cs typeface="Lato Regular"/>
-              </a:rPr>
-              <a:t> test en ligne de commande</a:t>
-            </a:r>
-            <a:endParaRPr lang="fr-FR" sz="2000" dirty="0">
-              <a:solidFill>
-                <a:schemeClr val="tx2"/>
-              </a:solidFill>
-              <a:latin typeface="Lato Regular"/>
-              <a:cs typeface="Lato Regular"/>
-            </a:endParaRPr>
-          </a:p>
-          <a:p>
-            <a:pPr marL="571500" indent="-571500">
-              <a:buFontTx/>
-              <a:buChar char="-"/>
-            </a:pPr>
-            <a:r>
-              <a:rPr lang="fr-FR" sz="2000" dirty="0" smtClean="0">
-                <a:solidFill>
-                  <a:schemeClr val="tx2"/>
-                </a:solidFill>
-                <a:latin typeface="Lato Light"/>
-                <a:cs typeface="Lato Light"/>
-              </a:rPr>
-              <a:t>…</a:t>
-            </a:r>
-          </a:p>
-          <a:p>
-            <a:pPr marL="571500" indent="-571500">
-              <a:buFontTx/>
-              <a:buChar char="-"/>
-            </a:pPr>
-            <a:r>
-              <a:rPr lang="fr-FR" sz="2000" dirty="0" smtClean="0">
-                <a:solidFill>
-                  <a:schemeClr val="tx2"/>
-                </a:solidFill>
-                <a:latin typeface="Lato Light"/>
-                <a:cs typeface="Lato Light"/>
-              </a:rPr>
-              <a:t>…</a:t>
-            </a:r>
-          </a:p>
-          <a:p>
-            <a:pPr marL="571500" indent="-571500">
-              <a:buFontTx/>
-              <a:buChar char="-"/>
-            </a:pPr>
-            <a:r>
-              <a:rPr lang="fr-FR" sz="2000" dirty="0" smtClean="0">
-                <a:solidFill>
-                  <a:schemeClr val="tx2"/>
-                </a:solidFill>
-                <a:latin typeface="Lato Light"/>
-                <a:cs typeface="Lato Light"/>
-              </a:rPr>
-              <a:t>…</a:t>
-            </a:r>
-          </a:p>
-        </p:txBody>
-      </p:sp>
-      <p:sp>
-        <p:nvSpPr>
-          <p:cNvPr id="7" name="Étoile à 5 branches 6"/>
-          <p:cNvSpPr/>
-          <p:nvPr/>
-        </p:nvSpPr>
-        <p:spPr>
-          <a:xfrm rot="1662404">
-            <a:off x="9549502" y="408619"/>
-            <a:ext cx="2280456" cy="2119735"/>
-          </a:xfrm>
-          <a:prstGeom prst="star5">
-            <a:avLst>
-              <a:gd name="adj" fmla="val 21129"/>
-              <a:gd name="hf" fmla="val 105146"/>
-              <a:gd name="vf" fmla="val 110557"/>
-            </a:avLst>
-          </a:prstGeom>
-          <a:ln w="57150">
-            <a:solidFill>
-              <a:srgbClr val="FF0000"/>
-            </a:solidFill>
-          </a:ln>
-        </p:spPr>
-        <p:style>
-          <a:lnRef idx="0">
-            <a:schemeClr val="accent4"/>
-          </a:lnRef>
-          <a:fillRef idx="3">
-            <a:schemeClr val="accent4"/>
-          </a:fillRef>
-          <a:effectRef idx="3">
-            <a:schemeClr val="accent4"/>
-          </a:effectRef>
-          <a:fontRef idx="minor">
-            <a:schemeClr val="lt1"/>
-          </a:fontRef>
-        </p:style>
-        <p:txBody>
-          <a:bodyPr rtlCol="0" anchor="ctr"/>
-          <a:lstStyle/>
-          <a:p>
-            <a:pPr algn="ctr"/>
-            <a:r>
-              <a:rPr lang="fr-FR" sz="3600" b="1" dirty="0" smtClean="0">
-                <a:solidFill>
-                  <a:srgbClr val="FF0000"/>
-                </a:solidFill>
-              </a:rPr>
-              <a:t>WIP</a:t>
-            </a:r>
-            <a:endParaRPr lang="fr-FR" sz="3600" b="1" dirty="0">
-              <a:solidFill>
-                <a:srgbClr val="FF0000"/>
-              </a:solidFill>
-            </a:endParaRPr>
-          </a:p>
-        </p:txBody>
-      </p:sp>
-    </p:spTree>
-    <p:extLst>
-      <p:ext uri="{BB962C8B-B14F-4D97-AF65-F5344CB8AC3E}">
-        <p14:creationId xmlns:p14="http://schemas.microsoft.com/office/powerpoint/2010/main" val="1828673698"/>
-      </p:ext>
-    </p:extLst>
-  </p:cSld>
-  <p:clrMapOvr>
-    <a:masterClrMapping/>
-  </p:clrMapOvr>
-  <p:timing>
-    <p:tnLst>
-      <p:par>
-        <p:cTn id="1" dur="indefinite" restart="never" nodeType="tmRoot"/>
-      </p:par>
-    </p:tnLst>
   </p:timing>
 </p:sld>
 </file>

--- a/Hands-On -Chaos - SLIDES.pptx
+++ b/Hands-On -Chaos - SLIDES.pptx
@@ -6,10 +6,10 @@
     <p:sldMasterId id="2147483660" r:id="rId2"/>
   </p:sldMasterIdLst>
   <p:notesMasterIdLst>
-    <p:notesMasterId r:id="rId29"/>
+    <p:notesMasterId r:id="rId30"/>
   </p:notesMasterIdLst>
   <p:handoutMasterIdLst>
-    <p:handoutMasterId r:id="rId30"/>
+    <p:handoutMasterId r:id="rId31"/>
   </p:handoutMasterIdLst>
   <p:sldIdLst>
     <p:sldId id="288" r:id="rId3"/>
@@ -22,22 +22,23 @@
     <p:sldId id="339" r:id="rId10"/>
     <p:sldId id="334" r:id="rId11"/>
     <p:sldId id="335" r:id="rId12"/>
-    <p:sldId id="336" r:id="rId13"/>
-    <p:sldId id="337" r:id="rId14"/>
-    <p:sldId id="338" r:id="rId15"/>
-    <p:sldId id="340" r:id="rId16"/>
-    <p:sldId id="341" r:id="rId17"/>
-    <p:sldId id="342" r:id="rId18"/>
-    <p:sldId id="343" r:id="rId19"/>
-    <p:sldId id="344" r:id="rId20"/>
-    <p:sldId id="345" r:id="rId21"/>
-    <p:sldId id="346" r:id="rId22"/>
-    <p:sldId id="347" r:id="rId23"/>
-    <p:sldId id="348" r:id="rId24"/>
-    <p:sldId id="350" r:id="rId25"/>
-    <p:sldId id="349" r:id="rId26"/>
-    <p:sldId id="313" r:id="rId27"/>
-    <p:sldId id="325" r:id="rId28"/>
+    <p:sldId id="352" r:id="rId13"/>
+    <p:sldId id="336" r:id="rId14"/>
+    <p:sldId id="337" r:id="rId15"/>
+    <p:sldId id="338" r:id="rId16"/>
+    <p:sldId id="340" r:id="rId17"/>
+    <p:sldId id="341" r:id="rId18"/>
+    <p:sldId id="342" r:id="rId19"/>
+    <p:sldId id="343" r:id="rId20"/>
+    <p:sldId id="344" r:id="rId21"/>
+    <p:sldId id="345" r:id="rId22"/>
+    <p:sldId id="346" r:id="rId23"/>
+    <p:sldId id="347" r:id="rId24"/>
+    <p:sldId id="348" r:id="rId25"/>
+    <p:sldId id="350" r:id="rId26"/>
+    <p:sldId id="349" r:id="rId27"/>
+    <p:sldId id="313" r:id="rId28"/>
+    <p:sldId id="325" r:id="rId29"/>
   </p:sldIdLst>
   <p:sldSz cx="12192000" cy="6858000"/>
   <p:notesSz cx="6858000" cy="9144000"/>
@@ -155,6 +156,7 @@
             <p14:sldId id="339"/>
             <p14:sldId id="334"/>
             <p14:sldId id="335"/>
+            <p14:sldId id="352"/>
             <p14:sldId id="336"/>
             <p14:sldId id="337"/>
             <p14:sldId id="338"/>
@@ -976,7 +978,7 @@
           <a:p>
             <a:fld id="{B35DA622-522A-4B17-9AC4-B01778B7071C}" type="slidenum">
               <a:rPr lang="fr-FR" smtClean="0"/>
-              <a:t>22</a:t>
+              <a:t>23</a:t>
             </a:fld>
             <a:endParaRPr lang="fr-FR"/>
           </a:p>
@@ -1068,7 +1070,7 @@
           <a:p>
             <a:fld id="{B35DA622-522A-4B17-9AC4-B01778B7071C}" type="slidenum">
               <a:rPr lang="fr-FR" smtClean="0"/>
-              <a:t>23</a:t>
+              <a:t>24</a:t>
             </a:fld>
             <a:endParaRPr lang="fr-FR"/>
           </a:p>
@@ -1721,7 +1723,7 @@
           <a:p>
             <a:fld id="{B35DA622-522A-4B17-9AC4-B01778B7071C}" type="slidenum">
               <a:rPr lang="fr-FR" smtClean="0"/>
-              <a:t>11</a:t>
+              <a:t>12</a:t>
             </a:fld>
             <a:endParaRPr lang="fr-FR"/>
           </a:p>
@@ -1911,7 +1913,7 @@
           <a:p>
             <a:fld id="{B35DA622-522A-4B17-9AC4-B01778B7071C}" type="slidenum">
               <a:rPr lang="fr-FR" smtClean="0"/>
-              <a:t>14</a:t>
+              <a:t>15</a:t>
             </a:fld>
             <a:endParaRPr lang="fr-FR"/>
           </a:p>
@@ -2011,7 +2013,7 @@
           <a:p>
             <a:fld id="{B35DA622-522A-4B17-9AC4-B01778B7071C}" type="slidenum">
               <a:rPr lang="fr-FR" smtClean="0"/>
-              <a:t>16</a:t>
+              <a:t>17</a:t>
             </a:fld>
             <a:endParaRPr lang="fr-FR"/>
           </a:p>
@@ -2140,7 +2142,7 @@
           <a:p>
             <a:fld id="{B35DA622-522A-4B17-9AC4-B01778B7071C}" type="slidenum">
               <a:rPr lang="fr-FR" smtClean="0"/>
-              <a:t>17</a:t>
+              <a:t>18</a:t>
             </a:fld>
             <a:endParaRPr lang="fr-FR"/>
           </a:p>
@@ -2259,7 +2261,7 @@
           <a:p>
             <a:fld id="{B35DA622-522A-4B17-9AC4-B01778B7071C}" type="slidenum">
               <a:rPr lang="fr-FR" smtClean="0"/>
-              <a:t>19</a:t>
+              <a:t>20</a:t>
             </a:fld>
             <a:endParaRPr lang="fr-FR"/>
           </a:p>
@@ -2359,7 +2361,7 @@
           <a:p>
             <a:fld id="{B35DA622-522A-4B17-9AC4-B01778B7071C}" type="slidenum">
               <a:rPr lang="fr-FR" smtClean="0"/>
-              <a:t>21</a:t>
+              <a:t>22</a:t>
             </a:fld>
             <a:endParaRPr lang="fr-FR"/>
           </a:p>
@@ -10395,7 +10397,7 @@
         <p:spPr>
           <a:xfrm>
             <a:off x="5630685" y="2364225"/>
-            <a:ext cx="5187715" cy="2246769"/>
+            <a:ext cx="5187715" cy="1323439"/>
           </a:xfrm>
           <a:prstGeom prst="rect">
             <a:avLst/>
@@ -10408,6 +10410,10 @@
           </a:bodyPr>
           <a:lstStyle/>
           <a:p>
+            <a:pPr marL="342900" indent="-342900">
+              <a:buFontTx/>
+              <a:buChar char="-"/>
+            </a:pPr>
             <a:r>
               <a:rPr lang="fr-FR" sz="2000" dirty="0" smtClean="0">
                 <a:solidFill>
@@ -10416,7 +10422,7 @@
                 <a:latin typeface="Lato Regular"/>
                 <a:cs typeface="Lato Regular"/>
               </a:rPr>
-              <a:t>Ajout dépendance </a:t>
+              <a:t>Récupérer les sources de </a:t>
             </a:r>
             <a:r>
               <a:rPr lang="fr-FR" sz="2000" dirty="0" err="1" smtClean="0">
@@ -10426,9 +10432,9 @@
                 <a:latin typeface="Lato Regular"/>
                 <a:cs typeface="Lato Regular"/>
               </a:rPr>
-              <a:t>maven</a:t>
-            </a:r>
-            <a:endParaRPr lang="fr-FR" sz="2000" dirty="0">
+              <a:t>fusiion</a:t>
+            </a:r>
+            <a:endParaRPr lang="fr-FR" sz="2000" dirty="0" smtClean="0">
               <a:solidFill>
                 <a:schemeClr val="tx2"/>
               </a:solidFill>
@@ -10437,7 +10443,7 @@
             </a:endParaRPr>
           </a:p>
           <a:p>
-            <a:pPr marL="571500" indent="-571500">
+            <a:pPr marL="342900" indent="-342900">
               <a:buFontTx/>
               <a:buChar char="-"/>
             </a:pPr>
@@ -10446,26 +10452,17 @@
                 <a:solidFill>
                   <a:schemeClr val="tx2"/>
                 </a:solidFill>
-                <a:latin typeface="Lato Light"/>
-                <a:cs typeface="Lato Light"/>
-              </a:rPr>
-              <a:t>…</a:t>
-            </a:r>
-          </a:p>
-          <a:p>
-            <a:pPr marL="571500" indent="-571500">
+                <a:latin typeface="Lato Regular"/>
+                <a:cs typeface="Lato Regular"/>
+              </a:rPr>
+              <a:t>Tests unitaires et couverture de code</a:t>
+            </a:r>
+          </a:p>
+          <a:p>
+            <a:pPr marL="342900" indent="-342900">
               <a:buFontTx/>
               <a:buChar char="-"/>
             </a:pPr>
-            <a:endParaRPr lang="fr-FR" sz="2000" dirty="0">
-              <a:solidFill>
-                <a:schemeClr val="tx2"/>
-              </a:solidFill>
-              <a:latin typeface="Lato Light"/>
-              <a:cs typeface="Lato Light"/>
-            </a:endParaRPr>
-          </a:p>
-          <a:p>
             <a:r>
               <a:rPr lang="fr-FR" sz="2000" dirty="0" smtClean="0">
                 <a:solidFill>
@@ -10474,7 +10471,7 @@
                 <a:latin typeface="Lato Regular"/>
                 <a:cs typeface="Lato Regular"/>
               </a:rPr>
-              <a:t>Lancement </a:t>
+              <a:t>Ajout de la dépendance de </a:t>
             </a:r>
             <a:r>
               <a:rPr lang="fr-FR" sz="2000" dirty="0" err="1" smtClean="0">
@@ -10484,19 +10481,9 @@
                 <a:latin typeface="Lato Regular"/>
                 <a:cs typeface="Lato Regular"/>
               </a:rPr>
-              <a:t>pit</a:t>
-            </a:r>
-            <a:r>
-              <a:rPr lang="fr-FR" sz="2000" dirty="0" smtClean="0">
-                <a:solidFill>
-                  <a:schemeClr val="tx2"/>
-                </a:solidFill>
-                <a:latin typeface="Lato Regular"/>
-                <a:cs typeface="Lato Regular"/>
-              </a:rPr>
-              <a:t> test en ligne de commande</a:t>
-            </a:r>
-            <a:endParaRPr lang="fr-FR" sz="2000" dirty="0">
+              <a:t>PitTest</a:t>
+            </a:r>
+            <a:endParaRPr lang="fr-FR" sz="2000" dirty="0" smtClean="0">
               <a:solidFill>
                 <a:schemeClr val="tx2"/>
               </a:solidFill>
@@ -10505,7 +10492,7 @@
             </a:endParaRPr>
           </a:p>
           <a:p>
-            <a:pPr marL="571500" indent="-571500">
+            <a:pPr marL="342900" indent="-342900">
               <a:buFontTx/>
               <a:buChar char="-"/>
             </a:pPr>
@@ -10514,101 +10501,27 @@
                 <a:solidFill>
                   <a:schemeClr val="tx2"/>
                 </a:solidFill>
-                <a:latin typeface="Lato Light"/>
-                <a:cs typeface="Lato Light"/>
-              </a:rPr>
-              <a:t>…</a:t>
-            </a:r>
-          </a:p>
-          <a:p>
-            <a:pPr marL="571500" indent="-571500">
-              <a:buFontTx/>
-              <a:buChar char="-"/>
-            </a:pPr>
-            <a:r>
-              <a:rPr lang="fr-FR" sz="2000" dirty="0" smtClean="0">
+                <a:latin typeface="Lato Regular"/>
+                <a:cs typeface="Lato Regular"/>
+              </a:rPr>
+              <a:t>Mutation </a:t>
+            </a:r>
+            <a:r>
+              <a:rPr lang="fr-FR" sz="2000" dirty="0" err="1" smtClean="0">
                 <a:solidFill>
                   <a:schemeClr val="tx2"/>
                 </a:solidFill>
-                <a:latin typeface="Lato Light"/>
-                <a:cs typeface="Lato Light"/>
-              </a:rPr>
-              <a:t>…</a:t>
-            </a:r>
-          </a:p>
-          <a:p>
-            <a:pPr marL="571500" indent="-571500">
-              <a:buFontTx/>
-              <a:buChar char="-"/>
-            </a:pPr>
-            <a:r>
-              <a:rPr lang="fr-FR" sz="2000" dirty="0" smtClean="0">
-                <a:solidFill>
-                  <a:schemeClr val="tx2"/>
-                </a:solidFill>
-                <a:latin typeface="Lato Light"/>
-                <a:cs typeface="Lato Light"/>
-              </a:rPr>
-              <a:t>…</a:t>
-            </a:r>
-          </a:p>
-        </p:txBody>
-      </p:sp>
-      <p:sp>
-        <p:nvSpPr>
-          <p:cNvPr id="7" name="Étoile à 5 branches 6"/>
-          <p:cNvSpPr/>
-          <p:nvPr/>
-        </p:nvSpPr>
-        <p:spPr>
-          <a:xfrm rot="1662404">
-            <a:off x="9549502" y="408619"/>
-            <a:ext cx="2280456" cy="2119735"/>
-          </a:xfrm>
-          <a:prstGeom prst="star5">
-            <a:avLst>
-              <a:gd name="adj" fmla="val 21129"/>
-              <a:gd name="hf" fmla="val 105146"/>
-              <a:gd name="vf" fmla="val 110557"/>
-            </a:avLst>
-          </a:prstGeom>
-          <a:ln w="57150">
-            <a:solidFill>
-              <a:srgbClr val="FF0000"/>
-            </a:solidFill>
-          </a:ln>
-        </p:spPr>
-        <p:style>
-          <a:lnRef idx="0">
-            <a:schemeClr val="accent4"/>
-          </a:lnRef>
-          <a:fillRef idx="3">
-            <a:schemeClr val="accent4"/>
-          </a:fillRef>
-          <a:effectRef idx="3">
-            <a:schemeClr val="accent4"/>
-          </a:effectRef>
-          <a:fontRef idx="minor">
-            <a:schemeClr val="lt1"/>
-          </a:fontRef>
-        </p:style>
-        <p:txBody>
-          <a:bodyPr rtlCol="0" anchor="ctr"/>
-          <a:lstStyle/>
-          <a:p>
-            <a:pPr algn="ctr"/>
-            <a:r>
-              <a:rPr lang="fr-FR" sz="3600" b="1" dirty="0" smtClean="0">
-                <a:solidFill>
-                  <a:srgbClr val="FF0000"/>
-                </a:solidFill>
-              </a:rPr>
-              <a:t>WIP</a:t>
-            </a:r>
-            <a:endParaRPr lang="fr-FR" sz="3600" b="1" dirty="0">
+                <a:latin typeface="Lato Regular"/>
+                <a:cs typeface="Lato Regular"/>
+              </a:rPr>
+              <a:t>coverage</a:t>
+            </a:r>
+            <a:endParaRPr lang="fr-FR" sz="2000" dirty="0" smtClean="0">
               <a:solidFill>
-                <a:srgbClr val="FF0000"/>
+                <a:schemeClr val="tx2"/>
               </a:solidFill>
+              <a:latin typeface="Lato Light"/>
+              <a:cs typeface="Lato Light"/>
             </a:endParaRPr>
           </a:p>
         </p:txBody>
@@ -10634,6 +10547,321 @@
 </file>
 
 <file path=ppt/slides/slide11.xml><?xml version="1.0" encoding="utf-8"?>
+<p:sld xmlns:a="http://schemas.openxmlformats.org/drawingml/2006/main" xmlns:r="http://schemas.openxmlformats.org/officeDocument/2006/relationships" xmlns:p="http://schemas.openxmlformats.org/presentationml/2006/main">
+  <p:cSld>
+    <p:spTree>
+      <p:nvGrpSpPr>
+        <p:cNvPr id="1" name=""/>
+        <p:cNvGrpSpPr/>
+        <p:nvPr/>
+      </p:nvGrpSpPr>
+      <p:grpSpPr>
+        <a:xfrm>
+          <a:off x="0" y="0"/>
+          <a:ext cx="0" cy="0"/>
+          <a:chOff x="0" y="0"/>
+          <a:chExt cx="0" cy="0"/>
+        </a:xfrm>
+      </p:grpSpPr>
+      <p:grpSp>
+        <p:nvGrpSpPr>
+          <p:cNvPr id="202" name="Groupe 201"/>
+          <p:cNvGrpSpPr/>
+          <p:nvPr/>
+        </p:nvGrpSpPr>
+        <p:grpSpPr>
+          <a:xfrm>
+            <a:off x="0" y="73772"/>
+            <a:ext cx="2943332" cy="883356"/>
+            <a:chOff x="0" y="-9760"/>
+            <a:chExt cx="2357120" cy="785565"/>
+          </a:xfrm>
+        </p:grpSpPr>
+        <p:sp>
+          <p:nvSpPr>
+            <p:cNvPr id="203" name="ZoneTexte 202"/>
+            <p:cNvSpPr txBox="1"/>
+            <p:nvPr/>
+          </p:nvSpPr>
+          <p:spPr>
+            <a:xfrm>
+              <a:off x="109500" y="-9760"/>
+              <a:ext cx="1506083" cy="629520"/>
+            </a:xfrm>
+            <a:prstGeom prst="rect">
+              <a:avLst/>
+            </a:prstGeom>
+            <a:noFill/>
+          </p:spPr>
+          <p:txBody>
+            <a:bodyPr wrap="none" rtlCol="0">
+              <a:spAutoFit/>
+            </a:bodyPr>
+            <a:lstStyle/>
+            <a:p>
+              <a:r>
+                <a:rPr lang="fr-FR" sz="4000" b="1" dirty="0" err="1" smtClean="0">
+                  <a:latin typeface="Lato Regular" panose="020F0502020204030203" pitchFamily="34" charset="0"/>
+                  <a:ea typeface="Lato Regular" panose="020F0502020204030203" pitchFamily="34" charset="0"/>
+                  <a:cs typeface="Lato Regular" panose="020F0502020204030203" pitchFamily="34" charset="0"/>
+                </a:rPr>
+                <a:t>Pit</a:t>
+              </a:r>
+              <a:r>
+                <a:rPr lang="fr-FR" sz="4000" b="1" dirty="0" smtClean="0">
+                  <a:latin typeface="Lato Regular" panose="020F0502020204030203" pitchFamily="34" charset="0"/>
+                  <a:ea typeface="Lato Regular" panose="020F0502020204030203" pitchFamily="34" charset="0"/>
+                  <a:cs typeface="Lato Regular" panose="020F0502020204030203" pitchFamily="34" charset="0"/>
+                </a:rPr>
+                <a:t> Test</a:t>
+              </a:r>
+              <a:endParaRPr lang="fr-FR" sz="3600" b="1" dirty="0">
+                <a:latin typeface="Lato Regular" panose="020F0502020204030203" pitchFamily="34" charset="0"/>
+                <a:ea typeface="Lato Regular" panose="020F0502020204030203" pitchFamily="34" charset="0"/>
+                <a:cs typeface="Lato Regular" panose="020F0502020204030203" pitchFamily="34" charset="0"/>
+              </a:endParaRPr>
+            </a:p>
+          </p:txBody>
+        </p:sp>
+        <p:sp>
+          <p:nvSpPr>
+            <p:cNvPr id="204" name="Rectangle 203"/>
+            <p:cNvSpPr/>
+            <p:nvPr/>
+          </p:nvSpPr>
+          <p:spPr>
+            <a:xfrm>
+              <a:off x="0" y="619760"/>
+              <a:ext cx="2357120" cy="156045"/>
+            </a:xfrm>
+            <a:prstGeom prst="rect">
+              <a:avLst/>
+            </a:prstGeom>
+            <a:solidFill>
+              <a:srgbClr val="438721"/>
+            </a:solidFill>
+            <a:ln>
+              <a:noFill/>
+            </a:ln>
+          </p:spPr>
+          <p:style>
+            <a:lnRef idx="2">
+              <a:schemeClr val="accent1">
+                <a:shade val="50000"/>
+              </a:schemeClr>
+            </a:lnRef>
+            <a:fillRef idx="1">
+              <a:schemeClr val="accent1"/>
+            </a:fillRef>
+            <a:effectRef idx="0">
+              <a:schemeClr val="accent1"/>
+            </a:effectRef>
+            <a:fontRef idx="minor">
+              <a:schemeClr val="lt1"/>
+            </a:fontRef>
+          </p:style>
+          <p:txBody>
+            <a:bodyPr rtlCol="0" anchor="ctr"/>
+            <a:lstStyle/>
+            <a:p>
+              <a:pPr algn="ctr"/>
+              <a:endParaRPr lang="fr-FR"/>
+            </a:p>
+          </p:txBody>
+        </p:sp>
+      </p:grpSp>
+      <p:pic>
+        <p:nvPicPr>
+          <p:cNvPr id="2" name="Image 1"/>
+          <p:cNvPicPr>
+            <a:picLocks noChangeAspect="1"/>
+          </p:cNvPicPr>
+          <p:nvPr/>
+        </p:nvPicPr>
+        <p:blipFill>
+          <a:blip r:embed="rId2">
+            <a:extLst>
+              <a:ext uri="{28A0092B-C50C-407E-A947-70E740481C1C}">
+                <a14:useLocalDpi xmlns:a14="http://schemas.microsoft.com/office/drawing/2010/main" val="0"/>
+              </a:ext>
+            </a:extLst>
+          </a:blip>
+          <a:stretch>
+            <a:fillRect/>
+          </a:stretch>
+        </p:blipFill>
+        <p:spPr>
+          <a:xfrm>
+            <a:off x="363882" y="1583707"/>
+            <a:ext cx="4813300" cy="4216400"/>
+          </a:xfrm>
+          <a:prstGeom prst="rect">
+            <a:avLst/>
+          </a:prstGeom>
+        </p:spPr>
+      </p:pic>
+      <p:sp>
+        <p:nvSpPr>
+          <p:cNvPr id="12" name="ZoneTexte 11"/>
+          <p:cNvSpPr txBox="1"/>
+          <p:nvPr/>
+        </p:nvSpPr>
+        <p:spPr>
+          <a:xfrm>
+            <a:off x="4860123" y="1223794"/>
+            <a:ext cx="5187715" cy="1015663"/>
+          </a:xfrm>
+          <a:prstGeom prst="rect">
+            <a:avLst/>
+          </a:prstGeom>
+          <a:noFill/>
+        </p:spPr>
+        <p:txBody>
+          <a:bodyPr wrap="square" rtlCol="0">
+            <a:spAutoFit/>
+          </a:bodyPr>
+          <a:lstStyle/>
+          <a:p>
+            <a:r>
+              <a:rPr lang="fr-FR" sz="2000" dirty="0" smtClean="0">
+                <a:solidFill>
+                  <a:schemeClr val="tx2"/>
+                </a:solidFill>
+                <a:latin typeface="Lato Regular"/>
+                <a:cs typeface="Lato Regular"/>
+              </a:rPr>
+              <a:t>Pourquoi </a:t>
+            </a:r>
+            <a:r>
+              <a:rPr lang="fr-FR" sz="2000" dirty="0">
+                <a:solidFill>
+                  <a:schemeClr val="tx2"/>
+                </a:solidFill>
+                <a:latin typeface="Lato Regular"/>
+                <a:cs typeface="Lato Regular"/>
+              </a:rPr>
+              <a:t>TIMED </a:t>
+            </a:r>
+            <a:r>
+              <a:rPr lang="fr-FR" sz="2000" dirty="0" smtClean="0">
+                <a:solidFill>
+                  <a:schemeClr val="tx2"/>
+                </a:solidFill>
+                <a:latin typeface="Lato Regular"/>
+                <a:cs typeface="Lato Regular"/>
+              </a:rPr>
+              <a:t>OUT ?</a:t>
+            </a:r>
+            <a:endParaRPr lang="fr-FR" sz="2000" dirty="0">
+              <a:solidFill>
+                <a:schemeClr val="tx2"/>
+              </a:solidFill>
+              <a:latin typeface="Lato Regular"/>
+              <a:cs typeface="Lato Regular"/>
+            </a:endParaRPr>
+          </a:p>
+          <a:p>
+            <a:pPr marL="342900" indent="-342900">
+              <a:buFont typeface="Arial" panose="020B0604020202020204" pitchFamily="34" charset="0"/>
+              <a:buChar char="•"/>
+            </a:pPr>
+            <a:r>
+              <a:rPr lang="fr-FR" sz="2000" dirty="0" smtClean="0">
+                <a:solidFill>
+                  <a:schemeClr val="tx2"/>
+                </a:solidFill>
+                <a:latin typeface="Lato Regular"/>
+                <a:cs typeface="Lato Regular"/>
+              </a:rPr>
+              <a:t>une </a:t>
+            </a:r>
+            <a:r>
+              <a:rPr lang="fr-FR" sz="2000" dirty="0">
+                <a:solidFill>
+                  <a:schemeClr val="tx2"/>
+                </a:solidFill>
+                <a:latin typeface="Lato Regular"/>
+                <a:cs typeface="Lato Regular"/>
+              </a:rPr>
+              <a:t>mutation créé une boucle </a:t>
+            </a:r>
+            <a:r>
+              <a:rPr lang="fr-FR" sz="2000" dirty="0" smtClean="0">
+                <a:solidFill>
+                  <a:schemeClr val="tx2"/>
+                </a:solidFill>
+                <a:latin typeface="Lato Regular"/>
+                <a:cs typeface="Lato Regular"/>
+              </a:rPr>
+              <a:t>infinie</a:t>
+            </a:r>
+          </a:p>
+          <a:p>
+            <a:pPr marL="342900" indent="-342900">
+              <a:buFont typeface="Arial" panose="020B0604020202020204" pitchFamily="34" charset="0"/>
+              <a:buChar char="•"/>
+            </a:pPr>
+            <a:r>
+              <a:rPr lang="fr-FR" sz="2000" dirty="0" err="1" smtClean="0">
+                <a:solidFill>
+                  <a:schemeClr val="tx2"/>
+                </a:solidFill>
+                <a:latin typeface="Lato Regular"/>
+                <a:cs typeface="Lato Regular"/>
+              </a:rPr>
+              <a:t>pit</a:t>
+            </a:r>
+            <a:r>
+              <a:rPr lang="fr-FR" sz="2000" dirty="0" smtClean="0">
+                <a:solidFill>
+                  <a:schemeClr val="tx2"/>
+                </a:solidFill>
+                <a:latin typeface="Lato Regular"/>
+                <a:cs typeface="Lato Regular"/>
+              </a:rPr>
+              <a:t> </a:t>
+            </a:r>
+            <a:r>
+              <a:rPr lang="fr-FR" sz="2000" dirty="0">
+                <a:solidFill>
+                  <a:schemeClr val="tx2"/>
+                </a:solidFill>
+                <a:latin typeface="Lato Regular"/>
+                <a:cs typeface="Lato Regular"/>
+              </a:rPr>
+              <a:t>test pense qu'il y a une boucle infinie</a:t>
+            </a:r>
+            <a:endParaRPr lang="fr-FR" sz="2000" dirty="0" smtClean="0">
+              <a:solidFill>
+                <a:schemeClr val="tx2"/>
+              </a:solidFill>
+              <a:latin typeface="Lato Light"/>
+              <a:cs typeface="Lato Light"/>
+            </a:endParaRPr>
+          </a:p>
+        </p:txBody>
+      </p:sp>
+    </p:spTree>
+    <p:extLst>
+      <p:ext uri="{BB962C8B-B14F-4D97-AF65-F5344CB8AC3E}">
+        <p14:creationId xmlns:p14="http://schemas.microsoft.com/office/powerpoint/2010/main" val="927879951"/>
+      </p:ext>
+    </p:extLst>
+  </p:cSld>
+  <p:clrMapOvr>
+    <a:masterClrMapping/>
+  </p:clrMapOvr>
+  <p:timing>
+    <p:tnLst>
+      <p:par>
+        <p:cTn id="1" dur="indefinite" restart="never" nodeType="tmRoot"/>
+      </p:par>
+    </p:tnLst>
+  </p:timing>
+</p:sld>
+</file>
+
+<file path=ppt/slides/slide12.xml><?xml version="1.0" encoding="utf-8"?>
 <p:sld xmlns:a="http://schemas.openxmlformats.org/drawingml/2006/main" xmlns:r="http://schemas.openxmlformats.org/officeDocument/2006/relationships" xmlns:p="http://schemas.openxmlformats.org/presentationml/2006/main">
   <p:cSld>
     <p:spTree>
@@ -11154,7 +11382,7 @@
 </p:sld>
 </file>
 
-<file path=ppt/slides/slide12.xml><?xml version="1.0" encoding="utf-8"?>
+<file path=ppt/slides/slide13.xml><?xml version="1.0" encoding="utf-8"?>
 <p:sld xmlns:a="http://schemas.openxmlformats.org/drawingml/2006/main" xmlns:r="http://schemas.openxmlformats.org/officeDocument/2006/relationships" xmlns:p="http://schemas.openxmlformats.org/presentationml/2006/main">
   <p:cSld>
     <p:spTree>
@@ -11543,7 +11771,7 @@
 </p:sld>
 </file>
 
-<file path=ppt/slides/slide13.xml><?xml version="1.0" encoding="utf-8"?>
+<file path=ppt/slides/slide14.xml><?xml version="1.0" encoding="utf-8"?>
 <p:sld xmlns:a="http://schemas.openxmlformats.org/drawingml/2006/main" xmlns:r="http://schemas.openxmlformats.org/officeDocument/2006/relationships" xmlns:p="http://schemas.openxmlformats.org/presentationml/2006/main">
   <p:cSld>
     <p:spTree>
@@ -11911,7 +12139,7 @@
 </p:sld>
 </file>
 
-<file path=ppt/slides/slide14.xml><?xml version="1.0" encoding="utf-8"?>
+<file path=ppt/slides/slide15.xml><?xml version="1.0" encoding="utf-8"?>
 <p:sld xmlns:a="http://schemas.openxmlformats.org/drawingml/2006/main" xmlns:r="http://schemas.openxmlformats.org/officeDocument/2006/relationships" xmlns:p="http://schemas.openxmlformats.org/presentationml/2006/main">
   <p:cSld>
     <p:spTree>
@@ -12788,7 +13016,7 @@
 </p:sld>
 </file>
 
-<file path=ppt/slides/slide15.xml><?xml version="1.0" encoding="utf-8"?>
+<file path=ppt/slides/slide16.xml><?xml version="1.0" encoding="utf-8"?>
 <p:sld xmlns:a="http://schemas.openxmlformats.org/drawingml/2006/main" xmlns:r="http://schemas.openxmlformats.org/officeDocument/2006/relationships" xmlns:p="http://schemas.openxmlformats.org/presentationml/2006/main">
   <p:cSld>
     <p:spTree>
@@ -13246,7 +13474,7 @@
 </p:sld>
 </file>
 
-<file path=ppt/slides/slide16.xml><?xml version="1.0" encoding="utf-8"?>
+<file path=ppt/slides/slide17.xml><?xml version="1.0" encoding="utf-8"?>
 <p:sld xmlns:a="http://schemas.openxmlformats.org/drawingml/2006/main" xmlns:r="http://schemas.openxmlformats.org/officeDocument/2006/relationships" xmlns:p="http://schemas.openxmlformats.org/presentationml/2006/main">
   <p:cSld>
     <p:spTree>
@@ -13776,7 +14004,7 @@
 </p:sld>
 </file>
 
-<file path=ppt/slides/slide17.xml><?xml version="1.0" encoding="utf-8"?>
+<file path=ppt/slides/slide18.xml><?xml version="1.0" encoding="utf-8"?>
 <p:sld xmlns:a="http://schemas.openxmlformats.org/drawingml/2006/main" xmlns:r="http://schemas.openxmlformats.org/officeDocument/2006/relationships" xmlns:p="http://schemas.openxmlformats.org/presentationml/2006/main">
   <p:cSld>
     <p:spTree>
@@ -14080,7 +14308,7 @@
 </p:sld>
 </file>
 
-<file path=ppt/slides/slide18.xml><?xml version="1.0" encoding="utf-8"?>
+<file path=ppt/slides/slide19.xml><?xml version="1.0" encoding="utf-8"?>
 <p:sld xmlns:a="http://schemas.openxmlformats.org/drawingml/2006/main" xmlns:r="http://schemas.openxmlformats.org/officeDocument/2006/relationships" xmlns:p="http://schemas.openxmlformats.org/presentationml/2006/main">
   <p:cSld>
     <p:spTree>
@@ -14448,7 +14676,364 @@
 </p:sld>
 </file>
 
-<file path=ppt/slides/slide19.xml><?xml version="1.0" encoding="utf-8"?>
+<file path=ppt/slides/slide2.xml><?xml version="1.0" encoding="utf-8"?>
+<p:sld xmlns:a="http://schemas.openxmlformats.org/drawingml/2006/main" xmlns:r="http://schemas.openxmlformats.org/officeDocument/2006/relationships" xmlns:p="http://schemas.openxmlformats.org/presentationml/2006/main">
+  <p:cSld>
+    <p:spTree>
+      <p:nvGrpSpPr>
+        <p:cNvPr id="1" name=""/>
+        <p:cNvGrpSpPr/>
+        <p:nvPr/>
+      </p:nvGrpSpPr>
+      <p:grpSpPr>
+        <a:xfrm>
+          <a:off x="0" y="0"/>
+          <a:ext cx="0" cy="0"/>
+          <a:chOff x="0" y="0"/>
+          <a:chExt cx="0" cy="0"/>
+        </a:xfrm>
+      </p:grpSpPr>
+      <p:grpSp>
+        <p:nvGrpSpPr>
+          <p:cNvPr id="202" name="Groupe 201"/>
+          <p:cNvGrpSpPr/>
+          <p:nvPr/>
+        </p:nvGrpSpPr>
+        <p:grpSpPr>
+          <a:xfrm>
+            <a:off x="0" y="73772"/>
+            <a:ext cx="5717107" cy="883356"/>
+            <a:chOff x="0" y="-9760"/>
+            <a:chExt cx="4578456" cy="785565"/>
+          </a:xfrm>
+        </p:grpSpPr>
+        <p:sp>
+          <p:nvSpPr>
+            <p:cNvPr id="203" name="ZoneTexte 202"/>
+            <p:cNvSpPr txBox="1"/>
+            <p:nvPr/>
+          </p:nvSpPr>
+          <p:spPr>
+            <a:xfrm>
+              <a:off x="109500" y="-9760"/>
+              <a:ext cx="4468956" cy="629520"/>
+            </a:xfrm>
+            <a:prstGeom prst="rect">
+              <a:avLst/>
+            </a:prstGeom>
+            <a:noFill/>
+          </p:spPr>
+          <p:txBody>
+            <a:bodyPr wrap="none" rtlCol="0">
+              <a:spAutoFit/>
+            </a:bodyPr>
+            <a:lstStyle/>
+            <a:p>
+              <a:r>
+                <a:rPr lang="fr-FR" sz="4000" b="1" dirty="0" smtClean="0">
+                  <a:latin typeface="Lato Regular" panose="020F0502020204030203" pitchFamily="34" charset="0"/>
+                  <a:ea typeface="Lato Regular" panose="020F0502020204030203" pitchFamily="34" charset="0"/>
+                  <a:cs typeface="Lato Regular" panose="020F0502020204030203" pitchFamily="34" charset="0"/>
+                </a:rPr>
+                <a:t>Ce qui ne nous tue pas…</a:t>
+              </a:r>
+              <a:endParaRPr lang="fr-FR" sz="3600" b="1" dirty="0">
+                <a:latin typeface="Lato Regular" panose="020F0502020204030203" pitchFamily="34" charset="0"/>
+                <a:ea typeface="Lato Regular" panose="020F0502020204030203" pitchFamily="34" charset="0"/>
+                <a:cs typeface="Lato Regular" panose="020F0502020204030203" pitchFamily="34" charset="0"/>
+              </a:endParaRPr>
+            </a:p>
+          </p:txBody>
+        </p:sp>
+        <p:sp>
+          <p:nvSpPr>
+            <p:cNvPr id="204" name="Rectangle 203"/>
+            <p:cNvSpPr/>
+            <p:nvPr/>
+          </p:nvSpPr>
+          <p:spPr>
+            <a:xfrm>
+              <a:off x="0" y="619760"/>
+              <a:ext cx="2357120" cy="156045"/>
+            </a:xfrm>
+            <a:prstGeom prst="rect">
+              <a:avLst/>
+            </a:prstGeom>
+            <a:solidFill>
+              <a:srgbClr val="2F6079"/>
+            </a:solidFill>
+            <a:ln>
+              <a:noFill/>
+            </a:ln>
+          </p:spPr>
+          <p:style>
+            <a:lnRef idx="2">
+              <a:schemeClr val="accent1">
+                <a:shade val="50000"/>
+              </a:schemeClr>
+            </a:lnRef>
+            <a:fillRef idx="1">
+              <a:schemeClr val="accent1"/>
+            </a:fillRef>
+            <a:effectRef idx="0">
+              <a:schemeClr val="accent1"/>
+            </a:effectRef>
+            <a:fontRef idx="minor">
+              <a:schemeClr val="lt1"/>
+            </a:fontRef>
+          </p:style>
+          <p:txBody>
+            <a:bodyPr rtlCol="0" anchor="ctr"/>
+            <a:lstStyle/>
+            <a:p>
+              <a:pPr algn="ctr"/>
+              <a:endParaRPr lang="fr-FR"/>
+            </a:p>
+          </p:txBody>
+        </p:sp>
+      </p:grpSp>
+      <p:sp>
+        <p:nvSpPr>
+          <p:cNvPr id="6" name="Subtitle 2">
+            <a:extLst>
+              <a:ext uri="{FF2B5EF4-FFF2-40B4-BE49-F238E27FC236}">
+                <a16:creationId xmlns:a16="http://schemas.microsoft.com/office/drawing/2014/main" id="{D14CB390-EA4F-4FA9-A9B4-B33E71E51B9E}"/>
+              </a:ext>
+            </a:extLst>
+          </p:cNvPr>
+          <p:cNvSpPr txBox="1">
+            <a:spLocks/>
+          </p:cNvSpPr>
+          <p:nvPr/>
+        </p:nvSpPr>
+        <p:spPr>
+          <a:xfrm>
+            <a:off x="2542286" y="2676709"/>
+            <a:ext cx="7201626" cy="1730904"/>
+          </a:xfrm>
+          <a:prstGeom prst="rect">
+            <a:avLst/>
+          </a:prstGeom>
+          <a:solidFill>
+            <a:schemeClr val="bg1"/>
+          </a:solidFill>
+        </p:spPr>
+        <p:txBody>
+          <a:bodyPr vert="horz" lIns="243744" tIns="121869" rIns="243744" bIns="121869" rtlCol="0">
+            <a:noAutofit/>
+          </a:bodyPr>
+          <a:lstStyle>
+            <a:lvl1pPr marL="342900" indent="-342900" algn="l" defTabSz="457200" rtl="0" eaLnBrk="1" latinLnBrk="0" hangingPunct="1">
+              <a:spcBef>
+                <a:spcPct val="20000"/>
+              </a:spcBef>
+              <a:buFont typeface="Arial"/>
+              <a:buChar char="•"/>
+              <a:defRPr sz="3200" kern="1200">
+                <a:solidFill>
+                  <a:schemeClr val="tx1"/>
+                </a:solidFill>
+                <a:latin typeface="+mn-lt"/>
+                <a:ea typeface="+mn-ea"/>
+                <a:cs typeface="+mn-cs"/>
+              </a:defRPr>
+            </a:lvl1pPr>
+            <a:lvl2pPr marL="742950" indent="-285750" algn="l" defTabSz="457200" rtl="0" eaLnBrk="1" latinLnBrk="0" hangingPunct="1">
+              <a:spcBef>
+                <a:spcPct val="20000"/>
+              </a:spcBef>
+              <a:buFont typeface="Arial"/>
+              <a:buChar char="–"/>
+              <a:defRPr sz="2800" kern="1200">
+                <a:solidFill>
+                  <a:schemeClr val="tx1"/>
+                </a:solidFill>
+                <a:latin typeface="+mn-lt"/>
+                <a:ea typeface="+mn-ea"/>
+                <a:cs typeface="+mn-cs"/>
+              </a:defRPr>
+            </a:lvl2pPr>
+            <a:lvl3pPr marL="1143000" indent="-228600" algn="l" defTabSz="457200" rtl="0" eaLnBrk="1" latinLnBrk="0" hangingPunct="1">
+              <a:spcBef>
+                <a:spcPct val="20000"/>
+              </a:spcBef>
+              <a:buFont typeface="Arial"/>
+              <a:buChar char="•"/>
+              <a:defRPr sz="2400" kern="1200">
+                <a:solidFill>
+                  <a:schemeClr val="tx1"/>
+                </a:solidFill>
+                <a:latin typeface="+mn-lt"/>
+                <a:ea typeface="+mn-ea"/>
+                <a:cs typeface="+mn-cs"/>
+              </a:defRPr>
+            </a:lvl3pPr>
+            <a:lvl4pPr marL="1600200" indent="-228600" algn="l" defTabSz="457200" rtl="0" eaLnBrk="1" latinLnBrk="0" hangingPunct="1">
+              <a:spcBef>
+                <a:spcPct val="20000"/>
+              </a:spcBef>
+              <a:buFont typeface="Arial"/>
+              <a:buChar char="–"/>
+              <a:defRPr sz="2000" kern="1200">
+                <a:solidFill>
+                  <a:schemeClr val="tx1"/>
+                </a:solidFill>
+                <a:latin typeface="+mn-lt"/>
+                <a:ea typeface="+mn-ea"/>
+                <a:cs typeface="+mn-cs"/>
+              </a:defRPr>
+            </a:lvl4pPr>
+            <a:lvl5pPr marL="2057400" indent="-228600" algn="l" defTabSz="457200" rtl="0" eaLnBrk="1" latinLnBrk="0" hangingPunct="1">
+              <a:spcBef>
+                <a:spcPct val="20000"/>
+              </a:spcBef>
+              <a:buFont typeface="Arial"/>
+              <a:buChar char="»"/>
+              <a:defRPr sz="2000" kern="1200">
+                <a:solidFill>
+                  <a:schemeClr val="tx1"/>
+                </a:solidFill>
+                <a:latin typeface="+mn-lt"/>
+                <a:ea typeface="+mn-ea"/>
+                <a:cs typeface="+mn-cs"/>
+              </a:defRPr>
+            </a:lvl5pPr>
+            <a:lvl6pPr marL="2514600" indent="-228600" algn="l" defTabSz="457200" rtl="0" eaLnBrk="1" latinLnBrk="0" hangingPunct="1">
+              <a:spcBef>
+                <a:spcPct val="20000"/>
+              </a:spcBef>
+              <a:buFont typeface="Arial"/>
+              <a:buChar char="•"/>
+              <a:defRPr sz="2000" kern="1200">
+                <a:solidFill>
+                  <a:schemeClr val="tx1"/>
+                </a:solidFill>
+                <a:latin typeface="+mn-lt"/>
+                <a:ea typeface="+mn-ea"/>
+                <a:cs typeface="+mn-cs"/>
+              </a:defRPr>
+            </a:lvl6pPr>
+            <a:lvl7pPr marL="2971800" indent="-228600" algn="l" defTabSz="457200" rtl="0" eaLnBrk="1" latinLnBrk="0" hangingPunct="1">
+              <a:spcBef>
+                <a:spcPct val="20000"/>
+              </a:spcBef>
+              <a:buFont typeface="Arial"/>
+              <a:buChar char="•"/>
+              <a:defRPr sz="2000" kern="1200">
+                <a:solidFill>
+                  <a:schemeClr val="tx1"/>
+                </a:solidFill>
+                <a:latin typeface="+mn-lt"/>
+                <a:ea typeface="+mn-ea"/>
+                <a:cs typeface="+mn-cs"/>
+              </a:defRPr>
+            </a:lvl7pPr>
+            <a:lvl8pPr marL="3429000" indent="-228600" algn="l" defTabSz="457200" rtl="0" eaLnBrk="1" latinLnBrk="0" hangingPunct="1">
+              <a:spcBef>
+                <a:spcPct val="20000"/>
+              </a:spcBef>
+              <a:buFont typeface="Arial"/>
+              <a:buChar char="•"/>
+              <a:defRPr sz="2000" kern="1200">
+                <a:solidFill>
+                  <a:schemeClr val="tx1"/>
+                </a:solidFill>
+                <a:latin typeface="+mn-lt"/>
+                <a:ea typeface="+mn-ea"/>
+                <a:cs typeface="+mn-cs"/>
+              </a:defRPr>
+            </a:lvl8pPr>
+            <a:lvl9pPr marL="3886200" indent="-228600" algn="l" defTabSz="457200" rtl="0" eaLnBrk="1" latinLnBrk="0" hangingPunct="1">
+              <a:spcBef>
+                <a:spcPct val="20000"/>
+              </a:spcBef>
+              <a:buFont typeface="Arial"/>
+              <a:buChar char="•"/>
+              <a:defRPr sz="2000" kern="1200">
+                <a:solidFill>
+                  <a:schemeClr val="tx1"/>
+                </a:solidFill>
+                <a:latin typeface="+mn-lt"/>
+                <a:ea typeface="+mn-ea"/>
+                <a:cs typeface="+mn-cs"/>
+              </a:defRPr>
+            </a:lvl9pPr>
+          </a:lstStyle>
+          <a:p>
+            <a:pPr marL="0" indent="0">
+              <a:buNone/>
+            </a:pPr>
+            <a:r>
+              <a:rPr lang="fr-FR" sz="2000" dirty="0" smtClean="0">
+                <a:solidFill>
+                  <a:schemeClr val="tx2"/>
+                </a:solidFill>
+                <a:latin typeface="Lato Regular"/>
+                <a:cs typeface="Lato Regular"/>
+              </a:rPr>
+              <a:t>Résilience</a:t>
+            </a:r>
+          </a:p>
+          <a:p>
+            <a:pPr marL="0" indent="0">
+              <a:buNone/>
+            </a:pPr>
+            <a:r>
+              <a:rPr lang="fr-FR" sz="1600" dirty="0" smtClean="0">
+                <a:solidFill>
+                  <a:schemeClr val="tx2"/>
+                </a:solidFill>
+                <a:latin typeface="Lato Light"/>
+                <a:cs typeface="Lato Light"/>
+              </a:rPr>
+              <a:t>« La résilience est la capacité pour un individu à faire face à une situation difficile ou génératrice de stress. […] Faculté à « rebondir », à vaincre des situations traumatiques. »</a:t>
+            </a:r>
+          </a:p>
+          <a:p>
+            <a:pPr marL="0" indent="0" algn="r">
+              <a:buNone/>
+            </a:pPr>
+            <a:r>
+              <a:rPr lang="fr-FR" sz="1600" i="1" dirty="0" smtClean="0">
+                <a:solidFill>
+                  <a:schemeClr val="tx2"/>
+                </a:solidFill>
+                <a:latin typeface="Lato Light"/>
+                <a:cs typeface="Lato Light"/>
+              </a:rPr>
+              <a:t>Psychologies.com</a:t>
+            </a:r>
+            <a:endParaRPr lang="fr-FR" sz="1600" i="1" dirty="0">
+              <a:solidFill>
+                <a:schemeClr val="tx2"/>
+              </a:solidFill>
+              <a:latin typeface="Lato Light"/>
+              <a:cs typeface="Lato Light"/>
+            </a:endParaRPr>
+          </a:p>
+        </p:txBody>
+      </p:sp>
+    </p:spTree>
+    <p:extLst>
+      <p:ext uri="{BB962C8B-B14F-4D97-AF65-F5344CB8AC3E}">
+        <p14:creationId xmlns:p14="http://schemas.microsoft.com/office/powerpoint/2010/main" val="2697850890"/>
+      </p:ext>
+    </p:extLst>
+  </p:cSld>
+  <p:clrMapOvr>
+    <a:masterClrMapping/>
+  </p:clrMapOvr>
+  <p:timing>
+    <p:tnLst>
+      <p:par>
+        <p:cTn id="1" dur="indefinite" restart="never" nodeType="tmRoot"/>
+      </p:par>
+    </p:tnLst>
+  </p:timing>
+</p:sld>
+</file>
+
+<file path=ppt/slides/slide20.xml><?xml version="1.0" encoding="utf-8"?>
 <p:sld xmlns:a="http://schemas.openxmlformats.org/drawingml/2006/main" xmlns:r="http://schemas.openxmlformats.org/officeDocument/2006/relationships" xmlns:p="http://schemas.openxmlformats.org/presentationml/2006/main">
   <p:cSld>
     <p:spTree>
@@ -15112,364 +15697,7 @@
 </p:sld>
 </file>
 
-<file path=ppt/slides/slide2.xml><?xml version="1.0" encoding="utf-8"?>
-<p:sld xmlns:a="http://schemas.openxmlformats.org/drawingml/2006/main" xmlns:r="http://schemas.openxmlformats.org/officeDocument/2006/relationships" xmlns:p="http://schemas.openxmlformats.org/presentationml/2006/main">
-  <p:cSld>
-    <p:spTree>
-      <p:nvGrpSpPr>
-        <p:cNvPr id="1" name=""/>
-        <p:cNvGrpSpPr/>
-        <p:nvPr/>
-      </p:nvGrpSpPr>
-      <p:grpSpPr>
-        <a:xfrm>
-          <a:off x="0" y="0"/>
-          <a:ext cx="0" cy="0"/>
-          <a:chOff x="0" y="0"/>
-          <a:chExt cx="0" cy="0"/>
-        </a:xfrm>
-      </p:grpSpPr>
-      <p:grpSp>
-        <p:nvGrpSpPr>
-          <p:cNvPr id="202" name="Groupe 201"/>
-          <p:cNvGrpSpPr/>
-          <p:nvPr/>
-        </p:nvGrpSpPr>
-        <p:grpSpPr>
-          <a:xfrm>
-            <a:off x="0" y="73772"/>
-            <a:ext cx="5717107" cy="883356"/>
-            <a:chOff x="0" y="-9760"/>
-            <a:chExt cx="4578456" cy="785565"/>
-          </a:xfrm>
-        </p:grpSpPr>
-        <p:sp>
-          <p:nvSpPr>
-            <p:cNvPr id="203" name="ZoneTexte 202"/>
-            <p:cNvSpPr txBox="1"/>
-            <p:nvPr/>
-          </p:nvSpPr>
-          <p:spPr>
-            <a:xfrm>
-              <a:off x="109500" y="-9760"/>
-              <a:ext cx="4468956" cy="629520"/>
-            </a:xfrm>
-            <a:prstGeom prst="rect">
-              <a:avLst/>
-            </a:prstGeom>
-            <a:noFill/>
-          </p:spPr>
-          <p:txBody>
-            <a:bodyPr wrap="none" rtlCol="0">
-              <a:spAutoFit/>
-            </a:bodyPr>
-            <a:lstStyle/>
-            <a:p>
-              <a:r>
-                <a:rPr lang="fr-FR" sz="4000" b="1" dirty="0" smtClean="0">
-                  <a:latin typeface="Lato Regular" panose="020F0502020204030203" pitchFamily="34" charset="0"/>
-                  <a:ea typeface="Lato Regular" panose="020F0502020204030203" pitchFamily="34" charset="0"/>
-                  <a:cs typeface="Lato Regular" panose="020F0502020204030203" pitchFamily="34" charset="0"/>
-                </a:rPr>
-                <a:t>Ce qui ne nous tue pas…</a:t>
-              </a:r>
-              <a:endParaRPr lang="fr-FR" sz="3600" b="1" dirty="0">
-                <a:latin typeface="Lato Regular" panose="020F0502020204030203" pitchFamily="34" charset="0"/>
-                <a:ea typeface="Lato Regular" panose="020F0502020204030203" pitchFamily="34" charset="0"/>
-                <a:cs typeface="Lato Regular" panose="020F0502020204030203" pitchFamily="34" charset="0"/>
-              </a:endParaRPr>
-            </a:p>
-          </p:txBody>
-        </p:sp>
-        <p:sp>
-          <p:nvSpPr>
-            <p:cNvPr id="204" name="Rectangle 203"/>
-            <p:cNvSpPr/>
-            <p:nvPr/>
-          </p:nvSpPr>
-          <p:spPr>
-            <a:xfrm>
-              <a:off x="0" y="619760"/>
-              <a:ext cx="2357120" cy="156045"/>
-            </a:xfrm>
-            <a:prstGeom prst="rect">
-              <a:avLst/>
-            </a:prstGeom>
-            <a:solidFill>
-              <a:srgbClr val="2F6079"/>
-            </a:solidFill>
-            <a:ln>
-              <a:noFill/>
-            </a:ln>
-          </p:spPr>
-          <p:style>
-            <a:lnRef idx="2">
-              <a:schemeClr val="accent1">
-                <a:shade val="50000"/>
-              </a:schemeClr>
-            </a:lnRef>
-            <a:fillRef idx="1">
-              <a:schemeClr val="accent1"/>
-            </a:fillRef>
-            <a:effectRef idx="0">
-              <a:schemeClr val="accent1"/>
-            </a:effectRef>
-            <a:fontRef idx="minor">
-              <a:schemeClr val="lt1"/>
-            </a:fontRef>
-          </p:style>
-          <p:txBody>
-            <a:bodyPr rtlCol="0" anchor="ctr"/>
-            <a:lstStyle/>
-            <a:p>
-              <a:pPr algn="ctr"/>
-              <a:endParaRPr lang="fr-FR"/>
-            </a:p>
-          </p:txBody>
-        </p:sp>
-      </p:grpSp>
-      <p:sp>
-        <p:nvSpPr>
-          <p:cNvPr id="6" name="Subtitle 2">
-            <a:extLst>
-              <a:ext uri="{FF2B5EF4-FFF2-40B4-BE49-F238E27FC236}">
-                <a16:creationId xmlns:a16="http://schemas.microsoft.com/office/drawing/2014/main" id="{D14CB390-EA4F-4FA9-A9B4-B33E71E51B9E}"/>
-              </a:ext>
-            </a:extLst>
-          </p:cNvPr>
-          <p:cNvSpPr txBox="1">
-            <a:spLocks/>
-          </p:cNvSpPr>
-          <p:nvPr/>
-        </p:nvSpPr>
-        <p:spPr>
-          <a:xfrm>
-            <a:off x="2542286" y="2676709"/>
-            <a:ext cx="7201626" cy="1730904"/>
-          </a:xfrm>
-          <a:prstGeom prst="rect">
-            <a:avLst/>
-          </a:prstGeom>
-          <a:solidFill>
-            <a:schemeClr val="bg1"/>
-          </a:solidFill>
-        </p:spPr>
-        <p:txBody>
-          <a:bodyPr vert="horz" lIns="243744" tIns="121869" rIns="243744" bIns="121869" rtlCol="0">
-            <a:noAutofit/>
-          </a:bodyPr>
-          <a:lstStyle>
-            <a:lvl1pPr marL="342900" indent="-342900" algn="l" defTabSz="457200" rtl="0" eaLnBrk="1" latinLnBrk="0" hangingPunct="1">
-              <a:spcBef>
-                <a:spcPct val="20000"/>
-              </a:spcBef>
-              <a:buFont typeface="Arial"/>
-              <a:buChar char="•"/>
-              <a:defRPr sz="3200" kern="1200">
-                <a:solidFill>
-                  <a:schemeClr val="tx1"/>
-                </a:solidFill>
-                <a:latin typeface="+mn-lt"/>
-                <a:ea typeface="+mn-ea"/>
-                <a:cs typeface="+mn-cs"/>
-              </a:defRPr>
-            </a:lvl1pPr>
-            <a:lvl2pPr marL="742950" indent="-285750" algn="l" defTabSz="457200" rtl="0" eaLnBrk="1" latinLnBrk="0" hangingPunct="1">
-              <a:spcBef>
-                <a:spcPct val="20000"/>
-              </a:spcBef>
-              <a:buFont typeface="Arial"/>
-              <a:buChar char="–"/>
-              <a:defRPr sz="2800" kern="1200">
-                <a:solidFill>
-                  <a:schemeClr val="tx1"/>
-                </a:solidFill>
-                <a:latin typeface="+mn-lt"/>
-                <a:ea typeface="+mn-ea"/>
-                <a:cs typeface="+mn-cs"/>
-              </a:defRPr>
-            </a:lvl2pPr>
-            <a:lvl3pPr marL="1143000" indent="-228600" algn="l" defTabSz="457200" rtl="0" eaLnBrk="1" latinLnBrk="0" hangingPunct="1">
-              <a:spcBef>
-                <a:spcPct val="20000"/>
-              </a:spcBef>
-              <a:buFont typeface="Arial"/>
-              <a:buChar char="•"/>
-              <a:defRPr sz="2400" kern="1200">
-                <a:solidFill>
-                  <a:schemeClr val="tx1"/>
-                </a:solidFill>
-                <a:latin typeface="+mn-lt"/>
-                <a:ea typeface="+mn-ea"/>
-                <a:cs typeface="+mn-cs"/>
-              </a:defRPr>
-            </a:lvl3pPr>
-            <a:lvl4pPr marL="1600200" indent="-228600" algn="l" defTabSz="457200" rtl="0" eaLnBrk="1" latinLnBrk="0" hangingPunct="1">
-              <a:spcBef>
-                <a:spcPct val="20000"/>
-              </a:spcBef>
-              <a:buFont typeface="Arial"/>
-              <a:buChar char="–"/>
-              <a:defRPr sz="2000" kern="1200">
-                <a:solidFill>
-                  <a:schemeClr val="tx1"/>
-                </a:solidFill>
-                <a:latin typeface="+mn-lt"/>
-                <a:ea typeface="+mn-ea"/>
-                <a:cs typeface="+mn-cs"/>
-              </a:defRPr>
-            </a:lvl4pPr>
-            <a:lvl5pPr marL="2057400" indent="-228600" algn="l" defTabSz="457200" rtl="0" eaLnBrk="1" latinLnBrk="0" hangingPunct="1">
-              <a:spcBef>
-                <a:spcPct val="20000"/>
-              </a:spcBef>
-              <a:buFont typeface="Arial"/>
-              <a:buChar char="»"/>
-              <a:defRPr sz="2000" kern="1200">
-                <a:solidFill>
-                  <a:schemeClr val="tx1"/>
-                </a:solidFill>
-                <a:latin typeface="+mn-lt"/>
-                <a:ea typeface="+mn-ea"/>
-                <a:cs typeface="+mn-cs"/>
-              </a:defRPr>
-            </a:lvl5pPr>
-            <a:lvl6pPr marL="2514600" indent="-228600" algn="l" defTabSz="457200" rtl="0" eaLnBrk="1" latinLnBrk="0" hangingPunct="1">
-              <a:spcBef>
-                <a:spcPct val="20000"/>
-              </a:spcBef>
-              <a:buFont typeface="Arial"/>
-              <a:buChar char="•"/>
-              <a:defRPr sz="2000" kern="1200">
-                <a:solidFill>
-                  <a:schemeClr val="tx1"/>
-                </a:solidFill>
-                <a:latin typeface="+mn-lt"/>
-                <a:ea typeface="+mn-ea"/>
-                <a:cs typeface="+mn-cs"/>
-              </a:defRPr>
-            </a:lvl6pPr>
-            <a:lvl7pPr marL="2971800" indent="-228600" algn="l" defTabSz="457200" rtl="0" eaLnBrk="1" latinLnBrk="0" hangingPunct="1">
-              <a:spcBef>
-                <a:spcPct val="20000"/>
-              </a:spcBef>
-              <a:buFont typeface="Arial"/>
-              <a:buChar char="•"/>
-              <a:defRPr sz="2000" kern="1200">
-                <a:solidFill>
-                  <a:schemeClr val="tx1"/>
-                </a:solidFill>
-                <a:latin typeface="+mn-lt"/>
-                <a:ea typeface="+mn-ea"/>
-                <a:cs typeface="+mn-cs"/>
-              </a:defRPr>
-            </a:lvl7pPr>
-            <a:lvl8pPr marL="3429000" indent="-228600" algn="l" defTabSz="457200" rtl="0" eaLnBrk="1" latinLnBrk="0" hangingPunct="1">
-              <a:spcBef>
-                <a:spcPct val="20000"/>
-              </a:spcBef>
-              <a:buFont typeface="Arial"/>
-              <a:buChar char="•"/>
-              <a:defRPr sz="2000" kern="1200">
-                <a:solidFill>
-                  <a:schemeClr val="tx1"/>
-                </a:solidFill>
-                <a:latin typeface="+mn-lt"/>
-                <a:ea typeface="+mn-ea"/>
-                <a:cs typeface="+mn-cs"/>
-              </a:defRPr>
-            </a:lvl8pPr>
-            <a:lvl9pPr marL="3886200" indent="-228600" algn="l" defTabSz="457200" rtl="0" eaLnBrk="1" latinLnBrk="0" hangingPunct="1">
-              <a:spcBef>
-                <a:spcPct val="20000"/>
-              </a:spcBef>
-              <a:buFont typeface="Arial"/>
-              <a:buChar char="•"/>
-              <a:defRPr sz="2000" kern="1200">
-                <a:solidFill>
-                  <a:schemeClr val="tx1"/>
-                </a:solidFill>
-                <a:latin typeface="+mn-lt"/>
-                <a:ea typeface="+mn-ea"/>
-                <a:cs typeface="+mn-cs"/>
-              </a:defRPr>
-            </a:lvl9pPr>
-          </a:lstStyle>
-          <a:p>
-            <a:pPr marL="0" indent="0">
-              <a:buNone/>
-            </a:pPr>
-            <a:r>
-              <a:rPr lang="fr-FR" sz="2000" dirty="0" smtClean="0">
-                <a:solidFill>
-                  <a:schemeClr val="tx2"/>
-                </a:solidFill>
-                <a:latin typeface="Lato Regular"/>
-                <a:cs typeface="Lato Regular"/>
-              </a:rPr>
-              <a:t>Résilience</a:t>
-            </a:r>
-          </a:p>
-          <a:p>
-            <a:pPr marL="0" indent="0">
-              <a:buNone/>
-            </a:pPr>
-            <a:r>
-              <a:rPr lang="fr-FR" sz="1600" dirty="0" smtClean="0">
-                <a:solidFill>
-                  <a:schemeClr val="tx2"/>
-                </a:solidFill>
-                <a:latin typeface="Lato Light"/>
-                <a:cs typeface="Lato Light"/>
-              </a:rPr>
-              <a:t>« La résilience est la capacité pour un individu à faire face à une situation difficile ou génératrice de stress. […] Faculté à « rebondir », à vaincre des situations traumatiques. »</a:t>
-            </a:r>
-          </a:p>
-          <a:p>
-            <a:pPr marL="0" indent="0" algn="r">
-              <a:buNone/>
-            </a:pPr>
-            <a:r>
-              <a:rPr lang="fr-FR" sz="1600" i="1" dirty="0" smtClean="0">
-                <a:solidFill>
-                  <a:schemeClr val="tx2"/>
-                </a:solidFill>
-                <a:latin typeface="Lato Light"/>
-                <a:cs typeface="Lato Light"/>
-              </a:rPr>
-              <a:t>Psychologies.com</a:t>
-            </a:r>
-            <a:endParaRPr lang="fr-FR" sz="1600" i="1" dirty="0">
-              <a:solidFill>
-                <a:schemeClr val="tx2"/>
-              </a:solidFill>
-              <a:latin typeface="Lato Light"/>
-              <a:cs typeface="Lato Light"/>
-            </a:endParaRPr>
-          </a:p>
-        </p:txBody>
-      </p:sp>
-    </p:spTree>
-    <p:extLst>
-      <p:ext uri="{BB962C8B-B14F-4D97-AF65-F5344CB8AC3E}">
-        <p14:creationId xmlns:p14="http://schemas.microsoft.com/office/powerpoint/2010/main" val="2697850890"/>
-      </p:ext>
-    </p:extLst>
-  </p:cSld>
-  <p:clrMapOvr>
-    <a:masterClrMapping/>
-  </p:clrMapOvr>
-  <p:timing>
-    <p:tnLst>
-      <p:par>
-        <p:cTn id="1" dur="indefinite" restart="never" nodeType="tmRoot"/>
-      </p:par>
-    </p:tnLst>
-  </p:timing>
-</p:sld>
-</file>
-
-<file path=ppt/slides/slide20.xml><?xml version="1.0" encoding="utf-8"?>
+<file path=ppt/slides/slide21.xml><?xml version="1.0" encoding="utf-8"?>
 <p:sld xmlns:a="http://schemas.openxmlformats.org/drawingml/2006/main" xmlns:r="http://schemas.openxmlformats.org/officeDocument/2006/relationships" xmlns:p="http://schemas.openxmlformats.org/presentationml/2006/main">
   <p:cSld>
     <p:spTree>
@@ -15916,7 +16144,7 @@
 </p:sld>
 </file>
 
-<file path=ppt/slides/slide21.xml><?xml version="1.0" encoding="utf-8"?>
+<file path=ppt/slides/slide22.xml><?xml version="1.0" encoding="utf-8"?>
 <p:sld xmlns:a="http://schemas.openxmlformats.org/drawingml/2006/main" xmlns:r="http://schemas.openxmlformats.org/officeDocument/2006/relationships" xmlns:p="http://schemas.openxmlformats.org/presentationml/2006/main">
   <p:cSld>
     <p:spTree>
@@ -16417,7 +16645,7 @@
 </p:sld>
 </file>
 
-<file path=ppt/slides/slide22.xml><?xml version="1.0" encoding="utf-8"?>
+<file path=ppt/slides/slide23.xml><?xml version="1.0" encoding="utf-8"?>
 <p:sld xmlns:a="http://schemas.openxmlformats.org/drawingml/2006/main" xmlns:r="http://schemas.openxmlformats.org/officeDocument/2006/relationships" xmlns:p="http://schemas.openxmlformats.org/presentationml/2006/main">
   <p:cSld>
     <p:spTree>
@@ -16768,7 +16996,7 @@
 </p:sld>
 </file>
 
-<file path=ppt/slides/slide23.xml><?xml version="1.0" encoding="utf-8"?>
+<file path=ppt/slides/slide24.xml><?xml version="1.0" encoding="utf-8"?>
 <p:sld xmlns:a="http://schemas.openxmlformats.org/drawingml/2006/main" xmlns:r="http://schemas.openxmlformats.org/officeDocument/2006/relationships" xmlns:p="http://schemas.openxmlformats.org/presentationml/2006/main">
   <p:cSld>
     <p:spTree>
@@ -16991,7 +17219,7 @@
 </p:sld>
 </file>
 
-<file path=ppt/slides/slide24.xml><?xml version="1.0" encoding="utf-8"?>
+<file path=ppt/slides/slide25.xml><?xml version="1.0" encoding="utf-8"?>
 <p:sld xmlns:a="http://schemas.openxmlformats.org/drawingml/2006/main" xmlns:r="http://schemas.openxmlformats.org/officeDocument/2006/relationships" xmlns:p="http://schemas.openxmlformats.org/presentationml/2006/main">
   <p:cSld>
     <p:spTree>
@@ -17375,7 +17603,7 @@
 </p:sld>
 </file>
 
-<file path=ppt/slides/slide25.xml><?xml version="1.0" encoding="utf-8"?>
+<file path=ppt/slides/slide26.xml><?xml version="1.0" encoding="utf-8"?>
 <p:sld xmlns:a="http://schemas.openxmlformats.org/drawingml/2006/main" xmlns:r="http://schemas.openxmlformats.org/officeDocument/2006/relationships" xmlns:p="http://schemas.openxmlformats.org/presentationml/2006/main">
   <p:cSld>
     <p:spTree>
@@ -17544,7 +17772,7 @@
 </p:sld>
 </file>
 
-<file path=ppt/slides/slide26.xml><?xml version="1.0" encoding="utf-8"?>
+<file path=ppt/slides/slide27.xml><?xml version="1.0" encoding="utf-8"?>
 <p:sld xmlns:a="http://schemas.openxmlformats.org/drawingml/2006/main" xmlns:r="http://schemas.openxmlformats.org/officeDocument/2006/relationships" xmlns:p="http://schemas.openxmlformats.org/presentationml/2006/main">
   <p:cSld>
     <p:spTree>

--- a/Hands-On -Chaos - SLIDES.pptx
+++ b/Hands-On -Chaos - SLIDES.pptx
@@ -6,10 +6,10 @@
     <p:sldMasterId id="2147483660" r:id="rId2"/>
   </p:sldMasterIdLst>
   <p:notesMasterIdLst>
-    <p:notesMasterId r:id="rId30"/>
+    <p:notesMasterId r:id="rId31"/>
   </p:notesMasterIdLst>
   <p:handoutMasterIdLst>
-    <p:handoutMasterId r:id="rId31"/>
+    <p:handoutMasterId r:id="rId32"/>
   </p:handoutMasterIdLst>
   <p:sldIdLst>
     <p:sldId id="288" r:id="rId3"/>
@@ -34,11 +34,12 @@
     <p:sldId id="345" r:id="rId22"/>
     <p:sldId id="346" r:id="rId23"/>
     <p:sldId id="347" r:id="rId24"/>
-    <p:sldId id="348" r:id="rId25"/>
-    <p:sldId id="350" r:id="rId26"/>
-    <p:sldId id="349" r:id="rId27"/>
-    <p:sldId id="313" r:id="rId28"/>
-    <p:sldId id="325" r:id="rId29"/>
+    <p:sldId id="353" r:id="rId25"/>
+    <p:sldId id="348" r:id="rId26"/>
+    <p:sldId id="350" r:id="rId27"/>
+    <p:sldId id="349" r:id="rId28"/>
+    <p:sldId id="313" r:id="rId29"/>
+    <p:sldId id="325" r:id="rId30"/>
   </p:sldIdLst>
   <p:sldSz cx="12192000" cy="6858000"/>
   <p:notesSz cx="6858000" cy="9144000"/>
@@ -168,6 +169,7 @@
             <p14:sldId id="345"/>
             <p14:sldId id="346"/>
             <p14:sldId id="347"/>
+            <p14:sldId id="353"/>
             <p14:sldId id="348"/>
             <p14:sldId id="350"/>
             <p14:sldId id="349"/>
@@ -950,12 +952,20 @@
           <a:lstStyle/>
           <a:p>
             <a:r>
-              <a:rPr lang="fr-FR" dirty="0" err="1" smtClean="0"/>
-              <a:t>Istio</a:t>
-            </a:r>
-            <a:r>
               <a:rPr lang="fr-FR" dirty="0" smtClean="0"/>
-              <a:t> ?</a:t>
+              <a:t>Je</a:t>
+            </a:r>
+            <a:r>
+              <a:rPr lang="fr-FR" baseline="0" dirty="0" smtClean="0"/>
+              <a:t> vais rajouter un </a:t>
+            </a:r>
+            <a:r>
+              <a:rPr lang="fr-FR" baseline="0" dirty="0" err="1" smtClean="0"/>
+              <a:t>screen</a:t>
+            </a:r>
+            <a:r>
+              <a:rPr lang="fr-FR" baseline="0" dirty="0" smtClean="0"/>
+              <a:t> ce soir</a:t>
             </a:r>
             <a:endParaRPr lang="fr-FR" dirty="0"/>
           </a:p>
@@ -978,7 +988,7 @@
           <a:p>
             <a:fld id="{B35DA622-522A-4B17-9AC4-B01778B7071C}" type="slidenum">
               <a:rPr lang="fr-FR" smtClean="0"/>
-              <a:t>23</a:t>
+              <a:t>22</a:t>
             </a:fld>
             <a:endParaRPr lang="fr-FR"/>
           </a:p>
@@ -987,7 +997,7 @@
     </p:spTree>
     <p:extLst>
       <p:ext uri="{BB962C8B-B14F-4D97-AF65-F5344CB8AC3E}">
-        <p14:creationId xmlns:p14="http://schemas.microsoft.com/office/powerpoint/2010/main" val="816172731"/>
+        <p14:creationId xmlns:p14="http://schemas.microsoft.com/office/powerpoint/2010/main" val="2807718690"/>
       </p:ext>
     </p:extLst>
   </p:cSld>
@@ -1042,12 +1052,20 @@
           <a:lstStyle/>
           <a:p>
             <a:r>
-              <a:rPr lang="fr-FR" dirty="0" err="1" smtClean="0"/>
-              <a:t>Istio</a:t>
-            </a:r>
-            <a:r>
               <a:rPr lang="fr-FR" dirty="0" smtClean="0"/>
-              <a:t> ?</a:t>
+              <a:t>Je</a:t>
+            </a:r>
+            <a:r>
+              <a:rPr lang="fr-FR" baseline="0" dirty="0" smtClean="0"/>
+              <a:t> vais rajouter un </a:t>
+            </a:r>
+            <a:r>
+              <a:rPr lang="fr-FR" baseline="0" dirty="0" err="1" smtClean="0"/>
+              <a:t>screen</a:t>
+            </a:r>
+            <a:r>
+              <a:rPr lang="fr-FR" baseline="0" dirty="0" smtClean="0"/>
+              <a:t> ce soir</a:t>
             </a:r>
             <a:endParaRPr lang="fr-FR" dirty="0"/>
           </a:p>
@@ -1070,7 +1088,191 @@
           <a:p>
             <a:fld id="{B35DA622-522A-4B17-9AC4-B01778B7071C}" type="slidenum">
               <a:rPr lang="fr-FR" smtClean="0"/>
+              <a:t>23</a:t>
+            </a:fld>
+            <a:endParaRPr lang="fr-FR"/>
+          </a:p>
+        </p:txBody>
+      </p:sp>
+    </p:spTree>
+    <p:extLst>
+      <p:ext uri="{BB962C8B-B14F-4D97-AF65-F5344CB8AC3E}">
+        <p14:creationId xmlns:p14="http://schemas.microsoft.com/office/powerpoint/2010/main" val="3000752244"/>
+      </p:ext>
+    </p:extLst>
+  </p:cSld>
+  <p:clrMapOvr>
+    <a:masterClrMapping/>
+  </p:clrMapOvr>
+</p:notes>
+</file>
+
+<file path=ppt/notesSlides/notesSlide12.xml><?xml version="1.0" encoding="utf-8"?>
+<p:notes xmlns:a="http://schemas.openxmlformats.org/drawingml/2006/main" xmlns:r="http://schemas.openxmlformats.org/officeDocument/2006/relationships" xmlns:p="http://schemas.openxmlformats.org/presentationml/2006/main">
+  <p:cSld>
+    <p:spTree>
+      <p:nvGrpSpPr>
+        <p:cNvPr id="1" name=""/>
+        <p:cNvGrpSpPr/>
+        <p:nvPr/>
+      </p:nvGrpSpPr>
+      <p:grpSpPr>
+        <a:xfrm>
+          <a:off x="0" y="0"/>
+          <a:ext cx="0" cy="0"/>
+          <a:chOff x="0" y="0"/>
+          <a:chExt cx="0" cy="0"/>
+        </a:xfrm>
+      </p:grpSpPr>
+      <p:sp>
+        <p:nvSpPr>
+          <p:cNvPr id="2" name="Espace réservé de l'image des diapositives 1"/>
+          <p:cNvSpPr>
+            <a:spLocks noGrp="1" noRot="1" noChangeAspect="1"/>
+          </p:cNvSpPr>
+          <p:nvPr>
+            <p:ph type="sldImg"/>
+          </p:nvPr>
+        </p:nvSpPr>
+        <p:spPr/>
+      </p:sp>
+      <p:sp>
+        <p:nvSpPr>
+          <p:cNvPr id="3" name="Espace réservé des notes 2"/>
+          <p:cNvSpPr>
+            <a:spLocks noGrp="1"/>
+          </p:cNvSpPr>
+          <p:nvPr>
+            <p:ph type="body" idx="1"/>
+          </p:nvPr>
+        </p:nvSpPr>
+        <p:spPr/>
+        <p:txBody>
+          <a:bodyPr/>
+          <a:lstStyle/>
+          <a:p>
+            <a:r>
+              <a:rPr lang="fr-FR" dirty="0" err="1" smtClean="0"/>
+              <a:t>Istio</a:t>
+            </a:r>
+            <a:r>
+              <a:rPr lang="fr-FR" dirty="0" smtClean="0"/>
+              <a:t> ?</a:t>
+            </a:r>
+            <a:endParaRPr lang="fr-FR" dirty="0"/>
+          </a:p>
+        </p:txBody>
+      </p:sp>
+      <p:sp>
+        <p:nvSpPr>
+          <p:cNvPr id="4" name="Espace réservé du numéro de diapositive 3"/>
+          <p:cNvSpPr>
+            <a:spLocks noGrp="1"/>
+          </p:cNvSpPr>
+          <p:nvPr>
+            <p:ph type="sldNum" sz="quarter" idx="10"/>
+          </p:nvPr>
+        </p:nvSpPr>
+        <p:spPr/>
+        <p:txBody>
+          <a:bodyPr/>
+          <a:lstStyle/>
+          <a:p>
+            <a:fld id="{B35DA622-522A-4B17-9AC4-B01778B7071C}" type="slidenum">
+              <a:rPr lang="fr-FR" smtClean="0"/>
               <a:t>24</a:t>
+            </a:fld>
+            <a:endParaRPr lang="fr-FR"/>
+          </a:p>
+        </p:txBody>
+      </p:sp>
+    </p:spTree>
+    <p:extLst>
+      <p:ext uri="{BB962C8B-B14F-4D97-AF65-F5344CB8AC3E}">
+        <p14:creationId xmlns:p14="http://schemas.microsoft.com/office/powerpoint/2010/main" val="816172731"/>
+      </p:ext>
+    </p:extLst>
+  </p:cSld>
+  <p:clrMapOvr>
+    <a:masterClrMapping/>
+  </p:clrMapOvr>
+</p:notes>
+</file>
+
+<file path=ppt/notesSlides/notesSlide13.xml><?xml version="1.0" encoding="utf-8"?>
+<p:notes xmlns:a="http://schemas.openxmlformats.org/drawingml/2006/main" xmlns:r="http://schemas.openxmlformats.org/officeDocument/2006/relationships" xmlns:p="http://schemas.openxmlformats.org/presentationml/2006/main">
+  <p:cSld>
+    <p:spTree>
+      <p:nvGrpSpPr>
+        <p:cNvPr id="1" name=""/>
+        <p:cNvGrpSpPr/>
+        <p:nvPr/>
+      </p:nvGrpSpPr>
+      <p:grpSpPr>
+        <a:xfrm>
+          <a:off x="0" y="0"/>
+          <a:ext cx="0" cy="0"/>
+          <a:chOff x="0" y="0"/>
+          <a:chExt cx="0" cy="0"/>
+        </a:xfrm>
+      </p:grpSpPr>
+      <p:sp>
+        <p:nvSpPr>
+          <p:cNvPr id="2" name="Espace réservé de l'image des diapositives 1"/>
+          <p:cNvSpPr>
+            <a:spLocks noGrp="1" noRot="1" noChangeAspect="1"/>
+          </p:cNvSpPr>
+          <p:nvPr>
+            <p:ph type="sldImg"/>
+          </p:nvPr>
+        </p:nvSpPr>
+        <p:spPr/>
+      </p:sp>
+      <p:sp>
+        <p:nvSpPr>
+          <p:cNvPr id="3" name="Espace réservé des notes 2"/>
+          <p:cNvSpPr>
+            <a:spLocks noGrp="1"/>
+          </p:cNvSpPr>
+          <p:nvPr>
+            <p:ph type="body" idx="1"/>
+          </p:nvPr>
+        </p:nvSpPr>
+        <p:spPr/>
+        <p:txBody>
+          <a:bodyPr/>
+          <a:lstStyle/>
+          <a:p>
+            <a:r>
+              <a:rPr lang="fr-FR" dirty="0" err="1" smtClean="0"/>
+              <a:t>Istio</a:t>
+            </a:r>
+            <a:r>
+              <a:rPr lang="fr-FR" dirty="0" smtClean="0"/>
+              <a:t> ?</a:t>
+            </a:r>
+            <a:endParaRPr lang="fr-FR" dirty="0"/>
+          </a:p>
+        </p:txBody>
+      </p:sp>
+      <p:sp>
+        <p:nvSpPr>
+          <p:cNvPr id="4" name="Espace réservé du numéro de diapositive 3"/>
+          <p:cNvSpPr>
+            <a:spLocks noGrp="1"/>
+          </p:cNvSpPr>
+          <p:nvPr>
+            <p:ph type="sldNum" sz="quarter" idx="10"/>
+          </p:nvPr>
+        </p:nvSpPr>
+        <p:spPr/>
+        <p:txBody>
+          <a:bodyPr/>
+          <a:lstStyle/>
+          <a:p>
+            <a:fld id="{B35DA622-522A-4B17-9AC4-B01778B7071C}" type="slidenum">
+              <a:rPr lang="fr-FR" smtClean="0"/>
+              <a:t>25</a:t>
             </a:fld>
             <a:endParaRPr lang="fr-FR"/>
           </a:p>
@@ -1596,6 +1798,14 @@
           <a:bodyPr/>
           <a:lstStyle/>
           <a:p>
+            <a:r>
+              <a:rPr lang="fr-FR" dirty="0" err="1" smtClean="0"/>
+              <a:t>Prez</a:t>
+            </a:r>
+            <a:r>
+              <a:rPr lang="fr-FR" dirty="0" smtClean="0"/>
+              <a:t> fonctionnelle et technique</a:t>
+            </a:r>
             <a:endParaRPr lang="fr-FR" dirty="0"/>
           </a:p>
         </p:txBody>
@@ -1617,7 +1827,7 @@
           <a:p>
             <a:fld id="{B35DA622-522A-4B17-9AC4-B01778B7071C}" type="slidenum">
               <a:rPr lang="fr-FR" smtClean="0"/>
-              <a:t>6</a:t>
+              <a:t>5</a:t>
             </a:fld>
             <a:endParaRPr lang="fr-FR"/>
           </a:p>
@@ -1626,7 +1836,7 @@
     </p:spTree>
     <p:extLst>
       <p:ext uri="{BB962C8B-B14F-4D97-AF65-F5344CB8AC3E}">
-        <p14:creationId xmlns:p14="http://schemas.microsoft.com/office/powerpoint/2010/main" val="3183962232"/>
+        <p14:creationId xmlns:p14="http://schemas.microsoft.com/office/powerpoint/2010/main" val="545146258"/>
       </p:ext>
     </p:extLst>
   </p:cSld>
@@ -1680,28 +1890,6 @@
           <a:bodyPr/>
           <a:lstStyle/>
           <a:p>
-            <a:r>
-              <a:rPr lang="fr-FR" dirty="0">
-                <a:hlinkClick r:id="rId3"/>
-              </a:rPr>
-              <a:t>https://</a:t>
-            </a:r>
-            <a:r>
-              <a:rPr lang="fr-FR" dirty="0" smtClean="0">
-                <a:hlinkClick r:id="rId3"/>
-              </a:rPr>
-              <a:t>assistant-us-south.watsonplatform.net/eu-gb/000c8e94-bdeb-4038-adb8-f6c3132eb7b6/workspaces/ed0bdd7c-aff6-4a08-ab19-0c529ae2d11a/build/intents</a:t>
-            </a:r>
-            <a:r>
-              <a:rPr lang="fr-FR" dirty="0" smtClean="0"/>
-              <a:t> </a:t>
-            </a:r>
-          </a:p>
-          <a:p>
-            <a:r>
-              <a:rPr lang="fr-FR" dirty="0" smtClean="0"/>
-              <a:t>Alors Polo on se connecte à IBM ? ? ?</a:t>
-            </a:r>
             <a:endParaRPr lang="fr-FR" dirty="0"/>
           </a:p>
         </p:txBody>
@@ -1723,7 +1911,7 @@
           <a:p>
             <a:fld id="{B35DA622-522A-4B17-9AC4-B01778B7071C}" type="slidenum">
               <a:rPr lang="fr-FR" smtClean="0"/>
-              <a:t>12</a:t>
+              <a:t>6</a:t>
             </a:fld>
             <a:endParaRPr lang="fr-FR"/>
           </a:p>
@@ -1732,7 +1920,7 @@
     </p:spTree>
     <p:extLst>
       <p:ext uri="{BB962C8B-B14F-4D97-AF65-F5344CB8AC3E}">
-        <p14:creationId xmlns:p14="http://schemas.microsoft.com/office/powerpoint/2010/main" val="2271656457"/>
+        <p14:creationId xmlns:p14="http://schemas.microsoft.com/office/powerpoint/2010/main" val="3183962232"/>
       </p:ext>
     </p:extLst>
   </p:cSld>
@@ -1787,111 +1975,27 @@
           <a:lstStyle/>
           <a:p>
             <a:r>
+              <a:rPr lang="fr-FR" dirty="0">
+                <a:hlinkClick r:id="rId3"/>
+              </a:rPr>
+              <a:t>https://</a:t>
+            </a:r>
+            <a:r>
+              <a:rPr lang="fr-FR" dirty="0" smtClean="0">
+                <a:hlinkClick r:id="rId3"/>
+              </a:rPr>
+              <a:t>assistant-us-south.watsonplatform.net/eu-gb/000c8e94-bdeb-4038-adb8-f6c3132eb7b6/workspaces/ed0bdd7c-aff6-4a08-ab19-0c529ae2d11a/build/intents</a:t>
+            </a:r>
+            <a:r>
               <a:rPr lang="fr-FR" dirty="0" smtClean="0"/>
-              <a:t>Chaos</a:t>
-            </a:r>
-            <a:r>
-              <a:rPr lang="fr-FR" baseline="0" dirty="0" smtClean="0"/>
               <a:t> </a:t>
             </a:r>
-            <a:r>
-              <a:rPr lang="fr-FR" baseline="0" dirty="0" err="1" smtClean="0"/>
-              <a:t>monkey</a:t>
-            </a:r>
-            <a:r>
-              <a:rPr lang="fr-FR" baseline="0" dirty="0" smtClean="0"/>
-              <a:t> : outil </a:t>
-            </a:r>
-            <a:r>
-              <a:rPr lang="fr-FR" baseline="0" dirty="0" err="1" smtClean="0"/>
-              <a:t>netflix</a:t>
-            </a:r>
-            <a:r>
-              <a:rPr lang="fr-FR" baseline="0" dirty="0" smtClean="0"/>
-              <a:t> pour tester la résilience</a:t>
-            </a:r>
-          </a:p>
-          <a:p>
-            <a:r>
-              <a:rPr lang="fr-FR" baseline="0" dirty="0" smtClean="0"/>
-              <a:t>Si une appli fonctionne avec des pannes </a:t>
-            </a:r>
-            <a:r>
-              <a:rPr lang="fr-FR" baseline="0" dirty="0" err="1" smtClean="0"/>
-              <a:t>aleatoire</a:t>
-            </a:r>
-            <a:r>
-              <a:rPr lang="fr-FR" baseline="0" dirty="0" smtClean="0"/>
-              <a:t>, elle fonctionnera le jour ou une vrai panne arrivera</a:t>
-            </a:r>
-          </a:p>
-          <a:p>
-            <a:r>
-              <a:rPr lang="fr-FR" baseline="0" dirty="0" err="1" smtClean="0"/>
-              <a:t>Ajd</a:t>
-            </a:r>
-            <a:r>
-              <a:rPr lang="fr-FR" baseline="0" dirty="0" smtClean="0"/>
-              <a:t>, les applis vont forcement tomber en panne</a:t>
-            </a:r>
-          </a:p>
-          <a:p>
-            <a:r>
-              <a:rPr lang="fr-FR" baseline="0" dirty="0" smtClean="0"/>
-              <a:t>Utiliser en </a:t>
-            </a:r>
-            <a:r>
-              <a:rPr lang="fr-FR" baseline="0" dirty="0" err="1" smtClean="0"/>
-              <a:t>prod</a:t>
-            </a:r>
-            <a:r>
-              <a:rPr lang="fr-FR" baseline="0" dirty="0" smtClean="0"/>
-              <a:t> chez </a:t>
-            </a:r>
-            <a:r>
-              <a:rPr lang="fr-FR" baseline="0" dirty="0" err="1" smtClean="0"/>
-              <a:t>neflix</a:t>
-            </a:r>
-            <a:endParaRPr lang="fr-FR" baseline="0" dirty="0" smtClean="0"/>
-          </a:p>
-          <a:p>
-            <a:endParaRPr lang="fr-FR" baseline="0" dirty="0" smtClean="0"/>
-          </a:p>
-          <a:p>
-            <a:r>
-              <a:rPr lang="fr-FR" baseline="0" dirty="0" err="1" smtClean="0"/>
-              <a:t>Gatling</a:t>
-            </a:r>
-            <a:r>
-              <a:rPr lang="fr-FR" baseline="0" dirty="0" smtClean="0"/>
-              <a:t>:</a:t>
-            </a:r>
-          </a:p>
-          <a:p>
-            <a:r>
-              <a:rPr lang="fr-FR" baseline="0" dirty="0" smtClean="0"/>
-              <a:t>Outil open source test de charge et de performance</a:t>
-            </a:r>
-          </a:p>
-          <a:p>
-            <a:r>
-              <a:rPr lang="fr-FR" baseline="0" dirty="0" err="1" smtClean="0"/>
-              <a:t>Repository</a:t>
-            </a:r>
-            <a:r>
-              <a:rPr lang="fr-FR" baseline="0" dirty="0" smtClean="0"/>
-              <a:t>  starter disponible sur </a:t>
-            </a:r>
-            <a:r>
-              <a:rPr lang="fr-FR" baseline="0" dirty="0" err="1" smtClean="0"/>
-              <a:t>github</a:t>
-            </a:r>
-            <a:endParaRPr lang="fr-FR" baseline="0" dirty="0" smtClean="0"/>
-          </a:p>
-          <a:p>
-            <a:endParaRPr lang="fr-FR" baseline="0" dirty="0" smtClean="0"/>
-          </a:p>
-          <a:p>
+          </a:p>
+          <a:p>
+            <a:r>
+              <a:rPr lang="fr-FR" dirty="0" smtClean="0"/>
+              <a:t>Alors Polo on se connecte à IBM ? ? ?</a:t>
+            </a:r>
             <a:endParaRPr lang="fr-FR" dirty="0"/>
           </a:p>
         </p:txBody>
@@ -1913,7 +2017,7 @@
           <a:p>
             <a:fld id="{B35DA622-522A-4B17-9AC4-B01778B7071C}" type="slidenum">
               <a:rPr lang="fr-FR" smtClean="0"/>
-              <a:t>15</a:t>
+              <a:t>12</a:t>
             </a:fld>
             <a:endParaRPr lang="fr-FR"/>
           </a:p>
@@ -1922,7 +2026,7 @@
     </p:spTree>
     <p:extLst>
       <p:ext uri="{BB962C8B-B14F-4D97-AF65-F5344CB8AC3E}">
-        <p14:creationId xmlns:p14="http://schemas.microsoft.com/office/powerpoint/2010/main" val="1516938095"/>
+        <p14:creationId xmlns:p14="http://schemas.microsoft.com/office/powerpoint/2010/main" val="2271656457"/>
       </p:ext>
     </p:extLst>
   </p:cSld>
@@ -1978,20 +2082,110 @@
           <a:p>
             <a:r>
               <a:rPr lang="fr-FR" dirty="0" smtClean="0"/>
-              <a:t>Je</a:t>
+              <a:t>Chaos</a:t>
             </a:r>
             <a:r>
               <a:rPr lang="fr-FR" baseline="0" dirty="0" smtClean="0"/>
-              <a:t> vais rajouter un </a:t>
+              <a:t> </a:t>
             </a:r>
             <a:r>
               <a:rPr lang="fr-FR" baseline="0" dirty="0" err="1" smtClean="0"/>
-              <a:t>screen</a:t>
+              <a:t>monkey</a:t>
             </a:r>
             <a:r>
               <a:rPr lang="fr-FR" baseline="0" dirty="0" smtClean="0"/>
-              <a:t> ce soir</a:t>
-            </a:r>
+              <a:t> : outil </a:t>
+            </a:r>
+            <a:r>
+              <a:rPr lang="fr-FR" baseline="0" dirty="0" err="1" smtClean="0"/>
+              <a:t>netflix</a:t>
+            </a:r>
+            <a:r>
+              <a:rPr lang="fr-FR" baseline="0" dirty="0" smtClean="0"/>
+              <a:t> pour tester la résilience</a:t>
+            </a:r>
+          </a:p>
+          <a:p>
+            <a:r>
+              <a:rPr lang="fr-FR" baseline="0" dirty="0" smtClean="0"/>
+              <a:t>Si une appli fonctionne avec des pannes </a:t>
+            </a:r>
+            <a:r>
+              <a:rPr lang="fr-FR" baseline="0" dirty="0" err="1" smtClean="0"/>
+              <a:t>aleatoire</a:t>
+            </a:r>
+            <a:r>
+              <a:rPr lang="fr-FR" baseline="0" dirty="0" smtClean="0"/>
+              <a:t>, elle fonctionnera le jour ou une vrai panne arrivera</a:t>
+            </a:r>
+          </a:p>
+          <a:p>
+            <a:r>
+              <a:rPr lang="fr-FR" baseline="0" dirty="0" err="1" smtClean="0"/>
+              <a:t>Ajd</a:t>
+            </a:r>
+            <a:r>
+              <a:rPr lang="fr-FR" baseline="0" dirty="0" smtClean="0"/>
+              <a:t>, les applis vont forcement tomber en panne</a:t>
+            </a:r>
+          </a:p>
+          <a:p>
+            <a:r>
+              <a:rPr lang="fr-FR" baseline="0" dirty="0" smtClean="0"/>
+              <a:t>Utiliser en </a:t>
+            </a:r>
+            <a:r>
+              <a:rPr lang="fr-FR" baseline="0" dirty="0" err="1" smtClean="0"/>
+              <a:t>prod</a:t>
+            </a:r>
+            <a:r>
+              <a:rPr lang="fr-FR" baseline="0" dirty="0" smtClean="0"/>
+              <a:t> chez </a:t>
+            </a:r>
+            <a:r>
+              <a:rPr lang="fr-FR" baseline="0" dirty="0" err="1" smtClean="0"/>
+              <a:t>neflix</a:t>
+            </a:r>
+            <a:endParaRPr lang="fr-FR" baseline="0" dirty="0" smtClean="0"/>
+          </a:p>
+          <a:p>
+            <a:endParaRPr lang="fr-FR" baseline="0" dirty="0" smtClean="0"/>
+          </a:p>
+          <a:p>
+            <a:r>
+              <a:rPr lang="fr-FR" baseline="0" dirty="0" err="1" smtClean="0"/>
+              <a:t>Gatling</a:t>
+            </a:r>
+            <a:r>
+              <a:rPr lang="fr-FR" baseline="0" dirty="0" smtClean="0"/>
+              <a:t>:</a:t>
+            </a:r>
+          </a:p>
+          <a:p>
+            <a:r>
+              <a:rPr lang="fr-FR" baseline="0" dirty="0" smtClean="0"/>
+              <a:t>Outil open source test de charge et de performance</a:t>
+            </a:r>
+          </a:p>
+          <a:p>
+            <a:r>
+              <a:rPr lang="fr-FR" baseline="0" dirty="0" err="1" smtClean="0"/>
+              <a:t>Repository</a:t>
+            </a:r>
+            <a:r>
+              <a:rPr lang="fr-FR" baseline="0" dirty="0" smtClean="0"/>
+              <a:t>  starter disponible sur </a:t>
+            </a:r>
+            <a:r>
+              <a:rPr lang="fr-FR" baseline="0" dirty="0" err="1" smtClean="0"/>
+              <a:t>github</a:t>
+            </a:r>
+            <a:endParaRPr lang="fr-FR" baseline="0" dirty="0" smtClean="0"/>
+          </a:p>
+          <a:p>
+            <a:endParaRPr lang="fr-FR" baseline="0" dirty="0" smtClean="0"/>
+          </a:p>
+          <a:p>
             <a:endParaRPr lang="fr-FR" dirty="0"/>
           </a:p>
         </p:txBody>
@@ -2013,7 +2207,7 @@
           <a:p>
             <a:fld id="{B35DA622-522A-4B17-9AC4-B01778B7071C}" type="slidenum">
               <a:rPr lang="fr-FR" smtClean="0"/>
-              <a:t>17</a:t>
+              <a:t>15</a:t>
             </a:fld>
             <a:endParaRPr lang="fr-FR"/>
           </a:p>
@@ -2022,7 +2216,7 @@
     </p:spTree>
     <p:extLst>
       <p:ext uri="{BB962C8B-B14F-4D97-AF65-F5344CB8AC3E}">
-        <p14:creationId xmlns:p14="http://schemas.microsoft.com/office/powerpoint/2010/main" val="1732735965"/>
+        <p14:creationId xmlns:p14="http://schemas.microsoft.com/office/powerpoint/2010/main" val="1516938095"/>
       </p:ext>
     </p:extLst>
   </p:cSld>
@@ -2078,48 +2272,19 @@
           <a:p>
             <a:r>
               <a:rPr lang="fr-FR" dirty="0" smtClean="0"/>
-              <a:t>Chaos</a:t>
+              <a:t>Je</a:t>
             </a:r>
             <a:r>
               <a:rPr lang="fr-FR" baseline="0" dirty="0" smtClean="0"/>
-              <a:t> </a:t>
+              <a:t> vais rajouter un </a:t>
             </a:r>
             <a:r>
               <a:rPr lang="fr-FR" baseline="0" dirty="0" err="1" smtClean="0"/>
-              <a:t>monkey</a:t>
+              <a:t>screen</a:t>
             </a:r>
             <a:r>
               <a:rPr lang="fr-FR" baseline="0" dirty="0" smtClean="0"/>
-              <a:t> </a:t>
-            </a:r>
-            <a:r>
-              <a:rPr lang="fr-FR" baseline="0" dirty="0" err="1" smtClean="0"/>
-              <a:t>assault</a:t>
-            </a:r>
-            <a:r>
-              <a:rPr lang="fr-FR" baseline="0" dirty="0" smtClean="0"/>
-              <a:t> avec latence, exceptions, … exemples</a:t>
-            </a:r>
-          </a:p>
-          <a:p>
-            <a:r>
-              <a:rPr lang="fr-FR" baseline="0" dirty="0" smtClean="0"/>
-              <a:t>Exemple d’assertions </a:t>
-            </a:r>
-            <a:r>
-              <a:rPr lang="fr-FR" baseline="0" dirty="0" err="1" smtClean="0"/>
-              <a:t>Gatling</a:t>
-            </a:r>
-            <a:endParaRPr lang="fr-FR" baseline="0" dirty="0" smtClean="0"/>
-          </a:p>
-          <a:p>
-            <a:r>
-              <a:rPr lang="fr-FR" baseline="0" dirty="0" smtClean="0"/>
-              <a:t>Tir de </a:t>
-            </a:r>
-            <a:r>
-              <a:rPr lang="fr-FR" baseline="0" dirty="0" err="1" smtClean="0"/>
-              <a:t>reference</a:t>
+              <a:t> ce soir</a:t>
             </a:r>
             <a:endParaRPr lang="fr-FR" dirty="0"/>
           </a:p>
@@ -2142,7 +2307,7 @@
           <a:p>
             <a:fld id="{B35DA622-522A-4B17-9AC4-B01778B7071C}" type="slidenum">
               <a:rPr lang="fr-FR" smtClean="0"/>
-              <a:t>18</a:t>
+              <a:t>17</a:t>
             </a:fld>
             <a:endParaRPr lang="fr-FR"/>
           </a:p>
@@ -2151,7 +2316,7 @@
     </p:spTree>
     <p:extLst>
       <p:ext uri="{BB962C8B-B14F-4D97-AF65-F5344CB8AC3E}">
-        <p14:creationId xmlns:p14="http://schemas.microsoft.com/office/powerpoint/2010/main" val="2307770141"/>
+        <p14:creationId xmlns:p14="http://schemas.microsoft.com/office/powerpoint/2010/main" val="1732735965"/>
       </p:ext>
     </p:extLst>
   </p:cSld>
@@ -2207,39 +2372,49 @@
           <a:p>
             <a:r>
               <a:rPr lang="fr-FR" dirty="0" smtClean="0"/>
-              <a:t>Et encore d’autre choses comme</a:t>
-            </a:r>
-          </a:p>
-          <a:p>
-            <a:r>
-              <a:rPr lang="fr-FR" sz="1200" b="0" i="0" kern="1200" dirty="0" smtClean="0">
-                <a:solidFill>
-                  <a:schemeClr val="tx1"/>
-                </a:solidFill>
-                <a:effectLst/>
-                <a:latin typeface="+mn-lt"/>
-                <a:ea typeface="+mn-ea"/>
-                <a:cs typeface="+mn-cs"/>
-              </a:rPr>
-              <a:t>optimiser l'utilisation de votre matériel afin de maximiser les ressources requises pour l'exécution de vos applications d'entreprise</a:t>
-            </a:r>
-          </a:p>
-          <a:p>
-            <a:r>
-              <a:rPr lang="fr-FR" sz="1200" b="0" i="0" kern="1200" dirty="0" smtClean="0">
-                <a:solidFill>
-                  <a:schemeClr val="tx1"/>
-                </a:solidFill>
-                <a:effectLst/>
-                <a:latin typeface="+mn-lt"/>
-                <a:ea typeface="+mn-ea"/>
-                <a:cs typeface="+mn-cs"/>
-              </a:rPr>
-              <a:t>gérer des services de façon déclarative et garantir ainsi que les applications déployées s'exécutent toujours de la manière dont vous les avez déployées ;</a:t>
-            </a:r>
-            <a:endParaRPr lang="fr-FR" dirty="0" smtClean="0"/>
-          </a:p>
-          <a:p>
+              <a:t>Chaos</a:t>
+            </a:r>
+            <a:r>
+              <a:rPr lang="fr-FR" baseline="0" dirty="0" smtClean="0"/>
+              <a:t> </a:t>
+            </a:r>
+            <a:r>
+              <a:rPr lang="fr-FR" baseline="0" dirty="0" err="1" smtClean="0"/>
+              <a:t>monkey</a:t>
+            </a:r>
+            <a:r>
+              <a:rPr lang="fr-FR" baseline="0" dirty="0" smtClean="0"/>
+              <a:t> </a:t>
+            </a:r>
+            <a:r>
+              <a:rPr lang="fr-FR" baseline="0" dirty="0" err="1" smtClean="0"/>
+              <a:t>assault</a:t>
+            </a:r>
+            <a:r>
+              <a:rPr lang="fr-FR" baseline="0" dirty="0" smtClean="0"/>
+              <a:t> avec latence, exceptions, … exemples</a:t>
+            </a:r>
+          </a:p>
+          <a:p>
+            <a:r>
+              <a:rPr lang="fr-FR" baseline="0" dirty="0" smtClean="0"/>
+              <a:t>Exemple d’assertions </a:t>
+            </a:r>
+            <a:r>
+              <a:rPr lang="fr-FR" baseline="0" dirty="0" err="1" smtClean="0"/>
+              <a:t>Gatling</a:t>
+            </a:r>
+            <a:endParaRPr lang="fr-FR" baseline="0" dirty="0" smtClean="0"/>
+          </a:p>
+          <a:p>
+            <a:r>
+              <a:rPr lang="fr-FR" baseline="0" dirty="0" smtClean="0"/>
+              <a:t>Tir de </a:t>
+            </a:r>
+            <a:r>
+              <a:rPr lang="fr-FR" baseline="0" dirty="0" err="1" smtClean="0"/>
+              <a:t>reference</a:t>
+            </a:r>
             <a:endParaRPr lang="fr-FR" dirty="0"/>
           </a:p>
         </p:txBody>
@@ -2261,7 +2436,7 @@
           <a:p>
             <a:fld id="{B35DA622-522A-4B17-9AC4-B01778B7071C}" type="slidenum">
               <a:rPr lang="fr-FR" smtClean="0"/>
-              <a:t>20</a:t>
+              <a:t>18</a:t>
             </a:fld>
             <a:endParaRPr lang="fr-FR"/>
           </a:p>
@@ -2270,7 +2445,7 @@
     </p:spTree>
     <p:extLst>
       <p:ext uri="{BB962C8B-B14F-4D97-AF65-F5344CB8AC3E}">
-        <p14:creationId xmlns:p14="http://schemas.microsoft.com/office/powerpoint/2010/main" val="1204782167"/>
+        <p14:creationId xmlns:p14="http://schemas.microsoft.com/office/powerpoint/2010/main" val="2307770141"/>
       </p:ext>
     </p:extLst>
   </p:cSld>
@@ -2326,20 +2501,39 @@
           <a:p>
             <a:r>
               <a:rPr lang="fr-FR" dirty="0" smtClean="0"/>
-              <a:t>Je</a:t>
-            </a:r>
-            <a:r>
-              <a:rPr lang="fr-FR" baseline="0" dirty="0" smtClean="0"/>
-              <a:t> vais rajouter un </a:t>
-            </a:r>
-            <a:r>
-              <a:rPr lang="fr-FR" baseline="0" dirty="0" err="1" smtClean="0"/>
-              <a:t>screen</a:t>
-            </a:r>
-            <a:r>
-              <a:rPr lang="fr-FR" baseline="0" dirty="0" smtClean="0"/>
-              <a:t> ce soir</a:t>
-            </a:r>
+              <a:t>Et encore d’autre choses comme</a:t>
+            </a:r>
+          </a:p>
+          <a:p>
+            <a:r>
+              <a:rPr lang="fr-FR" sz="1200" b="0" i="0" kern="1200" dirty="0" smtClean="0">
+                <a:solidFill>
+                  <a:schemeClr val="tx1"/>
+                </a:solidFill>
+                <a:effectLst/>
+                <a:latin typeface="+mn-lt"/>
+                <a:ea typeface="+mn-ea"/>
+                <a:cs typeface="+mn-cs"/>
+              </a:rPr>
+              <a:t>optimiser l'utilisation de votre matériel afin de maximiser les ressources requises pour l'exécution de vos applications d'entreprise</a:t>
+            </a:r>
+          </a:p>
+          <a:p>
+            <a:r>
+              <a:rPr lang="fr-FR" sz="1200" b="0" i="0" kern="1200" dirty="0" smtClean="0">
+                <a:solidFill>
+                  <a:schemeClr val="tx1"/>
+                </a:solidFill>
+                <a:effectLst/>
+                <a:latin typeface="+mn-lt"/>
+                <a:ea typeface="+mn-ea"/>
+                <a:cs typeface="+mn-cs"/>
+              </a:rPr>
+              <a:t>gérer des services de façon déclarative et garantir ainsi que les applications déployées s'exécutent toujours de la manière dont vous les avez déployées ;</a:t>
+            </a:r>
+            <a:endParaRPr lang="fr-FR" dirty="0" smtClean="0"/>
+          </a:p>
+          <a:p>
             <a:endParaRPr lang="fr-FR" dirty="0"/>
           </a:p>
         </p:txBody>
@@ -2361,7 +2555,7 @@
           <a:p>
             <a:fld id="{B35DA622-522A-4B17-9AC4-B01778B7071C}" type="slidenum">
               <a:rPr lang="fr-FR" smtClean="0"/>
-              <a:t>22</a:t>
+              <a:t>20</a:t>
             </a:fld>
             <a:endParaRPr lang="fr-FR"/>
           </a:p>
@@ -2370,7 +2564,7 @@
     </p:spTree>
     <p:extLst>
       <p:ext uri="{BB962C8B-B14F-4D97-AF65-F5344CB8AC3E}">
-        <p14:creationId xmlns:p14="http://schemas.microsoft.com/office/powerpoint/2010/main" val="2807718690"/>
+        <p14:creationId xmlns:p14="http://schemas.microsoft.com/office/powerpoint/2010/main" val="1204782167"/>
       </p:ext>
     </p:extLst>
   </p:cSld>
@@ -8932,6 +9126,36 @@
           </p:spPr>
         </p:pic>
       </p:grpSp>
+      <p:pic>
+        <p:nvPicPr>
+          <p:cNvPr id="9" name="Image 8"/>
+          <p:cNvPicPr>
+            <a:picLocks noChangeAspect="1"/>
+          </p:cNvPicPr>
+          <p:nvPr/>
+        </p:nvPicPr>
+        <p:blipFill>
+          <a:blip r:embed="rId6" cstate="print">
+            <a:extLst>
+              <a:ext uri="{28A0092B-C50C-407E-A947-70E740481C1C}">
+                <a14:useLocalDpi xmlns:a14="http://schemas.microsoft.com/office/drawing/2010/main" val="0"/>
+              </a:ext>
+            </a:extLst>
+          </a:blip>
+          <a:stretch>
+            <a:fillRect/>
+          </a:stretch>
+        </p:blipFill>
+        <p:spPr>
+          <a:xfrm rot="19273185">
+            <a:off x="9973717" y="720540"/>
+            <a:ext cx="1802146" cy="1802146"/>
+          </a:xfrm>
+          <a:prstGeom prst="rect">
+            <a:avLst/>
+          </a:prstGeom>
+        </p:spPr>
+      </p:pic>
     </p:spTree>
     <p:extLst>
       <p:ext uri="{BB962C8B-B14F-4D97-AF65-F5344CB8AC3E}">
@@ -13669,7 +13893,7 @@
         <p:spPr>
           <a:xfrm>
             <a:off x="322909" y="1350474"/>
-            <a:ext cx="2279938" cy="502532"/>
+            <a:ext cx="3423360" cy="502532"/>
           </a:xfrm>
           <a:prstGeom prst="rect">
             <a:avLst/>
@@ -13828,17 +14052,7 @@
                 <a:latin typeface="Lato Regular"/>
                 <a:cs typeface="Lato Regular"/>
               </a:rPr>
-              <a:t>Tir </a:t>
-            </a:r>
-            <a:r>
-              <a:rPr lang="fr-FR" sz="2000" dirty="0" err="1" smtClean="0">
-                <a:solidFill>
-                  <a:schemeClr val="tx2"/>
-                </a:solidFill>
-                <a:latin typeface="Lato Regular"/>
-                <a:cs typeface="Lato Regular"/>
-              </a:rPr>
-              <a:t>Gatling</a:t>
+              <a:t>Résultat du tir de charge:</a:t>
             </a:r>
             <a:endParaRPr lang="fr-FR" sz="2000" dirty="0">
               <a:solidFill>
@@ -13891,99 +14105,36 @@
           </a:prstGeom>
         </p:spPr>
       </p:pic>
-      <p:sp>
-        <p:nvSpPr>
-          <p:cNvPr id="10" name="Étoile à 5 branches 9"/>
-          <p:cNvSpPr/>
+      <p:pic>
+        <p:nvPicPr>
+          <p:cNvPr id="3" name="Image 2"/>
+          <p:cNvPicPr>
+            <a:picLocks noChangeAspect="1"/>
+          </p:cNvPicPr>
           <p:nvPr/>
-        </p:nvSpPr>
-        <p:spPr>
-          <a:xfrm rot="1662404">
-            <a:off x="9549502" y="369826"/>
-            <a:ext cx="2280456" cy="2119735"/>
-          </a:xfrm>
-          <a:prstGeom prst="star5">
-            <a:avLst>
-              <a:gd name="adj" fmla="val 21129"/>
-              <a:gd name="hf" fmla="val 105146"/>
-              <a:gd name="vf" fmla="val 110557"/>
-            </a:avLst>
-          </a:prstGeom>
-          <a:ln w="57150">
-            <a:solidFill>
-              <a:srgbClr val="FF0000"/>
-            </a:solidFill>
-          </a:ln>
-        </p:spPr>
-        <p:style>
-          <a:lnRef idx="0">
-            <a:schemeClr val="accent4"/>
-          </a:lnRef>
-          <a:fillRef idx="3">
-            <a:schemeClr val="accent4"/>
-          </a:fillRef>
-          <a:effectRef idx="3">
-            <a:schemeClr val="accent4"/>
-          </a:effectRef>
-          <a:fontRef idx="minor">
-            <a:schemeClr val="lt1"/>
-          </a:fontRef>
-        </p:style>
-        <p:txBody>
-          <a:bodyPr rtlCol="0" anchor="ctr"/>
-          <a:lstStyle/>
-          <a:p>
-            <a:pPr algn="ctr"/>
-            <a:r>
-              <a:rPr lang="fr-FR" sz="3600" b="1" dirty="0" smtClean="0">
-                <a:solidFill>
-                  <a:srgbClr val="FF0000"/>
-                </a:solidFill>
-              </a:rPr>
-              <a:t>WIP</a:t>
-            </a:r>
-            <a:endParaRPr lang="fr-FR" sz="3600" b="1" dirty="0">
-              <a:solidFill>
-                <a:srgbClr val="FF0000"/>
-              </a:solidFill>
-            </a:endParaRPr>
-          </a:p>
-        </p:txBody>
-      </p:sp>
-      <p:sp>
-        <p:nvSpPr>
-          <p:cNvPr id="2" name="ZoneTexte 1"/>
-          <p:cNvSpPr txBox="1"/>
-          <p:nvPr/>
-        </p:nvSpPr>
+        </p:nvPicPr>
+        <p:blipFill>
+          <a:blip r:embed="rId4">
+            <a:extLst>
+              <a:ext uri="{28A0092B-C50C-407E-A947-70E740481C1C}">
+                <a14:useLocalDpi xmlns:a14="http://schemas.microsoft.com/office/drawing/2010/main" val="0"/>
+              </a:ext>
+            </a:extLst>
+          </a:blip>
+          <a:stretch>
+            <a:fillRect/>
+          </a:stretch>
+        </p:blipFill>
         <p:spPr>
           <a:xfrm>
-            <a:off x="3009207" y="2022764"/>
-            <a:ext cx="6178253" cy="369332"/>
+            <a:off x="2673266" y="2171615"/>
+            <a:ext cx="9433528" cy="3805190"/>
           </a:xfrm>
           <a:prstGeom prst="rect">
             <a:avLst/>
           </a:prstGeom>
-          <a:noFill/>
         </p:spPr>
-        <p:txBody>
-          <a:bodyPr wrap="square" rtlCol="0">
-            <a:spAutoFit/>
-          </a:bodyPr>
-          <a:lstStyle/>
-          <a:p>
-            <a:r>
-              <a:rPr lang="fr-FR" dirty="0" err="1" smtClean="0"/>
-              <a:t>Screenshot</a:t>
-            </a:r>
-            <a:r>
-              <a:rPr lang="fr-FR" dirty="0" smtClean="0"/>
-              <a:t> TDC</a:t>
-            </a:r>
-            <a:endParaRPr lang="fr-FR" dirty="0"/>
-          </a:p>
-        </p:txBody>
-      </p:sp>
+      </p:pic>
     </p:spTree>
     <p:extLst>
       <p:ext uri="{BB962C8B-B14F-4D97-AF65-F5344CB8AC3E}">
@@ -16309,8 +16460,8 @@
         </p:nvSpPr>
         <p:spPr>
           <a:xfrm>
-            <a:off x="322909" y="1350474"/>
-            <a:ext cx="2279938" cy="502532"/>
+            <a:off x="322908" y="1350474"/>
+            <a:ext cx="6510153" cy="502532"/>
           </a:xfrm>
           <a:prstGeom prst="rect">
             <a:avLst/>
@@ -16469,30 +16620,8 @@
                 <a:latin typeface="Lato Regular"/>
                 <a:cs typeface="Lato Regular"/>
               </a:rPr>
-              <a:t>Tir </a:t>
-            </a:r>
-            <a:r>
-              <a:rPr lang="fr-FR" sz="2000" dirty="0" err="1" smtClean="0">
-                <a:solidFill>
-                  <a:schemeClr val="tx2"/>
-                </a:solidFill>
-                <a:latin typeface="Lato Regular"/>
-                <a:cs typeface="Lato Regular"/>
-              </a:rPr>
-              <a:t>Gatling</a:t>
-            </a:r>
-            <a:endParaRPr lang="fr-FR" sz="2000" dirty="0">
-              <a:solidFill>
-                <a:schemeClr val="tx2"/>
-              </a:solidFill>
-              <a:latin typeface="Lato Regular"/>
-              <a:cs typeface="Lato Regular"/>
-            </a:endParaRPr>
-          </a:p>
-          <a:p>
-            <a:pPr marL="0" indent="0" algn="ctr">
-              <a:buNone/>
-            </a:pPr>
+              <a:t>Résultat du tir de charge avec 1 réplicas par service :</a:t>
+            </a:r>
             <a:endParaRPr lang="fr-FR" sz="1600" dirty="0">
               <a:solidFill>
                 <a:schemeClr val="tx2"/>
@@ -16532,99 +16661,36 @@
           </a:prstGeom>
         </p:spPr>
       </p:pic>
-      <p:sp>
-        <p:nvSpPr>
-          <p:cNvPr id="2" name="ZoneTexte 1"/>
-          <p:cNvSpPr txBox="1"/>
+      <p:pic>
+        <p:nvPicPr>
+          <p:cNvPr id="3" name="Image 2"/>
+          <p:cNvPicPr>
+            <a:picLocks noChangeAspect="1"/>
+          </p:cNvPicPr>
           <p:nvPr/>
-        </p:nvSpPr>
+        </p:nvPicPr>
+        <p:blipFill>
+          <a:blip r:embed="rId4">
+            <a:extLst>
+              <a:ext uri="{28A0092B-C50C-407E-A947-70E740481C1C}">
+                <a14:useLocalDpi xmlns:a14="http://schemas.microsoft.com/office/drawing/2010/main" val="0"/>
+              </a:ext>
+            </a:extLst>
+          </a:blip>
+          <a:stretch>
+            <a:fillRect/>
+          </a:stretch>
+        </p:blipFill>
         <p:spPr>
           <a:xfrm>
-            <a:off x="4317076" y="1972887"/>
-            <a:ext cx="4150822" cy="369332"/>
+            <a:off x="2676697" y="2136790"/>
+            <a:ext cx="9409147" cy="3788749"/>
           </a:xfrm>
           <a:prstGeom prst="rect">
             <a:avLst/>
           </a:prstGeom>
-          <a:noFill/>
         </p:spPr>
-        <p:txBody>
-          <a:bodyPr wrap="square" rtlCol="0">
-            <a:spAutoFit/>
-          </a:bodyPr>
-          <a:lstStyle/>
-          <a:p>
-            <a:r>
-              <a:rPr lang="fr-FR" dirty="0" err="1" smtClean="0"/>
-              <a:t>Screenshot</a:t>
-            </a:r>
-            <a:r>
-              <a:rPr lang="fr-FR" dirty="0" smtClean="0"/>
-              <a:t> TDC 2</a:t>
-            </a:r>
-            <a:endParaRPr lang="fr-FR" dirty="0"/>
-          </a:p>
-        </p:txBody>
-      </p:sp>
-      <p:sp>
-        <p:nvSpPr>
-          <p:cNvPr id="9" name="Étoile à 5 branches 8"/>
-          <p:cNvSpPr/>
-          <p:nvPr/>
-        </p:nvSpPr>
-        <p:spPr>
-          <a:xfrm rot="1662404">
-            <a:off x="9549502" y="369826"/>
-            <a:ext cx="2280456" cy="2119735"/>
-          </a:xfrm>
-          <a:prstGeom prst="star5">
-            <a:avLst>
-              <a:gd name="adj" fmla="val 21129"/>
-              <a:gd name="hf" fmla="val 105146"/>
-              <a:gd name="vf" fmla="val 110557"/>
-            </a:avLst>
-          </a:prstGeom>
-          <a:ln w="57150">
-            <a:solidFill>
-              <a:srgbClr val="FF0000"/>
-            </a:solidFill>
-          </a:ln>
-        </p:spPr>
-        <p:style>
-          <a:lnRef idx="0">
-            <a:schemeClr val="accent4"/>
-          </a:lnRef>
-          <a:fillRef idx="3">
-            <a:schemeClr val="accent4"/>
-          </a:fillRef>
-          <a:effectRef idx="3">
-            <a:schemeClr val="accent4"/>
-          </a:effectRef>
-          <a:fontRef idx="minor">
-            <a:schemeClr val="lt1"/>
-          </a:fontRef>
-        </p:style>
-        <p:txBody>
-          <a:bodyPr rtlCol="0" anchor="ctr"/>
-          <a:lstStyle/>
-          <a:p>
-            <a:pPr algn="ctr"/>
-            <a:r>
-              <a:rPr lang="fr-FR" sz="3600" b="1" dirty="0" smtClean="0">
-                <a:solidFill>
-                  <a:srgbClr val="FF0000"/>
-                </a:solidFill>
-              </a:rPr>
-              <a:t>WIP</a:t>
-            </a:r>
-            <a:endParaRPr lang="fr-FR" sz="3600" b="1" dirty="0">
-              <a:solidFill>
-                <a:srgbClr val="FF0000"/>
-              </a:solidFill>
-            </a:endParaRPr>
-          </a:p>
-        </p:txBody>
-      </p:sp>
+      </p:pic>
     </p:spTree>
     <p:extLst>
       <p:ext uri="{BB962C8B-B14F-4D97-AF65-F5344CB8AC3E}">
@@ -16646,6 +16712,422 @@
 </file>
 
 <file path=ppt/slides/slide23.xml><?xml version="1.0" encoding="utf-8"?>
+<p:sld xmlns:a="http://schemas.openxmlformats.org/drawingml/2006/main" xmlns:r="http://schemas.openxmlformats.org/officeDocument/2006/relationships" xmlns:p="http://schemas.openxmlformats.org/presentationml/2006/main">
+  <p:cSld>
+    <p:spTree>
+      <p:nvGrpSpPr>
+        <p:cNvPr id="1" name=""/>
+        <p:cNvGrpSpPr/>
+        <p:nvPr/>
+      </p:nvGrpSpPr>
+      <p:grpSpPr>
+        <a:xfrm>
+          <a:off x="0" y="0"/>
+          <a:ext cx="0" cy="0"/>
+          <a:chOff x="0" y="0"/>
+          <a:chExt cx="0" cy="0"/>
+        </a:xfrm>
+      </p:grpSpPr>
+      <p:grpSp>
+        <p:nvGrpSpPr>
+          <p:cNvPr id="202" name="Groupe 201"/>
+          <p:cNvGrpSpPr/>
+          <p:nvPr/>
+        </p:nvGrpSpPr>
+        <p:grpSpPr>
+          <a:xfrm>
+            <a:off x="0" y="73772"/>
+            <a:ext cx="6722061" cy="883356"/>
+            <a:chOff x="0" y="-9760"/>
+            <a:chExt cx="5383255" cy="785565"/>
+          </a:xfrm>
+        </p:grpSpPr>
+        <p:sp>
+          <p:nvSpPr>
+            <p:cNvPr id="203" name="ZoneTexte 202"/>
+            <p:cNvSpPr txBox="1"/>
+            <p:nvPr/>
+          </p:nvSpPr>
+          <p:spPr>
+            <a:xfrm>
+              <a:off x="109500" y="-9760"/>
+              <a:ext cx="5273755" cy="629520"/>
+            </a:xfrm>
+            <a:prstGeom prst="rect">
+              <a:avLst/>
+            </a:prstGeom>
+            <a:noFill/>
+          </p:spPr>
+          <p:txBody>
+            <a:bodyPr wrap="none" rtlCol="0">
+              <a:spAutoFit/>
+            </a:bodyPr>
+            <a:lstStyle/>
+            <a:p>
+              <a:r>
+                <a:rPr lang="fr-FR" sz="4000" b="1" dirty="0" smtClean="0">
+                  <a:latin typeface="Lato Regular" panose="020F0502020204030203" pitchFamily="34" charset="0"/>
+                  <a:ea typeface="Lato Regular" panose="020F0502020204030203" pitchFamily="34" charset="0"/>
+                  <a:cs typeface="Lato Regular" panose="020F0502020204030203" pitchFamily="34" charset="0"/>
+                </a:rPr>
+                <a:t>Analyse du second tir de charge</a:t>
+              </a:r>
+              <a:endParaRPr lang="fr-FR" sz="3600" b="1" dirty="0">
+                <a:latin typeface="Lato Regular" panose="020F0502020204030203" pitchFamily="34" charset="0"/>
+                <a:ea typeface="Lato Regular" panose="020F0502020204030203" pitchFamily="34" charset="0"/>
+                <a:cs typeface="Lato Regular" panose="020F0502020204030203" pitchFamily="34" charset="0"/>
+              </a:endParaRPr>
+            </a:p>
+          </p:txBody>
+        </p:sp>
+        <p:sp>
+          <p:nvSpPr>
+            <p:cNvPr id="204" name="Rectangle 203"/>
+            <p:cNvSpPr/>
+            <p:nvPr/>
+          </p:nvSpPr>
+          <p:spPr>
+            <a:xfrm>
+              <a:off x="0" y="619760"/>
+              <a:ext cx="2357120" cy="156045"/>
+            </a:xfrm>
+            <a:prstGeom prst="rect">
+              <a:avLst/>
+            </a:prstGeom>
+            <a:solidFill>
+              <a:srgbClr val="872163"/>
+            </a:solidFill>
+            <a:ln>
+              <a:noFill/>
+            </a:ln>
+          </p:spPr>
+          <p:style>
+            <a:lnRef idx="2">
+              <a:schemeClr val="accent1">
+                <a:shade val="50000"/>
+              </a:schemeClr>
+            </a:lnRef>
+            <a:fillRef idx="1">
+              <a:schemeClr val="accent1"/>
+            </a:fillRef>
+            <a:effectRef idx="0">
+              <a:schemeClr val="accent1"/>
+            </a:effectRef>
+            <a:fontRef idx="minor">
+              <a:schemeClr val="lt1"/>
+            </a:fontRef>
+          </p:style>
+          <p:txBody>
+            <a:bodyPr rtlCol="0" anchor="ctr"/>
+            <a:lstStyle/>
+            <a:p>
+              <a:pPr algn="ctr"/>
+              <a:endParaRPr lang="fr-FR"/>
+            </a:p>
+          </p:txBody>
+        </p:sp>
+      </p:grpSp>
+      <p:sp>
+        <p:nvSpPr>
+          <p:cNvPr id="4" name="Rectangle 3"/>
+          <p:cNvSpPr/>
+          <p:nvPr/>
+        </p:nvSpPr>
+        <p:spPr>
+          <a:xfrm>
+            <a:off x="1280160" y="6228859"/>
+            <a:ext cx="10348377" cy="369332"/>
+          </a:xfrm>
+          <a:prstGeom prst="rect">
+            <a:avLst/>
+          </a:prstGeom>
+        </p:spPr>
+        <p:txBody>
+          <a:bodyPr wrap="square">
+            <a:spAutoFit/>
+          </a:bodyPr>
+          <a:lstStyle/>
+          <a:p>
+            <a:pPr algn="ctr"/>
+            <a:r>
+              <a:rPr lang="fr-FR" dirty="0">
+                <a:latin typeface="Lato Regular" panose="020F0502020204030203" pitchFamily="34" charset="0"/>
+                <a:ea typeface="Lato Regular" panose="020F0502020204030203" pitchFamily="34" charset="0"/>
+                <a:cs typeface="Lato Regular" panose="020F0502020204030203" pitchFamily="34" charset="0"/>
+              </a:rPr>
+              <a:t>Tir :  C:\dev\gatling-maven-plugin-demo\target\gatling\basicsimulation-nbtir\index.html</a:t>
+            </a:r>
+          </a:p>
+        </p:txBody>
+      </p:sp>
+      <p:sp>
+        <p:nvSpPr>
+          <p:cNvPr id="12" name="Subtitle 2">
+            <a:extLst>
+              <a:ext uri="{FF2B5EF4-FFF2-40B4-BE49-F238E27FC236}">
+                <a16:creationId xmlns:a16="http://schemas.microsoft.com/office/drawing/2014/main" id="{3A78FA13-AC9F-47B6-87F4-D7D64D1358A9}"/>
+              </a:ext>
+            </a:extLst>
+          </p:cNvPr>
+          <p:cNvSpPr txBox="1">
+            <a:spLocks/>
+          </p:cNvSpPr>
+          <p:nvPr/>
+        </p:nvSpPr>
+        <p:spPr>
+          <a:xfrm>
+            <a:off x="322908" y="1350474"/>
+            <a:ext cx="6510153" cy="502532"/>
+          </a:xfrm>
+          <a:prstGeom prst="rect">
+            <a:avLst/>
+          </a:prstGeom>
+        </p:spPr>
+        <p:txBody>
+          <a:bodyPr vert="horz" lIns="243744" tIns="121869" rIns="243744" bIns="121869" rtlCol="0">
+            <a:noAutofit/>
+          </a:bodyPr>
+          <a:lstStyle>
+            <a:lvl1pPr marL="342900" indent="-342900" algn="l" defTabSz="457200" rtl="0" eaLnBrk="1" latinLnBrk="0" hangingPunct="1">
+              <a:spcBef>
+                <a:spcPct val="20000"/>
+              </a:spcBef>
+              <a:buFont typeface="Arial"/>
+              <a:buChar char="•"/>
+              <a:defRPr sz="3200" kern="1200">
+                <a:solidFill>
+                  <a:schemeClr val="tx1"/>
+                </a:solidFill>
+                <a:latin typeface="+mn-lt"/>
+                <a:ea typeface="+mn-ea"/>
+                <a:cs typeface="+mn-cs"/>
+              </a:defRPr>
+            </a:lvl1pPr>
+            <a:lvl2pPr marL="742950" indent="-285750" algn="l" defTabSz="457200" rtl="0" eaLnBrk="1" latinLnBrk="0" hangingPunct="1">
+              <a:spcBef>
+                <a:spcPct val="20000"/>
+              </a:spcBef>
+              <a:buFont typeface="Arial"/>
+              <a:buChar char="–"/>
+              <a:defRPr sz="2800" kern="1200">
+                <a:solidFill>
+                  <a:schemeClr val="tx1"/>
+                </a:solidFill>
+                <a:latin typeface="+mn-lt"/>
+                <a:ea typeface="+mn-ea"/>
+                <a:cs typeface="+mn-cs"/>
+              </a:defRPr>
+            </a:lvl2pPr>
+            <a:lvl3pPr marL="1143000" indent="-228600" algn="l" defTabSz="457200" rtl="0" eaLnBrk="1" latinLnBrk="0" hangingPunct="1">
+              <a:spcBef>
+                <a:spcPct val="20000"/>
+              </a:spcBef>
+              <a:buFont typeface="Arial"/>
+              <a:buChar char="•"/>
+              <a:defRPr sz="2400" kern="1200">
+                <a:solidFill>
+                  <a:schemeClr val="tx1"/>
+                </a:solidFill>
+                <a:latin typeface="+mn-lt"/>
+                <a:ea typeface="+mn-ea"/>
+                <a:cs typeface="+mn-cs"/>
+              </a:defRPr>
+            </a:lvl3pPr>
+            <a:lvl4pPr marL="1600200" indent="-228600" algn="l" defTabSz="457200" rtl="0" eaLnBrk="1" latinLnBrk="0" hangingPunct="1">
+              <a:spcBef>
+                <a:spcPct val="20000"/>
+              </a:spcBef>
+              <a:buFont typeface="Arial"/>
+              <a:buChar char="–"/>
+              <a:defRPr sz="2000" kern="1200">
+                <a:solidFill>
+                  <a:schemeClr val="tx1"/>
+                </a:solidFill>
+                <a:latin typeface="+mn-lt"/>
+                <a:ea typeface="+mn-ea"/>
+                <a:cs typeface="+mn-cs"/>
+              </a:defRPr>
+            </a:lvl4pPr>
+            <a:lvl5pPr marL="2057400" indent="-228600" algn="l" defTabSz="457200" rtl="0" eaLnBrk="1" latinLnBrk="0" hangingPunct="1">
+              <a:spcBef>
+                <a:spcPct val="20000"/>
+              </a:spcBef>
+              <a:buFont typeface="Arial"/>
+              <a:buChar char="»"/>
+              <a:defRPr sz="2000" kern="1200">
+                <a:solidFill>
+                  <a:schemeClr val="tx1"/>
+                </a:solidFill>
+                <a:latin typeface="+mn-lt"/>
+                <a:ea typeface="+mn-ea"/>
+                <a:cs typeface="+mn-cs"/>
+              </a:defRPr>
+            </a:lvl5pPr>
+            <a:lvl6pPr marL="2514600" indent="-228600" algn="l" defTabSz="457200" rtl="0" eaLnBrk="1" latinLnBrk="0" hangingPunct="1">
+              <a:spcBef>
+                <a:spcPct val="20000"/>
+              </a:spcBef>
+              <a:buFont typeface="Arial"/>
+              <a:buChar char="•"/>
+              <a:defRPr sz="2000" kern="1200">
+                <a:solidFill>
+                  <a:schemeClr val="tx1"/>
+                </a:solidFill>
+                <a:latin typeface="+mn-lt"/>
+                <a:ea typeface="+mn-ea"/>
+                <a:cs typeface="+mn-cs"/>
+              </a:defRPr>
+            </a:lvl6pPr>
+            <a:lvl7pPr marL="2971800" indent="-228600" algn="l" defTabSz="457200" rtl="0" eaLnBrk="1" latinLnBrk="0" hangingPunct="1">
+              <a:spcBef>
+                <a:spcPct val="20000"/>
+              </a:spcBef>
+              <a:buFont typeface="Arial"/>
+              <a:buChar char="•"/>
+              <a:defRPr sz="2000" kern="1200">
+                <a:solidFill>
+                  <a:schemeClr val="tx1"/>
+                </a:solidFill>
+                <a:latin typeface="+mn-lt"/>
+                <a:ea typeface="+mn-ea"/>
+                <a:cs typeface="+mn-cs"/>
+              </a:defRPr>
+            </a:lvl7pPr>
+            <a:lvl8pPr marL="3429000" indent="-228600" algn="l" defTabSz="457200" rtl="0" eaLnBrk="1" latinLnBrk="0" hangingPunct="1">
+              <a:spcBef>
+                <a:spcPct val="20000"/>
+              </a:spcBef>
+              <a:buFont typeface="Arial"/>
+              <a:buChar char="•"/>
+              <a:defRPr sz="2000" kern="1200">
+                <a:solidFill>
+                  <a:schemeClr val="tx1"/>
+                </a:solidFill>
+                <a:latin typeface="+mn-lt"/>
+                <a:ea typeface="+mn-ea"/>
+                <a:cs typeface="+mn-cs"/>
+              </a:defRPr>
+            </a:lvl8pPr>
+            <a:lvl9pPr marL="3886200" indent="-228600" algn="l" defTabSz="457200" rtl="0" eaLnBrk="1" latinLnBrk="0" hangingPunct="1">
+              <a:spcBef>
+                <a:spcPct val="20000"/>
+              </a:spcBef>
+              <a:buFont typeface="Arial"/>
+              <a:buChar char="•"/>
+              <a:defRPr sz="2000" kern="1200">
+                <a:solidFill>
+                  <a:schemeClr val="tx1"/>
+                </a:solidFill>
+                <a:latin typeface="+mn-lt"/>
+                <a:ea typeface="+mn-ea"/>
+                <a:cs typeface="+mn-cs"/>
+              </a:defRPr>
+            </a:lvl9pPr>
+          </a:lstStyle>
+          <a:p>
+            <a:pPr marL="0" indent="0" algn="ctr">
+              <a:buNone/>
+            </a:pPr>
+            <a:r>
+              <a:rPr lang="fr-FR" sz="2000" dirty="0" smtClean="0">
+                <a:solidFill>
+                  <a:schemeClr val="tx2"/>
+                </a:solidFill>
+                <a:latin typeface="Lato Regular"/>
+                <a:cs typeface="Lato Regular"/>
+              </a:rPr>
+              <a:t>Résultat du tir de charge avec 3 réplicas par service :</a:t>
+            </a:r>
+            <a:endParaRPr lang="fr-FR" sz="1600" dirty="0">
+              <a:solidFill>
+                <a:schemeClr val="tx2"/>
+              </a:solidFill>
+              <a:latin typeface="Lato Light"/>
+              <a:cs typeface="Lato Light"/>
+            </a:endParaRPr>
+          </a:p>
+        </p:txBody>
+      </p:sp>
+      <p:pic>
+        <p:nvPicPr>
+          <p:cNvPr id="13" name="Image 12"/>
+          <p:cNvPicPr>
+            <a:picLocks noChangeAspect="1"/>
+          </p:cNvPicPr>
+          <p:nvPr/>
+        </p:nvPicPr>
+        <p:blipFill rotWithShape="1">
+          <a:blip r:embed="rId3">
+            <a:extLst>
+              <a:ext uri="{28A0092B-C50C-407E-A947-70E740481C1C}">
+                <a14:useLocalDpi xmlns:a14="http://schemas.microsoft.com/office/drawing/2010/main" val="0"/>
+              </a:ext>
+            </a:extLst>
+          </a:blip>
+          <a:srcRect l="38750" t="22204" r="38372" b="39045"/>
+          <a:stretch/>
+        </p:blipFill>
+        <p:spPr>
+          <a:xfrm>
+            <a:off x="322909" y="2085526"/>
+            <a:ext cx="2297511" cy="3891279"/>
+          </a:xfrm>
+          <a:prstGeom prst="rect">
+            <a:avLst/>
+          </a:prstGeom>
+        </p:spPr>
+      </p:pic>
+      <p:pic>
+        <p:nvPicPr>
+          <p:cNvPr id="3" name="Image 2"/>
+          <p:cNvPicPr>
+            <a:picLocks noChangeAspect="1"/>
+          </p:cNvPicPr>
+          <p:nvPr/>
+        </p:nvPicPr>
+        <p:blipFill>
+          <a:blip r:embed="rId4">
+            <a:extLst>
+              <a:ext uri="{28A0092B-C50C-407E-A947-70E740481C1C}">
+                <a14:useLocalDpi xmlns:a14="http://schemas.microsoft.com/office/drawing/2010/main" val="0"/>
+              </a:ext>
+            </a:extLst>
+          </a:blip>
+          <a:stretch>
+            <a:fillRect/>
+          </a:stretch>
+        </p:blipFill>
+        <p:spPr>
+          <a:xfrm>
+            <a:off x="2697378" y="2136790"/>
+            <a:ext cx="9367785" cy="3788749"/>
+          </a:xfrm>
+          <a:prstGeom prst="rect">
+            <a:avLst/>
+          </a:prstGeom>
+        </p:spPr>
+      </p:pic>
+    </p:spTree>
+    <p:extLst>
+      <p:ext uri="{BB962C8B-B14F-4D97-AF65-F5344CB8AC3E}">
+        <p14:creationId xmlns:p14="http://schemas.microsoft.com/office/powerpoint/2010/main" val="2359096803"/>
+      </p:ext>
+    </p:extLst>
+  </p:cSld>
+  <p:clrMapOvr>
+    <a:masterClrMapping/>
+  </p:clrMapOvr>
+  <p:timing>
+    <p:tnLst>
+      <p:par>
+        <p:cTn id="1" dur="indefinite" restart="never" nodeType="tmRoot"/>
+      </p:par>
+    </p:tnLst>
+  </p:timing>
+</p:sld>
+</file>
+
+<file path=ppt/slides/slide24.xml><?xml version="1.0" encoding="utf-8"?>
 <p:sld xmlns:a="http://schemas.openxmlformats.org/drawingml/2006/main" xmlns:r="http://schemas.openxmlformats.org/officeDocument/2006/relationships" xmlns:p="http://schemas.openxmlformats.org/presentationml/2006/main">
   <p:cSld>
     <p:spTree>
@@ -16996,7 +17478,7 @@
 </p:sld>
 </file>
 
-<file path=ppt/slides/slide24.xml><?xml version="1.0" encoding="utf-8"?>
+<file path=ppt/slides/slide25.xml><?xml version="1.0" encoding="utf-8"?>
 <p:sld xmlns:a="http://schemas.openxmlformats.org/drawingml/2006/main" xmlns:r="http://schemas.openxmlformats.org/officeDocument/2006/relationships" xmlns:p="http://schemas.openxmlformats.org/presentationml/2006/main">
   <p:cSld>
     <p:spTree>
@@ -17219,7 +17701,7 @@
 </p:sld>
 </file>
 
-<file path=ppt/slides/slide25.xml><?xml version="1.0" encoding="utf-8"?>
+<file path=ppt/slides/slide26.xml><?xml version="1.0" encoding="utf-8"?>
 <p:sld xmlns:a="http://schemas.openxmlformats.org/drawingml/2006/main" xmlns:r="http://schemas.openxmlformats.org/officeDocument/2006/relationships" xmlns:p="http://schemas.openxmlformats.org/presentationml/2006/main">
   <p:cSld>
     <p:spTree>
@@ -17603,7 +18085,7 @@
 </p:sld>
 </file>
 
-<file path=ppt/slides/slide26.xml><?xml version="1.0" encoding="utf-8"?>
+<file path=ppt/slides/slide27.xml><?xml version="1.0" encoding="utf-8"?>
 <p:sld xmlns:a="http://schemas.openxmlformats.org/drawingml/2006/main" xmlns:r="http://schemas.openxmlformats.org/officeDocument/2006/relationships" xmlns:p="http://schemas.openxmlformats.org/presentationml/2006/main">
   <p:cSld>
     <p:spTree>
@@ -17772,7 +18254,7 @@
 </p:sld>
 </file>
 
-<file path=ppt/slides/slide27.xml><?xml version="1.0" encoding="utf-8"?>
+<file path=ppt/slides/slide28.xml><?xml version="1.0" encoding="utf-8"?>
 <p:sld xmlns:a="http://schemas.openxmlformats.org/drawingml/2006/main" xmlns:r="http://schemas.openxmlformats.org/officeDocument/2006/relationships" xmlns:p="http://schemas.openxmlformats.org/presentationml/2006/main">
   <p:cSld>
     <p:spTree>
@@ -19691,28 +20173,6 @@
             <a:pPr marL="0" indent="0">
               <a:buNone/>
             </a:pPr>
-            <a:r>
-              <a:rPr lang="fr-FR" sz="2000" dirty="0" smtClean="0">
-                <a:solidFill>
-                  <a:schemeClr val="tx2"/>
-                </a:solidFill>
-                <a:latin typeface="Lato Regular"/>
-                <a:cs typeface="Lato Regular"/>
-              </a:rPr>
-              <a:t>Présentation fonctionnelle</a:t>
-            </a:r>
-            <a:endParaRPr lang="fr-FR" sz="1800" dirty="0">
-              <a:solidFill>
-                <a:schemeClr val="tx2"/>
-              </a:solidFill>
-              <a:latin typeface="Lato Regular"/>
-              <a:cs typeface="Lato Regular"/>
-            </a:endParaRPr>
-          </a:p>
-          <a:p>
-            <a:pPr marL="0" indent="0">
-              <a:buNone/>
-            </a:pPr>
             <a:endParaRPr lang="fr-FR" sz="1600" dirty="0">
               <a:solidFill>
                 <a:schemeClr val="tx2"/>
@@ -19891,28 +20351,6 @@
             <a:pPr marL="0" indent="0">
               <a:buNone/>
             </a:pPr>
-            <a:r>
-              <a:rPr lang="fr-FR" sz="2000" dirty="0" smtClean="0">
-                <a:solidFill>
-                  <a:schemeClr val="tx2"/>
-                </a:solidFill>
-                <a:latin typeface="Lato Regular"/>
-                <a:cs typeface="Lato Regular"/>
-              </a:rPr>
-              <a:t>Architecture technique</a:t>
-            </a:r>
-            <a:endParaRPr lang="fr-FR" sz="1800" dirty="0">
-              <a:solidFill>
-                <a:schemeClr val="tx2"/>
-              </a:solidFill>
-              <a:latin typeface="Lato Regular"/>
-              <a:cs typeface="Lato Regular"/>
-            </a:endParaRPr>
-          </a:p>
-          <a:p>
-            <a:pPr marL="0" indent="0">
-              <a:buNone/>
-            </a:pPr>
             <a:endParaRPr lang="fr-FR" sz="1600" dirty="0">
               <a:solidFill>
                 <a:schemeClr val="tx2"/>
@@ -19923,65 +20361,36 @@
           </a:p>
         </p:txBody>
       </p:sp>
-      <p:sp>
-        <p:nvSpPr>
-          <p:cNvPr id="7" name="Étoile à 5 branches 6"/>
-          <p:cNvSpPr/>
+      <p:pic>
+        <p:nvPicPr>
+          <p:cNvPr id="4" name="Image 3"/>
+          <p:cNvPicPr>
+            <a:picLocks noChangeAspect="1"/>
+          </p:cNvPicPr>
           <p:nvPr/>
-        </p:nvSpPr>
+        </p:nvPicPr>
+        <p:blipFill>
+          <a:blip r:embed="rId3" cstate="print">
+            <a:extLst>
+              <a:ext uri="{28A0092B-C50C-407E-A947-70E740481C1C}">
+                <a14:useLocalDpi xmlns:a14="http://schemas.microsoft.com/office/drawing/2010/main" val="0"/>
+              </a:ext>
+            </a:extLst>
+          </a:blip>
+          <a:stretch>
+            <a:fillRect/>
+          </a:stretch>
+        </p:blipFill>
         <p:spPr>
-          <a:xfrm rot="1662404">
-            <a:off x="9549502" y="408619"/>
-            <a:ext cx="2280456" cy="2119735"/>
+          <a:xfrm>
+            <a:off x="3502429" y="668692"/>
+            <a:ext cx="7699649" cy="5385744"/>
           </a:xfrm>
-          <a:prstGeom prst="star5">
-            <a:avLst>
-              <a:gd name="adj" fmla="val 21129"/>
-              <a:gd name="hf" fmla="val 105146"/>
-              <a:gd name="vf" fmla="val 110557"/>
-            </a:avLst>
+          <a:prstGeom prst="rect">
+            <a:avLst/>
           </a:prstGeom>
-          <a:ln w="57150">
-            <a:solidFill>
-              <a:srgbClr val="FF0000"/>
-            </a:solidFill>
-          </a:ln>
         </p:spPr>
-        <p:style>
-          <a:lnRef idx="0">
-            <a:schemeClr val="accent4"/>
-          </a:lnRef>
-          <a:fillRef idx="3">
-            <a:schemeClr val="accent4"/>
-          </a:fillRef>
-          <a:effectRef idx="3">
-            <a:schemeClr val="accent4"/>
-          </a:effectRef>
-          <a:fontRef idx="minor">
-            <a:schemeClr val="lt1"/>
-          </a:fontRef>
-        </p:style>
-        <p:txBody>
-          <a:bodyPr rtlCol="0" anchor="ctr"/>
-          <a:lstStyle/>
-          <a:p>
-            <a:pPr algn="ctr"/>
-            <a:r>
-              <a:rPr lang="fr-FR" sz="3600" b="1" dirty="0" smtClean="0">
-                <a:solidFill>
-                  <a:srgbClr val="FF0000"/>
-                </a:solidFill>
-              </a:rPr>
-              <a:t>WIP</a:t>
-            </a:r>
-            <a:endParaRPr lang="fr-FR" sz="3600" b="1" dirty="0">
-              <a:solidFill>
-                <a:srgbClr val="FF0000"/>
-              </a:solidFill>
-            </a:endParaRPr>
-          </a:p>
-        </p:txBody>
-      </p:sp>
+      </p:pic>
     </p:spTree>
     <p:extLst>
       <p:ext uri="{BB962C8B-B14F-4D97-AF65-F5344CB8AC3E}">

--- a/Hands-On -Chaos - SLIDES.pptx
+++ b/Hands-On -Chaos - SLIDES.pptx
@@ -6,10 +6,10 @@
     <p:sldMasterId id="2147483660" r:id="rId2"/>
   </p:sldMasterIdLst>
   <p:notesMasterIdLst>
-    <p:notesMasterId r:id="rId31"/>
+    <p:notesMasterId r:id="rId32"/>
   </p:notesMasterIdLst>
   <p:handoutMasterIdLst>
-    <p:handoutMasterId r:id="rId32"/>
+    <p:handoutMasterId r:id="rId33"/>
   </p:handoutMasterIdLst>
   <p:sldIdLst>
     <p:sldId id="288" r:id="rId3"/>
@@ -21,25 +21,26 @@
     <p:sldId id="333" r:id="rId9"/>
     <p:sldId id="339" r:id="rId10"/>
     <p:sldId id="334" r:id="rId11"/>
-    <p:sldId id="335" r:id="rId12"/>
-    <p:sldId id="352" r:id="rId13"/>
-    <p:sldId id="336" r:id="rId14"/>
-    <p:sldId id="337" r:id="rId15"/>
-    <p:sldId id="338" r:id="rId16"/>
-    <p:sldId id="340" r:id="rId17"/>
-    <p:sldId id="341" r:id="rId18"/>
-    <p:sldId id="342" r:id="rId19"/>
-    <p:sldId id="343" r:id="rId20"/>
-    <p:sldId id="344" r:id="rId21"/>
-    <p:sldId id="345" r:id="rId22"/>
-    <p:sldId id="346" r:id="rId23"/>
-    <p:sldId id="347" r:id="rId24"/>
-    <p:sldId id="353" r:id="rId25"/>
-    <p:sldId id="348" r:id="rId26"/>
-    <p:sldId id="350" r:id="rId27"/>
-    <p:sldId id="349" r:id="rId28"/>
-    <p:sldId id="313" r:id="rId29"/>
-    <p:sldId id="325" r:id="rId30"/>
+    <p:sldId id="354" r:id="rId12"/>
+    <p:sldId id="355" r:id="rId13"/>
+    <p:sldId id="352" r:id="rId14"/>
+    <p:sldId id="336" r:id="rId15"/>
+    <p:sldId id="337" r:id="rId16"/>
+    <p:sldId id="338" r:id="rId17"/>
+    <p:sldId id="340" r:id="rId18"/>
+    <p:sldId id="341" r:id="rId19"/>
+    <p:sldId id="342" r:id="rId20"/>
+    <p:sldId id="343" r:id="rId21"/>
+    <p:sldId id="344" r:id="rId22"/>
+    <p:sldId id="345" r:id="rId23"/>
+    <p:sldId id="346" r:id="rId24"/>
+    <p:sldId id="347" r:id="rId25"/>
+    <p:sldId id="353" r:id="rId26"/>
+    <p:sldId id="348" r:id="rId27"/>
+    <p:sldId id="350" r:id="rId28"/>
+    <p:sldId id="349" r:id="rId29"/>
+    <p:sldId id="313" r:id="rId30"/>
+    <p:sldId id="325" r:id="rId31"/>
   </p:sldIdLst>
   <p:sldSz cx="12192000" cy="6858000"/>
   <p:notesSz cx="6858000" cy="9144000"/>
@@ -156,7 +157,8 @@
             <p14:sldId id="333"/>
             <p14:sldId id="339"/>
             <p14:sldId id="334"/>
-            <p14:sldId id="335"/>
+            <p14:sldId id="354"/>
+            <p14:sldId id="355"/>
             <p14:sldId id="352"/>
             <p14:sldId id="336"/>
             <p14:sldId id="337"/>
@@ -988,7 +990,7 @@
           <a:p>
             <a:fld id="{B35DA622-522A-4B17-9AC4-B01778B7071C}" type="slidenum">
               <a:rPr lang="fr-FR" smtClean="0"/>
-              <a:t>22</a:t>
+              <a:t>23</a:t>
             </a:fld>
             <a:endParaRPr lang="fr-FR"/>
           </a:p>
@@ -1088,7 +1090,7 @@
           <a:p>
             <a:fld id="{B35DA622-522A-4B17-9AC4-B01778B7071C}" type="slidenum">
               <a:rPr lang="fr-FR" smtClean="0"/>
-              <a:t>23</a:t>
+              <a:t>24</a:t>
             </a:fld>
             <a:endParaRPr lang="fr-FR"/>
           </a:p>
@@ -1180,7 +1182,7 @@
           <a:p>
             <a:fld id="{B35DA622-522A-4B17-9AC4-B01778B7071C}" type="slidenum">
               <a:rPr lang="fr-FR" smtClean="0"/>
-              <a:t>24</a:t>
+              <a:t>25</a:t>
             </a:fld>
             <a:endParaRPr lang="fr-FR"/>
           </a:p>
@@ -1272,7 +1274,7 @@
           <a:p>
             <a:fld id="{B35DA622-522A-4B17-9AC4-B01778B7071C}" type="slidenum">
               <a:rPr lang="fr-FR" smtClean="0"/>
-              <a:t>25</a:t>
+              <a:t>26</a:t>
             </a:fld>
             <a:endParaRPr lang="fr-FR"/>
           </a:p>
@@ -2017,7 +2019,7 @@
           <a:p>
             <a:fld id="{B35DA622-522A-4B17-9AC4-B01778B7071C}" type="slidenum">
               <a:rPr lang="fr-FR" smtClean="0"/>
-              <a:t>12</a:t>
+              <a:t>13</a:t>
             </a:fld>
             <a:endParaRPr lang="fr-FR"/>
           </a:p>
@@ -2207,7 +2209,7 @@
           <a:p>
             <a:fld id="{B35DA622-522A-4B17-9AC4-B01778B7071C}" type="slidenum">
               <a:rPr lang="fr-FR" smtClean="0"/>
-              <a:t>15</a:t>
+              <a:t>16</a:t>
             </a:fld>
             <a:endParaRPr lang="fr-FR"/>
           </a:p>
@@ -2307,7 +2309,7 @@
           <a:p>
             <a:fld id="{B35DA622-522A-4B17-9AC4-B01778B7071C}" type="slidenum">
               <a:rPr lang="fr-FR" smtClean="0"/>
-              <a:t>17</a:t>
+              <a:t>18</a:t>
             </a:fld>
             <a:endParaRPr lang="fr-FR"/>
           </a:p>
@@ -2436,7 +2438,7 @@
           <a:p>
             <a:fld id="{B35DA622-522A-4B17-9AC4-B01778B7071C}" type="slidenum">
               <a:rPr lang="fr-FR" smtClean="0"/>
-              <a:t>18</a:t>
+              <a:t>19</a:t>
             </a:fld>
             <a:endParaRPr lang="fr-FR"/>
           </a:p>
@@ -2555,7 +2557,7 @@
           <a:p>
             <a:fld id="{B35DA622-522A-4B17-9AC4-B01778B7071C}" type="slidenum">
               <a:rPr lang="fr-FR" smtClean="0"/>
-              <a:t>20</a:t>
+              <a:t>21</a:t>
             </a:fld>
             <a:endParaRPr lang="fr-FR"/>
           </a:p>
@@ -10484,9 +10486,9 @@
         <p:grpSpPr>
           <a:xfrm>
             <a:off x="0" y="73772"/>
-            <a:ext cx="2943332" cy="883356"/>
+            <a:ext cx="3660454" cy="883356"/>
             <a:chOff x="0" y="-9760"/>
-            <a:chExt cx="2357120" cy="785565"/>
+            <a:chExt cx="2931415" cy="785565"/>
           </a:xfrm>
         </p:grpSpPr>
         <p:sp>
@@ -10498,7 +10500,7 @@
           <p:spPr>
             <a:xfrm>
               <a:off x="109500" y="-9760"/>
-              <a:ext cx="1506083" cy="629520"/>
+              <a:ext cx="2821915" cy="629520"/>
             </a:xfrm>
             <a:prstGeom prst="rect">
               <a:avLst/>
@@ -10512,20 +10514,12 @@
             <a:lstStyle/>
             <a:p>
               <a:r>
-                <a:rPr lang="fr-FR" sz="4000" b="1" dirty="0" err="1" smtClean="0">
-                  <a:latin typeface="Lato Regular" panose="020F0502020204030203" pitchFamily="34" charset="0"/>
-                  <a:ea typeface="Lato Regular" panose="020F0502020204030203" pitchFamily="34" charset="0"/>
-                  <a:cs typeface="Lato Regular" panose="020F0502020204030203" pitchFamily="34" charset="0"/>
-                </a:rPr>
-                <a:t>Pit</a:t>
-              </a:r>
-              <a:r>
                 <a:rPr lang="fr-FR" sz="4000" b="1" dirty="0" smtClean="0">
                   <a:latin typeface="Lato Regular" panose="020F0502020204030203" pitchFamily="34" charset="0"/>
                   <a:ea typeface="Lato Regular" panose="020F0502020204030203" pitchFamily="34" charset="0"/>
                   <a:cs typeface="Lato Regular" panose="020F0502020204030203" pitchFamily="34" charset="0"/>
                 </a:rPr>
-                <a:t> Test</a:t>
+                <a:t>Tests unitaires </a:t>
               </a:r>
               <a:endParaRPr lang="fr-FR" sz="3600" b="1" dirty="0">
                 <a:latin typeface="Lato Regular" panose="020F0502020204030203" pitchFamily="34" charset="0"/>
@@ -10620,8 +10614,8 @@
         </p:nvSpPr>
         <p:spPr>
           <a:xfrm>
-            <a:off x="5630685" y="2364225"/>
-            <a:ext cx="5187715" cy="1323439"/>
+            <a:off x="5095983" y="2364225"/>
+            <a:ext cx="5722418" cy="1015663"/>
           </a:xfrm>
           <a:prstGeom prst="rect">
             <a:avLst/>
@@ -10639,7 +10633,7 @@
               <a:buChar char="-"/>
             </a:pPr>
             <a:r>
-              <a:rPr lang="fr-FR" sz="2000" dirty="0" smtClean="0">
+              <a:rPr lang="fr-FR" sz="2000" dirty="0">
                 <a:solidFill>
                   <a:schemeClr val="tx2"/>
                 </a:solidFill>
@@ -10649,7 +10643,7 @@
               <a:t>Récupérer les sources de </a:t>
             </a:r>
             <a:r>
-              <a:rPr lang="fr-FR" sz="2000" dirty="0" err="1" smtClean="0">
+              <a:rPr lang="fr-FR" sz="2000" dirty="0" err="1">
                 <a:solidFill>
                   <a:schemeClr val="tx2"/>
                 </a:solidFill>
@@ -10658,7 +10652,53 @@
               </a:rPr>
               <a:t>fusiion</a:t>
             </a:r>
-            <a:endParaRPr lang="fr-FR" sz="2000" dirty="0" smtClean="0">
+            <a:r>
+              <a:rPr lang="fr-FR" sz="2000" dirty="0">
+                <a:solidFill>
+                  <a:schemeClr val="tx2"/>
+                </a:solidFill>
+                <a:latin typeface="Lato Regular"/>
+                <a:cs typeface="Lato Regular"/>
+              </a:rPr>
+              <a:t> depuis GIT</a:t>
+            </a:r>
+          </a:p>
+          <a:p>
+            <a:pPr marL="342900" indent="-342900">
+              <a:buFontTx/>
+              <a:buChar char="-"/>
+            </a:pPr>
+            <a:r>
+              <a:rPr lang="fr-FR" sz="2000" dirty="0" smtClean="0">
+                <a:solidFill>
+                  <a:schemeClr val="tx2"/>
+                </a:solidFill>
+                <a:latin typeface="Lato Regular"/>
+                <a:cs typeface="Lato Regular"/>
+              </a:rPr>
+              <a:t>Lancer </a:t>
+            </a:r>
+            <a:r>
+              <a:rPr lang="fr-FR" sz="2000" dirty="0">
+                <a:solidFill>
+                  <a:schemeClr val="tx2"/>
+                </a:solidFill>
+                <a:latin typeface="Lato Regular"/>
+                <a:cs typeface="Lato Regular"/>
+              </a:rPr>
+              <a:t>les tests unitaires </a:t>
+            </a:r>
+            <a:r>
+              <a:rPr lang="fr-FR" sz="2000" dirty="0" err="1">
+                <a:solidFill>
+                  <a:schemeClr val="tx2"/>
+                </a:solidFill>
+                <a:latin typeface="Lato Regular"/>
+                <a:cs typeface="Lato Regular"/>
+              </a:rPr>
+              <a:t>Junit</a:t>
+            </a:r>
+            <a:endParaRPr lang="fr-FR" sz="2000" dirty="0">
               <a:solidFill>
                 <a:schemeClr val="tx2"/>
               </a:solidFill>
@@ -10679,68 +10719,29 @@
                 <a:latin typeface="Lato Regular"/>
                 <a:cs typeface="Lato Regular"/>
               </a:rPr>
-              <a:t>Tests unitaires et couverture de code</a:t>
-            </a:r>
-          </a:p>
-          <a:p>
-            <a:pPr marL="342900" indent="-342900">
-              <a:buFontTx/>
-              <a:buChar char="-"/>
-            </a:pPr>
-            <a:r>
-              <a:rPr lang="fr-FR" sz="2000" dirty="0" smtClean="0">
+              <a:t>Couverture </a:t>
+            </a:r>
+            <a:r>
+              <a:rPr lang="fr-FR" sz="2000" dirty="0">
                 <a:solidFill>
                   <a:schemeClr val="tx2"/>
                 </a:solidFill>
                 <a:latin typeface="Lato Regular"/>
                 <a:cs typeface="Lato Regular"/>
               </a:rPr>
-              <a:t>Ajout de la dépendance de </a:t>
-            </a:r>
-            <a:r>
-              <a:rPr lang="fr-FR" sz="2000" dirty="0" err="1" smtClean="0">
+              <a:t>de </a:t>
+            </a:r>
+            <a:r>
+              <a:rPr lang="fr-FR" sz="2000" dirty="0" smtClean="0">
                 <a:solidFill>
                   <a:schemeClr val="tx2"/>
                 </a:solidFill>
                 <a:latin typeface="Lato Regular"/>
                 <a:cs typeface="Lato Regular"/>
               </a:rPr>
-              <a:t>PitTest</a:t>
-            </a:r>
-            <a:endParaRPr lang="fr-FR" sz="2000" dirty="0" smtClean="0">
-              <a:solidFill>
-                <a:schemeClr val="tx2"/>
-              </a:solidFill>
-              <a:latin typeface="Lato Regular"/>
-              <a:cs typeface="Lato Regular"/>
-            </a:endParaRPr>
-          </a:p>
-          <a:p>
-            <a:pPr marL="342900" indent="-342900">
-              <a:buFontTx/>
-              <a:buChar char="-"/>
-            </a:pPr>
-            <a:r>
-              <a:rPr lang="fr-FR" sz="2000" dirty="0" smtClean="0">
-                <a:solidFill>
-                  <a:schemeClr val="tx2"/>
-                </a:solidFill>
-                <a:latin typeface="Lato Regular"/>
-                <a:cs typeface="Lato Regular"/>
-              </a:rPr>
-              <a:t>Mutation </a:t>
-            </a:r>
-            <a:r>
-              <a:rPr lang="fr-FR" sz="2000" dirty="0" err="1" smtClean="0">
-                <a:solidFill>
-                  <a:schemeClr val="tx2"/>
-                </a:solidFill>
-                <a:latin typeface="Lato Regular"/>
-                <a:cs typeface="Lato Regular"/>
-              </a:rPr>
-              <a:t>coverage</a:t>
-            </a:r>
-            <a:endParaRPr lang="fr-FR" sz="2000" dirty="0" smtClean="0">
+              <a:t>code</a:t>
+            </a:r>
+            <a:endParaRPr lang="fr-FR" sz="2000" dirty="0">
               <a:solidFill>
                 <a:schemeClr val="tx2"/>
               </a:solidFill>
@@ -10753,7 +10754,7 @@
     </p:spTree>
     <p:extLst>
       <p:ext uri="{BB962C8B-B14F-4D97-AF65-F5344CB8AC3E}">
-        <p14:creationId xmlns:p14="http://schemas.microsoft.com/office/powerpoint/2010/main" val="1828673698"/>
+        <p14:creationId xmlns:p14="http://schemas.microsoft.com/office/powerpoint/2010/main" val="2190725808"/>
       </p:ext>
     </p:extLst>
   </p:cSld>
@@ -10932,6 +10933,279 @@
         </p:nvSpPr>
         <p:spPr>
           <a:xfrm>
+            <a:off x="5095983" y="2364225"/>
+            <a:ext cx="5722418" cy="707886"/>
+          </a:xfrm>
+          <a:prstGeom prst="rect">
+            <a:avLst/>
+          </a:prstGeom>
+          <a:noFill/>
+        </p:spPr>
+        <p:txBody>
+          <a:bodyPr wrap="square" rtlCol="0">
+            <a:spAutoFit/>
+          </a:bodyPr>
+          <a:lstStyle/>
+          <a:p>
+            <a:pPr marL="342900" indent="-342900">
+              <a:buFontTx/>
+              <a:buChar char="-"/>
+            </a:pPr>
+            <a:r>
+              <a:rPr lang="fr-FR" sz="2000" dirty="0" smtClean="0">
+                <a:solidFill>
+                  <a:schemeClr val="tx2"/>
+                </a:solidFill>
+                <a:latin typeface="Lato Regular"/>
+                <a:cs typeface="Lato Regular"/>
+              </a:rPr>
+              <a:t>Ajout </a:t>
+            </a:r>
+            <a:r>
+              <a:rPr lang="fr-FR" sz="2000" dirty="0">
+                <a:solidFill>
+                  <a:schemeClr val="tx2"/>
+                </a:solidFill>
+                <a:latin typeface="Lato Regular"/>
+                <a:cs typeface="Lato Regular"/>
+              </a:rPr>
+              <a:t>de la dépendance de </a:t>
+            </a:r>
+            <a:r>
+              <a:rPr lang="fr-FR" sz="2000" dirty="0" err="1">
+                <a:solidFill>
+                  <a:schemeClr val="tx2"/>
+                </a:solidFill>
+                <a:latin typeface="Lato Regular"/>
+                <a:cs typeface="Lato Regular"/>
+              </a:rPr>
+              <a:t>PitTest</a:t>
+            </a:r>
+            <a:endParaRPr lang="fr-FR" sz="2000" dirty="0">
+              <a:solidFill>
+                <a:schemeClr val="tx2"/>
+              </a:solidFill>
+              <a:latin typeface="Lato Regular"/>
+              <a:cs typeface="Lato Regular"/>
+            </a:endParaRPr>
+          </a:p>
+          <a:p>
+            <a:pPr marL="342900" indent="-342900">
+              <a:buFontTx/>
+              <a:buChar char="-"/>
+            </a:pPr>
+            <a:r>
+              <a:rPr lang="fr-FR" sz="2000" dirty="0">
+                <a:solidFill>
+                  <a:schemeClr val="tx2"/>
+                </a:solidFill>
+                <a:latin typeface="Lato Regular"/>
+                <a:cs typeface="Lato Regular"/>
+              </a:rPr>
+              <a:t>Mutation </a:t>
+            </a:r>
+            <a:r>
+              <a:rPr lang="fr-FR" sz="2000" dirty="0" err="1">
+                <a:solidFill>
+                  <a:schemeClr val="tx2"/>
+                </a:solidFill>
+                <a:latin typeface="Lato Regular"/>
+                <a:cs typeface="Lato Regular"/>
+              </a:rPr>
+              <a:t>coverage</a:t>
+            </a:r>
+            <a:endParaRPr lang="fr-FR" sz="2000" dirty="0">
+              <a:solidFill>
+                <a:schemeClr val="tx2"/>
+              </a:solidFill>
+              <a:latin typeface="Lato Light"/>
+              <a:cs typeface="Lato Light"/>
+            </a:endParaRPr>
+          </a:p>
+        </p:txBody>
+      </p:sp>
+    </p:spTree>
+    <p:extLst>
+      <p:ext uri="{BB962C8B-B14F-4D97-AF65-F5344CB8AC3E}">
+        <p14:creationId xmlns:p14="http://schemas.microsoft.com/office/powerpoint/2010/main" val="2810526562"/>
+      </p:ext>
+    </p:extLst>
+  </p:cSld>
+  <p:clrMapOvr>
+    <a:masterClrMapping/>
+  </p:clrMapOvr>
+  <p:timing>
+    <p:tnLst>
+      <p:par>
+        <p:cTn id="1" dur="indefinite" restart="never" nodeType="tmRoot"/>
+      </p:par>
+    </p:tnLst>
+  </p:timing>
+</p:sld>
+</file>
+
+<file path=ppt/slides/slide12.xml><?xml version="1.0" encoding="utf-8"?>
+<p:sld xmlns:a="http://schemas.openxmlformats.org/drawingml/2006/main" xmlns:r="http://schemas.openxmlformats.org/officeDocument/2006/relationships" xmlns:p="http://schemas.openxmlformats.org/presentationml/2006/main">
+  <p:cSld>
+    <p:spTree>
+      <p:nvGrpSpPr>
+        <p:cNvPr id="1" name=""/>
+        <p:cNvGrpSpPr/>
+        <p:nvPr/>
+      </p:nvGrpSpPr>
+      <p:grpSpPr>
+        <a:xfrm>
+          <a:off x="0" y="0"/>
+          <a:ext cx="0" cy="0"/>
+          <a:chOff x="0" y="0"/>
+          <a:chExt cx="0" cy="0"/>
+        </a:xfrm>
+      </p:grpSpPr>
+      <p:grpSp>
+        <p:nvGrpSpPr>
+          <p:cNvPr id="202" name="Groupe 201"/>
+          <p:cNvGrpSpPr/>
+          <p:nvPr/>
+        </p:nvGrpSpPr>
+        <p:grpSpPr>
+          <a:xfrm>
+            <a:off x="0" y="73772"/>
+            <a:ext cx="2943332" cy="883356"/>
+            <a:chOff x="0" y="-9760"/>
+            <a:chExt cx="2357120" cy="785565"/>
+          </a:xfrm>
+        </p:grpSpPr>
+        <p:sp>
+          <p:nvSpPr>
+            <p:cNvPr id="203" name="ZoneTexte 202"/>
+            <p:cNvSpPr txBox="1"/>
+            <p:nvPr/>
+          </p:nvSpPr>
+          <p:spPr>
+            <a:xfrm>
+              <a:off x="109500" y="-9760"/>
+              <a:ext cx="1506083" cy="629520"/>
+            </a:xfrm>
+            <a:prstGeom prst="rect">
+              <a:avLst/>
+            </a:prstGeom>
+            <a:noFill/>
+          </p:spPr>
+          <p:txBody>
+            <a:bodyPr wrap="none" rtlCol="0">
+              <a:spAutoFit/>
+            </a:bodyPr>
+            <a:lstStyle/>
+            <a:p>
+              <a:r>
+                <a:rPr lang="fr-FR" sz="4000" b="1" dirty="0" err="1" smtClean="0">
+                  <a:latin typeface="Lato Regular" panose="020F0502020204030203" pitchFamily="34" charset="0"/>
+                  <a:ea typeface="Lato Regular" panose="020F0502020204030203" pitchFamily="34" charset="0"/>
+                  <a:cs typeface="Lato Regular" panose="020F0502020204030203" pitchFamily="34" charset="0"/>
+                </a:rPr>
+                <a:t>Pit</a:t>
+              </a:r>
+              <a:r>
+                <a:rPr lang="fr-FR" sz="4000" b="1" dirty="0" smtClean="0">
+                  <a:latin typeface="Lato Regular" panose="020F0502020204030203" pitchFamily="34" charset="0"/>
+                  <a:ea typeface="Lato Regular" panose="020F0502020204030203" pitchFamily="34" charset="0"/>
+                  <a:cs typeface="Lato Regular" panose="020F0502020204030203" pitchFamily="34" charset="0"/>
+                </a:rPr>
+                <a:t> Test</a:t>
+              </a:r>
+              <a:endParaRPr lang="fr-FR" sz="3600" b="1" dirty="0">
+                <a:latin typeface="Lato Regular" panose="020F0502020204030203" pitchFamily="34" charset="0"/>
+                <a:ea typeface="Lato Regular" panose="020F0502020204030203" pitchFamily="34" charset="0"/>
+                <a:cs typeface="Lato Regular" panose="020F0502020204030203" pitchFamily="34" charset="0"/>
+              </a:endParaRPr>
+            </a:p>
+          </p:txBody>
+        </p:sp>
+        <p:sp>
+          <p:nvSpPr>
+            <p:cNvPr id="204" name="Rectangle 203"/>
+            <p:cNvSpPr/>
+            <p:nvPr/>
+          </p:nvSpPr>
+          <p:spPr>
+            <a:xfrm>
+              <a:off x="0" y="619760"/>
+              <a:ext cx="2357120" cy="156045"/>
+            </a:xfrm>
+            <a:prstGeom prst="rect">
+              <a:avLst/>
+            </a:prstGeom>
+            <a:solidFill>
+              <a:srgbClr val="438721"/>
+            </a:solidFill>
+            <a:ln>
+              <a:noFill/>
+            </a:ln>
+          </p:spPr>
+          <p:style>
+            <a:lnRef idx="2">
+              <a:schemeClr val="accent1">
+                <a:shade val="50000"/>
+              </a:schemeClr>
+            </a:lnRef>
+            <a:fillRef idx="1">
+              <a:schemeClr val="accent1"/>
+            </a:fillRef>
+            <a:effectRef idx="0">
+              <a:schemeClr val="accent1"/>
+            </a:effectRef>
+            <a:fontRef idx="minor">
+              <a:schemeClr val="lt1"/>
+            </a:fontRef>
+          </p:style>
+          <p:txBody>
+            <a:bodyPr rtlCol="0" anchor="ctr"/>
+            <a:lstStyle/>
+            <a:p>
+              <a:pPr algn="ctr"/>
+              <a:endParaRPr lang="fr-FR"/>
+            </a:p>
+          </p:txBody>
+        </p:sp>
+      </p:grpSp>
+      <p:pic>
+        <p:nvPicPr>
+          <p:cNvPr id="2" name="Image 1"/>
+          <p:cNvPicPr>
+            <a:picLocks noChangeAspect="1"/>
+          </p:cNvPicPr>
+          <p:nvPr/>
+        </p:nvPicPr>
+        <p:blipFill>
+          <a:blip r:embed="rId2">
+            <a:extLst>
+              <a:ext uri="{28A0092B-C50C-407E-A947-70E740481C1C}">
+                <a14:useLocalDpi xmlns:a14="http://schemas.microsoft.com/office/drawing/2010/main" val="0"/>
+              </a:ext>
+            </a:extLst>
+          </a:blip>
+          <a:stretch>
+            <a:fillRect/>
+          </a:stretch>
+        </p:blipFill>
+        <p:spPr>
+          <a:xfrm>
+            <a:off x="363882" y="1583707"/>
+            <a:ext cx="4813300" cy="4216400"/>
+          </a:xfrm>
+          <a:prstGeom prst="rect">
+            <a:avLst/>
+          </a:prstGeom>
+        </p:spPr>
+      </p:pic>
+      <p:sp>
+        <p:nvSpPr>
+          <p:cNvPr id="12" name="ZoneTexte 11"/>
+          <p:cNvSpPr txBox="1"/>
+          <p:nvPr/>
+        </p:nvSpPr>
+        <p:spPr>
+          <a:xfrm>
             <a:off x="4860123" y="1223794"/>
             <a:ext cx="5187715" cy="1015663"/>
           </a:xfrm>
@@ -11085,7 +11359,7 @@
 </p:sld>
 </file>
 
-<file path=ppt/slides/slide12.xml><?xml version="1.0" encoding="utf-8"?>
+<file path=ppt/slides/slide13.xml><?xml version="1.0" encoding="utf-8"?>
 <p:sld xmlns:a="http://schemas.openxmlformats.org/drawingml/2006/main" xmlns:r="http://schemas.openxmlformats.org/officeDocument/2006/relationships" xmlns:p="http://schemas.openxmlformats.org/presentationml/2006/main">
   <p:cSld>
     <p:spTree>
@@ -11606,7 +11880,7 @@
 </p:sld>
 </file>
 
-<file path=ppt/slides/slide13.xml><?xml version="1.0" encoding="utf-8"?>
+<file path=ppt/slides/slide14.xml><?xml version="1.0" encoding="utf-8"?>
 <p:sld xmlns:a="http://schemas.openxmlformats.org/drawingml/2006/main" xmlns:r="http://schemas.openxmlformats.org/officeDocument/2006/relationships" xmlns:p="http://schemas.openxmlformats.org/presentationml/2006/main">
   <p:cSld>
     <p:spTree>
@@ -11995,7 +12269,7 @@
 </p:sld>
 </file>
 
-<file path=ppt/slides/slide14.xml><?xml version="1.0" encoding="utf-8"?>
+<file path=ppt/slides/slide15.xml><?xml version="1.0" encoding="utf-8"?>
 <p:sld xmlns:a="http://schemas.openxmlformats.org/drawingml/2006/main" xmlns:r="http://schemas.openxmlformats.org/officeDocument/2006/relationships" xmlns:p="http://schemas.openxmlformats.org/presentationml/2006/main">
   <p:cSld>
     <p:spTree>
@@ -12363,7 +12637,7 @@
 </p:sld>
 </file>
 
-<file path=ppt/slides/slide15.xml><?xml version="1.0" encoding="utf-8"?>
+<file path=ppt/slides/slide16.xml><?xml version="1.0" encoding="utf-8"?>
 <p:sld xmlns:a="http://schemas.openxmlformats.org/drawingml/2006/main" xmlns:r="http://schemas.openxmlformats.org/officeDocument/2006/relationships" xmlns:p="http://schemas.openxmlformats.org/presentationml/2006/main">
   <p:cSld>
     <p:spTree>
@@ -13240,7 +13514,7 @@
 </p:sld>
 </file>
 
-<file path=ppt/slides/slide16.xml><?xml version="1.0" encoding="utf-8"?>
+<file path=ppt/slides/slide17.xml><?xml version="1.0" encoding="utf-8"?>
 <p:sld xmlns:a="http://schemas.openxmlformats.org/drawingml/2006/main" xmlns:r="http://schemas.openxmlformats.org/officeDocument/2006/relationships" xmlns:p="http://schemas.openxmlformats.org/presentationml/2006/main">
   <p:cSld>
     <p:spTree>
@@ -13698,7 +13972,7 @@
 </p:sld>
 </file>
 
-<file path=ppt/slides/slide17.xml><?xml version="1.0" encoding="utf-8"?>
+<file path=ppt/slides/slide18.xml><?xml version="1.0" encoding="utf-8"?>
 <p:sld xmlns:a="http://schemas.openxmlformats.org/drawingml/2006/main" xmlns:r="http://schemas.openxmlformats.org/officeDocument/2006/relationships" xmlns:p="http://schemas.openxmlformats.org/presentationml/2006/main">
   <p:cSld>
     <p:spTree>
@@ -14155,7 +14429,7 @@
 </p:sld>
 </file>
 
-<file path=ppt/slides/slide18.xml><?xml version="1.0" encoding="utf-8"?>
+<file path=ppt/slides/slide19.xml><?xml version="1.0" encoding="utf-8"?>
 <p:sld xmlns:a="http://schemas.openxmlformats.org/drawingml/2006/main" xmlns:r="http://schemas.openxmlformats.org/officeDocument/2006/relationships" xmlns:p="http://schemas.openxmlformats.org/presentationml/2006/main">
   <p:cSld>
     <p:spTree>
@@ -14443,374 +14717,6 @@
     <p:extLst>
       <p:ext uri="{BB962C8B-B14F-4D97-AF65-F5344CB8AC3E}">
         <p14:creationId xmlns:p14="http://schemas.microsoft.com/office/powerpoint/2010/main" val="114824609"/>
-      </p:ext>
-    </p:extLst>
-  </p:cSld>
-  <p:clrMapOvr>
-    <a:masterClrMapping/>
-  </p:clrMapOvr>
-  <p:timing>
-    <p:tnLst>
-      <p:par>
-        <p:cTn id="1" dur="indefinite" restart="never" nodeType="tmRoot"/>
-      </p:par>
-    </p:tnLst>
-  </p:timing>
-</p:sld>
-</file>
-
-<file path=ppt/slides/slide19.xml><?xml version="1.0" encoding="utf-8"?>
-<p:sld xmlns:a="http://schemas.openxmlformats.org/drawingml/2006/main" xmlns:r="http://schemas.openxmlformats.org/officeDocument/2006/relationships" xmlns:p="http://schemas.openxmlformats.org/presentationml/2006/main">
-  <p:cSld>
-    <p:spTree>
-      <p:nvGrpSpPr>
-        <p:cNvPr id="1" name=""/>
-        <p:cNvGrpSpPr/>
-        <p:nvPr/>
-      </p:nvGrpSpPr>
-      <p:grpSpPr>
-        <a:xfrm>
-          <a:off x="0" y="0"/>
-          <a:ext cx="0" cy="0"/>
-          <a:chOff x="0" y="0"/>
-          <a:chExt cx="0" cy="0"/>
-        </a:xfrm>
-      </p:grpSpPr>
-      <p:grpSp>
-        <p:nvGrpSpPr>
-          <p:cNvPr id="12" name="Groupe 11"/>
-          <p:cNvGrpSpPr/>
-          <p:nvPr/>
-        </p:nvGrpSpPr>
-        <p:grpSpPr>
-          <a:xfrm>
-            <a:off x="0" y="73772"/>
-            <a:ext cx="8469013" cy="883356"/>
-            <a:chOff x="0" y="-9760"/>
-            <a:chExt cx="6782276" cy="785565"/>
-          </a:xfrm>
-        </p:grpSpPr>
-        <p:sp>
-          <p:nvSpPr>
-            <p:cNvPr id="13" name="ZoneTexte 12"/>
-            <p:cNvSpPr txBox="1"/>
-            <p:nvPr/>
-          </p:nvSpPr>
-          <p:spPr>
-            <a:xfrm>
-              <a:off x="109500" y="-9760"/>
-              <a:ext cx="6672776" cy="629520"/>
-            </a:xfrm>
-            <a:prstGeom prst="rect">
-              <a:avLst/>
-            </a:prstGeom>
-            <a:noFill/>
-          </p:spPr>
-          <p:txBody>
-            <a:bodyPr wrap="none" rtlCol="0">
-              <a:spAutoFit/>
-            </a:bodyPr>
-            <a:lstStyle/>
-            <a:p>
-              <a:r>
-                <a:rPr lang="fr-FR" sz="4000" b="1" dirty="0" smtClean="0">
-                  <a:latin typeface="Lato Regular" panose="020F0502020204030203" pitchFamily="34" charset="0"/>
-                  <a:ea typeface="Lato Regular" panose="020F0502020204030203" pitchFamily="34" charset="0"/>
-                  <a:cs typeface="Lato Regular" panose="020F0502020204030203" pitchFamily="34" charset="0"/>
-                </a:rPr>
-                <a:t>Chapitre 3 : Comment devenir résilient ?</a:t>
-              </a:r>
-              <a:endParaRPr lang="fr-FR" sz="3600" b="1" dirty="0">
-                <a:latin typeface="Lato Regular" panose="020F0502020204030203" pitchFamily="34" charset="0"/>
-                <a:ea typeface="Lato Regular" panose="020F0502020204030203" pitchFamily="34" charset="0"/>
-                <a:cs typeface="Lato Regular" panose="020F0502020204030203" pitchFamily="34" charset="0"/>
-              </a:endParaRPr>
-            </a:p>
-          </p:txBody>
-        </p:sp>
-        <p:sp>
-          <p:nvSpPr>
-            <p:cNvPr id="14" name="Rectangle 13"/>
-            <p:cNvSpPr/>
-            <p:nvPr/>
-          </p:nvSpPr>
-          <p:spPr>
-            <a:xfrm>
-              <a:off x="0" y="619760"/>
-              <a:ext cx="2357120" cy="156045"/>
-            </a:xfrm>
-            <a:prstGeom prst="rect">
-              <a:avLst/>
-            </a:prstGeom>
-            <a:solidFill>
-              <a:srgbClr val="2F6079"/>
-            </a:solidFill>
-            <a:ln>
-              <a:noFill/>
-            </a:ln>
-          </p:spPr>
-          <p:style>
-            <a:lnRef idx="2">
-              <a:schemeClr val="accent1">
-                <a:shade val="50000"/>
-              </a:schemeClr>
-            </a:lnRef>
-            <a:fillRef idx="1">
-              <a:schemeClr val="accent1"/>
-            </a:fillRef>
-            <a:effectRef idx="0">
-              <a:schemeClr val="accent1"/>
-            </a:effectRef>
-            <a:fontRef idx="minor">
-              <a:schemeClr val="lt1"/>
-            </a:fontRef>
-          </p:style>
-          <p:txBody>
-            <a:bodyPr rtlCol="0" anchor="ctr"/>
-            <a:lstStyle/>
-            <a:p>
-              <a:pPr algn="ctr"/>
-              <a:endParaRPr lang="fr-FR"/>
-            </a:p>
-          </p:txBody>
-        </p:sp>
-      </p:grpSp>
-      <p:sp>
-        <p:nvSpPr>
-          <p:cNvPr id="15" name="Subtitle 2">
-            <a:extLst>
-              <a:ext uri="{FF2B5EF4-FFF2-40B4-BE49-F238E27FC236}">
-                <a16:creationId xmlns:a16="http://schemas.microsoft.com/office/drawing/2014/main" id="{3A78FA13-AC9F-47B6-87F4-D7D64D1358A9}"/>
-              </a:ext>
-            </a:extLst>
-          </p:cNvPr>
-          <p:cNvSpPr txBox="1">
-            <a:spLocks/>
-          </p:cNvSpPr>
-          <p:nvPr/>
-        </p:nvSpPr>
-        <p:spPr>
-          <a:xfrm>
-            <a:off x="305336" y="1312781"/>
-            <a:ext cx="5148087" cy="4896344"/>
-          </a:xfrm>
-          <a:prstGeom prst="rect">
-            <a:avLst/>
-          </a:prstGeom>
-        </p:spPr>
-        <p:txBody>
-          <a:bodyPr vert="horz" lIns="243744" tIns="121869" rIns="243744" bIns="121869" rtlCol="0">
-            <a:noAutofit/>
-          </a:bodyPr>
-          <a:lstStyle>
-            <a:lvl1pPr marL="342900" indent="-342900" algn="l" defTabSz="457200" rtl="0" eaLnBrk="1" latinLnBrk="0" hangingPunct="1">
-              <a:spcBef>
-                <a:spcPct val="20000"/>
-              </a:spcBef>
-              <a:buFont typeface="Arial"/>
-              <a:buChar char="•"/>
-              <a:defRPr sz="3200" kern="1200">
-                <a:solidFill>
-                  <a:schemeClr val="tx1"/>
-                </a:solidFill>
-                <a:latin typeface="+mn-lt"/>
-                <a:ea typeface="+mn-ea"/>
-                <a:cs typeface="+mn-cs"/>
-              </a:defRPr>
-            </a:lvl1pPr>
-            <a:lvl2pPr marL="742950" indent="-285750" algn="l" defTabSz="457200" rtl="0" eaLnBrk="1" latinLnBrk="0" hangingPunct="1">
-              <a:spcBef>
-                <a:spcPct val="20000"/>
-              </a:spcBef>
-              <a:buFont typeface="Arial"/>
-              <a:buChar char="–"/>
-              <a:defRPr sz="2800" kern="1200">
-                <a:solidFill>
-                  <a:schemeClr val="tx1"/>
-                </a:solidFill>
-                <a:latin typeface="+mn-lt"/>
-                <a:ea typeface="+mn-ea"/>
-                <a:cs typeface="+mn-cs"/>
-              </a:defRPr>
-            </a:lvl2pPr>
-            <a:lvl3pPr marL="1143000" indent="-228600" algn="l" defTabSz="457200" rtl="0" eaLnBrk="1" latinLnBrk="0" hangingPunct="1">
-              <a:spcBef>
-                <a:spcPct val="20000"/>
-              </a:spcBef>
-              <a:buFont typeface="Arial"/>
-              <a:buChar char="•"/>
-              <a:defRPr sz="2400" kern="1200">
-                <a:solidFill>
-                  <a:schemeClr val="tx1"/>
-                </a:solidFill>
-                <a:latin typeface="+mn-lt"/>
-                <a:ea typeface="+mn-ea"/>
-                <a:cs typeface="+mn-cs"/>
-              </a:defRPr>
-            </a:lvl3pPr>
-            <a:lvl4pPr marL="1600200" indent="-228600" algn="l" defTabSz="457200" rtl="0" eaLnBrk="1" latinLnBrk="0" hangingPunct="1">
-              <a:spcBef>
-                <a:spcPct val="20000"/>
-              </a:spcBef>
-              <a:buFont typeface="Arial"/>
-              <a:buChar char="–"/>
-              <a:defRPr sz="2000" kern="1200">
-                <a:solidFill>
-                  <a:schemeClr val="tx1"/>
-                </a:solidFill>
-                <a:latin typeface="+mn-lt"/>
-                <a:ea typeface="+mn-ea"/>
-                <a:cs typeface="+mn-cs"/>
-              </a:defRPr>
-            </a:lvl4pPr>
-            <a:lvl5pPr marL="2057400" indent="-228600" algn="l" defTabSz="457200" rtl="0" eaLnBrk="1" latinLnBrk="0" hangingPunct="1">
-              <a:spcBef>
-                <a:spcPct val="20000"/>
-              </a:spcBef>
-              <a:buFont typeface="Arial"/>
-              <a:buChar char="»"/>
-              <a:defRPr sz="2000" kern="1200">
-                <a:solidFill>
-                  <a:schemeClr val="tx1"/>
-                </a:solidFill>
-                <a:latin typeface="+mn-lt"/>
-                <a:ea typeface="+mn-ea"/>
-                <a:cs typeface="+mn-cs"/>
-              </a:defRPr>
-            </a:lvl5pPr>
-            <a:lvl6pPr marL="2514600" indent="-228600" algn="l" defTabSz="457200" rtl="0" eaLnBrk="1" latinLnBrk="0" hangingPunct="1">
-              <a:spcBef>
-                <a:spcPct val="20000"/>
-              </a:spcBef>
-              <a:buFont typeface="Arial"/>
-              <a:buChar char="•"/>
-              <a:defRPr sz="2000" kern="1200">
-                <a:solidFill>
-                  <a:schemeClr val="tx1"/>
-                </a:solidFill>
-                <a:latin typeface="+mn-lt"/>
-                <a:ea typeface="+mn-ea"/>
-                <a:cs typeface="+mn-cs"/>
-              </a:defRPr>
-            </a:lvl6pPr>
-            <a:lvl7pPr marL="2971800" indent="-228600" algn="l" defTabSz="457200" rtl="0" eaLnBrk="1" latinLnBrk="0" hangingPunct="1">
-              <a:spcBef>
-                <a:spcPct val="20000"/>
-              </a:spcBef>
-              <a:buFont typeface="Arial"/>
-              <a:buChar char="•"/>
-              <a:defRPr sz="2000" kern="1200">
-                <a:solidFill>
-                  <a:schemeClr val="tx1"/>
-                </a:solidFill>
-                <a:latin typeface="+mn-lt"/>
-                <a:ea typeface="+mn-ea"/>
-                <a:cs typeface="+mn-cs"/>
-              </a:defRPr>
-            </a:lvl7pPr>
-            <a:lvl8pPr marL="3429000" indent="-228600" algn="l" defTabSz="457200" rtl="0" eaLnBrk="1" latinLnBrk="0" hangingPunct="1">
-              <a:spcBef>
-                <a:spcPct val="20000"/>
-              </a:spcBef>
-              <a:buFont typeface="Arial"/>
-              <a:buChar char="•"/>
-              <a:defRPr sz="2000" kern="1200">
-                <a:solidFill>
-                  <a:schemeClr val="tx1"/>
-                </a:solidFill>
-                <a:latin typeface="+mn-lt"/>
-                <a:ea typeface="+mn-ea"/>
-                <a:cs typeface="+mn-cs"/>
-              </a:defRPr>
-            </a:lvl8pPr>
-            <a:lvl9pPr marL="3886200" indent="-228600" algn="l" defTabSz="457200" rtl="0" eaLnBrk="1" latinLnBrk="0" hangingPunct="1">
-              <a:spcBef>
-                <a:spcPct val="20000"/>
-              </a:spcBef>
-              <a:buFont typeface="Arial"/>
-              <a:buChar char="•"/>
-              <a:defRPr sz="2000" kern="1200">
-                <a:solidFill>
-                  <a:schemeClr val="tx1"/>
-                </a:solidFill>
-                <a:latin typeface="+mn-lt"/>
-                <a:ea typeface="+mn-ea"/>
-                <a:cs typeface="+mn-cs"/>
-              </a:defRPr>
-            </a:lvl9pPr>
-          </a:lstStyle>
-          <a:p>
-            <a:pPr marL="0" indent="0">
-              <a:buNone/>
-            </a:pPr>
-            <a:r>
-              <a:rPr lang="fr-FR" sz="2000" dirty="0" smtClean="0">
-                <a:solidFill>
-                  <a:schemeClr val="tx2"/>
-                </a:solidFill>
-                <a:latin typeface="Lato Regular"/>
-                <a:cs typeface="Lato Regular"/>
-              </a:rPr>
-              <a:t>Scénario</a:t>
-            </a:r>
-            <a:endParaRPr lang="fr-FR" sz="1800" dirty="0">
-              <a:solidFill>
-                <a:schemeClr val="tx2"/>
-              </a:solidFill>
-              <a:latin typeface="Lato Regular"/>
-              <a:cs typeface="Lato Regular"/>
-            </a:endParaRPr>
-          </a:p>
-          <a:p>
-            <a:pPr marL="0" indent="0">
-              <a:buNone/>
-            </a:pPr>
-            <a:endParaRPr lang="fr-FR" sz="1600" dirty="0">
-              <a:solidFill>
-                <a:schemeClr val="tx2"/>
-              </a:solidFill>
-              <a:latin typeface="Lato Light"/>
-              <a:cs typeface="Lato Light"/>
-            </a:endParaRPr>
-          </a:p>
-        </p:txBody>
-      </p:sp>
-      <p:sp>
-        <p:nvSpPr>
-          <p:cNvPr id="4" name="Rectangle 3"/>
-          <p:cNvSpPr/>
-          <p:nvPr/>
-        </p:nvSpPr>
-        <p:spPr>
-          <a:xfrm>
-            <a:off x="647700" y="2086553"/>
-            <a:ext cx="6096000" cy="1200329"/>
-          </a:xfrm>
-          <a:prstGeom prst="rect">
-            <a:avLst/>
-          </a:prstGeom>
-        </p:spPr>
-        <p:txBody>
-          <a:bodyPr>
-            <a:spAutoFit/>
-          </a:bodyPr>
-          <a:lstStyle/>
-          <a:p>
-            <a:r>
-              <a:rPr lang="fr-FR" dirty="0">
-                <a:latin typeface="Lato Light" panose="020F0502020204030203" pitchFamily="34" charset="0"/>
-                <a:ea typeface="Lato Light" panose="020F0502020204030203" pitchFamily="34" charset="0"/>
-                <a:cs typeface="Lato Light" panose="020F0502020204030203" pitchFamily="34" charset="0"/>
-              </a:rPr>
-              <a:t>"Le constat est fait : ok, notre applicatif répond.. mais est vraiment très sensibles aux pannes!” Comment rendre notre application vraiment résiliente ? Comment palier à ce genre de problèmes ?"</a:t>
-            </a:r>
-          </a:p>
-        </p:txBody>
-      </p:sp>
-    </p:spTree>
-    <p:extLst>
-      <p:ext uri="{BB962C8B-B14F-4D97-AF65-F5344CB8AC3E}">
-        <p14:creationId xmlns:p14="http://schemas.microsoft.com/office/powerpoint/2010/main" val="785186874"/>
       </p:ext>
     </p:extLst>
   </p:cSld>
@@ -15185,6 +15091,374 @@
 </file>
 
 <file path=ppt/slides/slide20.xml><?xml version="1.0" encoding="utf-8"?>
+<p:sld xmlns:a="http://schemas.openxmlformats.org/drawingml/2006/main" xmlns:r="http://schemas.openxmlformats.org/officeDocument/2006/relationships" xmlns:p="http://schemas.openxmlformats.org/presentationml/2006/main">
+  <p:cSld>
+    <p:spTree>
+      <p:nvGrpSpPr>
+        <p:cNvPr id="1" name=""/>
+        <p:cNvGrpSpPr/>
+        <p:nvPr/>
+      </p:nvGrpSpPr>
+      <p:grpSpPr>
+        <a:xfrm>
+          <a:off x="0" y="0"/>
+          <a:ext cx="0" cy="0"/>
+          <a:chOff x="0" y="0"/>
+          <a:chExt cx="0" cy="0"/>
+        </a:xfrm>
+      </p:grpSpPr>
+      <p:grpSp>
+        <p:nvGrpSpPr>
+          <p:cNvPr id="12" name="Groupe 11"/>
+          <p:cNvGrpSpPr/>
+          <p:nvPr/>
+        </p:nvGrpSpPr>
+        <p:grpSpPr>
+          <a:xfrm>
+            <a:off x="0" y="73772"/>
+            <a:ext cx="8469013" cy="883356"/>
+            <a:chOff x="0" y="-9760"/>
+            <a:chExt cx="6782276" cy="785565"/>
+          </a:xfrm>
+        </p:grpSpPr>
+        <p:sp>
+          <p:nvSpPr>
+            <p:cNvPr id="13" name="ZoneTexte 12"/>
+            <p:cNvSpPr txBox="1"/>
+            <p:nvPr/>
+          </p:nvSpPr>
+          <p:spPr>
+            <a:xfrm>
+              <a:off x="109500" y="-9760"/>
+              <a:ext cx="6672776" cy="629520"/>
+            </a:xfrm>
+            <a:prstGeom prst="rect">
+              <a:avLst/>
+            </a:prstGeom>
+            <a:noFill/>
+          </p:spPr>
+          <p:txBody>
+            <a:bodyPr wrap="none" rtlCol="0">
+              <a:spAutoFit/>
+            </a:bodyPr>
+            <a:lstStyle/>
+            <a:p>
+              <a:r>
+                <a:rPr lang="fr-FR" sz="4000" b="1" dirty="0" smtClean="0">
+                  <a:latin typeface="Lato Regular" panose="020F0502020204030203" pitchFamily="34" charset="0"/>
+                  <a:ea typeface="Lato Regular" panose="020F0502020204030203" pitchFamily="34" charset="0"/>
+                  <a:cs typeface="Lato Regular" panose="020F0502020204030203" pitchFamily="34" charset="0"/>
+                </a:rPr>
+                <a:t>Chapitre 3 : Comment devenir résilient ?</a:t>
+              </a:r>
+              <a:endParaRPr lang="fr-FR" sz="3600" b="1" dirty="0">
+                <a:latin typeface="Lato Regular" panose="020F0502020204030203" pitchFamily="34" charset="0"/>
+                <a:ea typeface="Lato Regular" panose="020F0502020204030203" pitchFamily="34" charset="0"/>
+                <a:cs typeface="Lato Regular" panose="020F0502020204030203" pitchFamily="34" charset="0"/>
+              </a:endParaRPr>
+            </a:p>
+          </p:txBody>
+        </p:sp>
+        <p:sp>
+          <p:nvSpPr>
+            <p:cNvPr id="14" name="Rectangle 13"/>
+            <p:cNvSpPr/>
+            <p:nvPr/>
+          </p:nvSpPr>
+          <p:spPr>
+            <a:xfrm>
+              <a:off x="0" y="619760"/>
+              <a:ext cx="2357120" cy="156045"/>
+            </a:xfrm>
+            <a:prstGeom prst="rect">
+              <a:avLst/>
+            </a:prstGeom>
+            <a:solidFill>
+              <a:srgbClr val="2F6079"/>
+            </a:solidFill>
+            <a:ln>
+              <a:noFill/>
+            </a:ln>
+          </p:spPr>
+          <p:style>
+            <a:lnRef idx="2">
+              <a:schemeClr val="accent1">
+                <a:shade val="50000"/>
+              </a:schemeClr>
+            </a:lnRef>
+            <a:fillRef idx="1">
+              <a:schemeClr val="accent1"/>
+            </a:fillRef>
+            <a:effectRef idx="0">
+              <a:schemeClr val="accent1"/>
+            </a:effectRef>
+            <a:fontRef idx="minor">
+              <a:schemeClr val="lt1"/>
+            </a:fontRef>
+          </p:style>
+          <p:txBody>
+            <a:bodyPr rtlCol="0" anchor="ctr"/>
+            <a:lstStyle/>
+            <a:p>
+              <a:pPr algn="ctr"/>
+              <a:endParaRPr lang="fr-FR"/>
+            </a:p>
+          </p:txBody>
+        </p:sp>
+      </p:grpSp>
+      <p:sp>
+        <p:nvSpPr>
+          <p:cNvPr id="15" name="Subtitle 2">
+            <a:extLst>
+              <a:ext uri="{FF2B5EF4-FFF2-40B4-BE49-F238E27FC236}">
+                <a16:creationId xmlns:a16="http://schemas.microsoft.com/office/drawing/2014/main" id="{3A78FA13-AC9F-47B6-87F4-D7D64D1358A9}"/>
+              </a:ext>
+            </a:extLst>
+          </p:cNvPr>
+          <p:cNvSpPr txBox="1">
+            <a:spLocks/>
+          </p:cNvSpPr>
+          <p:nvPr/>
+        </p:nvSpPr>
+        <p:spPr>
+          <a:xfrm>
+            <a:off x="305336" y="1312781"/>
+            <a:ext cx="5148087" cy="4896344"/>
+          </a:xfrm>
+          <a:prstGeom prst="rect">
+            <a:avLst/>
+          </a:prstGeom>
+        </p:spPr>
+        <p:txBody>
+          <a:bodyPr vert="horz" lIns="243744" tIns="121869" rIns="243744" bIns="121869" rtlCol="0">
+            <a:noAutofit/>
+          </a:bodyPr>
+          <a:lstStyle>
+            <a:lvl1pPr marL="342900" indent="-342900" algn="l" defTabSz="457200" rtl="0" eaLnBrk="1" latinLnBrk="0" hangingPunct="1">
+              <a:spcBef>
+                <a:spcPct val="20000"/>
+              </a:spcBef>
+              <a:buFont typeface="Arial"/>
+              <a:buChar char="•"/>
+              <a:defRPr sz="3200" kern="1200">
+                <a:solidFill>
+                  <a:schemeClr val="tx1"/>
+                </a:solidFill>
+                <a:latin typeface="+mn-lt"/>
+                <a:ea typeface="+mn-ea"/>
+                <a:cs typeface="+mn-cs"/>
+              </a:defRPr>
+            </a:lvl1pPr>
+            <a:lvl2pPr marL="742950" indent="-285750" algn="l" defTabSz="457200" rtl="0" eaLnBrk="1" latinLnBrk="0" hangingPunct="1">
+              <a:spcBef>
+                <a:spcPct val="20000"/>
+              </a:spcBef>
+              <a:buFont typeface="Arial"/>
+              <a:buChar char="–"/>
+              <a:defRPr sz="2800" kern="1200">
+                <a:solidFill>
+                  <a:schemeClr val="tx1"/>
+                </a:solidFill>
+                <a:latin typeface="+mn-lt"/>
+                <a:ea typeface="+mn-ea"/>
+                <a:cs typeface="+mn-cs"/>
+              </a:defRPr>
+            </a:lvl2pPr>
+            <a:lvl3pPr marL="1143000" indent="-228600" algn="l" defTabSz="457200" rtl="0" eaLnBrk="1" latinLnBrk="0" hangingPunct="1">
+              <a:spcBef>
+                <a:spcPct val="20000"/>
+              </a:spcBef>
+              <a:buFont typeface="Arial"/>
+              <a:buChar char="•"/>
+              <a:defRPr sz="2400" kern="1200">
+                <a:solidFill>
+                  <a:schemeClr val="tx1"/>
+                </a:solidFill>
+                <a:latin typeface="+mn-lt"/>
+                <a:ea typeface="+mn-ea"/>
+                <a:cs typeface="+mn-cs"/>
+              </a:defRPr>
+            </a:lvl3pPr>
+            <a:lvl4pPr marL="1600200" indent="-228600" algn="l" defTabSz="457200" rtl="0" eaLnBrk="1" latinLnBrk="0" hangingPunct="1">
+              <a:spcBef>
+                <a:spcPct val="20000"/>
+              </a:spcBef>
+              <a:buFont typeface="Arial"/>
+              <a:buChar char="–"/>
+              <a:defRPr sz="2000" kern="1200">
+                <a:solidFill>
+                  <a:schemeClr val="tx1"/>
+                </a:solidFill>
+                <a:latin typeface="+mn-lt"/>
+                <a:ea typeface="+mn-ea"/>
+                <a:cs typeface="+mn-cs"/>
+              </a:defRPr>
+            </a:lvl4pPr>
+            <a:lvl5pPr marL="2057400" indent="-228600" algn="l" defTabSz="457200" rtl="0" eaLnBrk="1" latinLnBrk="0" hangingPunct="1">
+              <a:spcBef>
+                <a:spcPct val="20000"/>
+              </a:spcBef>
+              <a:buFont typeface="Arial"/>
+              <a:buChar char="»"/>
+              <a:defRPr sz="2000" kern="1200">
+                <a:solidFill>
+                  <a:schemeClr val="tx1"/>
+                </a:solidFill>
+                <a:latin typeface="+mn-lt"/>
+                <a:ea typeface="+mn-ea"/>
+                <a:cs typeface="+mn-cs"/>
+              </a:defRPr>
+            </a:lvl5pPr>
+            <a:lvl6pPr marL="2514600" indent="-228600" algn="l" defTabSz="457200" rtl="0" eaLnBrk="1" latinLnBrk="0" hangingPunct="1">
+              <a:spcBef>
+                <a:spcPct val="20000"/>
+              </a:spcBef>
+              <a:buFont typeface="Arial"/>
+              <a:buChar char="•"/>
+              <a:defRPr sz="2000" kern="1200">
+                <a:solidFill>
+                  <a:schemeClr val="tx1"/>
+                </a:solidFill>
+                <a:latin typeface="+mn-lt"/>
+                <a:ea typeface="+mn-ea"/>
+                <a:cs typeface="+mn-cs"/>
+              </a:defRPr>
+            </a:lvl6pPr>
+            <a:lvl7pPr marL="2971800" indent="-228600" algn="l" defTabSz="457200" rtl="0" eaLnBrk="1" latinLnBrk="0" hangingPunct="1">
+              <a:spcBef>
+                <a:spcPct val="20000"/>
+              </a:spcBef>
+              <a:buFont typeface="Arial"/>
+              <a:buChar char="•"/>
+              <a:defRPr sz="2000" kern="1200">
+                <a:solidFill>
+                  <a:schemeClr val="tx1"/>
+                </a:solidFill>
+                <a:latin typeface="+mn-lt"/>
+                <a:ea typeface="+mn-ea"/>
+                <a:cs typeface="+mn-cs"/>
+              </a:defRPr>
+            </a:lvl7pPr>
+            <a:lvl8pPr marL="3429000" indent="-228600" algn="l" defTabSz="457200" rtl="0" eaLnBrk="1" latinLnBrk="0" hangingPunct="1">
+              <a:spcBef>
+                <a:spcPct val="20000"/>
+              </a:spcBef>
+              <a:buFont typeface="Arial"/>
+              <a:buChar char="•"/>
+              <a:defRPr sz="2000" kern="1200">
+                <a:solidFill>
+                  <a:schemeClr val="tx1"/>
+                </a:solidFill>
+                <a:latin typeface="+mn-lt"/>
+                <a:ea typeface="+mn-ea"/>
+                <a:cs typeface="+mn-cs"/>
+              </a:defRPr>
+            </a:lvl8pPr>
+            <a:lvl9pPr marL="3886200" indent="-228600" algn="l" defTabSz="457200" rtl="0" eaLnBrk="1" latinLnBrk="0" hangingPunct="1">
+              <a:spcBef>
+                <a:spcPct val="20000"/>
+              </a:spcBef>
+              <a:buFont typeface="Arial"/>
+              <a:buChar char="•"/>
+              <a:defRPr sz="2000" kern="1200">
+                <a:solidFill>
+                  <a:schemeClr val="tx1"/>
+                </a:solidFill>
+                <a:latin typeface="+mn-lt"/>
+                <a:ea typeface="+mn-ea"/>
+                <a:cs typeface="+mn-cs"/>
+              </a:defRPr>
+            </a:lvl9pPr>
+          </a:lstStyle>
+          <a:p>
+            <a:pPr marL="0" indent="0">
+              <a:buNone/>
+            </a:pPr>
+            <a:r>
+              <a:rPr lang="fr-FR" sz="2000" dirty="0" smtClean="0">
+                <a:solidFill>
+                  <a:schemeClr val="tx2"/>
+                </a:solidFill>
+                <a:latin typeface="Lato Regular"/>
+                <a:cs typeface="Lato Regular"/>
+              </a:rPr>
+              <a:t>Scénario</a:t>
+            </a:r>
+            <a:endParaRPr lang="fr-FR" sz="1800" dirty="0">
+              <a:solidFill>
+                <a:schemeClr val="tx2"/>
+              </a:solidFill>
+              <a:latin typeface="Lato Regular"/>
+              <a:cs typeface="Lato Regular"/>
+            </a:endParaRPr>
+          </a:p>
+          <a:p>
+            <a:pPr marL="0" indent="0">
+              <a:buNone/>
+            </a:pPr>
+            <a:endParaRPr lang="fr-FR" sz="1600" dirty="0">
+              <a:solidFill>
+                <a:schemeClr val="tx2"/>
+              </a:solidFill>
+              <a:latin typeface="Lato Light"/>
+              <a:cs typeface="Lato Light"/>
+            </a:endParaRPr>
+          </a:p>
+        </p:txBody>
+      </p:sp>
+      <p:sp>
+        <p:nvSpPr>
+          <p:cNvPr id="4" name="Rectangle 3"/>
+          <p:cNvSpPr/>
+          <p:nvPr/>
+        </p:nvSpPr>
+        <p:spPr>
+          <a:xfrm>
+            <a:off x="647700" y="2086553"/>
+            <a:ext cx="6096000" cy="1200329"/>
+          </a:xfrm>
+          <a:prstGeom prst="rect">
+            <a:avLst/>
+          </a:prstGeom>
+        </p:spPr>
+        <p:txBody>
+          <a:bodyPr>
+            <a:spAutoFit/>
+          </a:bodyPr>
+          <a:lstStyle/>
+          <a:p>
+            <a:r>
+              <a:rPr lang="fr-FR" dirty="0">
+                <a:latin typeface="Lato Light" panose="020F0502020204030203" pitchFamily="34" charset="0"/>
+                <a:ea typeface="Lato Light" panose="020F0502020204030203" pitchFamily="34" charset="0"/>
+                <a:cs typeface="Lato Light" panose="020F0502020204030203" pitchFamily="34" charset="0"/>
+              </a:rPr>
+              <a:t>"Le constat est fait : ok, notre applicatif répond.. mais est vraiment très sensibles aux pannes!” Comment rendre notre application vraiment résiliente ? Comment palier à ce genre de problèmes ?"</a:t>
+            </a:r>
+          </a:p>
+        </p:txBody>
+      </p:sp>
+    </p:spTree>
+    <p:extLst>
+      <p:ext uri="{BB962C8B-B14F-4D97-AF65-F5344CB8AC3E}">
+        <p14:creationId xmlns:p14="http://schemas.microsoft.com/office/powerpoint/2010/main" val="785186874"/>
+      </p:ext>
+    </p:extLst>
+  </p:cSld>
+  <p:clrMapOvr>
+    <a:masterClrMapping/>
+  </p:clrMapOvr>
+  <p:timing>
+    <p:tnLst>
+      <p:par>
+        <p:cTn id="1" dur="indefinite" restart="never" nodeType="tmRoot"/>
+      </p:par>
+    </p:tnLst>
+  </p:timing>
+</p:sld>
+</file>
+
+<file path=ppt/slides/slide21.xml><?xml version="1.0" encoding="utf-8"?>
 <p:sld xmlns:a="http://schemas.openxmlformats.org/drawingml/2006/main" xmlns:r="http://schemas.openxmlformats.org/officeDocument/2006/relationships" xmlns:p="http://schemas.openxmlformats.org/presentationml/2006/main">
   <p:cSld>
     <p:spTree>
@@ -15848,7 +16122,7 @@
 </p:sld>
 </file>
 
-<file path=ppt/slides/slide21.xml><?xml version="1.0" encoding="utf-8"?>
+<file path=ppt/slides/slide22.xml><?xml version="1.0" encoding="utf-8"?>
 <p:sld xmlns:a="http://schemas.openxmlformats.org/drawingml/2006/main" xmlns:r="http://schemas.openxmlformats.org/officeDocument/2006/relationships" xmlns:p="http://schemas.openxmlformats.org/presentationml/2006/main">
   <p:cSld>
     <p:spTree>
@@ -16295,422 +16569,6 @@
 </p:sld>
 </file>
 
-<file path=ppt/slides/slide22.xml><?xml version="1.0" encoding="utf-8"?>
-<p:sld xmlns:a="http://schemas.openxmlformats.org/drawingml/2006/main" xmlns:r="http://schemas.openxmlformats.org/officeDocument/2006/relationships" xmlns:p="http://schemas.openxmlformats.org/presentationml/2006/main">
-  <p:cSld>
-    <p:spTree>
-      <p:nvGrpSpPr>
-        <p:cNvPr id="1" name=""/>
-        <p:cNvGrpSpPr/>
-        <p:nvPr/>
-      </p:nvGrpSpPr>
-      <p:grpSpPr>
-        <a:xfrm>
-          <a:off x="0" y="0"/>
-          <a:ext cx="0" cy="0"/>
-          <a:chOff x="0" y="0"/>
-          <a:chExt cx="0" cy="0"/>
-        </a:xfrm>
-      </p:grpSpPr>
-      <p:grpSp>
-        <p:nvGrpSpPr>
-          <p:cNvPr id="202" name="Groupe 201"/>
-          <p:cNvGrpSpPr/>
-          <p:nvPr/>
-        </p:nvGrpSpPr>
-        <p:grpSpPr>
-          <a:xfrm>
-            <a:off x="0" y="73772"/>
-            <a:ext cx="6722061" cy="883356"/>
-            <a:chOff x="0" y="-9760"/>
-            <a:chExt cx="5383255" cy="785565"/>
-          </a:xfrm>
-        </p:grpSpPr>
-        <p:sp>
-          <p:nvSpPr>
-            <p:cNvPr id="203" name="ZoneTexte 202"/>
-            <p:cNvSpPr txBox="1"/>
-            <p:nvPr/>
-          </p:nvSpPr>
-          <p:spPr>
-            <a:xfrm>
-              <a:off x="109500" y="-9760"/>
-              <a:ext cx="5273755" cy="629520"/>
-            </a:xfrm>
-            <a:prstGeom prst="rect">
-              <a:avLst/>
-            </a:prstGeom>
-            <a:noFill/>
-          </p:spPr>
-          <p:txBody>
-            <a:bodyPr wrap="none" rtlCol="0">
-              <a:spAutoFit/>
-            </a:bodyPr>
-            <a:lstStyle/>
-            <a:p>
-              <a:r>
-                <a:rPr lang="fr-FR" sz="4000" b="1" dirty="0" smtClean="0">
-                  <a:latin typeface="Lato Regular" panose="020F0502020204030203" pitchFamily="34" charset="0"/>
-                  <a:ea typeface="Lato Regular" panose="020F0502020204030203" pitchFamily="34" charset="0"/>
-                  <a:cs typeface="Lato Regular" panose="020F0502020204030203" pitchFamily="34" charset="0"/>
-                </a:rPr>
-                <a:t>Analyse du second tir de charge</a:t>
-              </a:r>
-              <a:endParaRPr lang="fr-FR" sz="3600" b="1" dirty="0">
-                <a:latin typeface="Lato Regular" panose="020F0502020204030203" pitchFamily="34" charset="0"/>
-                <a:ea typeface="Lato Regular" panose="020F0502020204030203" pitchFamily="34" charset="0"/>
-                <a:cs typeface="Lato Regular" panose="020F0502020204030203" pitchFamily="34" charset="0"/>
-              </a:endParaRPr>
-            </a:p>
-          </p:txBody>
-        </p:sp>
-        <p:sp>
-          <p:nvSpPr>
-            <p:cNvPr id="204" name="Rectangle 203"/>
-            <p:cNvSpPr/>
-            <p:nvPr/>
-          </p:nvSpPr>
-          <p:spPr>
-            <a:xfrm>
-              <a:off x="0" y="619760"/>
-              <a:ext cx="2357120" cy="156045"/>
-            </a:xfrm>
-            <a:prstGeom prst="rect">
-              <a:avLst/>
-            </a:prstGeom>
-            <a:solidFill>
-              <a:srgbClr val="872163"/>
-            </a:solidFill>
-            <a:ln>
-              <a:noFill/>
-            </a:ln>
-          </p:spPr>
-          <p:style>
-            <a:lnRef idx="2">
-              <a:schemeClr val="accent1">
-                <a:shade val="50000"/>
-              </a:schemeClr>
-            </a:lnRef>
-            <a:fillRef idx="1">
-              <a:schemeClr val="accent1"/>
-            </a:fillRef>
-            <a:effectRef idx="0">
-              <a:schemeClr val="accent1"/>
-            </a:effectRef>
-            <a:fontRef idx="minor">
-              <a:schemeClr val="lt1"/>
-            </a:fontRef>
-          </p:style>
-          <p:txBody>
-            <a:bodyPr rtlCol="0" anchor="ctr"/>
-            <a:lstStyle/>
-            <a:p>
-              <a:pPr algn="ctr"/>
-              <a:endParaRPr lang="fr-FR"/>
-            </a:p>
-          </p:txBody>
-        </p:sp>
-      </p:grpSp>
-      <p:sp>
-        <p:nvSpPr>
-          <p:cNvPr id="4" name="Rectangle 3"/>
-          <p:cNvSpPr/>
-          <p:nvPr/>
-        </p:nvSpPr>
-        <p:spPr>
-          <a:xfrm>
-            <a:off x="1280160" y="6228859"/>
-            <a:ext cx="10348377" cy="369332"/>
-          </a:xfrm>
-          <a:prstGeom prst="rect">
-            <a:avLst/>
-          </a:prstGeom>
-        </p:spPr>
-        <p:txBody>
-          <a:bodyPr wrap="square">
-            <a:spAutoFit/>
-          </a:bodyPr>
-          <a:lstStyle/>
-          <a:p>
-            <a:pPr algn="ctr"/>
-            <a:r>
-              <a:rPr lang="fr-FR" dirty="0">
-                <a:latin typeface="Lato Regular" panose="020F0502020204030203" pitchFamily="34" charset="0"/>
-                <a:ea typeface="Lato Regular" panose="020F0502020204030203" pitchFamily="34" charset="0"/>
-                <a:cs typeface="Lato Regular" panose="020F0502020204030203" pitchFamily="34" charset="0"/>
-              </a:rPr>
-              <a:t>Tir :  C:\dev\gatling-maven-plugin-demo\target\gatling\basicsimulation-nbtir\index.html</a:t>
-            </a:r>
-          </a:p>
-        </p:txBody>
-      </p:sp>
-      <p:sp>
-        <p:nvSpPr>
-          <p:cNvPr id="12" name="Subtitle 2">
-            <a:extLst>
-              <a:ext uri="{FF2B5EF4-FFF2-40B4-BE49-F238E27FC236}">
-                <a16:creationId xmlns:a16="http://schemas.microsoft.com/office/drawing/2014/main" id="{3A78FA13-AC9F-47B6-87F4-D7D64D1358A9}"/>
-              </a:ext>
-            </a:extLst>
-          </p:cNvPr>
-          <p:cNvSpPr txBox="1">
-            <a:spLocks/>
-          </p:cNvSpPr>
-          <p:nvPr/>
-        </p:nvSpPr>
-        <p:spPr>
-          <a:xfrm>
-            <a:off x="322908" y="1350474"/>
-            <a:ext cx="6510153" cy="502532"/>
-          </a:xfrm>
-          <a:prstGeom prst="rect">
-            <a:avLst/>
-          </a:prstGeom>
-        </p:spPr>
-        <p:txBody>
-          <a:bodyPr vert="horz" lIns="243744" tIns="121869" rIns="243744" bIns="121869" rtlCol="0">
-            <a:noAutofit/>
-          </a:bodyPr>
-          <a:lstStyle>
-            <a:lvl1pPr marL="342900" indent="-342900" algn="l" defTabSz="457200" rtl="0" eaLnBrk="1" latinLnBrk="0" hangingPunct="1">
-              <a:spcBef>
-                <a:spcPct val="20000"/>
-              </a:spcBef>
-              <a:buFont typeface="Arial"/>
-              <a:buChar char="•"/>
-              <a:defRPr sz="3200" kern="1200">
-                <a:solidFill>
-                  <a:schemeClr val="tx1"/>
-                </a:solidFill>
-                <a:latin typeface="+mn-lt"/>
-                <a:ea typeface="+mn-ea"/>
-                <a:cs typeface="+mn-cs"/>
-              </a:defRPr>
-            </a:lvl1pPr>
-            <a:lvl2pPr marL="742950" indent="-285750" algn="l" defTabSz="457200" rtl="0" eaLnBrk="1" latinLnBrk="0" hangingPunct="1">
-              <a:spcBef>
-                <a:spcPct val="20000"/>
-              </a:spcBef>
-              <a:buFont typeface="Arial"/>
-              <a:buChar char="–"/>
-              <a:defRPr sz="2800" kern="1200">
-                <a:solidFill>
-                  <a:schemeClr val="tx1"/>
-                </a:solidFill>
-                <a:latin typeface="+mn-lt"/>
-                <a:ea typeface="+mn-ea"/>
-                <a:cs typeface="+mn-cs"/>
-              </a:defRPr>
-            </a:lvl2pPr>
-            <a:lvl3pPr marL="1143000" indent="-228600" algn="l" defTabSz="457200" rtl="0" eaLnBrk="1" latinLnBrk="0" hangingPunct="1">
-              <a:spcBef>
-                <a:spcPct val="20000"/>
-              </a:spcBef>
-              <a:buFont typeface="Arial"/>
-              <a:buChar char="•"/>
-              <a:defRPr sz="2400" kern="1200">
-                <a:solidFill>
-                  <a:schemeClr val="tx1"/>
-                </a:solidFill>
-                <a:latin typeface="+mn-lt"/>
-                <a:ea typeface="+mn-ea"/>
-                <a:cs typeface="+mn-cs"/>
-              </a:defRPr>
-            </a:lvl3pPr>
-            <a:lvl4pPr marL="1600200" indent="-228600" algn="l" defTabSz="457200" rtl="0" eaLnBrk="1" latinLnBrk="0" hangingPunct="1">
-              <a:spcBef>
-                <a:spcPct val="20000"/>
-              </a:spcBef>
-              <a:buFont typeface="Arial"/>
-              <a:buChar char="–"/>
-              <a:defRPr sz="2000" kern="1200">
-                <a:solidFill>
-                  <a:schemeClr val="tx1"/>
-                </a:solidFill>
-                <a:latin typeface="+mn-lt"/>
-                <a:ea typeface="+mn-ea"/>
-                <a:cs typeface="+mn-cs"/>
-              </a:defRPr>
-            </a:lvl4pPr>
-            <a:lvl5pPr marL="2057400" indent="-228600" algn="l" defTabSz="457200" rtl="0" eaLnBrk="1" latinLnBrk="0" hangingPunct="1">
-              <a:spcBef>
-                <a:spcPct val="20000"/>
-              </a:spcBef>
-              <a:buFont typeface="Arial"/>
-              <a:buChar char="»"/>
-              <a:defRPr sz="2000" kern="1200">
-                <a:solidFill>
-                  <a:schemeClr val="tx1"/>
-                </a:solidFill>
-                <a:latin typeface="+mn-lt"/>
-                <a:ea typeface="+mn-ea"/>
-                <a:cs typeface="+mn-cs"/>
-              </a:defRPr>
-            </a:lvl5pPr>
-            <a:lvl6pPr marL="2514600" indent="-228600" algn="l" defTabSz="457200" rtl="0" eaLnBrk="1" latinLnBrk="0" hangingPunct="1">
-              <a:spcBef>
-                <a:spcPct val="20000"/>
-              </a:spcBef>
-              <a:buFont typeface="Arial"/>
-              <a:buChar char="•"/>
-              <a:defRPr sz="2000" kern="1200">
-                <a:solidFill>
-                  <a:schemeClr val="tx1"/>
-                </a:solidFill>
-                <a:latin typeface="+mn-lt"/>
-                <a:ea typeface="+mn-ea"/>
-                <a:cs typeface="+mn-cs"/>
-              </a:defRPr>
-            </a:lvl6pPr>
-            <a:lvl7pPr marL="2971800" indent="-228600" algn="l" defTabSz="457200" rtl="0" eaLnBrk="1" latinLnBrk="0" hangingPunct="1">
-              <a:spcBef>
-                <a:spcPct val="20000"/>
-              </a:spcBef>
-              <a:buFont typeface="Arial"/>
-              <a:buChar char="•"/>
-              <a:defRPr sz="2000" kern="1200">
-                <a:solidFill>
-                  <a:schemeClr val="tx1"/>
-                </a:solidFill>
-                <a:latin typeface="+mn-lt"/>
-                <a:ea typeface="+mn-ea"/>
-                <a:cs typeface="+mn-cs"/>
-              </a:defRPr>
-            </a:lvl7pPr>
-            <a:lvl8pPr marL="3429000" indent="-228600" algn="l" defTabSz="457200" rtl="0" eaLnBrk="1" latinLnBrk="0" hangingPunct="1">
-              <a:spcBef>
-                <a:spcPct val="20000"/>
-              </a:spcBef>
-              <a:buFont typeface="Arial"/>
-              <a:buChar char="•"/>
-              <a:defRPr sz="2000" kern="1200">
-                <a:solidFill>
-                  <a:schemeClr val="tx1"/>
-                </a:solidFill>
-                <a:latin typeface="+mn-lt"/>
-                <a:ea typeface="+mn-ea"/>
-                <a:cs typeface="+mn-cs"/>
-              </a:defRPr>
-            </a:lvl8pPr>
-            <a:lvl9pPr marL="3886200" indent="-228600" algn="l" defTabSz="457200" rtl="0" eaLnBrk="1" latinLnBrk="0" hangingPunct="1">
-              <a:spcBef>
-                <a:spcPct val="20000"/>
-              </a:spcBef>
-              <a:buFont typeface="Arial"/>
-              <a:buChar char="•"/>
-              <a:defRPr sz="2000" kern="1200">
-                <a:solidFill>
-                  <a:schemeClr val="tx1"/>
-                </a:solidFill>
-                <a:latin typeface="+mn-lt"/>
-                <a:ea typeface="+mn-ea"/>
-                <a:cs typeface="+mn-cs"/>
-              </a:defRPr>
-            </a:lvl9pPr>
-          </a:lstStyle>
-          <a:p>
-            <a:pPr marL="0" indent="0" algn="ctr">
-              <a:buNone/>
-            </a:pPr>
-            <a:r>
-              <a:rPr lang="fr-FR" sz="2000" dirty="0" smtClean="0">
-                <a:solidFill>
-                  <a:schemeClr val="tx2"/>
-                </a:solidFill>
-                <a:latin typeface="Lato Regular"/>
-                <a:cs typeface="Lato Regular"/>
-              </a:rPr>
-              <a:t>Résultat du tir de charge avec 1 réplicas par service :</a:t>
-            </a:r>
-            <a:endParaRPr lang="fr-FR" sz="1600" dirty="0">
-              <a:solidFill>
-                <a:schemeClr val="tx2"/>
-              </a:solidFill>
-              <a:latin typeface="Lato Light"/>
-              <a:cs typeface="Lato Light"/>
-            </a:endParaRPr>
-          </a:p>
-        </p:txBody>
-      </p:sp>
-      <p:pic>
-        <p:nvPicPr>
-          <p:cNvPr id="13" name="Image 12"/>
-          <p:cNvPicPr>
-            <a:picLocks noChangeAspect="1"/>
-          </p:cNvPicPr>
-          <p:nvPr/>
-        </p:nvPicPr>
-        <p:blipFill rotWithShape="1">
-          <a:blip r:embed="rId3">
-            <a:extLst>
-              <a:ext uri="{28A0092B-C50C-407E-A947-70E740481C1C}">
-                <a14:useLocalDpi xmlns:a14="http://schemas.microsoft.com/office/drawing/2010/main" val="0"/>
-              </a:ext>
-            </a:extLst>
-          </a:blip>
-          <a:srcRect l="38750" t="22204" r="38372" b="39045"/>
-          <a:stretch/>
-        </p:blipFill>
-        <p:spPr>
-          <a:xfrm>
-            <a:off x="322909" y="2085526"/>
-            <a:ext cx="2297511" cy="3891279"/>
-          </a:xfrm>
-          <a:prstGeom prst="rect">
-            <a:avLst/>
-          </a:prstGeom>
-        </p:spPr>
-      </p:pic>
-      <p:pic>
-        <p:nvPicPr>
-          <p:cNvPr id="3" name="Image 2"/>
-          <p:cNvPicPr>
-            <a:picLocks noChangeAspect="1"/>
-          </p:cNvPicPr>
-          <p:nvPr/>
-        </p:nvPicPr>
-        <p:blipFill>
-          <a:blip r:embed="rId4">
-            <a:extLst>
-              <a:ext uri="{28A0092B-C50C-407E-A947-70E740481C1C}">
-                <a14:useLocalDpi xmlns:a14="http://schemas.microsoft.com/office/drawing/2010/main" val="0"/>
-              </a:ext>
-            </a:extLst>
-          </a:blip>
-          <a:stretch>
-            <a:fillRect/>
-          </a:stretch>
-        </p:blipFill>
-        <p:spPr>
-          <a:xfrm>
-            <a:off x="2676697" y="2136790"/>
-            <a:ext cx="9409147" cy="3788749"/>
-          </a:xfrm>
-          <a:prstGeom prst="rect">
-            <a:avLst/>
-          </a:prstGeom>
-        </p:spPr>
-      </p:pic>
-    </p:spTree>
-    <p:extLst>
-      <p:ext uri="{BB962C8B-B14F-4D97-AF65-F5344CB8AC3E}">
-        <p14:creationId xmlns:p14="http://schemas.microsoft.com/office/powerpoint/2010/main" val="4190241344"/>
-      </p:ext>
-    </p:extLst>
-  </p:cSld>
-  <p:clrMapOvr>
-    <a:masterClrMapping/>
-  </p:clrMapOvr>
-  <p:timing>
-    <p:tnLst>
-      <p:par>
-        <p:cTn id="1" dur="indefinite" restart="never" nodeType="tmRoot"/>
-      </p:par>
-    </p:tnLst>
-  </p:timing>
-</p:sld>
-</file>
-
 <file path=ppt/slides/slide23.xml><?xml version="1.0" encoding="utf-8"?>
 <p:sld xmlns:a="http://schemas.openxmlformats.org/drawingml/2006/main" xmlns:r="http://schemas.openxmlformats.org/officeDocument/2006/relationships" xmlns:p="http://schemas.openxmlformats.org/presentationml/2006/main">
   <p:cSld>
@@ -17036,6 +16894,422 @@
                 <a:latin typeface="Lato Regular"/>
                 <a:cs typeface="Lato Regular"/>
               </a:rPr>
+              <a:t>Résultat du tir de charge avec 1 réplicas par service :</a:t>
+            </a:r>
+            <a:endParaRPr lang="fr-FR" sz="1600" dirty="0">
+              <a:solidFill>
+                <a:schemeClr val="tx2"/>
+              </a:solidFill>
+              <a:latin typeface="Lato Light"/>
+              <a:cs typeface="Lato Light"/>
+            </a:endParaRPr>
+          </a:p>
+        </p:txBody>
+      </p:sp>
+      <p:pic>
+        <p:nvPicPr>
+          <p:cNvPr id="13" name="Image 12"/>
+          <p:cNvPicPr>
+            <a:picLocks noChangeAspect="1"/>
+          </p:cNvPicPr>
+          <p:nvPr/>
+        </p:nvPicPr>
+        <p:blipFill rotWithShape="1">
+          <a:blip r:embed="rId3">
+            <a:extLst>
+              <a:ext uri="{28A0092B-C50C-407E-A947-70E740481C1C}">
+                <a14:useLocalDpi xmlns:a14="http://schemas.microsoft.com/office/drawing/2010/main" val="0"/>
+              </a:ext>
+            </a:extLst>
+          </a:blip>
+          <a:srcRect l="38750" t="22204" r="38372" b="39045"/>
+          <a:stretch/>
+        </p:blipFill>
+        <p:spPr>
+          <a:xfrm>
+            <a:off x="322909" y="2085526"/>
+            <a:ext cx="2297511" cy="3891279"/>
+          </a:xfrm>
+          <a:prstGeom prst="rect">
+            <a:avLst/>
+          </a:prstGeom>
+        </p:spPr>
+      </p:pic>
+      <p:pic>
+        <p:nvPicPr>
+          <p:cNvPr id="3" name="Image 2"/>
+          <p:cNvPicPr>
+            <a:picLocks noChangeAspect="1"/>
+          </p:cNvPicPr>
+          <p:nvPr/>
+        </p:nvPicPr>
+        <p:blipFill>
+          <a:blip r:embed="rId4">
+            <a:extLst>
+              <a:ext uri="{28A0092B-C50C-407E-A947-70E740481C1C}">
+                <a14:useLocalDpi xmlns:a14="http://schemas.microsoft.com/office/drawing/2010/main" val="0"/>
+              </a:ext>
+            </a:extLst>
+          </a:blip>
+          <a:stretch>
+            <a:fillRect/>
+          </a:stretch>
+        </p:blipFill>
+        <p:spPr>
+          <a:xfrm>
+            <a:off x="2676697" y="2136790"/>
+            <a:ext cx="9409147" cy="3788749"/>
+          </a:xfrm>
+          <a:prstGeom prst="rect">
+            <a:avLst/>
+          </a:prstGeom>
+        </p:spPr>
+      </p:pic>
+    </p:spTree>
+    <p:extLst>
+      <p:ext uri="{BB962C8B-B14F-4D97-AF65-F5344CB8AC3E}">
+        <p14:creationId xmlns:p14="http://schemas.microsoft.com/office/powerpoint/2010/main" val="4190241344"/>
+      </p:ext>
+    </p:extLst>
+  </p:cSld>
+  <p:clrMapOvr>
+    <a:masterClrMapping/>
+  </p:clrMapOvr>
+  <p:timing>
+    <p:tnLst>
+      <p:par>
+        <p:cTn id="1" dur="indefinite" restart="never" nodeType="tmRoot"/>
+      </p:par>
+    </p:tnLst>
+  </p:timing>
+</p:sld>
+</file>
+
+<file path=ppt/slides/slide24.xml><?xml version="1.0" encoding="utf-8"?>
+<p:sld xmlns:a="http://schemas.openxmlformats.org/drawingml/2006/main" xmlns:r="http://schemas.openxmlformats.org/officeDocument/2006/relationships" xmlns:p="http://schemas.openxmlformats.org/presentationml/2006/main">
+  <p:cSld>
+    <p:spTree>
+      <p:nvGrpSpPr>
+        <p:cNvPr id="1" name=""/>
+        <p:cNvGrpSpPr/>
+        <p:nvPr/>
+      </p:nvGrpSpPr>
+      <p:grpSpPr>
+        <a:xfrm>
+          <a:off x="0" y="0"/>
+          <a:ext cx="0" cy="0"/>
+          <a:chOff x="0" y="0"/>
+          <a:chExt cx="0" cy="0"/>
+        </a:xfrm>
+      </p:grpSpPr>
+      <p:grpSp>
+        <p:nvGrpSpPr>
+          <p:cNvPr id="202" name="Groupe 201"/>
+          <p:cNvGrpSpPr/>
+          <p:nvPr/>
+        </p:nvGrpSpPr>
+        <p:grpSpPr>
+          <a:xfrm>
+            <a:off x="0" y="73772"/>
+            <a:ext cx="6722061" cy="883356"/>
+            <a:chOff x="0" y="-9760"/>
+            <a:chExt cx="5383255" cy="785565"/>
+          </a:xfrm>
+        </p:grpSpPr>
+        <p:sp>
+          <p:nvSpPr>
+            <p:cNvPr id="203" name="ZoneTexte 202"/>
+            <p:cNvSpPr txBox="1"/>
+            <p:nvPr/>
+          </p:nvSpPr>
+          <p:spPr>
+            <a:xfrm>
+              <a:off x="109500" y="-9760"/>
+              <a:ext cx="5273755" cy="629520"/>
+            </a:xfrm>
+            <a:prstGeom prst="rect">
+              <a:avLst/>
+            </a:prstGeom>
+            <a:noFill/>
+          </p:spPr>
+          <p:txBody>
+            <a:bodyPr wrap="none" rtlCol="0">
+              <a:spAutoFit/>
+            </a:bodyPr>
+            <a:lstStyle/>
+            <a:p>
+              <a:r>
+                <a:rPr lang="fr-FR" sz="4000" b="1" dirty="0" smtClean="0">
+                  <a:latin typeface="Lato Regular" panose="020F0502020204030203" pitchFamily="34" charset="0"/>
+                  <a:ea typeface="Lato Regular" panose="020F0502020204030203" pitchFamily="34" charset="0"/>
+                  <a:cs typeface="Lato Regular" panose="020F0502020204030203" pitchFamily="34" charset="0"/>
+                </a:rPr>
+                <a:t>Analyse du second tir de charge</a:t>
+              </a:r>
+              <a:endParaRPr lang="fr-FR" sz="3600" b="1" dirty="0">
+                <a:latin typeface="Lato Regular" panose="020F0502020204030203" pitchFamily="34" charset="0"/>
+                <a:ea typeface="Lato Regular" panose="020F0502020204030203" pitchFamily="34" charset="0"/>
+                <a:cs typeface="Lato Regular" panose="020F0502020204030203" pitchFamily="34" charset="0"/>
+              </a:endParaRPr>
+            </a:p>
+          </p:txBody>
+        </p:sp>
+        <p:sp>
+          <p:nvSpPr>
+            <p:cNvPr id="204" name="Rectangle 203"/>
+            <p:cNvSpPr/>
+            <p:nvPr/>
+          </p:nvSpPr>
+          <p:spPr>
+            <a:xfrm>
+              <a:off x="0" y="619760"/>
+              <a:ext cx="2357120" cy="156045"/>
+            </a:xfrm>
+            <a:prstGeom prst="rect">
+              <a:avLst/>
+            </a:prstGeom>
+            <a:solidFill>
+              <a:srgbClr val="872163"/>
+            </a:solidFill>
+            <a:ln>
+              <a:noFill/>
+            </a:ln>
+          </p:spPr>
+          <p:style>
+            <a:lnRef idx="2">
+              <a:schemeClr val="accent1">
+                <a:shade val="50000"/>
+              </a:schemeClr>
+            </a:lnRef>
+            <a:fillRef idx="1">
+              <a:schemeClr val="accent1"/>
+            </a:fillRef>
+            <a:effectRef idx="0">
+              <a:schemeClr val="accent1"/>
+            </a:effectRef>
+            <a:fontRef idx="minor">
+              <a:schemeClr val="lt1"/>
+            </a:fontRef>
+          </p:style>
+          <p:txBody>
+            <a:bodyPr rtlCol="0" anchor="ctr"/>
+            <a:lstStyle/>
+            <a:p>
+              <a:pPr algn="ctr"/>
+              <a:endParaRPr lang="fr-FR"/>
+            </a:p>
+          </p:txBody>
+        </p:sp>
+      </p:grpSp>
+      <p:sp>
+        <p:nvSpPr>
+          <p:cNvPr id="4" name="Rectangle 3"/>
+          <p:cNvSpPr/>
+          <p:nvPr/>
+        </p:nvSpPr>
+        <p:spPr>
+          <a:xfrm>
+            <a:off x="1280160" y="6228859"/>
+            <a:ext cx="10348377" cy="369332"/>
+          </a:xfrm>
+          <a:prstGeom prst="rect">
+            <a:avLst/>
+          </a:prstGeom>
+        </p:spPr>
+        <p:txBody>
+          <a:bodyPr wrap="square">
+            <a:spAutoFit/>
+          </a:bodyPr>
+          <a:lstStyle/>
+          <a:p>
+            <a:pPr algn="ctr"/>
+            <a:r>
+              <a:rPr lang="fr-FR" dirty="0">
+                <a:latin typeface="Lato Regular" panose="020F0502020204030203" pitchFamily="34" charset="0"/>
+                <a:ea typeface="Lato Regular" panose="020F0502020204030203" pitchFamily="34" charset="0"/>
+                <a:cs typeface="Lato Regular" panose="020F0502020204030203" pitchFamily="34" charset="0"/>
+              </a:rPr>
+              <a:t>Tir :  C:\dev\gatling-maven-plugin-demo\target\gatling\basicsimulation-nbtir\index.html</a:t>
+            </a:r>
+          </a:p>
+        </p:txBody>
+      </p:sp>
+      <p:sp>
+        <p:nvSpPr>
+          <p:cNvPr id="12" name="Subtitle 2">
+            <a:extLst>
+              <a:ext uri="{FF2B5EF4-FFF2-40B4-BE49-F238E27FC236}">
+                <a16:creationId xmlns:a16="http://schemas.microsoft.com/office/drawing/2014/main" id="{3A78FA13-AC9F-47B6-87F4-D7D64D1358A9}"/>
+              </a:ext>
+            </a:extLst>
+          </p:cNvPr>
+          <p:cNvSpPr txBox="1">
+            <a:spLocks/>
+          </p:cNvSpPr>
+          <p:nvPr/>
+        </p:nvSpPr>
+        <p:spPr>
+          <a:xfrm>
+            <a:off x="322908" y="1350474"/>
+            <a:ext cx="6510153" cy="502532"/>
+          </a:xfrm>
+          <a:prstGeom prst="rect">
+            <a:avLst/>
+          </a:prstGeom>
+        </p:spPr>
+        <p:txBody>
+          <a:bodyPr vert="horz" lIns="243744" tIns="121869" rIns="243744" bIns="121869" rtlCol="0">
+            <a:noAutofit/>
+          </a:bodyPr>
+          <a:lstStyle>
+            <a:lvl1pPr marL="342900" indent="-342900" algn="l" defTabSz="457200" rtl="0" eaLnBrk="1" latinLnBrk="0" hangingPunct="1">
+              <a:spcBef>
+                <a:spcPct val="20000"/>
+              </a:spcBef>
+              <a:buFont typeface="Arial"/>
+              <a:buChar char="•"/>
+              <a:defRPr sz="3200" kern="1200">
+                <a:solidFill>
+                  <a:schemeClr val="tx1"/>
+                </a:solidFill>
+                <a:latin typeface="+mn-lt"/>
+                <a:ea typeface="+mn-ea"/>
+                <a:cs typeface="+mn-cs"/>
+              </a:defRPr>
+            </a:lvl1pPr>
+            <a:lvl2pPr marL="742950" indent="-285750" algn="l" defTabSz="457200" rtl="0" eaLnBrk="1" latinLnBrk="0" hangingPunct="1">
+              <a:spcBef>
+                <a:spcPct val="20000"/>
+              </a:spcBef>
+              <a:buFont typeface="Arial"/>
+              <a:buChar char="–"/>
+              <a:defRPr sz="2800" kern="1200">
+                <a:solidFill>
+                  <a:schemeClr val="tx1"/>
+                </a:solidFill>
+                <a:latin typeface="+mn-lt"/>
+                <a:ea typeface="+mn-ea"/>
+                <a:cs typeface="+mn-cs"/>
+              </a:defRPr>
+            </a:lvl2pPr>
+            <a:lvl3pPr marL="1143000" indent="-228600" algn="l" defTabSz="457200" rtl="0" eaLnBrk="1" latinLnBrk="0" hangingPunct="1">
+              <a:spcBef>
+                <a:spcPct val="20000"/>
+              </a:spcBef>
+              <a:buFont typeface="Arial"/>
+              <a:buChar char="•"/>
+              <a:defRPr sz="2400" kern="1200">
+                <a:solidFill>
+                  <a:schemeClr val="tx1"/>
+                </a:solidFill>
+                <a:latin typeface="+mn-lt"/>
+                <a:ea typeface="+mn-ea"/>
+                <a:cs typeface="+mn-cs"/>
+              </a:defRPr>
+            </a:lvl3pPr>
+            <a:lvl4pPr marL="1600200" indent="-228600" algn="l" defTabSz="457200" rtl="0" eaLnBrk="1" latinLnBrk="0" hangingPunct="1">
+              <a:spcBef>
+                <a:spcPct val="20000"/>
+              </a:spcBef>
+              <a:buFont typeface="Arial"/>
+              <a:buChar char="–"/>
+              <a:defRPr sz="2000" kern="1200">
+                <a:solidFill>
+                  <a:schemeClr val="tx1"/>
+                </a:solidFill>
+                <a:latin typeface="+mn-lt"/>
+                <a:ea typeface="+mn-ea"/>
+                <a:cs typeface="+mn-cs"/>
+              </a:defRPr>
+            </a:lvl4pPr>
+            <a:lvl5pPr marL="2057400" indent="-228600" algn="l" defTabSz="457200" rtl="0" eaLnBrk="1" latinLnBrk="0" hangingPunct="1">
+              <a:spcBef>
+                <a:spcPct val="20000"/>
+              </a:spcBef>
+              <a:buFont typeface="Arial"/>
+              <a:buChar char="»"/>
+              <a:defRPr sz="2000" kern="1200">
+                <a:solidFill>
+                  <a:schemeClr val="tx1"/>
+                </a:solidFill>
+                <a:latin typeface="+mn-lt"/>
+                <a:ea typeface="+mn-ea"/>
+                <a:cs typeface="+mn-cs"/>
+              </a:defRPr>
+            </a:lvl5pPr>
+            <a:lvl6pPr marL="2514600" indent="-228600" algn="l" defTabSz="457200" rtl="0" eaLnBrk="1" latinLnBrk="0" hangingPunct="1">
+              <a:spcBef>
+                <a:spcPct val="20000"/>
+              </a:spcBef>
+              <a:buFont typeface="Arial"/>
+              <a:buChar char="•"/>
+              <a:defRPr sz="2000" kern="1200">
+                <a:solidFill>
+                  <a:schemeClr val="tx1"/>
+                </a:solidFill>
+                <a:latin typeface="+mn-lt"/>
+                <a:ea typeface="+mn-ea"/>
+                <a:cs typeface="+mn-cs"/>
+              </a:defRPr>
+            </a:lvl6pPr>
+            <a:lvl7pPr marL="2971800" indent="-228600" algn="l" defTabSz="457200" rtl="0" eaLnBrk="1" latinLnBrk="0" hangingPunct="1">
+              <a:spcBef>
+                <a:spcPct val="20000"/>
+              </a:spcBef>
+              <a:buFont typeface="Arial"/>
+              <a:buChar char="•"/>
+              <a:defRPr sz="2000" kern="1200">
+                <a:solidFill>
+                  <a:schemeClr val="tx1"/>
+                </a:solidFill>
+                <a:latin typeface="+mn-lt"/>
+                <a:ea typeface="+mn-ea"/>
+                <a:cs typeface="+mn-cs"/>
+              </a:defRPr>
+            </a:lvl7pPr>
+            <a:lvl8pPr marL="3429000" indent="-228600" algn="l" defTabSz="457200" rtl="0" eaLnBrk="1" latinLnBrk="0" hangingPunct="1">
+              <a:spcBef>
+                <a:spcPct val="20000"/>
+              </a:spcBef>
+              <a:buFont typeface="Arial"/>
+              <a:buChar char="•"/>
+              <a:defRPr sz="2000" kern="1200">
+                <a:solidFill>
+                  <a:schemeClr val="tx1"/>
+                </a:solidFill>
+                <a:latin typeface="+mn-lt"/>
+                <a:ea typeface="+mn-ea"/>
+                <a:cs typeface="+mn-cs"/>
+              </a:defRPr>
+            </a:lvl8pPr>
+            <a:lvl9pPr marL="3886200" indent="-228600" algn="l" defTabSz="457200" rtl="0" eaLnBrk="1" latinLnBrk="0" hangingPunct="1">
+              <a:spcBef>
+                <a:spcPct val="20000"/>
+              </a:spcBef>
+              <a:buFont typeface="Arial"/>
+              <a:buChar char="•"/>
+              <a:defRPr sz="2000" kern="1200">
+                <a:solidFill>
+                  <a:schemeClr val="tx1"/>
+                </a:solidFill>
+                <a:latin typeface="+mn-lt"/>
+                <a:ea typeface="+mn-ea"/>
+                <a:cs typeface="+mn-cs"/>
+              </a:defRPr>
+            </a:lvl9pPr>
+          </a:lstStyle>
+          <a:p>
+            <a:pPr marL="0" indent="0" algn="ctr">
+              <a:buNone/>
+            </a:pPr>
+            <a:r>
+              <a:rPr lang="fr-FR" sz="2000" dirty="0" smtClean="0">
+                <a:solidFill>
+                  <a:schemeClr val="tx2"/>
+                </a:solidFill>
+                <a:latin typeface="Lato Regular"/>
+                <a:cs typeface="Lato Regular"/>
+              </a:rPr>
               <a:t>Résultat du tir de charge avec 3 réplicas par service :</a:t>
             </a:r>
             <a:endParaRPr lang="fr-FR" sz="1600" dirty="0">
@@ -17127,7 +17401,7 @@
 </p:sld>
 </file>
 
-<file path=ppt/slides/slide24.xml><?xml version="1.0" encoding="utf-8"?>
+<file path=ppt/slides/slide25.xml><?xml version="1.0" encoding="utf-8"?>
 <p:sld xmlns:a="http://schemas.openxmlformats.org/drawingml/2006/main" xmlns:r="http://schemas.openxmlformats.org/officeDocument/2006/relationships" xmlns:p="http://schemas.openxmlformats.org/presentationml/2006/main">
   <p:cSld>
     <p:spTree>
@@ -17478,7 +17752,7 @@
 </p:sld>
 </file>
 
-<file path=ppt/slides/slide25.xml><?xml version="1.0" encoding="utf-8"?>
+<file path=ppt/slides/slide26.xml><?xml version="1.0" encoding="utf-8"?>
 <p:sld xmlns:a="http://schemas.openxmlformats.org/drawingml/2006/main" xmlns:r="http://schemas.openxmlformats.org/officeDocument/2006/relationships" xmlns:p="http://schemas.openxmlformats.org/presentationml/2006/main">
   <p:cSld>
     <p:spTree>
@@ -17701,7 +17975,7 @@
 </p:sld>
 </file>
 
-<file path=ppt/slides/slide26.xml><?xml version="1.0" encoding="utf-8"?>
+<file path=ppt/slides/slide27.xml><?xml version="1.0" encoding="utf-8"?>
 <p:sld xmlns:a="http://schemas.openxmlformats.org/drawingml/2006/main" xmlns:r="http://schemas.openxmlformats.org/officeDocument/2006/relationships" xmlns:p="http://schemas.openxmlformats.org/presentationml/2006/main">
   <p:cSld>
     <p:spTree>
@@ -18085,7 +18359,7 @@
 </p:sld>
 </file>
 
-<file path=ppt/slides/slide27.xml><?xml version="1.0" encoding="utf-8"?>
+<file path=ppt/slides/slide28.xml><?xml version="1.0" encoding="utf-8"?>
 <p:sld xmlns:a="http://schemas.openxmlformats.org/drawingml/2006/main" xmlns:r="http://schemas.openxmlformats.org/officeDocument/2006/relationships" xmlns:p="http://schemas.openxmlformats.org/presentationml/2006/main">
   <p:cSld>
     <p:spTree>
@@ -18254,7 +18528,7 @@
 </p:sld>
 </file>
 
-<file path=ppt/slides/slide28.xml><?xml version="1.0" encoding="utf-8"?>
+<file path=ppt/slides/slide29.xml><?xml version="1.0" encoding="utf-8"?>
 <p:sld xmlns:a="http://schemas.openxmlformats.org/drawingml/2006/main" xmlns:r="http://schemas.openxmlformats.org/officeDocument/2006/relationships" xmlns:p="http://schemas.openxmlformats.org/presentationml/2006/main">
   <p:cSld>
     <p:spTree>

--- a/Hands-On -Chaos - SLIDES.pptx
+++ b/Hands-On -Chaos - SLIDES.pptx
@@ -6,41 +6,43 @@
     <p:sldMasterId id="2147483660" r:id="rId2"/>
   </p:sldMasterIdLst>
   <p:notesMasterIdLst>
-    <p:notesMasterId r:id="rId32"/>
+    <p:notesMasterId r:id="rId34"/>
   </p:notesMasterIdLst>
   <p:handoutMasterIdLst>
-    <p:handoutMasterId r:id="rId33"/>
+    <p:handoutMasterId r:id="rId35"/>
   </p:handoutMasterIdLst>
   <p:sldIdLst>
     <p:sldId id="288" r:id="rId3"/>
-    <p:sldId id="309" r:id="rId4"/>
-    <p:sldId id="330" r:id="rId5"/>
-    <p:sldId id="315" r:id="rId6"/>
-    <p:sldId id="332" r:id="rId7"/>
-    <p:sldId id="351" r:id="rId8"/>
-    <p:sldId id="333" r:id="rId9"/>
+    <p:sldId id="358" r:id="rId4"/>
+    <p:sldId id="309" r:id="rId5"/>
+    <p:sldId id="330" r:id="rId6"/>
+    <p:sldId id="315" r:id="rId7"/>
+    <p:sldId id="332" r:id="rId8"/>
+    <p:sldId id="351" r:id="rId9"/>
     <p:sldId id="339" r:id="rId10"/>
     <p:sldId id="334" r:id="rId11"/>
-    <p:sldId id="354" r:id="rId12"/>
-    <p:sldId id="355" r:id="rId13"/>
-    <p:sldId id="352" r:id="rId14"/>
-    <p:sldId id="336" r:id="rId15"/>
-    <p:sldId id="337" r:id="rId16"/>
-    <p:sldId id="338" r:id="rId17"/>
-    <p:sldId id="340" r:id="rId18"/>
-    <p:sldId id="341" r:id="rId19"/>
-    <p:sldId id="342" r:id="rId20"/>
-    <p:sldId id="343" r:id="rId21"/>
-    <p:sldId id="344" r:id="rId22"/>
-    <p:sldId id="345" r:id="rId23"/>
-    <p:sldId id="346" r:id="rId24"/>
-    <p:sldId id="347" r:id="rId25"/>
-    <p:sldId id="353" r:id="rId26"/>
-    <p:sldId id="348" r:id="rId27"/>
-    <p:sldId id="350" r:id="rId28"/>
-    <p:sldId id="349" r:id="rId29"/>
-    <p:sldId id="313" r:id="rId30"/>
-    <p:sldId id="325" r:id="rId31"/>
+    <p:sldId id="357" r:id="rId12"/>
+    <p:sldId id="354" r:id="rId13"/>
+    <p:sldId id="356" r:id="rId14"/>
+    <p:sldId id="355" r:id="rId15"/>
+    <p:sldId id="352" r:id="rId16"/>
+    <p:sldId id="336" r:id="rId17"/>
+    <p:sldId id="337" r:id="rId18"/>
+    <p:sldId id="338" r:id="rId19"/>
+    <p:sldId id="340" r:id="rId20"/>
+    <p:sldId id="341" r:id="rId21"/>
+    <p:sldId id="342" r:id="rId22"/>
+    <p:sldId id="343" r:id="rId23"/>
+    <p:sldId id="344" r:id="rId24"/>
+    <p:sldId id="345" r:id="rId25"/>
+    <p:sldId id="346" r:id="rId26"/>
+    <p:sldId id="347" r:id="rId27"/>
+    <p:sldId id="353" r:id="rId28"/>
+    <p:sldId id="348" r:id="rId29"/>
+    <p:sldId id="350" r:id="rId30"/>
+    <p:sldId id="349" r:id="rId31"/>
+    <p:sldId id="313" r:id="rId32"/>
+    <p:sldId id="325" r:id="rId33"/>
   </p:sldIdLst>
   <p:sldSz cx="12192000" cy="6858000"/>
   <p:notesSz cx="6858000" cy="9144000"/>
@@ -149,15 +151,17 @@
         </p14:section>
         <p14:section name="Section sans titre" id="{5FBE1BC4-5812-4333-B6FB-CF2D811B5406}">
           <p14:sldIdLst>
+            <p14:sldId id="358"/>
             <p14:sldId id="309"/>
             <p14:sldId id="330"/>
             <p14:sldId id="315"/>
             <p14:sldId id="332"/>
             <p14:sldId id="351"/>
-            <p14:sldId id="333"/>
             <p14:sldId id="339"/>
             <p14:sldId id="334"/>
+            <p14:sldId id="357"/>
             <p14:sldId id="354"/>
+            <p14:sldId id="356"/>
             <p14:sldId id="355"/>
             <p14:sldId id="352"/>
             <p14:sldId id="336"/>
@@ -890,7 +894,7 @@
           <a:p>
             <a:fld id="{B35DA622-522A-4B17-9AC4-B01778B7071C}" type="slidenum">
               <a:rPr lang="fr-FR" smtClean="0"/>
-              <a:t>2</a:t>
+              <a:t>3</a:t>
             </a:fld>
             <a:endParaRPr lang="fr-FR"/>
           </a:p>
@@ -955,19 +959,48 @@
           <a:p>
             <a:r>
               <a:rPr lang="fr-FR" dirty="0" smtClean="0"/>
-              <a:t>Je</a:t>
+              <a:t>Chaos</a:t>
             </a:r>
             <a:r>
               <a:rPr lang="fr-FR" baseline="0" dirty="0" smtClean="0"/>
-              <a:t> vais rajouter un </a:t>
+              <a:t> </a:t>
             </a:r>
             <a:r>
               <a:rPr lang="fr-FR" baseline="0" dirty="0" err="1" smtClean="0"/>
-              <a:t>screen</a:t>
+              <a:t>monkey</a:t>
             </a:r>
             <a:r>
               <a:rPr lang="fr-FR" baseline="0" dirty="0" smtClean="0"/>
-              <a:t> ce soir</a:t>
+              <a:t> </a:t>
+            </a:r>
+            <a:r>
+              <a:rPr lang="fr-FR" baseline="0" dirty="0" err="1" smtClean="0"/>
+              <a:t>assault</a:t>
+            </a:r>
+            <a:r>
+              <a:rPr lang="fr-FR" baseline="0" dirty="0" smtClean="0"/>
+              <a:t> avec latence, exceptions, … exemples</a:t>
+            </a:r>
+          </a:p>
+          <a:p>
+            <a:r>
+              <a:rPr lang="fr-FR" baseline="0" dirty="0" smtClean="0"/>
+              <a:t>Exemple d’assertions </a:t>
+            </a:r>
+            <a:r>
+              <a:rPr lang="fr-FR" baseline="0" dirty="0" err="1" smtClean="0"/>
+              <a:t>Gatling</a:t>
+            </a:r>
+            <a:endParaRPr lang="fr-FR" baseline="0" dirty="0" smtClean="0"/>
+          </a:p>
+          <a:p>
+            <a:r>
+              <a:rPr lang="fr-FR" baseline="0" dirty="0" smtClean="0"/>
+              <a:t>Tir de </a:t>
+            </a:r>
+            <a:r>
+              <a:rPr lang="fr-FR" baseline="0" dirty="0" err="1" smtClean="0"/>
+              <a:t>reference</a:t>
             </a:r>
             <a:endParaRPr lang="fr-FR" dirty="0"/>
           </a:p>
@@ -990,7 +1023,7 @@
           <a:p>
             <a:fld id="{B35DA622-522A-4B17-9AC4-B01778B7071C}" type="slidenum">
               <a:rPr lang="fr-FR" smtClean="0"/>
-              <a:t>23</a:t>
+              <a:t>21</a:t>
             </a:fld>
             <a:endParaRPr lang="fr-FR"/>
           </a:p>
@@ -999,7 +1032,7 @@
     </p:spTree>
     <p:extLst>
       <p:ext uri="{BB962C8B-B14F-4D97-AF65-F5344CB8AC3E}">
-        <p14:creationId xmlns:p14="http://schemas.microsoft.com/office/powerpoint/2010/main" val="2807718690"/>
+        <p14:creationId xmlns:p14="http://schemas.microsoft.com/office/powerpoint/2010/main" val="2307770141"/>
       </p:ext>
     </p:extLst>
   </p:cSld>
@@ -1055,20 +1088,39 @@
           <a:p>
             <a:r>
               <a:rPr lang="fr-FR" dirty="0" smtClean="0"/>
-              <a:t>Je</a:t>
-            </a:r>
-            <a:r>
-              <a:rPr lang="fr-FR" baseline="0" dirty="0" smtClean="0"/>
-              <a:t> vais rajouter un </a:t>
-            </a:r>
-            <a:r>
-              <a:rPr lang="fr-FR" baseline="0" dirty="0" err="1" smtClean="0"/>
-              <a:t>screen</a:t>
-            </a:r>
-            <a:r>
-              <a:rPr lang="fr-FR" baseline="0" dirty="0" smtClean="0"/>
-              <a:t> ce soir</a:t>
-            </a:r>
+              <a:t>Et encore d’autre choses comme</a:t>
+            </a:r>
+          </a:p>
+          <a:p>
+            <a:r>
+              <a:rPr lang="fr-FR" sz="1200" b="0" i="0" kern="1200" dirty="0" smtClean="0">
+                <a:solidFill>
+                  <a:schemeClr val="tx1"/>
+                </a:solidFill>
+                <a:effectLst/>
+                <a:latin typeface="+mn-lt"/>
+                <a:ea typeface="+mn-ea"/>
+                <a:cs typeface="+mn-cs"/>
+              </a:rPr>
+              <a:t>optimiser l'utilisation de votre matériel afin de maximiser les ressources requises pour l'exécution de vos applications d'entreprise</a:t>
+            </a:r>
+          </a:p>
+          <a:p>
+            <a:r>
+              <a:rPr lang="fr-FR" sz="1200" b="0" i="0" kern="1200" dirty="0" smtClean="0">
+                <a:solidFill>
+                  <a:schemeClr val="tx1"/>
+                </a:solidFill>
+                <a:effectLst/>
+                <a:latin typeface="+mn-lt"/>
+                <a:ea typeface="+mn-ea"/>
+                <a:cs typeface="+mn-cs"/>
+              </a:rPr>
+              <a:t>gérer des services de façon déclarative et garantir ainsi que les applications déployées s'exécutent toujours de la manière dont vous les avez déployées ;</a:t>
+            </a:r>
+            <a:endParaRPr lang="fr-FR" dirty="0" smtClean="0"/>
+          </a:p>
+          <a:p>
             <a:endParaRPr lang="fr-FR" dirty="0"/>
           </a:p>
         </p:txBody>
@@ -1090,7 +1142,7 @@
           <a:p>
             <a:fld id="{B35DA622-522A-4B17-9AC4-B01778B7071C}" type="slidenum">
               <a:rPr lang="fr-FR" smtClean="0"/>
-              <a:t>24</a:t>
+              <a:t>23</a:t>
             </a:fld>
             <a:endParaRPr lang="fr-FR"/>
           </a:p>
@@ -1099,7 +1151,7 @@
     </p:spTree>
     <p:extLst>
       <p:ext uri="{BB962C8B-B14F-4D97-AF65-F5344CB8AC3E}">
-        <p14:creationId xmlns:p14="http://schemas.microsoft.com/office/powerpoint/2010/main" val="3000752244"/>
+        <p14:creationId xmlns:p14="http://schemas.microsoft.com/office/powerpoint/2010/main" val="1204782167"/>
       </p:ext>
     </p:extLst>
   </p:cSld>
@@ -1154,12 +1206,20 @@
           <a:lstStyle/>
           <a:p>
             <a:r>
-              <a:rPr lang="fr-FR" dirty="0" err="1" smtClean="0"/>
-              <a:t>Istio</a:t>
-            </a:r>
-            <a:r>
               <a:rPr lang="fr-FR" dirty="0" smtClean="0"/>
-              <a:t> ?</a:t>
+              <a:t>Je</a:t>
+            </a:r>
+            <a:r>
+              <a:rPr lang="fr-FR" baseline="0" dirty="0" smtClean="0"/>
+              <a:t> vais rajouter un </a:t>
+            </a:r>
+            <a:r>
+              <a:rPr lang="fr-FR" baseline="0" dirty="0" err="1" smtClean="0"/>
+              <a:t>screen</a:t>
+            </a:r>
+            <a:r>
+              <a:rPr lang="fr-FR" baseline="0" dirty="0" smtClean="0"/>
+              <a:t> ce soir</a:t>
             </a:r>
             <a:endParaRPr lang="fr-FR" dirty="0"/>
           </a:p>
@@ -1191,7 +1251,7 @@
     </p:spTree>
     <p:extLst>
       <p:ext uri="{BB962C8B-B14F-4D97-AF65-F5344CB8AC3E}">
-        <p14:creationId xmlns:p14="http://schemas.microsoft.com/office/powerpoint/2010/main" val="816172731"/>
+        <p14:creationId xmlns:p14="http://schemas.microsoft.com/office/powerpoint/2010/main" val="2807718690"/>
       </p:ext>
     </p:extLst>
   </p:cSld>
@@ -1246,12 +1306,20 @@
           <a:lstStyle/>
           <a:p>
             <a:r>
-              <a:rPr lang="fr-FR" dirty="0" err="1" smtClean="0"/>
-              <a:t>Istio</a:t>
-            </a:r>
-            <a:r>
               <a:rPr lang="fr-FR" dirty="0" smtClean="0"/>
-              <a:t> ?</a:t>
+              <a:t>Je</a:t>
+            </a:r>
+            <a:r>
+              <a:rPr lang="fr-FR" baseline="0" dirty="0" smtClean="0"/>
+              <a:t> vais rajouter un </a:t>
+            </a:r>
+            <a:r>
+              <a:rPr lang="fr-FR" baseline="0" dirty="0" err="1" smtClean="0"/>
+              <a:t>screen</a:t>
+            </a:r>
+            <a:r>
+              <a:rPr lang="fr-FR" baseline="0" dirty="0" smtClean="0"/>
+              <a:t> ce soir</a:t>
             </a:r>
             <a:endParaRPr lang="fr-FR" dirty="0"/>
           </a:p>
@@ -1275,6 +1343,190 @@
             <a:fld id="{B35DA622-522A-4B17-9AC4-B01778B7071C}" type="slidenum">
               <a:rPr lang="fr-FR" smtClean="0"/>
               <a:t>26</a:t>
+            </a:fld>
+            <a:endParaRPr lang="fr-FR"/>
+          </a:p>
+        </p:txBody>
+      </p:sp>
+    </p:spTree>
+    <p:extLst>
+      <p:ext uri="{BB962C8B-B14F-4D97-AF65-F5344CB8AC3E}">
+        <p14:creationId xmlns:p14="http://schemas.microsoft.com/office/powerpoint/2010/main" val="3000752244"/>
+      </p:ext>
+    </p:extLst>
+  </p:cSld>
+  <p:clrMapOvr>
+    <a:masterClrMapping/>
+  </p:clrMapOvr>
+</p:notes>
+</file>
+
+<file path=ppt/notesSlides/notesSlide14.xml><?xml version="1.0" encoding="utf-8"?>
+<p:notes xmlns:a="http://schemas.openxmlformats.org/drawingml/2006/main" xmlns:r="http://schemas.openxmlformats.org/officeDocument/2006/relationships" xmlns:p="http://schemas.openxmlformats.org/presentationml/2006/main">
+  <p:cSld>
+    <p:spTree>
+      <p:nvGrpSpPr>
+        <p:cNvPr id="1" name=""/>
+        <p:cNvGrpSpPr/>
+        <p:nvPr/>
+      </p:nvGrpSpPr>
+      <p:grpSpPr>
+        <a:xfrm>
+          <a:off x="0" y="0"/>
+          <a:ext cx="0" cy="0"/>
+          <a:chOff x="0" y="0"/>
+          <a:chExt cx="0" cy="0"/>
+        </a:xfrm>
+      </p:grpSpPr>
+      <p:sp>
+        <p:nvSpPr>
+          <p:cNvPr id="2" name="Espace réservé de l'image des diapositives 1"/>
+          <p:cNvSpPr>
+            <a:spLocks noGrp="1" noRot="1" noChangeAspect="1"/>
+          </p:cNvSpPr>
+          <p:nvPr>
+            <p:ph type="sldImg"/>
+          </p:nvPr>
+        </p:nvSpPr>
+        <p:spPr/>
+      </p:sp>
+      <p:sp>
+        <p:nvSpPr>
+          <p:cNvPr id="3" name="Espace réservé des notes 2"/>
+          <p:cNvSpPr>
+            <a:spLocks noGrp="1"/>
+          </p:cNvSpPr>
+          <p:nvPr>
+            <p:ph type="body" idx="1"/>
+          </p:nvPr>
+        </p:nvSpPr>
+        <p:spPr/>
+        <p:txBody>
+          <a:bodyPr/>
+          <a:lstStyle/>
+          <a:p>
+            <a:r>
+              <a:rPr lang="fr-FR" dirty="0" err="1" smtClean="0"/>
+              <a:t>Istio</a:t>
+            </a:r>
+            <a:r>
+              <a:rPr lang="fr-FR" dirty="0" smtClean="0"/>
+              <a:t> ?</a:t>
+            </a:r>
+            <a:endParaRPr lang="fr-FR" dirty="0"/>
+          </a:p>
+        </p:txBody>
+      </p:sp>
+      <p:sp>
+        <p:nvSpPr>
+          <p:cNvPr id="4" name="Espace réservé du numéro de diapositive 3"/>
+          <p:cNvSpPr>
+            <a:spLocks noGrp="1"/>
+          </p:cNvSpPr>
+          <p:nvPr>
+            <p:ph type="sldNum" sz="quarter" idx="10"/>
+          </p:nvPr>
+        </p:nvSpPr>
+        <p:spPr/>
+        <p:txBody>
+          <a:bodyPr/>
+          <a:lstStyle/>
+          <a:p>
+            <a:fld id="{B35DA622-522A-4B17-9AC4-B01778B7071C}" type="slidenum">
+              <a:rPr lang="fr-FR" smtClean="0"/>
+              <a:t>27</a:t>
+            </a:fld>
+            <a:endParaRPr lang="fr-FR"/>
+          </a:p>
+        </p:txBody>
+      </p:sp>
+    </p:spTree>
+    <p:extLst>
+      <p:ext uri="{BB962C8B-B14F-4D97-AF65-F5344CB8AC3E}">
+        <p14:creationId xmlns:p14="http://schemas.microsoft.com/office/powerpoint/2010/main" val="816172731"/>
+      </p:ext>
+    </p:extLst>
+  </p:cSld>
+  <p:clrMapOvr>
+    <a:masterClrMapping/>
+  </p:clrMapOvr>
+</p:notes>
+</file>
+
+<file path=ppt/notesSlides/notesSlide15.xml><?xml version="1.0" encoding="utf-8"?>
+<p:notes xmlns:a="http://schemas.openxmlformats.org/drawingml/2006/main" xmlns:r="http://schemas.openxmlformats.org/officeDocument/2006/relationships" xmlns:p="http://schemas.openxmlformats.org/presentationml/2006/main">
+  <p:cSld>
+    <p:spTree>
+      <p:nvGrpSpPr>
+        <p:cNvPr id="1" name=""/>
+        <p:cNvGrpSpPr/>
+        <p:nvPr/>
+      </p:nvGrpSpPr>
+      <p:grpSpPr>
+        <a:xfrm>
+          <a:off x="0" y="0"/>
+          <a:ext cx="0" cy="0"/>
+          <a:chOff x="0" y="0"/>
+          <a:chExt cx="0" cy="0"/>
+        </a:xfrm>
+      </p:grpSpPr>
+      <p:sp>
+        <p:nvSpPr>
+          <p:cNvPr id="2" name="Espace réservé de l'image des diapositives 1"/>
+          <p:cNvSpPr>
+            <a:spLocks noGrp="1" noRot="1" noChangeAspect="1"/>
+          </p:cNvSpPr>
+          <p:nvPr>
+            <p:ph type="sldImg"/>
+          </p:nvPr>
+        </p:nvSpPr>
+        <p:spPr/>
+      </p:sp>
+      <p:sp>
+        <p:nvSpPr>
+          <p:cNvPr id="3" name="Espace réservé des notes 2"/>
+          <p:cNvSpPr>
+            <a:spLocks noGrp="1"/>
+          </p:cNvSpPr>
+          <p:nvPr>
+            <p:ph type="body" idx="1"/>
+          </p:nvPr>
+        </p:nvSpPr>
+        <p:spPr/>
+        <p:txBody>
+          <a:bodyPr/>
+          <a:lstStyle/>
+          <a:p>
+            <a:r>
+              <a:rPr lang="fr-FR" dirty="0" err="1" smtClean="0"/>
+              <a:t>Istio</a:t>
+            </a:r>
+            <a:r>
+              <a:rPr lang="fr-FR" dirty="0" smtClean="0"/>
+              <a:t> ?</a:t>
+            </a:r>
+            <a:endParaRPr lang="fr-FR" dirty="0"/>
+          </a:p>
+        </p:txBody>
+      </p:sp>
+      <p:sp>
+        <p:nvSpPr>
+          <p:cNvPr id="4" name="Espace réservé du numéro de diapositive 3"/>
+          <p:cNvSpPr>
+            <a:spLocks noGrp="1"/>
+          </p:cNvSpPr>
+          <p:nvPr>
+            <p:ph type="sldNum" sz="quarter" idx="10"/>
+          </p:nvPr>
+        </p:nvSpPr>
+        <p:spPr/>
+        <p:txBody>
+          <a:bodyPr/>
+          <a:lstStyle/>
+          <a:p>
+            <a:fld id="{B35DA622-522A-4B17-9AC4-B01778B7071C}" type="slidenum">
+              <a:rPr lang="fr-FR" smtClean="0"/>
+              <a:t>28</a:t>
             </a:fld>
             <a:endParaRPr lang="fr-FR"/>
           </a:p>
@@ -1737,7 +1989,7 @@
           <a:p>
             <a:fld id="{B35DA622-522A-4B17-9AC4-B01778B7071C}" type="slidenum">
               <a:rPr lang="fr-FR" smtClean="0"/>
-              <a:t>3</a:t>
+              <a:t>4</a:t>
             </a:fld>
             <a:endParaRPr lang="fr-FR"/>
           </a:p>
@@ -1829,7 +2081,7 @@
           <a:p>
             <a:fld id="{B35DA622-522A-4B17-9AC4-B01778B7071C}" type="slidenum">
               <a:rPr lang="fr-FR" smtClean="0"/>
-              <a:t>5</a:t>
+              <a:t>6</a:t>
             </a:fld>
             <a:endParaRPr lang="fr-FR"/>
           </a:p>
@@ -1913,7 +2165,7 @@
           <a:p>
             <a:fld id="{B35DA622-522A-4B17-9AC4-B01778B7071C}" type="slidenum">
               <a:rPr lang="fr-FR" smtClean="0"/>
-              <a:t>6</a:t>
+              <a:t>7</a:t>
             </a:fld>
             <a:endParaRPr lang="fr-FR"/>
           </a:p>
@@ -2019,7 +2271,7 @@
           <a:p>
             <a:fld id="{B35DA622-522A-4B17-9AC4-B01778B7071C}" type="slidenum">
               <a:rPr lang="fr-FR" smtClean="0"/>
-              <a:t>13</a:t>
+              <a:t>10</a:t>
             </a:fld>
             <a:endParaRPr lang="fr-FR"/>
           </a:p>
@@ -2028,7 +2280,7 @@
     </p:spTree>
     <p:extLst>
       <p:ext uri="{BB962C8B-B14F-4D97-AF65-F5344CB8AC3E}">
-        <p14:creationId xmlns:p14="http://schemas.microsoft.com/office/powerpoint/2010/main" val="2271656457"/>
+        <p14:creationId xmlns:p14="http://schemas.microsoft.com/office/powerpoint/2010/main" val="641554877"/>
       </p:ext>
     </p:extLst>
   </p:cSld>
@@ -2083,111 +2335,27 @@
           <a:lstStyle/>
           <a:p>
             <a:r>
+              <a:rPr lang="fr-FR" dirty="0">
+                <a:hlinkClick r:id="rId3"/>
+              </a:rPr>
+              <a:t>https://</a:t>
+            </a:r>
+            <a:r>
+              <a:rPr lang="fr-FR" dirty="0" smtClean="0">
+                <a:hlinkClick r:id="rId3"/>
+              </a:rPr>
+              <a:t>assistant-us-south.watsonplatform.net/eu-gb/000c8e94-bdeb-4038-adb8-f6c3132eb7b6/workspaces/ed0bdd7c-aff6-4a08-ab19-0c529ae2d11a/build/intents</a:t>
+            </a:r>
+            <a:r>
               <a:rPr lang="fr-FR" dirty="0" smtClean="0"/>
-              <a:t>Chaos</a:t>
-            </a:r>
-            <a:r>
-              <a:rPr lang="fr-FR" baseline="0" dirty="0" smtClean="0"/>
               <a:t> </a:t>
             </a:r>
-            <a:r>
-              <a:rPr lang="fr-FR" baseline="0" dirty="0" err="1" smtClean="0"/>
-              <a:t>monkey</a:t>
-            </a:r>
-            <a:r>
-              <a:rPr lang="fr-FR" baseline="0" dirty="0" smtClean="0"/>
-              <a:t> : outil </a:t>
-            </a:r>
-            <a:r>
-              <a:rPr lang="fr-FR" baseline="0" dirty="0" err="1" smtClean="0"/>
-              <a:t>netflix</a:t>
-            </a:r>
-            <a:r>
-              <a:rPr lang="fr-FR" baseline="0" dirty="0" smtClean="0"/>
-              <a:t> pour tester la résilience</a:t>
-            </a:r>
-          </a:p>
-          <a:p>
-            <a:r>
-              <a:rPr lang="fr-FR" baseline="0" dirty="0" smtClean="0"/>
-              <a:t>Si une appli fonctionne avec des pannes </a:t>
-            </a:r>
-            <a:r>
-              <a:rPr lang="fr-FR" baseline="0" dirty="0" err="1" smtClean="0"/>
-              <a:t>aleatoire</a:t>
-            </a:r>
-            <a:r>
-              <a:rPr lang="fr-FR" baseline="0" dirty="0" smtClean="0"/>
-              <a:t>, elle fonctionnera le jour ou une vrai panne arrivera</a:t>
-            </a:r>
-          </a:p>
-          <a:p>
-            <a:r>
-              <a:rPr lang="fr-FR" baseline="0" dirty="0" err="1" smtClean="0"/>
-              <a:t>Ajd</a:t>
-            </a:r>
-            <a:r>
-              <a:rPr lang="fr-FR" baseline="0" dirty="0" smtClean="0"/>
-              <a:t>, les applis vont forcement tomber en panne</a:t>
-            </a:r>
-          </a:p>
-          <a:p>
-            <a:r>
-              <a:rPr lang="fr-FR" baseline="0" dirty="0" smtClean="0"/>
-              <a:t>Utiliser en </a:t>
-            </a:r>
-            <a:r>
-              <a:rPr lang="fr-FR" baseline="0" dirty="0" err="1" smtClean="0"/>
-              <a:t>prod</a:t>
-            </a:r>
-            <a:r>
-              <a:rPr lang="fr-FR" baseline="0" dirty="0" smtClean="0"/>
-              <a:t> chez </a:t>
-            </a:r>
-            <a:r>
-              <a:rPr lang="fr-FR" baseline="0" dirty="0" err="1" smtClean="0"/>
-              <a:t>neflix</a:t>
-            </a:r>
-            <a:endParaRPr lang="fr-FR" baseline="0" dirty="0" smtClean="0"/>
-          </a:p>
-          <a:p>
-            <a:endParaRPr lang="fr-FR" baseline="0" dirty="0" smtClean="0"/>
-          </a:p>
-          <a:p>
-            <a:r>
-              <a:rPr lang="fr-FR" baseline="0" dirty="0" err="1" smtClean="0"/>
-              <a:t>Gatling</a:t>
-            </a:r>
-            <a:r>
-              <a:rPr lang="fr-FR" baseline="0" dirty="0" smtClean="0"/>
-              <a:t>:</a:t>
-            </a:r>
-          </a:p>
-          <a:p>
-            <a:r>
-              <a:rPr lang="fr-FR" baseline="0" dirty="0" smtClean="0"/>
-              <a:t>Outil open source test de charge et de performance</a:t>
-            </a:r>
-          </a:p>
-          <a:p>
-            <a:r>
-              <a:rPr lang="fr-FR" baseline="0" dirty="0" err="1" smtClean="0"/>
-              <a:t>Repository</a:t>
-            </a:r>
-            <a:r>
-              <a:rPr lang="fr-FR" baseline="0" dirty="0" smtClean="0"/>
-              <a:t>  starter disponible sur </a:t>
-            </a:r>
-            <a:r>
-              <a:rPr lang="fr-FR" baseline="0" dirty="0" err="1" smtClean="0"/>
-              <a:t>github</a:t>
-            </a:r>
-            <a:endParaRPr lang="fr-FR" baseline="0" dirty="0" smtClean="0"/>
-          </a:p>
-          <a:p>
-            <a:endParaRPr lang="fr-FR" baseline="0" dirty="0" smtClean="0"/>
-          </a:p>
-          <a:p>
+          </a:p>
+          <a:p>
+            <a:r>
+              <a:rPr lang="fr-FR" dirty="0" smtClean="0"/>
+              <a:t>Alors Polo on se connecte à IBM ? ? ?</a:t>
+            </a:r>
             <a:endParaRPr lang="fr-FR" dirty="0"/>
           </a:p>
         </p:txBody>
@@ -2209,7 +2377,7 @@
           <a:p>
             <a:fld id="{B35DA622-522A-4B17-9AC4-B01778B7071C}" type="slidenum">
               <a:rPr lang="fr-FR" smtClean="0"/>
-              <a:t>16</a:t>
+              <a:t>12</a:t>
             </a:fld>
             <a:endParaRPr lang="fr-FR"/>
           </a:p>
@@ -2218,7 +2386,7 @@
     </p:spTree>
     <p:extLst>
       <p:ext uri="{BB962C8B-B14F-4D97-AF65-F5344CB8AC3E}">
-        <p14:creationId xmlns:p14="http://schemas.microsoft.com/office/powerpoint/2010/main" val="1516938095"/>
+        <p14:creationId xmlns:p14="http://schemas.microsoft.com/office/powerpoint/2010/main" val="4244573238"/>
       </p:ext>
     </p:extLst>
   </p:cSld>
@@ -2273,20 +2441,26 @@
           <a:lstStyle/>
           <a:p>
             <a:r>
+              <a:rPr lang="fr-FR" dirty="0">
+                <a:hlinkClick r:id="rId3"/>
+              </a:rPr>
+              <a:t>https://</a:t>
+            </a:r>
+            <a:r>
+              <a:rPr lang="fr-FR" dirty="0" smtClean="0">
+                <a:hlinkClick r:id="rId3"/>
+              </a:rPr>
+              <a:t>assistant-us-south.watsonplatform.net/eu-gb/000c8e94-bdeb-4038-adb8-f6c3132eb7b6/workspaces/ed0bdd7c-aff6-4a08-ab19-0c529ae2d11a/build/intents</a:t>
+            </a:r>
+            <a:r>
               <a:rPr lang="fr-FR" dirty="0" smtClean="0"/>
-              <a:t>Je</a:t>
-            </a:r>
-            <a:r>
-              <a:rPr lang="fr-FR" baseline="0" dirty="0" smtClean="0"/>
-              <a:t> vais rajouter un </a:t>
-            </a:r>
-            <a:r>
-              <a:rPr lang="fr-FR" baseline="0" dirty="0" err="1" smtClean="0"/>
-              <a:t>screen</a:t>
-            </a:r>
-            <a:r>
-              <a:rPr lang="fr-FR" baseline="0" dirty="0" smtClean="0"/>
-              <a:t> ce soir</a:t>
+              <a:t> </a:t>
+            </a:r>
+          </a:p>
+          <a:p>
+            <a:r>
+              <a:rPr lang="fr-FR" dirty="0" smtClean="0"/>
+              <a:t>Alors Polo on se connecte à IBM ? ? ?</a:t>
             </a:r>
             <a:endParaRPr lang="fr-FR" dirty="0"/>
           </a:p>
@@ -2309,7 +2483,7 @@
           <a:p>
             <a:fld id="{B35DA622-522A-4B17-9AC4-B01778B7071C}" type="slidenum">
               <a:rPr lang="fr-FR" smtClean="0"/>
-              <a:t>18</a:t>
+              <a:t>15</a:t>
             </a:fld>
             <a:endParaRPr lang="fr-FR"/>
           </a:p>
@@ -2318,7 +2492,7 @@
     </p:spTree>
     <p:extLst>
       <p:ext uri="{BB962C8B-B14F-4D97-AF65-F5344CB8AC3E}">
-        <p14:creationId xmlns:p14="http://schemas.microsoft.com/office/powerpoint/2010/main" val="1732735965"/>
+        <p14:creationId xmlns:p14="http://schemas.microsoft.com/office/powerpoint/2010/main" val="2271656457"/>
       </p:ext>
     </p:extLst>
   </p:cSld>
@@ -2386,37 +2560,98 @@
             </a:r>
             <a:r>
               <a:rPr lang="fr-FR" baseline="0" dirty="0" smtClean="0"/>
-              <a:t> </a:t>
+              <a:t> : outil </a:t>
             </a:r>
             <a:r>
               <a:rPr lang="fr-FR" baseline="0" dirty="0" err="1" smtClean="0"/>
-              <a:t>assault</a:t>
+              <a:t>netflix</a:t>
             </a:r>
             <a:r>
               <a:rPr lang="fr-FR" baseline="0" dirty="0" smtClean="0"/>
-              <a:t> avec latence, exceptions, … exemples</a:t>
+              <a:t> pour tester la résilience</a:t>
             </a:r>
           </a:p>
           <a:p>
             <a:r>
               <a:rPr lang="fr-FR" baseline="0" dirty="0" smtClean="0"/>
-              <a:t>Exemple d’assertions </a:t>
-            </a:r>
+              <a:t>Si une appli fonctionne avec des pannes </a:t>
+            </a:r>
+            <a:r>
+              <a:rPr lang="fr-FR" baseline="0" dirty="0" err="1" smtClean="0"/>
+              <a:t>aleatoire</a:t>
+            </a:r>
+            <a:r>
+              <a:rPr lang="fr-FR" baseline="0" dirty="0" smtClean="0"/>
+              <a:t>, elle fonctionnera le jour ou une vrai panne arrivera</a:t>
+            </a:r>
+          </a:p>
+          <a:p>
+            <a:r>
+              <a:rPr lang="fr-FR" baseline="0" dirty="0" err="1" smtClean="0"/>
+              <a:t>Ajd</a:t>
+            </a:r>
+            <a:r>
+              <a:rPr lang="fr-FR" baseline="0" dirty="0" smtClean="0"/>
+              <a:t>, les applis vont forcement tomber en panne</a:t>
+            </a:r>
+          </a:p>
+          <a:p>
+            <a:r>
+              <a:rPr lang="fr-FR" baseline="0" dirty="0" smtClean="0"/>
+              <a:t>Utiliser en </a:t>
+            </a:r>
+            <a:r>
+              <a:rPr lang="fr-FR" baseline="0" dirty="0" err="1" smtClean="0"/>
+              <a:t>prod</a:t>
+            </a:r>
+            <a:r>
+              <a:rPr lang="fr-FR" baseline="0" dirty="0" smtClean="0"/>
+              <a:t> chez </a:t>
+            </a:r>
+            <a:r>
+              <a:rPr lang="fr-FR" baseline="0" dirty="0" err="1" smtClean="0"/>
+              <a:t>neflix</a:t>
+            </a:r>
+            <a:endParaRPr lang="fr-FR" baseline="0" dirty="0" smtClean="0"/>
+          </a:p>
+          <a:p>
+            <a:endParaRPr lang="fr-FR" baseline="0" dirty="0" smtClean="0"/>
+          </a:p>
+          <a:p>
             <a:r>
               <a:rPr lang="fr-FR" baseline="0" dirty="0" err="1" smtClean="0"/>
               <a:t>Gatling</a:t>
             </a:r>
+            <a:r>
+              <a:rPr lang="fr-FR" baseline="0" dirty="0" smtClean="0"/>
+              <a:t>:</a:t>
+            </a:r>
+          </a:p>
+          <a:p>
+            <a:r>
+              <a:rPr lang="fr-FR" baseline="0" dirty="0" smtClean="0"/>
+              <a:t>Outil open source test de charge et de performance</a:t>
+            </a:r>
+          </a:p>
+          <a:p>
+            <a:r>
+              <a:rPr lang="fr-FR" baseline="0" dirty="0" err="1" smtClean="0"/>
+              <a:t>Repository</a:t>
+            </a:r>
+            <a:r>
+              <a:rPr lang="fr-FR" baseline="0" dirty="0" smtClean="0"/>
+              <a:t>  starter disponible sur </a:t>
+            </a:r>
+            <a:r>
+              <a:rPr lang="fr-FR" baseline="0" dirty="0" err="1" smtClean="0"/>
+              <a:t>github</a:t>
+            </a:r>
             <a:endParaRPr lang="fr-FR" baseline="0" dirty="0" smtClean="0"/>
           </a:p>
           <a:p>
-            <a:r>
-              <a:rPr lang="fr-FR" baseline="0" dirty="0" smtClean="0"/>
-              <a:t>Tir de </a:t>
-            </a:r>
-            <a:r>
-              <a:rPr lang="fr-FR" baseline="0" dirty="0" err="1" smtClean="0"/>
-              <a:t>reference</a:t>
-            </a:r>
+            <a:endParaRPr lang="fr-FR" baseline="0" dirty="0" smtClean="0"/>
+          </a:p>
+          <a:p>
             <a:endParaRPr lang="fr-FR" dirty="0"/>
           </a:p>
         </p:txBody>
@@ -2438,7 +2673,7 @@
           <a:p>
             <a:fld id="{B35DA622-522A-4B17-9AC4-B01778B7071C}" type="slidenum">
               <a:rPr lang="fr-FR" smtClean="0"/>
-              <a:t>19</a:t>
+              <a:t>18</a:t>
             </a:fld>
             <a:endParaRPr lang="fr-FR"/>
           </a:p>
@@ -2447,7 +2682,7 @@
     </p:spTree>
     <p:extLst>
       <p:ext uri="{BB962C8B-B14F-4D97-AF65-F5344CB8AC3E}">
-        <p14:creationId xmlns:p14="http://schemas.microsoft.com/office/powerpoint/2010/main" val="2307770141"/>
+        <p14:creationId xmlns:p14="http://schemas.microsoft.com/office/powerpoint/2010/main" val="1516938095"/>
       </p:ext>
     </p:extLst>
   </p:cSld>
@@ -2503,39 +2738,20 @@
           <a:p>
             <a:r>
               <a:rPr lang="fr-FR" dirty="0" smtClean="0"/>
-              <a:t>Et encore d’autre choses comme</a:t>
-            </a:r>
-          </a:p>
-          <a:p>
-            <a:r>
-              <a:rPr lang="fr-FR" sz="1200" b="0" i="0" kern="1200" dirty="0" smtClean="0">
-                <a:solidFill>
-                  <a:schemeClr val="tx1"/>
-                </a:solidFill>
-                <a:effectLst/>
-                <a:latin typeface="+mn-lt"/>
-                <a:ea typeface="+mn-ea"/>
-                <a:cs typeface="+mn-cs"/>
-              </a:rPr>
-              <a:t>optimiser l'utilisation de votre matériel afin de maximiser les ressources requises pour l'exécution de vos applications d'entreprise</a:t>
-            </a:r>
-          </a:p>
-          <a:p>
-            <a:r>
-              <a:rPr lang="fr-FR" sz="1200" b="0" i="0" kern="1200" dirty="0" smtClean="0">
-                <a:solidFill>
-                  <a:schemeClr val="tx1"/>
-                </a:solidFill>
-                <a:effectLst/>
-                <a:latin typeface="+mn-lt"/>
-                <a:ea typeface="+mn-ea"/>
-                <a:cs typeface="+mn-cs"/>
-              </a:rPr>
-              <a:t>gérer des services de façon déclarative et garantir ainsi que les applications déployées s'exécutent toujours de la manière dont vous les avez déployées ;</a:t>
-            </a:r>
-            <a:endParaRPr lang="fr-FR" dirty="0" smtClean="0"/>
-          </a:p>
-          <a:p>
+              <a:t>Je</a:t>
+            </a:r>
+            <a:r>
+              <a:rPr lang="fr-FR" baseline="0" dirty="0" smtClean="0"/>
+              <a:t> vais rajouter un </a:t>
+            </a:r>
+            <a:r>
+              <a:rPr lang="fr-FR" baseline="0" dirty="0" err="1" smtClean="0"/>
+              <a:t>screen</a:t>
+            </a:r>
+            <a:r>
+              <a:rPr lang="fr-FR" baseline="0" dirty="0" smtClean="0"/>
+              <a:t> ce soir</a:t>
+            </a:r>
             <a:endParaRPr lang="fr-FR" dirty="0"/>
           </a:p>
         </p:txBody>
@@ -2557,7 +2773,7 @@
           <a:p>
             <a:fld id="{B35DA622-522A-4B17-9AC4-B01778B7071C}" type="slidenum">
               <a:rPr lang="fr-FR" smtClean="0"/>
-              <a:t>21</a:t>
+              <a:t>20</a:t>
             </a:fld>
             <a:endParaRPr lang="fr-FR"/>
           </a:p>
@@ -2566,7 +2782,7 @@
     </p:spTree>
     <p:extLst>
       <p:ext uri="{BB962C8B-B14F-4D97-AF65-F5344CB8AC3E}">
-        <p14:creationId xmlns:p14="http://schemas.microsoft.com/office/powerpoint/2010/main" val="1204782167"/>
+        <p14:creationId xmlns:p14="http://schemas.microsoft.com/office/powerpoint/2010/main" val="1732735965"/>
       </p:ext>
     </p:extLst>
   </p:cSld>
@@ -10486,9 +10702,9 @@
         <p:grpSpPr>
           <a:xfrm>
             <a:off x="0" y="73772"/>
-            <a:ext cx="3660454" cy="883356"/>
+            <a:ext cx="3118639" cy="883356"/>
             <a:chOff x="0" y="-9760"/>
-            <a:chExt cx="2931415" cy="785565"/>
+            <a:chExt cx="2497512" cy="785565"/>
           </a:xfrm>
         </p:grpSpPr>
         <p:sp>
@@ -10500,7 +10716,7 @@
           <p:spPr>
             <a:xfrm>
               <a:off x="109500" y="-9760"/>
-              <a:ext cx="2821915" cy="629520"/>
+              <a:ext cx="2388012" cy="629520"/>
             </a:xfrm>
             <a:prstGeom prst="rect">
               <a:avLst/>
@@ -10519,7 +10735,230 @@
                   <a:ea typeface="Lato Regular" panose="020F0502020204030203" pitchFamily="34" charset="0"/>
                   <a:cs typeface="Lato Regular" panose="020F0502020204030203" pitchFamily="34" charset="0"/>
                 </a:rPr>
-                <a:t>Tests unitaires </a:t>
+                <a:t>Vous êtes ici</a:t>
+              </a:r>
+              <a:endParaRPr lang="fr-FR" sz="3600" b="1" dirty="0">
+                <a:latin typeface="Lato Regular" panose="020F0502020204030203" pitchFamily="34" charset="0"/>
+                <a:ea typeface="Lato Regular" panose="020F0502020204030203" pitchFamily="34" charset="0"/>
+                <a:cs typeface="Lato Regular" panose="020F0502020204030203" pitchFamily="34" charset="0"/>
+              </a:endParaRPr>
+            </a:p>
+          </p:txBody>
+        </p:sp>
+        <p:sp>
+          <p:nvSpPr>
+            <p:cNvPr id="204" name="Rectangle 203"/>
+            <p:cNvSpPr/>
+            <p:nvPr/>
+          </p:nvSpPr>
+          <p:spPr>
+            <a:xfrm>
+              <a:off x="0" y="619760"/>
+              <a:ext cx="2357120" cy="156045"/>
+            </a:xfrm>
+            <a:prstGeom prst="rect">
+              <a:avLst/>
+            </a:prstGeom>
+            <a:solidFill>
+              <a:srgbClr val="872163"/>
+            </a:solidFill>
+            <a:ln>
+              <a:noFill/>
+            </a:ln>
+          </p:spPr>
+          <p:style>
+            <a:lnRef idx="2">
+              <a:schemeClr val="accent1">
+                <a:shade val="50000"/>
+              </a:schemeClr>
+            </a:lnRef>
+            <a:fillRef idx="1">
+              <a:schemeClr val="accent1"/>
+            </a:fillRef>
+            <a:effectRef idx="0">
+              <a:schemeClr val="accent1"/>
+            </a:effectRef>
+            <a:fontRef idx="minor">
+              <a:schemeClr val="lt1"/>
+            </a:fontRef>
+          </p:style>
+          <p:txBody>
+            <a:bodyPr rtlCol="0" anchor="ctr"/>
+            <a:lstStyle/>
+            <a:p>
+              <a:pPr algn="ctr"/>
+              <a:endParaRPr lang="fr-FR"/>
+            </a:p>
+          </p:txBody>
+        </p:sp>
+      </p:grpSp>
+      <p:pic>
+        <p:nvPicPr>
+          <p:cNvPr id="13" name="Image 12"/>
+          <p:cNvPicPr>
+            <a:picLocks noChangeAspect="1"/>
+          </p:cNvPicPr>
+          <p:nvPr/>
+        </p:nvPicPr>
+        <p:blipFill rotWithShape="1">
+          <a:blip r:embed="rId3">
+            <a:extLst>
+              <a:ext uri="{28A0092B-C50C-407E-A947-70E740481C1C}">
+                <a14:useLocalDpi xmlns:a14="http://schemas.microsoft.com/office/drawing/2010/main" val="0"/>
+              </a:ext>
+            </a:extLst>
+          </a:blip>
+          <a:srcRect l="38750" t="22204" r="38372" b="39045"/>
+          <a:stretch/>
+        </p:blipFill>
+        <p:spPr>
+          <a:xfrm>
+            <a:off x="322909" y="1530723"/>
+            <a:ext cx="2297511" cy="3891279"/>
+          </a:xfrm>
+          <a:prstGeom prst="rect">
+            <a:avLst/>
+          </a:prstGeom>
+        </p:spPr>
+      </p:pic>
+      <p:sp>
+        <p:nvSpPr>
+          <p:cNvPr id="9" name="ZoneTexte 8"/>
+          <p:cNvSpPr txBox="1"/>
+          <p:nvPr/>
+        </p:nvSpPr>
+        <p:spPr>
+          <a:xfrm>
+            <a:off x="2794572" y="3188648"/>
+            <a:ext cx="9397428" cy="584775"/>
+          </a:xfrm>
+          <a:prstGeom prst="rect">
+            <a:avLst/>
+          </a:prstGeom>
+          <a:noFill/>
+        </p:spPr>
+        <p:txBody>
+          <a:bodyPr wrap="square" rtlCol="0">
+            <a:spAutoFit/>
+          </a:bodyPr>
+          <a:lstStyle/>
+          <a:p>
+            <a:r>
+              <a:rPr lang="fr-FR" sz="3200" dirty="0">
+                <a:hlinkClick r:id="rId4"/>
+              </a:rPr>
+              <a:t>https://</a:t>
+            </a:r>
+            <a:r>
+              <a:rPr lang="fr-FR" sz="3200" dirty="0" smtClean="0">
+                <a:hlinkClick r:id="rId4"/>
+              </a:rPr>
+              <a:t>sii-codelab-chaos.github.io/Codelab-Chaos-TP</a:t>
+            </a:r>
+            <a:r>
+              <a:rPr lang="fr-FR" sz="3200" dirty="0">
+                <a:hlinkClick r:id="rId4"/>
+              </a:rPr>
+              <a:t>/</a:t>
+            </a:r>
+            <a:endParaRPr lang="fr-FR" sz="3200" dirty="0" smtClean="0">
+              <a:solidFill>
+                <a:schemeClr val="tx2"/>
+              </a:solidFill>
+              <a:latin typeface="Lato Light"/>
+              <a:cs typeface="Lato Light"/>
+            </a:endParaRPr>
+          </a:p>
+        </p:txBody>
+      </p:sp>
+    </p:spTree>
+    <p:extLst>
+      <p:ext uri="{BB962C8B-B14F-4D97-AF65-F5344CB8AC3E}">
+        <p14:creationId xmlns:p14="http://schemas.microsoft.com/office/powerpoint/2010/main" val="3157339412"/>
+      </p:ext>
+    </p:extLst>
+  </p:cSld>
+  <p:clrMapOvr>
+    <a:masterClrMapping/>
+  </p:clrMapOvr>
+  <p:timing>
+    <p:tnLst>
+      <p:par>
+        <p:cTn id="1" dur="indefinite" restart="never" nodeType="tmRoot"/>
+      </p:par>
+    </p:tnLst>
+  </p:timing>
+</p:sld>
+</file>
+
+<file path=ppt/slides/slide11.xml><?xml version="1.0" encoding="utf-8"?>
+<p:sld xmlns:a="http://schemas.openxmlformats.org/drawingml/2006/main" xmlns:r="http://schemas.openxmlformats.org/officeDocument/2006/relationships" xmlns:p="http://schemas.openxmlformats.org/presentationml/2006/main">
+  <p:cSld>
+    <p:spTree>
+      <p:nvGrpSpPr>
+        <p:cNvPr id="1" name=""/>
+        <p:cNvGrpSpPr/>
+        <p:nvPr/>
+      </p:nvGrpSpPr>
+      <p:grpSpPr>
+        <a:xfrm>
+          <a:off x="0" y="0"/>
+          <a:ext cx="0" cy="0"/>
+          <a:chOff x="0" y="0"/>
+          <a:chExt cx="0" cy="0"/>
+        </a:xfrm>
+      </p:grpSpPr>
+      <p:grpSp>
+        <p:nvGrpSpPr>
+          <p:cNvPr id="202" name="Groupe 201"/>
+          <p:cNvGrpSpPr/>
+          <p:nvPr/>
+        </p:nvGrpSpPr>
+        <p:grpSpPr>
+          <a:xfrm>
+            <a:off x="0" y="73772"/>
+            <a:ext cx="8668235" cy="883356"/>
+            <a:chOff x="0" y="-9760"/>
+            <a:chExt cx="6941815" cy="785565"/>
+          </a:xfrm>
+        </p:grpSpPr>
+        <p:sp>
+          <p:nvSpPr>
+            <p:cNvPr id="203" name="ZoneTexte 202"/>
+            <p:cNvSpPr txBox="1"/>
+            <p:nvPr/>
+          </p:nvSpPr>
+          <p:spPr>
+            <a:xfrm>
+              <a:off x="109500" y="-9760"/>
+              <a:ext cx="6832315" cy="629520"/>
+            </a:xfrm>
+            <a:prstGeom prst="rect">
+              <a:avLst/>
+            </a:prstGeom>
+            <a:noFill/>
+          </p:spPr>
+          <p:txBody>
+            <a:bodyPr wrap="none" rtlCol="0">
+              <a:spAutoFit/>
+            </a:bodyPr>
+            <a:lstStyle/>
+            <a:p>
+              <a:r>
+                <a:rPr lang="fr-FR" sz="4000" b="1" dirty="0" smtClean="0">
+                  <a:latin typeface="Lato Regular" panose="020F0502020204030203" pitchFamily="34" charset="0"/>
+                  <a:ea typeface="Lato Regular" panose="020F0502020204030203" pitchFamily="34" charset="0"/>
+                  <a:cs typeface="Lato Regular" panose="020F0502020204030203" pitchFamily="34" charset="0"/>
+                </a:rPr>
+                <a:t>Tests </a:t>
+              </a:r>
+              <a:r>
+                <a:rPr lang="fr-FR" sz="4000" b="1" dirty="0" smtClean="0">
+                  <a:latin typeface="Lato Regular" panose="020F0502020204030203" pitchFamily="34" charset="0"/>
+                  <a:ea typeface="Lato Regular" panose="020F0502020204030203" pitchFamily="34" charset="0"/>
+                  <a:cs typeface="Lato Regular" panose="020F0502020204030203" pitchFamily="34" charset="0"/>
+                </a:rPr>
+                <a:t>unitaires et couverture de code </a:t>
               </a:r>
               <a:endParaRPr lang="fr-FR" sz="3600" b="1" dirty="0">
                 <a:latin typeface="Lato Regular" panose="020F0502020204030203" pitchFamily="34" charset="0"/>
@@ -10771,7 +11210,452 @@
 </p:sld>
 </file>
 
-<file path=ppt/slides/slide11.xml><?xml version="1.0" encoding="utf-8"?>
+<file path=ppt/slides/slide12.xml><?xml version="1.0" encoding="utf-8"?>
+<p:sld xmlns:a="http://schemas.openxmlformats.org/drawingml/2006/main" xmlns:r="http://schemas.openxmlformats.org/officeDocument/2006/relationships" xmlns:p="http://schemas.openxmlformats.org/presentationml/2006/main">
+  <p:cSld>
+    <p:spTree>
+      <p:nvGrpSpPr>
+        <p:cNvPr id="1" name=""/>
+        <p:cNvGrpSpPr/>
+        <p:nvPr/>
+      </p:nvGrpSpPr>
+      <p:grpSpPr>
+        <a:xfrm>
+          <a:off x="0" y="0"/>
+          <a:ext cx="0" cy="0"/>
+          <a:chOff x="0" y="0"/>
+          <a:chExt cx="0" cy="0"/>
+        </a:xfrm>
+      </p:grpSpPr>
+      <p:grpSp>
+        <p:nvGrpSpPr>
+          <p:cNvPr id="202" name="Groupe 201"/>
+          <p:cNvGrpSpPr/>
+          <p:nvPr/>
+        </p:nvGrpSpPr>
+        <p:grpSpPr>
+          <a:xfrm>
+            <a:off x="0" y="73772"/>
+            <a:ext cx="2943332" cy="883356"/>
+            <a:chOff x="0" y="-9760"/>
+            <a:chExt cx="2357120" cy="785565"/>
+          </a:xfrm>
+        </p:grpSpPr>
+        <p:sp>
+          <p:nvSpPr>
+            <p:cNvPr id="203" name="ZoneTexte 202"/>
+            <p:cNvSpPr txBox="1"/>
+            <p:nvPr/>
+          </p:nvSpPr>
+          <p:spPr>
+            <a:xfrm>
+              <a:off x="109500" y="-9760"/>
+              <a:ext cx="1515070" cy="629520"/>
+            </a:xfrm>
+            <a:prstGeom prst="rect">
+              <a:avLst/>
+            </a:prstGeom>
+            <a:noFill/>
+          </p:spPr>
+          <p:txBody>
+            <a:bodyPr wrap="none" rtlCol="0">
+              <a:spAutoFit/>
+            </a:bodyPr>
+            <a:lstStyle/>
+            <a:p>
+              <a:r>
+                <a:rPr lang="fr-FR" sz="4000" b="1" dirty="0" err="1" smtClean="0">
+                  <a:latin typeface="Lato Regular" panose="020F0502020204030203" pitchFamily="34" charset="0"/>
+                  <a:ea typeface="Lato Regular" panose="020F0502020204030203" pitchFamily="34" charset="0"/>
+                  <a:cs typeface="Lato Regular" panose="020F0502020204030203" pitchFamily="34" charset="0"/>
+                </a:rPr>
+                <a:t>JaCoCo</a:t>
+              </a:r>
+              <a:endParaRPr lang="fr-FR" sz="3600" b="1" dirty="0">
+                <a:latin typeface="Lato Regular" panose="020F0502020204030203" pitchFamily="34" charset="0"/>
+                <a:ea typeface="Lato Regular" panose="020F0502020204030203" pitchFamily="34" charset="0"/>
+                <a:cs typeface="Lato Regular" panose="020F0502020204030203" pitchFamily="34" charset="0"/>
+              </a:endParaRPr>
+            </a:p>
+          </p:txBody>
+        </p:sp>
+        <p:sp>
+          <p:nvSpPr>
+            <p:cNvPr id="204" name="Rectangle 203"/>
+            <p:cNvSpPr/>
+            <p:nvPr/>
+          </p:nvSpPr>
+          <p:spPr>
+            <a:xfrm>
+              <a:off x="0" y="619760"/>
+              <a:ext cx="2357120" cy="156045"/>
+            </a:xfrm>
+            <a:prstGeom prst="rect">
+              <a:avLst/>
+            </a:prstGeom>
+            <a:solidFill>
+              <a:srgbClr val="872163"/>
+            </a:solidFill>
+            <a:ln>
+              <a:noFill/>
+            </a:ln>
+          </p:spPr>
+          <p:style>
+            <a:lnRef idx="2">
+              <a:schemeClr val="accent1">
+                <a:shade val="50000"/>
+              </a:schemeClr>
+            </a:lnRef>
+            <a:fillRef idx="1">
+              <a:schemeClr val="accent1"/>
+            </a:fillRef>
+            <a:effectRef idx="0">
+              <a:schemeClr val="accent1"/>
+            </a:effectRef>
+            <a:fontRef idx="minor">
+              <a:schemeClr val="lt1"/>
+            </a:fontRef>
+          </p:style>
+          <p:txBody>
+            <a:bodyPr rtlCol="0" anchor="ctr"/>
+            <a:lstStyle/>
+            <a:p>
+              <a:pPr algn="ctr"/>
+              <a:endParaRPr lang="fr-FR"/>
+            </a:p>
+          </p:txBody>
+        </p:sp>
+      </p:grpSp>
+      <p:sp>
+        <p:nvSpPr>
+          <p:cNvPr id="4" name="Rectangle 3"/>
+          <p:cNvSpPr/>
+          <p:nvPr/>
+        </p:nvSpPr>
+        <p:spPr>
+          <a:xfrm>
+            <a:off x="3551579" y="6228859"/>
+            <a:ext cx="8076958" cy="369332"/>
+          </a:xfrm>
+          <a:prstGeom prst="rect">
+            <a:avLst/>
+          </a:prstGeom>
+        </p:spPr>
+        <p:txBody>
+          <a:bodyPr wrap="square">
+            <a:spAutoFit/>
+          </a:bodyPr>
+          <a:lstStyle/>
+          <a:p>
+            <a:pPr algn="ctr"/>
+            <a:r>
+              <a:rPr lang="fr-FR" dirty="0">
+                <a:latin typeface="Lato Regular" panose="020F0502020204030203" pitchFamily="34" charset="0"/>
+                <a:ea typeface="Lato Regular" panose="020F0502020204030203" pitchFamily="34" charset="0"/>
+                <a:cs typeface="Lato Regular" panose="020F0502020204030203" pitchFamily="34" charset="0"/>
+              </a:rPr>
+              <a:t>Item : </a:t>
+            </a:r>
+            <a:r>
+              <a:rPr lang="fr-FR" dirty="0">
+                <a:latin typeface="Lato Regular" panose="020F0502020204030203" pitchFamily="34" charset="0"/>
+                <a:ea typeface="Lato Regular" panose="020F0502020204030203" pitchFamily="34" charset="0"/>
+                <a:cs typeface="Lato Regular" panose="020F0502020204030203" pitchFamily="34" charset="0"/>
+                <a:hlinkClick r:id="rId3" invalidUrl="https:///"/>
+              </a:rPr>
+              <a:t>https</a:t>
+            </a:r>
+            <a:r>
+              <a:rPr lang="fr-FR" dirty="0">
+                <a:latin typeface="Lato Regular" panose="020F0502020204030203" pitchFamily="34" charset="0"/>
+                <a:ea typeface="Lato Regular" panose="020F0502020204030203" pitchFamily="34" charset="0"/>
+                <a:cs typeface="Lato Regular" panose="020F0502020204030203" pitchFamily="34" charset="0"/>
+                <a:hlinkClick r:id="rId4" invalidUrl="https:///"/>
+              </a:rPr>
+              <a:t>://url.fr</a:t>
+            </a:r>
+            <a:endParaRPr lang="fr-FR" dirty="0">
+              <a:latin typeface="Lato Regular" panose="020F0502020204030203" pitchFamily="34" charset="0"/>
+              <a:ea typeface="Lato Regular" panose="020F0502020204030203" pitchFamily="34" charset="0"/>
+              <a:cs typeface="Lato Regular" panose="020F0502020204030203" pitchFamily="34" charset="0"/>
+            </a:endParaRPr>
+          </a:p>
+        </p:txBody>
+      </p:sp>
+      <p:sp>
+        <p:nvSpPr>
+          <p:cNvPr id="12" name="Subtitle 2">
+            <a:extLst>
+              <a:ext uri="{FF2B5EF4-FFF2-40B4-BE49-F238E27FC236}">
+                <a16:creationId xmlns:a16="http://schemas.microsoft.com/office/drawing/2014/main" id="{3A78FA13-AC9F-47B6-87F4-D7D64D1358A9}"/>
+              </a:ext>
+            </a:extLst>
+          </p:cNvPr>
+          <p:cNvSpPr txBox="1">
+            <a:spLocks/>
+          </p:cNvSpPr>
+          <p:nvPr/>
+        </p:nvSpPr>
+        <p:spPr>
+          <a:xfrm>
+            <a:off x="322909" y="1350474"/>
+            <a:ext cx="2279938" cy="502532"/>
+          </a:xfrm>
+          <a:prstGeom prst="rect">
+            <a:avLst/>
+          </a:prstGeom>
+        </p:spPr>
+        <p:txBody>
+          <a:bodyPr vert="horz" lIns="243744" tIns="121869" rIns="243744" bIns="121869" rtlCol="0">
+            <a:noAutofit/>
+          </a:bodyPr>
+          <a:lstStyle>
+            <a:lvl1pPr marL="342900" indent="-342900" algn="l" defTabSz="457200" rtl="0" eaLnBrk="1" latinLnBrk="0" hangingPunct="1">
+              <a:spcBef>
+                <a:spcPct val="20000"/>
+              </a:spcBef>
+              <a:buFont typeface="Arial"/>
+              <a:buChar char="•"/>
+              <a:defRPr sz="3200" kern="1200">
+                <a:solidFill>
+                  <a:schemeClr val="tx1"/>
+                </a:solidFill>
+                <a:latin typeface="+mn-lt"/>
+                <a:ea typeface="+mn-ea"/>
+                <a:cs typeface="+mn-cs"/>
+              </a:defRPr>
+            </a:lvl1pPr>
+            <a:lvl2pPr marL="742950" indent="-285750" algn="l" defTabSz="457200" rtl="0" eaLnBrk="1" latinLnBrk="0" hangingPunct="1">
+              <a:spcBef>
+                <a:spcPct val="20000"/>
+              </a:spcBef>
+              <a:buFont typeface="Arial"/>
+              <a:buChar char="–"/>
+              <a:defRPr sz="2800" kern="1200">
+                <a:solidFill>
+                  <a:schemeClr val="tx1"/>
+                </a:solidFill>
+                <a:latin typeface="+mn-lt"/>
+                <a:ea typeface="+mn-ea"/>
+                <a:cs typeface="+mn-cs"/>
+              </a:defRPr>
+            </a:lvl2pPr>
+            <a:lvl3pPr marL="1143000" indent="-228600" algn="l" defTabSz="457200" rtl="0" eaLnBrk="1" latinLnBrk="0" hangingPunct="1">
+              <a:spcBef>
+                <a:spcPct val="20000"/>
+              </a:spcBef>
+              <a:buFont typeface="Arial"/>
+              <a:buChar char="•"/>
+              <a:defRPr sz="2400" kern="1200">
+                <a:solidFill>
+                  <a:schemeClr val="tx1"/>
+                </a:solidFill>
+                <a:latin typeface="+mn-lt"/>
+                <a:ea typeface="+mn-ea"/>
+                <a:cs typeface="+mn-cs"/>
+              </a:defRPr>
+            </a:lvl3pPr>
+            <a:lvl4pPr marL="1600200" indent="-228600" algn="l" defTabSz="457200" rtl="0" eaLnBrk="1" latinLnBrk="0" hangingPunct="1">
+              <a:spcBef>
+                <a:spcPct val="20000"/>
+              </a:spcBef>
+              <a:buFont typeface="Arial"/>
+              <a:buChar char="–"/>
+              <a:defRPr sz="2000" kern="1200">
+                <a:solidFill>
+                  <a:schemeClr val="tx1"/>
+                </a:solidFill>
+                <a:latin typeface="+mn-lt"/>
+                <a:ea typeface="+mn-ea"/>
+                <a:cs typeface="+mn-cs"/>
+              </a:defRPr>
+            </a:lvl4pPr>
+            <a:lvl5pPr marL="2057400" indent="-228600" algn="l" defTabSz="457200" rtl="0" eaLnBrk="1" latinLnBrk="0" hangingPunct="1">
+              <a:spcBef>
+                <a:spcPct val="20000"/>
+              </a:spcBef>
+              <a:buFont typeface="Arial"/>
+              <a:buChar char="»"/>
+              <a:defRPr sz="2000" kern="1200">
+                <a:solidFill>
+                  <a:schemeClr val="tx1"/>
+                </a:solidFill>
+                <a:latin typeface="+mn-lt"/>
+                <a:ea typeface="+mn-ea"/>
+                <a:cs typeface="+mn-cs"/>
+              </a:defRPr>
+            </a:lvl5pPr>
+            <a:lvl6pPr marL="2514600" indent="-228600" algn="l" defTabSz="457200" rtl="0" eaLnBrk="1" latinLnBrk="0" hangingPunct="1">
+              <a:spcBef>
+                <a:spcPct val="20000"/>
+              </a:spcBef>
+              <a:buFont typeface="Arial"/>
+              <a:buChar char="•"/>
+              <a:defRPr sz="2000" kern="1200">
+                <a:solidFill>
+                  <a:schemeClr val="tx1"/>
+                </a:solidFill>
+                <a:latin typeface="+mn-lt"/>
+                <a:ea typeface="+mn-ea"/>
+                <a:cs typeface="+mn-cs"/>
+              </a:defRPr>
+            </a:lvl6pPr>
+            <a:lvl7pPr marL="2971800" indent="-228600" algn="l" defTabSz="457200" rtl="0" eaLnBrk="1" latinLnBrk="0" hangingPunct="1">
+              <a:spcBef>
+                <a:spcPct val="20000"/>
+              </a:spcBef>
+              <a:buFont typeface="Arial"/>
+              <a:buChar char="•"/>
+              <a:defRPr sz="2000" kern="1200">
+                <a:solidFill>
+                  <a:schemeClr val="tx1"/>
+                </a:solidFill>
+                <a:latin typeface="+mn-lt"/>
+                <a:ea typeface="+mn-ea"/>
+                <a:cs typeface="+mn-cs"/>
+              </a:defRPr>
+            </a:lvl7pPr>
+            <a:lvl8pPr marL="3429000" indent="-228600" algn="l" defTabSz="457200" rtl="0" eaLnBrk="1" latinLnBrk="0" hangingPunct="1">
+              <a:spcBef>
+                <a:spcPct val="20000"/>
+              </a:spcBef>
+              <a:buFont typeface="Arial"/>
+              <a:buChar char="•"/>
+              <a:defRPr sz="2000" kern="1200">
+                <a:solidFill>
+                  <a:schemeClr val="tx1"/>
+                </a:solidFill>
+                <a:latin typeface="+mn-lt"/>
+                <a:ea typeface="+mn-ea"/>
+                <a:cs typeface="+mn-cs"/>
+              </a:defRPr>
+            </a:lvl8pPr>
+            <a:lvl9pPr marL="3886200" indent="-228600" algn="l" defTabSz="457200" rtl="0" eaLnBrk="1" latinLnBrk="0" hangingPunct="1">
+              <a:spcBef>
+                <a:spcPct val="20000"/>
+              </a:spcBef>
+              <a:buFont typeface="Arial"/>
+              <a:buChar char="•"/>
+              <a:defRPr sz="2000" kern="1200">
+                <a:solidFill>
+                  <a:schemeClr val="tx1"/>
+                </a:solidFill>
+                <a:latin typeface="+mn-lt"/>
+                <a:ea typeface="+mn-ea"/>
+                <a:cs typeface="+mn-cs"/>
+              </a:defRPr>
+            </a:lvl9pPr>
+          </a:lstStyle>
+          <a:p>
+            <a:pPr marL="0" indent="0" algn="ctr">
+              <a:buNone/>
+            </a:pPr>
+            <a:r>
+              <a:rPr lang="fr-FR" sz="2000" dirty="0" err="1" smtClean="0">
+                <a:solidFill>
+                  <a:schemeClr val="tx2"/>
+                </a:solidFill>
+                <a:latin typeface="Lato Regular"/>
+                <a:cs typeface="Lato Regular"/>
+              </a:rPr>
+              <a:t>JaCoCo</a:t>
+            </a:r>
+            <a:endParaRPr lang="fr-FR" sz="2000" dirty="0">
+              <a:solidFill>
+                <a:schemeClr val="tx2"/>
+              </a:solidFill>
+              <a:latin typeface="Lato Regular"/>
+              <a:cs typeface="Lato Regular"/>
+            </a:endParaRPr>
+          </a:p>
+          <a:p>
+            <a:pPr marL="0" indent="0" algn="ctr">
+              <a:buNone/>
+            </a:pPr>
+            <a:endParaRPr lang="fr-FR" sz="1600" dirty="0">
+              <a:solidFill>
+                <a:schemeClr val="tx2"/>
+              </a:solidFill>
+              <a:latin typeface="Lato Light"/>
+              <a:cs typeface="Lato Light"/>
+            </a:endParaRPr>
+          </a:p>
+        </p:txBody>
+      </p:sp>
+      <p:pic>
+        <p:nvPicPr>
+          <p:cNvPr id="13" name="Image 12"/>
+          <p:cNvPicPr>
+            <a:picLocks noChangeAspect="1"/>
+          </p:cNvPicPr>
+          <p:nvPr/>
+        </p:nvPicPr>
+        <p:blipFill rotWithShape="1">
+          <a:blip r:embed="rId5">
+            <a:extLst>
+              <a:ext uri="{28A0092B-C50C-407E-A947-70E740481C1C}">
+                <a14:useLocalDpi xmlns:a14="http://schemas.microsoft.com/office/drawing/2010/main" val="0"/>
+              </a:ext>
+            </a:extLst>
+          </a:blip>
+          <a:srcRect l="38750" t="22204" r="38372" b="39045"/>
+          <a:stretch/>
+        </p:blipFill>
+        <p:spPr>
+          <a:xfrm>
+            <a:off x="322909" y="2085526"/>
+            <a:ext cx="2297511" cy="3891279"/>
+          </a:xfrm>
+          <a:prstGeom prst="rect">
+            <a:avLst/>
+          </a:prstGeom>
+        </p:spPr>
+      </p:pic>
+      <p:pic>
+        <p:nvPicPr>
+          <p:cNvPr id="2" name="Image 1"/>
+          <p:cNvPicPr>
+            <a:picLocks noChangeAspect="1"/>
+          </p:cNvPicPr>
+          <p:nvPr/>
+        </p:nvPicPr>
+        <p:blipFill>
+          <a:blip r:embed="rId6"/>
+          <a:stretch>
+            <a:fillRect/>
+          </a:stretch>
+        </p:blipFill>
+        <p:spPr>
+          <a:xfrm>
+            <a:off x="2765491" y="1202077"/>
+            <a:ext cx="9316236" cy="4582274"/>
+          </a:xfrm>
+          <a:prstGeom prst="rect">
+            <a:avLst/>
+          </a:prstGeom>
+        </p:spPr>
+      </p:pic>
+    </p:spTree>
+    <p:extLst>
+      <p:ext uri="{BB962C8B-B14F-4D97-AF65-F5344CB8AC3E}">
+        <p14:creationId xmlns:p14="http://schemas.microsoft.com/office/powerpoint/2010/main" val="3818578334"/>
+      </p:ext>
+    </p:extLst>
+  </p:cSld>
+  <p:clrMapOvr>
+    <a:masterClrMapping/>
+  </p:clrMapOvr>
+  <p:timing>
+    <p:tnLst>
+      <p:par>
+        <p:cTn id="1" dur="indefinite" restart="never" nodeType="tmRoot"/>
+      </p:par>
+    </p:tnLst>
+  </p:timing>
+</p:sld>
+</file>
+
+<file path=ppt/slides/slide13.xml><?xml version="1.0" encoding="utf-8"?>
 <p:sld xmlns:a="http://schemas.openxmlformats.org/drawingml/2006/main" xmlns:r="http://schemas.openxmlformats.org/officeDocument/2006/relationships" xmlns:p="http://schemas.openxmlformats.org/presentationml/2006/main">
   <p:cSld>
     <p:spTree>
@@ -11044,7 +11928,7 @@
 </p:sld>
 </file>
 
-<file path=ppt/slides/slide12.xml><?xml version="1.0" encoding="utf-8"?>
+<file path=ppt/slides/slide14.xml><?xml version="1.0" encoding="utf-8"?>
 <p:sld xmlns:a="http://schemas.openxmlformats.org/drawingml/2006/main" xmlns:r="http://schemas.openxmlformats.org/officeDocument/2006/relationships" xmlns:p="http://schemas.openxmlformats.org/presentationml/2006/main">
   <p:cSld>
     <p:spTree>
@@ -11359,7 +12243,7 @@
 </p:sld>
 </file>
 
-<file path=ppt/slides/slide13.xml><?xml version="1.0" encoding="utf-8"?>
+<file path=ppt/slides/slide15.xml><?xml version="1.0" encoding="utf-8"?>
 <p:sld xmlns:a="http://schemas.openxmlformats.org/drawingml/2006/main" xmlns:r="http://schemas.openxmlformats.org/officeDocument/2006/relationships" xmlns:p="http://schemas.openxmlformats.org/presentationml/2006/main">
   <p:cSld>
     <p:spTree>
@@ -11385,9 +12269,9 @@
         <p:grpSpPr>
           <a:xfrm>
             <a:off x="0" y="73772"/>
-            <a:ext cx="6502578" cy="883356"/>
+            <a:ext cx="6177168" cy="883356"/>
             <a:chOff x="0" y="-9760"/>
-            <a:chExt cx="5207484" cy="785565"/>
+            <a:chExt cx="4946885" cy="785565"/>
           </a:xfrm>
         </p:grpSpPr>
         <p:sp>
@@ -11399,7 +12283,7 @@
           <p:spPr>
             <a:xfrm>
               <a:off x="109500" y="-9760"/>
-              <a:ext cx="5097984" cy="629520"/>
+              <a:ext cx="4837385" cy="629520"/>
             </a:xfrm>
             <a:prstGeom prst="rect">
               <a:avLst/>
@@ -11426,7 +12310,15 @@
                   <a:ea typeface="Lato Regular" panose="020F0502020204030203" pitchFamily="34" charset="0"/>
                   <a:cs typeface="Lato Regular" panose="020F0502020204030203" pitchFamily="34" charset="0"/>
                 </a:rPr>
-                <a:t> Test : moche et méchant</a:t>
+                <a:t> Test : moche et </a:t>
+              </a:r>
+              <a:r>
+                <a:rPr lang="fr-FR" sz="4000" b="1" dirty="0" smtClean="0">
+                  <a:latin typeface="Lato Regular" panose="020F0502020204030203" pitchFamily="34" charset="0"/>
+                  <a:ea typeface="Lato Regular" panose="020F0502020204030203" pitchFamily="34" charset="0"/>
+                  <a:cs typeface="Lato Regular" panose="020F0502020204030203" pitchFamily="34" charset="0"/>
+                </a:rPr>
+                <a:t>mutant</a:t>
               </a:r>
               <a:endParaRPr lang="fr-FR" sz="3600" b="1" dirty="0">
                 <a:latin typeface="Lato Regular" panose="020F0502020204030203" pitchFamily="34" charset="0"/>
@@ -11801,65 +12693,6 @@
           </a:prstGeom>
         </p:spPr>
       </p:pic>
-      <p:sp>
-        <p:nvSpPr>
-          <p:cNvPr id="10" name="Étoile à 5 branches 9"/>
-          <p:cNvSpPr/>
-          <p:nvPr/>
-        </p:nvSpPr>
-        <p:spPr>
-          <a:xfrm rot="1662404">
-            <a:off x="9549502" y="408619"/>
-            <a:ext cx="2280456" cy="2119735"/>
-          </a:xfrm>
-          <a:prstGeom prst="star5">
-            <a:avLst>
-              <a:gd name="adj" fmla="val 21129"/>
-              <a:gd name="hf" fmla="val 105146"/>
-              <a:gd name="vf" fmla="val 110557"/>
-            </a:avLst>
-          </a:prstGeom>
-          <a:ln w="57150">
-            <a:solidFill>
-              <a:srgbClr val="FF0000"/>
-            </a:solidFill>
-          </a:ln>
-        </p:spPr>
-        <p:style>
-          <a:lnRef idx="0">
-            <a:schemeClr val="accent4"/>
-          </a:lnRef>
-          <a:fillRef idx="3">
-            <a:schemeClr val="accent4"/>
-          </a:fillRef>
-          <a:effectRef idx="3">
-            <a:schemeClr val="accent4"/>
-          </a:effectRef>
-          <a:fontRef idx="minor">
-            <a:schemeClr val="lt1"/>
-          </a:fontRef>
-        </p:style>
-        <p:txBody>
-          <a:bodyPr rtlCol="0" anchor="ctr"/>
-          <a:lstStyle/>
-          <a:p>
-            <a:pPr algn="ctr"/>
-            <a:r>
-              <a:rPr lang="fr-FR" sz="3600" b="1" dirty="0" smtClean="0">
-                <a:solidFill>
-                  <a:srgbClr val="FF0000"/>
-                </a:solidFill>
-              </a:rPr>
-              <a:t>WIP</a:t>
-            </a:r>
-            <a:endParaRPr lang="fr-FR" sz="3600" b="1" dirty="0">
-              <a:solidFill>
-                <a:srgbClr val="FF0000"/>
-              </a:solidFill>
-            </a:endParaRPr>
-          </a:p>
-        </p:txBody>
-      </p:sp>
     </p:spTree>
     <p:extLst>
       <p:ext uri="{BB962C8B-B14F-4D97-AF65-F5344CB8AC3E}">
@@ -11880,7 +12713,7 @@
 </p:sld>
 </file>
 
-<file path=ppt/slides/slide14.xml><?xml version="1.0" encoding="utf-8"?>
+<file path=ppt/slides/slide16.xml><?xml version="1.0" encoding="utf-8"?>
 <p:sld xmlns:a="http://schemas.openxmlformats.org/drawingml/2006/main" xmlns:r="http://schemas.openxmlformats.org/officeDocument/2006/relationships" xmlns:p="http://schemas.openxmlformats.org/presentationml/2006/main">
   <p:cSld>
     <p:spTree>
@@ -12190,65 +13023,6 @@
           </a:p>
         </p:txBody>
       </p:sp>
-      <p:sp>
-        <p:nvSpPr>
-          <p:cNvPr id="9" name="Étoile à 5 branches 8"/>
-          <p:cNvSpPr/>
-          <p:nvPr/>
-        </p:nvSpPr>
-        <p:spPr>
-          <a:xfrm rot="1662404">
-            <a:off x="9549502" y="408619"/>
-            <a:ext cx="2280456" cy="2119735"/>
-          </a:xfrm>
-          <a:prstGeom prst="star5">
-            <a:avLst>
-              <a:gd name="adj" fmla="val 21129"/>
-              <a:gd name="hf" fmla="val 105146"/>
-              <a:gd name="vf" fmla="val 110557"/>
-            </a:avLst>
-          </a:prstGeom>
-          <a:ln w="57150">
-            <a:solidFill>
-              <a:srgbClr val="FF0000"/>
-            </a:solidFill>
-          </a:ln>
-        </p:spPr>
-        <p:style>
-          <a:lnRef idx="0">
-            <a:schemeClr val="accent4"/>
-          </a:lnRef>
-          <a:fillRef idx="3">
-            <a:schemeClr val="accent4"/>
-          </a:fillRef>
-          <a:effectRef idx="3">
-            <a:schemeClr val="accent4"/>
-          </a:effectRef>
-          <a:fontRef idx="minor">
-            <a:schemeClr val="lt1"/>
-          </a:fontRef>
-        </p:style>
-        <p:txBody>
-          <a:bodyPr rtlCol="0" anchor="ctr"/>
-          <a:lstStyle/>
-          <a:p>
-            <a:pPr algn="ctr"/>
-            <a:r>
-              <a:rPr lang="fr-FR" sz="3600" b="1" dirty="0" smtClean="0">
-                <a:solidFill>
-                  <a:srgbClr val="FF0000"/>
-                </a:solidFill>
-              </a:rPr>
-              <a:t>WIP</a:t>
-            </a:r>
-            <a:endParaRPr lang="fr-FR" sz="3600" b="1" dirty="0">
-              <a:solidFill>
-                <a:srgbClr val="FF0000"/>
-              </a:solidFill>
-            </a:endParaRPr>
-          </a:p>
-        </p:txBody>
-      </p:sp>
     </p:spTree>
     <p:extLst>
       <p:ext uri="{BB962C8B-B14F-4D97-AF65-F5344CB8AC3E}">
@@ -12269,7 +13043,7 @@
 </p:sld>
 </file>
 
-<file path=ppt/slides/slide15.xml><?xml version="1.0" encoding="utf-8"?>
+<file path=ppt/slides/slide17.xml><?xml version="1.0" encoding="utf-8"?>
 <p:sld xmlns:a="http://schemas.openxmlformats.org/drawingml/2006/main" xmlns:r="http://schemas.openxmlformats.org/officeDocument/2006/relationships" xmlns:p="http://schemas.openxmlformats.org/presentationml/2006/main">
   <p:cSld>
     <p:spTree>
@@ -12637,7 +13411,7 @@
 </p:sld>
 </file>
 
-<file path=ppt/slides/slide16.xml><?xml version="1.0" encoding="utf-8"?>
+<file path=ppt/slides/slide18.xml><?xml version="1.0" encoding="utf-8"?>
 <p:sld xmlns:a="http://schemas.openxmlformats.org/drawingml/2006/main" xmlns:r="http://schemas.openxmlformats.org/officeDocument/2006/relationships" xmlns:p="http://schemas.openxmlformats.org/presentationml/2006/main">
   <p:cSld>
     <p:spTree>
@@ -13514,7 +14288,7 @@
 </p:sld>
 </file>
 
-<file path=ppt/slides/slide17.xml><?xml version="1.0" encoding="utf-8"?>
+<file path=ppt/slides/slide19.xml><?xml version="1.0" encoding="utf-8"?>
 <p:sld xmlns:a="http://schemas.openxmlformats.org/drawingml/2006/main" xmlns:r="http://schemas.openxmlformats.org/officeDocument/2006/relationships" xmlns:p="http://schemas.openxmlformats.org/presentationml/2006/main">
   <p:cSld>
     <p:spTree>
@@ -13972,7 +14746,358 @@
 </p:sld>
 </file>
 
-<file path=ppt/slides/slide18.xml><?xml version="1.0" encoding="utf-8"?>
+<file path=ppt/slides/slide2.xml><?xml version="1.0" encoding="utf-8"?>
+<p:sld xmlns:a="http://schemas.openxmlformats.org/drawingml/2006/main" xmlns:r="http://schemas.openxmlformats.org/officeDocument/2006/relationships" xmlns:p="http://schemas.openxmlformats.org/presentationml/2006/main">
+  <p:cSld>
+    <p:spTree>
+      <p:nvGrpSpPr>
+        <p:cNvPr id="1" name=""/>
+        <p:cNvGrpSpPr/>
+        <p:nvPr/>
+      </p:nvGrpSpPr>
+      <p:grpSpPr>
+        <a:xfrm>
+          <a:off x="0" y="0"/>
+          <a:ext cx="0" cy="0"/>
+          <a:chOff x="0" y="0"/>
+          <a:chExt cx="0" cy="0"/>
+        </a:xfrm>
+      </p:grpSpPr>
+      <p:grpSp>
+        <p:nvGrpSpPr>
+          <p:cNvPr id="202" name="Groupe 201"/>
+          <p:cNvGrpSpPr/>
+          <p:nvPr/>
+        </p:nvGrpSpPr>
+        <p:grpSpPr>
+          <a:xfrm>
+            <a:off x="0" y="73772"/>
+            <a:ext cx="3743811" cy="883356"/>
+            <a:chOff x="0" y="-9760"/>
+            <a:chExt cx="2998171" cy="785565"/>
+          </a:xfrm>
+        </p:grpSpPr>
+        <p:sp>
+          <p:nvSpPr>
+            <p:cNvPr id="203" name="ZoneTexte 202"/>
+            <p:cNvSpPr txBox="1"/>
+            <p:nvPr/>
+          </p:nvSpPr>
+          <p:spPr>
+            <a:xfrm>
+              <a:off x="109500" y="-9760"/>
+              <a:ext cx="2888671" cy="629520"/>
+            </a:xfrm>
+            <a:prstGeom prst="rect">
+              <a:avLst/>
+            </a:prstGeom>
+            <a:noFill/>
+          </p:spPr>
+          <p:txBody>
+            <a:bodyPr wrap="none" rtlCol="0">
+              <a:spAutoFit/>
+            </a:bodyPr>
+            <a:lstStyle/>
+            <a:p>
+              <a:r>
+                <a:rPr lang="fr-FR" sz="4000" b="1" dirty="0" smtClean="0">
+                  <a:latin typeface="Lato Regular" panose="020F0502020204030203" pitchFamily="34" charset="0"/>
+                  <a:ea typeface="Lato Regular" panose="020F0502020204030203" pitchFamily="34" charset="0"/>
+                  <a:cs typeface="Lato Regular" panose="020F0502020204030203" pitchFamily="34" charset="0"/>
+                </a:rPr>
+                <a:t>Poste de travail</a:t>
+              </a:r>
+              <a:endParaRPr lang="fr-FR" sz="3600" b="1" dirty="0">
+                <a:latin typeface="Lato Regular" panose="020F0502020204030203" pitchFamily="34" charset="0"/>
+                <a:ea typeface="Lato Regular" panose="020F0502020204030203" pitchFamily="34" charset="0"/>
+                <a:cs typeface="Lato Regular" panose="020F0502020204030203" pitchFamily="34" charset="0"/>
+              </a:endParaRPr>
+            </a:p>
+          </p:txBody>
+        </p:sp>
+        <p:sp>
+          <p:nvSpPr>
+            <p:cNvPr id="204" name="Rectangle 203"/>
+            <p:cNvSpPr/>
+            <p:nvPr/>
+          </p:nvSpPr>
+          <p:spPr>
+            <a:xfrm>
+              <a:off x="0" y="619760"/>
+              <a:ext cx="2357120" cy="156045"/>
+            </a:xfrm>
+            <a:prstGeom prst="rect">
+              <a:avLst/>
+            </a:prstGeom>
+            <a:solidFill>
+              <a:srgbClr val="438721"/>
+            </a:solidFill>
+            <a:ln>
+              <a:noFill/>
+            </a:ln>
+          </p:spPr>
+          <p:style>
+            <a:lnRef idx="2">
+              <a:schemeClr val="accent1">
+                <a:shade val="50000"/>
+              </a:schemeClr>
+            </a:lnRef>
+            <a:fillRef idx="1">
+              <a:schemeClr val="accent1"/>
+            </a:fillRef>
+            <a:effectRef idx="0">
+              <a:schemeClr val="accent1"/>
+            </a:effectRef>
+            <a:fontRef idx="minor">
+              <a:schemeClr val="lt1"/>
+            </a:fontRef>
+          </p:style>
+          <p:txBody>
+            <a:bodyPr rtlCol="0" anchor="ctr"/>
+            <a:lstStyle/>
+            <a:p>
+              <a:pPr algn="ctr"/>
+              <a:endParaRPr lang="fr-FR"/>
+            </a:p>
+          </p:txBody>
+        </p:sp>
+      </p:grpSp>
+      <p:pic>
+        <p:nvPicPr>
+          <p:cNvPr id="2" name="Image 1"/>
+          <p:cNvPicPr>
+            <a:picLocks noChangeAspect="1"/>
+          </p:cNvPicPr>
+          <p:nvPr/>
+        </p:nvPicPr>
+        <p:blipFill>
+          <a:blip r:embed="rId2">
+            <a:extLst>
+              <a:ext uri="{28A0092B-C50C-407E-A947-70E740481C1C}">
+                <a14:useLocalDpi xmlns:a14="http://schemas.microsoft.com/office/drawing/2010/main" val="0"/>
+              </a:ext>
+            </a:extLst>
+          </a:blip>
+          <a:stretch>
+            <a:fillRect/>
+          </a:stretch>
+        </p:blipFill>
+        <p:spPr>
+          <a:xfrm>
+            <a:off x="363882" y="1583707"/>
+            <a:ext cx="4813300" cy="4216400"/>
+          </a:xfrm>
+          <a:prstGeom prst="rect">
+            <a:avLst/>
+          </a:prstGeom>
+        </p:spPr>
+      </p:pic>
+      <p:sp>
+        <p:nvSpPr>
+          <p:cNvPr id="12" name="ZoneTexte 11"/>
+          <p:cNvSpPr txBox="1"/>
+          <p:nvPr/>
+        </p:nvSpPr>
+        <p:spPr>
+          <a:xfrm>
+            <a:off x="5301466" y="1706679"/>
+            <a:ext cx="6554912" cy="2554545"/>
+          </a:xfrm>
+          <a:prstGeom prst="rect">
+            <a:avLst/>
+          </a:prstGeom>
+          <a:noFill/>
+        </p:spPr>
+        <p:txBody>
+          <a:bodyPr wrap="square" rtlCol="0">
+            <a:spAutoFit/>
+          </a:bodyPr>
+          <a:lstStyle/>
+          <a:p>
+            <a:r>
+              <a:rPr lang="fr-FR" sz="2000" dirty="0">
+                <a:solidFill>
+                  <a:schemeClr val="tx2"/>
+                </a:solidFill>
+                <a:latin typeface="Lato Regular"/>
+                <a:cs typeface="Lato Regular"/>
+              </a:rPr>
+              <a:t>Installation en </a:t>
+            </a:r>
+            <a:r>
+              <a:rPr lang="fr-FR" sz="2000" dirty="0" smtClean="0">
+                <a:solidFill>
+                  <a:schemeClr val="tx2"/>
+                </a:solidFill>
+                <a:latin typeface="Lato Regular"/>
+                <a:cs typeface="Lato Regular"/>
+              </a:rPr>
+              <a:t>local :</a:t>
+            </a:r>
+            <a:endParaRPr lang="fr-FR" sz="2000" dirty="0">
+              <a:solidFill>
+                <a:schemeClr val="tx2"/>
+              </a:solidFill>
+              <a:latin typeface="Lato Regular"/>
+              <a:cs typeface="Lato Regular"/>
+            </a:endParaRPr>
+          </a:p>
+          <a:p>
+            <a:pPr marL="571500" indent="-571500">
+              <a:buFontTx/>
+              <a:buChar char="-"/>
+            </a:pPr>
+            <a:r>
+              <a:rPr lang="fr-FR" sz="2000" dirty="0" smtClean="0">
+                <a:solidFill>
+                  <a:schemeClr val="tx2"/>
+                </a:solidFill>
+                <a:latin typeface="Lato Light"/>
+                <a:cs typeface="Lato Light"/>
+              </a:rPr>
+              <a:t>Java 8</a:t>
+            </a:r>
+            <a:endParaRPr lang="fr-FR" sz="2000" dirty="0">
+              <a:solidFill>
+                <a:schemeClr val="tx2"/>
+              </a:solidFill>
+              <a:latin typeface="Lato Light"/>
+              <a:cs typeface="Lato Light"/>
+            </a:endParaRPr>
+          </a:p>
+          <a:p>
+            <a:pPr marL="571500" indent="-571500">
+              <a:buFontTx/>
+              <a:buChar char="-"/>
+            </a:pPr>
+            <a:r>
+              <a:rPr lang="fr-FR" sz="2000" dirty="0" err="1">
+                <a:solidFill>
+                  <a:schemeClr val="tx2"/>
+                </a:solidFill>
+                <a:latin typeface="Lato Light"/>
+                <a:cs typeface="Lato Light"/>
+              </a:rPr>
+              <a:t>Maven</a:t>
+            </a:r>
+            <a:endParaRPr lang="fr-FR" sz="2000" dirty="0">
+              <a:solidFill>
+                <a:schemeClr val="tx2"/>
+              </a:solidFill>
+              <a:latin typeface="Lato Light"/>
+              <a:cs typeface="Lato Light"/>
+            </a:endParaRPr>
+          </a:p>
+          <a:p>
+            <a:pPr marL="571500" indent="-571500">
+              <a:buFontTx/>
+              <a:buChar char="-"/>
+            </a:pPr>
+            <a:r>
+              <a:rPr lang="fr-FR" sz="2000" dirty="0" smtClean="0">
+                <a:solidFill>
+                  <a:schemeClr val="tx2"/>
+                </a:solidFill>
+                <a:latin typeface="Lato Light"/>
+                <a:cs typeface="Lato Light"/>
+              </a:rPr>
+              <a:t>Docker</a:t>
+            </a:r>
+          </a:p>
+          <a:p>
+            <a:pPr marL="571500" indent="-571500">
+              <a:buFontTx/>
+              <a:buChar char="-"/>
+            </a:pPr>
+            <a:r>
+              <a:rPr lang="fr-FR" sz="2000" dirty="0" err="1" smtClean="0">
+                <a:solidFill>
+                  <a:schemeClr val="tx2"/>
+                </a:solidFill>
+                <a:latin typeface="Lato Light"/>
+                <a:cs typeface="Lato Light"/>
+              </a:rPr>
+              <a:t>Kubernetes</a:t>
+            </a:r>
+            <a:endParaRPr lang="fr-FR" sz="2000" dirty="0" smtClean="0">
+              <a:solidFill>
+                <a:schemeClr val="tx2"/>
+              </a:solidFill>
+              <a:latin typeface="Lato Light"/>
+              <a:cs typeface="Lato Light"/>
+            </a:endParaRPr>
+          </a:p>
+          <a:p>
+            <a:pPr marL="571500" indent="-571500">
+              <a:buFontTx/>
+              <a:buChar char="-"/>
+            </a:pPr>
+            <a:endParaRPr lang="fr-FR" sz="2000" dirty="0">
+              <a:solidFill>
+                <a:schemeClr val="tx2"/>
+              </a:solidFill>
+              <a:latin typeface="Lato Light"/>
+              <a:cs typeface="Lato Light"/>
+            </a:endParaRPr>
+          </a:p>
+          <a:p>
+            <a:r>
+              <a:rPr lang="fr-FR" sz="2000" dirty="0" smtClean="0">
+                <a:solidFill>
+                  <a:schemeClr val="tx2"/>
+                </a:solidFill>
+                <a:latin typeface="Lato Regular"/>
+                <a:cs typeface="Lato Regular"/>
+              </a:rPr>
+              <a:t>Instructions :</a:t>
+            </a:r>
+            <a:endParaRPr lang="fr-FR" sz="2000" dirty="0">
+              <a:solidFill>
+                <a:schemeClr val="tx2"/>
+              </a:solidFill>
+              <a:latin typeface="Lato Regular"/>
+              <a:cs typeface="Lato Regular"/>
+            </a:endParaRPr>
+          </a:p>
+          <a:p>
+            <a:pPr algn="ctr"/>
+            <a:r>
+              <a:rPr lang="fr-FR" sz="2000" dirty="0">
+                <a:hlinkClick r:id="rId3"/>
+              </a:rPr>
+              <a:t>https://sii-codelab-chaos.github.io/Codelab-Chaos-TP/</a:t>
+            </a:r>
+            <a:endParaRPr lang="fr-FR" sz="2000" dirty="0" smtClean="0">
+              <a:solidFill>
+                <a:schemeClr val="tx2"/>
+              </a:solidFill>
+              <a:latin typeface="Lato Light"/>
+              <a:cs typeface="Lato Light"/>
+            </a:endParaRPr>
+          </a:p>
+        </p:txBody>
+      </p:sp>
+    </p:spTree>
+    <p:extLst>
+      <p:ext uri="{BB962C8B-B14F-4D97-AF65-F5344CB8AC3E}">
+        <p14:creationId xmlns:p14="http://schemas.microsoft.com/office/powerpoint/2010/main" val="1774124919"/>
+      </p:ext>
+    </p:extLst>
+  </p:cSld>
+  <p:clrMapOvr>
+    <a:masterClrMapping/>
+  </p:clrMapOvr>
+  <p:timing>
+    <p:tnLst>
+      <p:par>
+        <p:cTn id="1" dur="indefinite" restart="never" nodeType="tmRoot"/>
+      </p:par>
+    </p:tnLst>
+  </p:timing>
+</p:sld>
+</file>
+
+<file path=ppt/slides/slide20.xml><?xml version="1.0" encoding="utf-8"?>
 <p:sld xmlns:a="http://schemas.openxmlformats.org/drawingml/2006/main" xmlns:r="http://schemas.openxmlformats.org/officeDocument/2006/relationships" xmlns:p="http://schemas.openxmlformats.org/presentationml/2006/main">
   <p:cSld>
     <p:spTree>
@@ -14429,7 +15554,7 @@
 </p:sld>
 </file>
 
-<file path=ppt/slides/slide19.xml><?xml version="1.0" encoding="utf-8"?>
+<file path=ppt/slides/slide21.xml><?xml version="1.0" encoding="utf-8"?>
 <p:sld xmlns:a="http://schemas.openxmlformats.org/drawingml/2006/main" xmlns:r="http://schemas.openxmlformats.org/officeDocument/2006/relationships" xmlns:p="http://schemas.openxmlformats.org/presentationml/2006/main">
   <p:cSld>
     <p:spTree>
@@ -14733,364 +15858,7 @@
 </p:sld>
 </file>
 
-<file path=ppt/slides/slide2.xml><?xml version="1.0" encoding="utf-8"?>
-<p:sld xmlns:a="http://schemas.openxmlformats.org/drawingml/2006/main" xmlns:r="http://schemas.openxmlformats.org/officeDocument/2006/relationships" xmlns:p="http://schemas.openxmlformats.org/presentationml/2006/main">
-  <p:cSld>
-    <p:spTree>
-      <p:nvGrpSpPr>
-        <p:cNvPr id="1" name=""/>
-        <p:cNvGrpSpPr/>
-        <p:nvPr/>
-      </p:nvGrpSpPr>
-      <p:grpSpPr>
-        <a:xfrm>
-          <a:off x="0" y="0"/>
-          <a:ext cx="0" cy="0"/>
-          <a:chOff x="0" y="0"/>
-          <a:chExt cx="0" cy="0"/>
-        </a:xfrm>
-      </p:grpSpPr>
-      <p:grpSp>
-        <p:nvGrpSpPr>
-          <p:cNvPr id="202" name="Groupe 201"/>
-          <p:cNvGrpSpPr/>
-          <p:nvPr/>
-        </p:nvGrpSpPr>
-        <p:grpSpPr>
-          <a:xfrm>
-            <a:off x="0" y="73772"/>
-            <a:ext cx="5717107" cy="883356"/>
-            <a:chOff x="0" y="-9760"/>
-            <a:chExt cx="4578456" cy="785565"/>
-          </a:xfrm>
-        </p:grpSpPr>
-        <p:sp>
-          <p:nvSpPr>
-            <p:cNvPr id="203" name="ZoneTexte 202"/>
-            <p:cNvSpPr txBox="1"/>
-            <p:nvPr/>
-          </p:nvSpPr>
-          <p:spPr>
-            <a:xfrm>
-              <a:off x="109500" y="-9760"/>
-              <a:ext cx="4468956" cy="629520"/>
-            </a:xfrm>
-            <a:prstGeom prst="rect">
-              <a:avLst/>
-            </a:prstGeom>
-            <a:noFill/>
-          </p:spPr>
-          <p:txBody>
-            <a:bodyPr wrap="none" rtlCol="0">
-              <a:spAutoFit/>
-            </a:bodyPr>
-            <a:lstStyle/>
-            <a:p>
-              <a:r>
-                <a:rPr lang="fr-FR" sz="4000" b="1" dirty="0" smtClean="0">
-                  <a:latin typeface="Lato Regular" panose="020F0502020204030203" pitchFamily="34" charset="0"/>
-                  <a:ea typeface="Lato Regular" panose="020F0502020204030203" pitchFamily="34" charset="0"/>
-                  <a:cs typeface="Lato Regular" panose="020F0502020204030203" pitchFamily="34" charset="0"/>
-                </a:rPr>
-                <a:t>Ce qui ne nous tue pas…</a:t>
-              </a:r>
-              <a:endParaRPr lang="fr-FR" sz="3600" b="1" dirty="0">
-                <a:latin typeface="Lato Regular" panose="020F0502020204030203" pitchFamily="34" charset="0"/>
-                <a:ea typeface="Lato Regular" panose="020F0502020204030203" pitchFamily="34" charset="0"/>
-                <a:cs typeface="Lato Regular" panose="020F0502020204030203" pitchFamily="34" charset="0"/>
-              </a:endParaRPr>
-            </a:p>
-          </p:txBody>
-        </p:sp>
-        <p:sp>
-          <p:nvSpPr>
-            <p:cNvPr id="204" name="Rectangle 203"/>
-            <p:cNvSpPr/>
-            <p:nvPr/>
-          </p:nvSpPr>
-          <p:spPr>
-            <a:xfrm>
-              <a:off x="0" y="619760"/>
-              <a:ext cx="2357120" cy="156045"/>
-            </a:xfrm>
-            <a:prstGeom prst="rect">
-              <a:avLst/>
-            </a:prstGeom>
-            <a:solidFill>
-              <a:srgbClr val="2F6079"/>
-            </a:solidFill>
-            <a:ln>
-              <a:noFill/>
-            </a:ln>
-          </p:spPr>
-          <p:style>
-            <a:lnRef idx="2">
-              <a:schemeClr val="accent1">
-                <a:shade val="50000"/>
-              </a:schemeClr>
-            </a:lnRef>
-            <a:fillRef idx="1">
-              <a:schemeClr val="accent1"/>
-            </a:fillRef>
-            <a:effectRef idx="0">
-              <a:schemeClr val="accent1"/>
-            </a:effectRef>
-            <a:fontRef idx="minor">
-              <a:schemeClr val="lt1"/>
-            </a:fontRef>
-          </p:style>
-          <p:txBody>
-            <a:bodyPr rtlCol="0" anchor="ctr"/>
-            <a:lstStyle/>
-            <a:p>
-              <a:pPr algn="ctr"/>
-              <a:endParaRPr lang="fr-FR"/>
-            </a:p>
-          </p:txBody>
-        </p:sp>
-      </p:grpSp>
-      <p:sp>
-        <p:nvSpPr>
-          <p:cNvPr id="6" name="Subtitle 2">
-            <a:extLst>
-              <a:ext uri="{FF2B5EF4-FFF2-40B4-BE49-F238E27FC236}">
-                <a16:creationId xmlns:a16="http://schemas.microsoft.com/office/drawing/2014/main" id="{D14CB390-EA4F-4FA9-A9B4-B33E71E51B9E}"/>
-              </a:ext>
-            </a:extLst>
-          </p:cNvPr>
-          <p:cNvSpPr txBox="1">
-            <a:spLocks/>
-          </p:cNvSpPr>
-          <p:nvPr/>
-        </p:nvSpPr>
-        <p:spPr>
-          <a:xfrm>
-            <a:off x="2542286" y="2676709"/>
-            <a:ext cx="7201626" cy="1730904"/>
-          </a:xfrm>
-          <a:prstGeom prst="rect">
-            <a:avLst/>
-          </a:prstGeom>
-          <a:solidFill>
-            <a:schemeClr val="bg1"/>
-          </a:solidFill>
-        </p:spPr>
-        <p:txBody>
-          <a:bodyPr vert="horz" lIns="243744" tIns="121869" rIns="243744" bIns="121869" rtlCol="0">
-            <a:noAutofit/>
-          </a:bodyPr>
-          <a:lstStyle>
-            <a:lvl1pPr marL="342900" indent="-342900" algn="l" defTabSz="457200" rtl="0" eaLnBrk="1" latinLnBrk="0" hangingPunct="1">
-              <a:spcBef>
-                <a:spcPct val="20000"/>
-              </a:spcBef>
-              <a:buFont typeface="Arial"/>
-              <a:buChar char="•"/>
-              <a:defRPr sz="3200" kern="1200">
-                <a:solidFill>
-                  <a:schemeClr val="tx1"/>
-                </a:solidFill>
-                <a:latin typeface="+mn-lt"/>
-                <a:ea typeface="+mn-ea"/>
-                <a:cs typeface="+mn-cs"/>
-              </a:defRPr>
-            </a:lvl1pPr>
-            <a:lvl2pPr marL="742950" indent="-285750" algn="l" defTabSz="457200" rtl="0" eaLnBrk="1" latinLnBrk="0" hangingPunct="1">
-              <a:spcBef>
-                <a:spcPct val="20000"/>
-              </a:spcBef>
-              <a:buFont typeface="Arial"/>
-              <a:buChar char="–"/>
-              <a:defRPr sz="2800" kern="1200">
-                <a:solidFill>
-                  <a:schemeClr val="tx1"/>
-                </a:solidFill>
-                <a:latin typeface="+mn-lt"/>
-                <a:ea typeface="+mn-ea"/>
-                <a:cs typeface="+mn-cs"/>
-              </a:defRPr>
-            </a:lvl2pPr>
-            <a:lvl3pPr marL="1143000" indent="-228600" algn="l" defTabSz="457200" rtl="0" eaLnBrk="1" latinLnBrk="0" hangingPunct="1">
-              <a:spcBef>
-                <a:spcPct val="20000"/>
-              </a:spcBef>
-              <a:buFont typeface="Arial"/>
-              <a:buChar char="•"/>
-              <a:defRPr sz="2400" kern="1200">
-                <a:solidFill>
-                  <a:schemeClr val="tx1"/>
-                </a:solidFill>
-                <a:latin typeface="+mn-lt"/>
-                <a:ea typeface="+mn-ea"/>
-                <a:cs typeface="+mn-cs"/>
-              </a:defRPr>
-            </a:lvl3pPr>
-            <a:lvl4pPr marL="1600200" indent="-228600" algn="l" defTabSz="457200" rtl="0" eaLnBrk="1" latinLnBrk="0" hangingPunct="1">
-              <a:spcBef>
-                <a:spcPct val="20000"/>
-              </a:spcBef>
-              <a:buFont typeface="Arial"/>
-              <a:buChar char="–"/>
-              <a:defRPr sz="2000" kern="1200">
-                <a:solidFill>
-                  <a:schemeClr val="tx1"/>
-                </a:solidFill>
-                <a:latin typeface="+mn-lt"/>
-                <a:ea typeface="+mn-ea"/>
-                <a:cs typeface="+mn-cs"/>
-              </a:defRPr>
-            </a:lvl4pPr>
-            <a:lvl5pPr marL="2057400" indent="-228600" algn="l" defTabSz="457200" rtl="0" eaLnBrk="1" latinLnBrk="0" hangingPunct="1">
-              <a:spcBef>
-                <a:spcPct val="20000"/>
-              </a:spcBef>
-              <a:buFont typeface="Arial"/>
-              <a:buChar char="»"/>
-              <a:defRPr sz="2000" kern="1200">
-                <a:solidFill>
-                  <a:schemeClr val="tx1"/>
-                </a:solidFill>
-                <a:latin typeface="+mn-lt"/>
-                <a:ea typeface="+mn-ea"/>
-                <a:cs typeface="+mn-cs"/>
-              </a:defRPr>
-            </a:lvl5pPr>
-            <a:lvl6pPr marL="2514600" indent="-228600" algn="l" defTabSz="457200" rtl="0" eaLnBrk="1" latinLnBrk="0" hangingPunct="1">
-              <a:spcBef>
-                <a:spcPct val="20000"/>
-              </a:spcBef>
-              <a:buFont typeface="Arial"/>
-              <a:buChar char="•"/>
-              <a:defRPr sz="2000" kern="1200">
-                <a:solidFill>
-                  <a:schemeClr val="tx1"/>
-                </a:solidFill>
-                <a:latin typeface="+mn-lt"/>
-                <a:ea typeface="+mn-ea"/>
-                <a:cs typeface="+mn-cs"/>
-              </a:defRPr>
-            </a:lvl6pPr>
-            <a:lvl7pPr marL="2971800" indent="-228600" algn="l" defTabSz="457200" rtl="0" eaLnBrk="1" latinLnBrk="0" hangingPunct="1">
-              <a:spcBef>
-                <a:spcPct val="20000"/>
-              </a:spcBef>
-              <a:buFont typeface="Arial"/>
-              <a:buChar char="•"/>
-              <a:defRPr sz="2000" kern="1200">
-                <a:solidFill>
-                  <a:schemeClr val="tx1"/>
-                </a:solidFill>
-                <a:latin typeface="+mn-lt"/>
-                <a:ea typeface="+mn-ea"/>
-                <a:cs typeface="+mn-cs"/>
-              </a:defRPr>
-            </a:lvl7pPr>
-            <a:lvl8pPr marL="3429000" indent="-228600" algn="l" defTabSz="457200" rtl="0" eaLnBrk="1" latinLnBrk="0" hangingPunct="1">
-              <a:spcBef>
-                <a:spcPct val="20000"/>
-              </a:spcBef>
-              <a:buFont typeface="Arial"/>
-              <a:buChar char="•"/>
-              <a:defRPr sz="2000" kern="1200">
-                <a:solidFill>
-                  <a:schemeClr val="tx1"/>
-                </a:solidFill>
-                <a:latin typeface="+mn-lt"/>
-                <a:ea typeface="+mn-ea"/>
-                <a:cs typeface="+mn-cs"/>
-              </a:defRPr>
-            </a:lvl8pPr>
-            <a:lvl9pPr marL="3886200" indent="-228600" algn="l" defTabSz="457200" rtl="0" eaLnBrk="1" latinLnBrk="0" hangingPunct="1">
-              <a:spcBef>
-                <a:spcPct val="20000"/>
-              </a:spcBef>
-              <a:buFont typeface="Arial"/>
-              <a:buChar char="•"/>
-              <a:defRPr sz="2000" kern="1200">
-                <a:solidFill>
-                  <a:schemeClr val="tx1"/>
-                </a:solidFill>
-                <a:latin typeface="+mn-lt"/>
-                <a:ea typeface="+mn-ea"/>
-                <a:cs typeface="+mn-cs"/>
-              </a:defRPr>
-            </a:lvl9pPr>
-          </a:lstStyle>
-          <a:p>
-            <a:pPr marL="0" indent="0">
-              <a:buNone/>
-            </a:pPr>
-            <a:r>
-              <a:rPr lang="fr-FR" sz="2000" dirty="0" smtClean="0">
-                <a:solidFill>
-                  <a:schemeClr val="tx2"/>
-                </a:solidFill>
-                <a:latin typeface="Lato Regular"/>
-                <a:cs typeface="Lato Regular"/>
-              </a:rPr>
-              <a:t>Résilience</a:t>
-            </a:r>
-          </a:p>
-          <a:p>
-            <a:pPr marL="0" indent="0">
-              <a:buNone/>
-            </a:pPr>
-            <a:r>
-              <a:rPr lang="fr-FR" sz="1600" dirty="0" smtClean="0">
-                <a:solidFill>
-                  <a:schemeClr val="tx2"/>
-                </a:solidFill>
-                <a:latin typeface="Lato Light"/>
-                <a:cs typeface="Lato Light"/>
-              </a:rPr>
-              <a:t>« La résilience est la capacité pour un individu à faire face à une situation difficile ou génératrice de stress. […] Faculté à « rebondir », à vaincre des situations traumatiques. »</a:t>
-            </a:r>
-          </a:p>
-          <a:p>
-            <a:pPr marL="0" indent="0" algn="r">
-              <a:buNone/>
-            </a:pPr>
-            <a:r>
-              <a:rPr lang="fr-FR" sz="1600" i="1" dirty="0" smtClean="0">
-                <a:solidFill>
-                  <a:schemeClr val="tx2"/>
-                </a:solidFill>
-                <a:latin typeface="Lato Light"/>
-                <a:cs typeface="Lato Light"/>
-              </a:rPr>
-              <a:t>Psychologies.com</a:t>
-            </a:r>
-            <a:endParaRPr lang="fr-FR" sz="1600" i="1" dirty="0">
-              <a:solidFill>
-                <a:schemeClr val="tx2"/>
-              </a:solidFill>
-              <a:latin typeface="Lato Light"/>
-              <a:cs typeface="Lato Light"/>
-            </a:endParaRPr>
-          </a:p>
-        </p:txBody>
-      </p:sp>
-    </p:spTree>
-    <p:extLst>
-      <p:ext uri="{BB962C8B-B14F-4D97-AF65-F5344CB8AC3E}">
-        <p14:creationId xmlns:p14="http://schemas.microsoft.com/office/powerpoint/2010/main" val="2697850890"/>
-      </p:ext>
-    </p:extLst>
-  </p:cSld>
-  <p:clrMapOvr>
-    <a:masterClrMapping/>
-  </p:clrMapOvr>
-  <p:timing>
-    <p:tnLst>
-      <p:par>
-        <p:cTn id="1" dur="indefinite" restart="never" nodeType="tmRoot"/>
-      </p:par>
-    </p:tnLst>
-  </p:timing>
-</p:sld>
-</file>
-
-<file path=ppt/slides/slide20.xml><?xml version="1.0" encoding="utf-8"?>
+<file path=ppt/slides/slide22.xml><?xml version="1.0" encoding="utf-8"?>
 <p:sld xmlns:a="http://schemas.openxmlformats.org/drawingml/2006/main" xmlns:r="http://schemas.openxmlformats.org/officeDocument/2006/relationships" xmlns:p="http://schemas.openxmlformats.org/presentationml/2006/main">
   <p:cSld>
     <p:spTree>
@@ -15458,7 +16226,7 @@
 </p:sld>
 </file>
 
-<file path=ppt/slides/slide21.xml><?xml version="1.0" encoding="utf-8"?>
+<file path=ppt/slides/slide23.xml><?xml version="1.0" encoding="utf-8"?>
 <p:sld xmlns:a="http://schemas.openxmlformats.org/drawingml/2006/main" xmlns:r="http://schemas.openxmlformats.org/officeDocument/2006/relationships" xmlns:p="http://schemas.openxmlformats.org/presentationml/2006/main">
   <p:cSld>
     <p:spTree>
@@ -16122,7 +16890,7 @@
 </p:sld>
 </file>
 
-<file path=ppt/slides/slide22.xml><?xml version="1.0" encoding="utf-8"?>
+<file path=ppt/slides/slide24.xml><?xml version="1.0" encoding="utf-8"?>
 <p:sld xmlns:a="http://schemas.openxmlformats.org/drawingml/2006/main" xmlns:r="http://schemas.openxmlformats.org/officeDocument/2006/relationships" xmlns:p="http://schemas.openxmlformats.org/presentationml/2006/main">
   <p:cSld>
     <p:spTree>
@@ -16569,7 +17337,7 @@
 </p:sld>
 </file>
 
-<file path=ppt/slides/slide23.xml><?xml version="1.0" encoding="utf-8"?>
+<file path=ppt/slides/slide25.xml><?xml version="1.0" encoding="utf-8"?>
 <p:sld xmlns:a="http://schemas.openxmlformats.org/drawingml/2006/main" xmlns:r="http://schemas.openxmlformats.org/officeDocument/2006/relationships" xmlns:p="http://schemas.openxmlformats.org/presentationml/2006/main">
   <p:cSld>
     <p:spTree>
@@ -16985,7 +17753,7 @@
 </p:sld>
 </file>
 
-<file path=ppt/slides/slide24.xml><?xml version="1.0" encoding="utf-8"?>
+<file path=ppt/slides/slide26.xml><?xml version="1.0" encoding="utf-8"?>
 <p:sld xmlns:a="http://schemas.openxmlformats.org/drawingml/2006/main" xmlns:r="http://schemas.openxmlformats.org/officeDocument/2006/relationships" xmlns:p="http://schemas.openxmlformats.org/presentationml/2006/main">
   <p:cSld>
     <p:spTree>
@@ -17401,7 +18169,7 @@
 </p:sld>
 </file>
 
-<file path=ppt/slides/slide25.xml><?xml version="1.0" encoding="utf-8"?>
+<file path=ppt/slides/slide27.xml><?xml version="1.0" encoding="utf-8"?>
 <p:sld xmlns:a="http://schemas.openxmlformats.org/drawingml/2006/main" xmlns:r="http://schemas.openxmlformats.org/officeDocument/2006/relationships" xmlns:p="http://schemas.openxmlformats.org/presentationml/2006/main">
   <p:cSld>
     <p:spTree>
@@ -17752,7 +18520,7 @@
 </p:sld>
 </file>
 
-<file path=ppt/slides/slide26.xml><?xml version="1.0" encoding="utf-8"?>
+<file path=ppt/slides/slide28.xml><?xml version="1.0" encoding="utf-8"?>
 <p:sld xmlns:a="http://schemas.openxmlformats.org/drawingml/2006/main" xmlns:r="http://schemas.openxmlformats.org/officeDocument/2006/relationships" xmlns:p="http://schemas.openxmlformats.org/presentationml/2006/main">
   <p:cSld>
     <p:spTree>
@@ -17975,7 +18743,7 @@
 </p:sld>
 </file>
 
-<file path=ppt/slides/slide27.xml><?xml version="1.0" encoding="utf-8"?>
+<file path=ppt/slides/slide29.xml><?xml version="1.0" encoding="utf-8"?>
 <p:sld xmlns:a="http://schemas.openxmlformats.org/drawingml/2006/main" xmlns:r="http://schemas.openxmlformats.org/officeDocument/2006/relationships" xmlns:p="http://schemas.openxmlformats.org/presentationml/2006/main">
   <p:cSld>
     <p:spTree>
@@ -18359,7 +19127,364 @@
 </p:sld>
 </file>
 
-<file path=ppt/slides/slide28.xml><?xml version="1.0" encoding="utf-8"?>
+<file path=ppt/slides/slide3.xml><?xml version="1.0" encoding="utf-8"?>
+<p:sld xmlns:a="http://schemas.openxmlformats.org/drawingml/2006/main" xmlns:r="http://schemas.openxmlformats.org/officeDocument/2006/relationships" xmlns:p="http://schemas.openxmlformats.org/presentationml/2006/main">
+  <p:cSld>
+    <p:spTree>
+      <p:nvGrpSpPr>
+        <p:cNvPr id="1" name=""/>
+        <p:cNvGrpSpPr/>
+        <p:nvPr/>
+      </p:nvGrpSpPr>
+      <p:grpSpPr>
+        <a:xfrm>
+          <a:off x="0" y="0"/>
+          <a:ext cx="0" cy="0"/>
+          <a:chOff x="0" y="0"/>
+          <a:chExt cx="0" cy="0"/>
+        </a:xfrm>
+      </p:grpSpPr>
+      <p:grpSp>
+        <p:nvGrpSpPr>
+          <p:cNvPr id="202" name="Groupe 201"/>
+          <p:cNvGrpSpPr/>
+          <p:nvPr/>
+        </p:nvGrpSpPr>
+        <p:grpSpPr>
+          <a:xfrm>
+            <a:off x="0" y="73772"/>
+            <a:ext cx="5717107" cy="883356"/>
+            <a:chOff x="0" y="-9760"/>
+            <a:chExt cx="4578456" cy="785565"/>
+          </a:xfrm>
+        </p:grpSpPr>
+        <p:sp>
+          <p:nvSpPr>
+            <p:cNvPr id="203" name="ZoneTexte 202"/>
+            <p:cNvSpPr txBox="1"/>
+            <p:nvPr/>
+          </p:nvSpPr>
+          <p:spPr>
+            <a:xfrm>
+              <a:off x="109500" y="-9760"/>
+              <a:ext cx="4468956" cy="629520"/>
+            </a:xfrm>
+            <a:prstGeom prst="rect">
+              <a:avLst/>
+            </a:prstGeom>
+            <a:noFill/>
+          </p:spPr>
+          <p:txBody>
+            <a:bodyPr wrap="none" rtlCol="0">
+              <a:spAutoFit/>
+            </a:bodyPr>
+            <a:lstStyle/>
+            <a:p>
+              <a:r>
+                <a:rPr lang="fr-FR" sz="4000" b="1" dirty="0" smtClean="0">
+                  <a:latin typeface="Lato Regular" panose="020F0502020204030203" pitchFamily="34" charset="0"/>
+                  <a:ea typeface="Lato Regular" panose="020F0502020204030203" pitchFamily="34" charset="0"/>
+                  <a:cs typeface="Lato Regular" panose="020F0502020204030203" pitchFamily="34" charset="0"/>
+                </a:rPr>
+                <a:t>Ce qui ne nous tue pas…</a:t>
+              </a:r>
+              <a:endParaRPr lang="fr-FR" sz="3600" b="1" dirty="0">
+                <a:latin typeface="Lato Regular" panose="020F0502020204030203" pitchFamily="34" charset="0"/>
+                <a:ea typeface="Lato Regular" panose="020F0502020204030203" pitchFamily="34" charset="0"/>
+                <a:cs typeface="Lato Regular" panose="020F0502020204030203" pitchFamily="34" charset="0"/>
+              </a:endParaRPr>
+            </a:p>
+          </p:txBody>
+        </p:sp>
+        <p:sp>
+          <p:nvSpPr>
+            <p:cNvPr id="204" name="Rectangle 203"/>
+            <p:cNvSpPr/>
+            <p:nvPr/>
+          </p:nvSpPr>
+          <p:spPr>
+            <a:xfrm>
+              <a:off x="0" y="619760"/>
+              <a:ext cx="2357120" cy="156045"/>
+            </a:xfrm>
+            <a:prstGeom prst="rect">
+              <a:avLst/>
+            </a:prstGeom>
+            <a:solidFill>
+              <a:srgbClr val="2F6079"/>
+            </a:solidFill>
+            <a:ln>
+              <a:noFill/>
+            </a:ln>
+          </p:spPr>
+          <p:style>
+            <a:lnRef idx="2">
+              <a:schemeClr val="accent1">
+                <a:shade val="50000"/>
+              </a:schemeClr>
+            </a:lnRef>
+            <a:fillRef idx="1">
+              <a:schemeClr val="accent1"/>
+            </a:fillRef>
+            <a:effectRef idx="0">
+              <a:schemeClr val="accent1"/>
+            </a:effectRef>
+            <a:fontRef idx="minor">
+              <a:schemeClr val="lt1"/>
+            </a:fontRef>
+          </p:style>
+          <p:txBody>
+            <a:bodyPr rtlCol="0" anchor="ctr"/>
+            <a:lstStyle/>
+            <a:p>
+              <a:pPr algn="ctr"/>
+              <a:endParaRPr lang="fr-FR"/>
+            </a:p>
+          </p:txBody>
+        </p:sp>
+      </p:grpSp>
+      <p:sp>
+        <p:nvSpPr>
+          <p:cNvPr id="6" name="Subtitle 2">
+            <a:extLst>
+              <a:ext uri="{FF2B5EF4-FFF2-40B4-BE49-F238E27FC236}">
+                <a16:creationId xmlns:a16="http://schemas.microsoft.com/office/drawing/2014/main" id="{D14CB390-EA4F-4FA9-A9B4-B33E71E51B9E}"/>
+              </a:ext>
+            </a:extLst>
+          </p:cNvPr>
+          <p:cNvSpPr txBox="1">
+            <a:spLocks/>
+          </p:cNvSpPr>
+          <p:nvPr/>
+        </p:nvSpPr>
+        <p:spPr>
+          <a:xfrm>
+            <a:off x="2542286" y="2676709"/>
+            <a:ext cx="7201626" cy="1730904"/>
+          </a:xfrm>
+          <a:prstGeom prst="rect">
+            <a:avLst/>
+          </a:prstGeom>
+          <a:solidFill>
+            <a:schemeClr val="bg1"/>
+          </a:solidFill>
+        </p:spPr>
+        <p:txBody>
+          <a:bodyPr vert="horz" lIns="243744" tIns="121869" rIns="243744" bIns="121869" rtlCol="0">
+            <a:noAutofit/>
+          </a:bodyPr>
+          <a:lstStyle>
+            <a:lvl1pPr marL="342900" indent="-342900" algn="l" defTabSz="457200" rtl="0" eaLnBrk="1" latinLnBrk="0" hangingPunct="1">
+              <a:spcBef>
+                <a:spcPct val="20000"/>
+              </a:spcBef>
+              <a:buFont typeface="Arial"/>
+              <a:buChar char="•"/>
+              <a:defRPr sz="3200" kern="1200">
+                <a:solidFill>
+                  <a:schemeClr val="tx1"/>
+                </a:solidFill>
+                <a:latin typeface="+mn-lt"/>
+                <a:ea typeface="+mn-ea"/>
+                <a:cs typeface="+mn-cs"/>
+              </a:defRPr>
+            </a:lvl1pPr>
+            <a:lvl2pPr marL="742950" indent="-285750" algn="l" defTabSz="457200" rtl="0" eaLnBrk="1" latinLnBrk="0" hangingPunct="1">
+              <a:spcBef>
+                <a:spcPct val="20000"/>
+              </a:spcBef>
+              <a:buFont typeface="Arial"/>
+              <a:buChar char="–"/>
+              <a:defRPr sz="2800" kern="1200">
+                <a:solidFill>
+                  <a:schemeClr val="tx1"/>
+                </a:solidFill>
+                <a:latin typeface="+mn-lt"/>
+                <a:ea typeface="+mn-ea"/>
+                <a:cs typeface="+mn-cs"/>
+              </a:defRPr>
+            </a:lvl2pPr>
+            <a:lvl3pPr marL="1143000" indent="-228600" algn="l" defTabSz="457200" rtl="0" eaLnBrk="1" latinLnBrk="0" hangingPunct="1">
+              <a:spcBef>
+                <a:spcPct val="20000"/>
+              </a:spcBef>
+              <a:buFont typeface="Arial"/>
+              <a:buChar char="•"/>
+              <a:defRPr sz="2400" kern="1200">
+                <a:solidFill>
+                  <a:schemeClr val="tx1"/>
+                </a:solidFill>
+                <a:latin typeface="+mn-lt"/>
+                <a:ea typeface="+mn-ea"/>
+                <a:cs typeface="+mn-cs"/>
+              </a:defRPr>
+            </a:lvl3pPr>
+            <a:lvl4pPr marL="1600200" indent="-228600" algn="l" defTabSz="457200" rtl="0" eaLnBrk="1" latinLnBrk="0" hangingPunct="1">
+              <a:spcBef>
+                <a:spcPct val="20000"/>
+              </a:spcBef>
+              <a:buFont typeface="Arial"/>
+              <a:buChar char="–"/>
+              <a:defRPr sz="2000" kern="1200">
+                <a:solidFill>
+                  <a:schemeClr val="tx1"/>
+                </a:solidFill>
+                <a:latin typeface="+mn-lt"/>
+                <a:ea typeface="+mn-ea"/>
+                <a:cs typeface="+mn-cs"/>
+              </a:defRPr>
+            </a:lvl4pPr>
+            <a:lvl5pPr marL="2057400" indent="-228600" algn="l" defTabSz="457200" rtl="0" eaLnBrk="1" latinLnBrk="0" hangingPunct="1">
+              <a:spcBef>
+                <a:spcPct val="20000"/>
+              </a:spcBef>
+              <a:buFont typeface="Arial"/>
+              <a:buChar char="»"/>
+              <a:defRPr sz="2000" kern="1200">
+                <a:solidFill>
+                  <a:schemeClr val="tx1"/>
+                </a:solidFill>
+                <a:latin typeface="+mn-lt"/>
+                <a:ea typeface="+mn-ea"/>
+                <a:cs typeface="+mn-cs"/>
+              </a:defRPr>
+            </a:lvl5pPr>
+            <a:lvl6pPr marL="2514600" indent="-228600" algn="l" defTabSz="457200" rtl="0" eaLnBrk="1" latinLnBrk="0" hangingPunct="1">
+              <a:spcBef>
+                <a:spcPct val="20000"/>
+              </a:spcBef>
+              <a:buFont typeface="Arial"/>
+              <a:buChar char="•"/>
+              <a:defRPr sz="2000" kern="1200">
+                <a:solidFill>
+                  <a:schemeClr val="tx1"/>
+                </a:solidFill>
+                <a:latin typeface="+mn-lt"/>
+                <a:ea typeface="+mn-ea"/>
+                <a:cs typeface="+mn-cs"/>
+              </a:defRPr>
+            </a:lvl6pPr>
+            <a:lvl7pPr marL="2971800" indent="-228600" algn="l" defTabSz="457200" rtl="0" eaLnBrk="1" latinLnBrk="0" hangingPunct="1">
+              <a:spcBef>
+                <a:spcPct val="20000"/>
+              </a:spcBef>
+              <a:buFont typeface="Arial"/>
+              <a:buChar char="•"/>
+              <a:defRPr sz="2000" kern="1200">
+                <a:solidFill>
+                  <a:schemeClr val="tx1"/>
+                </a:solidFill>
+                <a:latin typeface="+mn-lt"/>
+                <a:ea typeface="+mn-ea"/>
+                <a:cs typeface="+mn-cs"/>
+              </a:defRPr>
+            </a:lvl7pPr>
+            <a:lvl8pPr marL="3429000" indent="-228600" algn="l" defTabSz="457200" rtl="0" eaLnBrk="1" latinLnBrk="0" hangingPunct="1">
+              <a:spcBef>
+                <a:spcPct val="20000"/>
+              </a:spcBef>
+              <a:buFont typeface="Arial"/>
+              <a:buChar char="•"/>
+              <a:defRPr sz="2000" kern="1200">
+                <a:solidFill>
+                  <a:schemeClr val="tx1"/>
+                </a:solidFill>
+                <a:latin typeface="+mn-lt"/>
+                <a:ea typeface="+mn-ea"/>
+                <a:cs typeface="+mn-cs"/>
+              </a:defRPr>
+            </a:lvl8pPr>
+            <a:lvl9pPr marL="3886200" indent="-228600" algn="l" defTabSz="457200" rtl="0" eaLnBrk="1" latinLnBrk="0" hangingPunct="1">
+              <a:spcBef>
+                <a:spcPct val="20000"/>
+              </a:spcBef>
+              <a:buFont typeface="Arial"/>
+              <a:buChar char="•"/>
+              <a:defRPr sz="2000" kern="1200">
+                <a:solidFill>
+                  <a:schemeClr val="tx1"/>
+                </a:solidFill>
+                <a:latin typeface="+mn-lt"/>
+                <a:ea typeface="+mn-ea"/>
+                <a:cs typeface="+mn-cs"/>
+              </a:defRPr>
+            </a:lvl9pPr>
+          </a:lstStyle>
+          <a:p>
+            <a:pPr marL="0" indent="0">
+              <a:buNone/>
+            </a:pPr>
+            <a:r>
+              <a:rPr lang="fr-FR" sz="2000" dirty="0" smtClean="0">
+                <a:solidFill>
+                  <a:schemeClr val="tx2"/>
+                </a:solidFill>
+                <a:latin typeface="Lato Regular"/>
+                <a:cs typeface="Lato Regular"/>
+              </a:rPr>
+              <a:t>Résilience</a:t>
+            </a:r>
+          </a:p>
+          <a:p>
+            <a:pPr marL="0" indent="0">
+              <a:buNone/>
+            </a:pPr>
+            <a:r>
+              <a:rPr lang="fr-FR" sz="1600" dirty="0" smtClean="0">
+                <a:solidFill>
+                  <a:schemeClr val="tx2"/>
+                </a:solidFill>
+                <a:latin typeface="Lato Light"/>
+                <a:cs typeface="Lato Light"/>
+              </a:rPr>
+              <a:t>« La résilience est la capacité pour un individu à faire face à une situation difficile ou génératrice de stress. […] Faculté à « rebondir », à vaincre des situations traumatiques. »</a:t>
+            </a:r>
+          </a:p>
+          <a:p>
+            <a:pPr marL="0" indent="0" algn="r">
+              <a:buNone/>
+            </a:pPr>
+            <a:r>
+              <a:rPr lang="fr-FR" sz="1600" i="1" dirty="0" smtClean="0">
+                <a:solidFill>
+                  <a:schemeClr val="tx2"/>
+                </a:solidFill>
+                <a:latin typeface="Lato Light"/>
+                <a:cs typeface="Lato Light"/>
+              </a:rPr>
+              <a:t>Psychologies.com</a:t>
+            </a:r>
+            <a:endParaRPr lang="fr-FR" sz="1600" i="1" dirty="0">
+              <a:solidFill>
+                <a:schemeClr val="tx2"/>
+              </a:solidFill>
+              <a:latin typeface="Lato Light"/>
+              <a:cs typeface="Lato Light"/>
+            </a:endParaRPr>
+          </a:p>
+        </p:txBody>
+      </p:sp>
+    </p:spTree>
+    <p:extLst>
+      <p:ext uri="{BB962C8B-B14F-4D97-AF65-F5344CB8AC3E}">
+        <p14:creationId xmlns:p14="http://schemas.microsoft.com/office/powerpoint/2010/main" val="2697850890"/>
+      </p:ext>
+    </p:extLst>
+  </p:cSld>
+  <p:clrMapOvr>
+    <a:masterClrMapping/>
+  </p:clrMapOvr>
+  <p:timing>
+    <p:tnLst>
+      <p:par>
+        <p:cTn id="1" dur="indefinite" restart="never" nodeType="tmRoot"/>
+      </p:par>
+    </p:tnLst>
+  </p:timing>
+</p:sld>
+</file>
+
+<file path=ppt/slides/slide30.xml><?xml version="1.0" encoding="utf-8"?>
 <p:sld xmlns:a="http://schemas.openxmlformats.org/drawingml/2006/main" xmlns:r="http://schemas.openxmlformats.org/officeDocument/2006/relationships" xmlns:p="http://schemas.openxmlformats.org/presentationml/2006/main">
   <p:cSld>
     <p:spTree>
@@ -18528,7 +19653,7 @@
 </p:sld>
 </file>
 
-<file path=ppt/slides/slide29.xml><?xml version="1.0" encoding="utf-8"?>
+<file path=ppt/slides/slide31.xml><?xml version="1.0" encoding="utf-8"?>
 <p:sld xmlns:a="http://schemas.openxmlformats.org/drawingml/2006/main" xmlns:r="http://schemas.openxmlformats.org/officeDocument/2006/relationships" xmlns:p="http://schemas.openxmlformats.org/presentationml/2006/main">
   <p:cSld>
     <p:spTree>
@@ -18883,7 +20008,7 @@
 </p:sld>
 </file>
 
-<file path=ppt/slides/slide3.xml><?xml version="1.0" encoding="utf-8"?>
+<file path=ppt/slides/slide4.xml><?xml version="1.0" encoding="utf-8"?>
 <p:sld xmlns:a="http://schemas.openxmlformats.org/drawingml/2006/main" xmlns:r="http://schemas.openxmlformats.org/officeDocument/2006/relationships" xmlns:p="http://schemas.openxmlformats.org/presentationml/2006/main">
   <p:cSld>
     <p:spTree>
@@ -19738,7 +20863,7 @@
 </p:sld>
 </file>
 
-<file path=ppt/slides/slide4.xml><?xml version="1.0" encoding="utf-8"?>
+<file path=ppt/slides/slide5.xml><?xml version="1.0" encoding="utf-8"?>
 <p:sld xmlns:a="http://schemas.openxmlformats.org/drawingml/2006/main" xmlns:r="http://schemas.openxmlformats.org/officeDocument/2006/relationships" xmlns:p="http://schemas.openxmlformats.org/presentationml/2006/main">
   <p:cSld>
     <p:spTree>
@@ -20163,7 +21288,7 @@
 </p:sld>
 </file>
 
-<file path=ppt/slides/slide5.xml><?xml version="1.0" encoding="utf-8"?>
+<file path=ppt/slides/slide6.xml><?xml version="1.0" encoding="utf-8"?>
 <p:sld xmlns:a="http://schemas.openxmlformats.org/drawingml/2006/main" xmlns:r="http://schemas.openxmlformats.org/officeDocument/2006/relationships" xmlns:p="http://schemas.openxmlformats.org/presentationml/2006/main">
   <p:cSld>
     <p:spTree>
@@ -20685,7 +21810,7 @@
 </p:sld>
 </file>
 
-<file path=ppt/slides/slide6.xml><?xml version="1.0" encoding="utf-8"?>
+<file path=ppt/slides/slide7.xml><?xml version="1.0" encoding="utf-8"?>
 <p:sld xmlns:a="http://schemas.openxmlformats.org/drawingml/2006/main" xmlns:r="http://schemas.openxmlformats.org/officeDocument/2006/relationships" xmlns:p="http://schemas.openxmlformats.org/presentationml/2006/main">
   <p:cSld>
     <p:spTree>
@@ -21243,356 +22368,6 @@
     <p:extLst>
       <p:ext uri="{BB962C8B-B14F-4D97-AF65-F5344CB8AC3E}">
         <p14:creationId xmlns:p14="http://schemas.microsoft.com/office/powerpoint/2010/main" val="1399699685"/>
-      </p:ext>
-    </p:extLst>
-  </p:cSld>
-  <p:clrMapOvr>
-    <a:masterClrMapping/>
-  </p:clrMapOvr>
-  <p:timing>
-    <p:tnLst>
-      <p:par>
-        <p:cTn id="1" dur="indefinite" restart="never" nodeType="tmRoot"/>
-      </p:par>
-    </p:tnLst>
-  </p:timing>
-</p:sld>
-</file>
-
-<file path=ppt/slides/slide7.xml><?xml version="1.0" encoding="utf-8"?>
-<p:sld xmlns:a="http://schemas.openxmlformats.org/drawingml/2006/main" xmlns:r="http://schemas.openxmlformats.org/officeDocument/2006/relationships" xmlns:p="http://schemas.openxmlformats.org/presentationml/2006/main">
-  <p:cSld>
-    <p:spTree>
-      <p:nvGrpSpPr>
-        <p:cNvPr id="1" name=""/>
-        <p:cNvGrpSpPr/>
-        <p:nvPr/>
-      </p:nvGrpSpPr>
-      <p:grpSpPr>
-        <a:xfrm>
-          <a:off x="0" y="0"/>
-          <a:ext cx="0" cy="0"/>
-          <a:chOff x="0" y="0"/>
-          <a:chExt cx="0" cy="0"/>
-        </a:xfrm>
-      </p:grpSpPr>
-      <p:grpSp>
-        <p:nvGrpSpPr>
-          <p:cNvPr id="202" name="Groupe 201"/>
-          <p:cNvGrpSpPr/>
-          <p:nvPr/>
-        </p:nvGrpSpPr>
-        <p:grpSpPr>
-          <a:xfrm>
-            <a:off x="0" y="73772"/>
-            <a:ext cx="3743811" cy="883356"/>
-            <a:chOff x="0" y="-9760"/>
-            <a:chExt cx="2998171" cy="785565"/>
-          </a:xfrm>
-        </p:grpSpPr>
-        <p:sp>
-          <p:nvSpPr>
-            <p:cNvPr id="203" name="ZoneTexte 202"/>
-            <p:cNvSpPr txBox="1"/>
-            <p:nvPr/>
-          </p:nvSpPr>
-          <p:spPr>
-            <a:xfrm>
-              <a:off x="109500" y="-9760"/>
-              <a:ext cx="2888671" cy="629520"/>
-            </a:xfrm>
-            <a:prstGeom prst="rect">
-              <a:avLst/>
-            </a:prstGeom>
-            <a:noFill/>
-          </p:spPr>
-          <p:txBody>
-            <a:bodyPr wrap="none" rtlCol="0">
-              <a:spAutoFit/>
-            </a:bodyPr>
-            <a:lstStyle/>
-            <a:p>
-              <a:r>
-                <a:rPr lang="fr-FR" sz="4000" b="1" dirty="0" smtClean="0">
-                  <a:latin typeface="Lato Regular" panose="020F0502020204030203" pitchFamily="34" charset="0"/>
-                  <a:ea typeface="Lato Regular" panose="020F0502020204030203" pitchFamily="34" charset="0"/>
-                  <a:cs typeface="Lato Regular" panose="020F0502020204030203" pitchFamily="34" charset="0"/>
-                </a:rPr>
-                <a:t>Poste de travail</a:t>
-              </a:r>
-              <a:endParaRPr lang="fr-FR" sz="3600" b="1" dirty="0">
-                <a:latin typeface="Lato Regular" panose="020F0502020204030203" pitchFamily="34" charset="0"/>
-                <a:ea typeface="Lato Regular" panose="020F0502020204030203" pitchFamily="34" charset="0"/>
-                <a:cs typeface="Lato Regular" panose="020F0502020204030203" pitchFamily="34" charset="0"/>
-              </a:endParaRPr>
-            </a:p>
-          </p:txBody>
-        </p:sp>
-        <p:sp>
-          <p:nvSpPr>
-            <p:cNvPr id="204" name="Rectangle 203"/>
-            <p:cNvSpPr/>
-            <p:nvPr/>
-          </p:nvSpPr>
-          <p:spPr>
-            <a:xfrm>
-              <a:off x="0" y="619760"/>
-              <a:ext cx="2357120" cy="156045"/>
-            </a:xfrm>
-            <a:prstGeom prst="rect">
-              <a:avLst/>
-            </a:prstGeom>
-            <a:solidFill>
-              <a:srgbClr val="438721"/>
-            </a:solidFill>
-            <a:ln>
-              <a:noFill/>
-            </a:ln>
-          </p:spPr>
-          <p:style>
-            <a:lnRef idx="2">
-              <a:schemeClr val="accent1">
-                <a:shade val="50000"/>
-              </a:schemeClr>
-            </a:lnRef>
-            <a:fillRef idx="1">
-              <a:schemeClr val="accent1"/>
-            </a:fillRef>
-            <a:effectRef idx="0">
-              <a:schemeClr val="accent1"/>
-            </a:effectRef>
-            <a:fontRef idx="minor">
-              <a:schemeClr val="lt1"/>
-            </a:fontRef>
-          </p:style>
-          <p:txBody>
-            <a:bodyPr rtlCol="0" anchor="ctr"/>
-            <a:lstStyle/>
-            <a:p>
-              <a:pPr algn="ctr"/>
-              <a:endParaRPr lang="fr-FR"/>
-            </a:p>
-          </p:txBody>
-        </p:sp>
-      </p:grpSp>
-      <p:pic>
-        <p:nvPicPr>
-          <p:cNvPr id="2" name="Image 1"/>
-          <p:cNvPicPr>
-            <a:picLocks noChangeAspect="1"/>
-          </p:cNvPicPr>
-          <p:nvPr/>
-        </p:nvPicPr>
-        <p:blipFill>
-          <a:blip r:embed="rId2">
-            <a:extLst>
-              <a:ext uri="{28A0092B-C50C-407E-A947-70E740481C1C}">
-                <a14:useLocalDpi xmlns:a14="http://schemas.microsoft.com/office/drawing/2010/main" val="0"/>
-              </a:ext>
-            </a:extLst>
-          </a:blip>
-          <a:stretch>
-            <a:fillRect/>
-          </a:stretch>
-        </p:blipFill>
-        <p:spPr>
-          <a:xfrm>
-            <a:off x="363882" y="1583707"/>
-            <a:ext cx="4813300" cy="4216400"/>
-          </a:xfrm>
-          <a:prstGeom prst="rect">
-            <a:avLst/>
-          </a:prstGeom>
-        </p:spPr>
-      </p:pic>
-      <p:sp>
-        <p:nvSpPr>
-          <p:cNvPr id="12" name="ZoneTexte 11"/>
-          <p:cNvSpPr txBox="1"/>
-          <p:nvPr/>
-        </p:nvSpPr>
-        <p:spPr>
-          <a:xfrm>
-            <a:off x="6082748" y="1706679"/>
-            <a:ext cx="5187715" cy="2862322"/>
-          </a:xfrm>
-          <a:prstGeom prst="rect">
-            <a:avLst/>
-          </a:prstGeom>
-          <a:noFill/>
-        </p:spPr>
-        <p:txBody>
-          <a:bodyPr wrap="square" rtlCol="0">
-            <a:spAutoFit/>
-          </a:bodyPr>
-          <a:lstStyle/>
-          <a:p>
-            <a:r>
-              <a:rPr lang="fr-FR" sz="2000" dirty="0">
-                <a:solidFill>
-                  <a:schemeClr val="tx2"/>
-                </a:solidFill>
-                <a:latin typeface="Lato Regular"/>
-                <a:cs typeface="Lato Regular"/>
-              </a:rPr>
-              <a:t>Installation en local</a:t>
-            </a:r>
-          </a:p>
-          <a:p>
-            <a:pPr marL="571500" indent="-571500">
-              <a:buFontTx/>
-              <a:buChar char="-"/>
-            </a:pPr>
-            <a:r>
-              <a:rPr lang="fr-FR" sz="2000" dirty="0">
-                <a:solidFill>
-                  <a:schemeClr val="tx2"/>
-                </a:solidFill>
-                <a:latin typeface="Lato Light"/>
-                <a:cs typeface="Lato Light"/>
-              </a:rPr>
-              <a:t>Java</a:t>
-            </a:r>
-          </a:p>
-          <a:p>
-            <a:pPr marL="571500" indent="-571500">
-              <a:buFontTx/>
-              <a:buChar char="-"/>
-            </a:pPr>
-            <a:r>
-              <a:rPr lang="fr-FR" sz="2000" dirty="0" err="1">
-                <a:solidFill>
-                  <a:schemeClr val="tx2"/>
-                </a:solidFill>
-                <a:latin typeface="Lato Light"/>
-                <a:cs typeface="Lato Light"/>
-              </a:rPr>
-              <a:t>Maven</a:t>
-            </a:r>
-            <a:endParaRPr lang="fr-FR" sz="2000" dirty="0">
-              <a:solidFill>
-                <a:schemeClr val="tx2"/>
-              </a:solidFill>
-              <a:latin typeface="Lato Light"/>
-              <a:cs typeface="Lato Light"/>
-            </a:endParaRPr>
-          </a:p>
-          <a:p>
-            <a:pPr marL="571500" indent="-571500">
-              <a:buFontTx/>
-              <a:buChar char="-"/>
-            </a:pPr>
-            <a:r>
-              <a:rPr lang="fr-FR" sz="2000" dirty="0" smtClean="0">
-                <a:solidFill>
-                  <a:schemeClr val="tx2"/>
-                </a:solidFill>
-                <a:latin typeface="Lato Light"/>
-                <a:cs typeface="Lato Light"/>
-              </a:rPr>
-              <a:t>Docker</a:t>
-            </a:r>
-          </a:p>
-          <a:p>
-            <a:pPr marL="571500" indent="-571500">
-              <a:buFontTx/>
-              <a:buChar char="-"/>
-            </a:pPr>
-            <a:r>
-              <a:rPr lang="fr-FR" sz="2000" dirty="0" err="1" smtClean="0">
-                <a:solidFill>
-                  <a:schemeClr val="tx2"/>
-                </a:solidFill>
-                <a:latin typeface="Lato Light"/>
-                <a:cs typeface="Lato Light"/>
-              </a:rPr>
-              <a:t>Kubernetes</a:t>
-            </a:r>
-            <a:endParaRPr lang="fr-FR" sz="2000" dirty="0" smtClean="0">
-              <a:solidFill>
-                <a:schemeClr val="tx2"/>
-              </a:solidFill>
-              <a:latin typeface="Lato Light"/>
-              <a:cs typeface="Lato Light"/>
-            </a:endParaRPr>
-          </a:p>
-          <a:p>
-            <a:pPr marL="571500" indent="-571500">
-              <a:buFontTx/>
-              <a:buChar char="-"/>
-            </a:pPr>
-            <a:endParaRPr lang="fr-FR" sz="2000" dirty="0">
-              <a:solidFill>
-                <a:schemeClr val="tx2"/>
-              </a:solidFill>
-              <a:latin typeface="Lato Light"/>
-              <a:cs typeface="Lato Light"/>
-            </a:endParaRPr>
-          </a:p>
-          <a:p>
-            <a:r>
-              <a:rPr lang="fr-FR" sz="2000" dirty="0" err="1" smtClean="0">
-                <a:solidFill>
-                  <a:schemeClr val="tx2"/>
-                </a:solidFill>
-                <a:latin typeface="Lato Regular"/>
-                <a:cs typeface="Lato Regular"/>
-              </a:rPr>
-              <a:t>Repositories</a:t>
-            </a:r>
-            <a:endParaRPr lang="fr-FR" sz="2000" dirty="0">
-              <a:solidFill>
-                <a:schemeClr val="tx2"/>
-              </a:solidFill>
-              <a:latin typeface="Lato Regular"/>
-              <a:cs typeface="Lato Regular"/>
-            </a:endParaRPr>
-          </a:p>
-          <a:p>
-            <a:pPr marL="571500" indent="-571500">
-              <a:buFontTx/>
-              <a:buChar char="-"/>
-            </a:pPr>
-            <a:r>
-              <a:rPr lang="fr-FR" sz="2000" dirty="0">
-                <a:solidFill>
-                  <a:schemeClr val="tx2"/>
-                </a:solidFill>
-                <a:latin typeface="Lato Light"/>
-                <a:cs typeface="Lato Light"/>
-              </a:rPr>
-              <a:t>https://</a:t>
-            </a:r>
-            <a:r>
-              <a:rPr lang="fr-FR" sz="2000" dirty="0" smtClean="0">
-                <a:solidFill>
-                  <a:schemeClr val="tx2"/>
-                </a:solidFill>
-                <a:latin typeface="Lato Light"/>
-                <a:cs typeface="Lato Light"/>
-              </a:rPr>
-              <a:t>github.com/SII-Codelab-Chaos</a:t>
-            </a:r>
-          </a:p>
-          <a:p>
-            <a:pPr marL="571500" indent="-571500">
-              <a:buFontTx/>
-              <a:buChar char="-"/>
-            </a:pPr>
-            <a:endParaRPr lang="fr-FR" sz="2000" dirty="0" smtClean="0">
-              <a:solidFill>
-                <a:schemeClr val="tx2"/>
-              </a:solidFill>
-              <a:latin typeface="Lato Light"/>
-              <a:cs typeface="Lato Light"/>
-            </a:endParaRPr>
-          </a:p>
-        </p:txBody>
-      </p:sp>
-    </p:spTree>
-    <p:extLst>
-      <p:ext uri="{BB962C8B-B14F-4D97-AF65-F5344CB8AC3E}">
-        <p14:creationId xmlns:p14="http://schemas.microsoft.com/office/powerpoint/2010/main" val="543944061"/>
       </p:ext>
     </p:extLst>
   </p:cSld>
@@ -21981,65 +22756,6 @@
           </a:p>
         </p:txBody>
       </p:sp>
-      <p:sp>
-        <p:nvSpPr>
-          <p:cNvPr id="7" name="Étoile à 5 branches 6"/>
-          <p:cNvSpPr/>
-          <p:nvPr/>
-        </p:nvSpPr>
-        <p:spPr>
-          <a:xfrm rot="1662404">
-            <a:off x="9549502" y="408619"/>
-            <a:ext cx="2280456" cy="2119735"/>
-          </a:xfrm>
-          <a:prstGeom prst="star5">
-            <a:avLst>
-              <a:gd name="adj" fmla="val 21129"/>
-              <a:gd name="hf" fmla="val 105146"/>
-              <a:gd name="vf" fmla="val 110557"/>
-            </a:avLst>
-          </a:prstGeom>
-          <a:ln w="57150">
-            <a:solidFill>
-              <a:srgbClr val="FF0000"/>
-            </a:solidFill>
-          </a:ln>
-        </p:spPr>
-        <p:style>
-          <a:lnRef idx="0">
-            <a:schemeClr val="accent4"/>
-          </a:lnRef>
-          <a:fillRef idx="3">
-            <a:schemeClr val="accent4"/>
-          </a:fillRef>
-          <a:effectRef idx="3">
-            <a:schemeClr val="accent4"/>
-          </a:effectRef>
-          <a:fontRef idx="minor">
-            <a:schemeClr val="lt1"/>
-          </a:fontRef>
-        </p:style>
-        <p:txBody>
-          <a:bodyPr rtlCol="0" anchor="ctr"/>
-          <a:lstStyle/>
-          <a:p>
-            <a:pPr algn="ctr"/>
-            <a:r>
-              <a:rPr lang="fr-FR" sz="3600" b="1" dirty="0" smtClean="0">
-                <a:solidFill>
-                  <a:srgbClr val="FF0000"/>
-                </a:solidFill>
-              </a:rPr>
-              <a:t>WIP</a:t>
-            </a:r>
-            <a:endParaRPr lang="fr-FR" sz="3600" b="1" dirty="0">
-              <a:solidFill>
-                <a:srgbClr val="FF0000"/>
-              </a:solidFill>
-            </a:endParaRPr>
-          </a:p>
-        </p:txBody>
-      </p:sp>
     </p:spTree>
     <p:extLst>
       <p:ext uri="{BB962C8B-B14F-4D97-AF65-F5344CB8AC3E}">
@@ -22077,439 +22793,6 @@
           <a:chExt cx="0" cy="0"/>
         </a:xfrm>
       </p:grpSpPr>
-      <p:sp>
-        <p:nvSpPr>
-          <p:cNvPr id="2" name="ZoneTexte 1"/>
-          <p:cNvSpPr txBox="1"/>
-          <p:nvPr/>
-        </p:nvSpPr>
-        <p:spPr>
-          <a:xfrm>
-            <a:off x="545063" y="4078253"/>
-            <a:ext cx="5258171" cy="369332"/>
-          </a:xfrm>
-          <a:prstGeom prst="rect">
-            <a:avLst/>
-          </a:prstGeom>
-          <a:noFill/>
-        </p:spPr>
-        <p:txBody>
-          <a:bodyPr wrap="none" rtlCol="0">
-            <a:spAutoFit/>
-          </a:bodyPr>
-          <a:lstStyle/>
-          <a:p>
-            <a:r>
-              <a:rPr lang="fr-FR" dirty="0" smtClean="0">
-                <a:solidFill>
-                  <a:schemeClr val="tx2"/>
-                </a:solidFill>
-                <a:latin typeface="Lato Light"/>
-                <a:cs typeface="Lato Light"/>
-              </a:rPr>
-              <a:t>Du texte mis en valeur, </a:t>
-            </a:r>
-            <a:r>
-              <a:rPr lang="fr-FR" dirty="0" err="1" smtClean="0">
-                <a:solidFill>
-                  <a:schemeClr val="tx2"/>
-                </a:solidFill>
-                <a:latin typeface="Lato Light"/>
-                <a:cs typeface="Lato Light"/>
-              </a:rPr>
-              <a:t>Lorem</a:t>
-            </a:r>
-            <a:r>
-              <a:rPr lang="fr-FR" dirty="0" smtClean="0">
-                <a:solidFill>
-                  <a:schemeClr val="tx2"/>
-                </a:solidFill>
-                <a:latin typeface="Lato Light"/>
-                <a:cs typeface="Lato Light"/>
-              </a:rPr>
-              <a:t> </a:t>
-            </a:r>
-            <a:r>
-              <a:rPr lang="fr-FR" dirty="0" err="1" smtClean="0">
-                <a:solidFill>
-                  <a:schemeClr val="tx2"/>
-                </a:solidFill>
-                <a:latin typeface="Lato Light"/>
-                <a:cs typeface="Lato Light"/>
-              </a:rPr>
-              <a:t>ipsum</a:t>
-            </a:r>
-            <a:r>
-              <a:rPr lang="fr-FR" dirty="0" smtClean="0">
-                <a:solidFill>
-                  <a:schemeClr val="tx2"/>
-                </a:solidFill>
-                <a:latin typeface="Lato Light"/>
-                <a:cs typeface="Lato Light"/>
-              </a:rPr>
-              <a:t> </a:t>
-            </a:r>
-            <a:r>
-              <a:rPr lang="fr-FR" dirty="0" err="1" smtClean="0">
-                <a:solidFill>
-                  <a:schemeClr val="tx2"/>
-                </a:solidFill>
-                <a:latin typeface="Lato Light"/>
-                <a:cs typeface="Lato Light"/>
-              </a:rPr>
-              <a:t>dolor</a:t>
-            </a:r>
-            <a:r>
-              <a:rPr lang="fr-FR" dirty="0" smtClean="0">
-                <a:solidFill>
-                  <a:schemeClr val="tx2"/>
-                </a:solidFill>
-                <a:latin typeface="Lato Light"/>
-                <a:cs typeface="Lato Light"/>
-              </a:rPr>
-              <a:t> </a:t>
-            </a:r>
-            <a:r>
-              <a:rPr lang="fr-FR" dirty="0" err="1" smtClean="0">
-                <a:solidFill>
-                  <a:schemeClr val="tx2"/>
-                </a:solidFill>
-                <a:latin typeface="Lato Light"/>
-                <a:cs typeface="Lato Light"/>
-              </a:rPr>
-              <a:t>sit</a:t>
-            </a:r>
-            <a:r>
-              <a:rPr lang="fr-FR" dirty="0" smtClean="0">
-                <a:solidFill>
-                  <a:schemeClr val="tx2"/>
-                </a:solidFill>
-                <a:latin typeface="Lato Light"/>
-                <a:cs typeface="Lato Light"/>
-              </a:rPr>
-              <a:t> </a:t>
-            </a:r>
-            <a:r>
-              <a:rPr lang="fr-FR" dirty="0" err="1" smtClean="0">
-                <a:solidFill>
-                  <a:schemeClr val="tx2"/>
-                </a:solidFill>
-                <a:latin typeface="Lato Light"/>
-                <a:cs typeface="Lato Light"/>
-              </a:rPr>
-              <a:t>amet</a:t>
-            </a:r>
-            <a:endParaRPr lang="fr-FR" dirty="0">
-              <a:solidFill>
-                <a:schemeClr val="tx2"/>
-              </a:solidFill>
-              <a:latin typeface="Lato Light"/>
-              <a:cs typeface="Lato Light"/>
-            </a:endParaRPr>
-          </a:p>
-        </p:txBody>
-      </p:sp>
-      <p:sp>
-        <p:nvSpPr>
-          <p:cNvPr id="3" name="Parenthèses 2"/>
-          <p:cNvSpPr/>
-          <p:nvPr/>
-        </p:nvSpPr>
-        <p:spPr>
-          <a:xfrm>
-            <a:off x="441410" y="4101028"/>
-            <a:ext cx="5471062" cy="346557"/>
-          </a:xfrm>
-          <a:prstGeom prst="bracketPair">
-            <a:avLst/>
-          </a:prstGeom>
-          <a:ln w="38100"/>
-        </p:spPr>
-        <p:style>
-          <a:lnRef idx="1">
-            <a:schemeClr val="accent6"/>
-          </a:lnRef>
-          <a:fillRef idx="0">
-            <a:schemeClr val="accent6"/>
-          </a:fillRef>
-          <a:effectRef idx="0">
-            <a:schemeClr val="accent6"/>
-          </a:effectRef>
-          <a:fontRef idx="minor">
-            <a:schemeClr val="tx1"/>
-          </a:fontRef>
-        </p:style>
-        <p:txBody>
-          <a:bodyPr rtlCol="0" anchor="ctr"/>
-          <a:lstStyle/>
-          <a:p>
-            <a:pPr algn="ctr"/>
-            <a:endParaRPr lang="fr-FR"/>
-          </a:p>
-        </p:txBody>
-      </p:sp>
-      <p:cxnSp>
-        <p:nvCxnSpPr>
-          <p:cNvPr id="6" name="Connecteur droit avec flèche 5"/>
-          <p:cNvCxnSpPr>
-            <a:stCxn id="3" idx="3"/>
-          </p:cNvCxnSpPr>
-          <p:nvPr/>
-        </p:nvCxnSpPr>
-        <p:spPr>
-          <a:xfrm flipV="1">
-            <a:off x="5912472" y="4262919"/>
-            <a:ext cx="2252590" cy="11388"/>
-          </a:xfrm>
-          <a:prstGeom prst="straightConnector1">
-            <a:avLst/>
-          </a:prstGeom>
-          <a:ln w="38100">
-            <a:tailEnd type="triangle"/>
-          </a:ln>
-        </p:spPr>
-        <p:style>
-          <a:lnRef idx="1">
-            <a:schemeClr val="accent6"/>
-          </a:lnRef>
-          <a:fillRef idx="0">
-            <a:schemeClr val="accent6"/>
-          </a:fillRef>
-          <a:effectRef idx="0">
-            <a:schemeClr val="accent6"/>
-          </a:effectRef>
-          <a:fontRef idx="minor">
-            <a:schemeClr val="tx1"/>
-          </a:fontRef>
-        </p:style>
-      </p:cxnSp>
-      <p:sp>
-        <p:nvSpPr>
-          <p:cNvPr id="37" name="TextBox 33">
-            <a:extLst>
-              <a:ext uri="{FF2B5EF4-FFF2-40B4-BE49-F238E27FC236}">
-                <a16:creationId xmlns:a16="http://schemas.microsoft.com/office/drawing/2014/main" id="{6C5817D6-E01D-4F9B-96DE-DA710C8C152E}"/>
-              </a:ext>
-            </a:extLst>
-          </p:cNvPr>
-          <p:cNvSpPr txBox="1"/>
-          <p:nvPr/>
-        </p:nvSpPr>
-        <p:spPr>
-          <a:xfrm>
-            <a:off x="6390756" y="3512359"/>
-            <a:ext cx="1448189" cy="707886"/>
-          </a:xfrm>
-          <a:prstGeom prst="rect">
-            <a:avLst/>
-          </a:prstGeom>
-          <a:noFill/>
-        </p:spPr>
-        <p:txBody>
-          <a:bodyPr wrap="square" rtlCol="0">
-            <a:spAutoFit/>
-          </a:bodyPr>
-          <a:lstStyle/>
-          <a:p>
-            <a:r>
-              <a:rPr lang="en-US" sz="2000" dirty="0" smtClean="0">
-                <a:latin typeface="Lato Light" panose="020F0502020204030203" pitchFamily="34" charset="0"/>
-                <a:ea typeface="Lato Light" panose="020F0502020204030203" pitchFamily="34" charset="0"/>
-                <a:cs typeface="Lato Light" panose="020F0502020204030203" pitchFamily="34" charset="0"/>
-              </a:rPr>
-              <a:t>Some</a:t>
-            </a:r>
-            <a:br>
-              <a:rPr lang="en-US" sz="2000" dirty="0" smtClean="0">
-                <a:latin typeface="Lato Light" panose="020F0502020204030203" pitchFamily="34" charset="0"/>
-                <a:ea typeface="Lato Light" panose="020F0502020204030203" pitchFamily="34" charset="0"/>
-                <a:cs typeface="Lato Light" panose="020F0502020204030203" pitchFamily="34" charset="0"/>
-              </a:rPr>
-            </a:br>
-            <a:r>
-              <a:rPr lang="en-US" sz="2000" dirty="0" smtClean="0">
-                <a:latin typeface="Lato Light" panose="020F0502020204030203" pitchFamily="34" charset="0"/>
-                <a:ea typeface="Lato Light" panose="020F0502020204030203" pitchFamily="34" charset="0"/>
-                <a:cs typeface="Lato Light" panose="020F0502020204030203" pitchFamily="34" charset="0"/>
-              </a:rPr>
-              <a:t>Text</a:t>
-            </a:r>
-            <a:endParaRPr lang="en-US" sz="2000" dirty="0">
-              <a:latin typeface="Lato Light" panose="020F0502020204030203" pitchFamily="34" charset="0"/>
-              <a:ea typeface="Lato Light" panose="020F0502020204030203" pitchFamily="34" charset="0"/>
-              <a:cs typeface="Lato Light" panose="020F0502020204030203" pitchFamily="34" charset="0"/>
-            </a:endParaRPr>
-          </a:p>
-        </p:txBody>
-      </p:sp>
-      <p:sp>
-        <p:nvSpPr>
-          <p:cNvPr id="10" name="ZoneTexte 9"/>
-          <p:cNvSpPr txBox="1"/>
-          <p:nvPr/>
-        </p:nvSpPr>
-        <p:spPr>
-          <a:xfrm>
-            <a:off x="4193076" y="4691433"/>
-            <a:ext cx="768159" cy="369332"/>
-          </a:xfrm>
-          <a:prstGeom prst="rect">
-            <a:avLst/>
-          </a:prstGeom>
-          <a:noFill/>
-        </p:spPr>
-        <p:txBody>
-          <a:bodyPr wrap="none" rtlCol="0">
-            <a:spAutoFit/>
-          </a:bodyPr>
-          <a:lstStyle/>
-          <a:p>
-            <a:r>
-              <a:rPr lang="fr-FR" b="1" dirty="0" smtClean="0">
-                <a:solidFill>
-                  <a:schemeClr val="tx2"/>
-                </a:solidFill>
-                <a:latin typeface="Lato Light"/>
-                <a:cs typeface="Lato Light"/>
-              </a:rPr>
-              <a:t>Focus</a:t>
-            </a:r>
-            <a:endParaRPr lang="fr-FR" b="1" dirty="0">
-              <a:solidFill>
-                <a:schemeClr val="tx2"/>
-              </a:solidFill>
-              <a:latin typeface="Lato Light"/>
-              <a:cs typeface="Lato Light"/>
-            </a:endParaRPr>
-          </a:p>
-        </p:txBody>
-      </p:sp>
-      <p:sp>
-        <p:nvSpPr>
-          <p:cNvPr id="39" name="ZoneTexte 38"/>
-          <p:cNvSpPr txBox="1"/>
-          <p:nvPr/>
-        </p:nvSpPr>
-        <p:spPr>
-          <a:xfrm>
-            <a:off x="5011053" y="4691433"/>
-            <a:ext cx="768159" cy="369332"/>
-          </a:xfrm>
-          <a:prstGeom prst="rect">
-            <a:avLst/>
-          </a:prstGeom>
-          <a:noFill/>
-        </p:spPr>
-        <p:txBody>
-          <a:bodyPr wrap="none" rtlCol="0">
-            <a:spAutoFit/>
-          </a:bodyPr>
-          <a:lstStyle/>
-          <a:p>
-            <a:r>
-              <a:rPr lang="fr-FR" b="1" dirty="0" smtClean="0">
-                <a:solidFill>
-                  <a:schemeClr val="tx2"/>
-                </a:solidFill>
-                <a:latin typeface="Lato Light"/>
-                <a:cs typeface="Lato Light"/>
-              </a:rPr>
-              <a:t>Focus</a:t>
-            </a:r>
-            <a:endParaRPr lang="fr-FR" b="1" dirty="0">
-              <a:solidFill>
-                <a:schemeClr val="tx2"/>
-              </a:solidFill>
-              <a:latin typeface="Lato Light"/>
-              <a:cs typeface="Lato Light"/>
-            </a:endParaRPr>
-          </a:p>
-        </p:txBody>
-      </p:sp>
-      <p:sp>
-        <p:nvSpPr>
-          <p:cNvPr id="40" name="Accolade fermante 39"/>
-          <p:cNvSpPr/>
-          <p:nvPr/>
-        </p:nvSpPr>
-        <p:spPr>
-          <a:xfrm rot="5400000">
-            <a:off x="3235076" y="4197951"/>
-            <a:ext cx="120739" cy="581225"/>
-          </a:xfrm>
-          <a:prstGeom prst="rightBrace">
-            <a:avLst>
-              <a:gd name="adj1" fmla="val 60555"/>
-              <a:gd name="adj2" fmla="val 50751"/>
-            </a:avLst>
-          </a:prstGeom>
-          <a:ln w="28575"/>
-        </p:spPr>
-        <p:style>
-          <a:lnRef idx="1">
-            <a:schemeClr val="accent1"/>
-          </a:lnRef>
-          <a:fillRef idx="0">
-            <a:schemeClr val="accent1"/>
-          </a:fillRef>
-          <a:effectRef idx="0">
-            <a:schemeClr val="accent1"/>
-          </a:effectRef>
-          <a:fontRef idx="minor">
-            <a:schemeClr val="tx1"/>
-          </a:fontRef>
-        </p:style>
-        <p:txBody>
-          <a:bodyPr rtlCol="0" anchor="ctr"/>
-          <a:lstStyle/>
-          <a:p>
-            <a:pPr algn="ctr"/>
-            <a:endParaRPr lang="fr-FR"/>
-          </a:p>
-        </p:txBody>
-      </p:sp>
-      <p:sp>
-        <p:nvSpPr>
-          <p:cNvPr id="41" name="ZoneTexte 40"/>
-          <p:cNvSpPr txBox="1"/>
-          <p:nvPr/>
-        </p:nvSpPr>
-        <p:spPr>
-          <a:xfrm>
-            <a:off x="2911365" y="4691433"/>
-            <a:ext cx="768159" cy="369332"/>
-          </a:xfrm>
-          <a:prstGeom prst="rect">
-            <a:avLst/>
-          </a:prstGeom>
-          <a:noFill/>
-        </p:spPr>
-        <p:txBody>
-          <a:bodyPr wrap="none" rtlCol="0">
-            <a:spAutoFit/>
-          </a:bodyPr>
-          <a:lstStyle/>
-          <a:p>
-            <a:r>
-              <a:rPr lang="fr-FR" b="1" dirty="0" smtClean="0">
-                <a:solidFill>
-                  <a:schemeClr val="tx2"/>
-                </a:solidFill>
-                <a:latin typeface="Lato Light"/>
-                <a:cs typeface="Lato Light"/>
-              </a:rPr>
-              <a:t>Focus</a:t>
-            </a:r>
-            <a:endParaRPr lang="fr-FR" b="1" dirty="0">
-              <a:solidFill>
-                <a:schemeClr val="tx2"/>
-              </a:solidFill>
-              <a:latin typeface="Lato Light"/>
-              <a:cs typeface="Lato Light"/>
-            </a:endParaRPr>
-          </a:p>
-        </p:txBody>
-      </p:sp>
       <p:cxnSp>
         <p:nvCxnSpPr>
           <p:cNvPr id="43" name="Straight Connector 149">
@@ -22646,90 +22929,6 @@
       </p:grpSp>
       <p:sp>
         <p:nvSpPr>
-          <p:cNvPr id="48" name="Accolade fermante 47"/>
-          <p:cNvSpPr/>
-          <p:nvPr/>
-        </p:nvSpPr>
-        <p:spPr>
-          <a:xfrm rot="5400000">
-            <a:off x="4516787" y="4192421"/>
-            <a:ext cx="120739" cy="581225"/>
-          </a:xfrm>
-          <a:prstGeom prst="rightBrace">
-            <a:avLst>
-              <a:gd name="adj1" fmla="val 60555"/>
-              <a:gd name="adj2" fmla="val 50751"/>
-            </a:avLst>
-          </a:prstGeom>
-          <a:ln w="28575"/>
-        </p:spPr>
-        <p:style>
-          <a:lnRef idx="1">
-            <a:schemeClr val="accent1"/>
-          </a:lnRef>
-          <a:fillRef idx="0">
-            <a:schemeClr val="accent1"/>
-          </a:fillRef>
-          <a:effectRef idx="0">
-            <a:schemeClr val="accent1"/>
-          </a:effectRef>
-          <a:fontRef idx="minor">
-            <a:schemeClr val="tx1"/>
-          </a:fontRef>
-        </p:style>
-        <p:txBody>
-          <a:bodyPr rtlCol="0" anchor="ctr"/>
-          <a:lstStyle/>
-          <a:p>
-            <a:pPr algn="ctr"/>
-            <a:endParaRPr lang="fr-FR"/>
-          </a:p>
-        </p:txBody>
-      </p:sp>
-      <p:sp>
-        <p:nvSpPr>
-          <p:cNvPr id="49" name="Accolade fermante 48"/>
-          <p:cNvSpPr/>
-          <p:nvPr/>
-        </p:nvSpPr>
-        <p:spPr>
-          <a:xfrm rot="5400000">
-            <a:off x="5334764" y="4192420"/>
-            <a:ext cx="120739" cy="581225"/>
-          </a:xfrm>
-          <a:prstGeom prst="rightBrace">
-            <a:avLst>
-              <a:gd name="adj1" fmla="val 60555"/>
-              <a:gd name="adj2" fmla="val 50751"/>
-            </a:avLst>
-          </a:prstGeom>
-          <a:ln w="28575"/>
-        </p:spPr>
-        <p:style>
-          <a:lnRef idx="1">
-            <a:schemeClr val="accent1"/>
-          </a:lnRef>
-          <a:fillRef idx="0">
-            <a:schemeClr val="accent1"/>
-          </a:fillRef>
-          <a:effectRef idx="0">
-            <a:schemeClr val="accent1"/>
-          </a:effectRef>
-          <a:fontRef idx="minor">
-            <a:schemeClr val="tx1"/>
-          </a:fontRef>
-        </p:style>
-        <p:txBody>
-          <a:bodyPr rtlCol="0" anchor="ctr"/>
-          <a:lstStyle/>
-          <a:p>
-            <a:pPr algn="ctr"/>
-            <a:endParaRPr lang="fr-FR"/>
-          </a:p>
-        </p:txBody>
-      </p:sp>
-      <p:sp>
-        <p:nvSpPr>
           <p:cNvPr id="16" name="Subtitle 2">
             <a:extLst>
               <a:ext uri="{FF2B5EF4-FFF2-40B4-BE49-F238E27FC236}">
@@ -22745,7 +22944,7 @@
         <p:spPr>
           <a:xfrm>
             <a:off x="220125" y="1200976"/>
-            <a:ext cx="5148087" cy="3493599"/>
+            <a:ext cx="8389619" cy="3493599"/>
           </a:xfrm>
           <a:prstGeom prst="rect">
             <a:avLst/>
@@ -22925,21 +23124,80 @@
             </a:endParaRPr>
           </a:p>
           <a:p>
+            <a:pPr marL="457200" indent="-457200">
+              <a:buFont typeface="+mj-lt"/>
+              <a:buAutoNum type="arabicPeriod"/>
+            </a:pPr>
+            <a:r>
+              <a:rPr lang="fr-FR" sz="2000" dirty="0" smtClean="0">
+                <a:solidFill>
+                  <a:schemeClr val="tx2"/>
+                </a:solidFill>
+                <a:latin typeface="Lato Light" panose="020F0502020204030203" pitchFamily="34" charset="0"/>
+                <a:ea typeface="Lato Light" panose="020F0502020204030203" pitchFamily="34" charset="0"/>
+                <a:cs typeface="Lato Light" panose="020F0502020204030203" pitchFamily="34" charset="0"/>
+              </a:rPr>
+              <a:t>Des mutations sont générées dans votre code source</a:t>
+            </a:r>
+          </a:p>
+          <a:p>
+            <a:pPr marL="457200" indent="-457200">
+              <a:buFont typeface="+mj-lt"/>
+              <a:buAutoNum type="arabicPeriod"/>
+            </a:pPr>
+            <a:r>
+              <a:rPr lang="fr-FR" sz="2000" dirty="0" smtClean="0">
+                <a:solidFill>
+                  <a:schemeClr val="tx2"/>
+                </a:solidFill>
+                <a:latin typeface="Lato Light" panose="020F0502020204030203" pitchFamily="34" charset="0"/>
+                <a:ea typeface="Lato Light" panose="020F0502020204030203" pitchFamily="34" charset="0"/>
+                <a:cs typeface="Lato Light" panose="020F0502020204030203" pitchFamily="34" charset="0"/>
+              </a:rPr>
+              <a:t>Vos tests sont lancés</a:t>
+            </a:r>
+          </a:p>
+          <a:p>
+            <a:pPr marL="457200" indent="-457200">
+              <a:buFont typeface="+mj-lt"/>
+              <a:buAutoNum type="arabicPeriod"/>
+            </a:pPr>
+            <a:r>
+              <a:rPr lang="fr-FR" sz="2000" b="1" dirty="0" smtClean="0">
+                <a:solidFill>
+                  <a:schemeClr val="accent6">
+                    <a:lumMod val="75000"/>
+                  </a:schemeClr>
+                </a:solidFill>
+                <a:latin typeface="Lato Light" panose="020F0502020204030203" pitchFamily="34" charset="0"/>
+                <a:ea typeface="Lato Light" panose="020F0502020204030203" pitchFamily="34" charset="0"/>
+                <a:cs typeface="Lato Light" panose="020F0502020204030203" pitchFamily="34" charset="0"/>
+              </a:rPr>
+              <a:t>Si vos tests ne passent pas (alors qu’ils passaient avant), alors le mutant est « tué » </a:t>
+            </a:r>
+          </a:p>
+          <a:p>
+            <a:pPr marL="457200" indent="-457200">
+              <a:buFont typeface="+mj-lt"/>
+              <a:buAutoNum type="arabicPeriod"/>
+            </a:pPr>
+            <a:r>
+              <a:rPr lang="fr-FR" sz="2000" b="1" dirty="0" smtClean="0">
+                <a:solidFill>
+                  <a:srgbClr val="C00000"/>
+                </a:solidFill>
+                <a:latin typeface="Lato Light" panose="020F0502020204030203" pitchFamily="34" charset="0"/>
+                <a:ea typeface="Lato Light" panose="020F0502020204030203" pitchFamily="34" charset="0"/>
+                <a:cs typeface="Lato Light" panose="020F0502020204030203" pitchFamily="34" charset="0"/>
+              </a:rPr>
+              <a:t>Si vos tests passent, le mutant survit.</a:t>
+            </a:r>
+          </a:p>
+          <a:p>
             <a:pPr marL="0" indent="0">
               <a:buNone/>
             </a:pPr>
-            <a:r>
-              <a:rPr lang="fr-FR" sz="2000" dirty="0" smtClean="0">
-                <a:solidFill>
-                  <a:schemeClr val="tx2"/>
-                </a:solidFill>
-                <a:latin typeface="Lato Light" panose="020F0502020204030203" pitchFamily="34" charset="0"/>
-                <a:ea typeface="Lato Light" panose="020F0502020204030203" pitchFamily="34" charset="0"/>
-                <a:cs typeface="Lato Light" panose="020F0502020204030203" pitchFamily="34" charset="0"/>
-              </a:rPr>
-              <a:t>Définition et explication</a:t>
-            </a:r>
-            <a:endParaRPr lang="fr-FR" sz="1800" dirty="0">
+            <a:endParaRPr lang="en-US" sz="2000" dirty="0">
               <a:solidFill>
                 <a:schemeClr val="tx2"/>
               </a:solidFill>
@@ -22952,71 +23210,178 @@
             <a:pPr marL="0" indent="0">
               <a:buNone/>
             </a:pPr>
+            <a:r>
+              <a:rPr lang="en-US" sz="2000" dirty="0" smtClean="0">
+                <a:solidFill>
+                  <a:schemeClr val="tx2"/>
+                </a:solidFill>
+                <a:latin typeface="Lato Regular" panose="020F0502020204030203" pitchFamily="34" charset="0"/>
+                <a:ea typeface="Lato Regular" panose="020F0502020204030203" pitchFamily="34" charset="0"/>
+                <a:cs typeface="Lato Regular" panose="020F0502020204030203" pitchFamily="34" charset="0"/>
+              </a:rPr>
+              <a:t>La </a:t>
+            </a:r>
+            <a:r>
+              <a:rPr lang="en-US" sz="2000" dirty="0" err="1" smtClean="0">
+                <a:solidFill>
+                  <a:schemeClr val="tx2"/>
+                </a:solidFill>
+                <a:latin typeface="Lato Regular" panose="020F0502020204030203" pitchFamily="34" charset="0"/>
+                <a:ea typeface="Lato Regular" panose="020F0502020204030203" pitchFamily="34" charset="0"/>
+                <a:cs typeface="Lato Regular" panose="020F0502020204030203" pitchFamily="34" charset="0"/>
+              </a:rPr>
+              <a:t>qualité</a:t>
+            </a:r>
+            <a:r>
+              <a:rPr lang="en-US" sz="2000" dirty="0" smtClean="0">
+                <a:solidFill>
+                  <a:schemeClr val="tx2"/>
+                </a:solidFill>
+                <a:latin typeface="Lato Regular" panose="020F0502020204030203" pitchFamily="34" charset="0"/>
+                <a:ea typeface="Lato Regular" panose="020F0502020204030203" pitchFamily="34" charset="0"/>
+                <a:cs typeface="Lato Regular" panose="020F0502020204030203" pitchFamily="34" charset="0"/>
+              </a:rPr>
+              <a:t> de </a:t>
+            </a:r>
+            <a:r>
+              <a:rPr lang="en-US" sz="2000" dirty="0" err="1" smtClean="0">
+                <a:solidFill>
+                  <a:schemeClr val="tx2"/>
+                </a:solidFill>
+                <a:latin typeface="Lato Regular" panose="020F0502020204030203" pitchFamily="34" charset="0"/>
+                <a:ea typeface="Lato Regular" panose="020F0502020204030203" pitchFamily="34" charset="0"/>
+                <a:cs typeface="Lato Regular" panose="020F0502020204030203" pitchFamily="34" charset="0"/>
+              </a:rPr>
+              <a:t>vos</a:t>
+            </a:r>
+            <a:r>
+              <a:rPr lang="en-US" sz="2000" dirty="0" smtClean="0">
+                <a:solidFill>
+                  <a:schemeClr val="tx2"/>
+                </a:solidFill>
+                <a:latin typeface="Lato Regular" panose="020F0502020204030203" pitchFamily="34" charset="0"/>
+                <a:ea typeface="Lato Regular" panose="020F0502020204030203" pitchFamily="34" charset="0"/>
+                <a:cs typeface="Lato Regular" panose="020F0502020204030203" pitchFamily="34" charset="0"/>
+              </a:rPr>
+              <a:t> tests </a:t>
+            </a:r>
+            <a:r>
+              <a:rPr lang="en-US" sz="2000" dirty="0" err="1" smtClean="0">
+                <a:solidFill>
+                  <a:schemeClr val="tx2"/>
+                </a:solidFill>
+                <a:latin typeface="Lato Regular" panose="020F0502020204030203" pitchFamily="34" charset="0"/>
+                <a:ea typeface="Lato Regular" panose="020F0502020204030203" pitchFamily="34" charset="0"/>
+                <a:cs typeface="Lato Regular" panose="020F0502020204030203" pitchFamily="34" charset="0"/>
+              </a:rPr>
+              <a:t>peut</a:t>
+            </a:r>
+            <a:r>
+              <a:rPr lang="en-US" sz="2000" dirty="0" smtClean="0">
+                <a:solidFill>
+                  <a:schemeClr val="tx2"/>
+                </a:solidFill>
+                <a:latin typeface="Lato Regular" panose="020F0502020204030203" pitchFamily="34" charset="0"/>
+                <a:ea typeface="Lato Regular" panose="020F0502020204030203" pitchFamily="34" charset="0"/>
+                <a:cs typeface="Lato Regular" panose="020F0502020204030203" pitchFamily="34" charset="0"/>
+              </a:rPr>
+              <a:t> </a:t>
+            </a:r>
+            <a:r>
+              <a:rPr lang="en-US" sz="2000" dirty="0" err="1" smtClean="0">
+                <a:solidFill>
+                  <a:schemeClr val="tx2"/>
+                </a:solidFill>
+                <a:latin typeface="Lato Regular" panose="020F0502020204030203" pitchFamily="34" charset="0"/>
+                <a:ea typeface="Lato Regular" panose="020F0502020204030203" pitchFamily="34" charset="0"/>
+                <a:cs typeface="Lato Regular" panose="020F0502020204030203" pitchFamily="34" charset="0"/>
+              </a:rPr>
+              <a:t>être</a:t>
+            </a:r>
+            <a:r>
+              <a:rPr lang="en-US" sz="2000" dirty="0" smtClean="0">
+                <a:solidFill>
+                  <a:schemeClr val="tx2"/>
+                </a:solidFill>
+                <a:latin typeface="Lato Regular" panose="020F0502020204030203" pitchFamily="34" charset="0"/>
+                <a:ea typeface="Lato Regular" panose="020F0502020204030203" pitchFamily="34" charset="0"/>
+                <a:cs typeface="Lato Regular" panose="020F0502020204030203" pitchFamily="34" charset="0"/>
+              </a:rPr>
+              <a:t> </a:t>
+            </a:r>
+            <a:r>
+              <a:rPr lang="en-US" sz="2000" dirty="0" err="1" smtClean="0">
+                <a:solidFill>
+                  <a:schemeClr val="tx2"/>
+                </a:solidFill>
+                <a:latin typeface="Lato Regular" panose="020F0502020204030203" pitchFamily="34" charset="0"/>
+                <a:ea typeface="Lato Regular" panose="020F0502020204030203" pitchFamily="34" charset="0"/>
+                <a:cs typeface="Lato Regular" panose="020F0502020204030203" pitchFamily="34" charset="0"/>
+              </a:rPr>
+              <a:t>jugée</a:t>
+            </a:r>
+            <a:r>
+              <a:rPr lang="en-US" sz="2000" dirty="0" smtClean="0">
+                <a:solidFill>
+                  <a:schemeClr val="tx2"/>
+                </a:solidFill>
+                <a:latin typeface="Lato Regular" panose="020F0502020204030203" pitchFamily="34" charset="0"/>
+                <a:ea typeface="Lato Regular" panose="020F0502020204030203" pitchFamily="34" charset="0"/>
+                <a:cs typeface="Lato Regular" panose="020F0502020204030203" pitchFamily="34" charset="0"/>
+              </a:rPr>
+              <a:t> au regard du </a:t>
+            </a:r>
+            <a:r>
+              <a:rPr lang="en-US" sz="2000" dirty="0" err="1" smtClean="0">
+                <a:solidFill>
+                  <a:schemeClr val="tx2"/>
+                </a:solidFill>
+                <a:latin typeface="Lato Regular" panose="020F0502020204030203" pitchFamily="34" charset="0"/>
+                <a:ea typeface="Lato Regular" panose="020F0502020204030203" pitchFamily="34" charset="0"/>
+                <a:cs typeface="Lato Regular" panose="020F0502020204030203" pitchFamily="34" charset="0"/>
+              </a:rPr>
+              <a:t>pourcentage</a:t>
+            </a:r>
+            <a:r>
+              <a:rPr lang="en-US" sz="2000" dirty="0" smtClean="0">
+                <a:solidFill>
+                  <a:schemeClr val="tx2"/>
+                </a:solidFill>
+                <a:latin typeface="Lato Regular" panose="020F0502020204030203" pitchFamily="34" charset="0"/>
+                <a:ea typeface="Lato Regular" panose="020F0502020204030203" pitchFamily="34" charset="0"/>
+                <a:cs typeface="Lato Regular" panose="020F0502020204030203" pitchFamily="34" charset="0"/>
+              </a:rPr>
+              <a:t> de mutants </a:t>
+            </a:r>
+            <a:r>
+              <a:rPr lang="en-US" sz="2000" dirty="0" err="1" smtClean="0">
+                <a:solidFill>
+                  <a:schemeClr val="tx2"/>
+                </a:solidFill>
+                <a:latin typeface="Lato Regular" panose="020F0502020204030203" pitchFamily="34" charset="0"/>
+                <a:ea typeface="Lato Regular" panose="020F0502020204030203" pitchFamily="34" charset="0"/>
+                <a:cs typeface="Lato Regular" panose="020F0502020204030203" pitchFamily="34" charset="0"/>
+              </a:rPr>
+              <a:t>tués</a:t>
+            </a:r>
+            <a:r>
+              <a:rPr lang="en-US" sz="2000" dirty="0" smtClean="0">
+                <a:solidFill>
+                  <a:schemeClr val="tx2"/>
+                </a:solidFill>
+                <a:latin typeface="Lato Regular" panose="020F0502020204030203" pitchFamily="34" charset="0"/>
+                <a:ea typeface="Lato Regular" panose="020F0502020204030203" pitchFamily="34" charset="0"/>
+                <a:cs typeface="Lato Regular" panose="020F0502020204030203" pitchFamily="34" charset="0"/>
+              </a:rPr>
+              <a:t>.</a:t>
+            </a:r>
             <a:endParaRPr lang="fr-FR" sz="1600" dirty="0">
               <a:solidFill>
                 <a:schemeClr val="tx2"/>
               </a:solidFill>
-              <a:latin typeface="Lato Light"/>
-              <a:cs typeface="Lato Light"/>
-            </a:endParaRPr>
-          </a:p>
-        </p:txBody>
-      </p:sp>
-      <p:sp>
-        <p:nvSpPr>
-          <p:cNvPr id="17" name="Étoile à 5 branches 16"/>
-          <p:cNvSpPr/>
-          <p:nvPr/>
-        </p:nvSpPr>
-        <p:spPr>
-          <a:xfrm rot="1662404">
-            <a:off x="9549502" y="408619"/>
-            <a:ext cx="2280456" cy="2119735"/>
-          </a:xfrm>
-          <a:prstGeom prst="star5">
-            <a:avLst>
-              <a:gd name="adj" fmla="val 21129"/>
-              <a:gd name="hf" fmla="val 105146"/>
-              <a:gd name="vf" fmla="val 110557"/>
-            </a:avLst>
-          </a:prstGeom>
-          <a:ln w="57150">
-            <a:solidFill>
-              <a:srgbClr val="FF0000"/>
-            </a:solidFill>
-          </a:ln>
-        </p:spPr>
-        <p:style>
-          <a:lnRef idx="0">
-            <a:schemeClr val="accent4"/>
-          </a:lnRef>
-          <a:fillRef idx="3">
-            <a:schemeClr val="accent4"/>
-          </a:fillRef>
-          <a:effectRef idx="3">
-            <a:schemeClr val="accent4"/>
-          </a:effectRef>
-          <a:fontRef idx="minor">
-            <a:schemeClr val="lt1"/>
-          </a:fontRef>
-        </p:style>
-        <p:txBody>
-          <a:bodyPr rtlCol="0" anchor="ctr"/>
-          <a:lstStyle/>
-          <a:p>
-            <a:pPr algn="ctr"/>
-            <a:r>
-              <a:rPr lang="fr-FR" sz="3600" b="1" dirty="0" smtClean="0">
-                <a:solidFill>
-                  <a:srgbClr val="FF0000"/>
-                </a:solidFill>
-              </a:rPr>
-              <a:t>WIP</a:t>
-            </a:r>
-            <a:endParaRPr lang="fr-FR" sz="3600" b="1" dirty="0">
-              <a:solidFill>
-                <a:srgbClr val="FF0000"/>
-              </a:solidFill>
+              <a:latin typeface="Lato Regular" panose="020F0502020204030203" pitchFamily="34" charset="0"/>
+              <a:ea typeface="Lato Regular" panose="020F0502020204030203" pitchFamily="34" charset="0"/>
+              <a:cs typeface="Lato Regular" panose="020F0502020204030203" pitchFamily="34" charset="0"/>
             </a:endParaRPr>
           </a:p>
         </p:txBody>
@@ -23043,6 +23408,9 @@
                     <p:cTn id="3" fill="hold">
                       <p:stCondLst>
                         <p:cond delay="indefinite"/>
+                        <p:cond evt="onBegin" delay="0">
+                          <p:tn val="2"/>
+                        </p:cond>
                       </p:stCondLst>
                       <p:childTnLst>
                         <p:par>
@@ -23052,7 +23420,7 @@
                             </p:stCondLst>
                             <p:childTnLst>
                               <p:par>
-                                <p:cTn id="5" presetID="10" presetClass="entr" presetSubtype="0" fill="hold" grpId="0" nodeType="clickEffect">
+                                <p:cTn id="5" presetID="10" presetClass="entr" presetSubtype="0" fill="hold" nodeType="withEffect">
                                   <p:stCondLst>
                                     <p:cond delay="0"/>
                                   </p:stCondLst>
@@ -23060,269 +23428,6 @@
                                     <p:set>
                                       <p:cBhvr>
                                         <p:cTn id="6" dur="1" fill="hold">
-                                          <p:stCondLst>
-                                            <p:cond delay="0"/>
-                                          </p:stCondLst>
-                                        </p:cTn>
-                                        <p:tgtEl>
-                                          <p:spTgt spid="3"/>
-                                        </p:tgtEl>
-                                        <p:attrNameLst>
-                                          <p:attrName>style.visibility</p:attrName>
-                                        </p:attrNameLst>
-                                      </p:cBhvr>
-                                      <p:to>
-                                        <p:strVal val="visible"/>
-                                      </p:to>
-                                    </p:set>
-                                    <p:animEffect transition="in" filter="fade">
-                                      <p:cBhvr>
-                                        <p:cTn id="7" dur="500"/>
-                                        <p:tgtEl>
-                                          <p:spTgt spid="3"/>
-                                        </p:tgtEl>
-                                      </p:cBhvr>
-                                    </p:animEffect>
-                                  </p:childTnLst>
-                                </p:cTn>
-                              </p:par>
-                              <p:par>
-                                <p:cTn id="8" presetID="10" presetClass="entr" presetSubtype="0" fill="hold" nodeType="withEffect">
-                                  <p:stCondLst>
-                                    <p:cond delay="0"/>
-                                  </p:stCondLst>
-                                  <p:childTnLst>
-                                    <p:set>
-                                      <p:cBhvr>
-                                        <p:cTn id="9" dur="1" fill="hold">
-                                          <p:stCondLst>
-                                            <p:cond delay="0"/>
-                                          </p:stCondLst>
-                                        </p:cTn>
-                                        <p:tgtEl>
-                                          <p:spTgt spid="6"/>
-                                        </p:tgtEl>
-                                        <p:attrNameLst>
-                                          <p:attrName>style.visibility</p:attrName>
-                                        </p:attrNameLst>
-                                      </p:cBhvr>
-                                      <p:to>
-                                        <p:strVal val="visible"/>
-                                      </p:to>
-                                    </p:set>
-                                    <p:animEffect transition="in" filter="fade">
-                                      <p:cBhvr>
-                                        <p:cTn id="10" dur="500"/>
-                                        <p:tgtEl>
-                                          <p:spTgt spid="6"/>
-                                        </p:tgtEl>
-                                      </p:cBhvr>
-                                    </p:animEffect>
-                                  </p:childTnLst>
-                                </p:cTn>
-                              </p:par>
-                              <p:par>
-                                <p:cTn id="11" presetID="10" presetClass="entr" presetSubtype="0" fill="hold" grpId="0" nodeType="withEffect">
-                                  <p:stCondLst>
-                                    <p:cond delay="0"/>
-                                  </p:stCondLst>
-                                  <p:childTnLst>
-                                    <p:set>
-                                      <p:cBhvr>
-                                        <p:cTn id="12" dur="1" fill="hold">
-                                          <p:stCondLst>
-                                            <p:cond delay="0"/>
-                                          </p:stCondLst>
-                                        </p:cTn>
-                                        <p:tgtEl>
-                                          <p:spTgt spid="37"/>
-                                        </p:tgtEl>
-                                        <p:attrNameLst>
-                                          <p:attrName>style.visibility</p:attrName>
-                                        </p:attrNameLst>
-                                      </p:cBhvr>
-                                      <p:to>
-                                        <p:strVal val="visible"/>
-                                      </p:to>
-                                    </p:set>
-                                    <p:animEffect transition="in" filter="fade">
-                                      <p:cBhvr>
-                                        <p:cTn id="13" dur="500"/>
-                                        <p:tgtEl>
-                                          <p:spTgt spid="37"/>
-                                        </p:tgtEl>
-                                      </p:cBhvr>
-                                    </p:animEffect>
-                                  </p:childTnLst>
-                                </p:cTn>
-                              </p:par>
-                            </p:childTnLst>
-                          </p:cTn>
-                        </p:par>
-                      </p:childTnLst>
-                    </p:cTn>
-                  </p:par>
-                  <p:par>
-                    <p:cTn id="14" fill="hold">
-                      <p:stCondLst>
-                        <p:cond delay="indefinite"/>
-                      </p:stCondLst>
-                      <p:childTnLst>
-                        <p:par>
-                          <p:cTn id="15" fill="hold">
-                            <p:stCondLst>
-                              <p:cond delay="0"/>
-                            </p:stCondLst>
-                            <p:childTnLst>
-                              <p:par>
-                                <p:cTn id="16" presetID="10" presetClass="entr" presetSubtype="0" fill="hold" grpId="0" nodeType="clickEffect">
-                                  <p:stCondLst>
-                                    <p:cond delay="0"/>
-                                  </p:stCondLst>
-                                  <p:childTnLst>
-                                    <p:set>
-                                      <p:cBhvr>
-                                        <p:cTn id="17" dur="1" fill="hold">
-                                          <p:stCondLst>
-                                            <p:cond delay="0"/>
-                                          </p:stCondLst>
-                                        </p:cTn>
-                                        <p:tgtEl>
-                                          <p:spTgt spid="40"/>
-                                        </p:tgtEl>
-                                        <p:attrNameLst>
-                                          <p:attrName>style.visibility</p:attrName>
-                                        </p:attrNameLst>
-                                      </p:cBhvr>
-                                      <p:to>
-                                        <p:strVal val="visible"/>
-                                      </p:to>
-                                    </p:set>
-                                    <p:animEffect transition="in" filter="fade">
-                                      <p:cBhvr>
-                                        <p:cTn id="18" dur="500"/>
-                                        <p:tgtEl>
-                                          <p:spTgt spid="40"/>
-                                        </p:tgtEl>
-                                      </p:cBhvr>
-                                    </p:animEffect>
-                                  </p:childTnLst>
-                                </p:cTn>
-                              </p:par>
-                              <p:par>
-                                <p:cTn id="19" presetID="10" presetClass="entr" presetSubtype="0" fill="hold" grpId="0" nodeType="withEffect">
-                                  <p:stCondLst>
-                                    <p:cond delay="0"/>
-                                  </p:stCondLst>
-                                  <p:childTnLst>
-                                    <p:set>
-                                      <p:cBhvr>
-                                        <p:cTn id="20" dur="1" fill="hold">
-                                          <p:stCondLst>
-                                            <p:cond delay="0"/>
-                                          </p:stCondLst>
-                                        </p:cTn>
-                                        <p:tgtEl>
-                                          <p:spTgt spid="41"/>
-                                        </p:tgtEl>
-                                        <p:attrNameLst>
-                                          <p:attrName>style.visibility</p:attrName>
-                                        </p:attrNameLst>
-                                      </p:cBhvr>
-                                      <p:to>
-                                        <p:strVal val="visible"/>
-                                      </p:to>
-                                    </p:set>
-                                    <p:animEffect transition="in" filter="fade">
-                                      <p:cBhvr>
-                                        <p:cTn id="21" dur="500"/>
-                                        <p:tgtEl>
-                                          <p:spTgt spid="41"/>
-                                        </p:tgtEl>
-                                      </p:cBhvr>
-                                    </p:animEffect>
-                                  </p:childTnLst>
-                                </p:cTn>
-                              </p:par>
-                              <p:par>
-                                <p:cTn id="22" presetID="10" presetClass="entr" presetSubtype="0" fill="hold" grpId="0" nodeType="withEffect">
-                                  <p:stCondLst>
-                                    <p:cond delay="0"/>
-                                  </p:stCondLst>
-                                  <p:childTnLst>
-                                    <p:set>
-                                      <p:cBhvr>
-                                        <p:cTn id="23" dur="1" fill="hold">
-                                          <p:stCondLst>
-                                            <p:cond delay="0"/>
-                                          </p:stCondLst>
-                                        </p:cTn>
-                                        <p:tgtEl>
-                                          <p:spTgt spid="10"/>
-                                        </p:tgtEl>
-                                        <p:attrNameLst>
-                                          <p:attrName>style.visibility</p:attrName>
-                                        </p:attrNameLst>
-                                      </p:cBhvr>
-                                      <p:to>
-                                        <p:strVal val="visible"/>
-                                      </p:to>
-                                    </p:set>
-                                    <p:animEffect transition="in" filter="fade">
-                                      <p:cBhvr>
-                                        <p:cTn id="24" dur="500"/>
-                                        <p:tgtEl>
-                                          <p:spTgt spid="10"/>
-                                        </p:tgtEl>
-                                      </p:cBhvr>
-                                    </p:animEffect>
-                                  </p:childTnLst>
-                                </p:cTn>
-                              </p:par>
-                              <p:par>
-                                <p:cTn id="25" presetID="10" presetClass="entr" presetSubtype="0" fill="hold" grpId="0" nodeType="withEffect">
-                                  <p:stCondLst>
-                                    <p:cond delay="0"/>
-                                  </p:stCondLst>
-                                  <p:childTnLst>
-                                    <p:set>
-                                      <p:cBhvr>
-                                        <p:cTn id="26" dur="1" fill="hold">
-                                          <p:stCondLst>
-                                            <p:cond delay="0"/>
-                                          </p:stCondLst>
-                                        </p:cTn>
-                                        <p:tgtEl>
-                                          <p:spTgt spid="39"/>
-                                        </p:tgtEl>
-                                        <p:attrNameLst>
-                                          <p:attrName>style.visibility</p:attrName>
-                                        </p:attrNameLst>
-                                      </p:cBhvr>
-                                      <p:to>
-                                        <p:strVal val="visible"/>
-                                      </p:to>
-                                    </p:set>
-                                    <p:animEffect transition="in" filter="fade">
-                                      <p:cBhvr>
-                                        <p:cTn id="27" dur="500"/>
-                                        <p:tgtEl>
-                                          <p:spTgt spid="39"/>
-                                        </p:tgtEl>
-                                      </p:cBhvr>
-                                    </p:animEffect>
-                                  </p:childTnLst>
-                                </p:cTn>
-                              </p:par>
-                              <p:par>
-                                <p:cTn id="28" presetID="10" presetClass="entr" presetSubtype="0" fill="hold" nodeType="withEffect">
-                                  <p:stCondLst>
-                                    <p:cond delay="0"/>
-                                  </p:stCondLst>
-                                  <p:childTnLst>
-                                    <p:set>
-                                      <p:cBhvr>
-                                        <p:cTn id="29" dur="1" fill="hold">
                                           <p:stCondLst>
                                             <p:cond delay="0"/>
                                           </p:stCondLst>
@@ -23340,115 +23445,9 @@
                                     </p:set>
                                     <p:animEffect transition="in" filter="fade">
                                       <p:cBhvr>
-                                        <p:cTn id="30" dur="500"/>
+                                        <p:cTn id="7" dur="500"/>
                                         <p:tgtEl>
                                           <p:spTgt spid="43"/>
-                                        </p:tgtEl>
-                                      </p:cBhvr>
-                                    </p:animEffect>
-                                  </p:childTnLst>
-                                </p:cTn>
-                              </p:par>
-                            </p:childTnLst>
-                          </p:cTn>
-                        </p:par>
-                      </p:childTnLst>
-                    </p:cTn>
-                  </p:par>
-                  <p:par>
-                    <p:cTn id="31" fill="hold">
-                      <p:stCondLst>
-                        <p:cond delay="indefinite"/>
-                      </p:stCondLst>
-                      <p:childTnLst>
-                        <p:par>
-                          <p:cTn id="32" fill="hold">
-                            <p:stCondLst>
-                              <p:cond delay="0"/>
-                            </p:stCondLst>
-                            <p:childTnLst>
-                              <p:par>
-                                <p:cTn id="33" presetID="10" presetClass="entr" presetSubtype="0" fill="hold" grpId="0" nodeType="clickEffect">
-                                  <p:stCondLst>
-                                    <p:cond delay="0"/>
-                                  </p:stCondLst>
-                                  <p:childTnLst>
-                                    <p:set>
-                                      <p:cBhvr>
-                                        <p:cTn id="34" dur="1" fill="hold">
-                                          <p:stCondLst>
-                                            <p:cond delay="0"/>
-                                          </p:stCondLst>
-                                        </p:cTn>
-                                        <p:tgtEl>
-                                          <p:spTgt spid="48"/>
-                                        </p:tgtEl>
-                                        <p:attrNameLst>
-                                          <p:attrName>style.visibility</p:attrName>
-                                        </p:attrNameLst>
-                                      </p:cBhvr>
-                                      <p:to>
-                                        <p:strVal val="visible"/>
-                                      </p:to>
-                                    </p:set>
-                                    <p:animEffect transition="in" filter="fade">
-                                      <p:cBhvr>
-                                        <p:cTn id="35" dur="500"/>
-                                        <p:tgtEl>
-                                          <p:spTgt spid="48"/>
-                                        </p:tgtEl>
-                                      </p:cBhvr>
-                                    </p:animEffect>
-                                  </p:childTnLst>
-                                </p:cTn>
-                              </p:par>
-                            </p:childTnLst>
-                          </p:cTn>
-                        </p:par>
-                      </p:childTnLst>
-                    </p:cTn>
-                  </p:par>
-                  <p:par>
-                    <p:cTn id="36" fill="hold">
-                      <p:stCondLst>
-                        <p:cond delay="indefinite"/>
-                      </p:stCondLst>
-                      <p:childTnLst>
-                        <p:par>
-                          <p:cTn id="37" fill="hold">
-                            <p:stCondLst>
-                              <p:cond delay="0"/>
-                            </p:stCondLst>
-                            <p:childTnLst>
-                              <p:par>
-                                <p:cTn id="38" presetID="10" presetClass="entr" presetSubtype="0" fill="hold" grpId="0" nodeType="clickEffect">
-                                  <p:stCondLst>
-                                    <p:cond delay="0"/>
-                                  </p:stCondLst>
-                                  <p:childTnLst>
-                                    <p:set>
-                                      <p:cBhvr>
-                                        <p:cTn id="39" dur="1" fill="hold">
-                                          <p:stCondLst>
-                                            <p:cond delay="0"/>
-                                          </p:stCondLst>
-                                        </p:cTn>
-                                        <p:tgtEl>
-                                          <p:spTgt spid="49"/>
-                                        </p:tgtEl>
-                                        <p:attrNameLst>
-                                          <p:attrName>style.visibility</p:attrName>
-                                        </p:attrNameLst>
-                                      </p:cBhvr>
-                                      <p:to>
-                                        <p:strVal val="visible"/>
-                                      </p:to>
-                                    </p:set>
-                                    <p:animEffect transition="in" filter="fade">
-                                      <p:cBhvr>
-                                        <p:cTn id="40" dur="500"/>
-                                        <p:tgtEl>
-                                          <p:spTgt spid="49"/>
                                         </p:tgtEl>
                                       </p:cBhvr>
                                     </p:animEffect>
@@ -23482,16 +23481,6 @@
         </p:cTn>
       </p:par>
     </p:tnLst>
-    <p:bldLst>
-      <p:bldP spid="3" grpId="0" animBg="1"/>
-      <p:bldP spid="37" grpId="0"/>
-      <p:bldP spid="10" grpId="0"/>
-      <p:bldP spid="39" grpId="0"/>
-      <p:bldP spid="40" grpId="0" animBg="1"/>
-      <p:bldP spid="41" grpId="0"/>
-      <p:bldP spid="48" grpId="0" animBg="1"/>
-      <p:bldP spid="49" grpId="0" animBg="1"/>
-    </p:bldLst>
   </p:timing>
 </p:sld>
 </file>

--- a/Hands-On -Chaos - SLIDES.pptx
+++ b/Hands-On -Chaos - SLIDES.pptx
@@ -6,10 +6,10 @@
     <p:sldMasterId id="2147483660" r:id="rId2"/>
   </p:sldMasterIdLst>
   <p:notesMasterIdLst>
-    <p:notesMasterId r:id="rId34"/>
+    <p:notesMasterId r:id="rId36"/>
   </p:notesMasterIdLst>
   <p:handoutMasterIdLst>
-    <p:handoutMasterId r:id="rId35"/>
+    <p:handoutMasterId r:id="rId37"/>
   </p:handoutMasterIdLst>
   <p:sldIdLst>
     <p:sldId id="288" r:id="rId3"/>
@@ -30,19 +30,21 @@
     <p:sldId id="337" r:id="rId18"/>
     <p:sldId id="338" r:id="rId19"/>
     <p:sldId id="340" r:id="rId20"/>
-    <p:sldId id="341" r:id="rId21"/>
-    <p:sldId id="342" r:id="rId22"/>
-    <p:sldId id="343" r:id="rId23"/>
-    <p:sldId id="344" r:id="rId24"/>
-    <p:sldId id="345" r:id="rId25"/>
-    <p:sldId id="346" r:id="rId26"/>
-    <p:sldId id="347" r:id="rId27"/>
-    <p:sldId id="353" r:id="rId28"/>
-    <p:sldId id="348" r:id="rId29"/>
-    <p:sldId id="350" r:id="rId30"/>
-    <p:sldId id="349" r:id="rId31"/>
-    <p:sldId id="313" r:id="rId32"/>
-    <p:sldId id="325" r:id="rId33"/>
+    <p:sldId id="359" r:id="rId21"/>
+    <p:sldId id="360" r:id="rId22"/>
+    <p:sldId id="341" r:id="rId23"/>
+    <p:sldId id="342" r:id="rId24"/>
+    <p:sldId id="343" r:id="rId25"/>
+    <p:sldId id="344" r:id="rId26"/>
+    <p:sldId id="345" r:id="rId27"/>
+    <p:sldId id="361" r:id="rId28"/>
+    <p:sldId id="347" r:id="rId29"/>
+    <p:sldId id="353" r:id="rId30"/>
+    <p:sldId id="348" r:id="rId31"/>
+    <p:sldId id="349" r:id="rId32"/>
+    <p:sldId id="350" r:id="rId33"/>
+    <p:sldId id="313" r:id="rId34"/>
+    <p:sldId id="325" r:id="rId35"/>
   </p:sldIdLst>
   <p:sldSz cx="12192000" cy="6858000"/>
   <p:notesSz cx="6858000" cy="9144000"/>
@@ -168,17 +170,19 @@
             <p14:sldId id="337"/>
             <p14:sldId id="338"/>
             <p14:sldId id="340"/>
+            <p14:sldId id="359"/>
+            <p14:sldId id="360"/>
             <p14:sldId id="341"/>
             <p14:sldId id="342"/>
             <p14:sldId id="343"/>
             <p14:sldId id="344"/>
             <p14:sldId id="345"/>
-            <p14:sldId id="346"/>
+            <p14:sldId id="361"/>
             <p14:sldId id="347"/>
             <p14:sldId id="353"/>
             <p14:sldId id="348"/>
+            <p14:sldId id="349"/>
             <p14:sldId id="350"/>
-            <p14:sldId id="349"/>
             <p14:sldId id="313"/>
             <p14:sldId id="325"/>
           </p14:sldIdLst>
@@ -288,7 +292,7 @@
           <a:p>
             <a:fld id="{BCD16842-9240-4F97-A128-A3FC2E90277F}" type="datetimeFigureOut">
               <a:rPr lang="fr-FR" smtClean="0"/>
-              <a:t>10/01/2020</a:t>
+              <a:t>17/01/2020</a:t>
             </a:fld>
             <a:endParaRPr lang="fr-FR"/>
           </a:p>
@@ -453,7 +457,7 @@
           <a:p>
             <a:fld id="{066C0EB5-041C-4328-9080-E341B2C6238F}" type="datetimeFigureOut">
               <a:rPr lang="fr-FR" smtClean="0"/>
-              <a:t>10/01/2020</a:t>
+              <a:t>17/01/2020</a:t>
             </a:fld>
             <a:endParaRPr lang="fr-FR"/>
           </a:p>
@@ -971,37 +975,98 @@
             </a:r>
             <a:r>
               <a:rPr lang="fr-FR" baseline="0" dirty="0" smtClean="0"/>
-              <a:t> </a:t>
+              <a:t> : outil </a:t>
             </a:r>
             <a:r>
               <a:rPr lang="fr-FR" baseline="0" dirty="0" err="1" smtClean="0"/>
-              <a:t>assault</a:t>
+              <a:t>netflix</a:t>
             </a:r>
             <a:r>
               <a:rPr lang="fr-FR" baseline="0" dirty="0" smtClean="0"/>
-              <a:t> avec latence, exceptions, … exemples</a:t>
+              <a:t> pour tester la résilience</a:t>
             </a:r>
           </a:p>
           <a:p>
             <a:r>
               <a:rPr lang="fr-FR" baseline="0" dirty="0" smtClean="0"/>
-              <a:t>Exemple d’assertions </a:t>
-            </a:r>
+              <a:t>Si une appli fonctionne avec des pannes </a:t>
+            </a:r>
+            <a:r>
+              <a:rPr lang="fr-FR" baseline="0" dirty="0" err="1" smtClean="0"/>
+              <a:t>aleatoire</a:t>
+            </a:r>
+            <a:r>
+              <a:rPr lang="fr-FR" baseline="0" dirty="0" smtClean="0"/>
+              <a:t>, elle fonctionnera le jour ou une vrai panne arrivera</a:t>
+            </a:r>
+          </a:p>
+          <a:p>
+            <a:r>
+              <a:rPr lang="fr-FR" baseline="0" dirty="0" err="1" smtClean="0"/>
+              <a:t>Ajd</a:t>
+            </a:r>
+            <a:r>
+              <a:rPr lang="fr-FR" baseline="0" dirty="0" smtClean="0"/>
+              <a:t>, les applis vont forcement tomber en panne</a:t>
+            </a:r>
+          </a:p>
+          <a:p>
+            <a:r>
+              <a:rPr lang="fr-FR" baseline="0" dirty="0" smtClean="0"/>
+              <a:t>Utiliser en </a:t>
+            </a:r>
+            <a:r>
+              <a:rPr lang="fr-FR" baseline="0" dirty="0" err="1" smtClean="0"/>
+              <a:t>prod</a:t>
+            </a:r>
+            <a:r>
+              <a:rPr lang="fr-FR" baseline="0" dirty="0" smtClean="0"/>
+              <a:t> chez </a:t>
+            </a:r>
+            <a:r>
+              <a:rPr lang="fr-FR" baseline="0" dirty="0" err="1" smtClean="0"/>
+              <a:t>neflix</a:t>
+            </a:r>
+            <a:endParaRPr lang="fr-FR" baseline="0" dirty="0" smtClean="0"/>
+          </a:p>
+          <a:p>
+            <a:endParaRPr lang="fr-FR" baseline="0" dirty="0" smtClean="0"/>
+          </a:p>
+          <a:p>
             <a:r>
               <a:rPr lang="fr-FR" baseline="0" dirty="0" err="1" smtClean="0"/>
               <a:t>Gatling</a:t>
             </a:r>
+            <a:r>
+              <a:rPr lang="fr-FR" baseline="0" dirty="0" smtClean="0"/>
+              <a:t>:</a:t>
+            </a:r>
+          </a:p>
+          <a:p>
+            <a:r>
+              <a:rPr lang="fr-FR" baseline="0" dirty="0" smtClean="0"/>
+              <a:t>Outil open source test de charge et de performance</a:t>
+            </a:r>
+          </a:p>
+          <a:p>
+            <a:r>
+              <a:rPr lang="fr-FR" baseline="0" dirty="0" err="1" smtClean="0"/>
+              <a:t>Repository</a:t>
+            </a:r>
+            <a:r>
+              <a:rPr lang="fr-FR" baseline="0" dirty="0" smtClean="0"/>
+              <a:t>  starter disponible sur </a:t>
+            </a:r>
+            <a:r>
+              <a:rPr lang="fr-FR" baseline="0" dirty="0" err="1" smtClean="0"/>
+              <a:t>github</a:t>
+            </a:r>
             <a:endParaRPr lang="fr-FR" baseline="0" dirty="0" smtClean="0"/>
           </a:p>
           <a:p>
-            <a:r>
-              <a:rPr lang="fr-FR" baseline="0" dirty="0" smtClean="0"/>
-              <a:t>Tir de </a:t>
-            </a:r>
-            <a:r>
-              <a:rPr lang="fr-FR" baseline="0" dirty="0" err="1" smtClean="0"/>
-              <a:t>reference</a:t>
-            </a:r>
+            <a:endParaRPr lang="fr-FR" baseline="0" dirty="0" smtClean="0"/>
+          </a:p>
+          <a:p>
             <a:endParaRPr lang="fr-FR" dirty="0"/>
           </a:p>
         </p:txBody>
@@ -1023,7 +1088,7 @@
           <a:p>
             <a:fld id="{B35DA622-522A-4B17-9AC4-B01778B7071C}" type="slidenum">
               <a:rPr lang="fr-FR" smtClean="0"/>
-              <a:t>21</a:t>
+              <a:t>20</a:t>
             </a:fld>
             <a:endParaRPr lang="fr-FR"/>
           </a:p>
@@ -1032,7 +1097,7 @@
     </p:spTree>
     <p:extLst>
       <p:ext uri="{BB962C8B-B14F-4D97-AF65-F5344CB8AC3E}">
-        <p14:creationId xmlns:p14="http://schemas.microsoft.com/office/powerpoint/2010/main" val="2307770141"/>
+        <p14:creationId xmlns:p14="http://schemas.microsoft.com/office/powerpoint/2010/main" val="756962261"/>
       </p:ext>
     </p:extLst>
   </p:cSld>
@@ -1088,39 +1153,20 @@
           <a:p>
             <a:r>
               <a:rPr lang="fr-FR" dirty="0" smtClean="0"/>
-              <a:t>Et encore d’autre choses comme</a:t>
-            </a:r>
-          </a:p>
-          <a:p>
-            <a:r>
-              <a:rPr lang="fr-FR" sz="1200" b="0" i="0" kern="1200" dirty="0" smtClean="0">
-                <a:solidFill>
-                  <a:schemeClr val="tx1"/>
-                </a:solidFill>
-                <a:effectLst/>
-                <a:latin typeface="+mn-lt"/>
-                <a:ea typeface="+mn-ea"/>
-                <a:cs typeface="+mn-cs"/>
-              </a:rPr>
-              <a:t>optimiser l'utilisation de votre matériel afin de maximiser les ressources requises pour l'exécution de vos applications d'entreprise</a:t>
-            </a:r>
-          </a:p>
-          <a:p>
-            <a:r>
-              <a:rPr lang="fr-FR" sz="1200" b="0" i="0" kern="1200" dirty="0" smtClean="0">
-                <a:solidFill>
-                  <a:schemeClr val="tx1"/>
-                </a:solidFill>
-                <a:effectLst/>
-                <a:latin typeface="+mn-lt"/>
-                <a:ea typeface="+mn-ea"/>
-                <a:cs typeface="+mn-cs"/>
-              </a:rPr>
-              <a:t>gérer des services de façon déclarative et garantir ainsi que les applications déployées s'exécutent toujours de la manière dont vous les avez déployées ;</a:t>
-            </a:r>
-            <a:endParaRPr lang="fr-FR" dirty="0" smtClean="0"/>
-          </a:p>
-          <a:p>
+              <a:t>Je</a:t>
+            </a:r>
+            <a:r>
+              <a:rPr lang="fr-FR" baseline="0" dirty="0" smtClean="0"/>
+              <a:t> vais rajouter un </a:t>
+            </a:r>
+            <a:r>
+              <a:rPr lang="fr-FR" baseline="0" dirty="0" err="1" smtClean="0"/>
+              <a:t>screen</a:t>
+            </a:r>
+            <a:r>
+              <a:rPr lang="fr-FR" baseline="0" dirty="0" smtClean="0"/>
+              <a:t> ce soir</a:t>
+            </a:r>
             <a:endParaRPr lang="fr-FR" dirty="0"/>
           </a:p>
         </p:txBody>
@@ -1142,7 +1188,7 @@
           <a:p>
             <a:fld id="{B35DA622-522A-4B17-9AC4-B01778B7071C}" type="slidenum">
               <a:rPr lang="fr-FR" smtClean="0"/>
-              <a:t>23</a:t>
+              <a:t>22</a:t>
             </a:fld>
             <a:endParaRPr lang="fr-FR"/>
           </a:p>
@@ -1151,7 +1197,7 @@
     </p:spTree>
     <p:extLst>
       <p:ext uri="{BB962C8B-B14F-4D97-AF65-F5344CB8AC3E}">
-        <p14:creationId xmlns:p14="http://schemas.microsoft.com/office/powerpoint/2010/main" val="1204782167"/>
+        <p14:creationId xmlns:p14="http://schemas.microsoft.com/office/powerpoint/2010/main" val="1732735965"/>
       </p:ext>
     </p:extLst>
   </p:cSld>
@@ -1207,19 +1253,48 @@
           <a:p>
             <a:r>
               <a:rPr lang="fr-FR" dirty="0" smtClean="0"/>
-              <a:t>Je</a:t>
+              <a:t>Chaos</a:t>
             </a:r>
             <a:r>
               <a:rPr lang="fr-FR" baseline="0" dirty="0" smtClean="0"/>
-              <a:t> vais rajouter un </a:t>
+              <a:t> </a:t>
             </a:r>
             <a:r>
               <a:rPr lang="fr-FR" baseline="0" dirty="0" err="1" smtClean="0"/>
-              <a:t>screen</a:t>
+              <a:t>monkey</a:t>
             </a:r>
             <a:r>
               <a:rPr lang="fr-FR" baseline="0" dirty="0" smtClean="0"/>
-              <a:t> ce soir</a:t>
+              <a:t> </a:t>
+            </a:r>
+            <a:r>
+              <a:rPr lang="fr-FR" baseline="0" dirty="0" err="1" smtClean="0"/>
+              <a:t>assault</a:t>
+            </a:r>
+            <a:r>
+              <a:rPr lang="fr-FR" baseline="0" dirty="0" smtClean="0"/>
+              <a:t> avec latence, exceptions, … exemples</a:t>
+            </a:r>
+          </a:p>
+          <a:p>
+            <a:r>
+              <a:rPr lang="fr-FR" baseline="0" dirty="0" smtClean="0"/>
+              <a:t>Exemple d’assertions </a:t>
+            </a:r>
+            <a:r>
+              <a:rPr lang="fr-FR" baseline="0" dirty="0" err="1" smtClean="0"/>
+              <a:t>Gatling</a:t>
+            </a:r>
+            <a:endParaRPr lang="fr-FR" baseline="0" dirty="0" smtClean="0"/>
+          </a:p>
+          <a:p>
+            <a:r>
+              <a:rPr lang="fr-FR" baseline="0" dirty="0" smtClean="0"/>
+              <a:t>Tir de </a:t>
+            </a:r>
+            <a:r>
+              <a:rPr lang="fr-FR" baseline="0" dirty="0" err="1" smtClean="0"/>
+              <a:t>reference</a:t>
             </a:r>
             <a:endParaRPr lang="fr-FR" dirty="0"/>
           </a:p>
@@ -1242,7 +1317,7 @@
           <a:p>
             <a:fld id="{B35DA622-522A-4B17-9AC4-B01778B7071C}" type="slidenum">
               <a:rPr lang="fr-FR" smtClean="0"/>
-              <a:t>25</a:t>
+              <a:t>23</a:t>
             </a:fld>
             <a:endParaRPr lang="fr-FR"/>
           </a:p>
@@ -1251,7 +1326,7 @@
     </p:spTree>
     <p:extLst>
       <p:ext uri="{BB962C8B-B14F-4D97-AF65-F5344CB8AC3E}">
-        <p14:creationId xmlns:p14="http://schemas.microsoft.com/office/powerpoint/2010/main" val="2807718690"/>
+        <p14:creationId xmlns:p14="http://schemas.microsoft.com/office/powerpoint/2010/main" val="2307770141"/>
       </p:ext>
     </p:extLst>
   </p:cSld>
@@ -1307,20 +1382,39 @@
           <a:p>
             <a:r>
               <a:rPr lang="fr-FR" dirty="0" smtClean="0"/>
-              <a:t>Je</a:t>
-            </a:r>
-            <a:r>
-              <a:rPr lang="fr-FR" baseline="0" dirty="0" smtClean="0"/>
-              <a:t> vais rajouter un </a:t>
-            </a:r>
-            <a:r>
-              <a:rPr lang="fr-FR" baseline="0" dirty="0" err="1" smtClean="0"/>
-              <a:t>screen</a:t>
-            </a:r>
-            <a:r>
-              <a:rPr lang="fr-FR" baseline="0" dirty="0" smtClean="0"/>
-              <a:t> ce soir</a:t>
-            </a:r>
+              <a:t>Et encore d’autre choses comme</a:t>
+            </a:r>
+          </a:p>
+          <a:p>
+            <a:r>
+              <a:rPr lang="fr-FR" sz="1200" b="0" i="0" kern="1200" dirty="0" smtClean="0">
+                <a:solidFill>
+                  <a:schemeClr val="tx1"/>
+                </a:solidFill>
+                <a:effectLst/>
+                <a:latin typeface="+mn-lt"/>
+                <a:ea typeface="+mn-ea"/>
+                <a:cs typeface="+mn-cs"/>
+              </a:rPr>
+              <a:t>optimiser l'utilisation de votre matériel afin de maximiser les ressources requises pour l'exécution de vos applications d'entreprise</a:t>
+            </a:r>
+          </a:p>
+          <a:p>
+            <a:r>
+              <a:rPr lang="fr-FR" sz="1200" b="0" i="0" kern="1200" dirty="0" smtClean="0">
+                <a:solidFill>
+                  <a:schemeClr val="tx1"/>
+                </a:solidFill>
+                <a:effectLst/>
+                <a:latin typeface="+mn-lt"/>
+                <a:ea typeface="+mn-ea"/>
+                <a:cs typeface="+mn-cs"/>
+              </a:rPr>
+              <a:t>gérer des services de façon déclarative et garantir ainsi que les applications déployées s'exécutent toujours de la manière dont vous les avez déployées ;</a:t>
+            </a:r>
+            <a:endParaRPr lang="fr-FR" dirty="0" smtClean="0"/>
+          </a:p>
+          <a:p>
             <a:endParaRPr lang="fr-FR" dirty="0"/>
           </a:p>
         </p:txBody>
@@ -1342,7 +1436,7 @@
           <a:p>
             <a:fld id="{B35DA622-522A-4B17-9AC4-B01778B7071C}" type="slidenum">
               <a:rPr lang="fr-FR" smtClean="0"/>
-              <a:t>26</a:t>
+              <a:t>25</a:t>
             </a:fld>
             <a:endParaRPr lang="fr-FR"/>
           </a:p>
@@ -1351,7 +1445,7 @@
     </p:spTree>
     <p:extLst>
       <p:ext uri="{BB962C8B-B14F-4D97-AF65-F5344CB8AC3E}">
-        <p14:creationId xmlns:p14="http://schemas.microsoft.com/office/powerpoint/2010/main" val="3000752244"/>
+        <p14:creationId xmlns:p14="http://schemas.microsoft.com/office/powerpoint/2010/main" val="1204782167"/>
       </p:ext>
     </p:extLst>
   </p:cSld>
@@ -1406,12 +1500,20 @@
           <a:lstStyle/>
           <a:p>
             <a:r>
-              <a:rPr lang="fr-FR" dirty="0" err="1" smtClean="0"/>
-              <a:t>Istio</a:t>
-            </a:r>
-            <a:r>
               <a:rPr lang="fr-FR" dirty="0" smtClean="0"/>
-              <a:t> ?</a:t>
+              <a:t>Je</a:t>
+            </a:r>
+            <a:r>
+              <a:rPr lang="fr-FR" baseline="0" dirty="0" smtClean="0"/>
+              <a:t> vais rajouter un </a:t>
+            </a:r>
+            <a:r>
+              <a:rPr lang="fr-FR" baseline="0" dirty="0" err="1" smtClean="0"/>
+              <a:t>screen</a:t>
+            </a:r>
+            <a:r>
+              <a:rPr lang="fr-FR" baseline="0" dirty="0" smtClean="0"/>
+              <a:t> ce soir</a:t>
             </a:r>
             <a:endParaRPr lang="fr-FR" dirty="0"/>
           </a:p>
@@ -1443,7 +1545,7 @@
     </p:spTree>
     <p:extLst>
       <p:ext uri="{BB962C8B-B14F-4D97-AF65-F5344CB8AC3E}">
-        <p14:creationId xmlns:p14="http://schemas.microsoft.com/office/powerpoint/2010/main" val="816172731"/>
+        <p14:creationId xmlns:p14="http://schemas.microsoft.com/office/powerpoint/2010/main" val="2807718690"/>
       </p:ext>
     </p:extLst>
   </p:cSld>
@@ -1498,12 +1600,20 @@
           <a:lstStyle/>
           <a:p>
             <a:r>
-              <a:rPr lang="fr-FR" dirty="0" err="1" smtClean="0"/>
-              <a:t>Istio</a:t>
-            </a:r>
-            <a:r>
               <a:rPr lang="fr-FR" dirty="0" smtClean="0"/>
-              <a:t> ?</a:t>
+              <a:t>Je</a:t>
+            </a:r>
+            <a:r>
+              <a:rPr lang="fr-FR" baseline="0" dirty="0" smtClean="0"/>
+              <a:t> vais rajouter un </a:t>
+            </a:r>
+            <a:r>
+              <a:rPr lang="fr-FR" baseline="0" dirty="0" err="1" smtClean="0"/>
+              <a:t>screen</a:t>
+            </a:r>
+            <a:r>
+              <a:rPr lang="fr-FR" baseline="0" dirty="0" smtClean="0"/>
+              <a:t> ce soir</a:t>
             </a:r>
             <a:endParaRPr lang="fr-FR" dirty="0"/>
           </a:p>
@@ -1527,6 +1637,190 @@
             <a:fld id="{B35DA622-522A-4B17-9AC4-B01778B7071C}" type="slidenum">
               <a:rPr lang="fr-FR" smtClean="0"/>
               <a:t>28</a:t>
+            </a:fld>
+            <a:endParaRPr lang="fr-FR"/>
+          </a:p>
+        </p:txBody>
+      </p:sp>
+    </p:spTree>
+    <p:extLst>
+      <p:ext uri="{BB962C8B-B14F-4D97-AF65-F5344CB8AC3E}">
+        <p14:creationId xmlns:p14="http://schemas.microsoft.com/office/powerpoint/2010/main" val="3000752244"/>
+      </p:ext>
+    </p:extLst>
+  </p:cSld>
+  <p:clrMapOvr>
+    <a:masterClrMapping/>
+  </p:clrMapOvr>
+</p:notes>
+</file>
+
+<file path=ppt/notesSlides/notesSlide16.xml><?xml version="1.0" encoding="utf-8"?>
+<p:notes xmlns:a="http://schemas.openxmlformats.org/drawingml/2006/main" xmlns:r="http://schemas.openxmlformats.org/officeDocument/2006/relationships" xmlns:p="http://schemas.openxmlformats.org/presentationml/2006/main">
+  <p:cSld>
+    <p:spTree>
+      <p:nvGrpSpPr>
+        <p:cNvPr id="1" name=""/>
+        <p:cNvGrpSpPr/>
+        <p:nvPr/>
+      </p:nvGrpSpPr>
+      <p:grpSpPr>
+        <a:xfrm>
+          <a:off x="0" y="0"/>
+          <a:ext cx="0" cy="0"/>
+          <a:chOff x="0" y="0"/>
+          <a:chExt cx="0" cy="0"/>
+        </a:xfrm>
+      </p:grpSpPr>
+      <p:sp>
+        <p:nvSpPr>
+          <p:cNvPr id="2" name="Espace réservé de l'image des diapositives 1"/>
+          <p:cNvSpPr>
+            <a:spLocks noGrp="1" noRot="1" noChangeAspect="1"/>
+          </p:cNvSpPr>
+          <p:nvPr>
+            <p:ph type="sldImg"/>
+          </p:nvPr>
+        </p:nvSpPr>
+        <p:spPr/>
+      </p:sp>
+      <p:sp>
+        <p:nvSpPr>
+          <p:cNvPr id="3" name="Espace réservé des notes 2"/>
+          <p:cNvSpPr>
+            <a:spLocks noGrp="1"/>
+          </p:cNvSpPr>
+          <p:nvPr>
+            <p:ph type="body" idx="1"/>
+          </p:nvPr>
+        </p:nvSpPr>
+        <p:spPr/>
+        <p:txBody>
+          <a:bodyPr/>
+          <a:lstStyle/>
+          <a:p>
+            <a:r>
+              <a:rPr lang="fr-FR" dirty="0" err="1" smtClean="0"/>
+              <a:t>Istio</a:t>
+            </a:r>
+            <a:r>
+              <a:rPr lang="fr-FR" dirty="0" smtClean="0"/>
+              <a:t> ?</a:t>
+            </a:r>
+            <a:endParaRPr lang="fr-FR" dirty="0"/>
+          </a:p>
+        </p:txBody>
+      </p:sp>
+      <p:sp>
+        <p:nvSpPr>
+          <p:cNvPr id="4" name="Espace réservé du numéro de diapositive 3"/>
+          <p:cNvSpPr>
+            <a:spLocks noGrp="1"/>
+          </p:cNvSpPr>
+          <p:nvPr>
+            <p:ph type="sldNum" sz="quarter" idx="10"/>
+          </p:nvPr>
+        </p:nvSpPr>
+        <p:spPr/>
+        <p:txBody>
+          <a:bodyPr/>
+          <a:lstStyle/>
+          <a:p>
+            <a:fld id="{B35DA622-522A-4B17-9AC4-B01778B7071C}" type="slidenum">
+              <a:rPr lang="fr-FR" smtClean="0"/>
+              <a:t>29</a:t>
+            </a:fld>
+            <a:endParaRPr lang="fr-FR"/>
+          </a:p>
+        </p:txBody>
+      </p:sp>
+    </p:spTree>
+    <p:extLst>
+      <p:ext uri="{BB962C8B-B14F-4D97-AF65-F5344CB8AC3E}">
+        <p14:creationId xmlns:p14="http://schemas.microsoft.com/office/powerpoint/2010/main" val="816172731"/>
+      </p:ext>
+    </p:extLst>
+  </p:cSld>
+  <p:clrMapOvr>
+    <a:masterClrMapping/>
+  </p:clrMapOvr>
+</p:notes>
+</file>
+
+<file path=ppt/notesSlides/notesSlide17.xml><?xml version="1.0" encoding="utf-8"?>
+<p:notes xmlns:a="http://schemas.openxmlformats.org/drawingml/2006/main" xmlns:r="http://schemas.openxmlformats.org/officeDocument/2006/relationships" xmlns:p="http://schemas.openxmlformats.org/presentationml/2006/main">
+  <p:cSld>
+    <p:spTree>
+      <p:nvGrpSpPr>
+        <p:cNvPr id="1" name=""/>
+        <p:cNvGrpSpPr/>
+        <p:nvPr/>
+      </p:nvGrpSpPr>
+      <p:grpSpPr>
+        <a:xfrm>
+          <a:off x="0" y="0"/>
+          <a:ext cx="0" cy="0"/>
+          <a:chOff x="0" y="0"/>
+          <a:chExt cx="0" cy="0"/>
+        </a:xfrm>
+      </p:grpSpPr>
+      <p:sp>
+        <p:nvSpPr>
+          <p:cNvPr id="2" name="Espace réservé de l'image des diapositives 1"/>
+          <p:cNvSpPr>
+            <a:spLocks noGrp="1" noRot="1" noChangeAspect="1"/>
+          </p:cNvSpPr>
+          <p:nvPr>
+            <p:ph type="sldImg"/>
+          </p:nvPr>
+        </p:nvSpPr>
+        <p:spPr/>
+      </p:sp>
+      <p:sp>
+        <p:nvSpPr>
+          <p:cNvPr id="3" name="Espace réservé des notes 2"/>
+          <p:cNvSpPr>
+            <a:spLocks noGrp="1"/>
+          </p:cNvSpPr>
+          <p:nvPr>
+            <p:ph type="body" idx="1"/>
+          </p:nvPr>
+        </p:nvSpPr>
+        <p:spPr/>
+        <p:txBody>
+          <a:bodyPr/>
+          <a:lstStyle/>
+          <a:p>
+            <a:r>
+              <a:rPr lang="fr-FR" dirty="0" err="1" smtClean="0"/>
+              <a:t>Istio</a:t>
+            </a:r>
+            <a:r>
+              <a:rPr lang="fr-FR" dirty="0" smtClean="0"/>
+              <a:t> ?</a:t>
+            </a:r>
+            <a:endParaRPr lang="fr-FR" dirty="0"/>
+          </a:p>
+        </p:txBody>
+      </p:sp>
+      <p:sp>
+        <p:nvSpPr>
+          <p:cNvPr id="4" name="Espace réservé du numéro de diapositive 3"/>
+          <p:cNvSpPr>
+            <a:spLocks noGrp="1"/>
+          </p:cNvSpPr>
+          <p:nvPr>
+            <p:ph type="sldNum" sz="quarter" idx="10"/>
+          </p:nvPr>
+        </p:nvSpPr>
+        <p:spPr/>
+        <p:txBody>
+          <a:bodyPr/>
+          <a:lstStyle/>
+          <a:p>
+            <a:fld id="{B35DA622-522A-4B17-9AC4-B01778B7071C}" type="slidenum">
+              <a:rPr lang="fr-FR" smtClean="0"/>
+              <a:t>31</a:t>
             </a:fld>
             <a:endParaRPr lang="fr-FR"/>
           </a:p>
@@ -2738,20 +3032,110 @@
           <a:p>
             <a:r>
               <a:rPr lang="fr-FR" dirty="0" smtClean="0"/>
-              <a:t>Je</a:t>
+              <a:t>Chaos</a:t>
             </a:r>
             <a:r>
               <a:rPr lang="fr-FR" baseline="0" dirty="0" smtClean="0"/>
-              <a:t> vais rajouter un </a:t>
+              <a:t> </a:t>
             </a:r>
             <a:r>
               <a:rPr lang="fr-FR" baseline="0" dirty="0" err="1" smtClean="0"/>
-              <a:t>screen</a:t>
+              <a:t>monkey</a:t>
             </a:r>
             <a:r>
               <a:rPr lang="fr-FR" baseline="0" dirty="0" smtClean="0"/>
-              <a:t> ce soir</a:t>
-            </a:r>
+              <a:t> : outil </a:t>
+            </a:r>
+            <a:r>
+              <a:rPr lang="fr-FR" baseline="0" dirty="0" err="1" smtClean="0"/>
+              <a:t>netflix</a:t>
+            </a:r>
+            <a:r>
+              <a:rPr lang="fr-FR" baseline="0" dirty="0" smtClean="0"/>
+              <a:t> pour tester la résilience</a:t>
+            </a:r>
+          </a:p>
+          <a:p>
+            <a:r>
+              <a:rPr lang="fr-FR" baseline="0" dirty="0" smtClean="0"/>
+              <a:t>Si une appli fonctionne avec des pannes </a:t>
+            </a:r>
+            <a:r>
+              <a:rPr lang="fr-FR" baseline="0" dirty="0" err="1" smtClean="0"/>
+              <a:t>aleatoire</a:t>
+            </a:r>
+            <a:r>
+              <a:rPr lang="fr-FR" baseline="0" dirty="0" smtClean="0"/>
+              <a:t>, elle fonctionnera le jour ou une vrai panne arrivera</a:t>
+            </a:r>
+          </a:p>
+          <a:p>
+            <a:r>
+              <a:rPr lang="fr-FR" baseline="0" dirty="0" err="1" smtClean="0"/>
+              <a:t>Ajd</a:t>
+            </a:r>
+            <a:r>
+              <a:rPr lang="fr-FR" baseline="0" dirty="0" smtClean="0"/>
+              <a:t>, les applis vont forcement tomber en panne</a:t>
+            </a:r>
+          </a:p>
+          <a:p>
+            <a:r>
+              <a:rPr lang="fr-FR" baseline="0" dirty="0" smtClean="0"/>
+              <a:t>Utiliser en </a:t>
+            </a:r>
+            <a:r>
+              <a:rPr lang="fr-FR" baseline="0" dirty="0" err="1" smtClean="0"/>
+              <a:t>prod</a:t>
+            </a:r>
+            <a:r>
+              <a:rPr lang="fr-FR" baseline="0" dirty="0" smtClean="0"/>
+              <a:t> chez </a:t>
+            </a:r>
+            <a:r>
+              <a:rPr lang="fr-FR" baseline="0" dirty="0" err="1" smtClean="0"/>
+              <a:t>neflix</a:t>
+            </a:r>
+            <a:endParaRPr lang="fr-FR" baseline="0" dirty="0" smtClean="0"/>
+          </a:p>
+          <a:p>
+            <a:endParaRPr lang="fr-FR" baseline="0" dirty="0" smtClean="0"/>
+          </a:p>
+          <a:p>
+            <a:r>
+              <a:rPr lang="fr-FR" baseline="0" dirty="0" err="1" smtClean="0"/>
+              <a:t>Gatling</a:t>
+            </a:r>
+            <a:r>
+              <a:rPr lang="fr-FR" baseline="0" dirty="0" smtClean="0"/>
+              <a:t>:</a:t>
+            </a:r>
+          </a:p>
+          <a:p>
+            <a:r>
+              <a:rPr lang="fr-FR" baseline="0" dirty="0" smtClean="0"/>
+              <a:t>Outil open source test de charge et de performance</a:t>
+            </a:r>
+          </a:p>
+          <a:p>
+            <a:r>
+              <a:rPr lang="fr-FR" baseline="0" dirty="0" err="1" smtClean="0"/>
+              <a:t>Repository</a:t>
+            </a:r>
+            <a:r>
+              <a:rPr lang="fr-FR" baseline="0" dirty="0" smtClean="0"/>
+              <a:t>  starter disponible sur </a:t>
+            </a:r>
+            <a:r>
+              <a:rPr lang="fr-FR" baseline="0" dirty="0" err="1" smtClean="0"/>
+              <a:t>github</a:t>
+            </a:r>
+            <a:endParaRPr lang="fr-FR" baseline="0" dirty="0" smtClean="0"/>
+          </a:p>
+          <a:p>
+            <a:endParaRPr lang="fr-FR" baseline="0" dirty="0" smtClean="0"/>
+          </a:p>
+          <a:p>
             <a:endParaRPr lang="fr-FR" dirty="0"/>
           </a:p>
         </p:txBody>
@@ -2773,7 +3157,7 @@
           <a:p>
             <a:fld id="{B35DA622-522A-4B17-9AC4-B01778B7071C}" type="slidenum">
               <a:rPr lang="fr-FR" smtClean="0"/>
-              <a:t>20</a:t>
+              <a:t>19</a:t>
             </a:fld>
             <a:endParaRPr lang="fr-FR"/>
           </a:p>
@@ -2782,7 +3166,7 @@
     </p:spTree>
     <p:extLst>
       <p:ext uri="{BB962C8B-B14F-4D97-AF65-F5344CB8AC3E}">
-        <p14:creationId xmlns:p14="http://schemas.microsoft.com/office/powerpoint/2010/main" val="1732735965"/>
+        <p14:creationId xmlns:p14="http://schemas.microsoft.com/office/powerpoint/2010/main" val="3566044670"/>
       </p:ext>
     </p:extLst>
   </p:cSld>
@@ -3232,7 +3616,7 @@
           <a:p>
             <a:fld id="{53F1A578-CF54-4F7E-B632-6057828CF008}" type="datetime1">
               <a:rPr lang="fr-FR" smtClean="0"/>
-              <a:t>10/01/2020</a:t>
+              <a:t>17/01/2020</a:t>
             </a:fld>
             <a:endParaRPr lang="fr-FR"/>
           </a:p>
@@ -3412,7 +3796,7 @@
           <a:p>
             <a:fld id="{BE76CFE2-95CD-4A32-97B1-F5ACE338180B}" type="datetime1">
               <a:rPr lang="fr-FR" smtClean="0"/>
-              <a:t>10/01/2020</a:t>
+              <a:t>17/01/2020</a:t>
             </a:fld>
             <a:endParaRPr lang="fr-FR"/>
           </a:p>
@@ -3618,7 +4002,7 @@
           <a:p>
             <a:fld id="{01328BD3-3DC5-4EE9-9517-503B3CBDB3D9}" type="datetimeFigureOut">
               <a:rPr lang="fr-FR" smtClean="0"/>
-              <a:t>10/01/2020</a:t>
+              <a:t>17/01/2020</a:t>
             </a:fld>
             <a:endParaRPr lang="fr-FR"/>
           </a:p>
@@ -3828,7 +4212,7 @@
           <a:p>
             <a:fld id="{01328BD3-3DC5-4EE9-9517-503B3CBDB3D9}" type="datetimeFigureOut">
               <a:rPr lang="fr-FR" smtClean="0"/>
-              <a:t>10/01/2020</a:t>
+              <a:t>17/01/2020</a:t>
             </a:fld>
             <a:endParaRPr lang="fr-FR"/>
           </a:p>
@@ -4104,7 +4488,7 @@
           <a:p>
             <a:fld id="{01328BD3-3DC5-4EE9-9517-503B3CBDB3D9}" type="datetimeFigureOut">
               <a:rPr lang="fr-FR" smtClean="0"/>
-              <a:t>10/01/2020</a:t>
+              <a:t>17/01/2020</a:t>
             </a:fld>
             <a:endParaRPr lang="fr-FR"/>
           </a:p>
@@ -4374,7 +4758,7 @@
           <a:p>
             <a:fld id="{01328BD3-3DC5-4EE9-9517-503B3CBDB3D9}" type="datetimeFigureOut">
               <a:rPr lang="fr-FR" smtClean="0"/>
-              <a:t>10/01/2020</a:t>
+              <a:t>17/01/2020</a:t>
             </a:fld>
             <a:endParaRPr lang="fr-FR"/>
           </a:p>
@@ -4780,7 +5164,7 @@
           <a:p>
             <a:fld id="{01328BD3-3DC5-4EE9-9517-503B3CBDB3D9}" type="datetimeFigureOut">
               <a:rPr lang="fr-FR" smtClean="0"/>
-              <a:t>10/01/2020</a:t>
+              <a:t>17/01/2020</a:t>
             </a:fld>
             <a:endParaRPr lang="fr-FR"/>
           </a:p>
@@ -4930,7 +5314,7 @@
           <a:p>
             <a:fld id="{01328BD3-3DC5-4EE9-9517-503B3CBDB3D9}" type="datetimeFigureOut">
               <a:rPr lang="fr-FR" smtClean="0"/>
-              <a:t>10/01/2020</a:t>
+              <a:t>17/01/2020</a:t>
             </a:fld>
             <a:endParaRPr lang="fr-FR"/>
           </a:p>
@@ -5049,7 +5433,7 @@
           <a:p>
             <a:fld id="{01328BD3-3DC5-4EE9-9517-503B3CBDB3D9}" type="datetimeFigureOut">
               <a:rPr lang="fr-FR" smtClean="0"/>
-              <a:t>10/01/2020</a:t>
+              <a:t>17/01/2020</a:t>
             </a:fld>
             <a:endParaRPr lang="fr-FR"/>
           </a:p>
@@ -5359,7 +5743,7 @@
           <a:p>
             <a:fld id="{01328BD3-3DC5-4EE9-9517-503B3CBDB3D9}" type="datetimeFigureOut">
               <a:rPr lang="fr-FR" smtClean="0"/>
-              <a:t>10/01/2020</a:t>
+              <a:t>17/01/2020</a:t>
             </a:fld>
             <a:endParaRPr lang="fr-FR"/>
           </a:p>
@@ -5545,7 +5929,7 @@
           <a:p>
             <a:fld id="{83324017-11E6-403C-8DF0-E07D6BBD421D}" type="datetime1">
               <a:rPr lang="fr-FR" smtClean="0"/>
-              <a:t>10/01/2020</a:t>
+              <a:t>17/01/2020</a:t>
             </a:fld>
             <a:endParaRPr lang="fr-FR"/>
           </a:p>
@@ -5822,7 +6206,7 @@
           <a:p>
             <a:fld id="{01328BD3-3DC5-4EE9-9517-503B3CBDB3D9}" type="datetimeFigureOut">
               <a:rPr lang="fr-FR" smtClean="0"/>
-              <a:t>10/01/2020</a:t>
+              <a:t>17/01/2020</a:t>
             </a:fld>
             <a:endParaRPr lang="fr-FR"/>
           </a:p>
@@ -6032,7 +6416,7 @@
           <a:p>
             <a:fld id="{01328BD3-3DC5-4EE9-9517-503B3CBDB3D9}" type="datetimeFigureOut">
               <a:rPr lang="fr-FR" smtClean="0"/>
-              <a:t>10/01/2020</a:t>
+              <a:t>17/01/2020</a:t>
             </a:fld>
             <a:endParaRPr lang="fr-FR"/>
           </a:p>
@@ -6242,7 +6626,7 @@
           <a:p>
             <a:fld id="{01328BD3-3DC5-4EE9-9517-503B3CBDB3D9}" type="datetimeFigureOut">
               <a:rPr lang="fr-FR" smtClean="0"/>
-              <a:t>10/01/2020</a:t>
+              <a:t>17/01/2020</a:t>
             </a:fld>
             <a:endParaRPr lang="fr-FR"/>
           </a:p>
@@ -6504,7 +6888,7 @@
           <a:p>
             <a:fld id="{52B1F042-851C-4033-9A9B-3785B27AB717}" type="datetime1">
               <a:rPr lang="fr-FR" smtClean="0"/>
-              <a:t>10/01/2020</a:t>
+              <a:t>17/01/2020</a:t>
             </a:fld>
             <a:endParaRPr lang="fr-FR"/>
           </a:p>
@@ -6736,7 +7120,7 @@
           <a:p>
             <a:fld id="{034A8F9E-78CD-455C-818B-DD4A961B9150}" type="datetime1">
               <a:rPr lang="fr-FR" smtClean="0"/>
-              <a:t>10/01/2020</a:t>
+              <a:t>17/01/2020</a:t>
             </a:fld>
             <a:endParaRPr lang="fr-FR"/>
           </a:p>
@@ -7103,7 +7487,7 @@
           <a:p>
             <a:fld id="{81576C7E-E8E0-4F9E-BE7E-1BC578A50B5B}" type="datetime1">
               <a:rPr lang="fr-FR" smtClean="0"/>
-              <a:t>10/01/2020</a:t>
+              <a:t>17/01/2020</a:t>
             </a:fld>
             <a:endParaRPr lang="fr-FR"/>
           </a:p>
@@ -7221,7 +7605,7 @@
           <a:p>
             <a:fld id="{0A8BA257-B0C1-49B2-A417-40DAB387243E}" type="datetime1">
               <a:rPr lang="fr-FR" smtClean="0"/>
-              <a:t>10/01/2020</a:t>
+              <a:t>17/01/2020</a:t>
             </a:fld>
             <a:endParaRPr lang="fr-FR"/>
           </a:p>
@@ -7316,7 +7700,7 @@
           <a:p>
             <a:fld id="{2EA96EB8-38DB-4D23-8070-05C9711EAF8D}" type="datetime1">
               <a:rPr lang="fr-FR" smtClean="0"/>
-              <a:t>10/01/2020</a:t>
+              <a:t>17/01/2020</a:t>
             </a:fld>
             <a:endParaRPr lang="fr-FR"/>
           </a:p>
@@ -7593,7 +7977,7 @@
           <a:p>
             <a:fld id="{81D9A430-639B-403A-8AAF-759F061BDC95}" type="datetime1">
               <a:rPr lang="fr-FR" smtClean="0"/>
-              <a:t>10/01/2020</a:t>
+              <a:t>17/01/2020</a:t>
             </a:fld>
             <a:endParaRPr lang="fr-FR"/>
           </a:p>
@@ -7846,7 +8230,7 @@
           <a:p>
             <a:fld id="{06C7B113-2B35-46FF-BF45-BE2306F5FE8B}" type="datetime1">
               <a:rPr lang="fr-FR" smtClean="0"/>
-              <a:t>10/01/2020</a:t>
+              <a:t>17/01/2020</a:t>
             </a:fld>
             <a:endParaRPr lang="fr-FR"/>
           </a:p>
@@ -8059,7 +8443,7 @@
           <a:p>
             <a:fld id="{19D9C409-5ACF-4826-BD1B-C4FF95172A81}" type="datetime1">
               <a:rPr lang="fr-FR" smtClean="0"/>
-              <a:t>10/01/2020</a:t>
+              <a:t>17/01/2020</a:t>
             </a:fld>
             <a:endParaRPr lang="fr-FR"/>
           </a:p>
@@ -10950,15 +11334,7 @@
                   <a:ea typeface="Lato Regular" panose="020F0502020204030203" pitchFamily="34" charset="0"/>
                   <a:cs typeface="Lato Regular" panose="020F0502020204030203" pitchFamily="34" charset="0"/>
                 </a:rPr>
-                <a:t>Tests </a:t>
-              </a:r>
-              <a:r>
-                <a:rPr lang="fr-FR" sz="4000" b="1" dirty="0" smtClean="0">
-                  <a:latin typeface="Lato Regular" panose="020F0502020204030203" pitchFamily="34" charset="0"/>
-                  <a:ea typeface="Lato Regular" panose="020F0502020204030203" pitchFamily="34" charset="0"/>
-                  <a:cs typeface="Lato Regular" panose="020F0502020204030203" pitchFamily="34" charset="0"/>
-                </a:rPr>
-                <a:t>unitaires et couverture de code </a:t>
+                <a:t>Tests unitaires et couverture de code </a:t>
               </a:r>
               <a:endParaRPr lang="fr-FR" sz="3600" b="1" dirty="0">
                 <a:latin typeface="Lato Regular" panose="020F0502020204030203" pitchFamily="34" charset="0"/>
@@ -12310,15 +12686,7 @@
                   <a:ea typeface="Lato Regular" panose="020F0502020204030203" pitchFamily="34" charset="0"/>
                   <a:cs typeface="Lato Regular" panose="020F0502020204030203" pitchFamily="34" charset="0"/>
                 </a:rPr>
-                <a:t> Test : moche et </a:t>
-              </a:r>
-              <a:r>
-                <a:rPr lang="fr-FR" sz="4000" b="1" dirty="0" smtClean="0">
-                  <a:latin typeface="Lato Regular" panose="020F0502020204030203" pitchFamily="34" charset="0"/>
-                  <a:ea typeface="Lato Regular" panose="020F0502020204030203" pitchFamily="34" charset="0"/>
-                  <a:cs typeface="Lato Regular" panose="020F0502020204030203" pitchFamily="34" charset="0"/>
-                </a:rPr>
-                <a:t>mutant</a:t>
+                <a:t> Test : moche et mutant</a:t>
               </a:r>
               <a:endParaRPr lang="fr-FR" sz="3600" b="1" dirty="0">
                 <a:latin typeface="Lato Regular" panose="020F0502020204030203" pitchFamily="34" charset="0"/>
@@ -14305,30 +14673,70 @@
           <a:chExt cx="0" cy="0"/>
         </a:xfrm>
       </p:grpSpPr>
+      <p:cxnSp>
+        <p:nvCxnSpPr>
+          <p:cNvPr id="43" name="Straight Connector 149">
+            <a:extLst>
+              <a:ext uri="{FF2B5EF4-FFF2-40B4-BE49-F238E27FC236}">
+                <a16:creationId xmlns:a16="http://schemas.microsoft.com/office/drawing/2014/main" id="{D8CF519D-DB01-4308-A138-A01722AD4A22}"/>
+              </a:ext>
+            </a:extLst>
+          </p:cNvPr>
+          <p:cNvCxnSpPr/>
+          <p:nvPr/>
+        </p:nvCxnSpPr>
+        <p:spPr>
+          <a:xfrm>
+            <a:off x="441410" y="3064483"/>
+            <a:ext cx="0" cy="3212358"/>
+          </a:xfrm>
+          <a:prstGeom prst="line">
+            <a:avLst/>
+          </a:prstGeom>
+          <a:ln w="12700" cmpd="sng">
+            <a:noFill/>
+          </a:ln>
+          <a:effectLst/>
+        </p:spPr>
+        <p:style>
+          <a:lnRef idx="2">
+            <a:schemeClr val="accent1"/>
+          </a:lnRef>
+          <a:fillRef idx="0">
+            <a:schemeClr val="accent1"/>
+          </a:fillRef>
+          <a:effectRef idx="1">
+            <a:schemeClr val="accent1"/>
+          </a:effectRef>
+          <a:fontRef idx="minor">
+            <a:schemeClr val="tx1"/>
+          </a:fontRef>
+        </p:style>
+      </p:cxnSp>
       <p:grpSp>
         <p:nvGrpSpPr>
-          <p:cNvPr id="202" name="Groupe 201"/>
+          <p:cNvPr id="45" name="Groupe 44"/>
           <p:cNvGrpSpPr/>
           <p:nvPr/>
         </p:nvGrpSpPr>
         <p:grpSpPr>
           <a:xfrm>
             <a:off x="0" y="73772"/>
-            <a:ext cx="3843196" cy="883356"/>
+            <a:ext cx="3636408" cy="883356"/>
             <a:chOff x="0" y="-9760"/>
-            <a:chExt cx="3077762" cy="785565"/>
+            <a:chExt cx="2912160" cy="785565"/>
           </a:xfrm>
         </p:grpSpPr>
         <p:sp>
           <p:nvSpPr>
-            <p:cNvPr id="203" name="ZoneTexte 202"/>
+            <p:cNvPr id="46" name="ZoneTexte 45"/>
             <p:cNvSpPr txBox="1"/>
             <p:nvPr/>
           </p:nvSpPr>
           <p:spPr>
             <a:xfrm>
               <a:off x="109500" y="-9760"/>
-              <a:ext cx="2968262" cy="629520"/>
+              <a:ext cx="2802660" cy="629520"/>
             </a:xfrm>
             <a:prstGeom prst="rect">
               <a:avLst/>
@@ -14347,9 +14755,9 @@
                   <a:ea typeface="Lato Regular" panose="020F0502020204030203" pitchFamily="34" charset="0"/>
                   <a:cs typeface="Lato Regular" panose="020F0502020204030203" pitchFamily="34" charset="0"/>
                 </a:rPr>
-                <a:t>Hands on ! TP 2</a:t>
+                <a:t>Chaos Monkey</a:t>
               </a:r>
-              <a:endParaRPr lang="fr-FR" sz="3600" b="1" dirty="0">
+              <a:endParaRPr lang="fr-FR" sz="4000" b="1" dirty="0" smtClean="0">
                 <a:latin typeface="Lato Regular" panose="020F0502020204030203" pitchFamily="34" charset="0"/>
                 <a:ea typeface="Lato Regular" panose="020F0502020204030203" pitchFamily="34" charset="0"/>
                 <a:cs typeface="Lato Regular" panose="020F0502020204030203" pitchFamily="34" charset="0"/>
@@ -14359,7 +14767,7 @@
         </p:sp>
         <p:sp>
           <p:nvSpPr>
-            <p:cNvPr id="204" name="Rectangle 203"/>
+            <p:cNvPr id="47" name="Rectangle 46"/>
             <p:cNvSpPr/>
             <p:nvPr/>
           </p:nvSpPr>
@@ -14372,7 +14780,7 @@
               <a:avLst/>
             </a:prstGeom>
             <a:solidFill>
-              <a:srgbClr val="438721"/>
+              <a:srgbClr val="2F6079"/>
             </a:solidFill>
             <a:ln>
               <a:noFill/>
@@ -14404,6 +14812,626 @@
           </p:txBody>
         </p:sp>
       </p:grpSp>
+      <p:sp>
+        <p:nvSpPr>
+          <p:cNvPr id="16" name="Subtitle 2">
+            <a:extLst>
+              <a:ext uri="{FF2B5EF4-FFF2-40B4-BE49-F238E27FC236}">
+                <a16:creationId xmlns:a16="http://schemas.microsoft.com/office/drawing/2014/main" id="{3A78FA13-AC9F-47B6-87F4-D7D64D1358A9}"/>
+              </a:ext>
+            </a:extLst>
+          </p:cNvPr>
+          <p:cNvSpPr txBox="1">
+            <a:spLocks/>
+          </p:cNvSpPr>
+          <p:nvPr/>
+        </p:nvSpPr>
+        <p:spPr>
+          <a:xfrm>
+            <a:off x="325852" y="1229494"/>
+            <a:ext cx="5160980" cy="675932"/>
+          </a:xfrm>
+          <a:prstGeom prst="rect">
+            <a:avLst/>
+          </a:prstGeom>
+        </p:spPr>
+        <p:txBody>
+          <a:bodyPr vert="horz" lIns="243744" tIns="121869" rIns="243744" bIns="121869" rtlCol="0">
+            <a:noAutofit/>
+          </a:bodyPr>
+          <a:lstStyle>
+            <a:lvl1pPr marL="342900" indent="-342900" algn="l" defTabSz="457200" rtl="0" eaLnBrk="1" latinLnBrk="0" hangingPunct="1">
+              <a:spcBef>
+                <a:spcPct val="20000"/>
+              </a:spcBef>
+              <a:buFont typeface="Arial"/>
+              <a:buChar char="•"/>
+              <a:defRPr sz="3200" kern="1200">
+                <a:solidFill>
+                  <a:schemeClr val="tx1"/>
+                </a:solidFill>
+                <a:latin typeface="+mn-lt"/>
+                <a:ea typeface="+mn-ea"/>
+                <a:cs typeface="+mn-cs"/>
+              </a:defRPr>
+            </a:lvl1pPr>
+            <a:lvl2pPr marL="742950" indent="-285750" algn="l" defTabSz="457200" rtl="0" eaLnBrk="1" latinLnBrk="0" hangingPunct="1">
+              <a:spcBef>
+                <a:spcPct val="20000"/>
+              </a:spcBef>
+              <a:buFont typeface="Arial"/>
+              <a:buChar char="–"/>
+              <a:defRPr sz="2800" kern="1200">
+                <a:solidFill>
+                  <a:schemeClr val="tx1"/>
+                </a:solidFill>
+                <a:latin typeface="+mn-lt"/>
+                <a:ea typeface="+mn-ea"/>
+                <a:cs typeface="+mn-cs"/>
+              </a:defRPr>
+            </a:lvl2pPr>
+            <a:lvl3pPr marL="1143000" indent="-228600" algn="l" defTabSz="457200" rtl="0" eaLnBrk="1" latinLnBrk="0" hangingPunct="1">
+              <a:spcBef>
+                <a:spcPct val="20000"/>
+              </a:spcBef>
+              <a:buFont typeface="Arial"/>
+              <a:buChar char="•"/>
+              <a:defRPr sz="2400" kern="1200">
+                <a:solidFill>
+                  <a:schemeClr val="tx1"/>
+                </a:solidFill>
+                <a:latin typeface="+mn-lt"/>
+                <a:ea typeface="+mn-ea"/>
+                <a:cs typeface="+mn-cs"/>
+              </a:defRPr>
+            </a:lvl3pPr>
+            <a:lvl4pPr marL="1600200" indent="-228600" algn="l" defTabSz="457200" rtl="0" eaLnBrk="1" latinLnBrk="0" hangingPunct="1">
+              <a:spcBef>
+                <a:spcPct val="20000"/>
+              </a:spcBef>
+              <a:buFont typeface="Arial"/>
+              <a:buChar char="–"/>
+              <a:defRPr sz="2000" kern="1200">
+                <a:solidFill>
+                  <a:schemeClr val="tx1"/>
+                </a:solidFill>
+                <a:latin typeface="+mn-lt"/>
+                <a:ea typeface="+mn-ea"/>
+                <a:cs typeface="+mn-cs"/>
+              </a:defRPr>
+            </a:lvl4pPr>
+            <a:lvl5pPr marL="2057400" indent="-228600" algn="l" defTabSz="457200" rtl="0" eaLnBrk="1" latinLnBrk="0" hangingPunct="1">
+              <a:spcBef>
+                <a:spcPct val="20000"/>
+              </a:spcBef>
+              <a:buFont typeface="Arial"/>
+              <a:buChar char="»"/>
+              <a:defRPr sz="2000" kern="1200">
+                <a:solidFill>
+                  <a:schemeClr val="tx1"/>
+                </a:solidFill>
+                <a:latin typeface="+mn-lt"/>
+                <a:ea typeface="+mn-ea"/>
+                <a:cs typeface="+mn-cs"/>
+              </a:defRPr>
+            </a:lvl5pPr>
+            <a:lvl6pPr marL="2514600" indent="-228600" algn="l" defTabSz="457200" rtl="0" eaLnBrk="1" latinLnBrk="0" hangingPunct="1">
+              <a:spcBef>
+                <a:spcPct val="20000"/>
+              </a:spcBef>
+              <a:buFont typeface="Arial"/>
+              <a:buChar char="•"/>
+              <a:defRPr sz="2000" kern="1200">
+                <a:solidFill>
+                  <a:schemeClr val="tx1"/>
+                </a:solidFill>
+                <a:latin typeface="+mn-lt"/>
+                <a:ea typeface="+mn-ea"/>
+                <a:cs typeface="+mn-cs"/>
+              </a:defRPr>
+            </a:lvl6pPr>
+            <a:lvl7pPr marL="2971800" indent="-228600" algn="l" defTabSz="457200" rtl="0" eaLnBrk="1" latinLnBrk="0" hangingPunct="1">
+              <a:spcBef>
+                <a:spcPct val="20000"/>
+              </a:spcBef>
+              <a:buFont typeface="Arial"/>
+              <a:buChar char="•"/>
+              <a:defRPr sz="2000" kern="1200">
+                <a:solidFill>
+                  <a:schemeClr val="tx1"/>
+                </a:solidFill>
+                <a:latin typeface="+mn-lt"/>
+                <a:ea typeface="+mn-ea"/>
+                <a:cs typeface="+mn-cs"/>
+              </a:defRPr>
+            </a:lvl7pPr>
+            <a:lvl8pPr marL="3429000" indent="-228600" algn="l" defTabSz="457200" rtl="0" eaLnBrk="1" latinLnBrk="0" hangingPunct="1">
+              <a:spcBef>
+                <a:spcPct val="20000"/>
+              </a:spcBef>
+              <a:buFont typeface="Arial"/>
+              <a:buChar char="•"/>
+              <a:defRPr sz="2000" kern="1200">
+                <a:solidFill>
+                  <a:schemeClr val="tx1"/>
+                </a:solidFill>
+                <a:latin typeface="+mn-lt"/>
+                <a:ea typeface="+mn-ea"/>
+                <a:cs typeface="+mn-cs"/>
+              </a:defRPr>
+            </a:lvl8pPr>
+            <a:lvl9pPr marL="3886200" indent="-228600" algn="l" defTabSz="457200" rtl="0" eaLnBrk="1" latinLnBrk="0" hangingPunct="1">
+              <a:spcBef>
+                <a:spcPct val="20000"/>
+              </a:spcBef>
+              <a:buFont typeface="Arial"/>
+              <a:buChar char="•"/>
+              <a:defRPr sz="2000" kern="1200">
+                <a:solidFill>
+                  <a:schemeClr val="tx1"/>
+                </a:solidFill>
+                <a:latin typeface="+mn-lt"/>
+                <a:ea typeface="+mn-ea"/>
+                <a:cs typeface="+mn-cs"/>
+              </a:defRPr>
+            </a:lvl9pPr>
+          </a:lstStyle>
+          <a:p>
+            <a:pPr marL="0" indent="0">
+              <a:buNone/>
+            </a:pPr>
+            <a:r>
+              <a:rPr lang="fr-FR" sz="2000" dirty="0" smtClean="0">
+                <a:solidFill>
+                  <a:schemeClr val="tx2"/>
+                </a:solidFill>
+                <a:latin typeface="Lato Regular"/>
+                <a:cs typeface="Lato Regular"/>
+              </a:rPr>
+              <a:t>Installation sur un projet </a:t>
+            </a:r>
+            <a:r>
+              <a:rPr lang="fr-FR" sz="2000" dirty="0" err="1" smtClean="0">
+                <a:solidFill>
+                  <a:schemeClr val="tx2"/>
+                </a:solidFill>
+                <a:latin typeface="Lato Regular"/>
+                <a:cs typeface="Lato Regular"/>
+              </a:rPr>
+              <a:t>spring</a:t>
+            </a:r>
+            <a:r>
+              <a:rPr lang="fr-FR" sz="2000" dirty="0" smtClean="0">
+                <a:solidFill>
+                  <a:schemeClr val="tx2"/>
+                </a:solidFill>
+                <a:latin typeface="Lato Regular"/>
+                <a:cs typeface="Lato Regular"/>
+              </a:rPr>
+              <a:t> boot</a:t>
+            </a:r>
+            <a:endParaRPr lang="fr-FR" sz="2000" dirty="0">
+              <a:solidFill>
+                <a:schemeClr val="tx2"/>
+              </a:solidFill>
+              <a:latin typeface="Lato Regular"/>
+              <a:cs typeface="Lato Regular"/>
+            </a:endParaRPr>
+          </a:p>
+        </p:txBody>
+      </p:sp>
+      <p:pic>
+        <p:nvPicPr>
+          <p:cNvPr id="1026" name="Picture 2" descr="Résultat de recherche d'images pour &quot;chaos monkey&quot;"/>
+          <p:cNvPicPr>
+            <a:picLocks noChangeAspect="1" noChangeArrowheads="1"/>
+          </p:cNvPicPr>
+          <p:nvPr/>
+        </p:nvPicPr>
+        <p:blipFill>
+          <a:blip r:embed="rId3">
+            <a:extLst>
+              <a:ext uri="{28A0092B-C50C-407E-A947-70E740481C1C}">
+                <a14:useLocalDpi xmlns:a14="http://schemas.microsoft.com/office/drawing/2010/main" val="0"/>
+              </a:ext>
+            </a:extLst>
+          </a:blip>
+          <a:srcRect/>
+          <a:stretch>
+            <a:fillRect/>
+          </a:stretch>
+        </p:blipFill>
+        <p:spPr bwMode="auto">
+          <a:xfrm>
+            <a:off x="8238884" y="1766044"/>
+            <a:ext cx="3272472" cy="3272472"/>
+          </a:xfrm>
+          <a:prstGeom prst="rect">
+            <a:avLst/>
+          </a:prstGeom>
+          <a:noFill/>
+          <a:extLst>
+            <a:ext uri="{909E8E84-426E-40DD-AFC4-6F175D3DCCD1}">
+              <a14:hiddenFill xmlns:a14="http://schemas.microsoft.com/office/drawing/2010/main">
+                <a:solidFill>
+                  <a:srgbClr val="FFFFFF"/>
+                </a:solidFill>
+              </a14:hiddenFill>
+            </a:ext>
+          </a:extLst>
+        </p:spPr>
+      </p:pic>
+      <p:sp>
+        <p:nvSpPr>
+          <p:cNvPr id="21" name="Subtitle 2">
+            <a:extLst>
+              <a:ext uri="{FF2B5EF4-FFF2-40B4-BE49-F238E27FC236}">
+                <a16:creationId xmlns:a16="http://schemas.microsoft.com/office/drawing/2014/main" id="{3A78FA13-AC9F-47B6-87F4-D7D64D1358A9}"/>
+              </a:ext>
+            </a:extLst>
+          </p:cNvPr>
+          <p:cNvSpPr txBox="1">
+            <a:spLocks/>
+          </p:cNvSpPr>
+          <p:nvPr/>
+        </p:nvSpPr>
+        <p:spPr>
+          <a:xfrm>
+            <a:off x="320144" y="3311891"/>
+            <a:ext cx="5160980" cy="628342"/>
+          </a:xfrm>
+          <a:prstGeom prst="rect">
+            <a:avLst/>
+          </a:prstGeom>
+        </p:spPr>
+        <p:txBody>
+          <a:bodyPr vert="horz" lIns="243744" tIns="121869" rIns="243744" bIns="121869" rtlCol="0">
+            <a:noAutofit/>
+          </a:bodyPr>
+          <a:lstStyle>
+            <a:lvl1pPr marL="342900" indent="-342900" algn="l" defTabSz="457200" rtl="0" eaLnBrk="1" latinLnBrk="0" hangingPunct="1">
+              <a:spcBef>
+                <a:spcPct val="20000"/>
+              </a:spcBef>
+              <a:buFont typeface="Arial"/>
+              <a:buChar char="•"/>
+              <a:defRPr sz="3200" kern="1200">
+                <a:solidFill>
+                  <a:schemeClr val="tx1"/>
+                </a:solidFill>
+                <a:latin typeface="+mn-lt"/>
+                <a:ea typeface="+mn-ea"/>
+                <a:cs typeface="+mn-cs"/>
+              </a:defRPr>
+            </a:lvl1pPr>
+            <a:lvl2pPr marL="742950" indent="-285750" algn="l" defTabSz="457200" rtl="0" eaLnBrk="1" latinLnBrk="0" hangingPunct="1">
+              <a:spcBef>
+                <a:spcPct val="20000"/>
+              </a:spcBef>
+              <a:buFont typeface="Arial"/>
+              <a:buChar char="–"/>
+              <a:defRPr sz="2800" kern="1200">
+                <a:solidFill>
+                  <a:schemeClr val="tx1"/>
+                </a:solidFill>
+                <a:latin typeface="+mn-lt"/>
+                <a:ea typeface="+mn-ea"/>
+                <a:cs typeface="+mn-cs"/>
+              </a:defRPr>
+            </a:lvl2pPr>
+            <a:lvl3pPr marL="1143000" indent="-228600" algn="l" defTabSz="457200" rtl="0" eaLnBrk="1" latinLnBrk="0" hangingPunct="1">
+              <a:spcBef>
+                <a:spcPct val="20000"/>
+              </a:spcBef>
+              <a:buFont typeface="Arial"/>
+              <a:buChar char="•"/>
+              <a:defRPr sz="2400" kern="1200">
+                <a:solidFill>
+                  <a:schemeClr val="tx1"/>
+                </a:solidFill>
+                <a:latin typeface="+mn-lt"/>
+                <a:ea typeface="+mn-ea"/>
+                <a:cs typeface="+mn-cs"/>
+              </a:defRPr>
+            </a:lvl3pPr>
+            <a:lvl4pPr marL="1600200" indent="-228600" algn="l" defTabSz="457200" rtl="0" eaLnBrk="1" latinLnBrk="0" hangingPunct="1">
+              <a:spcBef>
+                <a:spcPct val="20000"/>
+              </a:spcBef>
+              <a:buFont typeface="Arial"/>
+              <a:buChar char="–"/>
+              <a:defRPr sz="2000" kern="1200">
+                <a:solidFill>
+                  <a:schemeClr val="tx1"/>
+                </a:solidFill>
+                <a:latin typeface="+mn-lt"/>
+                <a:ea typeface="+mn-ea"/>
+                <a:cs typeface="+mn-cs"/>
+              </a:defRPr>
+            </a:lvl4pPr>
+            <a:lvl5pPr marL="2057400" indent="-228600" algn="l" defTabSz="457200" rtl="0" eaLnBrk="1" latinLnBrk="0" hangingPunct="1">
+              <a:spcBef>
+                <a:spcPct val="20000"/>
+              </a:spcBef>
+              <a:buFont typeface="Arial"/>
+              <a:buChar char="»"/>
+              <a:defRPr sz="2000" kern="1200">
+                <a:solidFill>
+                  <a:schemeClr val="tx1"/>
+                </a:solidFill>
+                <a:latin typeface="+mn-lt"/>
+                <a:ea typeface="+mn-ea"/>
+                <a:cs typeface="+mn-cs"/>
+              </a:defRPr>
+            </a:lvl5pPr>
+            <a:lvl6pPr marL="2514600" indent="-228600" algn="l" defTabSz="457200" rtl="0" eaLnBrk="1" latinLnBrk="0" hangingPunct="1">
+              <a:spcBef>
+                <a:spcPct val="20000"/>
+              </a:spcBef>
+              <a:buFont typeface="Arial"/>
+              <a:buChar char="•"/>
+              <a:defRPr sz="2000" kern="1200">
+                <a:solidFill>
+                  <a:schemeClr val="tx1"/>
+                </a:solidFill>
+                <a:latin typeface="+mn-lt"/>
+                <a:ea typeface="+mn-ea"/>
+                <a:cs typeface="+mn-cs"/>
+              </a:defRPr>
+            </a:lvl6pPr>
+            <a:lvl7pPr marL="2971800" indent="-228600" algn="l" defTabSz="457200" rtl="0" eaLnBrk="1" latinLnBrk="0" hangingPunct="1">
+              <a:spcBef>
+                <a:spcPct val="20000"/>
+              </a:spcBef>
+              <a:buFont typeface="Arial"/>
+              <a:buChar char="•"/>
+              <a:defRPr sz="2000" kern="1200">
+                <a:solidFill>
+                  <a:schemeClr val="tx1"/>
+                </a:solidFill>
+                <a:latin typeface="+mn-lt"/>
+                <a:ea typeface="+mn-ea"/>
+                <a:cs typeface="+mn-cs"/>
+              </a:defRPr>
+            </a:lvl7pPr>
+            <a:lvl8pPr marL="3429000" indent="-228600" algn="l" defTabSz="457200" rtl="0" eaLnBrk="1" latinLnBrk="0" hangingPunct="1">
+              <a:spcBef>
+                <a:spcPct val="20000"/>
+              </a:spcBef>
+              <a:buFont typeface="Arial"/>
+              <a:buChar char="•"/>
+              <a:defRPr sz="2000" kern="1200">
+                <a:solidFill>
+                  <a:schemeClr val="tx1"/>
+                </a:solidFill>
+                <a:latin typeface="+mn-lt"/>
+                <a:ea typeface="+mn-ea"/>
+                <a:cs typeface="+mn-cs"/>
+              </a:defRPr>
+            </a:lvl8pPr>
+            <a:lvl9pPr marL="3886200" indent="-228600" algn="l" defTabSz="457200" rtl="0" eaLnBrk="1" latinLnBrk="0" hangingPunct="1">
+              <a:spcBef>
+                <a:spcPct val="20000"/>
+              </a:spcBef>
+              <a:buFont typeface="Arial"/>
+              <a:buChar char="•"/>
+              <a:defRPr sz="2000" kern="1200">
+                <a:solidFill>
+                  <a:schemeClr val="tx1"/>
+                </a:solidFill>
+                <a:latin typeface="+mn-lt"/>
+                <a:ea typeface="+mn-ea"/>
+                <a:cs typeface="+mn-cs"/>
+              </a:defRPr>
+            </a:lvl9pPr>
+          </a:lstStyle>
+          <a:p>
+            <a:pPr marL="0" indent="0">
+              <a:buNone/>
+            </a:pPr>
+            <a:endParaRPr lang="fr-FR" sz="2000" dirty="0" smtClean="0">
+              <a:solidFill>
+                <a:schemeClr val="tx2"/>
+              </a:solidFill>
+              <a:latin typeface="Lato Regular"/>
+              <a:cs typeface="Lato Regular"/>
+            </a:endParaRPr>
+          </a:p>
+          <a:p>
+            <a:pPr marL="0" indent="0">
+              <a:buNone/>
+            </a:pPr>
+            <a:endParaRPr lang="fr-FR" sz="1600" dirty="0">
+              <a:solidFill>
+                <a:schemeClr val="tx2"/>
+              </a:solidFill>
+              <a:latin typeface="Lato Light"/>
+              <a:cs typeface="Lato Light"/>
+            </a:endParaRPr>
+          </a:p>
+        </p:txBody>
+      </p:sp>
+      <p:sp>
+        <p:nvSpPr>
+          <p:cNvPr id="12" name="Subtitle 2">
+            <a:extLst>
+              <a:ext uri="{FF2B5EF4-FFF2-40B4-BE49-F238E27FC236}">
+                <a16:creationId xmlns:a16="http://schemas.microsoft.com/office/drawing/2014/main" id="{3A78FA13-AC9F-47B6-87F4-D7D64D1358A9}"/>
+              </a:ext>
+            </a:extLst>
+          </p:cNvPr>
+          <p:cNvSpPr txBox="1">
+            <a:spLocks/>
+          </p:cNvSpPr>
+          <p:nvPr/>
+        </p:nvSpPr>
+        <p:spPr>
+          <a:xfrm>
+            <a:off x="325852" y="3221943"/>
+            <a:ext cx="5160980" cy="675932"/>
+          </a:xfrm>
+          <a:prstGeom prst="rect">
+            <a:avLst/>
+          </a:prstGeom>
+        </p:spPr>
+        <p:txBody>
+          <a:bodyPr vert="horz" lIns="243744" tIns="121869" rIns="243744" bIns="121869" rtlCol="0">
+            <a:noAutofit/>
+          </a:bodyPr>
+          <a:lstStyle>
+            <a:lvl1pPr marL="342900" indent="-342900" algn="l" defTabSz="457200" rtl="0" eaLnBrk="1" latinLnBrk="0" hangingPunct="1">
+              <a:spcBef>
+                <a:spcPct val="20000"/>
+              </a:spcBef>
+              <a:buFont typeface="Arial"/>
+              <a:buChar char="•"/>
+              <a:defRPr sz="3200" kern="1200">
+                <a:solidFill>
+                  <a:schemeClr val="tx1"/>
+                </a:solidFill>
+                <a:latin typeface="+mn-lt"/>
+                <a:ea typeface="+mn-ea"/>
+                <a:cs typeface="+mn-cs"/>
+              </a:defRPr>
+            </a:lvl1pPr>
+            <a:lvl2pPr marL="742950" indent="-285750" algn="l" defTabSz="457200" rtl="0" eaLnBrk="1" latinLnBrk="0" hangingPunct="1">
+              <a:spcBef>
+                <a:spcPct val="20000"/>
+              </a:spcBef>
+              <a:buFont typeface="Arial"/>
+              <a:buChar char="–"/>
+              <a:defRPr sz="2800" kern="1200">
+                <a:solidFill>
+                  <a:schemeClr val="tx1"/>
+                </a:solidFill>
+                <a:latin typeface="+mn-lt"/>
+                <a:ea typeface="+mn-ea"/>
+                <a:cs typeface="+mn-cs"/>
+              </a:defRPr>
+            </a:lvl2pPr>
+            <a:lvl3pPr marL="1143000" indent="-228600" algn="l" defTabSz="457200" rtl="0" eaLnBrk="1" latinLnBrk="0" hangingPunct="1">
+              <a:spcBef>
+                <a:spcPct val="20000"/>
+              </a:spcBef>
+              <a:buFont typeface="Arial"/>
+              <a:buChar char="•"/>
+              <a:defRPr sz="2400" kern="1200">
+                <a:solidFill>
+                  <a:schemeClr val="tx1"/>
+                </a:solidFill>
+                <a:latin typeface="+mn-lt"/>
+                <a:ea typeface="+mn-ea"/>
+                <a:cs typeface="+mn-cs"/>
+              </a:defRPr>
+            </a:lvl3pPr>
+            <a:lvl4pPr marL="1600200" indent="-228600" algn="l" defTabSz="457200" rtl="0" eaLnBrk="1" latinLnBrk="0" hangingPunct="1">
+              <a:spcBef>
+                <a:spcPct val="20000"/>
+              </a:spcBef>
+              <a:buFont typeface="Arial"/>
+              <a:buChar char="–"/>
+              <a:defRPr sz="2000" kern="1200">
+                <a:solidFill>
+                  <a:schemeClr val="tx1"/>
+                </a:solidFill>
+                <a:latin typeface="+mn-lt"/>
+                <a:ea typeface="+mn-ea"/>
+                <a:cs typeface="+mn-cs"/>
+              </a:defRPr>
+            </a:lvl4pPr>
+            <a:lvl5pPr marL="2057400" indent="-228600" algn="l" defTabSz="457200" rtl="0" eaLnBrk="1" latinLnBrk="0" hangingPunct="1">
+              <a:spcBef>
+                <a:spcPct val="20000"/>
+              </a:spcBef>
+              <a:buFont typeface="Arial"/>
+              <a:buChar char="»"/>
+              <a:defRPr sz="2000" kern="1200">
+                <a:solidFill>
+                  <a:schemeClr val="tx1"/>
+                </a:solidFill>
+                <a:latin typeface="+mn-lt"/>
+                <a:ea typeface="+mn-ea"/>
+                <a:cs typeface="+mn-cs"/>
+              </a:defRPr>
+            </a:lvl5pPr>
+            <a:lvl6pPr marL="2514600" indent="-228600" algn="l" defTabSz="457200" rtl="0" eaLnBrk="1" latinLnBrk="0" hangingPunct="1">
+              <a:spcBef>
+                <a:spcPct val="20000"/>
+              </a:spcBef>
+              <a:buFont typeface="Arial"/>
+              <a:buChar char="•"/>
+              <a:defRPr sz="2000" kern="1200">
+                <a:solidFill>
+                  <a:schemeClr val="tx1"/>
+                </a:solidFill>
+                <a:latin typeface="+mn-lt"/>
+                <a:ea typeface="+mn-ea"/>
+                <a:cs typeface="+mn-cs"/>
+              </a:defRPr>
+            </a:lvl6pPr>
+            <a:lvl7pPr marL="2971800" indent="-228600" algn="l" defTabSz="457200" rtl="0" eaLnBrk="1" latinLnBrk="0" hangingPunct="1">
+              <a:spcBef>
+                <a:spcPct val="20000"/>
+              </a:spcBef>
+              <a:buFont typeface="Arial"/>
+              <a:buChar char="•"/>
+              <a:defRPr sz="2000" kern="1200">
+                <a:solidFill>
+                  <a:schemeClr val="tx1"/>
+                </a:solidFill>
+                <a:latin typeface="+mn-lt"/>
+                <a:ea typeface="+mn-ea"/>
+                <a:cs typeface="+mn-cs"/>
+              </a:defRPr>
+            </a:lvl7pPr>
+            <a:lvl8pPr marL="3429000" indent="-228600" algn="l" defTabSz="457200" rtl="0" eaLnBrk="1" latinLnBrk="0" hangingPunct="1">
+              <a:spcBef>
+                <a:spcPct val="20000"/>
+              </a:spcBef>
+              <a:buFont typeface="Arial"/>
+              <a:buChar char="•"/>
+              <a:defRPr sz="2000" kern="1200">
+                <a:solidFill>
+                  <a:schemeClr val="tx1"/>
+                </a:solidFill>
+                <a:latin typeface="+mn-lt"/>
+                <a:ea typeface="+mn-ea"/>
+                <a:cs typeface="+mn-cs"/>
+              </a:defRPr>
+            </a:lvl8pPr>
+            <a:lvl9pPr marL="3886200" indent="-228600" algn="l" defTabSz="457200" rtl="0" eaLnBrk="1" latinLnBrk="0" hangingPunct="1">
+              <a:spcBef>
+                <a:spcPct val="20000"/>
+              </a:spcBef>
+              <a:buFont typeface="Arial"/>
+              <a:buChar char="•"/>
+              <a:defRPr sz="2000" kern="1200">
+                <a:solidFill>
+                  <a:schemeClr val="tx1"/>
+                </a:solidFill>
+                <a:latin typeface="+mn-lt"/>
+                <a:ea typeface="+mn-ea"/>
+                <a:cs typeface="+mn-cs"/>
+              </a:defRPr>
+            </a:lvl9pPr>
+          </a:lstStyle>
+          <a:p>
+            <a:pPr marL="0" indent="0">
+              <a:buNone/>
+            </a:pPr>
+            <a:r>
+              <a:rPr lang="fr-FR" sz="2000" dirty="0">
+                <a:solidFill>
+                  <a:schemeClr val="tx2"/>
+                </a:solidFill>
+                <a:latin typeface="Lato Regular"/>
+                <a:cs typeface="Lato Regular"/>
+              </a:rPr>
+              <a:t>Configuration :</a:t>
+            </a:r>
+          </a:p>
+        </p:txBody>
+      </p:sp>
       <p:pic>
         <p:nvPicPr>
           <p:cNvPr id="2" name="Image 1"/>
@@ -14413,323 +15441,49 @@
           <p:nvPr/>
         </p:nvPicPr>
         <p:blipFill>
-          <a:blip r:embed="rId2">
-            <a:extLst>
-              <a:ext uri="{28A0092B-C50C-407E-A947-70E740481C1C}">
-                <a14:useLocalDpi xmlns:a14="http://schemas.microsoft.com/office/drawing/2010/main" val="0"/>
-              </a:ext>
-            </a:extLst>
-          </a:blip>
+          <a:blip r:embed="rId4"/>
           <a:stretch>
             <a:fillRect/>
           </a:stretch>
         </p:blipFill>
         <p:spPr>
           <a:xfrm>
-            <a:off x="363882" y="1583707"/>
-            <a:ext cx="4813300" cy="4216400"/>
+            <a:off x="825017" y="1766044"/>
+            <a:ext cx="6144491" cy="1447500"/>
           </a:xfrm>
           <a:prstGeom prst="rect">
             <a:avLst/>
           </a:prstGeom>
         </p:spPr>
       </p:pic>
-      <p:sp>
-        <p:nvSpPr>
-          <p:cNvPr id="12" name="ZoneTexte 11"/>
-          <p:cNvSpPr txBox="1"/>
+      <p:pic>
+        <p:nvPicPr>
+          <p:cNvPr id="3" name="Image 2"/>
+          <p:cNvPicPr>
+            <a:picLocks noChangeAspect="1"/>
+          </p:cNvPicPr>
           <p:nvPr/>
-        </p:nvSpPr>
+        </p:nvPicPr>
+        <p:blipFill>
+          <a:blip r:embed="rId5"/>
+          <a:stretch>
+            <a:fillRect/>
+          </a:stretch>
+        </p:blipFill>
         <p:spPr>
           <a:xfrm>
-            <a:off x="5684446" y="1583707"/>
-            <a:ext cx="5187715" cy="4708981"/>
+            <a:off x="825017" y="3727351"/>
+            <a:ext cx="3783676" cy="1868767"/>
           </a:xfrm>
           <a:prstGeom prst="rect">
             <a:avLst/>
           </a:prstGeom>
-          <a:noFill/>
         </p:spPr>
-        <p:txBody>
-          <a:bodyPr wrap="square" rtlCol="0">
-            <a:spAutoFit/>
-          </a:bodyPr>
-          <a:lstStyle/>
-          <a:p>
-            <a:r>
-              <a:rPr lang="fr-FR" sz="2000" b="1" dirty="0" smtClean="0">
-                <a:solidFill>
-                  <a:schemeClr val="tx2"/>
-                </a:solidFill>
-                <a:latin typeface="Lato Regular"/>
-                <a:cs typeface="Lato Regular"/>
-              </a:rPr>
-              <a:t>TP 2 :</a:t>
-            </a:r>
-            <a:endParaRPr lang="fr-FR" sz="2000" b="1" dirty="0">
-              <a:solidFill>
-                <a:schemeClr val="tx2"/>
-              </a:solidFill>
-              <a:latin typeface="Lato Regular"/>
-              <a:cs typeface="Lato Regular"/>
-            </a:endParaRPr>
-          </a:p>
-          <a:p>
-            <a:endParaRPr lang="fr-FR" sz="2000" dirty="0" smtClean="0">
-              <a:solidFill>
-                <a:schemeClr val="tx2"/>
-              </a:solidFill>
-              <a:latin typeface="Lato Regular"/>
-              <a:cs typeface="Lato Regular"/>
-            </a:endParaRPr>
-          </a:p>
-          <a:p>
-            <a:r>
-              <a:rPr lang="fr-FR" sz="2000" dirty="0" smtClean="0">
-                <a:solidFill>
-                  <a:schemeClr val="tx2"/>
-                </a:solidFill>
-                <a:latin typeface="Lato Regular"/>
-                <a:cs typeface="Lato Regular"/>
-              </a:rPr>
-              <a:t>Installation</a:t>
-            </a:r>
-          </a:p>
-          <a:p>
-            <a:pPr marL="571500" indent="-571500">
-              <a:buFontTx/>
-              <a:buChar char="-"/>
-            </a:pPr>
-            <a:r>
-              <a:rPr lang="fr-FR" sz="2000" dirty="0">
-                <a:solidFill>
-                  <a:schemeClr val="tx2"/>
-                </a:solidFill>
-                <a:latin typeface="Lato Light" panose="020F0502020204030203" pitchFamily="34" charset="0"/>
-                <a:ea typeface="Lato Light" panose="020F0502020204030203" pitchFamily="34" charset="0"/>
-                <a:cs typeface="Lato Light" panose="020F0502020204030203" pitchFamily="34" charset="0"/>
-              </a:rPr>
-              <a:t>Récupération du repo tir de charge</a:t>
-            </a:r>
-          </a:p>
-          <a:p>
-            <a:pPr marL="571500" indent="-571500">
-              <a:buFontTx/>
-              <a:buChar char="-"/>
-            </a:pPr>
-            <a:r>
-              <a:rPr lang="fr-FR" sz="2000" dirty="0" smtClean="0">
-                <a:solidFill>
-                  <a:schemeClr val="tx2"/>
-                </a:solidFill>
-                <a:latin typeface="Lato Light"/>
-                <a:cs typeface="Lato Light"/>
-              </a:rPr>
-              <a:t>Récupération des images docker</a:t>
-            </a:r>
-          </a:p>
-          <a:p>
-            <a:pPr marL="571500" indent="-571500">
-              <a:buFontTx/>
-              <a:buChar char="-"/>
-            </a:pPr>
-            <a:endParaRPr lang="fr-FR" sz="2000" dirty="0">
-              <a:solidFill>
-                <a:schemeClr val="tx2"/>
-              </a:solidFill>
-              <a:latin typeface="Lato Light"/>
-              <a:cs typeface="Lato Light"/>
-            </a:endParaRPr>
-          </a:p>
-          <a:p>
-            <a:r>
-              <a:rPr lang="fr-FR" sz="2000" dirty="0" smtClean="0">
-                <a:solidFill>
-                  <a:schemeClr val="tx2"/>
-                </a:solidFill>
-                <a:latin typeface="Lato Regular"/>
-                <a:cs typeface="Lato Regular"/>
-              </a:rPr>
-              <a:t>Lancement d’un tir de charge sur </a:t>
-            </a:r>
-            <a:r>
-              <a:rPr lang="fr-FR" sz="2000" dirty="0" err="1" smtClean="0">
-                <a:solidFill>
-                  <a:schemeClr val="tx2"/>
-                </a:solidFill>
-                <a:latin typeface="Lato Regular"/>
-                <a:cs typeface="Lato Regular"/>
-              </a:rPr>
-              <a:t>FuSIIon</a:t>
-            </a:r>
-            <a:endParaRPr lang="fr-FR" sz="2000" dirty="0" smtClean="0">
-              <a:solidFill>
-                <a:schemeClr val="tx2"/>
-              </a:solidFill>
-              <a:latin typeface="Lato Regular"/>
-              <a:cs typeface="Lato Regular"/>
-            </a:endParaRPr>
-          </a:p>
-          <a:p>
-            <a:pPr marL="571500" indent="-571500">
-              <a:buFontTx/>
-              <a:buChar char="-"/>
-            </a:pPr>
-            <a:r>
-              <a:rPr lang="fr-FR" sz="2000" dirty="0" smtClean="0">
-                <a:solidFill>
-                  <a:schemeClr val="tx2"/>
-                </a:solidFill>
-                <a:latin typeface="Lato Light" panose="020F0502020204030203" pitchFamily="34" charset="0"/>
-                <a:ea typeface="Lato Light" panose="020F0502020204030203" pitchFamily="34" charset="0"/>
-                <a:cs typeface="Lato Light" panose="020F0502020204030203" pitchFamily="34" charset="0"/>
-              </a:rPr>
-              <a:t>Paramétrage </a:t>
-            </a:r>
-            <a:r>
-              <a:rPr lang="fr-FR" sz="2000" dirty="0">
-                <a:solidFill>
-                  <a:schemeClr val="tx2"/>
-                </a:solidFill>
-                <a:latin typeface="Lato Light" panose="020F0502020204030203" pitchFamily="34" charset="0"/>
-                <a:ea typeface="Lato Light" panose="020F0502020204030203" pitchFamily="34" charset="0"/>
-                <a:cs typeface="Lato Light" panose="020F0502020204030203" pitchFamily="34" charset="0"/>
-              </a:rPr>
-              <a:t>du Chaos Monkey for </a:t>
-            </a:r>
-            <a:r>
-              <a:rPr lang="fr-FR" sz="2000" dirty="0" err="1" smtClean="0">
-                <a:solidFill>
-                  <a:schemeClr val="tx2"/>
-                </a:solidFill>
-                <a:latin typeface="Lato Light" panose="020F0502020204030203" pitchFamily="34" charset="0"/>
-                <a:ea typeface="Lato Light" panose="020F0502020204030203" pitchFamily="34" charset="0"/>
-                <a:cs typeface="Lato Light" panose="020F0502020204030203" pitchFamily="34" charset="0"/>
-              </a:rPr>
-              <a:t>SpringBoot</a:t>
-            </a:r>
-            <a:endParaRPr lang="fr-FR" sz="2000" dirty="0" smtClean="0">
-              <a:solidFill>
-                <a:schemeClr val="tx2"/>
-              </a:solidFill>
-              <a:latin typeface="Lato Light" panose="020F0502020204030203" pitchFamily="34" charset="0"/>
-              <a:ea typeface="Lato Light" panose="020F0502020204030203" pitchFamily="34" charset="0"/>
-              <a:cs typeface="Lato Light" panose="020F0502020204030203" pitchFamily="34" charset="0"/>
-            </a:endParaRPr>
-          </a:p>
-          <a:p>
-            <a:pPr marL="571500" indent="-571500">
-              <a:buFontTx/>
-              <a:buChar char="-"/>
-            </a:pPr>
-            <a:r>
-              <a:rPr lang="fr-FR" sz="2000" dirty="0">
-                <a:solidFill>
-                  <a:schemeClr val="tx2"/>
-                </a:solidFill>
-                <a:latin typeface="Lato Light"/>
-                <a:cs typeface="Lato Light"/>
-              </a:rPr>
-              <a:t>Démarrage de l’application </a:t>
-            </a:r>
-            <a:r>
-              <a:rPr lang="fr-FR" sz="2000" dirty="0" err="1">
-                <a:solidFill>
-                  <a:schemeClr val="tx2"/>
-                </a:solidFill>
-                <a:latin typeface="Lato Light"/>
-                <a:cs typeface="Lato Light"/>
-              </a:rPr>
-              <a:t>FuSIIon</a:t>
-            </a:r>
-            <a:r>
-              <a:rPr lang="fr-FR" sz="2000" dirty="0">
-                <a:solidFill>
-                  <a:schemeClr val="tx2"/>
-                </a:solidFill>
-                <a:latin typeface="Lato Light"/>
-                <a:cs typeface="Lato Light"/>
-              </a:rPr>
-              <a:t> via docker avec Chaos </a:t>
-            </a:r>
-            <a:r>
-              <a:rPr lang="fr-FR" sz="2000" dirty="0" smtClean="0">
-                <a:solidFill>
-                  <a:schemeClr val="tx2"/>
-                </a:solidFill>
-                <a:latin typeface="Lato Light"/>
-                <a:cs typeface="Lato Light"/>
-              </a:rPr>
-              <a:t>Monkey</a:t>
-            </a:r>
-          </a:p>
-          <a:p>
-            <a:pPr marL="571500" indent="-571500">
-              <a:buFontTx/>
-              <a:buChar char="-"/>
-            </a:pPr>
-            <a:r>
-              <a:rPr lang="fr-FR" sz="2000" dirty="0" smtClean="0">
-                <a:solidFill>
-                  <a:schemeClr val="tx2"/>
-                </a:solidFill>
-                <a:latin typeface="Lato Light"/>
-                <a:cs typeface="Lato Light"/>
-              </a:rPr>
-              <a:t>Affinage du scénario</a:t>
-            </a:r>
-          </a:p>
-          <a:p>
-            <a:pPr marL="571500" indent="-571500">
-              <a:buFontTx/>
-              <a:buChar char="-"/>
-            </a:pPr>
-            <a:r>
-              <a:rPr lang="fr-FR" sz="2000" dirty="0" smtClean="0">
-                <a:solidFill>
-                  <a:schemeClr val="tx2"/>
-                </a:solidFill>
-                <a:latin typeface="Lato Light"/>
-                <a:cs typeface="Lato Light"/>
-              </a:rPr>
-              <a:t>Lancement du tir</a:t>
-            </a:r>
-          </a:p>
-          <a:p>
-            <a:pPr marL="571500" indent="-571500">
-              <a:buFontTx/>
-              <a:buChar char="-"/>
-            </a:pPr>
-            <a:r>
-              <a:rPr lang="fr-FR" sz="2000" dirty="0" smtClean="0">
-                <a:solidFill>
-                  <a:schemeClr val="tx2"/>
-                </a:solidFill>
-                <a:latin typeface="Lato Light"/>
-                <a:cs typeface="Lato Light"/>
-              </a:rPr>
-              <a:t>Analyse des résultats</a:t>
-            </a:r>
-          </a:p>
-          <a:p>
-            <a:pPr marL="571500" indent="-571500">
-              <a:buFontTx/>
-              <a:buChar char="-"/>
-            </a:pPr>
-            <a:endParaRPr lang="fr-FR" sz="2000" dirty="0" smtClean="0">
-              <a:solidFill>
-                <a:schemeClr val="tx2"/>
-              </a:solidFill>
-              <a:latin typeface="Lato Light"/>
-              <a:cs typeface="Lato Light"/>
-            </a:endParaRPr>
-          </a:p>
-        </p:txBody>
-      </p:sp>
+      </p:pic>
     </p:spTree>
     <p:extLst>
       <p:ext uri="{BB962C8B-B14F-4D97-AF65-F5344CB8AC3E}">
-        <p14:creationId xmlns:p14="http://schemas.microsoft.com/office/powerpoint/2010/main" val="3170755211"/>
+        <p14:creationId xmlns:p14="http://schemas.microsoft.com/office/powerpoint/2010/main" val="3688170075"/>
       </p:ext>
     </p:extLst>
   </p:cSld>
@@ -14739,7 +15493,86 @@
   <p:timing>
     <p:tnLst>
       <p:par>
-        <p:cTn id="1" dur="indefinite" restart="never" nodeType="tmRoot"/>
+        <p:cTn id="1" dur="indefinite" restart="never" nodeType="tmRoot">
+          <p:childTnLst>
+            <p:seq concurrent="1" nextAc="seek">
+              <p:cTn id="2" dur="indefinite" nodeType="mainSeq">
+                <p:childTnLst>
+                  <p:par>
+                    <p:cTn id="3" fill="hold">
+                      <p:stCondLst>
+                        <p:cond delay="indefinite"/>
+                        <p:cond evt="onBegin" delay="0">
+                          <p:tn val="2"/>
+                        </p:cond>
+                      </p:stCondLst>
+                      <p:childTnLst>
+                        <p:par>
+                          <p:cTn id="4" fill="hold">
+                            <p:stCondLst>
+                              <p:cond delay="0"/>
+                            </p:stCondLst>
+                            <p:childTnLst>
+                              <p:par>
+                                <p:cTn id="5" presetID="10" presetClass="entr" presetSubtype="0" fill="hold" nodeType="withEffect">
+                                  <p:stCondLst>
+                                    <p:cond delay="0"/>
+                                  </p:stCondLst>
+                                  <p:childTnLst>
+                                    <p:set>
+                                      <p:cBhvr>
+                                        <p:cTn id="6" dur="1" fill="hold">
+                                          <p:stCondLst>
+                                            <p:cond delay="0"/>
+                                          </p:stCondLst>
+                                        </p:cTn>
+                                        <p:tgtEl>
+                                          <p:spTgt spid="43"/>
+                                        </p:tgtEl>
+                                        <p:attrNameLst>
+                                          <p:attrName>style.visibility</p:attrName>
+                                        </p:attrNameLst>
+                                      </p:cBhvr>
+                                      <p:to>
+                                        <p:strVal val="visible"/>
+                                      </p:to>
+                                    </p:set>
+                                    <p:animEffect transition="in" filter="fade">
+                                      <p:cBhvr>
+                                        <p:cTn id="7" dur="500"/>
+                                        <p:tgtEl>
+                                          <p:spTgt spid="43"/>
+                                        </p:tgtEl>
+                                      </p:cBhvr>
+                                    </p:animEffect>
+                                  </p:childTnLst>
+                                </p:cTn>
+                              </p:par>
+                            </p:childTnLst>
+                          </p:cTn>
+                        </p:par>
+                      </p:childTnLst>
+                    </p:cTn>
+                  </p:par>
+                </p:childTnLst>
+              </p:cTn>
+              <p:prevCondLst>
+                <p:cond evt="onPrev" delay="0">
+                  <p:tgtEl>
+                    <p:sldTgt/>
+                  </p:tgtEl>
+                </p:cond>
+              </p:prevCondLst>
+              <p:nextCondLst>
+                <p:cond evt="onNext" delay="0">
+                  <p:tgtEl>
+                    <p:sldTgt/>
+                  </p:tgtEl>
+                </p:cond>
+              </p:nextCondLst>
+            </p:seq>
+          </p:childTnLst>
+        </p:cTn>
       </p:par>
     </p:tnLst>
   </p:timing>
@@ -15114,6 +15947,1120 @@
           <a:chExt cx="0" cy="0"/>
         </a:xfrm>
       </p:grpSpPr>
+      <p:cxnSp>
+        <p:nvCxnSpPr>
+          <p:cNvPr id="43" name="Straight Connector 149">
+            <a:extLst>
+              <a:ext uri="{FF2B5EF4-FFF2-40B4-BE49-F238E27FC236}">
+                <a16:creationId xmlns:a16="http://schemas.microsoft.com/office/drawing/2014/main" id="{D8CF519D-DB01-4308-A138-A01722AD4A22}"/>
+              </a:ext>
+            </a:extLst>
+          </p:cNvPr>
+          <p:cNvCxnSpPr/>
+          <p:nvPr/>
+        </p:nvCxnSpPr>
+        <p:spPr>
+          <a:xfrm>
+            <a:off x="441410" y="3064483"/>
+            <a:ext cx="0" cy="3212358"/>
+          </a:xfrm>
+          <a:prstGeom prst="line">
+            <a:avLst/>
+          </a:prstGeom>
+          <a:ln w="12700" cmpd="sng">
+            <a:noFill/>
+          </a:ln>
+          <a:effectLst/>
+        </p:spPr>
+        <p:style>
+          <a:lnRef idx="2">
+            <a:schemeClr val="accent1"/>
+          </a:lnRef>
+          <a:fillRef idx="0">
+            <a:schemeClr val="accent1"/>
+          </a:fillRef>
+          <a:effectRef idx="1">
+            <a:schemeClr val="accent1"/>
+          </a:effectRef>
+          <a:fontRef idx="minor">
+            <a:schemeClr val="tx1"/>
+          </a:fontRef>
+        </p:style>
+      </p:cxnSp>
+      <p:grpSp>
+        <p:nvGrpSpPr>
+          <p:cNvPr id="45" name="Groupe 44"/>
+          <p:cNvGrpSpPr/>
+          <p:nvPr/>
+        </p:nvGrpSpPr>
+        <p:grpSpPr>
+          <a:xfrm>
+            <a:off x="0" y="73772"/>
+            <a:ext cx="2943331" cy="883356"/>
+            <a:chOff x="0" y="-9760"/>
+            <a:chExt cx="2357120" cy="785565"/>
+          </a:xfrm>
+        </p:grpSpPr>
+        <p:sp>
+          <p:nvSpPr>
+            <p:cNvPr id="46" name="ZoneTexte 45"/>
+            <p:cNvSpPr txBox="1"/>
+            <p:nvPr/>
+          </p:nvSpPr>
+          <p:spPr>
+            <a:xfrm>
+              <a:off x="109500" y="-9760"/>
+              <a:ext cx="1413654" cy="629520"/>
+            </a:xfrm>
+            <a:prstGeom prst="rect">
+              <a:avLst/>
+            </a:prstGeom>
+            <a:noFill/>
+          </p:spPr>
+          <p:txBody>
+            <a:bodyPr wrap="none" rtlCol="0">
+              <a:spAutoFit/>
+            </a:bodyPr>
+            <a:lstStyle/>
+            <a:p>
+              <a:r>
+                <a:rPr lang="fr-FR" sz="4000" b="1" dirty="0" err="1" smtClean="0">
+                  <a:latin typeface="Lato Regular" panose="020F0502020204030203" pitchFamily="34" charset="0"/>
+                  <a:ea typeface="Lato Regular" panose="020F0502020204030203" pitchFamily="34" charset="0"/>
+                  <a:cs typeface="Lato Regular" panose="020F0502020204030203" pitchFamily="34" charset="0"/>
+                </a:rPr>
+                <a:t>Gatling</a:t>
+              </a:r>
+              <a:endParaRPr lang="fr-FR" sz="4000" b="1" dirty="0" smtClean="0">
+                <a:latin typeface="Lato Regular" panose="020F0502020204030203" pitchFamily="34" charset="0"/>
+                <a:ea typeface="Lato Regular" panose="020F0502020204030203" pitchFamily="34" charset="0"/>
+                <a:cs typeface="Lato Regular" panose="020F0502020204030203" pitchFamily="34" charset="0"/>
+              </a:endParaRPr>
+            </a:p>
+          </p:txBody>
+        </p:sp>
+        <p:sp>
+          <p:nvSpPr>
+            <p:cNvPr id="47" name="Rectangle 46"/>
+            <p:cNvSpPr/>
+            <p:nvPr/>
+          </p:nvSpPr>
+          <p:spPr>
+            <a:xfrm>
+              <a:off x="0" y="619760"/>
+              <a:ext cx="2357120" cy="156045"/>
+            </a:xfrm>
+            <a:prstGeom prst="rect">
+              <a:avLst/>
+            </a:prstGeom>
+            <a:solidFill>
+              <a:srgbClr val="2F6079"/>
+            </a:solidFill>
+            <a:ln>
+              <a:noFill/>
+            </a:ln>
+          </p:spPr>
+          <p:style>
+            <a:lnRef idx="2">
+              <a:schemeClr val="accent1">
+                <a:shade val="50000"/>
+              </a:schemeClr>
+            </a:lnRef>
+            <a:fillRef idx="1">
+              <a:schemeClr val="accent1"/>
+            </a:fillRef>
+            <a:effectRef idx="0">
+              <a:schemeClr val="accent1"/>
+            </a:effectRef>
+            <a:fontRef idx="minor">
+              <a:schemeClr val="lt1"/>
+            </a:fontRef>
+          </p:style>
+          <p:txBody>
+            <a:bodyPr rtlCol="0" anchor="ctr"/>
+            <a:lstStyle/>
+            <a:p>
+              <a:pPr algn="ctr"/>
+              <a:endParaRPr lang="fr-FR"/>
+            </a:p>
+          </p:txBody>
+        </p:sp>
+      </p:grpSp>
+      <p:sp>
+        <p:nvSpPr>
+          <p:cNvPr id="16" name="Subtitle 2">
+            <a:extLst>
+              <a:ext uri="{FF2B5EF4-FFF2-40B4-BE49-F238E27FC236}">
+                <a16:creationId xmlns:a16="http://schemas.microsoft.com/office/drawing/2014/main" id="{3A78FA13-AC9F-47B6-87F4-D7D64D1358A9}"/>
+              </a:ext>
+            </a:extLst>
+          </p:cNvPr>
+          <p:cNvSpPr txBox="1">
+            <a:spLocks/>
+          </p:cNvSpPr>
+          <p:nvPr/>
+        </p:nvSpPr>
+        <p:spPr>
+          <a:xfrm>
+            <a:off x="220125" y="1200977"/>
+            <a:ext cx="5160980" cy="675932"/>
+          </a:xfrm>
+          <a:prstGeom prst="rect">
+            <a:avLst/>
+          </a:prstGeom>
+        </p:spPr>
+        <p:txBody>
+          <a:bodyPr vert="horz" lIns="243744" tIns="121869" rIns="243744" bIns="121869" rtlCol="0">
+            <a:noAutofit/>
+          </a:bodyPr>
+          <a:lstStyle>
+            <a:lvl1pPr marL="342900" indent="-342900" algn="l" defTabSz="457200" rtl="0" eaLnBrk="1" latinLnBrk="0" hangingPunct="1">
+              <a:spcBef>
+                <a:spcPct val="20000"/>
+              </a:spcBef>
+              <a:buFont typeface="Arial"/>
+              <a:buChar char="•"/>
+              <a:defRPr sz="3200" kern="1200">
+                <a:solidFill>
+                  <a:schemeClr val="tx1"/>
+                </a:solidFill>
+                <a:latin typeface="+mn-lt"/>
+                <a:ea typeface="+mn-ea"/>
+                <a:cs typeface="+mn-cs"/>
+              </a:defRPr>
+            </a:lvl1pPr>
+            <a:lvl2pPr marL="742950" indent="-285750" algn="l" defTabSz="457200" rtl="0" eaLnBrk="1" latinLnBrk="0" hangingPunct="1">
+              <a:spcBef>
+                <a:spcPct val="20000"/>
+              </a:spcBef>
+              <a:buFont typeface="Arial"/>
+              <a:buChar char="–"/>
+              <a:defRPr sz="2800" kern="1200">
+                <a:solidFill>
+                  <a:schemeClr val="tx1"/>
+                </a:solidFill>
+                <a:latin typeface="+mn-lt"/>
+                <a:ea typeface="+mn-ea"/>
+                <a:cs typeface="+mn-cs"/>
+              </a:defRPr>
+            </a:lvl2pPr>
+            <a:lvl3pPr marL="1143000" indent="-228600" algn="l" defTabSz="457200" rtl="0" eaLnBrk="1" latinLnBrk="0" hangingPunct="1">
+              <a:spcBef>
+                <a:spcPct val="20000"/>
+              </a:spcBef>
+              <a:buFont typeface="Arial"/>
+              <a:buChar char="•"/>
+              <a:defRPr sz="2400" kern="1200">
+                <a:solidFill>
+                  <a:schemeClr val="tx1"/>
+                </a:solidFill>
+                <a:latin typeface="+mn-lt"/>
+                <a:ea typeface="+mn-ea"/>
+                <a:cs typeface="+mn-cs"/>
+              </a:defRPr>
+            </a:lvl3pPr>
+            <a:lvl4pPr marL="1600200" indent="-228600" algn="l" defTabSz="457200" rtl="0" eaLnBrk="1" latinLnBrk="0" hangingPunct="1">
+              <a:spcBef>
+                <a:spcPct val="20000"/>
+              </a:spcBef>
+              <a:buFont typeface="Arial"/>
+              <a:buChar char="–"/>
+              <a:defRPr sz="2000" kern="1200">
+                <a:solidFill>
+                  <a:schemeClr val="tx1"/>
+                </a:solidFill>
+                <a:latin typeface="+mn-lt"/>
+                <a:ea typeface="+mn-ea"/>
+                <a:cs typeface="+mn-cs"/>
+              </a:defRPr>
+            </a:lvl4pPr>
+            <a:lvl5pPr marL="2057400" indent="-228600" algn="l" defTabSz="457200" rtl="0" eaLnBrk="1" latinLnBrk="0" hangingPunct="1">
+              <a:spcBef>
+                <a:spcPct val="20000"/>
+              </a:spcBef>
+              <a:buFont typeface="Arial"/>
+              <a:buChar char="»"/>
+              <a:defRPr sz="2000" kern="1200">
+                <a:solidFill>
+                  <a:schemeClr val="tx1"/>
+                </a:solidFill>
+                <a:latin typeface="+mn-lt"/>
+                <a:ea typeface="+mn-ea"/>
+                <a:cs typeface="+mn-cs"/>
+              </a:defRPr>
+            </a:lvl5pPr>
+            <a:lvl6pPr marL="2514600" indent="-228600" algn="l" defTabSz="457200" rtl="0" eaLnBrk="1" latinLnBrk="0" hangingPunct="1">
+              <a:spcBef>
+                <a:spcPct val="20000"/>
+              </a:spcBef>
+              <a:buFont typeface="Arial"/>
+              <a:buChar char="•"/>
+              <a:defRPr sz="2000" kern="1200">
+                <a:solidFill>
+                  <a:schemeClr val="tx1"/>
+                </a:solidFill>
+                <a:latin typeface="+mn-lt"/>
+                <a:ea typeface="+mn-ea"/>
+                <a:cs typeface="+mn-cs"/>
+              </a:defRPr>
+            </a:lvl6pPr>
+            <a:lvl7pPr marL="2971800" indent="-228600" algn="l" defTabSz="457200" rtl="0" eaLnBrk="1" latinLnBrk="0" hangingPunct="1">
+              <a:spcBef>
+                <a:spcPct val="20000"/>
+              </a:spcBef>
+              <a:buFont typeface="Arial"/>
+              <a:buChar char="•"/>
+              <a:defRPr sz="2000" kern="1200">
+                <a:solidFill>
+                  <a:schemeClr val="tx1"/>
+                </a:solidFill>
+                <a:latin typeface="+mn-lt"/>
+                <a:ea typeface="+mn-ea"/>
+                <a:cs typeface="+mn-cs"/>
+              </a:defRPr>
+            </a:lvl7pPr>
+            <a:lvl8pPr marL="3429000" indent="-228600" algn="l" defTabSz="457200" rtl="0" eaLnBrk="1" latinLnBrk="0" hangingPunct="1">
+              <a:spcBef>
+                <a:spcPct val="20000"/>
+              </a:spcBef>
+              <a:buFont typeface="Arial"/>
+              <a:buChar char="•"/>
+              <a:defRPr sz="2000" kern="1200">
+                <a:solidFill>
+                  <a:schemeClr val="tx1"/>
+                </a:solidFill>
+                <a:latin typeface="+mn-lt"/>
+                <a:ea typeface="+mn-ea"/>
+                <a:cs typeface="+mn-cs"/>
+              </a:defRPr>
+            </a:lvl8pPr>
+            <a:lvl9pPr marL="3886200" indent="-228600" algn="l" defTabSz="457200" rtl="0" eaLnBrk="1" latinLnBrk="0" hangingPunct="1">
+              <a:spcBef>
+                <a:spcPct val="20000"/>
+              </a:spcBef>
+              <a:buFont typeface="Arial"/>
+              <a:buChar char="•"/>
+              <a:defRPr sz="2000" kern="1200">
+                <a:solidFill>
+                  <a:schemeClr val="tx1"/>
+                </a:solidFill>
+                <a:latin typeface="+mn-lt"/>
+                <a:ea typeface="+mn-ea"/>
+                <a:cs typeface="+mn-cs"/>
+              </a:defRPr>
+            </a:lvl9pPr>
+          </a:lstStyle>
+          <a:p>
+            <a:pPr marL="0" indent="0">
+              <a:buNone/>
+            </a:pPr>
+            <a:endParaRPr lang="fr-FR" sz="2000" dirty="0" smtClean="0">
+              <a:solidFill>
+                <a:schemeClr val="tx2"/>
+              </a:solidFill>
+              <a:latin typeface="Lato Regular"/>
+              <a:cs typeface="Lato Regular"/>
+            </a:endParaRPr>
+          </a:p>
+        </p:txBody>
+      </p:sp>
+      <p:sp>
+        <p:nvSpPr>
+          <p:cNvPr id="21" name="Subtitle 2">
+            <a:extLst>
+              <a:ext uri="{FF2B5EF4-FFF2-40B4-BE49-F238E27FC236}">
+                <a16:creationId xmlns:a16="http://schemas.microsoft.com/office/drawing/2014/main" id="{3A78FA13-AC9F-47B6-87F4-D7D64D1358A9}"/>
+              </a:ext>
+            </a:extLst>
+          </p:cNvPr>
+          <p:cNvSpPr txBox="1">
+            <a:spLocks/>
+          </p:cNvSpPr>
+          <p:nvPr/>
+        </p:nvSpPr>
+        <p:spPr>
+          <a:xfrm>
+            <a:off x="320144" y="3311891"/>
+            <a:ext cx="5160980" cy="628342"/>
+          </a:xfrm>
+          <a:prstGeom prst="rect">
+            <a:avLst/>
+          </a:prstGeom>
+        </p:spPr>
+        <p:txBody>
+          <a:bodyPr vert="horz" lIns="243744" tIns="121869" rIns="243744" bIns="121869" rtlCol="0">
+            <a:noAutofit/>
+          </a:bodyPr>
+          <a:lstStyle>
+            <a:lvl1pPr marL="342900" indent="-342900" algn="l" defTabSz="457200" rtl="0" eaLnBrk="1" latinLnBrk="0" hangingPunct="1">
+              <a:spcBef>
+                <a:spcPct val="20000"/>
+              </a:spcBef>
+              <a:buFont typeface="Arial"/>
+              <a:buChar char="•"/>
+              <a:defRPr sz="3200" kern="1200">
+                <a:solidFill>
+                  <a:schemeClr val="tx1"/>
+                </a:solidFill>
+                <a:latin typeface="+mn-lt"/>
+                <a:ea typeface="+mn-ea"/>
+                <a:cs typeface="+mn-cs"/>
+              </a:defRPr>
+            </a:lvl1pPr>
+            <a:lvl2pPr marL="742950" indent="-285750" algn="l" defTabSz="457200" rtl="0" eaLnBrk="1" latinLnBrk="0" hangingPunct="1">
+              <a:spcBef>
+                <a:spcPct val="20000"/>
+              </a:spcBef>
+              <a:buFont typeface="Arial"/>
+              <a:buChar char="–"/>
+              <a:defRPr sz="2800" kern="1200">
+                <a:solidFill>
+                  <a:schemeClr val="tx1"/>
+                </a:solidFill>
+                <a:latin typeface="+mn-lt"/>
+                <a:ea typeface="+mn-ea"/>
+                <a:cs typeface="+mn-cs"/>
+              </a:defRPr>
+            </a:lvl2pPr>
+            <a:lvl3pPr marL="1143000" indent="-228600" algn="l" defTabSz="457200" rtl="0" eaLnBrk="1" latinLnBrk="0" hangingPunct="1">
+              <a:spcBef>
+                <a:spcPct val="20000"/>
+              </a:spcBef>
+              <a:buFont typeface="Arial"/>
+              <a:buChar char="•"/>
+              <a:defRPr sz="2400" kern="1200">
+                <a:solidFill>
+                  <a:schemeClr val="tx1"/>
+                </a:solidFill>
+                <a:latin typeface="+mn-lt"/>
+                <a:ea typeface="+mn-ea"/>
+                <a:cs typeface="+mn-cs"/>
+              </a:defRPr>
+            </a:lvl3pPr>
+            <a:lvl4pPr marL="1600200" indent="-228600" algn="l" defTabSz="457200" rtl="0" eaLnBrk="1" latinLnBrk="0" hangingPunct="1">
+              <a:spcBef>
+                <a:spcPct val="20000"/>
+              </a:spcBef>
+              <a:buFont typeface="Arial"/>
+              <a:buChar char="–"/>
+              <a:defRPr sz="2000" kern="1200">
+                <a:solidFill>
+                  <a:schemeClr val="tx1"/>
+                </a:solidFill>
+                <a:latin typeface="+mn-lt"/>
+                <a:ea typeface="+mn-ea"/>
+                <a:cs typeface="+mn-cs"/>
+              </a:defRPr>
+            </a:lvl4pPr>
+            <a:lvl5pPr marL="2057400" indent="-228600" algn="l" defTabSz="457200" rtl="0" eaLnBrk="1" latinLnBrk="0" hangingPunct="1">
+              <a:spcBef>
+                <a:spcPct val="20000"/>
+              </a:spcBef>
+              <a:buFont typeface="Arial"/>
+              <a:buChar char="»"/>
+              <a:defRPr sz="2000" kern="1200">
+                <a:solidFill>
+                  <a:schemeClr val="tx1"/>
+                </a:solidFill>
+                <a:latin typeface="+mn-lt"/>
+                <a:ea typeface="+mn-ea"/>
+                <a:cs typeface="+mn-cs"/>
+              </a:defRPr>
+            </a:lvl5pPr>
+            <a:lvl6pPr marL="2514600" indent="-228600" algn="l" defTabSz="457200" rtl="0" eaLnBrk="1" latinLnBrk="0" hangingPunct="1">
+              <a:spcBef>
+                <a:spcPct val="20000"/>
+              </a:spcBef>
+              <a:buFont typeface="Arial"/>
+              <a:buChar char="•"/>
+              <a:defRPr sz="2000" kern="1200">
+                <a:solidFill>
+                  <a:schemeClr val="tx1"/>
+                </a:solidFill>
+                <a:latin typeface="+mn-lt"/>
+                <a:ea typeface="+mn-ea"/>
+                <a:cs typeface="+mn-cs"/>
+              </a:defRPr>
+            </a:lvl6pPr>
+            <a:lvl7pPr marL="2971800" indent="-228600" algn="l" defTabSz="457200" rtl="0" eaLnBrk="1" latinLnBrk="0" hangingPunct="1">
+              <a:spcBef>
+                <a:spcPct val="20000"/>
+              </a:spcBef>
+              <a:buFont typeface="Arial"/>
+              <a:buChar char="•"/>
+              <a:defRPr sz="2000" kern="1200">
+                <a:solidFill>
+                  <a:schemeClr val="tx1"/>
+                </a:solidFill>
+                <a:latin typeface="+mn-lt"/>
+                <a:ea typeface="+mn-ea"/>
+                <a:cs typeface="+mn-cs"/>
+              </a:defRPr>
+            </a:lvl7pPr>
+            <a:lvl8pPr marL="3429000" indent="-228600" algn="l" defTabSz="457200" rtl="0" eaLnBrk="1" latinLnBrk="0" hangingPunct="1">
+              <a:spcBef>
+                <a:spcPct val="20000"/>
+              </a:spcBef>
+              <a:buFont typeface="Arial"/>
+              <a:buChar char="•"/>
+              <a:defRPr sz="2000" kern="1200">
+                <a:solidFill>
+                  <a:schemeClr val="tx1"/>
+                </a:solidFill>
+                <a:latin typeface="+mn-lt"/>
+                <a:ea typeface="+mn-ea"/>
+                <a:cs typeface="+mn-cs"/>
+              </a:defRPr>
+            </a:lvl8pPr>
+            <a:lvl9pPr marL="3886200" indent="-228600" algn="l" defTabSz="457200" rtl="0" eaLnBrk="1" latinLnBrk="0" hangingPunct="1">
+              <a:spcBef>
+                <a:spcPct val="20000"/>
+              </a:spcBef>
+              <a:buFont typeface="Arial"/>
+              <a:buChar char="•"/>
+              <a:defRPr sz="2000" kern="1200">
+                <a:solidFill>
+                  <a:schemeClr val="tx1"/>
+                </a:solidFill>
+                <a:latin typeface="+mn-lt"/>
+                <a:ea typeface="+mn-ea"/>
+                <a:cs typeface="+mn-cs"/>
+              </a:defRPr>
+            </a:lvl9pPr>
+          </a:lstStyle>
+          <a:p>
+            <a:pPr marL="0" indent="0">
+              <a:buNone/>
+            </a:pPr>
+            <a:endParaRPr lang="fr-FR" sz="1600" dirty="0">
+              <a:solidFill>
+                <a:schemeClr val="tx2"/>
+              </a:solidFill>
+              <a:latin typeface="Lato Light"/>
+              <a:cs typeface="Lato Light"/>
+            </a:endParaRPr>
+          </a:p>
+        </p:txBody>
+      </p:sp>
+      <p:sp>
+        <p:nvSpPr>
+          <p:cNvPr id="22" name="ZoneTexte 21"/>
+          <p:cNvSpPr txBox="1"/>
+          <p:nvPr/>
+        </p:nvSpPr>
+        <p:spPr>
+          <a:xfrm>
+            <a:off x="220125" y="1392242"/>
+            <a:ext cx="6594764" cy="400110"/>
+          </a:xfrm>
+          <a:prstGeom prst="rect">
+            <a:avLst/>
+          </a:prstGeom>
+          <a:noFill/>
+        </p:spPr>
+        <p:txBody>
+          <a:bodyPr wrap="square" rtlCol="0">
+            <a:spAutoFit/>
+          </a:bodyPr>
+          <a:lstStyle/>
+          <a:p>
+            <a:endParaRPr lang="fr-FR" sz="2000" b="1" dirty="0">
+              <a:latin typeface="Lato Regular" panose="020F0502020204030203" pitchFamily="34" charset="0"/>
+              <a:ea typeface="Lato Regular" panose="020F0502020204030203" pitchFamily="34" charset="0"/>
+              <a:cs typeface="Lato Regular" panose="020F0502020204030203" pitchFamily="34" charset="0"/>
+            </a:endParaRPr>
+          </a:p>
+        </p:txBody>
+      </p:sp>
+      <p:pic>
+        <p:nvPicPr>
+          <p:cNvPr id="1030" name="Picture 6" descr="Résultat de recherche d'images pour &quot;gatling load test&quot;"/>
+          <p:cNvPicPr>
+            <a:picLocks noChangeAspect="1" noChangeArrowheads="1"/>
+          </p:cNvPicPr>
+          <p:nvPr/>
+        </p:nvPicPr>
+        <p:blipFill>
+          <a:blip r:embed="rId3">
+            <a:extLst>
+              <a:ext uri="{28A0092B-C50C-407E-A947-70E740481C1C}">
+                <a14:useLocalDpi xmlns:a14="http://schemas.microsoft.com/office/drawing/2010/main" val="0"/>
+              </a:ext>
+            </a:extLst>
+          </a:blip>
+          <a:srcRect/>
+          <a:stretch>
+            <a:fillRect/>
+          </a:stretch>
+        </p:blipFill>
+        <p:spPr bwMode="auto">
+          <a:xfrm>
+            <a:off x="8472634" y="1991600"/>
+            <a:ext cx="3268924" cy="3268924"/>
+          </a:xfrm>
+          <a:prstGeom prst="rect">
+            <a:avLst/>
+          </a:prstGeom>
+          <a:noFill/>
+          <a:extLst>
+            <a:ext uri="{909E8E84-426E-40DD-AFC4-6F175D3DCCD1}">
+              <a14:hiddenFill xmlns:a14="http://schemas.microsoft.com/office/drawing/2010/main">
+                <a:solidFill>
+                  <a:srgbClr val="FFFFFF"/>
+                </a:solidFill>
+              </a14:hiddenFill>
+            </a:ext>
+          </a:extLst>
+        </p:spPr>
+      </p:pic>
+      <p:pic>
+        <p:nvPicPr>
+          <p:cNvPr id="2" name="Image 1"/>
+          <p:cNvPicPr>
+            <a:picLocks noChangeAspect="1"/>
+          </p:cNvPicPr>
+          <p:nvPr/>
+        </p:nvPicPr>
+        <p:blipFill>
+          <a:blip r:embed="rId4"/>
+          <a:stretch>
+            <a:fillRect/>
+          </a:stretch>
+        </p:blipFill>
+        <p:spPr>
+          <a:xfrm>
+            <a:off x="382027" y="1092220"/>
+            <a:ext cx="6861130" cy="3227496"/>
+          </a:xfrm>
+          <a:prstGeom prst="rect">
+            <a:avLst/>
+          </a:prstGeom>
+        </p:spPr>
+      </p:pic>
+      <p:pic>
+        <p:nvPicPr>
+          <p:cNvPr id="3" name="Image 2"/>
+          <p:cNvPicPr>
+            <a:picLocks noChangeAspect="1"/>
+          </p:cNvPicPr>
+          <p:nvPr/>
+        </p:nvPicPr>
+        <p:blipFill>
+          <a:blip r:embed="rId5"/>
+          <a:stretch>
+            <a:fillRect/>
+          </a:stretch>
+        </p:blipFill>
+        <p:spPr>
+          <a:xfrm>
+            <a:off x="382027" y="4424556"/>
+            <a:ext cx="5531093" cy="1656678"/>
+          </a:xfrm>
+          <a:prstGeom prst="rect">
+            <a:avLst/>
+          </a:prstGeom>
+        </p:spPr>
+      </p:pic>
+    </p:spTree>
+    <p:extLst>
+      <p:ext uri="{BB962C8B-B14F-4D97-AF65-F5344CB8AC3E}">
+        <p14:creationId xmlns:p14="http://schemas.microsoft.com/office/powerpoint/2010/main" val="3014988494"/>
+      </p:ext>
+    </p:extLst>
+  </p:cSld>
+  <p:clrMapOvr>
+    <a:masterClrMapping/>
+  </p:clrMapOvr>
+  <p:timing>
+    <p:tnLst>
+      <p:par>
+        <p:cTn id="1" dur="indefinite" restart="never" nodeType="tmRoot">
+          <p:childTnLst>
+            <p:seq concurrent="1" nextAc="seek">
+              <p:cTn id="2" dur="indefinite" nodeType="mainSeq">
+                <p:childTnLst>
+                  <p:par>
+                    <p:cTn id="3" fill="hold">
+                      <p:stCondLst>
+                        <p:cond delay="indefinite"/>
+                        <p:cond evt="onBegin" delay="0">
+                          <p:tn val="2"/>
+                        </p:cond>
+                      </p:stCondLst>
+                      <p:childTnLst>
+                        <p:par>
+                          <p:cTn id="4" fill="hold">
+                            <p:stCondLst>
+                              <p:cond delay="0"/>
+                            </p:stCondLst>
+                            <p:childTnLst>
+                              <p:par>
+                                <p:cTn id="5" presetID="10" presetClass="entr" presetSubtype="0" fill="hold" nodeType="withEffect">
+                                  <p:stCondLst>
+                                    <p:cond delay="0"/>
+                                  </p:stCondLst>
+                                  <p:childTnLst>
+                                    <p:set>
+                                      <p:cBhvr>
+                                        <p:cTn id="6" dur="1" fill="hold">
+                                          <p:stCondLst>
+                                            <p:cond delay="0"/>
+                                          </p:stCondLst>
+                                        </p:cTn>
+                                        <p:tgtEl>
+                                          <p:spTgt spid="43"/>
+                                        </p:tgtEl>
+                                        <p:attrNameLst>
+                                          <p:attrName>style.visibility</p:attrName>
+                                        </p:attrNameLst>
+                                      </p:cBhvr>
+                                      <p:to>
+                                        <p:strVal val="visible"/>
+                                      </p:to>
+                                    </p:set>
+                                    <p:animEffect transition="in" filter="fade">
+                                      <p:cBhvr>
+                                        <p:cTn id="7" dur="500"/>
+                                        <p:tgtEl>
+                                          <p:spTgt spid="43"/>
+                                        </p:tgtEl>
+                                      </p:cBhvr>
+                                    </p:animEffect>
+                                  </p:childTnLst>
+                                </p:cTn>
+                              </p:par>
+                            </p:childTnLst>
+                          </p:cTn>
+                        </p:par>
+                      </p:childTnLst>
+                    </p:cTn>
+                  </p:par>
+                </p:childTnLst>
+              </p:cTn>
+              <p:prevCondLst>
+                <p:cond evt="onPrev" delay="0">
+                  <p:tgtEl>
+                    <p:sldTgt/>
+                  </p:tgtEl>
+                </p:cond>
+              </p:prevCondLst>
+              <p:nextCondLst>
+                <p:cond evt="onNext" delay="0">
+                  <p:tgtEl>
+                    <p:sldTgt/>
+                  </p:tgtEl>
+                </p:cond>
+              </p:nextCondLst>
+            </p:seq>
+          </p:childTnLst>
+        </p:cTn>
+      </p:par>
+    </p:tnLst>
+  </p:timing>
+</p:sld>
+</file>
+
+<file path=ppt/slides/slide21.xml><?xml version="1.0" encoding="utf-8"?>
+<p:sld xmlns:a="http://schemas.openxmlformats.org/drawingml/2006/main" xmlns:r="http://schemas.openxmlformats.org/officeDocument/2006/relationships" xmlns:p="http://schemas.openxmlformats.org/presentationml/2006/main">
+  <p:cSld>
+    <p:spTree>
+      <p:nvGrpSpPr>
+        <p:cNvPr id="1" name=""/>
+        <p:cNvGrpSpPr/>
+        <p:nvPr/>
+      </p:nvGrpSpPr>
+      <p:grpSpPr>
+        <a:xfrm>
+          <a:off x="0" y="0"/>
+          <a:ext cx="0" cy="0"/>
+          <a:chOff x="0" y="0"/>
+          <a:chExt cx="0" cy="0"/>
+        </a:xfrm>
+      </p:grpSpPr>
+      <p:grpSp>
+        <p:nvGrpSpPr>
+          <p:cNvPr id="202" name="Groupe 201"/>
+          <p:cNvGrpSpPr/>
+          <p:nvPr/>
+        </p:nvGrpSpPr>
+        <p:grpSpPr>
+          <a:xfrm>
+            <a:off x="0" y="73772"/>
+            <a:ext cx="3843196" cy="883356"/>
+            <a:chOff x="0" y="-9760"/>
+            <a:chExt cx="3077762" cy="785565"/>
+          </a:xfrm>
+        </p:grpSpPr>
+        <p:sp>
+          <p:nvSpPr>
+            <p:cNvPr id="203" name="ZoneTexte 202"/>
+            <p:cNvSpPr txBox="1"/>
+            <p:nvPr/>
+          </p:nvSpPr>
+          <p:spPr>
+            <a:xfrm>
+              <a:off x="109500" y="-9760"/>
+              <a:ext cx="2968262" cy="629520"/>
+            </a:xfrm>
+            <a:prstGeom prst="rect">
+              <a:avLst/>
+            </a:prstGeom>
+            <a:noFill/>
+          </p:spPr>
+          <p:txBody>
+            <a:bodyPr wrap="none" rtlCol="0">
+              <a:spAutoFit/>
+            </a:bodyPr>
+            <a:lstStyle/>
+            <a:p>
+              <a:r>
+                <a:rPr lang="fr-FR" sz="4000" b="1" dirty="0" smtClean="0">
+                  <a:latin typeface="Lato Regular" panose="020F0502020204030203" pitchFamily="34" charset="0"/>
+                  <a:ea typeface="Lato Regular" panose="020F0502020204030203" pitchFamily="34" charset="0"/>
+                  <a:cs typeface="Lato Regular" panose="020F0502020204030203" pitchFamily="34" charset="0"/>
+                </a:rPr>
+                <a:t>Hands on ! TP 2</a:t>
+              </a:r>
+              <a:endParaRPr lang="fr-FR" sz="3600" b="1" dirty="0">
+                <a:latin typeface="Lato Regular" panose="020F0502020204030203" pitchFamily="34" charset="0"/>
+                <a:ea typeface="Lato Regular" panose="020F0502020204030203" pitchFamily="34" charset="0"/>
+                <a:cs typeface="Lato Regular" panose="020F0502020204030203" pitchFamily="34" charset="0"/>
+              </a:endParaRPr>
+            </a:p>
+          </p:txBody>
+        </p:sp>
+        <p:sp>
+          <p:nvSpPr>
+            <p:cNvPr id="204" name="Rectangle 203"/>
+            <p:cNvSpPr/>
+            <p:nvPr/>
+          </p:nvSpPr>
+          <p:spPr>
+            <a:xfrm>
+              <a:off x="0" y="619760"/>
+              <a:ext cx="2357120" cy="156045"/>
+            </a:xfrm>
+            <a:prstGeom prst="rect">
+              <a:avLst/>
+            </a:prstGeom>
+            <a:solidFill>
+              <a:srgbClr val="438721"/>
+            </a:solidFill>
+            <a:ln>
+              <a:noFill/>
+            </a:ln>
+          </p:spPr>
+          <p:style>
+            <a:lnRef idx="2">
+              <a:schemeClr val="accent1">
+                <a:shade val="50000"/>
+              </a:schemeClr>
+            </a:lnRef>
+            <a:fillRef idx="1">
+              <a:schemeClr val="accent1"/>
+            </a:fillRef>
+            <a:effectRef idx="0">
+              <a:schemeClr val="accent1"/>
+            </a:effectRef>
+            <a:fontRef idx="minor">
+              <a:schemeClr val="lt1"/>
+            </a:fontRef>
+          </p:style>
+          <p:txBody>
+            <a:bodyPr rtlCol="0" anchor="ctr"/>
+            <a:lstStyle/>
+            <a:p>
+              <a:pPr algn="ctr"/>
+              <a:endParaRPr lang="fr-FR"/>
+            </a:p>
+          </p:txBody>
+        </p:sp>
+      </p:grpSp>
+      <p:pic>
+        <p:nvPicPr>
+          <p:cNvPr id="2" name="Image 1"/>
+          <p:cNvPicPr>
+            <a:picLocks noChangeAspect="1"/>
+          </p:cNvPicPr>
+          <p:nvPr/>
+        </p:nvPicPr>
+        <p:blipFill>
+          <a:blip r:embed="rId2">
+            <a:extLst>
+              <a:ext uri="{28A0092B-C50C-407E-A947-70E740481C1C}">
+                <a14:useLocalDpi xmlns:a14="http://schemas.microsoft.com/office/drawing/2010/main" val="0"/>
+              </a:ext>
+            </a:extLst>
+          </a:blip>
+          <a:stretch>
+            <a:fillRect/>
+          </a:stretch>
+        </p:blipFill>
+        <p:spPr>
+          <a:xfrm>
+            <a:off x="363882" y="1583707"/>
+            <a:ext cx="4813300" cy="4216400"/>
+          </a:xfrm>
+          <a:prstGeom prst="rect">
+            <a:avLst/>
+          </a:prstGeom>
+        </p:spPr>
+      </p:pic>
+      <p:sp>
+        <p:nvSpPr>
+          <p:cNvPr id="12" name="ZoneTexte 11"/>
+          <p:cNvSpPr txBox="1"/>
+          <p:nvPr/>
+        </p:nvSpPr>
+        <p:spPr>
+          <a:xfrm>
+            <a:off x="5026430" y="1583707"/>
+            <a:ext cx="5845732" cy="3170099"/>
+          </a:xfrm>
+          <a:prstGeom prst="rect">
+            <a:avLst/>
+          </a:prstGeom>
+          <a:noFill/>
+        </p:spPr>
+        <p:txBody>
+          <a:bodyPr wrap="square" rtlCol="0">
+            <a:spAutoFit/>
+          </a:bodyPr>
+          <a:lstStyle/>
+          <a:p>
+            <a:r>
+              <a:rPr lang="fr-FR" sz="2000" b="1" dirty="0" smtClean="0">
+                <a:solidFill>
+                  <a:schemeClr val="tx2"/>
+                </a:solidFill>
+                <a:latin typeface="Lato Regular"/>
+                <a:cs typeface="Lato Regular"/>
+              </a:rPr>
+              <a:t>TP 2 :</a:t>
+            </a:r>
+            <a:endParaRPr lang="fr-FR" sz="2000" b="1" dirty="0">
+              <a:solidFill>
+                <a:schemeClr val="tx2"/>
+              </a:solidFill>
+              <a:latin typeface="Lato Regular"/>
+              <a:cs typeface="Lato Regular"/>
+            </a:endParaRPr>
+          </a:p>
+          <a:p>
+            <a:endParaRPr lang="fr-FR" sz="2000" dirty="0">
+              <a:solidFill>
+                <a:schemeClr val="tx2"/>
+              </a:solidFill>
+              <a:latin typeface="Lato Light"/>
+              <a:cs typeface="Lato Light"/>
+            </a:endParaRPr>
+          </a:p>
+          <a:p>
+            <a:pPr marL="571500" indent="-571500">
+              <a:buFontTx/>
+              <a:buChar char="-"/>
+            </a:pPr>
+            <a:r>
+              <a:rPr lang="fr-FR" sz="2000" b="1" dirty="0" smtClean="0">
+                <a:solidFill>
+                  <a:schemeClr val="tx2"/>
+                </a:solidFill>
+                <a:latin typeface="Lato Light" panose="020F0502020204030203" pitchFamily="34" charset="0"/>
+                <a:ea typeface="Lato Light" panose="020F0502020204030203" pitchFamily="34" charset="0"/>
+                <a:cs typeface="Lato Light" panose="020F0502020204030203" pitchFamily="34" charset="0"/>
+              </a:rPr>
+              <a:t>Paramétrage </a:t>
+            </a:r>
+            <a:r>
+              <a:rPr lang="fr-FR" sz="2000" b="1" dirty="0">
+                <a:solidFill>
+                  <a:schemeClr val="tx2"/>
+                </a:solidFill>
+                <a:latin typeface="Lato Light" panose="020F0502020204030203" pitchFamily="34" charset="0"/>
+                <a:ea typeface="Lato Light" panose="020F0502020204030203" pitchFamily="34" charset="0"/>
+                <a:cs typeface="Lato Light" panose="020F0502020204030203" pitchFamily="34" charset="0"/>
+              </a:rPr>
+              <a:t>du Chaos Monkey </a:t>
+            </a:r>
+            <a:endParaRPr lang="fr-FR" sz="2000" b="1" dirty="0" smtClean="0">
+              <a:solidFill>
+                <a:schemeClr val="tx2"/>
+              </a:solidFill>
+              <a:latin typeface="Lato Light" panose="020F0502020204030203" pitchFamily="34" charset="0"/>
+              <a:ea typeface="Lato Light" panose="020F0502020204030203" pitchFamily="34" charset="0"/>
+              <a:cs typeface="Lato Light" panose="020F0502020204030203" pitchFamily="34" charset="0"/>
+            </a:endParaRPr>
+          </a:p>
+          <a:p>
+            <a:pPr marL="571500" indent="-571500">
+              <a:buFontTx/>
+              <a:buChar char="-"/>
+            </a:pPr>
+            <a:endParaRPr lang="fr-FR" sz="2000" b="1" dirty="0" smtClean="0">
+              <a:solidFill>
+                <a:schemeClr val="tx2"/>
+              </a:solidFill>
+              <a:latin typeface="Lato Light" panose="020F0502020204030203" pitchFamily="34" charset="0"/>
+              <a:ea typeface="Lato Light" panose="020F0502020204030203" pitchFamily="34" charset="0"/>
+              <a:cs typeface="Lato Light" panose="020F0502020204030203" pitchFamily="34" charset="0"/>
+            </a:endParaRPr>
+          </a:p>
+          <a:p>
+            <a:pPr marL="571500" indent="-571500">
+              <a:buFontTx/>
+              <a:buChar char="-"/>
+            </a:pPr>
+            <a:r>
+              <a:rPr lang="fr-FR" sz="2000" b="1" dirty="0" smtClean="0">
+                <a:solidFill>
+                  <a:schemeClr val="tx2"/>
+                </a:solidFill>
+                <a:latin typeface="Lato Light"/>
+                <a:cs typeface="Lato Light"/>
+              </a:rPr>
+              <a:t>Démarrage </a:t>
+            </a:r>
+            <a:r>
+              <a:rPr lang="fr-FR" sz="2000" b="1" dirty="0">
+                <a:solidFill>
+                  <a:schemeClr val="tx2"/>
+                </a:solidFill>
+                <a:latin typeface="Lato Light"/>
+                <a:cs typeface="Lato Light"/>
+              </a:rPr>
+              <a:t>de l’application </a:t>
+            </a:r>
+            <a:r>
+              <a:rPr lang="fr-FR" sz="2000" b="1" dirty="0" err="1" smtClean="0">
+                <a:solidFill>
+                  <a:schemeClr val="tx2"/>
+                </a:solidFill>
+                <a:latin typeface="Lato Light"/>
+                <a:cs typeface="Lato Light"/>
+              </a:rPr>
+              <a:t>FuSIIon</a:t>
+            </a:r>
+            <a:r>
+              <a:rPr lang="fr-FR" sz="2000" b="1" dirty="0" smtClean="0">
+                <a:solidFill>
+                  <a:schemeClr val="tx2"/>
+                </a:solidFill>
+                <a:latin typeface="Lato Light"/>
+                <a:cs typeface="Lato Light"/>
+              </a:rPr>
+              <a:t> ( Docker)</a:t>
+            </a:r>
+          </a:p>
+          <a:p>
+            <a:pPr marL="571500" indent="-571500">
+              <a:buFontTx/>
+              <a:buChar char="-"/>
+            </a:pPr>
+            <a:endParaRPr lang="fr-FR" sz="2000" b="1" dirty="0" smtClean="0">
+              <a:solidFill>
+                <a:schemeClr val="tx2"/>
+              </a:solidFill>
+              <a:latin typeface="Lato Light"/>
+              <a:cs typeface="Lato Light"/>
+            </a:endParaRPr>
+          </a:p>
+          <a:p>
+            <a:pPr marL="571500" indent="-571500">
+              <a:buFontTx/>
+              <a:buChar char="-"/>
+            </a:pPr>
+            <a:r>
+              <a:rPr lang="fr-FR" sz="2000" b="1" dirty="0" smtClean="0">
+                <a:solidFill>
+                  <a:schemeClr val="tx2"/>
+                </a:solidFill>
+                <a:latin typeface="Lato Light"/>
+                <a:cs typeface="Lato Light"/>
+              </a:rPr>
+              <a:t>Lancement d’un tir de charge</a:t>
+            </a:r>
+          </a:p>
+          <a:p>
+            <a:pPr marL="571500" indent="-571500">
+              <a:buFontTx/>
+              <a:buChar char="-"/>
+            </a:pPr>
+            <a:endParaRPr lang="fr-FR" sz="2000" b="1" dirty="0" smtClean="0">
+              <a:solidFill>
+                <a:schemeClr val="tx2"/>
+              </a:solidFill>
+              <a:latin typeface="Lato Light"/>
+              <a:cs typeface="Lato Light"/>
+            </a:endParaRPr>
+          </a:p>
+          <a:p>
+            <a:pPr marL="571500" indent="-571500">
+              <a:buFontTx/>
+              <a:buChar char="-"/>
+            </a:pPr>
+            <a:r>
+              <a:rPr lang="fr-FR" sz="2000" b="1" dirty="0" smtClean="0">
+                <a:solidFill>
+                  <a:schemeClr val="tx2"/>
+                </a:solidFill>
+                <a:latin typeface="Lato Light"/>
+                <a:cs typeface="Lato Light"/>
+              </a:rPr>
+              <a:t>Analyse des résultats</a:t>
+            </a:r>
+          </a:p>
+          <a:p>
+            <a:pPr marL="571500" indent="-571500">
+              <a:buFontTx/>
+              <a:buChar char="-"/>
+            </a:pPr>
+            <a:endParaRPr lang="fr-FR" sz="2000" dirty="0" smtClean="0">
+              <a:solidFill>
+                <a:schemeClr val="tx2"/>
+              </a:solidFill>
+              <a:latin typeface="Lato Light"/>
+              <a:cs typeface="Lato Light"/>
+            </a:endParaRPr>
+          </a:p>
+        </p:txBody>
+      </p:sp>
+    </p:spTree>
+    <p:extLst>
+      <p:ext uri="{BB962C8B-B14F-4D97-AF65-F5344CB8AC3E}">
+        <p14:creationId xmlns:p14="http://schemas.microsoft.com/office/powerpoint/2010/main" val="3170755211"/>
+      </p:ext>
+    </p:extLst>
+  </p:cSld>
+  <p:clrMapOvr>
+    <a:masterClrMapping/>
+  </p:clrMapOvr>
+  <p:timing>
+    <p:tnLst>
+      <p:par>
+        <p:cTn id="1" dur="indefinite" restart="never" nodeType="tmRoot"/>
+      </p:par>
+    </p:tnLst>
+  </p:timing>
+</p:sld>
+</file>
+
+<file path=ppt/slides/slide22.xml><?xml version="1.0" encoding="utf-8"?>
+<p:sld xmlns:a="http://schemas.openxmlformats.org/drawingml/2006/main" xmlns:r="http://schemas.openxmlformats.org/officeDocument/2006/relationships" xmlns:p="http://schemas.openxmlformats.org/presentationml/2006/main">
+  <p:cSld>
+    <p:spTree>
+      <p:nvGrpSpPr>
+        <p:cNvPr id="1" name=""/>
+        <p:cNvGrpSpPr/>
+        <p:nvPr/>
+      </p:nvGrpSpPr>
+      <p:grpSpPr>
+        <a:xfrm>
+          <a:off x="0" y="0"/>
+          <a:ext cx="0" cy="0"/>
+          <a:chOff x="0" y="0"/>
+          <a:chExt cx="0" cy="0"/>
+        </a:xfrm>
+      </p:grpSpPr>
       <p:grpSp>
         <p:nvGrpSpPr>
           <p:cNvPr id="202" name="Groupe 201"/>
@@ -15554,7 +17501,7 @@
 </p:sld>
 </file>
 
-<file path=ppt/slides/slide21.xml><?xml version="1.0" encoding="utf-8"?>
+<file path=ppt/slides/slide23.xml><?xml version="1.0" encoding="utf-8"?>
 <p:sld xmlns:a="http://schemas.openxmlformats.org/drawingml/2006/main" xmlns:r="http://schemas.openxmlformats.org/officeDocument/2006/relationships" xmlns:p="http://schemas.openxmlformats.org/presentationml/2006/main">
   <p:cSld>
     <p:spTree>
@@ -15858,7 +17805,7 @@
 </p:sld>
 </file>
 
-<file path=ppt/slides/slide22.xml><?xml version="1.0" encoding="utf-8"?>
+<file path=ppt/slides/slide24.xml><?xml version="1.0" encoding="utf-8"?>
 <p:sld xmlns:a="http://schemas.openxmlformats.org/drawingml/2006/main" xmlns:r="http://schemas.openxmlformats.org/officeDocument/2006/relationships" xmlns:p="http://schemas.openxmlformats.org/presentationml/2006/main">
   <p:cSld>
     <p:spTree>
@@ -16226,7 +18173,7 @@
 </p:sld>
 </file>
 
-<file path=ppt/slides/slide23.xml><?xml version="1.0" encoding="utf-8"?>
+<file path=ppt/slides/slide25.xml><?xml version="1.0" encoding="utf-8"?>
 <p:sld xmlns:a="http://schemas.openxmlformats.org/drawingml/2006/main" xmlns:r="http://schemas.openxmlformats.org/officeDocument/2006/relationships" xmlns:p="http://schemas.openxmlformats.org/presentationml/2006/main">
   <p:cSld>
     <p:spTree>
@@ -16890,7 +18837,7 @@
 </p:sld>
 </file>
 
-<file path=ppt/slides/slide24.xml><?xml version="1.0" encoding="utf-8"?>
+<file path=ppt/slides/slide26.xml><?xml version="1.0" encoding="utf-8"?>
 <p:sld xmlns:a="http://schemas.openxmlformats.org/drawingml/2006/main" xmlns:r="http://schemas.openxmlformats.org/officeDocument/2006/relationships" xmlns:p="http://schemas.openxmlformats.org/presentationml/2006/main">
   <p:cSld>
     <p:spTree>
@@ -16916,9 +18863,9 @@
         <p:grpSpPr>
           <a:xfrm>
             <a:off x="0" y="73772"/>
-            <a:ext cx="3843196" cy="1261884"/>
+            <a:ext cx="3843196" cy="883356"/>
             <a:chOff x="0" y="-9760"/>
-            <a:chExt cx="3077761" cy="1122189"/>
+            <a:chExt cx="3077762" cy="785565"/>
           </a:xfrm>
         </p:grpSpPr>
         <p:sp>
@@ -16930,7 +18877,7 @@
           <p:spPr>
             <a:xfrm>
               <a:off x="109500" y="-9760"/>
-              <a:ext cx="2968261" cy="1122189"/>
+              <a:ext cx="2968262" cy="629520"/>
             </a:xfrm>
             <a:prstGeom prst="rect">
               <a:avLst/>
@@ -16944,7 +18891,7 @@
             <a:lstStyle/>
             <a:p>
               <a:r>
-                <a:rPr lang="fr-FR" sz="4000" b="1" dirty="0">
+                <a:rPr lang="fr-FR" sz="4000" b="1" dirty="0" smtClean="0">
                   <a:latin typeface="Lato Regular" panose="020F0502020204030203" pitchFamily="34" charset="0"/>
                   <a:ea typeface="Lato Regular" panose="020F0502020204030203" pitchFamily="34" charset="0"/>
                   <a:cs typeface="Lato Regular" panose="020F0502020204030203" pitchFamily="34" charset="0"/>
@@ -16959,13 +18906,6 @@
                 </a:rPr>
                 <a:t>3</a:t>
               </a:r>
-              <a:endParaRPr lang="fr-FR" sz="3600" b="1" dirty="0">
-                <a:latin typeface="Lato Regular" panose="020F0502020204030203" pitchFamily="34" charset="0"/>
-                <a:ea typeface="Lato Regular" panose="020F0502020204030203" pitchFamily="34" charset="0"/>
-                <a:cs typeface="Lato Regular" panose="020F0502020204030203" pitchFamily="34" charset="0"/>
-              </a:endParaRPr>
-            </a:p>
-            <a:p>
               <a:endParaRPr lang="fr-FR" sz="3600" b="1" dirty="0">
                 <a:latin typeface="Lato Regular" panose="020F0502020204030203" pitchFamily="34" charset="0"/>
                 <a:ea typeface="Lato Regular" panose="020F0502020204030203" pitchFamily="34" charset="0"/>
@@ -17059,8 +18999,8 @@
         </p:nvSpPr>
         <p:spPr>
           <a:xfrm>
-            <a:off x="5584693" y="1952969"/>
-            <a:ext cx="5187715" cy="4093428"/>
+            <a:off x="5026429" y="1583707"/>
+            <a:ext cx="6156959" cy="3785652"/>
           </a:xfrm>
           <a:prstGeom prst="rect">
             <a:avLst/>
@@ -17074,18 +19014,16 @@
           <a:lstStyle/>
           <a:p>
             <a:r>
-              <a:rPr lang="fr-FR" sz="2000" dirty="0" smtClean="0">
+              <a:rPr lang="fr-FR" sz="2000" b="1" dirty="0" smtClean="0">
                 <a:solidFill>
                   <a:schemeClr val="tx2"/>
                 </a:solidFill>
                 <a:latin typeface="Lato Regular"/>
                 <a:cs typeface="Lato Regular"/>
               </a:rPr>
-              <a:t>TP 3:</a:t>
-            </a:r>
-          </a:p>
-          <a:p>
-            <a:endParaRPr lang="fr-FR" sz="2000" dirty="0">
+              <a:t>TP 2 :</a:t>
+            </a:r>
+            <a:endParaRPr lang="fr-FR" sz="2000" b="1" dirty="0">
               <a:solidFill>
                 <a:schemeClr val="tx2"/>
               </a:solidFill>
@@ -17094,62 +19032,12 @@
             </a:endParaRPr>
           </a:p>
           <a:p>
-            <a:r>
-              <a:rPr lang="fr-FR" sz="2000" dirty="0" smtClean="0">
-                <a:solidFill>
-                  <a:schemeClr val="tx2"/>
-                </a:solidFill>
-                <a:latin typeface="Lato Regular"/>
-                <a:cs typeface="Lato Regular"/>
-              </a:rPr>
-              <a:t>Lancement d’un tir de charge sur </a:t>
-            </a:r>
-            <a:r>
-              <a:rPr lang="fr-FR" sz="2000" dirty="0" err="1" smtClean="0">
-                <a:solidFill>
-                  <a:schemeClr val="tx2"/>
-                </a:solidFill>
-                <a:latin typeface="Lato Regular"/>
-                <a:cs typeface="Lato Regular"/>
-              </a:rPr>
-              <a:t>FuSIIon</a:t>
-            </a:r>
-            <a:r>
-              <a:rPr lang="fr-FR" sz="2000" dirty="0" smtClean="0">
-                <a:solidFill>
-                  <a:schemeClr val="tx2"/>
-                </a:solidFill>
-                <a:latin typeface="Lato Regular"/>
-                <a:cs typeface="Lato Regular"/>
-              </a:rPr>
-              <a:t> sur </a:t>
-            </a:r>
-            <a:r>
-              <a:rPr lang="fr-FR" sz="2000" dirty="0" err="1">
-                <a:solidFill>
-                  <a:schemeClr val="tx2"/>
-                </a:solidFill>
-                <a:latin typeface="Lato Regular"/>
-                <a:cs typeface="Lato Regular"/>
-              </a:rPr>
-              <a:t>K</a:t>
-            </a:r>
-            <a:r>
-              <a:rPr lang="fr-FR" sz="2000" dirty="0" err="1" smtClean="0">
-                <a:solidFill>
-                  <a:schemeClr val="tx2"/>
-                </a:solidFill>
-                <a:latin typeface="Lato Regular"/>
-                <a:cs typeface="Lato Regular"/>
-              </a:rPr>
-              <a:t>ubernetes</a:t>
-            </a:r>
             <a:endParaRPr lang="fr-FR" sz="2000" dirty="0">
               <a:solidFill>
                 <a:schemeClr val="tx2"/>
               </a:solidFill>
-              <a:latin typeface="Lato Regular"/>
-              <a:cs typeface="Lato Regular"/>
+              <a:latin typeface="Lato Light"/>
+              <a:cs typeface="Lato Light"/>
             </a:endParaRPr>
           </a:p>
           <a:p>
@@ -17158,101 +19046,49 @@
               <a:buChar char="-"/>
             </a:pPr>
             <a:r>
-              <a:rPr lang="fr-FR" sz="2000" dirty="0" err="1" smtClean="0">
+              <a:rPr lang="fr-FR" sz="2000" b="1" dirty="0" smtClean="0">
                 <a:solidFill>
                   <a:schemeClr val="tx2"/>
                 </a:solidFill>
-                <a:latin typeface="Lato Light"/>
-                <a:cs typeface="Lato Light"/>
-              </a:rPr>
-              <a:t>Deploiement</a:t>
-            </a:r>
-            <a:r>
-              <a:rPr lang="fr-FR" sz="2000" dirty="0" smtClean="0">
+                <a:latin typeface="Lato Light" panose="020F0502020204030203" pitchFamily="34" charset="0"/>
+                <a:ea typeface="Lato Light" panose="020F0502020204030203" pitchFamily="34" charset="0"/>
+                <a:cs typeface="Lato Light" panose="020F0502020204030203" pitchFamily="34" charset="0"/>
+              </a:rPr>
+              <a:t>Paramétrage </a:t>
+            </a:r>
+            <a:r>
+              <a:rPr lang="fr-FR" sz="2000" b="1" dirty="0">
                 <a:solidFill>
                   <a:schemeClr val="tx2"/>
                 </a:solidFill>
-                <a:latin typeface="Lato Light"/>
-                <a:cs typeface="Lato Light"/>
-              </a:rPr>
-              <a:t> de </a:t>
-            </a:r>
-            <a:r>
-              <a:rPr lang="fr-FR" sz="2000" dirty="0" err="1" smtClean="0">
-                <a:solidFill>
-                  <a:schemeClr val="tx2"/>
-                </a:solidFill>
-                <a:latin typeface="Lato Light"/>
-                <a:cs typeface="Lato Light"/>
-              </a:rPr>
-              <a:t>FuSIIon</a:t>
-            </a:r>
-            <a:r>
-              <a:rPr lang="fr-FR" sz="2000" dirty="0" smtClean="0">
-                <a:solidFill>
-                  <a:schemeClr val="tx2"/>
-                </a:solidFill>
-                <a:latin typeface="Lato Light"/>
-                <a:cs typeface="Lato Light"/>
-              </a:rPr>
-              <a:t> sur un cluster </a:t>
-            </a:r>
-            <a:r>
-              <a:rPr lang="fr-FR" sz="2000" dirty="0" err="1" smtClean="0">
-                <a:solidFill>
-                  <a:schemeClr val="tx2"/>
-                </a:solidFill>
-                <a:latin typeface="Lato Light"/>
-                <a:cs typeface="Lato Light"/>
-              </a:rPr>
-              <a:t>Kubernetes</a:t>
-            </a:r>
-            <a:r>
-              <a:rPr lang="fr-FR" sz="2000" dirty="0" smtClean="0">
-                <a:solidFill>
-                  <a:schemeClr val="tx2"/>
-                </a:solidFill>
-                <a:latin typeface="Lato Light"/>
-                <a:cs typeface="Lato Light"/>
-              </a:rPr>
-              <a:t> en local</a:t>
-            </a:r>
+                <a:latin typeface="Lato Light" panose="020F0502020204030203" pitchFamily="34" charset="0"/>
+                <a:ea typeface="Lato Light" panose="020F0502020204030203" pitchFamily="34" charset="0"/>
+                <a:cs typeface="Lato Light" panose="020F0502020204030203" pitchFamily="34" charset="0"/>
+              </a:rPr>
+              <a:t>du Chaos Monkey </a:t>
+            </a:r>
+            <a:endParaRPr lang="fr-FR" sz="2000" b="1" dirty="0" smtClean="0">
+              <a:solidFill>
+                <a:schemeClr val="tx2"/>
+              </a:solidFill>
+              <a:latin typeface="Lato Light" panose="020F0502020204030203" pitchFamily="34" charset="0"/>
+              <a:ea typeface="Lato Light" panose="020F0502020204030203" pitchFamily="34" charset="0"/>
+              <a:cs typeface="Lato Light" panose="020F0502020204030203" pitchFamily="34" charset="0"/>
+            </a:endParaRPr>
           </a:p>
           <a:p>
             <a:pPr marL="571500" indent="-571500">
               <a:buFontTx/>
               <a:buChar char="-"/>
             </a:pPr>
-            <a:r>
-              <a:rPr lang="fr-FR" sz="2000" dirty="0" smtClean="0">
-                <a:solidFill>
-                  <a:schemeClr val="tx2"/>
-                </a:solidFill>
-                <a:latin typeface="Lato Light"/>
-                <a:cs typeface="Lato Light"/>
-              </a:rPr>
-              <a:t>Ajustement des </a:t>
-            </a:r>
-            <a:r>
-              <a:rPr lang="fr-FR" sz="2000" dirty="0" err="1" smtClean="0">
-                <a:solidFill>
-                  <a:schemeClr val="tx2"/>
-                </a:solidFill>
-                <a:latin typeface="Lato Light"/>
-                <a:cs typeface="Lato Light"/>
-              </a:rPr>
-              <a:t>Yaml</a:t>
-            </a:r>
-            <a:r>
-              <a:rPr lang="fr-FR" sz="2000" dirty="0" smtClean="0">
-                <a:solidFill>
-                  <a:schemeClr val="tx2"/>
-                </a:solidFill>
-                <a:latin typeface="Lato Light"/>
-                <a:cs typeface="Lato Light"/>
-              </a:rPr>
-              <a:t> des différents services</a:t>
-            </a:r>
+            <a:endParaRPr lang="fr-FR" sz="2000" b="1" dirty="0" smtClean="0">
+              <a:solidFill>
+                <a:schemeClr val="tx2"/>
+              </a:solidFill>
+              <a:latin typeface="Lato Light" panose="020F0502020204030203" pitchFamily="34" charset="0"/>
+              <a:ea typeface="Lato Light" panose="020F0502020204030203" pitchFamily="34" charset="0"/>
+              <a:cs typeface="Lato Light" panose="020F0502020204030203" pitchFamily="34" charset="0"/>
+            </a:endParaRPr>
           </a:p>
           <a:p>
             <a:pPr marL="571500" indent="-571500">
@@ -17260,14 +19096,64 @@
               <a:buChar char="-"/>
             </a:pPr>
             <a:r>
-              <a:rPr lang="fr-FR" sz="2000" dirty="0" smtClean="0">
+              <a:rPr lang="fr-FR" sz="2000" b="1" dirty="0" smtClean="0">
                 <a:solidFill>
                   <a:schemeClr val="tx2"/>
                 </a:solidFill>
                 <a:latin typeface="Lato Light"/>
                 <a:cs typeface="Lato Light"/>
               </a:rPr>
-              <a:t>Lancement d’un nouveau tir de charge</a:t>
+              <a:t>Démarrage </a:t>
+            </a:r>
+            <a:r>
+              <a:rPr lang="fr-FR" sz="2000" b="1" dirty="0">
+                <a:solidFill>
+                  <a:schemeClr val="tx2"/>
+                </a:solidFill>
+                <a:latin typeface="Lato Light"/>
+                <a:cs typeface="Lato Light"/>
+              </a:rPr>
+              <a:t>de l’application </a:t>
+            </a:r>
+            <a:r>
+              <a:rPr lang="fr-FR" sz="2000" b="1" dirty="0" err="1" smtClean="0">
+                <a:solidFill>
+                  <a:schemeClr val="tx2"/>
+                </a:solidFill>
+                <a:latin typeface="Lato Light"/>
+                <a:cs typeface="Lato Light"/>
+              </a:rPr>
+              <a:t>FuSIIon</a:t>
+            </a:r>
+            <a:r>
+              <a:rPr lang="fr-FR" sz="2000" b="1" dirty="0" smtClean="0">
+                <a:solidFill>
+                  <a:schemeClr val="tx2"/>
+                </a:solidFill>
+                <a:latin typeface="Lato Light"/>
+                <a:cs typeface="Lato Light"/>
+              </a:rPr>
+              <a:t> (</a:t>
+            </a:r>
+            <a:r>
+              <a:rPr lang="fr-FR" sz="2000" b="1" dirty="0" err="1" smtClean="0">
+                <a:solidFill>
+                  <a:schemeClr val="tx2"/>
+                </a:solidFill>
+                <a:latin typeface="Lato Light"/>
+                <a:cs typeface="Lato Light"/>
+              </a:rPr>
+              <a:t>Kubernetes</a:t>
+            </a:r>
+            <a:r>
+              <a:rPr lang="fr-FR" sz="2000" b="1" dirty="0" smtClean="0">
+                <a:solidFill>
+                  <a:schemeClr val="tx2"/>
+                </a:solidFill>
+                <a:latin typeface="Lato Light"/>
+                <a:cs typeface="Lato Light"/>
+              </a:rPr>
+              <a:t>)</a:t>
             </a:r>
           </a:p>
           <a:p>
@@ -17275,16 +19161,13 @@
               <a:buFontTx/>
               <a:buChar char="-"/>
             </a:pPr>
-            <a:r>
-              <a:rPr lang="fr-FR" sz="2000" dirty="0" smtClean="0">
-                <a:solidFill>
-                  <a:schemeClr val="tx2"/>
-                </a:solidFill>
-                <a:latin typeface="Lato Light"/>
-                <a:cs typeface="Lato Light"/>
-              </a:rPr>
-              <a:t>Suivi de l’état des conteneurs avec un outil de monitoring</a:t>
-            </a:r>
+            <a:endParaRPr lang="fr-FR" sz="2000" b="1" dirty="0" smtClean="0">
+              <a:solidFill>
+                <a:schemeClr val="tx2"/>
+              </a:solidFill>
+              <a:latin typeface="Lato Light"/>
+              <a:cs typeface="Lato Light"/>
+            </a:endParaRPr>
           </a:p>
           <a:p>
             <a:pPr marL="571500" indent="-571500">
@@ -17292,15 +19175,90 @@
               <a:buChar char="-"/>
             </a:pPr>
             <a:r>
-              <a:rPr lang="fr-FR" sz="2000" dirty="0" smtClean="0">
+              <a:rPr lang="fr-FR" sz="2000" b="1" dirty="0" smtClean="0">
                 <a:solidFill>
                   <a:schemeClr val="tx2"/>
                 </a:solidFill>
                 <a:latin typeface="Lato Light"/>
                 <a:cs typeface="Lato Light"/>
               </a:rPr>
-              <a:t>Analyse des résultats</a:t>
-            </a:r>
+              <a:t>Lancement d’un nouveau tir de charge</a:t>
+            </a:r>
+          </a:p>
+          <a:p>
+            <a:pPr marL="571500" indent="-571500">
+              <a:buFontTx/>
+              <a:buChar char="-"/>
+            </a:pPr>
+            <a:endParaRPr lang="fr-FR" sz="2000" b="1" dirty="0" smtClean="0">
+              <a:solidFill>
+                <a:schemeClr val="tx2"/>
+              </a:solidFill>
+              <a:latin typeface="Lato Light"/>
+              <a:cs typeface="Lato Light"/>
+            </a:endParaRPr>
+          </a:p>
+          <a:p>
+            <a:pPr marL="571500" indent="-571500">
+              <a:buFontTx/>
+              <a:buChar char="-"/>
+            </a:pPr>
+            <a:r>
+              <a:rPr lang="fr-FR" sz="2000" b="1" dirty="0" smtClean="0">
+                <a:solidFill>
+                  <a:schemeClr val="tx2"/>
+                </a:solidFill>
+                <a:latin typeface="Lato Light"/>
+                <a:cs typeface="Lato Light"/>
+              </a:rPr>
+              <a:t>Analyse des </a:t>
+            </a:r>
+            <a:r>
+              <a:rPr lang="fr-FR" sz="2000" b="1" dirty="0" smtClean="0">
+                <a:solidFill>
+                  <a:schemeClr val="tx2"/>
+                </a:solidFill>
+                <a:latin typeface="Lato Light"/>
+                <a:cs typeface="Lato Light"/>
+              </a:rPr>
+              <a:t>résultats</a:t>
+            </a:r>
+          </a:p>
+          <a:p>
+            <a:pPr marL="571500" indent="-571500">
+              <a:buFontTx/>
+              <a:buChar char="-"/>
+            </a:pPr>
+            <a:endParaRPr lang="fr-FR" sz="2000" b="1" dirty="0">
+              <a:solidFill>
+                <a:schemeClr val="tx2"/>
+              </a:solidFill>
+              <a:latin typeface="Lato Light"/>
+              <a:cs typeface="Lato Light"/>
+            </a:endParaRPr>
+          </a:p>
+          <a:p>
+            <a:pPr marL="571500" indent="-571500">
+              <a:buFontTx/>
+              <a:buChar char="-"/>
+            </a:pPr>
+            <a:r>
+              <a:rPr lang="fr-FR" sz="2000" b="1" dirty="0" smtClean="0">
+                <a:solidFill>
+                  <a:schemeClr val="tx2"/>
+                </a:solidFill>
+                <a:latin typeface="Lato Light"/>
+                <a:cs typeface="Lato Light"/>
+              </a:rPr>
+              <a:t>Bonus : augmenter le nombre de réplicas</a:t>
+            </a:r>
+            <a:endParaRPr lang="fr-FR" sz="2000" b="1" dirty="0" smtClean="0">
+              <a:solidFill>
+                <a:schemeClr val="tx2"/>
+              </a:solidFill>
+              <a:latin typeface="Lato Light"/>
+              <a:cs typeface="Lato Light"/>
+            </a:endParaRPr>
           </a:p>
           <a:p>
             <a:pPr marL="571500" indent="-571500">
@@ -17320,7 +19278,7 @@
     </p:spTree>
     <p:extLst>
       <p:ext uri="{BB962C8B-B14F-4D97-AF65-F5344CB8AC3E}">
-        <p14:creationId xmlns:p14="http://schemas.microsoft.com/office/powerpoint/2010/main" val="1392740234"/>
+        <p14:creationId xmlns:p14="http://schemas.microsoft.com/office/powerpoint/2010/main" val="1365977226"/>
       </p:ext>
     </p:extLst>
   </p:cSld>
@@ -17337,7 +19295,7 @@
 </p:sld>
 </file>
 
-<file path=ppt/slides/slide25.xml><?xml version="1.0" encoding="utf-8"?>
+<file path=ppt/slides/slide27.xml><?xml version="1.0" encoding="utf-8"?>
 <p:sld xmlns:a="http://schemas.openxmlformats.org/drawingml/2006/main" xmlns:r="http://schemas.openxmlformats.org/officeDocument/2006/relationships" xmlns:p="http://schemas.openxmlformats.org/presentationml/2006/main">
   <p:cSld>
     <p:spTree>
@@ -17753,7 +19711,7 @@
 </p:sld>
 </file>
 
-<file path=ppt/slides/slide26.xml><?xml version="1.0" encoding="utf-8"?>
+<file path=ppt/slides/slide28.xml><?xml version="1.0" encoding="utf-8"?>
 <p:sld xmlns:a="http://schemas.openxmlformats.org/drawingml/2006/main" xmlns:r="http://schemas.openxmlformats.org/officeDocument/2006/relationships" xmlns:p="http://schemas.openxmlformats.org/presentationml/2006/main">
   <p:cSld>
     <p:spTree>
@@ -18169,7 +20127,7 @@
 </p:sld>
 </file>
 
-<file path=ppt/slides/slide27.xml><?xml version="1.0" encoding="utf-8"?>
+<file path=ppt/slides/slide29.xml><?xml version="1.0" encoding="utf-8"?>
 <p:sld xmlns:a="http://schemas.openxmlformats.org/drawingml/2006/main" xmlns:r="http://schemas.openxmlformats.org/officeDocument/2006/relationships" xmlns:p="http://schemas.openxmlformats.org/presentationml/2006/main">
   <p:cSld>
     <p:spTree>
@@ -18504,613 +20462,6 @@
     <p:extLst>
       <p:ext uri="{BB962C8B-B14F-4D97-AF65-F5344CB8AC3E}">
         <p14:creationId xmlns:p14="http://schemas.microsoft.com/office/powerpoint/2010/main" val="3793324874"/>
-      </p:ext>
-    </p:extLst>
-  </p:cSld>
-  <p:clrMapOvr>
-    <a:masterClrMapping/>
-  </p:clrMapOvr>
-  <p:timing>
-    <p:tnLst>
-      <p:par>
-        <p:cTn id="1" dur="indefinite" restart="never" nodeType="tmRoot"/>
-      </p:par>
-    </p:tnLst>
-  </p:timing>
-</p:sld>
-</file>
-
-<file path=ppt/slides/slide28.xml><?xml version="1.0" encoding="utf-8"?>
-<p:sld xmlns:a="http://schemas.openxmlformats.org/drawingml/2006/main" xmlns:r="http://schemas.openxmlformats.org/officeDocument/2006/relationships" xmlns:p="http://schemas.openxmlformats.org/presentationml/2006/main">
-  <p:cSld>
-    <p:spTree>
-      <p:nvGrpSpPr>
-        <p:cNvPr id="1" name=""/>
-        <p:cNvGrpSpPr/>
-        <p:nvPr/>
-      </p:nvGrpSpPr>
-      <p:grpSpPr>
-        <a:xfrm>
-          <a:off x="0" y="0"/>
-          <a:ext cx="0" cy="0"/>
-          <a:chOff x="0" y="0"/>
-          <a:chExt cx="0" cy="0"/>
-        </a:xfrm>
-      </p:grpSpPr>
-      <p:grpSp>
-        <p:nvGrpSpPr>
-          <p:cNvPr id="202" name="Groupe 201"/>
-          <p:cNvGrpSpPr/>
-          <p:nvPr/>
-        </p:nvGrpSpPr>
-        <p:grpSpPr>
-          <a:xfrm>
-            <a:off x="0" y="73772"/>
-            <a:ext cx="2943332" cy="883356"/>
-            <a:chOff x="0" y="-9760"/>
-            <a:chExt cx="2357120" cy="785565"/>
-          </a:xfrm>
-        </p:grpSpPr>
-        <p:sp>
-          <p:nvSpPr>
-            <p:cNvPr id="203" name="ZoneTexte 202"/>
-            <p:cNvSpPr txBox="1"/>
-            <p:nvPr/>
-          </p:nvSpPr>
-          <p:spPr>
-            <a:xfrm>
-              <a:off x="109500" y="-9760"/>
-              <a:ext cx="2108157" cy="629520"/>
-            </a:xfrm>
-            <a:prstGeom prst="rect">
-              <a:avLst/>
-            </a:prstGeom>
-            <a:noFill/>
-          </p:spPr>
-          <p:txBody>
-            <a:bodyPr wrap="none" rtlCol="0">
-              <a:spAutoFit/>
-            </a:bodyPr>
-            <a:lstStyle/>
-            <a:p>
-              <a:r>
-                <a:rPr lang="fr-FR" sz="4000" b="1" dirty="0" smtClean="0">
-                  <a:latin typeface="Lato Regular" panose="020F0502020204030203" pitchFamily="34" charset="0"/>
-                  <a:ea typeface="Lato Regular" panose="020F0502020204030203" pitchFamily="34" charset="0"/>
-                  <a:cs typeface="Lato Regular" panose="020F0502020204030203" pitchFamily="34" charset="0"/>
-                </a:rPr>
-                <a:t>Conclusion</a:t>
-              </a:r>
-              <a:endParaRPr lang="fr-FR" sz="3600" b="1" dirty="0">
-                <a:latin typeface="Lato Regular" panose="020F0502020204030203" pitchFamily="34" charset="0"/>
-                <a:ea typeface="Lato Regular" panose="020F0502020204030203" pitchFamily="34" charset="0"/>
-                <a:cs typeface="Lato Regular" panose="020F0502020204030203" pitchFamily="34" charset="0"/>
-              </a:endParaRPr>
-            </a:p>
-          </p:txBody>
-        </p:sp>
-        <p:sp>
-          <p:nvSpPr>
-            <p:cNvPr id="204" name="Rectangle 203"/>
-            <p:cNvSpPr/>
-            <p:nvPr/>
-          </p:nvSpPr>
-          <p:spPr>
-            <a:xfrm>
-              <a:off x="0" y="619760"/>
-              <a:ext cx="2357120" cy="156045"/>
-            </a:xfrm>
-            <a:prstGeom prst="rect">
-              <a:avLst/>
-            </a:prstGeom>
-            <a:solidFill>
-              <a:srgbClr val="438721"/>
-            </a:solidFill>
-            <a:ln>
-              <a:noFill/>
-            </a:ln>
-          </p:spPr>
-          <p:style>
-            <a:lnRef idx="2">
-              <a:schemeClr val="accent1">
-                <a:shade val="50000"/>
-              </a:schemeClr>
-            </a:lnRef>
-            <a:fillRef idx="1">
-              <a:schemeClr val="accent1"/>
-            </a:fillRef>
-            <a:effectRef idx="0">
-              <a:schemeClr val="accent1"/>
-            </a:effectRef>
-            <a:fontRef idx="minor">
-              <a:schemeClr val="lt1"/>
-            </a:fontRef>
-          </p:style>
-          <p:txBody>
-            <a:bodyPr rtlCol="0" anchor="ctr"/>
-            <a:lstStyle/>
-            <a:p>
-              <a:pPr algn="ctr"/>
-              <a:endParaRPr lang="fr-FR"/>
-            </a:p>
-          </p:txBody>
-        </p:sp>
-      </p:grpSp>
-      <p:sp>
-        <p:nvSpPr>
-          <p:cNvPr id="13" name="ZoneTexte 12"/>
-          <p:cNvSpPr txBox="1"/>
-          <p:nvPr/>
-        </p:nvSpPr>
-        <p:spPr>
-          <a:xfrm>
-            <a:off x="837274" y="1665014"/>
-            <a:ext cx="10102275" cy="1323439"/>
-          </a:xfrm>
-          <a:prstGeom prst="rect">
-            <a:avLst/>
-          </a:prstGeom>
-          <a:noFill/>
-        </p:spPr>
-        <p:txBody>
-          <a:bodyPr wrap="square" rtlCol="0">
-            <a:spAutoFit/>
-          </a:bodyPr>
-          <a:lstStyle/>
-          <a:p>
-            <a:pPr marL="571500" indent="-571500">
-              <a:buFont typeface="Arial" panose="020B0604020202020204" pitchFamily="34" charset="0"/>
-              <a:buChar char="•"/>
-            </a:pPr>
-            <a:r>
-              <a:rPr lang="fr-FR" sz="2000" dirty="0" smtClean="0">
-                <a:solidFill>
-                  <a:schemeClr val="tx2"/>
-                </a:solidFill>
-                <a:latin typeface="Lato Light"/>
-                <a:cs typeface="Lato Light"/>
-              </a:rPr>
-              <a:t>Analyse et amélioration de notre patrimoine de TU</a:t>
-            </a:r>
-          </a:p>
-          <a:p>
-            <a:pPr marL="571500" indent="-571500">
-              <a:buFont typeface="Arial" panose="020B0604020202020204" pitchFamily="34" charset="0"/>
-              <a:buChar char="•"/>
-            </a:pPr>
-            <a:r>
-              <a:rPr lang="fr-FR" sz="2000" dirty="0" smtClean="0">
-                <a:solidFill>
-                  <a:schemeClr val="tx2"/>
-                </a:solidFill>
-                <a:latin typeface="Lato Light"/>
-                <a:cs typeface="Lato Light"/>
-              </a:rPr>
-              <a:t>Récupération de métriques de charge et de performances</a:t>
-            </a:r>
-          </a:p>
-          <a:p>
-            <a:pPr marL="571500" indent="-571500">
-              <a:buFont typeface="Arial" panose="020B0604020202020204" pitchFamily="34" charset="0"/>
-              <a:buChar char="•"/>
-            </a:pPr>
-            <a:r>
-              <a:rPr lang="fr-FR" sz="2000" dirty="0" smtClean="0">
-                <a:solidFill>
-                  <a:schemeClr val="tx2"/>
-                </a:solidFill>
-                <a:latin typeface="Lato Light"/>
-                <a:cs typeface="Lato Light"/>
-              </a:rPr>
-              <a:t>Mise à l’épreuve de la tolérance aux pannes de notre applicatif</a:t>
-            </a:r>
-          </a:p>
-          <a:p>
-            <a:pPr marL="571500" indent="-571500">
-              <a:buFont typeface="Arial" panose="020B0604020202020204" pitchFamily="34" charset="0"/>
-              <a:buChar char="•"/>
-            </a:pPr>
-            <a:r>
-              <a:rPr lang="fr-FR" sz="2000" dirty="0" smtClean="0">
-                <a:solidFill>
-                  <a:schemeClr val="tx2"/>
-                </a:solidFill>
-                <a:latin typeface="Lato Light"/>
-                <a:cs typeface="Lato Light"/>
-              </a:rPr>
-              <a:t>Mise en place d’une solution technique pour palier aux problèmes rencontrés</a:t>
-            </a:r>
-          </a:p>
-        </p:txBody>
-      </p:sp>
-    </p:spTree>
-    <p:extLst>
-      <p:ext uri="{BB962C8B-B14F-4D97-AF65-F5344CB8AC3E}">
-        <p14:creationId xmlns:p14="http://schemas.microsoft.com/office/powerpoint/2010/main" val="3436594653"/>
-      </p:ext>
-    </p:extLst>
-  </p:cSld>
-  <p:clrMapOvr>
-    <a:masterClrMapping/>
-  </p:clrMapOvr>
-  <p:timing>
-    <p:tnLst>
-      <p:par>
-        <p:cTn id="1" dur="indefinite" restart="never" nodeType="tmRoot"/>
-      </p:par>
-    </p:tnLst>
-  </p:timing>
-</p:sld>
-</file>
-
-<file path=ppt/slides/slide29.xml><?xml version="1.0" encoding="utf-8"?>
-<p:sld xmlns:a="http://schemas.openxmlformats.org/drawingml/2006/main" xmlns:r="http://schemas.openxmlformats.org/officeDocument/2006/relationships" xmlns:p="http://schemas.openxmlformats.org/presentationml/2006/main">
-  <p:cSld>
-    <p:spTree>
-      <p:nvGrpSpPr>
-        <p:cNvPr id="1" name=""/>
-        <p:cNvGrpSpPr/>
-        <p:nvPr/>
-      </p:nvGrpSpPr>
-      <p:grpSpPr>
-        <a:xfrm>
-          <a:off x="0" y="0"/>
-          <a:ext cx="0" cy="0"/>
-          <a:chOff x="0" y="0"/>
-          <a:chExt cx="0" cy="0"/>
-        </a:xfrm>
-      </p:grpSpPr>
-      <p:grpSp>
-        <p:nvGrpSpPr>
-          <p:cNvPr id="12" name="Groupe 11"/>
-          <p:cNvGrpSpPr/>
-          <p:nvPr/>
-        </p:nvGrpSpPr>
-        <p:grpSpPr>
-          <a:xfrm>
-            <a:off x="0" y="73772"/>
-            <a:ext cx="2943331" cy="883356"/>
-            <a:chOff x="0" y="-9760"/>
-            <a:chExt cx="2357120" cy="785565"/>
-          </a:xfrm>
-        </p:grpSpPr>
-        <p:sp>
-          <p:nvSpPr>
-            <p:cNvPr id="13" name="ZoneTexte 12"/>
-            <p:cNvSpPr txBox="1"/>
-            <p:nvPr/>
-          </p:nvSpPr>
-          <p:spPr>
-            <a:xfrm>
-              <a:off x="109500" y="-9760"/>
-              <a:ext cx="1918164" cy="629520"/>
-            </a:xfrm>
-            <a:prstGeom prst="rect">
-              <a:avLst/>
-            </a:prstGeom>
-            <a:noFill/>
-          </p:spPr>
-          <p:txBody>
-            <a:bodyPr wrap="none" rtlCol="0">
-              <a:spAutoFit/>
-            </a:bodyPr>
-            <a:lstStyle/>
-            <a:p>
-              <a:r>
-                <a:rPr lang="fr-FR" sz="4000" b="1" dirty="0" smtClean="0">
-                  <a:latin typeface="Lato Regular" panose="020F0502020204030203" pitchFamily="34" charset="0"/>
-                  <a:ea typeface="Lato Regular" panose="020F0502020204030203" pitchFamily="34" charset="0"/>
-                  <a:cs typeface="Lato Regular" panose="020F0502020204030203" pitchFamily="34" charset="0"/>
-                </a:rPr>
-                <a:t>Conclusion</a:t>
-              </a:r>
-              <a:endParaRPr lang="fr-FR" sz="3600" b="1" dirty="0">
-                <a:latin typeface="Lato Regular" panose="020F0502020204030203" pitchFamily="34" charset="0"/>
-                <a:ea typeface="Lato Regular" panose="020F0502020204030203" pitchFamily="34" charset="0"/>
-                <a:cs typeface="Lato Regular" panose="020F0502020204030203" pitchFamily="34" charset="0"/>
-              </a:endParaRPr>
-            </a:p>
-          </p:txBody>
-        </p:sp>
-        <p:sp>
-          <p:nvSpPr>
-            <p:cNvPr id="14" name="Rectangle 13"/>
-            <p:cNvSpPr/>
-            <p:nvPr/>
-          </p:nvSpPr>
-          <p:spPr>
-            <a:xfrm>
-              <a:off x="0" y="619760"/>
-              <a:ext cx="2357120" cy="156045"/>
-            </a:xfrm>
-            <a:prstGeom prst="rect">
-              <a:avLst/>
-            </a:prstGeom>
-            <a:solidFill>
-              <a:srgbClr val="2F6079"/>
-            </a:solidFill>
-            <a:ln>
-              <a:noFill/>
-            </a:ln>
-          </p:spPr>
-          <p:style>
-            <a:lnRef idx="2">
-              <a:schemeClr val="accent1">
-                <a:shade val="50000"/>
-              </a:schemeClr>
-            </a:lnRef>
-            <a:fillRef idx="1">
-              <a:schemeClr val="accent1"/>
-            </a:fillRef>
-            <a:effectRef idx="0">
-              <a:schemeClr val="accent1"/>
-            </a:effectRef>
-            <a:fontRef idx="minor">
-              <a:schemeClr val="lt1"/>
-            </a:fontRef>
-          </p:style>
-          <p:txBody>
-            <a:bodyPr rtlCol="0" anchor="ctr"/>
-            <a:lstStyle/>
-            <a:p>
-              <a:pPr algn="ctr"/>
-              <a:endParaRPr lang="fr-FR"/>
-            </a:p>
-          </p:txBody>
-        </p:sp>
-      </p:grpSp>
-      <p:sp>
-        <p:nvSpPr>
-          <p:cNvPr id="15" name="Subtitle 2">
-            <a:extLst>
-              <a:ext uri="{FF2B5EF4-FFF2-40B4-BE49-F238E27FC236}">
-                <a16:creationId xmlns:a16="http://schemas.microsoft.com/office/drawing/2014/main" id="{3A78FA13-AC9F-47B6-87F4-D7D64D1358A9}"/>
-              </a:ext>
-            </a:extLst>
-          </p:cNvPr>
-          <p:cNvSpPr txBox="1">
-            <a:spLocks/>
-          </p:cNvSpPr>
-          <p:nvPr/>
-        </p:nvSpPr>
-        <p:spPr>
-          <a:xfrm>
-            <a:off x="305336" y="1312781"/>
-            <a:ext cx="5148087" cy="4896344"/>
-          </a:xfrm>
-          <a:prstGeom prst="rect">
-            <a:avLst/>
-          </a:prstGeom>
-        </p:spPr>
-        <p:txBody>
-          <a:bodyPr vert="horz" lIns="243744" tIns="121869" rIns="243744" bIns="121869" rtlCol="0">
-            <a:noAutofit/>
-          </a:bodyPr>
-          <a:lstStyle>
-            <a:lvl1pPr marL="342900" indent="-342900" algn="l" defTabSz="457200" rtl="0" eaLnBrk="1" latinLnBrk="0" hangingPunct="1">
-              <a:spcBef>
-                <a:spcPct val="20000"/>
-              </a:spcBef>
-              <a:buFont typeface="Arial"/>
-              <a:buChar char="•"/>
-              <a:defRPr sz="3200" kern="1200">
-                <a:solidFill>
-                  <a:schemeClr val="tx1"/>
-                </a:solidFill>
-                <a:latin typeface="+mn-lt"/>
-                <a:ea typeface="+mn-ea"/>
-                <a:cs typeface="+mn-cs"/>
-              </a:defRPr>
-            </a:lvl1pPr>
-            <a:lvl2pPr marL="742950" indent="-285750" algn="l" defTabSz="457200" rtl="0" eaLnBrk="1" latinLnBrk="0" hangingPunct="1">
-              <a:spcBef>
-                <a:spcPct val="20000"/>
-              </a:spcBef>
-              <a:buFont typeface="Arial"/>
-              <a:buChar char="–"/>
-              <a:defRPr sz="2800" kern="1200">
-                <a:solidFill>
-                  <a:schemeClr val="tx1"/>
-                </a:solidFill>
-                <a:latin typeface="+mn-lt"/>
-                <a:ea typeface="+mn-ea"/>
-                <a:cs typeface="+mn-cs"/>
-              </a:defRPr>
-            </a:lvl2pPr>
-            <a:lvl3pPr marL="1143000" indent="-228600" algn="l" defTabSz="457200" rtl="0" eaLnBrk="1" latinLnBrk="0" hangingPunct="1">
-              <a:spcBef>
-                <a:spcPct val="20000"/>
-              </a:spcBef>
-              <a:buFont typeface="Arial"/>
-              <a:buChar char="•"/>
-              <a:defRPr sz="2400" kern="1200">
-                <a:solidFill>
-                  <a:schemeClr val="tx1"/>
-                </a:solidFill>
-                <a:latin typeface="+mn-lt"/>
-                <a:ea typeface="+mn-ea"/>
-                <a:cs typeface="+mn-cs"/>
-              </a:defRPr>
-            </a:lvl3pPr>
-            <a:lvl4pPr marL="1600200" indent="-228600" algn="l" defTabSz="457200" rtl="0" eaLnBrk="1" latinLnBrk="0" hangingPunct="1">
-              <a:spcBef>
-                <a:spcPct val="20000"/>
-              </a:spcBef>
-              <a:buFont typeface="Arial"/>
-              <a:buChar char="–"/>
-              <a:defRPr sz="2000" kern="1200">
-                <a:solidFill>
-                  <a:schemeClr val="tx1"/>
-                </a:solidFill>
-                <a:latin typeface="+mn-lt"/>
-                <a:ea typeface="+mn-ea"/>
-                <a:cs typeface="+mn-cs"/>
-              </a:defRPr>
-            </a:lvl4pPr>
-            <a:lvl5pPr marL="2057400" indent="-228600" algn="l" defTabSz="457200" rtl="0" eaLnBrk="1" latinLnBrk="0" hangingPunct="1">
-              <a:spcBef>
-                <a:spcPct val="20000"/>
-              </a:spcBef>
-              <a:buFont typeface="Arial"/>
-              <a:buChar char="»"/>
-              <a:defRPr sz="2000" kern="1200">
-                <a:solidFill>
-                  <a:schemeClr val="tx1"/>
-                </a:solidFill>
-                <a:latin typeface="+mn-lt"/>
-                <a:ea typeface="+mn-ea"/>
-                <a:cs typeface="+mn-cs"/>
-              </a:defRPr>
-            </a:lvl5pPr>
-            <a:lvl6pPr marL="2514600" indent="-228600" algn="l" defTabSz="457200" rtl="0" eaLnBrk="1" latinLnBrk="0" hangingPunct="1">
-              <a:spcBef>
-                <a:spcPct val="20000"/>
-              </a:spcBef>
-              <a:buFont typeface="Arial"/>
-              <a:buChar char="•"/>
-              <a:defRPr sz="2000" kern="1200">
-                <a:solidFill>
-                  <a:schemeClr val="tx1"/>
-                </a:solidFill>
-                <a:latin typeface="+mn-lt"/>
-                <a:ea typeface="+mn-ea"/>
-                <a:cs typeface="+mn-cs"/>
-              </a:defRPr>
-            </a:lvl6pPr>
-            <a:lvl7pPr marL="2971800" indent="-228600" algn="l" defTabSz="457200" rtl="0" eaLnBrk="1" latinLnBrk="0" hangingPunct="1">
-              <a:spcBef>
-                <a:spcPct val="20000"/>
-              </a:spcBef>
-              <a:buFont typeface="Arial"/>
-              <a:buChar char="•"/>
-              <a:defRPr sz="2000" kern="1200">
-                <a:solidFill>
-                  <a:schemeClr val="tx1"/>
-                </a:solidFill>
-                <a:latin typeface="+mn-lt"/>
-                <a:ea typeface="+mn-ea"/>
-                <a:cs typeface="+mn-cs"/>
-              </a:defRPr>
-            </a:lvl7pPr>
-            <a:lvl8pPr marL="3429000" indent="-228600" algn="l" defTabSz="457200" rtl="0" eaLnBrk="1" latinLnBrk="0" hangingPunct="1">
-              <a:spcBef>
-                <a:spcPct val="20000"/>
-              </a:spcBef>
-              <a:buFont typeface="Arial"/>
-              <a:buChar char="•"/>
-              <a:defRPr sz="2000" kern="1200">
-                <a:solidFill>
-                  <a:schemeClr val="tx1"/>
-                </a:solidFill>
-                <a:latin typeface="+mn-lt"/>
-                <a:ea typeface="+mn-ea"/>
-                <a:cs typeface="+mn-cs"/>
-              </a:defRPr>
-            </a:lvl8pPr>
-            <a:lvl9pPr marL="3886200" indent="-228600" algn="l" defTabSz="457200" rtl="0" eaLnBrk="1" latinLnBrk="0" hangingPunct="1">
-              <a:spcBef>
-                <a:spcPct val="20000"/>
-              </a:spcBef>
-              <a:buFont typeface="Arial"/>
-              <a:buChar char="•"/>
-              <a:defRPr sz="2000" kern="1200">
-                <a:solidFill>
-                  <a:schemeClr val="tx1"/>
-                </a:solidFill>
-                <a:latin typeface="+mn-lt"/>
-                <a:ea typeface="+mn-ea"/>
-                <a:cs typeface="+mn-cs"/>
-              </a:defRPr>
-            </a:lvl9pPr>
-          </a:lstStyle>
-          <a:p>
-            <a:pPr marL="0" indent="0">
-              <a:buNone/>
-            </a:pPr>
-            <a:r>
-              <a:rPr lang="fr-FR" sz="2000" dirty="0" smtClean="0">
-                <a:solidFill>
-                  <a:schemeClr val="tx2"/>
-                </a:solidFill>
-                <a:latin typeface="Lato Regular"/>
-                <a:cs typeface="Lato Regular"/>
-              </a:rPr>
-              <a:t>Scénario</a:t>
-            </a:r>
-            <a:endParaRPr lang="fr-FR" sz="1800" dirty="0">
-              <a:solidFill>
-                <a:schemeClr val="tx2"/>
-              </a:solidFill>
-              <a:latin typeface="Lato Regular"/>
-              <a:cs typeface="Lato Regular"/>
-            </a:endParaRPr>
-          </a:p>
-          <a:p>
-            <a:pPr marL="0" indent="0">
-              <a:buNone/>
-            </a:pPr>
-            <a:endParaRPr lang="fr-FR" sz="1600" dirty="0">
-              <a:solidFill>
-                <a:schemeClr val="tx2"/>
-              </a:solidFill>
-              <a:latin typeface="Lato Light"/>
-              <a:cs typeface="Lato Light"/>
-            </a:endParaRPr>
-          </a:p>
-        </p:txBody>
-      </p:sp>
-      <p:sp>
-        <p:nvSpPr>
-          <p:cNvPr id="2" name="Rectangle 1"/>
-          <p:cNvSpPr/>
-          <p:nvPr/>
-        </p:nvSpPr>
-        <p:spPr>
-          <a:xfrm>
-            <a:off x="829235" y="2001869"/>
-            <a:ext cx="6096000" cy="1477328"/>
-          </a:xfrm>
-          <a:prstGeom prst="rect">
-            <a:avLst/>
-          </a:prstGeom>
-        </p:spPr>
-        <p:txBody>
-          <a:bodyPr>
-            <a:spAutoFit/>
-          </a:bodyPr>
-          <a:lstStyle/>
-          <a:p>
-            <a:r>
-              <a:rPr lang="fr-FR" dirty="0">
-                <a:latin typeface="Lato Light" panose="020F0502020204030203" pitchFamily="34" charset="0"/>
-                <a:ea typeface="Lato Light" panose="020F0502020204030203" pitchFamily="34" charset="0"/>
-                <a:cs typeface="Lato Light" panose="020F0502020204030203" pitchFamily="34" charset="0"/>
-              </a:rPr>
-              <a:t>"Nous voilà rassurés, notre application est tolérante aux défaillances techniques, on va pouvoir aller en production beaucoup plus confiant! En plus, on a même pu challenger nos TU et récupérer des </a:t>
-            </a:r>
-            <a:r>
-              <a:rPr lang="fr-FR" dirty="0" smtClean="0">
-                <a:latin typeface="Lato Light" panose="020F0502020204030203" pitchFamily="34" charset="0"/>
-                <a:ea typeface="Lato Light" panose="020F0502020204030203" pitchFamily="34" charset="0"/>
-                <a:cs typeface="Lato Light" panose="020F0502020204030203" pitchFamily="34" charset="0"/>
-              </a:rPr>
-              <a:t>métriques de charge et de performance </a:t>
-            </a:r>
-            <a:r>
-              <a:rPr lang="fr-FR" dirty="0">
-                <a:latin typeface="Lato Light" panose="020F0502020204030203" pitchFamily="34" charset="0"/>
-                <a:ea typeface="Lato Light" panose="020F0502020204030203" pitchFamily="34" charset="0"/>
-                <a:cs typeface="Lato Light" panose="020F0502020204030203" pitchFamily="34" charset="0"/>
-              </a:rPr>
-              <a:t>au passage ! "</a:t>
-            </a:r>
-          </a:p>
-        </p:txBody>
-      </p:sp>
-    </p:spTree>
-    <p:extLst>
-      <p:ext uri="{BB962C8B-B14F-4D97-AF65-F5344CB8AC3E}">
-        <p14:creationId xmlns:p14="http://schemas.microsoft.com/office/powerpoint/2010/main" val="1716394443"/>
       </p:ext>
     </p:extLst>
   </p:cSld>
@@ -19501,6 +20852,613 @@
           <a:chExt cx="0" cy="0"/>
         </a:xfrm>
       </p:grpSpPr>
+      <p:grpSp>
+        <p:nvGrpSpPr>
+          <p:cNvPr id="12" name="Groupe 11"/>
+          <p:cNvGrpSpPr/>
+          <p:nvPr/>
+        </p:nvGrpSpPr>
+        <p:grpSpPr>
+          <a:xfrm>
+            <a:off x="0" y="73772"/>
+            <a:ext cx="2943331" cy="883356"/>
+            <a:chOff x="0" y="-9760"/>
+            <a:chExt cx="2357120" cy="785565"/>
+          </a:xfrm>
+        </p:grpSpPr>
+        <p:sp>
+          <p:nvSpPr>
+            <p:cNvPr id="13" name="ZoneTexte 12"/>
+            <p:cNvSpPr txBox="1"/>
+            <p:nvPr/>
+          </p:nvSpPr>
+          <p:spPr>
+            <a:xfrm>
+              <a:off x="109500" y="-9760"/>
+              <a:ext cx="1918164" cy="629520"/>
+            </a:xfrm>
+            <a:prstGeom prst="rect">
+              <a:avLst/>
+            </a:prstGeom>
+            <a:noFill/>
+          </p:spPr>
+          <p:txBody>
+            <a:bodyPr wrap="none" rtlCol="0">
+              <a:spAutoFit/>
+            </a:bodyPr>
+            <a:lstStyle/>
+            <a:p>
+              <a:r>
+                <a:rPr lang="fr-FR" sz="4000" b="1" dirty="0" smtClean="0">
+                  <a:latin typeface="Lato Regular" panose="020F0502020204030203" pitchFamily="34" charset="0"/>
+                  <a:ea typeface="Lato Regular" panose="020F0502020204030203" pitchFamily="34" charset="0"/>
+                  <a:cs typeface="Lato Regular" panose="020F0502020204030203" pitchFamily="34" charset="0"/>
+                </a:rPr>
+                <a:t>Conclusion</a:t>
+              </a:r>
+              <a:endParaRPr lang="fr-FR" sz="3600" b="1" dirty="0">
+                <a:latin typeface="Lato Regular" panose="020F0502020204030203" pitchFamily="34" charset="0"/>
+                <a:ea typeface="Lato Regular" panose="020F0502020204030203" pitchFamily="34" charset="0"/>
+                <a:cs typeface="Lato Regular" panose="020F0502020204030203" pitchFamily="34" charset="0"/>
+              </a:endParaRPr>
+            </a:p>
+          </p:txBody>
+        </p:sp>
+        <p:sp>
+          <p:nvSpPr>
+            <p:cNvPr id="14" name="Rectangle 13"/>
+            <p:cNvSpPr/>
+            <p:nvPr/>
+          </p:nvSpPr>
+          <p:spPr>
+            <a:xfrm>
+              <a:off x="0" y="619760"/>
+              <a:ext cx="2357120" cy="156045"/>
+            </a:xfrm>
+            <a:prstGeom prst="rect">
+              <a:avLst/>
+            </a:prstGeom>
+            <a:solidFill>
+              <a:srgbClr val="2F6079"/>
+            </a:solidFill>
+            <a:ln>
+              <a:noFill/>
+            </a:ln>
+          </p:spPr>
+          <p:style>
+            <a:lnRef idx="2">
+              <a:schemeClr val="accent1">
+                <a:shade val="50000"/>
+              </a:schemeClr>
+            </a:lnRef>
+            <a:fillRef idx="1">
+              <a:schemeClr val="accent1"/>
+            </a:fillRef>
+            <a:effectRef idx="0">
+              <a:schemeClr val="accent1"/>
+            </a:effectRef>
+            <a:fontRef idx="minor">
+              <a:schemeClr val="lt1"/>
+            </a:fontRef>
+          </p:style>
+          <p:txBody>
+            <a:bodyPr rtlCol="0" anchor="ctr"/>
+            <a:lstStyle/>
+            <a:p>
+              <a:pPr algn="ctr"/>
+              <a:endParaRPr lang="fr-FR"/>
+            </a:p>
+          </p:txBody>
+        </p:sp>
+      </p:grpSp>
+      <p:sp>
+        <p:nvSpPr>
+          <p:cNvPr id="15" name="Subtitle 2">
+            <a:extLst>
+              <a:ext uri="{FF2B5EF4-FFF2-40B4-BE49-F238E27FC236}">
+                <a16:creationId xmlns:a16="http://schemas.microsoft.com/office/drawing/2014/main" id="{3A78FA13-AC9F-47B6-87F4-D7D64D1358A9}"/>
+              </a:ext>
+            </a:extLst>
+          </p:cNvPr>
+          <p:cNvSpPr txBox="1">
+            <a:spLocks/>
+          </p:cNvSpPr>
+          <p:nvPr/>
+        </p:nvSpPr>
+        <p:spPr>
+          <a:xfrm>
+            <a:off x="305336" y="1312781"/>
+            <a:ext cx="5148087" cy="4896344"/>
+          </a:xfrm>
+          <a:prstGeom prst="rect">
+            <a:avLst/>
+          </a:prstGeom>
+        </p:spPr>
+        <p:txBody>
+          <a:bodyPr vert="horz" lIns="243744" tIns="121869" rIns="243744" bIns="121869" rtlCol="0">
+            <a:noAutofit/>
+          </a:bodyPr>
+          <a:lstStyle>
+            <a:lvl1pPr marL="342900" indent="-342900" algn="l" defTabSz="457200" rtl="0" eaLnBrk="1" latinLnBrk="0" hangingPunct="1">
+              <a:spcBef>
+                <a:spcPct val="20000"/>
+              </a:spcBef>
+              <a:buFont typeface="Arial"/>
+              <a:buChar char="•"/>
+              <a:defRPr sz="3200" kern="1200">
+                <a:solidFill>
+                  <a:schemeClr val="tx1"/>
+                </a:solidFill>
+                <a:latin typeface="+mn-lt"/>
+                <a:ea typeface="+mn-ea"/>
+                <a:cs typeface="+mn-cs"/>
+              </a:defRPr>
+            </a:lvl1pPr>
+            <a:lvl2pPr marL="742950" indent="-285750" algn="l" defTabSz="457200" rtl="0" eaLnBrk="1" latinLnBrk="0" hangingPunct="1">
+              <a:spcBef>
+                <a:spcPct val="20000"/>
+              </a:spcBef>
+              <a:buFont typeface="Arial"/>
+              <a:buChar char="–"/>
+              <a:defRPr sz="2800" kern="1200">
+                <a:solidFill>
+                  <a:schemeClr val="tx1"/>
+                </a:solidFill>
+                <a:latin typeface="+mn-lt"/>
+                <a:ea typeface="+mn-ea"/>
+                <a:cs typeface="+mn-cs"/>
+              </a:defRPr>
+            </a:lvl2pPr>
+            <a:lvl3pPr marL="1143000" indent="-228600" algn="l" defTabSz="457200" rtl="0" eaLnBrk="1" latinLnBrk="0" hangingPunct="1">
+              <a:spcBef>
+                <a:spcPct val="20000"/>
+              </a:spcBef>
+              <a:buFont typeface="Arial"/>
+              <a:buChar char="•"/>
+              <a:defRPr sz="2400" kern="1200">
+                <a:solidFill>
+                  <a:schemeClr val="tx1"/>
+                </a:solidFill>
+                <a:latin typeface="+mn-lt"/>
+                <a:ea typeface="+mn-ea"/>
+                <a:cs typeface="+mn-cs"/>
+              </a:defRPr>
+            </a:lvl3pPr>
+            <a:lvl4pPr marL="1600200" indent="-228600" algn="l" defTabSz="457200" rtl="0" eaLnBrk="1" latinLnBrk="0" hangingPunct="1">
+              <a:spcBef>
+                <a:spcPct val="20000"/>
+              </a:spcBef>
+              <a:buFont typeface="Arial"/>
+              <a:buChar char="–"/>
+              <a:defRPr sz="2000" kern="1200">
+                <a:solidFill>
+                  <a:schemeClr val="tx1"/>
+                </a:solidFill>
+                <a:latin typeface="+mn-lt"/>
+                <a:ea typeface="+mn-ea"/>
+                <a:cs typeface="+mn-cs"/>
+              </a:defRPr>
+            </a:lvl4pPr>
+            <a:lvl5pPr marL="2057400" indent="-228600" algn="l" defTabSz="457200" rtl="0" eaLnBrk="1" latinLnBrk="0" hangingPunct="1">
+              <a:spcBef>
+                <a:spcPct val="20000"/>
+              </a:spcBef>
+              <a:buFont typeface="Arial"/>
+              <a:buChar char="»"/>
+              <a:defRPr sz="2000" kern="1200">
+                <a:solidFill>
+                  <a:schemeClr val="tx1"/>
+                </a:solidFill>
+                <a:latin typeface="+mn-lt"/>
+                <a:ea typeface="+mn-ea"/>
+                <a:cs typeface="+mn-cs"/>
+              </a:defRPr>
+            </a:lvl5pPr>
+            <a:lvl6pPr marL="2514600" indent="-228600" algn="l" defTabSz="457200" rtl="0" eaLnBrk="1" latinLnBrk="0" hangingPunct="1">
+              <a:spcBef>
+                <a:spcPct val="20000"/>
+              </a:spcBef>
+              <a:buFont typeface="Arial"/>
+              <a:buChar char="•"/>
+              <a:defRPr sz="2000" kern="1200">
+                <a:solidFill>
+                  <a:schemeClr val="tx1"/>
+                </a:solidFill>
+                <a:latin typeface="+mn-lt"/>
+                <a:ea typeface="+mn-ea"/>
+                <a:cs typeface="+mn-cs"/>
+              </a:defRPr>
+            </a:lvl6pPr>
+            <a:lvl7pPr marL="2971800" indent="-228600" algn="l" defTabSz="457200" rtl="0" eaLnBrk="1" latinLnBrk="0" hangingPunct="1">
+              <a:spcBef>
+                <a:spcPct val="20000"/>
+              </a:spcBef>
+              <a:buFont typeface="Arial"/>
+              <a:buChar char="•"/>
+              <a:defRPr sz="2000" kern="1200">
+                <a:solidFill>
+                  <a:schemeClr val="tx1"/>
+                </a:solidFill>
+                <a:latin typeface="+mn-lt"/>
+                <a:ea typeface="+mn-ea"/>
+                <a:cs typeface="+mn-cs"/>
+              </a:defRPr>
+            </a:lvl7pPr>
+            <a:lvl8pPr marL="3429000" indent="-228600" algn="l" defTabSz="457200" rtl="0" eaLnBrk="1" latinLnBrk="0" hangingPunct="1">
+              <a:spcBef>
+                <a:spcPct val="20000"/>
+              </a:spcBef>
+              <a:buFont typeface="Arial"/>
+              <a:buChar char="•"/>
+              <a:defRPr sz="2000" kern="1200">
+                <a:solidFill>
+                  <a:schemeClr val="tx1"/>
+                </a:solidFill>
+                <a:latin typeface="+mn-lt"/>
+                <a:ea typeface="+mn-ea"/>
+                <a:cs typeface="+mn-cs"/>
+              </a:defRPr>
+            </a:lvl8pPr>
+            <a:lvl9pPr marL="3886200" indent="-228600" algn="l" defTabSz="457200" rtl="0" eaLnBrk="1" latinLnBrk="0" hangingPunct="1">
+              <a:spcBef>
+                <a:spcPct val="20000"/>
+              </a:spcBef>
+              <a:buFont typeface="Arial"/>
+              <a:buChar char="•"/>
+              <a:defRPr sz="2000" kern="1200">
+                <a:solidFill>
+                  <a:schemeClr val="tx1"/>
+                </a:solidFill>
+                <a:latin typeface="+mn-lt"/>
+                <a:ea typeface="+mn-ea"/>
+                <a:cs typeface="+mn-cs"/>
+              </a:defRPr>
+            </a:lvl9pPr>
+          </a:lstStyle>
+          <a:p>
+            <a:pPr marL="0" indent="0">
+              <a:buNone/>
+            </a:pPr>
+            <a:r>
+              <a:rPr lang="fr-FR" sz="2000" dirty="0" smtClean="0">
+                <a:solidFill>
+                  <a:schemeClr val="tx2"/>
+                </a:solidFill>
+                <a:latin typeface="Lato Regular"/>
+                <a:cs typeface="Lato Regular"/>
+              </a:rPr>
+              <a:t>Scénario</a:t>
+            </a:r>
+            <a:endParaRPr lang="fr-FR" sz="1800" dirty="0">
+              <a:solidFill>
+                <a:schemeClr val="tx2"/>
+              </a:solidFill>
+              <a:latin typeface="Lato Regular"/>
+              <a:cs typeface="Lato Regular"/>
+            </a:endParaRPr>
+          </a:p>
+          <a:p>
+            <a:pPr marL="0" indent="0">
+              <a:buNone/>
+            </a:pPr>
+            <a:endParaRPr lang="fr-FR" sz="1600" dirty="0">
+              <a:solidFill>
+                <a:schemeClr val="tx2"/>
+              </a:solidFill>
+              <a:latin typeface="Lato Light"/>
+              <a:cs typeface="Lato Light"/>
+            </a:endParaRPr>
+          </a:p>
+        </p:txBody>
+      </p:sp>
+      <p:sp>
+        <p:nvSpPr>
+          <p:cNvPr id="2" name="Rectangle 1"/>
+          <p:cNvSpPr/>
+          <p:nvPr/>
+        </p:nvSpPr>
+        <p:spPr>
+          <a:xfrm>
+            <a:off x="829235" y="2001869"/>
+            <a:ext cx="6096000" cy="1477328"/>
+          </a:xfrm>
+          <a:prstGeom prst="rect">
+            <a:avLst/>
+          </a:prstGeom>
+        </p:spPr>
+        <p:txBody>
+          <a:bodyPr>
+            <a:spAutoFit/>
+          </a:bodyPr>
+          <a:lstStyle/>
+          <a:p>
+            <a:r>
+              <a:rPr lang="fr-FR" dirty="0">
+                <a:latin typeface="Lato Light" panose="020F0502020204030203" pitchFamily="34" charset="0"/>
+                <a:ea typeface="Lato Light" panose="020F0502020204030203" pitchFamily="34" charset="0"/>
+                <a:cs typeface="Lato Light" panose="020F0502020204030203" pitchFamily="34" charset="0"/>
+              </a:rPr>
+              <a:t>"Nous voilà rassurés, notre application est tolérante aux défaillances techniques, on va pouvoir aller en production beaucoup plus confiant! En plus, on a même pu challenger nos TU et récupérer des </a:t>
+            </a:r>
+            <a:r>
+              <a:rPr lang="fr-FR" dirty="0" smtClean="0">
+                <a:latin typeface="Lato Light" panose="020F0502020204030203" pitchFamily="34" charset="0"/>
+                <a:ea typeface="Lato Light" panose="020F0502020204030203" pitchFamily="34" charset="0"/>
+                <a:cs typeface="Lato Light" panose="020F0502020204030203" pitchFamily="34" charset="0"/>
+              </a:rPr>
+              <a:t>métriques de charge et de performance </a:t>
+            </a:r>
+            <a:r>
+              <a:rPr lang="fr-FR" dirty="0">
+                <a:latin typeface="Lato Light" panose="020F0502020204030203" pitchFamily="34" charset="0"/>
+                <a:ea typeface="Lato Light" panose="020F0502020204030203" pitchFamily="34" charset="0"/>
+                <a:cs typeface="Lato Light" panose="020F0502020204030203" pitchFamily="34" charset="0"/>
+              </a:rPr>
+              <a:t>au passage ! "</a:t>
+            </a:r>
+          </a:p>
+        </p:txBody>
+      </p:sp>
+    </p:spTree>
+    <p:extLst>
+      <p:ext uri="{BB962C8B-B14F-4D97-AF65-F5344CB8AC3E}">
+        <p14:creationId xmlns:p14="http://schemas.microsoft.com/office/powerpoint/2010/main" val="1716394443"/>
+      </p:ext>
+    </p:extLst>
+  </p:cSld>
+  <p:clrMapOvr>
+    <a:masterClrMapping/>
+  </p:clrMapOvr>
+  <p:timing>
+    <p:tnLst>
+      <p:par>
+        <p:cTn id="1" dur="indefinite" restart="never" nodeType="tmRoot"/>
+      </p:par>
+    </p:tnLst>
+  </p:timing>
+</p:sld>
+</file>
+
+<file path=ppt/slides/slide31.xml><?xml version="1.0" encoding="utf-8"?>
+<p:sld xmlns:a="http://schemas.openxmlformats.org/drawingml/2006/main" xmlns:r="http://schemas.openxmlformats.org/officeDocument/2006/relationships" xmlns:p="http://schemas.openxmlformats.org/presentationml/2006/main">
+  <p:cSld>
+    <p:spTree>
+      <p:nvGrpSpPr>
+        <p:cNvPr id="1" name=""/>
+        <p:cNvGrpSpPr/>
+        <p:nvPr/>
+      </p:nvGrpSpPr>
+      <p:grpSpPr>
+        <a:xfrm>
+          <a:off x="0" y="0"/>
+          <a:ext cx="0" cy="0"/>
+          <a:chOff x="0" y="0"/>
+          <a:chExt cx="0" cy="0"/>
+        </a:xfrm>
+      </p:grpSpPr>
+      <p:grpSp>
+        <p:nvGrpSpPr>
+          <p:cNvPr id="202" name="Groupe 201"/>
+          <p:cNvGrpSpPr/>
+          <p:nvPr/>
+        </p:nvGrpSpPr>
+        <p:grpSpPr>
+          <a:xfrm>
+            <a:off x="0" y="73772"/>
+            <a:ext cx="2943332" cy="883356"/>
+            <a:chOff x="0" y="-9760"/>
+            <a:chExt cx="2357120" cy="785565"/>
+          </a:xfrm>
+        </p:grpSpPr>
+        <p:sp>
+          <p:nvSpPr>
+            <p:cNvPr id="203" name="ZoneTexte 202"/>
+            <p:cNvSpPr txBox="1"/>
+            <p:nvPr/>
+          </p:nvSpPr>
+          <p:spPr>
+            <a:xfrm>
+              <a:off x="109500" y="-9760"/>
+              <a:ext cx="2108157" cy="629520"/>
+            </a:xfrm>
+            <a:prstGeom prst="rect">
+              <a:avLst/>
+            </a:prstGeom>
+            <a:noFill/>
+          </p:spPr>
+          <p:txBody>
+            <a:bodyPr wrap="none" rtlCol="0">
+              <a:spAutoFit/>
+            </a:bodyPr>
+            <a:lstStyle/>
+            <a:p>
+              <a:r>
+                <a:rPr lang="fr-FR" sz="4000" b="1" dirty="0" smtClean="0">
+                  <a:latin typeface="Lato Regular" panose="020F0502020204030203" pitchFamily="34" charset="0"/>
+                  <a:ea typeface="Lato Regular" panose="020F0502020204030203" pitchFamily="34" charset="0"/>
+                  <a:cs typeface="Lato Regular" panose="020F0502020204030203" pitchFamily="34" charset="0"/>
+                </a:rPr>
+                <a:t>Conclusion</a:t>
+              </a:r>
+              <a:endParaRPr lang="fr-FR" sz="3600" b="1" dirty="0">
+                <a:latin typeface="Lato Regular" panose="020F0502020204030203" pitchFamily="34" charset="0"/>
+                <a:ea typeface="Lato Regular" panose="020F0502020204030203" pitchFamily="34" charset="0"/>
+                <a:cs typeface="Lato Regular" panose="020F0502020204030203" pitchFamily="34" charset="0"/>
+              </a:endParaRPr>
+            </a:p>
+          </p:txBody>
+        </p:sp>
+        <p:sp>
+          <p:nvSpPr>
+            <p:cNvPr id="204" name="Rectangle 203"/>
+            <p:cNvSpPr/>
+            <p:nvPr/>
+          </p:nvSpPr>
+          <p:spPr>
+            <a:xfrm>
+              <a:off x="0" y="619760"/>
+              <a:ext cx="2357120" cy="156045"/>
+            </a:xfrm>
+            <a:prstGeom prst="rect">
+              <a:avLst/>
+            </a:prstGeom>
+            <a:solidFill>
+              <a:srgbClr val="438721"/>
+            </a:solidFill>
+            <a:ln>
+              <a:noFill/>
+            </a:ln>
+          </p:spPr>
+          <p:style>
+            <a:lnRef idx="2">
+              <a:schemeClr val="accent1">
+                <a:shade val="50000"/>
+              </a:schemeClr>
+            </a:lnRef>
+            <a:fillRef idx="1">
+              <a:schemeClr val="accent1"/>
+            </a:fillRef>
+            <a:effectRef idx="0">
+              <a:schemeClr val="accent1"/>
+            </a:effectRef>
+            <a:fontRef idx="minor">
+              <a:schemeClr val="lt1"/>
+            </a:fontRef>
+          </p:style>
+          <p:txBody>
+            <a:bodyPr rtlCol="0" anchor="ctr"/>
+            <a:lstStyle/>
+            <a:p>
+              <a:pPr algn="ctr"/>
+              <a:endParaRPr lang="fr-FR"/>
+            </a:p>
+          </p:txBody>
+        </p:sp>
+      </p:grpSp>
+      <p:sp>
+        <p:nvSpPr>
+          <p:cNvPr id="13" name="ZoneTexte 12"/>
+          <p:cNvSpPr txBox="1"/>
+          <p:nvPr/>
+        </p:nvSpPr>
+        <p:spPr>
+          <a:xfrm>
+            <a:off x="837274" y="1665014"/>
+            <a:ext cx="10102275" cy="1323439"/>
+          </a:xfrm>
+          <a:prstGeom prst="rect">
+            <a:avLst/>
+          </a:prstGeom>
+          <a:noFill/>
+        </p:spPr>
+        <p:txBody>
+          <a:bodyPr wrap="square" rtlCol="0">
+            <a:spAutoFit/>
+          </a:bodyPr>
+          <a:lstStyle/>
+          <a:p>
+            <a:pPr marL="571500" indent="-571500">
+              <a:buFont typeface="Arial" panose="020B0604020202020204" pitchFamily="34" charset="0"/>
+              <a:buChar char="•"/>
+            </a:pPr>
+            <a:r>
+              <a:rPr lang="fr-FR" sz="2000" dirty="0" smtClean="0">
+                <a:solidFill>
+                  <a:schemeClr val="tx2"/>
+                </a:solidFill>
+                <a:latin typeface="Lato Light"/>
+                <a:cs typeface="Lato Light"/>
+              </a:rPr>
+              <a:t>Analyse et amélioration de notre patrimoine de TU</a:t>
+            </a:r>
+          </a:p>
+          <a:p>
+            <a:pPr marL="571500" indent="-571500">
+              <a:buFont typeface="Arial" panose="020B0604020202020204" pitchFamily="34" charset="0"/>
+              <a:buChar char="•"/>
+            </a:pPr>
+            <a:r>
+              <a:rPr lang="fr-FR" sz="2000" dirty="0" smtClean="0">
+                <a:solidFill>
+                  <a:schemeClr val="tx2"/>
+                </a:solidFill>
+                <a:latin typeface="Lato Light"/>
+                <a:cs typeface="Lato Light"/>
+              </a:rPr>
+              <a:t>Récupération de métriques de charge et de performances</a:t>
+            </a:r>
+          </a:p>
+          <a:p>
+            <a:pPr marL="571500" indent="-571500">
+              <a:buFont typeface="Arial" panose="020B0604020202020204" pitchFamily="34" charset="0"/>
+              <a:buChar char="•"/>
+            </a:pPr>
+            <a:r>
+              <a:rPr lang="fr-FR" sz="2000" dirty="0" smtClean="0">
+                <a:solidFill>
+                  <a:schemeClr val="tx2"/>
+                </a:solidFill>
+                <a:latin typeface="Lato Light"/>
+                <a:cs typeface="Lato Light"/>
+              </a:rPr>
+              <a:t>Mise à l’épreuve de la tolérance aux pannes de notre applicatif</a:t>
+            </a:r>
+          </a:p>
+          <a:p>
+            <a:pPr marL="571500" indent="-571500">
+              <a:buFont typeface="Arial" panose="020B0604020202020204" pitchFamily="34" charset="0"/>
+              <a:buChar char="•"/>
+            </a:pPr>
+            <a:r>
+              <a:rPr lang="fr-FR" sz="2000" dirty="0" smtClean="0">
+                <a:solidFill>
+                  <a:schemeClr val="tx2"/>
+                </a:solidFill>
+                <a:latin typeface="Lato Light"/>
+                <a:cs typeface="Lato Light"/>
+              </a:rPr>
+              <a:t>Mise en place d’une solution technique pour palier aux problèmes rencontrés</a:t>
+            </a:r>
+          </a:p>
+        </p:txBody>
+      </p:sp>
+    </p:spTree>
+    <p:extLst>
+      <p:ext uri="{BB962C8B-B14F-4D97-AF65-F5344CB8AC3E}">
+        <p14:creationId xmlns:p14="http://schemas.microsoft.com/office/powerpoint/2010/main" val="3436594653"/>
+      </p:ext>
+    </p:extLst>
+  </p:cSld>
+  <p:clrMapOvr>
+    <a:masterClrMapping/>
+  </p:clrMapOvr>
+  <p:timing>
+    <p:tnLst>
+      <p:par>
+        <p:cTn id="1" dur="indefinite" restart="never" nodeType="tmRoot"/>
+      </p:par>
+    </p:tnLst>
+  </p:timing>
+</p:sld>
+</file>
+
+<file path=ppt/slides/slide32.xml><?xml version="1.0" encoding="utf-8"?>
+<p:sld xmlns:a="http://schemas.openxmlformats.org/drawingml/2006/main" xmlns:r="http://schemas.openxmlformats.org/officeDocument/2006/relationships" xmlns:p="http://schemas.openxmlformats.org/presentationml/2006/main">
+  <p:cSld>
+    <p:spTree>
+      <p:nvGrpSpPr>
+        <p:cNvPr id="1" name=""/>
+        <p:cNvGrpSpPr/>
+        <p:nvPr/>
+      </p:nvGrpSpPr>
+      <p:grpSpPr>
+        <a:xfrm>
+          <a:off x="0" y="0"/>
+          <a:ext cx="0" cy="0"/>
+          <a:chOff x="0" y="0"/>
+          <a:chExt cx="0" cy="0"/>
+        </a:xfrm>
+      </p:grpSpPr>
       <p:sp>
         <p:nvSpPr>
           <p:cNvPr id="195" name="ZoneTexte 194"/>
@@ -19653,7 +21611,7 @@
 </p:sld>
 </file>
 
-<file path=ppt/slides/slide31.xml><?xml version="1.0" encoding="utf-8"?>
+<file path=ppt/slides/slide33.xml><?xml version="1.0" encoding="utf-8"?>
 <p:sld xmlns:a="http://schemas.openxmlformats.org/drawingml/2006/main" xmlns:r="http://schemas.openxmlformats.org/officeDocument/2006/relationships" xmlns:p="http://schemas.openxmlformats.org/presentationml/2006/main">
   <p:cSld>
     <p:spTree>
@@ -21762,28 +23720,22 @@
       </p:sp>
       <p:pic>
         <p:nvPicPr>
-          <p:cNvPr id="4" name="Image 3"/>
+          <p:cNvPr id="2" name="Image 1"/>
           <p:cNvPicPr>
             <a:picLocks noChangeAspect="1"/>
           </p:cNvPicPr>
           <p:nvPr/>
         </p:nvPicPr>
         <p:blipFill>
-          <a:blip r:embed="rId3" cstate="print">
-            <a:extLst>
-              <a:ext uri="{28A0092B-C50C-407E-A947-70E740481C1C}">
-                <a14:useLocalDpi xmlns:a14="http://schemas.microsoft.com/office/drawing/2010/main" val="0"/>
-              </a:ext>
-            </a:extLst>
-          </a:blip>
+          <a:blip r:embed="rId3"/>
           <a:stretch>
             <a:fillRect/>
           </a:stretch>
         </p:blipFill>
         <p:spPr>
           <a:xfrm>
-            <a:off x="3502429" y="668692"/>
-            <a:ext cx="7699649" cy="5385744"/>
+            <a:off x="2067098" y="1014523"/>
+            <a:ext cx="7753004" cy="5105759"/>
           </a:xfrm>
           <a:prstGeom prst="rect">
             <a:avLst/>

--- a/Hands-On -Chaos - SLIDES.pptx
+++ b/Hands-On -Chaos - SLIDES.pptx
@@ -14,20 +14,20 @@
   <p:sldIdLst>
     <p:sldId id="288" r:id="rId3"/>
     <p:sldId id="358" r:id="rId4"/>
-    <p:sldId id="309" r:id="rId5"/>
-    <p:sldId id="330" r:id="rId6"/>
-    <p:sldId id="315" r:id="rId7"/>
-    <p:sldId id="332" r:id="rId8"/>
-    <p:sldId id="351" r:id="rId9"/>
-    <p:sldId id="339" r:id="rId10"/>
-    <p:sldId id="334" r:id="rId11"/>
-    <p:sldId id="357" r:id="rId12"/>
+    <p:sldId id="357" r:id="rId5"/>
+    <p:sldId id="309" r:id="rId6"/>
+    <p:sldId id="330" r:id="rId7"/>
+    <p:sldId id="315" r:id="rId8"/>
+    <p:sldId id="332" r:id="rId9"/>
+    <p:sldId id="351" r:id="rId10"/>
+    <p:sldId id="339" r:id="rId11"/>
+    <p:sldId id="334" r:id="rId12"/>
     <p:sldId id="354" r:id="rId13"/>
     <p:sldId id="356" r:id="rId14"/>
-    <p:sldId id="355" r:id="rId15"/>
-    <p:sldId id="352" r:id="rId16"/>
-    <p:sldId id="336" r:id="rId17"/>
-    <p:sldId id="337" r:id="rId18"/>
+    <p:sldId id="336" r:id="rId15"/>
+    <p:sldId id="337" r:id="rId16"/>
+    <p:sldId id="362" r:id="rId17"/>
+    <p:sldId id="363" r:id="rId18"/>
     <p:sldId id="338" r:id="rId19"/>
     <p:sldId id="340" r:id="rId20"/>
     <p:sldId id="359" r:id="rId21"/>
@@ -154,6 +154,7 @@
         <p14:section name="Section sans titre" id="{5FBE1BC4-5812-4333-B6FB-CF2D811B5406}">
           <p14:sldIdLst>
             <p14:sldId id="358"/>
+            <p14:sldId id="357"/>
             <p14:sldId id="309"/>
             <p14:sldId id="330"/>
             <p14:sldId id="315"/>
@@ -161,13 +162,12 @@
             <p14:sldId id="351"/>
             <p14:sldId id="339"/>
             <p14:sldId id="334"/>
-            <p14:sldId id="357"/>
             <p14:sldId id="354"/>
             <p14:sldId id="356"/>
-            <p14:sldId id="355"/>
-            <p14:sldId id="352"/>
             <p14:sldId id="336"/>
             <p14:sldId id="337"/>
+            <p14:sldId id="362"/>
+            <p14:sldId id="363"/>
             <p14:sldId id="338"/>
             <p14:sldId id="340"/>
             <p14:sldId id="359"/>
@@ -292,7 +292,7 @@
           <a:p>
             <a:fld id="{BCD16842-9240-4F97-A128-A3FC2E90277F}" type="datetimeFigureOut">
               <a:rPr lang="fr-FR" smtClean="0"/>
-              <a:t>17/01/2020</a:t>
+              <a:t>18/01/2020</a:t>
             </a:fld>
             <a:endParaRPr lang="fr-FR"/>
           </a:p>
@@ -457,7 +457,7 @@
           <a:p>
             <a:fld id="{066C0EB5-041C-4328-9080-E341B2C6238F}" type="datetimeFigureOut">
               <a:rPr lang="fr-FR" smtClean="0"/>
-              <a:t>17/01/2020</a:t>
+              <a:t>18/01/2020</a:t>
             </a:fld>
             <a:endParaRPr lang="fr-FR"/>
           </a:p>
@@ -770,112 +770,26 @@
           <a:lstStyle/>
           <a:p>
             <a:r>
+              <a:rPr lang="fr-FR" dirty="0">
+                <a:hlinkClick r:id="rId3"/>
+              </a:rPr>
+              <a:t>https://</a:t>
+            </a:r>
+            <a:r>
+              <a:rPr lang="fr-FR" dirty="0" smtClean="0">
+                <a:hlinkClick r:id="rId3"/>
+              </a:rPr>
+              <a:t>assistant-us-south.watsonplatform.net/eu-gb/000c8e94-bdeb-4038-adb8-f6c3132eb7b6/workspaces/ed0bdd7c-aff6-4a08-ab19-0c529ae2d11a/build/intents</a:t>
+            </a:r>
+            <a:r>
               <a:rPr lang="fr-FR" dirty="0" smtClean="0"/>
-              <a:t>En psychologie, le concept de résilience ou « l’art de naviguer entre les torrents », est introduit en France par Boris </a:t>
-            </a:r>
-            <a:r>
-              <a:rPr lang="fr-FR" dirty="0" err="1" smtClean="0"/>
-              <a:t>Cyrulnik</a:t>
-            </a:r>
+              <a:t> </a:t>
+            </a:r>
+          </a:p>
+          <a:p>
             <a:r>
               <a:rPr lang="fr-FR" dirty="0" smtClean="0"/>
-              <a:t>.</a:t>
-            </a:r>
-          </a:p>
-          <a:p>
-            <a:r>
-              <a:rPr lang="fr-FR" dirty="0" smtClean="0"/>
-              <a:t>Il</a:t>
-            </a:r>
-            <a:r>
-              <a:rPr lang="fr-FR" baseline="0" dirty="0" smtClean="0"/>
-              <a:t> dit « </a:t>
-            </a:r>
-            <a:r>
-              <a:rPr lang="fr-FR" dirty="0" smtClean="0"/>
-              <a:t>La résilience est un processus, pas un état. »</a:t>
-            </a:r>
-          </a:p>
-          <a:p>
-            <a:r>
-              <a:rPr lang="fr-FR" dirty="0" smtClean="0"/>
-              <a:t>Ca va nous intéresser parce que justement le but de ce </a:t>
-            </a:r>
-            <a:r>
-              <a:rPr lang="fr-FR" dirty="0" err="1" smtClean="0"/>
-              <a:t>codelab</a:t>
-            </a:r>
-            <a:r>
-              <a:rPr lang="fr-FR" dirty="0" smtClean="0"/>
-              <a:t> c’est de se placer dans ce processus de résilience.</a:t>
-            </a:r>
-          </a:p>
-          <a:p>
-            <a:r>
-              <a:rPr lang="fr-FR" dirty="0" err="1" smtClean="0"/>
-              <a:t>Parceque</a:t>
-            </a:r>
-            <a:r>
-              <a:rPr lang="fr-FR" dirty="0" smtClean="0"/>
-              <a:t> le terme résilience n’est pas seulement utilisé en psychologie</a:t>
-            </a:r>
-            <a:r>
-              <a:rPr lang="fr-FR" baseline="0" dirty="0" smtClean="0"/>
-              <a:t> et peux </a:t>
-            </a:r>
-            <a:r>
-              <a:rPr lang="fr-FR" baseline="0" dirty="0" err="1" smtClean="0"/>
-              <a:t>etre</a:t>
-            </a:r>
-            <a:r>
-              <a:rPr lang="fr-FR" baseline="0" dirty="0" smtClean="0"/>
-              <a:t> utilisé dans nos métiers.</a:t>
-            </a:r>
-            <a:endParaRPr lang="fr-FR" dirty="0" smtClean="0"/>
-          </a:p>
-          <a:p>
-            <a:endParaRPr lang="fr-FR" dirty="0" smtClean="0"/>
-          </a:p>
-          <a:p>
-            <a:r>
-              <a:rPr lang="fr-FR" dirty="0" smtClean="0"/>
-              <a:t>« Ce qui ne nous tue pas.. . »,</a:t>
-            </a:r>
-            <a:r>
-              <a:rPr lang="fr-FR" baseline="0" dirty="0" smtClean="0"/>
-              <a:t> c’est le nom d’une conférence donnée par Boris </a:t>
-            </a:r>
-            <a:r>
-              <a:rPr lang="fr-FR" baseline="0" dirty="0" err="1" smtClean="0"/>
-              <a:t>Cyrulnik</a:t>
-            </a:r>
-            <a:r>
-              <a:rPr lang="fr-FR" baseline="0" dirty="0" smtClean="0"/>
-              <a:t> d’ailleurs.. Et les 3 petits points sont important &gt;&gt;</a:t>
-            </a:r>
-            <a:r>
-              <a:rPr lang="fr-FR" dirty="0" smtClean="0"/>
-              <a:t> (... nous rend plus fort. Mais c'est faux ! Chaque traumatisme laisse une trace traumatique. Y compris pour ce qui nous concerne, à savoir nos systèmes et applis.) * * Et pour nos applis, cela a de vrais impacts : une BDD corrompue, un serveur front en carafe.. cela cause un préjudice à l'utilisateur final qui va aller voir une appli concurrente, et/ou cela va générer de la frustration.</a:t>
-            </a:r>
-          </a:p>
-          <a:p>
-            <a:endParaRPr lang="fr-FR" dirty="0" smtClean="0"/>
-          </a:p>
-          <a:p>
-            <a:r>
-              <a:rPr lang="fr-FR" dirty="0" smtClean="0"/>
-              <a:t>On pensera souvent qu'un système résilient, c'est un système qui empêchera - prenons un exemple - un virus d'infecter ce système. Mais ce n'est pas ça. Un système résilient c'est un système qui, s'il a été infecté, s'il a subit un "traumatisme", saura s'en remettre (avec éventuellement un petit coup de pouce extérieur).</a:t>
-            </a:r>
-            <a:r>
-              <a:rPr lang="fr-FR" baseline="0" dirty="0" smtClean="0"/>
-              <a:t> </a:t>
-            </a:r>
-            <a:br>
-              <a:rPr lang="fr-FR" baseline="0" dirty="0" smtClean="0"/>
-            </a:br>
-            <a:r>
-              <a:rPr lang="fr-FR" dirty="0" smtClean="0"/>
-              <a:t>Après un traumatisme, on a deux choix - dont la gravité est ressentie différemment selon les individus, en psychologie. Soit on rumine, seul dans son coin et on accroit le problème (pour un SI ou une appli, on peut faire un parallèle avec les pseudos verrues logicielles ou simplement de faire comme si rien n'était arrivé, et on a toutes les chances que le problème refasse surface et de générer des irritants récurrents, et personne ne veut de ça). La deuxième possibilité est d'en parler, de le sublimer ! Cette capacité adaptative impacte positivement nos systèmes et applis.</a:t>
+              <a:t>Alors Polo on se connecte à IBM ? ? ?</a:t>
             </a:r>
             <a:endParaRPr lang="fr-FR" dirty="0"/>
           </a:p>
@@ -907,7 +821,7 @@
     </p:spTree>
     <p:extLst>
       <p:ext uri="{BB962C8B-B14F-4D97-AF65-F5344CB8AC3E}">
-        <p14:creationId xmlns:p14="http://schemas.microsoft.com/office/powerpoint/2010/main" val="960408799"/>
+        <p14:creationId xmlns:p14="http://schemas.microsoft.com/office/powerpoint/2010/main" val="641554877"/>
       </p:ext>
     </p:extLst>
   </p:cSld>
@@ -1088,7 +1002,7 @@
           <a:p>
             <a:fld id="{B35DA622-522A-4B17-9AC4-B01778B7071C}" type="slidenum">
               <a:rPr lang="fr-FR" smtClean="0"/>
-              <a:t>20</a:t>
+              <a:t>18</a:t>
             </a:fld>
             <a:endParaRPr lang="fr-FR"/>
           </a:p>
@@ -1097,7 +1011,7 @@
     </p:spTree>
     <p:extLst>
       <p:ext uri="{BB962C8B-B14F-4D97-AF65-F5344CB8AC3E}">
-        <p14:creationId xmlns:p14="http://schemas.microsoft.com/office/powerpoint/2010/main" val="756962261"/>
+        <p14:creationId xmlns:p14="http://schemas.microsoft.com/office/powerpoint/2010/main" val="1516938095"/>
       </p:ext>
     </p:extLst>
   </p:cSld>
@@ -1153,20 +1067,110 @@
           <a:p>
             <a:r>
               <a:rPr lang="fr-FR" dirty="0" smtClean="0"/>
-              <a:t>Je</a:t>
+              <a:t>Chaos</a:t>
             </a:r>
             <a:r>
               <a:rPr lang="fr-FR" baseline="0" dirty="0" smtClean="0"/>
-              <a:t> vais rajouter un </a:t>
+              <a:t> </a:t>
             </a:r>
             <a:r>
               <a:rPr lang="fr-FR" baseline="0" dirty="0" err="1" smtClean="0"/>
-              <a:t>screen</a:t>
+              <a:t>monkey</a:t>
             </a:r>
             <a:r>
               <a:rPr lang="fr-FR" baseline="0" dirty="0" smtClean="0"/>
-              <a:t> ce soir</a:t>
-            </a:r>
+              <a:t> : outil </a:t>
+            </a:r>
+            <a:r>
+              <a:rPr lang="fr-FR" baseline="0" dirty="0" err="1" smtClean="0"/>
+              <a:t>netflix</a:t>
+            </a:r>
+            <a:r>
+              <a:rPr lang="fr-FR" baseline="0" dirty="0" smtClean="0"/>
+              <a:t> pour tester la résilience</a:t>
+            </a:r>
+          </a:p>
+          <a:p>
+            <a:r>
+              <a:rPr lang="fr-FR" baseline="0" dirty="0" smtClean="0"/>
+              <a:t>Si une appli fonctionne avec des pannes </a:t>
+            </a:r>
+            <a:r>
+              <a:rPr lang="fr-FR" baseline="0" dirty="0" err="1" smtClean="0"/>
+              <a:t>aleatoire</a:t>
+            </a:r>
+            <a:r>
+              <a:rPr lang="fr-FR" baseline="0" dirty="0" smtClean="0"/>
+              <a:t>, elle fonctionnera le jour ou une vrai panne arrivera</a:t>
+            </a:r>
+          </a:p>
+          <a:p>
+            <a:r>
+              <a:rPr lang="fr-FR" baseline="0" dirty="0" err="1" smtClean="0"/>
+              <a:t>Ajd</a:t>
+            </a:r>
+            <a:r>
+              <a:rPr lang="fr-FR" baseline="0" dirty="0" smtClean="0"/>
+              <a:t>, les applis vont forcement tomber en panne</a:t>
+            </a:r>
+          </a:p>
+          <a:p>
+            <a:r>
+              <a:rPr lang="fr-FR" baseline="0" dirty="0" smtClean="0"/>
+              <a:t>Utiliser en </a:t>
+            </a:r>
+            <a:r>
+              <a:rPr lang="fr-FR" baseline="0" dirty="0" err="1" smtClean="0"/>
+              <a:t>prod</a:t>
+            </a:r>
+            <a:r>
+              <a:rPr lang="fr-FR" baseline="0" dirty="0" smtClean="0"/>
+              <a:t> chez </a:t>
+            </a:r>
+            <a:r>
+              <a:rPr lang="fr-FR" baseline="0" dirty="0" err="1" smtClean="0"/>
+              <a:t>neflix</a:t>
+            </a:r>
+            <a:endParaRPr lang="fr-FR" baseline="0" dirty="0" smtClean="0"/>
+          </a:p>
+          <a:p>
+            <a:endParaRPr lang="fr-FR" baseline="0" dirty="0" smtClean="0"/>
+          </a:p>
+          <a:p>
+            <a:r>
+              <a:rPr lang="fr-FR" baseline="0" dirty="0" err="1" smtClean="0"/>
+              <a:t>Gatling</a:t>
+            </a:r>
+            <a:r>
+              <a:rPr lang="fr-FR" baseline="0" dirty="0" smtClean="0"/>
+              <a:t>:</a:t>
+            </a:r>
+          </a:p>
+          <a:p>
+            <a:r>
+              <a:rPr lang="fr-FR" baseline="0" dirty="0" smtClean="0"/>
+              <a:t>Outil open source test de charge et de performance</a:t>
+            </a:r>
+          </a:p>
+          <a:p>
+            <a:r>
+              <a:rPr lang="fr-FR" baseline="0" dirty="0" err="1" smtClean="0"/>
+              <a:t>Repository</a:t>
+            </a:r>
+            <a:r>
+              <a:rPr lang="fr-FR" baseline="0" dirty="0" smtClean="0"/>
+              <a:t>  starter disponible sur </a:t>
+            </a:r>
+            <a:r>
+              <a:rPr lang="fr-FR" baseline="0" dirty="0" err="1" smtClean="0"/>
+              <a:t>github</a:t>
+            </a:r>
+            <a:endParaRPr lang="fr-FR" baseline="0" dirty="0" smtClean="0"/>
+          </a:p>
+          <a:p>
+            <a:endParaRPr lang="fr-FR" baseline="0" dirty="0" smtClean="0"/>
+          </a:p>
+          <a:p>
             <a:endParaRPr lang="fr-FR" dirty="0"/>
           </a:p>
         </p:txBody>
@@ -1188,7 +1192,7 @@
           <a:p>
             <a:fld id="{B35DA622-522A-4B17-9AC4-B01778B7071C}" type="slidenum">
               <a:rPr lang="fr-FR" smtClean="0"/>
-              <a:t>22</a:t>
+              <a:t>19</a:t>
             </a:fld>
             <a:endParaRPr lang="fr-FR"/>
           </a:p>
@@ -1197,7 +1201,7 @@
     </p:spTree>
     <p:extLst>
       <p:ext uri="{BB962C8B-B14F-4D97-AF65-F5344CB8AC3E}">
-        <p14:creationId xmlns:p14="http://schemas.microsoft.com/office/powerpoint/2010/main" val="1732735965"/>
+        <p14:creationId xmlns:p14="http://schemas.microsoft.com/office/powerpoint/2010/main" val="3566044670"/>
       </p:ext>
     </p:extLst>
   </p:cSld>
@@ -1265,37 +1269,98 @@
             </a:r>
             <a:r>
               <a:rPr lang="fr-FR" baseline="0" dirty="0" smtClean="0"/>
-              <a:t> </a:t>
+              <a:t> : outil </a:t>
             </a:r>
             <a:r>
               <a:rPr lang="fr-FR" baseline="0" dirty="0" err="1" smtClean="0"/>
-              <a:t>assault</a:t>
+              <a:t>netflix</a:t>
             </a:r>
             <a:r>
               <a:rPr lang="fr-FR" baseline="0" dirty="0" smtClean="0"/>
-              <a:t> avec latence, exceptions, … exemples</a:t>
+              <a:t> pour tester la résilience</a:t>
             </a:r>
           </a:p>
           <a:p>
             <a:r>
               <a:rPr lang="fr-FR" baseline="0" dirty="0" smtClean="0"/>
-              <a:t>Exemple d’assertions </a:t>
-            </a:r>
+              <a:t>Si une appli fonctionne avec des pannes </a:t>
+            </a:r>
+            <a:r>
+              <a:rPr lang="fr-FR" baseline="0" dirty="0" err="1" smtClean="0"/>
+              <a:t>aleatoire</a:t>
+            </a:r>
+            <a:r>
+              <a:rPr lang="fr-FR" baseline="0" dirty="0" smtClean="0"/>
+              <a:t>, elle fonctionnera le jour ou une vrai panne arrivera</a:t>
+            </a:r>
+          </a:p>
+          <a:p>
+            <a:r>
+              <a:rPr lang="fr-FR" baseline="0" dirty="0" err="1" smtClean="0"/>
+              <a:t>Ajd</a:t>
+            </a:r>
+            <a:r>
+              <a:rPr lang="fr-FR" baseline="0" dirty="0" smtClean="0"/>
+              <a:t>, les applis vont forcement tomber en panne</a:t>
+            </a:r>
+          </a:p>
+          <a:p>
+            <a:r>
+              <a:rPr lang="fr-FR" baseline="0" dirty="0" smtClean="0"/>
+              <a:t>Utiliser en </a:t>
+            </a:r>
+            <a:r>
+              <a:rPr lang="fr-FR" baseline="0" dirty="0" err="1" smtClean="0"/>
+              <a:t>prod</a:t>
+            </a:r>
+            <a:r>
+              <a:rPr lang="fr-FR" baseline="0" dirty="0" smtClean="0"/>
+              <a:t> chez </a:t>
+            </a:r>
+            <a:r>
+              <a:rPr lang="fr-FR" baseline="0" dirty="0" err="1" smtClean="0"/>
+              <a:t>neflix</a:t>
+            </a:r>
+            <a:endParaRPr lang="fr-FR" baseline="0" dirty="0" smtClean="0"/>
+          </a:p>
+          <a:p>
+            <a:endParaRPr lang="fr-FR" baseline="0" dirty="0" smtClean="0"/>
+          </a:p>
+          <a:p>
             <a:r>
               <a:rPr lang="fr-FR" baseline="0" dirty="0" err="1" smtClean="0"/>
               <a:t>Gatling</a:t>
             </a:r>
+            <a:r>
+              <a:rPr lang="fr-FR" baseline="0" dirty="0" smtClean="0"/>
+              <a:t>:</a:t>
+            </a:r>
+          </a:p>
+          <a:p>
+            <a:r>
+              <a:rPr lang="fr-FR" baseline="0" dirty="0" smtClean="0"/>
+              <a:t>Outil open source test de charge et de performance</a:t>
+            </a:r>
+          </a:p>
+          <a:p>
+            <a:r>
+              <a:rPr lang="fr-FR" baseline="0" dirty="0" err="1" smtClean="0"/>
+              <a:t>Repository</a:t>
+            </a:r>
+            <a:r>
+              <a:rPr lang="fr-FR" baseline="0" dirty="0" smtClean="0"/>
+              <a:t>  starter disponible sur </a:t>
+            </a:r>
+            <a:r>
+              <a:rPr lang="fr-FR" baseline="0" dirty="0" err="1" smtClean="0"/>
+              <a:t>github</a:t>
+            </a:r>
             <a:endParaRPr lang="fr-FR" baseline="0" dirty="0" smtClean="0"/>
           </a:p>
           <a:p>
-            <a:r>
-              <a:rPr lang="fr-FR" baseline="0" dirty="0" smtClean="0"/>
-              <a:t>Tir de </a:t>
-            </a:r>
-            <a:r>
-              <a:rPr lang="fr-FR" baseline="0" dirty="0" err="1" smtClean="0"/>
-              <a:t>reference</a:t>
-            </a:r>
+            <a:endParaRPr lang="fr-FR" baseline="0" dirty="0" smtClean="0"/>
+          </a:p>
+          <a:p>
             <a:endParaRPr lang="fr-FR" dirty="0"/>
           </a:p>
         </p:txBody>
@@ -1317,7 +1382,7 @@
           <a:p>
             <a:fld id="{B35DA622-522A-4B17-9AC4-B01778B7071C}" type="slidenum">
               <a:rPr lang="fr-FR" smtClean="0"/>
-              <a:t>23</a:t>
+              <a:t>20</a:t>
             </a:fld>
             <a:endParaRPr lang="fr-FR"/>
           </a:p>
@@ -1326,7 +1391,7 @@
     </p:spTree>
     <p:extLst>
       <p:ext uri="{BB962C8B-B14F-4D97-AF65-F5344CB8AC3E}">
-        <p14:creationId xmlns:p14="http://schemas.microsoft.com/office/powerpoint/2010/main" val="2307770141"/>
+        <p14:creationId xmlns:p14="http://schemas.microsoft.com/office/powerpoint/2010/main" val="756962261"/>
       </p:ext>
     </p:extLst>
   </p:cSld>
@@ -1382,39 +1447,20 @@
           <a:p>
             <a:r>
               <a:rPr lang="fr-FR" dirty="0" smtClean="0"/>
-              <a:t>Et encore d’autre choses comme</a:t>
-            </a:r>
-          </a:p>
-          <a:p>
-            <a:r>
-              <a:rPr lang="fr-FR" sz="1200" b="0" i="0" kern="1200" dirty="0" smtClean="0">
-                <a:solidFill>
-                  <a:schemeClr val="tx1"/>
-                </a:solidFill>
-                <a:effectLst/>
-                <a:latin typeface="+mn-lt"/>
-                <a:ea typeface="+mn-ea"/>
-                <a:cs typeface="+mn-cs"/>
-              </a:rPr>
-              <a:t>optimiser l'utilisation de votre matériel afin de maximiser les ressources requises pour l'exécution de vos applications d'entreprise</a:t>
-            </a:r>
-          </a:p>
-          <a:p>
-            <a:r>
-              <a:rPr lang="fr-FR" sz="1200" b="0" i="0" kern="1200" dirty="0" smtClean="0">
-                <a:solidFill>
-                  <a:schemeClr val="tx1"/>
-                </a:solidFill>
-                <a:effectLst/>
-                <a:latin typeface="+mn-lt"/>
-                <a:ea typeface="+mn-ea"/>
-                <a:cs typeface="+mn-cs"/>
-              </a:rPr>
-              <a:t>gérer des services de façon déclarative et garantir ainsi que les applications déployées s'exécutent toujours de la manière dont vous les avez déployées ;</a:t>
-            </a:r>
-            <a:endParaRPr lang="fr-FR" dirty="0" smtClean="0"/>
-          </a:p>
-          <a:p>
+              <a:t>Je</a:t>
+            </a:r>
+            <a:r>
+              <a:rPr lang="fr-FR" baseline="0" dirty="0" smtClean="0"/>
+              <a:t> vais rajouter un </a:t>
+            </a:r>
+            <a:r>
+              <a:rPr lang="fr-FR" baseline="0" dirty="0" err="1" smtClean="0"/>
+              <a:t>screen</a:t>
+            </a:r>
+            <a:r>
+              <a:rPr lang="fr-FR" baseline="0" dirty="0" smtClean="0"/>
+              <a:t> ce soir</a:t>
+            </a:r>
             <a:endParaRPr lang="fr-FR" dirty="0"/>
           </a:p>
         </p:txBody>
@@ -1436,7 +1482,7 @@
           <a:p>
             <a:fld id="{B35DA622-522A-4B17-9AC4-B01778B7071C}" type="slidenum">
               <a:rPr lang="fr-FR" smtClean="0"/>
-              <a:t>25</a:t>
+              <a:t>22</a:t>
             </a:fld>
             <a:endParaRPr lang="fr-FR"/>
           </a:p>
@@ -1445,7 +1491,7 @@
     </p:spTree>
     <p:extLst>
       <p:ext uri="{BB962C8B-B14F-4D97-AF65-F5344CB8AC3E}">
-        <p14:creationId xmlns:p14="http://schemas.microsoft.com/office/powerpoint/2010/main" val="1204782167"/>
+        <p14:creationId xmlns:p14="http://schemas.microsoft.com/office/powerpoint/2010/main" val="1732735965"/>
       </p:ext>
     </p:extLst>
   </p:cSld>
@@ -1501,19 +1547,48 @@
           <a:p>
             <a:r>
               <a:rPr lang="fr-FR" dirty="0" smtClean="0"/>
-              <a:t>Je</a:t>
+              <a:t>Chaos</a:t>
             </a:r>
             <a:r>
               <a:rPr lang="fr-FR" baseline="0" dirty="0" smtClean="0"/>
-              <a:t> vais rajouter un </a:t>
+              <a:t> </a:t>
             </a:r>
             <a:r>
               <a:rPr lang="fr-FR" baseline="0" dirty="0" err="1" smtClean="0"/>
-              <a:t>screen</a:t>
+              <a:t>monkey</a:t>
             </a:r>
             <a:r>
               <a:rPr lang="fr-FR" baseline="0" dirty="0" smtClean="0"/>
-              <a:t> ce soir</a:t>
+              <a:t> </a:t>
+            </a:r>
+            <a:r>
+              <a:rPr lang="fr-FR" baseline="0" dirty="0" err="1" smtClean="0"/>
+              <a:t>assault</a:t>
+            </a:r>
+            <a:r>
+              <a:rPr lang="fr-FR" baseline="0" dirty="0" smtClean="0"/>
+              <a:t> avec latence, exceptions, … exemples</a:t>
+            </a:r>
+          </a:p>
+          <a:p>
+            <a:r>
+              <a:rPr lang="fr-FR" baseline="0" dirty="0" smtClean="0"/>
+              <a:t>Exemple d’assertions </a:t>
+            </a:r>
+            <a:r>
+              <a:rPr lang="fr-FR" baseline="0" dirty="0" err="1" smtClean="0"/>
+              <a:t>Gatling</a:t>
+            </a:r>
+            <a:endParaRPr lang="fr-FR" baseline="0" dirty="0" smtClean="0"/>
+          </a:p>
+          <a:p>
+            <a:r>
+              <a:rPr lang="fr-FR" baseline="0" dirty="0" smtClean="0"/>
+              <a:t>Tir de </a:t>
+            </a:r>
+            <a:r>
+              <a:rPr lang="fr-FR" baseline="0" dirty="0" err="1" smtClean="0"/>
+              <a:t>reference</a:t>
             </a:r>
             <a:endParaRPr lang="fr-FR" dirty="0"/>
           </a:p>
@@ -1536,7 +1611,7 @@
           <a:p>
             <a:fld id="{B35DA622-522A-4B17-9AC4-B01778B7071C}" type="slidenum">
               <a:rPr lang="fr-FR" smtClean="0"/>
-              <a:t>27</a:t>
+              <a:t>23</a:t>
             </a:fld>
             <a:endParaRPr lang="fr-FR"/>
           </a:p>
@@ -1545,7 +1620,7 @@
     </p:spTree>
     <p:extLst>
       <p:ext uri="{BB962C8B-B14F-4D97-AF65-F5344CB8AC3E}">
-        <p14:creationId xmlns:p14="http://schemas.microsoft.com/office/powerpoint/2010/main" val="2807718690"/>
+        <p14:creationId xmlns:p14="http://schemas.microsoft.com/office/powerpoint/2010/main" val="2307770141"/>
       </p:ext>
     </p:extLst>
   </p:cSld>
@@ -1601,20 +1676,39 @@
           <a:p>
             <a:r>
               <a:rPr lang="fr-FR" dirty="0" smtClean="0"/>
-              <a:t>Je</a:t>
-            </a:r>
-            <a:r>
-              <a:rPr lang="fr-FR" baseline="0" dirty="0" smtClean="0"/>
-              <a:t> vais rajouter un </a:t>
-            </a:r>
-            <a:r>
-              <a:rPr lang="fr-FR" baseline="0" dirty="0" err="1" smtClean="0"/>
-              <a:t>screen</a:t>
-            </a:r>
-            <a:r>
-              <a:rPr lang="fr-FR" baseline="0" dirty="0" smtClean="0"/>
-              <a:t> ce soir</a:t>
-            </a:r>
+              <a:t>Et encore d’autre choses comme</a:t>
+            </a:r>
+          </a:p>
+          <a:p>
+            <a:r>
+              <a:rPr lang="fr-FR" sz="1200" b="0" i="0" kern="1200" dirty="0" smtClean="0">
+                <a:solidFill>
+                  <a:schemeClr val="tx1"/>
+                </a:solidFill>
+                <a:effectLst/>
+                <a:latin typeface="+mn-lt"/>
+                <a:ea typeface="+mn-ea"/>
+                <a:cs typeface="+mn-cs"/>
+              </a:rPr>
+              <a:t>optimiser l'utilisation de votre matériel afin de maximiser les ressources requises pour l'exécution de vos applications d'entreprise</a:t>
+            </a:r>
+          </a:p>
+          <a:p>
+            <a:r>
+              <a:rPr lang="fr-FR" sz="1200" b="0" i="0" kern="1200" dirty="0" smtClean="0">
+                <a:solidFill>
+                  <a:schemeClr val="tx1"/>
+                </a:solidFill>
+                <a:effectLst/>
+                <a:latin typeface="+mn-lt"/>
+                <a:ea typeface="+mn-ea"/>
+                <a:cs typeface="+mn-cs"/>
+              </a:rPr>
+              <a:t>gérer des services de façon déclarative et garantir ainsi que les applications déployées s'exécutent toujours de la manière dont vous les avez déployées ;</a:t>
+            </a:r>
+            <a:endParaRPr lang="fr-FR" dirty="0" smtClean="0"/>
+          </a:p>
+          <a:p>
             <a:endParaRPr lang="fr-FR" dirty="0"/>
           </a:p>
         </p:txBody>
@@ -1636,7 +1730,7 @@
           <a:p>
             <a:fld id="{B35DA622-522A-4B17-9AC4-B01778B7071C}" type="slidenum">
               <a:rPr lang="fr-FR" smtClean="0"/>
-              <a:t>28</a:t>
+              <a:t>25</a:t>
             </a:fld>
             <a:endParaRPr lang="fr-FR"/>
           </a:p>
@@ -1645,7 +1739,7 @@
     </p:spTree>
     <p:extLst>
       <p:ext uri="{BB962C8B-B14F-4D97-AF65-F5344CB8AC3E}">
-        <p14:creationId xmlns:p14="http://schemas.microsoft.com/office/powerpoint/2010/main" val="3000752244"/>
+        <p14:creationId xmlns:p14="http://schemas.microsoft.com/office/powerpoint/2010/main" val="1204782167"/>
       </p:ext>
     </p:extLst>
   </p:cSld>
@@ -1700,12 +1794,20 @@
           <a:lstStyle/>
           <a:p>
             <a:r>
-              <a:rPr lang="fr-FR" dirty="0" err="1" smtClean="0"/>
-              <a:t>Istio</a:t>
-            </a:r>
-            <a:r>
               <a:rPr lang="fr-FR" dirty="0" smtClean="0"/>
-              <a:t> ?</a:t>
+              <a:t>Je</a:t>
+            </a:r>
+            <a:r>
+              <a:rPr lang="fr-FR" baseline="0" dirty="0" smtClean="0"/>
+              <a:t> vais rajouter un </a:t>
+            </a:r>
+            <a:r>
+              <a:rPr lang="fr-FR" baseline="0" dirty="0" err="1" smtClean="0"/>
+              <a:t>screen</a:t>
+            </a:r>
+            <a:r>
+              <a:rPr lang="fr-FR" baseline="0" dirty="0" smtClean="0"/>
+              <a:t> ce soir</a:t>
             </a:r>
             <a:endParaRPr lang="fr-FR" dirty="0"/>
           </a:p>
@@ -1728,6 +1830,198 @@
           <a:p>
             <a:fld id="{B35DA622-522A-4B17-9AC4-B01778B7071C}" type="slidenum">
               <a:rPr lang="fr-FR" smtClean="0"/>
+              <a:t>27</a:t>
+            </a:fld>
+            <a:endParaRPr lang="fr-FR"/>
+          </a:p>
+        </p:txBody>
+      </p:sp>
+    </p:spTree>
+    <p:extLst>
+      <p:ext uri="{BB962C8B-B14F-4D97-AF65-F5344CB8AC3E}">
+        <p14:creationId xmlns:p14="http://schemas.microsoft.com/office/powerpoint/2010/main" val="2807718690"/>
+      </p:ext>
+    </p:extLst>
+  </p:cSld>
+  <p:clrMapOvr>
+    <a:masterClrMapping/>
+  </p:clrMapOvr>
+</p:notes>
+</file>
+
+<file path=ppt/notesSlides/notesSlide17.xml><?xml version="1.0" encoding="utf-8"?>
+<p:notes xmlns:a="http://schemas.openxmlformats.org/drawingml/2006/main" xmlns:r="http://schemas.openxmlformats.org/officeDocument/2006/relationships" xmlns:p="http://schemas.openxmlformats.org/presentationml/2006/main">
+  <p:cSld>
+    <p:spTree>
+      <p:nvGrpSpPr>
+        <p:cNvPr id="1" name=""/>
+        <p:cNvGrpSpPr/>
+        <p:nvPr/>
+      </p:nvGrpSpPr>
+      <p:grpSpPr>
+        <a:xfrm>
+          <a:off x="0" y="0"/>
+          <a:ext cx="0" cy="0"/>
+          <a:chOff x="0" y="0"/>
+          <a:chExt cx="0" cy="0"/>
+        </a:xfrm>
+      </p:grpSpPr>
+      <p:sp>
+        <p:nvSpPr>
+          <p:cNvPr id="2" name="Espace réservé de l'image des diapositives 1"/>
+          <p:cNvSpPr>
+            <a:spLocks noGrp="1" noRot="1" noChangeAspect="1"/>
+          </p:cNvSpPr>
+          <p:nvPr>
+            <p:ph type="sldImg"/>
+          </p:nvPr>
+        </p:nvSpPr>
+        <p:spPr/>
+      </p:sp>
+      <p:sp>
+        <p:nvSpPr>
+          <p:cNvPr id="3" name="Espace réservé des notes 2"/>
+          <p:cNvSpPr>
+            <a:spLocks noGrp="1"/>
+          </p:cNvSpPr>
+          <p:nvPr>
+            <p:ph type="body" idx="1"/>
+          </p:nvPr>
+        </p:nvSpPr>
+        <p:spPr/>
+        <p:txBody>
+          <a:bodyPr/>
+          <a:lstStyle/>
+          <a:p>
+            <a:r>
+              <a:rPr lang="fr-FR" dirty="0" smtClean="0"/>
+              <a:t>Je</a:t>
+            </a:r>
+            <a:r>
+              <a:rPr lang="fr-FR" baseline="0" dirty="0" smtClean="0"/>
+              <a:t> vais rajouter un </a:t>
+            </a:r>
+            <a:r>
+              <a:rPr lang="fr-FR" baseline="0" dirty="0" err="1" smtClean="0"/>
+              <a:t>screen</a:t>
+            </a:r>
+            <a:r>
+              <a:rPr lang="fr-FR" baseline="0" dirty="0" smtClean="0"/>
+              <a:t> ce soir</a:t>
+            </a:r>
+            <a:endParaRPr lang="fr-FR" dirty="0"/>
+          </a:p>
+        </p:txBody>
+      </p:sp>
+      <p:sp>
+        <p:nvSpPr>
+          <p:cNvPr id="4" name="Espace réservé du numéro de diapositive 3"/>
+          <p:cNvSpPr>
+            <a:spLocks noGrp="1"/>
+          </p:cNvSpPr>
+          <p:nvPr>
+            <p:ph type="sldNum" sz="quarter" idx="10"/>
+          </p:nvPr>
+        </p:nvSpPr>
+        <p:spPr/>
+        <p:txBody>
+          <a:bodyPr/>
+          <a:lstStyle/>
+          <a:p>
+            <a:fld id="{B35DA622-522A-4B17-9AC4-B01778B7071C}" type="slidenum">
+              <a:rPr lang="fr-FR" smtClean="0"/>
+              <a:t>28</a:t>
+            </a:fld>
+            <a:endParaRPr lang="fr-FR"/>
+          </a:p>
+        </p:txBody>
+      </p:sp>
+    </p:spTree>
+    <p:extLst>
+      <p:ext uri="{BB962C8B-B14F-4D97-AF65-F5344CB8AC3E}">
+        <p14:creationId xmlns:p14="http://schemas.microsoft.com/office/powerpoint/2010/main" val="3000752244"/>
+      </p:ext>
+    </p:extLst>
+  </p:cSld>
+  <p:clrMapOvr>
+    <a:masterClrMapping/>
+  </p:clrMapOvr>
+</p:notes>
+</file>
+
+<file path=ppt/notesSlides/notesSlide18.xml><?xml version="1.0" encoding="utf-8"?>
+<p:notes xmlns:a="http://schemas.openxmlformats.org/drawingml/2006/main" xmlns:r="http://schemas.openxmlformats.org/officeDocument/2006/relationships" xmlns:p="http://schemas.openxmlformats.org/presentationml/2006/main">
+  <p:cSld>
+    <p:spTree>
+      <p:nvGrpSpPr>
+        <p:cNvPr id="1" name=""/>
+        <p:cNvGrpSpPr/>
+        <p:nvPr/>
+      </p:nvGrpSpPr>
+      <p:grpSpPr>
+        <a:xfrm>
+          <a:off x="0" y="0"/>
+          <a:ext cx="0" cy="0"/>
+          <a:chOff x="0" y="0"/>
+          <a:chExt cx="0" cy="0"/>
+        </a:xfrm>
+      </p:grpSpPr>
+      <p:sp>
+        <p:nvSpPr>
+          <p:cNvPr id="2" name="Espace réservé de l'image des diapositives 1"/>
+          <p:cNvSpPr>
+            <a:spLocks noGrp="1" noRot="1" noChangeAspect="1"/>
+          </p:cNvSpPr>
+          <p:nvPr>
+            <p:ph type="sldImg"/>
+          </p:nvPr>
+        </p:nvSpPr>
+        <p:spPr/>
+      </p:sp>
+      <p:sp>
+        <p:nvSpPr>
+          <p:cNvPr id="3" name="Espace réservé des notes 2"/>
+          <p:cNvSpPr>
+            <a:spLocks noGrp="1"/>
+          </p:cNvSpPr>
+          <p:nvPr>
+            <p:ph type="body" idx="1"/>
+          </p:nvPr>
+        </p:nvSpPr>
+        <p:spPr/>
+        <p:txBody>
+          <a:bodyPr/>
+          <a:lstStyle/>
+          <a:p>
+            <a:r>
+              <a:rPr lang="fr-FR" dirty="0" err="1" smtClean="0"/>
+              <a:t>Istio</a:t>
+            </a:r>
+            <a:r>
+              <a:rPr lang="fr-FR" dirty="0" smtClean="0"/>
+              <a:t> ?</a:t>
+            </a:r>
+            <a:endParaRPr lang="fr-FR" dirty="0"/>
+          </a:p>
+        </p:txBody>
+      </p:sp>
+      <p:sp>
+        <p:nvSpPr>
+          <p:cNvPr id="4" name="Espace réservé du numéro de diapositive 3"/>
+          <p:cNvSpPr>
+            <a:spLocks noGrp="1"/>
+          </p:cNvSpPr>
+          <p:nvPr>
+            <p:ph type="sldNum" sz="quarter" idx="10"/>
+          </p:nvPr>
+        </p:nvSpPr>
+        <p:spPr/>
+        <p:txBody>
+          <a:bodyPr/>
+          <a:lstStyle/>
+          <a:p>
+            <a:fld id="{B35DA622-522A-4B17-9AC4-B01778B7071C}" type="slidenum">
+              <a:rPr lang="fr-FR" smtClean="0"/>
               <a:t>29</a:t>
             </a:fld>
             <a:endParaRPr lang="fr-FR"/>
@@ -1747,7 +2041,7 @@
 </p:notes>
 </file>
 
-<file path=ppt/notesSlides/notesSlide17.xml><?xml version="1.0" encoding="utf-8"?>
+<file path=ppt/notesSlides/notesSlide19.xml><?xml version="1.0" encoding="utf-8"?>
 <p:notes xmlns:a="http://schemas.openxmlformats.org/drawingml/2006/main" xmlns:r="http://schemas.openxmlformats.org/officeDocument/2006/relationships" xmlns:p="http://schemas.openxmlformats.org/presentationml/2006/main">
   <p:cSld>
     <p:spTree>
@@ -1885,383 +2179,112 @@
           <a:p>
             <a:r>
               <a:rPr lang="fr-FR" dirty="0" smtClean="0"/>
-              <a:t>Alors on pourrait</a:t>
+              <a:t>En psychologie, le concept de résilience ou « l’art de naviguer entre les torrents », est introduit en France par Boris </a:t>
+            </a:r>
+            <a:r>
+              <a:rPr lang="fr-FR" dirty="0" err="1" smtClean="0"/>
+              <a:t>Cyrulnik</a:t>
+            </a:r>
+            <a:r>
+              <a:rPr lang="fr-FR" dirty="0" smtClean="0"/>
+              <a:t>.</a:t>
+            </a:r>
+          </a:p>
+          <a:p>
+            <a:r>
+              <a:rPr lang="fr-FR" dirty="0" smtClean="0"/>
+              <a:t>Il</a:t>
             </a:r>
             <a:r>
               <a:rPr lang="fr-FR" baseline="0" dirty="0" smtClean="0"/>
-              <a:t> attendre que nos systèmes subissent des traumatismes pour les améliorer, les rendre plus résilient.</a:t>
+              <a:t> dit « </a:t>
+            </a:r>
+            <a:r>
+              <a:rPr lang="fr-FR" dirty="0" smtClean="0"/>
+              <a:t>La résilience est un processus, pas un état. »</a:t>
+            </a:r>
+          </a:p>
+          <a:p>
+            <a:r>
+              <a:rPr lang="fr-FR" dirty="0" smtClean="0"/>
+              <a:t>Ca va nous intéresser parce que justement le but de ce </a:t>
+            </a:r>
+            <a:r>
+              <a:rPr lang="fr-FR" dirty="0" err="1" smtClean="0"/>
+              <a:t>codelab</a:t>
+            </a:r>
+            <a:r>
+              <a:rPr lang="fr-FR" dirty="0" smtClean="0"/>
+              <a:t> c’est de se placer dans ce processus de résilience.</a:t>
+            </a:r>
+          </a:p>
+          <a:p>
+            <a:r>
+              <a:rPr lang="fr-FR" dirty="0" err="1" smtClean="0"/>
+              <a:t>Parceque</a:t>
+            </a:r>
+            <a:r>
+              <a:rPr lang="fr-FR" dirty="0" smtClean="0"/>
+              <a:t> le terme résilience n’est pas seulement utilisé en psychologie</a:t>
+            </a:r>
+            <a:r>
+              <a:rPr lang="fr-FR" baseline="0" dirty="0" smtClean="0"/>
+              <a:t> et peux </a:t>
+            </a:r>
+            <a:r>
+              <a:rPr lang="fr-FR" baseline="0" dirty="0" err="1" smtClean="0"/>
+              <a:t>etre</a:t>
+            </a:r>
+            <a:r>
+              <a:rPr lang="fr-FR" baseline="0" dirty="0" smtClean="0"/>
+              <a:t> utilisé dans nos métiers.</a:t>
+            </a:r>
+            <a:endParaRPr lang="fr-FR" dirty="0" smtClean="0"/>
+          </a:p>
+          <a:p>
+            <a:endParaRPr lang="fr-FR" dirty="0" smtClean="0"/>
+          </a:p>
+          <a:p>
+            <a:r>
+              <a:rPr lang="fr-FR" dirty="0" smtClean="0"/>
+              <a:t>« Ce qui ne nous tue pas.. . »,</a:t>
+            </a:r>
+            <a:r>
+              <a:rPr lang="fr-FR" baseline="0" dirty="0" smtClean="0"/>
+              <a:t> c’est le nom d’une conférence donnée par Boris </a:t>
+            </a:r>
+            <a:r>
+              <a:rPr lang="fr-FR" baseline="0" dirty="0" err="1" smtClean="0"/>
+              <a:t>Cyrulnik</a:t>
+            </a:r>
+            <a:r>
+              <a:rPr lang="fr-FR" baseline="0" dirty="0" smtClean="0"/>
+              <a:t> d’ailleurs.. Et les 3 petits points sont important &gt;&gt;</a:t>
+            </a:r>
+            <a:r>
+              <a:rPr lang="fr-FR" dirty="0" smtClean="0"/>
+              <a:t> (... nous rend plus fort. Mais c'est faux ! Chaque traumatisme laisse une trace traumatique. Y compris pour ce qui nous concerne, à savoir nos systèmes et applis.) * * Et pour nos applis, cela a de vrais impacts : une BDD corrompue, un serveur front en carafe.. cela cause un préjudice à l'utilisateur final qui va aller voir une appli concurrente, et/ou cela va générer de la frustration.</a:t>
+            </a:r>
+          </a:p>
+          <a:p>
+            <a:endParaRPr lang="fr-FR" dirty="0" smtClean="0"/>
+          </a:p>
+          <a:p>
+            <a:r>
+              <a:rPr lang="fr-FR" dirty="0" smtClean="0"/>
+              <a:t>On pensera souvent qu'un système résilient, c'est un système qui empêchera - prenons un exemple - un virus d'infecter ce système. Mais ce n'est pas ça. Un système résilient c'est un système qui, s'il a été infecté, s'il a subit un "traumatisme", saura s'en remettre (avec éventuellement un petit coup de pouce extérieur).</a:t>
+            </a:r>
+            <a:r>
+              <a:rPr lang="fr-FR" baseline="0" dirty="0" smtClean="0"/>
+              <a:t> </a:t>
             </a:r>
             <a:br>
               <a:rPr lang="fr-FR" baseline="0" dirty="0" smtClean="0"/>
             </a:br>
             <a:r>
-              <a:rPr lang="fr-FR" baseline="0" dirty="0" smtClean="0"/>
-              <a:t>Mais pourquoi attendre quand on a aujourd’hui les outils pour « traumatiser » nos applis </a:t>
-            </a:r>
-            <a:r>
-              <a:rPr lang="fr-FR" baseline="0" dirty="0" smtClean="0">
-                <a:sym typeface="Wingdings" panose="05000000000000000000" pitchFamily="2" charset="2"/>
-              </a:rPr>
-              <a:t> ?</a:t>
-            </a:r>
-          </a:p>
-          <a:p>
-            <a:pPr marL="0" marR="0" lvl="0" indent="0" algn="l" defTabSz="914400" rtl="0" eaLnBrk="1" fontAlgn="auto" latinLnBrk="0" hangingPunct="1">
-              <a:lnSpc>
-                <a:spcPct val="100000"/>
-              </a:lnSpc>
-              <a:spcBef>
-                <a:spcPts val="0"/>
-              </a:spcBef>
-              <a:spcAft>
-                <a:spcPts val="0"/>
-              </a:spcAft>
-              <a:buClrTx/>
-              <a:buSzTx/>
-              <a:buFontTx/>
-              <a:buNone/>
-              <a:tabLst/>
-              <a:defRPr/>
-            </a:pPr>
-            <a:r>
-              <a:rPr lang="fr-FR" baseline="0" dirty="0" smtClean="0">
-                <a:sym typeface="Wingdings" panose="05000000000000000000" pitchFamily="2" charset="2"/>
-              </a:rPr>
-              <a:t>Le Chaos Engineering est un de ces outils, une discipline qui nous permet de rendre nos systèmes plus solides.</a:t>
-            </a:r>
-            <a:br>
-              <a:rPr lang="fr-FR" baseline="0" dirty="0" smtClean="0">
-                <a:sym typeface="Wingdings" panose="05000000000000000000" pitchFamily="2" charset="2"/>
-              </a:rPr>
-            </a:br>
-            <a:r>
-              <a:rPr lang="fr-FR" baseline="0" dirty="0" smtClean="0">
-                <a:sym typeface="Wingdings" panose="05000000000000000000" pitchFamily="2" charset="2"/>
-              </a:rPr>
-              <a:t/>
-            </a:r>
-            <a:br>
-              <a:rPr lang="fr-FR" baseline="0" dirty="0" smtClean="0">
-                <a:sym typeface="Wingdings" panose="05000000000000000000" pitchFamily="2" charset="2"/>
-              </a:rPr>
-            </a:br>
-            <a:r>
-              <a:rPr lang="fr-FR" baseline="0" dirty="0" smtClean="0">
-                <a:sym typeface="Wingdings" panose="05000000000000000000" pitchFamily="2" charset="2"/>
-              </a:rPr>
-              <a:t>[PREMERE CITATION - CLIC]</a:t>
-            </a:r>
-            <a:br>
-              <a:rPr lang="fr-FR" baseline="0" dirty="0" smtClean="0">
-                <a:sym typeface="Wingdings" panose="05000000000000000000" pitchFamily="2" charset="2"/>
-              </a:rPr>
-            </a:br>
-            <a:r>
-              <a:rPr lang="fr-FR" baseline="0" dirty="0" smtClean="0">
-                <a:sym typeface="Wingdings" panose="05000000000000000000" pitchFamily="2" charset="2"/>
-              </a:rPr>
-              <a:t>Chaos Engineering a été développé par </a:t>
-            </a:r>
-            <a:r>
-              <a:rPr lang="fr-FR" baseline="0" dirty="0" err="1" smtClean="0">
-                <a:sym typeface="Wingdings" panose="05000000000000000000" pitchFamily="2" charset="2"/>
-              </a:rPr>
-              <a:t>Netflix</a:t>
-            </a:r>
-            <a:r>
-              <a:rPr lang="fr-FR" baseline="0" dirty="0" smtClean="0">
-                <a:sym typeface="Wingdings" panose="05000000000000000000" pitchFamily="2" charset="2"/>
-              </a:rPr>
-              <a:t>. Les ingénieurs souhaitaient tester la résilience et la capacité de récupération de leurs services AWS. Par conséquent, ils ont développé un outil logiciel appelé Chaos Monkey qui simule des défaillances d'instances de leurs services. Leur premier scénario fut d’arrêter aléatoirement une ou plusieurs des machines virtuelles.</a:t>
-            </a:r>
-            <a:br>
-              <a:rPr lang="fr-FR" baseline="0" dirty="0" smtClean="0">
-                <a:sym typeface="Wingdings" panose="05000000000000000000" pitchFamily="2" charset="2"/>
-              </a:rPr>
-            </a:br>
-            <a:r>
-              <a:rPr lang="fr-FR" baseline="0" dirty="0" smtClean="0">
-                <a:sym typeface="Wingdings" panose="05000000000000000000" pitchFamily="2" charset="2"/>
-              </a:rPr>
-              <a:t/>
-            </a:r>
-            <a:br>
-              <a:rPr lang="fr-FR" baseline="0" dirty="0" smtClean="0">
-                <a:sym typeface="Wingdings" panose="05000000000000000000" pitchFamily="2" charset="2"/>
-              </a:rPr>
-            </a:br>
-            <a:r>
-              <a:rPr lang="fr-FR" baseline="0" dirty="0" smtClean="0">
-                <a:sym typeface="Wingdings" panose="05000000000000000000" pitchFamily="2" charset="2"/>
-              </a:rPr>
-              <a:t>[DEUXIEME CITATION - CLIC] </a:t>
-            </a:r>
-            <a:br>
-              <a:rPr lang="fr-FR" baseline="0" dirty="0" smtClean="0">
-                <a:sym typeface="Wingdings" panose="05000000000000000000" pitchFamily="2" charset="2"/>
-              </a:rPr>
-            </a:br>
-            <a:r>
-              <a:rPr lang="fr-FR" sz="1200" b="0" i="0" kern="1200" dirty="0" smtClean="0">
-                <a:solidFill>
-                  <a:schemeClr val="tx1"/>
-                </a:solidFill>
-                <a:effectLst/>
-                <a:latin typeface="+mn-lt"/>
-                <a:ea typeface="+mn-ea"/>
-                <a:cs typeface="+mn-cs"/>
-              </a:rPr>
-              <a:t>Benjamin </a:t>
-            </a:r>
-            <a:r>
-              <a:rPr lang="fr-FR" sz="1200" b="0" i="0" kern="1200" dirty="0" err="1" smtClean="0">
-                <a:solidFill>
-                  <a:schemeClr val="tx1"/>
-                </a:solidFill>
-                <a:effectLst/>
-                <a:latin typeface="+mn-lt"/>
-                <a:ea typeface="+mn-ea"/>
-                <a:cs typeface="+mn-cs"/>
-              </a:rPr>
-              <a:t>Gakic</a:t>
-            </a:r>
-            <a:r>
-              <a:rPr lang="fr-FR" sz="1200" b="0" i="0" kern="1200" dirty="0" smtClean="0">
-                <a:solidFill>
-                  <a:schemeClr val="tx1"/>
-                </a:solidFill>
-                <a:effectLst/>
-                <a:latin typeface="+mn-lt"/>
-                <a:ea typeface="+mn-ea"/>
-                <a:cs typeface="+mn-cs"/>
-              </a:rPr>
-              <a:t> anime la communauté Chaos Engineering de </a:t>
-            </a:r>
-            <a:r>
-              <a:rPr lang="fr-FR" sz="1200" b="0" i="0" kern="1200" dirty="0" err="1" smtClean="0">
-                <a:solidFill>
-                  <a:schemeClr val="tx1"/>
-                </a:solidFill>
-                <a:effectLst/>
-                <a:latin typeface="+mn-lt"/>
-                <a:ea typeface="+mn-ea"/>
-                <a:cs typeface="+mn-cs"/>
-              </a:rPr>
-              <a:t>OUI.sncf</a:t>
-            </a:r>
-            <a:endParaRPr lang="fr-FR" sz="1200" b="0" i="0" kern="1200" dirty="0" smtClean="0">
-              <a:solidFill>
-                <a:schemeClr val="tx1"/>
-              </a:solidFill>
-              <a:effectLst/>
-              <a:latin typeface="+mn-lt"/>
-              <a:ea typeface="+mn-ea"/>
-              <a:cs typeface="+mn-cs"/>
-            </a:endParaRPr>
-          </a:p>
-          <a:p>
-            <a:pPr marL="0" marR="0" lvl="0" indent="0" algn="l" defTabSz="914400" rtl="0" eaLnBrk="1" fontAlgn="auto" latinLnBrk="0" hangingPunct="1">
-              <a:lnSpc>
-                <a:spcPct val="100000"/>
-              </a:lnSpc>
-              <a:spcBef>
-                <a:spcPts val="0"/>
-              </a:spcBef>
-              <a:spcAft>
-                <a:spcPts val="0"/>
-              </a:spcAft>
-              <a:buClrTx/>
-              <a:buSzTx/>
-              <a:buFontTx/>
-              <a:buNone/>
-              <a:tabLst/>
-              <a:defRPr/>
-            </a:pPr>
-            <a:r>
-              <a:rPr lang="fr-FR" sz="1200" b="0" i="0" kern="1200" dirty="0" smtClean="0">
-                <a:solidFill>
-                  <a:schemeClr val="tx1"/>
-                </a:solidFill>
-                <a:effectLst/>
-                <a:latin typeface="+mn-lt"/>
-                <a:ea typeface="+mn-ea"/>
-                <a:cs typeface="+mn-cs"/>
-              </a:rPr>
-              <a:t>Il va plus loin dans sa définition, pour que ce soit plus clair : le but est de traumatiser nos</a:t>
-            </a:r>
-            <a:r>
-              <a:rPr lang="fr-FR" sz="1200" b="0" i="0" kern="1200" baseline="0" dirty="0" smtClean="0">
-                <a:solidFill>
-                  <a:schemeClr val="tx1"/>
-                </a:solidFill>
-                <a:effectLst/>
-                <a:latin typeface="+mn-lt"/>
-                <a:ea typeface="+mn-ea"/>
-                <a:cs typeface="+mn-cs"/>
-              </a:rPr>
-              <a:t> systèmes.</a:t>
-            </a:r>
-            <a:br>
-              <a:rPr lang="fr-FR" sz="1200" b="0" i="0" kern="1200" baseline="0" dirty="0" smtClean="0">
-                <a:solidFill>
-                  <a:schemeClr val="tx1"/>
-                </a:solidFill>
-                <a:effectLst/>
-                <a:latin typeface="+mn-lt"/>
-                <a:ea typeface="+mn-ea"/>
-                <a:cs typeface="+mn-cs"/>
-              </a:rPr>
-            </a:br>
-            <a:r>
-              <a:rPr lang="fr-FR" sz="1200" b="0" i="0" kern="1200" baseline="0" dirty="0" smtClean="0">
-                <a:solidFill>
-                  <a:schemeClr val="tx1"/>
-                </a:solidFill>
-                <a:effectLst/>
-                <a:latin typeface="+mn-lt"/>
-                <a:ea typeface="+mn-ea"/>
-                <a:cs typeface="+mn-cs"/>
-              </a:rPr>
-              <a:t/>
-            </a:r>
-            <a:br>
-              <a:rPr lang="fr-FR" sz="1200" b="0" i="0" kern="1200" baseline="0" dirty="0" smtClean="0">
-                <a:solidFill>
-                  <a:schemeClr val="tx1"/>
-                </a:solidFill>
-                <a:effectLst/>
-                <a:latin typeface="+mn-lt"/>
-                <a:ea typeface="+mn-ea"/>
-                <a:cs typeface="+mn-cs"/>
-              </a:rPr>
-            </a:br>
-            <a:r>
-              <a:rPr lang="fr-FR" sz="1200" b="0" i="0" kern="1200" baseline="0" dirty="0" smtClean="0">
-                <a:solidFill>
-                  <a:schemeClr val="tx1"/>
-                </a:solidFill>
-                <a:effectLst/>
-                <a:latin typeface="+mn-lt"/>
-                <a:ea typeface="+mn-ea"/>
-                <a:cs typeface="+mn-cs"/>
-              </a:rPr>
-              <a:t>[COMPLETER AVEC EXPLICATION DU CHAOS ENGINEERING ??? Peut-être pas utile]</a:t>
-            </a:r>
-            <a:br>
-              <a:rPr lang="fr-FR" sz="1200" b="0" i="0" kern="1200" baseline="0" dirty="0" smtClean="0">
-                <a:solidFill>
-                  <a:schemeClr val="tx1"/>
-                </a:solidFill>
-                <a:effectLst/>
-                <a:latin typeface="+mn-lt"/>
-                <a:ea typeface="+mn-ea"/>
-                <a:cs typeface="+mn-cs"/>
-              </a:rPr>
-            </a:br>
-            <a:r>
-              <a:rPr lang="fr-FR" sz="1200" b="0" i="0" kern="1200" baseline="0" dirty="0" smtClean="0">
-                <a:solidFill>
-                  <a:schemeClr val="tx1"/>
-                </a:solidFill>
-                <a:effectLst/>
-                <a:latin typeface="+mn-lt"/>
-                <a:ea typeface="+mn-ea"/>
-                <a:cs typeface="+mn-cs"/>
-              </a:rPr>
-              <a:t/>
-            </a:r>
-            <a:br>
-              <a:rPr lang="fr-FR" sz="1200" b="0" i="0" kern="1200" baseline="0" dirty="0" smtClean="0">
-                <a:solidFill>
-                  <a:schemeClr val="tx1"/>
-                </a:solidFill>
-                <a:effectLst/>
-                <a:latin typeface="+mn-lt"/>
-                <a:ea typeface="+mn-ea"/>
-                <a:cs typeface="+mn-cs"/>
-              </a:rPr>
-            </a:br>
-            <a:r>
-              <a:rPr lang="fr-FR" sz="1200" b="0" i="0" kern="1200" baseline="0" dirty="0" smtClean="0">
-                <a:solidFill>
-                  <a:schemeClr val="tx1"/>
-                </a:solidFill>
-                <a:effectLst/>
-                <a:latin typeface="+mn-lt"/>
-                <a:ea typeface="+mn-ea"/>
-                <a:cs typeface="+mn-cs"/>
-              </a:rPr>
-              <a:t>NB : « Un merveilleux malheur », de </a:t>
-            </a:r>
-            <a:r>
-              <a:rPr lang="fr-FR" sz="1200" b="0" i="0" kern="1200" baseline="0" dirty="0" err="1" smtClean="0">
-                <a:solidFill>
-                  <a:schemeClr val="tx1"/>
-                </a:solidFill>
-                <a:effectLst/>
-                <a:latin typeface="+mn-lt"/>
-                <a:ea typeface="+mn-ea"/>
-                <a:cs typeface="+mn-cs"/>
-              </a:rPr>
-              <a:t>Cyrulnik</a:t>
-            </a:r>
-            <a:r>
-              <a:rPr lang="fr-FR" sz="1200" b="0" i="0" kern="1200" baseline="0" dirty="0" smtClean="0">
-                <a:solidFill>
-                  <a:schemeClr val="tx1"/>
-                </a:solidFill>
-                <a:effectLst/>
-                <a:latin typeface="+mn-lt"/>
-                <a:ea typeface="+mn-ea"/>
-                <a:cs typeface="+mn-cs"/>
-              </a:rPr>
-              <a:t> :D Mais c’est comment sortir du positif de quelque chose qui aurait pu être terrible </a:t>
-            </a:r>
-            <a:r>
-              <a:rPr lang="fr-FR" sz="1200" b="0" i="0" kern="1200" baseline="0" dirty="0" smtClean="0">
-                <a:solidFill>
-                  <a:schemeClr val="tx1"/>
-                </a:solidFill>
-                <a:effectLst/>
-                <a:latin typeface="+mn-lt"/>
-                <a:ea typeface="+mn-ea"/>
-                <a:cs typeface="+mn-cs"/>
-                <a:sym typeface="Wingdings" panose="05000000000000000000" pitchFamily="2" charset="2"/>
-              </a:rPr>
-              <a:t></a:t>
-            </a:r>
-            <a:endParaRPr lang="fr-FR" sz="1200" b="0" i="0" kern="1200" dirty="0" smtClean="0">
-              <a:solidFill>
-                <a:schemeClr val="tx1"/>
-              </a:solidFill>
-              <a:effectLst/>
-              <a:latin typeface="+mn-lt"/>
-              <a:ea typeface="+mn-ea"/>
-              <a:cs typeface="+mn-cs"/>
-            </a:endParaRPr>
-          </a:p>
-          <a:p>
-            <a:endParaRPr lang="fr-FR" baseline="0" dirty="0" smtClean="0">
-              <a:sym typeface="Wingdings" panose="05000000000000000000" pitchFamily="2" charset="2"/>
-            </a:endParaRPr>
-          </a:p>
-          <a:p>
-            <a:endParaRPr lang="fr-FR" baseline="0" dirty="0" smtClean="0">
-              <a:sym typeface="Wingdings" panose="05000000000000000000" pitchFamily="2" charset="2"/>
-            </a:endParaRPr>
-          </a:p>
-          <a:p>
-            <a:r>
-              <a:rPr lang="fr-FR" baseline="0" dirty="0" smtClean="0">
-                <a:sym typeface="Wingdings" panose="05000000000000000000" pitchFamily="2" charset="2"/>
-              </a:rPr>
-              <a:t/>
-            </a:r>
-            <a:br>
-              <a:rPr lang="fr-FR" baseline="0" dirty="0" smtClean="0">
-                <a:sym typeface="Wingdings" panose="05000000000000000000" pitchFamily="2" charset="2"/>
-              </a:rPr>
-            </a:br>
+              <a:rPr lang="fr-FR" dirty="0" smtClean="0"/>
+              <a:t>Après un traumatisme, on a deux choix - dont la gravité est ressentie différemment selon les individus, en psychologie. Soit on rumine, seul dans son coin et on accroit le problème (pour un SI ou une appli, on peut faire un parallèle avec les pseudos verrues logicielles ou simplement de faire comme si rien n'était arrivé, et on a toutes les chances que le problème refasse surface et de générer des irritants récurrents, et personne ne veut de ça). La deuxième possibilité est d'en parler, de le sublimer ! Cette capacité adaptative impacte positivement nos systèmes et applis.</a:t>
+            </a:r>
             <a:endParaRPr lang="fr-FR" dirty="0"/>
           </a:p>
         </p:txBody>
@@ -2292,7 +2315,7 @@
     </p:spTree>
     <p:extLst>
       <p:ext uri="{BB962C8B-B14F-4D97-AF65-F5344CB8AC3E}">
-        <p14:creationId xmlns:p14="http://schemas.microsoft.com/office/powerpoint/2010/main" val="2993593776"/>
+        <p14:creationId xmlns:p14="http://schemas.microsoft.com/office/powerpoint/2010/main" val="960408799"/>
       </p:ext>
     </p:extLst>
   </p:cSld>
@@ -2347,13 +2370,384 @@
           <a:lstStyle/>
           <a:p>
             <a:r>
-              <a:rPr lang="fr-FR" dirty="0" err="1" smtClean="0"/>
-              <a:t>Prez</a:t>
-            </a:r>
-            <a:r>
               <a:rPr lang="fr-FR" dirty="0" smtClean="0"/>
-              <a:t> fonctionnelle et technique</a:t>
-            </a:r>
+              <a:t>Alors on pourrait</a:t>
+            </a:r>
+            <a:r>
+              <a:rPr lang="fr-FR" baseline="0" dirty="0" smtClean="0"/>
+              <a:t> attendre que nos systèmes subissent des traumatismes pour les améliorer, les rendre plus résilient.</a:t>
+            </a:r>
+            <a:br>
+              <a:rPr lang="fr-FR" baseline="0" dirty="0" smtClean="0"/>
+            </a:br>
+            <a:r>
+              <a:rPr lang="fr-FR" baseline="0" dirty="0" smtClean="0"/>
+              <a:t>Mais pourquoi attendre quand on a aujourd’hui les outils pour « traumatiser » nos applis </a:t>
+            </a:r>
+            <a:r>
+              <a:rPr lang="fr-FR" baseline="0" dirty="0" smtClean="0">
+                <a:sym typeface="Wingdings" panose="05000000000000000000" pitchFamily="2" charset="2"/>
+              </a:rPr>
+              <a:t> ?</a:t>
+            </a:r>
+          </a:p>
+          <a:p>
+            <a:pPr marL="0" marR="0" lvl="0" indent="0" algn="l" defTabSz="914400" rtl="0" eaLnBrk="1" fontAlgn="auto" latinLnBrk="0" hangingPunct="1">
+              <a:lnSpc>
+                <a:spcPct val="100000"/>
+              </a:lnSpc>
+              <a:spcBef>
+                <a:spcPts val="0"/>
+              </a:spcBef>
+              <a:spcAft>
+                <a:spcPts val="0"/>
+              </a:spcAft>
+              <a:buClrTx/>
+              <a:buSzTx/>
+              <a:buFontTx/>
+              <a:buNone/>
+              <a:tabLst/>
+              <a:defRPr/>
+            </a:pPr>
+            <a:r>
+              <a:rPr lang="fr-FR" baseline="0" dirty="0" smtClean="0">
+                <a:sym typeface="Wingdings" panose="05000000000000000000" pitchFamily="2" charset="2"/>
+              </a:rPr>
+              <a:t>Le Chaos Engineering est un de ces outils, une discipline qui nous permet de rendre nos systèmes plus solides.</a:t>
+            </a:r>
+            <a:br>
+              <a:rPr lang="fr-FR" baseline="0" dirty="0" smtClean="0">
+                <a:sym typeface="Wingdings" panose="05000000000000000000" pitchFamily="2" charset="2"/>
+              </a:rPr>
+            </a:br>
+            <a:r>
+              <a:rPr lang="fr-FR" baseline="0" dirty="0" smtClean="0">
+                <a:sym typeface="Wingdings" panose="05000000000000000000" pitchFamily="2" charset="2"/>
+              </a:rPr>
+              <a:t/>
+            </a:r>
+            <a:br>
+              <a:rPr lang="fr-FR" baseline="0" dirty="0" smtClean="0">
+                <a:sym typeface="Wingdings" panose="05000000000000000000" pitchFamily="2" charset="2"/>
+              </a:rPr>
+            </a:br>
+            <a:r>
+              <a:rPr lang="fr-FR" baseline="0" dirty="0" smtClean="0">
+                <a:sym typeface="Wingdings" panose="05000000000000000000" pitchFamily="2" charset="2"/>
+              </a:rPr>
+              <a:t>[PREMERE CITATION - CLIC]</a:t>
+            </a:r>
+            <a:br>
+              <a:rPr lang="fr-FR" baseline="0" dirty="0" smtClean="0">
+                <a:sym typeface="Wingdings" panose="05000000000000000000" pitchFamily="2" charset="2"/>
+              </a:rPr>
+            </a:br>
+            <a:r>
+              <a:rPr lang="fr-FR" baseline="0" dirty="0" smtClean="0">
+                <a:sym typeface="Wingdings" panose="05000000000000000000" pitchFamily="2" charset="2"/>
+              </a:rPr>
+              <a:t>Chaos Engineering a été développé par </a:t>
+            </a:r>
+            <a:r>
+              <a:rPr lang="fr-FR" baseline="0" dirty="0" err="1" smtClean="0">
+                <a:sym typeface="Wingdings" panose="05000000000000000000" pitchFamily="2" charset="2"/>
+              </a:rPr>
+              <a:t>Netflix</a:t>
+            </a:r>
+            <a:r>
+              <a:rPr lang="fr-FR" baseline="0" dirty="0" smtClean="0">
+                <a:sym typeface="Wingdings" panose="05000000000000000000" pitchFamily="2" charset="2"/>
+              </a:rPr>
+              <a:t>. Les ingénieurs souhaitaient tester la résilience et la capacité de récupération de leurs services AWS. Par conséquent, ils ont développé un outil logiciel appelé Chaos Monkey qui simule des défaillances d'instances de leurs services. Leur premier scénario fut d’arrêter aléatoirement une ou plusieurs des machines virtuelles.</a:t>
+            </a:r>
+            <a:br>
+              <a:rPr lang="fr-FR" baseline="0" dirty="0" smtClean="0">
+                <a:sym typeface="Wingdings" panose="05000000000000000000" pitchFamily="2" charset="2"/>
+              </a:rPr>
+            </a:br>
+            <a:r>
+              <a:rPr lang="fr-FR" baseline="0" dirty="0" smtClean="0">
+                <a:sym typeface="Wingdings" panose="05000000000000000000" pitchFamily="2" charset="2"/>
+              </a:rPr>
+              <a:t/>
+            </a:r>
+            <a:br>
+              <a:rPr lang="fr-FR" baseline="0" dirty="0" smtClean="0">
+                <a:sym typeface="Wingdings" panose="05000000000000000000" pitchFamily="2" charset="2"/>
+              </a:rPr>
+            </a:br>
+            <a:r>
+              <a:rPr lang="fr-FR" baseline="0" dirty="0" smtClean="0">
+                <a:sym typeface="Wingdings" panose="05000000000000000000" pitchFamily="2" charset="2"/>
+              </a:rPr>
+              <a:t>[DEUXIEME CITATION - CLIC] </a:t>
+            </a:r>
+            <a:br>
+              <a:rPr lang="fr-FR" baseline="0" dirty="0" smtClean="0">
+                <a:sym typeface="Wingdings" panose="05000000000000000000" pitchFamily="2" charset="2"/>
+              </a:rPr>
+            </a:br>
+            <a:r>
+              <a:rPr lang="fr-FR" sz="1200" b="0" i="0" kern="1200" dirty="0" smtClean="0">
+                <a:solidFill>
+                  <a:schemeClr val="tx1"/>
+                </a:solidFill>
+                <a:effectLst/>
+                <a:latin typeface="+mn-lt"/>
+                <a:ea typeface="+mn-ea"/>
+                <a:cs typeface="+mn-cs"/>
+              </a:rPr>
+              <a:t>Benjamin </a:t>
+            </a:r>
+            <a:r>
+              <a:rPr lang="fr-FR" sz="1200" b="0" i="0" kern="1200" dirty="0" err="1" smtClean="0">
+                <a:solidFill>
+                  <a:schemeClr val="tx1"/>
+                </a:solidFill>
+                <a:effectLst/>
+                <a:latin typeface="+mn-lt"/>
+                <a:ea typeface="+mn-ea"/>
+                <a:cs typeface="+mn-cs"/>
+              </a:rPr>
+              <a:t>Gakic</a:t>
+            </a:r>
+            <a:r>
+              <a:rPr lang="fr-FR" sz="1200" b="0" i="0" kern="1200" dirty="0" smtClean="0">
+                <a:solidFill>
+                  <a:schemeClr val="tx1"/>
+                </a:solidFill>
+                <a:effectLst/>
+                <a:latin typeface="+mn-lt"/>
+                <a:ea typeface="+mn-ea"/>
+                <a:cs typeface="+mn-cs"/>
+              </a:rPr>
+              <a:t> anime la communauté Chaos Engineering de </a:t>
+            </a:r>
+            <a:r>
+              <a:rPr lang="fr-FR" sz="1200" b="0" i="0" kern="1200" dirty="0" err="1" smtClean="0">
+                <a:solidFill>
+                  <a:schemeClr val="tx1"/>
+                </a:solidFill>
+                <a:effectLst/>
+                <a:latin typeface="+mn-lt"/>
+                <a:ea typeface="+mn-ea"/>
+                <a:cs typeface="+mn-cs"/>
+              </a:rPr>
+              <a:t>OUI.sncf</a:t>
+            </a:r>
+            <a:endParaRPr lang="fr-FR" sz="1200" b="0" i="0" kern="1200" dirty="0" smtClean="0">
+              <a:solidFill>
+                <a:schemeClr val="tx1"/>
+              </a:solidFill>
+              <a:effectLst/>
+              <a:latin typeface="+mn-lt"/>
+              <a:ea typeface="+mn-ea"/>
+              <a:cs typeface="+mn-cs"/>
+            </a:endParaRPr>
+          </a:p>
+          <a:p>
+            <a:pPr marL="0" marR="0" lvl="0" indent="0" algn="l" defTabSz="914400" rtl="0" eaLnBrk="1" fontAlgn="auto" latinLnBrk="0" hangingPunct="1">
+              <a:lnSpc>
+                <a:spcPct val="100000"/>
+              </a:lnSpc>
+              <a:spcBef>
+                <a:spcPts val="0"/>
+              </a:spcBef>
+              <a:spcAft>
+                <a:spcPts val="0"/>
+              </a:spcAft>
+              <a:buClrTx/>
+              <a:buSzTx/>
+              <a:buFontTx/>
+              <a:buNone/>
+              <a:tabLst/>
+              <a:defRPr/>
+            </a:pPr>
+            <a:r>
+              <a:rPr lang="fr-FR" sz="1200" b="0" i="0" kern="1200" dirty="0" smtClean="0">
+                <a:solidFill>
+                  <a:schemeClr val="tx1"/>
+                </a:solidFill>
+                <a:effectLst/>
+                <a:latin typeface="+mn-lt"/>
+                <a:ea typeface="+mn-ea"/>
+                <a:cs typeface="+mn-cs"/>
+              </a:rPr>
+              <a:t>Il va plus loin dans sa définition, pour que ce soit plus clair : le but est de traumatiser nos</a:t>
+            </a:r>
+            <a:r>
+              <a:rPr lang="fr-FR" sz="1200" b="0" i="0" kern="1200" baseline="0" dirty="0" smtClean="0">
+                <a:solidFill>
+                  <a:schemeClr val="tx1"/>
+                </a:solidFill>
+                <a:effectLst/>
+                <a:latin typeface="+mn-lt"/>
+                <a:ea typeface="+mn-ea"/>
+                <a:cs typeface="+mn-cs"/>
+              </a:rPr>
+              <a:t> systèmes.</a:t>
+            </a:r>
+            <a:br>
+              <a:rPr lang="fr-FR" sz="1200" b="0" i="0" kern="1200" baseline="0" dirty="0" smtClean="0">
+                <a:solidFill>
+                  <a:schemeClr val="tx1"/>
+                </a:solidFill>
+                <a:effectLst/>
+                <a:latin typeface="+mn-lt"/>
+                <a:ea typeface="+mn-ea"/>
+                <a:cs typeface="+mn-cs"/>
+              </a:rPr>
+            </a:br>
+            <a:r>
+              <a:rPr lang="fr-FR" sz="1200" b="0" i="0" kern="1200" baseline="0" dirty="0" smtClean="0">
+                <a:solidFill>
+                  <a:schemeClr val="tx1"/>
+                </a:solidFill>
+                <a:effectLst/>
+                <a:latin typeface="+mn-lt"/>
+                <a:ea typeface="+mn-ea"/>
+                <a:cs typeface="+mn-cs"/>
+              </a:rPr>
+              <a:t/>
+            </a:r>
+            <a:br>
+              <a:rPr lang="fr-FR" sz="1200" b="0" i="0" kern="1200" baseline="0" dirty="0" smtClean="0">
+                <a:solidFill>
+                  <a:schemeClr val="tx1"/>
+                </a:solidFill>
+                <a:effectLst/>
+                <a:latin typeface="+mn-lt"/>
+                <a:ea typeface="+mn-ea"/>
+                <a:cs typeface="+mn-cs"/>
+              </a:rPr>
+            </a:br>
+            <a:r>
+              <a:rPr lang="fr-FR" sz="1200" b="0" i="0" kern="1200" baseline="0" dirty="0" smtClean="0">
+                <a:solidFill>
+                  <a:schemeClr val="tx1"/>
+                </a:solidFill>
+                <a:effectLst/>
+                <a:latin typeface="+mn-lt"/>
+                <a:ea typeface="+mn-ea"/>
+                <a:cs typeface="+mn-cs"/>
+              </a:rPr>
+              <a:t>[COMPLETER AVEC EXPLICATION DU CHAOS ENGINEERING ??? Peut-être pas utile]</a:t>
+            </a:r>
+            <a:br>
+              <a:rPr lang="fr-FR" sz="1200" b="0" i="0" kern="1200" baseline="0" dirty="0" smtClean="0">
+                <a:solidFill>
+                  <a:schemeClr val="tx1"/>
+                </a:solidFill>
+                <a:effectLst/>
+                <a:latin typeface="+mn-lt"/>
+                <a:ea typeface="+mn-ea"/>
+                <a:cs typeface="+mn-cs"/>
+              </a:rPr>
+            </a:br>
+            <a:r>
+              <a:rPr lang="fr-FR" sz="1200" b="0" i="0" kern="1200" baseline="0" dirty="0" smtClean="0">
+                <a:solidFill>
+                  <a:schemeClr val="tx1"/>
+                </a:solidFill>
+                <a:effectLst/>
+                <a:latin typeface="+mn-lt"/>
+                <a:ea typeface="+mn-ea"/>
+                <a:cs typeface="+mn-cs"/>
+              </a:rPr>
+              <a:t/>
+            </a:r>
+            <a:br>
+              <a:rPr lang="fr-FR" sz="1200" b="0" i="0" kern="1200" baseline="0" dirty="0" smtClean="0">
+                <a:solidFill>
+                  <a:schemeClr val="tx1"/>
+                </a:solidFill>
+                <a:effectLst/>
+                <a:latin typeface="+mn-lt"/>
+                <a:ea typeface="+mn-ea"/>
+                <a:cs typeface="+mn-cs"/>
+              </a:rPr>
+            </a:br>
+            <a:r>
+              <a:rPr lang="fr-FR" sz="1200" b="0" i="0" kern="1200" baseline="0" dirty="0" smtClean="0">
+                <a:solidFill>
+                  <a:schemeClr val="tx1"/>
+                </a:solidFill>
+                <a:effectLst/>
+                <a:latin typeface="+mn-lt"/>
+                <a:ea typeface="+mn-ea"/>
+                <a:cs typeface="+mn-cs"/>
+              </a:rPr>
+              <a:t>NB : « Un merveilleux malheur », de </a:t>
+            </a:r>
+            <a:r>
+              <a:rPr lang="fr-FR" sz="1200" b="0" i="0" kern="1200" baseline="0" dirty="0" err="1" smtClean="0">
+                <a:solidFill>
+                  <a:schemeClr val="tx1"/>
+                </a:solidFill>
+                <a:effectLst/>
+                <a:latin typeface="+mn-lt"/>
+                <a:ea typeface="+mn-ea"/>
+                <a:cs typeface="+mn-cs"/>
+              </a:rPr>
+              <a:t>Cyrulnik</a:t>
+            </a:r>
+            <a:r>
+              <a:rPr lang="fr-FR" sz="1200" b="0" i="0" kern="1200" baseline="0" dirty="0" smtClean="0">
+                <a:solidFill>
+                  <a:schemeClr val="tx1"/>
+                </a:solidFill>
+                <a:effectLst/>
+                <a:latin typeface="+mn-lt"/>
+                <a:ea typeface="+mn-ea"/>
+                <a:cs typeface="+mn-cs"/>
+              </a:rPr>
+              <a:t> :D Mais c’est comment sortir du positif de quelque chose qui aurait pu être terrible </a:t>
+            </a:r>
+            <a:r>
+              <a:rPr lang="fr-FR" sz="1200" b="0" i="0" kern="1200" baseline="0" dirty="0" smtClean="0">
+                <a:solidFill>
+                  <a:schemeClr val="tx1"/>
+                </a:solidFill>
+                <a:effectLst/>
+                <a:latin typeface="+mn-lt"/>
+                <a:ea typeface="+mn-ea"/>
+                <a:cs typeface="+mn-cs"/>
+                <a:sym typeface="Wingdings" panose="05000000000000000000" pitchFamily="2" charset="2"/>
+              </a:rPr>
+              <a:t></a:t>
+            </a:r>
+            <a:endParaRPr lang="fr-FR" sz="1200" b="0" i="0" kern="1200" dirty="0" smtClean="0">
+              <a:solidFill>
+                <a:schemeClr val="tx1"/>
+              </a:solidFill>
+              <a:effectLst/>
+              <a:latin typeface="+mn-lt"/>
+              <a:ea typeface="+mn-ea"/>
+              <a:cs typeface="+mn-cs"/>
+            </a:endParaRPr>
+          </a:p>
+          <a:p>
+            <a:endParaRPr lang="fr-FR" baseline="0" dirty="0" smtClean="0">
+              <a:sym typeface="Wingdings" panose="05000000000000000000" pitchFamily="2" charset="2"/>
+            </a:endParaRPr>
+          </a:p>
+          <a:p>
+            <a:endParaRPr lang="fr-FR" baseline="0" dirty="0" smtClean="0">
+              <a:sym typeface="Wingdings" panose="05000000000000000000" pitchFamily="2" charset="2"/>
+            </a:endParaRPr>
+          </a:p>
+          <a:p>
+            <a:r>
+              <a:rPr lang="fr-FR" baseline="0" dirty="0" smtClean="0">
+                <a:sym typeface="Wingdings" panose="05000000000000000000" pitchFamily="2" charset="2"/>
+              </a:rPr>
+              <a:t/>
+            </a:r>
+            <a:br>
+              <a:rPr lang="fr-FR" baseline="0" dirty="0" smtClean="0">
+                <a:sym typeface="Wingdings" panose="05000000000000000000" pitchFamily="2" charset="2"/>
+              </a:rPr>
+            </a:br>
             <a:endParaRPr lang="fr-FR" dirty="0"/>
           </a:p>
         </p:txBody>
@@ -2375,7 +2769,7 @@
           <a:p>
             <a:fld id="{B35DA622-522A-4B17-9AC4-B01778B7071C}" type="slidenum">
               <a:rPr lang="fr-FR" smtClean="0"/>
-              <a:t>6</a:t>
+              <a:t>5</a:t>
             </a:fld>
             <a:endParaRPr lang="fr-FR"/>
           </a:p>
@@ -2384,7 +2778,7 @@
     </p:spTree>
     <p:extLst>
       <p:ext uri="{BB962C8B-B14F-4D97-AF65-F5344CB8AC3E}">
-        <p14:creationId xmlns:p14="http://schemas.microsoft.com/office/powerpoint/2010/main" val="545146258"/>
+        <p14:creationId xmlns:p14="http://schemas.microsoft.com/office/powerpoint/2010/main" val="2993593776"/>
       </p:ext>
     </p:extLst>
   </p:cSld>
@@ -2438,6 +2832,14 @@
           <a:bodyPr/>
           <a:lstStyle/>
           <a:p>
+            <a:r>
+              <a:rPr lang="fr-FR" dirty="0" err="1" smtClean="0"/>
+              <a:t>Prez</a:t>
+            </a:r>
+            <a:r>
+              <a:rPr lang="fr-FR" dirty="0" smtClean="0"/>
+              <a:t> fonctionnelle et technique</a:t>
+            </a:r>
             <a:endParaRPr lang="fr-FR" dirty="0"/>
           </a:p>
         </p:txBody>
@@ -2468,7 +2870,7 @@
     </p:spTree>
     <p:extLst>
       <p:ext uri="{BB962C8B-B14F-4D97-AF65-F5344CB8AC3E}">
-        <p14:creationId xmlns:p14="http://schemas.microsoft.com/office/powerpoint/2010/main" val="3183962232"/>
+        <p14:creationId xmlns:p14="http://schemas.microsoft.com/office/powerpoint/2010/main" val="545146258"/>
       </p:ext>
     </p:extLst>
   </p:cSld>
@@ -2522,28 +2924,6 @@
           <a:bodyPr/>
           <a:lstStyle/>
           <a:p>
-            <a:r>
-              <a:rPr lang="fr-FR" dirty="0">
-                <a:hlinkClick r:id="rId3"/>
-              </a:rPr>
-              <a:t>https://</a:t>
-            </a:r>
-            <a:r>
-              <a:rPr lang="fr-FR" dirty="0" smtClean="0">
-                <a:hlinkClick r:id="rId3"/>
-              </a:rPr>
-              <a:t>assistant-us-south.watsonplatform.net/eu-gb/000c8e94-bdeb-4038-adb8-f6c3132eb7b6/workspaces/ed0bdd7c-aff6-4a08-ab19-0c529ae2d11a/build/intents</a:t>
-            </a:r>
-            <a:r>
-              <a:rPr lang="fr-FR" dirty="0" smtClean="0"/>
-              <a:t> </a:t>
-            </a:r>
-          </a:p>
-          <a:p>
-            <a:r>
-              <a:rPr lang="fr-FR" dirty="0" smtClean="0"/>
-              <a:t>Alors Polo on se connecte à IBM ? ? ?</a:t>
-            </a:r>
             <a:endParaRPr lang="fr-FR" dirty="0"/>
           </a:p>
         </p:txBody>
@@ -2565,7 +2945,7 @@
           <a:p>
             <a:fld id="{B35DA622-522A-4B17-9AC4-B01778B7071C}" type="slidenum">
               <a:rPr lang="fr-FR" smtClean="0"/>
-              <a:t>10</a:t>
+              <a:t>8</a:t>
             </a:fld>
             <a:endParaRPr lang="fr-FR"/>
           </a:p>
@@ -2574,7 +2954,7 @@
     </p:spTree>
     <p:extLst>
       <p:ext uri="{BB962C8B-B14F-4D97-AF65-F5344CB8AC3E}">
-        <p14:creationId xmlns:p14="http://schemas.microsoft.com/office/powerpoint/2010/main" val="641554877"/>
+        <p14:creationId xmlns:p14="http://schemas.microsoft.com/office/powerpoint/2010/main" val="3183962232"/>
       </p:ext>
     </p:extLst>
   </p:cSld>
@@ -2777,7 +3157,7 @@
           <a:p>
             <a:fld id="{B35DA622-522A-4B17-9AC4-B01778B7071C}" type="slidenum">
               <a:rPr lang="fr-FR" smtClean="0"/>
-              <a:t>15</a:t>
+              <a:t>13</a:t>
             </a:fld>
             <a:endParaRPr lang="fr-FR"/>
           </a:p>
@@ -2841,111 +3221,27 @@
           <a:lstStyle/>
           <a:p>
             <a:r>
+              <a:rPr lang="fr-FR" dirty="0">
+                <a:hlinkClick r:id="rId3"/>
+              </a:rPr>
+              <a:t>https://</a:t>
+            </a:r>
+            <a:r>
+              <a:rPr lang="fr-FR" dirty="0" smtClean="0">
+                <a:hlinkClick r:id="rId3"/>
+              </a:rPr>
+              <a:t>assistant-us-south.watsonplatform.net/eu-gb/000c8e94-bdeb-4038-adb8-f6c3132eb7b6/workspaces/ed0bdd7c-aff6-4a08-ab19-0c529ae2d11a/build/intents</a:t>
+            </a:r>
+            <a:r>
               <a:rPr lang="fr-FR" dirty="0" smtClean="0"/>
-              <a:t>Chaos</a:t>
-            </a:r>
-            <a:r>
-              <a:rPr lang="fr-FR" baseline="0" dirty="0" smtClean="0"/>
               <a:t> </a:t>
             </a:r>
-            <a:r>
-              <a:rPr lang="fr-FR" baseline="0" dirty="0" err="1" smtClean="0"/>
-              <a:t>monkey</a:t>
-            </a:r>
-            <a:r>
-              <a:rPr lang="fr-FR" baseline="0" dirty="0" smtClean="0"/>
-              <a:t> : outil </a:t>
-            </a:r>
-            <a:r>
-              <a:rPr lang="fr-FR" baseline="0" dirty="0" err="1" smtClean="0"/>
-              <a:t>netflix</a:t>
-            </a:r>
-            <a:r>
-              <a:rPr lang="fr-FR" baseline="0" dirty="0" smtClean="0"/>
-              <a:t> pour tester la résilience</a:t>
-            </a:r>
-          </a:p>
-          <a:p>
-            <a:r>
-              <a:rPr lang="fr-FR" baseline="0" dirty="0" smtClean="0"/>
-              <a:t>Si une appli fonctionne avec des pannes </a:t>
-            </a:r>
-            <a:r>
-              <a:rPr lang="fr-FR" baseline="0" dirty="0" err="1" smtClean="0"/>
-              <a:t>aleatoire</a:t>
-            </a:r>
-            <a:r>
-              <a:rPr lang="fr-FR" baseline="0" dirty="0" smtClean="0"/>
-              <a:t>, elle fonctionnera le jour ou une vrai panne arrivera</a:t>
-            </a:r>
-          </a:p>
-          <a:p>
-            <a:r>
-              <a:rPr lang="fr-FR" baseline="0" dirty="0" err="1" smtClean="0"/>
-              <a:t>Ajd</a:t>
-            </a:r>
-            <a:r>
-              <a:rPr lang="fr-FR" baseline="0" dirty="0" smtClean="0"/>
-              <a:t>, les applis vont forcement tomber en panne</a:t>
-            </a:r>
-          </a:p>
-          <a:p>
-            <a:r>
-              <a:rPr lang="fr-FR" baseline="0" dirty="0" smtClean="0"/>
-              <a:t>Utiliser en </a:t>
-            </a:r>
-            <a:r>
-              <a:rPr lang="fr-FR" baseline="0" dirty="0" err="1" smtClean="0"/>
-              <a:t>prod</a:t>
-            </a:r>
-            <a:r>
-              <a:rPr lang="fr-FR" baseline="0" dirty="0" smtClean="0"/>
-              <a:t> chez </a:t>
-            </a:r>
-            <a:r>
-              <a:rPr lang="fr-FR" baseline="0" dirty="0" err="1" smtClean="0"/>
-              <a:t>neflix</a:t>
-            </a:r>
-            <a:endParaRPr lang="fr-FR" baseline="0" dirty="0" smtClean="0"/>
-          </a:p>
-          <a:p>
-            <a:endParaRPr lang="fr-FR" baseline="0" dirty="0" smtClean="0"/>
-          </a:p>
-          <a:p>
-            <a:r>
-              <a:rPr lang="fr-FR" baseline="0" dirty="0" err="1" smtClean="0"/>
-              <a:t>Gatling</a:t>
-            </a:r>
-            <a:r>
-              <a:rPr lang="fr-FR" baseline="0" dirty="0" smtClean="0"/>
-              <a:t>:</a:t>
-            </a:r>
-          </a:p>
-          <a:p>
-            <a:r>
-              <a:rPr lang="fr-FR" baseline="0" dirty="0" smtClean="0"/>
-              <a:t>Outil open source test de charge et de performance</a:t>
-            </a:r>
-          </a:p>
-          <a:p>
-            <a:r>
-              <a:rPr lang="fr-FR" baseline="0" dirty="0" err="1" smtClean="0"/>
-              <a:t>Repository</a:t>
-            </a:r>
-            <a:r>
-              <a:rPr lang="fr-FR" baseline="0" dirty="0" smtClean="0"/>
-              <a:t>  starter disponible sur </a:t>
-            </a:r>
-            <a:r>
-              <a:rPr lang="fr-FR" baseline="0" dirty="0" err="1" smtClean="0"/>
-              <a:t>github</a:t>
-            </a:r>
-            <a:endParaRPr lang="fr-FR" baseline="0" dirty="0" smtClean="0"/>
-          </a:p>
-          <a:p>
-            <a:endParaRPr lang="fr-FR" baseline="0" dirty="0" smtClean="0"/>
-          </a:p>
-          <a:p>
+          </a:p>
+          <a:p>
+            <a:r>
+              <a:rPr lang="fr-FR" dirty="0" smtClean="0"/>
+              <a:t>Alors Polo on se connecte à IBM ? ? ?</a:t>
+            </a:r>
             <a:endParaRPr lang="fr-FR" dirty="0"/>
           </a:p>
         </p:txBody>
@@ -2967,7 +3263,7 @@
           <a:p>
             <a:fld id="{B35DA622-522A-4B17-9AC4-B01778B7071C}" type="slidenum">
               <a:rPr lang="fr-FR" smtClean="0"/>
-              <a:t>18</a:t>
+              <a:t>15</a:t>
             </a:fld>
             <a:endParaRPr lang="fr-FR"/>
           </a:p>
@@ -2976,7 +3272,7 @@
     </p:spTree>
     <p:extLst>
       <p:ext uri="{BB962C8B-B14F-4D97-AF65-F5344CB8AC3E}">
-        <p14:creationId xmlns:p14="http://schemas.microsoft.com/office/powerpoint/2010/main" val="1516938095"/>
+        <p14:creationId xmlns:p14="http://schemas.microsoft.com/office/powerpoint/2010/main" val="2667130811"/>
       </p:ext>
     </p:extLst>
   </p:cSld>
@@ -3031,111 +3327,27 @@
           <a:lstStyle/>
           <a:p>
             <a:r>
+              <a:rPr lang="fr-FR" dirty="0">
+                <a:hlinkClick r:id="rId3"/>
+              </a:rPr>
+              <a:t>https://</a:t>
+            </a:r>
+            <a:r>
+              <a:rPr lang="fr-FR" dirty="0" smtClean="0">
+                <a:hlinkClick r:id="rId3"/>
+              </a:rPr>
+              <a:t>assistant-us-south.watsonplatform.net/eu-gb/000c8e94-bdeb-4038-adb8-f6c3132eb7b6/workspaces/ed0bdd7c-aff6-4a08-ab19-0c529ae2d11a/build/intents</a:t>
+            </a:r>
+            <a:r>
               <a:rPr lang="fr-FR" dirty="0" smtClean="0"/>
-              <a:t>Chaos</a:t>
-            </a:r>
-            <a:r>
-              <a:rPr lang="fr-FR" baseline="0" dirty="0" smtClean="0"/>
               <a:t> </a:t>
             </a:r>
-            <a:r>
-              <a:rPr lang="fr-FR" baseline="0" dirty="0" err="1" smtClean="0"/>
-              <a:t>monkey</a:t>
-            </a:r>
-            <a:r>
-              <a:rPr lang="fr-FR" baseline="0" dirty="0" smtClean="0"/>
-              <a:t> : outil </a:t>
-            </a:r>
-            <a:r>
-              <a:rPr lang="fr-FR" baseline="0" dirty="0" err="1" smtClean="0"/>
-              <a:t>netflix</a:t>
-            </a:r>
-            <a:r>
-              <a:rPr lang="fr-FR" baseline="0" dirty="0" smtClean="0"/>
-              <a:t> pour tester la résilience</a:t>
-            </a:r>
-          </a:p>
-          <a:p>
-            <a:r>
-              <a:rPr lang="fr-FR" baseline="0" dirty="0" smtClean="0"/>
-              <a:t>Si une appli fonctionne avec des pannes </a:t>
-            </a:r>
-            <a:r>
-              <a:rPr lang="fr-FR" baseline="0" dirty="0" err="1" smtClean="0"/>
-              <a:t>aleatoire</a:t>
-            </a:r>
-            <a:r>
-              <a:rPr lang="fr-FR" baseline="0" dirty="0" smtClean="0"/>
-              <a:t>, elle fonctionnera le jour ou une vrai panne arrivera</a:t>
-            </a:r>
-          </a:p>
-          <a:p>
-            <a:r>
-              <a:rPr lang="fr-FR" baseline="0" dirty="0" err="1" smtClean="0"/>
-              <a:t>Ajd</a:t>
-            </a:r>
-            <a:r>
-              <a:rPr lang="fr-FR" baseline="0" dirty="0" smtClean="0"/>
-              <a:t>, les applis vont forcement tomber en panne</a:t>
-            </a:r>
-          </a:p>
-          <a:p>
-            <a:r>
-              <a:rPr lang="fr-FR" baseline="0" dirty="0" smtClean="0"/>
-              <a:t>Utiliser en </a:t>
-            </a:r>
-            <a:r>
-              <a:rPr lang="fr-FR" baseline="0" dirty="0" err="1" smtClean="0"/>
-              <a:t>prod</a:t>
-            </a:r>
-            <a:r>
-              <a:rPr lang="fr-FR" baseline="0" dirty="0" smtClean="0"/>
-              <a:t> chez </a:t>
-            </a:r>
-            <a:r>
-              <a:rPr lang="fr-FR" baseline="0" dirty="0" err="1" smtClean="0"/>
-              <a:t>neflix</a:t>
-            </a:r>
-            <a:endParaRPr lang="fr-FR" baseline="0" dirty="0" smtClean="0"/>
-          </a:p>
-          <a:p>
-            <a:endParaRPr lang="fr-FR" baseline="0" dirty="0" smtClean="0"/>
-          </a:p>
-          <a:p>
-            <a:r>
-              <a:rPr lang="fr-FR" baseline="0" dirty="0" err="1" smtClean="0"/>
-              <a:t>Gatling</a:t>
-            </a:r>
-            <a:r>
-              <a:rPr lang="fr-FR" baseline="0" dirty="0" smtClean="0"/>
-              <a:t>:</a:t>
-            </a:r>
-          </a:p>
-          <a:p>
-            <a:r>
-              <a:rPr lang="fr-FR" baseline="0" dirty="0" smtClean="0"/>
-              <a:t>Outil open source test de charge et de performance</a:t>
-            </a:r>
-          </a:p>
-          <a:p>
-            <a:r>
-              <a:rPr lang="fr-FR" baseline="0" dirty="0" err="1" smtClean="0"/>
-              <a:t>Repository</a:t>
-            </a:r>
-            <a:r>
-              <a:rPr lang="fr-FR" baseline="0" dirty="0" smtClean="0"/>
-              <a:t>  starter disponible sur </a:t>
-            </a:r>
-            <a:r>
-              <a:rPr lang="fr-FR" baseline="0" dirty="0" err="1" smtClean="0"/>
-              <a:t>github</a:t>
-            </a:r>
-            <a:endParaRPr lang="fr-FR" baseline="0" dirty="0" smtClean="0"/>
-          </a:p>
-          <a:p>
-            <a:endParaRPr lang="fr-FR" baseline="0" dirty="0" smtClean="0"/>
-          </a:p>
-          <a:p>
+          </a:p>
+          <a:p>
+            <a:r>
+              <a:rPr lang="fr-FR" dirty="0" smtClean="0"/>
+              <a:t>Alors Polo on se connecte à IBM ? ? ?</a:t>
+            </a:r>
             <a:endParaRPr lang="fr-FR" dirty="0"/>
           </a:p>
         </p:txBody>
@@ -3157,7 +3369,7 @@
           <a:p>
             <a:fld id="{B35DA622-522A-4B17-9AC4-B01778B7071C}" type="slidenum">
               <a:rPr lang="fr-FR" smtClean="0"/>
-              <a:t>19</a:t>
+              <a:t>16</a:t>
             </a:fld>
             <a:endParaRPr lang="fr-FR"/>
           </a:p>
@@ -3166,7 +3378,7 @@
     </p:spTree>
     <p:extLst>
       <p:ext uri="{BB962C8B-B14F-4D97-AF65-F5344CB8AC3E}">
-        <p14:creationId xmlns:p14="http://schemas.microsoft.com/office/powerpoint/2010/main" val="3566044670"/>
+        <p14:creationId xmlns:p14="http://schemas.microsoft.com/office/powerpoint/2010/main" val="1353110943"/>
       </p:ext>
     </p:extLst>
   </p:cSld>
@@ -3616,7 +3828,7 @@
           <a:p>
             <a:fld id="{53F1A578-CF54-4F7E-B632-6057828CF008}" type="datetime1">
               <a:rPr lang="fr-FR" smtClean="0"/>
-              <a:t>17/01/2020</a:t>
+              <a:t>18/01/2020</a:t>
             </a:fld>
             <a:endParaRPr lang="fr-FR"/>
           </a:p>
@@ -3796,7 +4008,7 @@
           <a:p>
             <a:fld id="{BE76CFE2-95CD-4A32-97B1-F5ACE338180B}" type="datetime1">
               <a:rPr lang="fr-FR" smtClean="0"/>
-              <a:t>17/01/2020</a:t>
+              <a:t>18/01/2020</a:t>
             </a:fld>
             <a:endParaRPr lang="fr-FR"/>
           </a:p>
@@ -4002,7 +4214,7 @@
           <a:p>
             <a:fld id="{01328BD3-3DC5-4EE9-9517-503B3CBDB3D9}" type="datetimeFigureOut">
               <a:rPr lang="fr-FR" smtClean="0"/>
-              <a:t>17/01/2020</a:t>
+              <a:t>18/01/2020</a:t>
             </a:fld>
             <a:endParaRPr lang="fr-FR"/>
           </a:p>
@@ -4212,7 +4424,7 @@
           <a:p>
             <a:fld id="{01328BD3-3DC5-4EE9-9517-503B3CBDB3D9}" type="datetimeFigureOut">
               <a:rPr lang="fr-FR" smtClean="0"/>
-              <a:t>17/01/2020</a:t>
+              <a:t>18/01/2020</a:t>
             </a:fld>
             <a:endParaRPr lang="fr-FR"/>
           </a:p>
@@ -4488,7 +4700,7 @@
           <a:p>
             <a:fld id="{01328BD3-3DC5-4EE9-9517-503B3CBDB3D9}" type="datetimeFigureOut">
               <a:rPr lang="fr-FR" smtClean="0"/>
-              <a:t>17/01/2020</a:t>
+              <a:t>18/01/2020</a:t>
             </a:fld>
             <a:endParaRPr lang="fr-FR"/>
           </a:p>
@@ -4758,7 +4970,7 @@
           <a:p>
             <a:fld id="{01328BD3-3DC5-4EE9-9517-503B3CBDB3D9}" type="datetimeFigureOut">
               <a:rPr lang="fr-FR" smtClean="0"/>
-              <a:t>17/01/2020</a:t>
+              <a:t>18/01/2020</a:t>
             </a:fld>
             <a:endParaRPr lang="fr-FR"/>
           </a:p>
@@ -5164,7 +5376,7 @@
           <a:p>
             <a:fld id="{01328BD3-3DC5-4EE9-9517-503B3CBDB3D9}" type="datetimeFigureOut">
               <a:rPr lang="fr-FR" smtClean="0"/>
-              <a:t>17/01/2020</a:t>
+              <a:t>18/01/2020</a:t>
             </a:fld>
             <a:endParaRPr lang="fr-FR"/>
           </a:p>
@@ -5314,7 +5526,7 @@
           <a:p>
             <a:fld id="{01328BD3-3DC5-4EE9-9517-503B3CBDB3D9}" type="datetimeFigureOut">
               <a:rPr lang="fr-FR" smtClean="0"/>
-              <a:t>17/01/2020</a:t>
+              <a:t>18/01/2020</a:t>
             </a:fld>
             <a:endParaRPr lang="fr-FR"/>
           </a:p>
@@ -5433,7 +5645,7 @@
           <a:p>
             <a:fld id="{01328BD3-3DC5-4EE9-9517-503B3CBDB3D9}" type="datetimeFigureOut">
               <a:rPr lang="fr-FR" smtClean="0"/>
-              <a:t>17/01/2020</a:t>
+              <a:t>18/01/2020</a:t>
             </a:fld>
             <a:endParaRPr lang="fr-FR"/>
           </a:p>
@@ -5743,7 +5955,7 @@
           <a:p>
             <a:fld id="{01328BD3-3DC5-4EE9-9517-503B3CBDB3D9}" type="datetimeFigureOut">
               <a:rPr lang="fr-FR" smtClean="0"/>
-              <a:t>17/01/2020</a:t>
+              <a:t>18/01/2020</a:t>
             </a:fld>
             <a:endParaRPr lang="fr-FR"/>
           </a:p>
@@ -5929,7 +6141,7 @@
           <a:p>
             <a:fld id="{83324017-11E6-403C-8DF0-E07D6BBD421D}" type="datetime1">
               <a:rPr lang="fr-FR" smtClean="0"/>
-              <a:t>17/01/2020</a:t>
+              <a:t>18/01/2020</a:t>
             </a:fld>
             <a:endParaRPr lang="fr-FR"/>
           </a:p>
@@ -6206,7 +6418,7 @@
           <a:p>
             <a:fld id="{01328BD3-3DC5-4EE9-9517-503B3CBDB3D9}" type="datetimeFigureOut">
               <a:rPr lang="fr-FR" smtClean="0"/>
-              <a:t>17/01/2020</a:t>
+              <a:t>18/01/2020</a:t>
             </a:fld>
             <a:endParaRPr lang="fr-FR"/>
           </a:p>
@@ -6416,7 +6628,7 @@
           <a:p>
             <a:fld id="{01328BD3-3DC5-4EE9-9517-503B3CBDB3D9}" type="datetimeFigureOut">
               <a:rPr lang="fr-FR" smtClean="0"/>
-              <a:t>17/01/2020</a:t>
+              <a:t>18/01/2020</a:t>
             </a:fld>
             <a:endParaRPr lang="fr-FR"/>
           </a:p>
@@ -6626,7 +6838,7 @@
           <a:p>
             <a:fld id="{01328BD3-3DC5-4EE9-9517-503B3CBDB3D9}" type="datetimeFigureOut">
               <a:rPr lang="fr-FR" smtClean="0"/>
-              <a:t>17/01/2020</a:t>
+              <a:t>18/01/2020</a:t>
             </a:fld>
             <a:endParaRPr lang="fr-FR"/>
           </a:p>
@@ -6888,7 +7100,7 @@
           <a:p>
             <a:fld id="{52B1F042-851C-4033-9A9B-3785B27AB717}" type="datetime1">
               <a:rPr lang="fr-FR" smtClean="0"/>
-              <a:t>17/01/2020</a:t>
+              <a:t>18/01/2020</a:t>
             </a:fld>
             <a:endParaRPr lang="fr-FR"/>
           </a:p>
@@ -7120,7 +7332,7 @@
           <a:p>
             <a:fld id="{034A8F9E-78CD-455C-818B-DD4A961B9150}" type="datetime1">
               <a:rPr lang="fr-FR" smtClean="0"/>
-              <a:t>17/01/2020</a:t>
+              <a:t>18/01/2020</a:t>
             </a:fld>
             <a:endParaRPr lang="fr-FR"/>
           </a:p>
@@ -7487,7 +7699,7 @@
           <a:p>
             <a:fld id="{81576C7E-E8E0-4F9E-BE7E-1BC578A50B5B}" type="datetime1">
               <a:rPr lang="fr-FR" smtClean="0"/>
-              <a:t>17/01/2020</a:t>
+              <a:t>18/01/2020</a:t>
             </a:fld>
             <a:endParaRPr lang="fr-FR"/>
           </a:p>
@@ -7605,7 +7817,7 @@
           <a:p>
             <a:fld id="{0A8BA257-B0C1-49B2-A417-40DAB387243E}" type="datetime1">
               <a:rPr lang="fr-FR" smtClean="0"/>
-              <a:t>17/01/2020</a:t>
+              <a:t>18/01/2020</a:t>
             </a:fld>
             <a:endParaRPr lang="fr-FR"/>
           </a:p>
@@ -7700,7 +7912,7 @@
           <a:p>
             <a:fld id="{2EA96EB8-38DB-4D23-8070-05C9711EAF8D}" type="datetime1">
               <a:rPr lang="fr-FR" smtClean="0"/>
-              <a:t>17/01/2020</a:t>
+              <a:t>18/01/2020</a:t>
             </a:fld>
             <a:endParaRPr lang="fr-FR"/>
           </a:p>
@@ -7977,7 +8189,7 @@
           <a:p>
             <a:fld id="{81D9A430-639B-403A-8AAF-759F061BDC95}" type="datetime1">
               <a:rPr lang="fr-FR" smtClean="0"/>
-              <a:t>17/01/2020</a:t>
+              <a:t>18/01/2020</a:t>
             </a:fld>
             <a:endParaRPr lang="fr-FR"/>
           </a:p>
@@ -8230,7 +8442,7 @@
           <a:p>
             <a:fld id="{06C7B113-2B35-46FF-BF45-BE2306F5FE8B}" type="datetime1">
               <a:rPr lang="fr-FR" smtClean="0"/>
-              <a:t>17/01/2020</a:t>
+              <a:t>18/01/2020</a:t>
             </a:fld>
             <a:endParaRPr lang="fr-FR"/>
           </a:p>
@@ -8443,7 +8655,7 @@
           <a:p>
             <a:fld id="{19D9C409-5ACF-4826-BD1B-C4FF95172A81}" type="datetime1">
               <a:rPr lang="fr-FR" smtClean="0"/>
-              <a:t>17/01/2020</a:t>
+              <a:t>18/01/2020</a:t>
             </a:fld>
             <a:endParaRPr lang="fr-FR"/>
           </a:p>
@@ -11077,30 +11289,70 @@
           <a:chExt cx="0" cy="0"/>
         </a:xfrm>
       </p:grpSpPr>
+      <p:cxnSp>
+        <p:nvCxnSpPr>
+          <p:cNvPr id="43" name="Straight Connector 149">
+            <a:extLst>
+              <a:ext uri="{FF2B5EF4-FFF2-40B4-BE49-F238E27FC236}">
+                <a16:creationId xmlns:a16="http://schemas.microsoft.com/office/drawing/2014/main" id="{D8CF519D-DB01-4308-A138-A01722AD4A22}"/>
+              </a:ext>
+            </a:extLst>
+          </p:cNvPr>
+          <p:cNvCxnSpPr/>
+          <p:nvPr/>
+        </p:nvCxnSpPr>
+        <p:spPr>
+          <a:xfrm>
+            <a:off x="441410" y="3064483"/>
+            <a:ext cx="0" cy="3212358"/>
+          </a:xfrm>
+          <a:prstGeom prst="line">
+            <a:avLst/>
+          </a:prstGeom>
+          <a:ln w="12700" cmpd="sng">
+            <a:noFill/>
+          </a:ln>
+          <a:effectLst/>
+        </p:spPr>
+        <p:style>
+          <a:lnRef idx="2">
+            <a:schemeClr val="accent1"/>
+          </a:lnRef>
+          <a:fillRef idx="0">
+            <a:schemeClr val="accent1"/>
+          </a:fillRef>
+          <a:effectRef idx="1">
+            <a:schemeClr val="accent1"/>
+          </a:effectRef>
+          <a:fontRef idx="minor">
+            <a:schemeClr val="tx1"/>
+          </a:fontRef>
+        </p:style>
+      </p:cxnSp>
       <p:grpSp>
         <p:nvGrpSpPr>
-          <p:cNvPr id="202" name="Groupe 201"/>
+          <p:cNvPr id="45" name="Groupe 44"/>
           <p:cNvGrpSpPr/>
           <p:nvPr/>
         </p:nvGrpSpPr>
         <p:grpSpPr>
           <a:xfrm>
             <a:off x="0" y="73772"/>
-            <a:ext cx="3118639" cy="883356"/>
+            <a:ext cx="7408275" cy="883356"/>
             <a:chOff x="0" y="-9760"/>
-            <a:chExt cx="2497512" cy="785565"/>
+            <a:chExt cx="5932800" cy="785565"/>
           </a:xfrm>
         </p:grpSpPr>
         <p:sp>
           <p:nvSpPr>
-            <p:cNvPr id="203" name="ZoneTexte 202"/>
+            <p:cNvPr id="46" name="ZoneTexte 45"/>
             <p:cNvSpPr txBox="1"/>
             <p:nvPr/>
           </p:nvSpPr>
           <p:spPr>
             <a:xfrm>
               <a:off x="109500" y="-9760"/>
-              <a:ext cx="2388012" cy="629520"/>
+              <a:ext cx="5823300" cy="629520"/>
             </a:xfrm>
             <a:prstGeom prst="rect">
               <a:avLst/>
@@ -11119,19 +11371,14 @@
                   <a:ea typeface="Lato Regular" panose="020F0502020204030203" pitchFamily="34" charset="0"/>
                   <a:cs typeface="Lato Regular" panose="020F0502020204030203" pitchFamily="34" charset="0"/>
                 </a:rPr>
-                <a:t>Vous êtes ici</a:t>
+                <a:t>Les mutants, bientôt parmi nous</a:t>
               </a:r>
-              <a:endParaRPr lang="fr-FR" sz="3600" b="1" dirty="0">
-                <a:latin typeface="Lato Regular" panose="020F0502020204030203" pitchFamily="34" charset="0"/>
-                <a:ea typeface="Lato Regular" panose="020F0502020204030203" pitchFamily="34" charset="0"/>
-                <a:cs typeface="Lato Regular" panose="020F0502020204030203" pitchFamily="34" charset="0"/>
-              </a:endParaRPr>
             </a:p>
           </p:txBody>
         </p:sp>
         <p:sp>
           <p:nvSpPr>
-            <p:cNvPr id="204" name="Rectangle 203"/>
+            <p:cNvPr id="47" name="Rectangle 46"/>
             <p:cNvSpPr/>
             <p:nvPr/>
           </p:nvSpPr>
@@ -11144,7 +11391,7 @@
               <a:avLst/>
             </a:prstGeom>
             <a:solidFill>
-              <a:srgbClr val="872163"/>
+              <a:srgbClr val="2F6079"/>
             </a:solidFill>
             <a:ln>
               <a:noFill/>
@@ -11176,89 +11423,609 @@
           </p:txBody>
         </p:sp>
       </p:grpSp>
+      <p:sp>
+        <p:nvSpPr>
+          <p:cNvPr id="16" name="Subtitle 2">
+            <a:extLst>
+              <a:ext uri="{FF2B5EF4-FFF2-40B4-BE49-F238E27FC236}">
+                <a16:creationId xmlns:a16="http://schemas.microsoft.com/office/drawing/2014/main" id="{3A78FA13-AC9F-47B6-87F4-D7D64D1358A9}"/>
+              </a:ext>
+            </a:extLst>
+          </p:cNvPr>
+          <p:cNvSpPr txBox="1">
+            <a:spLocks/>
+          </p:cNvSpPr>
+          <p:nvPr/>
+        </p:nvSpPr>
+        <p:spPr>
+          <a:xfrm>
+            <a:off x="220125" y="1200976"/>
+            <a:ext cx="8389619" cy="4059393"/>
+          </a:xfrm>
+          <a:prstGeom prst="rect">
+            <a:avLst/>
+          </a:prstGeom>
+        </p:spPr>
+        <p:txBody>
+          <a:bodyPr vert="horz" lIns="243744" tIns="121869" rIns="243744" bIns="121869" rtlCol="0">
+            <a:noAutofit/>
+          </a:bodyPr>
+          <a:lstStyle>
+            <a:lvl1pPr marL="342900" indent="-342900" algn="l" defTabSz="457200" rtl="0" eaLnBrk="1" latinLnBrk="0" hangingPunct="1">
+              <a:spcBef>
+                <a:spcPct val="20000"/>
+              </a:spcBef>
+              <a:buFont typeface="Arial"/>
+              <a:buChar char="•"/>
+              <a:defRPr sz="3200" kern="1200">
+                <a:solidFill>
+                  <a:schemeClr val="tx1"/>
+                </a:solidFill>
+                <a:latin typeface="+mn-lt"/>
+                <a:ea typeface="+mn-ea"/>
+                <a:cs typeface="+mn-cs"/>
+              </a:defRPr>
+            </a:lvl1pPr>
+            <a:lvl2pPr marL="742950" indent="-285750" algn="l" defTabSz="457200" rtl="0" eaLnBrk="1" latinLnBrk="0" hangingPunct="1">
+              <a:spcBef>
+                <a:spcPct val="20000"/>
+              </a:spcBef>
+              <a:buFont typeface="Arial"/>
+              <a:buChar char="–"/>
+              <a:defRPr sz="2800" kern="1200">
+                <a:solidFill>
+                  <a:schemeClr val="tx1"/>
+                </a:solidFill>
+                <a:latin typeface="+mn-lt"/>
+                <a:ea typeface="+mn-ea"/>
+                <a:cs typeface="+mn-cs"/>
+              </a:defRPr>
+            </a:lvl2pPr>
+            <a:lvl3pPr marL="1143000" indent="-228600" algn="l" defTabSz="457200" rtl="0" eaLnBrk="1" latinLnBrk="0" hangingPunct="1">
+              <a:spcBef>
+                <a:spcPct val="20000"/>
+              </a:spcBef>
+              <a:buFont typeface="Arial"/>
+              <a:buChar char="•"/>
+              <a:defRPr sz="2400" kern="1200">
+                <a:solidFill>
+                  <a:schemeClr val="tx1"/>
+                </a:solidFill>
+                <a:latin typeface="+mn-lt"/>
+                <a:ea typeface="+mn-ea"/>
+                <a:cs typeface="+mn-cs"/>
+              </a:defRPr>
+            </a:lvl3pPr>
+            <a:lvl4pPr marL="1600200" indent="-228600" algn="l" defTabSz="457200" rtl="0" eaLnBrk="1" latinLnBrk="0" hangingPunct="1">
+              <a:spcBef>
+                <a:spcPct val="20000"/>
+              </a:spcBef>
+              <a:buFont typeface="Arial"/>
+              <a:buChar char="–"/>
+              <a:defRPr sz="2000" kern="1200">
+                <a:solidFill>
+                  <a:schemeClr val="tx1"/>
+                </a:solidFill>
+                <a:latin typeface="+mn-lt"/>
+                <a:ea typeface="+mn-ea"/>
+                <a:cs typeface="+mn-cs"/>
+              </a:defRPr>
+            </a:lvl4pPr>
+            <a:lvl5pPr marL="2057400" indent="-228600" algn="l" defTabSz="457200" rtl="0" eaLnBrk="1" latinLnBrk="0" hangingPunct="1">
+              <a:spcBef>
+                <a:spcPct val="20000"/>
+              </a:spcBef>
+              <a:buFont typeface="Arial"/>
+              <a:buChar char="»"/>
+              <a:defRPr sz="2000" kern="1200">
+                <a:solidFill>
+                  <a:schemeClr val="tx1"/>
+                </a:solidFill>
+                <a:latin typeface="+mn-lt"/>
+                <a:ea typeface="+mn-ea"/>
+                <a:cs typeface="+mn-cs"/>
+              </a:defRPr>
+            </a:lvl5pPr>
+            <a:lvl6pPr marL="2514600" indent="-228600" algn="l" defTabSz="457200" rtl="0" eaLnBrk="1" latinLnBrk="0" hangingPunct="1">
+              <a:spcBef>
+                <a:spcPct val="20000"/>
+              </a:spcBef>
+              <a:buFont typeface="Arial"/>
+              <a:buChar char="•"/>
+              <a:defRPr sz="2000" kern="1200">
+                <a:solidFill>
+                  <a:schemeClr val="tx1"/>
+                </a:solidFill>
+                <a:latin typeface="+mn-lt"/>
+                <a:ea typeface="+mn-ea"/>
+                <a:cs typeface="+mn-cs"/>
+              </a:defRPr>
+            </a:lvl6pPr>
+            <a:lvl7pPr marL="2971800" indent="-228600" algn="l" defTabSz="457200" rtl="0" eaLnBrk="1" latinLnBrk="0" hangingPunct="1">
+              <a:spcBef>
+                <a:spcPct val="20000"/>
+              </a:spcBef>
+              <a:buFont typeface="Arial"/>
+              <a:buChar char="•"/>
+              <a:defRPr sz="2000" kern="1200">
+                <a:solidFill>
+                  <a:schemeClr val="tx1"/>
+                </a:solidFill>
+                <a:latin typeface="+mn-lt"/>
+                <a:ea typeface="+mn-ea"/>
+                <a:cs typeface="+mn-cs"/>
+              </a:defRPr>
+            </a:lvl7pPr>
+            <a:lvl8pPr marL="3429000" indent="-228600" algn="l" defTabSz="457200" rtl="0" eaLnBrk="1" latinLnBrk="0" hangingPunct="1">
+              <a:spcBef>
+                <a:spcPct val="20000"/>
+              </a:spcBef>
+              <a:buFont typeface="Arial"/>
+              <a:buChar char="•"/>
+              <a:defRPr sz="2000" kern="1200">
+                <a:solidFill>
+                  <a:schemeClr val="tx1"/>
+                </a:solidFill>
+                <a:latin typeface="+mn-lt"/>
+                <a:ea typeface="+mn-ea"/>
+                <a:cs typeface="+mn-cs"/>
+              </a:defRPr>
+            </a:lvl8pPr>
+            <a:lvl9pPr marL="3886200" indent="-228600" algn="l" defTabSz="457200" rtl="0" eaLnBrk="1" latinLnBrk="0" hangingPunct="1">
+              <a:spcBef>
+                <a:spcPct val="20000"/>
+              </a:spcBef>
+              <a:buFont typeface="Arial"/>
+              <a:buChar char="•"/>
+              <a:defRPr sz="2000" kern="1200">
+                <a:solidFill>
+                  <a:schemeClr val="tx1"/>
+                </a:solidFill>
+                <a:latin typeface="+mn-lt"/>
+                <a:ea typeface="+mn-ea"/>
+                <a:cs typeface="+mn-cs"/>
+              </a:defRPr>
+            </a:lvl9pPr>
+          </a:lstStyle>
+          <a:p>
+            <a:pPr marL="0" indent="0">
+              <a:buNone/>
+            </a:pPr>
+            <a:r>
+              <a:rPr lang="fr-FR" sz="2000" dirty="0" smtClean="0">
+                <a:solidFill>
+                  <a:schemeClr val="tx2"/>
+                </a:solidFill>
+                <a:latin typeface="Lato Regular"/>
+                <a:cs typeface="Lato Regular"/>
+              </a:rPr>
+              <a:t>Mutation </a:t>
+            </a:r>
+            <a:r>
+              <a:rPr lang="fr-FR" sz="2000" dirty="0" err="1" smtClean="0">
+                <a:solidFill>
+                  <a:schemeClr val="tx2"/>
+                </a:solidFill>
+                <a:latin typeface="Lato Regular"/>
+                <a:cs typeface="Lato Regular"/>
+              </a:rPr>
+              <a:t>testing</a:t>
+            </a:r>
+            <a:endParaRPr lang="fr-FR" sz="2000" dirty="0" smtClean="0">
+              <a:solidFill>
+                <a:schemeClr val="tx2"/>
+              </a:solidFill>
+              <a:latin typeface="Lato Regular"/>
+              <a:cs typeface="Lato Regular"/>
+            </a:endParaRPr>
+          </a:p>
+          <a:p>
+            <a:pPr marL="457200" indent="-457200">
+              <a:buFont typeface="+mj-lt"/>
+              <a:buAutoNum type="arabicPeriod"/>
+            </a:pPr>
+            <a:r>
+              <a:rPr lang="fr-FR" sz="2000" dirty="0" smtClean="0">
+                <a:solidFill>
+                  <a:schemeClr val="tx2"/>
+                </a:solidFill>
+                <a:latin typeface="Lato Light" panose="020F0502020204030203" pitchFamily="34" charset="0"/>
+                <a:ea typeface="Lato Light" panose="020F0502020204030203" pitchFamily="34" charset="0"/>
+                <a:cs typeface="Lato Light" panose="020F0502020204030203" pitchFamily="34" charset="0"/>
+              </a:rPr>
+              <a:t>Des mutations sont générées dans votre code source</a:t>
+            </a:r>
+          </a:p>
+          <a:p>
+            <a:pPr marL="457200" indent="-457200">
+              <a:buFont typeface="+mj-lt"/>
+              <a:buAutoNum type="arabicPeriod"/>
+            </a:pPr>
+            <a:r>
+              <a:rPr lang="fr-FR" sz="2000" dirty="0" smtClean="0">
+                <a:solidFill>
+                  <a:schemeClr val="tx2"/>
+                </a:solidFill>
+                <a:latin typeface="Lato Light" panose="020F0502020204030203" pitchFamily="34" charset="0"/>
+                <a:ea typeface="Lato Light" panose="020F0502020204030203" pitchFamily="34" charset="0"/>
+                <a:cs typeface="Lato Light" panose="020F0502020204030203" pitchFamily="34" charset="0"/>
+              </a:rPr>
+              <a:t>Vos tests sont lancés</a:t>
+            </a:r>
+          </a:p>
+          <a:p>
+            <a:pPr marL="457200" indent="-457200">
+              <a:buFont typeface="+mj-lt"/>
+              <a:buAutoNum type="arabicPeriod"/>
+            </a:pPr>
+            <a:r>
+              <a:rPr lang="fr-FR" sz="2000" b="1" dirty="0" smtClean="0">
+                <a:solidFill>
+                  <a:schemeClr val="accent6">
+                    <a:lumMod val="75000"/>
+                  </a:schemeClr>
+                </a:solidFill>
+                <a:latin typeface="Lato Light" panose="020F0502020204030203" pitchFamily="34" charset="0"/>
+                <a:ea typeface="Lato Light" panose="020F0502020204030203" pitchFamily="34" charset="0"/>
+                <a:cs typeface="Lato Light" panose="020F0502020204030203" pitchFamily="34" charset="0"/>
+              </a:rPr>
+              <a:t>Ce que l’on souhaite :</a:t>
+            </a:r>
+            <a:br>
+              <a:rPr lang="fr-FR" sz="2000" b="1" dirty="0" smtClean="0">
+                <a:solidFill>
+                  <a:schemeClr val="accent6">
+                    <a:lumMod val="75000"/>
+                  </a:schemeClr>
+                </a:solidFill>
+                <a:latin typeface="Lato Light" panose="020F0502020204030203" pitchFamily="34" charset="0"/>
+                <a:ea typeface="Lato Light" panose="020F0502020204030203" pitchFamily="34" charset="0"/>
+                <a:cs typeface="Lato Light" panose="020F0502020204030203" pitchFamily="34" charset="0"/>
+              </a:rPr>
+            </a:br>
+            <a:r>
+              <a:rPr lang="fr-FR" sz="2000" b="1" dirty="0" smtClean="0">
+                <a:solidFill>
+                  <a:schemeClr val="accent6">
+                    <a:lumMod val="75000"/>
+                  </a:schemeClr>
+                </a:solidFill>
+                <a:latin typeface="Lato Light" panose="020F0502020204030203" pitchFamily="34" charset="0"/>
+                <a:ea typeface="Lato Light" panose="020F0502020204030203" pitchFamily="34" charset="0"/>
+                <a:cs typeface="Lato Light" panose="020F0502020204030203" pitchFamily="34" charset="0"/>
+              </a:rPr>
+              <a:t>Que les mutants soient « tués »</a:t>
+            </a:r>
+            <a:br>
+              <a:rPr lang="fr-FR" sz="2000" b="1" dirty="0" smtClean="0">
+                <a:solidFill>
+                  <a:schemeClr val="accent6">
+                    <a:lumMod val="75000"/>
+                  </a:schemeClr>
+                </a:solidFill>
+                <a:latin typeface="Lato Light" panose="020F0502020204030203" pitchFamily="34" charset="0"/>
+                <a:ea typeface="Lato Light" panose="020F0502020204030203" pitchFamily="34" charset="0"/>
+                <a:cs typeface="Lato Light" panose="020F0502020204030203" pitchFamily="34" charset="0"/>
+              </a:rPr>
+            </a:br>
+            <a:r>
+              <a:rPr lang="fr-FR" sz="2000" b="1" dirty="0" smtClean="0">
+                <a:solidFill>
+                  <a:schemeClr val="accent6">
+                    <a:lumMod val="75000"/>
+                  </a:schemeClr>
+                </a:solidFill>
+                <a:latin typeface="Lato Light" panose="020F0502020204030203" pitchFamily="34" charset="0"/>
+                <a:ea typeface="Lato Light" panose="020F0502020204030203" pitchFamily="34" charset="0"/>
+                <a:cs typeface="Lato Light" panose="020F0502020204030203" pitchFamily="34" charset="0"/>
+              </a:rPr>
+              <a:t>&gt; Que les TU associés à la mutation ne passent plus</a:t>
+            </a:r>
+            <a:endParaRPr lang="fr-FR" sz="2000" b="1" dirty="0" smtClean="0">
+              <a:solidFill>
+                <a:schemeClr val="accent6">
+                  <a:lumMod val="75000"/>
+                </a:schemeClr>
+              </a:solidFill>
+              <a:latin typeface="Lato Light" panose="020F0502020204030203" pitchFamily="34" charset="0"/>
+              <a:ea typeface="Lato Light" panose="020F0502020204030203" pitchFamily="34" charset="0"/>
+              <a:cs typeface="Lato Light" panose="020F0502020204030203" pitchFamily="34" charset="0"/>
+            </a:endParaRPr>
+          </a:p>
+          <a:p>
+            <a:pPr marL="457200" indent="-457200">
+              <a:buFont typeface="+mj-lt"/>
+              <a:buAutoNum type="arabicPeriod"/>
+            </a:pPr>
+            <a:r>
+              <a:rPr lang="fr-FR" sz="2000" b="1" dirty="0" smtClean="0">
+                <a:solidFill>
+                  <a:srgbClr val="C00000"/>
+                </a:solidFill>
+                <a:latin typeface="Lato Light" panose="020F0502020204030203" pitchFamily="34" charset="0"/>
+                <a:ea typeface="Lato Light" panose="020F0502020204030203" pitchFamily="34" charset="0"/>
+                <a:cs typeface="Lato Light" panose="020F0502020204030203" pitchFamily="34" charset="0"/>
+              </a:rPr>
+              <a:t>Si un mutant a survécu :</a:t>
+            </a:r>
+            <a:br>
+              <a:rPr lang="fr-FR" sz="2000" b="1" dirty="0" smtClean="0">
+                <a:solidFill>
+                  <a:srgbClr val="C00000"/>
+                </a:solidFill>
+                <a:latin typeface="Lato Light" panose="020F0502020204030203" pitchFamily="34" charset="0"/>
+                <a:ea typeface="Lato Light" panose="020F0502020204030203" pitchFamily="34" charset="0"/>
+                <a:cs typeface="Lato Light" panose="020F0502020204030203" pitchFamily="34" charset="0"/>
+              </a:rPr>
+            </a:br>
+            <a:r>
+              <a:rPr lang="fr-FR" sz="2000" b="1" dirty="0" smtClean="0">
+                <a:solidFill>
+                  <a:srgbClr val="C00000"/>
+                </a:solidFill>
+                <a:latin typeface="Lato Light" panose="020F0502020204030203" pitchFamily="34" charset="0"/>
+                <a:ea typeface="Lato Light" panose="020F0502020204030203" pitchFamily="34" charset="0"/>
+                <a:cs typeface="Lato Light" panose="020F0502020204030203" pitchFamily="34" charset="0"/>
+              </a:rPr>
+              <a:t>&gt; Le TU associé passe</a:t>
+            </a:r>
+            <a:endParaRPr lang="fr-FR" sz="2000" b="1" dirty="0" smtClean="0">
+              <a:solidFill>
+                <a:srgbClr val="C00000"/>
+              </a:solidFill>
+              <a:latin typeface="Lato Light" panose="020F0502020204030203" pitchFamily="34" charset="0"/>
+              <a:ea typeface="Lato Light" panose="020F0502020204030203" pitchFamily="34" charset="0"/>
+              <a:cs typeface="Lato Light" panose="020F0502020204030203" pitchFamily="34" charset="0"/>
+            </a:endParaRPr>
+          </a:p>
+          <a:p>
+            <a:pPr marL="0" indent="0">
+              <a:buNone/>
+            </a:pPr>
+            <a:endParaRPr lang="en-US" sz="2000" dirty="0">
+              <a:solidFill>
+                <a:schemeClr val="tx2"/>
+              </a:solidFill>
+              <a:latin typeface="Lato Light" panose="020F0502020204030203" pitchFamily="34" charset="0"/>
+              <a:ea typeface="Lato Light" panose="020F0502020204030203" pitchFamily="34" charset="0"/>
+              <a:cs typeface="Lato Light" panose="020F0502020204030203" pitchFamily="34" charset="0"/>
+            </a:endParaRPr>
+          </a:p>
+          <a:p>
+            <a:pPr marL="0" indent="0">
+              <a:buNone/>
+            </a:pPr>
+            <a:r>
+              <a:rPr lang="en-US" sz="2000" dirty="0" smtClean="0">
+                <a:solidFill>
+                  <a:schemeClr val="tx2"/>
+                </a:solidFill>
+                <a:latin typeface="Lato Regular" panose="020F0502020204030203" pitchFamily="34" charset="0"/>
+                <a:ea typeface="Lato Regular" panose="020F0502020204030203" pitchFamily="34" charset="0"/>
+                <a:cs typeface="Lato Regular" panose="020F0502020204030203" pitchFamily="34" charset="0"/>
+              </a:rPr>
+              <a:t>La </a:t>
+            </a:r>
+            <a:r>
+              <a:rPr lang="en-US" sz="2000" dirty="0" err="1" smtClean="0">
+                <a:solidFill>
+                  <a:schemeClr val="tx2"/>
+                </a:solidFill>
+                <a:latin typeface="Lato Regular" panose="020F0502020204030203" pitchFamily="34" charset="0"/>
+                <a:ea typeface="Lato Regular" panose="020F0502020204030203" pitchFamily="34" charset="0"/>
+                <a:cs typeface="Lato Regular" panose="020F0502020204030203" pitchFamily="34" charset="0"/>
+              </a:rPr>
+              <a:t>qualité</a:t>
+            </a:r>
+            <a:r>
+              <a:rPr lang="en-US" sz="2000" dirty="0" smtClean="0">
+                <a:solidFill>
+                  <a:schemeClr val="tx2"/>
+                </a:solidFill>
+                <a:latin typeface="Lato Regular" panose="020F0502020204030203" pitchFamily="34" charset="0"/>
+                <a:ea typeface="Lato Regular" panose="020F0502020204030203" pitchFamily="34" charset="0"/>
+                <a:cs typeface="Lato Regular" panose="020F0502020204030203" pitchFamily="34" charset="0"/>
+              </a:rPr>
+              <a:t> de </a:t>
+            </a:r>
+            <a:r>
+              <a:rPr lang="en-US" sz="2000" dirty="0" err="1" smtClean="0">
+                <a:solidFill>
+                  <a:schemeClr val="tx2"/>
+                </a:solidFill>
+                <a:latin typeface="Lato Regular" panose="020F0502020204030203" pitchFamily="34" charset="0"/>
+                <a:ea typeface="Lato Regular" panose="020F0502020204030203" pitchFamily="34" charset="0"/>
+                <a:cs typeface="Lato Regular" panose="020F0502020204030203" pitchFamily="34" charset="0"/>
+              </a:rPr>
+              <a:t>vos</a:t>
+            </a:r>
+            <a:r>
+              <a:rPr lang="en-US" sz="2000" dirty="0" smtClean="0">
+                <a:solidFill>
+                  <a:schemeClr val="tx2"/>
+                </a:solidFill>
+                <a:latin typeface="Lato Regular" panose="020F0502020204030203" pitchFamily="34" charset="0"/>
+                <a:ea typeface="Lato Regular" panose="020F0502020204030203" pitchFamily="34" charset="0"/>
+                <a:cs typeface="Lato Regular" panose="020F0502020204030203" pitchFamily="34" charset="0"/>
+              </a:rPr>
+              <a:t> tests </a:t>
+            </a:r>
+            <a:r>
+              <a:rPr lang="en-US" sz="2000" dirty="0" err="1" smtClean="0">
+                <a:solidFill>
+                  <a:schemeClr val="tx2"/>
+                </a:solidFill>
+                <a:latin typeface="Lato Regular" panose="020F0502020204030203" pitchFamily="34" charset="0"/>
+                <a:ea typeface="Lato Regular" panose="020F0502020204030203" pitchFamily="34" charset="0"/>
+                <a:cs typeface="Lato Regular" panose="020F0502020204030203" pitchFamily="34" charset="0"/>
+              </a:rPr>
+              <a:t>peut</a:t>
+            </a:r>
+            <a:r>
+              <a:rPr lang="en-US" sz="2000" dirty="0" smtClean="0">
+                <a:solidFill>
+                  <a:schemeClr val="tx2"/>
+                </a:solidFill>
+                <a:latin typeface="Lato Regular" panose="020F0502020204030203" pitchFamily="34" charset="0"/>
+                <a:ea typeface="Lato Regular" panose="020F0502020204030203" pitchFamily="34" charset="0"/>
+                <a:cs typeface="Lato Regular" panose="020F0502020204030203" pitchFamily="34" charset="0"/>
+              </a:rPr>
+              <a:t> </a:t>
+            </a:r>
+            <a:r>
+              <a:rPr lang="en-US" sz="2000" dirty="0" err="1" smtClean="0">
+                <a:solidFill>
+                  <a:schemeClr val="tx2"/>
+                </a:solidFill>
+                <a:latin typeface="Lato Regular" panose="020F0502020204030203" pitchFamily="34" charset="0"/>
+                <a:ea typeface="Lato Regular" panose="020F0502020204030203" pitchFamily="34" charset="0"/>
+                <a:cs typeface="Lato Regular" panose="020F0502020204030203" pitchFamily="34" charset="0"/>
+              </a:rPr>
+              <a:t>être</a:t>
+            </a:r>
+            <a:r>
+              <a:rPr lang="en-US" sz="2000" dirty="0" smtClean="0">
+                <a:solidFill>
+                  <a:schemeClr val="tx2"/>
+                </a:solidFill>
+                <a:latin typeface="Lato Regular" panose="020F0502020204030203" pitchFamily="34" charset="0"/>
+                <a:ea typeface="Lato Regular" panose="020F0502020204030203" pitchFamily="34" charset="0"/>
+                <a:cs typeface="Lato Regular" panose="020F0502020204030203" pitchFamily="34" charset="0"/>
+              </a:rPr>
+              <a:t> </a:t>
+            </a:r>
+            <a:r>
+              <a:rPr lang="en-US" sz="2000" dirty="0" err="1" smtClean="0">
+                <a:solidFill>
+                  <a:schemeClr val="tx2"/>
+                </a:solidFill>
+                <a:latin typeface="Lato Regular" panose="020F0502020204030203" pitchFamily="34" charset="0"/>
+                <a:ea typeface="Lato Regular" panose="020F0502020204030203" pitchFamily="34" charset="0"/>
+                <a:cs typeface="Lato Regular" panose="020F0502020204030203" pitchFamily="34" charset="0"/>
+              </a:rPr>
+              <a:t>jugée</a:t>
+            </a:r>
+            <a:r>
+              <a:rPr lang="en-US" sz="2000" dirty="0" smtClean="0">
+                <a:solidFill>
+                  <a:schemeClr val="tx2"/>
+                </a:solidFill>
+                <a:latin typeface="Lato Regular" panose="020F0502020204030203" pitchFamily="34" charset="0"/>
+                <a:ea typeface="Lato Regular" panose="020F0502020204030203" pitchFamily="34" charset="0"/>
+                <a:cs typeface="Lato Regular" panose="020F0502020204030203" pitchFamily="34" charset="0"/>
+              </a:rPr>
+              <a:t> au regard du </a:t>
+            </a:r>
+            <a:r>
+              <a:rPr lang="en-US" sz="2000" dirty="0" err="1" smtClean="0">
+                <a:solidFill>
+                  <a:schemeClr val="tx2"/>
+                </a:solidFill>
+                <a:latin typeface="Lato Regular" panose="020F0502020204030203" pitchFamily="34" charset="0"/>
+                <a:ea typeface="Lato Regular" panose="020F0502020204030203" pitchFamily="34" charset="0"/>
+                <a:cs typeface="Lato Regular" panose="020F0502020204030203" pitchFamily="34" charset="0"/>
+              </a:rPr>
+              <a:t>pourcentage</a:t>
+            </a:r>
+            <a:r>
+              <a:rPr lang="en-US" sz="2000" dirty="0" smtClean="0">
+                <a:solidFill>
+                  <a:schemeClr val="tx2"/>
+                </a:solidFill>
+                <a:latin typeface="Lato Regular" panose="020F0502020204030203" pitchFamily="34" charset="0"/>
+                <a:ea typeface="Lato Regular" panose="020F0502020204030203" pitchFamily="34" charset="0"/>
+                <a:cs typeface="Lato Regular" panose="020F0502020204030203" pitchFamily="34" charset="0"/>
+              </a:rPr>
+              <a:t> de mutants </a:t>
+            </a:r>
+            <a:r>
+              <a:rPr lang="en-US" sz="2000" dirty="0" err="1" smtClean="0">
+                <a:solidFill>
+                  <a:schemeClr val="tx2"/>
+                </a:solidFill>
+                <a:latin typeface="Lato Regular" panose="020F0502020204030203" pitchFamily="34" charset="0"/>
+                <a:ea typeface="Lato Regular" panose="020F0502020204030203" pitchFamily="34" charset="0"/>
+                <a:cs typeface="Lato Regular" panose="020F0502020204030203" pitchFamily="34" charset="0"/>
+              </a:rPr>
+              <a:t>tués</a:t>
+            </a:r>
+            <a:r>
+              <a:rPr lang="en-US" sz="2000" dirty="0">
+                <a:solidFill>
+                  <a:schemeClr val="tx2"/>
+                </a:solidFill>
+                <a:latin typeface="Lato Regular" panose="020F0502020204030203" pitchFamily="34" charset="0"/>
+                <a:ea typeface="Lato Regular" panose="020F0502020204030203" pitchFamily="34" charset="0"/>
+                <a:cs typeface="Lato Regular" panose="020F0502020204030203" pitchFamily="34" charset="0"/>
+              </a:rPr>
+              <a:t> </a:t>
+            </a:r>
+            <a:r>
+              <a:rPr lang="en-US" sz="2000" dirty="0" smtClean="0">
+                <a:solidFill>
+                  <a:schemeClr val="tx2"/>
+                </a:solidFill>
+                <a:latin typeface="Lato Regular" panose="020F0502020204030203" pitchFamily="34" charset="0"/>
+                <a:ea typeface="Lato Regular" panose="020F0502020204030203" pitchFamily="34" charset="0"/>
+                <a:cs typeface="Lato Regular" panose="020F0502020204030203" pitchFamily="34" charset="0"/>
+              </a:rPr>
+              <a:t>: </a:t>
+            </a:r>
+            <a:r>
+              <a:rPr lang="en-US" sz="2000" b="1" dirty="0" smtClean="0">
+                <a:solidFill>
+                  <a:schemeClr val="tx2"/>
+                </a:solidFill>
+                <a:latin typeface="Lato Regular" panose="020F0502020204030203" pitchFamily="34" charset="0"/>
+                <a:ea typeface="Lato Regular" panose="020F0502020204030203" pitchFamily="34" charset="0"/>
+                <a:cs typeface="Lato Regular" panose="020F0502020204030203" pitchFamily="34" charset="0"/>
+              </a:rPr>
+              <a:t>mutation coverage</a:t>
+            </a:r>
+            <a:endParaRPr lang="fr-FR" sz="1600" b="1" dirty="0">
+              <a:solidFill>
+                <a:schemeClr val="tx2"/>
+              </a:solidFill>
+              <a:latin typeface="Lato Regular" panose="020F0502020204030203" pitchFamily="34" charset="0"/>
+              <a:ea typeface="Lato Regular" panose="020F0502020204030203" pitchFamily="34" charset="0"/>
+              <a:cs typeface="Lato Regular" panose="020F0502020204030203" pitchFamily="34" charset="0"/>
+            </a:endParaRPr>
+          </a:p>
+        </p:txBody>
+      </p:sp>
       <p:pic>
         <p:nvPicPr>
-          <p:cNvPr id="13" name="Image 12"/>
+          <p:cNvPr id="2" name="Image 1"/>
           <p:cNvPicPr>
             <a:picLocks noChangeAspect="1"/>
           </p:cNvPicPr>
           <p:nvPr/>
         </p:nvPicPr>
         <p:blipFill rotWithShape="1">
-          <a:blip r:embed="rId3">
+          <a:blip r:embed="rId2">
             <a:extLst>
               <a:ext uri="{28A0092B-C50C-407E-A947-70E740481C1C}">
                 <a14:useLocalDpi xmlns:a14="http://schemas.microsoft.com/office/drawing/2010/main" val="0"/>
               </a:ext>
             </a:extLst>
           </a:blip>
-          <a:srcRect l="38750" t="22204" r="38372" b="39045"/>
+          <a:srcRect l="25847" r="24282"/>
           <a:stretch/>
         </p:blipFill>
         <p:spPr>
           <a:xfrm>
-            <a:off x="322909" y="1530723"/>
-            <a:ext cx="2297511" cy="3891279"/>
+            <a:off x="7756989" y="263275"/>
+            <a:ext cx="4037744" cy="3886200"/>
           </a:xfrm>
           <a:prstGeom prst="rect">
             <a:avLst/>
           </a:prstGeom>
         </p:spPr>
       </p:pic>
-      <p:sp>
-        <p:nvSpPr>
-          <p:cNvPr id="9" name="ZoneTexte 8"/>
-          <p:cNvSpPr txBox="1"/>
-          <p:nvPr/>
-        </p:nvSpPr>
-        <p:spPr>
-          <a:xfrm>
-            <a:off x="2794572" y="3188648"/>
-            <a:ext cx="9397428" cy="584775"/>
-          </a:xfrm>
-          <a:prstGeom prst="rect">
-            <a:avLst/>
-          </a:prstGeom>
-          <a:noFill/>
-        </p:spPr>
-        <p:txBody>
-          <a:bodyPr wrap="square" rtlCol="0">
-            <a:spAutoFit/>
-          </a:bodyPr>
-          <a:lstStyle/>
-          <a:p>
-            <a:r>
-              <a:rPr lang="fr-FR" sz="3200" dirty="0">
-                <a:hlinkClick r:id="rId4"/>
-              </a:rPr>
-              <a:t>https://</a:t>
-            </a:r>
-            <a:r>
-              <a:rPr lang="fr-FR" sz="3200" dirty="0" smtClean="0">
-                <a:hlinkClick r:id="rId4"/>
-              </a:rPr>
-              <a:t>sii-codelab-chaos.github.io/Codelab-Chaos-TP</a:t>
-            </a:r>
-            <a:r>
-              <a:rPr lang="fr-FR" sz="3200" dirty="0">
-                <a:hlinkClick r:id="rId4"/>
-              </a:rPr>
-              <a:t>/</a:t>
-            </a:r>
-            <a:endParaRPr lang="fr-FR" sz="3200" dirty="0" smtClean="0">
-              <a:solidFill>
-                <a:schemeClr val="tx2"/>
-              </a:solidFill>
-              <a:latin typeface="Lato Light"/>
-              <a:cs typeface="Lato Light"/>
-            </a:endParaRPr>
-          </a:p>
-        </p:txBody>
-      </p:sp>
     </p:spTree>
     <p:extLst>
       <p:ext uri="{BB962C8B-B14F-4D97-AF65-F5344CB8AC3E}">
-        <p14:creationId xmlns:p14="http://schemas.microsoft.com/office/powerpoint/2010/main" val="3157339412"/>
+        <p14:creationId xmlns:p14="http://schemas.microsoft.com/office/powerpoint/2010/main" val="47699233"/>
       </p:ext>
     </p:extLst>
   </p:cSld>
@@ -11268,7 +12035,86 @@
   <p:timing>
     <p:tnLst>
       <p:par>
-        <p:cTn id="1" dur="indefinite" restart="never" nodeType="tmRoot"/>
+        <p:cTn id="1" dur="indefinite" restart="never" nodeType="tmRoot">
+          <p:childTnLst>
+            <p:seq concurrent="1" nextAc="seek">
+              <p:cTn id="2" dur="indefinite" nodeType="mainSeq">
+                <p:childTnLst>
+                  <p:par>
+                    <p:cTn id="3" fill="hold">
+                      <p:stCondLst>
+                        <p:cond delay="indefinite"/>
+                        <p:cond evt="onBegin" delay="0">
+                          <p:tn val="2"/>
+                        </p:cond>
+                      </p:stCondLst>
+                      <p:childTnLst>
+                        <p:par>
+                          <p:cTn id="4" fill="hold">
+                            <p:stCondLst>
+                              <p:cond delay="0"/>
+                            </p:stCondLst>
+                            <p:childTnLst>
+                              <p:par>
+                                <p:cTn id="5" presetID="10" presetClass="entr" presetSubtype="0" fill="hold" nodeType="withEffect">
+                                  <p:stCondLst>
+                                    <p:cond delay="0"/>
+                                  </p:stCondLst>
+                                  <p:childTnLst>
+                                    <p:set>
+                                      <p:cBhvr>
+                                        <p:cTn id="6" dur="1" fill="hold">
+                                          <p:stCondLst>
+                                            <p:cond delay="0"/>
+                                          </p:stCondLst>
+                                        </p:cTn>
+                                        <p:tgtEl>
+                                          <p:spTgt spid="43"/>
+                                        </p:tgtEl>
+                                        <p:attrNameLst>
+                                          <p:attrName>style.visibility</p:attrName>
+                                        </p:attrNameLst>
+                                      </p:cBhvr>
+                                      <p:to>
+                                        <p:strVal val="visible"/>
+                                      </p:to>
+                                    </p:set>
+                                    <p:animEffect transition="in" filter="fade">
+                                      <p:cBhvr>
+                                        <p:cTn id="7" dur="500"/>
+                                        <p:tgtEl>
+                                          <p:spTgt spid="43"/>
+                                        </p:tgtEl>
+                                      </p:cBhvr>
+                                    </p:animEffect>
+                                  </p:childTnLst>
+                                </p:cTn>
+                              </p:par>
+                            </p:childTnLst>
+                          </p:cTn>
+                        </p:par>
+                      </p:childTnLst>
+                    </p:cTn>
+                  </p:par>
+                </p:childTnLst>
+              </p:cTn>
+              <p:prevCondLst>
+                <p:cond evt="onPrev" delay="0">
+                  <p:tgtEl>
+                    <p:sldTgt/>
+                  </p:tgtEl>
+                </p:cond>
+              </p:prevCondLst>
+              <p:nextCondLst>
+                <p:cond evt="onNext" delay="0">
+                  <p:tgtEl>
+                    <p:sldTgt/>
+                  </p:tgtEl>
+                </p:cond>
+              </p:nextCondLst>
+            </p:seq>
+          </p:childTnLst>
+        </p:cTn>
       </p:par>
     </p:tnLst>
   </p:timing>
@@ -11301,9 +12147,9 @@
         <p:grpSpPr>
           <a:xfrm>
             <a:off x="0" y="73772"/>
-            <a:ext cx="8668235" cy="883356"/>
+            <a:ext cx="8998453" cy="883356"/>
             <a:chOff x="0" y="-9760"/>
-            <a:chExt cx="6941815" cy="785565"/>
+            <a:chExt cx="7206266" cy="785565"/>
           </a:xfrm>
         </p:grpSpPr>
         <p:sp>
@@ -11315,7 +12161,7 @@
           <p:spPr>
             <a:xfrm>
               <a:off x="109500" y="-9760"/>
-              <a:ext cx="6832315" cy="629520"/>
+              <a:ext cx="7096766" cy="629520"/>
             </a:xfrm>
             <a:prstGeom prst="rect">
               <a:avLst/>
@@ -11334,7 +12180,15 @@
                   <a:ea typeface="Lato Regular" panose="020F0502020204030203" pitchFamily="34" charset="0"/>
                   <a:cs typeface="Lato Regular" panose="020F0502020204030203" pitchFamily="34" charset="0"/>
                 </a:rPr>
-                <a:t>Tests unitaires et couverture de code </a:t>
+                <a:t>Hands On ! TU </a:t>
+              </a:r>
+              <a:r>
+                <a:rPr lang="fr-FR" sz="4000" b="1" dirty="0" smtClean="0">
+                  <a:latin typeface="Lato Regular" panose="020F0502020204030203" pitchFamily="34" charset="0"/>
+                  <a:ea typeface="Lato Regular" panose="020F0502020204030203" pitchFamily="34" charset="0"/>
+                  <a:cs typeface="Lato Regular" panose="020F0502020204030203" pitchFamily="34" charset="0"/>
+                </a:rPr>
+                <a:t>et couverture de code </a:t>
               </a:r>
               <a:endParaRPr lang="fr-FR" sz="3600" b="1" dirty="0">
                 <a:latin typeface="Lato Regular" panose="020F0502020204030203" pitchFamily="34" charset="0"/>
@@ -11430,7 +12284,7 @@
         <p:spPr>
           <a:xfrm>
             <a:off x="5095983" y="2364225"/>
-            <a:ext cx="5722418" cy="1015663"/>
+            <a:ext cx="5722418" cy="3354765"/>
           </a:xfrm>
           <a:prstGeom prst="rect">
             <a:avLst/>
@@ -11448,77 +12302,59 @@
               <a:buChar char="-"/>
             </a:pPr>
             <a:r>
-              <a:rPr lang="fr-FR" sz="2000" dirty="0">
+              <a:rPr lang="fr-FR" sz="3200" dirty="0" smtClean="0">
                 <a:solidFill>
                   <a:schemeClr val="tx2"/>
                 </a:solidFill>
-                <a:latin typeface="Lato Regular"/>
-                <a:cs typeface="Lato Regular"/>
-              </a:rPr>
-              <a:t>Récupérer les sources de </a:t>
-            </a:r>
-            <a:r>
-              <a:rPr lang="fr-FR" sz="2000" dirty="0" err="1">
+                <a:latin typeface="Lato Light" panose="020F0502020204030203" pitchFamily="34" charset="0"/>
+                <a:ea typeface="Lato Light" panose="020F0502020204030203" pitchFamily="34" charset="0"/>
+                <a:cs typeface="Lato Light" panose="020F0502020204030203" pitchFamily="34" charset="0"/>
+              </a:rPr>
+              <a:t>Tests </a:t>
+            </a:r>
+            <a:r>
+              <a:rPr lang="fr-FR" sz="3200" dirty="0">
                 <a:solidFill>
                   <a:schemeClr val="tx2"/>
                 </a:solidFill>
-                <a:latin typeface="Lato Regular"/>
-                <a:cs typeface="Lato Regular"/>
-              </a:rPr>
-              <a:t>fusiion</a:t>
-            </a:r>
-            <a:r>
-              <a:rPr lang="fr-FR" sz="2000" dirty="0">
+                <a:latin typeface="Lato Light" panose="020F0502020204030203" pitchFamily="34" charset="0"/>
+                <a:ea typeface="Lato Light" panose="020F0502020204030203" pitchFamily="34" charset="0"/>
+                <a:cs typeface="Lato Light" panose="020F0502020204030203" pitchFamily="34" charset="0"/>
+              </a:rPr>
+              <a:t>unitaires </a:t>
+            </a:r>
+            <a:r>
+              <a:rPr lang="fr-FR" sz="3200" dirty="0" err="1">
                 <a:solidFill>
                   <a:schemeClr val="tx2"/>
                 </a:solidFill>
-                <a:latin typeface="Lato Regular"/>
-                <a:cs typeface="Lato Regular"/>
-              </a:rPr>
-              <a:t> depuis GIT</a:t>
-            </a:r>
+                <a:latin typeface="Lato Light" panose="020F0502020204030203" pitchFamily="34" charset="0"/>
+                <a:ea typeface="Lato Light" panose="020F0502020204030203" pitchFamily="34" charset="0"/>
+                <a:cs typeface="Lato Light" panose="020F0502020204030203" pitchFamily="34" charset="0"/>
+              </a:rPr>
+              <a:t>Junit</a:t>
+            </a:r>
+            <a:endParaRPr lang="fr-FR" sz="3200" dirty="0">
+              <a:solidFill>
+                <a:schemeClr val="tx2"/>
+              </a:solidFill>
+              <a:latin typeface="Lato Light" panose="020F0502020204030203" pitchFamily="34" charset="0"/>
+              <a:ea typeface="Lato Light" panose="020F0502020204030203" pitchFamily="34" charset="0"/>
+              <a:cs typeface="Lato Light" panose="020F0502020204030203" pitchFamily="34" charset="0"/>
+            </a:endParaRPr>
           </a:p>
           <a:p>
             <a:pPr marL="342900" indent="-342900">
               <a:buFontTx/>
               <a:buChar char="-"/>
             </a:pPr>
-            <a:r>
-              <a:rPr lang="fr-FR" sz="2000" dirty="0" smtClean="0">
-                <a:solidFill>
-                  <a:schemeClr val="tx2"/>
-                </a:solidFill>
-                <a:latin typeface="Lato Regular"/>
-                <a:cs typeface="Lato Regular"/>
-              </a:rPr>
-              <a:t>Lancer </a:t>
-            </a:r>
-            <a:r>
-              <a:rPr lang="fr-FR" sz="2000" dirty="0">
-                <a:solidFill>
-                  <a:schemeClr val="tx2"/>
-                </a:solidFill>
-                <a:latin typeface="Lato Regular"/>
-                <a:cs typeface="Lato Regular"/>
-              </a:rPr>
-              <a:t>les tests unitaires </a:t>
-            </a:r>
-            <a:r>
-              <a:rPr lang="fr-FR" sz="2000" dirty="0" err="1">
-                <a:solidFill>
-                  <a:schemeClr val="tx2"/>
-                </a:solidFill>
-                <a:latin typeface="Lato Regular"/>
-                <a:cs typeface="Lato Regular"/>
-              </a:rPr>
-              <a:t>Junit</a:t>
-            </a:r>
-            <a:endParaRPr lang="fr-FR" sz="2000" dirty="0">
+            <a:endParaRPr lang="fr-FR" sz="3200" dirty="0" smtClean="0">
               <a:solidFill>
                 <a:schemeClr val="tx2"/>
               </a:solidFill>
-              <a:latin typeface="Lato Regular"/>
-              <a:cs typeface="Lato Regular"/>
+              <a:latin typeface="Lato Light" panose="020F0502020204030203" pitchFamily="34" charset="0"/>
+              <a:ea typeface="Lato Light" panose="020F0502020204030203" pitchFamily="34" charset="0"/>
+              <a:cs typeface="Lato Light" panose="020F0502020204030203" pitchFamily="34" charset="0"/>
             </a:endParaRPr>
           </a:p>
           <a:p>
@@ -11527,35 +12363,109 @@
               <a:buChar char="-"/>
             </a:pPr>
             <a:r>
-              <a:rPr lang="fr-FR" sz="2000" dirty="0" smtClean="0">
+              <a:rPr lang="fr-FR" sz="3200" dirty="0" smtClean="0">
                 <a:solidFill>
                   <a:schemeClr val="tx2"/>
                 </a:solidFill>
-                <a:latin typeface="Lato Regular"/>
-                <a:cs typeface="Lato Regular"/>
-              </a:rPr>
-              <a:t>Couverture </a:t>
-            </a:r>
-            <a:r>
-              <a:rPr lang="fr-FR" sz="2000" dirty="0">
+                <a:latin typeface="Lato Light" panose="020F0502020204030203" pitchFamily="34" charset="0"/>
+                <a:ea typeface="Lato Light" panose="020F0502020204030203" pitchFamily="34" charset="0"/>
+                <a:cs typeface="Lato Light" panose="020F0502020204030203" pitchFamily="34" charset="0"/>
+              </a:rPr>
+              <a:t>Couverture de code avec </a:t>
+            </a:r>
+            <a:r>
+              <a:rPr lang="fr-FR" sz="3200" dirty="0" err="1" smtClean="0">
                 <a:solidFill>
                   <a:schemeClr val="tx2"/>
                 </a:solidFill>
-                <a:latin typeface="Lato Regular"/>
-                <a:cs typeface="Lato Regular"/>
-              </a:rPr>
-              <a:t>de </a:t>
-            </a:r>
-            <a:r>
-              <a:rPr lang="fr-FR" sz="2000" dirty="0" smtClean="0">
+                <a:latin typeface="Lato Light" panose="020F0502020204030203" pitchFamily="34" charset="0"/>
+                <a:ea typeface="Lato Light" panose="020F0502020204030203" pitchFamily="34" charset="0"/>
+                <a:cs typeface="Lato Light" panose="020F0502020204030203" pitchFamily="34" charset="0"/>
+              </a:rPr>
+              <a:t>JaCoCo</a:t>
+            </a:r>
+            <a:r>
+              <a:rPr lang="fr-FR" sz="3200" dirty="0" smtClean="0">
                 <a:solidFill>
                   <a:schemeClr val="tx2"/>
                 </a:solidFill>
-                <a:latin typeface="Lato Regular"/>
-                <a:cs typeface="Lato Regular"/>
-              </a:rPr>
-              <a:t>code</a:t>
-            </a:r>
+                <a:latin typeface="Lato Light" panose="020F0502020204030203" pitchFamily="34" charset="0"/>
+                <a:ea typeface="Lato Light" panose="020F0502020204030203" pitchFamily="34" charset="0"/>
+                <a:cs typeface="Lato Light" panose="020F0502020204030203" pitchFamily="34" charset="0"/>
+              </a:rPr>
+              <a:t/>
+            </a:r>
+            <a:br>
+              <a:rPr lang="fr-FR" sz="3200" dirty="0" smtClean="0">
+                <a:solidFill>
+                  <a:schemeClr val="tx2"/>
+                </a:solidFill>
+                <a:latin typeface="Lato Light" panose="020F0502020204030203" pitchFamily="34" charset="0"/>
+                <a:ea typeface="Lato Light" panose="020F0502020204030203" pitchFamily="34" charset="0"/>
+                <a:cs typeface="Lato Light" panose="020F0502020204030203" pitchFamily="34" charset="0"/>
+              </a:rPr>
+            </a:br>
+            <a:endParaRPr lang="fr-FR" sz="3200" dirty="0" smtClean="0">
+              <a:solidFill>
+                <a:schemeClr val="tx2"/>
+              </a:solidFill>
+              <a:latin typeface="Lato Light" panose="020F0502020204030203" pitchFamily="34" charset="0"/>
+              <a:ea typeface="Lato Light" panose="020F0502020204030203" pitchFamily="34" charset="0"/>
+              <a:cs typeface="Lato Light" panose="020F0502020204030203" pitchFamily="34" charset="0"/>
+            </a:endParaRPr>
+          </a:p>
+          <a:p>
+            <a:pPr marL="342900" indent="-342900">
+              <a:buFontTx/>
+              <a:buChar char="-"/>
+            </a:pPr>
+            <a:r>
+              <a:rPr lang="fr-FR" sz="3200" dirty="0" smtClean="0">
+                <a:solidFill>
+                  <a:schemeClr val="tx2"/>
+                </a:solidFill>
+                <a:latin typeface="Lato Light" panose="020F0502020204030203" pitchFamily="34" charset="0"/>
+                <a:ea typeface="Lato Light" panose="020F0502020204030203" pitchFamily="34" charset="0"/>
+                <a:cs typeface="Lato Light" panose="020F0502020204030203" pitchFamily="34" charset="0"/>
+              </a:rPr>
+              <a:t>Mutation </a:t>
+            </a:r>
+            <a:r>
+              <a:rPr lang="fr-FR" sz="3200" dirty="0" err="1" smtClean="0">
+                <a:solidFill>
+                  <a:schemeClr val="tx2"/>
+                </a:solidFill>
+                <a:latin typeface="Lato Light" panose="020F0502020204030203" pitchFamily="34" charset="0"/>
+                <a:ea typeface="Lato Light" panose="020F0502020204030203" pitchFamily="34" charset="0"/>
+                <a:cs typeface="Lato Light" panose="020F0502020204030203" pitchFamily="34" charset="0"/>
+              </a:rPr>
+              <a:t>coverage</a:t>
+            </a:r>
+            <a:r>
+              <a:rPr lang="fr-FR" sz="3200" dirty="0" smtClean="0">
+                <a:solidFill>
+                  <a:schemeClr val="tx2"/>
+                </a:solidFill>
+                <a:latin typeface="Lato Light" panose="020F0502020204030203" pitchFamily="34" charset="0"/>
+                <a:ea typeface="Lato Light" panose="020F0502020204030203" pitchFamily="34" charset="0"/>
+                <a:cs typeface="Lato Light" panose="020F0502020204030203" pitchFamily="34" charset="0"/>
+              </a:rPr>
+              <a:t> avec PIT</a:t>
+            </a:r>
+            <a:endParaRPr lang="fr-FR" sz="3200" dirty="0">
+              <a:solidFill>
+                <a:schemeClr val="tx2"/>
+              </a:solidFill>
+              <a:latin typeface="Lato Light" panose="020F0502020204030203" pitchFamily="34" charset="0"/>
+              <a:ea typeface="Lato Light" panose="020F0502020204030203" pitchFamily="34" charset="0"/>
+              <a:cs typeface="Lato Light" panose="020F0502020204030203" pitchFamily="34" charset="0"/>
+            </a:endParaRPr>
+          </a:p>
+          <a:p>
+            <a:pPr marL="342900" indent="-342900">
+              <a:buFontTx/>
+              <a:buChar char="-"/>
+            </a:pPr>
             <a:endParaRPr lang="fr-FR" sz="2000" dirty="0">
               <a:solidFill>
                 <a:schemeClr val="tx2"/>
@@ -12057,9 +12967,9 @@
         <p:grpSpPr>
           <a:xfrm>
             <a:off x="0" y="73772"/>
-            <a:ext cx="2943332" cy="883356"/>
+            <a:ext cx="5221778" cy="883356"/>
             <a:chOff x="0" y="-9760"/>
-            <a:chExt cx="2357120" cy="785565"/>
+            <a:chExt cx="4181776" cy="785565"/>
           </a:xfrm>
         </p:grpSpPr>
         <p:sp>
@@ -12071,7 +12981,7 @@
           <p:spPr>
             <a:xfrm>
               <a:off x="109500" y="-9760"/>
-              <a:ext cx="1506083" cy="629520"/>
+              <a:ext cx="4072276" cy="629520"/>
             </a:xfrm>
             <a:prstGeom prst="rect">
               <a:avLst/>
@@ -12085,12 +12995,12 @@
             <a:lstStyle/>
             <a:p>
               <a:r>
-                <a:rPr lang="fr-FR" sz="4000" b="1" dirty="0" err="1" smtClean="0">
+                <a:rPr lang="fr-FR" sz="4000" b="1" dirty="0" smtClean="0">
                   <a:latin typeface="Lato Regular" panose="020F0502020204030203" pitchFamily="34" charset="0"/>
                   <a:ea typeface="Lato Regular" panose="020F0502020204030203" pitchFamily="34" charset="0"/>
                   <a:cs typeface="Lato Regular" panose="020F0502020204030203" pitchFamily="34" charset="0"/>
                 </a:rPr>
-                <a:t>Pit</a:t>
+                <a:t>PIT : </a:t>
               </a:r>
               <a:r>
                 <a:rPr lang="fr-FR" sz="4000" b="1" dirty="0" smtClean="0">
@@ -12098,595 +13008,7 @@
                   <a:ea typeface="Lato Regular" panose="020F0502020204030203" pitchFamily="34" charset="0"/>
                   <a:cs typeface="Lato Regular" panose="020F0502020204030203" pitchFamily="34" charset="0"/>
                 </a:rPr>
-                <a:t> Test</a:t>
-              </a:r>
-              <a:endParaRPr lang="fr-FR" sz="3600" b="1" dirty="0">
-                <a:latin typeface="Lato Regular" panose="020F0502020204030203" pitchFamily="34" charset="0"/>
-                <a:ea typeface="Lato Regular" panose="020F0502020204030203" pitchFamily="34" charset="0"/>
-                <a:cs typeface="Lato Regular" panose="020F0502020204030203" pitchFamily="34" charset="0"/>
-              </a:endParaRPr>
-            </a:p>
-          </p:txBody>
-        </p:sp>
-        <p:sp>
-          <p:nvSpPr>
-            <p:cNvPr id="204" name="Rectangle 203"/>
-            <p:cNvSpPr/>
-            <p:nvPr/>
-          </p:nvSpPr>
-          <p:spPr>
-            <a:xfrm>
-              <a:off x="0" y="619760"/>
-              <a:ext cx="2357120" cy="156045"/>
-            </a:xfrm>
-            <a:prstGeom prst="rect">
-              <a:avLst/>
-            </a:prstGeom>
-            <a:solidFill>
-              <a:srgbClr val="438721"/>
-            </a:solidFill>
-            <a:ln>
-              <a:noFill/>
-            </a:ln>
-          </p:spPr>
-          <p:style>
-            <a:lnRef idx="2">
-              <a:schemeClr val="accent1">
-                <a:shade val="50000"/>
-              </a:schemeClr>
-            </a:lnRef>
-            <a:fillRef idx="1">
-              <a:schemeClr val="accent1"/>
-            </a:fillRef>
-            <a:effectRef idx="0">
-              <a:schemeClr val="accent1"/>
-            </a:effectRef>
-            <a:fontRef idx="minor">
-              <a:schemeClr val="lt1"/>
-            </a:fontRef>
-          </p:style>
-          <p:txBody>
-            <a:bodyPr rtlCol="0" anchor="ctr"/>
-            <a:lstStyle/>
-            <a:p>
-              <a:pPr algn="ctr"/>
-              <a:endParaRPr lang="fr-FR"/>
-            </a:p>
-          </p:txBody>
-        </p:sp>
-      </p:grpSp>
-      <p:pic>
-        <p:nvPicPr>
-          <p:cNvPr id="2" name="Image 1"/>
-          <p:cNvPicPr>
-            <a:picLocks noChangeAspect="1"/>
-          </p:cNvPicPr>
-          <p:nvPr/>
-        </p:nvPicPr>
-        <p:blipFill>
-          <a:blip r:embed="rId2">
-            <a:extLst>
-              <a:ext uri="{28A0092B-C50C-407E-A947-70E740481C1C}">
-                <a14:useLocalDpi xmlns:a14="http://schemas.microsoft.com/office/drawing/2010/main" val="0"/>
-              </a:ext>
-            </a:extLst>
-          </a:blip>
-          <a:stretch>
-            <a:fillRect/>
-          </a:stretch>
-        </p:blipFill>
-        <p:spPr>
-          <a:xfrm>
-            <a:off x="363882" y="1583707"/>
-            <a:ext cx="4813300" cy="4216400"/>
-          </a:xfrm>
-          <a:prstGeom prst="rect">
-            <a:avLst/>
-          </a:prstGeom>
-        </p:spPr>
-      </p:pic>
-      <p:sp>
-        <p:nvSpPr>
-          <p:cNvPr id="12" name="ZoneTexte 11"/>
-          <p:cNvSpPr txBox="1"/>
-          <p:nvPr/>
-        </p:nvSpPr>
-        <p:spPr>
-          <a:xfrm>
-            <a:off x="5095983" y="2364225"/>
-            <a:ext cx="5722418" cy="707886"/>
-          </a:xfrm>
-          <a:prstGeom prst="rect">
-            <a:avLst/>
-          </a:prstGeom>
-          <a:noFill/>
-        </p:spPr>
-        <p:txBody>
-          <a:bodyPr wrap="square" rtlCol="0">
-            <a:spAutoFit/>
-          </a:bodyPr>
-          <a:lstStyle/>
-          <a:p>
-            <a:pPr marL="342900" indent="-342900">
-              <a:buFontTx/>
-              <a:buChar char="-"/>
-            </a:pPr>
-            <a:r>
-              <a:rPr lang="fr-FR" sz="2000" dirty="0" smtClean="0">
-                <a:solidFill>
-                  <a:schemeClr val="tx2"/>
-                </a:solidFill>
-                <a:latin typeface="Lato Regular"/>
-                <a:cs typeface="Lato Regular"/>
-              </a:rPr>
-              <a:t>Ajout </a:t>
-            </a:r>
-            <a:r>
-              <a:rPr lang="fr-FR" sz="2000" dirty="0">
-                <a:solidFill>
-                  <a:schemeClr val="tx2"/>
-                </a:solidFill>
-                <a:latin typeface="Lato Regular"/>
-                <a:cs typeface="Lato Regular"/>
-              </a:rPr>
-              <a:t>de la dépendance de </a:t>
-            </a:r>
-            <a:r>
-              <a:rPr lang="fr-FR" sz="2000" dirty="0" err="1">
-                <a:solidFill>
-                  <a:schemeClr val="tx2"/>
-                </a:solidFill>
-                <a:latin typeface="Lato Regular"/>
-                <a:cs typeface="Lato Regular"/>
-              </a:rPr>
-              <a:t>PitTest</a:t>
-            </a:r>
-            <a:endParaRPr lang="fr-FR" sz="2000" dirty="0">
-              <a:solidFill>
-                <a:schemeClr val="tx2"/>
-              </a:solidFill>
-              <a:latin typeface="Lato Regular"/>
-              <a:cs typeface="Lato Regular"/>
-            </a:endParaRPr>
-          </a:p>
-          <a:p>
-            <a:pPr marL="342900" indent="-342900">
-              <a:buFontTx/>
-              <a:buChar char="-"/>
-            </a:pPr>
-            <a:r>
-              <a:rPr lang="fr-FR" sz="2000" dirty="0">
-                <a:solidFill>
-                  <a:schemeClr val="tx2"/>
-                </a:solidFill>
-                <a:latin typeface="Lato Regular"/>
-                <a:cs typeface="Lato Regular"/>
-              </a:rPr>
-              <a:t>Mutation </a:t>
-            </a:r>
-            <a:r>
-              <a:rPr lang="fr-FR" sz="2000" dirty="0" err="1">
-                <a:solidFill>
-                  <a:schemeClr val="tx2"/>
-                </a:solidFill>
-                <a:latin typeface="Lato Regular"/>
-                <a:cs typeface="Lato Regular"/>
-              </a:rPr>
-              <a:t>coverage</a:t>
-            </a:r>
-            <a:endParaRPr lang="fr-FR" sz="2000" dirty="0">
-              <a:solidFill>
-                <a:schemeClr val="tx2"/>
-              </a:solidFill>
-              <a:latin typeface="Lato Light"/>
-              <a:cs typeface="Lato Light"/>
-            </a:endParaRPr>
-          </a:p>
-        </p:txBody>
-      </p:sp>
-    </p:spTree>
-    <p:extLst>
-      <p:ext uri="{BB962C8B-B14F-4D97-AF65-F5344CB8AC3E}">
-        <p14:creationId xmlns:p14="http://schemas.microsoft.com/office/powerpoint/2010/main" val="2810526562"/>
-      </p:ext>
-    </p:extLst>
-  </p:cSld>
-  <p:clrMapOvr>
-    <a:masterClrMapping/>
-  </p:clrMapOvr>
-  <p:timing>
-    <p:tnLst>
-      <p:par>
-        <p:cTn id="1" dur="indefinite" restart="never" nodeType="tmRoot"/>
-      </p:par>
-    </p:tnLst>
-  </p:timing>
-</p:sld>
-</file>
-
-<file path=ppt/slides/slide14.xml><?xml version="1.0" encoding="utf-8"?>
-<p:sld xmlns:a="http://schemas.openxmlformats.org/drawingml/2006/main" xmlns:r="http://schemas.openxmlformats.org/officeDocument/2006/relationships" xmlns:p="http://schemas.openxmlformats.org/presentationml/2006/main">
-  <p:cSld>
-    <p:spTree>
-      <p:nvGrpSpPr>
-        <p:cNvPr id="1" name=""/>
-        <p:cNvGrpSpPr/>
-        <p:nvPr/>
-      </p:nvGrpSpPr>
-      <p:grpSpPr>
-        <a:xfrm>
-          <a:off x="0" y="0"/>
-          <a:ext cx="0" cy="0"/>
-          <a:chOff x="0" y="0"/>
-          <a:chExt cx="0" cy="0"/>
-        </a:xfrm>
-      </p:grpSpPr>
-      <p:grpSp>
-        <p:nvGrpSpPr>
-          <p:cNvPr id="202" name="Groupe 201"/>
-          <p:cNvGrpSpPr/>
-          <p:nvPr/>
-        </p:nvGrpSpPr>
-        <p:grpSpPr>
-          <a:xfrm>
-            <a:off x="0" y="73772"/>
-            <a:ext cx="2943332" cy="883356"/>
-            <a:chOff x="0" y="-9760"/>
-            <a:chExt cx="2357120" cy="785565"/>
-          </a:xfrm>
-        </p:grpSpPr>
-        <p:sp>
-          <p:nvSpPr>
-            <p:cNvPr id="203" name="ZoneTexte 202"/>
-            <p:cNvSpPr txBox="1"/>
-            <p:nvPr/>
-          </p:nvSpPr>
-          <p:spPr>
-            <a:xfrm>
-              <a:off x="109500" y="-9760"/>
-              <a:ext cx="1506083" cy="629520"/>
-            </a:xfrm>
-            <a:prstGeom prst="rect">
-              <a:avLst/>
-            </a:prstGeom>
-            <a:noFill/>
-          </p:spPr>
-          <p:txBody>
-            <a:bodyPr wrap="none" rtlCol="0">
-              <a:spAutoFit/>
-            </a:bodyPr>
-            <a:lstStyle/>
-            <a:p>
-              <a:r>
-                <a:rPr lang="fr-FR" sz="4000" b="1" dirty="0" err="1" smtClean="0">
-                  <a:latin typeface="Lato Regular" panose="020F0502020204030203" pitchFamily="34" charset="0"/>
-                  <a:ea typeface="Lato Regular" panose="020F0502020204030203" pitchFamily="34" charset="0"/>
-                  <a:cs typeface="Lato Regular" panose="020F0502020204030203" pitchFamily="34" charset="0"/>
-                </a:rPr>
-                <a:t>Pit</a:t>
-              </a:r>
-              <a:r>
-                <a:rPr lang="fr-FR" sz="4000" b="1" dirty="0" smtClean="0">
-                  <a:latin typeface="Lato Regular" panose="020F0502020204030203" pitchFamily="34" charset="0"/>
-                  <a:ea typeface="Lato Regular" panose="020F0502020204030203" pitchFamily="34" charset="0"/>
-                  <a:cs typeface="Lato Regular" panose="020F0502020204030203" pitchFamily="34" charset="0"/>
-                </a:rPr>
-                <a:t> Test</a:t>
-              </a:r>
-              <a:endParaRPr lang="fr-FR" sz="3600" b="1" dirty="0">
-                <a:latin typeface="Lato Regular" panose="020F0502020204030203" pitchFamily="34" charset="0"/>
-                <a:ea typeface="Lato Regular" panose="020F0502020204030203" pitchFamily="34" charset="0"/>
-                <a:cs typeface="Lato Regular" panose="020F0502020204030203" pitchFamily="34" charset="0"/>
-              </a:endParaRPr>
-            </a:p>
-          </p:txBody>
-        </p:sp>
-        <p:sp>
-          <p:nvSpPr>
-            <p:cNvPr id="204" name="Rectangle 203"/>
-            <p:cNvSpPr/>
-            <p:nvPr/>
-          </p:nvSpPr>
-          <p:spPr>
-            <a:xfrm>
-              <a:off x="0" y="619760"/>
-              <a:ext cx="2357120" cy="156045"/>
-            </a:xfrm>
-            <a:prstGeom prst="rect">
-              <a:avLst/>
-            </a:prstGeom>
-            <a:solidFill>
-              <a:srgbClr val="438721"/>
-            </a:solidFill>
-            <a:ln>
-              <a:noFill/>
-            </a:ln>
-          </p:spPr>
-          <p:style>
-            <a:lnRef idx="2">
-              <a:schemeClr val="accent1">
-                <a:shade val="50000"/>
-              </a:schemeClr>
-            </a:lnRef>
-            <a:fillRef idx="1">
-              <a:schemeClr val="accent1"/>
-            </a:fillRef>
-            <a:effectRef idx="0">
-              <a:schemeClr val="accent1"/>
-            </a:effectRef>
-            <a:fontRef idx="minor">
-              <a:schemeClr val="lt1"/>
-            </a:fontRef>
-          </p:style>
-          <p:txBody>
-            <a:bodyPr rtlCol="0" anchor="ctr"/>
-            <a:lstStyle/>
-            <a:p>
-              <a:pPr algn="ctr"/>
-              <a:endParaRPr lang="fr-FR"/>
-            </a:p>
-          </p:txBody>
-        </p:sp>
-      </p:grpSp>
-      <p:pic>
-        <p:nvPicPr>
-          <p:cNvPr id="2" name="Image 1"/>
-          <p:cNvPicPr>
-            <a:picLocks noChangeAspect="1"/>
-          </p:cNvPicPr>
-          <p:nvPr/>
-        </p:nvPicPr>
-        <p:blipFill>
-          <a:blip r:embed="rId2">
-            <a:extLst>
-              <a:ext uri="{28A0092B-C50C-407E-A947-70E740481C1C}">
-                <a14:useLocalDpi xmlns:a14="http://schemas.microsoft.com/office/drawing/2010/main" val="0"/>
-              </a:ext>
-            </a:extLst>
-          </a:blip>
-          <a:stretch>
-            <a:fillRect/>
-          </a:stretch>
-        </p:blipFill>
-        <p:spPr>
-          <a:xfrm>
-            <a:off x="363882" y="1583707"/>
-            <a:ext cx="4813300" cy="4216400"/>
-          </a:xfrm>
-          <a:prstGeom prst="rect">
-            <a:avLst/>
-          </a:prstGeom>
-        </p:spPr>
-      </p:pic>
-      <p:sp>
-        <p:nvSpPr>
-          <p:cNvPr id="12" name="ZoneTexte 11"/>
-          <p:cNvSpPr txBox="1"/>
-          <p:nvPr/>
-        </p:nvSpPr>
-        <p:spPr>
-          <a:xfrm>
-            <a:off x="4860123" y="1223794"/>
-            <a:ext cx="5187715" cy="1015663"/>
-          </a:xfrm>
-          <a:prstGeom prst="rect">
-            <a:avLst/>
-          </a:prstGeom>
-          <a:noFill/>
-        </p:spPr>
-        <p:txBody>
-          <a:bodyPr wrap="square" rtlCol="0">
-            <a:spAutoFit/>
-          </a:bodyPr>
-          <a:lstStyle/>
-          <a:p>
-            <a:r>
-              <a:rPr lang="fr-FR" sz="2000" dirty="0" smtClean="0">
-                <a:solidFill>
-                  <a:schemeClr val="tx2"/>
-                </a:solidFill>
-                <a:latin typeface="Lato Regular"/>
-                <a:cs typeface="Lato Regular"/>
-              </a:rPr>
-              <a:t>Pourquoi </a:t>
-            </a:r>
-            <a:r>
-              <a:rPr lang="fr-FR" sz="2000" dirty="0">
-                <a:solidFill>
-                  <a:schemeClr val="tx2"/>
-                </a:solidFill>
-                <a:latin typeface="Lato Regular"/>
-                <a:cs typeface="Lato Regular"/>
-              </a:rPr>
-              <a:t>TIMED </a:t>
-            </a:r>
-            <a:r>
-              <a:rPr lang="fr-FR" sz="2000" dirty="0" smtClean="0">
-                <a:solidFill>
-                  <a:schemeClr val="tx2"/>
-                </a:solidFill>
-                <a:latin typeface="Lato Regular"/>
-                <a:cs typeface="Lato Regular"/>
-              </a:rPr>
-              <a:t>OUT ?</a:t>
-            </a:r>
-            <a:endParaRPr lang="fr-FR" sz="2000" dirty="0">
-              <a:solidFill>
-                <a:schemeClr val="tx2"/>
-              </a:solidFill>
-              <a:latin typeface="Lato Regular"/>
-              <a:cs typeface="Lato Regular"/>
-            </a:endParaRPr>
-          </a:p>
-          <a:p>
-            <a:pPr marL="342900" indent="-342900">
-              <a:buFont typeface="Arial" panose="020B0604020202020204" pitchFamily="34" charset="0"/>
-              <a:buChar char="•"/>
-            </a:pPr>
-            <a:r>
-              <a:rPr lang="fr-FR" sz="2000" dirty="0" smtClean="0">
-                <a:solidFill>
-                  <a:schemeClr val="tx2"/>
-                </a:solidFill>
-                <a:latin typeface="Lato Regular"/>
-                <a:cs typeface="Lato Regular"/>
-              </a:rPr>
-              <a:t>une </a:t>
-            </a:r>
-            <a:r>
-              <a:rPr lang="fr-FR" sz="2000" dirty="0">
-                <a:solidFill>
-                  <a:schemeClr val="tx2"/>
-                </a:solidFill>
-                <a:latin typeface="Lato Regular"/>
-                <a:cs typeface="Lato Regular"/>
-              </a:rPr>
-              <a:t>mutation créé une boucle </a:t>
-            </a:r>
-            <a:r>
-              <a:rPr lang="fr-FR" sz="2000" dirty="0" smtClean="0">
-                <a:solidFill>
-                  <a:schemeClr val="tx2"/>
-                </a:solidFill>
-                <a:latin typeface="Lato Regular"/>
-                <a:cs typeface="Lato Regular"/>
-              </a:rPr>
-              <a:t>infinie</a:t>
-            </a:r>
-          </a:p>
-          <a:p>
-            <a:pPr marL="342900" indent="-342900">
-              <a:buFont typeface="Arial" panose="020B0604020202020204" pitchFamily="34" charset="0"/>
-              <a:buChar char="•"/>
-            </a:pPr>
-            <a:r>
-              <a:rPr lang="fr-FR" sz="2000" dirty="0" err="1" smtClean="0">
-                <a:solidFill>
-                  <a:schemeClr val="tx2"/>
-                </a:solidFill>
-                <a:latin typeface="Lato Regular"/>
-                <a:cs typeface="Lato Regular"/>
-              </a:rPr>
-              <a:t>pit</a:t>
-            </a:r>
-            <a:r>
-              <a:rPr lang="fr-FR" sz="2000" dirty="0" smtClean="0">
-                <a:solidFill>
-                  <a:schemeClr val="tx2"/>
-                </a:solidFill>
-                <a:latin typeface="Lato Regular"/>
-                <a:cs typeface="Lato Regular"/>
-              </a:rPr>
-              <a:t> </a:t>
-            </a:r>
-            <a:r>
-              <a:rPr lang="fr-FR" sz="2000" dirty="0">
-                <a:solidFill>
-                  <a:schemeClr val="tx2"/>
-                </a:solidFill>
-                <a:latin typeface="Lato Regular"/>
-                <a:cs typeface="Lato Regular"/>
-              </a:rPr>
-              <a:t>test pense qu'il y a une boucle infinie</a:t>
-            </a:r>
-            <a:endParaRPr lang="fr-FR" sz="2000" dirty="0" smtClean="0">
-              <a:solidFill>
-                <a:schemeClr val="tx2"/>
-              </a:solidFill>
-              <a:latin typeface="Lato Light"/>
-              <a:cs typeface="Lato Light"/>
-            </a:endParaRPr>
-          </a:p>
-        </p:txBody>
-      </p:sp>
-    </p:spTree>
-    <p:extLst>
-      <p:ext uri="{BB962C8B-B14F-4D97-AF65-F5344CB8AC3E}">
-        <p14:creationId xmlns:p14="http://schemas.microsoft.com/office/powerpoint/2010/main" val="927879951"/>
-      </p:ext>
-    </p:extLst>
-  </p:cSld>
-  <p:clrMapOvr>
-    <a:masterClrMapping/>
-  </p:clrMapOvr>
-  <p:timing>
-    <p:tnLst>
-      <p:par>
-        <p:cTn id="1" dur="indefinite" restart="never" nodeType="tmRoot"/>
-      </p:par>
-    </p:tnLst>
-  </p:timing>
-</p:sld>
-</file>
-
-<file path=ppt/slides/slide15.xml><?xml version="1.0" encoding="utf-8"?>
-<p:sld xmlns:a="http://schemas.openxmlformats.org/drawingml/2006/main" xmlns:r="http://schemas.openxmlformats.org/officeDocument/2006/relationships" xmlns:p="http://schemas.openxmlformats.org/presentationml/2006/main">
-  <p:cSld>
-    <p:spTree>
-      <p:nvGrpSpPr>
-        <p:cNvPr id="1" name=""/>
-        <p:cNvGrpSpPr/>
-        <p:nvPr/>
-      </p:nvGrpSpPr>
-      <p:grpSpPr>
-        <a:xfrm>
-          <a:off x="0" y="0"/>
-          <a:ext cx="0" cy="0"/>
-          <a:chOff x="0" y="0"/>
-          <a:chExt cx="0" cy="0"/>
-        </a:xfrm>
-      </p:grpSpPr>
-      <p:grpSp>
-        <p:nvGrpSpPr>
-          <p:cNvPr id="202" name="Groupe 201"/>
-          <p:cNvGrpSpPr/>
-          <p:nvPr/>
-        </p:nvGrpSpPr>
-        <p:grpSpPr>
-          <a:xfrm>
-            <a:off x="0" y="73772"/>
-            <a:ext cx="6177168" cy="883356"/>
-            <a:chOff x="0" y="-9760"/>
-            <a:chExt cx="4946885" cy="785565"/>
-          </a:xfrm>
-        </p:grpSpPr>
-        <p:sp>
-          <p:nvSpPr>
-            <p:cNvPr id="203" name="ZoneTexte 202"/>
-            <p:cNvSpPr txBox="1"/>
-            <p:nvPr/>
-          </p:nvSpPr>
-          <p:spPr>
-            <a:xfrm>
-              <a:off x="109500" y="-9760"/>
-              <a:ext cx="4837385" cy="629520"/>
-            </a:xfrm>
-            <a:prstGeom prst="rect">
-              <a:avLst/>
-            </a:prstGeom>
-            <a:noFill/>
-          </p:spPr>
-          <p:txBody>
-            <a:bodyPr wrap="none" rtlCol="0">
-              <a:spAutoFit/>
-            </a:bodyPr>
-            <a:lstStyle/>
-            <a:p>
-              <a:r>
-                <a:rPr lang="fr-FR" sz="4000" b="1" dirty="0" err="1" smtClean="0">
-                  <a:latin typeface="Lato Regular" panose="020F0502020204030203" pitchFamily="34" charset="0"/>
-                  <a:ea typeface="Lato Regular" panose="020F0502020204030203" pitchFamily="34" charset="0"/>
-                  <a:cs typeface="Lato Regular" panose="020F0502020204030203" pitchFamily="34" charset="0"/>
-                </a:rPr>
-                <a:t>Pit</a:t>
-              </a:r>
-              <a:r>
-                <a:rPr lang="fr-FR" sz="4000" b="1" dirty="0" smtClean="0">
-                  <a:latin typeface="Lato Regular" panose="020F0502020204030203" pitchFamily="34" charset="0"/>
-                  <a:ea typeface="Lato Regular" panose="020F0502020204030203" pitchFamily="34" charset="0"/>
-                  <a:cs typeface="Lato Regular" panose="020F0502020204030203" pitchFamily="34" charset="0"/>
-                </a:rPr>
-                <a:t> Test : moche et mutant</a:t>
+                <a:t>moche et mutant</a:t>
               </a:r>
               <a:endParaRPr lang="fr-FR" sz="3600" b="1" dirty="0">
                 <a:latin typeface="Lato Regular" panose="020F0502020204030203" pitchFamily="34" charset="0"/>
@@ -12968,24 +13290,14 @@
               <a:buNone/>
             </a:pPr>
             <a:r>
-              <a:rPr lang="fr-FR" sz="2000" dirty="0" err="1" smtClean="0">
+              <a:rPr lang="fr-FR" sz="2000" dirty="0" smtClean="0">
                 <a:solidFill>
                   <a:schemeClr val="tx2"/>
                 </a:solidFill>
                 <a:latin typeface="Lato Regular"/>
                 <a:cs typeface="Lato Regular"/>
               </a:rPr>
-              <a:t>Pit</a:t>
-            </a:r>
-            <a:r>
-              <a:rPr lang="fr-FR" sz="2000" dirty="0" smtClean="0">
-                <a:solidFill>
-                  <a:schemeClr val="tx2"/>
-                </a:solidFill>
-                <a:latin typeface="Lato Regular"/>
-                <a:cs typeface="Lato Regular"/>
-              </a:rPr>
-              <a:t> Test</a:t>
+              <a:t>PIT</a:t>
             </a:r>
             <a:endParaRPr lang="fr-FR" sz="2000" dirty="0">
               <a:solidFill>
@@ -13081,7 +13393,7 @@
 </p:sld>
 </file>
 
-<file path=ppt/slides/slide16.xml><?xml version="1.0" encoding="utf-8"?>
+<file path=ppt/slides/slide14.xml><?xml version="1.0" encoding="utf-8"?>
 <p:sld xmlns:a="http://schemas.openxmlformats.org/drawingml/2006/main" xmlns:r="http://schemas.openxmlformats.org/officeDocument/2006/relationships" xmlns:p="http://schemas.openxmlformats.org/presentationml/2006/main">
   <p:cSld>
     <p:spTree>
@@ -13107,9 +13419,9 @@
         <p:grpSpPr>
           <a:xfrm>
             <a:off x="0" y="73772"/>
-            <a:ext cx="5189718" cy="883356"/>
+            <a:ext cx="8047873" cy="883356"/>
             <a:chOff x="0" y="-9760"/>
-            <a:chExt cx="4156102" cy="785565"/>
+            <a:chExt cx="6445009" cy="785565"/>
           </a:xfrm>
         </p:grpSpPr>
         <p:sp>
@@ -13121,7 +13433,7 @@
           <p:spPr>
             <a:xfrm>
               <a:off x="109500" y="-9760"/>
-              <a:ext cx="4046602" cy="629520"/>
+              <a:ext cx="6335509" cy="629520"/>
             </a:xfrm>
             <a:prstGeom prst="rect">
               <a:avLst/>
@@ -13135,44 +13447,12 @@
             <a:lstStyle/>
             <a:p>
               <a:r>
-                <a:rPr lang="fr-FR" sz="4000" b="1" dirty="0" err="1" smtClean="0">
+                <a:rPr lang="fr-FR" sz="4000" b="1" dirty="0">
                   <a:latin typeface="Lato Regular" panose="020F0502020204030203" pitchFamily="34" charset="0"/>
                   <a:ea typeface="Lato Regular" panose="020F0502020204030203" pitchFamily="34" charset="0"/>
                   <a:cs typeface="Lato Regular" panose="020F0502020204030203" pitchFamily="34" charset="0"/>
                 </a:rPr>
-                <a:t>Pit</a:t>
-              </a:r>
-              <a:r>
-                <a:rPr lang="fr-FR" sz="4000" b="1" dirty="0" smtClean="0">
-                  <a:latin typeface="Lato Regular" panose="020F0502020204030203" pitchFamily="34" charset="0"/>
-                  <a:ea typeface="Lato Regular" panose="020F0502020204030203" pitchFamily="34" charset="0"/>
-                  <a:cs typeface="Lato Regular" panose="020F0502020204030203" pitchFamily="34" charset="0"/>
-                </a:rPr>
-                <a:t> Test : </a:t>
-              </a:r>
-              <a:r>
-                <a:rPr lang="fr-FR" sz="4000" b="1" dirty="0" err="1" smtClean="0">
-                  <a:latin typeface="Lato Regular" panose="020F0502020204030203" pitchFamily="34" charset="0"/>
-                  <a:ea typeface="Lato Regular" panose="020F0502020204030203" pitchFamily="34" charset="0"/>
-                  <a:cs typeface="Lato Regular" panose="020F0502020204030203" pitchFamily="34" charset="0"/>
-                </a:rPr>
-                <a:t>keep</a:t>
-              </a:r>
-              <a:r>
-                <a:rPr lang="fr-FR" sz="4000" b="1" dirty="0" smtClean="0">
-                  <a:latin typeface="Lato Regular" panose="020F0502020204030203" pitchFamily="34" charset="0"/>
-                  <a:ea typeface="Lato Regular" panose="020F0502020204030203" pitchFamily="34" charset="0"/>
-                  <a:cs typeface="Lato Regular" panose="020F0502020204030203" pitchFamily="34" charset="0"/>
-                </a:rPr>
-                <a:t> </a:t>
-              </a:r>
-              <a:r>
-                <a:rPr lang="fr-FR" sz="4000" b="1" dirty="0" err="1" smtClean="0">
-                  <a:latin typeface="Lato Regular" panose="020F0502020204030203" pitchFamily="34" charset="0"/>
-                  <a:ea typeface="Lato Regular" panose="020F0502020204030203" pitchFamily="34" charset="0"/>
-                  <a:cs typeface="Lato Regular" panose="020F0502020204030203" pitchFamily="34" charset="0"/>
-                </a:rPr>
-                <a:t>digging</a:t>
+                <a:t>Hands On ! EXTREME MUTATION</a:t>
               </a:r>
               <a:endParaRPr lang="fr-FR" sz="3600" b="1" dirty="0">
                 <a:latin typeface="Lato Regular" panose="020F0502020204030203" pitchFamily="34" charset="0"/>
@@ -13268,7 +13548,7 @@
         <p:spPr>
           <a:xfrm>
             <a:off x="3400808" y="1463925"/>
-            <a:ext cx="5187715" cy="1754326"/>
+            <a:ext cx="5187715" cy="1200329"/>
           </a:xfrm>
           <a:prstGeom prst="rect">
             <a:avLst/>
@@ -13281,16 +13561,40 @@
           </a:bodyPr>
           <a:lstStyle/>
           <a:p>
-            <a:r>
-              <a:rPr lang="fr-FR" sz="3600" dirty="0" smtClean="0">
+            <a:pPr marL="342900" indent="-342900">
+              <a:buFontTx/>
+              <a:buChar char="-"/>
+            </a:pPr>
+            <a:r>
+              <a:rPr lang="fr-FR" sz="3600" dirty="0" err="1">
                 <a:solidFill>
                   <a:schemeClr val="tx2"/>
                 </a:solidFill>
-                <a:latin typeface="Lato Light"/>
-                <a:cs typeface="Lato Light"/>
-              </a:rPr>
-              <a:t>Objectif atelier : aller à la recherche de vos plus beaux mutants</a:t>
-            </a:r>
+                <a:latin typeface="Lato Light" panose="020F0502020204030203" pitchFamily="34" charset="0"/>
+                <a:ea typeface="Lato Light" panose="020F0502020204030203" pitchFamily="34" charset="0"/>
+                <a:cs typeface="Lato Light" panose="020F0502020204030203" pitchFamily="34" charset="0"/>
+              </a:rPr>
+              <a:t>Extreme</a:t>
+            </a:r>
+            <a:r>
+              <a:rPr lang="fr-FR" sz="3600" dirty="0">
+                <a:solidFill>
+                  <a:schemeClr val="tx2"/>
+                </a:solidFill>
+                <a:latin typeface="Lato Light" panose="020F0502020204030203" pitchFamily="34" charset="0"/>
+                <a:ea typeface="Lato Light" panose="020F0502020204030203" pitchFamily="34" charset="0"/>
+                <a:cs typeface="Lato Light" panose="020F0502020204030203" pitchFamily="34" charset="0"/>
+              </a:rPr>
+              <a:t> Mutation avec Descartes</a:t>
+            </a:r>
+            <a:endParaRPr lang="fr-FR" sz="3600" dirty="0">
+              <a:solidFill>
+                <a:schemeClr val="tx2"/>
+              </a:solidFill>
+              <a:latin typeface="Lato Light" panose="020F0502020204030203" pitchFamily="34" charset="0"/>
+              <a:ea typeface="Lato Light" panose="020F0502020204030203" pitchFamily="34" charset="0"/>
+              <a:cs typeface="Lato Light" panose="020F0502020204030203" pitchFamily="34" charset="0"/>
+            </a:endParaRPr>
           </a:p>
         </p:txBody>
       </p:sp>
@@ -13332,7 +13636,7 @@
         <p:spPr>
           <a:xfrm>
             <a:off x="3745747" y="3660603"/>
-            <a:ext cx="6992877" cy="1200329"/>
+            <a:ext cx="6992877" cy="1754326"/>
           </a:xfrm>
           <a:prstGeom prst="rect">
             <a:avLst/>
@@ -13369,25 +13673,22 @@
               <a:buChar char="-"/>
             </a:pPr>
             <a:r>
-              <a:rPr lang="fr-FR" sz="3600" dirty="0" err="1" smtClean="0">
+              <a:rPr lang="fr-FR" sz="3600" dirty="0" smtClean="0">
                 <a:solidFill>
                   <a:schemeClr val="tx2"/>
                 </a:solidFill>
                 <a:latin typeface="Lato Light"/>
                 <a:cs typeface="Lato Light"/>
               </a:rPr>
-              <a:t>Extreme</a:t>
-            </a:r>
-            <a:r>
-              <a:rPr lang="fr-FR" sz="3600" dirty="0" smtClean="0">
-                <a:solidFill>
-                  <a:schemeClr val="tx2"/>
-                </a:solidFill>
-                <a:latin typeface="Lato Light"/>
-                <a:cs typeface="Lato Light"/>
-              </a:rPr>
-              <a:t> mutation</a:t>
-            </a:r>
+              <a:t>Chasse aux mutants : Correction de TU</a:t>
+            </a:r>
+            <a:endParaRPr lang="fr-FR" sz="3600" dirty="0" smtClean="0">
+              <a:solidFill>
+                <a:schemeClr val="tx2"/>
+              </a:solidFill>
+              <a:latin typeface="Lato Light"/>
+              <a:cs typeface="Lato Light"/>
+            </a:endParaRPr>
           </a:p>
         </p:txBody>
       </p:sp>
@@ -13395,6 +13696,1358 @@
     <p:extLst>
       <p:ext uri="{BB962C8B-B14F-4D97-AF65-F5344CB8AC3E}">
         <p14:creationId xmlns:p14="http://schemas.microsoft.com/office/powerpoint/2010/main" val="1037909835"/>
+      </p:ext>
+    </p:extLst>
+  </p:cSld>
+  <p:clrMapOvr>
+    <a:masterClrMapping/>
+  </p:clrMapOvr>
+  <p:timing>
+    <p:tnLst>
+      <p:par>
+        <p:cTn id="1" dur="indefinite" restart="never" nodeType="tmRoot"/>
+      </p:par>
+    </p:tnLst>
+  </p:timing>
+</p:sld>
+</file>
+
+<file path=ppt/slides/slide15.xml><?xml version="1.0" encoding="utf-8"?>
+<p:sld xmlns:a="http://schemas.openxmlformats.org/drawingml/2006/main" xmlns:r="http://schemas.openxmlformats.org/officeDocument/2006/relationships" xmlns:p="http://schemas.openxmlformats.org/presentationml/2006/main">
+  <p:cSld>
+    <p:spTree>
+      <p:nvGrpSpPr>
+        <p:cNvPr id="1" name=""/>
+        <p:cNvGrpSpPr/>
+        <p:nvPr/>
+      </p:nvGrpSpPr>
+      <p:grpSpPr>
+        <a:xfrm>
+          <a:off x="0" y="0"/>
+          <a:ext cx="0" cy="0"/>
+          <a:chOff x="0" y="0"/>
+          <a:chExt cx="0" cy="0"/>
+        </a:xfrm>
+      </p:grpSpPr>
+      <p:grpSp>
+        <p:nvGrpSpPr>
+          <p:cNvPr id="202" name="Groupe 201"/>
+          <p:cNvGrpSpPr/>
+          <p:nvPr/>
+        </p:nvGrpSpPr>
+        <p:grpSpPr>
+          <a:xfrm>
+            <a:off x="0" y="73772"/>
+            <a:ext cx="9278978" cy="883356"/>
+            <a:chOff x="0" y="-9760"/>
+            <a:chExt cx="7430920" cy="785565"/>
+          </a:xfrm>
+        </p:grpSpPr>
+        <p:sp>
+          <p:nvSpPr>
+            <p:cNvPr id="203" name="ZoneTexte 202"/>
+            <p:cNvSpPr txBox="1"/>
+            <p:nvPr/>
+          </p:nvSpPr>
+          <p:spPr>
+            <a:xfrm>
+              <a:off x="109500" y="-9760"/>
+              <a:ext cx="7321420" cy="629520"/>
+            </a:xfrm>
+            <a:prstGeom prst="rect">
+              <a:avLst/>
+            </a:prstGeom>
+            <a:noFill/>
+          </p:spPr>
+          <p:txBody>
+            <a:bodyPr wrap="none" rtlCol="0">
+              <a:spAutoFit/>
+            </a:bodyPr>
+            <a:lstStyle/>
+            <a:p>
+              <a:r>
+                <a:rPr lang="fr-FR" sz="4000" b="1" dirty="0" smtClean="0">
+                  <a:latin typeface="Lato Regular" panose="020F0502020204030203" pitchFamily="34" charset="0"/>
+                  <a:ea typeface="Lato Regular" panose="020F0502020204030203" pitchFamily="34" charset="0"/>
+                  <a:cs typeface="Lato Regular" panose="020F0502020204030203" pitchFamily="34" charset="0"/>
+                </a:rPr>
+                <a:t>Couverture de code VS Mutation </a:t>
+              </a:r>
+              <a:r>
+                <a:rPr lang="fr-FR" sz="4000" b="1" dirty="0" err="1" smtClean="0">
+                  <a:latin typeface="Lato Regular" panose="020F0502020204030203" pitchFamily="34" charset="0"/>
+                  <a:ea typeface="Lato Regular" panose="020F0502020204030203" pitchFamily="34" charset="0"/>
+                  <a:cs typeface="Lato Regular" panose="020F0502020204030203" pitchFamily="34" charset="0"/>
+                </a:rPr>
+                <a:t>testing</a:t>
+              </a:r>
+              <a:endParaRPr lang="fr-FR" sz="3600" b="1" dirty="0">
+                <a:latin typeface="Lato Regular" panose="020F0502020204030203" pitchFamily="34" charset="0"/>
+                <a:ea typeface="Lato Regular" panose="020F0502020204030203" pitchFamily="34" charset="0"/>
+                <a:cs typeface="Lato Regular" panose="020F0502020204030203" pitchFamily="34" charset="0"/>
+              </a:endParaRPr>
+            </a:p>
+          </p:txBody>
+        </p:sp>
+        <p:sp>
+          <p:nvSpPr>
+            <p:cNvPr id="204" name="Rectangle 203"/>
+            <p:cNvSpPr/>
+            <p:nvPr/>
+          </p:nvSpPr>
+          <p:spPr>
+            <a:xfrm>
+              <a:off x="0" y="619760"/>
+              <a:ext cx="2357120" cy="156045"/>
+            </a:xfrm>
+            <a:prstGeom prst="rect">
+              <a:avLst/>
+            </a:prstGeom>
+            <a:solidFill>
+              <a:srgbClr val="872163"/>
+            </a:solidFill>
+            <a:ln>
+              <a:noFill/>
+            </a:ln>
+          </p:spPr>
+          <p:style>
+            <a:lnRef idx="2">
+              <a:schemeClr val="accent1">
+                <a:shade val="50000"/>
+              </a:schemeClr>
+            </a:lnRef>
+            <a:fillRef idx="1">
+              <a:schemeClr val="accent1"/>
+            </a:fillRef>
+            <a:effectRef idx="0">
+              <a:schemeClr val="accent1"/>
+            </a:effectRef>
+            <a:fontRef idx="minor">
+              <a:schemeClr val="lt1"/>
+            </a:fontRef>
+          </p:style>
+          <p:txBody>
+            <a:bodyPr rtlCol="0" anchor="ctr"/>
+            <a:lstStyle/>
+            <a:p>
+              <a:pPr algn="ctr"/>
+              <a:endParaRPr lang="fr-FR"/>
+            </a:p>
+          </p:txBody>
+        </p:sp>
+      </p:grpSp>
+      <p:sp>
+        <p:nvSpPr>
+          <p:cNvPr id="4" name="Rectangle 3"/>
+          <p:cNvSpPr/>
+          <p:nvPr/>
+        </p:nvSpPr>
+        <p:spPr>
+          <a:xfrm>
+            <a:off x="3551579" y="6228859"/>
+            <a:ext cx="8076958" cy="369332"/>
+          </a:xfrm>
+          <a:prstGeom prst="rect">
+            <a:avLst/>
+          </a:prstGeom>
+        </p:spPr>
+        <p:txBody>
+          <a:bodyPr wrap="square">
+            <a:spAutoFit/>
+          </a:bodyPr>
+          <a:lstStyle/>
+          <a:p>
+            <a:pPr algn="ctr"/>
+            <a:r>
+              <a:rPr lang="fr-FR" dirty="0">
+                <a:latin typeface="Lato Regular" panose="020F0502020204030203" pitchFamily="34" charset="0"/>
+                <a:ea typeface="Lato Regular" panose="020F0502020204030203" pitchFamily="34" charset="0"/>
+                <a:cs typeface="Lato Regular" panose="020F0502020204030203" pitchFamily="34" charset="0"/>
+              </a:rPr>
+              <a:t>Item : </a:t>
+            </a:r>
+            <a:r>
+              <a:rPr lang="fr-FR" dirty="0">
+                <a:latin typeface="Lato Regular" panose="020F0502020204030203" pitchFamily="34" charset="0"/>
+                <a:ea typeface="Lato Regular" panose="020F0502020204030203" pitchFamily="34" charset="0"/>
+                <a:cs typeface="Lato Regular" panose="020F0502020204030203" pitchFamily="34" charset="0"/>
+                <a:hlinkClick r:id="rId3" invalidUrl="https:///"/>
+              </a:rPr>
+              <a:t>https</a:t>
+            </a:r>
+            <a:r>
+              <a:rPr lang="fr-FR" dirty="0">
+                <a:latin typeface="Lato Regular" panose="020F0502020204030203" pitchFamily="34" charset="0"/>
+                <a:ea typeface="Lato Regular" panose="020F0502020204030203" pitchFamily="34" charset="0"/>
+                <a:cs typeface="Lato Regular" panose="020F0502020204030203" pitchFamily="34" charset="0"/>
+                <a:hlinkClick r:id="rId4" invalidUrl="https:///"/>
+              </a:rPr>
+              <a:t>://url.fr</a:t>
+            </a:r>
+            <a:endParaRPr lang="fr-FR" dirty="0">
+              <a:latin typeface="Lato Regular" panose="020F0502020204030203" pitchFamily="34" charset="0"/>
+              <a:ea typeface="Lato Regular" panose="020F0502020204030203" pitchFamily="34" charset="0"/>
+              <a:cs typeface="Lato Regular" panose="020F0502020204030203" pitchFamily="34" charset="0"/>
+            </a:endParaRPr>
+          </a:p>
+        </p:txBody>
+      </p:sp>
+      <p:pic>
+        <p:nvPicPr>
+          <p:cNvPr id="13" name="Image 12"/>
+          <p:cNvPicPr>
+            <a:picLocks noChangeAspect="1"/>
+          </p:cNvPicPr>
+          <p:nvPr/>
+        </p:nvPicPr>
+        <p:blipFill rotWithShape="1">
+          <a:blip r:embed="rId5">
+            <a:extLst>
+              <a:ext uri="{28A0092B-C50C-407E-A947-70E740481C1C}">
+                <a14:useLocalDpi xmlns:a14="http://schemas.microsoft.com/office/drawing/2010/main" val="0"/>
+              </a:ext>
+            </a:extLst>
+          </a:blip>
+          <a:srcRect l="38750" t="22204" r="38372" b="39045"/>
+          <a:stretch/>
+        </p:blipFill>
+        <p:spPr>
+          <a:xfrm>
+            <a:off x="764698" y="1489544"/>
+            <a:ext cx="2297511" cy="3891279"/>
+          </a:xfrm>
+          <a:prstGeom prst="rect">
+            <a:avLst/>
+          </a:prstGeom>
+        </p:spPr>
+      </p:pic>
+      <p:pic>
+        <p:nvPicPr>
+          <p:cNvPr id="3" name="Image 2"/>
+          <p:cNvPicPr>
+            <a:picLocks noChangeAspect="1"/>
+          </p:cNvPicPr>
+          <p:nvPr/>
+        </p:nvPicPr>
+        <p:blipFill rotWithShape="1">
+          <a:blip r:embed="rId6"/>
+          <a:srcRect l="6365" b="40091"/>
+          <a:stretch/>
+        </p:blipFill>
+        <p:spPr>
+          <a:xfrm>
+            <a:off x="3833239" y="3802734"/>
+            <a:ext cx="7513638" cy="2003588"/>
+          </a:xfrm>
+          <a:prstGeom prst="rect">
+            <a:avLst/>
+          </a:prstGeom>
+        </p:spPr>
+      </p:pic>
+      <p:pic>
+        <p:nvPicPr>
+          <p:cNvPr id="5" name="Image 4"/>
+          <p:cNvPicPr>
+            <a:picLocks noChangeAspect="1"/>
+          </p:cNvPicPr>
+          <p:nvPr/>
+        </p:nvPicPr>
+        <p:blipFill>
+          <a:blip r:embed="rId7"/>
+          <a:stretch>
+            <a:fillRect/>
+          </a:stretch>
+        </p:blipFill>
+        <p:spPr>
+          <a:xfrm>
+            <a:off x="3971525" y="1241722"/>
+            <a:ext cx="7375352" cy="2100947"/>
+          </a:xfrm>
+          <a:prstGeom prst="rect">
+            <a:avLst/>
+          </a:prstGeom>
+        </p:spPr>
+      </p:pic>
+      <p:sp>
+        <p:nvSpPr>
+          <p:cNvPr id="11" name="Subtitle 2">
+            <a:extLst>
+              <a:ext uri="{FF2B5EF4-FFF2-40B4-BE49-F238E27FC236}">
+                <a16:creationId xmlns:a16="http://schemas.microsoft.com/office/drawing/2014/main" id="{3A78FA13-AC9F-47B6-87F4-D7D64D1358A9}"/>
+              </a:ext>
+            </a:extLst>
+          </p:cNvPr>
+          <p:cNvSpPr txBox="1">
+            <a:spLocks/>
+          </p:cNvSpPr>
+          <p:nvPr/>
+        </p:nvSpPr>
+        <p:spPr>
+          <a:xfrm rot="16200000">
+            <a:off x="2307755" y="2092898"/>
+            <a:ext cx="2279938" cy="502532"/>
+          </a:xfrm>
+          <a:prstGeom prst="rect">
+            <a:avLst/>
+          </a:prstGeom>
+        </p:spPr>
+        <p:txBody>
+          <a:bodyPr vert="horz" lIns="243744" tIns="121869" rIns="243744" bIns="121869" rtlCol="0">
+            <a:noAutofit/>
+          </a:bodyPr>
+          <a:lstStyle>
+            <a:lvl1pPr marL="342900" indent="-342900" algn="l" defTabSz="457200" rtl="0" eaLnBrk="1" latinLnBrk="0" hangingPunct="1">
+              <a:spcBef>
+                <a:spcPct val="20000"/>
+              </a:spcBef>
+              <a:buFont typeface="Arial"/>
+              <a:buChar char="•"/>
+              <a:defRPr sz="3200" kern="1200">
+                <a:solidFill>
+                  <a:schemeClr val="tx1"/>
+                </a:solidFill>
+                <a:latin typeface="+mn-lt"/>
+                <a:ea typeface="+mn-ea"/>
+                <a:cs typeface="+mn-cs"/>
+              </a:defRPr>
+            </a:lvl1pPr>
+            <a:lvl2pPr marL="742950" indent="-285750" algn="l" defTabSz="457200" rtl="0" eaLnBrk="1" latinLnBrk="0" hangingPunct="1">
+              <a:spcBef>
+                <a:spcPct val="20000"/>
+              </a:spcBef>
+              <a:buFont typeface="Arial"/>
+              <a:buChar char="–"/>
+              <a:defRPr sz="2800" kern="1200">
+                <a:solidFill>
+                  <a:schemeClr val="tx1"/>
+                </a:solidFill>
+                <a:latin typeface="+mn-lt"/>
+                <a:ea typeface="+mn-ea"/>
+                <a:cs typeface="+mn-cs"/>
+              </a:defRPr>
+            </a:lvl2pPr>
+            <a:lvl3pPr marL="1143000" indent="-228600" algn="l" defTabSz="457200" rtl="0" eaLnBrk="1" latinLnBrk="0" hangingPunct="1">
+              <a:spcBef>
+                <a:spcPct val="20000"/>
+              </a:spcBef>
+              <a:buFont typeface="Arial"/>
+              <a:buChar char="•"/>
+              <a:defRPr sz="2400" kern="1200">
+                <a:solidFill>
+                  <a:schemeClr val="tx1"/>
+                </a:solidFill>
+                <a:latin typeface="+mn-lt"/>
+                <a:ea typeface="+mn-ea"/>
+                <a:cs typeface="+mn-cs"/>
+              </a:defRPr>
+            </a:lvl3pPr>
+            <a:lvl4pPr marL="1600200" indent="-228600" algn="l" defTabSz="457200" rtl="0" eaLnBrk="1" latinLnBrk="0" hangingPunct="1">
+              <a:spcBef>
+                <a:spcPct val="20000"/>
+              </a:spcBef>
+              <a:buFont typeface="Arial"/>
+              <a:buChar char="–"/>
+              <a:defRPr sz="2000" kern="1200">
+                <a:solidFill>
+                  <a:schemeClr val="tx1"/>
+                </a:solidFill>
+                <a:latin typeface="+mn-lt"/>
+                <a:ea typeface="+mn-ea"/>
+                <a:cs typeface="+mn-cs"/>
+              </a:defRPr>
+            </a:lvl4pPr>
+            <a:lvl5pPr marL="2057400" indent="-228600" algn="l" defTabSz="457200" rtl="0" eaLnBrk="1" latinLnBrk="0" hangingPunct="1">
+              <a:spcBef>
+                <a:spcPct val="20000"/>
+              </a:spcBef>
+              <a:buFont typeface="Arial"/>
+              <a:buChar char="»"/>
+              <a:defRPr sz="2000" kern="1200">
+                <a:solidFill>
+                  <a:schemeClr val="tx1"/>
+                </a:solidFill>
+                <a:latin typeface="+mn-lt"/>
+                <a:ea typeface="+mn-ea"/>
+                <a:cs typeface="+mn-cs"/>
+              </a:defRPr>
+            </a:lvl5pPr>
+            <a:lvl6pPr marL="2514600" indent="-228600" algn="l" defTabSz="457200" rtl="0" eaLnBrk="1" latinLnBrk="0" hangingPunct="1">
+              <a:spcBef>
+                <a:spcPct val="20000"/>
+              </a:spcBef>
+              <a:buFont typeface="Arial"/>
+              <a:buChar char="•"/>
+              <a:defRPr sz="2000" kern="1200">
+                <a:solidFill>
+                  <a:schemeClr val="tx1"/>
+                </a:solidFill>
+                <a:latin typeface="+mn-lt"/>
+                <a:ea typeface="+mn-ea"/>
+                <a:cs typeface="+mn-cs"/>
+              </a:defRPr>
+            </a:lvl6pPr>
+            <a:lvl7pPr marL="2971800" indent="-228600" algn="l" defTabSz="457200" rtl="0" eaLnBrk="1" latinLnBrk="0" hangingPunct="1">
+              <a:spcBef>
+                <a:spcPct val="20000"/>
+              </a:spcBef>
+              <a:buFont typeface="Arial"/>
+              <a:buChar char="•"/>
+              <a:defRPr sz="2000" kern="1200">
+                <a:solidFill>
+                  <a:schemeClr val="tx1"/>
+                </a:solidFill>
+                <a:latin typeface="+mn-lt"/>
+                <a:ea typeface="+mn-ea"/>
+                <a:cs typeface="+mn-cs"/>
+              </a:defRPr>
+            </a:lvl7pPr>
+            <a:lvl8pPr marL="3429000" indent="-228600" algn="l" defTabSz="457200" rtl="0" eaLnBrk="1" latinLnBrk="0" hangingPunct="1">
+              <a:spcBef>
+                <a:spcPct val="20000"/>
+              </a:spcBef>
+              <a:buFont typeface="Arial"/>
+              <a:buChar char="•"/>
+              <a:defRPr sz="2000" kern="1200">
+                <a:solidFill>
+                  <a:schemeClr val="tx1"/>
+                </a:solidFill>
+                <a:latin typeface="+mn-lt"/>
+                <a:ea typeface="+mn-ea"/>
+                <a:cs typeface="+mn-cs"/>
+              </a:defRPr>
+            </a:lvl8pPr>
+            <a:lvl9pPr marL="3886200" indent="-228600" algn="l" defTabSz="457200" rtl="0" eaLnBrk="1" latinLnBrk="0" hangingPunct="1">
+              <a:spcBef>
+                <a:spcPct val="20000"/>
+              </a:spcBef>
+              <a:buFont typeface="Arial"/>
+              <a:buChar char="•"/>
+              <a:defRPr sz="2000" kern="1200">
+                <a:solidFill>
+                  <a:schemeClr val="tx1"/>
+                </a:solidFill>
+                <a:latin typeface="+mn-lt"/>
+                <a:ea typeface="+mn-ea"/>
+                <a:cs typeface="+mn-cs"/>
+              </a:defRPr>
+            </a:lvl9pPr>
+          </a:lstStyle>
+          <a:p>
+            <a:pPr marL="0" indent="0" algn="ctr">
+              <a:buNone/>
+            </a:pPr>
+            <a:r>
+              <a:rPr lang="fr-FR" sz="2000" dirty="0" err="1" smtClean="0">
+                <a:solidFill>
+                  <a:schemeClr val="tx2"/>
+                </a:solidFill>
+                <a:latin typeface="Lato Regular"/>
+                <a:cs typeface="Lato Regular"/>
+              </a:rPr>
+              <a:t>JaCoCo</a:t>
+            </a:r>
+            <a:endParaRPr lang="fr-FR" sz="2000" dirty="0">
+              <a:solidFill>
+                <a:schemeClr val="tx2"/>
+              </a:solidFill>
+              <a:latin typeface="Lato Regular"/>
+              <a:cs typeface="Lato Regular"/>
+            </a:endParaRPr>
+          </a:p>
+          <a:p>
+            <a:pPr marL="0" indent="0" algn="ctr">
+              <a:buNone/>
+            </a:pPr>
+            <a:endParaRPr lang="fr-FR" sz="1600" dirty="0">
+              <a:solidFill>
+                <a:schemeClr val="tx2"/>
+              </a:solidFill>
+              <a:latin typeface="Lato Light"/>
+              <a:cs typeface="Lato Light"/>
+            </a:endParaRPr>
+          </a:p>
+        </p:txBody>
+      </p:sp>
+      <p:sp>
+        <p:nvSpPr>
+          <p:cNvPr id="14" name="Subtitle 2">
+            <a:extLst>
+              <a:ext uri="{FF2B5EF4-FFF2-40B4-BE49-F238E27FC236}">
+                <a16:creationId xmlns:a16="http://schemas.microsoft.com/office/drawing/2014/main" id="{3A78FA13-AC9F-47B6-87F4-D7D64D1358A9}"/>
+              </a:ext>
+            </a:extLst>
+          </p:cNvPr>
+          <p:cNvSpPr txBox="1">
+            <a:spLocks/>
+          </p:cNvSpPr>
+          <p:nvPr/>
+        </p:nvSpPr>
+        <p:spPr>
+          <a:xfrm rot="16200000">
+            <a:off x="2288184" y="4372836"/>
+            <a:ext cx="2279938" cy="502532"/>
+          </a:xfrm>
+          <a:prstGeom prst="rect">
+            <a:avLst/>
+          </a:prstGeom>
+        </p:spPr>
+        <p:txBody>
+          <a:bodyPr vert="horz" lIns="243744" tIns="121869" rIns="243744" bIns="121869" rtlCol="0">
+            <a:noAutofit/>
+          </a:bodyPr>
+          <a:lstStyle>
+            <a:lvl1pPr marL="342900" indent="-342900" algn="l" defTabSz="457200" rtl="0" eaLnBrk="1" latinLnBrk="0" hangingPunct="1">
+              <a:spcBef>
+                <a:spcPct val="20000"/>
+              </a:spcBef>
+              <a:buFont typeface="Arial"/>
+              <a:buChar char="•"/>
+              <a:defRPr sz="3200" kern="1200">
+                <a:solidFill>
+                  <a:schemeClr val="tx1"/>
+                </a:solidFill>
+                <a:latin typeface="+mn-lt"/>
+                <a:ea typeface="+mn-ea"/>
+                <a:cs typeface="+mn-cs"/>
+              </a:defRPr>
+            </a:lvl1pPr>
+            <a:lvl2pPr marL="742950" indent="-285750" algn="l" defTabSz="457200" rtl="0" eaLnBrk="1" latinLnBrk="0" hangingPunct="1">
+              <a:spcBef>
+                <a:spcPct val="20000"/>
+              </a:spcBef>
+              <a:buFont typeface="Arial"/>
+              <a:buChar char="–"/>
+              <a:defRPr sz="2800" kern="1200">
+                <a:solidFill>
+                  <a:schemeClr val="tx1"/>
+                </a:solidFill>
+                <a:latin typeface="+mn-lt"/>
+                <a:ea typeface="+mn-ea"/>
+                <a:cs typeface="+mn-cs"/>
+              </a:defRPr>
+            </a:lvl2pPr>
+            <a:lvl3pPr marL="1143000" indent="-228600" algn="l" defTabSz="457200" rtl="0" eaLnBrk="1" latinLnBrk="0" hangingPunct="1">
+              <a:spcBef>
+                <a:spcPct val="20000"/>
+              </a:spcBef>
+              <a:buFont typeface="Arial"/>
+              <a:buChar char="•"/>
+              <a:defRPr sz="2400" kern="1200">
+                <a:solidFill>
+                  <a:schemeClr val="tx1"/>
+                </a:solidFill>
+                <a:latin typeface="+mn-lt"/>
+                <a:ea typeface="+mn-ea"/>
+                <a:cs typeface="+mn-cs"/>
+              </a:defRPr>
+            </a:lvl3pPr>
+            <a:lvl4pPr marL="1600200" indent="-228600" algn="l" defTabSz="457200" rtl="0" eaLnBrk="1" latinLnBrk="0" hangingPunct="1">
+              <a:spcBef>
+                <a:spcPct val="20000"/>
+              </a:spcBef>
+              <a:buFont typeface="Arial"/>
+              <a:buChar char="–"/>
+              <a:defRPr sz="2000" kern="1200">
+                <a:solidFill>
+                  <a:schemeClr val="tx1"/>
+                </a:solidFill>
+                <a:latin typeface="+mn-lt"/>
+                <a:ea typeface="+mn-ea"/>
+                <a:cs typeface="+mn-cs"/>
+              </a:defRPr>
+            </a:lvl4pPr>
+            <a:lvl5pPr marL="2057400" indent="-228600" algn="l" defTabSz="457200" rtl="0" eaLnBrk="1" latinLnBrk="0" hangingPunct="1">
+              <a:spcBef>
+                <a:spcPct val="20000"/>
+              </a:spcBef>
+              <a:buFont typeface="Arial"/>
+              <a:buChar char="»"/>
+              <a:defRPr sz="2000" kern="1200">
+                <a:solidFill>
+                  <a:schemeClr val="tx1"/>
+                </a:solidFill>
+                <a:latin typeface="+mn-lt"/>
+                <a:ea typeface="+mn-ea"/>
+                <a:cs typeface="+mn-cs"/>
+              </a:defRPr>
+            </a:lvl5pPr>
+            <a:lvl6pPr marL="2514600" indent="-228600" algn="l" defTabSz="457200" rtl="0" eaLnBrk="1" latinLnBrk="0" hangingPunct="1">
+              <a:spcBef>
+                <a:spcPct val="20000"/>
+              </a:spcBef>
+              <a:buFont typeface="Arial"/>
+              <a:buChar char="•"/>
+              <a:defRPr sz="2000" kern="1200">
+                <a:solidFill>
+                  <a:schemeClr val="tx1"/>
+                </a:solidFill>
+                <a:latin typeface="+mn-lt"/>
+                <a:ea typeface="+mn-ea"/>
+                <a:cs typeface="+mn-cs"/>
+              </a:defRPr>
+            </a:lvl6pPr>
+            <a:lvl7pPr marL="2971800" indent="-228600" algn="l" defTabSz="457200" rtl="0" eaLnBrk="1" latinLnBrk="0" hangingPunct="1">
+              <a:spcBef>
+                <a:spcPct val="20000"/>
+              </a:spcBef>
+              <a:buFont typeface="Arial"/>
+              <a:buChar char="•"/>
+              <a:defRPr sz="2000" kern="1200">
+                <a:solidFill>
+                  <a:schemeClr val="tx1"/>
+                </a:solidFill>
+                <a:latin typeface="+mn-lt"/>
+                <a:ea typeface="+mn-ea"/>
+                <a:cs typeface="+mn-cs"/>
+              </a:defRPr>
+            </a:lvl7pPr>
+            <a:lvl8pPr marL="3429000" indent="-228600" algn="l" defTabSz="457200" rtl="0" eaLnBrk="1" latinLnBrk="0" hangingPunct="1">
+              <a:spcBef>
+                <a:spcPct val="20000"/>
+              </a:spcBef>
+              <a:buFont typeface="Arial"/>
+              <a:buChar char="•"/>
+              <a:defRPr sz="2000" kern="1200">
+                <a:solidFill>
+                  <a:schemeClr val="tx1"/>
+                </a:solidFill>
+                <a:latin typeface="+mn-lt"/>
+                <a:ea typeface="+mn-ea"/>
+                <a:cs typeface="+mn-cs"/>
+              </a:defRPr>
+            </a:lvl8pPr>
+            <a:lvl9pPr marL="3886200" indent="-228600" algn="l" defTabSz="457200" rtl="0" eaLnBrk="1" latinLnBrk="0" hangingPunct="1">
+              <a:spcBef>
+                <a:spcPct val="20000"/>
+              </a:spcBef>
+              <a:buFont typeface="Arial"/>
+              <a:buChar char="•"/>
+              <a:defRPr sz="2000" kern="1200">
+                <a:solidFill>
+                  <a:schemeClr val="tx1"/>
+                </a:solidFill>
+                <a:latin typeface="+mn-lt"/>
+                <a:ea typeface="+mn-ea"/>
+                <a:cs typeface="+mn-cs"/>
+              </a:defRPr>
+            </a:lvl9pPr>
+          </a:lstStyle>
+          <a:p>
+            <a:pPr marL="0" indent="0" algn="ctr">
+              <a:buNone/>
+            </a:pPr>
+            <a:r>
+              <a:rPr lang="fr-FR" sz="2000" dirty="0" smtClean="0">
+                <a:solidFill>
+                  <a:schemeClr val="tx2"/>
+                </a:solidFill>
+                <a:latin typeface="Lato Regular"/>
+                <a:cs typeface="Lato Regular"/>
+              </a:rPr>
+              <a:t>PIT</a:t>
+            </a:r>
+            <a:endParaRPr lang="fr-FR" sz="2000" dirty="0">
+              <a:solidFill>
+                <a:schemeClr val="tx2"/>
+              </a:solidFill>
+              <a:latin typeface="Lato Regular"/>
+              <a:cs typeface="Lato Regular"/>
+            </a:endParaRPr>
+          </a:p>
+          <a:p>
+            <a:pPr marL="0" indent="0" algn="ctr">
+              <a:buNone/>
+            </a:pPr>
+            <a:endParaRPr lang="fr-FR" sz="1600" dirty="0">
+              <a:solidFill>
+                <a:schemeClr val="tx2"/>
+              </a:solidFill>
+              <a:latin typeface="Lato Light"/>
+              <a:cs typeface="Lato Light"/>
+            </a:endParaRPr>
+          </a:p>
+        </p:txBody>
+      </p:sp>
+    </p:spTree>
+    <p:extLst>
+      <p:ext uri="{BB962C8B-B14F-4D97-AF65-F5344CB8AC3E}">
+        <p14:creationId xmlns:p14="http://schemas.microsoft.com/office/powerpoint/2010/main" val="2552502336"/>
+      </p:ext>
+    </p:extLst>
+  </p:cSld>
+  <p:clrMapOvr>
+    <a:masterClrMapping/>
+  </p:clrMapOvr>
+  <p:timing>
+    <p:tnLst>
+      <p:par>
+        <p:cTn id="1" dur="indefinite" restart="never" nodeType="tmRoot"/>
+      </p:par>
+    </p:tnLst>
+  </p:timing>
+</p:sld>
+</file>
+
+<file path=ppt/slides/slide16.xml><?xml version="1.0" encoding="utf-8"?>
+<p:sld xmlns:a="http://schemas.openxmlformats.org/drawingml/2006/main" xmlns:r="http://schemas.openxmlformats.org/officeDocument/2006/relationships" xmlns:p="http://schemas.openxmlformats.org/presentationml/2006/main">
+  <p:cSld>
+    <p:spTree>
+      <p:nvGrpSpPr>
+        <p:cNvPr id="1" name=""/>
+        <p:cNvGrpSpPr/>
+        <p:nvPr/>
+      </p:nvGrpSpPr>
+      <p:grpSpPr>
+        <a:xfrm>
+          <a:off x="0" y="0"/>
+          <a:ext cx="0" cy="0"/>
+          <a:chOff x="0" y="0"/>
+          <a:chExt cx="0" cy="0"/>
+        </a:xfrm>
+      </p:grpSpPr>
+      <p:grpSp>
+        <p:nvGrpSpPr>
+          <p:cNvPr id="202" name="Groupe 201"/>
+          <p:cNvGrpSpPr/>
+          <p:nvPr/>
+        </p:nvGrpSpPr>
+        <p:grpSpPr>
+          <a:xfrm>
+            <a:off x="0" y="73772"/>
+            <a:ext cx="9278978" cy="883356"/>
+            <a:chOff x="0" y="-9760"/>
+            <a:chExt cx="7430920" cy="785565"/>
+          </a:xfrm>
+        </p:grpSpPr>
+        <p:sp>
+          <p:nvSpPr>
+            <p:cNvPr id="203" name="ZoneTexte 202"/>
+            <p:cNvSpPr txBox="1"/>
+            <p:nvPr/>
+          </p:nvSpPr>
+          <p:spPr>
+            <a:xfrm>
+              <a:off x="109500" y="-9760"/>
+              <a:ext cx="7321420" cy="629520"/>
+            </a:xfrm>
+            <a:prstGeom prst="rect">
+              <a:avLst/>
+            </a:prstGeom>
+            <a:noFill/>
+          </p:spPr>
+          <p:txBody>
+            <a:bodyPr wrap="none" rtlCol="0">
+              <a:spAutoFit/>
+            </a:bodyPr>
+            <a:lstStyle/>
+            <a:p>
+              <a:r>
+                <a:rPr lang="fr-FR" sz="4000" b="1" dirty="0" smtClean="0">
+                  <a:latin typeface="Lato Regular" panose="020F0502020204030203" pitchFamily="34" charset="0"/>
+                  <a:ea typeface="Lato Regular" panose="020F0502020204030203" pitchFamily="34" charset="0"/>
+                  <a:cs typeface="Lato Regular" panose="020F0502020204030203" pitchFamily="34" charset="0"/>
+                </a:rPr>
+                <a:t>Couverture de code VS Mutation </a:t>
+              </a:r>
+              <a:r>
+                <a:rPr lang="fr-FR" sz="4000" b="1" dirty="0" err="1" smtClean="0">
+                  <a:latin typeface="Lato Regular" panose="020F0502020204030203" pitchFamily="34" charset="0"/>
+                  <a:ea typeface="Lato Regular" panose="020F0502020204030203" pitchFamily="34" charset="0"/>
+                  <a:cs typeface="Lato Regular" panose="020F0502020204030203" pitchFamily="34" charset="0"/>
+                </a:rPr>
+                <a:t>testing</a:t>
+              </a:r>
+              <a:endParaRPr lang="fr-FR" sz="3600" b="1" dirty="0">
+                <a:latin typeface="Lato Regular" panose="020F0502020204030203" pitchFamily="34" charset="0"/>
+                <a:ea typeface="Lato Regular" panose="020F0502020204030203" pitchFamily="34" charset="0"/>
+                <a:cs typeface="Lato Regular" panose="020F0502020204030203" pitchFamily="34" charset="0"/>
+              </a:endParaRPr>
+            </a:p>
+          </p:txBody>
+        </p:sp>
+        <p:sp>
+          <p:nvSpPr>
+            <p:cNvPr id="204" name="Rectangle 203"/>
+            <p:cNvSpPr/>
+            <p:nvPr/>
+          </p:nvSpPr>
+          <p:spPr>
+            <a:xfrm>
+              <a:off x="0" y="619760"/>
+              <a:ext cx="2357120" cy="156045"/>
+            </a:xfrm>
+            <a:prstGeom prst="rect">
+              <a:avLst/>
+            </a:prstGeom>
+            <a:solidFill>
+              <a:srgbClr val="872163"/>
+            </a:solidFill>
+            <a:ln>
+              <a:noFill/>
+            </a:ln>
+          </p:spPr>
+          <p:style>
+            <a:lnRef idx="2">
+              <a:schemeClr val="accent1">
+                <a:shade val="50000"/>
+              </a:schemeClr>
+            </a:lnRef>
+            <a:fillRef idx="1">
+              <a:schemeClr val="accent1"/>
+            </a:fillRef>
+            <a:effectRef idx="0">
+              <a:schemeClr val="accent1"/>
+            </a:effectRef>
+            <a:fontRef idx="minor">
+              <a:schemeClr val="lt1"/>
+            </a:fontRef>
+          </p:style>
+          <p:txBody>
+            <a:bodyPr rtlCol="0" anchor="ctr"/>
+            <a:lstStyle/>
+            <a:p>
+              <a:pPr algn="ctr"/>
+              <a:endParaRPr lang="fr-FR"/>
+            </a:p>
+          </p:txBody>
+        </p:sp>
+      </p:grpSp>
+      <p:sp>
+        <p:nvSpPr>
+          <p:cNvPr id="4" name="Rectangle 3"/>
+          <p:cNvSpPr/>
+          <p:nvPr/>
+        </p:nvSpPr>
+        <p:spPr>
+          <a:xfrm>
+            <a:off x="3551579" y="6228859"/>
+            <a:ext cx="8076958" cy="369332"/>
+          </a:xfrm>
+          <a:prstGeom prst="rect">
+            <a:avLst/>
+          </a:prstGeom>
+        </p:spPr>
+        <p:txBody>
+          <a:bodyPr wrap="square">
+            <a:spAutoFit/>
+          </a:bodyPr>
+          <a:lstStyle/>
+          <a:p>
+            <a:pPr algn="ctr"/>
+            <a:r>
+              <a:rPr lang="fr-FR" dirty="0">
+                <a:latin typeface="Lato Regular" panose="020F0502020204030203" pitchFamily="34" charset="0"/>
+                <a:ea typeface="Lato Regular" panose="020F0502020204030203" pitchFamily="34" charset="0"/>
+                <a:cs typeface="Lato Regular" panose="020F0502020204030203" pitchFamily="34" charset="0"/>
+              </a:rPr>
+              <a:t>Item : </a:t>
+            </a:r>
+            <a:r>
+              <a:rPr lang="fr-FR" dirty="0">
+                <a:latin typeface="Lato Regular" panose="020F0502020204030203" pitchFamily="34" charset="0"/>
+                <a:ea typeface="Lato Regular" panose="020F0502020204030203" pitchFamily="34" charset="0"/>
+                <a:cs typeface="Lato Regular" panose="020F0502020204030203" pitchFamily="34" charset="0"/>
+                <a:hlinkClick r:id="rId3" invalidUrl="https:///"/>
+              </a:rPr>
+              <a:t>https</a:t>
+            </a:r>
+            <a:r>
+              <a:rPr lang="fr-FR" dirty="0">
+                <a:latin typeface="Lato Regular" panose="020F0502020204030203" pitchFamily="34" charset="0"/>
+                <a:ea typeface="Lato Regular" panose="020F0502020204030203" pitchFamily="34" charset="0"/>
+                <a:cs typeface="Lato Regular" panose="020F0502020204030203" pitchFamily="34" charset="0"/>
+                <a:hlinkClick r:id="rId4" invalidUrl="https:///"/>
+              </a:rPr>
+              <a:t>://url.fr</a:t>
+            </a:r>
+            <a:endParaRPr lang="fr-FR" dirty="0">
+              <a:latin typeface="Lato Regular" panose="020F0502020204030203" pitchFamily="34" charset="0"/>
+              <a:ea typeface="Lato Regular" panose="020F0502020204030203" pitchFamily="34" charset="0"/>
+              <a:cs typeface="Lato Regular" panose="020F0502020204030203" pitchFamily="34" charset="0"/>
+            </a:endParaRPr>
+          </a:p>
+        </p:txBody>
+      </p:sp>
+      <p:pic>
+        <p:nvPicPr>
+          <p:cNvPr id="13" name="Image 12"/>
+          <p:cNvPicPr>
+            <a:picLocks noChangeAspect="1"/>
+          </p:cNvPicPr>
+          <p:nvPr/>
+        </p:nvPicPr>
+        <p:blipFill rotWithShape="1">
+          <a:blip r:embed="rId5">
+            <a:extLst>
+              <a:ext uri="{28A0092B-C50C-407E-A947-70E740481C1C}">
+                <a14:useLocalDpi xmlns:a14="http://schemas.microsoft.com/office/drawing/2010/main" val="0"/>
+              </a:ext>
+            </a:extLst>
+          </a:blip>
+          <a:srcRect l="38750" t="22204" r="38372" b="39045"/>
+          <a:stretch/>
+        </p:blipFill>
+        <p:spPr>
+          <a:xfrm>
+            <a:off x="292087" y="2199759"/>
+            <a:ext cx="1516655" cy="2568748"/>
+          </a:xfrm>
+          <a:prstGeom prst="rect">
+            <a:avLst/>
+          </a:prstGeom>
+        </p:spPr>
+      </p:pic>
+      <p:sp>
+        <p:nvSpPr>
+          <p:cNvPr id="11" name="Subtitle 2">
+            <a:extLst>
+              <a:ext uri="{FF2B5EF4-FFF2-40B4-BE49-F238E27FC236}">
+                <a16:creationId xmlns:a16="http://schemas.microsoft.com/office/drawing/2014/main" id="{3A78FA13-AC9F-47B6-87F4-D7D64D1358A9}"/>
+              </a:ext>
+            </a:extLst>
+          </p:cNvPr>
+          <p:cNvSpPr txBox="1">
+            <a:spLocks/>
+          </p:cNvSpPr>
+          <p:nvPr/>
+        </p:nvSpPr>
+        <p:spPr>
+          <a:xfrm rot="16200000">
+            <a:off x="1146778" y="2092898"/>
+            <a:ext cx="2279938" cy="502532"/>
+          </a:xfrm>
+          <a:prstGeom prst="rect">
+            <a:avLst/>
+          </a:prstGeom>
+        </p:spPr>
+        <p:txBody>
+          <a:bodyPr vert="horz" lIns="243744" tIns="121869" rIns="243744" bIns="121869" rtlCol="0">
+            <a:noAutofit/>
+          </a:bodyPr>
+          <a:lstStyle>
+            <a:lvl1pPr marL="342900" indent="-342900" algn="l" defTabSz="457200" rtl="0" eaLnBrk="1" latinLnBrk="0" hangingPunct="1">
+              <a:spcBef>
+                <a:spcPct val="20000"/>
+              </a:spcBef>
+              <a:buFont typeface="Arial"/>
+              <a:buChar char="•"/>
+              <a:defRPr sz="3200" kern="1200">
+                <a:solidFill>
+                  <a:schemeClr val="tx1"/>
+                </a:solidFill>
+                <a:latin typeface="+mn-lt"/>
+                <a:ea typeface="+mn-ea"/>
+                <a:cs typeface="+mn-cs"/>
+              </a:defRPr>
+            </a:lvl1pPr>
+            <a:lvl2pPr marL="742950" indent="-285750" algn="l" defTabSz="457200" rtl="0" eaLnBrk="1" latinLnBrk="0" hangingPunct="1">
+              <a:spcBef>
+                <a:spcPct val="20000"/>
+              </a:spcBef>
+              <a:buFont typeface="Arial"/>
+              <a:buChar char="–"/>
+              <a:defRPr sz="2800" kern="1200">
+                <a:solidFill>
+                  <a:schemeClr val="tx1"/>
+                </a:solidFill>
+                <a:latin typeface="+mn-lt"/>
+                <a:ea typeface="+mn-ea"/>
+                <a:cs typeface="+mn-cs"/>
+              </a:defRPr>
+            </a:lvl2pPr>
+            <a:lvl3pPr marL="1143000" indent="-228600" algn="l" defTabSz="457200" rtl="0" eaLnBrk="1" latinLnBrk="0" hangingPunct="1">
+              <a:spcBef>
+                <a:spcPct val="20000"/>
+              </a:spcBef>
+              <a:buFont typeface="Arial"/>
+              <a:buChar char="•"/>
+              <a:defRPr sz="2400" kern="1200">
+                <a:solidFill>
+                  <a:schemeClr val="tx1"/>
+                </a:solidFill>
+                <a:latin typeface="+mn-lt"/>
+                <a:ea typeface="+mn-ea"/>
+                <a:cs typeface="+mn-cs"/>
+              </a:defRPr>
+            </a:lvl3pPr>
+            <a:lvl4pPr marL="1600200" indent="-228600" algn="l" defTabSz="457200" rtl="0" eaLnBrk="1" latinLnBrk="0" hangingPunct="1">
+              <a:spcBef>
+                <a:spcPct val="20000"/>
+              </a:spcBef>
+              <a:buFont typeface="Arial"/>
+              <a:buChar char="–"/>
+              <a:defRPr sz="2000" kern="1200">
+                <a:solidFill>
+                  <a:schemeClr val="tx1"/>
+                </a:solidFill>
+                <a:latin typeface="+mn-lt"/>
+                <a:ea typeface="+mn-ea"/>
+                <a:cs typeface="+mn-cs"/>
+              </a:defRPr>
+            </a:lvl4pPr>
+            <a:lvl5pPr marL="2057400" indent="-228600" algn="l" defTabSz="457200" rtl="0" eaLnBrk="1" latinLnBrk="0" hangingPunct="1">
+              <a:spcBef>
+                <a:spcPct val="20000"/>
+              </a:spcBef>
+              <a:buFont typeface="Arial"/>
+              <a:buChar char="»"/>
+              <a:defRPr sz="2000" kern="1200">
+                <a:solidFill>
+                  <a:schemeClr val="tx1"/>
+                </a:solidFill>
+                <a:latin typeface="+mn-lt"/>
+                <a:ea typeface="+mn-ea"/>
+                <a:cs typeface="+mn-cs"/>
+              </a:defRPr>
+            </a:lvl5pPr>
+            <a:lvl6pPr marL="2514600" indent="-228600" algn="l" defTabSz="457200" rtl="0" eaLnBrk="1" latinLnBrk="0" hangingPunct="1">
+              <a:spcBef>
+                <a:spcPct val="20000"/>
+              </a:spcBef>
+              <a:buFont typeface="Arial"/>
+              <a:buChar char="•"/>
+              <a:defRPr sz="2000" kern="1200">
+                <a:solidFill>
+                  <a:schemeClr val="tx1"/>
+                </a:solidFill>
+                <a:latin typeface="+mn-lt"/>
+                <a:ea typeface="+mn-ea"/>
+                <a:cs typeface="+mn-cs"/>
+              </a:defRPr>
+            </a:lvl6pPr>
+            <a:lvl7pPr marL="2971800" indent="-228600" algn="l" defTabSz="457200" rtl="0" eaLnBrk="1" latinLnBrk="0" hangingPunct="1">
+              <a:spcBef>
+                <a:spcPct val="20000"/>
+              </a:spcBef>
+              <a:buFont typeface="Arial"/>
+              <a:buChar char="•"/>
+              <a:defRPr sz="2000" kern="1200">
+                <a:solidFill>
+                  <a:schemeClr val="tx1"/>
+                </a:solidFill>
+                <a:latin typeface="+mn-lt"/>
+                <a:ea typeface="+mn-ea"/>
+                <a:cs typeface="+mn-cs"/>
+              </a:defRPr>
+            </a:lvl7pPr>
+            <a:lvl8pPr marL="3429000" indent="-228600" algn="l" defTabSz="457200" rtl="0" eaLnBrk="1" latinLnBrk="0" hangingPunct="1">
+              <a:spcBef>
+                <a:spcPct val="20000"/>
+              </a:spcBef>
+              <a:buFont typeface="Arial"/>
+              <a:buChar char="•"/>
+              <a:defRPr sz="2000" kern="1200">
+                <a:solidFill>
+                  <a:schemeClr val="tx1"/>
+                </a:solidFill>
+                <a:latin typeface="+mn-lt"/>
+                <a:ea typeface="+mn-ea"/>
+                <a:cs typeface="+mn-cs"/>
+              </a:defRPr>
+            </a:lvl8pPr>
+            <a:lvl9pPr marL="3886200" indent="-228600" algn="l" defTabSz="457200" rtl="0" eaLnBrk="1" latinLnBrk="0" hangingPunct="1">
+              <a:spcBef>
+                <a:spcPct val="20000"/>
+              </a:spcBef>
+              <a:buFont typeface="Arial"/>
+              <a:buChar char="•"/>
+              <a:defRPr sz="2000" kern="1200">
+                <a:solidFill>
+                  <a:schemeClr val="tx1"/>
+                </a:solidFill>
+                <a:latin typeface="+mn-lt"/>
+                <a:ea typeface="+mn-ea"/>
+                <a:cs typeface="+mn-cs"/>
+              </a:defRPr>
+            </a:lvl9pPr>
+          </a:lstStyle>
+          <a:p>
+            <a:pPr marL="0" indent="0" algn="ctr">
+              <a:buNone/>
+            </a:pPr>
+            <a:r>
+              <a:rPr lang="fr-FR" sz="2000" dirty="0" err="1" smtClean="0">
+                <a:solidFill>
+                  <a:schemeClr val="tx2"/>
+                </a:solidFill>
+                <a:latin typeface="Lato Regular"/>
+                <a:cs typeface="Lato Regular"/>
+              </a:rPr>
+              <a:t>JaCoCo</a:t>
+            </a:r>
+            <a:endParaRPr lang="fr-FR" sz="2000" dirty="0">
+              <a:solidFill>
+                <a:schemeClr val="tx2"/>
+              </a:solidFill>
+              <a:latin typeface="Lato Regular"/>
+              <a:cs typeface="Lato Regular"/>
+            </a:endParaRPr>
+          </a:p>
+          <a:p>
+            <a:pPr marL="0" indent="0" algn="ctr">
+              <a:buNone/>
+            </a:pPr>
+            <a:endParaRPr lang="fr-FR" sz="1600" dirty="0">
+              <a:solidFill>
+                <a:schemeClr val="tx2"/>
+              </a:solidFill>
+              <a:latin typeface="Lato Light"/>
+              <a:cs typeface="Lato Light"/>
+            </a:endParaRPr>
+          </a:p>
+        </p:txBody>
+      </p:sp>
+      <p:sp>
+        <p:nvSpPr>
+          <p:cNvPr id="14" name="Subtitle 2">
+            <a:extLst>
+              <a:ext uri="{FF2B5EF4-FFF2-40B4-BE49-F238E27FC236}">
+                <a16:creationId xmlns:a16="http://schemas.microsoft.com/office/drawing/2014/main" id="{3A78FA13-AC9F-47B6-87F4-D7D64D1358A9}"/>
+              </a:ext>
+            </a:extLst>
+          </p:cNvPr>
+          <p:cNvSpPr txBox="1">
+            <a:spLocks/>
+          </p:cNvSpPr>
+          <p:nvPr/>
+        </p:nvSpPr>
+        <p:spPr>
+          <a:xfrm rot="16200000">
+            <a:off x="1127207" y="4372836"/>
+            <a:ext cx="2279938" cy="502532"/>
+          </a:xfrm>
+          <a:prstGeom prst="rect">
+            <a:avLst/>
+          </a:prstGeom>
+        </p:spPr>
+        <p:txBody>
+          <a:bodyPr vert="horz" lIns="243744" tIns="121869" rIns="243744" bIns="121869" rtlCol="0">
+            <a:noAutofit/>
+          </a:bodyPr>
+          <a:lstStyle>
+            <a:lvl1pPr marL="342900" indent="-342900" algn="l" defTabSz="457200" rtl="0" eaLnBrk="1" latinLnBrk="0" hangingPunct="1">
+              <a:spcBef>
+                <a:spcPct val="20000"/>
+              </a:spcBef>
+              <a:buFont typeface="Arial"/>
+              <a:buChar char="•"/>
+              <a:defRPr sz="3200" kern="1200">
+                <a:solidFill>
+                  <a:schemeClr val="tx1"/>
+                </a:solidFill>
+                <a:latin typeface="+mn-lt"/>
+                <a:ea typeface="+mn-ea"/>
+                <a:cs typeface="+mn-cs"/>
+              </a:defRPr>
+            </a:lvl1pPr>
+            <a:lvl2pPr marL="742950" indent="-285750" algn="l" defTabSz="457200" rtl="0" eaLnBrk="1" latinLnBrk="0" hangingPunct="1">
+              <a:spcBef>
+                <a:spcPct val="20000"/>
+              </a:spcBef>
+              <a:buFont typeface="Arial"/>
+              <a:buChar char="–"/>
+              <a:defRPr sz="2800" kern="1200">
+                <a:solidFill>
+                  <a:schemeClr val="tx1"/>
+                </a:solidFill>
+                <a:latin typeface="+mn-lt"/>
+                <a:ea typeface="+mn-ea"/>
+                <a:cs typeface="+mn-cs"/>
+              </a:defRPr>
+            </a:lvl2pPr>
+            <a:lvl3pPr marL="1143000" indent="-228600" algn="l" defTabSz="457200" rtl="0" eaLnBrk="1" latinLnBrk="0" hangingPunct="1">
+              <a:spcBef>
+                <a:spcPct val="20000"/>
+              </a:spcBef>
+              <a:buFont typeface="Arial"/>
+              <a:buChar char="•"/>
+              <a:defRPr sz="2400" kern="1200">
+                <a:solidFill>
+                  <a:schemeClr val="tx1"/>
+                </a:solidFill>
+                <a:latin typeface="+mn-lt"/>
+                <a:ea typeface="+mn-ea"/>
+                <a:cs typeface="+mn-cs"/>
+              </a:defRPr>
+            </a:lvl3pPr>
+            <a:lvl4pPr marL="1600200" indent="-228600" algn="l" defTabSz="457200" rtl="0" eaLnBrk="1" latinLnBrk="0" hangingPunct="1">
+              <a:spcBef>
+                <a:spcPct val="20000"/>
+              </a:spcBef>
+              <a:buFont typeface="Arial"/>
+              <a:buChar char="–"/>
+              <a:defRPr sz="2000" kern="1200">
+                <a:solidFill>
+                  <a:schemeClr val="tx1"/>
+                </a:solidFill>
+                <a:latin typeface="+mn-lt"/>
+                <a:ea typeface="+mn-ea"/>
+                <a:cs typeface="+mn-cs"/>
+              </a:defRPr>
+            </a:lvl4pPr>
+            <a:lvl5pPr marL="2057400" indent="-228600" algn="l" defTabSz="457200" rtl="0" eaLnBrk="1" latinLnBrk="0" hangingPunct="1">
+              <a:spcBef>
+                <a:spcPct val="20000"/>
+              </a:spcBef>
+              <a:buFont typeface="Arial"/>
+              <a:buChar char="»"/>
+              <a:defRPr sz="2000" kern="1200">
+                <a:solidFill>
+                  <a:schemeClr val="tx1"/>
+                </a:solidFill>
+                <a:latin typeface="+mn-lt"/>
+                <a:ea typeface="+mn-ea"/>
+                <a:cs typeface="+mn-cs"/>
+              </a:defRPr>
+            </a:lvl5pPr>
+            <a:lvl6pPr marL="2514600" indent="-228600" algn="l" defTabSz="457200" rtl="0" eaLnBrk="1" latinLnBrk="0" hangingPunct="1">
+              <a:spcBef>
+                <a:spcPct val="20000"/>
+              </a:spcBef>
+              <a:buFont typeface="Arial"/>
+              <a:buChar char="•"/>
+              <a:defRPr sz="2000" kern="1200">
+                <a:solidFill>
+                  <a:schemeClr val="tx1"/>
+                </a:solidFill>
+                <a:latin typeface="+mn-lt"/>
+                <a:ea typeface="+mn-ea"/>
+                <a:cs typeface="+mn-cs"/>
+              </a:defRPr>
+            </a:lvl6pPr>
+            <a:lvl7pPr marL="2971800" indent="-228600" algn="l" defTabSz="457200" rtl="0" eaLnBrk="1" latinLnBrk="0" hangingPunct="1">
+              <a:spcBef>
+                <a:spcPct val="20000"/>
+              </a:spcBef>
+              <a:buFont typeface="Arial"/>
+              <a:buChar char="•"/>
+              <a:defRPr sz="2000" kern="1200">
+                <a:solidFill>
+                  <a:schemeClr val="tx1"/>
+                </a:solidFill>
+                <a:latin typeface="+mn-lt"/>
+                <a:ea typeface="+mn-ea"/>
+                <a:cs typeface="+mn-cs"/>
+              </a:defRPr>
+            </a:lvl7pPr>
+            <a:lvl8pPr marL="3429000" indent="-228600" algn="l" defTabSz="457200" rtl="0" eaLnBrk="1" latinLnBrk="0" hangingPunct="1">
+              <a:spcBef>
+                <a:spcPct val="20000"/>
+              </a:spcBef>
+              <a:buFont typeface="Arial"/>
+              <a:buChar char="•"/>
+              <a:defRPr sz="2000" kern="1200">
+                <a:solidFill>
+                  <a:schemeClr val="tx1"/>
+                </a:solidFill>
+                <a:latin typeface="+mn-lt"/>
+                <a:ea typeface="+mn-ea"/>
+                <a:cs typeface="+mn-cs"/>
+              </a:defRPr>
+            </a:lvl8pPr>
+            <a:lvl9pPr marL="3886200" indent="-228600" algn="l" defTabSz="457200" rtl="0" eaLnBrk="1" latinLnBrk="0" hangingPunct="1">
+              <a:spcBef>
+                <a:spcPct val="20000"/>
+              </a:spcBef>
+              <a:buFont typeface="Arial"/>
+              <a:buChar char="•"/>
+              <a:defRPr sz="2000" kern="1200">
+                <a:solidFill>
+                  <a:schemeClr val="tx1"/>
+                </a:solidFill>
+                <a:latin typeface="+mn-lt"/>
+                <a:ea typeface="+mn-ea"/>
+                <a:cs typeface="+mn-cs"/>
+              </a:defRPr>
+            </a:lvl9pPr>
+          </a:lstStyle>
+          <a:p>
+            <a:pPr marL="0" indent="0" algn="ctr">
+              <a:buNone/>
+            </a:pPr>
+            <a:r>
+              <a:rPr lang="fr-FR" sz="2000" dirty="0" smtClean="0">
+                <a:solidFill>
+                  <a:schemeClr val="tx2"/>
+                </a:solidFill>
+                <a:latin typeface="Lato Regular"/>
+                <a:cs typeface="Lato Regular"/>
+              </a:rPr>
+              <a:t>PIT</a:t>
+            </a:r>
+            <a:endParaRPr lang="fr-FR" sz="2000" dirty="0">
+              <a:solidFill>
+                <a:schemeClr val="tx2"/>
+              </a:solidFill>
+              <a:latin typeface="Lato Regular"/>
+              <a:cs typeface="Lato Regular"/>
+            </a:endParaRPr>
+          </a:p>
+          <a:p>
+            <a:pPr marL="0" indent="0" algn="ctr">
+              <a:buNone/>
+            </a:pPr>
+            <a:endParaRPr lang="fr-FR" sz="1600" dirty="0">
+              <a:solidFill>
+                <a:schemeClr val="tx2"/>
+              </a:solidFill>
+              <a:latin typeface="Lato Light"/>
+              <a:cs typeface="Lato Light"/>
+            </a:endParaRPr>
+          </a:p>
+        </p:txBody>
+      </p:sp>
+      <p:pic>
+        <p:nvPicPr>
+          <p:cNvPr id="2" name="Image 1"/>
+          <p:cNvPicPr>
+            <a:picLocks noChangeAspect="1"/>
+          </p:cNvPicPr>
+          <p:nvPr/>
+        </p:nvPicPr>
+        <p:blipFill rotWithShape="1">
+          <a:blip r:embed="rId6"/>
+          <a:srcRect l="5012" r="24627"/>
+          <a:stretch/>
+        </p:blipFill>
+        <p:spPr>
+          <a:xfrm>
+            <a:off x="2745180" y="1360515"/>
+            <a:ext cx="8352889" cy="2204476"/>
+          </a:xfrm>
+          <a:prstGeom prst="rect">
+            <a:avLst/>
+          </a:prstGeom>
+        </p:spPr>
+      </p:pic>
+      <p:pic>
+        <p:nvPicPr>
+          <p:cNvPr id="6" name="Image 5"/>
+          <p:cNvPicPr>
+            <a:picLocks noChangeAspect="1"/>
+          </p:cNvPicPr>
+          <p:nvPr/>
+        </p:nvPicPr>
+        <p:blipFill>
+          <a:blip r:embed="rId7"/>
+          <a:stretch>
+            <a:fillRect/>
+          </a:stretch>
+        </p:blipFill>
+        <p:spPr>
+          <a:xfrm>
+            <a:off x="2725609" y="3968379"/>
+            <a:ext cx="9162709" cy="1959528"/>
+          </a:xfrm>
+          <a:prstGeom prst="rect">
+            <a:avLst/>
+          </a:prstGeom>
+        </p:spPr>
+      </p:pic>
+    </p:spTree>
+    <p:extLst>
+      <p:ext uri="{BB962C8B-B14F-4D97-AF65-F5344CB8AC3E}">
+        <p14:creationId xmlns:p14="http://schemas.microsoft.com/office/powerpoint/2010/main" val="2132328937"/>
       </p:ext>
     </p:extLst>
   </p:cSld>
@@ -14757,11 +16410,6 @@
                 </a:rPr>
                 <a:t>Chaos Monkey</a:t>
               </a:r>
-              <a:endParaRPr lang="fr-FR" sz="4000" b="1" dirty="0" smtClean="0">
-                <a:latin typeface="Lato Regular" panose="020F0502020204030203" pitchFamily="34" charset="0"/>
-                <a:ea typeface="Lato Regular" panose="020F0502020204030203" pitchFamily="34" charset="0"/>
-                <a:cs typeface="Lato Regular" panose="020F0502020204030203" pitchFamily="34" charset="0"/>
-              </a:endParaRPr>
             </a:p>
           </p:txBody>
         </p:sp>
@@ -18896,15 +20544,7 @@
                   <a:ea typeface="Lato Regular" panose="020F0502020204030203" pitchFamily="34" charset="0"/>
                   <a:cs typeface="Lato Regular" panose="020F0502020204030203" pitchFamily="34" charset="0"/>
                 </a:rPr>
-                <a:t>Hands on ! TP </a:t>
-              </a:r>
-              <a:r>
-                <a:rPr lang="fr-FR" sz="4000" b="1" dirty="0" smtClean="0">
-                  <a:latin typeface="Lato Regular" panose="020F0502020204030203" pitchFamily="34" charset="0"/>
-                  <a:ea typeface="Lato Regular" panose="020F0502020204030203" pitchFamily="34" charset="0"/>
-                  <a:cs typeface="Lato Regular" panose="020F0502020204030203" pitchFamily="34" charset="0"/>
-                </a:rPr>
-                <a:t>3</a:t>
+                <a:t>Hands on ! TP 3</a:t>
               </a:r>
               <a:endParaRPr lang="fr-FR" sz="3600" b="1" dirty="0">
                 <a:latin typeface="Lato Regular" panose="020F0502020204030203" pitchFamily="34" charset="0"/>
@@ -19211,17 +20851,7 @@
                 <a:latin typeface="Lato Light"/>
                 <a:cs typeface="Lato Light"/>
               </a:rPr>
-              <a:t>Analyse des </a:t>
-            </a:r>
-            <a:r>
-              <a:rPr lang="fr-FR" sz="2000" b="1" dirty="0" smtClean="0">
-                <a:solidFill>
-                  <a:schemeClr val="tx2"/>
-                </a:solidFill>
-                <a:latin typeface="Lato Light"/>
-                <a:cs typeface="Lato Light"/>
-              </a:rPr>
-              <a:t>résultats</a:t>
+              <a:t>Analyse des résultats</a:t>
             </a:r>
           </a:p>
           <a:p>
@@ -19252,13 +20882,6 @@
               </a:rPr>
               <a:t>Bonus : augmenter le nombre de réplicas</a:t>
             </a:r>
-            <a:endParaRPr lang="fr-FR" sz="2000" b="1" dirty="0" smtClean="0">
-              <a:solidFill>
-                <a:schemeClr val="tx2"/>
-              </a:solidFill>
-              <a:latin typeface="Lato Light"/>
-              <a:cs typeface="Lato Light"/>
-            </a:endParaRPr>
           </a:p>
           <a:p>
             <a:pPr marL="571500" indent="-571500">
@@ -20504,9 +22127,9 @@
         <p:grpSpPr>
           <a:xfrm>
             <a:off x="0" y="73772"/>
-            <a:ext cx="5717107" cy="883356"/>
+            <a:ext cx="3118639" cy="883356"/>
             <a:chOff x="0" y="-9760"/>
-            <a:chExt cx="4578456" cy="785565"/>
+            <a:chExt cx="2497512" cy="785565"/>
           </a:xfrm>
         </p:grpSpPr>
         <p:sp>
@@ -20518,7 +22141,7 @@
           <p:spPr>
             <a:xfrm>
               <a:off x="109500" y="-9760"/>
-              <a:ext cx="4468956" cy="629520"/>
+              <a:ext cx="2388012" cy="629520"/>
             </a:xfrm>
             <a:prstGeom prst="rect">
               <a:avLst/>
@@ -20537,7 +22160,7 @@
                   <a:ea typeface="Lato Regular" panose="020F0502020204030203" pitchFamily="34" charset="0"/>
                   <a:cs typeface="Lato Regular" panose="020F0502020204030203" pitchFamily="34" charset="0"/>
                 </a:rPr>
-                <a:t>Ce qui ne nous tue pas…</a:t>
+                <a:t>Vous êtes ici</a:t>
               </a:r>
               <a:endParaRPr lang="fr-FR" sz="3600" b="1" dirty="0">
                 <a:latin typeface="Lato Regular" panose="020F0502020204030203" pitchFamily="34" charset="0"/>
@@ -20562,7 +22185,7 @@
               <a:avLst/>
             </a:prstGeom>
             <a:solidFill>
-              <a:srgbClr val="2F6079"/>
+              <a:srgbClr val="872163"/>
             </a:solidFill>
             <a:ln>
               <a:noFill/>
@@ -20594,218 +22217,76 @@
           </p:txBody>
         </p:sp>
       </p:grpSp>
+      <p:pic>
+        <p:nvPicPr>
+          <p:cNvPr id="13" name="Image 12"/>
+          <p:cNvPicPr>
+            <a:picLocks noChangeAspect="1"/>
+          </p:cNvPicPr>
+          <p:nvPr/>
+        </p:nvPicPr>
+        <p:blipFill rotWithShape="1">
+          <a:blip r:embed="rId3">
+            <a:extLst>
+              <a:ext uri="{28A0092B-C50C-407E-A947-70E740481C1C}">
+                <a14:useLocalDpi xmlns:a14="http://schemas.microsoft.com/office/drawing/2010/main" val="0"/>
+              </a:ext>
+            </a:extLst>
+          </a:blip>
+          <a:srcRect l="38750" t="22204" r="38372" b="39045"/>
+          <a:stretch/>
+        </p:blipFill>
+        <p:spPr>
+          <a:xfrm>
+            <a:off x="322909" y="1530723"/>
+            <a:ext cx="2297511" cy="3891279"/>
+          </a:xfrm>
+          <a:prstGeom prst="rect">
+            <a:avLst/>
+          </a:prstGeom>
+        </p:spPr>
+      </p:pic>
       <p:sp>
         <p:nvSpPr>
-          <p:cNvPr id="6" name="Subtitle 2">
-            <a:extLst>
-              <a:ext uri="{FF2B5EF4-FFF2-40B4-BE49-F238E27FC236}">
-                <a16:creationId xmlns:a16="http://schemas.microsoft.com/office/drawing/2014/main" id="{D14CB390-EA4F-4FA9-A9B4-B33E71E51B9E}"/>
-              </a:ext>
-            </a:extLst>
-          </p:cNvPr>
-          <p:cNvSpPr txBox="1">
-            <a:spLocks/>
-          </p:cNvSpPr>
+          <p:cNvPr id="9" name="ZoneTexte 8"/>
+          <p:cNvSpPr txBox="1"/>
           <p:nvPr/>
         </p:nvSpPr>
         <p:spPr>
           <a:xfrm>
-            <a:off x="2542286" y="2676709"/>
-            <a:ext cx="7201626" cy="1730904"/>
+            <a:off x="2794572" y="3188648"/>
+            <a:ext cx="9397428" cy="584775"/>
           </a:xfrm>
           <a:prstGeom prst="rect">
             <a:avLst/>
           </a:prstGeom>
-          <a:solidFill>
-            <a:schemeClr val="bg1"/>
-          </a:solidFill>
+          <a:noFill/>
         </p:spPr>
         <p:txBody>
-          <a:bodyPr vert="horz" lIns="243744" tIns="121869" rIns="243744" bIns="121869" rtlCol="0">
-            <a:noAutofit/>
+          <a:bodyPr wrap="square" rtlCol="0">
+            <a:spAutoFit/>
           </a:bodyPr>
-          <a:lstStyle>
-            <a:lvl1pPr marL="342900" indent="-342900" algn="l" defTabSz="457200" rtl="0" eaLnBrk="1" latinLnBrk="0" hangingPunct="1">
-              <a:spcBef>
-                <a:spcPct val="20000"/>
-              </a:spcBef>
-              <a:buFont typeface="Arial"/>
-              <a:buChar char="•"/>
-              <a:defRPr sz="3200" kern="1200">
-                <a:solidFill>
-                  <a:schemeClr val="tx1"/>
-                </a:solidFill>
-                <a:latin typeface="+mn-lt"/>
-                <a:ea typeface="+mn-ea"/>
-                <a:cs typeface="+mn-cs"/>
-              </a:defRPr>
-            </a:lvl1pPr>
-            <a:lvl2pPr marL="742950" indent="-285750" algn="l" defTabSz="457200" rtl="0" eaLnBrk="1" latinLnBrk="0" hangingPunct="1">
-              <a:spcBef>
-                <a:spcPct val="20000"/>
-              </a:spcBef>
-              <a:buFont typeface="Arial"/>
-              <a:buChar char="–"/>
-              <a:defRPr sz="2800" kern="1200">
-                <a:solidFill>
-                  <a:schemeClr val="tx1"/>
-                </a:solidFill>
-                <a:latin typeface="+mn-lt"/>
-                <a:ea typeface="+mn-ea"/>
-                <a:cs typeface="+mn-cs"/>
-              </a:defRPr>
-            </a:lvl2pPr>
-            <a:lvl3pPr marL="1143000" indent="-228600" algn="l" defTabSz="457200" rtl="0" eaLnBrk="1" latinLnBrk="0" hangingPunct="1">
-              <a:spcBef>
-                <a:spcPct val="20000"/>
-              </a:spcBef>
-              <a:buFont typeface="Arial"/>
-              <a:buChar char="•"/>
-              <a:defRPr sz="2400" kern="1200">
-                <a:solidFill>
-                  <a:schemeClr val="tx1"/>
-                </a:solidFill>
-                <a:latin typeface="+mn-lt"/>
-                <a:ea typeface="+mn-ea"/>
-                <a:cs typeface="+mn-cs"/>
-              </a:defRPr>
-            </a:lvl3pPr>
-            <a:lvl4pPr marL="1600200" indent="-228600" algn="l" defTabSz="457200" rtl="0" eaLnBrk="1" latinLnBrk="0" hangingPunct="1">
-              <a:spcBef>
-                <a:spcPct val="20000"/>
-              </a:spcBef>
-              <a:buFont typeface="Arial"/>
-              <a:buChar char="–"/>
-              <a:defRPr sz="2000" kern="1200">
-                <a:solidFill>
-                  <a:schemeClr val="tx1"/>
-                </a:solidFill>
-                <a:latin typeface="+mn-lt"/>
-                <a:ea typeface="+mn-ea"/>
-                <a:cs typeface="+mn-cs"/>
-              </a:defRPr>
-            </a:lvl4pPr>
-            <a:lvl5pPr marL="2057400" indent="-228600" algn="l" defTabSz="457200" rtl="0" eaLnBrk="1" latinLnBrk="0" hangingPunct="1">
-              <a:spcBef>
-                <a:spcPct val="20000"/>
-              </a:spcBef>
-              <a:buFont typeface="Arial"/>
-              <a:buChar char="»"/>
-              <a:defRPr sz="2000" kern="1200">
-                <a:solidFill>
-                  <a:schemeClr val="tx1"/>
-                </a:solidFill>
-                <a:latin typeface="+mn-lt"/>
-                <a:ea typeface="+mn-ea"/>
-                <a:cs typeface="+mn-cs"/>
-              </a:defRPr>
-            </a:lvl5pPr>
-            <a:lvl6pPr marL="2514600" indent="-228600" algn="l" defTabSz="457200" rtl="0" eaLnBrk="1" latinLnBrk="0" hangingPunct="1">
-              <a:spcBef>
-                <a:spcPct val="20000"/>
-              </a:spcBef>
-              <a:buFont typeface="Arial"/>
-              <a:buChar char="•"/>
-              <a:defRPr sz="2000" kern="1200">
-                <a:solidFill>
-                  <a:schemeClr val="tx1"/>
-                </a:solidFill>
-                <a:latin typeface="+mn-lt"/>
-                <a:ea typeface="+mn-ea"/>
-                <a:cs typeface="+mn-cs"/>
-              </a:defRPr>
-            </a:lvl6pPr>
-            <a:lvl7pPr marL="2971800" indent="-228600" algn="l" defTabSz="457200" rtl="0" eaLnBrk="1" latinLnBrk="0" hangingPunct="1">
-              <a:spcBef>
-                <a:spcPct val="20000"/>
-              </a:spcBef>
-              <a:buFont typeface="Arial"/>
-              <a:buChar char="•"/>
-              <a:defRPr sz="2000" kern="1200">
-                <a:solidFill>
-                  <a:schemeClr val="tx1"/>
-                </a:solidFill>
-                <a:latin typeface="+mn-lt"/>
-                <a:ea typeface="+mn-ea"/>
-                <a:cs typeface="+mn-cs"/>
-              </a:defRPr>
-            </a:lvl7pPr>
-            <a:lvl8pPr marL="3429000" indent="-228600" algn="l" defTabSz="457200" rtl="0" eaLnBrk="1" latinLnBrk="0" hangingPunct="1">
-              <a:spcBef>
-                <a:spcPct val="20000"/>
-              </a:spcBef>
-              <a:buFont typeface="Arial"/>
-              <a:buChar char="•"/>
-              <a:defRPr sz="2000" kern="1200">
-                <a:solidFill>
-                  <a:schemeClr val="tx1"/>
-                </a:solidFill>
-                <a:latin typeface="+mn-lt"/>
-                <a:ea typeface="+mn-ea"/>
-                <a:cs typeface="+mn-cs"/>
-              </a:defRPr>
-            </a:lvl8pPr>
-            <a:lvl9pPr marL="3886200" indent="-228600" algn="l" defTabSz="457200" rtl="0" eaLnBrk="1" latinLnBrk="0" hangingPunct="1">
-              <a:spcBef>
-                <a:spcPct val="20000"/>
-              </a:spcBef>
-              <a:buFont typeface="Arial"/>
-              <a:buChar char="•"/>
-              <a:defRPr sz="2000" kern="1200">
-                <a:solidFill>
-                  <a:schemeClr val="tx1"/>
-                </a:solidFill>
-                <a:latin typeface="+mn-lt"/>
-                <a:ea typeface="+mn-ea"/>
-                <a:cs typeface="+mn-cs"/>
-              </a:defRPr>
-            </a:lvl9pPr>
-          </a:lstStyle>
-          <a:p>
-            <a:pPr marL="0" indent="0">
-              <a:buNone/>
-            </a:pPr>
-            <a:r>
-              <a:rPr lang="fr-FR" sz="2000" dirty="0" smtClean="0">
-                <a:solidFill>
-                  <a:schemeClr val="tx2"/>
-                </a:solidFill>
-                <a:latin typeface="Lato Regular"/>
-                <a:cs typeface="Lato Regular"/>
-              </a:rPr>
-              <a:t>Résilience</a:t>
-            </a:r>
-          </a:p>
-          <a:p>
-            <a:pPr marL="0" indent="0">
-              <a:buNone/>
-            </a:pPr>
-            <a:r>
-              <a:rPr lang="fr-FR" sz="1600" dirty="0" smtClean="0">
-                <a:solidFill>
-                  <a:schemeClr val="tx2"/>
-                </a:solidFill>
-                <a:latin typeface="Lato Light"/>
-                <a:cs typeface="Lato Light"/>
-              </a:rPr>
-              <a:t>« La résilience est la capacité pour un individu à faire face à une situation difficile ou génératrice de stress. […] Faculté à « rebondir », à vaincre des situations traumatiques. »</a:t>
-            </a:r>
-          </a:p>
-          <a:p>
-            <a:pPr marL="0" indent="0" algn="r">
-              <a:buNone/>
-            </a:pPr>
-            <a:r>
-              <a:rPr lang="fr-FR" sz="1600" i="1" dirty="0" smtClean="0">
-                <a:solidFill>
-                  <a:schemeClr val="tx2"/>
-                </a:solidFill>
-                <a:latin typeface="Lato Light"/>
-                <a:cs typeface="Lato Light"/>
-              </a:rPr>
-              <a:t>Psychologies.com</a:t>
-            </a:r>
-            <a:endParaRPr lang="fr-FR" sz="1600" i="1" dirty="0">
+          <a:lstStyle/>
+          <a:p>
+            <a:r>
+              <a:rPr lang="fr-FR" sz="3200" dirty="0">
+                <a:hlinkClick r:id="rId4"/>
+              </a:rPr>
+              <a:t>https://</a:t>
+            </a:r>
+            <a:r>
+              <a:rPr lang="fr-FR" sz="3200" dirty="0" smtClean="0">
+                <a:hlinkClick r:id="rId4"/>
+              </a:rPr>
+              <a:t>sii-codelab-chaos.github.io/Codelab-Chaos-TP</a:t>
+            </a:r>
+            <a:r>
+              <a:rPr lang="fr-FR" sz="3200" dirty="0">
+                <a:hlinkClick r:id="rId4"/>
+              </a:rPr>
+              <a:t>/</a:t>
+            </a:r>
+            <a:endParaRPr lang="fr-FR" sz="3200" dirty="0" smtClean="0">
               <a:solidFill>
                 <a:schemeClr val="tx2"/>
               </a:solidFill>
@@ -20818,7 +22299,7 @@
     </p:spTree>
     <p:extLst>
       <p:ext uri="{BB962C8B-B14F-4D97-AF65-F5344CB8AC3E}">
-        <p14:creationId xmlns:p14="http://schemas.microsoft.com/office/powerpoint/2010/main" val="2697850890"/>
+        <p14:creationId xmlns:p14="http://schemas.microsoft.com/office/powerpoint/2010/main" val="3157339412"/>
       </p:ext>
     </p:extLst>
   </p:cSld>
@@ -21992,6 +23473,363 @@
         <p:grpSpPr>
           <a:xfrm>
             <a:off x="0" y="73772"/>
+            <a:ext cx="5717107" cy="883356"/>
+            <a:chOff x="0" y="-9760"/>
+            <a:chExt cx="4578456" cy="785565"/>
+          </a:xfrm>
+        </p:grpSpPr>
+        <p:sp>
+          <p:nvSpPr>
+            <p:cNvPr id="203" name="ZoneTexte 202"/>
+            <p:cNvSpPr txBox="1"/>
+            <p:nvPr/>
+          </p:nvSpPr>
+          <p:spPr>
+            <a:xfrm>
+              <a:off x="109500" y="-9760"/>
+              <a:ext cx="4468956" cy="629520"/>
+            </a:xfrm>
+            <a:prstGeom prst="rect">
+              <a:avLst/>
+            </a:prstGeom>
+            <a:noFill/>
+          </p:spPr>
+          <p:txBody>
+            <a:bodyPr wrap="none" rtlCol="0">
+              <a:spAutoFit/>
+            </a:bodyPr>
+            <a:lstStyle/>
+            <a:p>
+              <a:r>
+                <a:rPr lang="fr-FR" sz="4000" b="1" dirty="0" smtClean="0">
+                  <a:latin typeface="Lato Regular" panose="020F0502020204030203" pitchFamily="34" charset="0"/>
+                  <a:ea typeface="Lato Regular" panose="020F0502020204030203" pitchFamily="34" charset="0"/>
+                  <a:cs typeface="Lato Regular" panose="020F0502020204030203" pitchFamily="34" charset="0"/>
+                </a:rPr>
+                <a:t>Ce qui ne nous tue pas…</a:t>
+              </a:r>
+              <a:endParaRPr lang="fr-FR" sz="3600" b="1" dirty="0">
+                <a:latin typeface="Lato Regular" panose="020F0502020204030203" pitchFamily="34" charset="0"/>
+                <a:ea typeface="Lato Regular" panose="020F0502020204030203" pitchFamily="34" charset="0"/>
+                <a:cs typeface="Lato Regular" panose="020F0502020204030203" pitchFamily="34" charset="0"/>
+              </a:endParaRPr>
+            </a:p>
+          </p:txBody>
+        </p:sp>
+        <p:sp>
+          <p:nvSpPr>
+            <p:cNvPr id="204" name="Rectangle 203"/>
+            <p:cNvSpPr/>
+            <p:nvPr/>
+          </p:nvSpPr>
+          <p:spPr>
+            <a:xfrm>
+              <a:off x="0" y="619760"/>
+              <a:ext cx="2357120" cy="156045"/>
+            </a:xfrm>
+            <a:prstGeom prst="rect">
+              <a:avLst/>
+            </a:prstGeom>
+            <a:solidFill>
+              <a:srgbClr val="2F6079"/>
+            </a:solidFill>
+            <a:ln>
+              <a:noFill/>
+            </a:ln>
+          </p:spPr>
+          <p:style>
+            <a:lnRef idx="2">
+              <a:schemeClr val="accent1">
+                <a:shade val="50000"/>
+              </a:schemeClr>
+            </a:lnRef>
+            <a:fillRef idx="1">
+              <a:schemeClr val="accent1"/>
+            </a:fillRef>
+            <a:effectRef idx="0">
+              <a:schemeClr val="accent1"/>
+            </a:effectRef>
+            <a:fontRef idx="minor">
+              <a:schemeClr val="lt1"/>
+            </a:fontRef>
+          </p:style>
+          <p:txBody>
+            <a:bodyPr rtlCol="0" anchor="ctr"/>
+            <a:lstStyle/>
+            <a:p>
+              <a:pPr algn="ctr"/>
+              <a:endParaRPr lang="fr-FR"/>
+            </a:p>
+          </p:txBody>
+        </p:sp>
+      </p:grpSp>
+      <p:sp>
+        <p:nvSpPr>
+          <p:cNvPr id="6" name="Subtitle 2">
+            <a:extLst>
+              <a:ext uri="{FF2B5EF4-FFF2-40B4-BE49-F238E27FC236}">
+                <a16:creationId xmlns:a16="http://schemas.microsoft.com/office/drawing/2014/main" id="{D14CB390-EA4F-4FA9-A9B4-B33E71E51B9E}"/>
+              </a:ext>
+            </a:extLst>
+          </p:cNvPr>
+          <p:cNvSpPr txBox="1">
+            <a:spLocks/>
+          </p:cNvSpPr>
+          <p:nvPr/>
+        </p:nvSpPr>
+        <p:spPr>
+          <a:xfrm>
+            <a:off x="2542286" y="2676709"/>
+            <a:ext cx="7201626" cy="1730904"/>
+          </a:xfrm>
+          <a:prstGeom prst="rect">
+            <a:avLst/>
+          </a:prstGeom>
+          <a:solidFill>
+            <a:schemeClr val="bg1"/>
+          </a:solidFill>
+        </p:spPr>
+        <p:txBody>
+          <a:bodyPr vert="horz" lIns="243744" tIns="121869" rIns="243744" bIns="121869" rtlCol="0">
+            <a:noAutofit/>
+          </a:bodyPr>
+          <a:lstStyle>
+            <a:lvl1pPr marL="342900" indent="-342900" algn="l" defTabSz="457200" rtl="0" eaLnBrk="1" latinLnBrk="0" hangingPunct="1">
+              <a:spcBef>
+                <a:spcPct val="20000"/>
+              </a:spcBef>
+              <a:buFont typeface="Arial"/>
+              <a:buChar char="•"/>
+              <a:defRPr sz="3200" kern="1200">
+                <a:solidFill>
+                  <a:schemeClr val="tx1"/>
+                </a:solidFill>
+                <a:latin typeface="+mn-lt"/>
+                <a:ea typeface="+mn-ea"/>
+                <a:cs typeface="+mn-cs"/>
+              </a:defRPr>
+            </a:lvl1pPr>
+            <a:lvl2pPr marL="742950" indent="-285750" algn="l" defTabSz="457200" rtl="0" eaLnBrk="1" latinLnBrk="0" hangingPunct="1">
+              <a:spcBef>
+                <a:spcPct val="20000"/>
+              </a:spcBef>
+              <a:buFont typeface="Arial"/>
+              <a:buChar char="–"/>
+              <a:defRPr sz="2800" kern="1200">
+                <a:solidFill>
+                  <a:schemeClr val="tx1"/>
+                </a:solidFill>
+                <a:latin typeface="+mn-lt"/>
+                <a:ea typeface="+mn-ea"/>
+                <a:cs typeface="+mn-cs"/>
+              </a:defRPr>
+            </a:lvl2pPr>
+            <a:lvl3pPr marL="1143000" indent="-228600" algn="l" defTabSz="457200" rtl="0" eaLnBrk="1" latinLnBrk="0" hangingPunct="1">
+              <a:spcBef>
+                <a:spcPct val="20000"/>
+              </a:spcBef>
+              <a:buFont typeface="Arial"/>
+              <a:buChar char="•"/>
+              <a:defRPr sz="2400" kern="1200">
+                <a:solidFill>
+                  <a:schemeClr val="tx1"/>
+                </a:solidFill>
+                <a:latin typeface="+mn-lt"/>
+                <a:ea typeface="+mn-ea"/>
+                <a:cs typeface="+mn-cs"/>
+              </a:defRPr>
+            </a:lvl3pPr>
+            <a:lvl4pPr marL="1600200" indent="-228600" algn="l" defTabSz="457200" rtl="0" eaLnBrk="1" latinLnBrk="0" hangingPunct="1">
+              <a:spcBef>
+                <a:spcPct val="20000"/>
+              </a:spcBef>
+              <a:buFont typeface="Arial"/>
+              <a:buChar char="–"/>
+              <a:defRPr sz="2000" kern="1200">
+                <a:solidFill>
+                  <a:schemeClr val="tx1"/>
+                </a:solidFill>
+                <a:latin typeface="+mn-lt"/>
+                <a:ea typeface="+mn-ea"/>
+                <a:cs typeface="+mn-cs"/>
+              </a:defRPr>
+            </a:lvl4pPr>
+            <a:lvl5pPr marL="2057400" indent="-228600" algn="l" defTabSz="457200" rtl="0" eaLnBrk="1" latinLnBrk="0" hangingPunct="1">
+              <a:spcBef>
+                <a:spcPct val="20000"/>
+              </a:spcBef>
+              <a:buFont typeface="Arial"/>
+              <a:buChar char="»"/>
+              <a:defRPr sz="2000" kern="1200">
+                <a:solidFill>
+                  <a:schemeClr val="tx1"/>
+                </a:solidFill>
+                <a:latin typeface="+mn-lt"/>
+                <a:ea typeface="+mn-ea"/>
+                <a:cs typeface="+mn-cs"/>
+              </a:defRPr>
+            </a:lvl5pPr>
+            <a:lvl6pPr marL="2514600" indent="-228600" algn="l" defTabSz="457200" rtl="0" eaLnBrk="1" latinLnBrk="0" hangingPunct="1">
+              <a:spcBef>
+                <a:spcPct val="20000"/>
+              </a:spcBef>
+              <a:buFont typeface="Arial"/>
+              <a:buChar char="•"/>
+              <a:defRPr sz="2000" kern="1200">
+                <a:solidFill>
+                  <a:schemeClr val="tx1"/>
+                </a:solidFill>
+                <a:latin typeface="+mn-lt"/>
+                <a:ea typeface="+mn-ea"/>
+                <a:cs typeface="+mn-cs"/>
+              </a:defRPr>
+            </a:lvl6pPr>
+            <a:lvl7pPr marL="2971800" indent="-228600" algn="l" defTabSz="457200" rtl="0" eaLnBrk="1" latinLnBrk="0" hangingPunct="1">
+              <a:spcBef>
+                <a:spcPct val="20000"/>
+              </a:spcBef>
+              <a:buFont typeface="Arial"/>
+              <a:buChar char="•"/>
+              <a:defRPr sz="2000" kern="1200">
+                <a:solidFill>
+                  <a:schemeClr val="tx1"/>
+                </a:solidFill>
+                <a:latin typeface="+mn-lt"/>
+                <a:ea typeface="+mn-ea"/>
+                <a:cs typeface="+mn-cs"/>
+              </a:defRPr>
+            </a:lvl7pPr>
+            <a:lvl8pPr marL="3429000" indent="-228600" algn="l" defTabSz="457200" rtl="0" eaLnBrk="1" latinLnBrk="0" hangingPunct="1">
+              <a:spcBef>
+                <a:spcPct val="20000"/>
+              </a:spcBef>
+              <a:buFont typeface="Arial"/>
+              <a:buChar char="•"/>
+              <a:defRPr sz="2000" kern="1200">
+                <a:solidFill>
+                  <a:schemeClr val="tx1"/>
+                </a:solidFill>
+                <a:latin typeface="+mn-lt"/>
+                <a:ea typeface="+mn-ea"/>
+                <a:cs typeface="+mn-cs"/>
+              </a:defRPr>
+            </a:lvl8pPr>
+            <a:lvl9pPr marL="3886200" indent="-228600" algn="l" defTabSz="457200" rtl="0" eaLnBrk="1" latinLnBrk="0" hangingPunct="1">
+              <a:spcBef>
+                <a:spcPct val="20000"/>
+              </a:spcBef>
+              <a:buFont typeface="Arial"/>
+              <a:buChar char="•"/>
+              <a:defRPr sz="2000" kern="1200">
+                <a:solidFill>
+                  <a:schemeClr val="tx1"/>
+                </a:solidFill>
+                <a:latin typeface="+mn-lt"/>
+                <a:ea typeface="+mn-ea"/>
+                <a:cs typeface="+mn-cs"/>
+              </a:defRPr>
+            </a:lvl9pPr>
+          </a:lstStyle>
+          <a:p>
+            <a:pPr marL="0" indent="0">
+              <a:buNone/>
+            </a:pPr>
+            <a:r>
+              <a:rPr lang="fr-FR" sz="2000" dirty="0" smtClean="0">
+                <a:solidFill>
+                  <a:schemeClr val="tx2"/>
+                </a:solidFill>
+                <a:latin typeface="Lato Regular"/>
+                <a:cs typeface="Lato Regular"/>
+              </a:rPr>
+              <a:t>Résilience</a:t>
+            </a:r>
+          </a:p>
+          <a:p>
+            <a:pPr marL="0" indent="0">
+              <a:buNone/>
+            </a:pPr>
+            <a:r>
+              <a:rPr lang="fr-FR" sz="1600" dirty="0" smtClean="0">
+                <a:solidFill>
+                  <a:schemeClr val="tx2"/>
+                </a:solidFill>
+                <a:latin typeface="Lato Light"/>
+                <a:cs typeface="Lato Light"/>
+              </a:rPr>
+              <a:t>« La résilience est la capacité pour un individu à faire face à une situation difficile ou génératrice de stress. […] Faculté à « rebondir », à vaincre des situations traumatiques. »</a:t>
+            </a:r>
+          </a:p>
+          <a:p>
+            <a:pPr marL="0" indent="0" algn="r">
+              <a:buNone/>
+            </a:pPr>
+            <a:r>
+              <a:rPr lang="fr-FR" sz="1600" i="1" dirty="0" smtClean="0">
+                <a:solidFill>
+                  <a:schemeClr val="tx2"/>
+                </a:solidFill>
+                <a:latin typeface="Lato Light"/>
+                <a:cs typeface="Lato Light"/>
+              </a:rPr>
+              <a:t>Psychologies.com</a:t>
+            </a:r>
+            <a:endParaRPr lang="fr-FR" sz="1600" i="1" dirty="0">
+              <a:solidFill>
+                <a:schemeClr val="tx2"/>
+              </a:solidFill>
+              <a:latin typeface="Lato Light"/>
+              <a:cs typeface="Lato Light"/>
+            </a:endParaRPr>
+          </a:p>
+        </p:txBody>
+      </p:sp>
+    </p:spTree>
+    <p:extLst>
+      <p:ext uri="{BB962C8B-B14F-4D97-AF65-F5344CB8AC3E}">
+        <p14:creationId xmlns:p14="http://schemas.microsoft.com/office/powerpoint/2010/main" val="2697850890"/>
+      </p:ext>
+    </p:extLst>
+  </p:cSld>
+  <p:clrMapOvr>
+    <a:masterClrMapping/>
+  </p:clrMapOvr>
+  <p:timing>
+    <p:tnLst>
+      <p:par>
+        <p:cTn id="1" dur="indefinite" restart="never" nodeType="tmRoot"/>
+      </p:par>
+    </p:tnLst>
+  </p:timing>
+</p:sld>
+</file>
+
+<file path=ppt/slides/slide5.xml><?xml version="1.0" encoding="utf-8"?>
+<p:sld xmlns:a="http://schemas.openxmlformats.org/drawingml/2006/main" xmlns:r="http://schemas.openxmlformats.org/officeDocument/2006/relationships" xmlns:p="http://schemas.openxmlformats.org/presentationml/2006/main">
+  <p:cSld>
+    <p:spTree>
+      <p:nvGrpSpPr>
+        <p:cNvPr id="1" name=""/>
+        <p:cNvGrpSpPr/>
+        <p:nvPr/>
+      </p:nvGrpSpPr>
+      <p:grpSpPr>
+        <a:xfrm>
+          <a:off x="0" y="0"/>
+          <a:ext cx="0" cy="0"/>
+          <a:chOff x="0" y="0"/>
+          <a:chExt cx="0" cy="0"/>
+        </a:xfrm>
+      </p:grpSpPr>
+      <p:grpSp>
+        <p:nvGrpSpPr>
+          <p:cNvPr id="202" name="Groupe 201"/>
+          <p:cNvGrpSpPr/>
+          <p:nvPr/>
+        </p:nvGrpSpPr>
+        <p:grpSpPr>
+          <a:xfrm>
+            <a:off x="0" y="73772"/>
             <a:ext cx="5564821" cy="883356"/>
             <a:chOff x="0" y="-9760"/>
             <a:chExt cx="4456499" cy="785565"/>
@@ -22821,7 +24659,7 @@
 </p:sld>
 </file>
 
-<file path=ppt/slides/slide5.xml><?xml version="1.0" encoding="utf-8"?>
+<file path=ppt/slides/slide6.xml><?xml version="1.0" encoding="utf-8"?>
 <p:sld xmlns:a="http://schemas.openxmlformats.org/drawingml/2006/main" xmlns:r="http://schemas.openxmlformats.org/officeDocument/2006/relationships" xmlns:p="http://schemas.openxmlformats.org/presentationml/2006/main">
   <p:cSld>
     <p:spTree>
@@ -23246,7 +25084,7 @@
 </p:sld>
 </file>
 
-<file path=ppt/slides/slide6.xml><?xml version="1.0" encoding="utf-8"?>
+<file path=ppt/slides/slide7.xml><?xml version="1.0" encoding="utf-8"?>
 <p:sld xmlns:a="http://schemas.openxmlformats.org/drawingml/2006/main" xmlns:r="http://schemas.openxmlformats.org/officeDocument/2006/relationships" xmlns:p="http://schemas.openxmlformats.org/presentationml/2006/main">
   <p:cSld>
     <p:spTree>
@@ -23762,7 +25600,7 @@
 </p:sld>
 </file>
 
-<file path=ppt/slides/slide7.xml><?xml version="1.0" encoding="utf-8"?>
+<file path=ppt/slides/slide8.xml><?xml version="1.0" encoding="utf-8"?>
 <p:sld xmlns:a="http://schemas.openxmlformats.org/drawingml/2006/main" xmlns:r="http://schemas.openxmlformats.org/officeDocument/2006/relationships" xmlns:p="http://schemas.openxmlformats.org/presentationml/2006/main">
   <p:cSld>
     <p:spTree>
@@ -24076,8 +25914,25 @@
                 <a:latin typeface="Lato Light"/>
                 <a:cs typeface="Lato Light"/>
               </a:rPr>
-              <a:t>Mutation des tests unitaires</a:t>
-            </a:r>
+              <a:t>Mutation </a:t>
+            </a:r>
+            <a:r>
+              <a:rPr lang="fr-FR" sz="2000" dirty="0" err="1" smtClean="0">
+                <a:solidFill>
+                  <a:schemeClr val="tx2"/>
+                </a:solidFill>
+                <a:latin typeface="Lato Light"/>
+                <a:cs typeface="Lato Light"/>
+              </a:rPr>
+              <a:t>testing</a:t>
+            </a:r>
+            <a:endParaRPr lang="fr-FR" sz="2000" dirty="0" smtClean="0">
+              <a:solidFill>
+                <a:schemeClr val="tx2"/>
+              </a:solidFill>
+              <a:latin typeface="Lato Light"/>
+              <a:cs typeface="Lato Light"/>
+            </a:endParaRPr>
           </a:p>
           <a:p>
             <a:pPr lvl="1"/>
@@ -24336,7 +26191,7 @@
 </p:sld>
 </file>
 
-<file path=ppt/slides/slide8.xml><?xml version="1.0" encoding="utf-8"?>
+<file path=ppt/slides/slide9.xml><?xml version="1.0" encoding="utf-8"?>
 <p:sld xmlns:a="http://schemas.openxmlformats.org/drawingml/2006/main" xmlns:r="http://schemas.openxmlformats.org/officeDocument/2006/relationships" xmlns:p="http://schemas.openxmlformats.org/presentationml/2006/main">
   <p:cSld>
     <p:spTree>
@@ -24669,7 +26524,7 @@
         <p:spPr>
           <a:xfrm>
             <a:off x="573741" y="2006627"/>
-            <a:ext cx="6096000" cy="1754326"/>
+            <a:ext cx="6096000" cy="2862322"/>
           </a:xfrm>
           <a:prstGeom prst="rect">
             <a:avLst/>
@@ -24703,7 +26558,89 @@
                 <a:ea typeface="Lato Light" panose="020F0502020204030203" pitchFamily="34" charset="0"/>
                 <a:cs typeface="Lato Light" panose="020F0502020204030203" pitchFamily="34" charset="0"/>
               </a:rPr>
-              <a:t> !! Pourtant, les tests unitaires passaient au vert ! Et la couverture de tests est à 100% sur l'ensemble de notre code métier ! A un mois de la MEP, doit t'on blâmer le stagiaire ou l'auteur des tests unitaires ? Comment aurait-on pu éviter d'avoir des TU inutiles ?”</a:t>
+              <a:t> </a:t>
+            </a:r>
+            <a:r>
+              <a:rPr lang="fr-FR" dirty="0" smtClean="0">
+                <a:latin typeface="Lato Light" panose="020F0502020204030203" pitchFamily="34" charset="0"/>
+                <a:ea typeface="Lato Light" panose="020F0502020204030203" pitchFamily="34" charset="0"/>
+                <a:cs typeface="Lato Light" panose="020F0502020204030203" pitchFamily="34" charset="0"/>
+              </a:rPr>
+              <a:t>!!</a:t>
+            </a:r>
+          </a:p>
+          <a:p>
+            <a:endParaRPr lang="fr-FR" dirty="0">
+              <a:latin typeface="Lato Light" panose="020F0502020204030203" pitchFamily="34" charset="0"/>
+              <a:ea typeface="Lato Light" panose="020F0502020204030203" pitchFamily="34" charset="0"/>
+              <a:cs typeface="Lato Light" panose="020F0502020204030203" pitchFamily="34" charset="0"/>
+            </a:endParaRPr>
+          </a:p>
+          <a:p>
+            <a:r>
+              <a:rPr lang="fr-FR" dirty="0" smtClean="0">
+                <a:latin typeface="Lato Light" panose="020F0502020204030203" pitchFamily="34" charset="0"/>
+                <a:ea typeface="Lato Light" panose="020F0502020204030203" pitchFamily="34" charset="0"/>
+                <a:cs typeface="Lato Light" panose="020F0502020204030203" pitchFamily="34" charset="0"/>
+              </a:rPr>
+              <a:t>Pourtant</a:t>
+            </a:r>
+            <a:r>
+              <a:rPr lang="fr-FR" dirty="0">
+                <a:latin typeface="Lato Light" panose="020F0502020204030203" pitchFamily="34" charset="0"/>
+                <a:ea typeface="Lato Light" panose="020F0502020204030203" pitchFamily="34" charset="0"/>
+                <a:cs typeface="Lato Light" panose="020F0502020204030203" pitchFamily="34" charset="0"/>
+              </a:rPr>
+              <a:t>, les tests unitaires passaient au vert ! Et la couverture de tests est </a:t>
+            </a:r>
+            <a:r>
+              <a:rPr lang="fr-FR" dirty="0" smtClean="0">
+                <a:latin typeface="Lato Light" panose="020F0502020204030203" pitchFamily="34" charset="0"/>
+                <a:ea typeface="Lato Light" panose="020F0502020204030203" pitchFamily="34" charset="0"/>
+                <a:cs typeface="Lato Light" panose="020F0502020204030203" pitchFamily="34" charset="0"/>
+              </a:rPr>
+              <a:t>presque à </a:t>
+            </a:r>
+            <a:r>
+              <a:rPr lang="fr-FR" dirty="0">
+                <a:latin typeface="Lato Light" panose="020F0502020204030203" pitchFamily="34" charset="0"/>
+                <a:ea typeface="Lato Light" panose="020F0502020204030203" pitchFamily="34" charset="0"/>
+                <a:cs typeface="Lato Light" panose="020F0502020204030203" pitchFamily="34" charset="0"/>
+              </a:rPr>
+              <a:t>100% sur l'ensemble de notre code métier </a:t>
+            </a:r>
+            <a:r>
+              <a:rPr lang="fr-FR" dirty="0" smtClean="0">
+                <a:latin typeface="Lato Light" panose="020F0502020204030203" pitchFamily="34" charset="0"/>
+                <a:ea typeface="Lato Light" panose="020F0502020204030203" pitchFamily="34" charset="0"/>
+                <a:cs typeface="Lato Light" panose="020F0502020204030203" pitchFamily="34" charset="0"/>
+              </a:rPr>
+              <a:t>!</a:t>
+            </a:r>
+          </a:p>
+          <a:p>
+            <a:endParaRPr lang="fr-FR" dirty="0">
+              <a:latin typeface="Lato Light" panose="020F0502020204030203" pitchFamily="34" charset="0"/>
+              <a:ea typeface="Lato Light" panose="020F0502020204030203" pitchFamily="34" charset="0"/>
+              <a:cs typeface="Lato Light" panose="020F0502020204030203" pitchFamily="34" charset="0"/>
+            </a:endParaRPr>
+          </a:p>
+          <a:p>
+            <a:r>
+              <a:rPr lang="fr-FR" dirty="0" smtClean="0">
+                <a:latin typeface="Lato Light" panose="020F0502020204030203" pitchFamily="34" charset="0"/>
+                <a:ea typeface="Lato Light" panose="020F0502020204030203" pitchFamily="34" charset="0"/>
+                <a:cs typeface="Lato Light" panose="020F0502020204030203" pitchFamily="34" charset="0"/>
+              </a:rPr>
+              <a:t>A </a:t>
+            </a:r>
+            <a:r>
+              <a:rPr lang="fr-FR" dirty="0">
+                <a:latin typeface="Lato Light" panose="020F0502020204030203" pitchFamily="34" charset="0"/>
+                <a:ea typeface="Lato Light" panose="020F0502020204030203" pitchFamily="34" charset="0"/>
+                <a:cs typeface="Lato Light" panose="020F0502020204030203" pitchFamily="34" charset="0"/>
+              </a:rPr>
+              <a:t>un mois de la MEP, doit t'on blâmer le stagiaire ou l'auteur des tests unitaires ? Comment aurait-on pu éviter d'avoir des TU inutiles ?”</a:t>
             </a:r>
           </a:p>
         </p:txBody>
@@ -24722,715 +26659,6 @@
     <p:tnLst>
       <p:par>
         <p:cTn id="1" dur="indefinite" restart="never" nodeType="tmRoot"/>
-      </p:par>
-    </p:tnLst>
-  </p:timing>
-</p:sld>
-</file>
-
-<file path=ppt/slides/slide9.xml><?xml version="1.0" encoding="utf-8"?>
-<p:sld xmlns:a="http://schemas.openxmlformats.org/drawingml/2006/main" xmlns:r="http://schemas.openxmlformats.org/officeDocument/2006/relationships" xmlns:p="http://schemas.openxmlformats.org/presentationml/2006/main">
-  <p:cSld>
-    <p:spTree>
-      <p:nvGrpSpPr>
-        <p:cNvPr id="1" name=""/>
-        <p:cNvGrpSpPr/>
-        <p:nvPr/>
-      </p:nvGrpSpPr>
-      <p:grpSpPr>
-        <a:xfrm>
-          <a:off x="0" y="0"/>
-          <a:ext cx="0" cy="0"/>
-          <a:chOff x="0" y="0"/>
-          <a:chExt cx="0" cy="0"/>
-        </a:xfrm>
-      </p:grpSpPr>
-      <p:cxnSp>
-        <p:nvCxnSpPr>
-          <p:cNvPr id="43" name="Straight Connector 149">
-            <a:extLst>
-              <a:ext uri="{FF2B5EF4-FFF2-40B4-BE49-F238E27FC236}">
-                <a16:creationId xmlns:a16="http://schemas.microsoft.com/office/drawing/2014/main" id="{D8CF519D-DB01-4308-A138-A01722AD4A22}"/>
-              </a:ext>
-            </a:extLst>
-          </p:cNvPr>
-          <p:cNvCxnSpPr/>
-          <p:nvPr/>
-        </p:nvCxnSpPr>
-        <p:spPr>
-          <a:xfrm>
-            <a:off x="441410" y="3064483"/>
-            <a:ext cx="0" cy="3212358"/>
-          </a:xfrm>
-          <a:prstGeom prst="line">
-            <a:avLst/>
-          </a:prstGeom>
-          <a:ln w="12700" cmpd="sng">
-            <a:noFill/>
-          </a:ln>
-          <a:effectLst/>
-        </p:spPr>
-        <p:style>
-          <a:lnRef idx="2">
-            <a:schemeClr val="accent1"/>
-          </a:lnRef>
-          <a:fillRef idx="0">
-            <a:schemeClr val="accent1"/>
-          </a:fillRef>
-          <a:effectRef idx="1">
-            <a:schemeClr val="accent1"/>
-          </a:effectRef>
-          <a:fontRef idx="minor">
-            <a:schemeClr val="tx1"/>
-          </a:fontRef>
-        </p:style>
-      </p:cxnSp>
-      <p:grpSp>
-        <p:nvGrpSpPr>
-          <p:cNvPr id="45" name="Groupe 44"/>
-          <p:cNvGrpSpPr/>
-          <p:nvPr/>
-        </p:nvGrpSpPr>
-        <p:grpSpPr>
-          <a:xfrm>
-            <a:off x="0" y="73772"/>
-            <a:ext cx="7408275" cy="883356"/>
-            <a:chOff x="0" y="-9760"/>
-            <a:chExt cx="5932800" cy="785565"/>
-          </a:xfrm>
-        </p:grpSpPr>
-        <p:sp>
-          <p:nvSpPr>
-            <p:cNvPr id="46" name="ZoneTexte 45"/>
-            <p:cNvSpPr txBox="1"/>
-            <p:nvPr/>
-          </p:nvSpPr>
-          <p:spPr>
-            <a:xfrm>
-              <a:off x="109500" y="-9760"/>
-              <a:ext cx="5823300" cy="629520"/>
-            </a:xfrm>
-            <a:prstGeom prst="rect">
-              <a:avLst/>
-            </a:prstGeom>
-            <a:noFill/>
-          </p:spPr>
-          <p:txBody>
-            <a:bodyPr wrap="none" rtlCol="0">
-              <a:spAutoFit/>
-            </a:bodyPr>
-            <a:lstStyle/>
-            <a:p>
-              <a:r>
-                <a:rPr lang="fr-FR" sz="4000" b="1" dirty="0" smtClean="0">
-                  <a:latin typeface="Lato Regular" panose="020F0502020204030203" pitchFamily="34" charset="0"/>
-                  <a:ea typeface="Lato Regular" panose="020F0502020204030203" pitchFamily="34" charset="0"/>
-                  <a:cs typeface="Lato Regular" panose="020F0502020204030203" pitchFamily="34" charset="0"/>
-                </a:rPr>
-                <a:t>Les mutants, bientôt parmi nous</a:t>
-              </a:r>
-            </a:p>
-          </p:txBody>
-        </p:sp>
-        <p:sp>
-          <p:nvSpPr>
-            <p:cNvPr id="47" name="Rectangle 46"/>
-            <p:cNvSpPr/>
-            <p:nvPr/>
-          </p:nvSpPr>
-          <p:spPr>
-            <a:xfrm>
-              <a:off x="0" y="619760"/>
-              <a:ext cx="2357120" cy="156045"/>
-            </a:xfrm>
-            <a:prstGeom prst="rect">
-              <a:avLst/>
-            </a:prstGeom>
-            <a:solidFill>
-              <a:srgbClr val="2F6079"/>
-            </a:solidFill>
-            <a:ln>
-              <a:noFill/>
-            </a:ln>
-          </p:spPr>
-          <p:style>
-            <a:lnRef idx="2">
-              <a:schemeClr val="accent1">
-                <a:shade val="50000"/>
-              </a:schemeClr>
-            </a:lnRef>
-            <a:fillRef idx="1">
-              <a:schemeClr val="accent1"/>
-            </a:fillRef>
-            <a:effectRef idx="0">
-              <a:schemeClr val="accent1"/>
-            </a:effectRef>
-            <a:fontRef idx="minor">
-              <a:schemeClr val="lt1"/>
-            </a:fontRef>
-          </p:style>
-          <p:txBody>
-            <a:bodyPr rtlCol="0" anchor="ctr"/>
-            <a:lstStyle/>
-            <a:p>
-              <a:pPr algn="ctr"/>
-              <a:endParaRPr lang="fr-FR"/>
-            </a:p>
-          </p:txBody>
-        </p:sp>
-      </p:grpSp>
-      <p:sp>
-        <p:nvSpPr>
-          <p:cNvPr id="16" name="Subtitle 2">
-            <a:extLst>
-              <a:ext uri="{FF2B5EF4-FFF2-40B4-BE49-F238E27FC236}">
-                <a16:creationId xmlns:a16="http://schemas.microsoft.com/office/drawing/2014/main" id="{3A78FA13-AC9F-47B6-87F4-D7D64D1358A9}"/>
-              </a:ext>
-            </a:extLst>
-          </p:cNvPr>
-          <p:cNvSpPr txBox="1">
-            <a:spLocks/>
-          </p:cNvSpPr>
-          <p:nvPr/>
-        </p:nvSpPr>
-        <p:spPr>
-          <a:xfrm>
-            <a:off x="220125" y="1200976"/>
-            <a:ext cx="8389619" cy="3493599"/>
-          </a:xfrm>
-          <a:prstGeom prst="rect">
-            <a:avLst/>
-          </a:prstGeom>
-        </p:spPr>
-        <p:txBody>
-          <a:bodyPr vert="horz" lIns="243744" tIns="121869" rIns="243744" bIns="121869" rtlCol="0">
-            <a:noAutofit/>
-          </a:bodyPr>
-          <a:lstStyle>
-            <a:lvl1pPr marL="342900" indent="-342900" algn="l" defTabSz="457200" rtl="0" eaLnBrk="1" latinLnBrk="0" hangingPunct="1">
-              <a:spcBef>
-                <a:spcPct val="20000"/>
-              </a:spcBef>
-              <a:buFont typeface="Arial"/>
-              <a:buChar char="•"/>
-              <a:defRPr sz="3200" kern="1200">
-                <a:solidFill>
-                  <a:schemeClr val="tx1"/>
-                </a:solidFill>
-                <a:latin typeface="+mn-lt"/>
-                <a:ea typeface="+mn-ea"/>
-                <a:cs typeface="+mn-cs"/>
-              </a:defRPr>
-            </a:lvl1pPr>
-            <a:lvl2pPr marL="742950" indent="-285750" algn="l" defTabSz="457200" rtl="0" eaLnBrk="1" latinLnBrk="0" hangingPunct="1">
-              <a:spcBef>
-                <a:spcPct val="20000"/>
-              </a:spcBef>
-              <a:buFont typeface="Arial"/>
-              <a:buChar char="–"/>
-              <a:defRPr sz="2800" kern="1200">
-                <a:solidFill>
-                  <a:schemeClr val="tx1"/>
-                </a:solidFill>
-                <a:latin typeface="+mn-lt"/>
-                <a:ea typeface="+mn-ea"/>
-                <a:cs typeface="+mn-cs"/>
-              </a:defRPr>
-            </a:lvl2pPr>
-            <a:lvl3pPr marL="1143000" indent="-228600" algn="l" defTabSz="457200" rtl="0" eaLnBrk="1" latinLnBrk="0" hangingPunct="1">
-              <a:spcBef>
-                <a:spcPct val="20000"/>
-              </a:spcBef>
-              <a:buFont typeface="Arial"/>
-              <a:buChar char="•"/>
-              <a:defRPr sz="2400" kern="1200">
-                <a:solidFill>
-                  <a:schemeClr val="tx1"/>
-                </a:solidFill>
-                <a:latin typeface="+mn-lt"/>
-                <a:ea typeface="+mn-ea"/>
-                <a:cs typeface="+mn-cs"/>
-              </a:defRPr>
-            </a:lvl3pPr>
-            <a:lvl4pPr marL="1600200" indent="-228600" algn="l" defTabSz="457200" rtl="0" eaLnBrk="1" latinLnBrk="0" hangingPunct="1">
-              <a:spcBef>
-                <a:spcPct val="20000"/>
-              </a:spcBef>
-              <a:buFont typeface="Arial"/>
-              <a:buChar char="–"/>
-              <a:defRPr sz="2000" kern="1200">
-                <a:solidFill>
-                  <a:schemeClr val="tx1"/>
-                </a:solidFill>
-                <a:latin typeface="+mn-lt"/>
-                <a:ea typeface="+mn-ea"/>
-                <a:cs typeface="+mn-cs"/>
-              </a:defRPr>
-            </a:lvl4pPr>
-            <a:lvl5pPr marL="2057400" indent="-228600" algn="l" defTabSz="457200" rtl="0" eaLnBrk="1" latinLnBrk="0" hangingPunct="1">
-              <a:spcBef>
-                <a:spcPct val="20000"/>
-              </a:spcBef>
-              <a:buFont typeface="Arial"/>
-              <a:buChar char="»"/>
-              <a:defRPr sz="2000" kern="1200">
-                <a:solidFill>
-                  <a:schemeClr val="tx1"/>
-                </a:solidFill>
-                <a:latin typeface="+mn-lt"/>
-                <a:ea typeface="+mn-ea"/>
-                <a:cs typeface="+mn-cs"/>
-              </a:defRPr>
-            </a:lvl5pPr>
-            <a:lvl6pPr marL="2514600" indent="-228600" algn="l" defTabSz="457200" rtl="0" eaLnBrk="1" latinLnBrk="0" hangingPunct="1">
-              <a:spcBef>
-                <a:spcPct val="20000"/>
-              </a:spcBef>
-              <a:buFont typeface="Arial"/>
-              <a:buChar char="•"/>
-              <a:defRPr sz="2000" kern="1200">
-                <a:solidFill>
-                  <a:schemeClr val="tx1"/>
-                </a:solidFill>
-                <a:latin typeface="+mn-lt"/>
-                <a:ea typeface="+mn-ea"/>
-                <a:cs typeface="+mn-cs"/>
-              </a:defRPr>
-            </a:lvl6pPr>
-            <a:lvl7pPr marL="2971800" indent="-228600" algn="l" defTabSz="457200" rtl="0" eaLnBrk="1" latinLnBrk="0" hangingPunct="1">
-              <a:spcBef>
-                <a:spcPct val="20000"/>
-              </a:spcBef>
-              <a:buFont typeface="Arial"/>
-              <a:buChar char="•"/>
-              <a:defRPr sz="2000" kern="1200">
-                <a:solidFill>
-                  <a:schemeClr val="tx1"/>
-                </a:solidFill>
-                <a:latin typeface="+mn-lt"/>
-                <a:ea typeface="+mn-ea"/>
-                <a:cs typeface="+mn-cs"/>
-              </a:defRPr>
-            </a:lvl7pPr>
-            <a:lvl8pPr marL="3429000" indent="-228600" algn="l" defTabSz="457200" rtl="0" eaLnBrk="1" latinLnBrk="0" hangingPunct="1">
-              <a:spcBef>
-                <a:spcPct val="20000"/>
-              </a:spcBef>
-              <a:buFont typeface="Arial"/>
-              <a:buChar char="•"/>
-              <a:defRPr sz="2000" kern="1200">
-                <a:solidFill>
-                  <a:schemeClr val="tx1"/>
-                </a:solidFill>
-                <a:latin typeface="+mn-lt"/>
-                <a:ea typeface="+mn-ea"/>
-                <a:cs typeface="+mn-cs"/>
-              </a:defRPr>
-            </a:lvl8pPr>
-            <a:lvl9pPr marL="3886200" indent="-228600" algn="l" defTabSz="457200" rtl="0" eaLnBrk="1" latinLnBrk="0" hangingPunct="1">
-              <a:spcBef>
-                <a:spcPct val="20000"/>
-              </a:spcBef>
-              <a:buFont typeface="Arial"/>
-              <a:buChar char="•"/>
-              <a:defRPr sz="2000" kern="1200">
-                <a:solidFill>
-                  <a:schemeClr val="tx1"/>
-                </a:solidFill>
-                <a:latin typeface="+mn-lt"/>
-                <a:ea typeface="+mn-ea"/>
-                <a:cs typeface="+mn-cs"/>
-              </a:defRPr>
-            </a:lvl9pPr>
-          </a:lstStyle>
-          <a:p>
-            <a:pPr marL="0" indent="0">
-              <a:buNone/>
-            </a:pPr>
-            <a:r>
-              <a:rPr lang="fr-FR" sz="2000" dirty="0" smtClean="0">
-                <a:solidFill>
-                  <a:schemeClr val="tx2"/>
-                </a:solidFill>
-                <a:latin typeface="Lato Regular"/>
-                <a:cs typeface="Lato Regular"/>
-              </a:rPr>
-              <a:t>Mutation </a:t>
-            </a:r>
-            <a:r>
-              <a:rPr lang="fr-FR" sz="2000" dirty="0" err="1" smtClean="0">
-                <a:solidFill>
-                  <a:schemeClr val="tx2"/>
-                </a:solidFill>
-                <a:latin typeface="Lato Regular"/>
-                <a:cs typeface="Lato Regular"/>
-              </a:rPr>
-              <a:t>testing</a:t>
-            </a:r>
-            <a:endParaRPr lang="fr-FR" sz="2000" dirty="0" smtClean="0">
-              <a:solidFill>
-                <a:schemeClr val="tx2"/>
-              </a:solidFill>
-              <a:latin typeface="Lato Regular"/>
-              <a:cs typeface="Lato Regular"/>
-            </a:endParaRPr>
-          </a:p>
-          <a:p>
-            <a:pPr marL="457200" indent="-457200">
-              <a:buFont typeface="+mj-lt"/>
-              <a:buAutoNum type="arabicPeriod"/>
-            </a:pPr>
-            <a:r>
-              <a:rPr lang="fr-FR" sz="2000" dirty="0" smtClean="0">
-                <a:solidFill>
-                  <a:schemeClr val="tx2"/>
-                </a:solidFill>
-                <a:latin typeface="Lato Light" panose="020F0502020204030203" pitchFamily="34" charset="0"/>
-                <a:ea typeface="Lato Light" panose="020F0502020204030203" pitchFamily="34" charset="0"/>
-                <a:cs typeface="Lato Light" panose="020F0502020204030203" pitchFamily="34" charset="0"/>
-              </a:rPr>
-              <a:t>Des mutations sont générées dans votre code source</a:t>
-            </a:r>
-          </a:p>
-          <a:p>
-            <a:pPr marL="457200" indent="-457200">
-              <a:buFont typeface="+mj-lt"/>
-              <a:buAutoNum type="arabicPeriod"/>
-            </a:pPr>
-            <a:r>
-              <a:rPr lang="fr-FR" sz="2000" dirty="0" smtClean="0">
-                <a:solidFill>
-                  <a:schemeClr val="tx2"/>
-                </a:solidFill>
-                <a:latin typeface="Lato Light" panose="020F0502020204030203" pitchFamily="34" charset="0"/>
-                <a:ea typeface="Lato Light" panose="020F0502020204030203" pitchFamily="34" charset="0"/>
-                <a:cs typeface="Lato Light" panose="020F0502020204030203" pitchFamily="34" charset="0"/>
-              </a:rPr>
-              <a:t>Vos tests sont lancés</a:t>
-            </a:r>
-          </a:p>
-          <a:p>
-            <a:pPr marL="457200" indent="-457200">
-              <a:buFont typeface="+mj-lt"/>
-              <a:buAutoNum type="arabicPeriod"/>
-            </a:pPr>
-            <a:r>
-              <a:rPr lang="fr-FR" sz="2000" b="1" dirty="0" smtClean="0">
-                <a:solidFill>
-                  <a:schemeClr val="accent6">
-                    <a:lumMod val="75000"/>
-                  </a:schemeClr>
-                </a:solidFill>
-                <a:latin typeface="Lato Light" panose="020F0502020204030203" pitchFamily="34" charset="0"/>
-                <a:ea typeface="Lato Light" panose="020F0502020204030203" pitchFamily="34" charset="0"/>
-                <a:cs typeface="Lato Light" panose="020F0502020204030203" pitchFamily="34" charset="0"/>
-              </a:rPr>
-              <a:t>Si vos tests ne passent pas (alors qu’ils passaient avant), alors le mutant est « tué » </a:t>
-            </a:r>
-          </a:p>
-          <a:p>
-            <a:pPr marL="457200" indent="-457200">
-              <a:buFont typeface="+mj-lt"/>
-              <a:buAutoNum type="arabicPeriod"/>
-            </a:pPr>
-            <a:r>
-              <a:rPr lang="fr-FR" sz="2000" b="1" dirty="0" smtClean="0">
-                <a:solidFill>
-                  <a:srgbClr val="C00000"/>
-                </a:solidFill>
-                <a:latin typeface="Lato Light" panose="020F0502020204030203" pitchFamily="34" charset="0"/>
-                <a:ea typeface="Lato Light" panose="020F0502020204030203" pitchFamily="34" charset="0"/>
-                <a:cs typeface="Lato Light" panose="020F0502020204030203" pitchFamily="34" charset="0"/>
-              </a:rPr>
-              <a:t>Si vos tests passent, le mutant survit.</a:t>
-            </a:r>
-          </a:p>
-          <a:p>
-            <a:pPr marL="0" indent="0">
-              <a:buNone/>
-            </a:pPr>
-            <a:endParaRPr lang="en-US" sz="2000" dirty="0">
-              <a:solidFill>
-                <a:schemeClr val="tx2"/>
-              </a:solidFill>
-              <a:latin typeface="Lato Light" panose="020F0502020204030203" pitchFamily="34" charset="0"/>
-              <a:ea typeface="Lato Light" panose="020F0502020204030203" pitchFamily="34" charset="0"/>
-              <a:cs typeface="Lato Light" panose="020F0502020204030203" pitchFamily="34" charset="0"/>
-            </a:endParaRPr>
-          </a:p>
-          <a:p>
-            <a:pPr marL="0" indent="0">
-              <a:buNone/>
-            </a:pPr>
-            <a:r>
-              <a:rPr lang="en-US" sz="2000" dirty="0" smtClean="0">
-                <a:solidFill>
-                  <a:schemeClr val="tx2"/>
-                </a:solidFill>
-                <a:latin typeface="Lato Regular" panose="020F0502020204030203" pitchFamily="34" charset="0"/>
-                <a:ea typeface="Lato Regular" panose="020F0502020204030203" pitchFamily="34" charset="0"/>
-                <a:cs typeface="Lato Regular" panose="020F0502020204030203" pitchFamily="34" charset="0"/>
-              </a:rPr>
-              <a:t>La </a:t>
-            </a:r>
-            <a:r>
-              <a:rPr lang="en-US" sz="2000" dirty="0" err="1" smtClean="0">
-                <a:solidFill>
-                  <a:schemeClr val="tx2"/>
-                </a:solidFill>
-                <a:latin typeface="Lato Regular" panose="020F0502020204030203" pitchFamily="34" charset="0"/>
-                <a:ea typeface="Lato Regular" panose="020F0502020204030203" pitchFamily="34" charset="0"/>
-                <a:cs typeface="Lato Regular" panose="020F0502020204030203" pitchFamily="34" charset="0"/>
-              </a:rPr>
-              <a:t>qualité</a:t>
-            </a:r>
-            <a:r>
-              <a:rPr lang="en-US" sz="2000" dirty="0" smtClean="0">
-                <a:solidFill>
-                  <a:schemeClr val="tx2"/>
-                </a:solidFill>
-                <a:latin typeface="Lato Regular" panose="020F0502020204030203" pitchFamily="34" charset="0"/>
-                <a:ea typeface="Lato Regular" panose="020F0502020204030203" pitchFamily="34" charset="0"/>
-                <a:cs typeface="Lato Regular" panose="020F0502020204030203" pitchFamily="34" charset="0"/>
-              </a:rPr>
-              <a:t> de </a:t>
-            </a:r>
-            <a:r>
-              <a:rPr lang="en-US" sz="2000" dirty="0" err="1" smtClean="0">
-                <a:solidFill>
-                  <a:schemeClr val="tx2"/>
-                </a:solidFill>
-                <a:latin typeface="Lato Regular" panose="020F0502020204030203" pitchFamily="34" charset="0"/>
-                <a:ea typeface="Lato Regular" panose="020F0502020204030203" pitchFamily="34" charset="0"/>
-                <a:cs typeface="Lato Regular" panose="020F0502020204030203" pitchFamily="34" charset="0"/>
-              </a:rPr>
-              <a:t>vos</a:t>
-            </a:r>
-            <a:r>
-              <a:rPr lang="en-US" sz="2000" dirty="0" smtClean="0">
-                <a:solidFill>
-                  <a:schemeClr val="tx2"/>
-                </a:solidFill>
-                <a:latin typeface="Lato Regular" panose="020F0502020204030203" pitchFamily="34" charset="0"/>
-                <a:ea typeface="Lato Regular" panose="020F0502020204030203" pitchFamily="34" charset="0"/>
-                <a:cs typeface="Lato Regular" panose="020F0502020204030203" pitchFamily="34" charset="0"/>
-              </a:rPr>
-              <a:t> tests </a:t>
-            </a:r>
-            <a:r>
-              <a:rPr lang="en-US" sz="2000" dirty="0" err="1" smtClean="0">
-                <a:solidFill>
-                  <a:schemeClr val="tx2"/>
-                </a:solidFill>
-                <a:latin typeface="Lato Regular" panose="020F0502020204030203" pitchFamily="34" charset="0"/>
-                <a:ea typeface="Lato Regular" panose="020F0502020204030203" pitchFamily="34" charset="0"/>
-                <a:cs typeface="Lato Regular" panose="020F0502020204030203" pitchFamily="34" charset="0"/>
-              </a:rPr>
-              <a:t>peut</a:t>
-            </a:r>
-            <a:r>
-              <a:rPr lang="en-US" sz="2000" dirty="0" smtClean="0">
-                <a:solidFill>
-                  <a:schemeClr val="tx2"/>
-                </a:solidFill>
-                <a:latin typeface="Lato Regular" panose="020F0502020204030203" pitchFamily="34" charset="0"/>
-                <a:ea typeface="Lato Regular" panose="020F0502020204030203" pitchFamily="34" charset="0"/>
-                <a:cs typeface="Lato Regular" panose="020F0502020204030203" pitchFamily="34" charset="0"/>
-              </a:rPr>
-              <a:t> </a:t>
-            </a:r>
-            <a:r>
-              <a:rPr lang="en-US" sz="2000" dirty="0" err="1" smtClean="0">
-                <a:solidFill>
-                  <a:schemeClr val="tx2"/>
-                </a:solidFill>
-                <a:latin typeface="Lato Regular" panose="020F0502020204030203" pitchFamily="34" charset="0"/>
-                <a:ea typeface="Lato Regular" panose="020F0502020204030203" pitchFamily="34" charset="0"/>
-                <a:cs typeface="Lato Regular" panose="020F0502020204030203" pitchFamily="34" charset="0"/>
-              </a:rPr>
-              <a:t>être</a:t>
-            </a:r>
-            <a:r>
-              <a:rPr lang="en-US" sz="2000" dirty="0" smtClean="0">
-                <a:solidFill>
-                  <a:schemeClr val="tx2"/>
-                </a:solidFill>
-                <a:latin typeface="Lato Regular" panose="020F0502020204030203" pitchFamily="34" charset="0"/>
-                <a:ea typeface="Lato Regular" panose="020F0502020204030203" pitchFamily="34" charset="0"/>
-                <a:cs typeface="Lato Regular" panose="020F0502020204030203" pitchFamily="34" charset="0"/>
-              </a:rPr>
-              <a:t> </a:t>
-            </a:r>
-            <a:r>
-              <a:rPr lang="en-US" sz="2000" dirty="0" err="1" smtClean="0">
-                <a:solidFill>
-                  <a:schemeClr val="tx2"/>
-                </a:solidFill>
-                <a:latin typeface="Lato Regular" panose="020F0502020204030203" pitchFamily="34" charset="0"/>
-                <a:ea typeface="Lato Regular" panose="020F0502020204030203" pitchFamily="34" charset="0"/>
-                <a:cs typeface="Lato Regular" panose="020F0502020204030203" pitchFamily="34" charset="0"/>
-              </a:rPr>
-              <a:t>jugée</a:t>
-            </a:r>
-            <a:r>
-              <a:rPr lang="en-US" sz="2000" dirty="0" smtClean="0">
-                <a:solidFill>
-                  <a:schemeClr val="tx2"/>
-                </a:solidFill>
-                <a:latin typeface="Lato Regular" panose="020F0502020204030203" pitchFamily="34" charset="0"/>
-                <a:ea typeface="Lato Regular" panose="020F0502020204030203" pitchFamily="34" charset="0"/>
-                <a:cs typeface="Lato Regular" panose="020F0502020204030203" pitchFamily="34" charset="0"/>
-              </a:rPr>
-              <a:t> au regard du </a:t>
-            </a:r>
-            <a:r>
-              <a:rPr lang="en-US" sz="2000" dirty="0" err="1" smtClean="0">
-                <a:solidFill>
-                  <a:schemeClr val="tx2"/>
-                </a:solidFill>
-                <a:latin typeface="Lato Regular" panose="020F0502020204030203" pitchFamily="34" charset="0"/>
-                <a:ea typeface="Lato Regular" panose="020F0502020204030203" pitchFamily="34" charset="0"/>
-                <a:cs typeface="Lato Regular" panose="020F0502020204030203" pitchFamily="34" charset="0"/>
-              </a:rPr>
-              <a:t>pourcentage</a:t>
-            </a:r>
-            <a:r>
-              <a:rPr lang="en-US" sz="2000" dirty="0" smtClean="0">
-                <a:solidFill>
-                  <a:schemeClr val="tx2"/>
-                </a:solidFill>
-                <a:latin typeface="Lato Regular" panose="020F0502020204030203" pitchFamily="34" charset="0"/>
-                <a:ea typeface="Lato Regular" panose="020F0502020204030203" pitchFamily="34" charset="0"/>
-                <a:cs typeface="Lato Regular" panose="020F0502020204030203" pitchFamily="34" charset="0"/>
-              </a:rPr>
-              <a:t> de mutants </a:t>
-            </a:r>
-            <a:r>
-              <a:rPr lang="en-US" sz="2000" dirty="0" err="1" smtClean="0">
-                <a:solidFill>
-                  <a:schemeClr val="tx2"/>
-                </a:solidFill>
-                <a:latin typeface="Lato Regular" panose="020F0502020204030203" pitchFamily="34" charset="0"/>
-                <a:ea typeface="Lato Regular" panose="020F0502020204030203" pitchFamily="34" charset="0"/>
-                <a:cs typeface="Lato Regular" panose="020F0502020204030203" pitchFamily="34" charset="0"/>
-              </a:rPr>
-              <a:t>tués</a:t>
-            </a:r>
-            <a:r>
-              <a:rPr lang="en-US" sz="2000" dirty="0" smtClean="0">
-                <a:solidFill>
-                  <a:schemeClr val="tx2"/>
-                </a:solidFill>
-                <a:latin typeface="Lato Regular" panose="020F0502020204030203" pitchFamily="34" charset="0"/>
-                <a:ea typeface="Lato Regular" panose="020F0502020204030203" pitchFamily="34" charset="0"/>
-                <a:cs typeface="Lato Regular" panose="020F0502020204030203" pitchFamily="34" charset="0"/>
-              </a:rPr>
-              <a:t>.</a:t>
-            </a:r>
-            <a:endParaRPr lang="fr-FR" sz="1600" dirty="0">
-              <a:solidFill>
-                <a:schemeClr val="tx2"/>
-              </a:solidFill>
-              <a:latin typeface="Lato Regular" panose="020F0502020204030203" pitchFamily="34" charset="0"/>
-              <a:ea typeface="Lato Regular" panose="020F0502020204030203" pitchFamily="34" charset="0"/>
-              <a:cs typeface="Lato Regular" panose="020F0502020204030203" pitchFamily="34" charset="0"/>
-            </a:endParaRPr>
-          </a:p>
-        </p:txBody>
-      </p:sp>
-    </p:spTree>
-    <p:extLst>
-      <p:ext uri="{BB962C8B-B14F-4D97-AF65-F5344CB8AC3E}">
-        <p14:creationId xmlns:p14="http://schemas.microsoft.com/office/powerpoint/2010/main" val="47699233"/>
-      </p:ext>
-    </p:extLst>
-  </p:cSld>
-  <p:clrMapOvr>
-    <a:masterClrMapping/>
-  </p:clrMapOvr>
-  <p:timing>
-    <p:tnLst>
-      <p:par>
-        <p:cTn id="1" dur="indefinite" restart="never" nodeType="tmRoot">
-          <p:childTnLst>
-            <p:seq concurrent="1" nextAc="seek">
-              <p:cTn id="2" dur="indefinite" nodeType="mainSeq">
-                <p:childTnLst>
-                  <p:par>
-                    <p:cTn id="3" fill="hold">
-                      <p:stCondLst>
-                        <p:cond delay="indefinite"/>
-                        <p:cond evt="onBegin" delay="0">
-                          <p:tn val="2"/>
-                        </p:cond>
-                      </p:stCondLst>
-                      <p:childTnLst>
-                        <p:par>
-                          <p:cTn id="4" fill="hold">
-                            <p:stCondLst>
-                              <p:cond delay="0"/>
-                            </p:stCondLst>
-                            <p:childTnLst>
-                              <p:par>
-                                <p:cTn id="5" presetID="10" presetClass="entr" presetSubtype="0" fill="hold" nodeType="withEffect">
-                                  <p:stCondLst>
-                                    <p:cond delay="0"/>
-                                  </p:stCondLst>
-                                  <p:childTnLst>
-                                    <p:set>
-                                      <p:cBhvr>
-                                        <p:cTn id="6" dur="1" fill="hold">
-                                          <p:stCondLst>
-                                            <p:cond delay="0"/>
-                                          </p:stCondLst>
-                                        </p:cTn>
-                                        <p:tgtEl>
-                                          <p:spTgt spid="43"/>
-                                        </p:tgtEl>
-                                        <p:attrNameLst>
-                                          <p:attrName>style.visibility</p:attrName>
-                                        </p:attrNameLst>
-                                      </p:cBhvr>
-                                      <p:to>
-                                        <p:strVal val="visible"/>
-                                      </p:to>
-                                    </p:set>
-                                    <p:animEffect transition="in" filter="fade">
-                                      <p:cBhvr>
-                                        <p:cTn id="7" dur="500"/>
-                                        <p:tgtEl>
-                                          <p:spTgt spid="43"/>
-                                        </p:tgtEl>
-                                      </p:cBhvr>
-                                    </p:animEffect>
-                                  </p:childTnLst>
-                                </p:cTn>
-                              </p:par>
-                            </p:childTnLst>
-                          </p:cTn>
-                        </p:par>
-                      </p:childTnLst>
-                    </p:cTn>
-                  </p:par>
-                </p:childTnLst>
-              </p:cTn>
-              <p:prevCondLst>
-                <p:cond evt="onPrev" delay="0">
-                  <p:tgtEl>
-                    <p:sldTgt/>
-                  </p:tgtEl>
-                </p:cond>
-              </p:prevCondLst>
-              <p:nextCondLst>
-                <p:cond evt="onNext" delay="0">
-                  <p:tgtEl>
-                    <p:sldTgt/>
-                  </p:tgtEl>
-                </p:cond>
-              </p:nextCondLst>
-            </p:seq>
-          </p:childTnLst>
-        </p:cTn>
       </p:par>
     </p:tnLst>
   </p:timing>

--- a/Hands-On -Chaos - SLIDES.pptx
+++ b/Hands-On -Chaos - SLIDES.pptx
@@ -292,7 +292,7 @@
           <a:p>
             <a:fld id="{BCD16842-9240-4F97-A128-A3FC2E90277F}" type="datetimeFigureOut">
               <a:rPr lang="fr-FR" smtClean="0"/>
-              <a:t>18/01/2020</a:t>
+              <a:t>22/01/2020</a:t>
             </a:fld>
             <a:endParaRPr lang="fr-FR"/>
           </a:p>
@@ -457,7 +457,7 @@
           <a:p>
             <a:fld id="{066C0EB5-041C-4328-9080-E341B2C6238F}" type="datetimeFigureOut">
               <a:rPr lang="fr-FR" smtClean="0"/>
-              <a:t>18/01/2020</a:t>
+              <a:t>22/01/2020</a:t>
             </a:fld>
             <a:endParaRPr lang="fr-FR"/>
           </a:p>
@@ -521,38 +521,37 @@
           <a:p>
             <a:pPr lvl="0"/>
             <a:r>
-              <a:rPr lang="fr-FR" smtClean="0"/>
+              <a:rPr lang="fr-FR"/>
               <a:t>Modifier les styles du texte du masque</a:t>
             </a:r>
           </a:p>
           <a:p>
             <a:pPr lvl="1"/>
             <a:r>
-              <a:rPr lang="fr-FR" smtClean="0"/>
+              <a:rPr lang="fr-FR"/>
               <a:t>Deuxième niveau</a:t>
             </a:r>
           </a:p>
           <a:p>
             <a:pPr lvl="2"/>
             <a:r>
-              <a:rPr lang="fr-FR" smtClean="0"/>
+              <a:rPr lang="fr-FR"/>
               <a:t>Troisième niveau</a:t>
             </a:r>
           </a:p>
           <a:p>
             <a:pPr lvl="3"/>
             <a:r>
-              <a:rPr lang="fr-FR" smtClean="0"/>
+              <a:rPr lang="fr-FR"/>
               <a:t>Quatrième niveau</a:t>
             </a:r>
           </a:p>
           <a:p>
             <a:pPr lvl="4"/>
             <a:r>
-              <a:rPr lang="fr-FR" smtClean="0"/>
+              <a:rPr lang="fr-FR"/>
               <a:t>Cinquième niveau</a:t>
             </a:r>
-            <a:endParaRPr lang="fr-FR"/>
           </a:p>
         </p:txBody>
       </p:sp>
@@ -773,25 +772,18 @@
               <a:rPr lang="fr-FR" dirty="0">
                 <a:hlinkClick r:id="rId3"/>
               </a:rPr>
-              <a:t>https://</a:t>
-            </a:r>
-            <a:r>
-              <a:rPr lang="fr-FR" dirty="0" smtClean="0">
-                <a:hlinkClick r:id="rId3"/>
-              </a:rPr>
-              <a:t>assistant-us-south.watsonplatform.net/eu-gb/000c8e94-bdeb-4038-adb8-f6c3132eb7b6/workspaces/ed0bdd7c-aff6-4a08-ab19-0c529ae2d11a/build/intents</a:t>
-            </a:r>
-            <a:r>
-              <a:rPr lang="fr-FR" dirty="0" smtClean="0"/>
+              <a:t>https://assistant-us-south.watsonplatform.net/eu-gb/000c8e94-bdeb-4038-adb8-f6c3132eb7b6/workspaces/ed0bdd7c-aff6-4a08-ab19-0c529ae2d11a/build/intents</a:t>
+            </a:r>
+            <a:r>
+              <a:rPr lang="fr-FR" dirty="0"/>
               <a:t> </a:t>
             </a:r>
           </a:p>
           <a:p>
             <a:r>
-              <a:rPr lang="fr-FR" dirty="0" smtClean="0"/>
+              <a:rPr lang="fr-FR" dirty="0"/>
               <a:t>Alors Polo on se connecte à IBM ? ? ?</a:t>
             </a:r>
-            <a:endParaRPr lang="fr-FR" dirty="0"/>
           </a:p>
         </p:txBody>
       </p:sp>
@@ -876,109 +868,109 @@
           <a:lstStyle/>
           <a:p>
             <a:r>
-              <a:rPr lang="fr-FR" dirty="0" smtClean="0"/>
+              <a:rPr lang="fr-FR" dirty="0"/>
               <a:t>Chaos</a:t>
             </a:r>
             <a:r>
-              <a:rPr lang="fr-FR" baseline="0" dirty="0" smtClean="0"/>
+              <a:rPr lang="fr-FR" baseline="0" dirty="0"/>
               <a:t> </a:t>
             </a:r>
             <a:r>
-              <a:rPr lang="fr-FR" baseline="0" dirty="0" err="1" smtClean="0"/>
+              <a:rPr lang="fr-FR" baseline="0" dirty="0" err="1"/>
               <a:t>monkey</a:t>
             </a:r>
             <a:r>
-              <a:rPr lang="fr-FR" baseline="0" dirty="0" smtClean="0"/>
+              <a:rPr lang="fr-FR" baseline="0" dirty="0"/>
               <a:t> : outil </a:t>
             </a:r>
             <a:r>
-              <a:rPr lang="fr-FR" baseline="0" dirty="0" err="1" smtClean="0"/>
+              <a:rPr lang="fr-FR" baseline="0" dirty="0" err="1"/>
               <a:t>netflix</a:t>
             </a:r>
             <a:r>
-              <a:rPr lang="fr-FR" baseline="0" dirty="0" smtClean="0"/>
+              <a:rPr lang="fr-FR" baseline="0" dirty="0"/>
               <a:t> pour tester la résilience</a:t>
             </a:r>
           </a:p>
           <a:p>
             <a:r>
-              <a:rPr lang="fr-FR" baseline="0" dirty="0" smtClean="0"/>
+              <a:rPr lang="fr-FR" baseline="0" dirty="0"/>
               <a:t>Si une appli fonctionne avec des pannes </a:t>
             </a:r>
             <a:r>
-              <a:rPr lang="fr-FR" baseline="0" dirty="0" err="1" smtClean="0"/>
+              <a:rPr lang="fr-FR" baseline="0" dirty="0" err="1"/>
               <a:t>aleatoire</a:t>
             </a:r>
             <a:r>
-              <a:rPr lang="fr-FR" baseline="0" dirty="0" smtClean="0"/>
+              <a:rPr lang="fr-FR" baseline="0" dirty="0"/>
               <a:t>, elle fonctionnera le jour ou une vrai panne arrivera</a:t>
             </a:r>
           </a:p>
           <a:p>
             <a:r>
-              <a:rPr lang="fr-FR" baseline="0" dirty="0" err="1" smtClean="0"/>
+              <a:rPr lang="fr-FR" baseline="0" dirty="0" err="1"/>
               <a:t>Ajd</a:t>
             </a:r>
             <a:r>
-              <a:rPr lang="fr-FR" baseline="0" dirty="0" smtClean="0"/>
+              <a:rPr lang="fr-FR" baseline="0" dirty="0"/>
               <a:t>, les applis vont forcement tomber en panne</a:t>
             </a:r>
           </a:p>
           <a:p>
             <a:r>
-              <a:rPr lang="fr-FR" baseline="0" dirty="0" smtClean="0"/>
+              <a:rPr lang="fr-FR" baseline="0" dirty="0"/>
               <a:t>Utiliser en </a:t>
             </a:r>
             <a:r>
-              <a:rPr lang="fr-FR" baseline="0" dirty="0" err="1" smtClean="0"/>
+              <a:rPr lang="fr-FR" baseline="0" dirty="0" err="1"/>
               <a:t>prod</a:t>
             </a:r>
             <a:r>
-              <a:rPr lang="fr-FR" baseline="0" dirty="0" smtClean="0"/>
+              <a:rPr lang="fr-FR" baseline="0" dirty="0"/>
               <a:t> chez </a:t>
             </a:r>
             <a:r>
-              <a:rPr lang="fr-FR" baseline="0" dirty="0" err="1" smtClean="0"/>
+              <a:rPr lang="fr-FR" baseline="0" dirty="0" err="1"/>
               <a:t>neflix</a:t>
             </a:r>
-            <a:endParaRPr lang="fr-FR" baseline="0" dirty="0" smtClean="0"/>
-          </a:p>
-          <a:p>
-            <a:endParaRPr lang="fr-FR" baseline="0" dirty="0" smtClean="0"/>
-          </a:p>
-          <a:p>
-            <a:r>
-              <a:rPr lang="fr-FR" baseline="0" dirty="0" err="1" smtClean="0"/>
+            <a:endParaRPr lang="fr-FR" baseline="0" dirty="0"/>
+          </a:p>
+          <a:p>
+            <a:endParaRPr lang="fr-FR" baseline="0" dirty="0"/>
+          </a:p>
+          <a:p>
+            <a:r>
+              <a:rPr lang="fr-FR" baseline="0" dirty="0" err="1"/>
               <a:t>Gatling</a:t>
             </a:r>
             <a:r>
-              <a:rPr lang="fr-FR" baseline="0" dirty="0" smtClean="0"/>
+              <a:rPr lang="fr-FR" baseline="0" dirty="0"/>
               <a:t>:</a:t>
             </a:r>
           </a:p>
           <a:p>
             <a:r>
-              <a:rPr lang="fr-FR" baseline="0" dirty="0" smtClean="0"/>
+              <a:rPr lang="fr-FR" baseline="0" dirty="0"/>
               <a:t>Outil open source test de charge et de performance</a:t>
             </a:r>
           </a:p>
           <a:p>
             <a:r>
-              <a:rPr lang="fr-FR" baseline="0" dirty="0" err="1" smtClean="0"/>
+              <a:rPr lang="fr-FR" baseline="0" dirty="0" err="1"/>
               <a:t>Repository</a:t>
             </a:r>
             <a:r>
-              <a:rPr lang="fr-FR" baseline="0" dirty="0" smtClean="0"/>
+              <a:rPr lang="fr-FR" baseline="0" dirty="0"/>
               <a:t>  starter disponible sur </a:t>
             </a:r>
             <a:r>
-              <a:rPr lang="fr-FR" baseline="0" dirty="0" err="1" smtClean="0"/>
+              <a:rPr lang="fr-FR" baseline="0" dirty="0" err="1"/>
               <a:t>github</a:t>
             </a:r>
-            <a:endParaRPr lang="fr-FR" baseline="0" dirty="0" smtClean="0"/>
-          </a:p>
-          <a:p>
-            <a:endParaRPr lang="fr-FR" baseline="0" dirty="0" smtClean="0"/>
+            <a:endParaRPr lang="fr-FR" baseline="0" dirty="0"/>
+          </a:p>
+          <a:p>
+            <a:endParaRPr lang="fr-FR" baseline="0" dirty="0"/>
           </a:p>
           <a:p>
             <a:endParaRPr lang="fr-FR" dirty="0"/>
@@ -1066,109 +1058,109 @@
           <a:lstStyle/>
           <a:p>
             <a:r>
-              <a:rPr lang="fr-FR" dirty="0" smtClean="0"/>
+              <a:rPr lang="fr-FR" dirty="0"/>
               <a:t>Chaos</a:t>
             </a:r>
             <a:r>
-              <a:rPr lang="fr-FR" baseline="0" dirty="0" smtClean="0"/>
+              <a:rPr lang="fr-FR" baseline="0" dirty="0"/>
               <a:t> </a:t>
             </a:r>
             <a:r>
-              <a:rPr lang="fr-FR" baseline="0" dirty="0" err="1" smtClean="0"/>
+              <a:rPr lang="fr-FR" baseline="0" dirty="0" err="1"/>
               <a:t>monkey</a:t>
             </a:r>
             <a:r>
-              <a:rPr lang="fr-FR" baseline="0" dirty="0" smtClean="0"/>
+              <a:rPr lang="fr-FR" baseline="0" dirty="0"/>
               <a:t> : outil </a:t>
             </a:r>
             <a:r>
-              <a:rPr lang="fr-FR" baseline="0" dirty="0" err="1" smtClean="0"/>
+              <a:rPr lang="fr-FR" baseline="0" dirty="0" err="1"/>
               <a:t>netflix</a:t>
             </a:r>
             <a:r>
-              <a:rPr lang="fr-FR" baseline="0" dirty="0" smtClean="0"/>
+              <a:rPr lang="fr-FR" baseline="0" dirty="0"/>
               <a:t> pour tester la résilience</a:t>
             </a:r>
           </a:p>
           <a:p>
             <a:r>
-              <a:rPr lang="fr-FR" baseline="0" dirty="0" smtClean="0"/>
+              <a:rPr lang="fr-FR" baseline="0" dirty="0"/>
               <a:t>Si une appli fonctionne avec des pannes </a:t>
             </a:r>
             <a:r>
-              <a:rPr lang="fr-FR" baseline="0" dirty="0" err="1" smtClean="0"/>
+              <a:rPr lang="fr-FR" baseline="0" dirty="0" err="1"/>
               <a:t>aleatoire</a:t>
             </a:r>
             <a:r>
-              <a:rPr lang="fr-FR" baseline="0" dirty="0" smtClean="0"/>
+              <a:rPr lang="fr-FR" baseline="0" dirty="0"/>
               <a:t>, elle fonctionnera le jour ou une vrai panne arrivera</a:t>
             </a:r>
           </a:p>
           <a:p>
             <a:r>
-              <a:rPr lang="fr-FR" baseline="0" dirty="0" err="1" smtClean="0"/>
+              <a:rPr lang="fr-FR" baseline="0" dirty="0" err="1"/>
               <a:t>Ajd</a:t>
             </a:r>
             <a:r>
-              <a:rPr lang="fr-FR" baseline="0" dirty="0" smtClean="0"/>
+              <a:rPr lang="fr-FR" baseline="0" dirty="0"/>
               <a:t>, les applis vont forcement tomber en panne</a:t>
             </a:r>
           </a:p>
           <a:p>
             <a:r>
-              <a:rPr lang="fr-FR" baseline="0" dirty="0" smtClean="0"/>
+              <a:rPr lang="fr-FR" baseline="0" dirty="0"/>
               <a:t>Utiliser en </a:t>
             </a:r>
             <a:r>
-              <a:rPr lang="fr-FR" baseline="0" dirty="0" err="1" smtClean="0"/>
+              <a:rPr lang="fr-FR" baseline="0" dirty="0" err="1"/>
               <a:t>prod</a:t>
             </a:r>
             <a:r>
-              <a:rPr lang="fr-FR" baseline="0" dirty="0" smtClean="0"/>
+              <a:rPr lang="fr-FR" baseline="0" dirty="0"/>
               <a:t> chez </a:t>
             </a:r>
             <a:r>
-              <a:rPr lang="fr-FR" baseline="0" dirty="0" err="1" smtClean="0"/>
+              <a:rPr lang="fr-FR" baseline="0" dirty="0" err="1"/>
               <a:t>neflix</a:t>
             </a:r>
-            <a:endParaRPr lang="fr-FR" baseline="0" dirty="0" smtClean="0"/>
-          </a:p>
-          <a:p>
-            <a:endParaRPr lang="fr-FR" baseline="0" dirty="0" smtClean="0"/>
-          </a:p>
-          <a:p>
-            <a:r>
-              <a:rPr lang="fr-FR" baseline="0" dirty="0" err="1" smtClean="0"/>
+            <a:endParaRPr lang="fr-FR" baseline="0" dirty="0"/>
+          </a:p>
+          <a:p>
+            <a:endParaRPr lang="fr-FR" baseline="0" dirty="0"/>
+          </a:p>
+          <a:p>
+            <a:r>
+              <a:rPr lang="fr-FR" baseline="0" dirty="0" err="1"/>
               <a:t>Gatling</a:t>
             </a:r>
             <a:r>
-              <a:rPr lang="fr-FR" baseline="0" dirty="0" smtClean="0"/>
+              <a:rPr lang="fr-FR" baseline="0" dirty="0"/>
               <a:t>:</a:t>
             </a:r>
           </a:p>
           <a:p>
             <a:r>
-              <a:rPr lang="fr-FR" baseline="0" dirty="0" smtClean="0"/>
+              <a:rPr lang="fr-FR" baseline="0" dirty="0"/>
               <a:t>Outil open source test de charge et de performance</a:t>
             </a:r>
           </a:p>
           <a:p>
             <a:r>
-              <a:rPr lang="fr-FR" baseline="0" dirty="0" err="1" smtClean="0"/>
+              <a:rPr lang="fr-FR" baseline="0" dirty="0" err="1"/>
               <a:t>Repository</a:t>
             </a:r>
             <a:r>
-              <a:rPr lang="fr-FR" baseline="0" dirty="0" smtClean="0"/>
+              <a:rPr lang="fr-FR" baseline="0" dirty="0"/>
               <a:t>  starter disponible sur </a:t>
             </a:r>
             <a:r>
-              <a:rPr lang="fr-FR" baseline="0" dirty="0" err="1" smtClean="0"/>
+              <a:rPr lang="fr-FR" baseline="0" dirty="0" err="1"/>
               <a:t>github</a:t>
             </a:r>
-            <a:endParaRPr lang="fr-FR" baseline="0" dirty="0" smtClean="0"/>
-          </a:p>
-          <a:p>
-            <a:endParaRPr lang="fr-FR" baseline="0" dirty="0" smtClean="0"/>
+            <a:endParaRPr lang="fr-FR" baseline="0" dirty="0"/>
+          </a:p>
+          <a:p>
+            <a:endParaRPr lang="fr-FR" baseline="0" dirty="0"/>
           </a:p>
           <a:p>
             <a:endParaRPr lang="fr-FR" dirty="0"/>
@@ -1256,109 +1248,109 @@
           <a:lstStyle/>
           <a:p>
             <a:r>
-              <a:rPr lang="fr-FR" dirty="0" smtClean="0"/>
+              <a:rPr lang="fr-FR" dirty="0"/>
               <a:t>Chaos</a:t>
             </a:r>
             <a:r>
-              <a:rPr lang="fr-FR" baseline="0" dirty="0" smtClean="0"/>
+              <a:rPr lang="fr-FR" baseline="0" dirty="0"/>
               <a:t> </a:t>
             </a:r>
             <a:r>
-              <a:rPr lang="fr-FR" baseline="0" dirty="0" err="1" smtClean="0"/>
+              <a:rPr lang="fr-FR" baseline="0" dirty="0" err="1"/>
               <a:t>monkey</a:t>
             </a:r>
             <a:r>
-              <a:rPr lang="fr-FR" baseline="0" dirty="0" smtClean="0"/>
+              <a:rPr lang="fr-FR" baseline="0" dirty="0"/>
               <a:t> : outil </a:t>
             </a:r>
             <a:r>
-              <a:rPr lang="fr-FR" baseline="0" dirty="0" err="1" smtClean="0"/>
+              <a:rPr lang="fr-FR" baseline="0" dirty="0" err="1"/>
               <a:t>netflix</a:t>
             </a:r>
             <a:r>
-              <a:rPr lang="fr-FR" baseline="0" dirty="0" smtClean="0"/>
+              <a:rPr lang="fr-FR" baseline="0" dirty="0"/>
               <a:t> pour tester la résilience</a:t>
             </a:r>
           </a:p>
           <a:p>
             <a:r>
-              <a:rPr lang="fr-FR" baseline="0" dirty="0" smtClean="0"/>
+              <a:rPr lang="fr-FR" baseline="0" dirty="0"/>
               <a:t>Si une appli fonctionne avec des pannes </a:t>
             </a:r>
             <a:r>
-              <a:rPr lang="fr-FR" baseline="0" dirty="0" err="1" smtClean="0"/>
+              <a:rPr lang="fr-FR" baseline="0" dirty="0" err="1"/>
               <a:t>aleatoire</a:t>
             </a:r>
             <a:r>
-              <a:rPr lang="fr-FR" baseline="0" dirty="0" smtClean="0"/>
+              <a:rPr lang="fr-FR" baseline="0" dirty="0"/>
               <a:t>, elle fonctionnera le jour ou une vrai panne arrivera</a:t>
             </a:r>
           </a:p>
           <a:p>
             <a:r>
-              <a:rPr lang="fr-FR" baseline="0" dirty="0" err="1" smtClean="0"/>
+              <a:rPr lang="fr-FR" baseline="0" dirty="0" err="1"/>
               <a:t>Ajd</a:t>
             </a:r>
             <a:r>
-              <a:rPr lang="fr-FR" baseline="0" dirty="0" smtClean="0"/>
+              <a:rPr lang="fr-FR" baseline="0" dirty="0"/>
               <a:t>, les applis vont forcement tomber en panne</a:t>
             </a:r>
           </a:p>
           <a:p>
             <a:r>
-              <a:rPr lang="fr-FR" baseline="0" dirty="0" smtClean="0"/>
+              <a:rPr lang="fr-FR" baseline="0" dirty="0"/>
               <a:t>Utiliser en </a:t>
             </a:r>
             <a:r>
-              <a:rPr lang="fr-FR" baseline="0" dirty="0" err="1" smtClean="0"/>
+              <a:rPr lang="fr-FR" baseline="0" dirty="0" err="1"/>
               <a:t>prod</a:t>
             </a:r>
             <a:r>
-              <a:rPr lang="fr-FR" baseline="0" dirty="0" smtClean="0"/>
+              <a:rPr lang="fr-FR" baseline="0" dirty="0"/>
               <a:t> chez </a:t>
             </a:r>
             <a:r>
-              <a:rPr lang="fr-FR" baseline="0" dirty="0" err="1" smtClean="0"/>
+              <a:rPr lang="fr-FR" baseline="0" dirty="0" err="1"/>
               <a:t>neflix</a:t>
             </a:r>
-            <a:endParaRPr lang="fr-FR" baseline="0" dirty="0" smtClean="0"/>
-          </a:p>
-          <a:p>
-            <a:endParaRPr lang="fr-FR" baseline="0" dirty="0" smtClean="0"/>
-          </a:p>
-          <a:p>
-            <a:r>
-              <a:rPr lang="fr-FR" baseline="0" dirty="0" err="1" smtClean="0"/>
+            <a:endParaRPr lang="fr-FR" baseline="0" dirty="0"/>
+          </a:p>
+          <a:p>
+            <a:endParaRPr lang="fr-FR" baseline="0" dirty="0"/>
+          </a:p>
+          <a:p>
+            <a:r>
+              <a:rPr lang="fr-FR" baseline="0" dirty="0" err="1"/>
               <a:t>Gatling</a:t>
             </a:r>
             <a:r>
-              <a:rPr lang="fr-FR" baseline="0" dirty="0" smtClean="0"/>
+              <a:rPr lang="fr-FR" baseline="0" dirty="0"/>
               <a:t>:</a:t>
             </a:r>
           </a:p>
           <a:p>
             <a:r>
-              <a:rPr lang="fr-FR" baseline="0" dirty="0" smtClean="0"/>
+              <a:rPr lang="fr-FR" baseline="0" dirty="0"/>
               <a:t>Outil open source test de charge et de performance</a:t>
             </a:r>
           </a:p>
           <a:p>
             <a:r>
-              <a:rPr lang="fr-FR" baseline="0" dirty="0" err="1" smtClean="0"/>
+              <a:rPr lang="fr-FR" baseline="0" dirty="0" err="1"/>
               <a:t>Repository</a:t>
             </a:r>
             <a:r>
-              <a:rPr lang="fr-FR" baseline="0" dirty="0" smtClean="0"/>
+              <a:rPr lang="fr-FR" baseline="0" dirty="0"/>
               <a:t>  starter disponible sur </a:t>
             </a:r>
             <a:r>
-              <a:rPr lang="fr-FR" baseline="0" dirty="0" err="1" smtClean="0"/>
+              <a:rPr lang="fr-FR" baseline="0" dirty="0" err="1"/>
               <a:t>github</a:t>
             </a:r>
-            <a:endParaRPr lang="fr-FR" baseline="0" dirty="0" smtClean="0"/>
-          </a:p>
-          <a:p>
-            <a:endParaRPr lang="fr-FR" baseline="0" dirty="0" smtClean="0"/>
+            <a:endParaRPr lang="fr-FR" baseline="0" dirty="0"/>
+          </a:p>
+          <a:p>
+            <a:endParaRPr lang="fr-FR" baseline="0" dirty="0"/>
           </a:p>
           <a:p>
             <a:endParaRPr lang="fr-FR" dirty="0"/>
@@ -1446,19 +1438,19 @@
           <a:lstStyle/>
           <a:p>
             <a:r>
-              <a:rPr lang="fr-FR" dirty="0" smtClean="0"/>
+              <a:rPr lang="fr-FR" dirty="0"/>
               <a:t>Je</a:t>
             </a:r>
             <a:r>
-              <a:rPr lang="fr-FR" baseline="0" dirty="0" smtClean="0"/>
+              <a:rPr lang="fr-FR" baseline="0" dirty="0"/>
               <a:t> vais rajouter un </a:t>
             </a:r>
             <a:r>
-              <a:rPr lang="fr-FR" baseline="0" dirty="0" err="1" smtClean="0"/>
+              <a:rPr lang="fr-FR" baseline="0" dirty="0" err="1"/>
               <a:t>screen</a:t>
             </a:r>
             <a:r>
-              <a:rPr lang="fr-FR" baseline="0" dirty="0" smtClean="0"/>
+              <a:rPr lang="fr-FR" baseline="0" dirty="0"/>
               <a:t> ce soir</a:t>
             </a:r>
             <a:endParaRPr lang="fr-FR" dirty="0"/>
@@ -1546,48 +1538,48 @@
           <a:lstStyle/>
           <a:p>
             <a:r>
-              <a:rPr lang="fr-FR" dirty="0" smtClean="0"/>
+              <a:rPr lang="fr-FR" dirty="0"/>
               <a:t>Chaos</a:t>
             </a:r>
             <a:r>
-              <a:rPr lang="fr-FR" baseline="0" dirty="0" smtClean="0"/>
+              <a:rPr lang="fr-FR" baseline="0" dirty="0"/>
               <a:t> </a:t>
             </a:r>
             <a:r>
-              <a:rPr lang="fr-FR" baseline="0" dirty="0" err="1" smtClean="0"/>
+              <a:rPr lang="fr-FR" baseline="0" dirty="0" err="1"/>
               <a:t>monkey</a:t>
             </a:r>
             <a:r>
-              <a:rPr lang="fr-FR" baseline="0" dirty="0" smtClean="0"/>
+              <a:rPr lang="fr-FR" baseline="0" dirty="0"/>
               <a:t> </a:t>
             </a:r>
             <a:r>
-              <a:rPr lang="fr-FR" baseline="0" dirty="0" err="1" smtClean="0"/>
+              <a:rPr lang="fr-FR" baseline="0" dirty="0" err="1"/>
               <a:t>assault</a:t>
             </a:r>
             <a:r>
-              <a:rPr lang="fr-FR" baseline="0" dirty="0" smtClean="0"/>
+              <a:rPr lang="fr-FR" baseline="0" dirty="0"/>
               <a:t> avec latence, exceptions, … exemples</a:t>
             </a:r>
           </a:p>
           <a:p>
             <a:r>
-              <a:rPr lang="fr-FR" baseline="0" dirty="0" smtClean="0"/>
+              <a:rPr lang="fr-FR" baseline="0" dirty="0"/>
               <a:t>Exemple d’assertions </a:t>
             </a:r>
             <a:r>
-              <a:rPr lang="fr-FR" baseline="0" dirty="0" err="1" smtClean="0"/>
+              <a:rPr lang="fr-FR" baseline="0" dirty="0" err="1"/>
               <a:t>Gatling</a:t>
             </a:r>
-            <a:endParaRPr lang="fr-FR" baseline="0" dirty="0" smtClean="0"/>
-          </a:p>
-          <a:p>
-            <a:r>
-              <a:rPr lang="fr-FR" baseline="0" dirty="0" smtClean="0"/>
+            <a:endParaRPr lang="fr-FR" baseline="0" dirty="0"/>
+          </a:p>
+          <a:p>
+            <a:r>
+              <a:rPr lang="fr-FR" baseline="0" dirty="0"/>
               <a:t>Tir de </a:t>
             </a:r>
             <a:r>
-              <a:rPr lang="fr-FR" baseline="0" dirty="0" err="1" smtClean="0"/>
+              <a:rPr lang="fr-FR" baseline="0" dirty="0" err="1"/>
               <a:t>reference</a:t>
             </a:r>
             <a:endParaRPr lang="fr-FR" dirty="0"/>
@@ -1674,14 +1666,110 @@
           <a:bodyPr/>
           <a:lstStyle/>
           <a:p>
-            <a:r>
-              <a:rPr lang="fr-FR" dirty="0" smtClean="0"/>
+            <a:pPr marL="0" marR="0" lvl="0" indent="0" algn="l" defTabSz="914400" rtl="0" eaLnBrk="1" fontAlgn="auto" latinLnBrk="0" hangingPunct="1">
+              <a:lnSpc>
+                <a:spcPct val="100000"/>
+              </a:lnSpc>
+              <a:spcBef>
+                <a:spcPts val="0"/>
+              </a:spcBef>
+              <a:spcAft>
+                <a:spcPts val="0"/>
+              </a:spcAft>
+              <a:buClrTx/>
+              <a:buSzTx/>
+              <a:buFontTx/>
+              <a:buNone/>
+              <a:tabLst/>
+              <a:defRPr/>
+            </a:pPr>
+            <a:r>
+              <a:rPr lang="fr-FR" dirty="0">
+                <a:latin typeface="Lato Light" panose="020F0502020204030203" pitchFamily="34" charset="0"/>
+                <a:ea typeface="Lato Light" panose="020F0502020204030203" pitchFamily="34" charset="0"/>
+                <a:cs typeface="Lato Light" panose="020F0502020204030203" pitchFamily="34" charset="0"/>
+              </a:rPr>
+              <a:t>qui permet d’automatiser le déploiement, la mise à l’échelle et la gestion d’applications conteneurisées</a:t>
+            </a:r>
+          </a:p>
+          <a:p>
+            <a:endParaRPr lang="fr-FR" b="1" dirty="0">
+              <a:latin typeface="Lato Light" panose="020F0502020204030203" pitchFamily="34" charset="0"/>
+              <a:ea typeface="Lato Light" panose="020F0502020204030203" pitchFamily="34" charset="0"/>
+              <a:cs typeface="Lato Light" panose="020F0502020204030203" pitchFamily="34" charset="0"/>
+            </a:endParaRPr>
+          </a:p>
+          <a:p>
+            <a:pPr marL="285750" indent="-285750">
+              <a:buFont typeface="Arial" panose="020B0604020202020204" pitchFamily="34" charset="0"/>
+              <a:buChar char="•"/>
+            </a:pPr>
+            <a:r>
+              <a:rPr lang="fr-FR" b="1" dirty="0">
+                <a:latin typeface="Lato Light" panose="020F0502020204030203" pitchFamily="34" charset="0"/>
+                <a:ea typeface="Lato Light" panose="020F0502020204030203" pitchFamily="34" charset="0"/>
+                <a:cs typeface="Lato Light" panose="020F0502020204030203" pitchFamily="34" charset="0"/>
+              </a:rPr>
+              <a:t>vérifier l'intégrité de vos applications et les réparer automatiquement grâce au placement, au démarrage, à la réplication et à la mise à l'échelle automatiques</a:t>
+            </a:r>
+            <a:endParaRPr lang="fr-FR" dirty="0">
+              <a:latin typeface="Lato Light" panose="020F0502020204030203" pitchFamily="34" charset="0"/>
+              <a:ea typeface="Lato Light" panose="020F0502020204030203" pitchFamily="34" charset="0"/>
+              <a:cs typeface="Lato Light" panose="020F0502020204030203" pitchFamily="34" charset="0"/>
+            </a:endParaRPr>
+          </a:p>
+          <a:p>
+            <a:pPr marL="285750" indent="-285750">
+              <a:buFont typeface="Arial" panose="020B0604020202020204" pitchFamily="34" charset="0"/>
+              <a:buChar char="•"/>
+            </a:pPr>
+            <a:r>
+              <a:rPr lang="fr-FR" dirty="0">
+                <a:latin typeface="Lato Light" panose="020F0502020204030203" pitchFamily="34" charset="0"/>
+                <a:ea typeface="Lato Light" panose="020F0502020204030203" pitchFamily="34" charset="0"/>
+                <a:cs typeface="Lato Light" panose="020F0502020204030203" pitchFamily="34" charset="0"/>
+              </a:rPr>
+              <a:t>orchestrer des conteneurs sur plusieurs hôtes</a:t>
+            </a:r>
+          </a:p>
+          <a:p>
+            <a:pPr marL="285750" indent="-285750">
+              <a:buFont typeface="Arial" panose="020B0604020202020204" pitchFamily="34" charset="0"/>
+              <a:buChar char="•"/>
+            </a:pPr>
+            <a:r>
+              <a:rPr lang="fr-FR" dirty="0">
+                <a:latin typeface="Lato Light" panose="020F0502020204030203" pitchFamily="34" charset="0"/>
+                <a:ea typeface="Lato Light" panose="020F0502020204030203" pitchFamily="34" charset="0"/>
+                <a:cs typeface="Lato Light" panose="020F0502020204030203" pitchFamily="34" charset="0"/>
+              </a:rPr>
+              <a:t>contrôler et automatiser les déploiements et mises à jour d'applications</a:t>
+            </a:r>
+          </a:p>
+          <a:p>
+            <a:pPr marL="285750" indent="-285750">
+              <a:buFont typeface="Arial" panose="020B0604020202020204" pitchFamily="34" charset="0"/>
+              <a:buChar char="•"/>
+            </a:pPr>
+            <a:r>
+              <a:rPr lang="fr-FR" dirty="0">
+                <a:latin typeface="Lato Light" panose="020F0502020204030203" pitchFamily="34" charset="0"/>
+                <a:ea typeface="Lato Light" panose="020F0502020204030203" pitchFamily="34" charset="0"/>
+                <a:cs typeface="Lato Light" panose="020F0502020204030203" pitchFamily="34" charset="0"/>
+              </a:rPr>
+              <a:t>mettre à l'échelle des applications conteneurisées et leurs ressources à la volée</a:t>
+            </a:r>
+            <a:endParaRPr lang="fr-FR" dirty="0"/>
+          </a:p>
+          <a:p>
+            <a:r>
+              <a:rPr lang="fr-FR" dirty="0"/>
               <a:t>Et encore d’autre choses comme</a:t>
             </a:r>
           </a:p>
           <a:p>
             <a:r>
-              <a:rPr lang="fr-FR" sz="1200" b="0" i="0" kern="1200" dirty="0" smtClean="0">
+              <a:rPr lang="fr-FR" sz="1200" b="0" i="0" kern="1200" dirty="0">
                 <a:solidFill>
                   <a:schemeClr val="tx1"/>
                 </a:solidFill>
@@ -1695,7 +1783,7 @@
           </a:p>
           <a:p>
             <a:r>
-              <a:rPr lang="fr-FR" sz="1200" b="0" i="0" kern="1200" dirty="0" smtClean="0">
+              <a:rPr lang="fr-FR" sz="1200" b="0" i="0" kern="1200" dirty="0">
                 <a:solidFill>
                   <a:schemeClr val="tx1"/>
                 </a:solidFill>
@@ -1706,7 +1794,29 @@
               </a:rPr>
               <a:t>gérer des services de façon déclarative et garantir ainsi que les applications déployées s'exécutent toujours de la manière dont vous les avez déployées ;</a:t>
             </a:r>
-            <a:endParaRPr lang="fr-FR" dirty="0" smtClean="0"/>
+          </a:p>
+          <a:p>
+            <a:endParaRPr lang="fr-FR" dirty="0">
+              <a:latin typeface="Lato Light" panose="020F0502020204030203" pitchFamily="34" charset="0"/>
+              <a:ea typeface="Lato Light" panose="020F0502020204030203" pitchFamily="34" charset="0"/>
+              <a:cs typeface="Lato Light" panose="020F0502020204030203" pitchFamily="34" charset="0"/>
+            </a:endParaRPr>
+          </a:p>
+          <a:p>
+            <a:r>
+              <a:rPr lang="fr-FR" dirty="0">
+                <a:hlinkClick r:id="rId3"/>
+              </a:rPr>
+              <a:t>https://www.redhat.com/fr/topics/containers/what-is-kubernetes</a:t>
+            </a:r>
+            <a:endParaRPr lang="fr-FR" dirty="0">
+              <a:latin typeface="Lato Light" panose="020F0502020204030203" pitchFamily="34" charset="0"/>
+              <a:ea typeface="Lato Light" panose="020F0502020204030203" pitchFamily="34" charset="0"/>
+              <a:cs typeface="Lato Light" panose="020F0502020204030203" pitchFamily="34" charset="0"/>
+            </a:endParaRPr>
+          </a:p>
+          <a:p>
+            <a:endParaRPr lang="fr-FR" dirty="0"/>
           </a:p>
           <a:p>
             <a:endParaRPr lang="fr-FR" dirty="0"/>
@@ -1794,19 +1904,19 @@
           <a:lstStyle/>
           <a:p>
             <a:r>
-              <a:rPr lang="fr-FR" dirty="0" smtClean="0"/>
+              <a:rPr lang="fr-FR" dirty="0"/>
               <a:t>Je</a:t>
             </a:r>
             <a:r>
-              <a:rPr lang="fr-FR" baseline="0" dirty="0" smtClean="0"/>
+              <a:rPr lang="fr-FR" baseline="0" dirty="0"/>
               <a:t> vais rajouter un </a:t>
             </a:r>
             <a:r>
-              <a:rPr lang="fr-FR" baseline="0" dirty="0" err="1" smtClean="0"/>
+              <a:rPr lang="fr-FR" baseline="0" dirty="0" err="1"/>
               <a:t>screen</a:t>
             </a:r>
             <a:r>
-              <a:rPr lang="fr-FR" baseline="0" dirty="0" smtClean="0"/>
+              <a:rPr lang="fr-FR" baseline="0" dirty="0"/>
               <a:t> ce soir</a:t>
             </a:r>
             <a:endParaRPr lang="fr-FR" dirty="0"/>
@@ -1894,19 +2004,19 @@
           <a:lstStyle/>
           <a:p>
             <a:r>
-              <a:rPr lang="fr-FR" dirty="0" smtClean="0"/>
+              <a:rPr lang="fr-FR" dirty="0"/>
               <a:t>Je</a:t>
             </a:r>
             <a:r>
-              <a:rPr lang="fr-FR" baseline="0" dirty="0" smtClean="0"/>
+              <a:rPr lang="fr-FR" baseline="0" dirty="0"/>
               <a:t> vais rajouter un </a:t>
             </a:r>
             <a:r>
-              <a:rPr lang="fr-FR" baseline="0" dirty="0" err="1" smtClean="0"/>
+              <a:rPr lang="fr-FR" baseline="0" dirty="0" err="1"/>
               <a:t>screen</a:t>
             </a:r>
             <a:r>
-              <a:rPr lang="fr-FR" baseline="0" dirty="0" smtClean="0"/>
+              <a:rPr lang="fr-FR" baseline="0" dirty="0"/>
               <a:t> ce soir</a:t>
             </a:r>
             <a:endParaRPr lang="fr-FR" dirty="0"/>
@@ -1994,14 +2104,13 @@
           <a:lstStyle/>
           <a:p>
             <a:r>
-              <a:rPr lang="fr-FR" dirty="0" err="1" smtClean="0"/>
+              <a:rPr lang="fr-FR" dirty="0" err="1"/>
               <a:t>Istio</a:t>
             </a:r>
             <a:r>
-              <a:rPr lang="fr-FR" dirty="0" smtClean="0"/>
+              <a:rPr lang="fr-FR" dirty="0"/>
               <a:t> ?</a:t>
             </a:r>
-            <a:endParaRPr lang="fr-FR" dirty="0"/>
           </a:p>
         </p:txBody>
       </p:sp>
@@ -2086,14 +2195,13 @@
           <a:lstStyle/>
           <a:p>
             <a:r>
-              <a:rPr lang="fr-FR" dirty="0" err="1" smtClean="0"/>
+              <a:rPr lang="fr-FR" dirty="0" err="1"/>
               <a:t>Istio</a:t>
             </a:r>
             <a:r>
-              <a:rPr lang="fr-FR" dirty="0" smtClean="0"/>
+              <a:rPr lang="fr-FR" dirty="0"/>
               <a:t> ?</a:t>
             </a:r>
-            <a:endParaRPr lang="fr-FR" dirty="0"/>
           </a:p>
         </p:txBody>
       </p:sp>
@@ -2178,114 +2286,113 @@
           <a:lstStyle/>
           <a:p>
             <a:r>
-              <a:rPr lang="fr-FR" dirty="0" smtClean="0"/>
+              <a:rPr lang="fr-FR" dirty="0"/>
               <a:t>En psychologie, le concept de résilience ou « l’art de naviguer entre les torrents », est introduit en France par Boris </a:t>
             </a:r>
             <a:r>
-              <a:rPr lang="fr-FR" dirty="0" err="1" smtClean="0"/>
+              <a:rPr lang="fr-FR" dirty="0" err="1"/>
               <a:t>Cyrulnik</a:t>
             </a:r>
             <a:r>
-              <a:rPr lang="fr-FR" dirty="0" smtClean="0"/>
+              <a:rPr lang="fr-FR" dirty="0"/>
               <a:t>.</a:t>
             </a:r>
           </a:p>
           <a:p>
             <a:r>
-              <a:rPr lang="fr-FR" dirty="0" smtClean="0"/>
+              <a:rPr lang="fr-FR" dirty="0"/>
               <a:t>Il</a:t>
             </a:r>
             <a:r>
-              <a:rPr lang="fr-FR" baseline="0" dirty="0" smtClean="0"/>
+              <a:rPr lang="fr-FR" baseline="0" dirty="0"/>
               <a:t> dit « </a:t>
             </a:r>
             <a:r>
-              <a:rPr lang="fr-FR" dirty="0" smtClean="0"/>
+              <a:rPr lang="fr-FR" dirty="0"/>
               <a:t>La résilience est un processus, pas un état. »</a:t>
             </a:r>
           </a:p>
           <a:p>
             <a:r>
-              <a:rPr lang="fr-FR" dirty="0" smtClean="0"/>
+              <a:rPr lang="fr-FR" dirty="0"/>
               <a:t>Ca va nous intéresser parce que justement le but de ce </a:t>
             </a:r>
             <a:r>
-              <a:rPr lang="fr-FR" dirty="0" err="1" smtClean="0"/>
+              <a:rPr lang="fr-FR" dirty="0" err="1"/>
               <a:t>codelab</a:t>
             </a:r>
             <a:r>
-              <a:rPr lang="fr-FR" dirty="0" smtClean="0"/>
+              <a:rPr lang="fr-FR" dirty="0"/>
               <a:t> c’est de se placer dans ce processus de résilience.</a:t>
             </a:r>
           </a:p>
           <a:p>
             <a:r>
-              <a:rPr lang="fr-FR" dirty="0" err="1" smtClean="0"/>
+              <a:rPr lang="fr-FR" dirty="0" err="1"/>
               <a:t>Parceque</a:t>
             </a:r>
             <a:r>
-              <a:rPr lang="fr-FR" dirty="0" smtClean="0"/>
+              <a:rPr lang="fr-FR" dirty="0"/>
               <a:t> le terme résilience n’est pas seulement utilisé en psychologie</a:t>
             </a:r>
             <a:r>
-              <a:rPr lang="fr-FR" baseline="0" dirty="0" smtClean="0"/>
+              <a:rPr lang="fr-FR" baseline="0" dirty="0"/>
               <a:t> et peux </a:t>
             </a:r>
             <a:r>
-              <a:rPr lang="fr-FR" baseline="0" dirty="0" err="1" smtClean="0"/>
+              <a:rPr lang="fr-FR" baseline="0" dirty="0" err="1"/>
               <a:t>etre</a:t>
             </a:r>
             <a:r>
-              <a:rPr lang="fr-FR" baseline="0" dirty="0" smtClean="0"/>
+              <a:rPr lang="fr-FR" baseline="0" dirty="0"/>
               <a:t> utilisé dans nos métiers.</a:t>
             </a:r>
-            <a:endParaRPr lang="fr-FR" dirty="0" smtClean="0"/>
-          </a:p>
-          <a:p>
-            <a:endParaRPr lang="fr-FR" dirty="0" smtClean="0"/>
-          </a:p>
-          <a:p>
-            <a:r>
-              <a:rPr lang="fr-FR" dirty="0" smtClean="0"/>
+            <a:endParaRPr lang="fr-FR" dirty="0"/>
+          </a:p>
+          <a:p>
+            <a:endParaRPr lang="fr-FR" dirty="0"/>
+          </a:p>
+          <a:p>
+            <a:r>
+              <a:rPr lang="fr-FR" dirty="0"/>
               <a:t>« Ce qui ne nous tue pas.. . »,</a:t>
             </a:r>
             <a:r>
-              <a:rPr lang="fr-FR" baseline="0" dirty="0" smtClean="0"/>
+              <a:rPr lang="fr-FR" baseline="0" dirty="0"/>
               <a:t> c’est le nom d’une conférence donnée par Boris </a:t>
             </a:r>
             <a:r>
-              <a:rPr lang="fr-FR" baseline="0" dirty="0" err="1" smtClean="0"/>
+              <a:rPr lang="fr-FR" baseline="0" dirty="0" err="1"/>
               <a:t>Cyrulnik</a:t>
             </a:r>
             <a:r>
-              <a:rPr lang="fr-FR" baseline="0" dirty="0" smtClean="0"/>
+              <a:rPr lang="fr-FR" baseline="0" dirty="0"/>
               <a:t> d’ailleurs.. Et les 3 petits points sont important &gt;&gt;</a:t>
             </a:r>
             <a:r>
-              <a:rPr lang="fr-FR" dirty="0" smtClean="0"/>
+              <a:rPr lang="fr-FR" dirty="0"/>
               <a:t> (... nous rend plus fort. Mais c'est faux ! Chaque traumatisme laisse une trace traumatique. Y compris pour ce qui nous concerne, à savoir nos systèmes et applis.) * * Et pour nos applis, cela a de vrais impacts : une BDD corrompue, un serveur front en carafe.. cela cause un préjudice à l'utilisateur final qui va aller voir une appli concurrente, et/ou cela va générer de la frustration.</a:t>
             </a:r>
           </a:p>
           <a:p>
-            <a:endParaRPr lang="fr-FR" dirty="0" smtClean="0"/>
-          </a:p>
-          <a:p>
-            <a:r>
-              <a:rPr lang="fr-FR" dirty="0" smtClean="0"/>
+            <a:endParaRPr lang="fr-FR" dirty="0"/>
+          </a:p>
+          <a:p>
+            <a:r>
+              <a:rPr lang="fr-FR" dirty="0"/>
               <a:t>On pensera souvent qu'un système résilient, c'est un système qui empêchera - prenons un exemple - un virus d'infecter ce système. Mais ce n'est pas ça. Un système résilient c'est un système qui, s'il a été infecté, s'il a subit un "traumatisme", saura s'en remettre (avec éventuellement un petit coup de pouce extérieur).</a:t>
             </a:r>
             <a:r>
-              <a:rPr lang="fr-FR" baseline="0" dirty="0" smtClean="0"/>
+              <a:rPr lang="fr-FR" baseline="0" dirty="0"/>
               <a:t> </a:t>
             </a:r>
             <a:br>
-              <a:rPr lang="fr-FR" baseline="0" dirty="0" smtClean="0"/>
+              <a:rPr lang="fr-FR" baseline="0" dirty="0"/>
             </a:br>
             <a:r>
-              <a:rPr lang="fr-FR" dirty="0" smtClean="0"/>
+              <a:rPr lang="fr-FR" dirty="0"/>
               <a:t>Après un traumatisme, on a deux choix - dont la gravité est ressentie différemment selon les individus, en psychologie. Soit on rumine, seul dans son coin et on accroit le problème (pour un SI ou une appli, on peut faire un parallèle avec les pseudos verrues logicielles ou simplement de faire comme si rien n'était arrivé, et on a toutes les chances que le problème refasse surface et de générer des irritants récurrents, et personne ne veut de ça). La deuxième possibilité est d'en parler, de le sublimer ! Cette capacité adaptative impacte positivement nos systèmes et applis.</a:t>
             </a:r>
-            <a:endParaRPr lang="fr-FR" dirty="0"/>
           </a:p>
         </p:txBody>
       </p:sp>
@@ -2370,22 +2477,22 @@
           <a:lstStyle/>
           <a:p>
             <a:r>
-              <a:rPr lang="fr-FR" dirty="0" smtClean="0"/>
+              <a:rPr lang="fr-FR" dirty="0"/>
               <a:t>Alors on pourrait</a:t>
             </a:r>
             <a:r>
-              <a:rPr lang="fr-FR" baseline="0" dirty="0" smtClean="0"/>
+              <a:rPr lang="fr-FR" baseline="0" dirty="0"/>
               <a:t> attendre que nos systèmes subissent des traumatismes pour les améliorer, les rendre plus résilient.</a:t>
             </a:r>
             <a:br>
-              <a:rPr lang="fr-FR" baseline="0" dirty="0" smtClean="0"/>
+              <a:rPr lang="fr-FR" baseline="0" dirty="0"/>
             </a:br>
             <a:r>
-              <a:rPr lang="fr-FR" baseline="0" dirty="0" smtClean="0"/>
+              <a:rPr lang="fr-FR" baseline="0" dirty="0"/>
               <a:t>Mais pourquoi attendre quand on a aujourd’hui les outils pour « traumatiser » nos applis </a:t>
             </a:r>
             <a:r>
-              <a:rPr lang="fr-FR" baseline="0" dirty="0" smtClean="0">
+              <a:rPr lang="fr-FR" baseline="0" dirty="0">
                 <a:sym typeface="Wingdings" panose="05000000000000000000" pitchFamily="2" charset="2"/>
               </a:rPr>
               <a:t> ?</a:t>
@@ -2410,85 +2517,73 @@
               <a:defRPr/>
             </a:pPr>
             <a:r>
-              <a:rPr lang="fr-FR" baseline="0" dirty="0" smtClean="0">
+              <a:rPr lang="fr-FR" baseline="0" dirty="0">
                 <a:sym typeface="Wingdings" panose="05000000000000000000" pitchFamily="2" charset="2"/>
               </a:rPr>
               <a:t>Le Chaos Engineering est un de ces outils, une discipline qui nous permet de rendre nos systèmes plus solides.</a:t>
             </a:r>
             <a:br>
-              <a:rPr lang="fr-FR" baseline="0" dirty="0" smtClean="0">
+              <a:rPr lang="fr-FR" baseline="0" dirty="0">
                 <a:sym typeface="Wingdings" panose="05000000000000000000" pitchFamily="2" charset="2"/>
               </a:rPr>
             </a:br>
-            <a:r>
-              <a:rPr lang="fr-FR" baseline="0" dirty="0" smtClean="0">
-                <a:sym typeface="Wingdings" panose="05000000000000000000" pitchFamily="2" charset="2"/>
-              </a:rPr>
-              <a:t/>
-            </a:r>
             <a:br>
-              <a:rPr lang="fr-FR" baseline="0" dirty="0" smtClean="0">
+              <a:rPr lang="fr-FR" baseline="0" dirty="0">
                 <a:sym typeface="Wingdings" panose="05000000000000000000" pitchFamily="2" charset="2"/>
               </a:rPr>
             </a:br>
             <a:r>
-              <a:rPr lang="fr-FR" baseline="0" dirty="0" smtClean="0">
+              <a:rPr lang="fr-FR" baseline="0" dirty="0">
                 <a:sym typeface="Wingdings" panose="05000000000000000000" pitchFamily="2" charset="2"/>
               </a:rPr>
               <a:t>[PREMERE CITATION - CLIC]</a:t>
             </a:r>
             <a:br>
-              <a:rPr lang="fr-FR" baseline="0" dirty="0" smtClean="0">
+              <a:rPr lang="fr-FR" baseline="0" dirty="0">
                 <a:sym typeface="Wingdings" panose="05000000000000000000" pitchFamily="2" charset="2"/>
               </a:rPr>
             </a:br>
             <a:r>
-              <a:rPr lang="fr-FR" baseline="0" dirty="0" smtClean="0">
+              <a:rPr lang="fr-FR" baseline="0" dirty="0">
                 <a:sym typeface="Wingdings" panose="05000000000000000000" pitchFamily="2" charset="2"/>
               </a:rPr>
               <a:t>Chaos Engineering a été développé par </a:t>
             </a:r>
             <a:r>
-              <a:rPr lang="fr-FR" baseline="0" dirty="0" err="1" smtClean="0">
+              <a:rPr lang="fr-FR" baseline="0" dirty="0" err="1">
                 <a:sym typeface="Wingdings" panose="05000000000000000000" pitchFamily="2" charset="2"/>
               </a:rPr>
               <a:t>Netflix</a:t>
             </a:r>
             <a:r>
-              <a:rPr lang="fr-FR" baseline="0" dirty="0" smtClean="0">
+              <a:rPr lang="fr-FR" baseline="0" dirty="0">
                 <a:sym typeface="Wingdings" panose="05000000000000000000" pitchFamily="2" charset="2"/>
               </a:rPr>
               <a:t>. Les ingénieurs souhaitaient tester la résilience et la capacité de récupération de leurs services AWS. Par conséquent, ils ont développé un outil logiciel appelé Chaos Monkey qui simule des défaillances d'instances de leurs services. Leur premier scénario fut d’arrêter aléatoirement une ou plusieurs des machines virtuelles.</a:t>
             </a:r>
             <a:br>
-              <a:rPr lang="fr-FR" baseline="0" dirty="0" smtClean="0">
+              <a:rPr lang="fr-FR" baseline="0" dirty="0">
                 <a:sym typeface="Wingdings" panose="05000000000000000000" pitchFamily="2" charset="2"/>
               </a:rPr>
             </a:br>
-            <a:r>
-              <a:rPr lang="fr-FR" baseline="0" dirty="0" smtClean="0">
-                <a:sym typeface="Wingdings" panose="05000000000000000000" pitchFamily="2" charset="2"/>
-              </a:rPr>
-              <a:t/>
-            </a:r>
             <a:br>
-              <a:rPr lang="fr-FR" baseline="0" dirty="0" smtClean="0">
+              <a:rPr lang="fr-FR" baseline="0" dirty="0">
                 <a:sym typeface="Wingdings" panose="05000000000000000000" pitchFamily="2" charset="2"/>
               </a:rPr>
             </a:br>
             <a:r>
-              <a:rPr lang="fr-FR" baseline="0" dirty="0" smtClean="0">
+              <a:rPr lang="fr-FR" baseline="0" dirty="0">
                 <a:sym typeface="Wingdings" panose="05000000000000000000" pitchFamily="2" charset="2"/>
               </a:rPr>
               <a:t>[DEUXIEME CITATION - CLIC] </a:t>
             </a:r>
             <a:br>
-              <a:rPr lang="fr-FR" baseline="0" dirty="0" smtClean="0">
+              <a:rPr lang="fr-FR" baseline="0" dirty="0">
                 <a:sym typeface="Wingdings" panose="05000000000000000000" pitchFamily="2" charset="2"/>
               </a:rPr>
             </a:br>
             <a:r>
-              <a:rPr lang="fr-FR" sz="1200" b="0" i="0" kern="1200" dirty="0" smtClean="0">
+              <a:rPr lang="fr-FR" sz="1200" b="0" i="0" kern="1200" dirty="0">
                 <a:solidFill>
                   <a:schemeClr val="tx1"/>
                 </a:solidFill>
@@ -2500,7 +2595,7 @@
               <a:t>Benjamin </a:t>
             </a:r>
             <a:r>
-              <a:rPr lang="fr-FR" sz="1200" b="0" i="0" kern="1200" dirty="0" err="1" smtClean="0">
+              <a:rPr lang="fr-FR" sz="1200" b="0" i="0" kern="1200" dirty="0" err="1">
                 <a:solidFill>
                   <a:schemeClr val="tx1"/>
                 </a:solidFill>
@@ -2512,7 +2607,7 @@
               <a:t>Gakic</a:t>
             </a:r>
             <a:r>
-              <a:rPr lang="fr-FR" sz="1200" b="0" i="0" kern="1200" dirty="0" smtClean="0">
+              <a:rPr lang="fr-FR" sz="1200" b="0" i="0" kern="1200" dirty="0">
                 <a:solidFill>
                   <a:schemeClr val="tx1"/>
                 </a:solidFill>
@@ -2524,7 +2619,7 @@
               <a:t> anime la communauté Chaos Engineering de </a:t>
             </a:r>
             <a:r>
-              <a:rPr lang="fr-FR" sz="1200" b="0" i="0" kern="1200" dirty="0" err="1" smtClean="0">
+              <a:rPr lang="fr-FR" sz="1200" b="0" i="0" kern="1200" dirty="0" err="1">
                 <a:solidFill>
                   <a:schemeClr val="tx1"/>
                 </a:solidFill>
@@ -2535,7 +2630,7 @@
               </a:rPr>
               <a:t>OUI.sncf</a:t>
             </a:r>
-            <a:endParaRPr lang="fr-FR" sz="1200" b="0" i="0" kern="1200" dirty="0" smtClean="0">
+            <a:endParaRPr lang="fr-FR" sz="1200" b="0" i="0" kern="1200" dirty="0">
               <a:solidFill>
                 <a:schemeClr val="tx1"/>
               </a:solidFill>
@@ -2564,7 +2659,7 @@
               <a:defRPr/>
             </a:pPr>
             <a:r>
-              <a:rPr lang="fr-FR" sz="1200" b="0" i="0" kern="1200" dirty="0" smtClean="0">
+              <a:rPr lang="fr-FR" sz="1200" b="0" i="0" kern="1200" dirty="0">
                 <a:solidFill>
                   <a:schemeClr val="tx1"/>
                 </a:solidFill>
@@ -2576,7 +2671,7 @@
               <a:t>Il va plus loin dans sa définition, pour que ce soit plus clair : le but est de traumatiser nos</a:t>
             </a:r>
             <a:r>
-              <a:rPr lang="fr-FR" sz="1200" b="0" i="0" kern="1200" baseline="0" dirty="0" smtClean="0">
+              <a:rPr lang="fr-FR" sz="1200" b="0" i="0" kern="1200" baseline="0" dirty="0">
                 <a:solidFill>
                   <a:schemeClr val="tx1"/>
                 </a:solidFill>
@@ -2588,7 +2683,7 @@
               <a:t> systèmes.</a:t>
             </a:r>
             <a:br>
-              <a:rPr lang="fr-FR" sz="1200" b="0" i="0" kern="1200" baseline="0" dirty="0" smtClean="0">
+              <a:rPr lang="fr-FR" sz="1200" b="0" i="0" kern="1200" baseline="0" dirty="0">
                 <a:solidFill>
                   <a:schemeClr val="tx1"/>
                 </a:solidFill>
@@ -2598,20 +2693,8 @@
                 <a:cs typeface="+mn-cs"/>
               </a:rPr>
             </a:br>
-            <a:r>
-              <a:rPr lang="fr-FR" sz="1200" b="0" i="0" kern="1200" baseline="0" dirty="0" smtClean="0">
-                <a:solidFill>
-                  <a:schemeClr val="tx1"/>
-                </a:solidFill>
-                <a:effectLst/>
-                <a:latin typeface="+mn-lt"/>
-                <a:ea typeface="+mn-ea"/>
-                <a:cs typeface="+mn-cs"/>
-              </a:rPr>
-              <a:t/>
-            </a:r>
             <a:br>
-              <a:rPr lang="fr-FR" sz="1200" b="0" i="0" kern="1200" baseline="0" dirty="0" smtClean="0">
+              <a:rPr lang="fr-FR" sz="1200" b="0" i="0" kern="1200" baseline="0" dirty="0">
                 <a:solidFill>
                   <a:schemeClr val="tx1"/>
                 </a:solidFill>
@@ -2622,7 +2705,7 @@
               </a:rPr>
             </a:br>
             <a:r>
-              <a:rPr lang="fr-FR" sz="1200" b="0" i="0" kern="1200" baseline="0" dirty="0" smtClean="0">
+              <a:rPr lang="fr-FR" sz="1200" b="0" i="0" kern="1200" baseline="0" dirty="0">
                 <a:solidFill>
                   <a:schemeClr val="tx1"/>
                 </a:solidFill>
@@ -2634,7 +2717,7 @@
               <a:t>[COMPLETER AVEC EXPLICATION DU CHAOS ENGINEERING ??? Peut-être pas utile]</a:t>
             </a:r>
             <a:br>
-              <a:rPr lang="fr-FR" sz="1200" b="0" i="0" kern="1200" baseline="0" dirty="0" smtClean="0">
+              <a:rPr lang="fr-FR" sz="1200" b="0" i="0" kern="1200" baseline="0" dirty="0">
                 <a:solidFill>
                   <a:schemeClr val="tx1"/>
                 </a:solidFill>
@@ -2644,20 +2727,8 @@
                 <a:cs typeface="+mn-cs"/>
               </a:rPr>
             </a:br>
-            <a:r>
-              <a:rPr lang="fr-FR" sz="1200" b="0" i="0" kern="1200" baseline="0" dirty="0" smtClean="0">
-                <a:solidFill>
-                  <a:schemeClr val="tx1"/>
-                </a:solidFill>
-                <a:effectLst/>
-                <a:latin typeface="+mn-lt"/>
-                <a:ea typeface="+mn-ea"/>
-                <a:cs typeface="+mn-cs"/>
-              </a:rPr>
-              <a:t/>
-            </a:r>
             <a:br>
-              <a:rPr lang="fr-FR" sz="1200" b="0" i="0" kern="1200" baseline="0" dirty="0" smtClean="0">
+              <a:rPr lang="fr-FR" sz="1200" b="0" i="0" kern="1200" baseline="0" dirty="0">
                 <a:solidFill>
                   <a:schemeClr val="tx1"/>
                 </a:solidFill>
@@ -2668,7 +2739,7 @@
               </a:rPr>
             </a:br>
             <a:r>
-              <a:rPr lang="fr-FR" sz="1200" b="0" i="0" kern="1200" baseline="0" dirty="0" smtClean="0">
+              <a:rPr lang="fr-FR" sz="1200" b="0" i="0" kern="1200" baseline="0" dirty="0">
                 <a:solidFill>
                   <a:schemeClr val="tx1"/>
                 </a:solidFill>
@@ -2680,7 +2751,7 @@
               <a:t>NB : « Un merveilleux malheur », de </a:t>
             </a:r>
             <a:r>
-              <a:rPr lang="fr-FR" sz="1200" b="0" i="0" kern="1200" baseline="0" dirty="0" err="1" smtClean="0">
+              <a:rPr lang="fr-FR" sz="1200" b="0" i="0" kern="1200" baseline="0" dirty="0" err="1">
                 <a:solidFill>
                   <a:schemeClr val="tx1"/>
                 </a:solidFill>
@@ -2692,7 +2763,7 @@
               <a:t>Cyrulnik</a:t>
             </a:r>
             <a:r>
-              <a:rPr lang="fr-FR" sz="1200" b="0" i="0" kern="1200" baseline="0" dirty="0" smtClean="0">
+              <a:rPr lang="fr-FR" sz="1200" b="0" i="0" kern="1200" baseline="0" dirty="0">
                 <a:solidFill>
                   <a:schemeClr val="tx1"/>
                 </a:solidFill>
@@ -2704,7 +2775,7 @@
               <a:t> :D Mais c’est comment sortir du positif de quelque chose qui aurait pu être terrible </a:t>
             </a:r>
             <a:r>
-              <a:rPr lang="fr-FR" sz="1200" b="0" i="0" kern="1200" baseline="0" dirty="0" smtClean="0">
+              <a:rPr lang="fr-FR" sz="1200" b="0" i="0" kern="1200" baseline="0" dirty="0">
                 <a:solidFill>
                   <a:schemeClr val="tx1"/>
                 </a:solidFill>
@@ -2716,7 +2787,7 @@
               </a:rPr>
               <a:t></a:t>
             </a:r>
-            <a:endParaRPr lang="fr-FR" sz="1200" b="0" i="0" kern="1200" dirty="0" smtClean="0">
+            <a:endParaRPr lang="fr-FR" sz="1200" b="0" i="0" kern="1200" dirty="0">
               <a:solidFill>
                 <a:schemeClr val="tx1"/>
               </a:solidFill>
@@ -2727,24 +2798,18 @@
             </a:endParaRPr>
           </a:p>
           <a:p>
-            <a:endParaRPr lang="fr-FR" baseline="0" dirty="0" smtClean="0">
+            <a:endParaRPr lang="fr-FR" baseline="0" dirty="0">
               <a:sym typeface="Wingdings" panose="05000000000000000000" pitchFamily="2" charset="2"/>
             </a:endParaRPr>
           </a:p>
           <a:p>
-            <a:endParaRPr lang="fr-FR" baseline="0" dirty="0" smtClean="0">
+            <a:endParaRPr lang="fr-FR" baseline="0" dirty="0">
               <a:sym typeface="Wingdings" panose="05000000000000000000" pitchFamily="2" charset="2"/>
             </a:endParaRPr>
           </a:p>
           <a:p>
-            <a:r>
-              <a:rPr lang="fr-FR" baseline="0" dirty="0" smtClean="0">
-                <a:sym typeface="Wingdings" panose="05000000000000000000" pitchFamily="2" charset="2"/>
-              </a:rPr>
-              <a:t/>
-            </a:r>
             <a:br>
-              <a:rPr lang="fr-FR" baseline="0" dirty="0" smtClean="0">
+              <a:rPr lang="fr-FR" baseline="0" dirty="0">
                 <a:sym typeface="Wingdings" panose="05000000000000000000" pitchFamily="2" charset="2"/>
               </a:rPr>
             </a:br>
@@ -2833,14 +2898,13 @@
           <a:lstStyle/>
           <a:p>
             <a:r>
-              <a:rPr lang="fr-FR" dirty="0" err="1" smtClean="0"/>
+              <a:rPr lang="fr-FR" dirty="0" err="1"/>
               <a:t>Prez</a:t>
             </a:r>
             <a:r>
-              <a:rPr lang="fr-FR" dirty="0" smtClean="0"/>
+              <a:rPr lang="fr-FR" dirty="0"/>
               <a:t> fonctionnelle et technique</a:t>
             </a:r>
-            <a:endParaRPr lang="fr-FR" dirty="0"/>
           </a:p>
         </p:txBody>
       </p:sp>
@@ -3012,25 +3076,18 @@
               <a:rPr lang="fr-FR" dirty="0">
                 <a:hlinkClick r:id="rId3"/>
               </a:rPr>
-              <a:t>https://</a:t>
-            </a:r>
-            <a:r>
-              <a:rPr lang="fr-FR" dirty="0" smtClean="0">
-                <a:hlinkClick r:id="rId3"/>
-              </a:rPr>
-              <a:t>assistant-us-south.watsonplatform.net/eu-gb/000c8e94-bdeb-4038-adb8-f6c3132eb7b6/workspaces/ed0bdd7c-aff6-4a08-ab19-0c529ae2d11a/build/intents</a:t>
-            </a:r>
-            <a:r>
-              <a:rPr lang="fr-FR" dirty="0" smtClean="0"/>
+              <a:t>https://assistant-us-south.watsonplatform.net/eu-gb/000c8e94-bdeb-4038-adb8-f6c3132eb7b6/workspaces/ed0bdd7c-aff6-4a08-ab19-0c529ae2d11a/build/intents</a:t>
+            </a:r>
+            <a:r>
+              <a:rPr lang="fr-FR" dirty="0"/>
               <a:t> </a:t>
             </a:r>
           </a:p>
           <a:p>
             <a:r>
-              <a:rPr lang="fr-FR" dirty="0" smtClean="0"/>
+              <a:rPr lang="fr-FR" dirty="0"/>
               <a:t>Alors Polo on se connecte à IBM ? ? ?</a:t>
             </a:r>
-            <a:endParaRPr lang="fr-FR" dirty="0"/>
           </a:p>
         </p:txBody>
       </p:sp>
@@ -3118,25 +3175,18 @@
               <a:rPr lang="fr-FR" dirty="0">
                 <a:hlinkClick r:id="rId3"/>
               </a:rPr>
-              <a:t>https://</a:t>
-            </a:r>
-            <a:r>
-              <a:rPr lang="fr-FR" dirty="0" smtClean="0">
-                <a:hlinkClick r:id="rId3"/>
-              </a:rPr>
-              <a:t>assistant-us-south.watsonplatform.net/eu-gb/000c8e94-bdeb-4038-adb8-f6c3132eb7b6/workspaces/ed0bdd7c-aff6-4a08-ab19-0c529ae2d11a/build/intents</a:t>
-            </a:r>
-            <a:r>
-              <a:rPr lang="fr-FR" dirty="0" smtClean="0"/>
+              <a:t>https://assistant-us-south.watsonplatform.net/eu-gb/000c8e94-bdeb-4038-adb8-f6c3132eb7b6/workspaces/ed0bdd7c-aff6-4a08-ab19-0c529ae2d11a/build/intents</a:t>
+            </a:r>
+            <a:r>
+              <a:rPr lang="fr-FR" dirty="0"/>
               <a:t> </a:t>
             </a:r>
           </a:p>
           <a:p>
             <a:r>
-              <a:rPr lang="fr-FR" dirty="0" smtClean="0"/>
+              <a:rPr lang="fr-FR" dirty="0"/>
               <a:t>Alors Polo on se connecte à IBM ? ? ?</a:t>
             </a:r>
-            <a:endParaRPr lang="fr-FR" dirty="0"/>
           </a:p>
         </p:txBody>
       </p:sp>
@@ -3224,25 +3274,18 @@
               <a:rPr lang="fr-FR" dirty="0">
                 <a:hlinkClick r:id="rId3"/>
               </a:rPr>
-              <a:t>https://</a:t>
-            </a:r>
-            <a:r>
-              <a:rPr lang="fr-FR" dirty="0" smtClean="0">
-                <a:hlinkClick r:id="rId3"/>
-              </a:rPr>
-              <a:t>assistant-us-south.watsonplatform.net/eu-gb/000c8e94-bdeb-4038-adb8-f6c3132eb7b6/workspaces/ed0bdd7c-aff6-4a08-ab19-0c529ae2d11a/build/intents</a:t>
-            </a:r>
-            <a:r>
-              <a:rPr lang="fr-FR" dirty="0" smtClean="0"/>
+              <a:t>https://assistant-us-south.watsonplatform.net/eu-gb/000c8e94-bdeb-4038-adb8-f6c3132eb7b6/workspaces/ed0bdd7c-aff6-4a08-ab19-0c529ae2d11a/build/intents</a:t>
+            </a:r>
+            <a:r>
+              <a:rPr lang="fr-FR" dirty="0"/>
               <a:t> </a:t>
             </a:r>
           </a:p>
           <a:p>
             <a:r>
-              <a:rPr lang="fr-FR" dirty="0" smtClean="0"/>
+              <a:rPr lang="fr-FR" dirty="0"/>
               <a:t>Alors Polo on se connecte à IBM ? ? ?</a:t>
             </a:r>
-            <a:endParaRPr lang="fr-FR" dirty="0"/>
           </a:p>
         </p:txBody>
       </p:sp>
@@ -3330,25 +3373,18 @@
               <a:rPr lang="fr-FR" dirty="0">
                 <a:hlinkClick r:id="rId3"/>
               </a:rPr>
-              <a:t>https://</a:t>
-            </a:r>
-            <a:r>
-              <a:rPr lang="fr-FR" dirty="0" smtClean="0">
-                <a:hlinkClick r:id="rId3"/>
-              </a:rPr>
-              <a:t>assistant-us-south.watsonplatform.net/eu-gb/000c8e94-bdeb-4038-adb8-f6c3132eb7b6/workspaces/ed0bdd7c-aff6-4a08-ab19-0c529ae2d11a/build/intents</a:t>
-            </a:r>
-            <a:r>
-              <a:rPr lang="fr-FR" dirty="0" smtClean="0"/>
+              <a:t>https://assistant-us-south.watsonplatform.net/eu-gb/000c8e94-bdeb-4038-adb8-f6c3132eb7b6/workspaces/ed0bdd7c-aff6-4a08-ab19-0c529ae2d11a/build/intents</a:t>
+            </a:r>
+            <a:r>
+              <a:rPr lang="fr-FR" dirty="0"/>
               <a:t> </a:t>
             </a:r>
           </a:p>
           <a:p>
             <a:r>
-              <a:rPr lang="fr-FR" dirty="0" smtClean="0"/>
+              <a:rPr lang="fr-FR" dirty="0"/>
               <a:t>Alors Polo on se connecte à IBM ? ? ?</a:t>
             </a:r>
-            <a:endParaRPr lang="fr-FR" dirty="0"/>
           </a:p>
         </p:txBody>
       </p:sp>
@@ -3478,7 +3514,7 @@
           <a:lstStyle/>
           <a:p>
             <a:r>
-              <a:rPr lang="fr-FR" sz="1400" dirty="0" smtClean="0">
+              <a:rPr lang="fr-FR" sz="1400" dirty="0">
                 <a:solidFill>
                   <a:srgbClr val="2F6079"/>
                 </a:solidFill>
@@ -3486,18 +3522,7 @@
                 <a:ea typeface="Lato Light" panose="020F0502020204030203" pitchFamily="34" charset="0"/>
                 <a:cs typeface="Lato Light" panose="020F0502020204030203" pitchFamily="34" charset="0"/>
               </a:rPr>
-              <a:t>« Ca </a:t>
-            </a:r>
-            <a:r>
-              <a:rPr lang="fr-FR" sz="1400" dirty="0">
-                <a:solidFill>
-                  <a:srgbClr val="2F6079"/>
-                </a:solidFill>
-                <a:latin typeface="Lato Light" panose="020F0502020204030203" pitchFamily="34" charset="0"/>
-                <a:ea typeface="Lato Light" panose="020F0502020204030203" pitchFamily="34" charset="0"/>
-                <a:cs typeface="Lato Light" panose="020F0502020204030203" pitchFamily="34" charset="0"/>
-              </a:rPr>
-              <a:t>part en </a:t>
+              <a:t>« Ca part en </a:t>
             </a:r>
             <a:r>
               <a:rPr lang="fr-FR" sz="1400" dirty="0" err="1">
@@ -3519,21 +3544,10 @@
                 <a:ea typeface="Lato Light" panose="020F0502020204030203" pitchFamily="34" charset="0"/>
                 <a:cs typeface="Lato Light" panose="020F0502020204030203" pitchFamily="34" charset="0"/>
               </a:rPr>
-              <a:t> </a:t>
-            </a:r>
-            <a:r>
-              <a:rPr lang="fr-FR" sz="1400" dirty="0" smtClean="0">
-                <a:solidFill>
-                  <a:srgbClr val="2F6079"/>
-                </a:solidFill>
-                <a:latin typeface="Lato Light" panose="020F0502020204030203" pitchFamily="34" charset="0"/>
-                <a:ea typeface="Lato Light" panose="020F0502020204030203" pitchFamily="34" charset="0"/>
-                <a:cs typeface="Lato Light" panose="020F0502020204030203" pitchFamily="34" charset="0"/>
-              </a:rPr>
-              <a:t>! »</a:t>
+              <a:t> ! »</a:t>
             </a:r>
             <a:br>
-              <a:rPr lang="fr-FR" sz="1400" dirty="0" smtClean="0">
+              <a:rPr lang="fr-FR" sz="1400" dirty="0">
                 <a:solidFill>
                   <a:srgbClr val="2F6079"/>
                 </a:solidFill>
@@ -3543,7 +3557,7 @@
               </a:rPr>
             </a:br>
             <a:r>
-              <a:rPr lang="fr-FR" sz="1400" dirty="0" smtClean="0">
+              <a:rPr lang="fr-FR" sz="1400" dirty="0">
                 <a:solidFill>
                   <a:srgbClr val="2F6079"/>
                 </a:solidFill>
@@ -3551,40 +3565,7 @@
                 <a:ea typeface="Lato Light" panose="020F0502020204030203" pitchFamily="34" charset="0"/>
                 <a:cs typeface="Lato Light" panose="020F0502020204030203" pitchFamily="34" charset="0"/>
               </a:rPr>
-              <a:t>Testez </a:t>
-            </a:r>
-            <a:r>
-              <a:rPr lang="fr-FR" sz="1400" dirty="0">
-                <a:solidFill>
-                  <a:srgbClr val="2F6079"/>
-                </a:solidFill>
-                <a:latin typeface="Lato Light" panose="020F0502020204030203" pitchFamily="34" charset="0"/>
-                <a:ea typeface="Lato Light" panose="020F0502020204030203" pitchFamily="34" charset="0"/>
-                <a:cs typeface="Lato Light" panose="020F0502020204030203" pitchFamily="34" charset="0"/>
-              </a:rPr>
-              <a:t>la résilience de </a:t>
-            </a:r>
-            <a:r>
-              <a:rPr lang="fr-FR" sz="1400" dirty="0" smtClean="0">
-                <a:solidFill>
-                  <a:srgbClr val="2F6079"/>
-                </a:solidFill>
-                <a:latin typeface="Lato Light" panose="020F0502020204030203" pitchFamily="34" charset="0"/>
-                <a:ea typeface="Lato Light" panose="020F0502020204030203" pitchFamily="34" charset="0"/>
-                <a:cs typeface="Lato Light" panose="020F0502020204030203" pitchFamily="34" charset="0"/>
-              </a:rPr>
-              <a:t>votre appli </a:t>
-            </a:r>
-            <a:r>
-              <a:rPr lang="fr-FR" sz="1400" dirty="0">
-                <a:solidFill>
-                  <a:srgbClr val="2F6079"/>
-                </a:solidFill>
-                <a:latin typeface="Lato Light" panose="020F0502020204030203" pitchFamily="34" charset="0"/>
-                <a:ea typeface="Lato Light" panose="020F0502020204030203" pitchFamily="34" charset="0"/>
-                <a:cs typeface="Lato Light" panose="020F0502020204030203" pitchFamily="34" charset="0"/>
-              </a:rPr>
-              <a:t>par le chaos</a:t>
+              <a:t>Testez la résilience de votre appli par le chaos</a:t>
             </a:r>
             <a:r>
               <a:rPr lang="fr-FR" sz="1400" dirty="0">
@@ -3643,7 +3624,7 @@
           <a:lstStyle/>
           <a:p>
             <a:r>
-              <a:rPr lang="fr-FR" sz="1200" i="1" dirty="0" smtClean="0">
+              <a:rPr lang="fr-FR" sz="1200" i="1" dirty="0">
                 <a:solidFill>
                   <a:srgbClr val="2F6079"/>
                 </a:solidFill>
@@ -3653,14 +3634,6 @@
               </a:rPr>
               <a:t>Pierre GAULTIER, Sullivan PINEAU, Paul ROYE</a:t>
             </a:r>
-            <a:endParaRPr lang="fr-FR" sz="1200" i="1" dirty="0">
-              <a:solidFill>
-                <a:srgbClr val="2F6079"/>
-              </a:solidFill>
-              <a:latin typeface="Lato Light" panose="020F0502020204030203" pitchFamily="34" charset="0"/>
-              <a:ea typeface="Lato Light" panose="020F0502020204030203" pitchFamily="34" charset="0"/>
-              <a:cs typeface="Lato Light" panose="020F0502020204030203" pitchFamily="34" charset="0"/>
-            </a:endParaRPr>
           </a:p>
         </p:txBody>
       </p:sp>
@@ -3709,13 +3682,6 @@
   <p:clrMapOvr>
     <a:masterClrMapping/>
   </p:clrMapOvr>
-  <p:timing>
-    <p:tnLst>
-      <p:par>
-        <p:cTn id="1" dur="indefinite" restart="never" nodeType="tmRoot"/>
-      </p:par>
-    </p:tnLst>
-  </p:timing>
 </p:sldLayout>
 </file>
 
@@ -3752,10 +3718,9 @@
           <a:lstStyle/>
           <a:p>
             <a:r>
-              <a:rPr lang="fr-FR" smtClean="0"/>
+              <a:rPr lang="fr-FR"/>
               <a:t>Modifiez le style du titre</a:t>
             </a:r>
-            <a:endParaRPr lang="fr-FR"/>
           </a:p>
         </p:txBody>
       </p:sp>
@@ -3776,38 +3741,37 @@
           <a:p>
             <a:pPr lvl="0"/>
             <a:r>
-              <a:rPr lang="fr-FR" smtClean="0"/>
+              <a:rPr lang="fr-FR"/>
               <a:t>Modifier les styles du texte du masque</a:t>
             </a:r>
           </a:p>
           <a:p>
             <a:pPr lvl="1"/>
             <a:r>
-              <a:rPr lang="fr-FR" smtClean="0"/>
+              <a:rPr lang="fr-FR"/>
               <a:t>Deuxième niveau</a:t>
             </a:r>
           </a:p>
           <a:p>
             <a:pPr lvl="2"/>
             <a:r>
-              <a:rPr lang="fr-FR" smtClean="0"/>
+              <a:rPr lang="fr-FR"/>
               <a:t>Troisième niveau</a:t>
             </a:r>
           </a:p>
           <a:p>
             <a:pPr lvl="3"/>
             <a:r>
-              <a:rPr lang="fr-FR" smtClean="0"/>
+              <a:rPr lang="fr-FR"/>
               <a:t>Quatrième niveau</a:t>
             </a:r>
           </a:p>
           <a:p>
             <a:pPr lvl="4"/>
             <a:r>
-              <a:rPr lang="fr-FR" smtClean="0"/>
+              <a:rPr lang="fr-FR"/>
               <a:t>Cinquième niveau</a:t>
             </a:r>
-            <a:endParaRPr lang="fr-FR"/>
           </a:p>
         </p:txBody>
       </p:sp>
@@ -3828,7 +3792,7 @@
           <a:p>
             <a:fld id="{53F1A578-CF54-4F7E-B632-6057828CF008}" type="datetime1">
               <a:rPr lang="fr-FR" smtClean="0"/>
-              <a:t>18/01/2020</a:t>
+              <a:t>22/01/2020</a:t>
             </a:fld>
             <a:endParaRPr lang="fr-FR"/>
           </a:p>
@@ -3927,10 +3891,9 @@
           <a:lstStyle/>
           <a:p>
             <a:r>
-              <a:rPr lang="fr-FR" smtClean="0"/>
+              <a:rPr lang="fr-FR"/>
               <a:t>Modifiez le style du titre</a:t>
             </a:r>
-            <a:endParaRPr lang="fr-FR"/>
           </a:p>
         </p:txBody>
       </p:sp>
@@ -3956,38 +3919,37 @@
           <a:p>
             <a:pPr lvl="0"/>
             <a:r>
-              <a:rPr lang="fr-FR" smtClean="0"/>
+              <a:rPr lang="fr-FR"/>
               <a:t>Modifier les styles du texte du masque</a:t>
             </a:r>
           </a:p>
           <a:p>
             <a:pPr lvl="1"/>
             <a:r>
-              <a:rPr lang="fr-FR" smtClean="0"/>
+              <a:rPr lang="fr-FR"/>
               <a:t>Deuxième niveau</a:t>
             </a:r>
           </a:p>
           <a:p>
             <a:pPr lvl="2"/>
             <a:r>
-              <a:rPr lang="fr-FR" smtClean="0"/>
+              <a:rPr lang="fr-FR"/>
               <a:t>Troisième niveau</a:t>
             </a:r>
           </a:p>
           <a:p>
             <a:pPr lvl="3"/>
             <a:r>
-              <a:rPr lang="fr-FR" smtClean="0"/>
+              <a:rPr lang="fr-FR"/>
               <a:t>Quatrième niveau</a:t>
             </a:r>
           </a:p>
           <a:p>
             <a:pPr lvl="4"/>
             <a:r>
-              <a:rPr lang="fr-FR" smtClean="0"/>
+              <a:rPr lang="fr-FR"/>
               <a:t>Cinquième niveau</a:t>
             </a:r>
-            <a:endParaRPr lang="fr-FR"/>
           </a:p>
         </p:txBody>
       </p:sp>
@@ -4008,7 +3970,7 @@
           <a:p>
             <a:fld id="{BE76CFE2-95CD-4A32-97B1-F5ACE338180B}" type="datetime1">
               <a:rPr lang="fr-FR" smtClean="0"/>
-              <a:t>18/01/2020</a:t>
+              <a:t>22/01/2020</a:t>
             </a:fld>
             <a:endParaRPr lang="fr-FR"/>
           </a:p>
@@ -4114,10 +4076,9 @@
           </a:lstStyle>
           <a:p>
             <a:r>
-              <a:rPr lang="fr-FR" smtClean="0"/>
+              <a:rPr lang="fr-FR"/>
               <a:t>Modifiez le style du titre</a:t>
             </a:r>
-            <a:endParaRPr lang="fr-FR"/>
           </a:p>
         </p:txBody>
       </p:sp>
@@ -4182,10 +4143,9 @@
           </a:lstStyle>
           <a:p>
             <a:r>
-              <a:rPr lang="fr-FR" smtClean="0"/>
+              <a:rPr lang="fr-FR"/>
               <a:t>Modifier le style des sous-titres du masque</a:t>
             </a:r>
-            <a:endParaRPr lang="fr-FR"/>
           </a:p>
         </p:txBody>
       </p:sp>
@@ -4214,7 +4174,7 @@
           <a:p>
             <a:fld id="{01328BD3-3DC5-4EE9-9517-503B3CBDB3D9}" type="datetimeFigureOut">
               <a:rPr lang="fr-FR" smtClean="0"/>
-              <a:t>18/01/2020</a:t>
+              <a:t>22/01/2020</a:t>
             </a:fld>
             <a:endParaRPr lang="fr-FR"/>
           </a:p>
@@ -4332,10 +4292,9 @@
           <a:lstStyle/>
           <a:p>
             <a:r>
-              <a:rPr lang="fr-FR" smtClean="0"/>
+              <a:rPr lang="fr-FR"/>
               <a:t>Modifiez le style du titre</a:t>
             </a:r>
-            <a:endParaRPr lang="fr-FR"/>
           </a:p>
         </p:txBody>
       </p:sp>
@@ -4364,38 +4323,37 @@
           <a:p>
             <a:pPr lvl="0"/>
             <a:r>
-              <a:rPr lang="fr-FR" smtClean="0"/>
+              <a:rPr lang="fr-FR"/>
               <a:t>Modifier les styles du texte du masque</a:t>
             </a:r>
           </a:p>
           <a:p>
             <a:pPr lvl="1"/>
             <a:r>
-              <a:rPr lang="fr-FR" smtClean="0"/>
+              <a:rPr lang="fr-FR"/>
               <a:t>Deuxième niveau</a:t>
             </a:r>
           </a:p>
           <a:p>
             <a:pPr lvl="2"/>
             <a:r>
-              <a:rPr lang="fr-FR" smtClean="0"/>
+              <a:rPr lang="fr-FR"/>
               <a:t>Troisième niveau</a:t>
             </a:r>
           </a:p>
           <a:p>
             <a:pPr lvl="3"/>
             <a:r>
-              <a:rPr lang="fr-FR" smtClean="0"/>
+              <a:rPr lang="fr-FR"/>
               <a:t>Quatrième niveau</a:t>
             </a:r>
           </a:p>
           <a:p>
             <a:pPr lvl="4"/>
             <a:r>
-              <a:rPr lang="fr-FR" smtClean="0"/>
+              <a:rPr lang="fr-FR"/>
               <a:t>Cinquième niveau</a:t>
             </a:r>
-            <a:endParaRPr lang="fr-FR"/>
           </a:p>
         </p:txBody>
       </p:sp>
@@ -4424,7 +4382,7 @@
           <a:p>
             <a:fld id="{01328BD3-3DC5-4EE9-9517-503B3CBDB3D9}" type="datetimeFigureOut">
               <a:rPr lang="fr-FR" smtClean="0"/>
-              <a:t>18/01/2020</a:t>
+              <a:t>22/01/2020</a:t>
             </a:fld>
             <a:endParaRPr lang="fr-FR"/>
           </a:p>
@@ -4546,10 +4504,9 @@
           </a:lstStyle>
           <a:p>
             <a:r>
-              <a:rPr lang="fr-FR" smtClean="0"/>
+              <a:rPr lang="fr-FR"/>
               <a:t>Modifiez le style du titre</a:t>
             </a:r>
-            <a:endParaRPr lang="fr-FR"/>
           </a:p>
         </p:txBody>
       </p:sp>
@@ -4669,7 +4626,7 @@
           <a:p>
             <a:pPr lvl="0"/>
             <a:r>
-              <a:rPr lang="fr-FR" smtClean="0"/>
+              <a:rPr lang="fr-FR"/>
               <a:t>Modifier les styles du texte du masque</a:t>
             </a:r>
           </a:p>
@@ -4700,7 +4657,7 @@
           <a:p>
             <a:fld id="{01328BD3-3DC5-4EE9-9517-503B3CBDB3D9}" type="datetimeFigureOut">
               <a:rPr lang="fr-FR" smtClean="0"/>
-              <a:t>18/01/2020</a:t>
+              <a:t>22/01/2020</a:t>
             </a:fld>
             <a:endParaRPr lang="fr-FR"/>
           </a:p>
@@ -4818,10 +4775,9 @@
           <a:lstStyle/>
           <a:p>
             <a:r>
-              <a:rPr lang="fr-FR" smtClean="0"/>
+              <a:rPr lang="fr-FR"/>
               <a:t>Modifiez le style du titre</a:t>
             </a:r>
-            <a:endParaRPr lang="fr-FR"/>
           </a:p>
         </p:txBody>
       </p:sp>
@@ -4850,38 +4806,37 @@
           <a:p>
             <a:pPr lvl="0"/>
             <a:r>
-              <a:rPr lang="fr-FR" smtClean="0"/>
+              <a:rPr lang="fr-FR"/>
               <a:t>Modifier les styles du texte du masque</a:t>
             </a:r>
           </a:p>
           <a:p>
             <a:pPr lvl="1"/>
             <a:r>
-              <a:rPr lang="fr-FR" smtClean="0"/>
+              <a:rPr lang="fr-FR"/>
               <a:t>Deuxième niveau</a:t>
             </a:r>
           </a:p>
           <a:p>
             <a:pPr lvl="2"/>
             <a:r>
-              <a:rPr lang="fr-FR" smtClean="0"/>
+              <a:rPr lang="fr-FR"/>
               <a:t>Troisième niveau</a:t>
             </a:r>
           </a:p>
           <a:p>
             <a:pPr lvl="3"/>
             <a:r>
-              <a:rPr lang="fr-FR" smtClean="0"/>
+              <a:rPr lang="fr-FR"/>
               <a:t>Quatrième niveau</a:t>
             </a:r>
           </a:p>
           <a:p>
             <a:pPr lvl="4"/>
             <a:r>
-              <a:rPr lang="fr-FR" smtClean="0"/>
+              <a:rPr lang="fr-FR"/>
               <a:t>Cinquième niveau</a:t>
             </a:r>
-            <a:endParaRPr lang="fr-FR"/>
           </a:p>
         </p:txBody>
       </p:sp>
@@ -4910,38 +4865,37 @@
           <a:p>
             <a:pPr lvl="0"/>
             <a:r>
-              <a:rPr lang="fr-FR" smtClean="0"/>
+              <a:rPr lang="fr-FR"/>
               <a:t>Modifier les styles du texte du masque</a:t>
             </a:r>
           </a:p>
           <a:p>
             <a:pPr lvl="1"/>
             <a:r>
-              <a:rPr lang="fr-FR" smtClean="0"/>
+              <a:rPr lang="fr-FR"/>
               <a:t>Deuxième niveau</a:t>
             </a:r>
           </a:p>
           <a:p>
             <a:pPr lvl="2"/>
             <a:r>
-              <a:rPr lang="fr-FR" smtClean="0"/>
+              <a:rPr lang="fr-FR"/>
               <a:t>Troisième niveau</a:t>
             </a:r>
           </a:p>
           <a:p>
             <a:pPr lvl="3"/>
             <a:r>
-              <a:rPr lang="fr-FR" smtClean="0"/>
+              <a:rPr lang="fr-FR"/>
               <a:t>Quatrième niveau</a:t>
             </a:r>
           </a:p>
           <a:p>
             <a:pPr lvl="4"/>
             <a:r>
-              <a:rPr lang="fr-FR" smtClean="0"/>
+              <a:rPr lang="fr-FR"/>
               <a:t>Cinquième niveau</a:t>
             </a:r>
-            <a:endParaRPr lang="fr-FR"/>
           </a:p>
         </p:txBody>
       </p:sp>
@@ -4970,7 +4924,7 @@
           <a:p>
             <a:fld id="{01328BD3-3DC5-4EE9-9517-503B3CBDB3D9}" type="datetimeFigureOut">
               <a:rPr lang="fr-FR" smtClean="0"/>
-              <a:t>18/01/2020</a:t>
+              <a:t>22/01/2020</a:t>
             </a:fld>
             <a:endParaRPr lang="fr-FR"/>
           </a:p>
@@ -5088,10 +5042,9 @@
           <a:lstStyle/>
           <a:p>
             <a:r>
-              <a:rPr lang="fr-FR" smtClean="0"/>
+              <a:rPr lang="fr-FR"/>
               <a:t>Modifiez le style du titre</a:t>
             </a:r>
-            <a:endParaRPr lang="fr-FR"/>
           </a:p>
         </p:txBody>
       </p:sp>
@@ -5157,7 +5110,7 @@
           <a:p>
             <a:pPr lvl="0"/>
             <a:r>
-              <a:rPr lang="fr-FR" smtClean="0"/>
+              <a:rPr lang="fr-FR"/>
               <a:t>Modifier les styles du texte du masque</a:t>
             </a:r>
           </a:p>
@@ -5188,38 +5141,37 @@
           <a:p>
             <a:pPr lvl="0"/>
             <a:r>
-              <a:rPr lang="fr-FR" smtClean="0"/>
+              <a:rPr lang="fr-FR"/>
               <a:t>Modifier les styles du texte du masque</a:t>
             </a:r>
           </a:p>
           <a:p>
             <a:pPr lvl="1"/>
             <a:r>
-              <a:rPr lang="fr-FR" smtClean="0"/>
+              <a:rPr lang="fr-FR"/>
               <a:t>Deuxième niveau</a:t>
             </a:r>
           </a:p>
           <a:p>
             <a:pPr lvl="2"/>
             <a:r>
-              <a:rPr lang="fr-FR" smtClean="0"/>
+              <a:rPr lang="fr-FR"/>
               <a:t>Troisième niveau</a:t>
             </a:r>
           </a:p>
           <a:p>
             <a:pPr lvl="3"/>
             <a:r>
-              <a:rPr lang="fr-FR" smtClean="0"/>
+              <a:rPr lang="fr-FR"/>
               <a:t>Quatrième niveau</a:t>
             </a:r>
           </a:p>
           <a:p>
             <a:pPr lvl="4"/>
             <a:r>
-              <a:rPr lang="fr-FR" smtClean="0"/>
+              <a:rPr lang="fr-FR"/>
               <a:t>Cinquième niveau</a:t>
             </a:r>
-            <a:endParaRPr lang="fr-FR"/>
           </a:p>
         </p:txBody>
       </p:sp>
@@ -5285,7 +5237,7 @@
           <a:p>
             <a:pPr lvl="0"/>
             <a:r>
-              <a:rPr lang="fr-FR" smtClean="0"/>
+              <a:rPr lang="fr-FR"/>
               <a:t>Modifier les styles du texte du masque</a:t>
             </a:r>
           </a:p>
@@ -5316,38 +5268,37 @@
           <a:p>
             <a:pPr lvl="0"/>
             <a:r>
-              <a:rPr lang="fr-FR" smtClean="0"/>
+              <a:rPr lang="fr-FR"/>
               <a:t>Modifier les styles du texte du masque</a:t>
             </a:r>
           </a:p>
           <a:p>
             <a:pPr lvl="1"/>
             <a:r>
-              <a:rPr lang="fr-FR" smtClean="0"/>
+              <a:rPr lang="fr-FR"/>
               <a:t>Deuxième niveau</a:t>
             </a:r>
           </a:p>
           <a:p>
             <a:pPr lvl="2"/>
             <a:r>
-              <a:rPr lang="fr-FR" smtClean="0"/>
+              <a:rPr lang="fr-FR"/>
               <a:t>Troisième niveau</a:t>
             </a:r>
           </a:p>
           <a:p>
             <a:pPr lvl="3"/>
             <a:r>
-              <a:rPr lang="fr-FR" smtClean="0"/>
+              <a:rPr lang="fr-FR"/>
               <a:t>Quatrième niveau</a:t>
             </a:r>
           </a:p>
           <a:p>
             <a:pPr lvl="4"/>
             <a:r>
-              <a:rPr lang="fr-FR" smtClean="0"/>
+              <a:rPr lang="fr-FR"/>
               <a:t>Cinquième niveau</a:t>
             </a:r>
-            <a:endParaRPr lang="fr-FR"/>
           </a:p>
         </p:txBody>
       </p:sp>
@@ -5376,7 +5327,7 @@
           <a:p>
             <a:fld id="{01328BD3-3DC5-4EE9-9517-503B3CBDB3D9}" type="datetimeFigureOut">
               <a:rPr lang="fr-FR" smtClean="0"/>
-              <a:t>18/01/2020</a:t>
+              <a:t>22/01/2020</a:t>
             </a:fld>
             <a:endParaRPr lang="fr-FR"/>
           </a:p>
@@ -5494,10 +5445,9 @@
           <a:lstStyle/>
           <a:p>
             <a:r>
-              <a:rPr lang="fr-FR" smtClean="0"/>
+              <a:rPr lang="fr-FR"/>
               <a:t>Modifiez le style du titre</a:t>
             </a:r>
-            <a:endParaRPr lang="fr-FR"/>
           </a:p>
         </p:txBody>
       </p:sp>
@@ -5526,7 +5476,7 @@
           <a:p>
             <a:fld id="{01328BD3-3DC5-4EE9-9517-503B3CBDB3D9}" type="datetimeFigureOut">
               <a:rPr lang="fr-FR" smtClean="0"/>
-              <a:t>18/01/2020</a:t>
+              <a:t>22/01/2020</a:t>
             </a:fld>
             <a:endParaRPr lang="fr-FR"/>
           </a:p>
@@ -5645,7 +5595,7 @@
           <a:p>
             <a:fld id="{01328BD3-3DC5-4EE9-9517-503B3CBDB3D9}" type="datetimeFigureOut">
               <a:rPr lang="fr-FR" smtClean="0"/>
-              <a:t>18/01/2020</a:t>
+              <a:t>22/01/2020</a:t>
             </a:fld>
             <a:endParaRPr lang="fr-FR"/>
           </a:p>
@@ -5767,10 +5717,9 @@
           </a:lstStyle>
           <a:p>
             <a:r>
-              <a:rPr lang="fr-FR" smtClean="0"/>
+              <a:rPr lang="fr-FR"/>
               <a:t>Modifiez le style du titre</a:t>
             </a:r>
-            <a:endParaRPr lang="fr-FR"/>
           </a:p>
         </p:txBody>
       </p:sp>
@@ -5827,38 +5776,37 @@
           <a:p>
             <a:pPr lvl="0"/>
             <a:r>
-              <a:rPr lang="fr-FR" smtClean="0"/>
+              <a:rPr lang="fr-FR"/>
               <a:t>Modifier les styles du texte du masque</a:t>
             </a:r>
           </a:p>
           <a:p>
             <a:pPr lvl="1"/>
             <a:r>
-              <a:rPr lang="fr-FR" smtClean="0"/>
+              <a:rPr lang="fr-FR"/>
               <a:t>Deuxième niveau</a:t>
             </a:r>
           </a:p>
           <a:p>
             <a:pPr lvl="2"/>
             <a:r>
-              <a:rPr lang="fr-FR" smtClean="0"/>
+              <a:rPr lang="fr-FR"/>
               <a:t>Troisième niveau</a:t>
             </a:r>
           </a:p>
           <a:p>
             <a:pPr lvl="3"/>
             <a:r>
-              <a:rPr lang="fr-FR" smtClean="0"/>
+              <a:rPr lang="fr-FR"/>
               <a:t>Quatrième niveau</a:t>
             </a:r>
           </a:p>
           <a:p>
             <a:pPr lvl="4"/>
             <a:r>
-              <a:rPr lang="fr-FR" smtClean="0"/>
+              <a:rPr lang="fr-FR"/>
               <a:t>Cinquième niveau</a:t>
             </a:r>
-            <a:endParaRPr lang="fr-FR"/>
           </a:p>
         </p:txBody>
       </p:sp>
@@ -5924,7 +5872,7 @@
           <a:p>
             <a:pPr lvl="0"/>
             <a:r>
-              <a:rPr lang="fr-FR" smtClean="0"/>
+              <a:rPr lang="fr-FR"/>
               <a:t>Modifier les styles du texte du masque</a:t>
             </a:r>
           </a:p>
@@ -5955,7 +5903,7 @@
           <a:p>
             <a:fld id="{01328BD3-3DC5-4EE9-9517-503B3CBDB3D9}" type="datetimeFigureOut">
               <a:rPr lang="fr-FR" smtClean="0"/>
-              <a:t>18/01/2020</a:t>
+              <a:t>22/01/2020</a:t>
             </a:fld>
             <a:endParaRPr lang="fr-FR"/>
           </a:p>
@@ -6065,10 +6013,9 @@
           <a:lstStyle/>
           <a:p>
             <a:r>
-              <a:rPr lang="fr-FR" smtClean="0"/>
+              <a:rPr lang="fr-FR"/>
               <a:t>Modifiez le style du titre</a:t>
             </a:r>
-            <a:endParaRPr lang="fr-FR"/>
           </a:p>
         </p:txBody>
       </p:sp>
@@ -6089,38 +6036,37 @@
           <a:p>
             <a:pPr lvl="0"/>
             <a:r>
-              <a:rPr lang="fr-FR" smtClean="0"/>
+              <a:rPr lang="fr-FR"/>
               <a:t>Modifier les styles du texte du masque</a:t>
             </a:r>
           </a:p>
           <a:p>
             <a:pPr lvl="1"/>
             <a:r>
-              <a:rPr lang="fr-FR" smtClean="0"/>
+              <a:rPr lang="fr-FR"/>
               <a:t>Deuxième niveau</a:t>
             </a:r>
           </a:p>
           <a:p>
             <a:pPr lvl="2"/>
             <a:r>
-              <a:rPr lang="fr-FR" smtClean="0"/>
+              <a:rPr lang="fr-FR"/>
               <a:t>Troisième niveau</a:t>
             </a:r>
           </a:p>
           <a:p>
             <a:pPr lvl="3"/>
             <a:r>
-              <a:rPr lang="fr-FR" smtClean="0"/>
+              <a:rPr lang="fr-FR"/>
               <a:t>Quatrième niveau</a:t>
             </a:r>
           </a:p>
           <a:p>
             <a:pPr lvl="4"/>
             <a:r>
-              <a:rPr lang="fr-FR" smtClean="0"/>
+              <a:rPr lang="fr-FR"/>
               <a:t>Cinquième niveau</a:t>
             </a:r>
-            <a:endParaRPr lang="fr-FR"/>
           </a:p>
         </p:txBody>
       </p:sp>
@@ -6141,7 +6087,7 @@
           <a:p>
             <a:fld id="{83324017-11E6-403C-8DF0-E07D6BBD421D}" type="datetime1">
               <a:rPr lang="fr-FR" smtClean="0"/>
-              <a:t>18/01/2020</a:t>
+              <a:t>22/01/2020</a:t>
             </a:fld>
             <a:endParaRPr lang="fr-FR"/>
           </a:p>
@@ -6199,13 +6145,6 @@
   <p:clrMapOvr>
     <a:masterClrMapping/>
   </p:clrMapOvr>
-  <p:timing>
-    <p:tnLst>
-      <p:par>
-        <p:cTn id="1" dur="indefinite" restart="never" nodeType="tmRoot"/>
-      </p:par>
-    </p:tnLst>
-  </p:timing>
 </p:sldLayout>
 </file>
 
@@ -6254,10 +6193,9 @@
           </a:lstStyle>
           <a:p>
             <a:r>
-              <a:rPr lang="fr-FR" smtClean="0"/>
+              <a:rPr lang="fr-FR"/>
               <a:t>Modifiez le style du titre</a:t>
             </a:r>
-            <a:endParaRPr lang="fr-FR"/>
           </a:p>
         </p:txBody>
       </p:sp>
@@ -6387,7 +6325,7 @@
           <a:p>
             <a:pPr lvl="0"/>
             <a:r>
-              <a:rPr lang="fr-FR" smtClean="0"/>
+              <a:rPr lang="fr-FR"/>
               <a:t>Modifier les styles du texte du masque</a:t>
             </a:r>
           </a:p>
@@ -6418,7 +6356,7 @@
           <a:p>
             <a:fld id="{01328BD3-3DC5-4EE9-9517-503B3CBDB3D9}" type="datetimeFigureOut">
               <a:rPr lang="fr-FR" smtClean="0"/>
-              <a:t>18/01/2020</a:t>
+              <a:t>22/01/2020</a:t>
             </a:fld>
             <a:endParaRPr lang="fr-FR"/>
           </a:p>
@@ -6536,10 +6474,9 @@
           <a:lstStyle/>
           <a:p>
             <a:r>
-              <a:rPr lang="fr-FR" smtClean="0"/>
+              <a:rPr lang="fr-FR"/>
               <a:t>Modifiez le style du titre</a:t>
             </a:r>
-            <a:endParaRPr lang="fr-FR"/>
           </a:p>
         </p:txBody>
       </p:sp>
@@ -6568,38 +6505,37 @@
           <a:p>
             <a:pPr lvl="0"/>
             <a:r>
-              <a:rPr lang="fr-FR" smtClean="0"/>
+              <a:rPr lang="fr-FR"/>
               <a:t>Modifier les styles du texte du masque</a:t>
             </a:r>
           </a:p>
           <a:p>
             <a:pPr lvl="1"/>
             <a:r>
-              <a:rPr lang="fr-FR" smtClean="0"/>
+              <a:rPr lang="fr-FR"/>
               <a:t>Deuxième niveau</a:t>
             </a:r>
           </a:p>
           <a:p>
             <a:pPr lvl="2"/>
             <a:r>
-              <a:rPr lang="fr-FR" smtClean="0"/>
+              <a:rPr lang="fr-FR"/>
               <a:t>Troisième niveau</a:t>
             </a:r>
           </a:p>
           <a:p>
             <a:pPr lvl="3"/>
             <a:r>
-              <a:rPr lang="fr-FR" smtClean="0"/>
+              <a:rPr lang="fr-FR"/>
               <a:t>Quatrième niveau</a:t>
             </a:r>
           </a:p>
           <a:p>
             <a:pPr lvl="4"/>
             <a:r>
-              <a:rPr lang="fr-FR" smtClean="0"/>
+              <a:rPr lang="fr-FR"/>
               <a:t>Cinquième niveau</a:t>
             </a:r>
-            <a:endParaRPr lang="fr-FR"/>
           </a:p>
         </p:txBody>
       </p:sp>
@@ -6628,7 +6564,7 @@
           <a:p>
             <a:fld id="{01328BD3-3DC5-4EE9-9517-503B3CBDB3D9}" type="datetimeFigureOut">
               <a:rPr lang="fr-FR" smtClean="0"/>
-              <a:t>18/01/2020</a:t>
+              <a:t>22/01/2020</a:t>
             </a:fld>
             <a:endParaRPr lang="fr-FR"/>
           </a:p>
@@ -6746,10 +6682,9 @@
           <a:lstStyle/>
           <a:p>
             <a:r>
-              <a:rPr lang="fr-FR" smtClean="0"/>
+              <a:rPr lang="fr-FR"/>
               <a:t>Modifiez le style du titre</a:t>
             </a:r>
-            <a:endParaRPr lang="fr-FR"/>
           </a:p>
         </p:txBody>
       </p:sp>
@@ -6778,38 +6713,37 @@
           <a:p>
             <a:pPr lvl="0"/>
             <a:r>
-              <a:rPr lang="fr-FR" smtClean="0"/>
+              <a:rPr lang="fr-FR"/>
               <a:t>Modifier les styles du texte du masque</a:t>
             </a:r>
           </a:p>
           <a:p>
             <a:pPr lvl="1"/>
             <a:r>
-              <a:rPr lang="fr-FR" smtClean="0"/>
+              <a:rPr lang="fr-FR"/>
               <a:t>Deuxième niveau</a:t>
             </a:r>
           </a:p>
           <a:p>
             <a:pPr lvl="2"/>
             <a:r>
-              <a:rPr lang="fr-FR" smtClean="0"/>
+              <a:rPr lang="fr-FR"/>
               <a:t>Troisième niveau</a:t>
             </a:r>
           </a:p>
           <a:p>
             <a:pPr lvl="3"/>
             <a:r>
-              <a:rPr lang="fr-FR" smtClean="0"/>
+              <a:rPr lang="fr-FR"/>
               <a:t>Quatrième niveau</a:t>
             </a:r>
           </a:p>
           <a:p>
             <a:pPr lvl="4"/>
             <a:r>
-              <a:rPr lang="fr-FR" smtClean="0"/>
+              <a:rPr lang="fr-FR"/>
               <a:t>Cinquième niveau</a:t>
             </a:r>
-            <a:endParaRPr lang="fr-FR"/>
           </a:p>
         </p:txBody>
       </p:sp>
@@ -6838,7 +6772,7 @@
           <a:p>
             <a:fld id="{01328BD3-3DC5-4EE9-9517-503B3CBDB3D9}" type="datetimeFigureOut">
               <a:rPr lang="fr-FR" smtClean="0"/>
-              <a:t>18/01/2020</a:t>
+              <a:t>22/01/2020</a:t>
             </a:fld>
             <a:endParaRPr lang="fr-FR"/>
           </a:p>
@@ -6957,10 +6891,9 @@
           </a:lstStyle>
           <a:p>
             <a:r>
-              <a:rPr lang="fr-FR" smtClean="0"/>
+              <a:rPr lang="fr-FR"/>
               <a:t>Modifiez le style du titre</a:t>
             </a:r>
-            <a:endParaRPr lang="fr-FR"/>
           </a:p>
         </p:txBody>
       </p:sp>
@@ -7077,7 +7010,7 @@
           <a:p>
             <a:pPr lvl="0"/>
             <a:r>
-              <a:rPr lang="fr-FR" smtClean="0"/>
+              <a:rPr lang="fr-FR"/>
               <a:t>Modifier les styles du texte du masque</a:t>
             </a:r>
           </a:p>
@@ -7100,7 +7033,7 @@
           <a:p>
             <a:fld id="{52B1F042-851C-4033-9A9B-3785B27AB717}" type="datetime1">
               <a:rPr lang="fr-FR" smtClean="0"/>
-              <a:t>18/01/2020</a:t>
+              <a:t>22/01/2020</a:t>
             </a:fld>
             <a:endParaRPr lang="fr-FR"/>
           </a:p>
@@ -7194,10 +7127,9 @@
           <a:lstStyle/>
           <a:p>
             <a:r>
-              <a:rPr lang="fr-FR" smtClean="0"/>
+              <a:rPr lang="fr-FR"/>
               <a:t>Modifiez le style du titre</a:t>
             </a:r>
-            <a:endParaRPr lang="fr-FR"/>
           </a:p>
         </p:txBody>
       </p:sp>
@@ -7223,38 +7155,37 @@
           <a:p>
             <a:pPr lvl="0"/>
             <a:r>
-              <a:rPr lang="fr-FR" smtClean="0"/>
+              <a:rPr lang="fr-FR"/>
               <a:t>Modifier les styles du texte du masque</a:t>
             </a:r>
           </a:p>
           <a:p>
             <a:pPr lvl="1"/>
             <a:r>
-              <a:rPr lang="fr-FR" smtClean="0"/>
+              <a:rPr lang="fr-FR"/>
               <a:t>Deuxième niveau</a:t>
             </a:r>
           </a:p>
           <a:p>
             <a:pPr lvl="2"/>
             <a:r>
-              <a:rPr lang="fr-FR" smtClean="0"/>
+              <a:rPr lang="fr-FR"/>
               <a:t>Troisième niveau</a:t>
             </a:r>
           </a:p>
           <a:p>
             <a:pPr lvl="3"/>
             <a:r>
-              <a:rPr lang="fr-FR" smtClean="0"/>
+              <a:rPr lang="fr-FR"/>
               <a:t>Quatrième niveau</a:t>
             </a:r>
           </a:p>
           <a:p>
             <a:pPr lvl="4"/>
             <a:r>
-              <a:rPr lang="fr-FR" smtClean="0"/>
+              <a:rPr lang="fr-FR"/>
               <a:t>Cinquième niveau</a:t>
             </a:r>
-            <a:endParaRPr lang="fr-FR"/>
           </a:p>
         </p:txBody>
       </p:sp>
@@ -7280,38 +7211,37 @@
           <a:p>
             <a:pPr lvl="0"/>
             <a:r>
-              <a:rPr lang="fr-FR" smtClean="0"/>
+              <a:rPr lang="fr-FR"/>
               <a:t>Modifier les styles du texte du masque</a:t>
             </a:r>
           </a:p>
           <a:p>
             <a:pPr lvl="1"/>
             <a:r>
-              <a:rPr lang="fr-FR" smtClean="0"/>
+              <a:rPr lang="fr-FR"/>
               <a:t>Deuxième niveau</a:t>
             </a:r>
           </a:p>
           <a:p>
             <a:pPr lvl="2"/>
             <a:r>
-              <a:rPr lang="fr-FR" smtClean="0"/>
+              <a:rPr lang="fr-FR"/>
               <a:t>Troisième niveau</a:t>
             </a:r>
           </a:p>
           <a:p>
             <a:pPr lvl="3"/>
             <a:r>
-              <a:rPr lang="fr-FR" smtClean="0"/>
+              <a:rPr lang="fr-FR"/>
               <a:t>Quatrième niveau</a:t>
             </a:r>
           </a:p>
           <a:p>
             <a:pPr lvl="4"/>
             <a:r>
-              <a:rPr lang="fr-FR" smtClean="0"/>
+              <a:rPr lang="fr-FR"/>
               <a:t>Cinquième niveau</a:t>
             </a:r>
-            <a:endParaRPr lang="fr-FR"/>
           </a:p>
         </p:txBody>
       </p:sp>
@@ -7332,7 +7262,7 @@
           <a:p>
             <a:fld id="{034A8F9E-78CD-455C-818B-DD4A961B9150}" type="datetime1">
               <a:rPr lang="fr-FR" smtClean="0"/>
-              <a:t>18/01/2020</a:t>
+              <a:t>22/01/2020</a:t>
             </a:fld>
             <a:endParaRPr lang="fr-FR"/>
           </a:p>
@@ -7431,10 +7361,9 @@
           <a:lstStyle/>
           <a:p>
             <a:r>
-              <a:rPr lang="fr-FR" smtClean="0"/>
+              <a:rPr lang="fr-FR"/>
               <a:t>Modifiez le style du titre</a:t>
             </a:r>
-            <a:endParaRPr lang="fr-FR"/>
           </a:p>
         </p:txBody>
       </p:sp>
@@ -7497,7 +7426,7 @@
           <a:p>
             <a:pPr lvl="0"/>
             <a:r>
-              <a:rPr lang="fr-FR" smtClean="0"/>
+              <a:rPr lang="fr-FR"/>
               <a:t>Modifier les styles du texte du masque</a:t>
             </a:r>
           </a:p>
@@ -7525,38 +7454,37 @@
           <a:p>
             <a:pPr lvl="0"/>
             <a:r>
-              <a:rPr lang="fr-FR" smtClean="0"/>
+              <a:rPr lang="fr-FR"/>
               <a:t>Modifier les styles du texte du masque</a:t>
             </a:r>
           </a:p>
           <a:p>
             <a:pPr lvl="1"/>
             <a:r>
-              <a:rPr lang="fr-FR" smtClean="0"/>
+              <a:rPr lang="fr-FR"/>
               <a:t>Deuxième niveau</a:t>
             </a:r>
           </a:p>
           <a:p>
             <a:pPr lvl="2"/>
             <a:r>
-              <a:rPr lang="fr-FR" smtClean="0"/>
+              <a:rPr lang="fr-FR"/>
               <a:t>Troisième niveau</a:t>
             </a:r>
           </a:p>
           <a:p>
             <a:pPr lvl="3"/>
             <a:r>
-              <a:rPr lang="fr-FR" smtClean="0"/>
+              <a:rPr lang="fr-FR"/>
               <a:t>Quatrième niveau</a:t>
             </a:r>
           </a:p>
           <a:p>
             <a:pPr lvl="4"/>
             <a:r>
-              <a:rPr lang="fr-FR" smtClean="0"/>
+              <a:rPr lang="fr-FR"/>
               <a:t>Cinquième niveau</a:t>
             </a:r>
-            <a:endParaRPr lang="fr-FR"/>
           </a:p>
         </p:txBody>
       </p:sp>
@@ -7619,7 +7547,7 @@
           <a:p>
             <a:pPr lvl="0"/>
             <a:r>
-              <a:rPr lang="fr-FR" smtClean="0"/>
+              <a:rPr lang="fr-FR"/>
               <a:t>Modifier les styles du texte du masque</a:t>
             </a:r>
           </a:p>
@@ -7647,38 +7575,37 @@
           <a:p>
             <a:pPr lvl="0"/>
             <a:r>
-              <a:rPr lang="fr-FR" smtClean="0"/>
+              <a:rPr lang="fr-FR"/>
               <a:t>Modifier les styles du texte du masque</a:t>
             </a:r>
           </a:p>
           <a:p>
             <a:pPr lvl="1"/>
             <a:r>
-              <a:rPr lang="fr-FR" smtClean="0"/>
+              <a:rPr lang="fr-FR"/>
               <a:t>Deuxième niveau</a:t>
             </a:r>
           </a:p>
           <a:p>
             <a:pPr lvl="2"/>
             <a:r>
-              <a:rPr lang="fr-FR" smtClean="0"/>
+              <a:rPr lang="fr-FR"/>
               <a:t>Troisième niveau</a:t>
             </a:r>
           </a:p>
           <a:p>
             <a:pPr lvl="3"/>
             <a:r>
-              <a:rPr lang="fr-FR" smtClean="0"/>
+              <a:rPr lang="fr-FR"/>
               <a:t>Quatrième niveau</a:t>
             </a:r>
           </a:p>
           <a:p>
             <a:pPr lvl="4"/>
             <a:r>
-              <a:rPr lang="fr-FR" smtClean="0"/>
+              <a:rPr lang="fr-FR"/>
               <a:t>Cinquième niveau</a:t>
             </a:r>
-            <a:endParaRPr lang="fr-FR"/>
           </a:p>
         </p:txBody>
       </p:sp>
@@ -7699,7 +7626,7 @@
           <a:p>
             <a:fld id="{81576C7E-E8E0-4F9E-BE7E-1BC578A50B5B}" type="datetime1">
               <a:rPr lang="fr-FR" smtClean="0"/>
-              <a:t>18/01/2020</a:t>
+              <a:t>22/01/2020</a:t>
             </a:fld>
             <a:endParaRPr lang="fr-FR"/>
           </a:p>
@@ -7793,10 +7720,9 @@
           <a:lstStyle/>
           <a:p>
             <a:r>
-              <a:rPr lang="fr-FR" smtClean="0"/>
+              <a:rPr lang="fr-FR"/>
               <a:t>Modifiez le style du titre</a:t>
             </a:r>
-            <a:endParaRPr lang="fr-FR"/>
           </a:p>
         </p:txBody>
       </p:sp>
@@ -7817,7 +7743,7 @@
           <a:p>
             <a:fld id="{0A8BA257-B0C1-49B2-A417-40DAB387243E}" type="datetime1">
               <a:rPr lang="fr-FR" smtClean="0"/>
-              <a:t>18/01/2020</a:t>
+              <a:t>22/01/2020</a:t>
             </a:fld>
             <a:endParaRPr lang="fr-FR"/>
           </a:p>
@@ -7912,7 +7838,7 @@
           <a:p>
             <a:fld id="{2EA96EB8-38DB-4D23-8070-05C9711EAF8D}" type="datetime1">
               <a:rPr lang="fr-FR" smtClean="0"/>
-              <a:t>18/01/2020</a:t>
+              <a:t>22/01/2020</a:t>
             </a:fld>
             <a:endParaRPr lang="fr-FR"/>
           </a:p>
@@ -8015,10 +7941,9 @@
           </a:lstStyle>
           <a:p>
             <a:r>
-              <a:rPr lang="fr-FR" smtClean="0"/>
+              <a:rPr lang="fr-FR"/>
               <a:t>Modifiez le style du titre</a:t>
             </a:r>
-            <a:endParaRPr lang="fr-FR"/>
           </a:p>
         </p:txBody>
       </p:sp>
@@ -8072,38 +7997,37 @@
           <a:p>
             <a:pPr lvl="0"/>
             <a:r>
-              <a:rPr lang="fr-FR" smtClean="0"/>
+              <a:rPr lang="fr-FR"/>
               <a:t>Modifier les styles du texte du masque</a:t>
             </a:r>
           </a:p>
           <a:p>
             <a:pPr lvl="1"/>
             <a:r>
-              <a:rPr lang="fr-FR" smtClean="0"/>
+              <a:rPr lang="fr-FR"/>
               <a:t>Deuxième niveau</a:t>
             </a:r>
           </a:p>
           <a:p>
             <a:pPr lvl="2"/>
             <a:r>
-              <a:rPr lang="fr-FR" smtClean="0"/>
+              <a:rPr lang="fr-FR"/>
               <a:t>Troisième niveau</a:t>
             </a:r>
           </a:p>
           <a:p>
             <a:pPr lvl="3"/>
             <a:r>
-              <a:rPr lang="fr-FR" smtClean="0"/>
+              <a:rPr lang="fr-FR"/>
               <a:t>Quatrième niveau</a:t>
             </a:r>
           </a:p>
           <a:p>
             <a:pPr lvl="4"/>
             <a:r>
-              <a:rPr lang="fr-FR" smtClean="0"/>
+              <a:rPr lang="fr-FR"/>
               <a:t>Cinquième niveau</a:t>
             </a:r>
-            <a:endParaRPr lang="fr-FR"/>
           </a:p>
         </p:txBody>
       </p:sp>
@@ -8166,7 +8090,7 @@
           <a:p>
             <a:pPr lvl="0"/>
             <a:r>
-              <a:rPr lang="fr-FR" smtClean="0"/>
+              <a:rPr lang="fr-FR"/>
               <a:t>Modifier les styles du texte du masque</a:t>
             </a:r>
           </a:p>
@@ -8189,7 +8113,7 @@
           <a:p>
             <a:fld id="{81D9A430-639B-403A-8AAF-759F061BDC95}" type="datetime1">
               <a:rPr lang="fr-FR" smtClean="0"/>
-              <a:t>18/01/2020</a:t>
+              <a:t>22/01/2020</a:t>
             </a:fld>
             <a:endParaRPr lang="fr-FR"/>
           </a:p>
@@ -8292,10 +8216,9 @@
           </a:lstStyle>
           <a:p>
             <a:r>
-              <a:rPr lang="fr-FR" smtClean="0"/>
+              <a:rPr lang="fr-FR"/>
               <a:t>Modifiez le style du titre</a:t>
             </a:r>
-            <a:endParaRPr lang="fr-FR"/>
           </a:p>
         </p:txBody>
       </p:sp>
@@ -8419,7 +8342,7 @@
           <a:p>
             <a:pPr lvl="0"/>
             <a:r>
-              <a:rPr lang="fr-FR" smtClean="0"/>
+              <a:rPr lang="fr-FR"/>
               <a:t>Modifier les styles du texte du masque</a:t>
             </a:r>
           </a:p>
@@ -8442,7 +8365,7 @@
           <a:p>
             <a:fld id="{06C7B113-2B35-46FF-BF45-BE2306F5FE8B}" type="datetime1">
               <a:rPr lang="fr-FR" smtClean="0"/>
-              <a:t>18/01/2020</a:t>
+              <a:t>22/01/2020</a:t>
             </a:fld>
             <a:endParaRPr lang="fr-FR"/>
           </a:p>
@@ -8551,10 +8474,9 @@
           <a:lstStyle/>
           <a:p>
             <a:r>
-              <a:rPr lang="fr-FR" smtClean="0"/>
+              <a:rPr lang="fr-FR"/>
               <a:t>Modifiez le style du titre</a:t>
             </a:r>
-            <a:endParaRPr lang="fr-FR"/>
           </a:p>
         </p:txBody>
       </p:sp>
@@ -8585,38 +8507,37 @@
           <a:p>
             <a:pPr lvl="0"/>
             <a:r>
-              <a:rPr lang="fr-FR" smtClean="0"/>
+              <a:rPr lang="fr-FR"/>
               <a:t>Modifier les styles du texte du masque</a:t>
             </a:r>
           </a:p>
           <a:p>
             <a:pPr lvl="1"/>
             <a:r>
-              <a:rPr lang="fr-FR" smtClean="0"/>
+              <a:rPr lang="fr-FR"/>
               <a:t>Deuxième niveau</a:t>
             </a:r>
           </a:p>
           <a:p>
             <a:pPr lvl="2"/>
             <a:r>
-              <a:rPr lang="fr-FR" smtClean="0"/>
+              <a:rPr lang="fr-FR"/>
               <a:t>Troisième niveau</a:t>
             </a:r>
           </a:p>
           <a:p>
             <a:pPr lvl="3"/>
             <a:r>
-              <a:rPr lang="fr-FR" smtClean="0"/>
+              <a:rPr lang="fr-FR"/>
               <a:t>Quatrième niveau</a:t>
             </a:r>
           </a:p>
           <a:p>
             <a:pPr lvl="4"/>
             <a:r>
-              <a:rPr lang="fr-FR" smtClean="0"/>
+              <a:rPr lang="fr-FR"/>
               <a:t>Cinquième niveau</a:t>
             </a:r>
-            <a:endParaRPr lang="fr-FR"/>
           </a:p>
         </p:txBody>
       </p:sp>
@@ -8655,7 +8576,7 @@
           <a:p>
             <a:fld id="{19D9C409-5ACF-4826-BD1B-C4FF95172A81}" type="datetime1">
               <a:rPr lang="fr-FR" smtClean="0"/>
-              <a:t>18/01/2020</a:t>
+              <a:t>22/01/2020</a:t>
             </a:fld>
             <a:endParaRPr lang="fr-FR"/>
           </a:p>
@@ -9100,7 +9021,7 @@
               <a:t>‹N°›</a:t>
             </a:fld>
             <a:r>
-              <a:rPr lang="fr-FR" sz="1400" dirty="0" smtClean="0">
+              <a:rPr lang="fr-FR" sz="1400" dirty="0">
                 <a:solidFill>
                   <a:schemeClr val="bg1"/>
                 </a:solidFill>
@@ -9108,12 +9029,6 @@
               </a:rPr>
               <a:t>/47</a:t>
             </a:r>
-            <a:endParaRPr lang="fr-FR" sz="1400" dirty="0">
-              <a:solidFill>
-                <a:schemeClr val="bg1"/>
-              </a:solidFill>
-              <a:latin typeface="Bebas Neue" panose="020B0606020202050201" pitchFamily="34" charset="0"/>
-            </a:endParaRPr>
           </a:p>
         </p:txBody>
       </p:sp>
@@ -9518,7 +9433,7 @@
             <a:p>
               <a:pPr algn="ctr"/>
               <a:r>
-                <a:rPr lang="fr-FR" sz="4000" b="1" dirty="0" smtClean="0">
+                <a:rPr lang="fr-FR" sz="4000" b="1" dirty="0">
                   <a:solidFill>
                     <a:srgbClr val="2F6079"/>
                   </a:solidFill>
@@ -9528,14 +9443,6 @@
                 </a:rPr>
                 <a:t>CODELAB</a:t>
               </a:r>
-              <a:endParaRPr lang="fr-FR" sz="4000" b="1" dirty="0">
-                <a:solidFill>
-                  <a:srgbClr val="2F6079"/>
-                </a:solidFill>
-                <a:latin typeface="Lato Regular" panose="020F0502020204030203" pitchFamily="34" charset="0"/>
-                <a:ea typeface="Lato Regular" panose="020F0502020204030203" pitchFamily="34" charset="0"/>
-                <a:cs typeface="Lato Regular" panose="020F0502020204030203" pitchFamily="34" charset="0"/>
-              </a:endParaRPr>
             </a:p>
           </p:txBody>
         </p:sp>
@@ -9648,7 +9555,7 @@
           <a:lstStyle/>
           <a:p>
             <a:r>
-              <a:rPr lang="fr-FR" sz="3600" b="1" dirty="0" smtClean="0">
+              <a:rPr lang="fr-FR" sz="3600" b="1" dirty="0">
                 <a:solidFill>
                   <a:srgbClr val="2F6079"/>
                 </a:solidFill>
@@ -9656,18 +9563,7 @@
                 <a:ea typeface="Lato Regular" panose="020F0502020204030203" pitchFamily="34" charset="0"/>
                 <a:cs typeface="Lato Regular" panose="020F0502020204030203" pitchFamily="34" charset="0"/>
               </a:rPr>
-              <a:t>« </a:t>
-            </a:r>
-            <a:r>
-              <a:rPr lang="fr-FR" sz="3600" b="1" dirty="0">
-                <a:solidFill>
-                  <a:srgbClr val="2F6079"/>
-                </a:solidFill>
-                <a:latin typeface="Lato Regular" panose="020F0502020204030203" pitchFamily="34" charset="0"/>
-                <a:ea typeface="Lato Regular" panose="020F0502020204030203" pitchFamily="34" charset="0"/>
-                <a:cs typeface="Lato Regular" panose="020F0502020204030203" pitchFamily="34" charset="0"/>
-              </a:rPr>
-              <a:t>Ça part en </a:t>
+              <a:t>« Ça part en </a:t>
             </a:r>
             <a:r>
               <a:rPr lang="fr-FR" sz="3600" b="1" dirty="0" err="1">
@@ -9689,21 +9585,10 @@
                 <a:ea typeface="Lato Regular" panose="020F0502020204030203" pitchFamily="34" charset="0"/>
                 <a:cs typeface="Lato Regular" panose="020F0502020204030203" pitchFamily="34" charset="0"/>
               </a:rPr>
-              <a:t> </a:t>
-            </a:r>
-            <a:r>
-              <a:rPr lang="fr-FR" sz="3600" b="1" dirty="0" smtClean="0">
-                <a:solidFill>
-                  <a:srgbClr val="2F6079"/>
-                </a:solidFill>
-                <a:latin typeface="Lato Regular" panose="020F0502020204030203" pitchFamily="34" charset="0"/>
-                <a:ea typeface="Lato Regular" panose="020F0502020204030203" pitchFamily="34" charset="0"/>
-                <a:cs typeface="Lato Regular" panose="020F0502020204030203" pitchFamily="34" charset="0"/>
-              </a:rPr>
-              <a:t>! »</a:t>
+              <a:t> ! »</a:t>
             </a:r>
             <a:br>
-              <a:rPr lang="fr-FR" sz="3600" b="1" dirty="0" smtClean="0">
+              <a:rPr lang="fr-FR" sz="3600" b="1" dirty="0">
                 <a:solidFill>
                   <a:srgbClr val="2F6079"/>
                 </a:solidFill>
@@ -9713,7 +9598,7 @@
               </a:rPr>
             </a:br>
             <a:r>
-              <a:rPr lang="fr-FR" sz="3600" b="1" dirty="0" smtClean="0">
+              <a:rPr lang="fr-FR" sz="3600" b="1" dirty="0">
                 <a:solidFill>
                   <a:srgbClr val="2F6079"/>
                 </a:solidFill>
@@ -9721,40 +9606,7 @@
                 <a:ea typeface="Lato Regular" panose="020F0502020204030203" pitchFamily="34" charset="0"/>
                 <a:cs typeface="Lato Regular" panose="020F0502020204030203" pitchFamily="34" charset="0"/>
               </a:rPr>
-              <a:t>Testez la résilience </a:t>
-            </a:r>
-            <a:r>
-              <a:rPr lang="fr-FR" sz="3600" b="1" dirty="0">
-                <a:solidFill>
-                  <a:srgbClr val="2F6079"/>
-                </a:solidFill>
-                <a:latin typeface="Lato Regular" panose="020F0502020204030203" pitchFamily="34" charset="0"/>
-                <a:ea typeface="Lato Regular" panose="020F0502020204030203" pitchFamily="34" charset="0"/>
-                <a:cs typeface="Lato Regular" panose="020F0502020204030203" pitchFamily="34" charset="0"/>
-              </a:rPr>
-              <a:t>de </a:t>
-            </a:r>
-            <a:r>
-              <a:rPr lang="fr-FR" sz="3600" b="1" dirty="0" smtClean="0">
-                <a:solidFill>
-                  <a:srgbClr val="2F6079"/>
-                </a:solidFill>
-                <a:latin typeface="Lato Regular" panose="020F0502020204030203" pitchFamily="34" charset="0"/>
-                <a:ea typeface="Lato Regular" panose="020F0502020204030203" pitchFamily="34" charset="0"/>
-                <a:cs typeface="Lato Regular" panose="020F0502020204030203" pitchFamily="34" charset="0"/>
-              </a:rPr>
-              <a:t>votre appli </a:t>
-            </a:r>
-            <a:r>
-              <a:rPr lang="fr-FR" sz="3600" b="1" dirty="0">
-                <a:solidFill>
-                  <a:srgbClr val="2F6079"/>
-                </a:solidFill>
-                <a:latin typeface="Lato Regular" panose="020F0502020204030203" pitchFamily="34" charset="0"/>
-                <a:ea typeface="Lato Regular" panose="020F0502020204030203" pitchFamily="34" charset="0"/>
-                <a:cs typeface="Lato Regular" panose="020F0502020204030203" pitchFamily="34" charset="0"/>
-              </a:rPr>
-              <a:t>par le chaos.</a:t>
+              <a:t>Testez la résilience de votre appli par le chaos.</a:t>
             </a:r>
           </a:p>
         </p:txBody>
@@ -9824,7 +9676,7 @@
             <a:lstStyle/>
             <a:p>
               <a:r>
-                <a:rPr lang="fr-FR" sz="2400" b="1" i="1" dirty="0" smtClean="0">
+                <a:rPr lang="fr-FR" sz="2400" b="1" i="1" dirty="0">
                   <a:solidFill>
                     <a:srgbClr val="2F6079"/>
                   </a:solidFill>
@@ -9833,38 +9685,6 @@
                   <a:cs typeface="Lato Regular" panose="020F0502020204030203" pitchFamily="34" charset="0"/>
                 </a:rPr>
                 <a:t>Pierre GAULTIER</a:t>
-              </a:r>
-              <a:br>
-                <a:rPr lang="fr-FR" sz="2400" b="1" i="1" dirty="0" smtClean="0">
-                  <a:solidFill>
-                    <a:srgbClr val="2F6079"/>
-                  </a:solidFill>
-                  <a:latin typeface="Lato Regular" panose="020F0502020204030203" pitchFamily="34" charset="0"/>
-                  <a:ea typeface="Lato Regular" panose="020F0502020204030203" pitchFamily="34" charset="0"/>
-                  <a:cs typeface="Lato Regular" panose="020F0502020204030203" pitchFamily="34" charset="0"/>
-                </a:rPr>
-              </a:br>
-              <a:r>
-                <a:rPr lang="fr-FR" sz="2400" b="1" i="1" dirty="0" smtClean="0">
-                  <a:solidFill>
-                    <a:srgbClr val="2F6079"/>
-                  </a:solidFill>
-                  <a:latin typeface="Lato Regular" panose="020F0502020204030203" pitchFamily="34" charset="0"/>
-                  <a:ea typeface="Lato Regular" panose="020F0502020204030203" pitchFamily="34" charset="0"/>
-                  <a:cs typeface="Lato Regular" panose="020F0502020204030203" pitchFamily="34" charset="0"/>
-                </a:rPr>
-                <a:t>Sullivan PINEAU</a:t>
-              </a:r>
-              <a:r>
-                <a:rPr lang="fr-FR" sz="2400" b="1" i="1" dirty="0">
-                  <a:solidFill>
-                    <a:srgbClr val="2F6079"/>
-                  </a:solidFill>
-                  <a:latin typeface="Lato Regular" panose="020F0502020204030203" pitchFamily="34" charset="0"/>
-                  <a:ea typeface="Lato Regular" panose="020F0502020204030203" pitchFamily="34" charset="0"/>
-                  <a:cs typeface="Lato Regular" panose="020F0502020204030203" pitchFamily="34" charset="0"/>
-                </a:rPr>
-                <a:t/>
               </a:r>
               <a:br>
                 <a:rPr lang="fr-FR" sz="2400" b="1" i="1" dirty="0">
@@ -9885,10 +9705,10 @@
                   <a:ea typeface="Lato Regular" panose="020F0502020204030203" pitchFamily="34" charset="0"/>
                   <a:cs typeface="Lato Regular" panose="020F0502020204030203" pitchFamily="34" charset="0"/>
                 </a:rPr>
-                <a:t>Paul </a:t>
+                <a:t>Sullivan PINEAU</a:t>
               </a:r>
-              <a:r>
-                <a:rPr lang="fr-FR" sz="2400" b="1" i="1" dirty="0" smtClean="0">
+              <a:br>
+                <a:rPr lang="fr-FR" sz="2400" b="1" i="1" dirty="0">
                   <a:solidFill>
                     <a:srgbClr val="2F6079"/>
                   </a:solidFill>
@@ -9896,16 +9716,18 @@
                   <a:ea typeface="Lato Regular" panose="020F0502020204030203" pitchFamily="34" charset="0"/>
                   <a:cs typeface="Lato Regular" panose="020F0502020204030203" pitchFamily="34" charset="0"/>
                 </a:rPr>
-                <a:t>ROYE</a:t>
+              </a:br>
+              <a:r>
+                <a:rPr lang="fr-FR" sz="2400" b="1" i="1" dirty="0">
+                  <a:solidFill>
+                    <a:srgbClr val="2F6079"/>
+                  </a:solidFill>
+                  <a:latin typeface="Lato Regular" panose="020F0502020204030203" pitchFamily="34" charset="0"/>
+                  <a:ea typeface="Lato Regular" panose="020F0502020204030203" pitchFamily="34" charset="0"/>
+                  <a:cs typeface="Lato Regular" panose="020F0502020204030203" pitchFamily="34" charset="0"/>
+                </a:rPr>
+                <a:t>Paul ROYE</a:t>
               </a:r>
-              <a:endParaRPr lang="fr-FR" sz="2400" b="1" i="1" dirty="0">
-                <a:solidFill>
-                  <a:srgbClr val="2F6079"/>
-                </a:solidFill>
-                <a:latin typeface="Lato Regular" panose="020F0502020204030203" pitchFamily="34" charset="0"/>
-                <a:ea typeface="Lato Regular" panose="020F0502020204030203" pitchFamily="34" charset="0"/>
-                <a:cs typeface="Lato Regular" panose="020F0502020204030203" pitchFamily="34" charset="0"/>
-              </a:endParaRPr>
             </a:p>
           </p:txBody>
         </p:sp>
@@ -11366,7 +11188,7 @@
             <a:lstStyle/>
             <a:p>
               <a:r>
-                <a:rPr lang="fr-FR" sz="4000" b="1" dirty="0" smtClean="0">
+                <a:rPr lang="fr-FR" sz="4000" b="1" dirty="0">
                   <a:latin typeface="Lato Regular" panose="020F0502020204030203" pitchFamily="34" charset="0"/>
                   <a:ea typeface="Lato Regular" panose="020F0502020204030203" pitchFamily="34" charset="0"/>
                   <a:cs typeface="Lato Regular" panose="020F0502020204030203" pitchFamily="34" charset="0"/>
@@ -11592,7 +11414,7 @@
               <a:buNone/>
             </a:pPr>
             <a:r>
-              <a:rPr lang="fr-FR" sz="2000" dirty="0" smtClean="0">
+              <a:rPr lang="fr-FR" sz="2000" dirty="0">
                 <a:solidFill>
                   <a:schemeClr val="tx2"/>
                 </a:solidFill>
@@ -11602,7 +11424,7 @@
               <a:t>Mutation </a:t>
             </a:r>
             <a:r>
-              <a:rPr lang="fr-FR" sz="2000" dirty="0" err="1" smtClean="0">
+              <a:rPr lang="fr-FR" sz="2000" dirty="0" err="1">
                 <a:solidFill>
                   <a:schemeClr val="tx2"/>
                 </a:solidFill>
@@ -11611,7 +11433,7 @@
               </a:rPr>
               <a:t>testing</a:t>
             </a:r>
-            <a:endParaRPr lang="fr-FR" sz="2000" dirty="0" smtClean="0">
+            <a:endParaRPr lang="fr-FR" sz="2000" dirty="0">
               <a:solidFill>
                 <a:schemeClr val="tx2"/>
               </a:solidFill>
@@ -11625,7 +11447,7 @@
               <a:buAutoNum type="arabicPeriod"/>
             </a:pPr>
             <a:r>
-              <a:rPr lang="fr-FR" sz="2000" dirty="0" smtClean="0">
+              <a:rPr lang="fr-FR" sz="2000" dirty="0">
                 <a:solidFill>
                   <a:schemeClr val="tx2"/>
                 </a:solidFill>
@@ -11642,7 +11464,7 @@
               <a:buAutoNum type="arabicPeriod"/>
             </a:pPr>
             <a:r>
-              <a:rPr lang="fr-FR" sz="2000" dirty="0" smtClean="0">
+              <a:rPr lang="fr-FR" sz="2000" dirty="0">
                 <a:solidFill>
                   <a:schemeClr val="tx2"/>
                 </a:solidFill>
@@ -11659,7 +11481,7 @@
               <a:buAutoNum type="arabicPeriod"/>
             </a:pPr>
             <a:r>
-              <a:rPr lang="fr-FR" sz="2000" b="1" dirty="0" smtClean="0">
+              <a:rPr lang="fr-FR" sz="2000" b="1" dirty="0">
                 <a:solidFill>
                   <a:schemeClr val="accent6">
                     <a:lumMod val="75000"/>
@@ -11672,7 +11494,7 @@
               <a:t>Ce que l’on souhaite :</a:t>
             </a:r>
             <a:br>
-              <a:rPr lang="fr-FR" sz="2000" b="1" dirty="0" smtClean="0">
+              <a:rPr lang="fr-FR" sz="2000" b="1" dirty="0">
                 <a:solidFill>
                   <a:schemeClr val="accent6">
                     <a:lumMod val="75000"/>
@@ -11684,7 +11506,7 @@
               </a:rPr>
             </a:br>
             <a:r>
-              <a:rPr lang="fr-FR" sz="2000" b="1" dirty="0" smtClean="0">
+              <a:rPr lang="fr-FR" sz="2000" b="1" dirty="0">
                 <a:solidFill>
                   <a:schemeClr val="accent6">
                     <a:lumMod val="75000"/>
@@ -11697,7 +11519,7 @@
               <a:t>Que les mutants soient « tués »</a:t>
             </a:r>
             <a:br>
-              <a:rPr lang="fr-FR" sz="2000" b="1" dirty="0" smtClean="0">
+              <a:rPr lang="fr-FR" sz="2000" b="1" dirty="0">
                 <a:solidFill>
                   <a:schemeClr val="accent6">
                     <a:lumMod val="75000"/>
@@ -11709,7 +11531,7 @@
               </a:rPr>
             </a:br>
             <a:r>
-              <a:rPr lang="fr-FR" sz="2000" b="1" dirty="0" smtClean="0">
+              <a:rPr lang="fr-FR" sz="2000" b="1" dirty="0">
                 <a:solidFill>
                   <a:schemeClr val="accent6">
                     <a:lumMod val="75000"/>
@@ -11721,16 +11543,6 @@
               </a:rPr>
               <a:t>&gt; Que les TU associés à la mutation ne passent plus</a:t>
             </a:r>
-            <a:endParaRPr lang="fr-FR" sz="2000" b="1" dirty="0" smtClean="0">
-              <a:solidFill>
-                <a:schemeClr val="accent6">
-                  <a:lumMod val="75000"/>
-                </a:schemeClr>
-              </a:solidFill>
-              <a:latin typeface="Lato Light" panose="020F0502020204030203" pitchFamily="34" charset="0"/>
-              <a:ea typeface="Lato Light" panose="020F0502020204030203" pitchFamily="34" charset="0"/>
-              <a:cs typeface="Lato Light" panose="020F0502020204030203" pitchFamily="34" charset="0"/>
-            </a:endParaRPr>
           </a:p>
           <a:p>
             <a:pPr marL="457200" indent="-457200">
@@ -11738,7 +11550,7 @@
               <a:buAutoNum type="arabicPeriod"/>
             </a:pPr>
             <a:r>
-              <a:rPr lang="fr-FR" sz="2000" b="1" dirty="0" smtClean="0">
+              <a:rPr lang="fr-FR" sz="2000" b="1" dirty="0">
                 <a:solidFill>
                   <a:srgbClr val="C00000"/>
                 </a:solidFill>
@@ -11749,7 +11561,7 @@
               <a:t>Si un mutant a survécu :</a:t>
             </a:r>
             <a:br>
-              <a:rPr lang="fr-FR" sz="2000" b="1" dirty="0" smtClean="0">
+              <a:rPr lang="fr-FR" sz="2000" b="1" dirty="0">
                 <a:solidFill>
                   <a:srgbClr val="C00000"/>
                 </a:solidFill>
@@ -11759,7 +11571,7 @@
               </a:rPr>
             </a:br>
             <a:r>
-              <a:rPr lang="fr-FR" sz="2000" b="1" dirty="0" smtClean="0">
+              <a:rPr lang="fr-FR" sz="2000" b="1" dirty="0">
                 <a:solidFill>
                   <a:srgbClr val="C00000"/>
                 </a:solidFill>
@@ -11769,14 +11581,6 @@
               </a:rPr>
               <a:t>&gt; Le TU associé passe</a:t>
             </a:r>
-            <a:endParaRPr lang="fr-FR" sz="2000" b="1" dirty="0" smtClean="0">
-              <a:solidFill>
-                <a:srgbClr val="C00000"/>
-              </a:solidFill>
-              <a:latin typeface="Lato Light" panose="020F0502020204030203" pitchFamily="34" charset="0"/>
-              <a:ea typeface="Lato Light" panose="020F0502020204030203" pitchFamily="34" charset="0"/>
-              <a:cs typeface="Lato Light" panose="020F0502020204030203" pitchFamily="34" charset="0"/>
-            </a:endParaRPr>
           </a:p>
           <a:p>
             <a:pPr marL="0" indent="0">
@@ -11796,7 +11600,7 @@
               <a:buNone/>
             </a:pPr>
             <a:r>
-              <a:rPr lang="en-US" sz="2000" dirty="0" smtClean="0">
+              <a:rPr lang="en-US" sz="2000" dirty="0">
                 <a:solidFill>
                   <a:schemeClr val="tx2"/>
                 </a:solidFill>
@@ -11807,7 +11611,7 @@
               <a:t>La </a:t>
             </a:r>
             <a:r>
-              <a:rPr lang="en-US" sz="2000" dirty="0" err="1" smtClean="0">
+              <a:rPr lang="en-US" sz="2000" dirty="0" err="1">
                 <a:solidFill>
                   <a:schemeClr val="tx2"/>
                 </a:solidFill>
@@ -11818,7 +11622,7 @@
               <a:t>qualité</a:t>
             </a:r>
             <a:r>
-              <a:rPr lang="en-US" sz="2000" dirty="0" smtClean="0">
+              <a:rPr lang="en-US" sz="2000" dirty="0">
                 <a:solidFill>
                   <a:schemeClr val="tx2"/>
                 </a:solidFill>
@@ -11829,7 +11633,7 @@
               <a:t> de </a:t>
             </a:r>
             <a:r>
-              <a:rPr lang="en-US" sz="2000" dirty="0" err="1" smtClean="0">
+              <a:rPr lang="en-US" sz="2000" dirty="0" err="1">
                 <a:solidFill>
                   <a:schemeClr val="tx2"/>
                 </a:solidFill>
@@ -11840,7 +11644,7 @@
               <a:t>vos</a:t>
             </a:r>
             <a:r>
-              <a:rPr lang="en-US" sz="2000" dirty="0" smtClean="0">
+              <a:rPr lang="en-US" sz="2000" dirty="0">
                 <a:solidFill>
                   <a:schemeClr val="tx2"/>
                 </a:solidFill>
@@ -11851,7 +11655,7 @@
               <a:t> tests </a:t>
             </a:r>
             <a:r>
-              <a:rPr lang="en-US" sz="2000" dirty="0" err="1" smtClean="0">
+              <a:rPr lang="en-US" sz="2000" dirty="0" err="1">
                 <a:solidFill>
                   <a:schemeClr val="tx2"/>
                 </a:solidFill>
@@ -11862,7 +11666,7 @@
               <a:t>peut</a:t>
             </a:r>
             <a:r>
-              <a:rPr lang="en-US" sz="2000" dirty="0" smtClean="0">
+              <a:rPr lang="en-US" sz="2000" dirty="0">
                 <a:solidFill>
                   <a:schemeClr val="tx2"/>
                 </a:solidFill>
@@ -11873,7 +11677,7 @@
               <a:t> </a:t>
             </a:r>
             <a:r>
-              <a:rPr lang="en-US" sz="2000" dirty="0" err="1" smtClean="0">
+              <a:rPr lang="en-US" sz="2000" dirty="0" err="1">
                 <a:solidFill>
                   <a:schemeClr val="tx2"/>
                 </a:solidFill>
@@ -11884,7 +11688,7 @@
               <a:t>être</a:t>
             </a:r>
             <a:r>
-              <a:rPr lang="en-US" sz="2000" dirty="0" smtClean="0">
+              <a:rPr lang="en-US" sz="2000" dirty="0">
                 <a:solidFill>
                   <a:schemeClr val="tx2"/>
                 </a:solidFill>
@@ -11895,7 +11699,7 @@
               <a:t> </a:t>
             </a:r>
             <a:r>
-              <a:rPr lang="en-US" sz="2000" dirty="0" err="1" smtClean="0">
+              <a:rPr lang="en-US" sz="2000" dirty="0" err="1">
                 <a:solidFill>
                   <a:schemeClr val="tx2"/>
                 </a:solidFill>
@@ -11906,7 +11710,7 @@
               <a:t>jugée</a:t>
             </a:r>
             <a:r>
-              <a:rPr lang="en-US" sz="2000" dirty="0" smtClean="0">
+              <a:rPr lang="en-US" sz="2000" dirty="0">
                 <a:solidFill>
                   <a:schemeClr val="tx2"/>
                 </a:solidFill>
@@ -11917,7 +11721,7 @@
               <a:t> au regard du </a:t>
             </a:r>
             <a:r>
-              <a:rPr lang="en-US" sz="2000" dirty="0" err="1" smtClean="0">
+              <a:rPr lang="en-US" sz="2000" dirty="0" err="1">
                 <a:solidFill>
                   <a:schemeClr val="tx2"/>
                 </a:solidFill>
@@ -11928,7 +11732,7 @@
               <a:t>pourcentage</a:t>
             </a:r>
             <a:r>
-              <a:rPr lang="en-US" sz="2000" dirty="0" smtClean="0">
+              <a:rPr lang="en-US" sz="2000" dirty="0">
                 <a:solidFill>
                   <a:schemeClr val="tx2"/>
                 </a:solidFill>
@@ -11939,7 +11743,7 @@
               <a:t> de mutants </a:t>
             </a:r>
             <a:r>
-              <a:rPr lang="en-US" sz="2000" dirty="0" err="1" smtClean="0">
+              <a:rPr lang="en-US" sz="2000" dirty="0" err="1">
                 <a:solidFill>
                   <a:schemeClr val="tx2"/>
                 </a:solidFill>
@@ -11958,21 +11762,10 @@
                 <a:ea typeface="Lato Regular" panose="020F0502020204030203" pitchFamily="34" charset="0"/>
                 <a:cs typeface="Lato Regular" panose="020F0502020204030203" pitchFamily="34" charset="0"/>
               </a:rPr>
-              <a:t> </a:t>
-            </a:r>
-            <a:r>
-              <a:rPr lang="en-US" sz="2000" dirty="0" smtClean="0">
-                <a:solidFill>
-                  <a:schemeClr val="tx2"/>
-                </a:solidFill>
-                <a:latin typeface="Lato Regular" panose="020F0502020204030203" pitchFamily="34" charset="0"/>
-                <a:ea typeface="Lato Regular" panose="020F0502020204030203" pitchFamily="34" charset="0"/>
-                <a:cs typeface="Lato Regular" panose="020F0502020204030203" pitchFamily="34" charset="0"/>
-              </a:rPr>
-              <a:t>: </a:t>
-            </a:r>
-            <a:r>
-              <a:rPr lang="en-US" sz="2000" b="1" dirty="0" smtClean="0">
+              <a:t> : </a:t>
+            </a:r>
+            <a:r>
+              <a:rPr lang="en-US" sz="2000" b="1" dirty="0">
                 <a:solidFill>
                   <a:schemeClr val="tx2"/>
                 </a:solidFill>
@@ -12175,20 +11968,12 @@
             <a:lstStyle/>
             <a:p>
               <a:r>
-                <a:rPr lang="fr-FR" sz="4000" b="1" dirty="0" smtClean="0">
+                <a:rPr lang="fr-FR" sz="4000" b="1" dirty="0">
                   <a:latin typeface="Lato Regular" panose="020F0502020204030203" pitchFamily="34" charset="0"/>
                   <a:ea typeface="Lato Regular" panose="020F0502020204030203" pitchFamily="34" charset="0"/>
                   <a:cs typeface="Lato Regular" panose="020F0502020204030203" pitchFamily="34" charset="0"/>
                 </a:rPr>
-                <a:t>Hands On ! TU </a:t>
-              </a:r>
-              <a:r>
-                <a:rPr lang="fr-FR" sz="4000" b="1" dirty="0" smtClean="0">
-                  <a:latin typeface="Lato Regular" panose="020F0502020204030203" pitchFamily="34" charset="0"/>
-                  <a:ea typeface="Lato Regular" panose="020F0502020204030203" pitchFamily="34" charset="0"/>
-                  <a:cs typeface="Lato Regular" panose="020F0502020204030203" pitchFamily="34" charset="0"/>
-                </a:rPr>
-                <a:t>et couverture de code </a:t>
+                <a:t>Hands On ! TU et couverture de code </a:t>
               </a:r>
               <a:endParaRPr lang="fr-FR" sz="3600" b="1" dirty="0">
                 <a:latin typeface="Lato Regular" panose="020F0502020204030203" pitchFamily="34" charset="0"/>
@@ -12302,7 +12087,7 @@
               <a:buChar char="-"/>
             </a:pPr>
             <a:r>
-              <a:rPr lang="fr-FR" sz="3200" dirty="0" smtClean="0">
+              <a:rPr lang="fr-FR" sz="3200" dirty="0">
                 <a:solidFill>
                   <a:schemeClr val="tx2"/>
                 </a:solidFill>
@@ -12310,18 +12095,7 @@
                 <a:ea typeface="Lato Light" panose="020F0502020204030203" pitchFamily="34" charset="0"/>
                 <a:cs typeface="Lato Light" panose="020F0502020204030203" pitchFamily="34" charset="0"/>
               </a:rPr>
-              <a:t>Tests </a:t>
-            </a:r>
-            <a:r>
-              <a:rPr lang="fr-FR" sz="3200" dirty="0">
-                <a:solidFill>
-                  <a:schemeClr val="tx2"/>
-                </a:solidFill>
-                <a:latin typeface="Lato Light" panose="020F0502020204030203" pitchFamily="34" charset="0"/>
-                <a:ea typeface="Lato Light" panose="020F0502020204030203" pitchFamily="34" charset="0"/>
-                <a:cs typeface="Lato Light" panose="020F0502020204030203" pitchFamily="34" charset="0"/>
-              </a:rPr>
-              <a:t>unitaires </a:t>
+              <a:t>Tests unitaires </a:t>
             </a:r>
             <a:r>
               <a:rPr lang="fr-FR" sz="3200" dirty="0" err="1">
@@ -12348,110 +12122,6 @@
               <a:buFontTx/>
               <a:buChar char="-"/>
             </a:pPr>
-            <a:endParaRPr lang="fr-FR" sz="3200" dirty="0" smtClean="0">
-              <a:solidFill>
-                <a:schemeClr val="tx2"/>
-              </a:solidFill>
-              <a:latin typeface="Lato Light" panose="020F0502020204030203" pitchFamily="34" charset="0"/>
-              <a:ea typeface="Lato Light" panose="020F0502020204030203" pitchFamily="34" charset="0"/>
-              <a:cs typeface="Lato Light" panose="020F0502020204030203" pitchFamily="34" charset="0"/>
-            </a:endParaRPr>
-          </a:p>
-          <a:p>
-            <a:pPr marL="342900" indent="-342900">
-              <a:buFontTx/>
-              <a:buChar char="-"/>
-            </a:pPr>
-            <a:r>
-              <a:rPr lang="fr-FR" sz="3200" dirty="0" smtClean="0">
-                <a:solidFill>
-                  <a:schemeClr val="tx2"/>
-                </a:solidFill>
-                <a:latin typeface="Lato Light" panose="020F0502020204030203" pitchFamily="34" charset="0"/>
-                <a:ea typeface="Lato Light" panose="020F0502020204030203" pitchFamily="34" charset="0"/>
-                <a:cs typeface="Lato Light" panose="020F0502020204030203" pitchFamily="34" charset="0"/>
-              </a:rPr>
-              <a:t>Couverture de code avec </a:t>
-            </a:r>
-            <a:r>
-              <a:rPr lang="fr-FR" sz="3200" dirty="0" err="1" smtClean="0">
-                <a:solidFill>
-                  <a:schemeClr val="tx2"/>
-                </a:solidFill>
-                <a:latin typeface="Lato Light" panose="020F0502020204030203" pitchFamily="34" charset="0"/>
-                <a:ea typeface="Lato Light" panose="020F0502020204030203" pitchFamily="34" charset="0"/>
-                <a:cs typeface="Lato Light" panose="020F0502020204030203" pitchFamily="34" charset="0"/>
-              </a:rPr>
-              <a:t>JaCoCo</a:t>
-            </a:r>
-            <a:r>
-              <a:rPr lang="fr-FR" sz="3200" dirty="0" smtClean="0">
-                <a:solidFill>
-                  <a:schemeClr val="tx2"/>
-                </a:solidFill>
-                <a:latin typeface="Lato Light" panose="020F0502020204030203" pitchFamily="34" charset="0"/>
-                <a:ea typeface="Lato Light" panose="020F0502020204030203" pitchFamily="34" charset="0"/>
-                <a:cs typeface="Lato Light" panose="020F0502020204030203" pitchFamily="34" charset="0"/>
-              </a:rPr>
-              <a:t/>
-            </a:r>
-            <a:br>
-              <a:rPr lang="fr-FR" sz="3200" dirty="0" smtClean="0">
-                <a:solidFill>
-                  <a:schemeClr val="tx2"/>
-                </a:solidFill>
-                <a:latin typeface="Lato Light" panose="020F0502020204030203" pitchFamily="34" charset="0"/>
-                <a:ea typeface="Lato Light" panose="020F0502020204030203" pitchFamily="34" charset="0"/>
-                <a:cs typeface="Lato Light" panose="020F0502020204030203" pitchFamily="34" charset="0"/>
-              </a:rPr>
-            </a:br>
-            <a:endParaRPr lang="fr-FR" sz="3200" dirty="0" smtClean="0">
-              <a:solidFill>
-                <a:schemeClr val="tx2"/>
-              </a:solidFill>
-              <a:latin typeface="Lato Light" panose="020F0502020204030203" pitchFamily="34" charset="0"/>
-              <a:ea typeface="Lato Light" panose="020F0502020204030203" pitchFamily="34" charset="0"/>
-              <a:cs typeface="Lato Light" panose="020F0502020204030203" pitchFamily="34" charset="0"/>
-            </a:endParaRPr>
-          </a:p>
-          <a:p>
-            <a:pPr marL="342900" indent="-342900">
-              <a:buFontTx/>
-              <a:buChar char="-"/>
-            </a:pPr>
-            <a:r>
-              <a:rPr lang="fr-FR" sz="3200" dirty="0" smtClean="0">
-                <a:solidFill>
-                  <a:schemeClr val="tx2"/>
-                </a:solidFill>
-                <a:latin typeface="Lato Light" panose="020F0502020204030203" pitchFamily="34" charset="0"/>
-                <a:ea typeface="Lato Light" panose="020F0502020204030203" pitchFamily="34" charset="0"/>
-                <a:cs typeface="Lato Light" panose="020F0502020204030203" pitchFamily="34" charset="0"/>
-              </a:rPr>
-              <a:t>Mutation </a:t>
-            </a:r>
-            <a:r>
-              <a:rPr lang="fr-FR" sz="3200" dirty="0" err="1" smtClean="0">
-                <a:solidFill>
-                  <a:schemeClr val="tx2"/>
-                </a:solidFill>
-                <a:latin typeface="Lato Light" panose="020F0502020204030203" pitchFamily="34" charset="0"/>
-                <a:ea typeface="Lato Light" panose="020F0502020204030203" pitchFamily="34" charset="0"/>
-                <a:cs typeface="Lato Light" panose="020F0502020204030203" pitchFamily="34" charset="0"/>
-              </a:rPr>
-              <a:t>coverage</a:t>
-            </a:r>
-            <a:r>
-              <a:rPr lang="fr-FR" sz="3200" dirty="0" smtClean="0">
-                <a:solidFill>
-                  <a:schemeClr val="tx2"/>
-                </a:solidFill>
-                <a:latin typeface="Lato Light" panose="020F0502020204030203" pitchFamily="34" charset="0"/>
-                <a:ea typeface="Lato Light" panose="020F0502020204030203" pitchFamily="34" charset="0"/>
-                <a:cs typeface="Lato Light" panose="020F0502020204030203" pitchFamily="34" charset="0"/>
-              </a:rPr>
-              <a:t> avec PIT</a:t>
-            </a:r>
             <a:endParaRPr lang="fr-FR" sz="3200" dirty="0">
               <a:solidFill>
                 <a:schemeClr val="tx2"/>
@@ -12460,6 +12130,91 @@
               <a:ea typeface="Lato Light" panose="020F0502020204030203" pitchFamily="34" charset="0"/>
               <a:cs typeface="Lato Light" panose="020F0502020204030203" pitchFamily="34" charset="0"/>
             </a:endParaRPr>
+          </a:p>
+          <a:p>
+            <a:pPr marL="342900" indent="-342900">
+              <a:buFontTx/>
+              <a:buChar char="-"/>
+            </a:pPr>
+            <a:r>
+              <a:rPr lang="fr-FR" sz="3200" dirty="0">
+                <a:solidFill>
+                  <a:schemeClr val="tx2"/>
+                </a:solidFill>
+                <a:latin typeface="Lato Light" panose="020F0502020204030203" pitchFamily="34" charset="0"/>
+                <a:ea typeface="Lato Light" panose="020F0502020204030203" pitchFamily="34" charset="0"/>
+                <a:cs typeface="Lato Light" panose="020F0502020204030203" pitchFamily="34" charset="0"/>
+              </a:rPr>
+              <a:t>Couverture de code avec </a:t>
+            </a:r>
+            <a:r>
+              <a:rPr lang="fr-FR" sz="3200" dirty="0" err="1">
+                <a:solidFill>
+                  <a:schemeClr val="tx2"/>
+                </a:solidFill>
+                <a:latin typeface="Lato Light" panose="020F0502020204030203" pitchFamily="34" charset="0"/>
+                <a:ea typeface="Lato Light" panose="020F0502020204030203" pitchFamily="34" charset="0"/>
+                <a:cs typeface="Lato Light" panose="020F0502020204030203" pitchFamily="34" charset="0"/>
+              </a:rPr>
+              <a:t>JaCoCo</a:t>
+            </a:r>
+            <a:br>
+              <a:rPr lang="fr-FR" sz="3200" dirty="0">
+                <a:solidFill>
+                  <a:schemeClr val="tx2"/>
+                </a:solidFill>
+                <a:latin typeface="Lato Light" panose="020F0502020204030203" pitchFamily="34" charset="0"/>
+                <a:ea typeface="Lato Light" panose="020F0502020204030203" pitchFamily="34" charset="0"/>
+                <a:cs typeface="Lato Light" panose="020F0502020204030203" pitchFamily="34" charset="0"/>
+              </a:rPr>
+            </a:br>
+            <a:endParaRPr lang="fr-FR" sz="3200" dirty="0">
+              <a:solidFill>
+                <a:schemeClr val="tx2"/>
+              </a:solidFill>
+              <a:latin typeface="Lato Light" panose="020F0502020204030203" pitchFamily="34" charset="0"/>
+              <a:ea typeface="Lato Light" panose="020F0502020204030203" pitchFamily="34" charset="0"/>
+              <a:cs typeface="Lato Light" panose="020F0502020204030203" pitchFamily="34" charset="0"/>
+            </a:endParaRPr>
+          </a:p>
+          <a:p>
+            <a:pPr marL="342900" indent="-342900">
+              <a:buFontTx/>
+              <a:buChar char="-"/>
+            </a:pPr>
+            <a:r>
+              <a:rPr lang="fr-FR" sz="3200" dirty="0">
+                <a:solidFill>
+                  <a:schemeClr val="tx2"/>
+                </a:solidFill>
+                <a:latin typeface="Lato Light" panose="020F0502020204030203" pitchFamily="34" charset="0"/>
+                <a:ea typeface="Lato Light" panose="020F0502020204030203" pitchFamily="34" charset="0"/>
+                <a:cs typeface="Lato Light" panose="020F0502020204030203" pitchFamily="34" charset="0"/>
+              </a:rPr>
+              <a:t>Mutation </a:t>
+            </a:r>
+            <a:r>
+              <a:rPr lang="fr-FR" sz="3200" dirty="0" err="1">
+                <a:solidFill>
+                  <a:schemeClr val="tx2"/>
+                </a:solidFill>
+                <a:latin typeface="Lato Light" panose="020F0502020204030203" pitchFamily="34" charset="0"/>
+                <a:ea typeface="Lato Light" panose="020F0502020204030203" pitchFamily="34" charset="0"/>
+                <a:cs typeface="Lato Light" panose="020F0502020204030203" pitchFamily="34" charset="0"/>
+              </a:rPr>
+              <a:t>coverage</a:t>
+            </a:r>
+            <a:r>
+              <a:rPr lang="fr-FR" sz="3200" dirty="0">
+                <a:solidFill>
+                  <a:schemeClr val="tx2"/>
+                </a:solidFill>
+                <a:latin typeface="Lato Light" panose="020F0502020204030203" pitchFamily="34" charset="0"/>
+                <a:ea typeface="Lato Light" panose="020F0502020204030203" pitchFamily="34" charset="0"/>
+                <a:cs typeface="Lato Light" panose="020F0502020204030203" pitchFamily="34" charset="0"/>
+              </a:rPr>
+              <a:t> avec PIT</a:t>
+            </a:r>
           </a:p>
           <a:p>
             <a:pPr marL="342900" indent="-342900">
@@ -12486,13 +12241,6 @@
   <p:clrMapOvr>
     <a:masterClrMapping/>
   </p:clrMapOvr>
-  <p:timing>
-    <p:tnLst>
-      <p:par>
-        <p:cTn id="1" dur="indefinite" restart="never" nodeType="tmRoot"/>
-      </p:par>
-    </p:tnLst>
-  </p:timing>
 </p:sld>
 </file>
 
@@ -12550,7 +12298,7 @@
             <a:lstStyle/>
             <a:p>
               <a:r>
-                <a:rPr lang="fr-FR" sz="4000" b="1" dirty="0" err="1" smtClean="0">
+                <a:rPr lang="fr-FR" sz="4000" b="1" dirty="0" err="1">
                   <a:latin typeface="Lato Regular" panose="020F0502020204030203" pitchFamily="34" charset="0"/>
                   <a:ea typeface="Lato Regular" panose="020F0502020204030203" pitchFamily="34" charset="0"/>
                   <a:cs typeface="Lato Regular" panose="020F0502020204030203" pitchFamily="34" charset="0"/>
@@ -12837,7 +12585,7 @@
               <a:buNone/>
             </a:pPr>
             <a:r>
-              <a:rPr lang="fr-FR" sz="2000" dirty="0" err="1" smtClean="0">
+              <a:rPr lang="fr-FR" sz="2000" dirty="0" err="1">
                 <a:solidFill>
                   <a:schemeClr val="tx2"/>
                 </a:solidFill>
@@ -12931,13 +12679,6 @@
   <p:clrMapOvr>
     <a:masterClrMapping/>
   </p:clrMapOvr>
-  <p:timing>
-    <p:tnLst>
-      <p:par>
-        <p:cTn id="1" dur="indefinite" restart="never" nodeType="tmRoot"/>
-      </p:par>
-    </p:tnLst>
-  </p:timing>
 </p:sld>
 </file>
 
@@ -12995,20 +12736,12 @@
             <a:lstStyle/>
             <a:p>
               <a:r>
-                <a:rPr lang="fr-FR" sz="4000" b="1" dirty="0" smtClean="0">
+                <a:rPr lang="fr-FR" sz="4000" b="1" dirty="0">
                   <a:latin typeface="Lato Regular" panose="020F0502020204030203" pitchFamily="34" charset="0"/>
                   <a:ea typeface="Lato Regular" panose="020F0502020204030203" pitchFamily="34" charset="0"/>
                   <a:cs typeface="Lato Regular" panose="020F0502020204030203" pitchFamily="34" charset="0"/>
                 </a:rPr>
-                <a:t>PIT : </a:t>
-              </a:r>
-              <a:r>
-                <a:rPr lang="fr-FR" sz="4000" b="1" dirty="0" smtClean="0">
-                  <a:latin typeface="Lato Regular" panose="020F0502020204030203" pitchFamily="34" charset="0"/>
-                  <a:ea typeface="Lato Regular" panose="020F0502020204030203" pitchFamily="34" charset="0"/>
-                  <a:cs typeface="Lato Regular" panose="020F0502020204030203" pitchFamily="34" charset="0"/>
-                </a:rPr>
-                <a:t>moche et mutant</a:t>
+                <a:t>PIT : moche et mutant</a:t>
               </a:r>
               <a:endParaRPr lang="fr-FR" sz="3600" b="1" dirty="0">
                 <a:latin typeface="Lato Regular" panose="020F0502020204030203" pitchFamily="34" charset="0"/>
@@ -13290,7 +13023,7 @@
               <a:buNone/>
             </a:pPr>
             <a:r>
-              <a:rPr lang="fr-FR" sz="2000" dirty="0" smtClean="0">
+              <a:rPr lang="fr-FR" sz="2000" dirty="0">
                 <a:solidFill>
                   <a:schemeClr val="tx2"/>
                 </a:solidFill>
@@ -13299,13 +13032,6 @@
               </a:rPr>
               <a:t>PIT</a:t>
             </a:r>
-            <a:endParaRPr lang="fr-FR" sz="2000" dirty="0">
-              <a:solidFill>
-                <a:schemeClr val="tx2"/>
-              </a:solidFill>
-              <a:latin typeface="Lato Regular"/>
-              <a:cs typeface="Lato Regular"/>
-            </a:endParaRPr>
           </a:p>
           <a:p>
             <a:pPr marL="0" indent="0" algn="ctr">
@@ -13383,13 +13109,6 @@
   <p:clrMapOvr>
     <a:masterClrMapping/>
   </p:clrMapOvr>
-  <p:timing>
-    <p:tnLst>
-      <p:par>
-        <p:cTn id="1" dur="indefinite" restart="never" nodeType="tmRoot"/>
-      </p:par>
-    </p:tnLst>
-  </p:timing>
 </p:sld>
 </file>
 
@@ -13587,14 +13306,6 @@
               </a:rPr>
               <a:t> Mutation avec Descartes</a:t>
             </a:r>
-            <a:endParaRPr lang="fr-FR" sz="3600" dirty="0">
-              <a:solidFill>
-                <a:schemeClr val="tx2"/>
-              </a:solidFill>
-              <a:latin typeface="Lato Light" panose="020F0502020204030203" pitchFamily="34" charset="0"/>
-              <a:ea typeface="Lato Light" panose="020F0502020204030203" pitchFamily="34" charset="0"/>
-              <a:cs typeface="Lato Light" panose="020F0502020204030203" pitchFamily="34" charset="0"/>
-            </a:endParaRPr>
           </a:p>
         </p:txBody>
       </p:sp>
@@ -13650,7 +13361,7 @@
           <a:lstStyle/>
           <a:p>
             <a:r>
-              <a:rPr lang="fr-FR" sz="3600" b="1" dirty="0" smtClean="0">
+              <a:rPr lang="fr-FR" sz="3600" b="1" dirty="0">
                 <a:solidFill>
                   <a:schemeClr val="tx2"/>
                 </a:solidFill>
@@ -13673,7 +13384,7 @@
               <a:buChar char="-"/>
             </a:pPr>
             <a:r>
-              <a:rPr lang="fr-FR" sz="3600" dirty="0" smtClean="0">
+              <a:rPr lang="fr-FR" sz="3600" dirty="0">
                 <a:solidFill>
                   <a:schemeClr val="tx2"/>
                 </a:solidFill>
@@ -13682,13 +13393,6 @@
               </a:rPr>
               <a:t>Chasse aux mutants : Correction de TU</a:t>
             </a:r>
-            <a:endParaRPr lang="fr-FR" sz="3600" dirty="0" smtClean="0">
-              <a:solidFill>
-                <a:schemeClr val="tx2"/>
-              </a:solidFill>
-              <a:latin typeface="Lato Light"/>
-              <a:cs typeface="Lato Light"/>
-            </a:endParaRPr>
           </a:p>
         </p:txBody>
       </p:sp>
@@ -13702,13 +13406,6 @@
   <p:clrMapOvr>
     <a:masterClrMapping/>
   </p:clrMapOvr>
-  <p:timing>
-    <p:tnLst>
-      <p:par>
-        <p:cTn id="1" dur="indefinite" restart="never" nodeType="tmRoot"/>
-      </p:par>
-    </p:tnLst>
-  </p:timing>
 </p:sld>
 </file>
 
@@ -13766,7 +13463,7 @@
             <a:lstStyle/>
             <a:p>
               <a:r>
-                <a:rPr lang="fr-FR" sz="4000" b="1" dirty="0" smtClean="0">
+                <a:rPr lang="fr-FR" sz="4000" b="1" dirty="0">
                   <a:latin typeface="Lato Regular" panose="020F0502020204030203" pitchFamily="34" charset="0"/>
                   <a:ea typeface="Lato Regular" panose="020F0502020204030203" pitchFamily="34" charset="0"/>
                   <a:cs typeface="Lato Regular" panose="020F0502020204030203" pitchFamily="34" charset="0"/>
@@ -13774,7 +13471,7 @@
                 <a:t>Couverture de code VS Mutation </a:t>
               </a:r>
               <a:r>
-                <a:rPr lang="fr-FR" sz="4000" b="1" dirty="0" err="1" smtClean="0">
+                <a:rPr lang="fr-FR" sz="4000" b="1" dirty="0" err="1">
                   <a:latin typeface="Lato Regular" panose="020F0502020204030203" pitchFamily="34" charset="0"/>
                   <a:ea typeface="Lato Regular" panose="020F0502020204030203" pitchFamily="34" charset="0"/>
                   <a:cs typeface="Lato Regular" panose="020F0502020204030203" pitchFamily="34" charset="0"/>
@@ -14137,7 +13834,7 @@
               <a:buNone/>
             </a:pPr>
             <a:r>
-              <a:rPr lang="fr-FR" sz="2000" dirty="0" err="1" smtClean="0">
+              <a:rPr lang="fr-FR" sz="2000" dirty="0" err="1">
                 <a:solidFill>
                   <a:schemeClr val="tx2"/>
                 </a:solidFill>
@@ -14337,7 +14034,7 @@
               <a:buNone/>
             </a:pPr>
             <a:r>
-              <a:rPr lang="fr-FR" sz="2000" dirty="0" smtClean="0">
+              <a:rPr lang="fr-FR" sz="2000" dirty="0">
                 <a:solidFill>
                   <a:schemeClr val="tx2"/>
                 </a:solidFill>
@@ -14346,13 +14043,6 @@
               </a:rPr>
               <a:t>PIT</a:t>
             </a:r>
-            <a:endParaRPr lang="fr-FR" sz="2000" dirty="0">
-              <a:solidFill>
-                <a:schemeClr val="tx2"/>
-              </a:solidFill>
-              <a:latin typeface="Lato Regular"/>
-              <a:cs typeface="Lato Regular"/>
-            </a:endParaRPr>
           </a:p>
           <a:p>
             <a:pPr marL="0" indent="0" algn="ctr">
@@ -14378,13 +14068,6 @@
   <p:clrMapOvr>
     <a:masterClrMapping/>
   </p:clrMapOvr>
-  <p:timing>
-    <p:tnLst>
-      <p:par>
-        <p:cTn id="1" dur="indefinite" restart="never" nodeType="tmRoot"/>
-      </p:par>
-    </p:tnLst>
-  </p:timing>
 </p:sld>
 </file>
 
@@ -14442,7 +14125,7 @@
             <a:lstStyle/>
             <a:p>
               <a:r>
-                <a:rPr lang="fr-FR" sz="4000" b="1" dirty="0" smtClean="0">
+                <a:rPr lang="fr-FR" sz="4000" b="1" dirty="0">
                   <a:latin typeface="Lato Regular" panose="020F0502020204030203" pitchFamily="34" charset="0"/>
                   <a:ea typeface="Lato Regular" panose="020F0502020204030203" pitchFamily="34" charset="0"/>
                   <a:cs typeface="Lato Regular" panose="020F0502020204030203" pitchFamily="34" charset="0"/>
@@ -14450,7 +14133,7 @@
                 <a:t>Couverture de code VS Mutation </a:t>
               </a:r>
               <a:r>
-                <a:rPr lang="fr-FR" sz="4000" b="1" dirty="0" err="1" smtClean="0">
+                <a:rPr lang="fr-FR" sz="4000" b="1" dirty="0" err="1">
                   <a:latin typeface="Lato Regular" panose="020F0502020204030203" pitchFamily="34" charset="0"/>
                   <a:ea typeface="Lato Regular" panose="020F0502020204030203" pitchFamily="34" charset="0"/>
                   <a:cs typeface="Lato Regular" panose="020F0502020204030203" pitchFamily="34" charset="0"/>
@@ -14766,7 +14449,7 @@
               <a:buNone/>
             </a:pPr>
             <a:r>
-              <a:rPr lang="fr-FR" sz="2000" dirty="0" err="1" smtClean="0">
+              <a:rPr lang="fr-FR" sz="2000" dirty="0" err="1">
                 <a:solidFill>
                   <a:schemeClr val="tx2"/>
                 </a:solidFill>
@@ -14966,7 +14649,7 @@
               <a:buNone/>
             </a:pPr>
             <a:r>
-              <a:rPr lang="fr-FR" sz="2000" dirty="0" smtClean="0">
+              <a:rPr lang="fr-FR" sz="2000" dirty="0">
                 <a:solidFill>
                   <a:schemeClr val="tx2"/>
                 </a:solidFill>
@@ -14975,13 +14658,6 @@
               </a:rPr>
               <a:t>PIT</a:t>
             </a:r>
-            <a:endParaRPr lang="fr-FR" sz="2000" dirty="0">
-              <a:solidFill>
-                <a:schemeClr val="tx2"/>
-              </a:solidFill>
-              <a:latin typeface="Lato Regular"/>
-              <a:cs typeface="Lato Regular"/>
-            </a:endParaRPr>
           </a:p>
           <a:p>
             <a:pPr marL="0" indent="0" algn="ctr">
@@ -15054,13 +14730,6 @@
   <p:clrMapOvr>
     <a:masterClrMapping/>
   </p:clrMapOvr>
-  <p:timing>
-    <p:tnLst>
-      <p:par>
-        <p:cTn id="1" dur="indefinite" restart="never" nodeType="tmRoot"/>
-      </p:par>
-    </p:tnLst>
-  </p:timing>
 </p:sld>
 </file>
 
@@ -15118,7 +14787,7 @@
             <a:lstStyle/>
             <a:p>
               <a:r>
-                <a:rPr lang="fr-FR" sz="4000" b="1" dirty="0" smtClean="0">
+                <a:rPr lang="fr-FR" sz="4000" b="1" dirty="0">
                   <a:latin typeface="Lato Regular" panose="020F0502020204030203" pitchFamily="34" charset="0"/>
                   <a:ea typeface="Lato Regular" panose="020F0502020204030203" pitchFamily="34" charset="0"/>
                   <a:cs typeface="Lato Regular" panose="020F0502020204030203" pitchFamily="34" charset="0"/>
@@ -15349,7 +15018,7 @@
               <a:buNone/>
             </a:pPr>
             <a:r>
-              <a:rPr lang="fr-FR" sz="2000" dirty="0" smtClean="0">
+              <a:rPr lang="fr-FR" sz="2000" dirty="0">
                 <a:solidFill>
                   <a:schemeClr val="tx2"/>
                 </a:solidFill>
@@ -15422,13 +15091,6 @@
   <p:clrMapOvr>
     <a:masterClrMapping/>
   </p:clrMapOvr>
-  <p:timing>
-    <p:tnLst>
-      <p:par>
-        <p:cTn id="1" dur="indefinite" restart="never" nodeType="tmRoot"/>
-      </p:par>
-    </p:tnLst>
-  </p:timing>
 </p:sld>
 </file>
 
@@ -15526,14 +15188,14 @@
             <a:lstStyle/>
             <a:p>
               <a:r>
-                <a:rPr lang="fr-FR" sz="4000" b="1" dirty="0" err="1" smtClean="0">
+                <a:rPr lang="fr-FR" sz="4000" b="1" dirty="0" err="1">
                   <a:latin typeface="Lato Regular" panose="020F0502020204030203" pitchFamily="34" charset="0"/>
                   <a:ea typeface="Lato Regular" panose="020F0502020204030203" pitchFamily="34" charset="0"/>
                   <a:cs typeface="Lato Regular" panose="020F0502020204030203" pitchFamily="34" charset="0"/>
                 </a:rPr>
                 <a:t>Toolbox</a:t>
               </a:r>
-              <a:endParaRPr lang="fr-FR" sz="4000" b="1" dirty="0" smtClean="0">
+              <a:endParaRPr lang="fr-FR" sz="4000" b="1" dirty="0">
                 <a:latin typeface="Lato Regular" panose="020F0502020204030203" pitchFamily="34" charset="0"/>
                 <a:ea typeface="Lato Regular" panose="020F0502020204030203" pitchFamily="34" charset="0"/>
                 <a:cs typeface="Lato Regular" panose="020F0502020204030203" pitchFamily="34" charset="0"/>
@@ -15757,7 +15419,7 @@
               <a:buNone/>
             </a:pPr>
             <a:r>
-              <a:rPr lang="fr-FR" sz="2000" dirty="0" smtClean="0">
+              <a:rPr lang="fr-FR" sz="2000" dirty="0">
                 <a:solidFill>
                   <a:schemeClr val="tx2"/>
                 </a:solidFill>
@@ -15833,7 +15495,7 @@
           <a:lstStyle/>
           <a:p>
             <a:r>
-              <a:rPr lang="fr-FR" sz="2000" b="1" dirty="0" smtClean="0">
+              <a:rPr lang="fr-FR" sz="2000" b="1" dirty="0">
                 <a:latin typeface="Lato Regular" panose="020F0502020204030203" pitchFamily="34" charset="0"/>
                 <a:ea typeface="Lato Regular" panose="020F0502020204030203" pitchFamily="34" charset="0"/>
                 <a:cs typeface="Lato Regular" panose="020F0502020204030203" pitchFamily="34" charset="0"/>
@@ -15841,20 +15503,12 @@
               <a:t>Provoquer</a:t>
             </a:r>
             <a:r>
-              <a:rPr lang="fr-FR" sz="2000" dirty="0" smtClean="0">
-                <a:latin typeface="Lato Regular" panose="020F0502020204030203" pitchFamily="34" charset="0"/>
-                <a:ea typeface="Lato Regular" panose="020F0502020204030203" pitchFamily="34" charset="0"/>
-                <a:cs typeface="Lato Regular" panose="020F0502020204030203" pitchFamily="34" charset="0"/>
-              </a:rPr>
-              <a:t> </a:t>
-            </a:r>
-            <a:r>
               <a:rPr lang="fr-FR" sz="2000" dirty="0">
                 <a:latin typeface="Lato Regular" panose="020F0502020204030203" pitchFamily="34" charset="0"/>
                 <a:ea typeface="Lato Regular" panose="020F0502020204030203" pitchFamily="34" charset="0"/>
                 <a:cs typeface="Lato Regular" panose="020F0502020204030203" pitchFamily="34" charset="0"/>
               </a:rPr>
-              <a:t>des pannes en environnement </a:t>
+              <a:t> des pannes en environnement </a:t>
             </a:r>
             <a:r>
               <a:rPr lang="fr-FR" sz="2000" b="1" dirty="0">
@@ -16060,7 +15714,7 @@
               <a:buNone/>
             </a:pPr>
             <a:r>
-              <a:rPr lang="fr-FR" sz="2000" dirty="0" err="1" smtClean="0">
+              <a:rPr lang="fr-FR" sz="2000" dirty="0" err="1">
                 <a:solidFill>
                   <a:schemeClr val="tx2"/>
                 </a:solidFill>
@@ -16069,7 +15723,7 @@
               </a:rPr>
               <a:t>Gatling</a:t>
             </a:r>
-            <a:endParaRPr lang="fr-FR" sz="2000" dirty="0" smtClean="0">
+            <a:endParaRPr lang="fr-FR" sz="2000" dirty="0">
               <a:solidFill>
                 <a:schemeClr val="tx2"/>
               </a:solidFill>
@@ -16151,21 +15805,8 @@
                 <a:ea typeface="Lato Regular" panose="020F0502020204030203" pitchFamily="34" charset="0"/>
                 <a:cs typeface="Lato Regular" panose="020F0502020204030203" pitchFamily="34" charset="0"/>
               </a:rPr>
-              <a:t>applications </a:t>
-            </a:r>
-            <a:r>
-              <a:rPr lang="fr-FR" sz="2000" b="1" dirty="0" smtClean="0">
-                <a:latin typeface="Lato Regular" panose="020F0502020204030203" pitchFamily="34" charset="0"/>
-                <a:ea typeface="Lato Regular" panose="020F0502020204030203" pitchFamily="34" charset="0"/>
-                <a:cs typeface="Lato Regular" panose="020F0502020204030203" pitchFamily="34" charset="0"/>
-              </a:rPr>
-              <a:t>web.</a:t>
-            </a:r>
-            <a:endParaRPr lang="fr-FR" sz="2000" b="1" dirty="0">
-              <a:latin typeface="Lato Regular" panose="020F0502020204030203" pitchFamily="34" charset="0"/>
-              <a:ea typeface="Lato Regular" panose="020F0502020204030203" pitchFamily="34" charset="0"/>
-              <a:cs typeface="Lato Regular" panose="020F0502020204030203" pitchFamily="34" charset="0"/>
-            </a:endParaRPr>
+              <a:t>applications web.</a:t>
+            </a:r>
           </a:p>
         </p:txBody>
       </p:sp>
@@ -16403,7 +16044,7 @@
             <a:lstStyle/>
             <a:p>
               <a:r>
-                <a:rPr lang="fr-FR" sz="4000" b="1" dirty="0" smtClean="0">
+                <a:rPr lang="fr-FR" sz="4000" b="1" dirty="0">
                   <a:latin typeface="Lato Regular" panose="020F0502020204030203" pitchFamily="34" charset="0"/>
                   <a:ea typeface="Lato Regular" panose="020F0502020204030203" pitchFamily="34" charset="0"/>
                   <a:cs typeface="Lato Regular" panose="020F0502020204030203" pitchFamily="34" charset="0"/>
@@ -16629,7 +16270,7 @@
               <a:buNone/>
             </a:pPr>
             <a:r>
-              <a:rPr lang="fr-FR" sz="2000" dirty="0" smtClean="0">
+              <a:rPr lang="fr-FR" sz="2000" dirty="0">
                 <a:solidFill>
                   <a:schemeClr val="tx2"/>
                 </a:solidFill>
@@ -16639,7 +16280,7 @@
               <a:t>Installation sur un projet </a:t>
             </a:r>
             <a:r>
-              <a:rPr lang="fr-FR" sz="2000" dirty="0" err="1" smtClean="0">
+              <a:rPr lang="fr-FR" sz="2000" dirty="0" err="1">
                 <a:solidFill>
                   <a:schemeClr val="tx2"/>
                 </a:solidFill>
@@ -16649,7 +16290,7 @@
               <a:t>spring</a:t>
             </a:r>
             <a:r>
-              <a:rPr lang="fr-FR" sz="2000" dirty="0" smtClean="0">
+              <a:rPr lang="fr-FR" sz="2000" dirty="0">
                 <a:solidFill>
                   <a:schemeClr val="tx2"/>
                 </a:solidFill>
@@ -16658,13 +16299,6 @@
               </a:rPr>
               <a:t> boot</a:t>
             </a:r>
-            <a:endParaRPr lang="fr-FR" sz="2000" dirty="0">
-              <a:solidFill>
-                <a:schemeClr val="tx2"/>
-              </a:solidFill>
-              <a:latin typeface="Lato Regular"/>
-              <a:cs typeface="Lato Regular"/>
-            </a:endParaRPr>
           </a:p>
         </p:txBody>
       </p:sp>
@@ -16877,7 +16511,7 @@
             <a:pPr marL="0" indent="0">
               <a:buNone/>
             </a:pPr>
-            <a:endParaRPr lang="fr-FR" sz="2000" dirty="0" smtClean="0">
+            <a:endParaRPr lang="fr-FR" sz="2000" dirty="0">
               <a:solidFill>
                 <a:schemeClr val="tx2"/>
               </a:solidFill>
@@ -17281,7 +16915,7 @@
             <a:lstStyle/>
             <a:p>
               <a:r>
-                <a:rPr lang="fr-FR" sz="4000" b="1" dirty="0" smtClean="0">
+                <a:rPr lang="fr-FR" sz="4000" b="1" dirty="0">
                   <a:latin typeface="Lato Regular" panose="020F0502020204030203" pitchFamily="34" charset="0"/>
                   <a:ea typeface="Lato Regular" panose="020F0502020204030203" pitchFamily="34" charset="0"/>
                   <a:cs typeface="Lato Regular" panose="020F0502020204030203" pitchFamily="34" charset="0"/>
@@ -17403,25 +17037,8 @@
                 <a:latin typeface="Lato Regular"/>
                 <a:cs typeface="Lato Regular"/>
               </a:rPr>
-              <a:t>Installation en </a:t>
-            </a:r>
-            <a:r>
-              <a:rPr lang="fr-FR" sz="2000" dirty="0" smtClean="0">
-                <a:solidFill>
-                  <a:schemeClr val="tx2"/>
-                </a:solidFill>
-                <a:latin typeface="Lato Regular"/>
-                <a:cs typeface="Lato Regular"/>
-              </a:rPr>
-              <a:t>local :</a:t>
-            </a:r>
-            <a:endParaRPr lang="fr-FR" sz="2000" dirty="0">
-              <a:solidFill>
-                <a:schemeClr val="tx2"/>
-              </a:solidFill>
-              <a:latin typeface="Lato Regular"/>
-              <a:cs typeface="Lato Regular"/>
-            </a:endParaRPr>
+              <a:t>Installation en local :</a:t>
+            </a:r>
           </a:p>
           <a:p>
             <a:pPr marL="571500" indent="-571500">
@@ -17429,7 +17046,7 @@
               <a:buChar char="-"/>
             </a:pPr>
             <a:r>
-              <a:rPr lang="fr-FR" sz="2000" dirty="0" smtClean="0">
+              <a:rPr lang="fr-FR" sz="2000" dirty="0">
                 <a:solidFill>
                   <a:schemeClr val="tx2"/>
                 </a:solidFill>
@@ -17437,6 +17054,22 @@
                 <a:cs typeface="Lato Light"/>
               </a:rPr>
               <a:t>Java 8</a:t>
+            </a:r>
+          </a:p>
+          <a:p>
+            <a:pPr marL="571500" indent="-571500">
+              <a:buFontTx/>
+              <a:buChar char="-"/>
+            </a:pPr>
+            <a:r>
+              <a:rPr lang="fr-FR" sz="2000" dirty="0" err="1">
+                <a:solidFill>
+                  <a:schemeClr val="tx2"/>
+                </a:solidFill>
+                <a:latin typeface="Lato Light"/>
+                <a:cs typeface="Lato Light"/>
+              </a:rPr>
+              <a:t>Maven</a:t>
             </a:r>
             <a:endParaRPr lang="fr-FR" sz="2000" dirty="0">
               <a:solidFill>
@@ -17452,22 +17085,15 @@
               <a:buChar char="-"/>
             </a:pPr>
             <a:r>
-              <a:rPr lang="fr-FR" sz="2000" dirty="0" err="1">
+              <a:rPr lang="fr-FR" sz="2000" dirty="0">
                 <a:solidFill>
                   <a:schemeClr val="tx2"/>
                 </a:solidFill>
                 <a:latin typeface="Lato Light"/>
                 <a:cs typeface="Lato Light"/>
               </a:rPr>
-              <a:t>Maven</a:t>
-            </a:r>
-            <a:endParaRPr lang="fr-FR" sz="2000" dirty="0">
-              <a:solidFill>
-                <a:schemeClr val="tx2"/>
-              </a:solidFill>
-              <a:latin typeface="Lato Light"/>
-              <a:cs typeface="Lato Light"/>
-            </a:endParaRPr>
+              <a:t>Docker</a:t>
+            </a:r>
           </a:p>
           <a:p>
             <a:pPr marL="571500" indent="-571500">
@@ -17475,23 +17101,7 @@
               <a:buChar char="-"/>
             </a:pPr>
             <a:r>
-              <a:rPr lang="fr-FR" sz="2000" dirty="0" smtClean="0">
-                <a:solidFill>
-                  <a:schemeClr val="tx2"/>
-                </a:solidFill>
-                <a:latin typeface="Lato Light"/>
-                <a:cs typeface="Lato Light"/>
-              </a:rPr>
-              <a:t>Docker</a:t>
-            </a:r>
-          </a:p>
-          <a:p>
-            <a:pPr marL="571500" indent="-571500">
-              <a:buFontTx/>
-              <a:buChar char="-"/>
-            </a:pPr>
-            <a:r>
-              <a:rPr lang="fr-FR" sz="2000" dirty="0" err="1" smtClean="0">
+              <a:rPr lang="fr-FR" sz="2000" dirty="0" err="1">
                 <a:solidFill>
                   <a:schemeClr val="tx2"/>
                 </a:solidFill>
@@ -17500,7 +17110,7 @@
               </a:rPr>
               <a:t>Kubernetes</a:t>
             </a:r>
-            <a:endParaRPr lang="fr-FR" sz="2000" dirty="0" smtClean="0">
+            <a:endParaRPr lang="fr-FR" sz="2000" dirty="0">
               <a:solidFill>
                 <a:schemeClr val="tx2"/>
               </a:solidFill>
@@ -17523,7 +17133,7 @@
           </a:p>
           <a:p>
             <a:r>
-              <a:rPr lang="fr-FR" sz="2000" dirty="0" smtClean="0">
+              <a:rPr lang="fr-FR" sz="2000" dirty="0">
                 <a:solidFill>
                   <a:schemeClr val="tx2"/>
                 </a:solidFill>
@@ -17532,13 +17142,6 @@
               </a:rPr>
               <a:t>Instructions :</a:t>
             </a:r>
-            <a:endParaRPr lang="fr-FR" sz="2000" dirty="0">
-              <a:solidFill>
-                <a:schemeClr val="tx2"/>
-              </a:solidFill>
-              <a:latin typeface="Lato Regular"/>
-              <a:cs typeface="Lato Regular"/>
-            </a:endParaRPr>
           </a:p>
           <a:p>
             <a:pPr algn="ctr"/>
@@ -17548,7 +17151,7 @@
               </a:rPr>
               <a:t>https://sii-codelab-chaos.github.io/Codelab-Chaos-TP/</a:t>
             </a:r>
-            <a:endParaRPr lang="fr-FR" sz="2000" dirty="0" smtClean="0">
+            <a:endParaRPr lang="fr-FR" sz="2000" dirty="0">
               <a:solidFill>
                 <a:schemeClr val="tx2"/>
               </a:solidFill>
@@ -17568,13 +17171,6 @@
   <p:clrMapOvr>
     <a:masterClrMapping/>
   </p:clrMapOvr>
-  <p:timing>
-    <p:tnLst>
-      <p:par>
-        <p:cTn id="1" dur="indefinite" restart="never" nodeType="tmRoot"/>
-      </p:par>
-    </p:tnLst>
-  </p:timing>
 </p:sld>
 </file>
 
@@ -17672,14 +17268,14 @@
             <a:lstStyle/>
             <a:p>
               <a:r>
-                <a:rPr lang="fr-FR" sz="4000" b="1" dirty="0" err="1" smtClean="0">
+                <a:rPr lang="fr-FR" sz="4000" b="1" dirty="0" err="1">
                   <a:latin typeface="Lato Regular" panose="020F0502020204030203" pitchFamily="34" charset="0"/>
                   <a:ea typeface="Lato Regular" panose="020F0502020204030203" pitchFamily="34" charset="0"/>
                   <a:cs typeface="Lato Regular" panose="020F0502020204030203" pitchFamily="34" charset="0"/>
                 </a:rPr>
                 <a:t>Gatling</a:t>
               </a:r>
-              <a:endParaRPr lang="fr-FR" sz="4000" b="1" dirty="0" smtClean="0">
+              <a:endParaRPr lang="fr-FR" sz="4000" b="1" dirty="0">
                 <a:latin typeface="Lato Regular" panose="020F0502020204030203" pitchFamily="34" charset="0"/>
                 <a:ea typeface="Lato Regular" panose="020F0502020204030203" pitchFamily="34" charset="0"/>
                 <a:cs typeface="Lato Regular" panose="020F0502020204030203" pitchFamily="34" charset="0"/>
@@ -17902,7 +17498,7 @@
             <a:pPr marL="0" indent="0">
               <a:buNone/>
             </a:pPr>
-            <a:endParaRPr lang="fr-FR" sz="2000" dirty="0" smtClean="0">
+            <a:endParaRPr lang="fr-FR" sz="2000" dirty="0">
               <a:solidFill>
                 <a:schemeClr val="tx2"/>
               </a:solidFill>
@@ -18362,7 +17958,7 @@
             <a:lstStyle/>
             <a:p>
               <a:r>
-                <a:rPr lang="fr-FR" sz="4000" b="1" dirty="0" smtClean="0">
+                <a:rPr lang="fr-FR" sz="4000" b="1" dirty="0">
                   <a:latin typeface="Lato Regular" panose="020F0502020204030203" pitchFamily="34" charset="0"/>
                   <a:ea typeface="Lato Regular" panose="020F0502020204030203" pitchFamily="34" charset="0"/>
                   <a:cs typeface="Lato Regular" panose="020F0502020204030203" pitchFamily="34" charset="0"/>
@@ -18477,7 +18073,7 @@
           <a:lstStyle/>
           <a:p>
             <a:r>
-              <a:rPr lang="fr-FR" sz="2000" b="1" dirty="0" smtClean="0">
+              <a:rPr lang="fr-FR" sz="2000" b="1" dirty="0">
                 <a:solidFill>
                   <a:schemeClr val="tx2"/>
                 </a:solidFill>
@@ -18486,13 +18082,6 @@
               </a:rPr>
               <a:t>TP 2 :</a:t>
             </a:r>
-            <a:endParaRPr lang="fr-FR" sz="2000" b="1" dirty="0">
-              <a:solidFill>
-                <a:schemeClr val="tx2"/>
-              </a:solidFill>
-              <a:latin typeface="Lato Regular"/>
-              <a:cs typeface="Lato Regular"/>
-            </a:endParaRPr>
           </a:p>
           <a:p>
             <a:endParaRPr lang="fr-FR" sz="2000" dirty="0">
@@ -18509,7 +18098,7 @@
               <a:buChar char="-"/>
             </a:pPr>
             <a:r>
-              <a:rPr lang="fr-FR" sz="2000" b="1" dirty="0" smtClean="0">
+              <a:rPr lang="fr-FR" sz="2000" b="1" dirty="0">
                 <a:solidFill>
                   <a:schemeClr val="tx2"/>
                 </a:solidFill>
@@ -18517,20 +18106,15 @@
                 <a:ea typeface="Lato Light" panose="020F0502020204030203" pitchFamily="34" charset="0"/>
                 <a:cs typeface="Lato Light" panose="020F0502020204030203" pitchFamily="34" charset="0"/>
               </a:rPr>
-              <a:t>Paramétrage </a:t>
-            </a:r>
-            <a:r>
-              <a:rPr lang="fr-FR" sz="2000" b="1" dirty="0">
-                <a:solidFill>
-                  <a:schemeClr val="tx2"/>
-                </a:solidFill>
-                <a:latin typeface="Lato Light" panose="020F0502020204030203" pitchFamily="34" charset="0"/>
-                <a:ea typeface="Lato Light" panose="020F0502020204030203" pitchFamily="34" charset="0"/>
-                <a:cs typeface="Lato Light" panose="020F0502020204030203" pitchFamily="34" charset="0"/>
-              </a:rPr>
-              <a:t>du Chaos Monkey </a:t>
-            </a:r>
-            <a:endParaRPr lang="fr-FR" sz="2000" b="1" dirty="0" smtClean="0">
+              <a:t>Paramétrage du Chaos Monkey </a:t>
+            </a:r>
+          </a:p>
+          <a:p>
+            <a:pPr marL="571500" indent="-571500">
+              <a:buFontTx/>
+              <a:buChar char="-"/>
+            </a:pPr>
+            <a:endParaRPr lang="fr-FR" sz="2000" b="1" dirty="0">
               <a:solidFill>
                 <a:schemeClr val="tx2"/>
               </a:solidFill>
@@ -18544,67 +18128,43 @@
               <a:buFontTx/>
               <a:buChar char="-"/>
             </a:pPr>
-            <a:endParaRPr lang="fr-FR" sz="2000" b="1" dirty="0" smtClean="0">
-              <a:solidFill>
-                <a:schemeClr val="tx2"/>
-              </a:solidFill>
-              <a:latin typeface="Lato Light" panose="020F0502020204030203" pitchFamily="34" charset="0"/>
-              <a:ea typeface="Lato Light" panose="020F0502020204030203" pitchFamily="34" charset="0"/>
-              <a:cs typeface="Lato Light" panose="020F0502020204030203" pitchFamily="34" charset="0"/>
-            </a:endParaRPr>
+            <a:r>
+              <a:rPr lang="fr-FR" sz="2000" b="1" dirty="0">
+                <a:solidFill>
+                  <a:schemeClr val="tx2"/>
+                </a:solidFill>
+                <a:latin typeface="Lato Light"/>
+                <a:cs typeface="Lato Light"/>
+              </a:rPr>
+              <a:t>Démarrage de l’application </a:t>
+            </a:r>
+            <a:r>
+              <a:rPr lang="fr-FR" sz="2000" b="1" dirty="0" err="1">
+                <a:solidFill>
+                  <a:schemeClr val="tx2"/>
+                </a:solidFill>
+                <a:latin typeface="Lato Light"/>
+                <a:cs typeface="Lato Light"/>
+              </a:rPr>
+              <a:t>FuSIIon</a:t>
+            </a:r>
+            <a:r>
+              <a:rPr lang="fr-FR" sz="2000" b="1" dirty="0">
+                <a:solidFill>
+                  <a:schemeClr val="tx2"/>
+                </a:solidFill>
+                <a:latin typeface="Lato Light"/>
+                <a:cs typeface="Lato Light"/>
+              </a:rPr>
+              <a:t> ( Docker)</a:t>
+            </a:r>
           </a:p>
           <a:p>
             <a:pPr marL="571500" indent="-571500">
               <a:buFontTx/>
               <a:buChar char="-"/>
             </a:pPr>
-            <a:r>
-              <a:rPr lang="fr-FR" sz="2000" b="1" dirty="0" smtClean="0">
-                <a:solidFill>
-                  <a:schemeClr val="tx2"/>
-                </a:solidFill>
-                <a:latin typeface="Lato Light"/>
-                <a:cs typeface="Lato Light"/>
-              </a:rPr>
-              <a:t>Démarrage </a:t>
-            </a:r>
-            <a:r>
-              <a:rPr lang="fr-FR" sz="2000" b="1" dirty="0">
-                <a:solidFill>
-                  <a:schemeClr val="tx2"/>
-                </a:solidFill>
-                <a:latin typeface="Lato Light"/>
-                <a:cs typeface="Lato Light"/>
-              </a:rPr>
-              <a:t>de l’application </a:t>
-            </a:r>
-            <a:r>
-              <a:rPr lang="fr-FR" sz="2000" b="1" dirty="0" err="1" smtClean="0">
-                <a:solidFill>
-                  <a:schemeClr val="tx2"/>
-                </a:solidFill>
-                <a:latin typeface="Lato Light"/>
-                <a:cs typeface="Lato Light"/>
-              </a:rPr>
-              <a:t>FuSIIon</a:t>
-            </a:r>
-            <a:r>
-              <a:rPr lang="fr-FR" sz="2000" b="1" dirty="0" smtClean="0">
-                <a:solidFill>
-                  <a:schemeClr val="tx2"/>
-                </a:solidFill>
-                <a:latin typeface="Lato Light"/>
-                <a:cs typeface="Lato Light"/>
-              </a:rPr>
-              <a:t> ( Docker)</a:t>
-            </a:r>
-          </a:p>
-          <a:p>
-            <a:pPr marL="571500" indent="-571500">
-              <a:buFontTx/>
-              <a:buChar char="-"/>
-            </a:pPr>
-            <a:endParaRPr lang="fr-FR" sz="2000" b="1" dirty="0" smtClean="0">
+            <a:endParaRPr lang="fr-FR" sz="2000" b="1" dirty="0">
               <a:solidFill>
                 <a:schemeClr val="tx2"/>
               </a:solidFill>
@@ -18618,7 +18178,7 @@
               <a:buChar char="-"/>
             </a:pPr>
             <a:r>
-              <a:rPr lang="fr-FR" sz="2000" b="1" dirty="0" smtClean="0">
+              <a:rPr lang="fr-FR" sz="2000" b="1" dirty="0">
                 <a:solidFill>
                   <a:schemeClr val="tx2"/>
                 </a:solidFill>
@@ -18633,7 +18193,7 @@
               <a:buFontTx/>
               <a:buChar char="-"/>
             </a:pPr>
-            <a:endParaRPr lang="fr-FR" sz="2000" b="1" dirty="0" smtClean="0">
+            <a:endParaRPr lang="fr-FR" sz="2000" b="1" dirty="0">
               <a:solidFill>
                 <a:schemeClr val="tx2"/>
               </a:solidFill>
@@ -18647,7 +18207,7 @@
               <a:buChar char="-"/>
             </a:pPr>
             <a:r>
-              <a:rPr lang="fr-FR" sz="2000" b="1" dirty="0" smtClean="0">
+              <a:rPr lang="fr-FR" sz="2000" b="1" dirty="0">
                 <a:solidFill>
                   <a:schemeClr val="tx2"/>
                 </a:solidFill>
@@ -18662,7 +18222,7 @@
               <a:buFontTx/>
               <a:buChar char="-"/>
             </a:pPr>
-            <a:endParaRPr lang="fr-FR" sz="2000" dirty="0" smtClean="0">
+            <a:endParaRPr lang="fr-FR" sz="2000" dirty="0">
               <a:solidFill>
                 <a:schemeClr val="tx2"/>
               </a:solidFill>
@@ -18682,13 +18242,6 @@
   <p:clrMapOvr>
     <a:masterClrMapping/>
   </p:clrMapOvr>
-  <p:timing>
-    <p:tnLst>
-      <p:par>
-        <p:cTn id="1" dur="indefinite" restart="never" nodeType="tmRoot"/>
-      </p:par>
-    </p:tnLst>
-  </p:timing>
 </p:sld>
 </file>
 
@@ -18746,7 +18299,7 @@
             <a:lstStyle/>
             <a:p>
               <a:r>
-                <a:rPr lang="fr-FR" sz="4000" b="1" dirty="0" smtClean="0">
+                <a:rPr lang="fr-FR" sz="4000" b="1" dirty="0">
                   <a:latin typeface="Lato Regular" panose="020F0502020204030203" pitchFamily="34" charset="0"/>
                   <a:ea typeface="Lato Regular" panose="020F0502020204030203" pitchFamily="34" charset="0"/>
                   <a:cs typeface="Lato Regular" panose="020F0502020204030203" pitchFamily="34" charset="0"/>
@@ -18836,37 +18389,8 @@
                 <a:ea typeface="Lato Regular" panose="020F0502020204030203" pitchFamily="34" charset="0"/>
                 <a:cs typeface="Lato Regular" panose="020F0502020204030203" pitchFamily="34" charset="0"/>
               </a:rPr>
-              <a:t>T</a:t>
-            </a:r>
-            <a:r>
-              <a:rPr lang="fr-FR" dirty="0" smtClean="0">
-                <a:latin typeface="Lato Regular" panose="020F0502020204030203" pitchFamily="34" charset="0"/>
-                <a:ea typeface="Lato Regular" panose="020F0502020204030203" pitchFamily="34" charset="0"/>
-                <a:cs typeface="Lato Regular" panose="020F0502020204030203" pitchFamily="34" charset="0"/>
-              </a:rPr>
-              <a:t>ir </a:t>
-            </a:r>
-            <a:r>
-              <a:rPr lang="fr-FR" dirty="0">
-                <a:latin typeface="Lato Regular" panose="020F0502020204030203" pitchFamily="34" charset="0"/>
-                <a:ea typeface="Lato Regular" panose="020F0502020204030203" pitchFamily="34" charset="0"/>
-                <a:cs typeface="Lato Regular" panose="020F0502020204030203" pitchFamily="34" charset="0"/>
-              </a:rPr>
-              <a:t>:  C:\</a:t>
-            </a:r>
-            <a:r>
-              <a:rPr lang="fr-FR" dirty="0" smtClean="0">
-                <a:latin typeface="Lato Regular" panose="020F0502020204030203" pitchFamily="34" charset="0"/>
-                <a:ea typeface="Lato Regular" panose="020F0502020204030203" pitchFamily="34" charset="0"/>
-                <a:cs typeface="Lato Regular" panose="020F0502020204030203" pitchFamily="34" charset="0"/>
-              </a:rPr>
-              <a:t>dev\gatling-maven-plugin-demo\target\gatling\basicsimulation-nbtir\index.html</a:t>
-            </a:r>
-            <a:endParaRPr lang="fr-FR" dirty="0">
-              <a:latin typeface="Lato Regular" panose="020F0502020204030203" pitchFamily="34" charset="0"/>
-              <a:ea typeface="Lato Regular" panose="020F0502020204030203" pitchFamily="34" charset="0"/>
-              <a:cs typeface="Lato Regular" panose="020F0502020204030203" pitchFamily="34" charset="0"/>
-            </a:endParaRPr>
+              <a:t>Tir :  C:\dev\gatling-maven-plugin-demo\target\gatling\basicsimulation-nbtir\index.html</a:t>
+            </a:r>
           </a:p>
         </p:txBody>
       </p:sp>
@@ -19039,7 +18563,7 @@
               <a:buNone/>
             </a:pPr>
             <a:r>
-              <a:rPr lang="fr-FR" sz="2000" dirty="0" smtClean="0">
+              <a:rPr lang="fr-FR" sz="2000" dirty="0">
                 <a:solidFill>
                   <a:schemeClr val="tx2"/>
                 </a:solidFill>
@@ -19048,13 +18572,6 @@
               </a:rPr>
               <a:t>Résultat du tir de charge:</a:t>
             </a:r>
-            <a:endParaRPr lang="fr-FR" sz="2000" dirty="0">
-              <a:solidFill>
-                <a:schemeClr val="tx2"/>
-              </a:solidFill>
-              <a:latin typeface="Lato Regular"/>
-              <a:cs typeface="Lato Regular"/>
-            </a:endParaRPr>
           </a:p>
           <a:p>
             <a:pPr marL="0" indent="0" algn="ctr">
@@ -19139,13 +18656,6 @@
   <p:clrMapOvr>
     <a:masterClrMapping/>
   </p:clrMapOvr>
-  <p:timing>
-    <p:tnLst>
-      <p:par>
-        <p:cTn id="1" dur="indefinite" restart="never" nodeType="tmRoot"/>
-      </p:par>
-    </p:tnLst>
-  </p:timing>
 </p:sld>
 </file>
 
@@ -19203,7 +18713,7 @@
             <a:lstStyle/>
             <a:p>
               <a:r>
-                <a:rPr lang="fr-FR" sz="4000" b="1" dirty="0" smtClean="0">
+                <a:rPr lang="fr-FR" sz="4000" b="1" dirty="0">
                   <a:latin typeface="Lato Regular" panose="020F0502020204030203" pitchFamily="34" charset="0"/>
                   <a:ea typeface="Lato Regular" panose="020F0502020204030203" pitchFamily="34" charset="0"/>
                   <a:cs typeface="Lato Regular" panose="020F0502020204030203" pitchFamily="34" charset="0"/>
@@ -19318,7 +18828,7 @@
           <a:lstStyle/>
           <a:p>
             <a:r>
-              <a:rPr lang="fr-FR" sz="3600" dirty="0" smtClean="0">
+              <a:rPr lang="fr-FR" sz="3600" dirty="0">
                 <a:solidFill>
                   <a:schemeClr val="tx2"/>
                 </a:solidFill>
@@ -19382,7 +18892,7 @@
           <a:lstStyle/>
           <a:p>
             <a:r>
-              <a:rPr lang="fr-FR" sz="3600" b="1" dirty="0" smtClean="0">
+              <a:rPr lang="fr-FR" sz="3600" b="1" dirty="0">
                 <a:solidFill>
                   <a:schemeClr val="tx2"/>
                 </a:solidFill>
@@ -19405,7 +18915,7 @@
               <a:buChar char="-"/>
             </a:pPr>
             <a:r>
-              <a:rPr lang="fr-FR" sz="3600" dirty="0" smtClean="0">
+              <a:rPr lang="fr-FR" sz="3600" dirty="0">
                 <a:solidFill>
                   <a:schemeClr val="tx2"/>
                 </a:solidFill>
@@ -19421,7 +18931,7 @@
               <a:buChar char="-"/>
             </a:pPr>
             <a:r>
-              <a:rPr lang="fr-FR" sz="3600" dirty="0" smtClean="0">
+              <a:rPr lang="fr-FR" sz="3600" dirty="0">
                 <a:solidFill>
                   <a:schemeClr val="tx2"/>
                 </a:solidFill>
@@ -19443,13 +18953,6 @@
   <p:clrMapOvr>
     <a:masterClrMapping/>
   </p:clrMapOvr>
-  <p:timing>
-    <p:tnLst>
-      <p:par>
-        <p:cTn id="1" dur="indefinite" restart="never" nodeType="tmRoot"/>
-      </p:par>
-    </p:tnLst>
-  </p:timing>
 </p:sld>
 </file>
 
@@ -19507,7 +19010,7 @@
             <a:lstStyle/>
             <a:p>
               <a:r>
-                <a:rPr lang="fr-FR" sz="4000" b="1" dirty="0" smtClean="0">
+                <a:rPr lang="fr-FR" sz="4000" b="1" dirty="0">
                   <a:latin typeface="Lato Regular" panose="020F0502020204030203" pitchFamily="34" charset="0"/>
                   <a:ea typeface="Lato Regular" panose="020F0502020204030203" pitchFamily="34" charset="0"/>
                   <a:cs typeface="Lato Regular" panose="020F0502020204030203" pitchFamily="34" charset="0"/>
@@ -19738,7 +19241,7 @@
               <a:buNone/>
             </a:pPr>
             <a:r>
-              <a:rPr lang="fr-FR" sz="2000" dirty="0" smtClean="0">
+              <a:rPr lang="fr-FR" sz="2000" dirty="0">
                 <a:solidFill>
                   <a:schemeClr val="tx2"/>
                 </a:solidFill>
@@ -19811,13 +19314,6 @@
   <p:clrMapOvr>
     <a:masterClrMapping/>
   </p:clrMapOvr>
-  <p:timing>
-    <p:tnLst>
-      <p:par>
-        <p:cTn id="1" dur="indefinite" restart="never" nodeType="tmRoot"/>
-      </p:par>
-    </p:tnLst>
-  </p:timing>
 </p:sld>
 </file>
 
@@ -19838,6 +19334,115 @@
           <a:chExt cx="0" cy="0"/>
         </a:xfrm>
       </p:grpSpPr>
+      <p:sp>
+        <p:nvSpPr>
+          <p:cNvPr id="14" name="Rectangle 13">
+            <a:extLst>
+              <a:ext uri="{FF2B5EF4-FFF2-40B4-BE49-F238E27FC236}">
+                <a16:creationId xmlns:a16="http://schemas.microsoft.com/office/drawing/2014/main" id="{5DFC4D0C-A17A-4DB8-96DC-25BF1F7511EA}"/>
+              </a:ext>
+            </a:extLst>
+          </p:cNvPr>
+          <p:cNvSpPr/>
+          <p:nvPr/>
+        </p:nvSpPr>
+        <p:spPr>
+          <a:xfrm>
+            <a:off x="4793379" y="1848076"/>
+            <a:ext cx="6242803" cy="4409955"/>
+          </a:xfrm>
+          <a:prstGeom prst="rect">
+            <a:avLst/>
+          </a:prstGeom>
+          <a:solidFill>
+            <a:schemeClr val="bg1"/>
+          </a:solidFill>
+          <a:ln>
+            <a:solidFill>
+              <a:srgbClr val="306CE5"/>
+            </a:solidFill>
+          </a:ln>
+        </p:spPr>
+        <p:style>
+          <a:lnRef idx="2">
+            <a:schemeClr val="accent1">
+              <a:shade val="50000"/>
+            </a:schemeClr>
+          </a:lnRef>
+          <a:fillRef idx="1">
+            <a:schemeClr val="accent1"/>
+          </a:fillRef>
+          <a:effectRef idx="0">
+            <a:schemeClr val="accent1"/>
+          </a:effectRef>
+          <a:fontRef idx="minor">
+            <a:schemeClr val="lt1"/>
+          </a:fontRef>
+        </p:style>
+        <p:txBody>
+          <a:bodyPr rtlCol="0" anchor="ctr"/>
+          <a:lstStyle/>
+          <a:p>
+            <a:pPr algn="ctr"/>
+            <a:endParaRPr lang="fr-FR" sz="4000" dirty="0">
+              <a:solidFill>
+                <a:srgbClr val="336EE5"/>
+              </a:solidFill>
+            </a:endParaRPr>
+          </a:p>
+          <a:p>
+            <a:pPr algn="ctr"/>
+            <a:endParaRPr lang="fr-FR" sz="4000" dirty="0">
+              <a:solidFill>
+                <a:srgbClr val="336EE5"/>
+              </a:solidFill>
+            </a:endParaRPr>
+          </a:p>
+          <a:p>
+            <a:pPr algn="ctr"/>
+            <a:endParaRPr lang="fr-FR" sz="4000" dirty="0">
+              <a:solidFill>
+                <a:srgbClr val="336EE5"/>
+              </a:solidFill>
+            </a:endParaRPr>
+          </a:p>
+          <a:p>
+            <a:pPr algn="ctr"/>
+            <a:endParaRPr lang="fr-FR" sz="7200" dirty="0">
+              <a:solidFill>
+                <a:srgbClr val="336EE5"/>
+              </a:solidFill>
+            </a:endParaRPr>
+          </a:p>
+          <a:p>
+            <a:pPr algn="ctr"/>
+            <a:endParaRPr lang="fr-FR" sz="4000" dirty="0">
+              <a:solidFill>
+                <a:srgbClr val="336EE5"/>
+              </a:solidFill>
+            </a:endParaRPr>
+          </a:p>
+          <a:p>
+            <a:pPr algn="ctr"/>
+            <a:endParaRPr lang="fr-FR" sz="4000" dirty="0">
+              <a:solidFill>
+                <a:srgbClr val="336EE5"/>
+              </a:solidFill>
+            </a:endParaRPr>
+          </a:p>
+          <a:p>
+            <a:pPr algn="ctr"/>
+            <a:r>
+              <a:rPr lang="fr-FR" sz="2400" dirty="0">
+                <a:solidFill>
+                  <a:srgbClr val="336EE5"/>
+                </a:solidFill>
+              </a:rPr>
+              <a:t>Cluster</a:t>
+            </a:r>
+          </a:p>
+        </p:txBody>
+      </p:sp>
       <p:cxnSp>
         <p:nvCxnSpPr>
           <p:cNvPr id="43" name="Straight Connector 149">
@@ -19915,7 +19520,7 @@
             <a:lstStyle/>
             <a:p>
               <a:r>
-                <a:rPr lang="fr-FR" sz="4000" b="1" dirty="0" err="1" smtClean="0">
+                <a:rPr lang="fr-FR" sz="4000" b="1" dirty="0" err="1">
                   <a:latin typeface="Lato Regular" panose="020F0502020204030203" pitchFamily="34" charset="0"/>
                   <a:ea typeface="Lato Regular" panose="020F0502020204030203" pitchFamily="34" charset="0"/>
                   <a:cs typeface="Lato Regular" panose="020F0502020204030203" pitchFamily="34" charset="0"/>
@@ -19923,7 +19528,7 @@
                 <a:t>Kubernetes</a:t>
               </a:r>
               <a:r>
-                <a:rPr lang="fr-FR" sz="4000" b="1" dirty="0" smtClean="0">
+                <a:rPr lang="fr-FR" sz="4000" b="1" dirty="0">
                   <a:latin typeface="Lato Regular" panose="020F0502020204030203" pitchFamily="34" charset="0"/>
                   <a:ea typeface="Lato Regular" panose="020F0502020204030203" pitchFamily="34" charset="0"/>
                   <a:cs typeface="Lato Regular" panose="020F0502020204030203" pitchFamily="34" charset="0"/>
@@ -20148,17 +19753,7 @@
             <a:pPr marL="0" indent="0">
               <a:buNone/>
             </a:pPr>
-            <a:r>
-              <a:rPr lang="fr-FR" sz="2000" dirty="0" err="1" smtClean="0">
-                <a:solidFill>
-                  <a:schemeClr val="tx2"/>
-                </a:solidFill>
-                <a:latin typeface="Lato Regular"/>
-                <a:cs typeface="Lato Regular"/>
-              </a:rPr>
-              <a:t>Kubernetes</a:t>
-            </a:r>
-            <a:endParaRPr lang="fr-FR" sz="2000" dirty="0" smtClean="0">
+            <a:endParaRPr lang="fr-FR" sz="2000" dirty="0">
               <a:solidFill>
                 <a:schemeClr val="tx2"/>
               </a:solidFill>
@@ -20190,8 +19785,8 @@
           </a:stretch>
         </p:blipFill>
         <p:spPr bwMode="auto">
-          <a:xfrm>
-            <a:off x="8373686" y="2568810"/>
+          <a:xfrm rot="1344135">
+            <a:off x="9483857" y="38128"/>
             <a:ext cx="2924985" cy="1487062"/>
           </a:xfrm>
           <a:prstGeom prst="rect">
@@ -20217,8 +19812,8 @@
         </p:nvSpPr>
         <p:spPr>
           <a:xfrm>
-            <a:off x="220125" y="1664580"/>
-            <a:ext cx="6507642" cy="4247317"/>
+            <a:off x="66098" y="1142282"/>
+            <a:ext cx="6507642" cy="2246769"/>
           </a:xfrm>
           <a:prstGeom prst="rect">
             <a:avLst/>
@@ -20231,140 +19826,1193 @@
           <a:lstStyle/>
           <a:p>
             <a:r>
-              <a:rPr lang="fr-FR" dirty="0" smtClean="0">
+              <a:rPr lang="fr-FR" sz="3200" b="1" dirty="0">
                 <a:latin typeface="Lato Light" panose="020F0502020204030203" pitchFamily="34" charset="0"/>
                 <a:ea typeface="Lato Light" panose="020F0502020204030203" pitchFamily="34" charset="0"/>
                 <a:cs typeface="Lato Light" panose="020F0502020204030203" pitchFamily="34" charset="0"/>
               </a:rPr>
-              <a:t>Orchestrateur de conteneur qui </a:t>
-            </a:r>
+              <a:t>Orchestrateur de conteneurs</a:t>
+            </a:r>
+          </a:p>
+          <a:p>
+            <a:endParaRPr lang="fr-FR" b="1" dirty="0">
+              <a:latin typeface="Lato Light" panose="020F0502020204030203" pitchFamily="34" charset="0"/>
+              <a:ea typeface="Lato Light" panose="020F0502020204030203" pitchFamily="34" charset="0"/>
+              <a:cs typeface="Lato Light" panose="020F0502020204030203" pitchFamily="34" charset="0"/>
+            </a:endParaRPr>
+          </a:p>
+          <a:p>
+            <a:pPr marL="742950" lvl="1" indent="-285750">
+              <a:buFont typeface="Arial" panose="020B0604020202020204" pitchFamily="34" charset="0"/>
+              <a:buChar char="•"/>
+            </a:pPr>
             <a:r>
               <a:rPr lang="fr-FR" dirty="0">
                 <a:latin typeface="Lato Light" panose="020F0502020204030203" pitchFamily="34" charset="0"/>
                 <a:ea typeface="Lato Light" panose="020F0502020204030203" pitchFamily="34" charset="0"/>
                 <a:cs typeface="Lato Light" panose="020F0502020204030203" pitchFamily="34" charset="0"/>
               </a:rPr>
-              <a:t>permet d’automatiser le déploiement, la mise à l’échelle et la gestion d’applications </a:t>
-            </a:r>
-            <a:r>
-              <a:rPr lang="fr-FR" dirty="0" smtClean="0">
+              <a:t>Garantie l’intégrité des applications,</a:t>
+            </a:r>
+          </a:p>
+          <a:p>
+            <a:pPr marL="742950" lvl="1" indent="-285750">
+              <a:buFont typeface="Arial" panose="020B0604020202020204" pitchFamily="34" charset="0"/>
+              <a:buChar char="•"/>
+            </a:pPr>
+            <a:r>
+              <a:rPr lang="fr-FR" dirty="0">
                 <a:latin typeface="Lato Light" panose="020F0502020204030203" pitchFamily="34" charset="0"/>
                 <a:ea typeface="Lato Light" panose="020F0502020204030203" pitchFamily="34" charset="0"/>
                 <a:cs typeface="Lato Light" panose="020F0502020204030203" pitchFamily="34" charset="0"/>
               </a:rPr>
-              <a:t>conteneurisées</a:t>
-            </a:r>
-          </a:p>
-          <a:p>
+              <a:t>Assure le monitoring,</a:t>
+            </a:r>
+          </a:p>
+          <a:p>
+            <a:pPr marL="742950" lvl="1" indent="-285750">
+              <a:buFont typeface="Arial" panose="020B0604020202020204" pitchFamily="34" charset="0"/>
+              <a:buChar char="•"/>
+            </a:pPr>
+            <a:r>
+              <a:rPr lang="fr-FR" dirty="0">
+                <a:latin typeface="Lato Light" panose="020F0502020204030203" pitchFamily="34" charset="0"/>
+                <a:ea typeface="Lato Light" panose="020F0502020204030203" pitchFamily="34" charset="0"/>
+                <a:cs typeface="Lato Light" panose="020F0502020204030203" pitchFamily="34" charset="0"/>
+              </a:rPr>
+              <a:t>Optimise les ressources allouées,</a:t>
+            </a:r>
+          </a:p>
+          <a:p>
+            <a:pPr marL="742950" lvl="1" indent="-285750">
+              <a:buFont typeface="Arial" panose="020B0604020202020204" pitchFamily="34" charset="0"/>
+              <a:buChar char="•"/>
+            </a:pPr>
+            <a:r>
+              <a:rPr lang="fr-FR" dirty="0">
+                <a:latin typeface="Lato Light" panose="020F0502020204030203" pitchFamily="34" charset="0"/>
+                <a:ea typeface="Lato Light" panose="020F0502020204030203" pitchFamily="34" charset="0"/>
+                <a:cs typeface="Lato Light" panose="020F0502020204030203" pitchFamily="34" charset="0"/>
+              </a:rPr>
+              <a:t>Gère le stockage, réseau …</a:t>
+            </a:r>
+          </a:p>
+          <a:p>
+            <a:pPr marL="285750" indent="-285750">
+              <a:buFont typeface="Arial" panose="020B0604020202020204" pitchFamily="34" charset="0"/>
+              <a:buChar char="•"/>
+            </a:pPr>
             <a:endParaRPr lang="fr-FR" dirty="0">
               <a:latin typeface="Lato Light" panose="020F0502020204030203" pitchFamily="34" charset="0"/>
               <a:ea typeface="Lato Light" panose="020F0502020204030203" pitchFamily="34" charset="0"/>
               <a:cs typeface="Lato Light" panose="020F0502020204030203" pitchFamily="34" charset="0"/>
             </a:endParaRPr>
           </a:p>
-          <a:p>
-            <a:pPr marL="285750" indent="-285750">
+        </p:txBody>
+      </p:sp>
+      <p:sp>
+        <p:nvSpPr>
+          <p:cNvPr id="7" name="Rectangle 6">
+            <a:extLst>
+              <a:ext uri="{FF2B5EF4-FFF2-40B4-BE49-F238E27FC236}">
+                <a16:creationId xmlns:a16="http://schemas.microsoft.com/office/drawing/2014/main" id="{15D50416-A427-419B-86FD-7DB472358C8A}"/>
+              </a:ext>
+            </a:extLst>
+          </p:cNvPr>
+          <p:cNvSpPr/>
+          <p:nvPr/>
+        </p:nvSpPr>
+        <p:spPr>
+          <a:xfrm>
+            <a:off x="5222577" y="3245333"/>
+            <a:ext cx="1122528" cy="1615440"/>
+          </a:xfrm>
+          <a:prstGeom prst="rect">
+            <a:avLst/>
+          </a:prstGeom>
+        </p:spPr>
+        <p:style>
+          <a:lnRef idx="2">
+            <a:schemeClr val="accent1">
+              <a:shade val="50000"/>
+            </a:schemeClr>
+          </a:lnRef>
+          <a:fillRef idx="1">
+            <a:schemeClr val="accent1"/>
+          </a:fillRef>
+          <a:effectRef idx="0">
+            <a:schemeClr val="accent1"/>
+          </a:effectRef>
+          <a:fontRef idx="minor">
+            <a:schemeClr val="lt1"/>
+          </a:fontRef>
+        </p:style>
+        <p:txBody>
+          <a:bodyPr rtlCol="0" anchor="ctr"/>
+          <a:lstStyle/>
+          <a:p>
+            <a:pPr algn="ctr"/>
+            <a:r>
+              <a:rPr lang="fr-FR" dirty="0"/>
+              <a:t>Master</a:t>
+            </a:r>
+          </a:p>
+        </p:txBody>
+      </p:sp>
+      <p:sp>
+        <p:nvSpPr>
+          <p:cNvPr id="60" name="Rectangle 59">
+            <a:extLst>
+              <a:ext uri="{FF2B5EF4-FFF2-40B4-BE49-F238E27FC236}">
+                <a16:creationId xmlns:a16="http://schemas.microsoft.com/office/drawing/2014/main" id="{D9FD3869-F18E-41EB-AE25-7F2B93915677}"/>
+              </a:ext>
+            </a:extLst>
+          </p:cNvPr>
+          <p:cNvSpPr/>
+          <p:nvPr/>
+        </p:nvSpPr>
+        <p:spPr>
+          <a:xfrm>
+            <a:off x="6705755" y="2159810"/>
+            <a:ext cx="4045860" cy="1292322"/>
+          </a:xfrm>
+          <a:prstGeom prst="rect">
+            <a:avLst/>
+          </a:prstGeom>
+          <a:solidFill>
+            <a:schemeClr val="bg1"/>
+          </a:solidFill>
+        </p:spPr>
+        <p:style>
+          <a:lnRef idx="2">
+            <a:schemeClr val="accent1">
+              <a:shade val="50000"/>
+            </a:schemeClr>
+          </a:lnRef>
+          <a:fillRef idx="1">
+            <a:schemeClr val="accent1"/>
+          </a:fillRef>
+          <a:effectRef idx="0">
+            <a:schemeClr val="accent1"/>
+          </a:effectRef>
+          <a:fontRef idx="minor">
+            <a:schemeClr val="lt1"/>
+          </a:fontRef>
+        </p:style>
+        <p:txBody>
+          <a:bodyPr rtlCol="0" anchor="ctr"/>
+          <a:lstStyle/>
+          <a:p>
+            <a:pPr algn="ctr"/>
+            <a:endParaRPr lang="fr-FR" dirty="0"/>
+          </a:p>
+          <a:p>
+            <a:pPr algn="ctr"/>
+            <a:endParaRPr lang="fr-FR" dirty="0"/>
+          </a:p>
+          <a:p>
+            <a:pPr algn="ctr"/>
+            <a:endParaRPr lang="fr-FR" dirty="0"/>
+          </a:p>
+          <a:p>
+            <a:pPr algn="ctr"/>
+            <a:endParaRPr lang="fr-FR" sz="900" dirty="0"/>
+          </a:p>
+          <a:p>
+            <a:pPr algn="ctr"/>
+            <a:r>
+              <a:rPr lang="fr-FR" dirty="0">
+                <a:solidFill>
+                  <a:srgbClr val="5B9BD5"/>
+                </a:solidFill>
+              </a:rPr>
+              <a:t>Node (slave)</a:t>
+            </a:r>
+          </a:p>
+        </p:txBody>
+      </p:sp>
+      <p:sp>
+        <p:nvSpPr>
+          <p:cNvPr id="8" name="Rectangle : coins arrondis 7">
+            <a:extLst>
+              <a:ext uri="{FF2B5EF4-FFF2-40B4-BE49-F238E27FC236}">
+                <a16:creationId xmlns:a16="http://schemas.microsoft.com/office/drawing/2014/main" id="{DD3FFE83-91B6-4879-96D3-D252A19C3C57}"/>
+              </a:ext>
+            </a:extLst>
+          </p:cNvPr>
+          <p:cNvSpPr/>
+          <p:nvPr/>
+        </p:nvSpPr>
+        <p:spPr>
+          <a:xfrm>
+            <a:off x="6900211" y="2284686"/>
+            <a:ext cx="1760556" cy="791526"/>
+          </a:xfrm>
+          <a:prstGeom prst="roundRect">
+            <a:avLst/>
+          </a:prstGeom>
+        </p:spPr>
+        <p:style>
+          <a:lnRef idx="2">
+            <a:schemeClr val="accent1">
+              <a:shade val="50000"/>
+            </a:schemeClr>
+          </a:lnRef>
+          <a:fillRef idx="1">
+            <a:schemeClr val="accent1"/>
+          </a:fillRef>
+          <a:effectRef idx="0">
+            <a:schemeClr val="accent1"/>
+          </a:effectRef>
+          <a:fontRef idx="minor">
+            <a:schemeClr val="lt1"/>
+          </a:fontRef>
+        </p:style>
+        <p:txBody>
+          <a:bodyPr rtlCol="0" anchor="ctr"/>
+          <a:lstStyle/>
+          <a:p>
+            <a:pPr algn="ctr"/>
+            <a:endParaRPr lang="fr-FR" dirty="0"/>
+          </a:p>
+          <a:p>
+            <a:pPr algn="ctr"/>
+            <a:endParaRPr lang="fr-FR" sz="1100" dirty="0"/>
+          </a:p>
+          <a:p>
+            <a:pPr algn="ctr"/>
+            <a:r>
+              <a:rPr lang="fr-FR" dirty="0" err="1"/>
+              <a:t>Pod</a:t>
+            </a:r>
+            <a:endParaRPr lang="fr-FR" dirty="0"/>
+          </a:p>
+        </p:txBody>
+      </p:sp>
+      <p:sp>
+        <p:nvSpPr>
+          <p:cNvPr id="63" name="Rectangle : coins arrondis 62">
+            <a:extLst>
+              <a:ext uri="{FF2B5EF4-FFF2-40B4-BE49-F238E27FC236}">
+                <a16:creationId xmlns:a16="http://schemas.microsoft.com/office/drawing/2014/main" id="{01C3DF7A-06A5-409A-A260-FCEF5789F966}"/>
+              </a:ext>
+            </a:extLst>
+          </p:cNvPr>
+          <p:cNvSpPr/>
+          <p:nvPr/>
+        </p:nvSpPr>
+        <p:spPr>
+          <a:xfrm>
+            <a:off x="8800365" y="2284686"/>
+            <a:ext cx="1760556" cy="791526"/>
+          </a:xfrm>
+          <a:prstGeom prst="roundRect">
+            <a:avLst/>
+          </a:prstGeom>
+        </p:spPr>
+        <p:style>
+          <a:lnRef idx="2">
+            <a:schemeClr val="accent1">
+              <a:shade val="50000"/>
+            </a:schemeClr>
+          </a:lnRef>
+          <a:fillRef idx="1">
+            <a:schemeClr val="accent1"/>
+          </a:fillRef>
+          <a:effectRef idx="0">
+            <a:schemeClr val="accent1"/>
+          </a:effectRef>
+          <a:fontRef idx="minor">
+            <a:schemeClr val="lt1"/>
+          </a:fontRef>
+        </p:style>
+        <p:txBody>
+          <a:bodyPr rtlCol="0" anchor="ctr"/>
+          <a:lstStyle/>
+          <a:p>
+            <a:pPr algn="ctr"/>
+            <a:endParaRPr lang="fr-FR" dirty="0"/>
+          </a:p>
+          <a:p>
+            <a:pPr algn="ctr"/>
+            <a:endParaRPr lang="fr-FR" sz="1100" dirty="0"/>
+          </a:p>
+          <a:p>
+            <a:pPr algn="ctr"/>
+            <a:r>
+              <a:rPr lang="fr-FR" dirty="0" err="1"/>
+              <a:t>Pod</a:t>
+            </a:r>
+            <a:endParaRPr lang="fr-FR" dirty="0"/>
+          </a:p>
+        </p:txBody>
+      </p:sp>
+      <p:sp>
+        <p:nvSpPr>
+          <p:cNvPr id="9" name="Ellipse 8">
+            <a:extLst>
+              <a:ext uri="{FF2B5EF4-FFF2-40B4-BE49-F238E27FC236}">
+                <a16:creationId xmlns:a16="http://schemas.microsoft.com/office/drawing/2014/main" id="{7AD6DD9E-013F-4F54-9274-2AF97FBC00DA}"/>
+              </a:ext>
+            </a:extLst>
+          </p:cNvPr>
+          <p:cNvSpPr/>
+          <p:nvPr/>
+        </p:nvSpPr>
+        <p:spPr>
+          <a:xfrm>
+            <a:off x="7053375" y="2335963"/>
+            <a:ext cx="351352" cy="344486"/>
+          </a:xfrm>
+          <a:prstGeom prst="ellipse">
+            <a:avLst/>
+          </a:prstGeom>
+        </p:spPr>
+        <p:style>
+          <a:lnRef idx="2">
+            <a:schemeClr val="accent4">
+              <a:shade val="50000"/>
+            </a:schemeClr>
+          </a:lnRef>
+          <a:fillRef idx="1">
+            <a:schemeClr val="accent4"/>
+          </a:fillRef>
+          <a:effectRef idx="0">
+            <a:schemeClr val="accent4"/>
+          </a:effectRef>
+          <a:fontRef idx="minor">
+            <a:schemeClr val="lt1"/>
+          </a:fontRef>
+        </p:style>
+        <p:txBody>
+          <a:bodyPr rtlCol="0" anchor="ctr"/>
+          <a:lstStyle/>
+          <a:p>
+            <a:pPr algn="ctr"/>
+            <a:endParaRPr lang="fr-FR"/>
+          </a:p>
+        </p:txBody>
+      </p:sp>
+      <p:sp>
+        <p:nvSpPr>
+          <p:cNvPr id="64" name="Ellipse 63">
+            <a:extLst>
+              <a:ext uri="{FF2B5EF4-FFF2-40B4-BE49-F238E27FC236}">
+                <a16:creationId xmlns:a16="http://schemas.microsoft.com/office/drawing/2014/main" id="{81549327-8BF9-43EB-9337-45F614062C75}"/>
+              </a:ext>
+            </a:extLst>
+          </p:cNvPr>
+          <p:cNvSpPr/>
+          <p:nvPr/>
+        </p:nvSpPr>
+        <p:spPr>
+          <a:xfrm>
+            <a:off x="7489460" y="2335963"/>
+            <a:ext cx="351352" cy="344486"/>
+          </a:xfrm>
+          <a:prstGeom prst="ellipse">
+            <a:avLst/>
+          </a:prstGeom>
+        </p:spPr>
+        <p:style>
+          <a:lnRef idx="2">
+            <a:schemeClr val="accent4">
+              <a:shade val="50000"/>
+            </a:schemeClr>
+          </a:lnRef>
+          <a:fillRef idx="1">
+            <a:schemeClr val="accent4"/>
+          </a:fillRef>
+          <a:effectRef idx="0">
+            <a:schemeClr val="accent4"/>
+          </a:effectRef>
+          <a:fontRef idx="minor">
+            <a:schemeClr val="lt1"/>
+          </a:fontRef>
+        </p:style>
+        <p:txBody>
+          <a:bodyPr rtlCol="0" anchor="ctr"/>
+          <a:lstStyle/>
+          <a:p>
+            <a:pPr algn="ctr"/>
+            <a:endParaRPr lang="fr-FR"/>
+          </a:p>
+        </p:txBody>
+      </p:sp>
+      <p:sp>
+        <p:nvSpPr>
+          <p:cNvPr id="65" name="Ellipse 64">
+            <a:extLst>
+              <a:ext uri="{FF2B5EF4-FFF2-40B4-BE49-F238E27FC236}">
+                <a16:creationId xmlns:a16="http://schemas.microsoft.com/office/drawing/2014/main" id="{C5B9701A-6A28-4B97-B851-DDC3CCC1E9D0}"/>
+              </a:ext>
+            </a:extLst>
+          </p:cNvPr>
+          <p:cNvSpPr/>
+          <p:nvPr/>
+        </p:nvSpPr>
+        <p:spPr>
+          <a:xfrm>
+            <a:off x="8939477" y="2335963"/>
+            <a:ext cx="351352" cy="344486"/>
+          </a:xfrm>
+          <a:prstGeom prst="ellipse">
+            <a:avLst/>
+          </a:prstGeom>
+        </p:spPr>
+        <p:style>
+          <a:lnRef idx="2">
+            <a:schemeClr val="accent4">
+              <a:shade val="50000"/>
+            </a:schemeClr>
+          </a:lnRef>
+          <a:fillRef idx="1">
+            <a:schemeClr val="accent4"/>
+          </a:fillRef>
+          <a:effectRef idx="0">
+            <a:schemeClr val="accent4"/>
+          </a:effectRef>
+          <a:fontRef idx="minor">
+            <a:schemeClr val="lt1"/>
+          </a:fontRef>
+        </p:style>
+        <p:txBody>
+          <a:bodyPr rtlCol="0" anchor="ctr"/>
+          <a:lstStyle/>
+          <a:p>
+            <a:pPr algn="ctr"/>
+            <a:endParaRPr lang="fr-FR"/>
+          </a:p>
+        </p:txBody>
+      </p:sp>
+      <p:sp>
+        <p:nvSpPr>
+          <p:cNvPr id="66" name="Rectangle 65">
+            <a:extLst>
+              <a:ext uri="{FF2B5EF4-FFF2-40B4-BE49-F238E27FC236}">
+                <a16:creationId xmlns:a16="http://schemas.microsoft.com/office/drawing/2014/main" id="{2F8F3A48-0565-4A99-AE8C-911D897163FC}"/>
+              </a:ext>
+            </a:extLst>
+          </p:cNvPr>
+          <p:cNvSpPr/>
+          <p:nvPr/>
+        </p:nvSpPr>
+        <p:spPr>
+          <a:xfrm>
+            <a:off x="6705755" y="4391328"/>
+            <a:ext cx="4045860" cy="1292322"/>
+          </a:xfrm>
+          <a:prstGeom prst="rect">
+            <a:avLst/>
+          </a:prstGeom>
+          <a:solidFill>
+            <a:schemeClr val="bg1"/>
+          </a:solidFill>
+        </p:spPr>
+        <p:style>
+          <a:lnRef idx="2">
+            <a:schemeClr val="accent1">
+              <a:shade val="50000"/>
+            </a:schemeClr>
+          </a:lnRef>
+          <a:fillRef idx="1">
+            <a:schemeClr val="accent1"/>
+          </a:fillRef>
+          <a:effectRef idx="0">
+            <a:schemeClr val="accent1"/>
+          </a:effectRef>
+          <a:fontRef idx="minor">
+            <a:schemeClr val="lt1"/>
+          </a:fontRef>
+        </p:style>
+        <p:txBody>
+          <a:bodyPr rtlCol="0" anchor="ctr"/>
+          <a:lstStyle/>
+          <a:p>
+            <a:pPr algn="ctr"/>
+            <a:endParaRPr lang="fr-FR" dirty="0"/>
+          </a:p>
+          <a:p>
+            <a:pPr algn="ctr"/>
+            <a:endParaRPr lang="fr-FR" dirty="0"/>
+          </a:p>
+          <a:p>
+            <a:pPr algn="ctr"/>
+            <a:endParaRPr lang="fr-FR" dirty="0"/>
+          </a:p>
+          <a:p>
+            <a:pPr algn="ctr"/>
+            <a:endParaRPr lang="fr-FR" sz="900" dirty="0"/>
+          </a:p>
+          <a:p>
+            <a:pPr algn="ctr"/>
+            <a:r>
+              <a:rPr lang="fr-FR" dirty="0">
+                <a:solidFill>
+                  <a:srgbClr val="5B9BD5"/>
+                </a:solidFill>
+              </a:rPr>
+              <a:t>Node (slave)</a:t>
+            </a:r>
+          </a:p>
+        </p:txBody>
+      </p:sp>
+      <p:sp>
+        <p:nvSpPr>
+          <p:cNvPr id="67" name="Rectangle : coins arrondis 66">
+            <a:extLst>
+              <a:ext uri="{FF2B5EF4-FFF2-40B4-BE49-F238E27FC236}">
+                <a16:creationId xmlns:a16="http://schemas.microsoft.com/office/drawing/2014/main" id="{AA5D9697-1536-4382-8F67-E8D5B4C73D3D}"/>
+              </a:ext>
+            </a:extLst>
+          </p:cNvPr>
+          <p:cNvSpPr/>
+          <p:nvPr/>
+        </p:nvSpPr>
+        <p:spPr>
+          <a:xfrm>
+            <a:off x="6900211" y="4516204"/>
+            <a:ext cx="1760556" cy="791526"/>
+          </a:xfrm>
+          <a:prstGeom prst="roundRect">
+            <a:avLst/>
+          </a:prstGeom>
+        </p:spPr>
+        <p:style>
+          <a:lnRef idx="2">
+            <a:schemeClr val="accent1">
+              <a:shade val="50000"/>
+            </a:schemeClr>
+          </a:lnRef>
+          <a:fillRef idx="1">
+            <a:schemeClr val="accent1"/>
+          </a:fillRef>
+          <a:effectRef idx="0">
+            <a:schemeClr val="accent1"/>
+          </a:effectRef>
+          <a:fontRef idx="minor">
+            <a:schemeClr val="lt1"/>
+          </a:fontRef>
+        </p:style>
+        <p:txBody>
+          <a:bodyPr rtlCol="0" anchor="ctr"/>
+          <a:lstStyle/>
+          <a:p>
+            <a:pPr algn="ctr"/>
+            <a:endParaRPr lang="fr-FR" dirty="0"/>
+          </a:p>
+          <a:p>
+            <a:pPr algn="ctr"/>
+            <a:endParaRPr lang="fr-FR" sz="1100" dirty="0"/>
+          </a:p>
+          <a:p>
+            <a:pPr algn="ctr"/>
+            <a:r>
+              <a:rPr lang="fr-FR" dirty="0" err="1"/>
+              <a:t>Pod</a:t>
+            </a:r>
+            <a:endParaRPr lang="fr-FR" dirty="0"/>
+          </a:p>
+        </p:txBody>
+      </p:sp>
+      <p:sp>
+        <p:nvSpPr>
+          <p:cNvPr id="68" name="Rectangle : coins arrondis 67">
+            <a:extLst>
+              <a:ext uri="{FF2B5EF4-FFF2-40B4-BE49-F238E27FC236}">
+                <a16:creationId xmlns:a16="http://schemas.microsoft.com/office/drawing/2014/main" id="{72A25E50-A30E-483D-A79E-DDA59BD82A81}"/>
+              </a:ext>
+            </a:extLst>
+          </p:cNvPr>
+          <p:cNvSpPr/>
+          <p:nvPr/>
+        </p:nvSpPr>
+        <p:spPr>
+          <a:xfrm>
+            <a:off x="8800365" y="4516204"/>
+            <a:ext cx="1760556" cy="791526"/>
+          </a:xfrm>
+          <a:prstGeom prst="roundRect">
+            <a:avLst/>
+          </a:prstGeom>
+        </p:spPr>
+        <p:style>
+          <a:lnRef idx="2">
+            <a:schemeClr val="accent1">
+              <a:shade val="50000"/>
+            </a:schemeClr>
+          </a:lnRef>
+          <a:fillRef idx="1">
+            <a:schemeClr val="accent1"/>
+          </a:fillRef>
+          <a:effectRef idx="0">
+            <a:schemeClr val="accent1"/>
+          </a:effectRef>
+          <a:fontRef idx="minor">
+            <a:schemeClr val="lt1"/>
+          </a:fontRef>
+        </p:style>
+        <p:txBody>
+          <a:bodyPr rtlCol="0" anchor="ctr"/>
+          <a:lstStyle/>
+          <a:p>
+            <a:pPr algn="ctr"/>
+            <a:endParaRPr lang="fr-FR" dirty="0"/>
+          </a:p>
+          <a:p>
+            <a:pPr algn="ctr"/>
+            <a:endParaRPr lang="fr-FR" sz="1100" dirty="0"/>
+          </a:p>
+          <a:p>
+            <a:pPr algn="ctr"/>
+            <a:r>
+              <a:rPr lang="fr-FR" dirty="0" err="1"/>
+              <a:t>Pod</a:t>
+            </a:r>
+            <a:endParaRPr lang="fr-FR" dirty="0"/>
+          </a:p>
+        </p:txBody>
+      </p:sp>
+      <p:sp>
+        <p:nvSpPr>
+          <p:cNvPr id="69" name="Ellipse 68">
+            <a:extLst>
+              <a:ext uri="{FF2B5EF4-FFF2-40B4-BE49-F238E27FC236}">
+                <a16:creationId xmlns:a16="http://schemas.microsoft.com/office/drawing/2014/main" id="{F4AD3631-41FD-47E8-86B5-4F7BBAA0B932}"/>
+              </a:ext>
+            </a:extLst>
+          </p:cNvPr>
+          <p:cNvSpPr/>
+          <p:nvPr/>
+        </p:nvSpPr>
+        <p:spPr>
+          <a:xfrm>
+            <a:off x="7053375" y="4567481"/>
+            <a:ext cx="351352" cy="344486"/>
+          </a:xfrm>
+          <a:prstGeom prst="ellipse">
+            <a:avLst/>
+          </a:prstGeom>
+        </p:spPr>
+        <p:style>
+          <a:lnRef idx="2">
+            <a:schemeClr val="accent4">
+              <a:shade val="50000"/>
+            </a:schemeClr>
+          </a:lnRef>
+          <a:fillRef idx="1">
+            <a:schemeClr val="accent4"/>
+          </a:fillRef>
+          <a:effectRef idx="0">
+            <a:schemeClr val="accent4"/>
+          </a:effectRef>
+          <a:fontRef idx="minor">
+            <a:schemeClr val="lt1"/>
+          </a:fontRef>
+        </p:style>
+        <p:txBody>
+          <a:bodyPr rtlCol="0" anchor="ctr"/>
+          <a:lstStyle/>
+          <a:p>
+            <a:pPr algn="ctr"/>
+            <a:endParaRPr lang="fr-FR"/>
+          </a:p>
+        </p:txBody>
+      </p:sp>
+      <p:sp>
+        <p:nvSpPr>
+          <p:cNvPr id="70" name="Ellipse 69">
+            <a:extLst>
+              <a:ext uri="{FF2B5EF4-FFF2-40B4-BE49-F238E27FC236}">
+                <a16:creationId xmlns:a16="http://schemas.microsoft.com/office/drawing/2014/main" id="{93896A48-F474-4841-9FF0-7524BE17C261}"/>
+              </a:ext>
+            </a:extLst>
+          </p:cNvPr>
+          <p:cNvSpPr/>
+          <p:nvPr/>
+        </p:nvSpPr>
+        <p:spPr>
+          <a:xfrm>
+            <a:off x="7489460" y="4567481"/>
+            <a:ext cx="351352" cy="344486"/>
+          </a:xfrm>
+          <a:prstGeom prst="ellipse">
+            <a:avLst/>
+          </a:prstGeom>
+        </p:spPr>
+        <p:style>
+          <a:lnRef idx="2">
+            <a:schemeClr val="accent4">
+              <a:shade val="50000"/>
+            </a:schemeClr>
+          </a:lnRef>
+          <a:fillRef idx="1">
+            <a:schemeClr val="accent4"/>
+          </a:fillRef>
+          <a:effectRef idx="0">
+            <a:schemeClr val="accent4"/>
+          </a:effectRef>
+          <a:fontRef idx="minor">
+            <a:schemeClr val="lt1"/>
+          </a:fontRef>
+        </p:style>
+        <p:txBody>
+          <a:bodyPr rtlCol="0" anchor="ctr"/>
+          <a:lstStyle/>
+          <a:p>
+            <a:pPr algn="ctr"/>
+            <a:endParaRPr lang="fr-FR"/>
+          </a:p>
+        </p:txBody>
+      </p:sp>
+      <p:sp>
+        <p:nvSpPr>
+          <p:cNvPr id="71" name="Ellipse 70">
+            <a:extLst>
+              <a:ext uri="{FF2B5EF4-FFF2-40B4-BE49-F238E27FC236}">
+                <a16:creationId xmlns:a16="http://schemas.microsoft.com/office/drawing/2014/main" id="{DE311BD1-C7F0-427D-9E78-B15B00E0FDAC}"/>
+              </a:ext>
+            </a:extLst>
+          </p:cNvPr>
+          <p:cNvSpPr/>
+          <p:nvPr/>
+        </p:nvSpPr>
+        <p:spPr>
+          <a:xfrm>
+            <a:off x="8939477" y="4567481"/>
+            <a:ext cx="351352" cy="344486"/>
+          </a:xfrm>
+          <a:prstGeom prst="ellipse">
+            <a:avLst/>
+          </a:prstGeom>
+        </p:spPr>
+        <p:style>
+          <a:lnRef idx="2">
+            <a:schemeClr val="accent4">
+              <a:shade val="50000"/>
+            </a:schemeClr>
+          </a:lnRef>
+          <a:fillRef idx="1">
+            <a:schemeClr val="accent4"/>
+          </a:fillRef>
+          <a:effectRef idx="0">
+            <a:schemeClr val="accent4"/>
+          </a:effectRef>
+          <a:fontRef idx="minor">
+            <a:schemeClr val="lt1"/>
+          </a:fontRef>
+        </p:style>
+        <p:txBody>
+          <a:bodyPr rtlCol="0" anchor="ctr"/>
+          <a:lstStyle/>
+          <a:p>
+            <a:pPr algn="ctr"/>
+            <a:endParaRPr lang="fr-FR"/>
+          </a:p>
+        </p:txBody>
+      </p:sp>
+      <p:sp>
+        <p:nvSpPr>
+          <p:cNvPr id="72" name="Ellipse 71">
+            <a:extLst>
+              <a:ext uri="{FF2B5EF4-FFF2-40B4-BE49-F238E27FC236}">
+                <a16:creationId xmlns:a16="http://schemas.microsoft.com/office/drawing/2014/main" id="{5C45EB12-D61D-466D-AE80-534C74B4CC7C}"/>
+              </a:ext>
+            </a:extLst>
+          </p:cNvPr>
+          <p:cNvSpPr/>
+          <p:nvPr/>
+        </p:nvSpPr>
+        <p:spPr>
+          <a:xfrm>
+            <a:off x="8362641" y="3891510"/>
+            <a:ext cx="156000" cy="161544"/>
+          </a:xfrm>
+          <a:prstGeom prst="ellipse">
+            <a:avLst/>
+          </a:prstGeom>
+        </p:spPr>
+        <p:style>
+          <a:lnRef idx="2">
+            <a:schemeClr val="dk1">
+              <a:shade val="50000"/>
+            </a:schemeClr>
+          </a:lnRef>
+          <a:fillRef idx="1">
+            <a:schemeClr val="dk1"/>
+          </a:fillRef>
+          <a:effectRef idx="0">
+            <a:schemeClr val="dk1"/>
+          </a:effectRef>
+          <a:fontRef idx="minor">
+            <a:schemeClr val="lt1"/>
+          </a:fontRef>
+        </p:style>
+        <p:txBody>
+          <a:bodyPr rtlCol="0" anchor="ctr"/>
+          <a:lstStyle/>
+          <a:p>
+            <a:pPr algn="ctr"/>
+            <a:endParaRPr lang="fr-FR"/>
+          </a:p>
+        </p:txBody>
+      </p:sp>
+      <p:sp>
+        <p:nvSpPr>
+          <p:cNvPr id="76" name="Ellipse 75">
+            <a:extLst>
+              <a:ext uri="{FF2B5EF4-FFF2-40B4-BE49-F238E27FC236}">
+                <a16:creationId xmlns:a16="http://schemas.microsoft.com/office/drawing/2014/main" id="{1906C65D-941B-4FE4-8258-F400938B9DE6}"/>
+              </a:ext>
+            </a:extLst>
+          </p:cNvPr>
+          <p:cNvSpPr/>
+          <p:nvPr/>
+        </p:nvSpPr>
+        <p:spPr>
+          <a:xfrm>
+            <a:off x="8573059" y="3896912"/>
+            <a:ext cx="156000" cy="161544"/>
+          </a:xfrm>
+          <a:prstGeom prst="ellipse">
+            <a:avLst/>
+          </a:prstGeom>
+        </p:spPr>
+        <p:style>
+          <a:lnRef idx="2">
+            <a:schemeClr val="dk1">
+              <a:shade val="50000"/>
+            </a:schemeClr>
+          </a:lnRef>
+          <a:fillRef idx="1">
+            <a:schemeClr val="dk1"/>
+          </a:fillRef>
+          <a:effectRef idx="0">
+            <a:schemeClr val="dk1"/>
+          </a:effectRef>
+          <a:fontRef idx="minor">
+            <a:schemeClr val="lt1"/>
+          </a:fontRef>
+        </p:style>
+        <p:txBody>
+          <a:bodyPr rtlCol="0" anchor="ctr"/>
+          <a:lstStyle/>
+          <a:p>
+            <a:pPr algn="ctr"/>
+            <a:endParaRPr lang="fr-FR"/>
+          </a:p>
+        </p:txBody>
+      </p:sp>
+      <p:sp>
+        <p:nvSpPr>
+          <p:cNvPr id="77" name="Ellipse 76">
+            <a:extLst>
+              <a:ext uri="{FF2B5EF4-FFF2-40B4-BE49-F238E27FC236}">
+                <a16:creationId xmlns:a16="http://schemas.microsoft.com/office/drawing/2014/main" id="{EF99D317-3ED9-4A70-A0EA-9A23C6C8AB62}"/>
+              </a:ext>
+            </a:extLst>
+          </p:cNvPr>
+          <p:cNvSpPr/>
+          <p:nvPr/>
+        </p:nvSpPr>
+        <p:spPr>
+          <a:xfrm>
+            <a:off x="8783477" y="3891510"/>
+            <a:ext cx="156000" cy="161544"/>
+          </a:xfrm>
+          <a:prstGeom prst="ellipse">
+            <a:avLst/>
+          </a:prstGeom>
+        </p:spPr>
+        <p:style>
+          <a:lnRef idx="2">
+            <a:schemeClr val="dk1">
+              <a:shade val="50000"/>
+            </a:schemeClr>
+          </a:lnRef>
+          <a:fillRef idx="1">
+            <a:schemeClr val="dk1"/>
+          </a:fillRef>
+          <a:effectRef idx="0">
+            <a:schemeClr val="dk1"/>
+          </a:effectRef>
+          <a:fontRef idx="minor">
+            <a:schemeClr val="lt1"/>
+          </a:fontRef>
+        </p:style>
+        <p:txBody>
+          <a:bodyPr rtlCol="0" anchor="ctr"/>
+          <a:lstStyle/>
+          <a:p>
+            <a:pPr algn="ctr"/>
+            <a:endParaRPr lang="fr-FR"/>
+          </a:p>
+        </p:txBody>
+      </p:sp>
+      <p:cxnSp>
+        <p:nvCxnSpPr>
+          <p:cNvPr id="78" name="Connecteur : en angle 77">
+            <a:extLst>
+              <a:ext uri="{FF2B5EF4-FFF2-40B4-BE49-F238E27FC236}">
+                <a16:creationId xmlns:a16="http://schemas.microsoft.com/office/drawing/2014/main" id="{EAD684BA-5FE3-47DF-B3E4-0D8577026F1C}"/>
+              </a:ext>
+            </a:extLst>
+          </p:cNvPr>
+          <p:cNvCxnSpPr>
+            <a:cxnSpLocks/>
+            <a:stCxn id="7" idx="3"/>
+            <a:endCxn id="66" idx="1"/>
+          </p:cNvCxnSpPr>
+          <p:nvPr/>
+        </p:nvCxnSpPr>
+        <p:spPr>
+          <a:xfrm>
+            <a:off x="6345105" y="4053053"/>
+            <a:ext cx="360650" cy="984436"/>
+          </a:xfrm>
+          <a:prstGeom prst="bentConnector3">
+            <a:avLst>
+              <a:gd name="adj1" fmla="val 50000"/>
+            </a:avLst>
+          </a:prstGeom>
+          <a:ln w="12700">
+            <a:solidFill>
+              <a:srgbClr val="336EE5"/>
+            </a:solidFill>
+            <a:tailEnd type="triangle"/>
+          </a:ln>
+        </p:spPr>
+        <p:style>
+          <a:lnRef idx="1">
+            <a:schemeClr val="accent1"/>
+          </a:lnRef>
+          <a:fillRef idx="0">
+            <a:schemeClr val="accent1"/>
+          </a:fillRef>
+          <a:effectRef idx="0">
+            <a:schemeClr val="accent1"/>
+          </a:effectRef>
+          <a:fontRef idx="minor">
+            <a:schemeClr val="tx1"/>
+          </a:fontRef>
+        </p:style>
+      </p:cxnSp>
+      <p:cxnSp>
+        <p:nvCxnSpPr>
+          <p:cNvPr id="84" name="Connecteur : en angle 83">
+            <a:extLst>
+              <a:ext uri="{FF2B5EF4-FFF2-40B4-BE49-F238E27FC236}">
+                <a16:creationId xmlns:a16="http://schemas.microsoft.com/office/drawing/2014/main" id="{ACF1AAC8-E1D4-4D25-A491-A318AA037CB3}"/>
+              </a:ext>
+            </a:extLst>
+          </p:cNvPr>
+          <p:cNvCxnSpPr>
+            <a:stCxn id="7" idx="3"/>
+            <a:endCxn id="60" idx="1"/>
+          </p:cNvCxnSpPr>
+          <p:nvPr/>
+        </p:nvCxnSpPr>
+        <p:spPr>
+          <a:xfrm flipV="1">
+            <a:off x="6345105" y="2805971"/>
+            <a:ext cx="360650" cy="1247082"/>
+          </a:xfrm>
+          <a:prstGeom prst="bentConnector3">
+            <a:avLst/>
+          </a:prstGeom>
+          <a:ln w="12700">
+            <a:solidFill>
+              <a:srgbClr val="336EE5"/>
+            </a:solidFill>
+            <a:tailEnd type="triangle"/>
+          </a:ln>
+        </p:spPr>
+        <p:style>
+          <a:lnRef idx="1">
+            <a:schemeClr val="accent1"/>
+          </a:lnRef>
+          <a:fillRef idx="0">
+            <a:schemeClr val="accent1"/>
+          </a:fillRef>
+          <a:effectRef idx="0">
+            <a:schemeClr val="accent1"/>
+          </a:effectRef>
+          <a:fontRef idx="minor">
+            <a:schemeClr val="tx1"/>
+          </a:fontRef>
+        </p:style>
+      </p:cxnSp>
+      <p:pic>
+        <p:nvPicPr>
+          <p:cNvPr id="89" name="Image 88">
+            <a:extLst>
+              <a:ext uri="{FF2B5EF4-FFF2-40B4-BE49-F238E27FC236}">
+                <a16:creationId xmlns:a16="http://schemas.microsoft.com/office/drawing/2014/main" id="{5A9162D0-0D43-4F1C-B6B5-57A4B475704E}"/>
+              </a:ext>
+            </a:extLst>
+          </p:cNvPr>
+          <p:cNvPicPr>
+            <a:picLocks noChangeAspect="1"/>
+          </p:cNvPicPr>
+          <p:nvPr/>
+        </p:nvPicPr>
+        <p:blipFill>
+          <a:blip r:embed="rId4" cstate="print">
+            <a:extLst>
+              <a:ext uri="{28A0092B-C50C-407E-A947-70E740481C1C}">
+                <a14:useLocalDpi xmlns:a14="http://schemas.microsoft.com/office/drawing/2010/main" val="0"/>
+              </a:ext>
+            </a:extLst>
+          </a:blip>
+          <a:stretch>
+            <a:fillRect/>
+          </a:stretch>
+        </p:blipFill>
+        <p:spPr>
+          <a:xfrm>
+            <a:off x="750934" y="3574205"/>
+            <a:ext cx="1132626" cy="1132626"/>
+          </a:xfrm>
+          <a:prstGeom prst="rect">
+            <a:avLst/>
+          </a:prstGeom>
+        </p:spPr>
+      </p:pic>
+      <p:sp>
+        <p:nvSpPr>
+          <p:cNvPr id="90" name="Flèche : droite 89">
+            <a:extLst>
+              <a:ext uri="{FF2B5EF4-FFF2-40B4-BE49-F238E27FC236}">
+                <a16:creationId xmlns:a16="http://schemas.microsoft.com/office/drawing/2014/main" id="{A8F446E3-6E46-402B-9665-60B36F18C035}"/>
+              </a:ext>
+            </a:extLst>
+          </p:cNvPr>
+          <p:cNvSpPr/>
+          <p:nvPr/>
+        </p:nvSpPr>
+        <p:spPr>
+          <a:xfrm>
+            <a:off x="2036724" y="3628708"/>
+            <a:ext cx="2671922" cy="938773"/>
+          </a:xfrm>
+          <a:prstGeom prst="rightArrow">
+            <a:avLst>
+              <a:gd name="adj1" fmla="val 13012"/>
+              <a:gd name="adj2" fmla="val 67261"/>
+            </a:avLst>
+          </a:prstGeom>
+          <a:solidFill>
+            <a:schemeClr val="bg1"/>
+          </a:solidFill>
+          <a:ln w="28575">
+            <a:solidFill>
+              <a:srgbClr val="336EE5"/>
+            </a:solidFill>
+          </a:ln>
+        </p:spPr>
+        <p:style>
+          <a:lnRef idx="2">
+            <a:schemeClr val="accent1">
+              <a:shade val="50000"/>
+            </a:schemeClr>
+          </a:lnRef>
+          <a:fillRef idx="1">
+            <a:schemeClr val="accent1"/>
+          </a:fillRef>
+          <a:effectRef idx="0">
+            <a:schemeClr val="accent1"/>
+          </a:effectRef>
+          <a:fontRef idx="minor">
+            <a:schemeClr val="lt1"/>
+          </a:fontRef>
+        </p:style>
+        <p:txBody>
+          <a:bodyPr rtlCol="0" anchor="ctr"/>
+          <a:lstStyle/>
+          <a:p>
+            <a:pPr algn="ctr"/>
+            <a:endParaRPr lang="fr-FR" dirty="0">
+              <a:solidFill>
+                <a:srgbClr val="336EE5"/>
+              </a:solidFill>
+            </a:endParaRPr>
+          </a:p>
+          <a:p>
+            <a:pPr algn="ctr"/>
+            <a:endParaRPr lang="fr-FR" dirty="0">
+              <a:solidFill>
+                <a:srgbClr val="336EE5"/>
+              </a:solidFill>
+            </a:endParaRPr>
+          </a:p>
+          <a:p>
+            <a:pPr algn="ctr"/>
+            <a:endParaRPr lang="fr-FR" dirty="0">
+              <a:solidFill>
+                <a:srgbClr val="336EE5"/>
+              </a:solidFill>
+            </a:endParaRPr>
+          </a:p>
+          <a:p>
+            <a:pPr algn="ctr"/>
+            <a:endParaRPr lang="fr-FR" dirty="0">
+              <a:solidFill>
+                <a:srgbClr val="336EE5"/>
+              </a:solidFill>
+            </a:endParaRPr>
+          </a:p>
+        </p:txBody>
+      </p:sp>
+      <p:sp>
+        <p:nvSpPr>
+          <p:cNvPr id="94" name="Rectangle 93">
+            <a:extLst>
+              <a:ext uri="{FF2B5EF4-FFF2-40B4-BE49-F238E27FC236}">
+                <a16:creationId xmlns:a16="http://schemas.microsoft.com/office/drawing/2014/main" id="{852AF89F-B54E-480A-9E8D-887EC37EE688}"/>
+              </a:ext>
+            </a:extLst>
+          </p:cNvPr>
+          <p:cNvSpPr/>
+          <p:nvPr/>
+        </p:nvSpPr>
+        <p:spPr>
+          <a:xfrm>
+            <a:off x="1485501" y="4575824"/>
+            <a:ext cx="3024817" cy="923330"/>
+          </a:xfrm>
+          <a:prstGeom prst="rect">
+            <a:avLst/>
+          </a:prstGeom>
+        </p:spPr>
+        <p:txBody>
+          <a:bodyPr wrap="square">
+            <a:spAutoFit/>
+          </a:bodyPr>
+          <a:lstStyle/>
+          <a:p>
+            <a:pPr lvl="1"/>
+            <a:r>
+              <a:rPr lang="fr-FR" dirty="0" err="1">
+                <a:solidFill>
+                  <a:srgbClr val="336EE5"/>
+                </a:solidFill>
+              </a:rPr>
+              <a:t>Kubeclt</a:t>
+            </a:r>
+            <a:r>
+              <a:rPr lang="fr-FR" dirty="0">
+                <a:solidFill>
+                  <a:srgbClr val="336EE5"/>
+                </a:solidFill>
+              </a:rPr>
+              <a:t>/APIs/Dashboard</a:t>
+            </a:r>
+          </a:p>
+          <a:p>
+            <a:pPr marL="742950" lvl="1" indent="-285750">
               <a:buFont typeface="Arial" panose="020B0604020202020204" pitchFamily="34" charset="0"/>
               <a:buChar char="•"/>
             </a:pPr>
-            <a:r>
-              <a:rPr lang="fr-FR" dirty="0">
-                <a:latin typeface="Lato Light" panose="020F0502020204030203" pitchFamily="34" charset="0"/>
-                <a:ea typeface="Lato Light" panose="020F0502020204030203" pitchFamily="34" charset="0"/>
-                <a:cs typeface="Lato Light" panose="020F0502020204030203" pitchFamily="34" charset="0"/>
-              </a:rPr>
-              <a:t>orchestrer des conteneurs sur plusieurs </a:t>
-            </a:r>
-            <a:r>
-              <a:rPr lang="fr-FR" dirty="0" smtClean="0">
-                <a:latin typeface="Lato Light" panose="020F0502020204030203" pitchFamily="34" charset="0"/>
-                <a:ea typeface="Lato Light" panose="020F0502020204030203" pitchFamily="34" charset="0"/>
-                <a:cs typeface="Lato Light" panose="020F0502020204030203" pitchFamily="34" charset="0"/>
-              </a:rPr>
-              <a:t>hôtes</a:t>
-            </a:r>
-          </a:p>
-          <a:p>
-            <a:pPr marL="285750" indent="-285750">
-              <a:buFont typeface="Arial" panose="020B0604020202020204" pitchFamily="34" charset="0"/>
-              <a:buChar char="•"/>
-            </a:pPr>
-            <a:r>
-              <a:rPr lang="fr-FR" dirty="0">
-                <a:latin typeface="Lato Light" panose="020F0502020204030203" pitchFamily="34" charset="0"/>
-                <a:ea typeface="Lato Light" panose="020F0502020204030203" pitchFamily="34" charset="0"/>
-                <a:cs typeface="Lato Light" panose="020F0502020204030203" pitchFamily="34" charset="0"/>
-              </a:rPr>
-              <a:t>contrôler et automatiser les déploiements et mises à jour </a:t>
-            </a:r>
-            <a:r>
-              <a:rPr lang="fr-FR" dirty="0" smtClean="0">
-                <a:latin typeface="Lato Light" panose="020F0502020204030203" pitchFamily="34" charset="0"/>
-                <a:ea typeface="Lato Light" panose="020F0502020204030203" pitchFamily="34" charset="0"/>
-                <a:cs typeface="Lato Light" panose="020F0502020204030203" pitchFamily="34" charset="0"/>
-              </a:rPr>
-              <a:t>d'applications</a:t>
-            </a:r>
-          </a:p>
-          <a:p>
-            <a:pPr marL="285750" indent="-285750">
-              <a:buFont typeface="Arial" panose="020B0604020202020204" pitchFamily="34" charset="0"/>
-              <a:buChar char="•"/>
-            </a:pPr>
-            <a:r>
-              <a:rPr lang="fr-FR" dirty="0">
-                <a:latin typeface="Lato Light" panose="020F0502020204030203" pitchFamily="34" charset="0"/>
-                <a:ea typeface="Lato Light" panose="020F0502020204030203" pitchFamily="34" charset="0"/>
-                <a:cs typeface="Lato Light" panose="020F0502020204030203" pitchFamily="34" charset="0"/>
-              </a:rPr>
-              <a:t>mettre à l'échelle des applications conteneurisées et leurs ressources à la </a:t>
-            </a:r>
-            <a:r>
-              <a:rPr lang="fr-FR" dirty="0" smtClean="0">
-                <a:latin typeface="Lato Light" panose="020F0502020204030203" pitchFamily="34" charset="0"/>
-                <a:ea typeface="Lato Light" panose="020F0502020204030203" pitchFamily="34" charset="0"/>
-                <a:cs typeface="Lato Light" panose="020F0502020204030203" pitchFamily="34" charset="0"/>
-              </a:rPr>
-              <a:t>volée</a:t>
-            </a:r>
-          </a:p>
-          <a:p>
-            <a:pPr marL="285750" indent="-285750">
-              <a:buFont typeface="Arial" panose="020B0604020202020204" pitchFamily="34" charset="0"/>
-              <a:buChar char="•"/>
-            </a:pPr>
-            <a:r>
-              <a:rPr lang="fr-FR" b="1" dirty="0">
-                <a:latin typeface="Lato Light" panose="020F0502020204030203" pitchFamily="34" charset="0"/>
-                <a:ea typeface="Lato Light" panose="020F0502020204030203" pitchFamily="34" charset="0"/>
-                <a:cs typeface="Lato Light" panose="020F0502020204030203" pitchFamily="34" charset="0"/>
-              </a:rPr>
-              <a:t>vérifier l'intégrité de vos applications et les réparer automatiquement grâce au placement, au démarrage, à la réplication et à la mise à l'échelle </a:t>
-            </a:r>
-            <a:r>
-              <a:rPr lang="fr-FR" b="1" dirty="0" smtClean="0">
-                <a:latin typeface="Lato Light" panose="020F0502020204030203" pitchFamily="34" charset="0"/>
-                <a:ea typeface="Lato Light" panose="020F0502020204030203" pitchFamily="34" charset="0"/>
-                <a:cs typeface="Lato Light" panose="020F0502020204030203" pitchFamily="34" charset="0"/>
-              </a:rPr>
-              <a:t>automatiques</a:t>
-            </a:r>
-          </a:p>
-          <a:p>
-            <a:pPr marL="285750" indent="-285750">
-              <a:buFont typeface="Arial" panose="020B0604020202020204" pitchFamily="34" charset="0"/>
-              <a:buChar char="•"/>
-            </a:pPr>
-            <a:r>
-              <a:rPr lang="fr-FR" dirty="0" smtClean="0">
-                <a:latin typeface="Lato Light" panose="020F0502020204030203" pitchFamily="34" charset="0"/>
-                <a:ea typeface="Lato Light" panose="020F0502020204030203" pitchFamily="34" charset="0"/>
-                <a:cs typeface="Lato Light" panose="020F0502020204030203" pitchFamily="34" charset="0"/>
-              </a:rPr>
-              <a:t>…</a:t>
-            </a:r>
-          </a:p>
-          <a:p>
             <a:endParaRPr lang="fr-FR" dirty="0">
               <a:latin typeface="Lato Light" panose="020F0502020204030203" pitchFamily="34" charset="0"/>
               <a:ea typeface="Lato Light" panose="020F0502020204030203" pitchFamily="34" charset="0"/>
@@ -20372,12 +21020,10 @@
             </a:endParaRPr>
           </a:p>
           <a:p>
-            <a:r>
-              <a:rPr lang="fr-FR" dirty="0">
-                <a:hlinkClick r:id="rId4"/>
-              </a:rPr>
-              <a:t>https://www.redhat.com/fr/topics/containers/what-is-kubernetes</a:t>
-            </a:r>
+            <a:pPr marL="285750" indent="-285750">
+              <a:buFont typeface="Arial" panose="020B0604020202020204" pitchFamily="34" charset="0"/>
+              <a:buChar char="•"/>
+            </a:pPr>
             <a:endParaRPr lang="fr-FR" dirty="0">
               <a:latin typeface="Lato Light" panose="020F0502020204030203" pitchFamily="34" charset="0"/>
               <a:ea typeface="Lato Light" panose="020F0502020204030203" pitchFamily="34" charset="0"/>
@@ -20539,7 +21185,7 @@
             <a:lstStyle/>
             <a:p>
               <a:r>
-                <a:rPr lang="fr-FR" sz="4000" b="1" dirty="0" smtClean="0">
+                <a:rPr lang="fr-FR" sz="4000" b="1" dirty="0">
                   <a:latin typeface="Lato Regular" panose="020F0502020204030203" pitchFamily="34" charset="0"/>
                   <a:ea typeface="Lato Regular" panose="020F0502020204030203" pitchFamily="34" charset="0"/>
                   <a:cs typeface="Lato Regular" panose="020F0502020204030203" pitchFamily="34" charset="0"/>
@@ -20654,7 +21300,7 @@
           <a:lstStyle/>
           <a:p>
             <a:r>
-              <a:rPr lang="fr-FR" sz="2000" b="1" dirty="0" smtClean="0">
+              <a:rPr lang="fr-FR" sz="2000" b="1" dirty="0">
                 <a:solidFill>
                   <a:schemeClr val="tx2"/>
                 </a:solidFill>
@@ -20663,13 +21309,6 @@
               </a:rPr>
               <a:t>TP 2 :</a:t>
             </a:r>
-            <a:endParaRPr lang="fr-FR" sz="2000" b="1" dirty="0">
-              <a:solidFill>
-                <a:schemeClr val="tx2"/>
-              </a:solidFill>
-              <a:latin typeface="Lato Regular"/>
-              <a:cs typeface="Lato Regular"/>
-            </a:endParaRPr>
           </a:p>
           <a:p>
             <a:endParaRPr lang="fr-FR" sz="2000" dirty="0">
@@ -20686,7 +21325,7 @@
               <a:buChar char="-"/>
             </a:pPr>
             <a:r>
-              <a:rPr lang="fr-FR" sz="2000" b="1" dirty="0" smtClean="0">
+              <a:rPr lang="fr-FR" sz="2000" b="1" dirty="0">
                 <a:solidFill>
                   <a:schemeClr val="tx2"/>
                 </a:solidFill>
@@ -20694,20 +21333,15 @@
                 <a:ea typeface="Lato Light" panose="020F0502020204030203" pitchFamily="34" charset="0"/>
                 <a:cs typeface="Lato Light" panose="020F0502020204030203" pitchFamily="34" charset="0"/>
               </a:rPr>
-              <a:t>Paramétrage </a:t>
-            </a:r>
-            <a:r>
-              <a:rPr lang="fr-FR" sz="2000" b="1" dirty="0">
-                <a:solidFill>
-                  <a:schemeClr val="tx2"/>
-                </a:solidFill>
-                <a:latin typeface="Lato Light" panose="020F0502020204030203" pitchFamily="34" charset="0"/>
-                <a:ea typeface="Lato Light" panose="020F0502020204030203" pitchFamily="34" charset="0"/>
-                <a:cs typeface="Lato Light" panose="020F0502020204030203" pitchFamily="34" charset="0"/>
-              </a:rPr>
-              <a:t>du Chaos Monkey </a:t>
-            </a:r>
-            <a:endParaRPr lang="fr-FR" sz="2000" b="1" dirty="0" smtClean="0">
+              <a:t>Paramétrage du Chaos Monkey </a:t>
+            </a:r>
+          </a:p>
+          <a:p>
+            <a:pPr marL="571500" indent="-571500">
+              <a:buFontTx/>
+              <a:buChar char="-"/>
+            </a:pPr>
+            <a:endParaRPr lang="fr-FR" sz="2000" b="1" dirty="0">
               <a:solidFill>
                 <a:schemeClr val="tx2"/>
               </a:solidFill>
@@ -20721,42 +21355,18 @@
               <a:buFontTx/>
               <a:buChar char="-"/>
             </a:pPr>
-            <a:endParaRPr lang="fr-FR" sz="2000" b="1" dirty="0" smtClean="0">
-              <a:solidFill>
-                <a:schemeClr val="tx2"/>
-              </a:solidFill>
-              <a:latin typeface="Lato Light" panose="020F0502020204030203" pitchFamily="34" charset="0"/>
-              <a:ea typeface="Lato Light" panose="020F0502020204030203" pitchFamily="34" charset="0"/>
-              <a:cs typeface="Lato Light" panose="020F0502020204030203" pitchFamily="34" charset="0"/>
-            </a:endParaRPr>
-          </a:p>
-          <a:p>
-            <a:pPr marL="571500" indent="-571500">
-              <a:buFontTx/>
-              <a:buChar char="-"/>
-            </a:pPr>
-            <a:r>
-              <a:rPr lang="fr-FR" sz="2000" b="1" dirty="0" smtClean="0">
+            <a:r>
+              <a:rPr lang="fr-FR" sz="2000" b="1" dirty="0">
                 <a:solidFill>
                   <a:schemeClr val="tx2"/>
                 </a:solidFill>
                 <a:latin typeface="Lato Light"/>
                 <a:cs typeface="Lato Light"/>
               </a:rPr>
-              <a:t>Démarrage </a:t>
-            </a:r>
-            <a:r>
-              <a:rPr lang="fr-FR" sz="2000" b="1" dirty="0">
-                <a:solidFill>
-                  <a:schemeClr val="tx2"/>
-                </a:solidFill>
-                <a:latin typeface="Lato Light"/>
-                <a:cs typeface="Lato Light"/>
-              </a:rPr>
-              <a:t>de l’application </a:t>
-            </a:r>
-            <a:r>
-              <a:rPr lang="fr-FR" sz="2000" b="1" dirty="0" err="1" smtClean="0">
+              <a:t>Démarrage de l’application </a:t>
+            </a:r>
+            <a:r>
+              <a:rPr lang="fr-FR" sz="2000" b="1" dirty="0" err="1">
                 <a:solidFill>
                   <a:schemeClr val="tx2"/>
                 </a:solidFill>
@@ -20766,7 +21376,7 @@
               <a:t>FuSIIon</a:t>
             </a:r>
             <a:r>
-              <a:rPr lang="fr-FR" sz="2000" b="1" dirty="0" smtClean="0">
+              <a:rPr lang="fr-FR" sz="2000" b="1" dirty="0">
                 <a:solidFill>
                   <a:schemeClr val="tx2"/>
                 </a:solidFill>
@@ -20776,7 +21386,7 @@
               <a:t> (</a:t>
             </a:r>
             <a:r>
-              <a:rPr lang="fr-FR" sz="2000" b="1" dirty="0" err="1" smtClean="0">
+              <a:rPr lang="fr-FR" sz="2000" b="1" dirty="0" err="1">
                 <a:solidFill>
                   <a:schemeClr val="tx2"/>
                 </a:solidFill>
@@ -20786,7 +21396,7 @@
               <a:t>Kubernetes</a:t>
             </a:r>
             <a:r>
-              <a:rPr lang="fr-FR" sz="2000" b="1" dirty="0" smtClean="0">
+              <a:rPr lang="fr-FR" sz="2000" b="1" dirty="0">
                 <a:solidFill>
                   <a:schemeClr val="tx2"/>
                 </a:solidFill>
@@ -20794,64 +21404,6 @@
                 <a:cs typeface="Lato Light"/>
               </a:rPr>
               <a:t>)</a:t>
-            </a:r>
-          </a:p>
-          <a:p>
-            <a:pPr marL="571500" indent="-571500">
-              <a:buFontTx/>
-              <a:buChar char="-"/>
-            </a:pPr>
-            <a:endParaRPr lang="fr-FR" sz="2000" b="1" dirty="0" smtClean="0">
-              <a:solidFill>
-                <a:schemeClr val="tx2"/>
-              </a:solidFill>
-              <a:latin typeface="Lato Light"/>
-              <a:cs typeface="Lato Light"/>
-            </a:endParaRPr>
-          </a:p>
-          <a:p>
-            <a:pPr marL="571500" indent="-571500">
-              <a:buFontTx/>
-              <a:buChar char="-"/>
-            </a:pPr>
-            <a:r>
-              <a:rPr lang="fr-FR" sz="2000" b="1" dirty="0" smtClean="0">
-                <a:solidFill>
-                  <a:schemeClr val="tx2"/>
-                </a:solidFill>
-                <a:latin typeface="Lato Light"/>
-                <a:cs typeface="Lato Light"/>
-              </a:rPr>
-              <a:t>Lancement d’un nouveau tir de charge</a:t>
-            </a:r>
-          </a:p>
-          <a:p>
-            <a:pPr marL="571500" indent="-571500">
-              <a:buFontTx/>
-              <a:buChar char="-"/>
-            </a:pPr>
-            <a:endParaRPr lang="fr-FR" sz="2000" b="1" dirty="0" smtClean="0">
-              <a:solidFill>
-                <a:schemeClr val="tx2"/>
-              </a:solidFill>
-              <a:latin typeface="Lato Light"/>
-              <a:cs typeface="Lato Light"/>
-            </a:endParaRPr>
-          </a:p>
-          <a:p>
-            <a:pPr marL="571500" indent="-571500">
-              <a:buFontTx/>
-              <a:buChar char="-"/>
-            </a:pPr>
-            <a:r>
-              <a:rPr lang="fr-FR" sz="2000" b="1" dirty="0" smtClean="0">
-                <a:solidFill>
-                  <a:schemeClr val="tx2"/>
-                </a:solidFill>
-                <a:latin typeface="Lato Light"/>
-                <a:cs typeface="Lato Light"/>
-              </a:rPr>
-              <a:t>Analyse des résultats</a:t>
             </a:r>
           </a:p>
           <a:p>
@@ -20873,7 +21425,65 @@
               <a:buChar char="-"/>
             </a:pPr>
             <a:r>
-              <a:rPr lang="fr-FR" sz="2000" b="1" dirty="0" smtClean="0">
+              <a:rPr lang="fr-FR" sz="2000" b="1" dirty="0">
+                <a:solidFill>
+                  <a:schemeClr val="tx2"/>
+                </a:solidFill>
+                <a:latin typeface="Lato Light"/>
+                <a:cs typeface="Lato Light"/>
+              </a:rPr>
+              <a:t>Lancement d’un nouveau tir de charge</a:t>
+            </a:r>
+          </a:p>
+          <a:p>
+            <a:pPr marL="571500" indent="-571500">
+              <a:buFontTx/>
+              <a:buChar char="-"/>
+            </a:pPr>
+            <a:endParaRPr lang="fr-FR" sz="2000" b="1" dirty="0">
+              <a:solidFill>
+                <a:schemeClr val="tx2"/>
+              </a:solidFill>
+              <a:latin typeface="Lato Light"/>
+              <a:cs typeface="Lato Light"/>
+            </a:endParaRPr>
+          </a:p>
+          <a:p>
+            <a:pPr marL="571500" indent="-571500">
+              <a:buFontTx/>
+              <a:buChar char="-"/>
+            </a:pPr>
+            <a:r>
+              <a:rPr lang="fr-FR" sz="2000" b="1" dirty="0">
+                <a:solidFill>
+                  <a:schemeClr val="tx2"/>
+                </a:solidFill>
+                <a:latin typeface="Lato Light"/>
+                <a:cs typeface="Lato Light"/>
+              </a:rPr>
+              <a:t>Analyse des résultats</a:t>
+            </a:r>
+          </a:p>
+          <a:p>
+            <a:pPr marL="571500" indent="-571500">
+              <a:buFontTx/>
+              <a:buChar char="-"/>
+            </a:pPr>
+            <a:endParaRPr lang="fr-FR" sz="2000" b="1" dirty="0">
+              <a:solidFill>
+                <a:schemeClr val="tx2"/>
+              </a:solidFill>
+              <a:latin typeface="Lato Light"/>
+              <a:cs typeface="Lato Light"/>
+            </a:endParaRPr>
+          </a:p>
+          <a:p>
+            <a:pPr marL="571500" indent="-571500">
+              <a:buFontTx/>
+              <a:buChar char="-"/>
+            </a:pPr>
+            <a:r>
+              <a:rPr lang="fr-FR" sz="2000" b="1" dirty="0">
                 <a:solidFill>
                   <a:schemeClr val="tx2"/>
                 </a:solidFill>
@@ -20888,7 +21498,7 @@
               <a:buFontTx/>
               <a:buChar char="-"/>
             </a:pPr>
-            <a:endParaRPr lang="fr-FR" sz="2000" dirty="0" smtClean="0">
+            <a:endParaRPr lang="fr-FR" sz="2000" dirty="0">
               <a:solidFill>
                 <a:schemeClr val="tx2"/>
               </a:solidFill>
@@ -20908,13 +21518,6 @@
   <p:clrMapOvr>
     <a:masterClrMapping/>
   </p:clrMapOvr>
-  <p:timing>
-    <p:tnLst>
-      <p:par>
-        <p:cTn id="1" dur="indefinite" restart="never" nodeType="tmRoot"/>
-      </p:par>
-    </p:tnLst>
-  </p:timing>
 </p:sld>
 </file>
 
@@ -20972,7 +21575,7 @@
             <a:lstStyle/>
             <a:p>
               <a:r>
-                <a:rPr lang="fr-FR" sz="4000" b="1" dirty="0" smtClean="0">
+                <a:rPr lang="fr-FR" sz="4000" b="1" dirty="0">
                   <a:latin typeface="Lato Regular" panose="020F0502020204030203" pitchFamily="34" charset="0"/>
                   <a:ea typeface="Lato Regular" panose="020F0502020204030203" pitchFamily="34" charset="0"/>
                   <a:cs typeface="Lato Regular" panose="020F0502020204030203" pitchFamily="34" charset="0"/>
@@ -21236,7 +21839,7 @@
               <a:buNone/>
             </a:pPr>
             <a:r>
-              <a:rPr lang="fr-FR" sz="2000" dirty="0" smtClean="0">
+              <a:rPr lang="fr-FR" sz="2000" dirty="0">
                 <a:solidFill>
                   <a:schemeClr val="tx2"/>
                 </a:solidFill>
@@ -21324,13 +21927,6 @@
   <p:clrMapOvr>
     <a:masterClrMapping/>
   </p:clrMapOvr>
-  <p:timing>
-    <p:tnLst>
-      <p:par>
-        <p:cTn id="1" dur="indefinite" restart="never" nodeType="tmRoot"/>
-      </p:par>
-    </p:tnLst>
-  </p:timing>
 </p:sld>
 </file>
 
@@ -21388,7 +21984,7 @@
             <a:lstStyle/>
             <a:p>
               <a:r>
-                <a:rPr lang="fr-FR" sz="4000" b="1" dirty="0" smtClean="0">
+                <a:rPr lang="fr-FR" sz="4000" b="1" dirty="0">
                   <a:latin typeface="Lato Regular" panose="020F0502020204030203" pitchFamily="34" charset="0"/>
                   <a:ea typeface="Lato Regular" panose="020F0502020204030203" pitchFamily="34" charset="0"/>
                   <a:cs typeface="Lato Regular" panose="020F0502020204030203" pitchFamily="34" charset="0"/>
@@ -21652,7 +22248,7 @@
               <a:buNone/>
             </a:pPr>
             <a:r>
-              <a:rPr lang="fr-FR" sz="2000" dirty="0" smtClean="0">
+              <a:rPr lang="fr-FR" sz="2000" dirty="0">
                 <a:solidFill>
                   <a:schemeClr val="tx2"/>
                 </a:solidFill>
@@ -21740,13 +22336,6 @@
   <p:clrMapOvr>
     <a:masterClrMapping/>
   </p:clrMapOvr>
-  <p:timing>
-    <p:tnLst>
-      <p:par>
-        <p:cTn id="1" dur="indefinite" restart="never" nodeType="tmRoot"/>
-      </p:par>
-    </p:tnLst>
-  </p:timing>
 </p:sld>
 </file>
 
@@ -21804,7 +22393,7 @@
             <a:lstStyle/>
             <a:p>
               <a:r>
-                <a:rPr lang="fr-FR" sz="4000" b="1" dirty="0" smtClean="0">
+                <a:rPr lang="fr-FR" sz="4000" b="1" dirty="0">
                   <a:latin typeface="Lato Regular" panose="020F0502020204030203" pitchFamily="34" charset="0"/>
                   <a:ea typeface="Lato Regular" panose="020F0502020204030203" pitchFamily="34" charset="0"/>
                   <a:cs typeface="Lato Regular" panose="020F0502020204030203" pitchFamily="34" charset="0"/>
@@ -21919,7 +22508,7 @@
           <a:lstStyle/>
           <a:p>
             <a:r>
-              <a:rPr lang="fr-FR" sz="3600" dirty="0" smtClean="0">
+              <a:rPr lang="fr-FR" sz="3600" dirty="0">
                 <a:solidFill>
                   <a:schemeClr val="tx2"/>
                 </a:solidFill>
@@ -21983,7 +22572,7 @@
           <a:lstStyle/>
           <a:p>
             <a:r>
-              <a:rPr lang="fr-FR" sz="3600" b="1" dirty="0" smtClean="0">
+              <a:rPr lang="fr-FR" sz="3600" b="1" dirty="0">
                 <a:solidFill>
                   <a:schemeClr val="tx2"/>
                 </a:solidFill>
@@ -22006,7 +22595,7 @@
               <a:buChar char="-"/>
             </a:pPr>
             <a:r>
-              <a:rPr lang="fr-FR" sz="3600" dirty="0" err="1" smtClean="0">
+              <a:rPr lang="fr-FR" sz="3600" dirty="0" err="1">
                 <a:solidFill>
                   <a:schemeClr val="tx2"/>
                 </a:solidFill>
@@ -22016,7 +22605,7 @@
               <a:t>Tunning</a:t>
             </a:r>
             <a:r>
-              <a:rPr lang="fr-FR" sz="3600" dirty="0" smtClean="0">
+              <a:rPr lang="fr-FR" sz="3600" dirty="0">
                 <a:solidFill>
                   <a:schemeClr val="tx2"/>
                 </a:solidFill>
@@ -22026,7 +22615,7 @@
               <a:t> des </a:t>
             </a:r>
             <a:r>
-              <a:rPr lang="fr-FR" sz="3600" dirty="0" err="1" smtClean="0">
+              <a:rPr lang="fr-FR" sz="3600" dirty="0" err="1">
                 <a:solidFill>
                   <a:schemeClr val="tx2"/>
                 </a:solidFill>
@@ -22036,7 +22625,7 @@
               <a:t>yaml</a:t>
             </a:r>
             <a:r>
-              <a:rPr lang="fr-FR" sz="3600" dirty="0" smtClean="0">
+              <a:rPr lang="fr-FR" sz="3600" dirty="0">
                 <a:solidFill>
                   <a:schemeClr val="tx2"/>
                 </a:solidFill>
@@ -22046,7 +22635,7 @@
               <a:t> </a:t>
             </a:r>
             <a:r>
-              <a:rPr lang="fr-FR" sz="3600" dirty="0" err="1" smtClean="0">
+              <a:rPr lang="fr-FR" sz="3600" dirty="0" err="1">
                 <a:solidFill>
                   <a:schemeClr val="tx2"/>
                 </a:solidFill>
@@ -22055,7 +22644,7 @@
               </a:rPr>
               <a:t>kubernetes</a:t>
             </a:r>
-            <a:endParaRPr lang="fr-FR" sz="3600" dirty="0" smtClean="0">
+            <a:endParaRPr lang="fr-FR" sz="3600" dirty="0">
               <a:solidFill>
                 <a:schemeClr val="tx2"/>
               </a:solidFill>
@@ -22069,7 +22658,7 @@
               <a:buChar char="-"/>
             </a:pPr>
             <a:r>
-              <a:rPr lang="fr-FR" sz="3600" dirty="0" smtClean="0">
+              <a:rPr lang="fr-FR" sz="3600" dirty="0">
                 <a:solidFill>
                   <a:schemeClr val="tx2"/>
                 </a:solidFill>
@@ -22091,13 +22680,6 @@
   <p:clrMapOvr>
     <a:masterClrMapping/>
   </p:clrMapOvr>
-  <p:timing>
-    <p:tnLst>
-      <p:par>
-        <p:cTn id="1" dur="indefinite" restart="never" nodeType="tmRoot"/>
-      </p:par>
-    </p:tnLst>
-  </p:timing>
 </p:sld>
 </file>
 
@@ -22155,7 +22737,7 @@
             <a:lstStyle/>
             <a:p>
               <a:r>
-                <a:rPr lang="fr-FR" sz="4000" b="1" dirty="0" smtClean="0">
+                <a:rPr lang="fr-FR" sz="4000" b="1" dirty="0">
                   <a:latin typeface="Lato Regular" panose="020F0502020204030203" pitchFamily="34" charset="0"/>
                   <a:ea typeface="Lato Regular" panose="020F0502020204030203" pitchFamily="34" charset="0"/>
                   <a:cs typeface="Lato Regular" panose="020F0502020204030203" pitchFamily="34" charset="0"/>
@@ -22272,21 +22854,9 @@
               <a:rPr lang="fr-FR" sz="3200" dirty="0">
                 <a:hlinkClick r:id="rId4"/>
               </a:rPr>
-              <a:t>https://</a:t>
-            </a:r>
-            <a:r>
-              <a:rPr lang="fr-FR" sz="3200" dirty="0" smtClean="0">
-                <a:hlinkClick r:id="rId4"/>
-              </a:rPr>
-              <a:t>sii-codelab-chaos.github.io/Codelab-Chaos-TP</a:t>
-            </a:r>
-            <a:r>
-              <a:rPr lang="fr-FR" sz="3200" dirty="0">
-                <a:hlinkClick r:id="rId4"/>
-              </a:rPr>
-              <a:t>/</a:t>
-            </a:r>
-            <a:endParaRPr lang="fr-FR" sz="3200" dirty="0" smtClean="0">
+              <a:t>https://sii-codelab-chaos.github.io/Codelab-Chaos-TP/</a:t>
+            </a:r>
+            <a:endParaRPr lang="fr-FR" sz="3200" dirty="0">
               <a:solidFill>
                 <a:schemeClr val="tx2"/>
               </a:solidFill>
@@ -22306,13 +22876,6 @@
   <p:clrMapOvr>
     <a:masterClrMapping/>
   </p:clrMapOvr>
-  <p:timing>
-    <p:tnLst>
-      <p:par>
-        <p:cTn id="1" dur="indefinite" restart="never" nodeType="tmRoot"/>
-      </p:par>
-    </p:tnLst>
-  </p:timing>
 </p:sld>
 </file>
 
@@ -22370,7 +22933,7 @@
             <a:lstStyle/>
             <a:p>
               <a:r>
-                <a:rPr lang="fr-FR" sz="4000" b="1" dirty="0" smtClean="0">
+                <a:rPr lang="fr-FR" sz="4000" b="1" dirty="0">
                   <a:latin typeface="Lato Regular" panose="020F0502020204030203" pitchFamily="34" charset="0"/>
                   <a:ea typeface="Lato Regular" panose="020F0502020204030203" pitchFamily="34" charset="0"/>
                   <a:cs typeface="Lato Regular" panose="020F0502020204030203" pitchFamily="34" charset="0"/>
@@ -22601,7 +23164,7 @@
               <a:buNone/>
             </a:pPr>
             <a:r>
-              <a:rPr lang="fr-FR" sz="2000" dirty="0" smtClean="0">
+              <a:rPr lang="fr-FR" sz="2000" dirty="0">
                 <a:solidFill>
                   <a:schemeClr val="tx2"/>
                 </a:solidFill>
@@ -22659,23 +23222,7 @@
                 <a:ea typeface="Lato Light" panose="020F0502020204030203" pitchFamily="34" charset="0"/>
                 <a:cs typeface="Lato Light" panose="020F0502020204030203" pitchFamily="34" charset="0"/>
               </a:rPr>
-              <a:t>"Nous voilà rassurés, notre application est tolérante aux défaillances techniques, on va pouvoir aller en production beaucoup plus confiant! En plus, on a même pu challenger nos TU et récupérer des </a:t>
-            </a:r>
-            <a:r>
-              <a:rPr lang="fr-FR" dirty="0" smtClean="0">
-                <a:latin typeface="Lato Light" panose="020F0502020204030203" pitchFamily="34" charset="0"/>
-                <a:ea typeface="Lato Light" panose="020F0502020204030203" pitchFamily="34" charset="0"/>
-                <a:cs typeface="Lato Light" panose="020F0502020204030203" pitchFamily="34" charset="0"/>
-              </a:rPr>
-              <a:t>métriques de charge et de performance </a:t>
-            </a:r>
-            <a:r>
-              <a:rPr lang="fr-FR" dirty="0">
-                <a:latin typeface="Lato Light" panose="020F0502020204030203" pitchFamily="34" charset="0"/>
-                <a:ea typeface="Lato Light" panose="020F0502020204030203" pitchFamily="34" charset="0"/>
-                <a:cs typeface="Lato Light" panose="020F0502020204030203" pitchFamily="34" charset="0"/>
-              </a:rPr>
-              <a:t>au passage ! "</a:t>
+              <a:t>"Nous voilà rassurés, notre application est tolérante aux défaillances techniques, on va pouvoir aller en production beaucoup plus confiant! En plus, on a même pu challenger nos TU et récupérer des métriques de charge et de performance au passage ! "</a:t>
             </a:r>
           </a:p>
         </p:txBody>
@@ -22690,13 +23237,6 @@
   <p:clrMapOvr>
     <a:masterClrMapping/>
   </p:clrMapOvr>
-  <p:timing>
-    <p:tnLst>
-      <p:par>
-        <p:cTn id="1" dur="indefinite" restart="never" nodeType="tmRoot"/>
-      </p:par>
-    </p:tnLst>
-  </p:timing>
 </p:sld>
 </file>
 
@@ -22754,7 +23294,7 @@
             <a:lstStyle/>
             <a:p>
               <a:r>
-                <a:rPr lang="fr-FR" sz="4000" b="1" dirty="0" smtClean="0">
+                <a:rPr lang="fr-FR" sz="4000" b="1" dirty="0">
                   <a:latin typeface="Lato Regular" panose="020F0502020204030203" pitchFamily="34" charset="0"/>
                   <a:ea typeface="Lato Regular" panose="020F0502020204030203" pitchFamily="34" charset="0"/>
                   <a:cs typeface="Lato Regular" panose="020F0502020204030203" pitchFamily="34" charset="0"/>
@@ -22843,7 +23383,7 @@
               <a:buChar char="•"/>
             </a:pPr>
             <a:r>
-              <a:rPr lang="fr-FR" sz="2000" dirty="0" smtClean="0">
+              <a:rPr lang="fr-FR" sz="2000" dirty="0">
                 <a:solidFill>
                   <a:schemeClr val="tx2"/>
                 </a:solidFill>
@@ -22859,7 +23399,7 @@
               <a:buChar char="•"/>
             </a:pPr>
             <a:r>
-              <a:rPr lang="fr-FR" sz="2000" dirty="0" smtClean="0">
+              <a:rPr lang="fr-FR" sz="2000" dirty="0">
                 <a:solidFill>
                   <a:schemeClr val="tx2"/>
                 </a:solidFill>
@@ -22875,7 +23415,7 @@
               <a:buChar char="•"/>
             </a:pPr>
             <a:r>
-              <a:rPr lang="fr-FR" sz="2000" dirty="0" smtClean="0">
+              <a:rPr lang="fr-FR" sz="2000" dirty="0">
                 <a:solidFill>
                   <a:schemeClr val="tx2"/>
                 </a:solidFill>
@@ -22891,7 +23431,7 @@
               <a:buChar char="•"/>
             </a:pPr>
             <a:r>
-              <a:rPr lang="fr-FR" sz="2000" dirty="0" smtClean="0">
+              <a:rPr lang="fr-FR" sz="2000" dirty="0">
                 <a:solidFill>
                   <a:schemeClr val="tx2"/>
                 </a:solidFill>
@@ -22913,13 +23453,6 @@
   <p:clrMapOvr>
     <a:masterClrMapping/>
   </p:clrMapOvr>
-  <p:timing>
-    <p:tnLst>
-      <p:par>
-        <p:cTn id="1" dur="indefinite" restart="never" nodeType="tmRoot"/>
-      </p:par>
-    </p:tnLst>
-  </p:timing>
 </p:sld>
 </file>
 
@@ -22963,7 +23496,7 @@
           <a:lstStyle/>
           <a:p>
             <a:r>
-              <a:rPr lang="fr-FR" sz="4000" dirty="0" smtClean="0">
+              <a:rPr lang="fr-FR" sz="4000" dirty="0">
                 <a:latin typeface="Lato Regular" panose="020F0502020204030203" pitchFamily="34" charset="0"/>
                 <a:ea typeface="Lato Regular" panose="020F0502020204030203" pitchFamily="34" charset="0"/>
                 <a:cs typeface="Lato Regular" panose="020F0502020204030203" pitchFamily="34" charset="0"/>
@@ -23015,7 +23548,7 @@
             <a:lstStyle/>
             <a:p>
               <a:r>
-                <a:rPr lang="fr-FR" sz="4000" b="1" dirty="0" smtClean="0">
+                <a:rPr lang="fr-FR" sz="4000" b="1" dirty="0">
                   <a:latin typeface="Lato Regular" panose="020F0502020204030203" pitchFamily="34" charset="0"/>
                   <a:ea typeface="Lato Regular" panose="020F0502020204030203" pitchFamily="34" charset="0"/>
                   <a:cs typeface="Lato Regular" panose="020F0502020204030203" pitchFamily="34" charset="0"/>
@@ -23082,13 +23615,6 @@
   <p:clrMapOvr>
     <a:masterClrMapping/>
   </p:clrMapOvr>
-  <p:timing>
-    <p:tnLst>
-      <p:par>
-        <p:cTn id="1" dur="indefinite" restart="never" nodeType="tmRoot"/>
-      </p:par>
-    </p:tnLst>
-  </p:timing>
 </p:sld>
 </file>
 
@@ -23146,7 +23672,7 @@
             <a:lstStyle/>
             <a:p>
               <a:r>
-                <a:rPr lang="fr-FR" sz="4000" b="1" dirty="0" smtClean="0">
+                <a:rPr lang="fr-FR" sz="4000" b="1" dirty="0">
                   <a:latin typeface="Lato Regular" panose="020F0502020204030203" pitchFamily="34" charset="0"/>
                   <a:ea typeface="Lato Regular" panose="020F0502020204030203" pitchFamily="34" charset="0"/>
                   <a:cs typeface="Lato Regular" panose="020F0502020204030203" pitchFamily="34" charset="0"/>
@@ -23230,7 +23756,7 @@
           <a:lstStyle/>
           <a:p>
             <a:r>
-              <a:rPr lang="fr-FR" sz="1600" dirty="0" smtClean="0">
+              <a:rPr lang="fr-FR" sz="1600" dirty="0">
                 <a:solidFill>
                   <a:schemeClr val="tx2"/>
                 </a:solidFill>
@@ -23243,7 +23769,7 @@
           </a:p>
           <a:p>
             <a:r>
-              <a:rPr lang="fr-FR" sz="1200" dirty="0" smtClean="0">
+              <a:rPr lang="fr-FR" sz="1200" dirty="0">
                 <a:solidFill>
                   <a:schemeClr val="tx2"/>
                 </a:solidFill>
@@ -23251,28 +23777,6 @@
                 <a:ea typeface="Lato Light" panose="020F0502020204030203" pitchFamily="34" charset="0"/>
                 <a:cs typeface="Lato Light" panose="020F0502020204030203" pitchFamily="34" charset="0"/>
                 <a:hlinkClick r:id="rId2" invalidUrl="https:///"/>
-              </a:rPr>
-              <a:t>https://url.fr </a:t>
-            </a:r>
-            <a:endParaRPr lang="fr-FR" sz="1200" dirty="0" smtClean="0">
-              <a:solidFill>
-                <a:schemeClr val="tx2"/>
-              </a:solidFill>
-              <a:latin typeface="Lato Light" panose="020F0502020204030203" pitchFamily="34" charset="0"/>
-              <a:ea typeface="Lato Light" panose="020F0502020204030203" pitchFamily="34" charset="0"/>
-              <a:cs typeface="Lato Light" panose="020F0502020204030203" pitchFamily="34" charset="0"/>
-            </a:endParaRPr>
-          </a:p>
-          <a:p>
-            <a:r>
-              <a:rPr lang="fr-FR" sz="1200" dirty="0">
-                <a:solidFill>
-                  <a:schemeClr val="tx2"/>
-                </a:solidFill>
-                <a:latin typeface="Lato Light" panose="020F0502020204030203" pitchFamily="34" charset="0"/>
-                <a:ea typeface="Lato Light" panose="020F0502020204030203" pitchFamily="34" charset="0"/>
-                <a:cs typeface="Lato Light" panose="020F0502020204030203" pitchFamily="34" charset="0"/>
-                <a:hlinkClick r:id="rId3" invalidUrl="https:///"/>
               </a:rPr>
               <a:t>https://url.fr </a:t>
             </a:r>
@@ -23286,74 +23790,17 @@
             </a:endParaRPr>
           </a:p>
           <a:p>
-            <a:endParaRPr lang="fr-FR" sz="1600" dirty="0">
-              <a:solidFill>
-                <a:schemeClr val="tx2"/>
-              </a:solidFill>
-              <a:latin typeface="Lato Light"/>
-              <a:cs typeface="Lato Light"/>
-            </a:endParaRPr>
-          </a:p>
-          <a:p>
-            <a:r>
-              <a:rPr lang="fr-FR" sz="1600" dirty="0" err="1" smtClean="0">
+            <a:r>
+              <a:rPr lang="fr-FR" sz="1200" dirty="0">
                 <a:solidFill>
                   <a:schemeClr val="tx2"/>
                 </a:solidFill>
-                <a:latin typeface="Lato Regular" panose="020F0502020204030203" pitchFamily="34" charset="0"/>
-                <a:ea typeface="Lato Regular" panose="020F0502020204030203" pitchFamily="34" charset="0"/>
-                <a:cs typeface="Lato Regular" panose="020F0502020204030203" pitchFamily="34" charset="0"/>
+                <a:latin typeface="Lato Light" panose="020F0502020204030203" pitchFamily="34" charset="0"/>
+                <a:ea typeface="Lato Light" panose="020F0502020204030203" pitchFamily="34" charset="0"/>
+                <a:cs typeface="Lato Light" panose="020F0502020204030203" pitchFamily="34" charset="0"/>
+                <a:hlinkClick r:id="rId3" invalidUrl="https:///"/>
               </a:rPr>
-              <a:t>Github</a:t>
-            </a:r>
-            <a:r>
-              <a:rPr lang="fr-FR" sz="1600" dirty="0" smtClean="0">
-                <a:solidFill>
-                  <a:schemeClr val="tx2"/>
-                </a:solidFill>
-                <a:latin typeface="Lato Regular" panose="020F0502020204030203" pitchFamily="34" charset="0"/>
-                <a:ea typeface="Lato Regular" panose="020F0502020204030203" pitchFamily="34" charset="0"/>
-                <a:cs typeface="Lato Regular" panose="020F0502020204030203" pitchFamily="34" charset="0"/>
-              </a:rPr>
-              <a:t> :</a:t>
-            </a:r>
-          </a:p>
-          <a:p>
-            <a:r>
-              <a:rPr lang="fr-FR" sz="1200" dirty="0">
-                <a:hlinkClick r:id="rId4"/>
-              </a:rPr>
-              <a:t>https://</a:t>
-            </a:r>
-            <a:r>
-              <a:rPr lang="fr-FR" sz="1200" dirty="0" smtClean="0">
-                <a:hlinkClick r:id="rId4"/>
-              </a:rPr>
-              <a:t>github.com/gatling/gatling-maven-plugin-demo</a:t>
-            </a:r>
-            <a:endParaRPr lang="fr-FR" sz="1200" dirty="0" smtClean="0"/>
-          </a:p>
-          <a:p>
-            <a:r>
-              <a:rPr lang="fr-FR" sz="1200" dirty="0">
-                <a:hlinkClick r:id="rId5"/>
-              </a:rPr>
-              <a:t>https://</a:t>
-            </a:r>
-            <a:r>
-              <a:rPr lang="fr-FR" sz="1200" dirty="0" smtClean="0">
-                <a:hlinkClick r:id="rId5"/>
-              </a:rPr>
-              <a:t>github.com/codecentric/chaos-monkey-spring-boot</a:t>
-            </a:r>
-            <a:endParaRPr lang="fr-FR" sz="1200" dirty="0" smtClean="0"/>
-          </a:p>
-          <a:p>
-            <a:r>
-              <a:rPr lang="fr-FR" sz="1200" dirty="0">
-                <a:hlinkClick r:id="rId6"/>
-              </a:rPr>
-              <a:t>https://github.com/SII-Codelab-Chaos</a:t>
+              <a:t>https://url.fr </a:t>
             </a:r>
             <a:endParaRPr lang="fr-FR" sz="1200" dirty="0">
               <a:solidFill>
@@ -23369,14 +23816,81 @@
               <a:solidFill>
                 <a:schemeClr val="tx2"/>
               </a:solidFill>
+              <a:latin typeface="Lato Light"/>
+              <a:cs typeface="Lato Light"/>
+            </a:endParaRPr>
+          </a:p>
+          <a:p>
+            <a:r>
+              <a:rPr lang="fr-FR" sz="1600" dirty="0" err="1">
+                <a:solidFill>
+                  <a:schemeClr val="tx2"/>
+                </a:solidFill>
+                <a:latin typeface="Lato Regular" panose="020F0502020204030203" pitchFamily="34" charset="0"/>
+                <a:ea typeface="Lato Regular" panose="020F0502020204030203" pitchFamily="34" charset="0"/>
+                <a:cs typeface="Lato Regular" panose="020F0502020204030203" pitchFamily="34" charset="0"/>
+              </a:rPr>
+              <a:t>Github</a:t>
+            </a:r>
+            <a:r>
+              <a:rPr lang="fr-FR" sz="1600" dirty="0">
+                <a:solidFill>
+                  <a:schemeClr val="tx2"/>
+                </a:solidFill>
+                <a:latin typeface="Lato Regular" panose="020F0502020204030203" pitchFamily="34" charset="0"/>
+                <a:ea typeface="Lato Regular" panose="020F0502020204030203" pitchFamily="34" charset="0"/>
+                <a:cs typeface="Lato Regular" panose="020F0502020204030203" pitchFamily="34" charset="0"/>
+              </a:rPr>
+              <a:t> :</a:t>
+            </a:r>
+          </a:p>
+          <a:p>
+            <a:r>
+              <a:rPr lang="fr-FR" sz="1200" dirty="0">
+                <a:hlinkClick r:id="rId4"/>
+              </a:rPr>
+              <a:t>https://github.com/gatling/gatling-maven-plugin-demo</a:t>
+            </a:r>
+            <a:endParaRPr lang="fr-FR" sz="1200" dirty="0"/>
+          </a:p>
+          <a:p>
+            <a:r>
+              <a:rPr lang="fr-FR" sz="1200" dirty="0">
+                <a:hlinkClick r:id="rId5"/>
+              </a:rPr>
+              <a:t>https://github.com/codecentric/chaos-monkey-spring-boot</a:t>
+            </a:r>
+            <a:endParaRPr lang="fr-FR" sz="1200" dirty="0"/>
+          </a:p>
+          <a:p>
+            <a:r>
+              <a:rPr lang="fr-FR" sz="1200" dirty="0">
+                <a:hlinkClick r:id="rId6"/>
+              </a:rPr>
+              <a:t>https://github.com/SII-Codelab-Chaos</a:t>
+            </a:r>
+            <a:endParaRPr lang="fr-FR" sz="1200" dirty="0">
+              <a:solidFill>
+                <a:schemeClr val="tx2"/>
+              </a:solidFill>
               <a:latin typeface="Lato Light" panose="020F0502020204030203" pitchFamily="34" charset="0"/>
               <a:ea typeface="Lato Light" panose="020F0502020204030203" pitchFamily="34" charset="0"/>
               <a:cs typeface="Lato Light" panose="020F0502020204030203" pitchFamily="34" charset="0"/>
             </a:endParaRPr>
           </a:p>
           <a:p>
-            <a:r>
-              <a:rPr lang="fr-FR" sz="1600" dirty="0" smtClean="0">
+            <a:endParaRPr lang="fr-FR" sz="1600" dirty="0">
+              <a:solidFill>
+                <a:schemeClr val="tx2"/>
+              </a:solidFill>
+              <a:latin typeface="Lato Light" panose="020F0502020204030203" pitchFamily="34" charset="0"/>
+              <a:ea typeface="Lato Light" panose="020F0502020204030203" pitchFamily="34" charset="0"/>
+              <a:cs typeface="Lato Light" panose="020F0502020204030203" pitchFamily="34" charset="0"/>
+            </a:endParaRPr>
+          </a:p>
+          <a:p>
+            <a:r>
+              <a:rPr lang="fr-FR" sz="1600" dirty="0">
                 <a:solidFill>
                   <a:schemeClr val="tx2"/>
                 </a:solidFill>
@@ -23392,15 +23906,9 @@
               <a:rPr lang="fr-FR" sz="1200" dirty="0">
                 <a:hlinkClick r:id="rId7"/>
               </a:rPr>
-              <a:t>https://kubernetes.io</a:t>
-            </a:r>
-            <a:r>
-              <a:rPr lang="fr-FR" sz="1200" dirty="0" smtClean="0">
-                <a:hlinkClick r:id="rId7"/>
-              </a:rPr>
-              <a:t>/</a:t>
-            </a:r>
-            <a:endParaRPr lang="fr-FR" sz="1200" dirty="0" smtClean="0"/>
+              <a:t>https://kubernetes.io/</a:t>
+            </a:r>
+            <a:endParaRPr lang="fr-FR" sz="1200" dirty="0"/>
           </a:p>
           <a:p>
             <a:r>
@@ -23437,13 +23945,6 @@
   <p:clrMapOvr>
     <a:masterClrMapping/>
   </p:clrMapOvr>
-  <p:timing>
-    <p:tnLst>
-      <p:par>
-        <p:cTn id="1" dur="indefinite" restart="never" nodeType="tmRoot"/>
-      </p:par>
-    </p:tnLst>
-  </p:timing>
 </p:sld>
 </file>
 
@@ -23501,7 +24002,7 @@
             <a:lstStyle/>
             <a:p>
               <a:r>
-                <a:rPr lang="fr-FR" sz="4000" b="1" dirty="0" smtClean="0">
+                <a:rPr lang="fr-FR" sz="4000" b="1" dirty="0">
                   <a:latin typeface="Lato Regular" panose="020F0502020204030203" pitchFamily="34" charset="0"/>
                   <a:ea typeface="Lato Regular" panose="020F0502020204030203" pitchFamily="34" charset="0"/>
                   <a:cs typeface="Lato Regular" panose="020F0502020204030203" pitchFamily="34" charset="0"/>
@@ -23735,7 +24236,7 @@
               <a:buNone/>
             </a:pPr>
             <a:r>
-              <a:rPr lang="fr-FR" sz="2000" dirty="0" smtClean="0">
+              <a:rPr lang="fr-FR" sz="2000" dirty="0">
                 <a:solidFill>
                   <a:schemeClr val="tx2"/>
                 </a:solidFill>
@@ -23750,7 +24251,7 @@
               <a:buNone/>
             </a:pPr>
             <a:r>
-              <a:rPr lang="fr-FR" sz="1600" dirty="0" smtClean="0">
+              <a:rPr lang="fr-FR" sz="1600" dirty="0">
                 <a:solidFill>
                   <a:schemeClr val="tx2"/>
                 </a:solidFill>
@@ -23765,7 +24266,7 @@
               <a:buNone/>
             </a:pPr>
             <a:r>
-              <a:rPr lang="fr-FR" sz="1600" i="1" dirty="0" smtClean="0">
+              <a:rPr lang="fr-FR" sz="1600" i="1" dirty="0">
                 <a:solidFill>
                   <a:schemeClr val="tx2"/>
                 </a:solidFill>
@@ -23774,13 +24275,6 @@
               </a:rPr>
               <a:t>Psychologies.com</a:t>
             </a:r>
-            <a:endParaRPr lang="fr-FR" sz="1600" i="1" dirty="0">
-              <a:solidFill>
-                <a:schemeClr val="tx2"/>
-              </a:solidFill>
-              <a:latin typeface="Lato Light"/>
-              <a:cs typeface="Lato Light"/>
-            </a:endParaRPr>
           </a:p>
         </p:txBody>
       </p:sp>
@@ -23794,13 +24288,6 @@
   <p:clrMapOvr>
     <a:masterClrMapping/>
   </p:clrMapOvr>
-  <p:timing>
-    <p:tnLst>
-      <p:par>
-        <p:cTn id="1" dur="indefinite" restart="never" nodeType="tmRoot"/>
-      </p:par>
-    </p:tnLst>
-  </p:timing>
 </p:sld>
 </file>
 
@@ -23858,7 +24345,7 @@
             <a:lstStyle/>
             <a:p>
               <a:r>
-                <a:rPr lang="fr-FR" sz="4000" b="1" dirty="0" smtClean="0">
+                <a:rPr lang="fr-FR" sz="4000" b="1" dirty="0">
                   <a:latin typeface="Lato Regular" panose="020F0502020204030203" pitchFamily="34" charset="0"/>
                   <a:ea typeface="Lato Regular" panose="020F0502020204030203" pitchFamily="34" charset="0"/>
                   <a:cs typeface="Lato Regular" panose="020F0502020204030203" pitchFamily="34" charset="0"/>
@@ -24089,7 +24576,7 @@
               <a:buNone/>
             </a:pPr>
             <a:r>
-              <a:rPr lang="fr-FR" sz="2000" dirty="0" smtClean="0">
+              <a:rPr lang="fr-FR" sz="2000" dirty="0">
                 <a:solidFill>
                   <a:schemeClr val="tx2"/>
                 </a:solidFill>
@@ -24104,34 +24591,14 @@
               <a:buNone/>
             </a:pPr>
             <a:r>
-              <a:rPr lang="fr-FR" sz="1600" dirty="0" smtClean="0">
+              <a:rPr lang="fr-FR" sz="1600" dirty="0">
                 <a:solidFill>
                   <a:schemeClr val="tx2"/>
                 </a:solidFill>
                 <a:latin typeface="Lato Light"/>
                 <a:cs typeface="Lato Light"/>
               </a:rPr>
-              <a:t>« </a:t>
-            </a:r>
-            <a:r>
-              <a:rPr lang="fr-FR" sz="1600" dirty="0">
-                <a:solidFill>
-                  <a:schemeClr val="tx2"/>
-                </a:solidFill>
-                <a:latin typeface="Lato Light"/>
-                <a:cs typeface="Lato Light"/>
-              </a:rPr>
-              <a:t>Le Chaos Engineering est la discipline de l’expérimentation sur un système distribué afin de renforcer la confiance dans la capacité du système à résister à des conditions turbulentes en </a:t>
-            </a:r>
-            <a:r>
-              <a:rPr lang="fr-FR" sz="1600" dirty="0" smtClean="0">
-                <a:solidFill>
-                  <a:schemeClr val="tx2"/>
-                </a:solidFill>
-                <a:latin typeface="Lato Light"/>
-                <a:cs typeface="Lato Light"/>
-              </a:rPr>
-              <a:t>production. »</a:t>
+              <a:t>« Le Chaos Engineering est la discipline de l’expérimentation sur un système distribué afin de renforcer la confiance dans la capacité du système à résister à des conditions turbulentes en production. »</a:t>
             </a:r>
           </a:p>
           <a:p>
@@ -24139,7 +24606,7 @@
               <a:buNone/>
             </a:pPr>
             <a:r>
-              <a:rPr lang="fr-FR" sz="1600" i="1" dirty="0" err="1" smtClean="0">
+              <a:rPr lang="fr-FR" sz="1600" i="1" dirty="0" err="1">
                 <a:solidFill>
                   <a:schemeClr val="tx2"/>
                 </a:solidFill>
@@ -24149,7 +24616,7 @@
               <a:t>Netflix</a:t>
             </a:r>
             <a:r>
-              <a:rPr lang="fr-FR" sz="1600" i="1" dirty="0" smtClean="0">
+              <a:rPr lang="fr-FR" sz="1600" i="1" dirty="0">
                 <a:solidFill>
                   <a:schemeClr val="tx2"/>
                 </a:solidFill>
@@ -24159,7 +24626,7 @@
               <a:t> – </a:t>
             </a:r>
             <a:r>
-              <a:rPr lang="fr-FR" sz="1600" i="1" dirty="0" err="1" smtClean="0">
+              <a:rPr lang="fr-FR" sz="1600" i="1" dirty="0" err="1">
                 <a:solidFill>
                   <a:schemeClr val="tx2"/>
                 </a:solidFill>
@@ -24169,7 +24636,7 @@
               <a:t>Principles</a:t>
             </a:r>
             <a:r>
-              <a:rPr lang="fr-FR" sz="1600" i="1" dirty="0" smtClean="0">
+              <a:rPr lang="fr-FR" sz="1600" i="1" dirty="0">
                 <a:solidFill>
                   <a:schemeClr val="tx2"/>
                 </a:solidFill>
@@ -24350,34 +24817,14 @@
               <a:buNone/>
             </a:pPr>
             <a:r>
-              <a:rPr lang="fr-FR" sz="1600" dirty="0" smtClean="0">
+              <a:rPr lang="fr-FR" sz="1600" dirty="0">
                 <a:solidFill>
                   <a:schemeClr val="tx2"/>
                 </a:solidFill>
                 <a:latin typeface="Lato Light"/>
                 <a:cs typeface="Lato Light"/>
               </a:rPr>
-              <a:t>« Le </a:t>
-            </a:r>
-            <a:r>
-              <a:rPr lang="fr-FR" sz="1600" dirty="0">
-                <a:solidFill>
-                  <a:schemeClr val="tx2"/>
-                </a:solidFill>
-                <a:latin typeface="Lato Light"/>
-                <a:cs typeface="Lato Light"/>
-              </a:rPr>
-              <a:t>Chaos Engineering est la discipline de l’expérimentation par la destruction ou la dégradation partielle des composants d’une infrastructure de production en vue de vérifier sa </a:t>
-            </a:r>
-            <a:r>
-              <a:rPr lang="fr-FR" sz="1600" dirty="0" smtClean="0">
-                <a:solidFill>
-                  <a:schemeClr val="tx2"/>
-                </a:solidFill>
-                <a:latin typeface="Lato Light"/>
-                <a:cs typeface="Lato Light"/>
-              </a:rPr>
-              <a:t>résilience »</a:t>
+              <a:t>« Le Chaos Engineering est la discipline de l’expérimentation par la destruction ou la dégradation partielle des composants d’une infrastructure de production en vue de vérifier sa résilience »</a:t>
             </a:r>
           </a:p>
           <a:p>
@@ -24395,7 +24842,7 @@
               <a:t>Benjamin </a:t>
             </a:r>
             <a:r>
-              <a:rPr lang="fr-FR" sz="1600" i="1" dirty="0" err="1" smtClean="0">
+              <a:rPr lang="fr-FR" sz="1600" i="1" dirty="0" err="1">
                 <a:solidFill>
                   <a:schemeClr val="tx2"/>
                 </a:solidFill>
@@ -24404,7 +24851,7 @@
               </a:rPr>
               <a:t>Gakic</a:t>
             </a:r>
-            <a:endParaRPr lang="fr-FR" sz="1600" i="1" dirty="0" smtClean="0">
+            <a:endParaRPr lang="fr-FR" sz="1600" i="1" dirty="0">
               <a:solidFill>
                 <a:schemeClr val="tx2"/>
               </a:solidFill>
@@ -24713,7 +25160,7 @@
             <a:lstStyle/>
             <a:p>
               <a:r>
-                <a:rPr lang="fr-FR" sz="4000" b="1" dirty="0" smtClean="0">
+                <a:rPr lang="fr-FR" sz="4000" b="1" dirty="0">
                   <a:latin typeface="Lato Regular" panose="020F0502020204030203" pitchFamily="34" charset="0"/>
                   <a:ea typeface="Lato Regular" panose="020F0502020204030203" pitchFamily="34" charset="0"/>
                   <a:cs typeface="Lato Regular" panose="020F0502020204030203" pitchFamily="34" charset="0"/>
@@ -24721,7 +25168,7 @@
                 <a:t>Ca part en </a:t>
               </a:r>
               <a:r>
-                <a:rPr lang="fr-FR" sz="4000" b="1" dirty="0" err="1" smtClean="0">
+                <a:rPr lang="fr-FR" sz="4000" b="1" dirty="0" err="1">
                   <a:latin typeface="Lato Regular" panose="020F0502020204030203" pitchFamily="34" charset="0"/>
                   <a:ea typeface="Lato Regular" panose="020F0502020204030203" pitchFamily="34" charset="0"/>
                   <a:cs typeface="Lato Regular" panose="020F0502020204030203" pitchFamily="34" charset="0"/>
@@ -24729,7 +25176,7 @@
                 <a:t>prod</a:t>
               </a:r>
               <a:r>
-                <a:rPr lang="fr-FR" sz="4000" b="1" dirty="0" smtClean="0">
+                <a:rPr lang="fr-FR" sz="4000" b="1" dirty="0">
                   <a:latin typeface="Lato Regular" panose="020F0502020204030203" pitchFamily="34" charset="0"/>
                   <a:ea typeface="Lato Regular" panose="020F0502020204030203" pitchFamily="34" charset="0"/>
                   <a:cs typeface="Lato Regular" panose="020F0502020204030203" pitchFamily="34" charset="0"/>
@@ -24960,7 +25407,7 @@
               <a:buNone/>
             </a:pPr>
             <a:r>
-              <a:rPr lang="fr-FR" sz="2000" dirty="0" smtClean="0">
+              <a:rPr lang="fr-FR" sz="2000" dirty="0">
                 <a:solidFill>
                   <a:schemeClr val="tx2"/>
                 </a:solidFill>
@@ -25034,15 +25481,7 @@
                 <a:ea typeface="Lato Light" panose="020F0502020204030203" pitchFamily="34" charset="0"/>
                 <a:cs typeface="Lato Light" panose="020F0502020204030203" pitchFamily="34" charset="0"/>
               </a:rPr>
-              <a:t> </a:t>
-            </a:r>
-            <a:r>
-              <a:rPr lang="fr-FR" dirty="0" smtClean="0">
-                <a:latin typeface="Lato Light" panose="020F0502020204030203" pitchFamily="34" charset="0"/>
-                <a:ea typeface="Lato Light" panose="020F0502020204030203" pitchFamily="34" charset="0"/>
-                <a:cs typeface="Lato Light" panose="020F0502020204030203" pitchFamily="34" charset="0"/>
-              </a:rPr>
-              <a:t>!</a:t>
+              <a:t> !</a:t>
             </a:r>
           </a:p>
           <a:p>
@@ -25074,13 +25513,6 @@
   <p:clrMapOvr>
     <a:masterClrMapping/>
   </p:clrMapOvr>
-  <p:timing>
-    <p:tnLst>
-      <p:par>
-        <p:cTn id="1" dur="indefinite" restart="never" nodeType="tmRoot"/>
-      </p:par>
-    </p:tnLst>
-  </p:timing>
 </p:sld>
 </file>
 
@@ -25138,7 +25570,7 @@
             <a:lstStyle/>
             <a:p>
               <a:r>
-                <a:rPr lang="fr-FR" sz="4000" b="1" dirty="0" smtClean="0">
+                <a:rPr lang="fr-FR" sz="4000" b="1" dirty="0">
                   <a:latin typeface="Lato Regular" panose="020F0502020204030203" pitchFamily="34" charset="0"/>
                   <a:ea typeface="Lato Regular" panose="020F0502020204030203" pitchFamily="34" charset="0"/>
                   <a:cs typeface="Lato Regular" panose="020F0502020204030203" pitchFamily="34" charset="0"/>
@@ -25590,13 +26022,6 @@
   <p:clrMapOvr>
     <a:masterClrMapping/>
   </p:clrMapOvr>
-  <p:timing>
-    <p:tnLst>
-      <p:par>
-        <p:cTn id="1" dur="indefinite" restart="never" nodeType="tmRoot"/>
-      </p:par>
-    </p:tnLst>
-  </p:timing>
 </p:sld>
 </file>
 
@@ -25654,7 +26079,7 @@
             <a:lstStyle/>
             <a:p>
               <a:r>
-                <a:rPr lang="fr-FR" sz="4000" b="1" dirty="0" smtClean="0">
+                <a:rPr lang="fr-FR" sz="4000" b="1" dirty="0">
                   <a:latin typeface="Lato Regular" panose="020F0502020204030203" pitchFamily="34" charset="0"/>
                   <a:ea typeface="Lato Regular" panose="020F0502020204030203" pitchFamily="34" charset="0"/>
                   <a:cs typeface="Lato Regular" panose="020F0502020204030203" pitchFamily="34" charset="0"/>
@@ -25882,7 +26307,7 @@
           </a:lstStyle>
           <a:p>
             <a:r>
-              <a:rPr lang="fr-FR" sz="2800" dirty="0" smtClean="0">
+              <a:rPr lang="fr-FR" sz="2800" dirty="0">
                 <a:solidFill>
                   <a:schemeClr val="tx2"/>
                 </a:solidFill>
@@ -25894,7 +26319,7 @@
           </a:p>
           <a:p>
             <a:r>
-              <a:rPr lang="fr-FR" sz="2800" dirty="0" smtClean="0">
+              <a:rPr lang="fr-FR" sz="2800" dirty="0">
                 <a:solidFill>
                   <a:schemeClr val="tx2"/>
                 </a:solidFill>
@@ -25907,7 +26332,7 @@
           <a:p>
             <a:pPr lvl="1"/>
             <a:r>
-              <a:rPr lang="fr-FR" sz="2000" dirty="0" smtClean="0">
+              <a:rPr lang="fr-FR" sz="2000" dirty="0">
                 <a:solidFill>
                   <a:schemeClr val="tx2"/>
                 </a:solidFill>
@@ -25917,7 +26342,7 @@
               <a:t>Mutation </a:t>
             </a:r>
             <a:r>
-              <a:rPr lang="fr-FR" sz="2000" dirty="0" err="1" smtClean="0">
+              <a:rPr lang="fr-FR" sz="2000" dirty="0" err="1">
                 <a:solidFill>
                   <a:schemeClr val="tx2"/>
                 </a:solidFill>
@@ -25926,7 +26351,7 @@
               </a:rPr>
               <a:t>testing</a:t>
             </a:r>
-            <a:endParaRPr lang="fr-FR" sz="2000" dirty="0" smtClean="0">
+            <a:endParaRPr lang="fr-FR" sz="2000" dirty="0">
               <a:solidFill>
                 <a:schemeClr val="tx2"/>
               </a:solidFill>
@@ -25937,7 +26362,7 @@
           <a:p>
             <a:pPr lvl="1"/>
             <a:r>
-              <a:rPr lang="fr-FR" sz="2000" dirty="0" smtClean="0">
+              <a:rPr lang="fr-FR" sz="2000" dirty="0">
                 <a:solidFill>
                   <a:schemeClr val="tx2"/>
                 </a:solidFill>
@@ -25950,7 +26375,7 @@
           <a:p>
             <a:pPr lvl="1"/>
             <a:r>
-              <a:rPr lang="fr-FR" sz="2000" dirty="0" smtClean="0">
+              <a:rPr lang="fr-FR" sz="2000" dirty="0">
                 <a:solidFill>
                   <a:schemeClr val="tx2"/>
                 </a:solidFill>
@@ -25962,7 +26387,7 @@
           </a:p>
           <a:p>
             <a:r>
-              <a:rPr lang="fr-FR" sz="2800" dirty="0" smtClean="0">
+              <a:rPr lang="fr-FR" sz="2800" dirty="0">
                 <a:solidFill>
                   <a:schemeClr val="tx2"/>
                 </a:solidFill>
@@ -25974,7 +26399,7 @@
           </a:p>
           <a:p>
             <a:r>
-              <a:rPr lang="fr-FR" sz="2800" dirty="0" err="1" smtClean="0">
+              <a:rPr lang="fr-FR" sz="2800" dirty="0" err="1">
                 <a:solidFill>
                   <a:schemeClr val="tx2"/>
                 </a:solidFill>
@@ -26181,13 +26606,6 @@
   <p:clrMapOvr>
     <a:masterClrMapping/>
   </p:clrMapOvr>
-  <p:timing>
-    <p:tnLst>
-      <p:par>
-        <p:cTn id="1" dur="indefinite" restart="never" nodeType="tmRoot"/>
-      </p:par>
-    </p:tnLst>
-  </p:timing>
 </p:sld>
 </file>
 
@@ -26245,7 +26663,7 @@
             <a:lstStyle/>
             <a:p>
               <a:r>
-                <a:rPr lang="fr-FR" sz="4000" b="1" dirty="0" smtClean="0">
+                <a:rPr lang="fr-FR" sz="4000" b="1" dirty="0">
                   <a:latin typeface="Lato Regular" panose="020F0502020204030203" pitchFamily="34" charset="0"/>
                   <a:ea typeface="Lato Regular" panose="020F0502020204030203" pitchFamily="34" charset="0"/>
                   <a:cs typeface="Lato Regular" panose="020F0502020204030203" pitchFamily="34" charset="0"/>
@@ -26253,7 +26671,7 @@
                 <a:t>Chapitre 1 : Mutation </a:t>
               </a:r>
               <a:r>
-                <a:rPr lang="fr-FR" sz="4000" b="1" dirty="0" err="1" smtClean="0">
+                <a:rPr lang="fr-FR" sz="4000" b="1" dirty="0" err="1">
                   <a:latin typeface="Lato Regular" panose="020F0502020204030203" pitchFamily="34" charset="0"/>
                   <a:ea typeface="Lato Regular" panose="020F0502020204030203" pitchFamily="34" charset="0"/>
                   <a:cs typeface="Lato Regular" panose="020F0502020204030203" pitchFamily="34" charset="0"/>
@@ -26484,7 +26902,7 @@
               <a:buNone/>
             </a:pPr>
             <a:r>
-              <a:rPr lang="fr-FR" sz="2000" dirty="0" smtClean="0">
+              <a:rPr lang="fr-FR" sz="2000" dirty="0">
                 <a:solidFill>
                   <a:schemeClr val="tx2"/>
                 </a:solidFill>
@@ -26558,15 +26976,7 @@
                 <a:ea typeface="Lato Light" panose="020F0502020204030203" pitchFamily="34" charset="0"/>
                 <a:cs typeface="Lato Light" panose="020F0502020204030203" pitchFamily="34" charset="0"/>
               </a:rPr>
-              <a:t> </a:t>
-            </a:r>
-            <a:r>
-              <a:rPr lang="fr-FR" dirty="0" smtClean="0">
-                <a:latin typeface="Lato Light" panose="020F0502020204030203" pitchFamily="34" charset="0"/>
-                <a:ea typeface="Lato Light" panose="020F0502020204030203" pitchFamily="34" charset="0"/>
-                <a:cs typeface="Lato Light" panose="020F0502020204030203" pitchFamily="34" charset="0"/>
-              </a:rPr>
-              <a:t>!!</a:t>
+              <a:t> !!</a:t>
             </a:r>
           </a:p>
           <a:p>
@@ -26578,69 +26988,29 @@
           </a:p>
           <a:p>
             <a:r>
-              <a:rPr lang="fr-FR" dirty="0" smtClean="0">
-                <a:latin typeface="Lato Light" panose="020F0502020204030203" pitchFamily="34" charset="0"/>
-                <a:ea typeface="Lato Light" panose="020F0502020204030203" pitchFamily="34" charset="0"/>
-                <a:cs typeface="Lato Light" panose="020F0502020204030203" pitchFamily="34" charset="0"/>
-              </a:rPr>
-              <a:t>Pourtant</a:t>
-            </a:r>
-            <a:r>
               <a:rPr lang="fr-FR" dirty="0">
                 <a:latin typeface="Lato Light" panose="020F0502020204030203" pitchFamily="34" charset="0"/>
                 <a:ea typeface="Lato Light" panose="020F0502020204030203" pitchFamily="34" charset="0"/>
                 <a:cs typeface="Lato Light" panose="020F0502020204030203" pitchFamily="34" charset="0"/>
               </a:rPr>
-              <a:t>, les tests unitaires passaient au vert ! Et la couverture de tests est </a:t>
-            </a:r>
-            <a:r>
-              <a:rPr lang="fr-FR" dirty="0" smtClean="0">
-                <a:latin typeface="Lato Light" panose="020F0502020204030203" pitchFamily="34" charset="0"/>
-                <a:ea typeface="Lato Light" panose="020F0502020204030203" pitchFamily="34" charset="0"/>
-                <a:cs typeface="Lato Light" panose="020F0502020204030203" pitchFamily="34" charset="0"/>
-              </a:rPr>
-              <a:t>presque à </a:t>
-            </a:r>
+              <a:t>Pourtant, les tests unitaires passaient au vert ! Et la couverture de tests est presque à 100% sur l'ensemble de notre code métier !</a:t>
+            </a:r>
+          </a:p>
+          <a:p>
+            <a:endParaRPr lang="fr-FR" dirty="0">
+              <a:latin typeface="Lato Light" panose="020F0502020204030203" pitchFamily="34" charset="0"/>
+              <a:ea typeface="Lato Light" panose="020F0502020204030203" pitchFamily="34" charset="0"/>
+              <a:cs typeface="Lato Light" panose="020F0502020204030203" pitchFamily="34" charset="0"/>
+            </a:endParaRPr>
+          </a:p>
+          <a:p>
             <a:r>
               <a:rPr lang="fr-FR" dirty="0">
                 <a:latin typeface="Lato Light" panose="020F0502020204030203" pitchFamily="34" charset="0"/>
                 <a:ea typeface="Lato Light" panose="020F0502020204030203" pitchFamily="34" charset="0"/>
                 <a:cs typeface="Lato Light" panose="020F0502020204030203" pitchFamily="34" charset="0"/>
               </a:rPr>
-              <a:t>100% sur l'ensemble de notre code métier </a:t>
-            </a:r>
-            <a:r>
-              <a:rPr lang="fr-FR" dirty="0" smtClean="0">
-                <a:latin typeface="Lato Light" panose="020F0502020204030203" pitchFamily="34" charset="0"/>
-                <a:ea typeface="Lato Light" panose="020F0502020204030203" pitchFamily="34" charset="0"/>
-                <a:cs typeface="Lato Light" panose="020F0502020204030203" pitchFamily="34" charset="0"/>
-              </a:rPr>
-              <a:t>!</a:t>
-            </a:r>
-          </a:p>
-          <a:p>
-            <a:endParaRPr lang="fr-FR" dirty="0">
-              <a:latin typeface="Lato Light" panose="020F0502020204030203" pitchFamily="34" charset="0"/>
-              <a:ea typeface="Lato Light" panose="020F0502020204030203" pitchFamily="34" charset="0"/>
-              <a:cs typeface="Lato Light" panose="020F0502020204030203" pitchFamily="34" charset="0"/>
-            </a:endParaRPr>
-          </a:p>
-          <a:p>
-            <a:r>
-              <a:rPr lang="fr-FR" dirty="0" smtClean="0">
-                <a:latin typeface="Lato Light" panose="020F0502020204030203" pitchFamily="34" charset="0"/>
-                <a:ea typeface="Lato Light" panose="020F0502020204030203" pitchFamily="34" charset="0"/>
-                <a:cs typeface="Lato Light" panose="020F0502020204030203" pitchFamily="34" charset="0"/>
-              </a:rPr>
-              <a:t>A </a:t>
-            </a:r>
-            <a:r>
-              <a:rPr lang="fr-FR" dirty="0">
-                <a:latin typeface="Lato Light" panose="020F0502020204030203" pitchFamily="34" charset="0"/>
-                <a:ea typeface="Lato Light" panose="020F0502020204030203" pitchFamily="34" charset="0"/>
-                <a:cs typeface="Lato Light" panose="020F0502020204030203" pitchFamily="34" charset="0"/>
-              </a:rPr>
-              <a:t>un mois de la MEP, doit t'on blâmer le stagiaire ou l'auteur des tests unitaires ? Comment aurait-on pu éviter d'avoir des TU inutiles ?”</a:t>
+              <a:t>A un mois de la MEP, doit t'on blâmer le stagiaire ou l'auteur des tests unitaires ? Comment aurait-on pu éviter d'avoir des TU inutiles ?”</a:t>
             </a:r>
           </a:p>
         </p:txBody>
@@ -26655,13 +27025,6 @@
   <p:clrMapOvr>
     <a:masterClrMapping/>
   </p:clrMapOvr>
-  <p:timing>
-    <p:tnLst>
-      <p:par>
-        <p:cTn id="1" dur="indefinite" restart="never" nodeType="tmRoot"/>
-      </p:par>
-    </p:tnLst>
-  </p:timing>
 </p:sld>
 </file>
 

--- a/Hands-On -Chaos - SLIDES.pptx
+++ b/Hands-On -Chaos - SLIDES.pptx
@@ -6,10 +6,10 @@
     <p:sldMasterId id="2147483660" r:id="rId2"/>
   </p:sldMasterIdLst>
   <p:notesMasterIdLst>
-    <p:notesMasterId r:id="rId36"/>
+    <p:notesMasterId r:id="rId39"/>
   </p:notesMasterIdLst>
   <p:handoutMasterIdLst>
-    <p:handoutMasterId r:id="rId37"/>
+    <p:handoutMasterId r:id="rId40"/>
   </p:handoutMasterIdLst>
   <p:sldIdLst>
     <p:sldId id="288" r:id="rId3"/>
@@ -37,14 +37,17 @@
     <p:sldId id="343" r:id="rId25"/>
     <p:sldId id="344" r:id="rId26"/>
     <p:sldId id="345" r:id="rId27"/>
-    <p:sldId id="361" r:id="rId28"/>
-    <p:sldId id="347" r:id="rId29"/>
-    <p:sldId id="353" r:id="rId30"/>
-    <p:sldId id="348" r:id="rId31"/>
-    <p:sldId id="349" r:id="rId32"/>
-    <p:sldId id="350" r:id="rId33"/>
-    <p:sldId id="313" r:id="rId34"/>
-    <p:sldId id="325" r:id="rId35"/>
+    <p:sldId id="364" r:id="rId28"/>
+    <p:sldId id="366" r:id="rId29"/>
+    <p:sldId id="365" r:id="rId30"/>
+    <p:sldId id="361" r:id="rId31"/>
+    <p:sldId id="347" r:id="rId32"/>
+    <p:sldId id="353" r:id="rId33"/>
+    <p:sldId id="348" r:id="rId34"/>
+    <p:sldId id="349" r:id="rId35"/>
+    <p:sldId id="350" r:id="rId36"/>
+    <p:sldId id="313" r:id="rId37"/>
+    <p:sldId id="325" r:id="rId38"/>
   </p:sldIdLst>
   <p:sldSz cx="12192000" cy="6858000"/>
   <p:notesSz cx="6858000" cy="9144000"/>
@@ -177,6 +180,9 @@
             <p14:sldId id="343"/>
             <p14:sldId id="344"/>
             <p14:sldId id="345"/>
+            <p14:sldId id="364"/>
+            <p14:sldId id="366"/>
+            <p14:sldId id="365"/>
             <p14:sldId id="361"/>
             <p14:sldId id="347"/>
             <p14:sldId id="353"/>
@@ -292,7 +298,7 @@
           <a:p>
             <a:fld id="{BCD16842-9240-4F97-A128-A3FC2E90277F}" type="datetimeFigureOut">
               <a:rPr lang="fr-FR" smtClean="0"/>
-              <a:t>22/01/2020</a:t>
+              <a:t>23/01/2020</a:t>
             </a:fld>
             <a:endParaRPr lang="fr-FR"/>
           </a:p>
@@ -457,7 +463,7 @@
           <a:p>
             <a:fld id="{066C0EB5-041C-4328-9080-E341B2C6238F}" type="datetimeFigureOut">
               <a:rPr lang="fr-FR" smtClean="0"/>
-              <a:t>22/01/2020</a:t>
+              <a:t>23/01/2020</a:t>
             </a:fld>
             <a:endParaRPr lang="fr-FR"/>
           </a:p>
@@ -1903,22 +1909,6 @@
           <a:bodyPr/>
           <a:lstStyle/>
           <a:p>
-            <a:r>
-              <a:rPr lang="fr-FR" dirty="0"/>
-              <a:t>Je</a:t>
-            </a:r>
-            <a:r>
-              <a:rPr lang="fr-FR" baseline="0" dirty="0"/>
-              <a:t> vais rajouter un </a:t>
-            </a:r>
-            <a:r>
-              <a:rPr lang="fr-FR" baseline="0" dirty="0" err="1"/>
-              <a:t>screen</a:t>
-            </a:r>
-            <a:r>
-              <a:rPr lang="fr-FR" baseline="0" dirty="0"/>
-              <a:t> ce soir</a:t>
-            </a:r>
             <a:endParaRPr lang="fr-FR" dirty="0"/>
           </a:p>
         </p:txBody>
@@ -1940,7 +1930,7 @@
           <a:p>
             <a:fld id="{B35DA622-522A-4B17-9AC4-B01778B7071C}" type="slidenum">
               <a:rPr lang="fr-FR" smtClean="0"/>
-              <a:t>27</a:t>
+              <a:t>26</a:t>
             </a:fld>
             <a:endParaRPr lang="fr-FR"/>
           </a:p>
@@ -1949,7 +1939,7 @@
     </p:spTree>
     <p:extLst>
       <p:ext uri="{BB962C8B-B14F-4D97-AF65-F5344CB8AC3E}">
-        <p14:creationId xmlns:p14="http://schemas.microsoft.com/office/powerpoint/2010/main" val="2807718690"/>
+        <p14:creationId xmlns:p14="http://schemas.microsoft.com/office/powerpoint/2010/main" val="512568943"/>
       </p:ext>
     </p:extLst>
   </p:cSld>
@@ -2003,22 +1993,6 @@
           <a:bodyPr/>
           <a:lstStyle/>
           <a:p>
-            <a:r>
-              <a:rPr lang="fr-FR" dirty="0"/>
-              <a:t>Je</a:t>
-            </a:r>
-            <a:r>
-              <a:rPr lang="fr-FR" baseline="0" dirty="0"/>
-              <a:t> vais rajouter un </a:t>
-            </a:r>
-            <a:r>
-              <a:rPr lang="fr-FR" baseline="0" dirty="0" err="1"/>
-              <a:t>screen</a:t>
-            </a:r>
-            <a:r>
-              <a:rPr lang="fr-FR" baseline="0" dirty="0"/>
-              <a:t> ce soir</a:t>
-            </a:r>
             <a:endParaRPr lang="fr-FR" dirty="0"/>
           </a:p>
         </p:txBody>
@@ -2040,7 +2014,7 @@
           <a:p>
             <a:fld id="{B35DA622-522A-4B17-9AC4-B01778B7071C}" type="slidenum">
               <a:rPr lang="fr-FR" smtClean="0"/>
-              <a:t>28</a:t>
+              <a:t>27</a:t>
             </a:fld>
             <a:endParaRPr lang="fr-FR"/>
           </a:p>
@@ -2049,7 +2023,7 @@
     </p:spTree>
     <p:extLst>
       <p:ext uri="{BB962C8B-B14F-4D97-AF65-F5344CB8AC3E}">
-        <p14:creationId xmlns:p14="http://schemas.microsoft.com/office/powerpoint/2010/main" val="3000752244"/>
+        <p14:creationId xmlns:p14="http://schemas.microsoft.com/office/powerpoint/2010/main" val="1792548634"/>
       </p:ext>
     </p:extLst>
   </p:cSld>
@@ -2103,14 +2077,7 @@
           <a:bodyPr/>
           <a:lstStyle/>
           <a:p>
-            <a:r>
-              <a:rPr lang="fr-FR" dirty="0" err="1"/>
-              <a:t>Istio</a:t>
-            </a:r>
-            <a:r>
-              <a:rPr lang="fr-FR" dirty="0"/>
-              <a:t> ?</a:t>
-            </a:r>
+            <a:endParaRPr lang="fr-FR" dirty="0"/>
           </a:p>
         </p:txBody>
       </p:sp>
@@ -2131,7 +2098,7 @@
           <a:p>
             <a:fld id="{B35DA622-522A-4B17-9AC4-B01778B7071C}" type="slidenum">
               <a:rPr lang="fr-FR" smtClean="0"/>
-              <a:t>29</a:t>
+              <a:t>28</a:t>
             </a:fld>
             <a:endParaRPr lang="fr-FR"/>
           </a:p>
@@ -2140,7 +2107,7 @@
     </p:spTree>
     <p:extLst>
       <p:ext uri="{BB962C8B-B14F-4D97-AF65-F5344CB8AC3E}">
-        <p14:creationId xmlns:p14="http://schemas.microsoft.com/office/powerpoint/2010/main" val="816172731"/>
+        <p14:creationId xmlns:p14="http://schemas.microsoft.com/office/powerpoint/2010/main" val="1212335001"/>
       </p:ext>
     </p:extLst>
   </p:cSld>
@@ -2195,13 +2162,22 @@
           <a:lstStyle/>
           <a:p>
             <a:r>
-              <a:rPr lang="fr-FR" dirty="0" err="1"/>
-              <a:t>Istio</a:t>
-            </a:r>
-            <a:r>
               <a:rPr lang="fr-FR" dirty="0"/>
-              <a:t> ?</a:t>
-            </a:r>
+              <a:t>Je</a:t>
+            </a:r>
+            <a:r>
+              <a:rPr lang="fr-FR" baseline="0" dirty="0"/>
+              <a:t> vais rajouter un </a:t>
+            </a:r>
+            <a:r>
+              <a:rPr lang="fr-FR" baseline="0" dirty="0" err="1"/>
+              <a:t>screen</a:t>
+            </a:r>
+            <a:r>
+              <a:rPr lang="fr-FR" baseline="0" dirty="0"/>
+              <a:t> ce soir</a:t>
+            </a:r>
+            <a:endParaRPr lang="fr-FR" dirty="0"/>
           </a:p>
         </p:txBody>
       </p:sp>
@@ -2222,7 +2198,7 @@
           <a:p>
             <a:fld id="{B35DA622-522A-4B17-9AC4-B01778B7071C}" type="slidenum">
               <a:rPr lang="fr-FR" smtClean="0"/>
-              <a:t>31</a:t>
+              <a:t>30</a:t>
             </a:fld>
             <a:endParaRPr lang="fr-FR"/>
           </a:p>
@@ -2231,7 +2207,7 @@
     </p:spTree>
     <p:extLst>
       <p:ext uri="{BB962C8B-B14F-4D97-AF65-F5344CB8AC3E}">
-        <p14:creationId xmlns:p14="http://schemas.microsoft.com/office/powerpoint/2010/main" val="3457319006"/>
+        <p14:creationId xmlns:p14="http://schemas.microsoft.com/office/powerpoint/2010/main" val="2807718690"/>
       </p:ext>
     </p:extLst>
   </p:cSld>
@@ -2423,6 +2399,288 @@
     <p:extLst>
       <p:ext uri="{BB962C8B-B14F-4D97-AF65-F5344CB8AC3E}">
         <p14:creationId xmlns:p14="http://schemas.microsoft.com/office/powerpoint/2010/main" val="960408799"/>
+      </p:ext>
+    </p:extLst>
+  </p:cSld>
+  <p:clrMapOvr>
+    <a:masterClrMapping/>
+  </p:clrMapOvr>
+</p:notes>
+</file>
+
+<file path=ppt/notesSlides/notesSlide20.xml><?xml version="1.0" encoding="utf-8"?>
+<p:notes xmlns:a="http://schemas.openxmlformats.org/drawingml/2006/main" xmlns:r="http://schemas.openxmlformats.org/officeDocument/2006/relationships" xmlns:p="http://schemas.openxmlformats.org/presentationml/2006/main">
+  <p:cSld>
+    <p:spTree>
+      <p:nvGrpSpPr>
+        <p:cNvPr id="1" name=""/>
+        <p:cNvGrpSpPr/>
+        <p:nvPr/>
+      </p:nvGrpSpPr>
+      <p:grpSpPr>
+        <a:xfrm>
+          <a:off x="0" y="0"/>
+          <a:ext cx="0" cy="0"/>
+          <a:chOff x="0" y="0"/>
+          <a:chExt cx="0" cy="0"/>
+        </a:xfrm>
+      </p:grpSpPr>
+      <p:sp>
+        <p:nvSpPr>
+          <p:cNvPr id="2" name="Espace réservé de l'image des diapositives 1"/>
+          <p:cNvSpPr>
+            <a:spLocks noGrp="1" noRot="1" noChangeAspect="1"/>
+          </p:cNvSpPr>
+          <p:nvPr>
+            <p:ph type="sldImg"/>
+          </p:nvPr>
+        </p:nvSpPr>
+        <p:spPr/>
+      </p:sp>
+      <p:sp>
+        <p:nvSpPr>
+          <p:cNvPr id="3" name="Espace réservé des notes 2"/>
+          <p:cNvSpPr>
+            <a:spLocks noGrp="1"/>
+          </p:cNvSpPr>
+          <p:nvPr>
+            <p:ph type="body" idx="1"/>
+          </p:nvPr>
+        </p:nvSpPr>
+        <p:spPr/>
+        <p:txBody>
+          <a:bodyPr/>
+          <a:lstStyle/>
+          <a:p>
+            <a:r>
+              <a:rPr lang="fr-FR" dirty="0"/>
+              <a:t>Je</a:t>
+            </a:r>
+            <a:r>
+              <a:rPr lang="fr-FR" baseline="0" dirty="0"/>
+              <a:t> vais rajouter un </a:t>
+            </a:r>
+            <a:r>
+              <a:rPr lang="fr-FR" baseline="0" dirty="0" err="1"/>
+              <a:t>screen</a:t>
+            </a:r>
+            <a:r>
+              <a:rPr lang="fr-FR" baseline="0" dirty="0"/>
+              <a:t> ce soir</a:t>
+            </a:r>
+            <a:endParaRPr lang="fr-FR" dirty="0"/>
+          </a:p>
+        </p:txBody>
+      </p:sp>
+      <p:sp>
+        <p:nvSpPr>
+          <p:cNvPr id="4" name="Espace réservé du numéro de diapositive 3"/>
+          <p:cNvSpPr>
+            <a:spLocks noGrp="1"/>
+          </p:cNvSpPr>
+          <p:nvPr>
+            <p:ph type="sldNum" sz="quarter" idx="10"/>
+          </p:nvPr>
+        </p:nvSpPr>
+        <p:spPr/>
+        <p:txBody>
+          <a:bodyPr/>
+          <a:lstStyle/>
+          <a:p>
+            <a:fld id="{B35DA622-522A-4B17-9AC4-B01778B7071C}" type="slidenum">
+              <a:rPr lang="fr-FR" smtClean="0"/>
+              <a:t>31</a:t>
+            </a:fld>
+            <a:endParaRPr lang="fr-FR"/>
+          </a:p>
+        </p:txBody>
+      </p:sp>
+    </p:spTree>
+    <p:extLst>
+      <p:ext uri="{BB962C8B-B14F-4D97-AF65-F5344CB8AC3E}">
+        <p14:creationId xmlns:p14="http://schemas.microsoft.com/office/powerpoint/2010/main" val="3000752244"/>
+      </p:ext>
+    </p:extLst>
+  </p:cSld>
+  <p:clrMapOvr>
+    <a:masterClrMapping/>
+  </p:clrMapOvr>
+</p:notes>
+</file>
+
+<file path=ppt/notesSlides/notesSlide21.xml><?xml version="1.0" encoding="utf-8"?>
+<p:notes xmlns:a="http://schemas.openxmlformats.org/drawingml/2006/main" xmlns:r="http://schemas.openxmlformats.org/officeDocument/2006/relationships" xmlns:p="http://schemas.openxmlformats.org/presentationml/2006/main">
+  <p:cSld>
+    <p:spTree>
+      <p:nvGrpSpPr>
+        <p:cNvPr id="1" name=""/>
+        <p:cNvGrpSpPr/>
+        <p:nvPr/>
+      </p:nvGrpSpPr>
+      <p:grpSpPr>
+        <a:xfrm>
+          <a:off x="0" y="0"/>
+          <a:ext cx="0" cy="0"/>
+          <a:chOff x="0" y="0"/>
+          <a:chExt cx="0" cy="0"/>
+        </a:xfrm>
+      </p:grpSpPr>
+      <p:sp>
+        <p:nvSpPr>
+          <p:cNvPr id="2" name="Espace réservé de l'image des diapositives 1"/>
+          <p:cNvSpPr>
+            <a:spLocks noGrp="1" noRot="1" noChangeAspect="1"/>
+          </p:cNvSpPr>
+          <p:nvPr>
+            <p:ph type="sldImg"/>
+          </p:nvPr>
+        </p:nvSpPr>
+        <p:spPr/>
+      </p:sp>
+      <p:sp>
+        <p:nvSpPr>
+          <p:cNvPr id="3" name="Espace réservé des notes 2"/>
+          <p:cNvSpPr>
+            <a:spLocks noGrp="1"/>
+          </p:cNvSpPr>
+          <p:nvPr>
+            <p:ph type="body" idx="1"/>
+          </p:nvPr>
+        </p:nvSpPr>
+        <p:spPr/>
+        <p:txBody>
+          <a:bodyPr/>
+          <a:lstStyle/>
+          <a:p>
+            <a:r>
+              <a:rPr lang="fr-FR" dirty="0" err="1"/>
+              <a:t>Istio</a:t>
+            </a:r>
+            <a:r>
+              <a:rPr lang="fr-FR" dirty="0"/>
+              <a:t> ?</a:t>
+            </a:r>
+          </a:p>
+        </p:txBody>
+      </p:sp>
+      <p:sp>
+        <p:nvSpPr>
+          <p:cNvPr id="4" name="Espace réservé du numéro de diapositive 3"/>
+          <p:cNvSpPr>
+            <a:spLocks noGrp="1"/>
+          </p:cNvSpPr>
+          <p:nvPr>
+            <p:ph type="sldNum" sz="quarter" idx="10"/>
+          </p:nvPr>
+        </p:nvSpPr>
+        <p:spPr/>
+        <p:txBody>
+          <a:bodyPr/>
+          <a:lstStyle/>
+          <a:p>
+            <a:fld id="{B35DA622-522A-4B17-9AC4-B01778B7071C}" type="slidenum">
+              <a:rPr lang="fr-FR" smtClean="0"/>
+              <a:t>32</a:t>
+            </a:fld>
+            <a:endParaRPr lang="fr-FR"/>
+          </a:p>
+        </p:txBody>
+      </p:sp>
+    </p:spTree>
+    <p:extLst>
+      <p:ext uri="{BB962C8B-B14F-4D97-AF65-F5344CB8AC3E}">
+        <p14:creationId xmlns:p14="http://schemas.microsoft.com/office/powerpoint/2010/main" val="816172731"/>
+      </p:ext>
+    </p:extLst>
+  </p:cSld>
+  <p:clrMapOvr>
+    <a:masterClrMapping/>
+  </p:clrMapOvr>
+</p:notes>
+</file>
+
+<file path=ppt/notesSlides/notesSlide22.xml><?xml version="1.0" encoding="utf-8"?>
+<p:notes xmlns:a="http://schemas.openxmlformats.org/drawingml/2006/main" xmlns:r="http://schemas.openxmlformats.org/officeDocument/2006/relationships" xmlns:p="http://schemas.openxmlformats.org/presentationml/2006/main">
+  <p:cSld>
+    <p:spTree>
+      <p:nvGrpSpPr>
+        <p:cNvPr id="1" name=""/>
+        <p:cNvGrpSpPr/>
+        <p:nvPr/>
+      </p:nvGrpSpPr>
+      <p:grpSpPr>
+        <a:xfrm>
+          <a:off x="0" y="0"/>
+          <a:ext cx="0" cy="0"/>
+          <a:chOff x="0" y="0"/>
+          <a:chExt cx="0" cy="0"/>
+        </a:xfrm>
+      </p:grpSpPr>
+      <p:sp>
+        <p:nvSpPr>
+          <p:cNvPr id="2" name="Espace réservé de l'image des diapositives 1"/>
+          <p:cNvSpPr>
+            <a:spLocks noGrp="1" noRot="1" noChangeAspect="1"/>
+          </p:cNvSpPr>
+          <p:nvPr>
+            <p:ph type="sldImg"/>
+          </p:nvPr>
+        </p:nvSpPr>
+        <p:spPr/>
+      </p:sp>
+      <p:sp>
+        <p:nvSpPr>
+          <p:cNvPr id="3" name="Espace réservé des notes 2"/>
+          <p:cNvSpPr>
+            <a:spLocks noGrp="1"/>
+          </p:cNvSpPr>
+          <p:nvPr>
+            <p:ph type="body" idx="1"/>
+          </p:nvPr>
+        </p:nvSpPr>
+        <p:spPr/>
+        <p:txBody>
+          <a:bodyPr/>
+          <a:lstStyle/>
+          <a:p>
+            <a:r>
+              <a:rPr lang="fr-FR" dirty="0" err="1"/>
+              <a:t>Istio</a:t>
+            </a:r>
+            <a:r>
+              <a:rPr lang="fr-FR" dirty="0"/>
+              <a:t> ?</a:t>
+            </a:r>
+          </a:p>
+        </p:txBody>
+      </p:sp>
+      <p:sp>
+        <p:nvSpPr>
+          <p:cNvPr id="4" name="Espace réservé du numéro de diapositive 3"/>
+          <p:cNvSpPr>
+            <a:spLocks noGrp="1"/>
+          </p:cNvSpPr>
+          <p:nvPr>
+            <p:ph type="sldNum" sz="quarter" idx="10"/>
+          </p:nvPr>
+        </p:nvSpPr>
+        <p:spPr/>
+        <p:txBody>
+          <a:bodyPr/>
+          <a:lstStyle/>
+          <a:p>
+            <a:fld id="{B35DA622-522A-4B17-9AC4-B01778B7071C}" type="slidenum">
+              <a:rPr lang="fr-FR" smtClean="0"/>
+              <a:t>34</a:t>
+            </a:fld>
+            <a:endParaRPr lang="fr-FR"/>
+          </a:p>
+        </p:txBody>
+      </p:sp>
+    </p:spTree>
+    <p:extLst>
+      <p:ext uri="{BB962C8B-B14F-4D97-AF65-F5344CB8AC3E}">
+        <p14:creationId xmlns:p14="http://schemas.microsoft.com/office/powerpoint/2010/main" val="3457319006"/>
       </p:ext>
     </p:extLst>
   </p:cSld>
@@ -3792,7 +4050,7 @@
           <a:p>
             <a:fld id="{53F1A578-CF54-4F7E-B632-6057828CF008}" type="datetime1">
               <a:rPr lang="fr-FR" smtClean="0"/>
-              <a:t>22/01/2020</a:t>
+              <a:t>23/01/2020</a:t>
             </a:fld>
             <a:endParaRPr lang="fr-FR"/>
           </a:p>
@@ -3970,7 +4228,7 @@
           <a:p>
             <a:fld id="{BE76CFE2-95CD-4A32-97B1-F5ACE338180B}" type="datetime1">
               <a:rPr lang="fr-FR" smtClean="0"/>
-              <a:t>22/01/2020</a:t>
+              <a:t>23/01/2020</a:t>
             </a:fld>
             <a:endParaRPr lang="fr-FR"/>
           </a:p>
@@ -4174,7 +4432,7 @@
           <a:p>
             <a:fld id="{01328BD3-3DC5-4EE9-9517-503B3CBDB3D9}" type="datetimeFigureOut">
               <a:rPr lang="fr-FR" smtClean="0"/>
-              <a:t>22/01/2020</a:t>
+              <a:t>23/01/2020</a:t>
             </a:fld>
             <a:endParaRPr lang="fr-FR"/>
           </a:p>
@@ -4382,7 +4640,7 @@
           <a:p>
             <a:fld id="{01328BD3-3DC5-4EE9-9517-503B3CBDB3D9}" type="datetimeFigureOut">
               <a:rPr lang="fr-FR" smtClean="0"/>
-              <a:t>22/01/2020</a:t>
+              <a:t>23/01/2020</a:t>
             </a:fld>
             <a:endParaRPr lang="fr-FR"/>
           </a:p>
@@ -4657,7 +4915,7 @@
           <a:p>
             <a:fld id="{01328BD3-3DC5-4EE9-9517-503B3CBDB3D9}" type="datetimeFigureOut">
               <a:rPr lang="fr-FR" smtClean="0"/>
-              <a:t>22/01/2020</a:t>
+              <a:t>23/01/2020</a:t>
             </a:fld>
             <a:endParaRPr lang="fr-FR"/>
           </a:p>
@@ -4924,7 +5182,7 @@
           <a:p>
             <a:fld id="{01328BD3-3DC5-4EE9-9517-503B3CBDB3D9}" type="datetimeFigureOut">
               <a:rPr lang="fr-FR" smtClean="0"/>
-              <a:t>22/01/2020</a:t>
+              <a:t>23/01/2020</a:t>
             </a:fld>
             <a:endParaRPr lang="fr-FR"/>
           </a:p>
@@ -5327,7 +5585,7 @@
           <a:p>
             <a:fld id="{01328BD3-3DC5-4EE9-9517-503B3CBDB3D9}" type="datetimeFigureOut">
               <a:rPr lang="fr-FR" smtClean="0"/>
-              <a:t>22/01/2020</a:t>
+              <a:t>23/01/2020</a:t>
             </a:fld>
             <a:endParaRPr lang="fr-FR"/>
           </a:p>
@@ -5476,7 +5734,7 @@
           <a:p>
             <a:fld id="{01328BD3-3DC5-4EE9-9517-503B3CBDB3D9}" type="datetimeFigureOut">
               <a:rPr lang="fr-FR" smtClean="0"/>
-              <a:t>22/01/2020</a:t>
+              <a:t>23/01/2020</a:t>
             </a:fld>
             <a:endParaRPr lang="fr-FR"/>
           </a:p>
@@ -5595,7 +5853,7 @@
           <a:p>
             <a:fld id="{01328BD3-3DC5-4EE9-9517-503B3CBDB3D9}" type="datetimeFigureOut">
               <a:rPr lang="fr-FR" smtClean="0"/>
-              <a:t>22/01/2020</a:t>
+              <a:t>23/01/2020</a:t>
             </a:fld>
             <a:endParaRPr lang="fr-FR"/>
           </a:p>
@@ -5903,7 +6161,7 @@
           <a:p>
             <a:fld id="{01328BD3-3DC5-4EE9-9517-503B3CBDB3D9}" type="datetimeFigureOut">
               <a:rPr lang="fr-FR" smtClean="0"/>
-              <a:t>22/01/2020</a:t>
+              <a:t>23/01/2020</a:t>
             </a:fld>
             <a:endParaRPr lang="fr-FR"/>
           </a:p>
@@ -6087,7 +6345,7 @@
           <a:p>
             <a:fld id="{83324017-11E6-403C-8DF0-E07D6BBD421D}" type="datetime1">
               <a:rPr lang="fr-FR" smtClean="0"/>
-              <a:t>22/01/2020</a:t>
+              <a:t>23/01/2020</a:t>
             </a:fld>
             <a:endParaRPr lang="fr-FR"/>
           </a:p>
@@ -6356,7 +6614,7 @@
           <a:p>
             <a:fld id="{01328BD3-3DC5-4EE9-9517-503B3CBDB3D9}" type="datetimeFigureOut">
               <a:rPr lang="fr-FR" smtClean="0"/>
-              <a:t>22/01/2020</a:t>
+              <a:t>23/01/2020</a:t>
             </a:fld>
             <a:endParaRPr lang="fr-FR"/>
           </a:p>
@@ -6564,7 +6822,7 @@
           <a:p>
             <a:fld id="{01328BD3-3DC5-4EE9-9517-503B3CBDB3D9}" type="datetimeFigureOut">
               <a:rPr lang="fr-FR" smtClean="0"/>
-              <a:t>22/01/2020</a:t>
+              <a:t>23/01/2020</a:t>
             </a:fld>
             <a:endParaRPr lang="fr-FR"/>
           </a:p>
@@ -6772,7 +7030,7 @@
           <a:p>
             <a:fld id="{01328BD3-3DC5-4EE9-9517-503B3CBDB3D9}" type="datetimeFigureOut">
               <a:rPr lang="fr-FR" smtClean="0"/>
-              <a:t>22/01/2020</a:t>
+              <a:t>23/01/2020</a:t>
             </a:fld>
             <a:endParaRPr lang="fr-FR"/>
           </a:p>
@@ -7033,7 +7291,7 @@
           <a:p>
             <a:fld id="{52B1F042-851C-4033-9A9B-3785B27AB717}" type="datetime1">
               <a:rPr lang="fr-FR" smtClean="0"/>
-              <a:t>22/01/2020</a:t>
+              <a:t>23/01/2020</a:t>
             </a:fld>
             <a:endParaRPr lang="fr-FR"/>
           </a:p>
@@ -7262,7 +7520,7 @@
           <a:p>
             <a:fld id="{034A8F9E-78CD-455C-818B-DD4A961B9150}" type="datetime1">
               <a:rPr lang="fr-FR" smtClean="0"/>
-              <a:t>22/01/2020</a:t>
+              <a:t>23/01/2020</a:t>
             </a:fld>
             <a:endParaRPr lang="fr-FR"/>
           </a:p>
@@ -7626,7 +7884,7 @@
           <a:p>
             <a:fld id="{81576C7E-E8E0-4F9E-BE7E-1BC578A50B5B}" type="datetime1">
               <a:rPr lang="fr-FR" smtClean="0"/>
-              <a:t>22/01/2020</a:t>
+              <a:t>23/01/2020</a:t>
             </a:fld>
             <a:endParaRPr lang="fr-FR"/>
           </a:p>
@@ -7743,7 +8001,7 @@
           <a:p>
             <a:fld id="{0A8BA257-B0C1-49B2-A417-40DAB387243E}" type="datetime1">
               <a:rPr lang="fr-FR" smtClean="0"/>
-              <a:t>22/01/2020</a:t>
+              <a:t>23/01/2020</a:t>
             </a:fld>
             <a:endParaRPr lang="fr-FR"/>
           </a:p>
@@ -7838,7 +8096,7 @@
           <a:p>
             <a:fld id="{2EA96EB8-38DB-4D23-8070-05C9711EAF8D}" type="datetime1">
               <a:rPr lang="fr-FR" smtClean="0"/>
-              <a:t>22/01/2020</a:t>
+              <a:t>23/01/2020</a:t>
             </a:fld>
             <a:endParaRPr lang="fr-FR"/>
           </a:p>
@@ -8113,7 +8371,7 @@
           <a:p>
             <a:fld id="{81D9A430-639B-403A-8AAF-759F061BDC95}" type="datetime1">
               <a:rPr lang="fr-FR" smtClean="0"/>
-              <a:t>22/01/2020</a:t>
+              <a:t>23/01/2020</a:t>
             </a:fld>
             <a:endParaRPr lang="fr-FR"/>
           </a:p>
@@ -8365,7 +8623,7 @@
           <a:p>
             <a:fld id="{06C7B113-2B35-46FF-BF45-BE2306F5FE8B}" type="datetime1">
               <a:rPr lang="fr-FR" smtClean="0"/>
-              <a:t>22/01/2020</a:t>
+              <a:t>23/01/2020</a:t>
             </a:fld>
             <a:endParaRPr lang="fr-FR"/>
           </a:p>
@@ -8576,7 +8834,7 @@
           <a:p>
             <a:fld id="{19D9C409-5ACF-4826-BD1B-C4FF95172A81}" type="datetime1">
               <a:rPr lang="fr-FR" smtClean="0"/>
-              <a:t>22/01/2020</a:t>
+              <a:t>23/01/2020</a:t>
             </a:fld>
             <a:endParaRPr lang="fr-FR"/>
           </a:p>
@@ -21148,6 +21406,1799 @@
           <a:chExt cx="0" cy="0"/>
         </a:xfrm>
       </p:grpSpPr>
+      <p:cxnSp>
+        <p:nvCxnSpPr>
+          <p:cNvPr id="43" name="Straight Connector 149">
+            <a:extLst>
+              <a:ext uri="{FF2B5EF4-FFF2-40B4-BE49-F238E27FC236}">
+                <a16:creationId xmlns:a16="http://schemas.microsoft.com/office/drawing/2014/main" id="{D8CF519D-DB01-4308-A138-A01722AD4A22}"/>
+              </a:ext>
+            </a:extLst>
+          </p:cNvPr>
+          <p:cNvCxnSpPr/>
+          <p:nvPr/>
+        </p:nvCxnSpPr>
+        <p:spPr>
+          <a:xfrm>
+            <a:off x="441410" y="3064483"/>
+            <a:ext cx="0" cy="3212358"/>
+          </a:xfrm>
+          <a:prstGeom prst="line">
+            <a:avLst/>
+          </a:prstGeom>
+          <a:ln w="12700" cmpd="sng">
+            <a:noFill/>
+          </a:ln>
+          <a:effectLst/>
+        </p:spPr>
+        <p:style>
+          <a:lnRef idx="2">
+            <a:schemeClr val="accent1"/>
+          </a:lnRef>
+          <a:fillRef idx="0">
+            <a:schemeClr val="accent1"/>
+          </a:fillRef>
+          <a:effectRef idx="1">
+            <a:schemeClr val="accent1"/>
+          </a:effectRef>
+          <a:fontRef idx="minor">
+            <a:schemeClr val="tx1"/>
+          </a:fontRef>
+        </p:style>
+      </p:cxnSp>
+      <p:grpSp>
+        <p:nvGrpSpPr>
+          <p:cNvPr id="45" name="Groupe 44"/>
+          <p:cNvGrpSpPr/>
+          <p:nvPr/>
+        </p:nvGrpSpPr>
+        <p:grpSpPr>
+          <a:xfrm>
+            <a:off x="0" y="73772"/>
+            <a:ext cx="7390641" cy="883356"/>
+            <a:chOff x="0" y="-9760"/>
+            <a:chExt cx="5918674" cy="785565"/>
+          </a:xfrm>
+        </p:grpSpPr>
+        <p:sp>
+          <p:nvSpPr>
+            <p:cNvPr id="46" name="ZoneTexte 45"/>
+            <p:cNvSpPr txBox="1"/>
+            <p:nvPr/>
+          </p:nvSpPr>
+          <p:spPr>
+            <a:xfrm>
+              <a:off x="109500" y="-9760"/>
+              <a:ext cx="5809174" cy="629520"/>
+            </a:xfrm>
+            <a:prstGeom prst="rect">
+              <a:avLst/>
+            </a:prstGeom>
+            <a:noFill/>
+          </p:spPr>
+          <p:txBody>
+            <a:bodyPr wrap="none" rtlCol="0">
+              <a:spAutoFit/>
+            </a:bodyPr>
+            <a:lstStyle/>
+            <a:p>
+              <a:r>
+                <a:rPr lang="fr-FR" sz="4000" b="1" dirty="0">
+                  <a:latin typeface="Lato Regular" panose="020F0502020204030203" pitchFamily="34" charset="0"/>
+                  <a:ea typeface="Lato Regular" panose="020F0502020204030203" pitchFamily="34" charset="0"/>
+                  <a:cs typeface="Lato Regular" panose="020F0502020204030203" pitchFamily="34" charset="0"/>
+                </a:rPr>
+                <a:t>Paramétrage du Chaos Monkey </a:t>
+              </a:r>
+            </a:p>
+          </p:txBody>
+        </p:sp>
+        <p:sp>
+          <p:nvSpPr>
+            <p:cNvPr id="47" name="Rectangle 46"/>
+            <p:cNvSpPr/>
+            <p:nvPr/>
+          </p:nvSpPr>
+          <p:spPr>
+            <a:xfrm>
+              <a:off x="0" y="619760"/>
+              <a:ext cx="2357120" cy="156045"/>
+            </a:xfrm>
+            <a:prstGeom prst="rect">
+              <a:avLst/>
+            </a:prstGeom>
+            <a:solidFill>
+              <a:srgbClr val="2F6079"/>
+            </a:solidFill>
+            <a:ln>
+              <a:noFill/>
+            </a:ln>
+          </p:spPr>
+          <p:style>
+            <a:lnRef idx="2">
+              <a:schemeClr val="accent1">
+                <a:shade val="50000"/>
+              </a:schemeClr>
+            </a:lnRef>
+            <a:fillRef idx="1">
+              <a:schemeClr val="accent1"/>
+            </a:fillRef>
+            <a:effectRef idx="0">
+              <a:schemeClr val="accent1"/>
+            </a:effectRef>
+            <a:fontRef idx="minor">
+              <a:schemeClr val="lt1"/>
+            </a:fontRef>
+          </p:style>
+          <p:txBody>
+            <a:bodyPr rtlCol="0" anchor="ctr"/>
+            <a:lstStyle/>
+            <a:p>
+              <a:pPr algn="ctr"/>
+              <a:endParaRPr lang="fr-FR"/>
+            </a:p>
+          </p:txBody>
+        </p:sp>
+      </p:grpSp>
+      <p:pic>
+        <p:nvPicPr>
+          <p:cNvPr id="5" name="Image 4">
+            <a:extLst>
+              <a:ext uri="{FF2B5EF4-FFF2-40B4-BE49-F238E27FC236}">
+                <a16:creationId xmlns:a16="http://schemas.microsoft.com/office/drawing/2014/main" id="{C10BCFCC-252F-44F4-948C-85378115B9CA}"/>
+              </a:ext>
+            </a:extLst>
+          </p:cNvPr>
+          <p:cNvPicPr>
+            <a:picLocks noChangeAspect="1"/>
+          </p:cNvPicPr>
+          <p:nvPr/>
+        </p:nvPicPr>
+        <p:blipFill>
+          <a:blip r:embed="rId3" cstate="print">
+            <a:extLst>
+              <a:ext uri="{28A0092B-C50C-407E-A947-70E740481C1C}">
+                <a14:useLocalDpi xmlns:a14="http://schemas.microsoft.com/office/drawing/2010/main" val="0"/>
+              </a:ext>
+            </a:extLst>
+          </a:blip>
+          <a:stretch>
+            <a:fillRect/>
+          </a:stretch>
+        </p:blipFill>
+        <p:spPr>
+          <a:xfrm>
+            <a:off x="641825" y="1714500"/>
+            <a:ext cx="3532017" cy="3429000"/>
+          </a:xfrm>
+          <a:prstGeom prst="rect">
+            <a:avLst/>
+          </a:prstGeom>
+        </p:spPr>
+      </p:pic>
+      <p:sp>
+        <p:nvSpPr>
+          <p:cNvPr id="20" name="Subtitle 2">
+            <a:extLst>
+              <a:ext uri="{FF2B5EF4-FFF2-40B4-BE49-F238E27FC236}">
+                <a16:creationId xmlns:a16="http://schemas.microsoft.com/office/drawing/2014/main" id="{FE9B3A5F-A88B-43F7-B2CC-A3E2ED806C48}"/>
+              </a:ext>
+            </a:extLst>
+          </p:cNvPr>
+          <p:cNvSpPr txBox="1">
+            <a:spLocks/>
+          </p:cNvSpPr>
+          <p:nvPr/>
+        </p:nvSpPr>
+        <p:spPr>
+          <a:xfrm>
+            <a:off x="1970746" y="1159403"/>
+            <a:ext cx="9579429" cy="675932"/>
+          </a:xfrm>
+          <a:prstGeom prst="rect">
+            <a:avLst/>
+          </a:prstGeom>
+        </p:spPr>
+        <p:txBody>
+          <a:bodyPr vert="horz" lIns="243744" tIns="121869" rIns="243744" bIns="121869" rtlCol="0">
+            <a:noAutofit/>
+          </a:bodyPr>
+          <a:lstStyle>
+            <a:lvl1pPr marL="342900" indent="-342900" algn="l" defTabSz="457200" rtl="0" eaLnBrk="1" latinLnBrk="0" hangingPunct="1">
+              <a:spcBef>
+                <a:spcPct val="20000"/>
+              </a:spcBef>
+              <a:buFont typeface="Arial"/>
+              <a:buChar char="•"/>
+              <a:defRPr sz="3200" kern="1200">
+                <a:solidFill>
+                  <a:schemeClr val="tx1"/>
+                </a:solidFill>
+                <a:latin typeface="+mn-lt"/>
+                <a:ea typeface="+mn-ea"/>
+                <a:cs typeface="+mn-cs"/>
+              </a:defRPr>
+            </a:lvl1pPr>
+            <a:lvl2pPr marL="742950" indent="-285750" algn="l" defTabSz="457200" rtl="0" eaLnBrk="1" latinLnBrk="0" hangingPunct="1">
+              <a:spcBef>
+                <a:spcPct val="20000"/>
+              </a:spcBef>
+              <a:buFont typeface="Arial"/>
+              <a:buChar char="–"/>
+              <a:defRPr sz="2800" kern="1200">
+                <a:solidFill>
+                  <a:schemeClr val="tx1"/>
+                </a:solidFill>
+                <a:latin typeface="+mn-lt"/>
+                <a:ea typeface="+mn-ea"/>
+                <a:cs typeface="+mn-cs"/>
+              </a:defRPr>
+            </a:lvl2pPr>
+            <a:lvl3pPr marL="1143000" indent="-228600" algn="l" defTabSz="457200" rtl="0" eaLnBrk="1" latinLnBrk="0" hangingPunct="1">
+              <a:spcBef>
+                <a:spcPct val="20000"/>
+              </a:spcBef>
+              <a:buFont typeface="Arial"/>
+              <a:buChar char="•"/>
+              <a:defRPr sz="2400" kern="1200">
+                <a:solidFill>
+                  <a:schemeClr val="tx1"/>
+                </a:solidFill>
+                <a:latin typeface="+mn-lt"/>
+                <a:ea typeface="+mn-ea"/>
+                <a:cs typeface="+mn-cs"/>
+              </a:defRPr>
+            </a:lvl3pPr>
+            <a:lvl4pPr marL="1600200" indent="-228600" algn="l" defTabSz="457200" rtl="0" eaLnBrk="1" latinLnBrk="0" hangingPunct="1">
+              <a:spcBef>
+                <a:spcPct val="20000"/>
+              </a:spcBef>
+              <a:buFont typeface="Arial"/>
+              <a:buChar char="–"/>
+              <a:defRPr sz="2000" kern="1200">
+                <a:solidFill>
+                  <a:schemeClr val="tx1"/>
+                </a:solidFill>
+                <a:latin typeface="+mn-lt"/>
+                <a:ea typeface="+mn-ea"/>
+                <a:cs typeface="+mn-cs"/>
+              </a:defRPr>
+            </a:lvl4pPr>
+            <a:lvl5pPr marL="2057400" indent="-228600" algn="l" defTabSz="457200" rtl="0" eaLnBrk="1" latinLnBrk="0" hangingPunct="1">
+              <a:spcBef>
+                <a:spcPct val="20000"/>
+              </a:spcBef>
+              <a:buFont typeface="Arial"/>
+              <a:buChar char="»"/>
+              <a:defRPr sz="2000" kern="1200">
+                <a:solidFill>
+                  <a:schemeClr val="tx1"/>
+                </a:solidFill>
+                <a:latin typeface="+mn-lt"/>
+                <a:ea typeface="+mn-ea"/>
+                <a:cs typeface="+mn-cs"/>
+              </a:defRPr>
+            </a:lvl5pPr>
+            <a:lvl6pPr marL="2514600" indent="-228600" algn="l" defTabSz="457200" rtl="0" eaLnBrk="1" latinLnBrk="0" hangingPunct="1">
+              <a:spcBef>
+                <a:spcPct val="20000"/>
+              </a:spcBef>
+              <a:buFont typeface="Arial"/>
+              <a:buChar char="•"/>
+              <a:defRPr sz="2000" kern="1200">
+                <a:solidFill>
+                  <a:schemeClr val="tx1"/>
+                </a:solidFill>
+                <a:latin typeface="+mn-lt"/>
+                <a:ea typeface="+mn-ea"/>
+                <a:cs typeface="+mn-cs"/>
+              </a:defRPr>
+            </a:lvl6pPr>
+            <a:lvl7pPr marL="2971800" indent="-228600" algn="l" defTabSz="457200" rtl="0" eaLnBrk="1" latinLnBrk="0" hangingPunct="1">
+              <a:spcBef>
+                <a:spcPct val="20000"/>
+              </a:spcBef>
+              <a:buFont typeface="Arial"/>
+              <a:buChar char="•"/>
+              <a:defRPr sz="2000" kern="1200">
+                <a:solidFill>
+                  <a:schemeClr val="tx1"/>
+                </a:solidFill>
+                <a:latin typeface="+mn-lt"/>
+                <a:ea typeface="+mn-ea"/>
+                <a:cs typeface="+mn-cs"/>
+              </a:defRPr>
+            </a:lvl7pPr>
+            <a:lvl8pPr marL="3429000" indent="-228600" algn="l" defTabSz="457200" rtl="0" eaLnBrk="1" latinLnBrk="0" hangingPunct="1">
+              <a:spcBef>
+                <a:spcPct val="20000"/>
+              </a:spcBef>
+              <a:buFont typeface="Arial"/>
+              <a:buChar char="•"/>
+              <a:defRPr sz="2000" kern="1200">
+                <a:solidFill>
+                  <a:schemeClr val="tx1"/>
+                </a:solidFill>
+                <a:latin typeface="+mn-lt"/>
+                <a:ea typeface="+mn-ea"/>
+                <a:cs typeface="+mn-cs"/>
+              </a:defRPr>
+            </a:lvl8pPr>
+            <a:lvl9pPr marL="3886200" indent="-228600" algn="l" defTabSz="457200" rtl="0" eaLnBrk="1" latinLnBrk="0" hangingPunct="1">
+              <a:spcBef>
+                <a:spcPct val="20000"/>
+              </a:spcBef>
+              <a:buFont typeface="Arial"/>
+              <a:buChar char="•"/>
+              <a:defRPr sz="2000" kern="1200">
+                <a:solidFill>
+                  <a:schemeClr val="tx1"/>
+                </a:solidFill>
+                <a:latin typeface="+mn-lt"/>
+                <a:ea typeface="+mn-ea"/>
+                <a:cs typeface="+mn-cs"/>
+              </a:defRPr>
+            </a:lvl9pPr>
+          </a:lstStyle>
+          <a:p>
+            <a:pPr marL="0" indent="0">
+              <a:buNone/>
+            </a:pPr>
+            <a:r>
+              <a:rPr lang="fr-FR" sz="2000" dirty="0">
+                <a:solidFill>
+                  <a:schemeClr val="tx2"/>
+                </a:solidFill>
+                <a:latin typeface="Lato Regular"/>
+                <a:cs typeface="Lato Regular"/>
+              </a:rPr>
+              <a:t>Configuration pour les quatre fichiers dans le répertoire « </a:t>
+            </a:r>
+            <a:r>
+              <a:rPr lang="fr-FR" sz="2000" dirty="0" err="1">
+                <a:solidFill>
+                  <a:schemeClr val="tx2"/>
+                </a:solidFill>
+                <a:latin typeface="Lato Regular"/>
+                <a:cs typeface="Lato Regular"/>
+              </a:rPr>
+              <a:t>deployments-fusiion</a:t>
+            </a:r>
+            <a:r>
+              <a:rPr lang="fr-FR" sz="2000" dirty="0">
+                <a:solidFill>
+                  <a:schemeClr val="tx2"/>
+                </a:solidFill>
+                <a:latin typeface="Lato Regular"/>
+                <a:cs typeface="Lato Regular"/>
+              </a:rPr>
+              <a:t> »  :</a:t>
+            </a:r>
+          </a:p>
+        </p:txBody>
+      </p:sp>
+      <p:pic>
+        <p:nvPicPr>
+          <p:cNvPr id="14" name="Image 13">
+            <a:extLst>
+              <a:ext uri="{FF2B5EF4-FFF2-40B4-BE49-F238E27FC236}">
+                <a16:creationId xmlns:a16="http://schemas.microsoft.com/office/drawing/2014/main" id="{D5010D96-9A6F-4B20-BFF0-1DF9F1E3F59B}"/>
+              </a:ext>
+            </a:extLst>
+          </p:cNvPr>
+          <p:cNvPicPr>
+            <a:picLocks noChangeAspect="1"/>
+          </p:cNvPicPr>
+          <p:nvPr/>
+        </p:nvPicPr>
+        <p:blipFill>
+          <a:blip r:embed="rId4">
+            <a:extLst>
+              <a:ext uri="{28A0092B-C50C-407E-A947-70E740481C1C}">
+                <a14:useLocalDpi xmlns:a14="http://schemas.microsoft.com/office/drawing/2010/main" val="0"/>
+              </a:ext>
+            </a:extLst>
+          </a:blip>
+          <a:stretch>
+            <a:fillRect/>
+          </a:stretch>
+        </p:blipFill>
+        <p:spPr>
+          <a:xfrm>
+            <a:off x="4870083" y="1923239"/>
+            <a:ext cx="5983850" cy="3867961"/>
+          </a:xfrm>
+          <a:prstGeom prst="rect">
+            <a:avLst/>
+          </a:prstGeom>
+        </p:spPr>
+      </p:pic>
+    </p:spTree>
+    <p:extLst>
+      <p:ext uri="{BB962C8B-B14F-4D97-AF65-F5344CB8AC3E}">
+        <p14:creationId xmlns:p14="http://schemas.microsoft.com/office/powerpoint/2010/main" val="489286131"/>
+      </p:ext>
+    </p:extLst>
+  </p:cSld>
+  <p:clrMapOvr>
+    <a:masterClrMapping/>
+  </p:clrMapOvr>
+  <p:timing>
+    <p:tnLst>
+      <p:par>
+        <p:cTn id="1" dur="indefinite" restart="never" nodeType="tmRoot">
+          <p:childTnLst>
+            <p:seq concurrent="1" nextAc="seek">
+              <p:cTn id="2" dur="indefinite" nodeType="mainSeq">
+                <p:childTnLst>
+                  <p:par>
+                    <p:cTn id="3" fill="hold">
+                      <p:stCondLst>
+                        <p:cond delay="indefinite"/>
+                        <p:cond evt="onBegin" delay="0">
+                          <p:tn val="2"/>
+                        </p:cond>
+                      </p:stCondLst>
+                      <p:childTnLst>
+                        <p:par>
+                          <p:cTn id="4" fill="hold">
+                            <p:stCondLst>
+                              <p:cond delay="0"/>
+                            </p:stCondLst>
+                            <p:childTnLst>
+                              <p:par>
+                                <p:cTn id="5" presetID="10" presetClass="entr" presetSubtype="0" fill="hold" nodeType="withEffect">
+                                  <p:stCondLst>
+                                    <p:cond delay="0"/>
+                                  </p:stCondLst>
+                                  <p:childTnLst>
+                                    <p:set>
+                                      <p:cBhvr>
+                                        <p:cTn id="6" dur="1" fill="hold">
+                                          <p:stCondLst>
+                                            <p:cond delay="0"/>
+                                          </p:stCondLst>
+                                        </p:cTn>
+                                        <p:tgtEl>
+                                          <p:spTgt spid="43"/>
+                                        </p:tgtEl>
+                                        <p:attrNameLst>
+                                          <p:attrName>style.visibility</p:attrName>
+                                        </p:attrNameLst>
+                                      </p:cBhvr>
+                                      <p:to>
+                                        <p:strVal val="visible"/>
+                                      </p:to>
+                                    </p:set>
+                                    <p:animEffect transition="in" filter="fade">
+                                      <p:cBhvr>
+                                        <p:cTn id="7" dur="500"/>
+                                        <p:tgtEl>
+                                          <p:spTgt spid="43"/>
+                                        </p:tgtEl>
+                                      </p:cBhvr>
+                                    </p:animEffect>
+                                  </p:childTnLst>
+                                </p:cTn>
+                              </p:par>
+                            </p:childTnLst>
+                          </p:cTn>
+                        </p:par>
+                      </p:childTnLst>
+                    </p:cTn>
+                  </p:par>
+                </p:childTnLst>
+              </p:cTn>
+              <p:prevCondLst>
+                <p:cond evt="onPrev" delay="0">
+                  <p:tgtEl>
+                    <p:sldTgt/>
+                  </p:tgtEl>
+                </p:cond>
+              </p:prevCondLst>
+              <p:nextCondLst>
+                <p:cond evt="onNext" delay="0">
+                  <p:tgtEl>
+                    <p:sldTgt/>
+                  </p:tgtEl>
+                </p:cond>
+              </p:nextCondLst>
+            </p:seq>
+          </p:childTnLst>
+        </p:cTn>
+      </p:par>
+    </p:tnLst>
+  </p:timing>
+</p:sld>
+</file>
+
+<file path=ppt/slides/slide27.xml><?xml version="1.0" encoding="utf-8"?>
+<p:sld xmlns:a="http://schemas.openxmlformats.org/drawingml/2006/main" xmlns:r="http://schemas.openxmlformats.org/officeDocument/2006/relationships" xmlns:p="http://schemas.openxmlformats.org/presentationml/2006/main">
+  <p:cSld>
+    <p:spTree>
+      <p:nvGrpSpPr>
+        <p:cNvPr id="1" name=""/>
+        <p:cNvGrpSpPr/>
+        <p:nvPr/>
+      </p:nvGrpSpPr>
+      <p:grpSpPr>
+        <a:xfrm>
+          <a:off x="0" y="0"/>
+          <a:ext cx="0" cy="0"/>
+          <a:chOff x="0" y="0"/>
+          <a:chExt cx="0" cy="0"/>
+        </a:xfrm>
+      </p:grpSpPr>
+      <p:cxnSp>
+        <p:nvCxnSpPr>
+          <p:cNvPr id="43" name="Straight Connector 149">
+            <a:extLst>
+              <a:ext uri="{FF2B5EF4-FFF2-40B4-BE49-F238E27FC236}">
+                <a16:creationId xmlns:a16="http://schemas.microsoft.com/office/drawing/2014/main" id="{D8CF519D-DB01-4308-A138-A01722AD4A22}"/>
+              </a:ext>
+            </a:extLst>
+          </p:cNvPr>
+          <p:cNvCxnSpPr/>
+          <p:nvPr/>
+        </p:nvCxnSpPr>
+        <p:spPr>
+          <a:xfrm>
+            <a:off x="441410" y="3064483"/>
+            <a:ext cx="0" cy="3212358"/>
+          </a:xfrm>
+          <a:prstGeom prst="line">
+            <a:avLst/>
+          </a:prstGeom>
+          <a:ln w="12700" cmpd="sng">
+            <a:noFill/>
+          </a:ln>
+          <a:effectLst/>
+        </p:spPr>
+        <p:style>
+          <a:lnRef idx="2">
+            <a:schemeClr val="accent1"/>
+          </a:lnRef>
+          <a:fillRef idx="0">
+            <a:schemeClr val="accent1"/>
+          </a:fillRef>
+          <a:effectRef idx="1">
+            <a:schemeClr val="accent1"/>
+          </a:effectRef>
+          <a:fontRef idx="minor">
+            <a:schemeClr val="tx1"/>
+          </a:fontRef>
+        </p:style>
+      </p:cxnSp>
+      <p:grpSp>
+        <p:nvGrpSpPr>
+          <p:cNvPr id="45" name="Groupe 44"/>
+          <p:cNvGrpSpPr/>
+          <p:nvPr/>
+        </p:nvGrpSpPr>
+        <p:grpSpPr>
+          <a:xfrm>
+            <a:off x="0" y="73772"/>
+            <a:ext cx="5837333" cy="883356"/>
+            <a:chOff x="0" y="-9760"/>
+            <a:chExt cx="4674734" cy="785565"/>
+          </a:xfrm>
+        </p:grpSpPr>
+        <p:sp>
+          <p:nvSpPr>
+            <p:cNvPr id="46" name="ZoneTexte 45"/>
+            <p:cNvSpPr txBox="1"/>
+            <p:nvPr/>
+          </p:nvSpPr>
+          <p:spPr>
+            <a:xfrm>
+              <a:off x="109500" y="-9760"/>
+              <a:ext cx="4565234" cy="629520"/>
+            </a:xfrm>
+            <a:prstGeom prst="rect">
+              <a:avLst/>
+            </a:prstGeom>
+            <a:noFill/>
+          </p:spPr>
+          <p:txBody>
+            <a:bodyPr wrap="none" rtlCol="0">
+              <a:spAutoFit/>
+            </a:bodyPr>
+            <a:lstStyle/>
+            <a:p>
+              <a:r>
+                <a:rPr lang="fr-FR" sz="4000" b="1" dirty="0" err="1">
+                  <a:latin typeface="Lato Regular" panose="020F0502020204030203" pitchFamily="34" charset="0"/>
+                  <a:ea typeface="Lato Regular" panose="020F0502020204030203" pitchFamily="34" charset="0"/>
+                  <a:cs typeface="Lato Regular" panose="020F0502020204030203" pitchFamily="34" charset="0"/>
+                </a:rPr>
+                <a:t>FuSIIon</a:t>
+              </a:r>
+              <a:r>
+                <a:rPr lang="fr-FR" sz="4000" b="1" dirty="0">
+                  <a:latin typeface="Lato Regular" panose="020F0502020204030203" pitchFamily="34" charset="0"/>
+                  <a:ea typeface="Lato Regular" panose="020F0502020204030203" pitchFamily="34" charset="0"/>
+                  <a:cs typeface="Lato Regular" panose="020F0502020204030203" pitchFamily="34" charset="0"/>
+                </a:rPr>
+                <a:t> avec </a:t>
+              </a:r>
+              <a:r>
+                <a:rPr lang="fr-FR" sz="4000" b="1" dirty="0" err="1">
+                  <a:latin typeface="Lato Regular" panose="020F0502020204030203" pitchFamily="34" charset="0"/>
+                  <a:ea typeface="Lato Regular" panose="020F0502020204030203" pitchFamily="34" charset="0"/>
+                  <a:cs typeface="Lato Regular" panose="020F0502020204030203" pitchFamily="34" charset="0"/>
+                </a:rPr>
+                <a:t>Kubernetes</a:t>
+              </a:r>
+              <a:endParaRPr lang="fr-FR" sz="4000" b="1" dirty="0">
+                <a:latin typeface="Lato Regular" panose="020F0502020204030203" pitchFamily="34" charset="0"/>
+                <a:ea typeface="Lato Regular" panose="020F0502020204030203" pitchFamily="34" charset="0"/>
+                <a:cs typeface="Lato Regular" panose="020F0502020204030203" pitchFamily="34" charset="0"/>
+              </a:endParaRPr>
+            </a:p>
+          </p:txBody>
+        </p:sp>
+        <p:sp>
+          <p:nvSpPr>
+            <p:cNvPr id="47" name="Rectangle 46"/>
+            <p:cNvSpPr/>
+            <p:nvPr/>
+          </p:nvSpPr>
+          <p:spPr>
+            <a:xfrm>
+              <a:off x="0" y="619760"/>
+              <a:ext cx="2357120" cy="156045"/>
+            </a:xfrm>
+            <a:prstGeom prst="rect">
+              <a:avLst/>
+            </a:prstGeom>
+            <a:solidFill>
+              <a:srgbClr val="2F6079"/>
+            </a:solidFill>
+            <a:ln>
+              <a:noFill/>
+            </a:ln>
+          </p:spPr>
+          <p:style>
+            <a:lnRef idx="2">
+              <a:schemeClr val="accent1">
+                <a:shade val="50000"/>
+              </a:schemeClr>
+            </a:lnRef>
+            <a:fillRef idx="1">
+              <a:schemeClr val="accent1"/>
+            </a:fillRef>
+            <a:effectRef idx="0">
+              <a:schemeClr val="accent1"/>
+            </a:effectRef>
+            <a:fontRef idx="minor">
+              <a:schemeClr val="lt1"/>
+            </a:fontRef>
+          </p:style>
+          <p:txBody>
+            <a:bodyPr rtlCol="0" anchor="ctr"/>
+            <a:lstStyle/>
+            <a:p>
+              <a:pPr algn="ctr"/>
+              <a:endParaRPr lang="fr-FR"/>
+            </a:p>
+          </p:txBody>
+        </p:sp>
+      </p:grpSp>
+      <p:sp>
+        <p:nvSpPr>
+          <p:cNvPr id="16" name="Subtitle 2">
+            <a:extLst>
+              <a:ext uri="{FF2B5EF4-FFF2-40B4-BE49-F238E27FC236}">
+                <a16:creationId xmlns:a16="http://schemas.microsoft.com/office/drawing/2014/main" id="{3A78FA13-AC9F-47B6-87F4-D7D64D1358A9}"/>
+              </a:ext>
+            </a:extLst>
+          </p:cNvPr>
+          <p:cNvSpPr txBox="1">
+            <a:spLocks/>
+          </p:cNvSpPr>
+          <p:nvPr/>
+        </p:nvSpPr>
+        <p:spPr>
+          <a:xfrm>
+            <a:off x="4530477" y="1159328"/>
+            <a:ext cx="6812870" cy="555172"/>
+          </a:xfrm>
+          <a:prstGeom prst="rect">
+            <a:avLst/>
+          </a:prstGeom>
+        </p:spPr>
+        <p:txBody>
+          <a:bodyPr vert="horz" lIns="243744" tIns="121869" rIns="243744" bIns="121869" rtlCol="0">
+            <a:noAutofit/>
+          </a:bodyPr>
+          <a:lstStyle>
+            <a:lvl1pPr marL="342900" indent="-342900" algn="l" defTabSz="457200" rtl="0" eaLnBrk="1" latinLnBrk="0" hangingPunct="1">
+              <a:spcBef>
+                <a:spcPct val="20000"/>
+              </a:spcBef>
+              <a:buFont typeface="Arial"/>
+              <a:buChar char="•"/>
+              <a:defRPr sz="3200" kern="1200">
+                <a:solidFill>
+                  <a:schemeClr val="tx1"/>
+                </a:solidFill>
+                <a:latin typeface="+mn-lt"/>
+                <a:ea typeface="+mn-ea"/>
+                <a:cs typeface="+mn-cs"/>
+              </a:defRPr>
+            </a:lvl1pPr>
+            <a:lvl2pPr marL="742950" indent="-285750" algn="l" defTabSz="457200" rtl="0" eaLnBrk="1" latinLnBrk="0" hangingPunct="1">
+              <a:spcBef>
+                <a:spcPct val="20000"/>
+              </a:spcBef>
+              <a:buFont typeface="Arial"/>
+              <a:buChar char="–"/>
+              <a:defRPr sz="2800" kern="1200">
+                <a:solidFill>
+                  <a:schemeClr val="tx1"/>
+                </a:solidFill>
+                <a:latin typeface="+mn-lt"/>
+                <a:ea typeface="+mn-ea"/>
+                <a:cs typeface="+mn-cs"/>
+              </a:defRPr>
+            </a:lvl2pPr>
+            <a:lvl3pPr marL="1143000" indent="-228600" algn="l" defTabSz="457200" rtl="0" eaLnBrk="1" latinLnBrk="0" hangingPunct="1">
+              <a:spcBef>
+                <a:spcPct val="20000"/>
+              </a:spcBef>
+              <a:buFont typeface="Arial"/>
+              <a:buChar char="•"/>
+              <a:defRPr sz="2400" kern="1200">
+                <a:solidFill>
+                  <a:schemeClr val="tx1"/>
+                </a:solidFill>
+                <a:latin typeface="+mn-lt"/>
+                <a:ea typeface="+mn-ea"/>
+                <a:cs typeface="+mn-cs"/>
+              </a:defRPr>
+            </a:lvl3pPr>
+            <a:lvl4pPr marL="1600200" indent="-228600" algn="l" defTabSz="457200" rtl="0" eaLnBrk="1" latinLnBrk="0" hangingPunct="1">
+              <a:spcBef>
+                <a:spcPct val="20000"/>
+              </a:spcBef>
+              <a:buFont typeface="Arial"/>
+              <a:buChar char="–"/>
+              <a:defRPr sz="2000" kern="1200">
+                <a:solidFill>
+                  <a:schemeClr val="tx1"/>
+                </a:solidFill>
+                <a:latin typeface="+mn-lt"/>
+                <a:ea typeface="+mn-ea"/>
+                <a:cs typeface="+mn-cs"/>
+              </a:defRPr>
+            </a:lvl4pPr>
+            <a:lvl5pPr marL="2057400" indent="-228600" algn="l" defTabSz="457200" rtl="0" eaLnBrk="1" latinLnBrk="0" hangingPunct="1">
+              <a:spcBef>
+                <a:spcPct val="20000"/>
+              </a:spcBef>
+              <a:buFont typeface="Arial"/>
+              <a:buChar char="»"/>
+              <a:defRPr sz="2000" kern="1200">
+                <a:solidFill>
+                  <a:schemeClr val="tx1"/>
+                </a:solidFill>
+                <a:latin typeface="+mn-lt"/>
+                <a:ea typeface="+mn-ea"/>
+                <a:cs typeface="+mn-cs"/>
+              </a:defRPr>
+            </a:lvl5pPr>
+            <a:lvl6pPr marL="2514600" indent="-228600" algn="l" defTabSz="457200" rtl="0" eaLnBrk="1" latinLnBrk="0" hangingPunct="1">
+              <a:spcBef>
+                <a:spcPct val="20000"/>
+              </a:spcBef>
+              <a:buFont typeface="Arial"/>
+              <a:buChar char="•"/>
+              <a:defRPr sz="2000" kern="1200">
+                <a:solidFill>
+                  <a:schemeClr val="tx1"/>
+                </a:solidFill>
+                <a:latin typeface="+mn-lt"/>
+                <a:ea typeface="+mn-ea"/>
+                <a:cs typeface="+mn-cs"/>
+              </a:defRPr>
+            </a:lvl6pPr>
+            <a:lvl7pPr marL="2971800" indent="-228600" algn="l" defTabSz="457200" rtl="0" eaLnBrk="1" latinLnBrk="0" hangingPunct="1">
+              <a:spcBef>
+                <a:spcPct val="20000"/>
+              </a:spcBef>
+              <a:buFont typeface="Arial"/>
+              <a:buChar char="•"/>
+              <a:defRPr sz="2000" kern="1200">
+                <a:solidFill>
+                  <a:schemeClr val="tx1"/>
+                </a:solidFill>
+                <a:latin typeface="+mn-lt"/>
+                <a:ea typeface="+mn-ea"/>
+                <a:cs typeface="+mn-cs"/>
+              </a:defRPr>
+            </a:lvl7pPr>
+            <a:lvl8pPr marL="3429000" indent="-228600" algn="l" defTabSz="457200" rtl="0" eaLnBrk="1" latinLnBrk="0" hangingPunct="1">
+              <a:spcBef>
+                <a:spcPct val="20000"/>
+              </a:spcBef>
+              <a:buFont typeface="Arial"/>
+              <a:buChar char="•"/>
+              <a:defRPr sz="2000" kern="1200">
+                <a:solidFill>
+                  <a:schemeClr val="tx1"/>
+                </a:solidFill>
+                <a:latin typeface="+mn-lt"/>
+                <a:ea typeface="+mn-ea"/>
+                <a:cs typeface="+mn-cs"/>
+              </a:defRPr>
+            </a:lvl8pPr>
+            <a:lvl9pPr marL="3886200" indent="-228600" algn="l" defTabSz="457200" rtl="0" eaLnBrk="1" latinLnBrk="0" hangingPunct="1">
+              <a:spcBef>
+                <a:spcPct val="20000"/>
+              </a:spcBef>
+              <a:buFont typeface="Arial"/>
+              <a:buChar char="•"/>
+              <a:defRPr sz="2000" kern="1200">
+                <a:solidFill>
+                  <a:schemeClr val="tx1"/>
+                </a:solidFill>
+                <a:latin typeface="+mn-lt"/>
+                <a:ea typeface="+mn-ea"/>
+                <a:cs typeface="+mn-cs"/>
+              </a:defRPr>
+            </a:lvl9pPr>
+          </a:lstStyle>
+          <a:p>
+            <a:pPr marL="0" indent="0">
+              <a:buNone/>
+            </a:pPr>
+            <a:r>
+              <a:rPr lang="fr-FR" sz="2000" dirty="0">
+                <a:solidFill>
+                  <a:schemeClr val="tx2"/>
+                </a:solidFill>
+                <a:latin typeface="Lato Regular"/>
+                <a:cs typeface="Lato Regular"/>
+              </a:rPr>
+              <a:t>Lancement de l’application via la commande :</a:t>
+            </a:r>
+          </a:p>
+        </p:txBody>
+      </p:sp>
+      <p:pic>
+        <p:nvPicPr>
+          <p:cNvPr id="5" name="Image 4">
+            <a:extLst>
+              <a:ext uri="{FF2B5EF4-FFF2-40B4-BE49-F238E27FC236}">
+                <a16:creationId xmlns:a16="http://schemas.microsoft.com/office/drawing/2014/main" id="{C10BCFCC-252F-44F4-948C-85378115B9CA}"/>
+              </a:ext>
+            </a:extLst>
+          </p:cNvPr>
+          <p:cNvPicPr>
+            <a:picLocks noChangeAspect="1"/>
+          </p:cNvPicPr>
+          <p:nvPr/>
+        </p:nvPicPr>
+        <p:blipFill>
+          <a:blip r:embed="rId3" cstate="print">
+            <a:extLst>
+              <a:ext uri="{28A0092B-C50C-407E-A947-70E740481C1C}">
+                <a14:useLocalDpi xmlns:a14="http://schemas.microsoft.com/office/drawing/2010/main" val="0"/>
+              </a:ext>
+            </a:extLst>
+          </a:blip>
+          <a:stretch>
+            <a:fillRect/>
+          </a:stretch>
+        </p:blipFill>
+        <p:spPr>
+          <a:xfrm>
+            <a:off x="641825" y="1714500"/>
+            <a:ext cx="3532017" cy="3429000"/>
+          </a:xfrm>
+          <a:prstGeom prst="rect">
+            <a:avLst/>
+          </a:prstGeom>
+        </p:spPr>
+      </p:pic>
+      <p:pic>
+        <p:nvPicPr>
+          <p:cNvPr id="11" name="Image 10">
+            <a:extLst>
+              <a:ext uri="{FF2B5EF4-FFF2-40B4-BE49-F238E27FC236}">
+                <a16:creationId xmlns:a16="http://schemas.microsoft.com/office/drawing/2014/main" id="{5A554453-C8BA-46B9-8265-6BAC4EF07C75}"/>
+              </a:ext>
+            </a:extLst>
+          </p:cNvPr>
+          <p:cNvPicPr>
+            <a:picLocks noChangeAspect="1"/>
+          </p:cNvPicPr>
+          <p:nvPr/>
+        </p:nvPicPr>
+        <p:blipFill>
+          <a:blip r:embed="rId4">
+            <a:extLst>
+              <a:ext uri="{28A0092B-C50C-407E-A947-70E740481C1C}">
+                <a14:useLocalDpi xmlns:a14="http://schemas.microsoft.com/office/drawing/2010/main" val="0"/>
+              </a:ext>
+            </a:extLst>
+          </a:blip>
+          <a:stretch>
+            <a:fillRect/>
+          </a:stretch>
+        </p:blipFill>
+        <p:spPr>
+          <a:xfrm>
+            <a:off x="4660958" y="1883230"/>
+            <a:ext cx="6965563" cy="3398330"/>
+          </a:xfrm>
+          <a:prstGeom prst="rect">
+            <a:avLst/>
+          </a:prstGeom>
+        </p:spPr>
+      </p:pic>
+    </p:spTree>
+    <p:extLst>
+      <p:ext uri="{BB962C8B-B14F-4D97-AF65-F5344CB8AC3E}">
+        <p14:creationId xmlns:p14="http://schemas.microsoft.com/office/powerpoint/2010/main" val="1439975957"/>
+      </p:ext>
+    </p:extLst>
+  </p:cSld>
+  <p:clrMapOvr>
+    <a:masterClrMapping/>
+  </p:clrMapOvr>
+  <p:timing>
+    <p:tnLst>
+      <p:par>
+        <p:cTn id="1" dur="indefinite" restart="never" nodeType="tmRoot">
+          <p:childTnLst>
+            <p:seq concurrent="1" nextAc="seek">
+              <p:cTn id="2" dur="indefinite" nodeType="mainSeq">
+                <p:childTnLst>
+                  <p:par>
+                    <p:cTn id="3" fill="hold">
+                      <p:stCondLst>
+                        <p:cond delay="indefinite"/>
+                        <p:cond evt="onBegin" delay="0">
+                          <p:tn val="2"/>
+                        </p:cond>
+                      </p:stCondLst>
+                      <p:childTnLst>
+                        <p:par>
+                          <p:cTn id="4" fill="hold">
+                            <p:stCondLst>
+                              <p:cond delay="0"/>
+                            </p:stCondLst>
+                            <p:childTnLst>
+                              <p:par>
+                                <p:cTn id="5" presetID="10" presetClass="entr" presetSubtype="0" fill="hold" nodeType="withEffect">
+                                  <p:stCondLst>
+                                    <p:cond delay="0"/>
+                                  </p:stCondLst>
+                                  <p:childTnLst>
+                                    <p:set>
+                                      <p:cBhvr>
+                                        <p:cTn id="6" dur="1" fill="hold">
+                                          <p:stCondLst>
+                                            <p:cond delay="0"/>
+                                          </p:stCondLst>
+                                        </p:cTn>
+                                        <p:tgtEl>
+                                          <p:spTgt spid="43"/>
+                                        </p:tgtEl>
+                                        <p:attrNameLst>
+                                          <p:attrName>style.visibility</p:attrName>
+                                        </p:attrNameLst>
+                                      </p:cBhvr>
+                                      <p:to>
+                                        <p:strVal val="visible"/>
+                                      </p:to>
+                                    </p:set>
+                                    <p:animEffect transition="in" filter="fade">
+                                      <p:cBhvr>
+                                        <p:cTn id="7" dur="500"/>
+                                        <p:tgtEl>
+                                          <p:spTgt spid="43"/>
+                                        </p:tgtEl>
+                                      </p:cBhvr>
+                                    </p:animEffect>
+                                  </p:childTnLst>
+                                </p:cTn>
+                              </p:par>
+                            </p:childTnLst>
+                          </p:cTn>
+                        </p:par>
+                      </p:childTnLst>
+                    </p:cTn>
+                  </p:par>
+                </p:childTnLst>
+              </p:cTn>
+              <p:prevCondLst>
+                <p:cond evt="onPrev" delay="0">
+                  <p:tgtEl>
+                    <p:sldTgt/>
+                  </p:tgtEl>
+                </p:cond>
+              </p:prevCondLst>
+              <p:nextCondLst>
+                <p:cond evt="onNext" delay="0">
+                  <p:tgtEl>
+                    <p:sldTgt/>
+                  </p:tgtEl>
+                </p:cond>
+              </p:nextCondLst>
+            </p:seq>
+          </p:childTnLst>
+        </p:cTn>
+      </p:par>
+    </p:tnLst>
+  </p:timing>
+</p:sld>
+</file>
+
+<file path=ppt/slides/slide28.xml><?xml version="1.0" encoding="utf-8"?>
+<p:sld xmlns:a="http://schemas.openxmlformats.org/drawingml/2006/main" xmlns:r="http://schemas.openxmlformats.org/officeDocument/2006/relationships" xmlns:p="http://schemas.openxmlformats.org/presentationml/2006/main">
+  <p:cSld>
+    <p:spTree>
+      <p:nvGrpSpPr>
+        <p:cNvPr id="1" name=""/>
+        <p:cNvGrpSpPr/>
+        <p:nvPr/>
+      </p:nvGrpSpPr>
+      <p:grpSpPr>
+        <a:xfrm>
+          <a:off x="0" y="0"/>
+          <a:ext cx="0" cy="0"/>
+          <a:chOff x="0" y="0"/>
+          <a:chExt cx="0" cy="0"/>
+        </a:xfrm>
+      </p:grpSpPr>
+      <p:cxnSp>
+        <p:nvCxnSpPr>
+          <p:cNvPr id="43" name="Straight Connector 149">
+            <a:extLst>
+              <a:ext uri="{FF2B5EF4-FFF2-40B4-BE49-F238E27FC236}">
+                <a16:creationId xmlns:a16="http://schemas.microsoft.com/office/drawing/2014/main" id="{D8CF519D-DB01-4308-A138-A01722AD4A22}"/>
+              </a:ext>
+            </a:extLst>
+          </p:cNvPr>
+          <p:cNvCxnSpPr/>
+          <p:nvPr/>
+        </p:nvCxnSpPr>
+        <p:spPr>
+          <a:xfrm>
+            <a:off x="441410" y="3064483"/>
+            <a:ext cx="0" cy="3212358"/>
+          </a:xfrm>
+          <a:prstGeom prst="line">
+            <a:avLst/>
+          </a:prstGeom>
+          <a:ln w="12700" cmpd="sng">
+            <a:noFill/>
+          </a:ln>
+          <a:effectLst/>
+        </p:spPr>
+        <p:style>
+          <a:lnRef idx="2">
+            <a:schemeClr val="accent1"/>
+          </a:lnRef>
+          <a:fillRef idx="0">
+            <a:schemeClr val="accent1"/>
+          </a:fillRef>
+          <a:effectRef idx="1">
+            <a:schemeClr val="accent1"/>
+          </a:effectRef>
+          <a:fontRef idx="minor">
+            <a:schemeClr val="tx1"/>
+          </a:fontRef>
+        </p:style>
+      </p:cxnSp>
+      <p:grpSp>
+        <p:nvGrpSpPr>
+          <p:cNvPr id="45" name="Groupe 44"/>
+          <p:cNvGrpSpPr/>
+          <p:nvPr/>
+        </p:nvGrpSpPr>
+        <p:grpSpPr>
+          <a:xfrm>
+            <a:off x="0" y="73772"/>
+            <a:ext cx="2943332" cy="883356"/>
+            <a:chOff x="0" y="-9760"/>
+            <a:chExt cx="2357120" cy="785565"/>
+          </a:xfrm>
+        </p:grpSpPr>
+        <p:sp>
+          <p:nvSpPr>
+            <p:cNvPr id="46" name="ZoneTexte 45"/>
+            <p:cNvSpPr txBox="1"/>
+            <p:nvPr/>
+          </p:nvSpPr>
+          <p:spPr>
+            <a:xfrm>
+              <a:off x="109500" y="-9760"/>
+              <a:ext cx="1733305" cy="629520"/>
+            </a:xfrm>
+            <a:prstGeom prst="rect">
+              <a:avLst/>
+            </a:prstGeom>
+            <a:noFill/>
+          </p:spPr>
+          <p:txBody>
+            <a:bodyPr wrap="none" rtlCol="0">
+              <a:spAutoFit/>
+            </a:bodyPr>
+            <a:lstStyle/>
+            <a:p>
+              <a:r>
+                <a:rPr lang="fr-FR" sz="4000" b="1" dirty="0" err="1">
+                  <a:latin typeface="Lato Regular" panose="020F0502020204030203" pitchFamily="34" charset="0"/>
+                  <a:ea typeface="Lato Regular" panose="020F0502020204030203" pitchFamily="34" charset="0"/>
+                  <a:cs typeface="Lato Regular" panose="020F0502020204030203" pitchFamily="34" charset="0"/>
+                </a:rPr>
+                <a:t>Kubebox</a:t>
+              </a:r>
+              <a:endParaRPr lang="fr-FR" b="1" dirty="0">
+                <a:solidFill>
+                  <a:schemeClr val="bg2">
+                    <a:lumMod val="10000"/>
+                  </a:schemeClr>
+                </a:solidFill>
+                <a:latin typeface="Lato Regular" panose="020F0502020204030203" pitchFamily="34" charset="0"/>
+                <a:ea typeface="Lato Regular" panose="020F0502020204030203" pitchFamily="34" charset="0"/>
+                <a:cs typeface="Lato Regular" panose="020F0502020204030203" pitchFamily="34" charset="0"/>
+              </a:endParaRPr>
+            </a:p>
+          </p:txBody>
+        </p:sp>
+        <p:sp>
+          <p:nvSpPr>
+            <p:cNvPr id="47" name="Rectangle 46"/>
+            <p:cNvSpPr/>
+            <p:nvPr/>
+          </p:nvSpPr>
+          <p:spPr>
+            <a:xfrm>
+              <a:off x="0" y="619760"/>
+              <a:ext cx="2357120" cy="156045"/>
+            </a:xfrm>
+            <a:prstGeom prst="rect">
+              <a:avLst/>
+            </a:prstGeom>
+            <a:solidFill>
+              <a:srgbClr val="2F6079"/>
+            </a:solidFill>
+            <a:ln>
+              <a:noFill/>
+            </a:ln>
+          </p:spPr>
+          <p:style>
+            <a:lnRef idx="2">
+              <a:schemeClr val="accent1">
+                <a:shade val="50000"/>
+              </a:schemeClr>
+            </a:lnRef>
+            <a:fillRef idx="1">
+              <a:schemeClr val="accent1"/>
+            </a:fillRef>
+            <a:effectRef idx="0">
+              <a:schemeClr val="accent1"/>
+            </a:effectRef>
+            <a:fontRef idx="minor">
+              <a:schemeClr val="lt1"/>
+            </a:fontRef>
+          </p:style>
+          <p:txBody>
+            <a:bodyPr rtlCol="0" anchor="ctr"/>
+            <a:lstStyle/>
+            <a:p>
+              <a:pPr algn="ctr"/>
+              <a:endParaRPr lang="fr-FR"/>
+            </a:p>
+          </p:txBody>
+        </p:sp>
+      </p:grpSp>
+      <p:sp>
+        <p:nvSpPr>
+          <p:cNvPr id="16" name="Subtitle 2">
+            <a:extLst>
+              <a:ext uri="{FF2B5EF4-FFF2-40B4-BE49-F238E27FC236}">
+                <a16:creationId xmlns:a16="http://schemas.microsoft.com/office/drawing/2014/main" id="{3A78FA13-AC9F-47B6-87F4-D7D64D1358A9}"/>
+              </a:ext>
+            </a:extLst>
+          </p:cNvPr>
+          <p:cNvSpPr txBox="1">
+            <a:spLocks/>
+          </p:cNvSpPr>
+          <p:nvPr/>
+        </p:nvSpPr>
+        <p:spPr>
+          <a:xfrm>
+            <a:off x="4476048" y="952907"/>
+            <a:ext cx="6812870" cy="555172"/>
+          </a:xfrm>
+          <a:prstGeom prst="rect">
+            <a:avLst/>
+          </a:prstGeom>
+        </p:spPr>
+        <p:txBody>
+          <a:bodyPr vert="horz" lIns="243744" tIns="121869" rIns="243744" bIns="121869" rtlCol="0">
+            <a:noAutofit/>
+          </a:bodyPr>
+          <a:lstStyle>
+            <a:lvl1pPr marL="342900" indent="-342900" algn="l" defTabSz="457200" rtl="0" eaLnBrk="1" latinLnBrk="0" hangingPunct="1">
+              <a:spcBef>
+                <a:spcPct val="20000"/>
+              </a:spcBef>
+              <a:buFont typeface="Arial"/>
+              <a:buChar char="•"/>
+              <a:defRPr sz="3200" kern="1200">
+                <a:solidFill>
+                  <a:schemeClr val="tx1"/>
+                </a:solidFill>
+                <a:latin typeface="+mn-lt"/>
+                <a:ea typeface="+mn-ea"/>
+                <a:cs typeface="+mn-cs"/>
+              </a:defRPr>
+            </a:lvl1pPr>
+            <a:lvl2pPr marL="742950" indent="-285750" algn="l" defTabSz="457200" rtl="0" eaLnBrk="1" latinLnBrk="0" hangingPunct="1">
+              <a:spcBef>
+                <a:spcPct val="20000"/>
+              </a:spcBef>
+              <a:buFont typeface="Arial"/>
+              <a:buChar char="–"/>
+              <a:defRPr sz="2800" kern="1200">
+                <a:solidFill>
+                  <a:schemeClr val="tx1"/>
+                </a:solidFill>
+                <a:latin typeface="+mn-lt"/>
+                <a:ea typeface="+mn-ea"/>
+                <a:cs typeface="+mn-cs"/>
+              </a:defRPr>
+            </a:lvl2pPr>
+            <a:lvl3pPr marL="1143000" indent="-228600" algn="l" defTabSz="457200" rtl="0" eaLnBrk="1" latinLnBrk="0" hangingPunct="1">
+              <a:spcBef>
+                <a:spcPct val="20000"/>
+              </a:spcBef>
+              <a:buFont typeface="Arial"/>
+              <a:buChar char="•"/>
+              <a:defRPr sz="2400" kern="1200">
+                <a:solidFill>
+                  <a:schemeClr val="tx1"/>
+                </a:solidFill>
+                <a:latin typeface="+mn-lt"/>
+                <a:ea typeface="+mn-ea"/>
+                <a:cs typeface="+mn-cs"/>
+              </a:defRPr>
+            </a:lvl3pPr>
+            <a:lvl4pPr marL="1600200" indent="-228600" algn="l" defTabSz="457200" rtl="0" eaLnBrk="1" latinLnBrk="0" hangingPunct="1">
+              <a:spcBef>
+                <a:spcPct val="20000"/>
+              </a:spcBef>
+              <a:buFont typeface="Arial"/>
+              <a:buChar char="–"/>
+              <a:defRPr sz="2000" kern="1200">
+                <a:solidFill>
+                  <a:schemeClr val="tx1"/>
+                </a:solidFill>
+                <a:latin typeface="+mn-lt"/>
+                <a:ea typeface="+mn-ea"/>
+                <a:cs typeface="+mn-cs"/>
+              </a:defRPr>
+            </a:lvl4pPr>
+            <a:lvl5pPr marL="2057400" indent="-228600" algn="l" defTabSz="457200" rtl="0" eaLnBrk="1" latinLnBrk="0" hangingPunct="1">
+              <a:spcBef>
+                <a:spcPct val="20000"/>
+              </a:spcBef>
+              <a:buFont typeface="Arial"/>
+              <a:buChar char="»"/>
+              <a:defRPr sz="2000" kern="1200">
+                <a:solidFill>
+                  <a:schemeClr val="tx1"/>
+                </a:solidFill>
+                <a:latin typeface="+mn-lt"/>
+                <a:ea typeface="+mn-ea"/>
+                <a:cs typeface="+mn-cs"/>
+              </a:defRPr>
+            </a:lvl5pPr>
+            <a:lvl6pPr marL="2514600" indent="-228600" algn="l" defTabSz="457200" rtl="0" eaLnBrk="1" latinLnBrk="0" hangingPunct="1">
+              <a:spcBef>
+                <a:spcPct val="20000"/>
+              </a:spcBef>
+              <a:buFont typeface="Arial"/>
+              <a:buChar char="•"/>
+              <a:defRPr sz="2000" kern="1200">
+                <a:solidFill>
+                  <a:schemeClr val="tx1"/>
+                </a:solidFill>
+                <a:latin typeface="+mn-lt"/>
+                <a:ea typeface="+mn-ea"/>
+                <a:cs typeface="+mn-cs"/>
+              </a:defRPr>
+            </a:lvl6pPr>
+            <a:lvl7pPr marL="2971800" indent="-228600" algn="l" defTabSz="457200" rtl="0" eaLnBrk="1" latinLnBrk="0" hangingPunct="1">
+              <a:spcBef>
+                <a:spcPct val="20000"/>
+              </a:spcBef>
+              <a:buFont typeface="Arial"/>
+              <a:buChar char="•"/>
+              <a:defRPr sz="2000" kern="1200">
+                <a:solidFill>
+                  <a:schemeClr val="tx1"/>
+                </a:solidFill>
+                <a:latin typeface="+mn-lt"/>
+                <a:ea typeface="+mn-ea"/>
+                <a:cs typeface="+mn-cs"/>
+              </a:defRPr>
+            </a:lvl7pPr>
+            <a:lvl8pPr marL="3429000" indent="-228600" algn="l" defTabSz="457200" rtl="0" eaLnBrk="1" latinLnBrk="0" hangingPunct="1">
+              <a:spcBef>
+                <a:spcPct val="20000"/>
+              </a:spcBef>
+              <a:buFont typeface="Arial"/>
+              <a:buChar char="•"/>
+              <a:defRPr sz="2000" kern="1200">
+                <a:solidFill>
+                  <a:schemeClr val="tx1"/>
+                </a:solidFill>
+                <a:latin typeface="+mn-lt"/>
+                <a:ea typeface="+mn-ea"/>
+                <a:cs typeface="+mn-cs"/>
+              </a:defRPr>
+            </a:lvl8pPr>
+            <a:lvl9pPr marL="3886200" indent="-228600" algn="l" defTabSz="457200" rtl="0" eaLnBrk="1" latinLnBrk="0" hangingPunct="1">
+              <a:spcBef>
+                <a:spcPct val="20000"/>
+              </a:spcBef>
+              <a:buFont typeface="Arial"/>
+              <a:buChar char="•"/>
+              <a:defRPr sz="2000" kern="1200">
+                <a:solidFill>
+                  <a:schemeClr val="tx1"/>
+                </a:solidFill>
+                <a:latin typeface="+mn-lt"/>
+                <a:ea typeface="+mn-ea"/>
+                <a:cs typeface="+mn-cs"/>
+              </a:defRPr>
+            </a:lvl9pPr>
+          </a:lstStyle>
+          <a:p>
+            <a:pPr marL="0" indent="0">
+              <a:buNone/>
+            </a:pPr>
+            <a:r>
+              <a:rPr lang="fr-FR" sz="2000" dirty="0">
+                <a:solidFill>
+                  <a:schemeClr val="tx2"/>
+                </a:solidFill>
+                <a:latin typeface="Lato Regular"/>
+                <a:cs typeface="Lato Regular"/>
+              </a:rPr>
+              <a:t>Lancement du monitoring :</a:t>
+            </a:r>
+          </a:p>
+        </p:txBody>
+      </p:sp>
+      <p:pic>
+        <p:nvPicPr>
+          <p:cNvPr id="5" name="Image 4">
+            <a:extLst>
+              <a:ext uri="{FF2B5EF4-FFF2-40B4-BE49-F238E27FC236}">
+                <a16:creationId xmlns:a16="http://schemas.microsoft.com/office/drawing/2014/main" id="{C10BCFCC-252F-44F4-948C-85378115B9CA}"/>
+              </a:ext>
+            </a:extLst>
+          </p:cNvPr>
+          <p:cNvPicPr>
+            <a:picLocks noChangeAspect="1"/>
+          </p:cNvPicPr>
+          <p:nvPr/>
+        </p:nvPicPr>
+        <p:blipFill>
+          <a:blip r:embed="rId3" cstate="print">
+            <a:extLst>
+              <a:ext uri="{28A0092B-C50C-407E-A947-70E740481C1C}">
+                <a14:useLocalDpi xmlns:a14="http://schemas.microsoft.com/office/drawing/2010/main" val="0"/>
+              </a:ext>
+            </a:extLst>
+          </a:blip>
+          <a:stretch>
+            <a:fillRect/>
+          </a:stretch>
+        </p:blipFill>
+        <p:spPr>
+          <a:xfrm>
+            <a:off x="641825" y="1714500"/>
+            <a:ext cx="3532017" cy="3429000"/>
+          </a:xfrm>
+          <a:prstGeom prst="rect">
+            <a:avLst/>
+          </a:prstGeom>
+        </p:spPr>
+      </p:pic>
+      <p:pic>
+        <p:nvPicPr>
+          <p:cNvPr id="3" name="Image 2">
+            <a:extLst>
+              <a:ext uri="{FF2B5EF4-FFF2-40B4-BE49-F238E27FC236}">
+                <a16:creationId xmlns:a16="http://schemas.microsoft.com/office/drawing/2014/main" id="{C6BC1289-4E70-42C8-9893-75083EBF3F16}"/>
+              </a:ext>
+            </a:extLst>
+          </p:cNvPr>
+          <p:cNvPicPr>
+            <a:picLocks noChangeAspect="1"/>
+          </p:cNvPicPr>
+          <p:nvPr/>
+        </p:nvPicPr>
+        <p:blipFill>
+          <a:blip r:embed="rId4" cstate="print">
+            <a:extLst>
+              <a:ext uri="{28A0092B-C50C-407E-A947-70E740481C1C}">
+                <a14:useLocalDpi xmlns:a14="http://schemas.microsoft.com/office/drawing/2010/main" val="0"/>
+              </a:ext>
+            </a:extLst>
+          </a:blip>
+          <a:stretch>
+            <a:fillRect/>
+          </a:stretch>
+        </p:blipFill>
+        <p:spPr>
+          <a:xfrm>
+            <a:off x="4374256" y="2349516"/>
+            <a:ext cx="7269817" cy="3640609"/>
+          </a:xfrm>
+          <a:prstGeom prst="rect">
+            <a:avLst/>
+          </a:prstGeom>
+        </p:spPr>
+      </p:pic>
+      <p:pic>
+        <p:nvPicPr>
+          <p:cNvPr id="8" name="Image 7">
+            <a:extLst>
+              <a:ext uri="{FF2B5EF4-FFF2-40B4-BE49-F238E27FC236}">
+                <a16:creationId xmlns:a16="http://schemas.microsoft.com/office/drawing/2014/main" id="{9DA0BA81-81F1-4D5D-B3DB-52D48F628356}"/>
+              </a:ext>
+            </a:extLst>
+          </p:cNvPr>
+          <p:cNvPicPr>
+            <a:picLocks noChangeAspect="1"/>
+          </p:cNvPicPr>
+          <p:nvPr/>
+        </p:nvPicPr>
+        <p:blipFill>
+          <a:blip r:embed="rId5">
+            <a:extLst>
+              <a:ext uri="{28A0092B-C50C-407E-A947-70E740481C1C}">
+                <a14:useLocalDpi xmlns:a14="http://schemas.microsoft.com/office/drawing/2010/main" val="0"/>
+              </a:ext>
+            </a:extLst>
+          </a:blip>
+          <a:stretch>
+            <a:fillRect/>
+          </a:stretch>
+        </p:blipFill>
+        <p:spPr>
+          <a:xfrm>
+            <a:off x="3909103" y="1679329"/>
+            <a:ext cx="7734970" cy="327688"/>
+          </a:xfrm>
+          <a:prstGeom prst="rect">
+            <a:avLst/>
+          </a:prstGeom>
+        </p:spPr>
+      </p:pic>
+      <p:sp>
+        <p:nvSpPr>
+          <p:cNvPr id="15" name="Subtitle 2">
+            <a:extLst>
+              <a:ext uri="{FF2B5EF4-FFF2-40B4-BE49-F238E27FC236}">
+                <a16:creationId xmlns:a16="http://schemas.microsoft.com/office/drawing/2014/main" id="{7DDFA463-677B-4500-B6BC-6B58B80531D8}"/>
+              </a:ext>
+            </a:extLst>
+          </p:cNvPr>
+          <p:cNvSpPr txBox="1">
+            <a:spLocks/>
+          </p:cNvSpPr>
+          <p:nvPr/>
+        </p:nvSpPr>
+        <p:spPr>
+          <a:xfrm>
+            <a:off x="8659993" y="226486"/>
+            <a:ext cx="3532007" cy="555172"/>
+          </a:xfrm>
+          <a:prstGeom prst="rect">
+            <a:avLst/>
+          </a:prstGeom>
+        </p:spPr>
+        <p:txBody>
+          <a:bodyPr vert="horz" lIns="243744" tIns="121869" rIns="243744" bIns="121869" rtlCol="0">
+            <a:noAutofit/>
+          </a:bodyPr>
+          <a:lstStyle>
+            <a:lvl1pPr marL="342900" indent="-342900" algn="l" defTabSz="457200" rtl="0" eaLnBrk="1" latinLnBrk="0" hangingPunct="1">
+              <a:spcBef>
+                <a:spcPct val="20000"/>
+              </a:spcBef>
+              <a:buFont typeface="Arial"/>
+              <a:buChar char="•"/>
+              <a:defRPr sz="3200" kern="1200">
+                <a:solidFill>
+                  <a:schemeClr val="tx1"/>
+                </a:solidFill>
+                <a:latin typeface="+mn-lt"/>
+                <a:ea typeface="+mn-ea"/>
+                <a:cs typeface="+mn-cs"/>
+              </a:defRPr>
+            </a:lvl1pPr>
+            <a:lvl2pPr marL="742950" indent="-285750" algn="l" defTabSz="457200" rtl="0" eaLnBrk="1" latinLnBrk="0" hangingPunct="1">
+              <a:spcBef>
+                <a:spcPct val="20000"/>
+              </a:spcBef>
+              <a:buFont typeface="Arial"/>
+              <a:buChar char="–"/>
+              <a:defRPr sz="2800" kern="1200">
+                <a:solidFill>
+                  <a:schemeClr val="tx1"/>
+                </a:solidFill>
+                <a:latin typeface="+mn-lt"/>
+                <a:ea typeface="+mn-ea"/>
+                <a:cs typeface="+mn-cs"/>
+              </a:defRPr>
+            </a:lvl2pPr>
+            <a:lvl3pPr marL="1143000" indent="-228600" algn="l" defTabSz="457200" rtl="0" eaLnBrk="1" latinLnBrk="0" hangingPunct="1">
+              <a:spcBef>
+                <a:spcPct val="20000"/>
+              </a:spcBef>
+              <a:buFont typeface="Arial"/>
+              <a:buChar char="•"/>
+              <a:defRPr sz="2400" kern="1200">
+                <a:solidFill>
+                  <a:schemeClr val="tx1"/>
+                </a:solidFill>
+                <a:latin typeface="+mn-lt"/>
+                <a:ea typeface="+mn-ea"/>
+                <a:cs typeface="+mn-cs"/>
+              </a:defRPr>
+            </a:lvl3pPr>
+            <a:lvl4pPr marL="1600200" indent="-228600" algn="l" defTabSz="457200" rtl="0" eaLnBrk="1" latinLnBrk="0" hangingPunct="1">
+              <a:spcBef>
+                <a:spcPct val="20000"/>
+              </a:spcBef>
+              <a:buFont typeface="Arial"/>
+              <a:buChar char="–"/>
+              <a:defRPr sz="2000" kern="1200">
+                <a:solidFill>
+                  <a:schemeClr val="tx1"/>
+                </a:solidFill>
+                <a:latin typeface="+mn-lt"/>
+                <a:ea typeface="+mn-ea"/>
+                <a:cs typeface="+mn-cs"/>
+              </a:defRPr>
+            </a:lvl4pPr>
+            <a:lvl5pPr marL="2057400" indent="-228600" algn="l" defTabSz="457200" rtl="0" eaLnBrk="1" latinLnBrk="0" hangingPunct="1">
+              <a:spcBef>
+                <a:spcPct val="20000"/>
+              </a:spcBef>
+              <a:buFont typeface="Arial"/>
+              <a:buChar char="»"/>
+              <a:defRPr sz="2000" kern="1200">
+                <a:solidFill>
+                  <a:schemeClr val="tx1"/>
+                </a:solidFill>
+                <a:latin typeface="+mn-lt"/>
+                <a:ea typeface="+mn-ea"/>
+                <a:cs typeface="+mn-cs"/>
+              </a:defRPr>
+            </a:lvl5pPr>
+            <a:lvl6pPr marL="2514600" indent="-228600" algn="l" defTabSz="457200" rtl="0" eaLnBrk="1" latinLnBrk="0" hangingPunct="1">
+              <a:spcBef>
+                <a:spcPct val="20000"/>
+              </a:spcBef>
+              <a:buFont typeface="Arial"/>
+              <a:buChar char="•"/>
+              <a:defRPr sz="2000" kern="1200">
+                <a:solidFill>
+                  <a:schemeClr val="tx1"/>
+                </a:solidFill>
+                <a:latin typeface="+mn-lt"/>
+                <a:ea typeface="+mn-ea"/>
+                <a:cs typeface="+mn-cs"/>
+              </a:defRPr>
+            </a:lvl6pPr>
+            <a:lvl7pPr marL="2971800" indent="-228600" algn="l" defTabSz="457200" rtl="0" eaLnBrk="1" latinLnBrk="0" hangingPunct="1">
+              <a:spcBef>
+                <a:spcPct val="20000"/>
+              </a:spcBef>
+              <a:buFont typeface="Arial"/>
+              <a:buChar char="•"/>
+              <a:defRPr sz="2000" kern="1200">
+                <a:solidFill>
+                  <a:schemeClr val="tx1"/>
+                </a:solidFill>
+                <a:latin typeface="+mn-lt"/>
+                <a:ea typeface="+mn-ea"/>
+                <a:cs typeface="+mn-cs"/>
+              </a:defRPr>
+            </a:lvl7pPr>
+            <a:lvl8pPr marL="3429000" indent="-228600" algn="l" defTabSz="457200" rtl="0" eaLnBrk="1" latinLnBrk="0" hangingPunct="1">
+              <a:spcBef>
+                <a:spcPct val="20000"/>
+              </a:spcBef>
+              <a:buFont typeface="Arial"/>
+              <a:buChar char="•"/>
+              <a:defRPr sz="2000" kern="1200">
+                <a:solidFill>
+                  <a:schemeClr val="tx1"/>
+                </a:solidFill>
+                <a:latin typeface="+mn-lt"/>
+                <a:ea typeface="+mn-ea"/>
+                <a:cs typeface="+mn-cs"/>
+              </a:defRPr>
+            </a:lvl8pPr>
+            <a:lvl9pPr marL="3886200" indent="-228600" algn="l" defTabSz="457200" rtl="0" eaLnBrk="1" latinLnBrk="0" hangingPunct="1">
+              <a:spcBef>
+                <a:spcPct val="20000"/>
+              </a:spcBef>
+              <a:buFont typeface="Arial"/>
+              <a:buChar char="•"/>
+              <a:defRPr sz="2000" kern="1200">
+                <a:solidFill>
+                  <a:schemeClr val="tx1"/>
+                </a:solidFill>
+                <a:latin typeface="+mn-lt"/>
+                <a:ea typeface="+mn-ea"/>
+                <a:cs typeface="+mn-cs"/>
+              </a:defRPr>
+            </a:lvl9pPr>
+          </a:lstStyle>
+          <a:p>
+            <a:pPr marL="0" indent="0">
+              <a:buNone/>
+            </a:pPr>
+            <a:r>
+              <a:rPr lang="fr-FR" sz="1100" dirty="0">
+                <a:solidFill>
+                  <a:schemeClr val="bg1">
+                    <a:lumMod val="50000"/>
+                  </a:schemeClr>
+                </a:solidFill>
+                <a:hlinkClick r:id="rId6">
+                  <a:extLst>
+                    <a:ext uri="{A12FA001-AC4F-418D-AE19-62706E023703}">
+                      <ahyp:hlinkClr xmlns:ahyp="http://schemas.microsoft.com/office/drawing/2018/hyperlinkcolor" val="tx"/>
+                    </a:ext>
+                  </a:extLst>
+                </a:hlinkClick>
+              </a:rPr>
+              <a:t>Source : https://github.com/astefanutti/kubebox</a:t>
+            </a:r>
+            <a:endParaRPr lang="fr-FR" sz="1100" dirty="0">
+              <a:solidFill>
+                <a:schemeClr val="bg1">
+                  <a:lumMod val="50000"/>
+                </a:schemeClr>
+              </a:solidFill>
+              <a:latin typeface="Lato Regular"/>
+              <a:cs typeface="Lato Regular"/>
+            </a:endParaRPr>
+          </a:p>
+        </p:txBody>
+      </p:sp>
+    </p:spTree>
+    <p:extLst>
+      <p:ext uri="{BB962C8B-B14F-4D97-AF65-F5344CB8AC3E}">
+        <p14:creationId xmlns:p14="http://schemas.microsoft.com/office/powerpoint/2010/main" val="1825755753"/>
+      </p:ext>
+    </p:extLst>
+  </p:cSld>
+  <p:clrMapOvr>
+    <a:masterClrMapping/>
+  </p:clrMapOvr>
+  <p:timing>
+    <p:tnLst>
+      <p:par>
+        <p:cTn id="1" dur="indefinite" restart="never" nodeType="tmRoot">
+          <p:childTnLst>
+            <p:seq concurrent="1" nextAc="seek">
+              <p:cTn id="2" dur="indefinite" nodeType="mainSeq">
+                <p:childTnLst>
+                  <p:par>
+                    <p:cTn id="3" fill="hold">
+                      <p:stCondLst>
+                        <p:cond delay="indefinite"/>
+                        <p:cond evt="onBegin" delay="0">
+                          <p:tn val="2"/>
+                        </p:cond>
+                      </p:stCondLst>
+                      <p:childTnLst>
+                        <p:par>
+                          <p:cTn id="4" fill="hold">
+                            <p:stCondLst>
+                              <p:cond delay="0"/>
+                            </p:stCondLst>
+                            <p:childTnLst>
+                              <p:par>
+                                <p:cTn id="5" presetID="10" presetClass="entr" presetSubtype="0" fill="hold" nodeType="withEffect">
+                                  <p:stCondLst>
+                                    <p:cond delay="0"/>
+                                  </p:stCondLst>
+                                  <p:childTnLst>
+                                    <p:set>
+                                      <p:cBhvr>
+                                        <p:cTn id="6" dur="1" fill="hold">
+                                          <p:stCondLst>
+                                            <p:cond delay="0"/>
+                                          </p:stCondLst>
+                                        </p:cTn>
+                                        <p:tgtEl>
+                                          <p:spTgt spid="43"/>
+                                        </p:tgtEl>
+                                        <p:attrNameLst>
+                                          <p:attrName>style.visibility</p:attrName>
+                                        </p:attrNameLst>
+                                      </p:cBhvr>
+                                      <p:to>
+                                        <p:strVal val="visible"/>
+                                      </p:to>
+                                    </p:set>
+                                    <p:animEffect transition="in" filter="fade">
+                                      <p:cBhvr>
+                                        <p:cTn id="7" dur="500"/>
+                                        <p:tgtEl>
+                                          <p:spTgt spid="43"/>
+                                        </p:tgtEl>
+                                      </p:cBhvr>
+                                    </p:animEffect>
+                                  </p:childTnLst>
+                                </p:cTn>
+                              </p:par>
+                            </p:childTnLst>
+                          </p:cTn>
+                        </p:par>
+                      </p:childTnLst>
+                    </p:cTn>
+                  </p:par>
+                </p:childTnLst>
+              </p:cTn>
+              <p:prevCondLst>
+                <p:cond evt="onPrev" delay="0">
+                  <p:tgtEl>
+                    <p:sldTgt/>
+                  </p:tgtEl>
+                </p:cond>
+              </p:prevCondLst>
+              <p:nextCondLst>
+                <p:cond evt="onNext" delay="0">
+                  <p:tgtEl>
+                    <p:sldTgt/>
+                  </p:tgtEl>
+                </p:cond>
+              </p:nextCondLst>
+            </p:seq>
+          </p:childTnLst>
+        </p:cTn>
+      </p:par>
+    </p:tnLst>
+  </p:timing>
+</p:sld>
+</file>
+
+<file path=ppt/slides/slide29.xml><?xml version="1.0" encoding="utf-8"?>
+<p:sld xmlns:a="http://schemas.openxmlformats.org/drawingml/2006/main" xmlns:r="http://schemas.openxmlformats.org/officeDocument/2006/relationships" xmlns:p="http://schemas.openxmlformats.org/presentationml/2006/main">
+  <p:cSld>
+    <p:spTree>
+      <p:nvGrpSpPr>
+        <p:cNvPr id="1" name=""/>
+        <p:cNvGrpSpPr/>
+        <p:nvPr/>
+      </p:nvGrpSpPr>
+      <p:grpSpPr>
+        <a:xfrm>
+          <a:off x="0" y="0"/>
+          <a:ext cx="0" cy="0"/>
+          <a:chOff x="0" y="0"/>
+          <a:chExt cx="0" cy="0"/>
+        </a:xfrm>
+      </p:grpSpPr>
       <p:grpSp>
         <p:nvGrpSpPr>
           <p:cNvPr id="202" name="Groupe 201"/>
@@ -21307,7 +23358,7 @@
                 <a:latin typeface="Lato Regular"/>
                 <a:cs typeface="Lato Regular"/>
               </a:rPr>
-              <a:t>TP 2 :</a:t>
+              <a:t>TP 3 :</a:t>
             </a:r>
           </a:p>
           <a:p>
@@ -21512,1168 +23563,6 @@
     <p:extLst>
       <p:ext uri="{BB962C8B-B14F-4D97-AF65-F5344CB8AC3E}">
         <p14:creationId xmlns:p14="http://schemas.microsoft.com/office/powerpoint/2010/main" val="1365977226"/>
-      </p:ext>
-    </p:extLst>
-  </p:cSld>
-  <p:clrMapOvr>
-    <a:masterClrMapping/>
-  </p:clrMapOvr>
-</p:sld>
-</file>
-
-<file path=ppt/slides/slide27.xml><?xml version="1.0" encoding="utf-8"?>
-<p:sld xmlns:a="http://schemas.openxmlformats.org/drawingml/2006/main" xmlns:r="http://schemas.openxmlformats.org/officeDocument/2006/relationships" xmlns:p="http://schemas.openxmlformats.org/presentationml/2006/main">
-  <p:cSld>
-    <p:spTree>
-      <p:nvGrpSpPr>
-        <p:cNvPr id="1" name=""/>
-        <p:cNvGrpSpPr/>
-        <p:nvPr/>
-      </p:nvGrpSpPr>
-      <p:grpSpPr>
-        <a:xfrm>
-          <a:off x="0" y="0"/>
-          <a:ext cx="0" cy="0"/>
-          <a:chOff x="0" y="0"/>
-          <a:chExt cx="0" cy="0"/>
-        </a:xfrm>
-      </p:grpSpPr>
-      <p:grpSp>
-        <p:nvGrpSpPr>
-          <p:cNvPr id="202" name="Groupe 201"/>
-          <p:cNvGrpSpPr/>
-          <p:nvPr/>
-        </p:nvGrpSpPr>
-        <p:grpSpPr>
-          <a:xfrm>
-            <a:off x="0" y="73772"/>
-            <a:ext cx="6722061" cy="883356"/>
-            <a:chOff x="0" y="-9760"/>
-            <a:chExt cx="5383255" cy="785565"/>
-          </a:xfrm>
-        </p:grpSpPr>
-        <p:sp>
-          <p:nvSpPr>
-            <p:cNvPr id="203" name="ZoneTexte 202"/>
-            <p:cNvSpPr txBox="1"/>
-            <p:nvPr/>
-          </p:nvSpPr>
-          <p:spPr>
-            <a:xfrm>
-              <a:off x="109500" y="-9760"/>
-              <a:ext cx="5273755" cy="629520"/>
-            </a:xfrm>
-            <a:prstGeom prst="rect">
-              <a:avLst/>
-            </a:prstGeom>
-            <a:noFill/>
-          </p:spPr>
-          <p:txBody>
-            <a:bodyPr wrap="none" rtlCol="0">
-              <a:spAutoFit/>
-            </a:bodyPr>
-            <a:lstStyle/>
-            <a:p>
-              <a:r>
-                <a:rPr lang="fr-FR" sz="4000" b="1" dirty="0">
-                  <a:latin typeface="Lato Regular" panose="020F0502020204030203" pitchFamily="34" charset="0"/>
-                  <a:ea typeface="Lato Regular" panose="020F0502020204030203" pitchFamily="34" charset="0"/>
-                  <a:cs typeface="Lato Regular" panose="020F0502020204030203" pitchFamily="34" charset="0"/>
-                </a:rPr>
-                <a:t>Analyse du second tir de charge</a:t>
-              </a:r>
-              <a:endParaRPr lang="fr-FR" sz="3600" b="1" dirty="0">
-                <a:latin typeface="Lato Regular" panose="020F0502020204030203" pitchFamily="34" charset="0"/>
-                <a:ea typeface="Lato Regular" panose="020F0502020204030203" pitchFamily="34" charset="0"/>
-                <a:cs typeface="Lato Regular" panose="020F0502020204030203" pitchFamily="34" charset="0"/>
-              </a:endParaRPr>
-            </a:p>
-          </p:txBody>
-        </p:sp>
-        <p:sp>
-          <p:nvSpPr>
-            <p:cNvPr id="204" name="Rectangle 203"/>
-            <p:cNvSpPr/>
-            <p:nvPr/>
-          </p:nvSpPr>
-          <p:spPr>
-            <a:xfrm>
-              <a:off x="0" y="619760"/>
-              <a:ext cx="2357120" cy="156045"/>
-            </a:xfrm>
-            <a:prstGeom prst="rect">
-              <a:avLst/>
-            </a:prstGeom>
-            <a:solidFill>
-              <a:srgbClr val="872163"/>
-            </a:solidFill>
-            <a:ln>
-              <a:noFill/>
-            </a:ln>
-          </p:spPr>
-          <p:style>
-            <a:lnRef idx="2">
-              <a:schemeClr val="accent1">
-                <a:shade val="50000"/>
-              </a:schemeClr>
-            </a:lnRef>
-            <a:fillRef idx="1">
-              <a:schemeClr val="accent1"/>
-            </a:fillRef>
-            <a:effectRef idx="0">
-              <a:schemeClr val="accent1"/>
-            </a:effectRef>
-            <a:fontRef idx="minor">
-              <a:schemeClr val="lt1"/>
-            </a:fontRef>
-          </p:style>
-          <p:txBody>
-            <a:bodyPr rtlCol="0" anchor="ctr"/>
-            <a:lstStyle/>
-            <a:p>
-              <a:pPr algn="ctr"/>
-              <a:endParaRPr lang="fr-FR"/>
-            </a:p>
-          </p:txBody>
-        </p:sp>
-      </p:grpSp>
-      <p:sp>
-        <p:nvSpPr>
-          <p:cNvPr id="4" name="Rectangle 3"/>
-          <p:cNvSpPr/>
-          <p:nvPr/>
-        </p:nvSpPr>
-        <p:spPr>
-          <a:xfrm>
-            <a:off x="1280160" y="6228859"/>
-            <a:ext cx="10348377" cy="369332"/>
-          </a:xfrm>
-          <a:prstGeom prst="rect">
-            <a:avLst/>
-          </a:prstGeom>
-        </p:spPr>
-        <p:txBody>
-          <a:bodyPr wrap="square">
-            <a:spAutoFit/>
-          </a:bodyPr>
-          <a:lstStyle/>
-          <a:p>
-            <a:pPr algn="ctr"/>
-            <a:r>
-              <a:rPr lang="fr-FR" dirty="0">
-                <a:latin typeface="Lato Regular" panose="020F0502020204030203" pitchFamily="34" charset="0"/>
-                <a:ea typeface="Lato Regular" panose="020F0502020204030203" pitchFamily="34" charset="0"/>
-                <a:cs typeface="Lato Regular" panose="020F0502020204030203" pitchFamily="34" charset="0"/>
-              </a:rPr>
-              <a:t>Tir :  C:\dev\gatling-maven-plugin-demo\target\gatling\basicsimulation-nbtir\index.html</a:t>
-            </a:r>
-          </a:p>
-        </p:txBody>
-      </p:sp>
-      <p:sp>
-        <p:nvSpPr>
-          <p:cNvPr id="12" name="Subtitle 2">
-            <a:extLst>
-              <a:ext uri="{FF2B5EF4-FFF2-40B4-BE49-F238E27FC236}">
-                <a16:creationId xmlns:a16="http://schemas.microsoft.com/office/drawing/2014/main" id="{3A78FA13-AC9F-47B6-87F4-D7D64D1358A9}"/>
-              </a:ext>
-            </a:extLst>
-          </p:cNvPr>
-          <p:cNvSpPr txBox="1">
-            <a:spLocks/>
-          </p:cNvSpPr>
-          <p:nvPr/>
-        </p:nvSpPr>
-        <p:spPr>
-          <a:xfrm>
-            <a:off x="322908" y="1350474"/>
-            <a:ext cx="6510153" cy="502532"/>
-          </a:xfrm>
-          <a:prstGeom prst="rect">
-            <a:avLst/>
-          </a:prstGeom>
-        </p:spPr>
-        <p:txBody>
-          <a:bodyPr vert="horz" lIns="243744" tIns="121869" rIns="243744" bIns="121869" rtlCol="0">
-            <a:noAutofit/>
-          </a:bodyPr>
-          <a:lstStyle>
-            <a:lvl1pPr marL="342900" indent="-342900" algn="l" defTabSz="457200" rtl="0" eaLnBrk="1" latinLnBrk="0" hangingPunct="1">
-              <a:spcBef>
-                <a:spcPct val="20000"/>
-              </a:spcBef>
-              <a:buFont typeface="Arial"/>
-              <a:buChar char="•"/>
-              <a:defRPr sz="3200" kern="1200">
-                <a:solidFill>
-                  <a:schemeClr val="tx1"/>
-                </a:solidFill>
-                <a:latin typeface="+mn-lt"/>
-                <a:ea typeface="+mn-ea"/>
-                <a:cs typeface="+mn-cs"/>
-              </a:defRPr>
-            </a:lvl1pPr>
-            <a:lvl2pPr marL="742950" indent="-285750" algn="l" defTabSz="457200" rtl="0" eaLnBrk="1" latinLnBrk="0" hangingPunct="1">
-              <a:spcBef>
-                <a:spcPct val="20000"/>
-              </a:spcBef>
-              <a:buFont typeface="Arial"/>
-              <a:buChar char="–"/>
-              <a:defRPr sz="2800" kern="1200">
-                <a:solidFill>
-                  <a:schemeClr val="tx1"/>
-                </a:solidFill>
-                <a:latin typeface="+mn-lt"/>
-                <a:ea typeface="+mn-ea"/>
-                <a:cs typeface="+mn-cs"/>
-              </a:defRPr>
-            </a:lvl2pPr>
-            <a:lvl3pPr marL="1143000" indent="-228600" algn="l" defTabSz="457200" rtl="0" eaLnBrk="1" latinLnBrk="0" hangingPunct="1">
-              <a:spcBef>
-                <a:spcPct val="20000"/>
-              </a:spcBef>
-              <a:buFont typeface="Arial"/>
-              <a:buChar char="•"/>
-              <a:defRPr sz="2400" kern="1200">
-                <a:solidFill>
-                  <a:schemeClr val="tx1"/>
-                </a:solidFill>
-                <a:latin typeface="+mn-lt"/>
-                <a:ea typeface="+mn-ea"/>
-                <a:cs typeface="+mn-cs"/>
-              </a:defRPr>
-            </a:lvl3pPr>
-            <a:lvl4pPr marL="1600200" indent="-228600" algn="l" defTabSz="457200" rtl="0" eaLnBrk="1" latinLnBrk="0" hangingPunct="1">
-              <a:spcBef>
-                <a:spcPct val="20000"/>
-              </a:spcBef>
-              <a:buFont typeface="Arial"/>
-              <a:buChar char="–"/>
-              <a:defRPr sz="2000" kern="1200">
-                <a:solidFill>
-                  <a:schemeClr val="tx1"/>
-                </a:solidFill>
-                <a:latin typeface="+mn-lt"/>
-                <a:ea typeface="+mn-ea"/>
-                <a:cs typeface="+mn-cs"/>
-              </a:defRPr>
-            </a:lvl4pPr>
-            <a:lvl5pPr marL="2057400" indent="-228600" algn="l" defTabSz="457200" rtl="0" eaLnBrk="1" latinLnBrk="0" hangingPunct="1">
-              <a:spcBef>
-                <a:spcPct val="20000"/>
-              </a:spcBef>
-              <a:buFont typeface="Arial"/>
-              <a:buChar char="»"/>
-              <a:defRPr sz="2000" kern="1200">
-                <a:solidFill>
-                  <a:schemeClr val="tx1"/>
-                </a:solidFill>
-                <a:latin typeface="+mn-lt"/>
-                <a:ea typeface="+mn-ea"/>
-                <a:cs typeface="+mn-cs"/>
-              </a:defRPr>
-            </a:lvl5pPr>
-            <a:lvl6pPr marL="2514600" indent="-228600" algn="l" defTabSz="457200" rtl="0" eaLnBrk="1" latinLnBrk="0" hangingPunct="1">
-              <a:spcBef>
-                <a:spcPct val="20000"/>
-              </a:spcBef>
-              <a:buFont typeface="Arial"/>
-              <a:buChar char="•"/>
-              <a:defRPr sz="2000" kern="1200">
-                <a:solidFill>
-                  <a:schemeClr val="tx1"/>
-                </a:solidFill>
-                <a:latin typeface="+mn-lt"/>
-                <a:ea typeface="+mn-ea"/>
-                <a:cs typeface="+mn-cs"/>
-              </a:defRPr>
-            </a:lvl6pPr>
-            <a:lvl7pPr marL="2971800" indent="-228600" algn="l" defTabSz="457200" rtl="0" eaLnBrk="1" latinLnBrk="0" hangingPunct="1">
-              <a:spcBef>
-                <a:spcPct val="20000"/>
-              </a:spcBef>
-              <a:buFont typeface="Arial"/>
-              <a:buChar char="•"/>
-              <a:defRPr sz="2000" kern="1200">
-                <a:solidFill>
-                  <a:schemeClr val="tx1"/>
-                </a:solidFill>
-                <a:latin typeface="+mn-lt"/>
-                <a:ea typeface="+mn-ea"/>
-                <a:cs typeface="+mn-cs"/>
-              </a:defRPr>
-            </a:lvl7pPr>
-            <a:lvl8pPr marL="3429000" indent="-228600" algn="l" defTabSz="457200" rtl="0" eaLnBrk="1" latinLnBrk="0" hangingPunct="1">
-              <a:spcBef>
-                <a:spcPct val="20000"/>
-              </a:spcBef>
-              <a:buFont typeface="Arial"/>
-              <a:buChar char="•"/>
-              <a:defRPr sz="2000" kern="1200">
-                <a:solidFill>
-                  <a:schemeClr val="tx1"/>
-                </a:solidFill>
-                <a:latin typeface="+mn-lt"/>
-                <a:ea typeface="+mn-ea"/>
-                <a:cs typeface="+mn-cs"/>
-              </a:defRPr>
-            </a:lvl8pPr>
-            <a:lvl9pPr marL="3886200" indent="-228600" algn="l" defTabSz="457200" rtl="0" eaLnBrk="1" latinLnBrk="0" hangingPunct="1">
-              <a:spcBef>
-                <a:spcPct val="20000"/>
-              </a:spcBef>
-              <a:buFont typeface="Arial"/>
-              <a:buChar char="•"/>
-              <a:defRPr sz="2000" kern="1200">
-                <a:solidFill>
-                  <a:schemeClr val="tx1"/>
-                </a:solidFill>
-                <a:latin typeface="+mn-lt"/>
-                <a:ea typeface="+mn-ea"/>
-                <a:cs typeface="+mn-cs"/>
-              </a:defRPr>
-            </a:lvl9pPr>
-          </a:lstStyle>
-          <a:p>
-            <a:pPr marL="0" indent="0" algn="ctr">
-              <a:buNone/>
-            </a:pPr>
-            <a:r>
-              <a:rPr lang="fr-FR" sz="2000" dirty="0">
-                <a:solidFill>
-                  <a:schemeClr val="tx2"/>
-                </a:solidFill>
-                <a:latin typeface="Lato Regular"/>
-                <a:cs typeface="Lato Regular"/>
-              </a:rPr>
-              <a:t>Résultat du tir de charge avec 1 réplicas par service :</a:t>
-            </a:r>
-            <a:endParaRPr lang="fr-FR" sz="1600" dirty="0">
-              <a:solidFill>
-                <a:schemeClr val="tx2"/>
-              </a:solidFill>
-              <a:latin typeface="Lato Light"/>
-              <a:cs typeface="Lato Light"/>
-            </a:endParaRPr>
-          </a:p>
-        </p:txBody>
-      </p:sp>
-      <p:pic>
-        <p:nvPicPr>
-          <p:cNvPr id="13" name="Image 12"/>
-          <p:cNvPicPr>
-            <a:picLocks noChangeAspect="1"/>
-          </p:cNvPicPr>
-          <p:nvPr/>
-        </p:nvPicPr>
-        <p:blipFill rotWithShape="1">
-          <a:blip r:embed="rId3">
-            <a:extLst>
-              <a:ext uri="{28A0092B-C50C-407E-A947-70E740481C1C}">
-                <a14:useLocalDpi xmlns:a14="http://schemas.microsoft.com/office/drawing/2010/main" val="0"/>
-              </a:ext>
-            </a:extLst>
-          </a:blip>
-          <a:srcRect l="38750" t="22204" r="38372" b="39045"/>
-          <a:stretch/>
-        </p:blipFill>
-        <p:spPr>
-          <a:xfrm>
-            <a:off x="322909" y="2085526"/>
-            <a:ext cx="2297511" cy="3891279"/>
-          </a:xfrm>
-          <a:prstGeom prst="rect">
-            <a:avLst/>
-          </a:prstGeom>
-        </p:spPr>
-      </p:pic>
-      <p:pic>
-        <p:nvPicPr>
-          <p:cNvPr id="3" name="Image 2"/>
-          <p:cNvPicPr>
-            <a:picLocks noChangeAspect="1"/>
-          </p:cNvPicPr>
-          <p:nvPr/>
-        </p:nvPicPr>
-        <p:blipFill>
-          <a:blip r:embed="rId4">
-            <a:extLst>
-              <a:ext uri="{28A0092B-C50C-407E-A947-70E740481C1C}">
-                <a14:useLocalDpi xmlns:a14="http://schemas.microsoft.com/office/drawing/2010/main" val="0"/>
-              </a:ext>
-            </a:extLst>
-          </a:blip>
-          <a:stretch>
-            <a:fillRect/>
-          </a:stretch>
-        </p:blipFill>
-        <p:spPr>
-          <a:xfrm>
-            <a:off x="2676697" y="2136790"/>
-            <a:ext cx="9409147" cy="3788749"/>
-          </a:xfrm>
-          <a:prstGeom prst="rect">
-            <a:avLst/>
-          </a:prstGeom>
-        </p:spPr>
-      </p:pic>
-    </p:spTree>
-    <p:extLst>
-      <p:ext uri="{BB962C8B-B14F-4D97-AF65-F5344CB8AC3E}">
-        <p14:creationId xmlns:p14="http://schemas.microsoft.com/office/powerpoint/2010/main" val="4190241344"/>
-      </p:ext>
-    </p:extLst>
-  </p:cSld>
-  <p:clrMapOvr>
-    <a:masterClrMapping/>
-  </p:clrMapOvr>
-</p:sld>
-</file>
-
-<file path=ppt/slides/slide28.xml><?xml version="1.0" encoding="utf-8"?>
-<p:sld xmlns:a="http://schemas.openxmlformats.org/drawingml/2006/main" xmlns:r="http://schemas.openxmlformats.org/officeDocument/2006/relationships" xmlns:p="http://schemas.openxmlformats.org/presentationml/2006/main">
-  <p:cSld>
-    <p:spTree>
-      <p:nvGrpSpPr>
-        <p:cNvPr id="1" name=""/>
-        <p:cNvGrpSpPr/>
-        <p:nvPr/>
-      </p:nvGrpSpPr>
-      <p:grpSpPr>
-        <a:xfrm>
-          <a:off x="0" y="0"/>
-          <a:ext cx="0" cy="0"/>
-          <a:chOff x="0" y="0"/>
-          <a:chExt cx="0" cy="0"/>
-        </a:xfrm>
-      </p:grpSpPr>
-      <p:grpSp>
-        <p:nvGrpSpPr>
-          <p:cNvPr id="202" name="Groupe 201"/>
-          <p:cNvGrpSpPr/>
-          <p:nvPr/>
-        </p:nvGrpSpPr>
-        <p:grpSpPr>
-          <a:xfrm>
-            <a:off x="0" y="73772"/>
-            <a:ext cx="6722061" cy="883356"/>
-            <a:chOff x="0" y="-9760"/>
-            <a:chExt cx="5383255" cy="785565"/>
-          </a:xfrm>
-        </p:grpSpPr>
-        <p:sp>
-          <p:nvSpPr>
-            <p:cNvPr id="203" name="ZoneTexte 202"/>
-            <p:cNvSpPr txBox="1"/>
-            <p:nvPr/>
-          </p:nvSpPr>
-          <p:spPr>
-            <a:xfrm>
-              <a:off x="109500" y="-9760"/>
-              <a:ext cx="5273755" cy="629520"/>
-            </a:xfrm>
-            <a:prstGeom prst="rect">
-              <a:avLst/>
-            </a:prstGeom>
-            <a:noFill/>
-          </p:spPr>
-          <p:txBody>
-            <a:bodyPr wrap="none" rtlCol="0">
-              <a:spAutoFit/>
-            </a:bodyPr>
-            <a:lstStyle/>
-            <a:p>
-              <a:r>
-                <a:rPr lang="fr-FR" sz="4000" b="1" dirty="0">
-                  <a:latin typeface="Lato Regular" panose="020F0502020204030203" pitchFamily="34" charset="0"/>
-                  <a:ea typeface="Lato Regular" panose="020F0502020204030203" pitchFamily="34" charset="0"/>
-                  <a:cs typeface="Lato Regular" panose="020F0502020204030203" pitchFamily="34" charset="0"/>
-                </a:rPr>
-                <a:t>Analyse du second tir de charge</a:t>
-              </a:r>
-              <a:endParaRPr lang="fr-FR" sz="3600" b="1" dirty="0">
-                <a:latin typeface="Lato Regular" panose="020F0502020204030203" pitchFamily="34" charset="0"/>
-                <a:ea typeface="Lato Regular" panose="020F0502020204030203" pitchFamily="34" charset="0"/>
-                <a:cs typeface="Lato Regular" panose="020F0502020204030203" pitchFamily="34" charset="0"/>
-              </a:endParaRPr>
-            </a:p>
-          </p:txBody>
-        </p:sp>
-        <p:sp>
-          <p:nvSpPr>
-            <p:cNvPr id="204" name="Rectangle 203"/>
-            <p:cNvSpPr/>
-            <p:nvPr/>
-          </p:nvSpPr>
-          <p:spPr>
-            <a:xfrm>
-              <a:off x="0" y="619760"/>
-              <a:ext cx="2357120" cy="156045"/>
-            </a:xfrm>
-            <a:prstGeom prst="rect">
-              <a:avLst/>
-            </a:prstGeom>
-            <a:solidFill>
-              <a:srgbClr val="872163"/>
-            </a:solidFill>
-            <a:ln>
-              <a:noFill/>
-            </a:ln>
-          </p:spPr>
-          <p:style>
-            <a:lnRef idx="2">
-              <a:schemeClr val="accent1">
-                <a:shade val="50000"/>
-              </a:schemeClr>
-            </a:lnRef>
-            <a:fillRef idx="1">
-              <a:schemeClr val="accent1"/>
-            </a:fillRef>
-            <a:effectRef idx="0">
-              <a:schemeClr val="accent1"/>
-            </a:effectRef>
-            <a:fontRef idx="minor">
-              <a:schemeClr val="lt1"/>
-            </a:fontRef>
-          </p:style>
-          <p:txBody>
-            <a:bodyPr rtlCol="0" anchor="ctr"/>
-            <a:lstStyle/>
-            <a:p>
-              <a:pPr algn="ctr"/>
-              <a:endParaRPr lang="fr-FR"/>
-            </a:p>
-          </p:txBody>
-        </p:sp>
-      </p:grpSp>
-      <p:sp>
-        <p:nvSpPr>
-          <p:cNvPr id="4" name="Rectangle 3"/>
-          <p:cNvSpPr/>
-          <p:nvPr/>
-        </p:nvSpPr>
-        <p:spPr>
-          <a:xfrm>
-            <a:off x="1280160" y="6228859"/>
-            <a:ext cx="10348377" cy="369332"/>
-          </a:xfrm>
-          <a:prstGeom prst="rect">
-            <a:avLst/>
-          </a:prstGeom>
-        </p:spPr>
-        <p:txBody>
-          <a:bodyPr wrap="square">
-            <a:spAutoFit/>
-          </a:bodyPr>
-          <a:lstStyle/>
-          <a:p>
-            <a:pPr algn="ctr"/>
-            <a:r>
-              <a:rPr lang="fr-FR" dirty="0">
-                <a:latin typeface="Lato Regular" panose="020F0502020204030203" pitchFamily="34" charset="0"/>
-                <a:ea typeface="Lato Regular" panose="020F0502020204030203" pitchFamily="34" charset="0"/>
-                <a:cs typeface="Lato Regular" panose="020F0502020204030203" pitchFamily="34" charset="0"/>
-              </a:rPr>
-              <a:t>Tir :  C:\dev\gatling-maven-plugin-demo\target\gatling\basicsimulation-nbtir\index.html</a:t>
-            </a:r>
-          </a:p>
-        </p:txBody>
-      </p:sp>
-      <p:sp>
-        <p:nvSpPr>
-          <p:cNvPr id="12" name="Subtitle 2">
-            <a:extLst>
-              <a:ext uri="{FF2B5EF4-FFF2-40B4-BE49-F238E27FC236}">
-                <a16:creationId xmlns:a16="http://schemas.microsoft.com/office/drawing/2014/main" id="{3A78FA13-AC9F-47B6-87F4-D7D64D1358A9}"/>
-              </a:ext>
-            </a:extLst>
-          </p:cNvPr>
-          <p:cNvSpPr txBox="1">
-            <a:spLocks/>
-          </p:cNvSpPr>
-          <p:nvPr/>
-        </p:nvSpPr>
-        <p:spPr>
-          <a:xfrm>
-            <a:off x="322908" y="1350474"/>
-            <a:ext cx="6510153" cy="502532"/>
-          </a:xfrm>
-          <a:prstGeom prst="rect">
-            <a:avLst/>
-          </a:prstGeom>
-        </p:spPr>
-        <p:txBody>
-          <a:bodyPr vert="horz" lIns="243744" tIns="121869" rIns="243744" bIns="121869" rtlCol="0">
-            <a:noAutofit/>
-          </a:bodyPr>
-          <a:lstStyle>
-            <a:lvl1pPr marL="342900" indent="-342900" algn="l" defTabSz="457200" rtl="0" eaLnBrk="1" latinLnBrk="0" hangingPunct="1">
-              <a:spcBef>
-                <a:spcPct val="20000"/>
-              </a:spcBef>
-              <a:buFont typeface="Arial"/>
-              <a:buChar char="•"/>
-              <a:defRPr sz="3200" kern="1200">
-                <a:solidFill>
-                  <a:schemeClr val="tx1"/>
-                </a:solidFill>
-                <a:latin typeface="+mn-lt"/>
-                <a:ea typeface="+mn-ea"/>
-                <a:cs typeface="+mn-cs"/>
-              </a:defRPr>
-            </a:lvl1pPr>
-            <a:lvl2pPr marL="742950" indent="-285750" algn="l" defTabSz="457200" rtl="0" eaLnBrk="1" latinLnBrk="0" hangingPunct="1">
-              <a:spcBef>
-                <a:spcPct val="20000"/>
-              </a:spcBef>
-              <a:buFont typeface="Arial"/>
-              <a:buChar char="–"/>
-              <a:defRPr sz="2800" kern="1200">
-                <a:solidFill>
-                  <a:schemeClr val="tx1"/>
-                </a:solidFill>
-                <a:latin typeface="+mn-lt"/>
-                <a:ea typeface="+mn-ea"/>
-                <a:cs typeface="+mn-cs"/>
-              </a:defRPr>
-            </a:lvl2pPr>
-            <a:lvl3pPr marL="1143000" indent="-228600" algn="l" defTabSz="457200" rtl="0" eaLnBrk="1" latinLnBrk="0" hangingPunct="1">
-              <a:spcBef>
-                <a:spcPct val="20000"/>
-              </a:spcBef>
-              <a:buFont typeface="Arial"/>
-              <a:buChar char="•"/>
-              <a:defRPr sz="2400" kern="1200">
-                <a:solidFill>
-                  <a:schemeClr val="tx1"/>
-                </a:solidFill>
-                <a:latin typeface="+mn-lt"/>
-                <a:ea typeface="+mn-ea"/>
-                <a:cs typeface="+mn-cs"/>
-              </a:defRPr>
-            </a:lvl3pPr>
-            <a:lvl4pPr marL="1600200" indent="-228600" algn="l" defTabSz="457200" rtl="0" eaLnBrk="1" latinLnBrk="0" hangingPunct="1">
-              <a:spcBef>
-                <a:spcPct val="20000"/>
-              </a:spcBef>
-              <a:buFont typeface="Arial"/>
-              <a:buChar char="–"/>
-              <a:defRPr sz="2000" kern="1200">
-                <a:solidFill>
-                  <a:schemeClr val="tx1"/>
-                </a:solidFill>
-                <a:latin typeface="+mn-lt"/>
-                <a:ea typeface="+mn-ea"/>
-                <a:cs typeface="+mn-cs"/>
-              </a:defRPr>
-            </a:lvl4pPr>
-            <a:lvl5pPr marL="2057400" indent="-228600" algn="l" defTabSz="457200" rtl="0" eaLnBrk="1" latinLnBrk="0" hangingPunct="1">
-              <a:spcBef>
-                <a:spcPct val="20000"/>
-              </a:spcBef>
-              <a:buFont typeface="Arial"/>
-              <a:buChar char="»"/>
-              <a:defRPr sz="2000" kern="1200">
-                <a:solidFill>
-                  <a:schemeClr val="tx1"/>
-                </a:solidFill>
-                <a:latin typeface="+mn-lt"/>
-                <a:ea typeface="+mn-ea"/>
-                <a:cs typeface="+mn-cs"/>
-              </a:defRPr>
-            </a:lvl5pPr>
-            <a:lvl6pPr marL="2514600" indent="-228600" algn="l" defTabSz="457200" rtl="0" eaLnBrk="1" latinLnBrk="0" hangingPunct="1">
-              <a:spcBef>
-                <a:spcPct val="20000"/>
-              </a:spcBef>
-              <a:buFont typeface="Arial"/>
-              <a:buChar char="•"/>
-              <a:defRPr sz="2000" kern="1200">
-                <a:solidFill>
-                  <a:schemeClr val="tx1"/>
-                </a:solidFill>
-                <a:latin typeface="+mn-lt"/>
-                <a:ea typeface="+mn-ea"/>
-                <a:cs typeface="+mn-cs"/>
-              </a:defRPr>
-            </a:lvl6pPr>
-            <a:lvl7pPr marL="2971800" indent="-228600" algn="l" defTabSz="457200" rtl="0" eaLnBrk="1" latinLnBrk="0" hangingPunct="1">
-              <a:spcBef>
-                <a:spcPct val="20000"/>
-              </a:spcBef>
-              <a:buFont typeface="Arial"/>
-              <a:buChar char="•"/>
-              <a:defRPr sz="2000" kern="1200">
-                <a:solidFill>
-                  <a:schemeClr val="tx1"/>
-                </a:solidFill>
-                <a:latin typeface="+mn-lt"/>
-                <a:ea typeface="+mn-ea"/>
-                <a:cs typeface="+mn-cs"/>
-              </a:defRPr>
-            </a:lvl7pPr>
-            <a:lvl8pPr marL="3429000" indent="-228600" algn="l" defTabSz="457200" rtl="0" eaLnBrk="1" latinLnBrk="0" hangingPunct="1">
-              <a:spcBef>
-                <a:spcPct val="20000"/>
-              </a:spcBef>
-              <a:buFont typeface="Arial"/>
-              <a:buChar char="•"/>
-              <a:defRPr sz="2000" kern="1200">
-                <a:solidFill>
-                  <a:schemeClr val="tx1"/>
-                </a:solidFill>
-                <a:latin typeface="+mn-lt"/>
-                <a:ea typeface="+mn-ea"/>
-                <a:cs typeface="+mn-cs"/>
-              </a:defRPr>
-            </a:lvl8pPr>
-            <a:lvl9pPr marL="3886200" indent="-228600" algn="l" defTabSz="457200" rtl="0" eaLnBrk="1" latinLnBrk="0" hangingPunct="1">
-              <a:spcBef>
-                <a:spcPct val="20000"/>
-              </a:spcBef>
-              <a:buFont typeface="Arial"/>
-              <a:buChar char="•"/>
-              <a:defRPr sz="2000" kern="1200">
-                <a:solidFill>
-                  <a:schemeClr val="tx1"/>
-                </a:solidFill>
-                <a:latin typeface="+mn-lt"/>
-                <a:ea typeface="+mn-ea"/>
-                <a:cs typeface="+mn-cs"/>
-              </a:defRPr>
-            </a:lvl9pPr>
-          </a:lstStyle>
-          <a:p>
-            <a:pPr marL="0" indent="0" algn="ctr">
-              <a:buNone/>
-            </a:pPr>
-            <a:r>
-              <a:rPr lang="fr-FR" sz="2000" dirty="0">
-                <a:solidFill>
-                  <a:schemeClr val="tx2"/>
-                </a:solidFill>
-                <a:latin typeface="Lato Regular"/>
-                <a:cs typeface="Lato Regular"/>
-              </a:rPr>
-              <a:t>Résultat du tir de charge avec 3 réplicas par service :</a:t>
-            </a:r>
-            <a:endParaRPr lang="fr-FR" sz="1600" dirty="0">
-              <a:solidFill>
-                <a:schemeClr val="tx2"/>
-              </a:solidFill>
-              <a:latin typeface="Lato Light"/>
-              <a:cs typeface="Lato Light"/>
-            </a:endParaRPr>
-          </a:p>
-        </p:txBody>
-      </p:sp>
-      <p:pic>
-        <p:nvPicPr>
-          <p:cNvPr id="13" name="Image 12"/>
-          <p:cNvPicPr>
-            <a:picLocks noChangeAspect="1"/>
-          </p:cNvPicPr>
-          <p:nvPr/>
-        </p:nvPicPr>
-        <p:blipFill rotWithShape="1">
-          <a:blip r:embed="rId3">
-            <a:extLst>
-              <a:ext uri="{28A0092B-C50C-407E-A947-70E740481C1C}">
-                <a14:useLocalDpi xmlns:a14="http://schemas.microsoft.com/office/drawing/2010/main" val="0"/>
-              </a:ext>
-            </a:extLst>
-          </a:blip>
-          <a:srcRect l="38750" t="22204" r="38372" b="39045"/>
-          <a:stretch/>
-        </p:blipFill>
-        <p:spPr>
-          <a:xfrm>
-            <a:off x="322909" y="2085526"/>
-            <a:ext cx="2297511" cy="3891279"/>
-          </a:xfrm>
-          <a:prstGeom prst="rect">
-            <a:avLst/>
-          </a:prstGeom>
-        </p:spPr>
-      </p:pic>
-      <p:pic>
-        <p:nvPicPr>
-          <p:cNvPr id="3" name="Image 2"/>
-          <p:cNvPicPr>
-            <a:picLocks noChangeAspect="1"/>
-          </p:cNvPicPr>
-          <p:nvPr/>
-        </p:nvPicPr>
-        <p:blipFill>
-          <a:blip r:embed="rId4">
-            <a:extLst>
-              <a:ext uri="{28A0092B-C50C-407E-A947-70E740481C1C}">
-                <a14:useLocalDpi xmlns:a14="http://schemas.microsoft.com/office/drawing/2010/main" val="0"/>
-              </a:ext>
-            </a:extLst>
-          </a:blip>
-          <a:stretch>
-            <a:fillRect/>
-          </a:stretch>
-        </p:blipFill>
-        <p:spPr>
-          <a:xfrm>
-            <a:off x="2697378" y="2136790"/>
-            <a:ext cx="9367785" cy="3788749"/>
-          </a:xfrm>
-          <a:prstGeom prst="rect">
-            <a:avLst/>
-          </a:prstGeom>
-        </p:spPr>
-      </p:pic>
-    </p:spTree>
-    <p:extLst>
-      <p:ext uri="{BB962C8B-B14F-4D97-AF65-F5344CB8AC3E}">
-        <p14:creationId xmlns:p14="http://schemas.microsoft.com/office/powerpoint/2010/main" val="2359096803"/>
-      </p:ext>
-    </p:extLst>
-  </p:cSld>
-  <p:clrMapOvr>
-    <a:masterClrMapping/>
-  </p:clrMapOvr>
-</p:sld>
-</file>
-
-<file path=ppt/slides/slide29.xml><?xml version="1.0" encoding="utf-8"?>
-<p:sld xmlns:a="http://schemas.openxmlformats.org/drawingml/2006/main" xmlns:r="http://schemas.openxmlformats.org/officeDocument/2006/relationships" xmlns:p="http://schemas.openxmlformats.org/presentationml/2006/main">
-  <p:cSld>
-    <p:spTree>
-      <p:nvGrpSpPr>
-        <p:cNvPr id="1" name=""/>
-        <p:cNvGrpSpPr/>
-        <p:nvPr/>
-      </p:nvGrpSpPr>
-      <p:grpSpPr>
-        <a:xfrm>
-          <a:off x="0" y="0"/>
-          <a:ext cx="0" cy="0"/>
-          <a:chOff x="0" y="0"/>
-          <a:chExt cx="0" cy="0"/>
-        </a:xfrm>
-      </p:grpSpPr>
-      <p:grpSp>
-        <p:nvGrpSpPr>
-          <p:cNvPr id="202" name="Groupe 201"/>
-          <p:cNvGrpSpPr/>
-          <p:nvPr/>
-        </p:nvGrpSpPr>
-        <p:grpSpPr>
-          <a:xfrm>
-            <a:off x="0" y="73772"/>
-            <a:ext cx="2943332" cy="883356"/>
-            <a:chOff x="0" y="-9760"/>
-            <a:chExt cx="2357120" cy="785565"/>
-          </a:xfrm>
-        </p:grpSpPr>
-        <p:sp>
-          <p:nvSpPr>
-            <p:cNvPr id="203" name="ZoneTexte 202"/>
-            <p:cNvSpPr txBox="1"/>
-            <p:nvPr/>
-          </p:nvSpPr>
-          <p:spPr>
-            <a:xfrm>
-              <a:off x="109500" y="-9760"/>
-              <a:ext cx="1535609" cy="629520"/>
-            </a:xfrm>
-            <a:prstGeom prst="rect">
-              <a:avLst/>
-            </a:prstGeom>
-            <a:noFill/>
-          </p:spPr>
-          <p:txBody>
-            <a:bodyPr wrap="none" rtlCol="0">
-              <a:spAutoFit/>
-            </a:bodyPr>
-            <a:lstStyle/>
-            <a:p>
-              <a:r>
-                <a:rPr lang="fr-FR" sz="4000" b="1" dirty="0">
-                  <a:latin typeface="Lato Regular" panose="020F0502020204030203" pitchFamily="34" charset="0"/>
-                  <a:ea typeface="Lato Regular" panose="020F0502020204030203" pitchFamily="34" charset="0"/>
-                  <a:cs typeface="Lato Regular" panose="020F0502020204030203" pitchFamily="34" charset="0"/>
-                </a:rPr>
-                <a:t>Constat</a:t>
-              </a:r>
-              <a:endParaRPr lang="fr-FR" sz="3600" b="1" dirty="0">
-                <a:latin typeface="Lato Regular" panose="020F0502020204030203" pitchFamily="34" charset="0"/>
-                <a:ea typeface="Lato Regular" panose="020F0502020204030203" pitchFamily="34" charset="0"/>
-                <a:cs typeface="Lato Regular" panose="020F0502020204030203" pitchFamily="34" charset="0"/>
-              </a:endParaRPr>
-            </a:p>
-          </p:txBody>
-        </p:sp>
-        <p:sp>
-          <p:nvSpPr>
-            <p:cNvPr id="204" name="Rectangle 203"/>
-            <p:cNvSpPr/>
-            <p:nvPr/>
-          </p:nvSpPr>
-          <p:spPr>
-            <a:xfrm>
-              <a:off x="0" y="619760"/>
-              <a:ext cx="2357120" cy="156045"/>
-            </a:xfrm>
-            <a:prstGeom prst="rect">
-              <a:avLst/>
-            </a:prstGeom>
-            <a:solidFill>
-              <a:srgbClr val="438721"/>
-            </a:solidFill>
-            <a:ln>
-              <a:noFill/>
-            </a:ln>
-          </p:spPr>
-          <p:style>
-            <a:lnRef idx="2">
-              <a:schemeClr val="accent1">
-                <a:shade val="50000"/>
-              </a:schemeClr>
-            </a:lnRef>
-            <a:fillRef idx="1">
-              <a:schemeClr val="accent1"/>
-            </a:fillRef>
-            <a:effectRef idx="0">
-              <a:schemeClr val="accent1"/>
-            </a:effectRef>
-            <a:fontRef idx="minor">
-              <a:schemeClr val="lt1"/>
-            </a:fontRef>
-          </p:style>
-          <p:txBody>
-            <a:bodyPr rtlCol="0" anchor="ctr"/>
-            <a:lstStyle/>
-            <a:p>
-              <a:pPr algn="ctr"/>
-              <a:endParaRPr lang="fr-FR"/>
-            </a:p>
-          </p:txBody>
-        </p:sp>
-      </p:grpSp>
-      <p:pic>
-        <p:nvPicPr>
-          <p:cNvPr id="2" name="Image 1"/>
-          <p:cNvPicPr>
-            <a:picLocks noChangeAspect="1"/>
-          </p:cNvPicPr>
-          <p:nvPr/>
-        </p:nvPicPr>
-        <p:blipFill>
-          <a:blip r:embed="rId3">
-            <a:extLst>
-              <a:ext uri="{28A0092B-C50C-407E-A947-70E740481C1C}">
-                <a14:useLocalDpi xmlns:a14="http://schemas.microsoft.com/office/drawing/2010/main" val="0"/>
-              </a:ext>
-            </a:extLst>
-          </a:blip>
-          <a:stretch>
-            <a:fillRect/>
-          </a:stretch>
-        </p:blipFill>
-        <p:spPr>
-          <a:xfrm>
-            <a:off x="1041664" y="1095341"/>
-            <a:ext cx="2264675" cy="1983831"/>
-          </a:xfrm>
-          <a:prstGeom prst="rect">
-            <a:avLst/>
-          </a:prstGeom>
-        </p:spPr>
-      </p:pic>
-      <p:sp>
-        <p:nvSpPr>
-          <p:cNvPr id="12" name="ZoneTexte 11"/>
-          <p:cNvSpPr txBox="1"/>
-          <p:nvPr/>
-        </p:nvSpPr>
-        <p:spPr>
-          <a:xfrm>
-            <a:off x="3400808" y="1463925"/>
-            <a:ext cx="7288922" cy="1754326"/>
-          </a:xfrm>
-          <a:prstGeom prst="rect">
-            <a:avLst/>
-          </a:prstGeom>
-          <a:noFill/>
-        </p:spPr>
-        <p:txBody>
-          <a:bodyPr wrap="square" rtlCol="0">
-            <a:spAutoFit/>
-          </a:bodyPr>
-          <a:lstStyle/>
-          <a:p>
-            <a:r>
-              <a:rPr lang="fr-FR" sz="3600" dirty="0">
-                <a:solidFill>
-                  <a:schemeClr val="tx2"/>
-                </a:solidFill>
-                <a:latin typeface="Lato Light"/>
-                <a:cs typeface="Lato Light"/>
-              </a:rPr>
-              <a:t>Objectif atelier : Faire un second constat de la résilience de notre applicatif</a:t>
-            </a:r>
-          </a:p>
-        </p:txBody>
-      </p:sp>
-      <p:pic>
-        <p:nvPicPr>
-          <p:cNvPr id="3" name="Image 2"/>
-          <p:cNvPicPr>
-            <a:picLocks noChangeAspect="1"/>
-          </p:cNvPicPr>
-          <p:nvPr/>
-        </p:nvPicPr>
-        <p:blipFill rotWithShape="1">
-          <a:blip r:embed="rId4">
-            <a:extLst>
-              <a:ext uri="{28A0092B-C50C-407E-A947-70E740481C1C}">
-                <a14:useLocalDpi xmlns:a14="http://schemas.microsoft.com/office/drawing/2010/main" val="0"/>
-              </a:ext>
-            </a:extLst>
-          </a:blip>
-          <a:srcRect l="35785" t="16772" r="32611" b="42316"/>
-          <a:stretch/>
-        </p:blipFill>
-        <p:spPr>
-          <a:xfrm>
-            <a:off x="1839154" y="3568325"/>
-            <a:ext cx="1467185" cy="1899301"/>
-          </a:xfrm>
-          <a:prstGeom prst="rect">
-            <a:avLst/>
-          </a:prstGeom>
-        </p:spPr>
-      </p:pic>
-      <p:sp>
-        <p:nvSpPr>
-          <p:cNvPr id="13" name="ZoneTexte 12"/>
-          <p:cNvSpPr txBox="1"/>
-          <p:nvPr/>
-        </p:nvSpPr>
-        <p:spPr>
-          <a:xfrm>
-            <a:off x="3696853" y="3378214"/>
-            <a:ext cx="6992877" cy="1754326"/>
-          </a:xfrm>
-          <a:prstGeom prst="rect">
-            <a:avLst/>
-          </a:prstGeom>
-          <a:noFill/>
-        </p:spPr>
-        <p:txBody>
-          <a:bodyPr wrap="square" rtlCol="0">
-            <a:spAutoFit/>
-          </a:bodyPr>
-          <a:lstStyle/>
-          <a:p>
-            <a:r>
-              <a:rPr lang="fr-FR" sz="3600" b="1" dirty="0">
-                <a:solidFill>
-                  <a:schemeClr val="tx2"/>
-                </a:solidFill>
-                <a:latin typeface="Lato Light"/>
-                <a:cs typeface="Lato Light"/>
-              </a:rPr>
-              <a:t>Aller plus loin : </a:t>
-            </a:r>
-            <a:endParaRPr lang="fr-FR" sz="3600" dirty="0">
-              <a:solidFill>
-                <a:schemeClr val="tx2"/>
-              </a:solidFill>
-              <a:latin typeface="Lato Light"/>
-              <a:cs typeface="Lato Light"/>
-            </a:endParaRPr>
-          </a:p>
-          <a:p>
-            <a:pPr marL="571500" indent="-571500">
-              <a:buFontTx/>
-              <a:buChar char="-"/>
-            </a:pPr>
-            <a:r>
-              <a:rPr lang="fr-FR" sz="3600" dirty="0" err="1">
-                <a:solidFill>
-                  <a:schemeClr val="tx2"/>
-                </a:solidFill>
-                <a:latin typeface="Lato Light"/>
-                <a:cs typeface="Lato Light"/>
-              </a:rPr>
-              <a:t>Tunning</a:t>
-            </a:r>
-            <a:r>
-              <a:rPr lang="fr-FR" sz="3600" dirty="0">
-                <a:solidFill>
-                  <a:schemeClr val="tx2"/>
-                </a:solidFill>
-                <a:latin typeface="Lato Light"/>
-                <a:cs typeface="Lato Light"/>
-              </a:rPr>
-              <a:t> des </a:t>
-            </a:r>
-            <a:r>
-              <a:rPr lang="fr-FR" sz="3600" dirty="0" err="1">
-                <a:solidFill>
-                  <a:schemeClr val="tx2"/>
-                </a:solidFill>
-                <a:latin typeface="Lato Light"/>
-                <a:cs typeface="Lato Light"/>
-              </a:rPr>
-              <a:t>yaml</a:t>
-            </a:r>
-            <a:r>
-              <a:rPr lang="fr-FR" sz="3600" dirty="0">
-                <a:solidFill>
-                  <a:schemeClr val="tx2"/>
-                </a:solidFill>
-                <a:latin typeface="Lato Light"/>
-                <a:cs typeface="Lato Light"/>
-              </a:rPr>
-              <a:t> </a:t>
-            </a:r>
-            <a:r>
-              <a:rPr lang="fr-FR" sz="3600" dirty="0" err="1">
-                <a:solidFill>
-                  <a:schemeClr val="tx2"/>
-                </a:solidFill>
-                <a:latin typeface="Lato Light"/>
-                <a:cs typeface="Lato Light"/>
-              </a:rPr>
-              <a:t>kubernetes</a:t>
-            </a:r>
-            <a:endParaRPr lang="fr-FR" sz="3600" dirty="0">
-              <a:solidFill>
-                <a:schemeClr val="tx2"/>
-              </a:solidFill>
-              <a:latin typeface="Lato Light"/>
-              <a:cs typeface="Lato Light"/>
-            </a:endParaRPr>
-          </a:p>
-          <a:p>
-            <a:pPr marL="571500" indent="-571500">
-              <a:buFontTx/>
-              <a:buChar char="-"/>
-            </a:pPr>
-            <a:r>
-              <a:rPr lang="fr-FR" sz="3600" dirty="0">
-                <a:solidFill>
-                  <a:schemeClr val="tx2"/>
-                </a:solidFill>
-                <a:latin typeface="Lato Light"/>
-                <a:cs typeface="Lato Light"/>
-              </a:rPr>
-              <a:t>Outils de supervision avancés</a:t>
-            </a:r>
-          </a:p>
-        </p:txBody>
-      </p:sp>
-    </p:spTree>
-    <p:extLst>
-      <p:ext uri="{BB962C8B-B14F-4D97-AF65-F5344CB8AC3E}">
-        <p14:creationId xmlns:p14="http://schemas.microsoft.com/office/powerpoint/2010/main" val="3793324874"/>
       </p:ext>
     </p:extLst>
   </p:cSld>
@@ -22898,6 +23787,1168 @@
       </p:grpSpPr>
       <p:grpSp>
         <p:nvGrpSpPr>
+          <p:cNvPr id="202" name="Groupe 201"/>
+          <p:cNvGrpSpPr/>
+          <p:nvPr/>
+        </p:nvGrpSpPr>
+        <p:grpSpPr>
+          <a:xfrm>
+            <a:off x="0" y="73772"/>
+            <a:ext cx="6722061" cy="883356"/>
+            <a:chOff x="0" y="-9760"/>
+            <a:chExt cx="5383255" cy="785565"/>
+          </a:xfrm>
+        </p:grpSpPr>
+        <p:sp>
+          <p:nvSpPr>
+            <p:cNvPr id="203" name="ZoneTexte 202"/>
+            <p:cNvSpPr txBox="1"/>
+            <p:nvPr/>
+          </p:nvSpPr>
+          <p:spPr>
+            <a:xfrm>
+              <a:off x="109500" y="-9760"/>
+              <a:ext cx="5273755" cy="629520"/>
+            </a:xfrm>
+            <a:prstGeom prst="rect">
+              <a:avLst/>
+            </a:prstGeom>
+            <a:noFill/>
+          </p:spPr>
+          <p:txBody>
+            <a:bodyPr wrap="none" rtlCol="0">
+              <a:spAutoFit/>
+            </a:bodyPr>
+            <a:lstStyle/>
+            <a:p>
+              <a:r>
+                <a:rPr lang="fr-FR" sz="4000" b="1" dirty="0">
+                  <a:latin typeface="Lato Regular" panose="020F0502020204030203" pitchFamily="34" charset="0"/>
+                  <a:ea typeface="Lato Regular" panose="020F0502020204030203" pitchFamily="34" charset="0"/>
+                  <a:cs typeface="Lato Regular" panose="020F0502020204030203" pitchFamily="34" charset="0"/>
+                </a:rPr>
+                <a:t>Analyse du second tir de charge</a:t>
+              </a:r>
+              <a:endParaRPr lang="fr-FR" sz="3600" b="1" dirty="0">
+                <a:latin typeface="Lato Regular" panose="020F0502020204030203" pitchFamily="34" charset="0"/>
+                <a:ea typeface="Lato Regular" panose="020F0502020204030203" pitchFamily="34" charset="0"/>
+                <a:cs typeface="Lato Regular" panose="020F0502020204030203" pitchFamily="34" charset="0"/>
+              </a:endParaRPr>
+            </a:p>
+          </p:txBody>
+        </p:sp>
+        <p:sp>
+          <p:nvSpPr>
+            <p:cNvPr id="204" name="Rectangle 203"/>
+            <p:cNvSpPr/>
+            <p:nvPr/>
+          </p:nvSpPr>
+          <p:spPr>
+            <a:xfrm>
+              <a:off x="0" y="619760"/>
+              <a:ext cx="2357120" cy="156045"/>
+            </a:xfrm>
+            <a:prstGeom prst="rect">
+              <a:avLst/>
+            </a:prstGeom>
+            <a:solidFill>
+              <a:srgbClr val="872163"/>
+            </a:solidFill>
+            <a:ln>
+              <a:noFill/>
+            </a:ln>
+          </p:spPr>
+          <p:style>
+            <a:lnRef idx="2">
+              <a:schemeClr val="accent1">
+                <a:shade val="50000"/>
+              </a:schemeClr>
+            </a:lnRef>
+            <a:fillRef idx="1">
+              <a:schemeClr val="accent1"/>
+            </a:fillRef>
+            <a:effectRef idx="0">
+              <a:schemeClr val="accent1"/>
+            </a:effectRef>
+            <a:fontRef idx="minor">
+              <a:schemeClr val="lt1"/>
+            </a:fontRef>
+          </p:style>
+          <p:txBody>
+            <a:bodyPr rtlCol="0" anchor="ctr"/>
+            <a:lstStyle/>
+            <a:p>
+              <a:pPr algn="ctr"/>
+              <a:endParaRPr lang="fr-FR"/>
+            </a:p>
+          </p:txBody>
+        </p:sp>
+      </p:grpSp>
+      <p:sp>
+        <p:nvSpPr>
+          <p:cNvPr id="4" name="Rectangle 3"/>
+          <p:cNvSpPr/>
+          <p:nvPr/>
+        </p:nvSpPr>
+        <p:spPr>
+          <a:xfrm>
+            <a:off x="1280160" y="6228859"/>
+            <a:ext cx="10348377" cy="369332"/>
+          </a:xfrm>
+          <a:prstGeom prst="rect">
+            <a:avLst/>
+          </a:prstGeom>
+        </p:spPr>
+        <p:txBody>
+          <a:bodyPr wrap="square">
+            <a:spAutoFit/>
+          </a:bodyPr>
+          <a:lstStyle/>
+          <a:p>
+            <a:pPr algn="ctr"/>
+            <a:r>
+              <a:rPr lang="fr-FR" dirty="0">
+                <a:latin typeface="Lato Regular" panose="020F0502020204030203" pitchFamily="34" charset="0"/>
+                <a:ea typeface="Lato Regular" panose="020F0502020204030203" pitchFamily="34" charset="0"/>
+                <a:cs typeface="Lato Regular" panose="020F0502020204030203" pitchFamily="34" charset="0"/>
+              </a:rPr>
+              <a:t>Tir :  C:\dev\gatling-maven-plugin-demo\target\gatling\basicsimulation-nbtir\index.html</a:t>
+            </a:r>
+          </a:p>
+        </p:txBody>
+      </p:sp>
+      <p:sp>
+        <p:nvSpPr>
+          <p:cNvPr id="12" name="Subtitle 2">
+            <a:extLst>
+              <a:ext uri="{FF2B5EF4-FFF2-40B4-BE49-F238E27FC236}">
+                <a16:creationId xmlns:a16="http://schemas.microsoft.com/office/drawing/2014/main" id="{3A78FA13-AC9F-47B6-87F4-D7D64D1358A9}"/>
+              </a:ext>
+            </a:extLst>
+          </p:cNvPr>
+          <p:cNvSpPr txBox="1">
+            <a:spLocks/>
+          </p:cNvSpPr>
+          <p:nvPr/>
+        </p:nvSpPr>
+        <p:spPr>
+          <a:xfrm>
+            <a:off x="322908" y="1350474"/>
+            <a:ext cx="6510153" cy="502532"/>
+          </a:xfrm>
+          <a:prstGeom prst="rect">
+            <a:avLst/>
+          </a:prstGeom>
+        </p:spPr>
+        <p:txBody>
+          <a:bodyPr vert="horz" lIns="243744" tIns="121869" rIns="243744" bIns="121869" rtlCol="0">
+            <a:noAutofit/>
+          </a:bodyPr>
+          <a:lstStyle>
+            <a:lvl1pPr marL="342900" indent="-342900" algn="l" defTabSz="457200" rtl="0" eaLnBrk="1" latinLnBrk="0" hangingPunct="1">
+              <a:spcBef>
+                <a:spcPct val="20000"/>
+              </a:spcBef>
+              <a:buFont typeface="Arial"/>
+              <a:buChar char="•"/>
+              <a:defRPr sz="3200" kern="1200">
+                <a:solidFill>
+                  <a:schemeClr val="tx1"/>
+                </a:solidFill>
+                <a:latin typeface="+mn-lt"/>
+                <a:ea typeface="+mn-ea"/>
+                <a:cs typeface="+mn-cs"/>
+              </a:defRPr>
+            </a:lvl1pPr>
+            <a:lvl2pPr marL="742950" indent="-285750" algn="l" defTabSz="457200" rtl="0" eaLnBrk="1" latinLnBrk="0" hangingPunct="1">
+              <a:spcBef>
+                <a:spcPct val="20000"/>
+              </a:spcBef>
+              <a:buFont typeface="Arial"/>
+              <a:buChar char="–"/>
+              <a:defRPr sz="2800" kern="1200">
+                <a:solidFill>
+                  <a:schemeClr val="tx1"/>
+                </a:solidFill>
+                <a:latin typeface="+mn-lt"/>
+                <a:ea typeface="+mn-ea"/>
+                <a:cs typeface="+mn-cs"/>
+              </a:defRPr>
+            </a:lvl2pPr>
+            <a:lvl3pPr marL="1143000" indent="-228600" algn="l" defTabSz="457200" rtl="0" eaLnBrk="1" latinLnBrk="0" hangingPunct="1">
+              <a:spcBef>
+                <a:spcPct val="20000"/>
+              </a:spcBef>
+              <a:buFont typeface="Arial"/>
+              <a:buChar char="•"/>
+              <a:defRPr sz="2400" kern="1200">
+                <a:solidFill>
+                  <a:schemeClr val="tx1"/>
+                </a:solidFill>
+                <a:latin typeface="+mn-lt"/>
+                <a:ea typeface="+mn-ea"/>
+                <a:cs typeface="+mn-cs"/>
+              </a:defRPr>
+            </a:lvl3pPr>
+            <a:lvl4pPr marL="1600200" indent="-228600" algn="l" defTabSz="457200" rtl="0" eaLnBrk="1" latinLnBrk="0" hangingPunct="1">
+              <a:spcBef>
+                <a:spcPct val="20000"/>
+              </a:spcBef>
+              <a:buFont typeface="Arial"/>
+              <a:buChar char="–"/>
+              <a:defRPr sz="2000" kern="1200">
+                <a:solidFill>
+                  <a:schemeClr val="tx1"/>
+                </a:solidFill>
+                <a:latin typeface="+mn-lt"/>
+                <a:ea typeface="+mn-ea"/>
+                <a:cs typeface="+mn-cs"/>
+              </a:defRPr>
+            </a:lvl4pPr>
+            <a:lvl5pPr marL="2057400" indent="-228600" algn="l" defTabSz="457200" rtl="0" eaLnBrk="1" latinLnBrk="0" hangingPunct="1">
+              <a:spcBef>
+                <a:spcPct val="20000"/>
+              </a:spcBef>
+              <a:buFont typeface="Arial"/>
+              <a:buChar char="»"/>
+              <a:defRPr sz="2000" kern="1200">
+                <a:solidFill>
+                  <a:schemeClr val="tx1"/>
+                </a:solidFill>
+                <a:latin typeface="+mn-lt"/>
+                <a:ea typeface="+mn-ea"/>
+                <a:cs typeface="+mn-cs"/>
+              </a:defRPr>
+            </a:lvl5pPr>
+            <a:lvl6pPr marL="2514600" indent="-228600" algn="l" defTabSz="457200" rtl="0" eaLnBrk="1" latinLnBrk="0" hangingPunct="1">
+              <a:spcBef>
+                <a:spcPct val="20000"/>
+              </a:spcBef>
+              <a:buFont typeface="Arial"/>
+              <a:buChar char="•"/>
+              <a:defRPr sz="2000" kern="1200">
+                <a:solidFill>
+                  <a:schemeClr val="tx1"/>
+                </a:solidFill>
+                <a:latin typeface="+mn-lt"/>
+                <a:ea typeface="+mn-ea"/>
+                <a:cs typeface="+mn-cs"/>
+              </a:defRPr>
+            </a:lvl6pPr>
+            <a:lvl7pPr marL="2971800" indent="-228600" algn="l" defTabSz="457200" rtl="0" eaLnBrk="1" latinLnBrk="0" hangingPunct="1">
+              <a:spcBef>
+                <a:spcPct val="20000"/>
+              </a:spcBef>
+              <a:buFont typeface="Arial"/>
+              <a:buChar char="•"/>
+              <a:defRPr sz="2000" kern="1200">
+                <a:solidFill>
+                  <a:schemeClr val="tx1"/>
+                </a:solidFill>
+                <a:latin typeface="+mn-lt"/>
+                <a:ea typeface="+mn-ea"/>
+                <a:cs typeface="+mn-cs"/>
+              </a:defRPr>
+            </a:lvl7pPr>
+            <a:lvl8pPr marL="3429000" indent="-228600" algn="l" defTabSz="457200" rtl="0" eaLnBrk="1" latinLnBrk="0" hangingPunct="1">
+              <a:spcBef>
+                <a:spcPct val="20000"/>
+              </a:spcBef>
+              <a:buFont typeface="Arial"/>
+              <a:buChar char="•"/>
+              <a:defRPr sz="2000" kern="1200">
+                <a:solidFill>
+                  <a:schemeClr val="tx1"/>
+                </a:solidFill>
+                <a:latin typeface="+mn-lt"/>
+                <a:ea typeface="+mn-ea"/>
+                <a:cs typeface="+mn-cs"/>
+              </a:defRPr>
+            </a:lvl8pPr>
+            <a:lvl9pPr marL="3886200" indent="-228600" algn="l" defTabSz="457200" rtl="0" eaLnBrk="1" latinLnBrk="0" hangingPunct="1">
+              <a:spcBef>
+                <a:spcPct val="20000"/>
+              </a:spcBef>
+              <a:buFont typeface="Arial"/>
+              <a:buChar char="•"/>
+              <a:defRPr sz="2000" kern="1200">
+                <a:solidFill>
+                  <a:schemeClr val="tx1"/>
+                </a:solidFill>
+                <a:latin typeface="+mn-lt"/>
+                <a:ea typeface="+mn-ea"/>
+                <a:cs typeface="+mn-cs"/>
+              </a:defRPr>
+            </a:lvl9pPr>
+          </a:lstStyle>
+          <a:p>
+            <a:pPr marL="0" indent="0" algn="ctr">
+              <a:buNone/>
+            </a:pPr>
+            <a:r>
+              <a:rPr lang="fr-FR" sz="2000" dirty="0">
+                <a:solidFill>
+                  <a:schemeClr val="tx2"/>
+                </a:solidFill>
+                <a:latin typeface="Lato Regular"/>
+                <a:cs typeface="Lato Regular"/>
+              </a:rPr>
+              <a:t>Résultat du tir de charge avec 1 réplicas par service :</a:t>
+            </a:r>
+            <a:endParaRPr lang="fr-FR" sz="1600" dirty="0">
+              <a:solidFill>
+                <a:schemeClr val="tx2"/>
+              </a:solidFill>
+              <a:latin typeface="Lato Light"/>
+              <a:cs typeface="Lato Light"/>
+            </a:endParaRPr>
+          </a:p>
+        </p:txBody>
+      </p:sp>
+      <p:pic>
+        <p:nvPicPr>
+          <p:cNvPr id="13" name="Image 12"/>
+          <p:cNvPicPr>
+            <a:picLocks noChangeAspect="1"/>
+          </p:cNvPicPr>
+          <p:nvPr/>
+        </p:nvPicPr>
+        <p:blipFill rotWithShape="1">
+          <a:blip r:embed="rId3">
+            <a:extLst>
+              <a:ext uri="{28A0092B-C50C-407E-A947-70E740481C1C}">
+                <a14:useLocalDpi xmlns:a14="http://schemas.microsoft.com/office/drawing/2010/main" val="0"/>
+              </a:ext>
+            </a:extLst>
+          </a:blip>
+          <a:srcRect l="38750" t="22204" r="38372" b="39045"/>
+          <a:stretch/>
+        </p:blipFill>
+        <p:spPr>
+          <a:xfrm>
+            <a:off x="322909" y="2085526"/>
+            <a:ext cx="2297511" cy="3891279"/>
+          </a:xfrm>
+          <a:prstGeom prst="rect">
+            <a:avLst/>
+          </a:prstGeom>
+        </p:spPr>
+      </p:pic>
+      <p:pic>
+        <p:nvPicPr>
+          <p:cNvPr id="3" name="Image 2"/>
+          <p:cNvPicPr>
+            <a:picLocks noChangeAspect="1"/>
+          </p:cNvPicPr>
+          <p:nvPr/>
+        </p:nvPicPr>
+        <p:blipFill>
+          <a:blip r:embed="rId4">
+            <a:extLst>
+              <a:ext uri="{28A0092B-C50C-407E-A947-70E740481C1C}">
+                <a14:useLocalDpi xmlns:a14="http://schemas.microsoft.com/office/drawing/2010/main" val="0"/>
+              </a:ext>
+            </a:extLst>
+          </a:blip>
+          <a:stretch>
+            <a:fillRect/>
+          </a:stretch>
+        </p:blipFill>
+        <p:spPr>
+          <a:xfrm>
+            <a:off x="2676697" y="2136790"/>
+            <a:ext cx="9409147" cy="3788749"/>
+          </a:xfrm>
+          <a:prstGeom prst="rect">
+            <a:avLst/>
+          </a:prstGeom>
+        </p:spPr>
+      </p:pic>
+    </p:spTree>
+    <p:extLst>
+      <p:ext uri="{BB962C8B-B14F-4D97-AF65-F5344CB8AC3E}">
+        <p14:creationId xmlns:p14="http://schemas.microsoft.com/office/powerpoint/2010/main" val="4190241344"/>
+      </p:ext>
+    </p:extLst>
+  </p:cSld>
+  <p:clrMapOvr>
+    <a:masterClrMapping/>
+  </p:clrMapOvr>
+</p:sld>
+</file>
+
+<file path=ppt/slides/slide31.xml><?xml version="1.0" encoding="utf-8"?>
+<p:sld xmlns:a="http://schemas.openxmlformats.org/drawingml/2006/main" xmlns:r="http://schemas.openxmlformats.org/officeDocument/2006/relationships" xmlns:p="http://schemas.openxmlformats.org/presentationml/2006/main">
+  <p:cSld>
+    <p:spTree>
+      <p:nvGrpSpPr>
+        <p:cNvPr id="1" name=""/>
+        <p:cNvGrpSpPr/>
+        <p:nvPr/>
+      </p:nvGrpSpPr>
+      <p:grpSpPr>
+        <a:xfrm>
+          <a:off x="0" y="0"/>
+          <a:ext cx="0" cy="0"/>
+          <a:chOff x="0" y="0"/>
+          <a:chExt cx="0" cy="0"/>
+        </a:xfrm>
+      </p:grpSpPr>
+      <p:grpSp>
+        <p:nvGrpSpPr>
+          <p:cNvPr id="202" name="Groupe 201"/>
+          <p:cNvGrpSpPr/>
+          <p:nvPr/>
+        </p:nvGrpSpPr>
+        <p:grpSpPr>
+          <a:xfrm>
+            <a:off x="0" y="73772"/>
+            <a:ext cx="6722061" cy="883356"/>
+            <a:chOff x="0" y="-9760"/>
+            <a:chExt cx="5383255" cy="785565"/>
+          </a:xfrm>
+        </p:grpSpPr>
+        <p:sp>
+          <p:nvSpPr>
+            <p:cNvPr id="203" name="ZoneTexte 202"/>
+            <p:cNvSpPr txBox="1"/>
+            <p:nvPr/>
+          </p:nvSpPr>
+          <p:spPr>
+            <a:xfrm>
+              <a:off x="109500" y="-9760"/>
+              <a:ext cx="5273755" cy="629520"/>
+            </a:xfrm>
+            <a:prstGeom prst="rect">
+              <a:avLst/>
+            </a:prstGeom>
+            <a:noFill/>
+          </p:spPr>
+          <p:txBody>
+            <a:bodyPr wrap="none" rtlCol="0">
+              <a:spAutoFit/>
+            </a:bodyPr>
+            <a:lstStyle/>
+            <a:p>
+              <a:r>
+                <a:rPr lang="fr-FR" sz="4000" b="1" dirty="0">
+                  <a:latin typeface="Lato Regular" panose="020F0502020204030203" pitchFamily="34" charset="0"/>
+                  <a:ea typeface="Lato Regular" panose="020F0502020204030203" pitchFamily="34" charset="0"/>
+                  <a:cs typeface="Lato Regular" panose="020F0502020204030203" pitchFamily="34" charset="0"/>
+                </a:rPr>
+                <a:t>Analyse du second tir de charge</a:t>
+              </a:r>
+              <a:endParaRPr lang="fr-FR" sz="3600" b="1" dirty="0">
+                <a:latin typeface="Lato Regular" panose="020F0502020204030203" pitchFamily="34" charset="0"/>
+                <a:ea typeface="Lato Regular" panose="020F0502020204030203" pitchFamily="34" charset="0"/>
+                <a:cs typeface="Lato Regular" panose="020F0502020204030203" pitchFamily="34" charset="0"/>
+              </a:endParaRPr>
+            </a:p>
+          </p:txBody>
+        </p:sp>
+        <p:sp>
+          <p:nvSpPr>
+            <p:cNvPr id="204" name="Rectangle 203"/>
+            <p:cNvSpPr/>
+            <p:nvPr/>
+          </p:nvSpPr>
+          <p:spPr>
+            <a:xfrm>
+              <a:off x="0" y="619760"/>
+              <a:ext cx="2357120" cy="156045"/>
+            </a:xfrm>
+            <a:prstGeom prst="rect">
+              <a:avLst/>
+            </a:prstGeom>
+            <a:solidFill>
+              <a:srgbClr val="872163"/>
+            </a:solidFill>
+            <a:ln>
+              <a:noFill/>
+            </a:ln>
+          </p:spPr>
+          <p:style>
+            <a:lnRef idx="2">
+              <a:schemeClr val="accent1">
+                <a:shade val="50000"/>
+              </a:schemeClr>
+            </a:lnRef>
+            <a:fillRef idx="1">
+              <a:schemeClr val="accent1"/>
+            </a:fillRef>
+            <a:effectRef idx="0">
+              <a:schemeClr val="accent1"/>
+            </a:effectRef>
+            <a:fontRef idx="minor">
+              <a:schemeClr val="lt1"/>
+            </a:fontRef>
+          </p:style>
+          <p:txBody>
+            <a:bodyPr rtlCol="0" anchor="ctr"/>
+            <a:lstStyle/>
+            <a:p>
+              <a:pPr algn="ctr"/>
+              <a:endParaRPr lang="fr-FR"/>
+            </a:p>
+          </p:txBody>
+        </p:sp>
+      </p:grpSp>
+      <p:sp>
+        <p:nvSpPr>
+          <p:cNvPr id="4" name="Rectangle 3"/>
+          <p:cNvSpPr/>
+          <p:nvPr/>
+        </p:nvSpPr>
+        <p:spPr>
+          <a:xfrm>
+            <a:off x="1280160" y="6228859"/>
+            <a:ext cx="10348377" cy="369332"/>
+          </a:xfrm>
+          <a:prstGeom prst="rect">
+            <a:avLst/>
+          </a:prstGeom>
+        </p:spPr>
+        <p:txBody>
+          <a:bodyPr wrap="square">
+            <a:spAutoFit/>
+          </a:bodyPr>
+          <a:lstStyle/>
+          <a:p>
+            <a:pPr algn="ctr"/>
+            <a:r>
+              <a:rPr lang="fr-FR" dirty="0">
+                <a:latin typeface="Lato Regular" panose="020F0502020204030203" pitchFamily="34" charset="0"/>
+                <a:ea typeface="Lato Regular" panose="020F0502020204030203" pitchFamily="34" charset="0"/>
+                <a:cs typeface="Lato Regular" panose="020F0502020204030203" pitchFamily="34" charset="0"/>
+              </a:rPr>
+              <a:t>Tir :  C:\dev\gatling-maven-plugin-demo\target\gatling\basicsimulation-nbtir\index.html</a:t>
+            </a:r>
+          </a:p>
+        </p:txBody>
+      </p:sp>
+      <p:sp>
+        <p:nvSpPr>
+          <p:cNvPr id="12" name="Subtitle 2">
+            <a:extLst>
+              <a:ext uri="{FF2B5EF4-FFF2-40B4-BE49-F238E27FC236}">
+                <a16:creationId xmlns:a16="http://schemas.microsoft.com/office/drawing/2014/main" id="{3A78FA13-AC9F-47B6-87F4-D7D64D1358A9}"/>
+              </a:ext>
+            </a:extLst>
+          </p:cNvPr>
+          <p:cNvSpPr txBox="1">
+            <a:spLocks/>
+          </p:cNvSpPr>
+          <p:nvPr/>
+        </p:nvSpPr>
+        <p:spPr>
+          <a:xfrm>
+            <a:off x="322908" y="1350474"/>
+            <a:ext cx="6510153" cy="502532"/>
+          </a:xfrm>
+          <a:prstGeom prst="rect">
+            <a:avLst/>
+          </a:prstGeom>
+        </p:spPr>
+        <p:txBody>
+          <a:bodyPr vert="horz" lIns="243744" tIns="121869" rIns="243744" bIns="121869" rtlCol="0">
+            <a:noAutofit/>
+          </a:bodyPr>
+          <a:lstStyle>
+            <a:lvl1pPr marL="342900" indent="-342900" algn="l" defTabSz="457200" rtl="0" eaLnBrk="1" latinLnBrk="0" hangingPunct="1">
+              <a:spcBef>
+                <a:spcPct val="20000"/>
+              </a:spcBef>
+              <a:buFont typeface="Arial"/>
+              <a:buChar char="•"/>
+              <a:defRPr sz="3200" kern="1200">
+                <a:solidFill>
+                  <a:schemeClr val="tx1"/>
+                </a:solidFill>
+                <a:latin typeface="+mn-lt"/>
+                <a:ea typeface="+mn-ea"/>
+                <a:cs typeface="+mn-cs"/>
+              </a:defRPr>
+            </a:lvl1pPr>
+            <a:lvl2pPr marL="742950" indent="-285750" algn="l" defTabSz="457200" rtl="0" eaLnBrk="1" latinLnBrk="0" hangingPunct="1">
+              <a:spcBef>
+                <a:spcPct val="20000"/>
+              </a:spcBef>
+              <a:buFont typeface="Arial"/>
+              <a:buChar char="–"/>
+              <a:defRPr sz="2800" kern="1200">
+                <a:solidFill>
+                  <a:schemeClr val="tx1"/>
+                </a:solidFill>
+                <a:latin typeface="+mn-lt"/>
+                <a:ea typeface="+mn-ea"/>
+                <a:cs typeface="+mn-cs"/>
+              </a:defRPr>
+            </a:lvl2pPr>
+            <a:lvl3pPr marL="1143000" indent="-228600" algn="l" defTabSz="457200" rtl="0" eaLnBrk="1" latinLnBrk="0" hangingPunct="1">
+              <a:spcBef>
+                <a:spcPct val="20000"/>
+              </a:spcBef>
+              <a:buFont typeface="Arial"/>
+              <a:buChar char="•"/>
+              <a:defRPr sz="2400" kern="1200">
+                <a:solidFill>
+                  <a:schemeClr val="tx1"/>
+                </a:solidFill>
+                <a:latin typeface="+mn-lt"/>
+                <a:ea typeface="+mn-ea"/>
+                <a:cs typeface="+mn-cs"/>
+              </a:defRPr>
+            </a:lvl3pPr>
+            <a:lvl4pPr marL="1600200" indent="-228600" algn="l" defTabSz="457200" rtl="0" eaLnBrk="1" latinLnBrk="0" hangingPunct="1">
+              <a:spcBef>
+                <a:spcPct val="20000"/>
+              </a:spcBef>
+              <a:buFont typeface="Arial"/>
+              <a:buChar char="–"/>
+              <a:defRPr sz="2000" kern="1200">
+                <a:solidFill>
+                  <a:schemeClr val="tx1"/>
+                </a:solidFill>
+                <a:latin typeface="+mn-lt"/>
+                <a:ea typeface="+mn-ea"/>
+                <a:cs typeface="+mn-cs"/>
+              </a:defRPr>
+            </a:lvl4pPr>
+            <a:lvl5pPr marL="2057400" indent="-228600" algn="l" defTabSz="457200" rtl="0" eaLnBrk="1" latinLnBrk="0" hangingPunct="1">
+              <a:spcBef>
+                <a:spcPct val="20000"/>
+              </a:spcBef>
+              <a:buFont typeface="Arial"/>
+              <a:buChar char="»"/>
+              <a:defRPr sz="2000" kern="1200">
+                <a:solidFill>
+                  <a:schemeClr val="tx1"/>
+                </a:solidFill>
+                <a:latin typeface="+mn-lt"/>
+                <a:ea typeface="+mn-ea"/>
+                <a:cs typeface="+mn-cs"/>
+              </a:defRPr>
+            </a:lvl5pPr>
+            <a:lvl6pPr marL="2514600" indent="-228600" algn="l" defTabSz="457200" rtl="0" eaLnBrk="1" latinLnBrk="0" hangingPunct="1">
+              <a:spcBef>
+                <a:spcPct val="20000"/>
+              </a:spcBef>
+              <a:buFont typeface="Arial"/>
+              <a:buChar char="•"/>
+              <a:defRPr sz="2000" kern="1200">
+                <a:solidFill>
+                  <a:schemeClr val="tx1"/>
+                </a:solidFill>
+                <a:latin typeface="+mn-lt"/>
+                <a:ea typeface="+mn-ea"/>
+                <a:cs typeface="+mn-cs"/>
+              </a:defRPr>
+            </a:lvl6pPr>
+            <a:lvl7pPr marL="2971800" indent="-228600" algn="l" defTabSz="457200" rtl="0" eaLnBrk="1" latinLnBrk="0" hangingPunct="1">
+              <a:spcBef>
+                <a:spcPct val="20000"/>
+              </a:spcBef>
+              <a:buFont typeface="Arial"/>
+              <a:buChar char="•"/>
+              <a:defRPr sz="2000" kern="1200">
+                <a:solidFill>
+                  <a:schemeClr val="tx1"/>
+                </a:solidFill>
+                <a:latin typeface="+mn-lt"/>
+                <a:ea typeface="+mn-ea"/>
+                <a:cs typeface="+mn-cs"/>
+              </a:defRPr>
+            </a:lvl7pPr>
+            <a:lvl8pPr marL="3429000" indent="-228600" algn="l" defTabSz="457200" rtl="0" eaLnBrk="1" latinLnBrk="0" hangingPunct="1">
+              <a:spcBef>
+                <a:spcPct val="20000"/>
+              </a:spcBef>
+              <a:buFont typeface="Arial"/>
+              <a:buChar char="•"/>
+              <a:defRPr sz="2000" kern="1200">
+                <a:solidFill>
+                  <a:schemeClr val="tx1"/>
+                </a:solidFill>
+                <a:latin typeface="+mn-lt"/>
+                <a:ea typeface="+mn-ea"/>
+                <a:cs typeface="+mn-cs"/>
+              </a:defRPr>
+            </a:lvl8pPr>
+            <a:lvl9pPr marL="3886200" indent="-228600" algn="l" defTabSz="457200" rtl="0" eaLnBrk="1" latinLnBrk="0" hangingPunct="1">
+              <a:spcBef>
+                <a:spcPct val="20000"/>
+              </a:spcBef>
+              <a:buFont typeface="Arial"/>
+              <a:buChar char="•"/>
+              <a:defRPr sz="2000" kern="1200">
+                <a:solidFill>
+                  <a:schemeClr val="tx1"/>
+                </a:solidFill>
+                <a:latin typeface="+mn-lt"/>
+                <a:ea typeface="+mn-ea"/>
+                <a:cs typeface="+mn-cs"/>
+              </a:defRPr>
+            </a:lvl9pPr>
+          </a:lstStyle>
+          <a:p>
+            <a:pPr marL="0" indent="0" algn="ctr">
+              <a:buNone/>
+            </a:pPr>
+            <a:r>
+              <a:rPr lang="fr-FR" sz="2000" dirty="0">
+                <a:solidFill>
+                  <a:schemeClr val="tx2"/>
+                </a:solidFill>
+                <a:latin typeface="Lato Regular"/>
+                <a:cs typeface="Lato Regular"/>
+              </a:rPr>
+              <a:t>Résultat du tir de charge avec 3 réplicas par service :</a:t>
+            </a:r>
+            <a:endParaRPr lang="fr-FR" sz="1600" dirty="0">
+              <a:solidFill>
+                <a:schemeClr val="tx2"/>
+              </a:solidFill>
+              <a:latin typeface="Lato Light"/>
+              <a:cs typeface="Lato Light"/>
+            </a:endParaRPr>
+          </a:p>
+        </p:txBody>
+      </p:sp>
+      <p:pic>
+        <p:nvPicPr>
+          <p:cNvPr id="13" name="Image 12"/>
+          <p:cNvPicPr>
+            <a:picLocks noChangeAspect="1"/>
+          </p:cNvPicPr>
+          <p:nvPr/>
+        </p:nvPicPr>
+        <p:blipFill rotWithShape="1">
+          <a:blip r:embed="rId3">
+            <a:extLst>
+              <a:ext uri="{28A0092B-C50C-407E-A947-70E740481C1C}">
+                <a14:useLocalDpi xmlns:a14="http://schemas.microsoft.com/office/drawing/2010/main" val="0"/>
+              </a:ext>
+            </a:extLst>
+          </a:blip>
+          <a:srcRect l="38750" t="22204" r="38372" b="39045"/>
+          <a:stretch/>
+        </p:blipFill>
+        <p:spPr>
+          <a:xfrm>
+            <a:off x="322909" y="2085526"/>
+            <a:ext cx="2297511" cy="3891279"/>
+          </a:xfrm>
+          <a:prstGeom prst="rect">
+            <a:avLst/>
+          </a:prstGeom>
+        </p:spPr>
+      </p:pic>
+      <p:pic>
+        <p:nvPicPr>
+          <p:cNvPr id="3" name="Image 2"/>
+          <p:cNvPicPr>
+            <a:picLocks noChangeAspect="1"/>
+          </p:cNvPicPr>
+          <p:nvPr/>
+        </p:nvPicPr>
+        <p:blipFill>
+          <a:blip r:embed="rId4">
+            <a:extLst>
+              <a:ext uri="{28A0092B-C50C-407E-A947-70E740481C1C}">
+                <a14:useLocalDpi xmlns:a14="http://schemas.microsoft.com/office/drawing/2010/main" val="0"/>
+              </a:ext>
+            </a:extLst>
+          </a:blip>
+          <a:stretch>
+            <a:fillRect/>
+          </a:stretch>
+        </p:blipFill>
+        <p:spPr>
+          <a:xfrm>
+            <a:off x="2697378" y="2136790"/>
+            <a:ext cx="9367785" cy="3788749"/>
+          </a:xfrm>
+          <a:prstGeom prst="rect">
+            <a:avLst/>
+          </a:prstGeom>
+        </p:spPr>
+      </p:pic>
+    </p:spTree>
+    <p:extLst>
+      <p:ext uri="{BB962C8B-B14F-4D97-AF65-F5344CB8AC3E}">
+        <p14:creationId xmlns:p14="http://schemas.microsoft.com/office/powerpoint/2010/main" val="2359096803"/>
+      </p:ext>
+    </p:extLst>
+  </p:cSld>
+  <p:clrMapOvr>
+    <a:masterClrMapping/>
+  </p:clrMapOvr>
+</p:sld>
+</file>
+
+<file path=ppt/slides/slide32.xml><?xml version="1.0" encoding="utf-8"?>
+<p:sld xmlns:a="http://schemas.openxmlformats.org/drawingml/2006/main" xmlns:r="http://schemas.openxmlformats.org/officeDocument/2006/relationships" xmlns:p="http://schemas.openxmlformats.org/presentationml/2006/main">
+  <p:cSld>
+    <p:spTree>
+      <p:nvGrpSpPr>
+        <p:cNvPr id="1" name=""/>
+        <p:cNvGrpSpPr/>
+        <p:nvPr/>
+      </p:nvGrpSpPr>
+      <p:grpSpPr>
+        <a:xfrm>
+          <a:off x="0" y="0"/>
+          <a:ext cx="0" cy="0"/>
+          <a:chOff x="0" y="0"/>
+          <a:chExt cx="0" cy="0"/>
+        </a:xfrm>
+      </p:grpSpPr>
+      <p:grpSp>
+        <p:nvGrpSpPr>
+          <p:cNvPr id="202" name="Groupe 201"/>
+          <p:cNvGrpSpPr/>
+          <p:nvPr/>
+        </p:nvGrpSpPr>
+        <p:grpSpPr>
+          <a:xfrm>
+            <a:off x="0" y="73772"/>
+            <a:ext cx="2943332" cy="883356"/>
+            <a:chOff x="0" y="-9760"/>
+            <a:chExt cx="2357120" cy="785565"/>
+          </a:xfrm>
+        </p:grpSpPr>
+        <p:sp>
+          <p:nvSpPr>
+            <p:cNvPr id="203" name="ZoneTexte 202"/>
+            <p:cNvSpPr txBox="1"/>
+            <p:nvPr/>
+          </p:nvSpPr>
+          <p:spPr>
+            <a:xfrm>
+              <a:off x="109500" y="-9760"/>
+              <a:ext cx="1535609" cy="629520"/>
+            </a:xfrm>
+            <a:prstGeom prst="rect">
+              <a:avLst/>
+            </a:prstGeom>
+            <a:noFill/>
+          </p:spPr>
+          <p:txBody>
+            <a:bodyPr wrap="none" rtlCol="0">
+              <a:spAutoFit/>
+            </a:bodyPr>
+            <a:lstStyle/>
+            <a:p>
+              <a:r>
+                <a:rPr lang="fr-FR" sz="4000" b="1" dirty="0">
+                  <a:latin typeface="Lato Regular" panose="020F0502020204030203" pitchFamily="34" charset="0"/>
+                  <a:ea typeface="Lato Regular" panose="020F0502020204030203" pitchFamily="34" charset="0"/>
+                  <a:cs typeface="Lato Regular" panose="020F0502020204030203" pitchFamily="34" charset="0"/>
+                </a:rPr>
+                <a:t>Constat</a:t>
+              </a:r>
+              <a:endParaRPr lang="fr-FR" sz="3600" b="1" dirty="0">
+                <a:latin typeface="Lato Regular" panose="020F0502020204030203" pitchFamily="34" charset="0"/>
+                <a:ea typeface="Lato Regular" panose="020F0502020204030203" pitchFamily="34" charset="0"/>
+                <a:cs typeface="Lato Regular" panose="020F0502020204030203" pitchFamily="34" charset="0"/>
+              </a:endParaRPr>
+            </a:p>
+          </p:txBody>
+        </p:sp>
+        <p:sp>
+          <p:nvSpPr>
+            <p:cNvPr id="204" name="Rectangle 203"/>
+            <p:cNvSpPr/>
+            <p:nvPr/>
+          </p:nvSpPr>
+          <p:spPr>
+            <a:xfrm>
+              <a:off x="0" y="619760"/>
+              <a:ext cx="2357120" cy="156045"/>
+            </a:xfrm>
+            <a:prstGeom prst="rect">
+              <a:avLst/>
+            </a:prstGeom>
+            <a:solidFill>
+              <a:srgbClr val="438721"/>
+            </a:solidFill>
+            <a:ln>
+              <a:noFill/>
+            </a:ln>
+          </p:spPr>
+          <p:style>
+            <a:lnRef idx="2">
+              <a:schemeClr val="accent1">
+                <a:shade val="50000"/>
+              </a:schemeClr>
+            </a:lnRef>
+            <a:fillRef idx="1">
+              <a:schemeClr val="accent1"/>
+            </a:fillRef>
+            <a:effectRef idx="0">
+              <a:schemeClr val="accent1"/>
+            </a:effectRef>
+            <a:fontRef idx="minor">
+              <a:schemeClr val="lt1"/>
+            </a:fontRef>
+          </p:style>
+          <p:txBody>
+            <a:bodyPr rtlCol="0" anchor="ctr"/>
+            <a:lstStyle/>
+            <a:p>
+              <a:pPr algn="ctr"/>
+              <a:endParaRPr lang="fr-FR"/>
+            </a:p>
+          </p:txBody>
+        </p:sp>
+      </p:grpSp>
+      <p:pic>
+        <p:nvPicPr>
+          <p:cNvPr id="2" name="Image 1"/>
+          <p:cNvPicPr>
+            <a:picLocks noChangeAspect="1"/>
+          </p:cNvPicPr>
+          <p:nvPr/>
+        </p:nvPicPr>
+        <p:blipFill>
+          <a:blip r:embed="rId3">
+            <a:extLst>
+              <a:ext uri="{28A0092B-C50C-407E-A947-70E740481C1C}">
+                <a14:useLocalDpi xmlns:a14="http://schemas.microsoft.com/office/drawing/2010/main" val="0"/>
+              </a:ext>
+            </a:extLst>
+          </a:blip>
+          <a:stretch>
+            <a:fillRect/>
+          </a:stretch>
+        </p:blipFill>
+        <p:spPr>
+          <a:xfrm>
+            <a:off x="1041664" y="1095341"/>
+            <a:ext cx="2264675" cy="1983831"/>
+          </a:xfrm>
+          <a:prstGeom prst="rect">
+            <a:avLst/>
+          </a:prstGeom>
+        </p:spPr>
+      </p:pic>
+      <p:sp>
+        <p:nvSpPr>
+          <p:cNvPr id="12" name="ZoneTexte 11"/>
+          <p:cNvSpPr txBox="1"/>
+          <p:nvPr/>
+        </p:nvSpPr>
+        <p:spPr>
+          <a:xfrm>
+            <a:off x="3400808" y="1463925"/>
+            <a:ext cx="7288922" cy="1754326"/>
+          </a:xfrm>
+          <a:prstGeom prst="rect">
+            <a:avLst/>
+          </a:prstGeom>
+          <a:noFill/>
+        </p:spPr>
+        <p:txBody>
+          <a:bodyPr wrap="square" rtlCol="0">
+            <a:spAutoFit/>
+          </a:bodyPr>
+          <a:lstStyle/>
+          <a:p>
+            <a:r>
+              <a:rPr lang="fr-FR" sz="3600" dirty="0">
+                <a:solidFill>
+                  <a:schemeClr val="tx2"/>
+                </a:solidFill>
+                <a:latin typeface="Lato Light"/>
+                <a:cs typeface="Lato Light"/>
+              </a:rPr>
+              <a:t>Objectif atelier : Faire un second constat de la résilience de notre applicatif</a:t>
+            </a:r>
+          </a:p>
+        </p:txBody>
+      </p:sp>
+      <p:pic>
+        <p:nvPicPr>
+          <p:cNvPr id="3" name="Image 2"/>
+          <p:cNvPicPr>
+            <a:picLocks noChangeAspect="1"/>
+          </p:cNvPicPr>
+          <p:nvPr/>
+        </p:nvPicPr>
+        <p:blipFill rotWithShape="1">
+          <a:blip r:embed="rId4">
+            <a:extLst>
+              <a:ext uri="{28A0092B-C50C-407E-A947-70E740481C1C}">
+                <a14:useLocalDpi xmlns:a14="http://schemas.microsoft.com/office/drawing/2010/main" val="0"/>
+              </a:ext>
+            </a:extLst>
+          </a:blip>
+          <a:srcRect l="35785" t="16772" r="32611" b="42316"/>
+          <a:stretch/>
+        </p:blipFill>
+        <p:spPr>
+          <a:xfrm>
+            <a:off x="1839154" y="3568325"/>
+            <a:ext cx="1467185" cy="1899301"/>
+          </a:xfrm>
+          <a:prstGeom prst="rect">
+            <a:avLst/>
+          </a:prstGeom>
+        </p:spPr>
+      </p:pic>
+      <p:sp>
+        <p:nvSpPr>
+          <p:cNvPr id="13" name="ZoneTexte 12"/>
+          <p:cNvSpPr txBox="1"/>
+          <p:nvPr/>
+        </p:nvSpPr>
+        <p:spPr>
+          <a:xfrm>
+            <a:off x="3696853" y="3378214"/>
+            <a:ext cx="6992877" cy="1754326"/>
+          </a:xfrm>
+          <a:prstGeom prst="rect">
+            <a:avLst/>
+          </a:prstGeom>
+          <a:noFill/>
+        </p:spPr>
+        <p:txBody>
+          <a:bodyPr wrap="square" rtlCol="0">
+            <a:spAutoFit/>
+          </a:bodyPr>
+          <a:lstStyle/>
+          <a:p>
+            <a:r>
+              <a:rPr lang="fr-FR" sz="3600" b="1" dirty="0">
+                <a:solidFill>
+                  <a:schemeClr val="tx2"/>
+                </a:solidFill>
+                <a:latin typeface="Lato Light"/>
+                <a:cs typeface="Lato Light"/>
+              </a:rPr>
+              <a:t>Aller plus loin : </a:t>
+            </a:r>
+            <a:endParaRPr lang="fr-FR" sz="3600" dirty="0">
+              <a:solidFill>
+                <a:schemeClr val="tx2"/>
+              </a:solidFill>
+              <a:latin typeface="Lato Light"/>
+              <a:cs typeface="Lato Light"/>
+            </a:endParaRPr>
+          </a:p>
+          <a:p>
+            <a:pPr marL="571500" indent="-571500">
+              <a:buFontTx/>
+              <a:buChar char="-"/>
+            </a:pPr>
+            <a:r>
+              <a:rPr lang="fr-FR" sz="3600" dirty="0" err="1">
+                <a:solidFill>
+                  <a:schemeClr val="tx2"/>
+                </a:solidFill>
+                <a:latin typeface="Lato Light"/>
+                <a:cs typeface="Lato Light"/>
+              </a:rPr>
+              <a:t>Tunning</a:t>
+            </a:r>
+            <a:r>
+              <a:rPr lang="fr-FR" sz="3600" dirty="0">
+                <a:solidFill>
+                  <a:schemeClr val="tx2"/>
+                </a:solidFill>
+                <a:latin typeface="Lato Light"/>
+                <a:cs typeface="Lato Light"/>
+              </a:rPr>
+              <a:t> des </a:t>
+            </a:r>
+            <a:r>
+              <a:rPr lang="fr-FR" sz="3600" dirty="0" err="1">
+                <a:solidFill>
+                  <a:schemeClr val="tx2"/>
+                </a:solidFill>
+                <a:latin typeface="Lato Light"/>
+                <a:cs typeface="Lato Light"/>
+              </a:rPr>
+              <a:t>yaml</a:t>
+            </a:r>
+            <a:r>
+              <a:rPr lang="fr-FR" sz="3600" dirty="0">
+                <a:solidFill>
+                  <a:schemeClr val="tx2"/>
+                </a:solidFill>
+                <a:latin typeface="Lato Light"/>
+                <a:cs typeface="Lato Light"/>
+              </a:rPr>
+              <a:t> </a:t>
+            </a:r>
+            <a:r>
+              <a:rPr lang="fr-FR" sz="3600" dirty="0" err="1">
+                <a:solidFill>
+                  <a:schemeClr val="tx2"/>
+                </a:solidFill>
+                <a:latin typeface="Lato Light"/>
+                <a:cs typeface="Lato Light"/>
+              </a:rPr>
+              <a:t>kubernetes</a:t>
+            </a:r>
+            <a:endParaRPr lang="fr-FR" sz="3600" dirty="0">
+              <a:solidFill>
+                <a:schemeClr val="tx2"/>
+              </a:solidFill>
+              <a:latin typeface="Lato Light"/>
+              <a:cs typeface="Lato Light"/>
+            </a:endParaRPr>
+          </a:p>
+          <a:p>
+            <a:pPr marL="571500" indent="-571500">
+              <a:buFontTx/>
+              <a:buChar char="-"/>
+            </a:pPr>
+            <a:r>
+              <a:rPr lang="fr-FR" sz="3600" dirty="0">
+                <a:solidFill>
+                  <a:schemeClr val="tx2"/>
+                </a:solidFill>
+                <a:latin typeface="Lato Light"/>
+                <a:cs typeface="Lato Light"/>
+              </a:rPr>
+              <a:t>Outils de supervision avancés</a:t>
+            </a:r>
+          </a:p>
+        </p:txBody>
+      </p:sp>
+    </p:spTree>
+    <p:extLst>
+      <p:ext uri="{BB962C8B-B14F-4D97-AF65-F5344CB8AC3E}">
+        <p14:creationId xmlns:p14="http://schemas.microsoft.com/office/powerpoint/2010/main" val="3793324874"/>
+      </p:ext>
+    </p:extLst>
+  </p:cSld>
+  <p:clrMapOvr>
+    <a:masterClrMapping/>
+  </p:clrMapOvr>
+</p:sld>
+</file>
+
+<file path=ppt/slides/slide33.xml><?xml version="1.0" encoding="utf-8"?>
+<p:sld xmlns:a="http://schemas.openxmlformats.org/drawingml/2006/main" xmlns:r="http://schemas.openxmlformats.org/officeDocument/2006/relationships" xmlns:p="http://schemas.openxmlformats.org/presentationml/2006/main">
+  <p:cSld>
+    <p:spTree>
+      <p:nvGrpSpPr>
+        <p:cNvPr id="1" name=""/>
+        <p:cNvGrpSpPr/>
+        <p:nvPr/>
+      </p:nvGrpSpPr>
+      <p:grpSpPr>
+        <a:xfrm>
+          <a:off x="0" y="0"/>
+          <a:ext cx="0" cy="0"/>
+          <a:chOff x="0" y="0"/>
+          <a:chExt cx="0" cy="0"/>
+        </a:xfrm>
+      </p:grpSpPr>
+      <p:grpSp>
+        <p:nvGrpSpPr>
           <p:cNvPr id="12" name="Groupe 11"/>
           <p:cNvGrpSpPr/>
           <p:nvPr/>
@@ -23240,7 +25291,7 @@
 </p:sld>
 </file>
 
-<file path=ppt/slides/slide31.xml><?xml version="1.0" encoding="utf-8"?>
+<file path=ppt/slides/slide34.xml><?xml version="1.0" encoding="utf-8"?>
 <p:sld xmlns:a="http://schemas.openxmlformats.org/drawingml/2006/main" xmlns:r="http://schemas.openxmlformats.org/officeDocument/2006/relationships" xmlns:p="http://schemas.openxmlformats.org/presentationml/2006/main">
   <p:cSld>
     <p:spTree>
@@ -23456,7 +25507,7 @@
 </p:sld>
 </file>
 
-<file path=ppt/slides/slide32.xml><?xml version="1.0" encoding="utf-8"?>
+<file path=ppt/slides/slide35.xml><?xml version="1.0" encoding="utf-8"?>
 <p:sld xmlns:a="http://schemas.openxmlformats.org/drawingml/2006/main" xmlns:r="http://schemas.openxmlformats.org/officeDocument/2006/relationships" xmlns:p="http://schemas.openxmlformats.org/presentationml/2006/main">
   <p:cSld>
     <p:spTree>
@@ -23618,7 +25669,7 @@
 </p:sld>
 </file>
 
-<file path=ppt/slides/slide33.xml><?xml version="1.0" encoding="utf-8"?>
+<file path=ppt/slides/slide36.xml><?xml version="1.0" encoding="utf-8"?>
 <p:sld xmlns:a="http://schemas.openxmlformats.org/drawingml/2006/main" xmlns:r="http://schemas.openxmlformats.org/officeDocument/2006/relationships" xmlns:p="http://schemas.openxmlformats.org/presentationml/2006/main">
   <p:cSld>
     <p:spTree>
